--- a/praesentation/Projektpräsentation.pptx
+++ b/praesentation/Projektpräsentation.pptx
@@ -11,6 +11,16 @@
     <p:sldId id="259" r:id="rId5"/>
     <p:sldId id="260" r:id="rId6"/>
     <p:sldId id="261" r:id="rId7"/>
+    <p:sldId id="262" r:id="rId8"/>
+    <p:sldId id="263" r:id="rId9"/>
+    <p:sldId id="264" r:id="rId10"/>
+    <p:sldId id="265" r:id="rId11"/>
+    <p:sldId id="266" r:id="rId12"/>
+    <p:sldId id="267" r:id="rId13"/>
+    <p:sldId id="268" r:id="rId14"/>
+    <p:sldId id="269" r:id="rId15"/>
+    <p:sldId id="270" r:id="rId16"/>
+    <p:sldId id="271" r:id="rId17"/>
   </p:sldIdLst>
   <p:sldSz cx="9144000" cy="6858000" type="screen4x3"/>
   <p:notesSz cx="6858000" cy="9144000"/>
@@ -3113,6 +3123,829 @@
 </p:sld>
 </file>
 
+<file path=ppt/slides/slide10.xml><?xml version="1.0" encoding="utf-8"?>
+<p:sld xmlns:a="http://schemas.openxmlformats.org/drawingml/2006/main" xmlns:r="http://schemas.openxmlformats.org/officeDocument/2006/relationships" xmlns:p="http://schemas.openxmlformats.org/presentationml/2006/main">
+  <p:cSld>
+    <p:spTree>
+      <p:nvGrpSpPr>
+        <p:cNvPr id="1" name=""/>
+        <p:cNvGrpSpPr/>
+        <p:nvPr/>
+      </p:nvGrpSpPr>
+      <p:grpSpPr>
+        <a:xfrm>
+          <a:off x="0" y="0"/>
+          <a:ext cx="0" cy="0"/>
+          <a:chOff x="0" y="0"/>
+          <a:chExt cx="0" cy="0"/>
+        </a:xfrm>
+      </p:grpSpPr>
+      <p:sp>
+        <p:nvSpPr>
+          <p:cNvPr id="2" name="Titel 1"/>
+          <p:cNvSpPr>
+            <a:spLocks noGrp="1"/>
+          </p:cNvSpPr>
+          <p:nvPr>
+            <p:ph type="title"/>
+          </p:nvPr>
+        </p:nvSpPr>
+        <p:spPr/>
+        <p:txBody>
+          <a:bodyPr/>
+          <a:lstStyle/>
+          <a:p>
+            <a:r>
+              <a:rPr lang="de-DE" dirty="0" smtClean="0"/>
+              <a:t>Sequenzdiagramm</a:t>
+            </a:r>
+            <a:endParaRPr lang="de-DE" dirty="0"/>
+          </a:p>
+        </p:txBody>
+      </p:sp>
+      <p:sp>
+        <p:nvSpPr>
+          <p:cNvPr id="3" name="Inhaltsplatzhalter 2"/>
+          <p:cNvSpPr>
+            <a:spLocks noGrp="1"/>
+          </p:cNvSpPr>
+          <p:nvPr>
+            <p:ph idx="1"/>
+          </p:nvPr>
+        </p:nvSpPr>
+        <p:spPr/>
+        <p:txBody>
+          <a:bodyPr/>
+          <a:lstStyle/>
+          <a:p>
+            <a:endParaRPr lang="de-DE"/>
+          </a:p>
+        </p:txBody>
+      </p:sp>
+    </p:spTree>
+  </p:cSld>
+  <p:clrMapOvr>
+    <a:masterClrMapping/>
+  </p:clrMapOvr>
+</p:sld>
+</file>
+
+<file path=ppt/slides/slide11.xml><?xml version="1.0" encoding="utf-8"?>
+<p:sld xmlns:a="http://schemas.openxmlformats.org/drawingml/2006/main" xmlns:r="http://schemas.openxmlformats.org/officeDocument/2006/relationships" xmlns:p="http://schemas.openxmlformats.org/presentationml/2006/main">
+  <p:cSld>
+    <p:spTree>
+      <p:nvGrpSpPr>
+        <p:cNvPr id="1" name=""/>
+        <p:cNvGrpSpPr/>
+        <p:nvPr/>
+      </p:nvGrpSpPr>
+      <p:grpSpPr>
+        <a:xfrm>
+          <a:off x="0" y="0"/>
+          <a:ext cx="0" cy="0"/>
+          <a:chOff x="0" y="0"/>
+          <a:chExt cx="0" cy="0"/>
+        </a:xfrm>
+      </p:grpSpPr>
+      <p:sp>
+        <p:nvSpPr>
+          <p:cNvPr id="2" name="Titel 1"/>
+          <p:cNvSpPr>
+            <a:spLocks noGrp="1"/>
+          </p:cNvSpPr>
+          <p:nvPr>
+            <p:ph type="title"/>
+          </p:nvPr>
+        </p:nvSpPr>
+        <p:spPr/>
+        <p:txBody>
+          <a:bodyPr/>
+          <a:lstStyle/>
+          <a:p>
+            <a:r>
+              <a:rPr lang="de-DE" dirty="0" smtClean="0"/>
+              <a:t>Realisierung</a:t>
+            </a:r>
+            <a:endParaRPr lang="de-DE" dirty="0"/>
+          </a:p>
+        </p:txBody>
+      </p:sp>
+      <p:sp>
+        <p:nvSpPr>
+          <p:cNvPr id="3" name="Inhaltsplatzhalter 2"/>
+          <p:cNvSpPr>
+            <a:spLocks noGrp="1"/>
+          </p:cNvSpPr>
+          <p:nvPr>
+            <p:ph idx="1"/>
+          </p:nvPr>
+        </p:nvSpPr>
+        <p:spPr/>
+        <p:txBody>
+          <a:bodyPr>
+            <a:normAutofit fontScale="92500"/>
+          </a:bodyPr>
+          <a:lstStyle/>
+          <a:p>
+            <a:r>
+              <a:rPr lang="de-DE" dirty="0" smtClean="0"/>
+              <a:t>Lokale Entwicklung mit </a:t>
+            </a:r>
+            <a:r>
+              <a:rPr lang="de-DE" dirty="0" err="1" smtClean="0"/>
+              <a:t>Netbeans</a:t>
+            </a:r>
+            <a:r>
+              <a:rPr lang="de-DE" dirty="0" smtClean="0"/>
+              <a:t> DIE</a:t>
+            </a:r>
+          </a:p>
+          <a:p>
+            <a:r>
+              <a:rPr lang="de-DE" dirty="0" smtClean="0"/>
+              <a:t>Implementierung der Modelle</a:t>
+            </a:r>
+          </a:p>
+          <a:p>
+            <a:r>
+              <a:rPr lang="de-DE" dirty="0" smtClean="0"/>
+              <a:t>Nutzung von </a:t>
+            </a:r>
+            <a:r>
+              <a:rPr lang="de-DE" dirty="0" err="1" smtClean="0"/>
+              <a:t>Doctrine</a:t>
+            </a:r>
+            <a:r>
+              <a:rPr lang="de-DE" dirty="0" smtClean="0"/>
+              <a:t> ORM – </a:t>
+            </a:r>
+            <a:r>
+              <a:rPr lang="de-DE" dirty="0" err="1" smtClean="0"/>
+              <a:t>Annotations</a:t>
+            </a:r>
+            <a:endParaRPr lang="de-DE" dirty="0" smtClean="0"/>
+          </a:p>
+          <a:p>
+            <a:r>
+              <a:rPr lang="de-DE" dirty="0" smtClean="0"/>
+              <a:t>Automatische Generierung DDL – Datenbank</a:t>
+            </a:r>
+          </a:p>
+          <a:p>
+            <a:r>
+              <a:rPr lang="de-DE" dirty="0" smtClean="0"/>
+              <a:t>Definition JSON DTO</a:t>
+            </a:r>
+          </a:p>
+          <a:p>
+            <a:r>
+              <a:rPr lang="de-DE" dirty="0" smtClean="0"/>
+              <a:t>Implementierung der Controller</a:t>
+            </a:r>
+          </a:p>
+          <a:p>
+            <a:r>
+              <a:rPr lang="de-DE" dirty="0" smtClean="0"/>
+              <a:t>Zuordnung eines Controllers zu einem </a:t>
+            </a:r>
+            <a:r>
+              <a:rPr lang="de-DE" dirty="0" err="1" smtClean="0"/>
+              <a:t>Endpoint</a:t>
+            </a:r>
+            <a:endParaRPr lang="de-DE" dirty="0" smtClean="0"/>
+          </a:p>
+          <a:p>
+            <a:r>
+              <a:rPr lang="de-DE" dirty="0" smtClean="0"/>
+              <a:t>Implementierung der Testdaten</a:t>
+            </a:r>
+            <a:endParaRPr lang="de-DE" dirty="0"/>
+          </a:p>
+        </p:txBody>
+      </p:sp>
+    </p:spTree>
+  </p:cSld>
+  <p:clrMapOvr>
+    <a:masterClrMapping/>
+  </p:clrMapOvr>
+</p:sld>
+</file>
+
+<file path=ppt/slides/slide12.xml><?xml version="1.0" encoding="utf-8"?>
+<p:sld xmlns:a="http://schemas.openxmlformats.org/drawingml/2006/main" xmlns:r="http://schemas.openxmlformats.org/officeDocument/2006/relationships" xmlns:p="http://schemas.openxmlformats.org/presentationml/2006/main">
+  <p:cSld>
+    <p:spTree>
+      <p:nvGrpSpPr>
+        <p:cNvPr id="1" name=""/>
+        <p:cNvGrpSpPr/>
+        <p:nvPr/>
+      </p:nvGrpSpPr>
+      <p:grpSpPr>
+        <a:xfrm>
+          <a:off x="0" y="0"/>
+          <a:ext cx="0" cy="0"/>
+          <a:chOff x="0" y="0"/>
+          <a:chExt cx="0" cy="0"/>
+        </a:xfrm>
+      </p:grpSpPr>
+      <p:sp>
+        <p:nvSpPr>
+          <p:cNvPr id="2" name="Titel 1"/>
+          <p:cNvSpPr>
+            <a:spLocks noGrp="1"/>
+          </p:cNvSpPr>
+          <p:nvPr>
+            <p:ph type="title"/>
+          </p:nvPr>
+        </p:nvSpPr>
+        <p:spPr/>
+        <p:txBody>
+          <a:bodyPr/>
+          <a:lstStyle/>
+          <a:p>
+            <a:r>
+              <a:rPr lang="de-DE" dirty="0" smtClean="0"/>
+              <a:t>QM</a:t>
+            </a:r>
+            <a:endParaRPr lang="de-DE" dirty="0"/>
+          </a:p>
+        </p:txBody>
+      </p:sp>
+      <p:sp>
+        <p:nvSpPr>
+          <p:cNvPr id="3" name="Inhaltsplatzhalter 2"/>
+          <p:cNvSpPr>
+            <a:spLocks noGrp="1"/>
+          </p:cNvSpPr>
+          <p:nvPr>
+            <p:ph idx="1"/>
+          </p:nvPr>
+        </p:nvSpPr>
+        <p:spPr/>
+        <p:txBody>
+          <a:bodyPr/>
+          <a:lstStyle/>
+          <a:p>
+            <a:r>
+              <a:rPr lang="de-DE" dirty="0" smtClean="0"/>
+              <a:t>Manuelles Testen mit Postman</a:t>
+            </a:r>
+          </a:p>
+          <a:p>
+            <a:r>
+              <a:rPr lang="de-DE" dirty="0" smtClean="0"/>
+              <a:t>Validierung : JSON-Schema.org</a:t>
+            </a:r>
+          </a:p>
+          <a:p>
+            <a:r>
+              <a:rPr lang="de-DE" dirty="0" smtClean="0"/>
+              <a:t>Codereview durch Mitarbeiter</a:t>
+            </a:r>
+            <a:endParaRPr lang="de-DE" dirty="0"/>
+          </a:p>
+        </p:txBody>
+      </p:sp>
+    </p:spTree>
+  </p:cSld>
+  <p:clrMapOvr>
+    <a:masterClrMapping/>
+  </p:clrMapOvr>
+</p:sld>
+</file>
+
+<file path=ppt/slides/slide13.xml><?xml version="1.0" encoding="utf-8"?>
+<p:sld xmlns:a="http://schemas.openxmlformats.org/drawingml/2006/main" xmlns:r="http://schemas.openxmlformats.org/officeDocument/2006/relationships" xmlns:p="http://schemas.openxmlformats.org/presentationml/2006/main">
+  <p:cSld>
+    <p:spTree>
+      <p:nvGrpSpPr>
+        <p:cNvPr id="1" name=""/>
+        <p:cNvGrpSpPr/>
+        <p:nvPr/>
+      </p:nvGrpSpPr>
+      <p:grpSpPr>
+        <a:xfrm>
+          <a:off x="0" y="0"/>
+          <a:ext cx="0" cy="0"/>
+          <a:chOff x="0" y="0"/>
+          <a:chExt cx="0" cy="0"/>
+        </a:xfrm>
+      </p:grpSpPr>
+      <p:sp>
+        <p:nvSpPr>
+          <p:cNvPr id="2" name="Titel 1"/>
+          <p:cNvSpPr>
+            <a:spLocks noGrp="1"/>
+          </p:cNvSpPr>
+          <p:nvPr>
+            <p:ph type="title"/>
+          </p:nvPr>
+        </p:nvSpPr>
+        <p:spPr/>
+        <p:txBody>
+          <a:bodyPr/>
+          <a:lstStyle/>
+          <a:p>
+            <a:r>
+              <a:rPr lang="de-DE" dirty="0" smtClean="0"/>
+              <a:t>Inbetriebnahme</a:t>
+            </a:r>
+            <a:endParaRPr lang="de-DE" dirty="0"/>
+          </a:p>
+        </p:txBody>
+      </p:sp>
+      <p:sp>
+        <p:nvSpPr>
+          <p:cNvPr id="3" name="Inhaltsplatzhalter 2"/>
+          <p:cNvSpPr>
+            <a:spLocks noGrp="1"/>
+          </p:cNvSpPr>
+          <p:nvPr>
+            <p:ph idx="1"/>
+          </p:nvPr>
+        </p:nvSpPr>
+        <p:spPr/>
+        <p:txBody>
+          <a:bodyPr/>
+          <a:lstStyle/>
+          <a:p>
+            <a:r>
+              <a:rPr lang="de-DE" dirty="0" smtClean="0"/>
+              <a:t>Server wird extern beherbergt</a:t>
+            </a:r>
+          </a:p>
+          <a:p>
+            <a:r>
+              <a:rPr lang="de-DE" dirty="0" err="1" smtClean="0"/>
+              <a:t>Git</a:t>
+            </a:r>
+            <a:r>
+              <a:rPr lang="de-DE" dirty="0" smtClean="0"/>
+              <a:t> als Versionsverwaltungssystem</a:t>
+            </a:r>
+          </a:p>
+          <a:p>
+            <a:r>
+              <a:rPr lang="de-DE" dirty="0" smtClean="0"/>
+              <a:t>Hochladen mittels Push – Operation</a:t>
+            </a:r>
+          </a:p>
+          <a:p>
+            <a:r>
+              <a:rPr lang="de-DE" dirty="0" smtClean="0"/>
+              <a:t>Konfiguration der Datenbankverbindung</a:t>
+            </a:r>
+            <a:endParaRPr lang="de-DE" dirty="0"/>
+          </a:p>
+        </p:txBody>
+      </p:sp>
+    </p:spTree>
+  </p:cSld>
+  <p:clrMapOvr>
+    <a:masterClrMapping/>
+  </p:clrMapOvr>
+</p:sld>
+</file>
+
+<file path=ppt/slides/slide14.xml><?xml version="1.0" encoding="utf-8"?>
+<p:sld xmlns:a="http://schemas.openxmlformats.org/drawingml/2006/main" xmlns:r="http://schemas.openxmlformats.org/officeDocument/2006/relationships" xmlns:p="http://schemas.openxmlformats.org/presentationml/2006/main">
+  <p:cSld>
+    <p:spTree>
+      <p:nvGrpSpPr>
+        <p:cNvPr id="1" name=""/>
+        <p:cNvGrpSpPr/>
+        <p:nvPr/>
+      </p:nvGrpSpPr>
+      <p:grpSpPr>
+        <a:xfrm>
+          <a:off x="0" y="0"/>
+          <a:ext cx="0" cy="0"/>
+          <a:chOff x="0" y="0"/>
+          <a:chExt cx="0" cy="0"/>
+        </a:xfrm>
+      </p:grpSpPr>
+      <p:sp>
+        <p:nvSpPr>
+          <p:cNvPr id="2" name="Titel 1"/>
+          <p:cNvSpPr>
+            <a:spLocks noGrp="1"/>
+          </p:cNvSpPr>
+          <p:nvPr>
+            <p:ph type="title"/>
+          </p:nvPr>
+        </p:nvSpPr>
+        <p:spPr/>
+        <p:txBody>
+          <a:bodyPr/>
+          <a:lstStyle/>
+          <a:p>
+            <a:r>
+              <a:rPr lang="de-DE" dirty="0" smtClean="0"/>
+              <a:t>Soll – Ist -Vergleich</a:t>
+            </a:r>
+            <a:endParaRPr lang="de-DE" dirty="0"/>
+          </a:p>
+        </p:txBody>
+      </p:sp>
+      <p:graphicFrame>
+        <p:nvGraphicFramePr>
+          <p:cNvPr id="4" name="Inhaltsplatzhalter 3"/>
+          <p:cNvGraphicFramePr>
+            <a:graphicFrameLocks noGrp="1"/>
+          </p:cNvGraphicFramePr>
+          <p:nvPr>
+            <p:ph idx="1"/>
+          </p:nvPr>
+        </p:nvGraphicFramePr>
+        <p:xfrm>
+          <a:off x="457200" y="1600200"/>
+          <a:ext cx="8229600" cy="2966720"/>
+        </p:xfrm>
+        <a:graphic>
+          <a:graphicData uri="http://schemas.openxmlformats.org/drawingml/2006/table">
+            <a:tbl>
+              <a:tblPr firstRow="1" bandRow="1">
+                <a:tableStyleId>{5C22544A-7EE6-4342-B048-85BDC9FD1C3A}</a:tableStyleId>
+              </a:tblPr>
+              <a:tblGrid>
+                <a:gridCol w="4114800"/>
+                <a:gridCol w="4114800"/>
+              </a:tblGrid>
+              <a:tr h="370840">
+                <a:tc>
+                  <a:txBody>
+                    <a:bodyPr/>
+                    <a:lstStyle/>
+                    <a:p>
+                      <a:r>
+                        <a:rPr lang="de-DE" dirty="0" smtClean="0"/>
+                        <a:t>Differenz Projektantrag - Projekt</a:t>
+                      </a:r>
+                      <a:endParaRPr lang="de-DE" dirty="0"/>
+                    </a:p>
+                  </a:txBody>
+                  <a:tcPr/>
+                </a:tc>
+                <a:tc>
+                  <a:txBody>
+                    <a:bodyPr/>
+                    <a:lstStyle/>
+                    <a:p>
+                      <a:r>
+                        <a:rPr lang="de-DE" dirty="0" smtClean="0"/>
+                        <a:t>Differenz Planung - Umsetzung</a:t>
+                      </a:r>
+                      <a:endParaRPr lang="de-DE" dirty="0"/>
+                    </a:p>
+                  </a:txBody>
+                  <a:tcPr/>
+                </a:tc>
+              </a:tr>
+              <a:tr h="370840">
+                <a:tc>
+                  <a:txBody>
+                    <a:bodyPr/>
+                    <a:lstStyle/>
+                    <a:p>
+                      <a:r>
+                        <a:rPr lang="de-DE" dirty="0" smtClean="0"/>
+                        <a:t>Modelle</a:t>
+                      </a:r>
+                      <a:r>
+                        <a:rPr lang="de-DE" baseline="0" dirty="0" smtClean="0"/>
+                        <a:t> : -7h</a:t>
+                      </a:r>
+                    </a:p>
+                  </a:txBody>
+                  <a:tcPr/>
+                </a:tc>
+                <a:tc>
+                  <a:txBody>
+                    <a:bodyPr/>
+                    <a:lstStyle/>
+                    <a:p>
+                      <a:r>
+                        <a:rPr lang="de-DE" dirty="0" smtClean="0"/>
+                        <a:t>Modelle</a:t>
+                      </a:r>
+                      <a:r>
+                        <a:rPr lang="de-DE" baseline="0" dirty="0" smtClean="0"/>
+                        <a:t> : -1h</a:t>
+                      </a:r>
+                      <a:endParaRPr lang="de-DE" dirty="0"/>
+                    </a:p>
+                  </a:txBody>
+                  <a:tcPr/>
+                </a:tc>
+              </a:tr>
+              <a:tr h="370840">
+                <a:tc>
+                  <a:txBody>
+                    <a:bodyPr/>
+                    <a:lstStyle/>
+                    <a:p>
+                      <a:r>
+                        <a:rPr lang="de-DE" dirty="0" err="1" smtClean="0"/>
+                        <a:t>Fixtures</a:t>
+                      </a:r>
+                      <a:r>
+                        <a:rPr lang="de-DE" baseline="0" dirty="0" smtClean="0"/>
+                        <a:t> : +7h</a:t>
+                      </a:r>
+                      <a:endParaRPr lang="de-DE" dirty="0"/>
+                    </a:p>
+                  </a:txBody>
+                  <a:tcPr/>
+                </a:tc>
+                <a:tc>
+                  <a:txBody>
+                    <a:bodyPr/>
+                    <a:lstStyle/>
+                    <a:p>
+                      <a:r>
+                        <a:rPr lang="de-DE" dirty="0" smtClean="0"/>
+                        <a:t>Doku : +2h</a:t>
+                      </a:r>
+                      <a:endParaRPr lang="de-DE" dirty="0"/>
+                    </a:p>
+                  </a:txBody>
+                  <a:tcPr/>
+                </a:tc>
+              </a:tr>
+              <a:tr h="370840">
+                <a:tc>
+                  <a:txBody>
+                    <a:bodyPr/>
+                    <a:lstStyle/>
+                    <a:p>
+                      <a:r>
+                        <a:rPr lang="de-DE" dirty="0" smtClean="0"/>
+                        <a:t>Manuelle-</a:t>
+                      </a:r>
+                      <a:r>
+                        <a:rPr lang="de-DE" baseline="0" dirty="0" smtClean="0"/>
+                        <a:t> statt Modultests </a:t>
+                      </a:r>
+                      <a:endParaRPr lang="de-DE" dirty="0"/>
+                    </a:p>
+                  </a:txBody>
+                  <a:tcPr/>
+                </a:tc>
+                <a:tc>
+                  <a:txBody>
+                    <a:bodyPr/>
+                    <a:lstStyle/>
+                    <a:p>
+                      <a:endParaRPr lang="de-DE"/>
+                    </a:p>
+                  </a:txBody>
+                  <a:tcPr/>
+                </a:tc>
+              </a:tr>
+              <a:tr h="370840">
+                <a:tc>
+                  <a:txBody>
+                    <a:bodyPr/>
+                    <a:lstStyle/>
+                    <a:p>
+                      <a:endParaRPr lang="de-DE"/>
+                    </a:p>
+                  </a:txBody>
+                  <a:tcPr/>
+                </a:tc>
+                <a:tc>
+                  <a:txBody>
+                    <a:bodyPr/>
+                    <a:lstStyle/>
+                    <a:p>
+                      <a:endParaRPr lang="de-DE"/>
+                    </a:p>
+                  </a:txBody>
+                  <a:tcPr/>
+                </a:tc>
+              </a:tr>
+              <a:tr h="370840">
+                <a:tc>
+                  <a:txBody>
+                    <a:bodyPr/>
+                    <a:lstStyle/>
+                    <a:p>
+                      <a:endParaRPr lang="de-DE"/>
+                    </a:p>
+                  </a:txBody>
+                  <a:tcPr/>
+                </a:tc>
+                <a:tc>
+                  <a:txBody>
+                    <a:bodyPr/>
+                    <a:lstStyle/>
+                    <a:p>
+                      <a:endParaRPr lang="de-DE"/>
+                    </a:p>
+                  </a:txBody>
+                  <a:tcPr/>
+                </a:tc>
+              </a:tr>
+              <a:tr h="370840">
+                <a:tc>
+                  <a:txBody>
+                    <a:bodyPr/>
+                    <a:lstStyle/>
+                    <a:p>
+                      <a:endParaRPr lang="de-DE"/>
+                    </a:p>
+                  </a:txBody>
+                  <a:tcPr/>
+                </a:tc>
+                <a:tc>
+                  <a:txBody>
+                    <a:bodyPr/>
+                    <a:lstStyle/>
+                    <a:p>
+                      <a:endParaRPr lang="de-DE"/>
+                    </a:p>
+                  </a:txBody>
+                  <a:tcPr/>
+                </a:tc>
+              </a:tr>
+              <a:tr h="370840">
+                <a:tc>
+                  <a:txBody>
+                    <a:bodyPr/>
+                    <a:lstStyle/>
+                    <a:p>
+                      <a:endParaRPr lang="de-DE"/>
+                    </a:p>
+                  </a:txBody>
+                  <a:tcPr/>
+                </a:tc>
+                <a:tc>
+                  <a:txBody>
+                    <a:bodyPr/>
+                    <a:lstStyle/>
+                    <a:p>
+                      <a:endParaRPr lang="de-DE"/>
+                    </a:p>
+                  </a:txBody>
+                  <a:tcPr/>
+                </a:tc>
+              </a:tr>
+            </a:tbl>
+          </a:graphicData>
+        </a:graphic>
+      </p:graphicFrame>
+    </p:spTree>
+  </p:cSld>
+  <p:clrMapOvr>
+    <a:masterClrMapping/>
+  </p:clrMapOvr>
+</p:sld>
+</file>
+
+<file path=ppt/slides/slide15.xml><?xml version="1.0" encoding="utf-8"?>
+<p:sld xmlns:a="http://schemas.openxmlformats.org/drawingml/2006/main" xmlns:r="http://schemas.openxmlformats.org/officeDocument/2006/relationships" xmlns:p="http://schemas.openxmlformats.org/presentationml/2006/main">
+  <p:cSld>
+    <p:spTree>
+      <p:nvGrpSpPr>
+        <p:cNvPr id="1" name=""/>
+        <p:cNvGrpSpPr/>
+        <p:nvPr/>
+      </p:nvGrpSpPr>
+      <p:grpSpPr>
+        <a:xfrm>
+          <a:off x="0" y="0"/>
+          <a:ext cx="0" cy="0"/>
+          <a:chOff x="0" y="0"/>
+          <a:chExt cx="0" cy="0"/>
+        </a:xfrm>
+      </p:grpSpPr>
+      <p:sp>
+        <p:nvSpPr>
+          <p:cNvPr id="2" name="Titel 1"/>
+          <p:cNvSpPr>
+            <a:spLocks noGrp="1"/>
+          </p:cNvSpPr>
+          <p:nvPr>
+            <p:ph type="title"/>
+          </p:nvPr>
+        </p:nvSpPr>
+        <p:spPr/>
+        <p:txBody>
+          <a:bodyPr/>
+          <a:lstStyle/>
+          <a:p>
+            <a:r>
+              <a:rPr lang="de-DE" dirty="0" smtClean="0"/>
+              <a:t>Fazit</a:t>
+            </a:r>
+            <a:endParaRPr lang="de-DE" dirty="0"/>
+          </a:p>
+        </p:txBody>
+      </p:sp>
+      <p:sp>
+        <p:nvSpPr>
+          <p:cNvPr id="3" name="Inhaltsplatzhalter 2"/>
+          <p:cNvSpPr>
+            <a:spLocks noGrp="1"/>
+          </p:cNvSpPr>
+          <p:nvPr>
+            <p:ph idx="1"/>
+          </p:nvPr>
+        </p:nvSpPr>
+        <p:spPr/>
+        <p:txBody>
+          <a:bodyPr/>
+          <a:lstStyle/>
+          <a:p>
+            <a:endParaRPr lang="de-DE"/>
+          </a:p>
+        </p:txBody>
+      </p:sp>
+    </p:spTree>
+  </p:cSld>
+  <p:clrMapOvr>
+    <a:masterClrMapping/>
+  </p:clrMapOvr>
+</p:sld>
+</file>
+
+<file path=ppt/slides/slide16.xml><?xml version="1.0" encoding="utf-8"?>
+<p:sld xmlns:a="http://schemas.openxmlformats.org/drawingml/2006/main" xmlns:r="http://schemas.openxmlformats.org/officeDocument/2006/relationships" xmlns:p="http://schemas.openxmlformats.org/presentationml/2006/main">
+  <p:cSld>
+    <p:spTree>
+      <p:nvGrpSpPr>
+        <p:cNvPr id="1" name=""/>
+        <p:cNvGrpSpPr/>
+        <p:nvPr/>
+      </p:nvGrpSpPr>
+      <p:grpSpPr>
+        <a:xfrm>
+          <a:off x="0" y="0"/>
+          <a:ext cx="0" cy="0"/>
+          <a:chOff x="0" y="0"/>
+          <a:chExt cx="0" cy="0"/>
+        </a:xfrm>
+      </p:grpSpPr>
+      <p:sp>
+        <p:nvSpPr>
+          <p:cNvPr id="2" name="Titel 1"/>
+          <p:cNvSpPr>
+            <a:spLocks noGrp="1"/>
+          </p:cNvSpPr>
+          <p:nvPr>
+            <p:ph type="title"/>
+          </p:nvPr>
+        </p:nvSpPr>
+        <p:spPr/>
+        <p:txBody>
+          <a:bodyPr/>
+          <a:lstStyle/>
+          <a:p>
+            <a:r>
+              <a:rPr lang="de-DE" dirty="0" smtClean="0"/>
+              <a:t>Abschluss</a:t>
+            </a:r>
+            <a:endParaRPr lang="de-DE" dirty="0"/>
+          </a:p>
+        </p:txBody>
+      </p:sp>
+      <p:sp>
+        <p:nvSpPr>
+          <p:cNvPr id="3" name="Inhaltsplatzhalter 2"/>
+          <p:cNvSpPr>
+            <a:spLocks noGrp="1"/>
+          </p:cNvSpPr>
+          <p:nvPr>
+            <p:ph idx="1"/>
+          </p:nvPr>
+        </p:nvSpPr>
+        <p:spPr/>
+        <p:txBody>
+          <a:bodyPr/>
+          <a:lstStyle/>
+          <a:p>
+            <a:r>
+              <a:rPr lang="de-DE" dirty="0" smtClean="0"/>
+              <a:t>Vielen Dank für Ihre Aufmerksamkeit </a:t>
+            </a:r>
+            <a:r>
+              <a:rPr lang="de-DE" dirty="0" smtClean="0">
+                <a:sym typeface="Wingdings" pitchFamily="2" charset="2"/>
+              </a:rPr>
+              <a:t></a:t>
+            </a:r>
+            <a:endParaRPr lang="de-DE" dirty="0"/>
+          </a:p>
+        </p:txBody>
+      </p:sp>
+    </p:spTree>
+  </p:cSld>
+  <p:clrMapOvr>
+    <a:masterClrMapping/>
+  </p:clrMapOvr>
+</p:sld>
+</file>
+
 <file path=ppt/slides/slide2.xml><?xml version="1.0" encoding="utf-8"?>
 <p:sld xmlns:a="http://schemas.openxmlformats.org/drawingml/2006/main" xmlns:r="http://schemas.openxmlformats.org/officeDocument/2006/relationships" xmlns:p="http://schemas.openxmlformats.org/presentationml/2006/main">
   <p:cSld>
@@ -3591,15 +4424,250 @@
           <a:p>
             <a:r>
               <a:rPr lang="de-DE" dirty="0" smtClean="0"/>
-              <a:t>Verwendung </a:t>
-            </a:r>
-            <a:r>
-              <a:rPr lang="de-DE" smtClean="0"/>
-              <a:t>Quelloffener Software</a:t>
+              <a:t>Verwendung Quelloffener Software</a:t>
             </a:r>
           </a:p>
           <a:p>
             <a:endParaRPr lang="de-DE" dirty="0"/>
+          </a:p>
+        </p:txBody>
+      </p:sp>
+    </p:spTree>
+  </p:cSld>
+  <p:clrMapOvr>
+    <a:masterClrMapping/>
+  </p:clrMapOvr>
+</p:sld>
+</file>
+
+<file path=ppt/slides/slide7.xml><?xml version="1.0" encoding="utf-8"?>
+<p:sld xmlns:a="http://schemas.openxmlformats.org/drawingml/2006/main" xmlns:r="http://schemas.openxmlformats.org/officeDocument/2006/relationships" xmlns:p="http://schemas.openxmlformats.org/presentationml/2006/main">
+  <p:cSld>
+    <p:spTree>
+      <p:nvGrpSpPr>
+        <p:cNvPr id="1" name=""/>
+        <p:cNvGrpSpPr/>
+        <p:nvPr/>
+      </p:nvGrpSpPr>
+      <p:grpSpPr>
+        <a:xfrm>
+          <a:off x="0" y="0"/>
+          <a:ext cx="0" cy="0"/>
+          <a:chOff x="0" y="0"/>
+          <a:chExt cx="0" cy="0"/>
+        </a:xfrm>
+      </p:grpSpPr>
+      <p:sp>
+        <p:nvSpPr>
+          <p:cNvPr id="2" name="Titel 1"/>
+          <p:cNvSpPr>
+            <a:spLocks noGrp="1"/>
+          </p:cNvSpPr>
+          <p:nvPr>
+            <p:ph type="title"/>
+          </p:nvPr>
+        </p:nvSpPr>
+        <p:spPr/>
+        <p:txBody>
+          <a:bodyPr>
+            <a:normAutofit fontScale="90000"/>
+          </a:bodyPr>
+          <a:lstStyle/>
+          <a:p>
+            <a:r>
+              <a:rPr lang="de-DE" dirty="0" smtClean="0"/>
+              <a:t>Analyse der Entitäten und deren Beziehungen</a:t>
+            </a:r>
+            <a:endParaRPr lang="de-DE" dirty="0"/>
+          </a:p>
+        </p:txBody>
+      </p:sp>
+      <p:sp>
+        <p:nvSpPr>
+          <p:cNvPr id="3" name="Inhaltsplatzhalter 2"/>
+          <p:cNvSpPr>
+            <a:spLocks noGrp="1"/>
+          </p:cNvSpPr>
+          <p:nvPr>
+            <p:ph idx="1"/>
+          </p:nvPr>
+        </p:nvSpPr>
+        <p:spPr/>
+        <p:txBody>
+          <a:bodyPr/>
+          <a:lstStyle/>
+          <a:p>
+            <a:r>
+              <a:rPr lang="de-DE" dirty="0" smtClean="0"/>
+              <a:t>Hotel</a:t>
+            </a:r>
+          </a:p>
+          <a:p>
+            <a:r>
+              <a:rPr lang="de-DE" dirty="0" smtClean="0"/>
+              <a:t>Zimmerkategorie</a:t>
+            </a:r>
+          </a:p>
+          <a:p>
+            <a:r>
+              <a:rPr lang="de-DE" dirty="0" smtClean="0"/>
+              <a:t>Zusatzprodukte</a:t>
+            </a:r>
+          </a:p>
+          <a:p>
+            <a:r>
+              <a:rPr lang="de-DE" dirty="0" smtClean="0"/>
+              <a:t>Preise</a:t>
+            </a:r>
+          </a:p>
+          <a:p>
+            <a:r>
+              <a:rPr lang="de-DE" dirty="0" smtClean="0"/>
+              <a:t>Verfügbarkeiten</a:t>
+            </a:r>
+            <a:endParaRPr lang="de-DE" dirty="0"/>
+          </a:p>
+        </p:txBody>
+      </p:sp>
+    </p:spTree>
+  </p:cSld>
+  <p:clrMapOvr>
+    <a:masterClrMapping/>
+  </p:clrMapOvr>
+</p:sld>
+</file>
+
+<file path=ppt/slides/slide8.xml><?xml version="1.0" encoding="utf-8"?>
+<p:sld xmlns:a="http://schemas.openxmlformats.org/drawingml/2006/main" xmlns:r="http://schemas.openxmlformats.org/officeDocument/2006/relationships" xmlns:p="http://schemas.openxmlformats.org/presentationml/2006/main">
+  <p:cSld>
+    <p:spTree>
+      <p:nvGrpSpPr>
+        <p:cNvPr id="1" name=""/>
+        <p:cNvGrpSpPr/>
+        <p:nvPr/>
+      </p:nvGrpSpPr>
+      <p:grpSpPr>
+        <a:xfrm>
+          <a:off x="0" y="0"/>
+          <a:ext cx="0" cy="0"/>
+          <a:chOff x="0" y="0"/>
+          <a:chExt cx="0" cy="0"/>
+        </a:xfrm>
+      </p:grpSpPr>
+      <p:sp>
+        <p:nvSpPr>
+          <p:cNvPr id="2" name="Titel 1"/>
+          <p:cNvSpPr>
+            <a:spLocks noGrp="1"/>
+          </p:cNvSpPr>
+          <p:nvPr>
+            <p:ph type="title"/>
+          </p:nvPr>
+        </p:nvSpPr>
+        <p:spPr/>
+        <p:txBody>
+          <a:bodyPr/>
+          <a:lstStyle/>
+          <a:p>
+            <a:r>
+              <a:rPr lang="de-DE" dirty="0" smtClean="0"/>
+              <a:t>Analyse des Dialogs</a:t>
+            </a:r>
+            <a:endParaRPr lang="de-DE" dirty="0"/>
+          </a:p>
+        </p:txBody>
+      </p:sp>
+      <p:sp>
+        <p:nvSpPr>
+          <p:cNvPr id="3" name="Inhaltsplatzhalter 2"/>
+          <p:cNvSpPr>
+            <a:spLocks noGrp="1"/>
+          </p:cNvSpPr>
+          <p:nvPr>
+            <p:ph idx="1"/>
+          </p:nvPr>
+        </p:nvSpPr>
+        <p:spPr/>
+        <p:txBody>
+          <a:bodyPr/>
+          <a:lstStyle/>
+          <a:p>
+            <a:r>
+              <a:rPr lang="de-DE" dirty="0" smtClean="0"/>
+              <a:t>1 : </a:t>
+            </a:r>
+            <a:r>
+              <a:rPr lang="de-DE" dirty="0" err="1" smtClean="0"/>
+              <a:t>Apps</a:t>
+            </a:r>
+            <a:endParaRPr lang="de-DE" dirty="0"/>
+          </a:p>
+        </p:txBody>
+      </p:sp>
+    </p:spTree>
+  </p:cSld>
+  <p:clrMapOvr>
+    <a:masterClrMapping/>
+  </p:clrMapOvr>
+</p:sld>
+</file>
+
+<file path=ppt/slides/slide9.xml><?xml version="1.0" encoding="utf-8"?>
+<p:sld xmlns:a="http://schemas.openxmlformats.org/drawingml/2006/main" xmlns:r="http://schemas.openxmlformats.org/officeDocument/2006/relationships" xmlns:p="http://schemas.openxmlformats.org/presentationml/2006/main">
+  <p:cSld>
+    <p:spTree>
+      <p:nvGrpSpPr>
+        <p:cNvPr id="1" name=""/>
+        <p:cNvGrpSpPr/>
+        <p:nvPr/>
+      </p:nvGrpSpPr>
+      <p:grpSpPr>
+        <a:xfrm>
+          <a:off x="0" y="0"/>
+          <a:ext cx="0" cy="0"/>
+          <a:chOff x="0" y="0"/>
+          <a:chExt cx="0" cy="0"/>
+        </a:xfrm>
+      </p:grpSpPr>
+      <p:sp>
+        <p:nvSpPr>
+          <p:cNvPr id="2" name="Titel 1"/>
+          <p:cNvSpPr>
+            <a:spLocks noGrp="1"/>
+          </p:cNvSpPr>
+          <p:nvPr>
+            <p:ph type="title"/>
+          </p:nvPr>
+        </p:nvSpPr>
+        <p:spPr/>
+        <p:txBody>
+          <a:bodyPr/>
+          <a:lstStyle/>
+          <a:p>
+            <a:r>
+              <a:rPr lang="de-DE" dirty="0" smtClean="0"/>
+              <a:t>Klassendiagramm</a:t>
+            </a:r>
+            <a:endParaRPr lang="de-DE" dirty="0"/>
+          </a:p>
+        </p:txBody>
+      </p:sp>
+      <p:sp>
+        <p:nvSpPr>
+          <p:cNvPr id="3" name="Inhaltsplatzhalter 2"/>
+          <p:cNvSpPr>
+            <a:spLocks noGrp="1"/>
+          </p:cNvSpPr>
+          <p:nvPr>
+            <p:ph idx="1"/>
+          </p:nvPr>
+        </p:nvSpPr>
+        <p:spPr/>
+        <p:txBody>
+          <a:bodyPr/>
+          <a:lstStyle/>
+          <a:p>
+            <a:endParaRPr lang="de-DE"/>
           </a:p>
         </p:txBody>
       </p:sp>

--- a/praesentation/Projektpräsentation.pptx
+++ b/praesentation/Projektpräsentation.pptx
@@ -18,7 +18,7 @@
     <p:sldId id="266" r:id="rId12"/>
     <p:sldId id="267" r:id="rId13"/>
     <p:sldId id="268" r:id="rId14"/>
-    <p:sldId id="269" r:id="rId15"/>
+    <p:sldId id="272" r:id="rId15"/>
     <p:sldId id="270" r:id="rId16"/>
     <p:sldId id="271" r:id="rId17"/>
   </p:sldIdLst>
@@ -303,7 +303,8 @@
           <a:p>
             <a:fld id="{5FE66156-7666-46EE-B0CD-966BA12C86BB}" type="datetimeFigureOut">
               <a:rPr lang="de-DE" smtClean="0"/>
-              <a:t>11.07.2016</a:t>
+              <a:pPr/>
+              <a:t>12.07.2016</a:t>
             </a:fld>
             <a:endParaRPr lang="de-DE"/>
           </a:p>
@@ -345,6 +346,7 @@
           <a:p>
             <a:fld id="{F6741669-CF2E-4015-A056-54B33D7C161D}" type="slidenum">
               <a:rPr lang="de-DE" smtClean="0"/>
+              <a:pPr/>
               <a:t>‹Nr.›</a:t>
             </a:fld>
             <a:endParaRPr lang="de-DE"/>
@@ -468,7 +470,8 @@
           <a:p>
             <a:fld id="{5FE66156-7666-46EE-B0CD-966BA12C86BB}" type="datetimeFigureOut">
               <a:rPr lang="de-DE" smtClean="0"/>
-              <a:t>11.07.2016</a:t>
+              <a:pPr/>
+              <a:t>12.07.2016</a:t>
             </a:fld>
             <a:endParaRPr lang="de-DE"/>
           </a:p>
@@ -510,6 +513,7 @@
           <a:p>
             <a:fld id="{F6741669-CF2E-4015-A056-54B33D7C161D}" type="slidenum">
               <a:rPr lang="de-DE" smtClean="0"/>
+              <a:pPr/>
               <a:t>‹Nr.›</a:t>
             </a:fld>
             <a:endParaRPr lang="de-DE"/>
@@ -643,7 +647,8 @@
           <a:p>
             <a:fld id="{5FE66156-7666-46EE-B0CD-966BA12C86BB}" type="datetimeFigureOut">
               <a:rPr lang="de-DE" smtClean="0"/>
-              <a:t>11.07.2016</a:t>
+              <a:pPr/>
+              <a:t>12.07.2016</a:t>
             </a:fld>
             <a:endParaRPr lang="de-DE"/>
           </a:p>
@@ -685,6 +690,7 @@
           <a:p>
             <a:fld id="{F6741669-CF2E-4015-A056-54B33D7C161D}" type="slidenum">
               <a:rPr lang="de-DE" smtClean="0"/>
+              <a:pPr/>
               <a:t>‹Nr.›</a:t>
             </a:fld>
             <a:endParaRPr lang="de-DE"/>
@@ -808,7 +814,8 @@
           <a:p>
             <a:fld id="{5FE66156-7666-46EE-B0CD-966BA12C86BB}" type="datetimeFigureOut">
               <a:rPr lang="de-DE" smtClean="0"/>
-              <a:t>11.07.2016</a:t>
+              <a:pPr/>
+              <a:t>12.07.2016</a:t>
             </a:fld>
             <a:endParaRPr lang="de-DE"/>
           </a:p>
@@ -850,6 +857,7 @@
           <a:p>
             <a:fld id="{F6741669-CF2E-4015-A056-54B33D7C161D}" type="slidenum">
               <a:rPr lang="de-DE" smtClean="0"/>
+              <a:pPr/>
               <a:t>‹Nr.›</a:t>
             </a:fld>
             <a:endParaRPr lang="de-DE"/>
@@ -1049,7 +1057,8 @@
           <a:p>
             <a:fld id="{5FE66156-7666-46EE-B0CD-966BA12C86BB}" type="datetimeFigureOut">
               <a:rPr lang="de-DE" smtClean="0"/>
-              <a:t>11.07.2016</a:t>
+              <a:pPr/>
+              <a:t>12.07.2016</a:t>
             </a:fld>
             <a:endParaRPr lang="de-DE"/>
           </a:p>
@@ -1091,6 +1100,7 @@
           <a:p>
             <a:fld id="{F6741669-CF2E-4015-A056-54B33D7C161D}" type="slidenum">
               <a:rPr lang="de-DE" smtClean="0"/>
+              <a:pPr/>
               <a:t>‹Nr.›</a:t>
             </a:fld>
             <a:endParaRPr lang="de-DE"/>
@@ -1332,7 +1342,8 @@
           <a:p>
             <a:fld id="{5FE66156-7666-46EE-B0CD-966BA12C86BB}" type="datetimeFigureOut">
               <a:rPr lang="de-DE" smtClean="0"/>
-              <a:t>11.07.2016</a:t>
+              <a:pPr/>
+              <a:t>12.07.2016</a:t>
             </a:fld>
             <a:endParaRPr lang="de-DE"/>
           </a:p>
@@ -1374,6 +1385,7 @@
           <a:p>
             <a:fld id="{F6741669-CF2E-4015-A056-54B33D7C161D}" type="slidenum">
               <a:rPr lang="de-DE" smtClean="0"/>
+              <a:pPr/>
               <a:t>‹Nr.›</a:t>
             </a:fld>
             <a:endParaRPr lang="de-DE"/>
@@ -1749,7 +1761,8 @@
           <a:p>
             <a:fld id="{5FE66156-7666-46EE-B0CD-966BA12C86BB}" type="datetimeFigureOut">
               <a:rPr lang="de-DE" smtClean="0"/>
-              <a:t>11.07.2016</a:t>
+              <a:pPr/>
+              <a:t>12.07.2016</a:t>
             </a:fld>
             <a:endParaRPr lang="de-DE"/>
           </a:p>
@@ -1791,6 +1804,7 @@
           <a:p>
             <a:fld id="{F6741669-CF2E-4015-A056-54B33D7C161D}" type="slidenum">
               <a:rPr lang="de-DE" smtClean="0"/>
+              <a:pPr/>
               <a:t>‹Nr.›</a:t>
             </a:fld>
             <a:endParaRPr lang="de-DE"/>
@@ -1862,7 +1876,8 @@
           <a:p>
             <a:fld id="{5FE66156-7666-46EE-B0CD-966BA12C86BB}" type="datetimeFigureOut">
               <a:rPr lang="de-DE" smtClean="0"/>
-              <a:t>11.07.2016</a:t>
+              <a:pPr/>
+              <a:t>12.07.2016</a:t>
             </a:fld>
             <a:endParaRPr lang="de-DE"/>
           </a:p>
@@ -1904,6 +1919,7 @@
           <a:p>
             <a:fld id="{F6741669-CF2E-4015-A056-54B33D7C161D}" type="slidenum">
               <a:rPr lang="de-DE" smtClean="0"/>
+              <a:pPr/>
               <a:t>‹Nr.›</a:t>
             </a:fld>
             <a:endParaRPr lang="de-DE"/>
@@ -1952,7 +1968,8 @@
           <a:p>
             <a:fld id="{5FE66156-7666-46EE-B0CD-966BA12C86BB}" type="datetimeFigureOut">
               <a:rPr lang="de-DE" smtClean="0"/>
-              <a:t>11.07.2016</a:t>
+              <a:pPr/>
+              <a:t>12.07.2016</a:t>
             </a:fld>
             <a:endParaRPr lang="de-DE"/>
           </a:p>
@@ -1994,6 +2011,7 @@
           <a:p>
             <a:fld id="{F6741669-CF2E-4015-A056-54B33D7C161D}" type="slidenum">
               <a:rPr lang="de-DE" smtClean="0"/>
+              <a:pPr/>
               <a:t>‹Nr.›</a:t>
             </a:fld>
             <a:endParaRPr lang="de-DE"/>
@@ -2224,7 +2242,8 @@
           <a:p>
             <a:fld id="{5FE66156-7666-46EE-B0CD-966BA12C86BB}" type="datetimeFigureOut">
               <a:rPr lang="de-DE" smtClean="0"/>
-              <a:t>11.07.2016</a:t>
+              <a:pPr/>
+              <a:t>12.07.2016</a:t>
             </a:fld>
             <a:endParaRPr lang="de-DE"/>
           </a:p>
@@ -2266,6 +2285,7 @@
           <a:p>
             <a:fld id="{F6741669-CF2E-4015-A056-54B33D7C161D}" type="slidenum">
               <a:rPr lang="de-DE" smtClean="0"/>
+              <a:pPr/>
               <a:t>‹Nr.›</a:t>
             </a:fld>
             <a:endParaRPr lang="de-DE"/>
@@ -2472,7 +2492,8 @@
           <a:p>
             <a:fld id="{5FE66156-7666-46EE-B0CD-966BA12C86BB}" type="datetimeFigureOut">
               <a:rPr lang="de-DE" smtClean="0"/>
-              <a:t>11.07.2016</a:t>
+              <a:pPr/>
+              <a:t>12.07.2016</a:t>
             </a:fld>
             <a:endParaRPr lang="de-DE"/>
           </a:p>
@@ -2514,6 +2535,7 @@
           <a:p>
             <a:fld id="{F6741669-CF2E-4015-A056-54B33D7C161D}" type="slidenum">
               <a:rPr lang="de-DE" smtClean="0"/>
+              <a:pPr/>
               <a:t>‹Nr.›</a:t>
             </a:fld>
             <a:endParaRPr lang="de-DE"/>
@@ -2680,7 +2702,8 @@
           <a:p>
             <a:fld id="{5FE66156-7666-46EE-B0CD-966BA12C86BB}" type="datetimeFigureOut">
               <a:rPr lang="de-DE" smtClean="0"/>
-              <a:t>11.07.2016</a:t>
+              <a:pPr/>
+              <a:t>12.07.2016</a:t>
             </a:fld>
             <a:endParaRPr lang="de-DE"/>
           </a:p>
@@ -2758,6 +2781,7 @@
           <a:p>
             <a:fld id="{F6741669-CF2E-4015-A056-54B33D7C161D}" type="slidenum">
               <a:rPr lang="de-DE" smtClean="0"/>
+              <a:pPr/>
               <a:t>‹Nr.›</a:t>
             </a:fld>
             <a:endParaRPr lang="de-DE"/>
@@ -3547,253 +3571,124 @@
           </a:p>
         </p:txBody>
       </p:sp>
-      <p:graphicFrame>
-        <p:nvGraphicFramePr>
-          <p:cNvPr id="4" name="Inhaltsplatzhalter 3"/>
-          <p:cNvGraphicFramePr>
-            <a:graphicFrameLocks noGrp="1"/>
-          </p:cNvGraphicFramePr>
-          <p:nvPr>
-            <p:ph idx="1"/>
-          </p:nvPr>
-        </p:nvGraphicFramePr>
-        <p:xfrm>
-          <a:off x="457200" y="1600200"/>
-          <a:ext cx="8229600" cy="2966720"/>
-        </p:xfrm>
-        <a:graphic>
-          <a:graphicData uri="http://schemas.openxmlformats.org/drawingml/2006/table">
-            <a:tbl>
-              <a:tblPr firstRow="1" bandRow="1">
-                <a:tableStyleId>{5C22544A-7EE6-4342-B048-85BDC9FD1C3A}</a:tableStyleId>
-              </a:tblPr>
-              <a:tblGrid>
-                <a:gridCol w="4114800"/>
-                <a:gridCol w="4114800"/>
-              </a:tblGrid>
-              <a:tr h="370840">
-                <a:tc>
-                  <a:txBody>
-                    <a:bodyPr/>
-                    <a:lstStyle/>
-                    <a:p>
-                      <a:r>
-                        <a:rPr lang="de-DE" dirty="0" smtClean="0"/>
-                        <a:t>Differenz Projektantrag - Projekt</a:t>
-                      </a:r>
-                      <a:endParaRPr lang="de-DE" dirty="0"/>
-                    </a:p>
-                  </a:txBody>
-                  <a:tcPr/>
-                </a:tc>
-                <a:tc>
-                  <a:txBody>
-                    <a:bodyPr/>
-                    <a:lstStyle/>
-                    <a:p>
-                      <a:r>
-                        <a:rPr lang="de-DE" dirty="0" smtClean="0"/>
-                        <a:t>Differenz Planung - Umsetzung</a:t>
-                      </a:r>
-                      <a:endParaRPr lang="de-DE" dirty="0"/>
-                    </a:p>
-                  </a:txBody>
-                  <a:tcPr/>
-                </a:tc>
-              </a:tr>
-              <a:tr h="370840">
-                <a:tc>
-                  <a:txBody>
-                    <a:bodyPr/>
-                    <a:lstStyle/>
-                    <a:p>
-                      <a:r>
-                        <a:rPr lang="de-DE" dirty="0" smtClean="0"/>
-                        <a:t>Modelle</a:t>
-                      </a:r>
-                      <a:r>
-                        <a:rPr lang="de-DE" baseline="0" dirty="0" smtClean="0"/>
-                        <a:t> : -7h</a:t>
-                      </a:r>
-                    </a:p>
-                  </a:txBody>
-                  <a:tcPr/>
-                </a:tc>
-                <a:tc>
-                  <a:txBody>
-                    <a:bodyPr/>
-                    <a:lstStyle/>
-                    <a:p>
-                      <a:r>
-                        <a:rPr lang="de-DE" dirty="0" smtClean="0"/>
-                        <a:t>Modelle</a:t>
-                      </a:r>
-                      <a:r>
-                        <a:rPr lang="de-DE" baseline="0" dirty="0" smtClean="0"/>
-                        <a:t> : -1h</a:t>
-                      </a:r>
-                      <a:endParaRPr lang="de-DE" dirty="0"/>
-                    </a:p>
-                  </a:txBody>
-                  <a:tcPr/>
-                </a:tc>
-              </a:tr>
-              <a:tr h="370840">
-                <a:tc>
-                  <a:txBody>
-                    <a:bodyPr/>
-                    <a:lstStyle/>
-                    <a:p>
-                      <a:r>
-                        <a:rPr lang="de-DE" dirty="0" err="1" smtClean="0"/>
-                        <a:t>Fixtures</a:t>
-                      </a:r>
-                      <a:r>
-                        <a:rPr lang="de-DE" baseline="0" dirty="0" smtClean="0"/>
-                        <a:t> : +7h</a:t>
-                      </a:r>
-                      <a:endParaRPr lang="de-DE" dirty="0"/>
-                    </a:p>
-                  </a:txBody>
-                  <a:tcPr/>
-                </a:tc>
-                <a:tc>
-                  <a:txBody>
-                    <a:bodyPr/>
-                    <a:lstStyle/>
-                    <a:p>
-                      <a:r>
-                        <a:rPr lang="de-DE" dirty="0" smtClean="0"/>
-                        <a:t>Doku : +2h</a:t>
-                      </a:r>
-                      <a:endParaRPr lang="de-DE" dirty="0"/>
-                    </a:p>
-                  </a:txBody>
-                  <a:tcPr/>
-                </a:tc>
-              </a:tr>
-              <a:tr h="370840">
-                <a:tc>
-                  <a:txBody>
-                    <a:bodyPr/>
-                    <a:lstStyle/>
-                    <a:p>
-                      <a:r>
-                        <a:rPr lang="de-DE" dirty="0" smtClean="0"/>
-                        <a:t>Manuelle-</a:t>
-                      </a:r>
-                      <a:r>
-                        <a:rPr lang="de-DE" baseline="0" dirty="0" smtClean="0"/>
-                        <a:t> statt Modultests </a:t>
-                      </a:r>
-                      <a:endParaRPr lang="de-DE" dirty="0"/>
-                    </a:p>
-                  </a:txBody>
-                  <a:tcPr/>
-                </a:tc>
-                <a:tc>
-                  <a:txBody>
-                    <a:bodyPr/>
-                    <a:lstStyle/>
-                    <a:p>
-                      <a:endParaRPr lang="de-DE"/>
-                    </a:p>
-                  </a:txBody>
-                  <a:tcPr/>
-                </a:tc>
-              </a:tr>
-              <a:tr h="370840">
-                <a:tc>
-                  <a:txBody>
-                    <a:bodyPr/>
-                    <a:lstStyle/>
-                    <a:p>
-                      <a:endParaRPr lang="de-DE"/>
-                    </a:p>
-                  </a:txBody>
-                  <a:tcPr/>
-                </a:tc>
-                <a:tc>
-                  <a:txBody>
-                    <a:bodyPr/>
-                    <a:lstStyle/>
-                    <a:p>
-                      <a:endParaRPr lang="de-DE"/>
-                    </a:p>
-                  </a:txBody>
-                  <a:tcPr/>
-                </a:tc>
-              </a:tr>
-              <a:tr h="370840">
-                <a:tc>
-                  <a:txBody>
-                    <a:bodyPr/>
-                    <a:lstStyle/>
-                    <a:p>
-                      <a:endParaRPr lang="de-DE"/>
-                    </a:p>
-                  </a:txBody>
-                  <a:tcPr/>
-                </a:tc>
-                <a:tc>
-                  <a:txBody>
-                    <a:bodyPr/>
-                    <a:lstStyle/>
-                    <a:p>
-                      <a:endParaRPr lang="de-DE"/>
-                    </a:p>
-                  </a:txBody>
-                  <a:tcPr/>
-                </a:tc>
-              </a:tr>
-              <a:tr h="370840">
-                <a:tc>
-                  <a:txBody>
-                    <a:bodyPr/>
-                    <a:lstStyle/>
-                    <a:p>
-                      <a:endParaRPr lang="de-DE"/>
-                    </a:p>
-                  </a:txBody>
-                  <a:tcPr/>
-                </a:tc>
-                <a:tc>
-                  <a:txBody>
-                    <a:bodyPr/>
-                    <a:lstStyle/>
-                    <a:p>
-                      <a:endParaRPr lang="de-DE"/>
-                    </a:p>
-                  </a:txBody>
-                  <a:tcPr/>
-                </a:tc>
-              </a:tr>
-              <a:tr h="370840">
-                <a:tc>
-                  <a:txBody>
-                    <a:bodyPr/>
-                    <a:lstStyle/>
-                    <a:p>
-                      <a:endParaRPr lang="de-DE"/>
-                    </a:p>
-                  </a:txBody>
-                  <a:tcPr/>
-                </a:tc>
-                <a:tc>
-                  <a:txBody>
-                    <a:bodyPr/>
-                    <a:lstStyle/>
-                    <a:p>
-                      <a:endParaRPr lang="de-DE"/>
-                    </a:p>
-                  </a:txBody>
-                  <a:tcPr/>
-                </a:tc>
-              </a:tr>
-            </a:tbl>
-          </a:graphicData>
-        </a:graphic>
-      </p:graphicFrame>
+      <p:sp>
+        <p:nvSpPr>
+          <p:cNvPr id="6" name="Textplatzhalter 5"/>
+          <p:cNvSpPr>
+            <a:spLocks noGrp="1"/>
+          </p:cNvSpPr>
+          <p:nvPr>
+            <p:ph type="body" idx="1"/>
+          </p:nvPr>
+        </p:nvSpPr>
+        <p:spPr/>
+        <p:txBody>
+          <a:bodyPr>
+            <a:normAutofit fontScale="92500"/>
+          </a:bodyPr>
+          <a:lstStyle/>
+          <a:p>
+            <a:r>
+              <a:rPr lang="de-DE" dirty="0" smtClean="0"/>
+              <a:t>Differenz Projektantrag - Projekt</a:t>
+            </a:r>
+            <a:endParaRPr lang="de-DE" dirty="0"/>
+          </a:p>
+        </p:txBody>
+      </p:sp>
+      <p:sp>
+        <p:nvSpPr>
+          <p:cNvPr id="7" name="Inhaltsplatzhalter 6"/>
+          <p:cNvSpPr>
+            <a:spLocks noGrp="1"/>
+          </p:cNvSpPr>
+          <p:nvPr>
+            <p:ph sz="half" idx="2"/>
+          </p:nvPr>
+        </p:nvSpPr>
+        <p:spPr/>
+        <p:txBody>
+          <a:bodyPr/>
+          <a:lstStyle/>
+          <a:p>
+            <a:r>
+              <a:rPr lang="de-DE" dirty="0" smtClean="0"/>
+              <a:t>Modelle : -7h</a:t>
+            </a:r>
+          </a:p>
+          <a:p>
+            <a:r>
+              <a:rPr lang="de-DE" dirty="0" err="1" smtClean="0"/>
+              <a:t>Fixtures</a:t>
+            </a:r>
+            <a:r>
+              <a:rPr lang="de-DE" dirty="0" smtClean="0"/>
+              <a:t> : +7</a:t>
+            </a:r>
+          </a:p>
+          <a:p>
+            <a:r>
+              <a:rPr lang="de-DE" dirty="0" smtClean="0"/>
+              <a:t>Manuelle- statt Modultests</a:t>
+            </a:r>
+            <a:endParaRPr lang="de-DE" dirty="0"/>
+          </a:p>
+        </p:txBody>
+      </p:sp>
+      <p:sp>
+        <p:nvSpPr>
+          <p:cNvPr id="8" name="Textplatzhalter 7"/>
+          <p:cNvSpPr>
+            <a:spLocks noGrp="1"/>
+          </p:cNvSpPr>
+          <p:nvPr>
+            <p:ph type="body" sz="quarter" idx="3"/>
+          </p:nvPr>
+        </p:nvSpPr>
+        <p:spPr/>
+        <p:txBody>
+          <a:bodyPr>
+            <a:normAutofit fontScale="92500"/>
+          </a:bodyPr>
+          <a:lstStyle/>
+          <a:p>
+            <a:r>
+              <a:rPr lang="de-DE" dirty="0" smtClean="0"/>
+              <a:t>Differenz Planung - Umsetzung</a:t>
+            </a:r>
+            <a:endParaRPr lang="de-DE" dirty="0"/>
+          </a:p>
+        </p:txBody>
+      </p:sp>
+      <p:sp>
+        <p:nvSpPr>
+          <p:cNvPr id="9" name="Inhaltsplatzhalter 8"/>
+          <p:cNvSpPr>
+            <a:spLocks noGrp="1"/>
+          </p:cNvSpPr>
+          <p:nvPr>
+            <p:ph sz="quarter" idx="4"/>
+          </p:nvPr>
+        </p:nvSpPr>
+        <p:spPr/>
+        <p:txBody>
+          <a:bodyPr/>
+          <a:lstStyle/>
+          <a:p>
+            <a:r>
+              <a:rPr lang="de-DE" dirty="0" smtClean="0"/>
+              <a:t>Modelle : -1h</a:t>
+            </a:r>
+          </a:p>
+          <a:p>
+            <a:r>
+              <a:rPr lang="de-DE" dirty="0" smtClean="0"/>
+              <a:t>Doku : +2h</a:t>
+            </a:r>
+            <a:endParaRPr lang="de-DE" dirty="0"/>
+          </a:p>
+        </p:txBody>
+      </p:sp>
     </p:spTree>
   </p:cSld>
   <p:clrMapOvr>
@@ -4229,25 +4124,29 @@
           </a:p>
         </p:txBody>
       </p:sp>
-      <p:sp>
-        <p:nvSpPr>
-          <p:cNvPr id="3" name="Inhaltsplatzhalter 2"/>
-          <p:cNvSpPr>
-            <a:spLocks noGrp="1"/>
-          </p:cNvSpPr>
+      <p:pic>
+        <p:nvPicPr>
+          <p:cNvPr id="4" name="Inhaltsplatzhalter 3" descr="hbs_schema.png"/>
+          <p:cNvPicPr>
+            <a:picLocks noGrp="1" noChangeAspect="1"/>
+          </p:cNvPicPr>
           <p:nvPr>
             <p:ph idx="1"/>
           </p:nvPr>
-        </p:nvSpPr>
-        <p:spPr/>
-        <p:txBody>
-          <a:bodyPr/>
-          <a:lstStyle/>
-          <a:p>
-            <a:endParaRPr lang="de-DE" dirty="0"/>
-          </a:p>
-        </p:txBody>
-      </p:sp>
+        </p:nvPicPr>
+        <p:blipFill>
+          <a:blip r:embed="rId2" cstate="print"/>
+          <a:stretch>
+            <a:fillRect/>
+          </a:stretch>
+        </p:blipFill>
+        <p:spPr>
+          <a:xfrm>
+            <a:off x="470412" y="2402864"/>
+            <a:ext cx="8203175" cy="2920635"/>
+          </a:xfrm>
+        </p:spPr>
+      </p:pic>
     </p:spTree>
   </p:cSld>
   <p:clrMapOvr>
@@ -4296,25 +4195,52 @@
           </a:p>
         </p:txBody>
       </p:sp>
-      <p:sp>
-        <p:nvSpPr>
-          <p:cNvPr id="3" name="Inhaltsplatzhalter 2"/>
-          <p:cNvSpPr>
-            <a:spLocks noGrp="1"/>
-          </p:cNvSpPr>
-          <p:nvPr>
-            <p:ph idx="1"/>
-          </p:nvPr>
-        </p:nvSpPr>
-        <p:spPr/>
-        <p:txBody>
-          <a:bodyPr/>
-          <a:lstStyle/>
-          <a:p>
-            <a:endParaRPr lang="de-DE" dirty="0"/>
-          </a:p>
-        </p:txBody>
-      </p:sp>
+      <p:pic>
+        <p:nvPicPr>
+          <p:cNvPr id="6" name="Inhaltsplatzhalter 5" descr="appscreen1.png"/>
+          <p:cNvPicPr>
+            <a:picLocks noGrp="1" noChangeAspect="1"/>
+          </p:cNvPicPr>
+          <p:nvPr>
+            <p:ph sz="half" idx="1"/>
+          </p:nvPr>
+        </p:nvPicPr>
+        <p:blipFill>
+          <a:blip r:embed="rId2" cstate="print"/>
+          <a:stretch>
+            <a:fillRect/>
+          </a:stretch>
+        </p:blipFill>
+        <p:spPr>
+          <a:xfrm>
+            <a:off x="1184105" y="1600200"/>
+            <a:ext cx="2584790" cy="4525963"/>
+          </a:xfrm>
+        </p:spPr>
+      </p:pic>
+      <p:pic>
+        <p:nvPicPr>
+          <p:cNvPr id="7" name="Inhaltsplatzhalter 6" descr="appscreen2.png"/>
+          <p:cNvPicPr>
+            <a:picLocks noGrp="1" noChangeAspect="1"/>
+          </p:cNvPicPr>
+          <p:nvPr>
+            <p:ph sz="half" idx="2"/>
+          </p:nvPr>
+        </p:nvPicPr>
+        <p:blipFill>
+          <a:blip r:embed="rId3" cstate="print"/>
+          <a:stretch>
+            <a:fillRect/>
+          </a:stretch>
+        </p:blipFill>
+        <p:spPr>
+          <a:xfrm>
+            <a:off x="5374857" y="1600200"/>
+            <a:ext cx="2585285" cy="4525963"/>
+          </a:xfrm>
+        </p:spPr>
+      </p:pic>
     </p:spTree>
   </p:cSld>
   <p:clrMapOvr>
@@ -4592,14 +4518,6 @@
           <a:bodyPr/>
           <a:lstStyle/>
           <a:p>
-            <a:r>
-              <a:rPr lang="de-DE" dirty="0" smtClean="0"/>
-              <a:t>1 : </a:t>
-            </a:r>
-            <a:r>
-              <a:rPr lang="de-DE" dirty="0" err="1" smtClean="0"/>
-              <a:t>Apps</a:t>
-            </a:r>
             <a:endParaRPr lang="de-DE" dirty="0"/>
           </a:p>
         </p:txBody>
@@ -4667,7 +4585,7 @@
           <a:bodyPr/>
           <a:lstStyle/>
           <a:p>
-            <a:endParaRPr lang="de-DE"/>
+            <a:endParaRPr lang="de-DE" dirty="0"/>
           </a:p>
         </p:txBody>
       </p:sp>

--- a/praesentation/Projektpräsentation.pptx
+++ b/praesentation/Projektpräsentation.pptx
@@ -2,7 +2,7 @@
 <file path=ppt/presentation.xml><?xml version="1.0" encoding="utf-8"?>
 <p:presentation xmlns:a="http://schemas.openxmlformats.org/drawingml/2006/main" xmlns:r="http://schemas.openxmlformats.org/officeDocument/2006/relationships" xmlns:p="http://schemas.openxmlformats.org/presentationml/2006/main" saveSubsetFonts="1">
   <p:sldMasterIdLst>
-    <p:sldMasterId id="2147483672" r:id="rId1"/>
+    <p:sldMasterId id="2147483708" r:id="rId1"/>
   </p:sldMasterIdLst>
   <p:sldIdLst>
     <p:sldId id="256" r:id="rId2"/>
@@ -122,6 +122,4817 @@
 </p:presentation>
 </file>
 
+<file path=ppt/diagrams/colors1.xml><?xml version="1.0" encoding="utf-8"?>
+<dgm:colorsDef xmlns:dgm="http://schemas.openxmlformats.org/drawingml/2006/diagram" xmlns:a="http://schemas.openxmlformats.org/drawingml/2006/main" uniqueId="urn:microsoft.com/office/officeart/2005/8/colors/accent1_2">
+  <dgm:title val=""/>
+  <dgm:desc val=""/>
+  <dgm:catLst>
+    <dgm:cat type="accent1" pri="11200"/>
+  </dgm:catLst>
+  <dgm:styleLbl name="node0">
+    <dgm:fillClrLst meth="repeat">
+      <a:schemeClr val="accent1"/>
+    </dgm:fillClrLst>
+    <dgm:linClrLst meth="repeat">
+      <a:schemeClr val="lt1"/>
+    </dgm:linClrLst>
+    <dgm:effectClrLst/>
+    <dgm:txLinClrLst/>
+    <dgm:txFillClrLst/>
+    <dgm:txEffectClrLst/>
+  </dgm:styleLbl>
+  <dgm:styleLbl name="alignNode1">
+    <dgm:fillClrLst meth="repeat">
+      <a:schemeClr val="accent1"/>
+    </dgm:fillClrLst>
+    <dgm:linClrLst meth="repeat">
+      <a:schemeClr val="accent1"/>
+    </dgm:linClrLst>
+    <dgm:effectClrLst/>
+    <dgm:txLinClrLst/>
+    <dgm:txFillClrLst/>
+    <dgm:txEffectClrLst/>
+  </dgm:styleLbl>
+  <dgm:styleLbl name="node1">
+    <dgm:fillClrLst meth="repeat">
+      <a:schemeClr val="accent1"/>
+    </dgm:fillClrLst>
+    <dgm:linClrLst meth="repeat">
+      <a:schemeClr val="lt1"/>
+    </dgm:linClrLst>
+    <dgm:effectClrLst/>
+    <dgm:txLinClrLst/>
+    <dgm:txFillClrLst/>
+    <dgm:txEffectClrLst/>
+  </dgm:styleLbl>
+  <dgm:styleLbl name="lnNode1">
+    <dgm:fillClrLst meth="repeat">
+      <a:schemeClr val="accent1"/>
+    </dgm:fillClrLst>
+    <dgm:linClrLst meth="repeat">
+      <a:schemeClr val="lt1"/>
+    </dgm:linClrLst>
+    <dgm:effectClrLst/>
+    <dgm:txLinClrLst/>
+    <dgm:txFillClrLst/>
+    <dgm:txEffectClrLst/>
+  </dgm:styleLbl>
+  <dgm:styleLbl name="vennNode1">
+    <dgm:fillClrLst meth="repeat">
+      <a:schemeClr val="accent1">
+        <a:alpha val="50000"/>
+      </a:schemeClr>
+    </dgm:fillClrLst>
+    <dgm:linClrLst meth="repeat">
+      <a:schemeClr val="lt1"/>
+    </dgm:linClrLst>
+    <dgm:effectClrLst/>
+    <dgm:txLinClrLst/>
+    <dgm:txFillClrLst/>
+    <dgm:txEffectClrLst/>
+  </dgm:styleLbl>
+  <dgm:styleLbl name="node2">
+    <dgm:fillClrLst meth="repeat">
+      <a:schemeClr val="accent1"/>
+    </dgm:fillClrLst>
+    <dgm:linClrLst meth="repeat">
+      <a:schemeClr val="lt1"/>
+    </dgm:linClrLst>
+    <dgm:effectClrLst/>
+    <dgm:txLinClrLst/>
+    <dgm:txFillClrLst/>
+    <dgm:txEffectClrLst/>
+  </dgm:styleLbl>
+  <dgm:styleLbl name="node3">
+    <dgm:fillClrLst meth="repeat">
+      <a:schemeClr val="accent1"/>
+    </dgm:fillClrLst>
+    <dgm:linClrLst meth="repeat">
+      <a:schemeClr val="lt1"/>
+    </dgm:linClrLst>
+    <dgm:effectClrLst/>
+    <dgm:txLinClrLst/>
+    <dgm:txFillClrLst/>
+    <dgm:txEffectClrLst/>
+  </dgm:styleLbl>
+  <dgm:styleLbl name="node4">
+    <dgm:fillClrLst meth="repeat">
+      <a:schemeClr val="accent1"/>
+    </dgm:fillClrLst>
+    <dgm:linClrLst meth="repeat">
+      <a:schemeClr val="lt1"/>
+    </dgm:linClrLst>
+    <dgm:effectClrLst/>
+    <dgm:txLinClrLst/>
+    <dgm:txFillClrLst/>
+    <dgm:txEffectClrLst/>
+  </dgm:styleLbl>
+  <dgm:styleLbl name="fgImgPlace1">
+    <dgm:fillClrLst meth="repeat">
+      <a:schemeClr val="accent1">
+        <a:tint val="50000"/>
+      </a:schemeClr>
+    </dgm:fillClrLst>
+    <dgm:linClrLst meth="repeat">
+      <a:schemeClr val="lt1"/>
+    </dgm:linClrLst>
+    <dgm:effectClrLst/>
+    <dgm:txLinClrLst/>
+    <dgm:txFillClrLst meth="repeat">
+      <a:schemeClr val="lt1"/>
+    </dgm:txFillClrLst>
+    <dgm:txEffectClrLst/>
+  </dgm:styleLbl>
+  <dgm:styleLbl name="alignImgPlace1">
+    <dgm:fillClrLst meth="repeat">
+      <a:schemeClr val="accent1">
+        <a:tint val="50000"/>
+      </a:schemeClr>
+    </dgm:fillClrLst>
+    <dgm:linClrLst meth="repeat">
+      <a:schemeClr val="lt1"/>
+    </dgm:linClrLst>
+    <dgm:effectClrLst/>
+    <dgm:txLinClrLst/>
+    <dgm:txFillClrLst meth="repeat">
+      <a:schemeClr val="lt1"/>
+    </dgm:txFillClrLst>
+    <dgm:txEffectClrLst/>
+  </dgm:styleLbl>
+  <dgm:styleLbl name="bgImgPlace1">
+    <dgm:fillClrLst meth="repeat">
+      <a:schemeClr val="accent1">
+        <a:tint val="50000"/>
+      </a:schemeClr>
+    </dgm:fillClrLst>
+    <dgm:linClrLst meth="repeat">
+      <a:schemeClr val="lt1"/>
+    </dgm:linClrLst>
+    <dgm:effectClrLst/>
+    <dgm:txLinClrLst/>
+    <dgm:txFillClrLst meth="repeat">
+      <a:schemeClr val="lt1"/>
+    </dgm:txFillClrLst>
+    <dgm:txEffectClrLst/>
+  </dgm:styleLbl>
+  <dgm:styleLbl name="sibTrans2D1">
+    <dgm:fillClrLst meth="repeat">
+      <a:schemeClr val="accent1">
+        <a:tint val="60000"/>
+      </a:schemeClr>
+    </dgm:fillClrLst>
+    <dgm:linClrLst meth="repeat">
+      <a:schemeClr val="accent1">
+        <a:tint val="60000"/>
+      </a:schemeClr>
+    </dgm:linClrLst>
+    <dgm:effectClrLst/>
+    <dgm:txLinClrLst/>
+    <dgm:txFillClrLst/>
+    <dgm:txEffectClrLst/>
+  </dgm:styleLbl>
+  <dgm:styleLbl name="fgSibTrans2D1">
+    <dgm:fillClrLst meth="repeat">
+      <a:schemeClr val="accent1">
+        <a:tint val="60000"/>
+      </a:schemeClr>
+    </dgm:fillClrLst>
+    <dgm:linClrLst meth="repeat">
+      <a:schemeClr val="accent1">
+        <a:tint val="60000"/>
+      </a:schemeClr>
+    </dgm:linClrLst>
+    <dgm:effectClrLst/>
+    <dgm:txLinClrLst/>
+    <dgm:txFillClrLst/>
+    <dgm:txEffectClrLst/>
+  </dgm:styleLbl>
+  <dgm:styleLbl name="bgSibTrans2D1">
+    <dgm:fillClrLst meth="repeat">
+      <a:schemeClr val="accent1">
+        <a:tint val="60000"/>
+      </a:schemeClr>
+    </dgm:fillClrLst>
+    <dgm:linClrLst meth="repeat">
+      <a:schemeClr val="accent1">
+        <a:tint val="60000"/>
+      </a:schemeClr>
+    </dgm:linClrLst>
+    <dgm:effectClrLst/>
+    <dgm:txLinClrLst/>
+    <dgm:txFillClrLst/>
+    <dgm:txEffectClrLst/>
+  </dgm:styleLbl>
+  <dgm:styleLbl name="sibTrans1D1">
+    <dgm:fillClrLst meth="repeat">
+      <a:schemeClr val="accent1"/>
+    </dgm:fillClrLst>
+    <dgm:linClrLst meth="repeat">
+      <a:schemeClr val="accent1"/>
+    </dgm:linClrLst>
+    <dgm:effectClrLst/>
+    <dgm:txLinClrLst/>
+    <dgm:txFillClrLst meth="repeat">
+      <a:schemeClr val="tx1"/>
+    </dgm:txFillClrLst>
+    <dgm:txEffectClrLst/>
+  </dgm:styleLbl>
+  <dgm:styleLbl name="callout">
+    <dgm:fillClrLst meth="repeat">
+      <a:schemeClr val="accent1"/>
+    </dgm:fillClrLst>
+    <dgm:linClrLst meth="repeat">
+      <a:schemeClr val="accent1">
+        <a:tint val="50000"/>
+      </a:schemeClr>
+    </dgm:linClrLst>
+    <dgm:effectClrLst/>
+    <dgm:txLinClrLst/>
+    <dgm:txFillClrLst meth="repeat">
+      <a:schemeClr val="tx1"/>
+    </dgm:txFillClrLst>
+    <dgm:txEffectClrLst/>
+  </dgm:styleLbl>
+  <dgm:styleLbl name="asst0">
+    <dgm:fillClrLst meth="repeat">
+      <a:schemeClr val="accent1"/>
+    </dgm:fillClrLst>
+    <dgm:linClrLst meth="repeat">
+      <a:schemeClr val="lt1"/>
+    </dgm:linClrLst>
+    <dgm:effectClrLst/>
+    <dgm:txLinClrLst/>
+    <dgm:txFillClrLst/>
+    <dgm:txEffectClrLst/>
+  </dgm:styleLbl>
+  <dgm:styleLbl name="asst1">
+    <dgm:fillClrLst meth="repeat">
+      <a:schemeClr val="accent1"/>
+    </dgm:fillClrLst>
+    <dgm:linClrLst meth="repeat">
+      <a:schemeClr val="lt1"/>
+    </dgm:linClrLst>
+    <dgm:effectClrLst/>
+    <dgm:txLinClrLst/>
+    <dgm:txFillClrLst/>
+    <dgm:txEffectClrLst/>
+  </dgm:styleLbl>
+  <dgm:styleLbl name="asst2">
+    <dgm:fillClrLst meth="repeat">
+      <a:schemeClr val="accent1"/>
+    </dgm:fillClrLst>
+    <dgm:linClrLst meth="repeat">
+      <a:schemeClr val="lt1"/>
+    </dgm:linClrLst>
+    <dgm:effectClrLst/>
+    <dgm:txLinClrLst/>
+    <dgm:txFillClrLst/>
+    <dgm:txEffectClrLst/>
+  </dgm:styleLbl>
+  <dgm:styleLbl name="asst3">
+    <dgm:fillClrLst meth="repeat">
+      <a:schemeClr val="accent1"/>
+    </dgm:fillClrLst>
+    <dgm:linClrLst meth="repeat">
+      <a:schemeClr val="lt1"/>
+    </dgm:linClrLst>
+    <dgm:effectClrLst/>
+    <dgm:txLinClrLst/>
+    <dgm:txFillClrLst/>
+    <dgm:txEffectClrLst/>
+  </dgm:styleLbl>
+  <dgm:styleLbl name="asst4">
+    <dgm:fillClrLst meth="repeat">
+      <a:schemeClr val="accent1"/>
+    </dgm:fillClrLst>
+    <dgm:linClrLst meth="repeat">
+      <a:schemeClr val="lt1"/>
+    </dgm:linClrLst>
+    <dgm:effectClrLst/>
+    <dgm:txLinClrLst/>
+    <dgm:txFillClrLst/>
+    <dgm:txEffectClrLst/>
+  </dgm:styleLbl>
+  <dgm:styleLbl name="parChTrans2D1">
+    <dgm:fillClrLst meth="repeat">
+      <a:schemeClr val="accent1">
+        <a:tint val="60000"/>
+      </a:schemeClr>
+    </dgm:fillClrLst>
+    <dgm:linClrLst meth="repeat">
+      <a:schemeClr val="accent1">
+        <a:tint val="60000"/>
+      </a:schemeClr>
+    </dgm:linClrLst>
+    <dgm:effectClrLst/>
+    <dgm:txLinClrLst/>
+    <dgm:txFillClrLst meth="repeat">
+      <a:schemeClr val="lt1"/>
+    </dgm:txFillClrLst>
+    <dgm:txEffectClrLst/>
+  </dgm:styleLbl>
+  <dgm:styleLbl name="parChTrans2D2">
+    <dgm:fillClrLst meth="repeat">
+      <a:schemeClr val="accent1"/>
+    </dgm:fillClrLst>
+    <dgm:linClrLst meth="repeat">
+      <a:schemeClr val="accent1"/>
+    </dgm:linClrLst>
+    <dgm:effectClrLst/>
+    <dgm:txLinClrLst/>
+    <dgm:txFillClrLst meth="repeat">
+      <a:schemeClr val="lt1"/>
+    </dgm:txFillClrLst>
+    <dgm:txEffectClrLst/>
+  </dgm:styleLbl>
+  <dgm:styleLbl name="parChTrans2D3">
+    <dgm:fillClrLst meth="repeat">
+      <a:schemeClr val="accent1"/>
+    </dgm:fillClrLst>
+    <dgm:linClrLst meth="repeat">
+      <a:schemeClr val="accent1"/>
+    </dgm:linClrLst>
+    <dgm:effectClrLst/>
+    <dgm:txLinClrLst/>
+    <dgm:txFillClrLst meth="repeat">
+      <a:schemeClr val="lt1"/>
+    </dgm:txFillClrLst>
+    <dgm:txEffectClrLst/>
+  </dgm:styleLbl>
+  <dgm:styleLbl name="parChTrans2D4">
+    <dgm:fillClrLst meth="repeat">
+      <a:schemeClr val="accent1"/>
+    </dgm:fillClrLst>
+    <dgm:linClrLst meth="repeat">
+      <a:schemeClr val="accent1"/>
+    </dgm:linClrLst>
+    <dgm:effectClrLst/>
+    <dgm:txLinClrLst/>
+    <dgm:txFillClrLst meth="repeat">
+      <a:schemeClr val="lt1"/>
+    </dgm:txFillClrLst>
+    <dgm:txEffectClrLst/>
+  </dgm:styleLbl>
+  <dgm:styleLbl name="parChTrans1D1">
+    <dgm:fillClrLst meth="repeat">
+      <a:schemeClr val="accent1"/>
+    </dgm:fillClrLst>
+    <dgm:linClrLst meth="repeat">
+      <a:schemeClr val="accent1">
+        <a:shade val="60000"/>
+      </a:schemeClr>
+    </dgm:linClrLst>
+    <dgm:effectClrLst/>
+    <dgm:txLinClrLst/>
+    <dgm:txFillClrLst meth="repeat">
+      <a:schemeClr val="tx1"/>
+    </dgm:txFillClrLst>
+    <dgm:txEffectClrLst/>
+  </dgm:styleLbl>
+  <dgm:styleLbl name="parChTrans1D2">
+    <dgm:fillClrLst meth="repeat">
+      <a:schemeClr val="accent1"/>
+    </dgm:fillClrLst>
+    <dgm:linClrLst meth="repeat">
+      <a:schemeClr val="accent1">
+        <a:shade val="60000"/>
+      </a:schemeClr>
+    </dgm:linClrLst>
+    <dgm:effectClrLst/>
+    <dgm:txLinClrLst/>
+    <dgm:txFillClrLst meth="repeat">
+      <a:schemeClr val="tx1"/>
+    </dgm:txFillClrLst>
+    <dgm:txEffectClrLst/>
+  </dgm:styleLbl>
+  <dgm:styleLbl name="parChTrans1D3">
+    <dgm:fillClrLst meth="repeat">
+      <a:schemeClr val="accent1"/>
+    </dgm:fillClrLst>
+    <dgm:linClrLst meth="repeat">
+      <a:schemeClr val="accent1">
+        <a:shade val="80000"/>
+      </a:schemeClr>
+    </dgm:linClrLst>
+    <dgm:effectClrLst/>
+    <dgm:txLinClrLst/>
+    <dgm:txFillClrLst meth="repeat">
+      <a:schemeClr val="tx1"/>
+    </dgm:txFillClrLst>
+    <dgm:txEffectClrLst/>
+  </dgm:styleLbl>
+  <dgm:styleLbl name="parChTrans1D4">
+    <dgm:fillClrLst meth="repeat">
+      <a:schemeClr val="accent1"/>
+    </dgm:fillClrLst>
+    <dgm:linClrLst meth="repeat">
+      <a:schemeClr val="accent1">
+        <a:shade val="80000"/>
+      </a:schemeClr>
+    </dgm:linClrLst>
+    <dgm:effectClrLst/>
+    <dgm:txLinClrLst/>
+    <dgm:txFillClrLst meth="repeat">
+      <a:schemeClr val="tx1"/>
+    </dgm:txFillClrLst>
+    <dgm:txEffectClrLst/>
+  </dgm:styleLbl>
+  <dgm:styleLbl name="fgAcc1">
+    <dgm:fillClrLst meth="repeat">
+      <a:schemeClr val="lt1">
+        <a:alpha val="90000"/>
+      </a:schemeClr>
+    </dgm:fillClrLst>
+    <dgm:linClrLst meth="repeat">
+      <a:schemeClr val="accent1"/>
+    </dgm:linClrLst>
+    <dgm:effectClrLst/>
+    <dgm:txLinClrLst/>
+    <dgm:txFillClrLst meth="repeat">
+      <a:schemeClr val="dk1"/>
+    </dgm:txFillClrLst>
+    <dgm:txEffectClrLst/>
+  </dgm:styleLbl>
+  <dgm:styleLbl name="conFgAcc1">
+    <dgm:fillClrLst meth="repeat">
+      <a:schemeClr val="lt1">
+        <a:alpha val="90000"/>
+      </a:schemeClr>
+    </dgm:fillClrLst>
+    <dgm:linClrLst meth="repeat">
+      <a:schemeClr val="accent1"/>
+    </dgm:linClrLst>
+    <dgm:effectClrLst/>
+    <dgm:txLinClrLst/>
+    <dgm:txFillClrLst meth="repeat">
+      <a:schemeClr val="dk1"/>
+    </dgm:txFillClrLst>
+    <dgm:txEffectClrLst/>
+  </dgm:styleLbl>
+  <dgm:styleLbl name="alignAcc1">
+    <dgm:fillClrLst meth="repeat">
+      <a:schemeClr val="lt1">
+        <a:alpha val="90000"/>
+      </a:schemeClr>
+    </dgm:fillClrLst>
+    <dgm:linClrLst meth="repeat">
+      <a:schemeClr val="accent1"/>
+    </dgm:linClrLst>
+    <dgm:effectClrLst/>
+    <dgm:txLinClrLst/>
+    <dgm:txFillClrLst meth="repeat">
+      <a:schemeClr val="dk1"/>
+    </dgm:txFillClrLst>
+    <dgm:txEffectClrLst/>
+  </dgm:styleLbl>
+  <dgm:styleLbl name="trAlignAcc1">
+    <dgm:fillClrLst meth="repeat">
+      <a:schemeClr val="lt1">
+        <a:alpha val="40000"/>
+      </a:schemeClr>
+    </dgm:fillClrLst>
+    <dgm:linClrLst meth="repeat">
+      <a:schemeClr val="accent1"/>
+    </dgm:linClrLst>
+    <dgm:effectClrLst/>
+    <dgm:txLinClrLst/>
+    <dgm:txFillClrLst meth="repeat">
+      <a:schemeClr val="dk1"/>
+    </dgm:txFillClrLst>
+    <dgm:txEffectClrLst/>
+  </dgm:styleLbl>
+  <dgm:styleLbl name="bgAcc1">
+    <dgm:fillClrLst meth="repeat">
+      <a:schemeClr val="lt1">
+        <a:alpha val="90000"/>
+      </a:schemeClr>
+    </dgm:fillClrLst>
+    <dgm:linClrLst meth="repeat">
+      <a:schemeClr val="accent1"/>
+    </dgm:linClrLst>
+    <dgm:effectClrLst/>
+    <dgm:txLinClrLst/>
+    <dgm:txFillClrLst meth="repeat">
+      <a:schemeClr val="dk1"/>
+    </dgm:txFillClrLst>
+    <dgm:txEffectClrLst/>
+  </dgm:styleLbl>
+  <dgm:styleLbl name="solidFgAcc1">
+    <dgm:fillClrLst meth="repeat">
+      <a:schemeClr val="lt1"/>
+    </dgm:fillClrLst>
+    <dgm:linClrLst meth="repeat">
+      <a:schemeClr val="accent1"/>
+    </dgm:linClrLst>
+    <dgm:effectClrLst/>
+    <dgm:txLinClrLst/>
+    <dgm:txFillClrLst meth="repeat">
+      <a:schemeClr val="dk1"/>
+    </dgm:txFillClrLst>
+    <dgm:txEffectClrLst/>
+  </dgm:styleLbl>
+  <dgm:styleLbl name="solidAlignAcc1">
+    <dgm:fillClrLst meth="repeat">
+      <a:schemeClr val="lt1"/>
+    </dgm:fillClrLst>
+    <dgm:linClrLst meth="repeat">
+      <a:schemeClr val="accent1"/>
+    </dgm:linClrLst>
+    <dgm:effectClrLst/>
+    <dgm:txLinClrLst/>
+    <dgm:txFillClrLst meth="repeat">
+      <a:schemeClr val="dk1"/>
+    </dgm:txFillClrLst>
+    <dgm:txEffectClrLst/>
+  </dgm:styleLbl>
+  <dgm:styleLbl name="solidBgAcc1">
+    <dgm:fillClrLst meth="repeat">
+      <a:schemeClr val="lt1"/>
+    </dgm:fillClrLst>
+    <dgm:linClrLst meth="repeat">
+      <a:schemeClr val="accent1"/>
+    </dgm:linClrLst>
+    <dgm:effectClrLst/>
+    <dgm:txLinClrLst/>
+    <dgm:txFillClrLst meth="repeat">
+      <a:schemeClr val="dk1"/>
+    </dgm:txFillClrLst>
+    <dgm:txEffectClrLst/>
+  </dgm:styleLbl>
+  <dgm:styleLbl name="fgAccFollowNode1">
+    <dgm:fillClrLst meth="repeat">
+      <a:schemeClr val="accent1">
+        <a:alpha val="90000"/>
+        <a:tint val="40000"/>
+      </a:schemeClr>
+    </dgm:fillClrLst>
+    <dgm:linClrLst meth="repeat">
+      <a:schemeClr val="accent1">
+        <a:alpha val="90000"/>
+        <a:tint val="40000"/>
+      </a:schemeClr>
+    </dgm:linClrLst>
+    <dgm:effectClrLst/>
+    <dgm:txLinClrLst/>
+    <dgm:txFillClrLst meth="repeat">
+      <a:schemeClr val="dk1"/>
+    </dgm:txFillClrLst>
+    <dgm:txEffectClrLst/>
+  </dgm:styleLbl>
+  <dgm:styleLbl name="alignAccFollowNode1">
+    <dgm:fillClrLst meth="repeat">
+      <a:schemeClr val="accent1">
+        <a:alpha val="90000"/>
+        <a:tint val="40000"/>
+      </a:schemeClr>
+    </dgm:fillClrLst>
+    <dgm:linClrLst meth="repeat">
+      <a:schemeClr val="accent1">
+        <a:alpha val="90000"/>
+        <a:tint val="40000"/>
+      </a:schemeClr>
+    </dgm:linClrLst>
+    <dgm:effectClrLst/>
+    <dgm:txLinClrLst/>
+    <dgm:txFillClrLst meth="repeat">
+      <a:schemeClr val="dk1"/>
+    </dgm:txFillClrLst>
+    <dgm:txEffectClrLst/>
+  </dgm:styleLbl>
+  <dgm:styleLbl name="bgAccFollowNode1">
+    <dgm:fillClrLst meth="repeat">
+      <a:schemeClr val="accent1">
+        <a:alpha val="90000"/>
+        <a:tint val="40000"/>
+      </a:schemeClr>
+    </dgm:fillClrLst>
+    <dgm:linClrLst meth="repeat">
+      <a:schemeClr val="accent1">
+        <a:alpha val="90000"/>
+        <a:tint val="40000"/>
+      </a:schemeClr>
+    </dgm:linClrLst>
+    <dgm:effectClrLst/>
+    <dgm:txLinClrLst/>
+    <dgm:txFillClrLst meth="repeat">
+      <a:schemeClr val="dk1"/>
+    </dgm:txFillClrLst>
+    <dgm:txEffectClrLst/>
+  </dgm:styleLbl>
+  <dgm:styleLbl name="fgAcc0">
+    <dgm:fillClrLst meth="repeat">
+      <a:schemeClr val="lt1">
+        <a:alpha val="90000"/>
+      </a:schemeClr>
+    </dgm:fillClrLst>
+    <dgm:linClrLst meth="repeat">
+      <a:schemeClr val="accent1"/>
+    </dgm:linClrLst>
+    <dgm:effectClrLst/>
+    <dgm:txLinClrLst/>
+    <dgm:txFillClrLst meth="repeat">
+      <a:schemeClr val="dk1"/>
+    </dgm:txFillClrLst>
+    <dgm:txEffectClrLst/>
+  </dgm:styleLbl>
+  <dgm:styleLbl name="fgAcc2">
+    <dgm:fillClrLst meth="repeat">
+      <a:schemeClr val="lt1">
+        <a:alpha val="90000"/>
+      </a:schemeClr>
+    </dgm:fillClrLst>
+    <dgm:linClrLst meth="repeat">
+      <a:schemeClr val="accent1"/>
+    </dgm:linClrLst>
+    <dgm:effectClrLst/>
+    <dgm:txLinClrLst/>
+    <dgm:txFillClrLst meth="repeat">
+      <a:schemeClr val="dk1"/>
+    </dgm:txFillClrLst>
+    <dgm:txEffectClrLst/>
+  </dgm:styleLbl>
+  <dgm:styleLbl name="fgAcc3">
+    <dgm:fillClrLst meth="repeat">
+      <a:schemeClr val="lt1">
+        <a:alpha val="90000"/>
+      </a:schemeClr>
+    </dgm:fillClrLst>
+    <dgm:linClrLst meth="repeat">
+      <a:schemeClr val="accent1"/>
+    </dgm:linClrLst>
+    <dgm:effectClrLst/>
+    <dgm:txLinClrLst/>
+    <dgm:txFillClrLst meth="repeat">
+      <a:schemeClr val="dk1"/>
+    </dgm:txFillClrLst>
+    <dgm:txEffectClrLst/>
+  </dgm:styleLbl>
+  <dgm:styleLbl name="fgAcc4">
+    <dgm:fillClrLst meth="repeat">
+      <a:schemeClr val="lt1">
+        <a:alpha val="90000"/>
+      </a:schemeClr>
+    </dgm:fillClrLst>
+    <dgm:linClrLst meth="repeat">
+      <a:schemeClr val="accent1"/>
+    </dgm:linClrLst>
+    <dgm:effectClrLst/>
+    <dgm:txLinClrLst/>
+    <dgm:txFillClrLst meth="repeat">
+      <a:schemeClr val="dk1"/>
+    </dgm:txFillClrLst>
+    <dgm:txEffectClrLst/>
+  </dgm:styleLbl>
+  <dgm:styleLbl name="bgShp">
+    <dgm:fillClrLst meth="repeat">
+      <a:schemeClr val="accent1">
+        <a:tint val="40000"/>
+      </a:schemeClr>
+    </dgm:fillClrLst>
+    <dgm:linClrLst meth="repeat">
+      <a:schemeClr val="accent1"/>
+    </dgm:linClrLst>
+    <dgm:effectClrLst/>
+    <dgm:txLinClrLst/>
+    <dgm:txFillClrLst meth="repeat">
+      <a:schemeClr val="dk1"/>
+    </dgm:txFillClrLst>
+    <dgm:txEffectClrLst/>
+  </dgm:styleLbl>
+  <dgm:styleLbl name="dkBgShp">
+    <dgm:fillClrLst meth="repeat">
+      <a:schemeClr val="accent1">
+        <a:shade val="80000"/>
+      </a:schemeClr>
+    </dgm:fillClrLst>
+    <dgm:linClrLst meth="repeat">
+      <a:schemeClr val="accent1"/>
+    </dgm:linClrLst>
+    <dgm:effectClrLst/>
+    <dgm:txLinClrLst/>
+    <dgm:txFillClrLst meth="repeat">
+      <a:schemeClr val="lt1"/>
+    </dgm:txFillClrLst>
+    <dgm:txEffectClrLst/>
+  </dgm:styleLbl>
+  <dgm:styleLbl name="trBgShp">
+    <dgm:fillClrLst meth="repeat">
+      <a:schemeClr val="accent1">
+        <a:tint val="50000"/>
+        <a:alpha val="40000"/>
+      </a:schemeClr>
+    </dgm:fillClrLst>
+    <dgm:linClrLst meth="repeat">
+      <a:schemeClr val="accent1"/>
+    </dgm:linClrLst>
+    <dgm:effectClrLst/>
+    <dgm:txLinClrLst/>
+    <dgm:txFillClrLst meth="repeat">
+      <a:schemeClr val="lt1"/>
+    </dgm:txFillClrLst>
+    <dgm:txEffectClrLst/>
+  </dgm:styleLbl>
+  <dgm:styleLbl name="fgShp">
+    <dgm:fillClrLst meth="repeat">
+      <a:schemeClr val="accent1">
+        <a:tint val="60000"/>
+      </a:schemeClr>
+    </dgm:fillClrLst>
+    <dgm:linClrLst meth="repeat">
+      <a:schemeClr val="lt1"/>
+    </dgm:linClrLst>
+    <dgm:effectClrLst/>
+    <dgm:txLinClrLst/>
+    <dgm:txFillClrLst meth="repeat">
+      <a:schemeClr val="dk1"/>
+    </dgm:txFillClrLst>
+    <dgm:txEffectClrLst/>
+  </dgm:styleLbl>
+  <dgm:styleLbl name="revTx">
+    <dgm:fillClrLst meth="repeat">
+      <a:schemeClr val="lt1">
+        <a:alpha val="0"/>
+      </a:schemeClr>
+    </dgm:fillClrLst>
+    <dgm:linClrLst meth="repeat">
+      <a:schemeClr val="dk1">
+        <a:alpha val="0"/>
+      </a:schemeClr>
+    </dgm:linClrLst>
+    <dgm:effectClrLst/>
+    <dgm:txLinClrLst/>
+    <dgm:txFillClrLst meth="repeat">
+      <a:schemeClr val="tx1"/>
+    </dgm:txFillClrLst>
+    <dgm:txEffectClrLst/>
+  </dgm:styleLbl>
+</dgm:colorsDef>
+</file>
+
+<file path=ppt/diagrams/colors2.xml><?xml version="1.0" encoding="utf-8"?>
+<dgm:colorsDef xmlns:dgm="http://schemas.openxmlformats.org/drawingml/2006/diagram" xmlns:a="http://schemas.openxmlformats.org/drawingml/2006/main" uniqueId="urn:microsoft.com/office/officeart/2005/8/colors/accent1_2">
+  <dgm:title val=""/>
+  <dgm:desc val=""/>
+  <dgm:catLst>
+    <dgm:cat type="accent1" pri="11200"/>
+  </dgm:catLst>
+  <dgm:styleLbl name="node0">
+    <dgm:fillClrLst meth="repeat">
+      <a:schemeClr val="accent1"/>
+    </dgm:fillClrLst>
+    <dgm:linClrLst meth="repeat">
+      <a:schemeClr val="lt1"/>
+    </dgm:linClrLst>
+    <dgm:effectClrLst/>
+    <dgm:txLinClrLst/>
+    <dgm:txFillClrLst/>
+    <dgm:txEffectClrLst/>
+  </dgm:styleLbl>
+  <dgm:styleLbl name="alignNode1">
+    <dgm:fillClrLst meth="repeat">
+      <a:schemeClr val="accent1"/>
+    </dgm:fillClrLst>
+    <dgm:linClrLst meth="repeat">
+      <a:schemeClr val="accent1"/>
+    </dgm:linClrLst>
+    <dgm:effectClrLst/>
+    <dgm:txLinClrLst/>
+    <dgm:txFillClrLst/>
+    <dgm:txEffectClrLst/>
+  </dgm:styleLbl>
+  <dgm:styleLbl name="node1">
+    <dgm:fillClrLst meth="repeat">
+      <a:schemeClr val="accent1"/>
+    </dgm:fillClrLst>
+    <dgm:linClrLst meth="repeat">
+      <a:schemeClr val="lt1"/>
+    </dgm:linClrLst>
+    <dgm:effectClrLst/>
+    <dgm:txLinClrLst/>
+    <dgm:txFillClrLst/>
+    <dgm:txEffectClrLst/>
+  </dgm:styleLbl>
+  <dgm:styleLbl name="lnNode1">
+    <dgm:fillClrLst meth="repeat">
+      <a:schemeClr val="accent1"/>
+    </dgm:fillClrLst>
+    <dgm:linClrLst meth="repeat">
+      <a:schemeClr val="lt1"/>
+    </dgm:linClrLst>
+    <dgm:effectClrLst/>
+    <dgm:txLinClrLst/>
+    <dgm:txFillClrLst/>
+    <dgm:txEffectClrLst/>
+  </dgm:styleLbl>
+  <dgm:styleLbl name="vennNode1">
+    <dgm:fillClrLst meth="repeat">
+      <a:schemeClr val="accent1">
+        <a:alpha val="50000"/>
+      </a:schemeClr>
+    </dgm:fillClrLst>
+    <dgm:linClrLst meth="repeat">
+      <a:schemeClr val="lt1"/>
+    </dgm:linClrLst>
+    <dgm:effectClrLst/>
+    <dgm:txLinClrLst/>
+    <dgm:txFillClrLst/>
+    <dgm:txEffectClrLst/>
+  </dgm:styleLbl>
+  <dgm:styleLbl name="node2">
+    <dgm:fillClrLst meth="repeat">
+      <a:schemeClr val="accent1"/>
+    </dgm:fillClrLst>
+    <dgm:linClrLst meth="repeat">
+      <a:schemeClr val="lt1"/>
+    </dgm:linClrLst>
+    <dgm:effectClrLst/>
+    <dgm:txLinClrLst/>
+    <dgm:txFillClrLst/>
+    <dgm:txEffectClrLst/>
+  </dgm:styleLbl>
+  <dgm:styleLbl name="node3">
+    <dgm:fillClrLst meth="repeat">
+      <a:schemeClr val="accent1"/>
+    </dgm:fillClrLst>
+    <dgm:linClrLst meth="repeat">
+      <a:schemeClr val="lt1"/>
+    </dgm:linClrLst>
+    <dgm:effectClrLst/>
+    <dgm:txLinClrLst/>
+    <dgm:txFillClrLst/>
+    <dgm:txEffectClrLst/>
+  </dgm:styleLbl>
+  <dgm:styleLbl name="node4">
+    <dgm:fillClrLst meth="repeat">
+      <a:schemeClr val="accent1"/>
+    </dgm:fillClrLst>
+    <dgm:linClrLst meth="repeat">
+      <a:schemeClr val="lt1"/>
+    </dgm:linClrLst>
+    <dgm:effectClrLst/>
+    <dgm:txLinClrLst/>
+    <dgm:txFillClrLst/>
+    <dgm:txEffectClrLst/>
+  </dgm:styleLbl>
+  <dgm:styleLbl name="fgImgPlace1">
+    <dgm:fillClrLst meth="repeat">
+      <a:schemeClr val="accent1">
+        <a:tint val="50000"/>
+      </a:schemeClr>
+    </dgm:fillClrLst>
+    <dgm:linClrLst meth="repeat">
+      <a:schemeClr val="lt1"/>
+    </dgm:linClrLst>
+    <dgm:effectClrLst/>
+    <dgm:txLinClrLst/>
+    <dgm:txFillClrLst meth="repeat">
+      <a:schemeClr val="lt1"/>
+    </dgm:txFillClrLst>
+    <dgm:txEffectClrLst/>
+  </dgm:styleLbl>
+  <dgm:styleLbl name="alignImgPlace1">
+    <dgm:fillClrLst meth="repeat">
+      <a:schemeClr val="accent1">
+        <a:tint val="50000"/>
+      </a:schemeClr>
+    </dgm:fillClrLst>
+    <dgm:linClrLst meth="repeat">
+      <a:schemeClr val="lt1"/>
+    </dgm:linClrLst>
+    <dgm:effectClrLst/>
+    <dgm:txLinClrLst/>
+    <dgm:txFillClrLst meth="repeat">
+      <a:schemeClr val="lt1"/>
+    </dgm:txFillClrLst>
+    <dgm:txEffectClrLst/>
+  </dgm:styleLbl>
+  <dgm:styleLbl name="bgImgPlace1">
+    <dgm:fillClrLst meth="repeat">
+      <a:schemeClr val="accent1">
+        <a:tint val="50000"/>
+      </a:schemeClr>
+    </dgm:fillClrLst>
+    <dgm:linClrLst meth="repeat">
+      <a:schemeClr val="lt1"/>
+    </dgm:linClrLst>
+    <dgm:effectClrLst/>
+    <dgm:txLinClrLst/>
+    <dgm:txFillClrLst meth="repeat">
+      <a:schemeClr val="lt1"/>
+    </dgm:txFillClrLst>
+    <dgm:txEffectClrLst/>
+  </dgm:styleLbl>
+  <dgm:styleLbl name="sibTrans2D1">
+    <dgm:fillClrLst meth="repeat">
+      <a:schemeClr val="accent1">
+        <a:tint val="60000"/>
+      </a:schemeClr>
+    </dgm:fillClrLst>
+    <dgm:linClrLst meth="repeat">
+      <a:schemeClr val="accent1">
+        <a:tint val="60000"/>
+      </a:schemeClr>
+    </dgm:linClrLst>
+    <dgm:effectClrLst/>
+    <dgm:txLinClrLst/>
+    <dgm:txFillClrLst/>
+    <dgm:txEffectClrLst/>
+  </dgm:styleLbl>
+  <dgm:styleLbl name="fgSibTrans2D1">
+    <dgm:fillClrLst meth="repeat">
+      <a:schemeClr val="accent1">
+        <a:tint val="60000"/>
+      </a:schemeClr>
+    </dgm:fillClrLst>
+    <dgm:linClrLst meth="repeat">
+      <a:schemeClr val="accent1">
+        <a:tint val="60000"/>
+      </a:schemeClr>
+    </dgm:linClrLst>
+    <dgm:effectClrLst/>
+    <dgm:txLinClrLst/>
+    <dgm:txFillClrLst/>
+    <dgm:txEffectClrLst/>
+  </dgm:styleLbl>
+  <dgm:styleLbl name="bgSibTrans2D1">
+    <dgm:fillClrLst meth="repeat">
+      <a:schemeClr val="accent1">
+        <a:tint val="60000"/>
+      </a:schemeClr>
+    </dgm:fillClrLst>
+    <dgm:linClrLst meth="repeat">
+      <a:schemeClr val="accent1">
+        <a:tint val="60000"/>
+      </a:schemeClr>
+    </dgm:linClrLst>
+    <dgm:effectClrLst/>
+    <dgm:txLinClrLst/>
+    <dgm:txFillClrLst/>
+    <dgm:txEffectClrLst/>
+  </dgm:styleLbl>
+  <dgm:styleLbl name="sibTrans1D1">
+    <dgm:fillClrLst meth="repeat">
+      <a:schemeClr val="accent1"/>
+    </dgm:fillClrLst>
+    <dgm:linClrLst meth="repeat">
+      <a:schemeClr val="accent1"/>
+    </dgm:linClrLst>
+    <dgm:effectClrLst/>
+    <dgm:txLinClrLst/>
+    <dgm:txFillClrLst meth="repeat">
+      <a:schemeClr val="tx1"/>
+    </dgm:txFillClrLst>
+    <dgm:txEffectClrLst/>
+  </dgm:styleLbl>
+  <dgm:styleLbl name="callout">
+    <dgm:fillClrLst meth="repeat">
+      <a:schemeClr val="accent1"/>
+    </dgm:fillClrLst>
+    <dgm:linClrLst meth="repeat">
+      <a:schemeClr val="accent1">
+        <a:tint val="50000"/>
+      </a:schemeClr>
+    </dgm:linClrLst>
+    <dgm:effectClrLst/>
+    <dgm:txLinClrLst/>
+    <dgm:txFillClrLst meth="repeat">
+      <a:schemeClr val="tx1"/>
+    </dgm:txFillClrLst>
+    <dgm:txEffectClrLst/>
+  </dgm:styleLbl>
+  <dgm:styleLbl name="asst0">
+    <dgm:fillClrLst meth="repeat">
+      <a:schemeClr val="accent1"/>
+    </dgm:fillClrLst>
+    <dgm:linClrLst meth="repeat">
+      <a:schemeClr val="lt1"/>
+    </dgm:linClrLst>
+    <dgm:effectClrLst/>
+    <dgm:txLinClrLst/>
+    <dgm:txFillClrLst/>
+    <dgm:txEffectClrLst/>
+  </dgm:styleLbl>
+  <dgm:styleLbl name="asst1">
+    <dgm:fillClrLst meth="repeat">
+      <a:schemeClr val="accent1"/>
+    </dgm:fillClrLst>
+    <dgm:linClrLst meth="repeat">
+      <a:schemeClr val="lt1"/>
+    </dgm:linClrLst>
+    <dgm:effectClrLst/>
+    <dgm:txLinClrLst/>
+    <dgm:txFillClrLst/>
+    <dgm:txEffectClrLst/>
+  </dgm:styleLbl>
+  <dgm:styleLbl name="asst2">
+    <dgm:fillClrLst meth="repeat">
+      <a:schemeClr val="accent1"/>
+    </dgm:fillClrLst>
+    <dgm:linClrLst meth="repeat">
+      <a:schemeClr val="lt1"/>
+    </dgm:linClrLst>
+    <dgm:effectClrLst/>
+    <dgm:txLinClrLst/>
+    <dgm:txFillClrLst/>
+    <dgm:txEffectClrLst/>
+  </dgm:styleLbl>
+  <dgm:styleLbl name="asst3">
+    <dgm:fillClrLst meth="repeat">
+      <a:schemeClr val="accent1"/>
+    </dgm:fillClrLst>
+    <dgm:linClrLst meth="repeat">
+      <a:schemeClr val="lt1"/>
+    </dgm:linClrLst>
+    <dgm:effectClrLst/>
+    <dgm:txLinClrLst/>
+    <dgm:txFillClrLst/>
+    <dgm:txEffectClrLst/>
+  </dgm:styleLbl>
+  <dgm:styleLbl name="asst4">
+    <dgm:fillClrLst meth="repeat">
+      <a:schemeClr val="accent1"/>
+    </dgm:fillClrLst>
+    <dgm:linClrLst meth="repeat">
+      <a:schemeClr val="lt1"/>
+    </dgm:linClrLst>
+    <dgm:effectClrLst/>
+    <dgm:txLinClrLst/>
+    <dgm:txFillClrLst/>
+    <dgm:txEffectClrLst/>
+  </dgm:styleLbl>
+  <dgm:styleLbl name="parChTrans2D1">
+    <dgm:fillClrLst meth="repeat">
+      <a:schemeClr val="accent1">
+        <a:tint val="60000"/>
+      </a:schemeClr>
+    </dgm:fillClrLst>
+    <dgm:linClrLst meth="repeat">
+      <a:schemeClr val="accent1">
+        <a:tint val="60000"/>
+      </a:schemeClr>
+    </dgm:linClrLst>
+    <dgm:effectClrLst/>
+    <dgm:txLinClrLst/>
+    <dgm:txFillClrLst meth="repeat">
+      <a:schemeClr val="lt1"/>
+    </dgm:txFillClrLst>
+    <dgm:txEffectClrLst/>
+  </dgm:styleLbl>
+  <dgm:styleLbl name="parChTrans2D2">
+    <dgm:fillClrLst meth="repeat">
+      <a:schemeClr val="accent1"/>
+    </dgm:fillClrLst>
+    <dgm:linClrLst meth="repeat">
+      <a:schemeClr val="accent1"/>
+    </dgm:linClrLst>
+    <dgm:effectClrLst/>
+    <dgm:txLinClrLst/>
+    <dgm:txFillClrLst meth="repeat">
+      <a:schemeClr val="lt1"/>
+    </dgm:txFillClrLst>
+    <dgm:txEffectClrLst/>
+  </dgm:styleLbl>
+  <dgm:styleLbl name="parChTrans2D3">
+    <dgm:fillClrLst meth="repeat">
+      <a:schemeClr val="accent1"/>
+    </dgm:fillClrLst>
+    <dgm:linClrLst meth="repeat">
+      <a:schemeClr val="accent1"/>
+    </dgm:linClrLst>
+    <dgm:effectClrLst/>
+    <dgm:txLinClrLst/>
+    <dgm:txFillClrLst meth="repeat">
+      <a:schemeClr val="lt1"/>
+    </dgm:txFillClrLst>
+    <dgm:txEffectClrLst/>
+  </dgm:styleLbl>
+  <dgm:styleLbl name="parChTrans2D4">
+    <dgm:fillClrLst meth="repeat">
+      <a:schemeClr val="accent1"/>
+    </dgm:fillClrLst>
+    <dgm:linClrLst meth="repeat">
+      <a:schemeClr val="accent1"/>
+    </dgm:linClrLst>
+    <dgm:effectClrLst/>
+    <dgm:txLinClrLst/>
+    <dgm:txFillClrLst meth="repeat">
+      <a:schemeClr val="lt1"/>
+    </dgm:txFillClrLst>
+    <dgm:txEffectClrLst/>
+  </dgm:styleLbl>
+  <dgm:styleLbl name="parChTrans1D1">
+    <dgm:fillClrLst meth="repeat">
+      <a:schemeClr val="accent1"/>
+    </dgm:fillClrLst>
+    <dgm:linClrLst meth="repeat">
+      <a:schemeClr val="accent1">
+        <a:shade val="60000"/>
+      </a:schemeClr>
+    </dgm:linClrLst>
+    <dgm:effectClrLst/>
+    <dgm:txLinClrLst/>
+    <dgm:txFillClrLst meth="repeat">
+      <a:schemeClr val="tx1"/>
+    </dgm:txFillClrLst>
+    <dgm:txEffectClrLst/>
+  </dgm:styleLbl>
+  <dgm:styleLbl name="parChTrans1D2">
+    <dgm:fillClrLst meth="repeat">
+      <a:schemeClr val="accent1"/>
+    </dgm:fillClrLst>
+    <dgm:linClrLst meth="repeat">
+      <a:schemeClr val="accent1">
+        <a:shade val="60000"/>
+      </a:schemeClr>
+    </dgm:linClrLst>
+    <dgm:effectClrLst/>
+    <dgm:txLinClrLst/>
+    <dgm:txFillClrLst meth="repeat">
+      <a:schemeClr val="tx1"/>
+    </dgm:txFillClrLst>
+    <dgm:txEffectClrLst/>
+  </dgm:styleLbl>
+  <dgm:styleLbl name="parChTrans1D3">
+    <dgm:fillClrLst meth="repeat">
+      <a:schemeClr val="accent1"/>
+    </dgm:fillClrLst>
+    <dgm:linClrLst meth="repeat">
+      <a:schemeClr val="accent1">
+        <a:shade val="80000"/>
+      </a:schemeClr>
+    </dgm:linClrLst>
+    <dgm:effectClrLst/>
+    <dgm:txLinClrLst/>
+    <dgm:txFillClrLst meth="repeat">
+      <a:schemeClr val="tx1"/>
+    </dgm:txFillClrLst>
+    <dgm:txEffectClrLst/>
+  </dgm:styleLbl>
+  <dgm:styleLbl name="parChTrans1D4">
+    <dgm:fillClrLst meth="repeat">
+      <a:schemeClr val="accent1"/>
+    </dgm:fillClrLst>
+    <dgm:linClrLst meth="repeat">
+      <a:schemeClr val="accent1">
+        <a:shade val="80000"/>
+      </a:schemeClr>
+    </dgm:linClrLst>
+    <dgm:effectClrLst/>
+    <dgm:txLinClrLst/>
+    <dgm:txFillClrLst meth="repeat">
+      <a:schemeClr val="tx1"/>
+    </dgm:txFillClrLst>
+    <dgm:txEffectClrLst/>
+  </dgm:styleLbl>
+  <dgm:styleLbl name="fgAcc1">
+    <dgm:fillClrLst meth="repeat">
+      <a:schemeClr val="lt1">
+        <a:alpha val="90000"/>
+      </a:schemeClr>
+    </dgm:fillClrLst>
+    <dgm:linClrLst meth="repeat">
+      <a:schemeClr val="accent1"/>
+    </dgm:linClrLst>
+    <dgm:effectClrLst/>
+    <dgm:txLinClrLst/>
+    <dgm:txFillClrLst meth="repeat">
+      <a:schemeClr val="dk1"/>
+    </dgm:txFillClrLst>
+    <dgm:txEffectClrLst/>
+  </dgm:styleLbl>
+  <dgm:styleLbl name="conFgAcc1">
+    <dgm:fillClrLst meth="repeat">
+      <a:schemeClr val="lt1">
+        <a:alpha val="90000"/>
+      </a:schemeClr>
+    </dgm:fillClrLst>
+    <dgm:linClrLst meth="repeat">
+      <a:schemeClr val="accent1"/>
+    </dgm:linClrLst>
+    <dgm:effectClrLst/>
+    <dgm:txLinClrLst/>
+    <dgm:txFillClrLst meth="repeat">
+      <a:schemeClr val="dk1"/>
+    </dgm:txFillClrLst>
+    <dgm:txEffectClrLst/>
+  </dgm:styleLbl>
+  <dgm:styleLbl name="alignAcc1">
+    <dgm:fillClrLst meth="repeat">
+      <a:schemeClr val="lt1">
+        <a:alpha val="90000"/>
+      </a:schemeClr>
+    </dgm:fillClrLst>
+    <dgm:linClrLst meth="repeat">
+      <a:schemeClr val="accent1"/>
+    </dgm:linClrLst>
+    <dgm:effectClrLst/>
+    <dgm:txLinClrLst/>
+    <dgm:txFillClrLst meth="repeat">
+      <a:schemeClr val="dk1"/>
+    </dgm:txFillClrLst>
+    <dgm:txEffectClrLst/>
+  </dgm:styleLbl>
+  <dgm:styleLbl name="trAlignAcc1">
+    <dgm:fillClrLst meth="repeat">
+      <a:schemeClr val="lt1">
+        <a:alpha val="40000"/>
+      </a:schemeClr>
+    </dgm:fillClrLst>
+    <dgm:linClrLst meth="repeat">
+      <a:schemeClr val="accent1"/>
+    </dgm:linClrLst>
+    <dgm:effectClrLst/>
+    <dgm:txLinClrLst/>
+    <dgm:txFillClrLst meth="repeat">
+      <a:schemeClr val="dk1"/>
+    </dgm:txFillClrLst>
+    <dgm:txEffectClrLst/>
+  </dgm:styleLbl>
+  <dgm:styleLbl name="bgAcc1">
+    <dgm:fillClrLst meth="repeat">
+      <a:schemeClr val="lt1">
+        <a:alpha val="90000"/>
+      </a:schemeClr>
+    </dgm:fillClrLst>
+    <dgm:linClrLst meth="repeat">
+      <a:schemeClr val="accent1"/>
+    </dgm:linClrLst>
+    <dgm:effectClrLst/>
+    <dgm:txLinClrLst/>
+    <dgm:txFillClrLst meth="repeat">
+      <a:schemeClr val="dk1"/>
+    </dgm:txFillClrLst>
+    <dgm:txEffectClrLst/>
+  </dgm:styleLbl>
+  <dgm:styleLbl name="solidFgAcc1">
+    <dgm:fillClrLst meth="repeat">
+      <a:schemeClr val="lt1"/>
+    </dgm:fillClrLst>
+    <dgm:linClrLst meth="repeat">
+      <a:schemeClr val="accent1"/>
+    </dgm:linClrLst>
+    <dgm:effectClrLst/>
+    <dgm:txLinClrLst/>
+    <dgm:txFillClrLst meth="repeat">
+      <a:schemeClr val="dk1"/>
+    </dgm:txFillClrLst>
+    <dgm:txEffectClrLst/>
+  </dgm:styleLbl>
+  <dgm:styleLbl name="solidAlignAcc1">
+    <dgm:fillClrLst meth="repeat">
+      <a:schemeClr val="lt1"/>
+    </dgm:fillClrLst>
+    <dgm:linClrLst meth="repeat">
+      <a:schemeClr val="accent1"/>
+    </dgm:linClrLst>
+    <dgm:effectClrLst/>
+    <dgm:txLinClrLst/>
+    <dgm:txFillClrLst meth="repeat">
+      <a:schemeClr val="dk1"/>
+    </dgm:txFillClrLst>
+    <dgm:txEffectClrLst/>
+  </dgm:styleLbl>
+  <dgm:styleLbl name="solidBgAcc1">
+    <dgm:fillClrLst meth="repeat">
+      <a:schemeClr val="lt1"/>
+    </dgm:fillClrLst>
+    <dgm:linClrLst meth="repeat">
+      <a:schemeClr val="accent1"/>
+    </dgm:linClrLst>
+    <dgm:effectClrLst/>
+    <dgm:txLinClrLst/>
+    <dgm:txFillClrLst meth="repeat">
+      <a:schemeClr val="dk1"/>
+    </dgm:txFillClrLst>
+    <dgm:txEffectClrLst/>
+  </dgm:styleLbl>
+  <dgm:styleLbl name="fgAccFollowNode1">
+    <dgm:fillClrLst meth="repeat">
+      <a:schemeClr val="accent1">
+        <a:alpha val="90000"/>
+        <a:tint val="40000"/>
+      </a:schemeClr>
+    </dgm:fillClrLst>
+    <dgm:linClrLst meth="repeat">
+      <a:schemeClr val="accent1">
+        <a:alpha val="90000"/>
+        <a:tint val="40000"/>
+      </a:schemeClr>
+    </dgm:linClrLst>
+    <dgm:effectClrLst/>
+    <dgm:txLinClrLst/>
+    <dgm:txFillClrLst meth="repeat">
+      <a:schemeClr val="dk1"/>
+    </dgm:txFillClrLst>
+    <dgm:txEffectClrLst/>
+  </dgm:styleLbl>
+  <dgm:styleLbl name="alignAccFollowNode1">
+    <dgm:fillClrLst meth="repeat">
+      <a:schemeClr val="accent1">
+        <a:alpha val="90000"/>
+        <a:tint val="40000"/>
+      </a:schemeClr>
+    </dgm:fillClrLst>
+    <dgm:linClrLst meth="repeat">
+      <a:schemeClr val="accent1">
+        <a:alpha val="90000"/>
+        <a:tint val="40000"/>
+      </a:schemeClr>
+    </dgm:linClrLst>
+    <dgm:effectClrLst/>
+    <dgm:txLinClrLst/>
+    <dgm:txFillClrLst meth="repeat">
+      <a:schemeClr val="dk1"/>
+    </dgm:txFillClrLst>
+    <dgm:txEffectClrLst/>
+  </dgm:styleLbl>
+  <dgm:styleLbl name="bgAccFollowNode1">
+    <dgm:fillClrLst meth="repeat">
+      <a:schemeClr val="accent1">
+        <a:alpha val="90000"/>
+        <a:tint val="40000"/>
+      </a:schemeClr>
+    </dgm:fillClrLst>
+    <dgm:linClrLst meth="repeat">
+      <a:schemeClr val="accent1">
+        <a:alpha val="90000"/>
+        <a:tint val="40000"/>
+      </a:schemeClr>
+    </dgm:linClrLst>
+    <dgm:effectClrLst/>
+    <dgm:txLinClrLst/>
+    <dgm:txFillClrLst meth="repeat">
+      <a:schemeClr val="dk1"/>
+    </dgm:txFillClrLst>
+    <dgm:txEffectClrLst/>
+  </dgm:styleLbl>
+  <dgm:styleLbl name="fgAcc0">
+    <dgm:fillClrLst meth="repeat">
+      <a:schemeClr val="lt1">
+        <a:alpha val="90000"/>
+      </a:schemeClr>
+    </dgm:fillClrLst>
+    <dgm:linClrLst meth="repeat">
+      <a:schemeClr val="accent1"/>
+    </dgm:linClrLst>
+    <dgm:effectClrLst/>
+    <dgm:txLinClrLst/>
+    <dgm:txFillClrLst meth="repeat">
+      <a:schemeClr val="dk1"/>
+    </dgm:txFillClrLst>
+    <dgm:txEffectClrLst/>
+  </dgm:styleLbl>
+  <dgm:styleLbl name="fgAcc2">
+    <dgm:fillClrLst meth="repeat">
+      <a:schemeClr val="lt1">
+        <a:alpha val="90000"/>
+      </a:schemeClr>
+    </dgm:fillClrLst>
+    <dgm:linClrLst meth="repeat">
+      <a:schemeClr val="accent1"/>
+    </dgm:linClrLst>
+    <dgm:effectClrLst/>
+    <dgm:txLinClrLst/>
+    <dgm:txFillClrLst meth="repeat">
+      <a:schemeClr val="dk1"/>
+    </dgm:txFillClrLst>
+    <dgm:txEffectClrLst/>
+  </dgm:styleLbl>
+  <dgm:styleLbl name="fgAcc3">
+    <dgm:fillClrLst meth="repeat">
+      <a:schemeClr val="lt1">
+        <a:alpha val="90000"/>
+      </a:schemeClr>
+    </dgm:fillClrLst>
+    <dgm:linClrLst meth="repeat">
+      <a:schemeClr val="accent1"/>
+    </dgm:linClrLst>
+    <dgm:effectClrLst/>
+    <dgm:txLinClrLst/>
+    <dgm:txFillClrLst meth="repeat">
+      <a:schemeClr val="dk1"/>
+    </dgm:txFillClrLst>
+    <dgm:txEffectClrLst/>
+  </dgm:styleLbl>
+  <dgm:styleLbl name="fgAcc4">
+    <dgm:fillClrLst meth="repeat">
+      <a:schemeClr val="lt1">
+        <a:alpha val="90000"/>
+      </a:schemeClr>
+    </dgm:fillClrLst>
+    <dgm:linClrLst meth="repeat">
+      <a:schemeClr val="accent1"/>
+    </dgm:linClrLst>
+    <dgm:effectClrLst/>
+    <dgm:txLinClrLst/>
+    <dgm:txFillClrLst meth="repeat">
+      <a:schemeClr val="dk1"/>
+    </dgm:txFillClrLst>
+    <dgm:txEffectClrLst/>
+  </dgm:styleLbl>
+  <dgm:styleLbl name="bgShp">
+    <dgm:fillClrLst meth="repeat">
+      <a:schemeClr val="accent1">
+        <a:tint val="40000"/>
+      </a:schemeClr>
+    </dgm:fillClrLst>
+    <dgm:linClrLst meth="repeat">
+      <a:schemeClr val="accent1"/>
+    </dgm:linClrLst>
+    <dgm:effectClrLst/>
+    <dgm:txLinClrLst/>
+    <dgm:txFillClrLst meth="repeat">
+      <a:schemeClr val="dk1"/>
+    </dgm:txFillClrLst>
+    <dgm:txEffectClrLst/>
+  </dgm:styleLbl>
+  <dgm:styleLbl name="dkBgShp">
+    <dgm:fillClrLst meth="repeat">
+      <a:schemeClr val="accent1">
+        <a:shade val="80000"/>
+      </a:schemeClr>
+    </dgm:fillClrLst>
+    <dgm:linClrLst meth="repeat">
+      <a:schemeClr val="accent1"/>
+    </dgm:linClrLst>
+    <dgm:effectClrLst/>
+    <dgm:txLinClrLst/>
+    <dgm:txFillClrLst meth="repeat">
+      <a:schemeClr val="lt1"/>
+    </dgm:txFillClrLst>
+    <dgm:txEffectClrLst/>
+  </dgm:styleLbl>
+  <dgm:styleLbl name="trBgShp">
+    <dgm:fillClrLst meth="repeat">
+      <a:schemeClr val="accent1">
+        <a:tint val="50000"/>
+        <a:alpha val="40000"/>
+      </a:schemeClr>
+    </dgm:fillClrLst>
+    <dgm:linClrLst meth="repeat">
+      <a:schemeClr val="accent1"/>
+    </dgm:linClrLst>
+    <dgm:effectClrLst/>
+    <dgm:txLinClrLst/>
+    <dgm:txFillClrLst meth="repeat">
+      <a:schemeClr val="lt1"/>
+    </dgm:txFillClrLst>
+    <dgm:txEffectClrLst/>
+  </dgm:styleLbl>
+  <dgm:styleLbl name="fgShp">
+    <dgm:fillClrLst meth="repeat">
+      <a:schemeClr val="accent1">
+        <a:tint val="60000"/>
+      </a:schemeClr>
+    </dgm:fillClrLst>
+    <dgm:linClrLst meth="repeat">
+      <a:schemeClr val="lt1"/>
+    </dgm:linClrLst>
+    <dgm:effectClrLst/>
+    <dgm:txLinClrLst/>
+    <dgm:txFillClrLst meth="repeat">
+      <a:schemeClr val="dk1"/>
+    </dgm:txFillClrLst>
+    <dgm:txEffectClrLst/>
+  </dgm:styleLbl>
+  <dgm:styleLbl name="revTx">
+    <dgm:fillClrLst meth="repeat">
+      <a:schemeClr val="lt1">
+        <a:alpha val="0"/>
+      </a:schemeClr>
+    </dgm:fillClrLst>
+    <dgm:linClrLst meth="repeat">
+      <a:schemeClr val="dk1">
+        <a:alpha val="0"/>
+      </a:schemeClr>
+    </dgm:linClrLst>
+    <dgm:effectClrLst/>
+    <dgm:txLinClrLst/>
+    <dgm:txFillClrLst meth="repeat">
+      <a:schemeClr val="tx1"/>
+    </dgm:txFillClrLst>
+    <dgm:txEffectClrLst/>
+  </dgm:styleLbl>
+</dgm:colorsDef>
+</file>
+
+<file path=ppt/diagrams/data1.xml><?xml version="1.0" encoding="utf-8"?>
+<dgm:dataModel xmlns:dgm="http://schemas.openxmlformats.org/drawingml/2006/diagram" xmlns:a="http://schemas.openxmlformats.org/drawingml/2006/main">
+  <dgm:ptLst>
+    <dgm:pt modelId="{118E16F9-6405-4F1E-92C9-9F1F40918A9A}" type="doc">
+      <dgm:prSet loTypeId="urn:microsoft.com/office/officeart/2005/8/layout/vList5" loCatId="list" qsTypeId="urn:microsoft.com/office/officeart/2005/8/quickstyle/simple1" qsCatId="simple" csTypeId="urn:microsoft.com/office/officeart/2005/8/colors/accent1_2" csCatId="accent1"/>
+      <dgm:spPr/>
+      <dgm:t>
+        <a:bodyPr/>
+        <a:lstStyle/>
+        <a:p>
+          <a:endParaRPr lang="de-DE"/>
+        </a:p>
+      </dgm:t>
+    </dgm:pt>
+    <dgm:pt modelId="{E24A44A3-BF08-4BE0-8115-EC0657CDA1B9}">
+      <dgm:prSet/>
+      <dgm:spPr/>
+      <dgm:t>
+        <a:bodyPr/>
+        <a:lstStyle/>
+        <a:p>
+          <a:pPr rtl="0"/>
+          <a:r>
+            <a:rPr lang="de-DE" dirty="0" smtClean="0"/>
+            <a:t>Modelle : -7h</a:t>
+          </a:r>
+          <a:endParaRPr lang="de-DE" dirty="0"/>
+        </a:p>
+      </dgm:t>
+    </dgm:pt>
+    <dgm:pt modelId="{79DC79CA-5319-4A69-BB04-79A4E4D03BA2}" type="parTrans" cxnId="{CAA581BB-E5C2-444E-830D-5C6512B83EB2}">
+      <dgm:prSet/>
+      <dgm:spPr/>
+      <dgm:t>
+        <a:bodyPr/>
+        <a:lstStyle/>
+        <a:p>
+          <a:endParaRPr lang="de-DE"/>
+        </a:p>
+      </dgm:t>
+    </dgm:pt>
+    <dgm:pt modelId="{5D5141B2-DFAB-4BFC-9C05-E0AD4C1DDF82}" type="sibTrans" cxnId="{CAA581BB-E5C2-444E-830D-5C6512B83EB2}">
+      <dgm:prSet/>
+      <dgm:spPr/>
+      <dgm:t>
+        <a:bodyPr/>
+        <a:lstStyle/>
+        <a:p>
+          <a:endParaRPr lang="de-DE"/>
+        </a:p>
+      </dgm:t>
+    </dgm:pt>
+    <dgm:pt modelId="{D3B9661F-A3E2-4262-8E57-2196A6CDA6DC}">
+      <dgm:prSet/>
+      <dgm:spPr/>
+      <dgm:t>
+        <a:bodyPr/>
+        <a:lstStyle/>
+        <a:p>
+          <a:pPr rtl="0"/>
+          <a:r>
+            <a:rPr lang="de-DE" dirty="0" err="1" smtClean="0"/>
+            <a:t>Fixtures</a:t>
+          </a:r>
+          <a:r>
+            <a:rPr lang="de-DE" dirty="0" smtClean="0"/>
+            <a:t> : +7</a:t>
+          </a:r>
+          <a:endParaRPr lang="de-DE" dirty="0"/>
+        </a:p>
+      </dgm:t>
+    </dgm:pt>
+    <dgm:pt modelId="{76A6B10C-5EA1-426E-9A4F-8DC80839A2C6}" type="parTrans" cxnId="{799B8845-34B6-47ED-A46F-147CF86186E6}">
+      <dgm:prSet/>
+      <dgm:spPr/>
+      <dgm:t>
+        <a:bodyPr/>
+        <a:lstStyle/>
+        <a:p>
+          <a:endParaRPr lang="de-DE"/>
+        </a:p>
+      </dgm:t>
+    </dgm:pt>
+    <dgm:pt modelId="{F7B3E1B4-46D7-48FD-A572-6C892F64902A}" type="sibTrans" cxnId="{799B8845-34B6-47ED-A46F-147CF86186E6}">
+      <dgm:prSet/>
+      <dgm:spPr/>
+      <dgm:t>
+        <a:bodyPr/>
+        <a:lstStyle/>
+        <a:p>
+          <a:endParaRPr lang="de-DE"/>
+        </a:p>
+      </dgm:t>
+    </dgm:pt>
+    <dgm:pt modelId="{BBACE499-9FFB-452F-ADE7-BD5B8DCEE209}">
+      <dgm:prSet/>
+      <dgm:spPr/>
+      <dgm:t>
+        <a:bodyPr/>
+        <a:lstStyle/>
+        <a:p>
+          <a:pPr rtl="0"/>
+          <a:r>
+            <a:rPr lang="de-DE" dirty="0" smtClean="0"/>
+            <a:t>Manuelle- statt Modultests</a:t>
+          </a:r>
+          <a:endParaRPr lang="de-DE" dirty="0"/>
+        </a:p>
+      </dgm:t>
+    </dgm:pt>
+    <dgm:pt modelId="{009EF4A8-A2D8-4472-877A-DA1E7A27E1AE}" type="parTrans" cxnId="{260357FC-F84C-4967-8961-CD0F134BBD30}">
+      <dgm:prSet/>
+      <dgm:spPr/>
+      <dgm:t>
+        <a:bodyPr/>
+        <a:lstStyle/>
+        <a:p>
+          <a:endParaRPr lang="de-DE"/>
+        </a:p>
+      </dgm:t>
+    </dgm:pt>
+    <dgm:pt modelId="{666BE02F-EC05-4BF7-8187-C70C864C651B}" type="sibTrans" cxnId="{260357FC-F84C-4967-8961-CD0F134BBD30}">
+      <dgm:prSet/>
+      <dgm:spPr/>
+      <dgm:t>
+        <a:bodyPr/>
+        <a:lstStyle/>
+        <a:p>
+          <a:endParaRPr lang="de-DE"/>
+        </a:p>
+      </dgm:t>
+    </dgm:pt>
+    <dgm:pt modelId="{737C3B57-6D91-4521-8DE6-721D67121A69}" type="pres">
+      <dgm:prSet presAssocID="{118E16F9-6405-4F1E-92C9-9F1F40918A9A}" presName="Name0" presStyleCnt="0">
+        <dgm:presLayoutVars>
+          <dgm:dir/>
+          <dgm:animLvl val="lvl"/>
+          <dgm:resizeHandles val="exact"/>
+        </dgm:presLayoutVars>
+      </dgm:prSet>
+      <dgm:spPr/>
+    </dgm:pt>
+    <dgm:pt modelId="{71EC3D6D-92C2-4ECC-AE6B-9C03ADD05EC1}" type="pres">
+      <dgm:prSet presAssocID="{E24A44A3-BF08-4BE0-8115-EC0657CDA1B9}" presName="linNode" presStyleCnt="0"/>
+      <dgm:spPr/>
+    </dgm:pt>
+    <dgm:pt modelId="{92051009-74A6-45C4-B352-FC35C4436E5E}" type="pres">
+      <dgm:prSet presAssocID="{E24A44A3-BF08-4BE0-8115-EC0657CDA1B9}" presName="parentText" presStyleLbl="node1" presStyleIdx="0" presStyleCnt="3">
+        <dgm:presLayoutVars>
+          <dgm:chMax val="1"/>
+          <dgm:bulletEnabled val="1"/>
+        </dgm:presLayoutVars>
+      </dgm:prSet>
+      <dgm:spPr/>
+    </dgm:pt>
+    <dgm:pt modelId="{2AAA2D92-F877-4BE4-B815-F1D3F2F0D72B}" type="pres">
+      <dgm:prSet presAssocID="{5D5141B2-DFAB-4BFC-9C05-E0AD4C1DDF82}" presName="sp" presStyleCnt="0"/>
+      <dgm:spPr/>
+    </dgm:pt>
+    <dgm:pt modelId="{20DA496A-A267-4661-BDDA-19769991013C}" type="pres">
+      <dgm:prSet presAssocID="{D3B9661F-A3E2-4262-8E57-2196A6CDA6DC}" presName="linNode" presStyleCnt="0"/>
+      <dgm:spPr/>
+    </dgm:pt>
+    <dgm:pt modelId="{00F15BE8-36D2-4995-976F-26E50F7117A6}" type="pres">
+      <dgm:prSet presAssocID="{D3B9661F-A3E2-4262-8E57-2196A6CDA6DC}" presName="parentText" presStyleLbl="node1" presStyleIdx="1" presStyleCnt="3">
+        <dgm:presLayoutVars>
+          <dgm:chMax val="1"/>
+          <dgm:bulletEnabled val="1"/>
+        </dgm:presLayoutVars>
+      </dgm:prSet>
+      <dgm:spPr/>
+    </dgm:pt>
+    <dgm:pt modelId="{457F35AE-88DC-4BE2-920F-EA910BBD904D}" type="pres">
+      <dgm:prSet presAssocID="{F7B3E1B4-46D7-48FD-A572-6C892F64902A}" presName="sp" presStyleCnt="0"/>
+      <dgm:spPr/>
+    </dgm:pt>
+    <dgm:pt modelId="{BFD6503A-5E64-45F0-9FDF-EE9DAEB98DAA}" type="pres">
+      <dgm:prSet presAssocID="{BBACE499-9FFB-452F-ADE7-BD5B8DCEE209}" presName="linNode" presStyleCnt="0"/>
+      <dgm:spPr/>
+    </dgm:pt>
+    <dgm:pt modelId="{311FB5E6-D58E-4C20-A971-D92FCC10B81F}" type="pres">
+      <dgm:prSet presAssocID="{BBACE499-9FFB-452F-ADE7-BD5B8DCEE209}" presName="parentText" presStyleLbl="node1" presStyleIdx="2" presStyleCnt="3">
+        <dgm:presLayoutVars>
+          <dgm:chMax val="1"/>
+          <dgm:bulletEnabled val="1"/>
+        </dgm:presLayoutVars>
+      </dgm:prSet>
+      <dgm:spPr/>
+    </dgm:pt>
+  </dgm:ptLst>
+  <dgm:cxnLst>
+    <dgm:cxn modelId="{4F037FC4-CA3A-41D8-B1F0-5E272B57E8EB}" type="presOf" srcId="{BBACE499-9FFB-452F-ADE7-BD5B8DCEE209}" destId="{311FB5E6-D58E-4C20-A971-D92FCC10B81F}" srcOrd="0" destOrd="0" presId="urn:microsoft.com/office/officeart/2005/8/layout/vList5"/>
+    <dgm:cxn modelId="{260357FC-F84C-4967-8961-CD0F134BBD30}" srcId="{118E16F9-6405-4F1E-92C9-9F1F40918A9A}" destId="{BBACE499-9FFB-452F-ADE7-BD5B8DCEE209}" srcOrd="2" destOrd="0" parTransId="{009EF4A8-A2D8-4472-877A-DA1E7A27E1AE}" sibTransId="{666BE02F-EC05-4BF7-8187-C70C864C651B}"/>
+    <dgm:cxn modelId="{A1218DCB-7246-49F6-8099-E35904561D48}" type="presOf" srcId="{E24A44A3-BF08-4BE0-8115-EC0657CDA1B9}" destId="{92051009-74A6-45C4-B352-FC35C4436E5E}" srcOrd="0" destOrd="0" presId="urn:microsoft.com/office/officeart/2005/8/layout/vList5"/>
+    <dgm:cxn modelId="{9BA15140-7CD2-48C9-8D5D-EB2C79C08D38}" type="presOf" srcId="{D3B9661F-A3E2-4262-8E57-2196A6CDA6DC}" destId="{00F15BE8-36D2-4995-976F-26E50F7117A6}" srcOrd="0" destOrd="0" presId="urn:microsoft.com/office/officeart/2005/8/layout/vList5"/>
+    <dgm:cxn modelId="{799B8845-34B6-47ED-A46F-147CF86186E6}" srcId="{118E16F9-6405-4F1E-92C9-9F1F40918A9A}" destId="{D3B9661F-A3E2-4262-8E57-2196A6CDA6DC}" srcOrd="1" destOrd="0" parTransId="{76A6B10C-5EA1-426E-9A4F-8DC80839A2C6}" sibTransId="{F7B3E1B4-46D7-48FD-A572-6C892F64902A}"/>
+    <dgm:cxn modelId="{CAA581BB-E5C2-444E-830D-5C6512B83EB2}" srcId="{118E16F9-6405-4F1E-92C9-9F1F40918A9A}" destId="{E24A44A3-BF08-4BE0-8115-EC0657CDA1B9}" srcOrd="0" destOrd="0" parTransId="{79DC79CA-5319-4A69-BB04-79A4E4D03BA2}" sibTransId="{5D5141B2-DFAB-4BFC-9C05-E0AD4C1DDF82}"/>
+    <dgm:cxn modelId="{F0C4D8A6-9931-4DB0-8D7D-F3B55C71A92E}" type="presOf" srcId="{118E16F9-6405-4F1E-92C9-9F1F40918A9A}" destId="{737C3B57-6D91-4521-8DE6-721D67121A69}" srcOrd="0" destOrd="0" presId="urn:microsoft.com/office/officeart/2005/8/layout/vList5"/>
+    <dgm:cxn modelId="{43D61345-0692-42C8-93A8-B186051472B4}" type="presParOf" srcId="{737C3B57-6D91-4521-8DE6-721D67121A69}" destId="{71EC3D6D-92C2-4ECC-AE6B-9C03ADD05EC1}" srcOrd="0" destOrd="0" presId="urn:microsoft.com/office/officeart/2005/8/layout/vList5"/>
+    <dgm:cxn modelId="{B1A79B68-FD4D-4662-BEFD-3D62FA84A77D}" type="presParOf" srcId="{71EC3D6D-92C2-4ECC-AE6B-9C03ADD05EC1}" destId="{92051009-74A6-45C4-B352-FC35C4436E5E}" srcOrd="0" destOrd="0" presId="urn:microsoft.com/office/officeart/2005/8/layout/vList5"/>
+    <dgm:cxn modelId="{B056DEF3-B9C7-4898-BE21-FE8FD9F2057D}" type="presParOf" srcId="{737C3B57-6D91-4521-8DE6-721D67121A69}" destId="{2AAA2D92-F877-4BE4-B815-F1D3F2F0D72B}" srcOrd="1" destOrd="0" presId="urn:microsoft.com/office/officeart/2005/8/layout/vList5"/>
+    <dgm:cxn modelId="{B506B0AA-8116-480D-87C5-E08F983DCB44}" type="presParOf" srcId="{737C3B57-6D91-4521-8DE6-721D67121A69}" destId="{20DA496A-A267-4661-BDDA-19769991013C}" srcOrd="2" destOrd="0" presId="urn:microsoft.com/office/officeart/2005/8/layout/vList5"/>
+    <dgm:cxn modelId="{CDAF15BD-D4AE-4187-B8B3-D96E4EE2D330}" type="presParOf" srcId="{20DA496A-A267-4661-BDDA-19769991013C}" destId="{00F15BE8-36D2-4995-976F-26E50F7117A6}" srcOrd="0" destOrd="0" presId="urn:microsoft.com/office/officeart/2005/8/layout/vList5"/>
+    <dgm:cxn modelId="{EA91FFAF-3516-4C57-AAC7-016F58139CAD}" type="presParOf" srcId="{737C3B57-6D91-4521-8DE6-721D67121A69}" destId="{457F35AE-88DC-4BE2-920F-EA910BBD904D}" srcOrd="3" destOrd="0" presId="urn:microsoft.com/office/officeart/2005/8/layout/vList5"/>
+    <dgm:cxn modelId="{67B77021-86F8-4CD4-98F2-41548DA6DE00}" type="presParOf" srcId="{737C3B57-6D91-4521-8DE6-721D67121A69}" destId="{BFD6503A-5E64-45F0-9FDF-EE9DAEB98DAA}" srcOrd="4" destOrd="0" presId="urn:microsoft.com/office/officeart/2005/8/layout/vList5"/>
+    <dgm:cxn modelId="{7B776F34-076D-474A-9722-9E6679EDEA6C}" type="presParOf" srcId="{BFD6503A-5E64-45F0-9FDF-EE9DAEB98DAA}" destId="{311FB5E6-D58E-4C20-A971-D92FCC10B81F}" srcOrd="0" destOrd="0" presId="urn:microsoft.com/office/officeart/2005/8/layout/vList5"/>
+  </dgm:cxnLst>
+  <dgm:bg/>
+  <dgm:whole/>
+  <dgm:extLst>
+    <a:ext uri="http://schemas.microsoft.com/office/drawing/2008/diagram">
+      <dsp:dataModelExt xmlns:dsp="http://schemas.microsoft.com/office/drawing/2008/diagram" xmlns="" relId="rId6" minVer="http://schemas.openxmlformats.org/drawingml/2006/diagram"/>
+    </a:ext>
+  </dgm:extLst>
+</dgm:dataModel>
+</file>
+
+<file path=ppt/diagrams/data2.xml><?xml version="1.0" encoding="utf-8"?>
+<dgm:dataModel xmlns:dgm="http://schemas.openxmlformats.org/drawingml/2006/diagram" xmlns:a="http://schemas.openxmlformats.org/drawingml/2006/main">
+  <dgm:ptLst>
+    <dgm:pt modelId="{1790D9E2-9743-4F1E-A0D8-2C72B0E06EFC}" type="doc">
+      <dgm:prSet loTypeId="urn:microsoft.com/office/officeart/2005/8/layout/vList5" loCatId="list" qsTypeId="urn:microsoft.com/office/officeart/2005/8/quickstyle/simple1" qsCatId="simple" csTypeId="urn:microsoft.com/office/officeart/2005/8/colors/accent1_2" csCatId="accent1"/>
+      <dgm:spPr/>
+      <dgm:t>
+        <a:bodyPr/>
+        <a:lstStyle/>
+        <a:p>
+          <a:endParaRPr lang="de-DE"/>
+        </a:p>
+      </dgm:t>
+    </dgm:pt>
+    <dgm:pt modelId="{8FFECAD1-8393-44DC-9FFB-186E97B545B2}">
+      <dgm:prSet/>
+      <dgm:spPr/>
+      <dgm:t>
+        <a:bodyPr/>
+        <a:lstStyle/>
+        <a:p>
+          <a:pPr rtl="0"/>
+          <a:r>
+            <a:rPr lang="de-DE" dirty="0" smtClean="0"/>
+            <a:t>Modelle : -1h</a:t>
+          </a:r>
+          <a:endParaRPr lang="de-DE" dirty="0"/>
+        </a:p>
+      </dgm:t>
+    </dgm:pt>
+    <dgm:pt modelId="{944CCEF5-DE5E-4D95-9FE8-68879EB724D1}" type="parTrans" cxnId="{23F60F9D-4247-4F34-A03F-5D6E784CA3A6}">
+      <dgm:prSet/>
+      <dgm:spPr/>
+      <dgm:t>
+        <a:bodyPr/>
+        <a:lstStyle/>
+        <a:p>
+          <a:endParaRPr lang="de-DE"/>
+        </a:p>
+      </dgm:t>
+    </dgm:pt>
+    <dgm:pt modelId="{18009103-2941-4BBF-ACDF-E0FB511B688E}" type="sibTrans" cxnId="{23F60F9D-4247-4F34-A03F-5D6E784CA3A6}">
+      <dgm:prSet/>
+      <dgm:spPr/>
+      <dgm:t>
+        <a:bodyPr/>
+        <a:lstStyle/>
+        <a:p>
+          <a:endParaRPr lang="de-DE"/>
+        </a:p>
+      </dgm:t>
+    </dgm:pt>
+    <dgm:pt modelId="{A1E852E9-8BAB-41CF-AC9E-D043A9380CAC}">
+      <dgm:prSet/>
+      <dgm:spPr/>
+      <dgm:t>
+        <a:bodyPr/>
+        <a:lstStyle/>
+        <a:p>
+          <a:pPr rtl="0"/>
+          <a:r>
+            <a:rPr lang="de-DE" dirty="0" smtClean="0"/>
+            <a:t>Doku : +2h</a:t>
+          </a:r>
+          <a:endParaRPr lang="de-DE" dirty="0"/>
+        </a:p>
+      </dgm:t>
+    </dgm:pt>
+    <dgm:pt modelId="{BAD325A7-A702-4417-B59F-D9EE117F2B19}" type="parTrans" cxnId="{F8E8226A-2C00-4F0C-84A6-B720ADED4A13}">
+      <dgm:prSet/>
+      <dgm:spPr/>
+      <dgm:t>
+        <a:bodyPr/>
+        <a:lstStyle/>
+        <a:p>
+          <a:endParaRPr lang="de-DE"/>
+        </a:p>
+      </dgm:t>
+    </dgm:pt>
+    <dgm:pt modelId="{5EA9BB94-DA5E-4127-A6D0-166B2FAD5344}" type="sibTrans" cxnId="{F8E8226A-2C00-4F0C-84A6-B720ADED4A13}">
+      <dgm:prSet/>
+      <dgm:spPr/>
+      <dgm:t>
+        <a:bodyPr/>
+        <a:lstStyle/>
+        <a:p>
+          <a:endParaRPr lang="de-DE"/>
+        </a:p>
+      </dgm:t>
+    </dgm:pt>
+    <dgm:pt modelId="{D5454114-8110-4FD6-AB82-105384C3DB80}" type="pres">
+      <dgm:prSet presAssocID="{1790D9E2-9743-4F1E-A0D8-2C72B0E06EFC}" presName="Name0" presStyleCnt="0">
+        <dgm:presLayoutVars>
+          <dgm:dir/>
+          <dgm:animLvl val="lvl"/>
+          <dgm:resizeHandles val="exact"/>
+        </dgm:presLayoutVars>
+      </dgm:prSet>
+      <dgm:spPr/>
+    </dgm:pt>
+    <dgm:pt modelId="{378740A8-145B-40B4-9AD4-5D694068EE77}" type="pres">
+      <dgm:prSet presAssocID="{8FFECAD1-8393-44DC-9FFB-186E97B545B2}" presName="linNode" presStyleCnt="0"/>
+      <dgm:spPr/>
+    </dgm:pt>
+    <dgm:pt modelId="{0EEC1B93-EA32-4CE5-9AE1-B77396255A10}" type="pres">
+      <dgm:prSet presAssocID="{8FFECAD1-8393-44DC-9FFB-186E97B545B2}" presName="parentText" presStyleLbl="node1" presStyleIdx="0" presStyleCnt="2">
+        <dgm:presLayoutVars>
+          <dgm:chMax val="1"/>
+          <dgm:bulletEnabled val="1"/>
+        </dgm:presLayoutVars>
+      </dgm:prSet>
+      <dgm:spPr/>
+    </dgm:pt>
+    <dgm:pt modelId="{769DD015-5267-4E33-AFA7-406EE0818B20}" type="pres">
+      <dgm:prSet presAssocID="{18009103-2941-4BBF-ACDF-E0FB511B688E}" presName="sp" presStyleCnt="0"/>
+      <dgm:spPr/>
+    </dgm:pt>
+    <dgm:pt modelId="{1809FC62-F2EA-4FB5-9C41-1C24F5173153}" type="pres">
+      <dgm:prSet presAssocID="{A1E852E9-8BAB-41CF-AC9E-D043A9380CAC}" presName="linNode" presStyleCnt="0"/>
+      <dgm:spPr/>
+    </dgm:pt>
+    <dgm:pt modelId="{870FC55C-69CF-4FB8-8DAA-AC49AF4D1F00}" type="pres">
+      <dgm:prSet presAssocID="{A1E852E9-8BAB-41CF-AC9E-D043A9380CAC}" presName="parentText" presStyleLbl="node1" presStyleIdx="1" presStyleCnt="2">
+        <dgm:presLayoutVars>
+          <dgm:chMax val="1"/>
+          <dgm:bulletEnabled val="1"/>
+        </dgm:presLayoutVars>
+      </dgm:prSet>
+      <dgm:spPr/>
+    </dgm:pt>
+  </dgm:ptLst>
+  <dgm:cxnLst>
+    <dgm:cxn modelId="{6F42B632-86A1-4392-A092-5C8B3BBF01F7}" type="presOf" srcId="{8FFECAD1-8393-44DC-9FFB-186E97B545B2}" destId="{0EEC1B93-EA32-4CE5-9AE1-B77396255A10}" srcOrd="0" destOrd="0" presId="urn:microsoft.com/office/officeart/2005/8/layout/vList5"/>
+    <dgm:cxn modelId="{23F60F9D-4247-4F34-A03F-5D6E784CA3A6}" srcId="{1790D9E2-9743-4F1E-A0D8-2C72B0E06EFC}" destId="{8FFECAD1-8393-44DC-9FFB-186E97B545B2}" srcOrd="0" destOrd="0" parTransId="{944CCEF5-DE5E-4D95-9FE8-68879EB724D1}" sibTransId="{18009103-2941-4BBF-ACDF-E0FB511B688E}"/>
+    <dgm:cxn modelId="{680722EC-6E2D-4718-8154-EE7526A63FBC}" type="presOf" srcId="{A1E852E9-8BAB-41CF-AC9E-D043A9380CAC}" destId="{870FC55C-69CF-4FB8-8DAA-AC49AF4D1F00}" srcOrd="0" destOrd="0" presId="urn:microsoft.com/office/officeart/2005/8/layout/vList5"/>
+    <dgm:cxn modelId="{6C0C0A30-8B0C-4692-BED2-EDFDCE95304E}" type="presOf" srcId="{1790D9E2-9743-4F1E-A0D8-2C72B0E06EFC}" destId="{D5454114-8110-4FD6-AB82-105384C3DB80}" srcOrd="0" destOrd="0" presId="urn:microsoft.com/office/officeart/2005/8/layout/vList5"/>
+    <dgm:cxn modelId="{F8E8226A-2C00-4F0C-84A6-B720ADED4A13}" srcId="{1790D9E2-9743-4F1E-A0D8-2C72B0E06EFC}" destId="{A1E852E9-8BAB-41CF-AC9E-D043A9380CAC}" srcOrd="1" destOrd="0" parTransId="{BAD325A7-A702-4417-B59F-D9EE117F2B19}" sibTransId="{5EA9BB94-DA5E-4127-A6D0-166B2FAD5344}"/>
+    <dgm:cxn modelId="{A54A9610-2ED2-43BA-BFE2-15464005706E}" type="presParOf" srcId="{D5454114-8110-4FD6-AB82-105384C3DB80}" destId="{378740A8-145B-40B4-9AD4-5D694068EE77}" srcOrd="0" destOrd="0" presId="urn:microsoft.com/office/officeart/2005/8/layout/vList5"/>
+    <dgm:cxn modelId="{69798CBC-C767-49A2-9CB1-B9C1B377EE12}" type="presParOf" srcId="{378740A8-145B-40B4-9AD4-5D694068EE77}" destId="{0EEC1B93-EA32-4CE5-9AE1-B77396255A10}" srcOrd="0" destOrd="0" presId="urn:microsoft.com/office/officeart/2005/8/layout/vList5"/>
+    <dgm:cxn modelId="{C22385F6-155C-49AA-8C6A-A871CBED2477}" type="presParOf" srcId="{D5454114-8110-4FD6-AB82-105384C3DB80}" destId="{769DD015-5267-4E33-AFA7-406EE0818B20}" srcOrd="1" destOrd="0" presId="urn:microsoft.com/office/officeart/2005/8/layout/vList5"/>
+    <dgm:cxn modelId="{13FB8F7C-7A7B-47A0-826A-45A2A2862C82}" type="presParOf" srcId="{D5454114-8110-4FD6-AB82-105384C3DB80}" destId="{1809FC62-F2EA-4FB5-9C41-1C24F5173153}" srcOrd="2" destOrd="0" presId="urn:microsoft.com/office/officeart/2005/8/layout/vList5"/>
+    <dgm:cxn modelId="{D472B5BB-CB6A-4CB1-A975-002CF0B81ABF}" type="presParOf" srcId="{1809FC62-F2EA-4FB5-9C41-1C24F5173153}" destId="{870FC55C-69CF-4FB8-8DAA-AC49AF4D1F00}" srcOrd="0" destOrd="0" presId="urn:microsoft.com/office/officeart/2005/8/layout/vList5"/>
+  </dgm:cxnLst>
+  <dgm:bg/>
+  <dgm:whole/>
+  <dgm:extLst>
+    <a:ext uri="http://schemas.microsoft.com/office/drawing/2008/diagram">
+      <dsp:dataModelExt xmlns:dsp="http://schemas.microsoft.com/office/drawing/2008/diagram" xmlns="" relId="rId11" minVer="http://schemas.openxmlformats.org/drawingml/2006/diagram"/>
+    </a:ext>
+  </dgm:extLst>
+</dgm:dataModel>
+</file>
+
+<file path=ppt/diagrams/drawing1.xml><?xml version="1.0" encoding="utf-8"?>
+<dsp:drawing xmlns:dgm="http://schemas.openxmlformats.org/drawingml/2006/diagram" xmlns:a="http://schemas.openxmlformats.org/drawingml/2006/main" xmlns:dsp="http://schemas.microsoft.com/office/drawing/2008/diagram">
+  <dsp:spTree>
+    <dsp:nvGrpSpPr>
+      <dsp:cNvPr id="0" name=""/>
+      <dsp:cNvGrpSpPr/>
+    </dsp:nvGrpSpPr>
+    <dsp:grpSpPr/>
+    <dsp:sp modelId="{92051009-74A6-45C4-B352-FC35C4436E5E}">
+      <dsp:nvSpPr>
+        <dsp:cNvPr id="0" name=""/>
+        <dsp:cNvSpPr/>
+      </dsp:nvSpPr>
+      <dsp:spPr>
+        <a:xfrm>
+          <a:off x="1292860" y="1929"/>
+          <a:ext cx="1454467" cy="1273364"/>
+        </a:xfrm>
+        <a:prstGeom prst="roundRect">
+          <a:avLst/>
+        </a:prstGeom>
+        <a:solidFill>
+          <a:schemeClr val="accent1">
+            <a:hueOff val="0"/>
+            <a:satOff val="0"/>
+            <a:lumOff val="0"/>
+            <a:alphaOff val="0"/>
+          </a:schemeClr>
+        </a:solidFill>
+        <a:ln w="25400" cap="flat" cmpd="sng" algn="ctr">
+          <a:solidFill>
+            <a:schemeClr val="lt1">
+              <a:hueOff val="0"/>
+              <a:satOff val="0"/>
+              <a:lumOff val="0"/>
+              <a:alphaOff val="0"/>
+            </a:schemeClr>
+          </a:solidFill>
+          <a:prstDash val="solid"/>
+        </a:ln>
+        <a:effectLst/>
+      </dsp:spPr>
+      <dsp:style>
+        <a:lnRef idx="2">
+          <a:scrgbClr r="0" g="0" b="0"/>
+        </a:lnRef>
+        <a:fillRef idx="1">
+          <a:scrgbClr r="0" g="0" b="0"/>
+        </a:fillRef>
+        <a:effectRef idx="0">
+          <a:scrgbClr r="0" g="0" b="0"/>
+        </a:effectRef>
+        <a:fontRef idx="minor">
+          <a:schemeClr val="lt1"/>
+        </a:fontRef>
+      </dsp:style>
+      <dsp:txBody>
+        <a:bodyPr spcFirstLastPara="0" vert="horz" wrap="square" lIns="72390" tIns="36195" rIns="72390" bIns="36195" numCol="1" spcCol="1270" anchor="ctr" anchorCtr="0">
+          <a:noAutofit/>
+        </a:bodyPr>
+        <a:lstStyle/>
+        <a:p>
+          <a:pPr lvl="0" algn="ctr" defTabSz="844550" rtl="0">
+            <a:lnSpc>
+              <a:spcPct val="90000"/>
+            </a:lnSpc>
+            <a:spcBef>
+              <a:spcPct val="0"/>
+            </a:spcBef>
+            <a:spcAft>
+              <a:spcPct val="35000"/>
+            </a:spcAft>
+          </a:pPr>
+          <a:r>
+            <a:rPr lang="de-DE" sz="1900" kern="1200" dirty="0" smtClean="0"/>
+            <a:t>Modelle : -7h</a:t>
+          </a:r>
+          <a:endParaRPr lang="de-DE" sz="1900" kern="1200" dirty="0"/>
+        </a:p>
+      </dsp:txBody>
+      <dsp:txXfrm>
+        <a:off x="1292860" y="1929"/>
+        <a:ext cx="1454467" cy="1273364"/>
+      </dsp:txXfrm>
+    </dsp:sp>
+    <dsp:sp modelId="{00F15BE8-36D2-4995-976F-26E50F7117A6}">
+      <dsp:nvSpPr>
+        <dsp:cNvPr id="0" name=""/>
+        <dsp:cNvSpPr/>
+      </dsp:nvSpPr>
+      <dsp:spPr>
+        <a:xfrm>
+          <a:off x="1292860" y="1338961"/>
+          <a:ext cx="1454467" cy="1273364"/>
+        </a:xfrm>
+        <a:prstGeom prst="roundRect">
+          <a:avLst/>
+        </a:prstGeom>
+        <a:solidFill>
+          <a:schemeClr val="accent1">
+            <a:hueOff val="0"/>
+            <a:satOff val="0"/>
+            <a:lumOff val="0"/>
+            <a:alphaOff val="0"/>
+          </a:schemeClr>
+        </a:solidFill>
+        <a:ln w="25400" cap="flat" cmpd="sng" algn="ctr">
+          <a:solidFill>
+            <a:schemeClr val="lt1">
+              <a:hueOff val="0"/>
+              <a:satOff val="0"/>
+              <a:lumOff val="0"/>
+              <a:alphaOff val="0"/>
+            </a:schemeClr>
+          </a:solidFill>
+          <a:prstDash val="solid"/>
+        </a:ln>
+        <a:effectLst/>
+      </dsp:spPr>
+      <dsp:style>
+        <a:lnRef idx="2">
+          <a:scrgbClr r="0" g="0" b="0"/>
+        </a:lnRef>
+        <a:fillRef idx="1">
+          <a:scrgbClr r="0" g="0" b="0"/>
+        </a:fillRef>
+        <a:effectRef idx="0">
+          <a:scrgbClr r="0" g="0" b="0"/>
+        </a:effectRef>
+        <a:fontRef idx="minor">
+          <a:schemeClr val="lt1"/>
+        </a:fontRef>
+      </dsp:style>
+      <dsp:txBody>
+        <a:bodyPr spcFirstLastPara="0" vert="horz" wrap="square" lIns="72390" tIns="36195" rIns="72390" bIns="36195" numCol="1" spcCol="1270" anchor="ctr" anchorCtr="0">
+          <a:noAutofit/>
+        </a:bodyPr>
+        <a:lstStyle/>
+        <a:p>
+          <a:pPr lvl="0" algn="ctr" defTabSz="844550" rtl="0">
+            <a:lnSpc>
+              <a:spcPct val="90000"/>
+            </a:lnSpc>
+            <a:spcBef>
+              <a:spcPct val="0"/>
+            </a:spcBef>
+            <a:spcAft>
+              <a:spcPct val="35000"/>
+            </a:spcAft>
+          </a:pPr>
+          <a:r>
+            <a:rPr lang="de-DE" sz="1900" kern="1200" dirty="0" err="1" smtClean="0"/>
+            <a:t>Fixtures</a:t>
+          </a:r>
+          <a:r>
+            <a:rPr lang="de-DE" sz="1900" kern="1200" dirty="0" smtClean="0"/>
+            <a:t> : +7</a:t>
+          </a:r>
+          <a:endParaRPr lang="de-DE" sz="1900" kern="1200" dirty="0"/>
+        </a:p>
+      </dsp:txBody>
+      <dsp:txXfrm>
+        <a:off x="1292860" y="1338961"/>
+        <a:ext cx="1454467" cy="1273364"/>
+      </dsp:txXfrm>
+    </dsp:sp>
+    <dsp:sp modelId="{311FB5E6-D58E-4C20-A971-D92FCC10B81F}">
+      <dsp:nvSpPr>
+        <dsp:cNvPr id="0" name=""/>
+        <dsp:cNvSpPr/>
+      </dsp:nvSpPr>
+      <dsp:spPr>
+        <a:xfrm>
+          <a:off x="1292860" y="2675994"/>
+          <a:ext cx="1454467" cy="1273364"/>
+        </a:xfrm>
+        <a:prstGeom prst="roundRect">
+          <a:avLst/>
+        </a:prstGeom>
+        <a:solidFill>
+          <a:schemeClr val="accent1">
+            <a:hueOff val="0"/>
+            <a:satOff val="0"/>
+            <a:lumOff val="0"/>
+            <a:alphaOff val="0"/>
+          </a:schemeClr>
+        </a:solidFill>
+        <a:ln w="25400" cap="flat" cmpd="sng" algn="ctr">
+          <a:solidFill>
+            <a:schemeClr val="lt1">
+              <a:hueOff val="0"/>
+              <a:satOff val="0"/>
+              <a:lumOff val="0"/>
+              <a:alphaOff val="0"/>
+            </a:schemeClr>
+          </a:solidFill>
+          <a:prstDash val="solid"/>
+        </a:ln>
+        <a:effectLst/>
+      </dsp:spPr>
+      <dsp:style>
+        <a:lnRef idx="2">
+          <a:scrgbClr r="0" g="0" b="0"/>
+        </a:lnRef>
+        <a:fillRef idx="1">
+          <a:scrgbClr r="0" g="0" b="0"/>
+        </a:fillRef>
+        <a:effectRef idx="0">
+          <a:scrgbClr r="0" g="0" b="0"/>
+        </a:effectRef>
+        <a:fontRef idx="minor">
+          <a:schemeClr val="lt1"/>
+        </a:fontRef>
+      </dsp:style>
+      <dsp:txBody>
+        <a:bodyPr spcFirstLastPara="0" vert="horz" wrap="square" lIns="72390" tIns="36195" rIns="72390" bIns="36195" numCol="1" spcCol="1270" anchor="ctr" anchorCtr="0">
+          <a:noAutofit/>
+        </a:bodyPr>
+        <a:lstStyle/>
+        <a:p>
+          <a:pPr lvl="0" algn="ctr" defTabSz="844550" rtl="0">
+            <a:lnSpc>
+              <a:spcPct val="90000"/>
+            </a:lnSpc>
+            <a:spcBef>
+              <a:spcPct val="0"/>
+            </a:spcBef>
+            <a:spcAft>
+              <a:spcPct val="35000"/>
+            </a:spcAft>
+          </a:pPr>
+          <a:r>
+            <a:rPr lang="de-DE" sz="1900" kern="1200" dirty="0" smtClean="0"/>
+            <a:t>Manuelle- statt Modultests</a:t>
+          </a:r>
+          <a:endParaRPr lang="de-DE" sz="1900" kern="1200" dirty="0"/>
+        </a:p>
+      </dsp:txBody>
+      <dsp:txXfrm>
+        <a:off x="1292860" y="2675994"/>
+        <a:ext cx="1454467" cy="1273364"/>
+      </dsp:txXfrm>
+    </dsp:sp>
+  </dsp:spTree>
+</dsp:drawing>
+</file>
+
+<file path=ppt/diagrams/drawing2.xml><?xml version="1.0" encoding="utf-8"?>
+<dsp:drawing xmlns:dgm="http://schemas.openxmlformats.org/drawingml/2006/diagram" xmlns:a="http://schemas.openxmlformats.org/drawingml/2006/main" xmlns:dsp="http://schemas.microsoft.com/office/drawing/2008/diagram">
+  <dsp:spTree>
+    <dsp:nvGrpSpPr>
+      <dsp:cNvPr id="0" name=""/>
+      <dsp:cNvGrpSpPr/>
+    </dsp:nvGrpSpPr>
+    <dsp:grpSpPr/>
+    <dsp:sp modelId="{0EEC1B93-EA32-4CE5-9AE1-B77396255A10}">
+      <dsp:nvSpPr>
+        <dsp:cNvPr id="0" name=""/>
+        <dsp:cNvSpPr/>
+      </dsp:nvSpPr>
+      <dsp:spPr>
+        <a:xfrm>
+          <a:off x="1293367" y="48"/>
+          <a:ext cx="1455039" cy="1927410"/>
+        </a:xfrm>
+        <a:prstGeom prst="roundRect">
+          <a:avLst/>
+        </a:prstGeom>
+        <a:solidFill>
+          <a:schemeClr val="accent1">
+            <a:hueOff val="0"/>
+            <a:satOff val="0"/>
+            <a:lumOff val="0"/>
+            <a:alphaOff val="0"/>
+          </a:schemeClr>
+        </a:solidFill>
+        <a:ln w="25400" cap="flat" cmpd="sng" algn="ctr">
+          <a:solidFill>
+            <a:schemeClr val="lt1">
+              <a:hueOff val="0"/>
+              <a:satOff val="0"/>
+              <a:lumOff val="0"/>
+              <a:alphaOff val="0"/>
+            </a:schemeClr>
+          </a:solidFill>
+          <a:prstDash val="solid"/>
+        </a:ln>
+        <a:effectLst/>
+      </dsp:spPr>
+      <dsp:style>
+        <a:lnRef idx="2">
+          <a:scrgbClr r="0" g="0" b="0"/>
+        </a:lnRef>
+        <a:fillRef idx="1">
+          <a:scrgbClr r="0" g="0" b="0"/>
+        </a:fillRef>
+        <a:effectRef idx="0">
+          <a:scrgbClr r="0" g="0" b="0"/>
+        </a:effectRef>
+        <a:fontRef idx="minor">
+          <a:schemeClr val="lt1"/>
+        </a:fontRef>
+      </dsp:style>
+      <dsp:txBody>
+        <a:bodyPr spcFirstLastPara="0" vert="horz" wrap="square" lIns="99060" tIns="49530" rIns="99060" bIns="49530" numCol="1" spcCol="1270" anchor="ctr" anchorCtr="0">
+          <a:noAutofit/>
+        </a:bodyPr>
+        <a:lstStyle/>
+        <a:p>
+          <a:pPr lvl="0" algn="ctr" defTabSz="1155700" rtl="0">
+            <a:lnSpc>
+              <a:spcPct val="90000"/>
+            </a:lnSpc>
+            <a:spcBef>
+              <a:spcPct val="0"/>
+            </a:spcBef>
+            <a:spcAft>
+              <a:spcPct val="35000"/>
+            </a:spcAft>
+          </a:pPr>
+          <a:r>
+            <a:rPr lang="de-DE" sz="2600" kern="1200" dirty="0" smtClean="0"/>
+            <a:t>Modelle : -1h</a:t>
+          </a:r>
+          <a:endParaRPr lang="de-DE" sz="2600" kern="1200" dirty="0"/>
+        </a:p>
+      </dsp:txBody>
+      <dsp:txXfrm>
+        <a:off x="1293367" y="48"/>
+        <a:ext cx="1455039" cy="1927410"/>
+      </dsp:txXfrm>
+    </dsp:sp>
+    <dsp:sp modelId="{870FC55C-69CF-4FB8-8DAA-AC49AF4D1F00}">
+      <dsp:nvSpPr>
+        <dsp:cNvPr id="0" name=""/>
+        <dsp:cNvSpPr/>
+      </dsp:nvSpPr>
+      <dsp:spPr>
+        <a:xfrm>
+          <a:off x="1293367" y="2023829"/>
+          <a:ext cx="1455039" cy="1927410"/>
+        </a:xfrm>
+        <a:prstGeom prst="roundRect">
+          <a:avLst/>
+        </a:prstGeom>
+        <a:solidFill>
+          <a:schemeClr val="accent1">
+            <a:hueOff val="0"/>
+            <a:satOff val="0"/>
+            <a:lumOff val="0"/>
+            <a:alphaOff val="0"/>
+          </a:schemeClr>
+        </a:solidFill>
+        <a:ln w="25400" cap="flat" cmpd="sng" algn="ctr">
+          <a:solidFill>
+            <a:schemeClr val="lt1">
+              <a:hueOff val="0"/>
+              <a:satOff val="0"/>
+              <a:lumOff val="0"/>
+              <a:alphaOff val="0"/>
+            </a:schemeClr>
+          </a:solidFill>
+          <a:prstDash val="solid"/>
+        </a:ln>
+        <a:effectLst/>
+      </dsp:spPr>
+      <dsp:style>
+        <a:lnRef idx="2">
+          <a:scrgbClr r="0" g="0" b="0"/>
+        </a:lnRef>
+        <a:fillRef idx="1">
+          <a:scrgbClr r="0" g="0" b="0"/>
+        </a:fillRef>
+        <a:effectRef idx="0">
+          <a:scrgbClr r="0" g="0" b="0"/>
+        </a:effectRef>
+        <a:fontRef idx="minor">
+          <a:schemeClr val="lt1"/>
+        </a:fontRef>
+      </dsp:style>
+      <dsp:txBody>
+        <a:bodyPr spcFirstLastPara="0" vert="horz" wrap="square" lIns="99060" tIns="49530" rIns="99060" bIns="49530" numCol="1" spcCol="1270" anchor="ctr" anchorCtr="0">
+          <a:noAutofit/>
+        </a:bodyPr>
+        <a:lstStyle/>
+        <a:p>
+          <a:pPr lvl="0" algn="ctr" defTabSz="1155700" rtl="0">
+            <a:lnSpc>
+              <a:spcPct val="90000"/>
+            </a:lnSpc>
+            <a:spcBef>
+              <a:spcPct val="0"/>
+            </a:spcBef>
+            <a:spcAft>
+              <a:spcPct val="35000"/>
+            </a:spcAft>
+          </a:pPr>
+          <a:r>
+            <a:rPr lang="de-DE" sz="2600" kern="1200" dirty="0" smtClean="0"/>
+            <a:t>Doku : +2h</a:t>
+          </a:r>
+          <a:endParaRPr lang="de-DE" sz="2600" kern="1200" dirty="0"/>
+        </a:p>
+      </dsp:txBody>
+      <dsp:txXfrm>
+        <a:off x="1293367" y="2023829"/>
+        <a:ext cx="1455039" cy="1927410"/>
+      </dsp:txXfrm>
+    </dsp:sp>
+  </dsp:spTree>
+</dsp:drawing>
+</file>
+
+<file path=ppt/diagrams/layout1.xml><?xml version="1.0" encoding="utf-8"?>
+<dgm:layoutDef xmlns:dgm="http://schemas.openxmlformats.org/drawingml/2006/diagram" xmlns:a="http://schemas.openxmlformats.org/drawingml/2006/main" uniqueId="urn:microsoft.com/office/officeart/2005/8/layout/vList5">
+  <dgm:title val=""/>
+  <dgm:desc val=""/>
+  <dgm:catLst>
+    <dgm:cat type="list" pri="15000"/>
+    <dgm:cat type="convert" pri="2000"/>
+  </dgm:catLst>
+  <dgm:sampData>
+    <dgm:dataModel>
+      <dgm:ptLst>
+        <dgm:pt modelId="0" type="doc"/>
+        <dgm:pt modelId="1">
+          <dgm:prSet phldr="1"/>
+        </dgm:pt>
+        <dgm:pt modelId="11">
+          <dgm:prSet phldr="1"/>
+        </dgm:pt>
+        <dgm:pt modelId="12">
+          <dgm:prSet phldr="1"/>
+        </dgm:pt>
+        <dgm:pt modelId="2">
+          <dgm:prSet phldr="1"/>
+        </dgm:pt>
+        <dgm:pt modelId="21">
+          <dgm:prSet phldr="1"/>
+        </dgm:pt>
+        <dgm:pt modelId="22">
+          <dgm:prSet phldr="1"/>
+        </dgm:pt>
+        <dgm:pt modelId="3">
+          <dgm:prSet phldr="1"/>
+        </dgm:pt>
+        <dgm:pt modelId="31">
+          <dgm:prSet phldr="1"/>
+        </dgm:pt>
+        <dgm:pt modelId="32">
+          <dgm:prSet phldr="1"/>
+        </dgm:pt>
+      </dgm:ptLst>
+      <dgm:cxnLst>
+        <dgm:cxn modelId="4" srcId="0" destId="1" srcOrd="0" destOrd="0"/>
+        <dgm:cxn modelId="5" srcId="0" destId="2" srcOrd="1" destOrd="0"/>
+        <dgm:cxn modelId="6" srcId="0" destId="3" srcOrd="2" destOrd="0"/>
+        <dgm:cxn modelId="13" srcId="1" destId="11" srcOrd="0" destOrd="0"/>
+        <dgm:cxn modelId="14" srcId="1" destId="12" srcOrd="1" destOrd="0"/>
+        <dgm:cxn modelId="23" srcId="2" destId="21" srcOrd="0" destOrd="0"/>
+        <dgm:cxn modelId="24" srcId="2" destId="22" srcOrd="1" destOrd="0"/>
+        <dgm:cxn modelId="33" srcId="3" destId="31" srcOrd="0" destOrd="0"/>
+        <dgm:cxn modelId="34" srcId="3" destId="32" srcOrd="1" destOrd="0"/>
+      </dgm:cxnLst>
+      <dgm:bg/>
+      <dgm:whole/>
+    </dgm:dataModel>
+  </dgm:sampData>
+  <dgm:styleData>
+    <dgm:dataModel>
+      <dgm:ptLst>
+        <dgm:pt modelId="0" type="doc"/>
+        <dgm:pt modelId="1"/>
+        <dgm:pt modelId="11"/>
+        <dgm:pt modelId="2"/>
+        <dgm:pt modelId="21"/>
+      </dgm:ptLst>
+      <dgm:cxnLst>
+        <dgm:cxn modelId="4" srcId="0" destId="1" srcOrd="0" destOrd="0"/>
+        <dgm:cxn modelId="5" srcId="0" destId="2" srcOrd="1" destOrd="0"/>
+        <dgm:cxn modelId="13" srcId="1" destId="11" srcOrd="0" destOrd="0"/>
+        <dgm:cxn modelId="23" srcId="2" destId="21" srcOrd="0" destOrd="0"/>
+      </dgm:cxnLst>
+      <dgm:bg/>
+      <dgm:whole/>
+    </dgm:dataModel>
+  </dgm:styleData>
+  <dgm:clrData>
+    <dgm:dataModel>
+      <dgm:ptLst>
+        <dgm:pt modelId="0" type="doc"/>
+        <dgm:pt modelId="1"/>
+        <dgm:pt modelId="11"/>
+        <dgm:pt modelId="2"/>
+        <dgm:pt modelId="21"/>
+        <dgm:pt modelId="3"/>
+        <dgm:pt modelId="31"/>
+        <dgm:pt modelId="4"/>
+        <dgm:pt modelId="41"/>
+      </dgm:ptLst>
+      <dgm:cxnLst>
+        <dgm:cxn modelId="5" srcId="0" destId="1" srcOrd="0" destOrd="0"/>
+        <dgm:cxn modelId="6" srcId="0" destId="2" srcOrd="1" destOrd="0"/>
+        <dgm:cxn modelId="7" srcId="0" destId="3" srcOrd="2" destOrd="0"/>
+        <dgm:cxn modelId="8" srcId="0" destId="4" srcOrd="3" destOrd="0"/>
+        <dgm:cxn modelId="13" srcId="1" destId="11" srcOrd="0" destOrd="0"/>
+        <dgm:cxn modelId="23" srcId="2" destId="21" srcOrd="0" destOrd="0"/>
+        <dgm:cxn modelId="33" srcId="3" destId="31" srcOrd="0" destOrd="0"/>
+        <dgm:cxn modelId="43" srcId="4" destId="41" srcOrd="0" destOrd="0"/>
+      </dgm:cxnLst>
+      <dgm:bg/>
+      <dgm:whole/>
+    </dgm:dataModel>
+  </dgm:clrData>
+  <dgm:layoutNode name="Name0">
+    <dgm:varLst>
+      <dgm:dir/>
+      <dgm:animLvl val="lvl"/>
+      <dgm:resizeHandles val="exact"/>
+    </dgm:varLst>
+    <dgm:choose name="Name1">
+      <dgm:if name="Name2" func="var" arg="dir" op="equ" val="norm">
+        <dgm:alg type="lin">
+          <dgm:param type="linDir" val="fromT"/>
+          <dgm:param type="nodeHorzAlign" val="l"/>
+        </dgm:alg>
+      </dgm:if>
+      <dgm:else name="Name3">
+        <dgm:alg type="lin">
+          <dgm:param type="linDir" val="fromT"/>
+          <dgm:param type="nodeHorzAlign" val="r"/>
+        </dgm:alg>
+      </dgm:else>
+    </dgm:choose>
+    <dgm:shape xmlns:r="http://schemas.openxmlformats.org/officeDocument/2006/relationships" r:blip="">
+      <dgm:adjLst/>
+    </dgm:shape>
+    <dgm:presOf/>
+    <dgm:constrLst>
+      <dgm:constr type="h" for="ch" forName="linNode" refType="h"/>
+      <dgm:constr type="w" for="ch" forName="linNode" refType="w"/>
+      <dgm:constr type="h" for="ch" forName="sp" refType="h" fact="0.05"/>
+      <dgm:constr type="primFontSz" for="des" forName="parentText" op="equ" val="65"/>
+      <dgm:constr type="secFontSz" for="des" forName="descendantText" op="equ"/>
+    </dgm:constrLst>
+    <dgm:ruleLst/>
+    <dgm:forEach name="Name4" axis="ch" ptType="node">
+      <dgm:layoutNode name="linNode">
+        <dgm:choose name="Name5">
+          <dgm:if name="Name6" func="var" arg="dir" op="equ" val="norm">
+            <dgm:alg type="lin">
+              <dgm:param type="linDir" val="fromL"/>
+            </dgm:alg>
+          </dgm:if>
+          <dgm:else name="Name7">
+            <dgm:alg type="lin">
+              <dgm:param type="linDir" val="fromR"/>
+            </dgm:alg>
+          </dgm:else>
+        </dgm:choose>
+        <dgm:shape xmlns:r="http://schemas.openxmlformats.org/officeDocument/2006/relationships" r:blip="">
+          <dgm:adjLst/>
+        </dgm:shape>
+        <dgm:presOf/>
+        <dgm:constrLst>
+          <dgm:constr type="w" for="ch" forName="parentText" refType="w" fact="0.36"/>
+          <dgm:constr type="w" for="ch" forName="descendantText" refType="w" fact="0.64"/>
+          <dgm:constr type="h" for="ch" forName="parentText" refType="h"/>
+          <dgm:constr type="h" for="ch" forName="descendantText" refType="h" refFor="ch" refForName="parentText" fact="0.8"/>
+        </dgm:constrLst>
+        <dgm:ruleLst/>
+        <dgm:layoutNode name="parentText">
+          <dgm:varLst>
+            <dgm:chMax val="1"/>
+            <dgm:bulletEnabled val="1"/>
+          </dgm:varLst>
+          <dgm:alg type="tx"/>
+          <dgm:shape xmlns:r="http://schemas.openxmlformats.org/officeDocument/2006/relationships" type="roundRect" r:blip="" zOrderOff="3">
+            <dgm:adjLst/>
+          </dgm:shape>
+          <dgm:presOf axis="self" ptType="node"/>
+          <dgm:constrLst>
+            <dgm:constr type="tMarg" refType="primFontSz" fact="0.15"/>
+            <dgm:constr type="bMarg" refType="primFontSz" fact="0.15"/>
+            <dgm:constr type="lMarg" refType="primFontSz" fact="0.3"/>
+            <dgm:constr type="rMarg" refType="primFontSz" fact="0.3"/>
+          </dgm:constrLst>
+          <dgm:ruleLst>
+            <dgm:rule type="primFontSz" val="5" fact="NaN" max="NaN"/>
+          </dgm:ruleLst>
+        </dgm:layoutNode>
+        <dgm:choose name="Name8">
+          <dgm:if name="Name9" axis="ch" ptType="node" func="cnt" op="gte" val="1">
+            <dgm:layoutNode name="descendantText" styleLbl="alignAccFollowNode1">
+              <dgm:varLst>
+                <dgm:bulletEnabled val="1"/>
+              </dgm:varLst>
+              <dgm:alg type="tx">
+                <dgm:param type="stBulletLvl" val="1"/>
+                <dgm:param type="txAnchorVertCh" val="mid"/>
+              </dgm:alg>
+              <dgm:choose name="Name10">
+                <dgm:if name="Name11" func="var" arg="dir" op="equ" val="norm">
+                  <dgm:shape xmlns:r="http://schemas.openxmlformats.org/officeDocument/2006/relationships" rot="90" type="round2SameRect" r:blip="">
+                    <dgm:adjLst/>
+                  </dgm:shape>
+                </dgm:if>
+                <dgm:else name="Name12">
+                  <dgm:shape xmlns:r="http://schemas.openxmlformats.org/officeDocument/2006/relationships" rot="-90" type="round2SameRect" r:blip="">
+                    <dgm:adjLst/>
+                  </dgm:shape>
+                </dgm:else>
+              </dgm:choose>
+              <dgm:presOf axis="des" ptType="node"/>
+              <dgm:constrLst>
+                <dgm:constr type="secFontSz" val="65"/>
+                <dgm:constr type="primFontSz" refType="secFontSz"/>
+                <dgm:constr type="lMarg" refType="secFontSz" fact="0.3"/>
+                <dgm:constr type="rMarg" refType="secFontSz" fact="0.3"/>
+                <dgm:constr type="tMarg" refType="secFontSz" fact="0.15"/>
+                <dgm:constr type="bMarg" refType="secFontSz" fact="0.15"/>
+              </dgm:constrLst>
+              <dgm:ruleLst>
+                <dgm:rule type="secFontSz" val="5" fact="NaN" max="NaN"/>
+              </dgm:ruleLst>
+            </dgm:layoutNode>
+          </dgm:if>
+          <dgm:else name="Name13"/>
+        </dgm:choose>
+      </dgm:layoutNode>
+      <dgm:forEach name="Name14" axis="followSib" ptType="sibTrans" cnt="1">
+        <dgm:layoutNode name="sp">
+          <dgm:alg type="sp"/>
+          <dgm:shape xmlns:r="http://schemas.openxmlformats.org/officeDocument/2006/relationships" r:blip="">
+            <dgm:adjLst/>
+          </dgm:shape>
+          <dgm:presOf/>
+          <dgm:constrLst/>
+          <dgm:ruleLst/>
+        </dgm:layoutNode>
+      </dgm:forEach>
+    </dgm:forEach>
+  </dgm:layoutNode>
+</dgm:layoutDef>
+</file>
+
+<file path=ppt/diagrams/layout2.xml><?xml version="1.0" encoding="utf-8"?>
+<dgm:layoutDef xmlns:dgm="http://schemas.openxmlformats.org/drawingml/2006/diagram" xmlns:a="http://schemas.openxmlformats.org/drawingml/2006/main" uniqueId="urn:microsoft.com/office/officeart/2005/8/layout/vList5">
+  <dgm:title val=""/>
+  <dgm:desc val=""/>
+  <dgm:catLst>
+    <dgm:cat type="list" pri="15000"/>
+    <dgm:cat type="convert" pri="2000"/>
+  </dgm:catLst>
+  <dgm:sampData>
+    <dgm:dataModel>
+      <dgm:ptLst>
+        <dgm:pt modelId="0" type="doc"/>
+        <dgm:pt modelId="1">
+          <dgm:prSet phldr="1"/>
+        </dgm:pt>
+        <dgm:pt modelId="11">
+          <dgm:prSet phldr="1"/>
+        </dgm:pt>
+        <dgm:pt modelId="12">
+          <dgm:prSet phldr="1"/>
+        </dgm:pt>
+        <dgm:pt modelId="2">
+          <dgm:prSet phldr="1"/>
+        </dgm:pt>
+        <dgm:pt modelId="21">
+          <dgm:prSet phldr="1"/>
+        </dgm:pt>
+        <dgm:pt modelId="22">
+          <dgm:prSet phldr="1"/>
+        </dgm:pt>
+        <dgm:pt modelId="3">
+          <dgm:prSet phldr="1"/>
+        </dgm:pt>
+        <dgm:pt modelId="31">
+          <dgm:prSet phldr="1"/>
+        </dgm:pt>
+        <dgm:pt modelId="32">
+          <dgm:prSet phldr="1"/>
+        </dgm:pt>
+      </dgm:ptLst>
+      <dgm:cxnLst>
+        <dgm:cxn modelId="4" srcId="0" destId="1" srcOrd="0" destOrd="0"/>
+        <dgm:cxn modelId="5" srcId="0" destId="2" srcOrd="1" destOrd="0"/>
+        <dgm:cxn modelId="6" srcId="0" destId="3" srcOrd="2" destOrd="0"/>
+        <dgm:cxn modelId="13" srcId="1" destId="11" srcOrd="0" destOrd="0"/>
+        <dgm:cxn modelId="14" srcId="1" destId="12" srcOrd="1" destOrd="0"/>
+        <dgm:cxn modelId="23" srcId="2" destId="21" srcOrd="0" destOrd="0"/>
+        <dgm:cxn modelId="24" srcId="2" destId="22" srcOrd="1" destOrd="0"/>
+        <dgm:cxn modelId="33" srcId="3" destId="31" srcOrd="0" destOrd="0"/>
+        <dgm:cxn modelId="34" srcId="3" destId="32" srcOrd="1" destOrd="0"/>
+      </dgm:cxnLst>
+      <dgm:bg/>
+      <dgm:whole/>
+    </dgm:dataModel>
+  </dgm:sampData>
+  <dgm:styleData>
+    <dgm:dataModel>
+      <dgm:ptLst>
+        <dgm:pt modelId="0" type="doc"/>
+        <dgm:pt modelId="1"/>
+        <dgm:pt modelId="11"/>
+        <dgm:pt modelId="2"/>
+        <dgm:pt modelId="21"/>
+      </dgm:ptLst>
+      <dgm:cxnLst>
+        <dgm:cxn modelId="4" srcId="0" destId="1" srcOrd="0" destOrd="0"/>
+        <dgm:cxn modelId="5" srcId="0" destId="2" srcOrd="1" destOrd="0"/>
+        <dgm:cxn modelId="13" srcId="1" destId="11" srcOrd="0" destOrd="0"/>
+        <dgm:cxn modelId="23" srcId="2" destId="21" srcOrd="0" destOrd="0"/>
+      </dgm:cxnLst>
+      <dgm:bg/>
+      <dgm:whole/>
+    </dgm:dataModel>
+  </dgm:styleData>
+  <dgm:clrData>
+    <dgm:dataModel>
+      <dgm:ptLst>
+        <dgm:pt modelId="0" type="doc"/>
+        <dgm:pt modelId="1"/>
+        <dgm:pt modelId="11"/>
+        <dgm:pt modelId="2"/>
+        <dgm:pt modelId="21"/>
+        <dgm:pt modelId="3"/>
+        <dgm:pt modelId="31"/>
+        <dgm:pt modelId="4"/>
+        <dgm:pt modelId="41"/>
+      </dgm:ptLst>
+      <dgm:cxnLst>
+        <dgm:cxn modelId="5" srcId="0" destId="1" srcOrd="0" destOrd="0"/>
+        <dgm:cxn modelId="6" srcId="0" destId="2" srcOrd="1" destOrd="0"/>
+        <dgm:cxn modelId="7" srcId="0" destId="3" srcOrd="2" destOrd="0"/>
+        <dgm:cxn modelId="8" srcId="0" destId="4" srcOrd="3" destOrd="0"/>
+        <dgm:cxn modelId="13" srcId="1" destId="11" srcOrd="0" destOrd="0"/>
+        <dgm:cxn modelId="23" srcId="2" destId="21" srcOrd="0" destOrd="0"/>
+        <dgm:cxn modelId="33" srcId="3" destId="31" srcOrd="0" destOrd="0"/>
+        <dgm:cxn modelId="43" srcId="4" destId="41" srcOrd="0" destOrd="0"/>
+      </dgm:cxnLst>
+      <dgm:bg/>
+      <dgm:whole/>
+    </dgm:dataModel>
+  </dgm:clrData>
+  <dgm:layoutNode name="Name0">
+    <dgm:varLst>
+      <dgm:dir/>
+      <dgm:animLvl val="lvl"/>
+      <dgm:resizeHandles val="exact"/>
+    </dgm:varLst>
+    <dgm:choose name="Name1">
+      <dgm:if name="Name2" func="var" arg="dir" op="equ" val="norm">
+        <dgm:alg type="lin">
+          <dgm:param type="linDir" val="fromT"/>
+          <dgm:param type="nodeHorzAlign" val="l"/>
+        </dgm:alg>
+      </dgm:if>
+      <dgm:else name="Name3">
+        <dgm:alg type="lin">
+          <dgm:param type="linDir" val="fromT"/>
+          <dgm:param type="nodeHorzAlign" val="r"/>
+        </dgm:alg>
+      </dgm:else>
+    </dgm:choose>
+    <dgm:shape xmlns:r="http://schemas.openxmlformats.org/officeDocument/2006/relationships" r:blip="">
+      <dgm:adjLst/>
+    </dgm:shape>
+    <dgm:presOf/>
+    <dgm:constrLst>
+      <dgm:constr type="h" for="ch" forName="linNode" refType="h"/>
+      <dgm:constr type="w" for="ch" forName="linNode" refType="w"/>
+      <dgm:constr type="h" for="ch" forName="sp" refType="h" fact="0.05"/>
+      <dgm:constr type="primFontSz" for="des" forName="parentText" op="equ" val="65"/>
+      <dgm:constr type="secFontSz" for="des" forName="descendantText" op="equ"/>
+    </dgm:constrLst>
+    <dgm:ruleLst/>
+    <dgm:forEach name="Name4" axis="ch" ptType="node">
+      <dgm:layoutNode name="linNode">
+        <dgm:choose name="Name5">
+          <dgm:if name="Name6" func="var" arg="dir" op="equ" val="norm">
+            <dgm:alg type="lin">
+              <dgm:param type="linDir" val="fromL"/>
+            </dgm:alg>
+          </dgm:if>
+          <dgm:else name="Name7">
+            <dgm:alg type="lin">
+              <dgm:param type="linDir" val="fromR"/>
+            </dgm:alg>
+          </dgm:else>
+        </dgm:choose>
+        <dgm:shape xmlns:r="http://schemas.openxmlformats.org/officeDocument/2006/relationships" r:blip="">
+          <dgm:adjLst/>
+        </dgm:shape>
+        <dgm:presOf/>
+        <dgm:constrLst>
+          <dgm:constr type="w" for="ch" forName="parentText" refType="w" fact="0.36"/>
+          <dgm:constr type="w" for="ch" forName="descendantText" refType="w" fact="0.64"/>
+          <dgm:constr type="h" for="ch" forName="parentText" refType="h"/>
+          <dgm:constr type="h" for="ch" forName="descendantText" refType="h" refFor="ch" refForName="parentText" fact="0.8"/>
+        </dgm:constrLst>
+        <dgm:ruleLst/>
+        <dgm:layoutNode name="parentText">
+          <dgm:varLst>
+            <dgm:chMax val="1"/>
+            <dgm:bulletEnabled val="1"/>
+          </dgm:varLst>
+          <dgm:alg type="tx"/>
+          <dgm:shape xmlns:r="http://schemas.openxmlformats.org/officeDocument/2006/relationships" type="roundRect" r:blip="" zOrderOff="3">
+            <dgm:adjLst/>
+          </dgm:shape>
+          <dgm:presOf axis="self" ptType="node"/>
+          <dgm:constrLst>
+            <dgm:constr type="tMarg" refType="primFontSz" fact="0.15"/>
+            <dgm:constr type="bMarg" refType="primFontSz" fact="0.15"/>
+            <dgm:constr type="lMarg" refType="primFontSz" fact="0.3"/>
+            <dgm:constr type="rMarg" refType="primFontSz" fact="0.3"/>
+          </dgm:constrLst>
+          <dgm:ruleLst>
+            <dgm:rule type="primFontSz" val="5" fact="NaN" max="NaN"/>
+          </dgm:ruleLst>
+        </dgm:layoutNode>
+        <dgm:choose name="Name8">
+          <dgm:if name="Name9" axis="ch" ptType="node" func="cnt" op="gte" val="1">
+            <dgm:layoutNode name="descendantText" styleLbl="alignAccFollowNode1">
+              <dgm:varLst>
+                <dgm:bulletEnabled val="1"/>
+              </dgm:varLst>
+              <dgm:alg type="tx">
+                <dgm:param type="stBulletLvl" val="1"/>
+                <dgm:param type="txAnchorVertCh" val="mid"/>
+              </dgm:alg>
+              <dgm:choose name="Name10">
+                <dgm:if name="Name11" func="var" arg="dir" op="equ" val="norm">
+                  <dgm:shape xmlns:r="http://schemas.openxmlformats.org/officeDocument/2006/relationships" rot="90" type="round2SameRect" r:blip="">
+                    <dgm:adjLst/>
+                  </dgm:shape>
+                </dgm:if>
+                <dgm:else name="Name12">
+                  <dgm:shape xmlns:r="http://schemas.openxmlformats.org/officeDocument/2006/relationships" rot="-90" type="round2SameRect" r:blip="">
+                    <dgm:adjLst/>
+                  </dgm:shape>
+                </dgm:else>
+              </dgm:choose>
+              <dgm:presOf axis="des" ptType="node"/>
+              <dgm:constrLst>
+                <dgm:constr type="secFontSz" val="65"/>
+                <dgm:constr type="primFontSz" refType="secFontSz"/>
+                <dgm:constr type="lMarg" refType="secFontSz" fact="0.3"/>
+                <dgm:constr type="rMarg" refType="secFontSz" fact="0.3"/>
+                <dgm:constr type="tMarg" refType="secFontSz" fact="0.15"/>
+                <dgm:constr type="bMarg" refType="secFontSz" fact="0.15"/>
+              </dgm:constrLst>
+              <dgm:ruleLst>
+                <dgm:rule type="secFontSz" val="5" fact="NaN" max="NaN"/>
+              </dgm:ruleLst>
+            </dgm:layoutNode>
+          </dgm:if>
+          <dgm:else name="Name13"/>
+        </dgm:choose>
+      </dgm:layoutNode>
+      <dgm:forEach name="Name14" axis="followSib" ptType="sibTrans" cnt="1">
+        <dgm:layoutNode name="sp">
+          <dgm:alg type="sp"/>
+          <dgm:shape xmlns:r="http://schemas.openxmlformats.org/officeDocument/2006/relationships" r:blip="">
+            <dgm:adjLst/>
+          </dgm:shape>
+          <dgm:presOf/>
+          <dgm:constrLst/>
+          <dgm:ruleLst/>
+        </dgm:layoutNode>
+      </dgm:forEach>
+    </dgm:forEach>
+  </dgm:layoutNode>
+</dgm:layoutDef>
+</file>
+
+<file path=ppt/diagrams/quickStyle1.xml><?xml version="1.0" encoding="utf-8"?>
+<dgm:styleDef xmlns:dgm="http://schemas.openxmlformats.org/drawingml/2006/diagram" xmlns:a="http://schemas.openxmlformats.org/drawingml/2006/main" uniqueId="urn:microsoft.com/office/officeart/2005/8/quickstyle/simple1">
+  <dgm:title val=""/>
+  <dgm:desc val=""/>
+  <dgm:catLst>
+    <dgm:cat type="simple" pri="10100"/>
+  </dgm:catLst>
+  <dgm:scene3d>
+    <a:camera prst="orthographicFront"/>
+    <a:lightRig rig="threePt" dir="t"/>
+  </dgm:scene3d>
+  <dgm:styleLbl name="node0">
+    <dgm:scene3d>
+      <a:camera prst="orthographicFront"/>
+      <a:lightRig rig="threePt" dir="t"/>
+    </dgm:scene3d>
+    <dgm:sp3d/>
+    <dgm:txPr/>
+    <dgm:style>
+      <a:lnRef idx="2">
+        <a:scrgbClr r="0" g="0" b="0"/>
+      </a:lnRef>
+      <a:fillRef idx="1">
+        <a:scrgbClr r="0" g="0" b="0"/>
+      </a:fillRef>
+      <a:effectRef idx="0">
+        <a:scrgbClr r="0" g="0" b="0"/>
+      </a:effectRef>
+      <a:fontRef idx="minor">
+        <a:schemeClr val="lt1"/>
+      </a:fontRef>
+    </dgm:style>
+  </dgm:styleLbl>
+  <dgm:styleLbl name="lnNode1">
+    <dgm:scene3d>
+      <a:camera prst="orthographicFront"/>
+      <a:lightRig rig="threePt" dir="t"/>
+    </dgm:scene3d>
+    <dgm:sp3d/>
+    <dgm:txPr/>
+    <dgm:style>
+      <a:lnRef idx="2">
+        <a:scrgbClr r="0" g="0" b="0"/>
+      </a:lnRef>
+      <a:fillRef idx="1">
+        <a:scrgbClr r="0" g="0" b="0"/>
+      </a:fillRef>
+      <a:effectRef idx="0">
+        <a:scrgbClr r="0" g="0" b="0"/>
+      </a:effectRef>
+      <a:fontRef idx="minor">
+        <a:schemeClr val="lt1"/>
+      </a:fontRef>
+    </dgm:style>
+  </dgm:styleLbl>
+  <dgm:styleLbl name="vennNode1">
+    <dgm:scene3d>
+      <a:camera prst="orthographicFront"/>
+      <a:lightRig rig="threePt" dir="t"/>
+    </dgm:scene3d>
+    <dgm:sp3d/>
+    <dgm:txPr/>
+    <dgm:style>
+      <a:lnRef idx="2">
+        <a:scrgbClr r="0" g="0" b="0"/>
+      </a:lnRef>
+      <a:fillRef idx="1">
+        <a:scrgbClr r="0" g="0" b="0"/>
+      </a:fillRef>
+      <a:effectRef idx="0">
+        <a:scrgbClr r="0" g="0" b="0"/>
+      </a:effectRef>
+      <a:fontRef idx="minor">
+        <a:schemeClr val="tx1"/>
+      </a:fontRef>
+    </dgm:style>
+  </dgm:styleLbl>
+  <dgm:styleLbl name="alignNode1">
+    <dgm:scene3d>
+      <a:camera prst="orthographicFront"/>
+      <a:lightRig rig="threePt" dir="t"/>
+    </dgm:scene3d>
+    <dgm:sp3d/>
+    <dgm:txPr/>
+    <dgm:style>
+      <a:lnRef idx="2">
+        <a:scrgbClr r="0" g="0" b="0"/>
+      </a:lnRef>
+      <a:fillRef idx="1">
+        <a:scrgbClr r="0" g="0" b="0"/>
+      </a:fillRef>
+      <a:effectRef idx="0">
+        <a:scrgbClr r="0" g="0" b="0"/>
+      </a:effectRef>
+      <a:fontRef idx="minor">
+        <a:schemeClr val="lt1"/>
+      </a:fontRef>
+    </dgm:style>
+  </dgm:styleLbl>
+  <dgm:styleLbl name="node1">
+    <dgm:scene3d>
+      <a:camera prst="orthographicFront"/>
+      <a:lightRig rig="threePt" dir="t"/>
+    </dgm:scene3d>
+    <dgm:sp3d/>
+    <dgm:txPr/>
+    <dgm:style>
+      <a:lnRef idx="2">
+        <a:scrgbClr r="0" g="0" b="0"/>
+      </a:lnRef>
+      <a:fillRef idx="1">
+        <a:scrgbClr r="0" g="0" b="0"/>
+      </a:fillRef>
+      <a:effectRef idx="0">
+        <a:scrgbClr r="0" g="0" b="0"/>
+      </a:effectRef>
+      <a:fontRef idx="minor">
+        <a:schemeClr val="lt1"/>
+      </a:fontRef>
+    </dgm:style>
+  </dgm:styleLbl>
+  <dgm:styleLbl name="node2">
+    <dgm:scene3d>
+      <a:camera prst="orthographicFront"/>
+      <a:lightRig rig="threePt" dir="t"/>
+    </dgm:scene3d>
+    <dgm:sp3d/>
+    <dgm:txPr/>
+    <dgm:style>
+      <a:lnRef idx="2">
+        <a:scrgbClr r="0" g="0" b="0"/>
+      </a:lnRef>
+      <a:fillRef idx="1">
+        <a:scrgbClr r="0" g="0" b="0"/>
+      </a:fillRef>
+      <a:effectRef idx="0">
+        <a:scrgbClr r="0" g="0" b="0"/>
+      </a:effectRef>
+      <a:fontRef idx="minor">
+        <a:schemeClr val="lt1"/>
+      </a:fontRef>
+    </dgm:style>
+  </dgm:styleLbl>
+  <dgm:styleLbl name="node3">
+    <dgm:scene3d>
+      <a:camera prst="orthographicFront"/>
+      <a:lightRig rig="threePt" dir="t"/>
+    </dgm:scene3d>
+    <dgm:sp3d/>
+    <dgm:txPr/>
+    <dgm:style>
+      <a:lnRef idx="2">
+        <a:scrgbClr r="0" g="0" b="0"/>
+      </a:lnRef>
+      <a:fillRef idx="1">
+        <a:scrgbClr r="0" g="0" b="0"/>
+      </a:fillRef>
+      <a:effectRef idx="0">
+        <a:scrgbClr r="0" g="0" b="0"/>
+      </a:effectRef>
+      <a:fontRef idx="minor">
+        <a:schemeClr val="lt1"/>
+      </a:fontRef>
+    </dgm:style>
+  </dgm:styleLbl>
+  <dgm:styleLbl name="node4">
+    <dgm:scene3d>
+      <a:camera prst="orthographicFront"/>
+      <a:lightRig rig="threePt" dir="t"/>
+    </dgm:scene3d>
+    <dgm:sp3d/>
+    <dgm:txPr/>
+    <dgm:style>
+      <a:lnRef idx="2">
+        <a:scrgbClr r="0" g="0" b="0"/>
+      </a:lnRef>
+      <a:fillRef idx="1">
+        <a:scrgbClr r="0" g="0" b="0"/>
+      </a:fillRef>
+      <a:effectRef idx="0">
+        <a:scrgbClr r="0" g="0" b="0"/>
+      </a:effectRef>
+      <a:fontRef idx="minor">
+        <a:schemeClr val="lt1"/>
+      </a:fontRef>
+    </dgm:style>
+  </dgm:styleLbl>
+  <dgm:styleLbl name="fgImgPlace1">
+    <dgm:scene3d>
+      <a:camera prst="orthographicFront"/>
+      <a:lightRig rig="threePt" dir="t"/>
+    </dgm:scene3d>
+    <dgm:sp3d/>
+    <dgm:txPr/>
+    <dgm:style>
+      <a:lnRef idx="2">
+        <a:scrgbClr r="0" g="0" b="0"/>
+      </a:lnRef>
+      <a:fillRef idx="1">
+        <a:scrgbClr r="0" g="0" b="0"/>
+      </a:fillRef>
+      <a:effectRef idx="0">
+        <a:scrgbClr r="0" g="0" b="0"/>
+      </a:effectRef>
+      <a:fontRef idx="minor"/>
+    </dgm:style>
+  </dgm:styleLbl>
+  <dgm:styleLbl name="alignImgPlace1">
+    <dgm:scene3d>
+      <a:camera prst="orthographicFront"/>
+      <a:lightRig rig="threePt" dir="t"/>
+    </dgm:scene3d>
+    <dgm:sp3d/>
+    <dgm:txPr/>
+    <dgm:style>
+      <a:lnRef idx="2">
+        <a:scrgbClr r="0" g="0" b="0"/>
+      </a:lnRef>
+      <a:fillRef idx="1">
+        <a:scrgbClr r="0" g="0" b="0"/>
+      </a:fillRef>
+      <a:effectRef idx="0">
+        <a:scrgbClr r="0" g="0" b="0"/>
+      </a:effectRef>
+      <a:fontRef idx="minor"/>
+    </dgm:style>
+  </dgm:styleLbl>
+  <dgm:styleLbl name="bgImgPlace1">
+    <dgm:scene3d>
+      <a:camera prst="orthographicFront"/>
+      <a:lightRig rig="threePt" dir="t"/>
+    </dgm:scene3d>
+    <dgm:sp3d/>
+    <dgm:txPr/>
+    <dgm:style>
+      <a:lnRef idx="2">
+        <a:scrgbClr r="0" g="0" b="0"/>
+      </a:lnRef>
+      <a:fillRef idx="1">
+        <a:scrgbClr r="0" g="0" b="0"/>
+      </a:fillRef>
+      <a:effectRef idx="0">
+        <a:scrgbClr r="0" g="0" b="0"/>
+      </a:effectRef>
+      <a:fontRef idx="minor"/>
+    </dgm:style>
+  </dgm:styleLbl>
+  <dgm:styleLbl name="sibTrans2D1">
+    <dgm:scene3d>
+      <a:camera prst="orthographicFront"/>
+      <a:lightRig rig="threePt" dir="t"/>
+    </dgm:scene3d>
+    <dgm:sp3d/>
+    <dgm:txPr/>
+    <dgm:style>
+      <a:lnRef idx="0">
+        <a:scrgbClr r="0" g="0" b="0"/>
+      </a:lnRef>
+      <a:fillRef idx="1">
+        <a:scrgbClr r="0" g="0" b="0"/>
+      </a:fillRef>
+      <a:effectRef idx="0">
+        <a:scrgbClr r="0" g="0" b="0"/>
+      </a:effectRef>
+      <a:fontRef idx="minor">
+        <a:schemeClr val="lt1"/>
+      </a:fontRef>
+    </dgm:style>
+  </dgm:styleLbl>
+  <dgm:styleLbl name="fgSibTrans2D1">
+    <dgm:scene3d>
+      <a:camera prst="orthographicFront"/>
+      <a:lightRig rig="threePt" dir="t"/>
+    </dgm:scene3d>
+    <dgm:sp3d/>
+    <dgm:txPr/>
+    <dgm:style>
+      <a:lnRef idx="0">
+        <a:scrgbClr r="0" g="0" b="0"/>
+      </a:lnRef>
+      <a:fillRef idx="1">
+        <a:scrgbClr r="0" g="0" b="0"/>
+      </a:fillRef>
+      <a:effectRef idx="0">
+        <a:scrgbClr r="0" g="0" b="0"/>
+      </a:effectRef>
+      <a:fontRef idx="minor">
+        <a:schemeClr val="lt1"/>
+      </a:fontRef>
+    </dgm:style>
+  </dgm:styleLbl>
+  <dgm:styleLbl name="bgSibTrans2D1">
+    <dgm:scene3d>
+      <a:camera prst="orthographicFront"/>
+      <a:lightRig rig="threePt" dir="t"/>
+    </dgm:scene3d>
+    <dgm:sp3d/>
+    <dgm:txPr/>
+    <dgm:style>
+      <a:lnRef idx="0">
+        <a:scrgbClr r="0" g="0" b="0"/>
+      </a:lnRef>
+      <a:fillRef idx="1">
+        <a:scrgbClr r="0" g="0" b="0"/>
+      </a:fillRef>
+      <a:effectRef idx="0">
+        <a:scrgbClr r="0" g="0" b="0"/>
+      </a:effectRef>
+      <a:fontRef idx="minor">
+        <a:schemeClr val="lt1"/>
+      </a:fontRef>
+    </dgm:style>
+  </dgm:styleLbl>
+  <dgm:styleLbl name="sibTrans1D1">
+    <dgm:scene3d>
+      <a:camera prst="orthographicFront"/>
+      <a:lightRig rig="threePt" dir="t"/>
+    </dgm:scene3d>
+    <dgm:sp3d/>
+    <dgm:txPr/>
+    <dgm:style>
+      <a:lnRef idx="1">
+        <a:scrgbClr r="0" g="0" b="0"/>
+      </a:lnRef>
+      <a:fillRef idx="0">
+        <a:scrgbClr r="0" g="0" b="0"/>
+      </a:fillRef>
+      <a:effectRef idx="0">
+        <a:scrgbClr r="0" g="0" b="0"/>
+      </a:effectRef>
+      <a:fontRef idx="minor"/>
+    </dgm:style>
+  </dgm:styleLbl>
+  <dgm:styleLbl name="callout">
+    <dgm:scene3d>
+      <a:camera prst="orthographicFront"/>
+      <a:lightRig rig="threePt" dir="t"/>
+    </dgm:scene3d>
+    <dgm:sp3d/>
+    <dgm:txPr/>
+    <dgm:style>
+      <a:lnRef idx="2">
+        <a:scrgbClr r="0" g="0" b="0"/>
+      </a:lnRef>
+      <a:fillRef idx="1">
+        <a:scrgbClr r="0" g="0" b="0"/>
+      </a:fillRef>
+      <a:effectRef idx="0">
+        <a:scrgbClr r="0" g="0" b="0"/>
+      </a:effectRef>
+      <a:fontRef idx="minor"/>
+    </dgm:style>
+  </dgm:styleLbl>
+  <dgm:styleLbl name="asst0">
+    <dgm:scene3d>
+      <a:camera prst="orthographicFront"/>
+      <a:lightRig rig="threePt" dir="t"/>
+    </dgm:scene3d>
+    <dgm:sp3d/>
+    <dgm:txPr/>
+    <dgm:style>
+      <a:lnRef idx="2">
+        <a:scrgbClr r="0" g="0" b="0"/>
+      </a:lnRef>
+      <a:fillRef idx="1">
+        <a:scrgbClr r="0" g="0" b="0"/>
+      </a:fillRef>
+      <a:effectRef idx="0">
+        <a:scrgbClr r="0" g="0" b="0"/>
+      </a:effectRef>
+      <a:fontRef idx="minor">
+        <a:schemeClr val="lt1"/>
+      </a:fontRef>
+    </dgm:style>
+  </dgm:styleLbl>
+  <dgm:styleLbl name="asst1">
+    <dgm:scene3d>
+      <a:camera prst="orthographicFront"/>
+      <a:lightRig rig="threePt" dir="t"/>
+    </dgm:scene3d>
+    <dgm:sp3d/>
+    <dgm:txPr/>
+    <dgm:style>
+      <a:lnRef idx="2">
+        <a:scrgbClr r="0" g="0" b="0"/>
+      </a:lnRef>
+      <a:fillRef idx="1">
+        <a:scrgbClr r="0" g="0" b="0"/>
+      </a:fillRef>
+      <a:effectRef idx="0">
+        <a:scrgbClr r="0" g="0" b="0"/>
+      </a:effectRef>
+      <a:fontRef idx="minor">
+        <a:schemeClr val="lt1"/>
+      </a:fontRef>
+    </dgm:style>
+  </dgm:styleLbl>
+  <dgm:styleLbl name="asst2">
+    <dgm:scene3d>
+      <a:camera prst="orthographicFront"/>
+      <a:lightRig rig="threePt" dir="t"/>
+    </dgm:scene3d>
+    <dgm:sp3d/>
+    <dgm:txPr/>
+    <dgm:style>
+      <a:lnRef idx="2">
+        <a:scrgbClr r="0" g="0" b="0"/>
+      </a:lnRef>
+      <a:fillRef idx="1">
+        <a:scrgbClr r="0" g="0" b="0"/>
+      </a:fillRef>
+      <a:effectRef idx="0">
+        <a:scrgbClr r="0" g="0" b="0"/>
+      </a:effectRef>
+      <a:fontRef idx="minor">
+        <a:schemeClr val="lt1"/>
+      </a:fontRef>
+    </dgm:style>
+  </dgm:styleLbl>
+  <dgm:styleLbl name="asst3">
+    <dgm:scene3d>
+      <a:camera prst="orthographicFront"/>
+      <a:lightRig rig="threePt" dir="t"/>
+    </dgm:scene3d>
+    <dgm:sp3d/>
+    <dgm:txPr/>
+    <dgm:style>
+      <a:lnRef idx="2">
+        <a:scrgbClr r="0" g="0" b="0"/>
+      </a:lnRef>
+      <a:fillRef idx="1">
+        <a:scrgbClr r="0" g="0" b="0"/>
+      </a:fillRef>
+      <a:effectRef idx="0">
+        <a:scrgbClr r="0" g="0" b="0"/>
+      </a:effectRef>
+      <a:fontRef idx="minor">
+        <a:schemeClr val="lt1"/>
+      </a:fontRef>
+    </dgm:style>
+  </dgm:styleLbl>
+  <dgm:styleLbl name="asst4">
+    <dgm:scene3d>
+      <a:camera prst="orthographicFront"/>
+      <a:lightRig rig="threePt" dir="t"/>
+    </dgm:scene3d>
+    <dgm:sp3d/>
+    <dgm:txPr/>
+    <dgm:style>
+      <a:lnRef idx="2">
+        <a:scrgbClr r="0" g="0" b="0"/>
+      </a:lnRef>
+      <a:fillRef idx="1">
+        <a:scrgbClr r="0" g="0" b="0"/>
+      </a:fillRef>
+      <a:effectRef idx="0">
+        <a:scrgbClr r="0" g="0" b="0"/>
+      </a:effectRef>
+      <a:fontRef idx="minor">
+        <a:schemeClr val="lt1"/>
+      </a:fontRef>
+    </dgm:style>
+  </dgm:styleLbl>
+  <dgm:styleLbl name="parChTrans2D1">
+    <dgm:scene3d>
+      <a:camera prst="orthographicFront"/>
+      <a:lightRig rig="threePt" dir="t"/>
+    </dgm:scene3d>
+    <dgm:sp3d/>
+    <dgm:txPr/>
+    <dgm:style>
+      <a:lnRef idx="2">
+        <a:scrgbClr r="0" g="0" b="0"/>
+      </a:lnRef>
+      <a:fillRef idx="1">
+        <a:scrgbClr r="0" g="0" b="0"/>
+      </a:fillRef>
+      <a:effectRef idx="0">
+        <a:scrgbClr r="0" g="0" b="0"/>
+      </a:effectRef>
+      <a:fontRef idx="minor">
+        <a:schemeClr val="lt1"/>
+      </a:fontRef>
+    </dgm:style>
+  </dgm:styleLbl>
+  <dgm:styleLbl name="parChTrans2D2">
+    <dgm:scene3d>
+      <a:camera prst="orthographicFront"/>
+      <a:lightRig rig="threePt" dir="t"/>
+    </dgm:scene3d>
+    <dgm:sp3d/>
+    <dgm:txPr/>
+    <dgm:style>
+      <a:lnRef idx="2">
+        <a:scrgbClr r="0" g="0" b="0"/>
+      </a:lnRef>
+      <a:fillRef idx="1">
+        <a:scrgbClr r="0" g="0" b="0"/>
+      </a:fillRef>
+      <a:effectRef idx="0">
+        <a:scrgbClr r="0" g="0" b="0"/>
+      </a:effectRef>
+      <a:fontRef idx="minor">
+        <a:schemeClr val="lt1"/>
+      </a:fontRef>
+    </dgm:style>
+  </dgm:styleLbl>
+  <dgm:styleLbl name="parChTrans2D3">
+    <dgm:scene3d>
+      <a:camera prst="orthographicFront"/>
+      <a:lightRig rig="threePt" dir="t"/>
+    </dgm:scene3d>
+    <dgm:sp3d/>
+    <dgm:txPr/>
+    <dgm:style>
+      <a:lnRef idx="2">
+        <a:scrgbClr r="0" g="0" b="0"/>
+      </a:lnRef>
+      <a:fillRef idx="1">
+        <a:scrgbClr r="0" g="0" b="0"/>
+      </a:fillRef>
+      <a:effectRef idx="0">
+        <a:scrgbClr r="0" g="0" b="0"/>
+      </a:effectRef>
+      <a:fontRef idx="minor">
+        <a:schemeClr val="lt1"/>
+      </a:fontRef>
+    </dgm:style>
+  </dgm:styleLbl>
+  <dgm:styleLbl name="parChTrans2D4">
+    <dgm:scene3d>
+      <a:camera prst="orthographicFront"/>
+      <a:lightRig rig="threePt" dir="t"/>
+    </dgm:scene3d>
+    <dgm:sp3d/>
+    <dgm:txPr/>
+    <dgm:style>
+      <a:lnRef idx="2">
+        <a:scrgbClr r="0" g="0" b="0"/>
+      </a:lnRef>
+      <a:fillRef idx="1">
+        <a:scrgbClr r="0" g="0" b="0"/>
+      </a:fillRef>
+      <a:effectRef idx="0">
+        <a:scrgbClr r="0" g="0" b="0"/>
+      </a:effectRef>
+      <a:fontRef idx="minor">
+        <a:schemeClr val="lt1"/>
+      </a:fontRef>
+    </dgm:style>
+  </dgm:styleLbl>
+  <dgm:styleLbl name="parChTrans1D1">
+    <dgm:scene3d>
+      <a:camera prst="orthographicFront"/>
+      <a:lightRig rig="threePt" dir="t"/>
+    </dgm:scene3d>
+    <dgm:sp3d/>
+    <dgm:txPr/>
+    <dgm:style>
+      <a:lnRef idx="2">
+        <a:scrgbClr r="0" g="0" b="0"/>
+      </a:lnRef>
+      <a:fillRef idx="0">
+        <a:scrgbClr r="0" g="0" b="0"/>
+      </a:fillRef>
+      <a:effectRef idx="0">
+        <a:scrgbClr r="0" g="0" b="0"/>
+      </a:effectRef>
+      <a:fontRef idx="minor"/>
+    </dgm:style>
+  </dgm:styleLbl>
+  <dgm:styleLbl name="parChTrans1D2">
+    <dgm:scene3d>
+      <a:camera prst="orthographicFront"/>
+      <a:lightRig rig="threePt" dir="t"/>
+    </dgm:scene3d>
+    <dgm:sp3d/>
+    <dgm:txPr/>
+    <dgm:style>
+      <a:lnRef idx="2">
+        <a:scrgbClr r="0" g="0" b="0"/>
+      </a:lnRef>
+      <a:fillRef idx="0">
+        <a:scrgbClr r="0" g="0" b="0"/>
+      </a:fillRef>
+      <a:effectRef idx="0">
+        <a:scrgbClr r="0" g="0" b="0"/>
+      </a:effectRef>
+      <a:fontRef idx="minor"/>
+    </dgm:style>
+  </dgm:styleLbl>
+  <dgm:styleLbl name="parChTrans1D3">
+    <dgm:scene3d>
+      <a:camera prst="orthographicFront"/>
+      <a:lightRig rig="threePt" dir="t"/>
+    </dgm:scene3d>
+    <dgm:sp3d/>
+    <dgm:txPr/>
+    <dgm:style>
+      <a:lnRef idx="2">
+        <a:scrgbClr r="0" g="0" b="0"/>
+      </a:lnRef>
+      <a:fillRef idx="0">
+        <a:scrgbClr r="0" g="0" b="0"/>
+      </a:fillRef>
+      <a:effectRef idx="0">
+        <a:scrgbClr r="0" g="0" b="0"/>
+      </a:effectRef>
+      <a:fontRef idx="minor"/>
+    </dgm:style>
+  </dgm:styleLbl>
+  <dgm:styleLbl name="parChTrans1D4">
+    <dgm:scene3d>
+      <a:camera prst="orthographicFront"/>
+      <a:lightRig rig="threePt" dir="t"/>
+    </dgm:scene3d>
+    <dgm:sp3d/>
+    <dgm:txPr/>
+    <dgm:style>
+      <a:lnRef idx="2">
+        <a:scrgbClr r="0" g="0" b="0"/>
+      </a:lnRef>
+      <a:fillRef idx="0">
+        <a:scrgbClr r="0" g="0" b="0"/>
+      </a:fillRef>
+      <a:effectRef idx="0">
+        <a:scrgbClr r="0" g="0" b="0"/>
+      </a:effectRef>
+      <a:fontRef idx="minor"/>
+    </dgm:style>
+  </dgm:styleLbl>
+  <dgm:styleLbl name="fgAcc1">
+    <dgm:scene3d>
+      <a:camera prst="orthographicFront"/>
+      <a:lightRig rig="threePt" dir="t"/>
+    </dgm:scene3d>
+    <dgm:sp3d/>
+    <dgm:txPr/>
+    <dgm:style>
+      <a:lnRef idx="2">
+        <a:scrgbClr r="0" g="0" b="0"/>
+      </a:lnRef>
+      <a:fillRef idx="1">
+        <a:scrgbClr r="0" g="0" b="0"/>
+      </a:fillRef>
+      <a:effectRef idx="0">
+        <a:scrgbClr r="0" g="0" b="0"/>
+      </a:effectRef>
+      <a:fontRef idx="minor"/>
+    </dgm:style>
+  </dgm:styleLbl>
+  <dgm:styleLbl name="conFgAcc1">
+    <dgm:scene3d>
+      <a:camera prst="orthographicFront"/>
+      <a:lightRig rig="threePt" dir="t"/>
+    </dgm:scene3d>
+    <dgm:sp3d/>
+    <dgm:txPr/>
+    <dgm:style>
+      <a:lnRef idx="2">
+        <a:scrgbClr r="0" g="0" b="0"/>
+      </a:lnRef>
+      <a:fillRef idx="1">
+        <a:scrgbClr r="0" g="0" b="0"/>
+      </a:fillRef>
+      <a:effectRef idx="0">
+        <a:scrgbClr r="0" g="0" b="0"/>
+      </a:effectRef>
+      <a:fontRef idx="minor"/>
+    </dgm:style>
+  </dgm:styleLbl>
+  <dgm:styleLbl name="alignAcc1">
+    <dgm:scene3d>
+      <a:camera prst="orthographicFront"/>
+      <a:lightRig rig="threePt" dir="t"/>
+    </dgm:scene3d>
+    <dgm:sp3d/>
+    <dgm:txPr/>
+    <dgm:style>
+      <a:lnRef idx="2">
+        <a:scrgbClr r="0" g="0" b="0"/>
+      </a:lnRef>
+      <a:fillRef idx="1">
+        <a:scrgbClr r="0" g="0" b="0"/>
+      </a:fillRef>
+      <a:effectRef idx="0">
+        <a:scrgbClr r="0" g="0" b="0"/>
+      </a:effectRef>
+      <a:fontRef idx="minor"/>
+    </dgm:style>
+  </dgm:styleLbl>
+  <dgm:styleLbl name="trAlignAcc1">
+    <dgm:scene3d>
+      <a:camera prst="orthographicFront"/>
+      <a:lightRig rig="threePt" dir="t"/>
+    </dgm:scene3d>
+    <dgm:sp3d/>
+    <dgm:txPr/>
+    <dgm:style>
+      <a:lnRef idx="1">
+        <a:scrgbClr r="0" g="0" b="0"/>
+      </a:lnRef>
+      <a:fillRef idx="1">
+        <a:scrgbClr r="0" g="0" b="0"/>
+      </a:fillRef>
+      <a:effectRef idx="0">
+        <a:scrgbClr r="0" g="0" b="0"/>
+      </a:effectRef>
+      <a:fontRef idx="minor"/>
+    </dgm:style>
+  </dgm:styleLbl>
+  <dgm:styleLbl name="bgAcc1">
+    <dgm:scene3d>
+      <a:camera prst="orthographicFront"/>
+      <a:lightRig rig="threePt" dir="t"/>
+    </dgm:scene3d>
+    <dgm:sp3d/>
+    <dgm:txPr/>
+    <dgm:style>
+      <a:lnRef idx="2">
+        <a:scrgbClr r="0" g="0" b="0"/>
+      </a:lnRef>
+      <a:fillRef idx="1">
+        <a:scrgbClr r="0" g="0" b="0"/>
+      </a:fillRef>
+      <a:effectRef idx="0">
+        <a:scrgbClr r="0" g="0" b="0"/>
+      </a:effectRef>
+      <a:fontRef idx="minor"/>
+    </dgm:style>
+  </dgm:styleLbl>
+  <dgm:styleLbl name="solidFgAcc1">
+    <dgm:scene3d>
+      <a:camera prst="orthographicFront"/>
+      <a:lightRig rig="threePt" dir="t"/>
+    </dgm:scene3d>
+    <dgm:sp3d/>
+    <dgm:txPr/>
+    <dgm:style>
+      <a:lnRef idx="2">
+        <a:scrgbClr r="0" g="0" b="0"/>
+      </a:lnRef>
+      <a:fillRef idx="1">
+        <a:scrgbClr r="0" g="0" b="0"/>
+      </a:fillRef>
+      <a:effectRef idx="0">
+        <a:scrgbClr r="0" g="0" b="0"/>
+      </a:effectRef>
+      <a:fontRef idx="minor"/>
+    </dgm:style>
+  </dgm:styleLbl>
+  <dgm:styleLbl name="solidAlignAcc1">
+    <dgm:scene3d>
+      <a:camera prst="orthographicFront"/>
+      <a:lightRig rig="threePt" dir="t"/>
+    </dgm:scene3d>
+    <dgm:sp3d/>
+    <dgm:txPr/>
+    <dgm:style>
+      <a:lnRef idx="2">
+        <a:scrgbClr r="0" g="0" b="0"/>
+      </a:lnRef>
+      <a:fillRef idx="1">
+        <a:scrgbClr r="0" g="0" b="0"/>
+      </a:fillRef>
+      <a:effectRef idx="0">
+        <a:scrgbClr r="0" g="0" b="0"/>
+      </a:effectRef>
+      <a:fontRef idx="minor"/>
+    </dgm:style>
+  </dgm:styleLbl>
+  <dgm:styleLbl name="solidBgAcc1">
+    <dgm:scene3d>
+      <a:camera prst="orthographicFront"/>
+      <a:lightRig rig="threePt" dir="t"/>
+    </dgm:scene3d>
+    <dgm:sp3d/>
+    <dgm:txPr/>
+    <dgm:style>
+      <a:lnRef idx="2">
+        <a:scrgbClr r="0" g="0" b="0"/>
+      </a:lnRef>
+      <a:fillRef idx="1">
+        <a:scrgbClr r="0" g="0" b="0"/>
+      </a:fillRef>
+      <a:effectRef idx="0">
+        <a:scrgbClr r="0" g="0" b="0"/>
+      </a:effectRef>
+      <a:fontRef idx="minor"/>
+    </dgm:style>
+  </dgm:styleLbl>
+  <dgm:styleLbl name="fgAccFollowNode1">
+    <dgm:scene3d>
+      <a:camera prst="orthographicFront"/>
+      <a:lightRig rig="threePt" dir="t"/>
+    </dgm:scene3d>
+    <dgm:sp3d/>
+    <dgm:txPr/>
+    <dgm:style>
+      <a:lnRef idx="2">
+        <a:scrgbClr r="0" g="0" b="0"/>
+      </a:lnRef>
+      <a:fillRef idx="1">
+        <a:scrgbClr r="0" g="0" b="0"/>
+      </a:fillRef>
+      <a:effectRef idx="0">
+        <a:scrgbClr r="0" g="0" b="0"/>
+      </a:effectRef>
+      <a:fontRef idx="minor"/>
+    </dgm:style>
+  </dgm:styleLbl>
+  <dgm:styleLbl name="alignAccFollowNode1">
+    <dgm:scene3d>
+      <a:camera prst="orthographicFront"/>
+      <a:lightRig rig="threePt" dir="t"/>
+    </dgm:scene3d>
+    <dgm:sp3d/>
+    <dgm:txPr/>
+    <dgm:style>
+      <a:lnRef idx="2">
+        <a:scrgbClr r="0" g="0" b="0"/>
+      </a:lnRef>
+      <a:fillRef idx="1">
+        <a:scrgbClr r="0" g="0" b="0"/>
+      </a:fillRef>
+      <a:effectRef idx="0">
+        <a:scrgbClr r="0" g="0" b="0"/>
+      </a:effectRef>
+      <a:fontRef idx="minor"/>
+    </dgm:style>
+  </dgm:styleLbl>
+  <dgm:styleLbl name="bgAccFollowNode1">
+    <dgm:scene3d>
+      <a:camera prst="orthographicFront"/>
+      <a:lightRig rig="threePt" dir="t"/>
+    </dgm:scene3d>
+    <dgm:sp3d/>
+    <dgm:txPr/>
+    <dgm:style>
+      <a:lnRef idx="2">
+        <a:scrgbClr r="0" g="0" b="0"/>
+      </a:lnRef>
+      <a:fillRef idx="1">
+        <a:scrgbClr r="0" g="0" b="0"/>
+      </a:fillRef>
+      <a:effectRef idx="0">
+        <a:scrgbClr r="0" g="0" b="0"/>
+      </a:effectRef>
+      <a:fontRef idx="minor"/>
+    </dgm:style>
+  </dgm:styleLbl>
+  <dgm:styleLbl name="fgAcc0">
+    <dgm:scene3d>
+      <a:camera prst="orthographicFront"/>
+      <a:lightRig rig="threePt" dir="t"/>
+    </dgm:scene3d>
+    <dgm:sp3d/>
+    <dgm:txPr/>
+    <dgm:style>
+      <a:lnRef idx="2">
+        <a:scrgbClr r="0" g="0" b="0"/>
+      </a:lnRef>
+      <a:fillRef idx="1">
+        <a:scrgbClr r="0" g="0" b="0"/>
+      </a:fillRef>
+      <a:effectRef idx="0">
+        <a:scrgbClr r="0" g="0" b="0"/>
+      </a:effectRef>
+      <a:fontRef idx="minor"/>
+    </dgm:style>
+  </dgm:styleLbl>
+  <dgm:styleLbl name="fgAcc2">
+    <dgm:scene3d>
+      <a:camera prst="orthographicFront"/>
+      <a:lightRig rig="threePt" dir="t"/>
+    </dgm:scene3d>
+    <dgm:sp3d/>
+    <dgm:txPr/>
+    <dgm:style>
+      <a:lnRef idx="2">
+        <a:scrgbClr r="0" g="0" b="0"/>
+      </a:lnRef>
+      <a:fillRef idx="1">
+        <a:scrgbClr r="0" g="0" b="0"/>
+      </a:fillRef>
+      <a:effectRef idx="0">
+        <a:scrgbClr r="0" g="0" b="0"/>
+      </a:effectRef>
+      <a:fontRef idx="minor"/>
+    </dgm:style>
+  </dgm:styleLbl>
+  <dgm:styleLbl name="fgAcc3">
+    <dgm:scene3d>
+      <a:camera prst="orthographicFront"/>
+      <a:lightRig rig="threePt" dir="t"/>
+    </dgm:scene3d>
+    <dgm:sp3d/>
+    <dgm:txPr/>
+    <dgm:style>
+      <a:lnRef idx="2">
+        <a:scrgbClr r="0" g="0" b="0"/>
+      </a:lnRef>
+      <a:fillRef idx="1">
+        <a:scrgbClr r="0" g="0" b="0"/>
+      </a:fillRef>
+      <a:effectRef idx="0">
+        <a:scrgbClr r="0" g="0" b="0"/>
+      </a:effectRef>
+      <a:fontRef idx="minor"/>
+    </dgm:style>
+  </dgm:styleLbl>
+  <dgm:styleLbl name="fgAcc4">
+    <dgm:scene3d>
+      <a:camera prst="orthographicFront"/>
+      <a:lightRig rig="threePt" dir="t"/>
+    </dgm:scene3d>
+    <dgm:sp3d/>
+    <dgm:txPr/>
+    <dgm:style>
+      <a:lnRef idx="2">
+        <a:scrgbClr r="0" g="0" b="0"/>
+      </a:lnRef>
+      <a:fillRef idx="1">
+        <a:scrgbClr r="0" g="0" b="0"/>
+      </a:fillRef>
+      <a:effectRef idx="0">
+        <a:scrgbClr r="0" g="0" b="0"/>
+      </a:effectRef>
+      <a:fontRef idx="minor"/>
+    </dgm:style>
+  </dgm:styleLbl>
+  <dgm:styleLbl name="bgShp">
+    <dgm:scene3d>
+      <a:camera prst="orthographicFront"/>
+      <a:lightRig rig="threePt" dir="t"/>
+    </dgm:scene3d>
+    <dgm:sp3d/>
+    <dgm:txPr/>
+    <dgm:style>
+      <a:lnRef idx="0">
+        <a:scrgbClr r="0" g="0" b="0"/>
+      </a:lnRef>
+      <a:fillRef idx="1">
+        <a:scrgbClr r="0" g="0" b="0"/>
+      </a:fillRef>
+      <a:effectRef idx="0">
+        <a:scrgbClr r="0" g="0" b="0"/>
+      </a:effectRef>
+      <a:fontRef idx="minor"/>
+    </dgm:style>
+  </dgm:styleLbl>
+  <dgm:styleLbl name="dkBgShp">
+    <dgm:scene3d>
+      <a:camera prst="orthographicFront"/>
+      <a:lightRig rig="threePt" dir="t"/>
+    </dgm:scene3d>
+    <dgm:sp3d/>
+    <dgm:txPr/>
+    <dgm:style>
+      <a:lnRef idx="0">
+        <a:scrgbClr r="0" g="0" b="0"/>
+      </a:lnRef>
+      <a:fillRef idx="1">
+        <a:scrgbClr r="0" g="0" b="0"/>
+      </a:fillRef>
+      <a:effectRef idx="0">
+        <a:scrgbClr r="0" g="0" b="0"/>
+      </a:effectRef>
+      <a:fontRef idx="minor"/>
+    </dgm:style>
+  </dgm:styleLbl>
+  <dgm:styleLbl name="trBgShp">
+    <dgm:scene3d>
+      <a:camera prst="orthographicFront"/>
+      <a:lightRig rig="threePt" dir="t"/>
+    </dgm:scene3d>
+    <dgm:sp3d/>
+    <dgm:txPr/>
+    <dgm:style>
+      <a:lnRef idx="0">
+        <a:scrgbClr r="0" g="0" b="0"/>
+      </a:lnRef>
+      <a:fillRef idx="1">
+        <a:scrgbClr r="0" g="0" b="0"/>
+      </a:fillRef>
+      <a:effectRef idx="0">
+        <a:scrgbClr r="0" g="0" b="0"/>
+      </a:effectRef>
+      <a:fontRef idx="minor"/>
+    </dgm:style>
+  </dgm:styleLbl>
+  <dgm:styleLbl name="fgShp">
+    <dgm:scene3d>
+      <a:camera prst="orthographicFront"/>
+      <a:lightRig rig="threePt" dir="t"/>
+    </dgm:scene3d>
+    <dgm:sp3d/>
+    <dgm:txPr/>
+    <dgm:style>
+      <a:lnRef idx="2">
+        <a:scrgbClr r="0" g="0" b="0"/>
+      </a:lnRef>
+      <a:fillRef idx="1">
+        <a:scrgbClr r="0" g="0" b="0"/>
+      </a:fillRef>
+      <a:effectRef idx="0">
+        <a:scrgbClr r="0" g="0" b="0"/>
+      </a:effectRef>
+      <a:fontRef idx="minor"/>
+    </dgm:style>
+  </dgm:styleLbl>
+  <dgm:styleLbl name="revTx">
+    <dgm:scene3d>
+      <a:camera prst="orthographicFront"/>
+      <a:lightRig rig="threePt" dir="t"/>
+    </dgm:scene3d>
+    <dgm:sp3d/>
+    <dgm:txPr/>
+    <dgm:style>
+      <a:lnRef idx="0">
+        <a:scrgbClr r="0" g="0" b="0"/>
+      </a:lnRef>
+      <a:fillRef idx="0">
+        <a:scrgbClr r="0" g="0" b="0"/>
+      </a:fillRef>
+      <a:effectRef idx="0">
+        <a:scrgbClr r="0" g="0" b="0"/>
+      </a:effectRef>
+      <a:fontRef idx="minor"/>
+    </dgm:style>
+  </dgm:styleLbl>
+</dgm:styleDef>
+</file>
+
+<file path=ppt/diagrams/quickStyle2.xml><?xml version="1.0" encoding="utf-8"?>
+<dgm:styleDef xmlns:dgm="http://schemas.openxmlformats.org/drawingml/2006/diagram" xmlns:a="http://schemas.openxmlformats.org/drawingml/2006/main" uniqueId="urn:microsoft.com/office/officeart/2005/8/quickstyle/simple1">
+  <dgm:title val=""/>
+  <dgm:desc val=""/>
+  <dgm:catLst>
+    <dgm:cat type="simple" pri="10100"/>
+  </dgm:catLst>
+  <dgm:scene3d>
+    <a:camera prst="orthographicFront"/>
+    <a:lightRig rig="threePt" dir="t"/>
+  </dgm:scene3d>
+  <dgm:styleLbl name="node0">
+    <dgm:scene3d>
+      <a:camera prst="orthographicFront"/>
+      <a:lightRig rig="threePt" dir="t"/>
+    </dgm:scene3d>
+    <dgm:sp3d/>
+    <dgm:txPr/>
+    <dgm:style>
+      <a:lnRef idx="2">
+        <a:scrgbClr r="0" g="0" b="0"/>
+      </a:lnRef>
+      <a:fillRef idx="1">
+        <a:scrgbClr r="0" g="0" b="0"/>
+      </a:fillRef>
+      <a:effectRef idx="0">
+        <a:scrgbClr r="0" g="0" b="0"/>
+      </a:effectRef>
+      <a:fontRef idx="minor">
+        <a:schemeClr val="lt1"/>
+      </a:fontRef>
+    </dgm:style>
+  </dgm:styleLbl>
+  <dgm:styleLbl name="lnNode1">
+    <dgm:scene3d>
+      <a:camera prst="orthographicFront"/>
+      <a:lightRig rig="threePt" dir="t"/>
+    </dgm:scene3d>
+    <dgm:sp3d/>
+    <dgm:txPr/>
+    <dgm:style>
+      <a:lnRef idx="2">
+        <a:scrgbClr r="0" g="0" b="0"/>
+      </a:lnRef>
+      <a:fillRef idx="1">
+        <a:scrgbClr r="0" g="0" b="0"/>
+      </a:fillRef>
+      <a:effectRef idx="0">
+        <a:scrgbClr r="0" g="0" b="0"/>
+      </a:effectRef>
+      <a:fontRef idx="minor">
+        <a:schemeClr val="lt1"/>
+      </a:fontRef>
+    </dgm:style>
+  </dgm:styleLbl>
+  <dgm:styleLbl name="vennNode1">
+    <dgm:scene3d>
+      <a:camera prst="orthographicFront"/>
+      <a:lightRig rig="threePt" dir="t"/>
+    </dgm:scene3d>
+    <dgm:sp3d/>
+    <dgm:txPr/>
+    <dgm:style>
+      <a:lnRef idx="2">
+        <a:scrgbClr r="0" g="0" b="0"/>
+      </a:lnRef>
+      <a:fillRef idx="1">
+        <a:scrgbClr r="0" g="0" b="0"/>
+      </a:fillRef>
+      <a:effectRef idx="0">
+        <a:scrgbClr r="0" g="0" b="0"/>
+      </a:effectRef>
+      <a:fontRef idx="minor">
+        <a:schemeClr val="tx1"/>
+      </a:fontRef>
+    </dgm:style>
+  </dgm:styleLbl>
+  <dgm:styleLbl name="alignNode1">
+    <dgm:scene3d>
+      <a:camera prst="orthographicFront"/>
+      <a:lightRig rig="threePt" dir="t"/>
+    </dgm:scene3d>
+    <dgm:sp3d/>
+    <dgm:txPr/>
+    <dgm:style>
+      <a:lnRef idx="2">
+        <a:scrgbClr r="0" g="0" b="0"/>
+      </a:lnRef>
+      <a:fillRef idx="1">
+        <a:scrgbClr r="0" g="0" b="0"/>
+      </a:fillRef>
+      <a:effectRef idx="0">
+        <a:scrgbClr r="0" g="0" b="0"/>
+      </a:effectRef>
+      <a:fontRef idx="minor">
+        <a:schemeClr val="lt1"/>
+      </a:fontRef>
+    </dgm:style>
+  </dgm:styleLbl>
+  <dgm:styleLbl name="node1">
+    <dgm:scene3d>
+      <a:camera prst="orthographicFront"/>
+      <a:lightRig rig="threePt" dir="t"/>
+    </dgm:scene3d>
+    <dgm:sp3d/>
+    <dgm:txPr/>
+    <dgm:style>
+      <a:lnRef idx="2">
+        <a:scrgbClr r="0" g="0" b="0"/>
+      </a:lnRef>
+      <a:fillRef idx="1">
+        <a:scrgbClr r="0" g="0" b="0"/>
+      </a:fillRef>
+      <a:effectRef idx="0">
+        <a:scrgbClr r="0" g="0" b="0"/>
+      </a:effectRef>
+      <a:fontRef idx="minor">
+        <a:schemeClr val="lt1"/>
+      </a:fontRef>
+    </dgm:style>
+  </dgm:styleLbl>
+  <dgm:styleLbl name="node2">
+    <dgm:scene3d>
+      <a:camera prst="orthographicFront"/>
+      <a:lightRig rig="threePt" dir="t"/>
+    </dgm:scene3d>
+    <dgm:sp3d/>
+    <dgm:txPr/>
+    <dgm:style>
+      <a:lnRef idx="2">
+        <a:scrgbClr r="0" g="0" b="0"/>
+      </a:lnRef>
+      <a:fillRef idx="1">
+        <a:scrgbClr r="0" g="0" b="0"/>
+      </a:fillRef>
+      <a:effectRef idx="0">
+        <a:scrgbClr r="0" g="0" b="0"/>
+      </a:effectRef>
+      <a:fontRef idx="minor">
+        <a:schemeClr val="lt1"/>
+      </a:fontRef>
+    </dgm:style>
+  </dgm:styleLbl>
+  <dgm:styleLbl name="node3">
+    <dgm:scene3d>
+      <a:camera prst="orthographicFront"/>
+      <a:lightRig rig="threePt" dir="t"/>
+    </dgm:scene3d>
+    <dgm:sp3d/>
+    <dgm:txPr/>
+    <dgm:style>
+      <a:lnRef idx="2">
+        <a:scrgbClr r="0" g="0" b="0"/>
+      </a:lnRef>
+      <a:fillRef idx="1">
+        <a:scrgbClr r="0" g="0" b="0"/>
+      </a:fillRef>
+      <a:effectRef idx="0">
+        <a:scrgbClr r="0" g="0" b="0"/>
+      </a:effectRef>
+      <a:fontRef idx="minor">
+        <a:schemeClr val="lt1"/>
+      </a:fontRef>
+    </dgm:style>
+  </dgm:styleLbl>
+  <dgm:styleLbl name="node4">
+    <dgm:scene3d>
+      <a:camera prst="orthographicFront"/>
+      <a:lightRig rig="threePt" dir="t"/>
+    </dgm:scene3d>
+    <dgm:sp3d/>
+    <dgm:txPr/>
+    <dgm:style>
+      <a:lnRef idx="2">
+        <a:scrgbClr r="0" g="0" b="0"/>
+      </a:lnRef>
+      <a:fillRef idx="1">
+        <a:scrgbClr r="0" g="0" b="0"/>
+      </a:fillRef>
+      <a:effectRef idx="0">
+        <a:scrgbClr r="0" g="0" b="0"/>
+      </a:effectRef>
+      <a:fontRef idx="minor">
+        <a:schemeClr val="lt1"/>
+      </a:fontRef>
+    </dgm:style>
+  </dgm:styleLbl>
+  <dgm:styleLbl name="fgImgPlace1">
+    <dgm:scene3d>
+      <a:camera prst="orthographicFront"/>
+      <a:lightRig rig="threePt" dir="t"/>
+    </dgm:scene3d>
+    <dgm:sp3d/>
+    <dgm:txPr/>
+    <dgm:style>
+      <a:lnRef idx="2">
+        <a:scrgbClr r="0" g="0" b="0"/>
+      </a:lnRef>
+      <a:fillRef idx="1">
+        <a:scrgbClr r="0" g="0" b="0"/>
+      </a:fillRef>
+      <a:effectRef idx="0">
+        <a:scrgbClr r="0" g="0" b="0"/>
+      </a:effectRef>
+      <a:fontRef idx="minor"/>
+    </dgm:style>
+  </dgm:styleLbl>
+  <dgm:styleLbl name="alignImgPlace1">
+    <dgm:scene3d>
+      <a:camera prst="orthographicFront"/>
+      <a:lightRig rig="threePt" dir="t"/>
+    </dgm:scene3d>
+    <dgm:sp3d/>
+    <dgm:txPr/>
+    <dgm:style>
+      <a:lnRef idx="2">
+        <a:scrgbClr r="0" g="0" b="0"/>
+      </a:lnRef>
+      <a:fillRef idx="1">
+        <a:scrgbClr r="0" g="0" b="0"/>
+      </a:fillRef>
+      <a:effectRef idx="0">
+        <a:scrgbClr r="0" g="0" b="0"/>
+      </a:effectRef>
+      <a:fontRef idx="minor"/>
+    </dgm:style>
+  </dgm:styleLbl>
+  <dgm:styleLbl name="bgImgPlace1">
+    <dgm:scene3d>
+      <a:camera prst="orthographicFront"/>
+      <a:lightRig rig="threePt" dir="t"/>
+    </dgm:scene3d>
+    <dgm:sp3d/>
+    <dgm:txPr/>
+    <dgm:style>
+      <a:lnRef idx="2">
+        <a:scrgbClr r="0" g="0" b="0"/>
+      </a:lnRef>
+      <a:fillRef idx="1">
+        <a:scrgbClr r="0" g="0" b="0"/>
+      </a:fillRef>
+      <a:effectRef idx="0">
+        <a:scrgbClr r="0" g="0" b="0"/>
+      </a:effectRef>
+      <a:fontRef idx="minor"/>
+    </dgm:style>
+  </dgm:styleLbl>
+  <dgm:styleLbl name="sibTrans2D1">
+    <dgm:scene3d>
+      <a:camera prst="orthographicFront"/>
+      <a:lightRig rig="threePt" dir="t"/>
+    </dgm:scene3d>
+    <dgm:sp3d/>
+    <dgm:txPr/>
+    <dgm:style>
+      <a:lnRef idx="0">
+        <a:scrgbClr r="0" g="0" b="0"/>
+      </a:lnRef>
+      <a:fillRef idx="1">
+        <a:scrgbClr r="0" g="0" b="0"/>
+      </a:fillRef>
+      <a:effectRef idx="0">
+        <a:scrgbClr r="0" g="0" b="0"/>
+      </a:effectRef>
+      <a:fontRef idx="minor">
+        <a:schemeClr val="lt1"/>
+      </a:fontRef>
+    </dgm:style>
+  </dgm:styleLbl>
+  <dgm:styleLbl name="fgSibTrans2D1">
+    <dgm:scene3d>
+      <a:camera prst="orthographicFront"/>
+      <a:lightRig rig="threePt" dir="t"/>
+    </dgm:scene3d>
+    <dgm:sp3d/>
+    <dgm:txPr/>
+    <dgm:style>
+      <a:lnRef idx="0">
+        <a:scrgbClr r="0" g="0" b="0"/>
+      </a:lnRef>
+      <a:fillRef idx="1">
+        <a:scrgbClr r="0" g="0" b="0"/>
+      </a:fillRef>
+      <a:effectRef idx="0">
+        <a:scrgbClr r="0" g="0" b="0"/>
+      </a:effectRef>
+      <a:fontRef idx="minor">
+        <a:schemeClr val="lt1"/>
+      </a:fontRef>
+    </dgm:style>
+  </dgm:styleLbl>
+  <dgm:styleLbl name="bgSibTrans2D1">
+    <dgm:scene3d>
+      <a:camera prst="orthographicFront"/>
+      <a:lightRig rig="threePt" dir="t"/>
+    </dgm:scene3d>
+    <dgm:sp3d/>
+    <dgm:txPr/>
+    <dgm:style>
+      <a:lnRef idx="0">
+        <a:scrgbClr r="0" g="0" b="0"/>
+      </a:lnRef>
+      <a:fillRef idx="1">
+        <a:scrgbClr r="0" g="0" b="0"/>
+      </a:fillRef>
+      <a:effectRef idx="0">
+        <a:scrgbClr r="0" g="0" b="0"/>
+      </a:effectRef>
+      <a:fontRef idx="minor">
+        <a:schemeClr val="lt1"/>
+      </a:fontRef>
+    </dgm:style>
+  </dgm:styleLbl>
+  <dgm:styleLbl name="sibTrans1D1">
+    <dgm:scene3d>
+      <a:camera prst="orthographicFront"/>
+      <a:lightRig rig="threePt" dir="t"/>
+    </dgm:scene3d>
+    <dgm:sp3d/>
+    <dgm:txPr/>
+    <dgm:style>
+      <a:lnRef idx="1">
+        <a:scrgbClr r="0" g="0" b="0"/>
+      </a:lnRef>
+      <a:fillRef idx="0">
+        <a:scrgbClr r="0" g="0" b="0"/>
+      </a:fillRef>
+      <a:effectRef idx="0">
+        <a:scrgbClr r="0" g="0" b="0"/>
+      </a:effectRef>
+      <a:fontRef idx="minor"/>
+    </dgm:style>
+  </dgm:styleLbl>
+  <dgm:styleLbl name="callout">
+    <dgm:scene3d>
+      <a:camera prst="orthographicFront"/>
+      <a:lightRig rig="threePt" dir="t"/>
+    </dgm:scene3d>
+    <dgm:sp3d/>
+    <dgm:txPr/>
+    <dgm:style>
+      <a:lnRef idx="2">
+        <a:scrgbClr r="0" g="0" b="0"/>
+      </a:lnRef>
+      <a:fillRef idx="1">
+        <a:scrgbClr r="0" g="0" b="0"/>
+      </a:fillRef>
+      <a:effectRef idx="0">
+        <a:scrgbClr r="0" g="0" b="0"/>
+      </a:effectRef>
+      <a:fontRef idx="minor"/>
+    </dgm:style>
+  </dgm:styleLbl>
+  <dgm:styleLbl name="asst0">
+    <dgm:scene3d>
+      <a:camera prst="orthographicFront"/>
+      <a:lightRig rig="threePt" dir="t"/>
+    </dgm:scene3d>
+    <dgm:sp3d/>
+    <dgm:txPr/>
+    <dgm:style>
+      <a:lnRef idx="2">
+        <a:scrgbClr r="0" g="0" b="0"/>
+      </a:lnRef>
+      <a:fillRef idx="1">
+        <a:scrgbClr r="0" g="0" b="0"/>
+      </a:fillRef>
+      <a:effectRef idx="0">
+        <a:scrgbClr r="0" g="0" b="0"/>
+      </a:effectRef>
+      <a:fontRef idx="minor">
+        <a:schemeClr val="lt1"/>
+      </a:fontRef>
+    </dgm:style>
+  </dgm:styleLbl>
+  <dgm:styleLbl name="asst1">
+    <dgm:scene3d>
+      <a:camera prst="orthographicFront"/>
+      <a:lightRig rig="threePt" dir="t"/>
+    </dgm:scene3d>
+    <dgm:sp3d/>
+    <dgm:txPr/>
+    <dgm:style>
+      <a:lnRef idx="2">
+        <a:scrgbClr r="0" g="0" b="0"/>
+      </a:lnRef>
+      <a:fillRef idx="1">
+        <a:scrgbClr r="0" g="0" b="0"/>
+      </a:fillRef>
+      <a:effectRef idx="0">
+        <a:scrgbClr r="0" g="0" b="0"/>
+      </a:effectRef>
+      <a:fontRef idx="minor">
+        <a:schemeClr val="lt1"/>
+      </a:fontRef>
+    </dgm:style>
+  </dgm:styleLbl>
+  <dgm:styleLbl name="asst2">
+    <dgm:scene3d>
+      <a:camera prst="orthographicFront"/>
+      <a:lightRig rig="threePt" dir="t"/>
+    </dgm:scene3d>
+    <dgm:sp3d/>
+    <dgm:txPr/>
+    <dgm:style>
+      <a:lnRef idx="2">
+        <a:scrgbClr r="0" g="0" b="0"/>
+      </a:lnRef>
+      <a:fillRef idx="1">
+        <a:scrgbClr r="0" g="0" b="0"/>
+      </a:fillRef>
+      <a:effectRef idx="0">
+        <a:scrgbClr r="0" g="0" b="0"/>
+      </a:effectRef>
+      <a:fontRef idx="minor">
+        <a:schemeClr val="lt1"/>
+      </a:fontRef>
+    </dgm:style>
+  </dgm:styleLbl>
+  <dgm:styleLbl name="asst3">
+    <dgm:scene3d>
+      <a:camera prst="orthographicFront"/>
+      <a:lightRig rig="threePt" dir="t"/>
+    </dgm:scene3d>
+    <dgm:sp3d/>
+    <dgm:txPr/>
+    <dgm:style>
+      <a:lnRef idx="2">
+        <a:scrgbClr r="0" g="0" b="0"/>
+      </a:lnRef>
+      <a:fillRef idx="1">
+        <a:scrgbClr r="0" g="0" b="0"/>
+      </a:fillRef>
+      <a:effectRef idx="0">
+        <a:scrgbClr r="0" g="0" b="0"/>
+      </a:effectRef>
+      <a:fontRef idx="minor">
+        <a:schemeClr val="lt1"/>
+      </a:fontRef>
+    </dgm:style>
+  </dgm:styleLbl>
+  <dgm:styleLbl name="asst4">
+    <dgm:scene3d>
+      <a:camera prst="orthographicFront"/>
+      <a:lightRig rig="threePt" dir="t"/>
+    </dgm:scene3d>
+    <dgm:sp3d/>
+    <dgm:txPr/>
+    <dgm:style>
+      <a:lnRef idx="2">
+        <a:scrgbClr r="0" g="0" b="0"/>
+      </a:lnRef>
+      <a:fillRef idx="1">
+        <a:scrgbClr r="0" g="0" b="0"/>
+      </a:fillRef>
+      <a:effectRef idx="0">
+        <a:scrgbClr r="0" g="0" b="0"/>
+      </a:effectRef>
+      <a:fontRef idx="minor">
+        <a:schemeClr val="lt1"/>
+      </a:fontRef>
+    </dgm:style>
+  </dgm:styleLbl>
+  <dgm:styleLbl name="parChTrans2D1">
+    <dgm:scene3d>
+      <a:camera prst="orthographicFront"/>
+      <a:lightRig rig="threePt" dir="t"/>
+    </dgm:scene3d>
+    <dgm:sp3d/>
+    <dgm:txPr/>
+    <dgm:style>
+      <a:lnRef idx="2">
+        <a:scrgbClr r="0" g="0" b="0"/>
+      </a:lnRef>
+      <a:fillRef idx="1">
+        <a:scrgbClr r="0" g="0" b="0"/>
+      </a:fillRef>
+      <a:effectRef idx="0">
+        <a:scrgbClr r="0" g="0" b="0"/>
+      </a:effectRef>
+      <a:fontRef idx="minor">
+        <a:schemeClr val="lt1"/>
+      </a:fontRef>
+    </dgm:style>
+  </dgm:styleLbl>
+  <dgm:styleLbl name="parChTrans2D2">
+    <dgm:scene3d>
+      <a:camera prst="orthographicFront"/>
+      <a:lightRig rig="threePt" dir="t"/>
+    </dgm:scene3d>
+    <dgm:sp3d/>
+    <dgm:txPr/>
+    <dgm:style>
+      <a:lnRef idx="2">
+        <a:scrgbClr r="0" g="0" b="0"/>
+      </a:lnRef>
+      <a:fillRef idx="1">
+        <a:scrgbClr r="0" g="0" b="0"/>
+      </a:fillRef>
+      <a:effectRef idx="0">
+        <a:scrgbClr r="0" g="0" b="0"/>
+      </a:effectRef>
+      <a:fontRef idx="minor">
+        <a:schemeClr val="lt1"/>
+      </a:fontRef>
+    </dgm:style>
+  </dgm:styleLbl>
+  <dgm:styleLbl name="parChTrans2D3">
+    <dgm:scene3d>
+      <a:camera prst="orthographicFront"/>
+      <a:lightRig rig="threePt" dir="t"/>
+    </dgm:scene3d>
+    <dgm:sp3d/>
+    <dgm:txPr/>
+    <dgm:style>
+      <a:lnRef idx="2">
+        <a:scrgbClr r="0" g="0" b="0"/>
+      </a:lnRef>
+      <a:fillRef idx="1">
+        <a:scrgbClr r="0" g="0" b="0"/>
+      </a:fillRef>
+      <a:effectRef idx="0">
+        <a:scrgbClr r="0" g="0" b="0"/>
+      </a:effectRef>
+      <a:fontRef idx="minor">
+        <a:schemeClr val="lt1"/>
+      </a:fontRef>
+    </dgm:style>
+  </dgm:styleLbl>
+  <dgm:styleLbl name="parChTrans2D4">
+    <dgm:scene3d>
+      <a:camera prst="orthographicFront"/>
+      <a:lightRig rig="threePt" dir="t"/>
+    </dgm:scene3d>
+    <dgm:sp3d/>
+    <dgm:txPr/>
+    <dgm:style>
+      <a:lnRef idx="2">
+        <a:scrgbClr r="0" g="0" b="0"/>
+      </a:lnRef>
+      <a:fillRef idx="1">
+        <a:scrgbClr r="0" g="0" b="0"/>
+      </a:fillRef>
+      <a:effectRef idx="0">
+        <a:scrgbClr r="0" g="0" b="0"/>
+      </a:effectRef>
+      <a:fontRef idx="minor">
+        <a:schemeClr val="lt1"/>
+      </a:fontRef>
+    </dgm:style>
+  </dgm:styleLbl>
+  <dgm:styleLbl name="parChTrans1D1">
+    <dgm:scene3d>
+      <a:camera prst="orthographicFront"/>
+      <a:lightRig rig="threePt" dir="t"/>
+    </dgm:scene3d>
+    <dgm:sp3d/>
+    <dgm:txPr/>
+    <dgm:style>
+      <a:lnRef idx="2">
+        <a:scrgbClr r="0" g="0" b="0"/>
+      </a:lnRef>
+      <a:fillRef idx="0">
+        <a:scrgbClr r="0" g="0" b="0"/>
+      </a:fillRef>
+      <a:effectRef idx="0">
+        <a:scrgbClr r="0" g="0" b="0"/>
+      </a:effectRef>
+      <a:fontRef idx="minor"/>
+    </dgm:style>
+  </dgm:styleLbl>
+  <dgm:styleLbl name="parChTrans1D2">
+    <dgm:scene3d>
+      <a:camera prst="orthographicFront"/>
+      <a:lightRig rig="threePt" dir="t"/>
+    </dgm:scene3d>
+    <dgm:sp3d/>
+    <dgm:txPr/>
+    <dgm:style>
+      <a:lnRef idx="2">
+        <a:scrgbClr r="0" g="0" b="0"/>
+      </a:lnRef>
+      <a:fillRef idx="0">
+        <a:scrgbClr r="0" g="0" b="0"/>
+      </a:fillRef>
+      <a:effectRef idx="0">
+        <a:scrgbClr r="0" g="0" b="0"/>
+      </a:effectRef>
+      <a:fontRef idx="minor"/>
+    </dgm:style>
+  </dgm:styleLbl>
+  <dgm:styleLbl name="parChTrans1D3">
+    <dgm:scene3d>
+      <a:camera prst="orthographicFront"/>
+      <a:lightRig rig="threePt" dir="t"/>
+    </dgm:scene3d>
+    <dgm:sp3d/>
+    <dgm:txPr/>
+    <dgm:style>
+      <a:lnRef idx="2">
+        <a:scrgbClr r="0" g="0" b="0"/>
+      </a:lnRef>
+      <a:fillRef idx="0">
+        <a:scrgbClr r="0" g="0" b="0"/>
+      </a:fillRef>
+      <a:effectRef idx="0">
+        <a:scrgbClr r="0" g="0" b="0"/>
+      </a:effectRef>
+      <a:fontRef idx="minor"/>
+    </dgm:style>
+  </dgm:styleLbl>
+  <dgm:styleLbl name="parChTrans1D4">
+    <dgm:scene3d>
+      <a:camera prst="orthographicFront"/>
+      <a:lightRig rig="threePt" dir="t"/>
+    </dgm:scene3d>
+    <dgm:sp3d/>
+    <dgm:txPr/>
+    <dgm:style>
+      <a:lnRef idx="2">
+        <a:scrgbClr r="0" g="0" b="0"/>
+      </a:lnRef>
+      <a:fillRef idx="0">
+        <a:scrgbClr r="0" g="0" b="0"/>
+      </a:fillRef>
+      <a:effectRef idx="0">
+        <a:scrgbClr r="0" g="0" b="0"/>
+      </a:effectRef>
+      <a:fontRef idx="minor"/>
+    </dgm:style>
+  </dgm:styleLbl>
+  <dgm:styleLbl name="fgAcc1">
+    <dgm:scene3d>
+      <a:camera prst="orthographicFront"/>
+      <a:lightRig rig="threePt" dir="t"/>
+    </dgm:scene3d>
+    <dgm:sp3d/>
+    <dgm:txPr/>
+    <dgm:style>
+      <a:lnRef idx="2">
+        <a:scrgbClr r="0" g="0" b="0"/>
+      </a:lnRef>
+      <a:fillRef idx="1">
+        <a:scrgbClr r="0" g="0" b="0"/>
+      </a:fillRef>
+      <a:effectRef idx="0">
+        <a:scrgbClr r="0" g="0" b="0"/>
+      </a:effectRef>
+      <a:fontRef idx="minor"/>
+    </dgm:style>
+  </dgm:styleLbl>
+  <dgm:styleLbl name="conFgAcc1">
+    <dgm:scene3d>
+      <a:camera prst="orthographicFront"/>
+      <a:lightRig rig="threePt" dir="t"/>
+    </dgm:scene3d>
+    <dgm:sp3d/>
+    <dgm:txPr/>
+    <dgm:style>
+      <a:lnRef idx="2">
+        <a:scrgbClr r="0" g="0" b="0"/>
+      </a:lnRef>
+      <a:fillRef idx="1">
+        <a:scrgbClr r="0" g="0" b="0"/>
+      </a:fillRef>
+      <a:effectRef idx="0">
+        <a:scrgbClr r="0" g="0" b="0"/>
+      </a:effectRef>
+      <a:fontRef idx="minor"/>
+    </dgm:style>
+  </dgm:styleLbl>
+  <dgm:styleLbl name="alignAcc1">
+    <dgm:scene3d>
+      <a:camera prst="orthographicFront"/>
+      <a:lightRig rig="threePt" dir="t"/>
+    </dgm:scene3d>
+    <dgm:sp3d/>
+    <dgm:txPr/>
+    <dgm:style>
+      <a:lnRef idx="2">
+        <a:scrgbClr r="0" g="0" b="0"/>
+      </a:lnRef>
+      <a:fillRef idx="1">
+        <a:scrgbClr r="0" g="0" b="0"/>
+      </a:fillRef>
+      <a:effectRef idx="0">
+        <a:scrgbClr r="0" g="0" b="0"/>
+      </a:effectRef>
+      <a:fontRef idx="minor"/>
+    </dgm:style>
+  </dgm:styleLbl>
+  <dgm:styleLbl name="trAlignAcc1">
+    <dgm:scene3d>
+      <a:camera prst="orthographicFront"/>
+      <a:lightRig rig="threePt" dir="t"/>
+    </dgm:scene3d>
+    <dgm:sp3d/>
+    <dgm:txPr/>
+    <dgm:style>
+      <a:lnRef idx="1">
+        <a:scrgbClr r="0" g="0" b="0"/>
+      </a:lnRef>
+      <a:fillRef idx="1">
+        <a:scrgbClr r="0" g="0" b="0"/>
+      </a:fillRef>
+      <a:effectRef idx="0">
+        <a:scrgbClr r="0" g="0" b="0"/>
+      </a:effectRef>
+      <a:fontRef idx="minor"/>
+    </dgm:style>
+  </dgm:styleLbl>
+  <dgm:styleLbl name="bgAcc1">
+    <dgm:scene3d>
+      <a:camera prst="orthographicFront"/>
+      <a:lightRig rig="threePt" dir="t"/>
+    </dgm:scene3d>
+    <dgm:sp3d/>
+    <dgm:txPr/>
+    <dgm:style>
+      <a:lnRef idx="2">
+        <a:scrgbClr r="0" g="0" b="0"/>
+      </a:lnRef>
+      <a:fillRef idx="1">
+        <a:scrgbClr r="0" g="0" b="0"/>
+      </a:fillRef>
+      <a:effectRef idx="0">
+        <a:scrgbClr r="0" g="0" b="0"/>
+      </a:effectRef>
+      <a:fontRef idx="minor"/>
+    </dgm:style>
+  </dgm:styleLbl>
+  <dgm:styleLbl name="solidFgAcc1">
+    <dgm:scene3d>
+      <a:camera prst="orthographicFront"/>
+      <a:lightRig rig="threePt" dir="t"/>
+    </dgm:scene3d>
+    <dgm:sp3d/>
+    <dgm:txPr/>
+    <dgm:style>
+      <a:lnRef idx="2">
+        <a:scrgbClr r="0" g="0" b="0"/>
+      </a:lnRef>
+      <a:fillRef idx="1">
+        <a:scrgbClr r="0" g="0" b="0"/>
+      </a:fillRef>
+      <a:effectRef idx="0">
+        <a:scrgbClr r="0" g="0" b="0"/>
+      </a:effectRef>
+      <a:fontRef idx="minor"/>
+    </dgm:style>
+  </dgm:styleLbl>
+  <dgm:styleLbl name="solidAlignAcc1">
+    <dgm:scene3d>
+      <a:camera prst="orthographicFront"/>
+      <a:lightRig rig="threePt" dir="t"/>
+    </dgm:scene3d>
+    <dgm:sp3d/>
+    <dgm:txPr/>
+    <dgm:style>
+      <a:lnRef idx="2">
+        <a:scrgbClr r="0" g="0" b="0"/>
+      </a:lnRef>
+      <a:fillRef idx="1">
+        <a:scrgbClr r="0" g="0" b="0"/>
+      </a:fillRef>
+      <a:effectRef idx="0">
+        <a:scrgbClr r="0" g="0" b="0"/>
+      </a:effectRef>
+      <a:fontRef idx="minor"/>
+    </dgm:style>
+  </dgm:styleLbl>
+  <dgm:styleLbl name="solidBgAcc1">
+    <dgm:scene3d>
+      <a:camera prst="orthographicFront"/>
+      <a:lightRig rig="threePt" dir="t"/>
+    </dgm:scene3d>
+    <dgm:sp3d/>
+    <dgm:txPr/>
+    <dgm:style>
+      <a:lnRef idx="2">
+        <a:scrgbClr r="0" g="0" b="0"/>
+      </a:lnRef>
+      <a:fillRef idx="1">
+        <a:scrgbClr r="0" g="0" b="0"/>
+      </a:fillRef>
+      <a:effectRef idx="0">
+        <a:scrgbClr r="0" g="0" b="0"/>
+      </a:effectRef>
+      <a:fontRef idx="minor"/>
+    </dgm:style>
+  </dgm:styleLbl>
+  <dgm:styleLbl name="fgAccFollowNode1">
+    <dgm:scene3d>
+      <a:camera prst="orthographicFront"/>
+      <a:lightRig rig="threePt" dir="t"/>
+    </dgm:scene3d>
+    <dgm:sp3d/>
+    <dgm:txPr/>
+    <dgm:style>
+      <a:lnRef idx="2">
+        <a:scrgbClr r="0" g="0" b="0"/>
+      </a:lnRef>
+      <a:fillRef idx="1">
+        <a:scrgbClr r="0" g="0" b="0"/>
+      </a:fillRef>
+      <a:effectRef idx="0">
+        <a:scrgbClr r="0" g="0" b="0"/>
+      </a:effectRef>
+      <a:fontRef idx="minor"/>
+    </dgm:style>
+  </dgm:styleLbl>
+  <dgm:styleLbl name="alignAccFollowNode1">
+    <dgm:scene3d>
+      <a:camera prst="orthographicFront"/>
+      <a:lightRig rig="threePt" dir="t"/>
+    </dgm:scene3d>
+    <dgm:sp3d/>
+    <dgm:txPr/>
+    <dgm:style>
+      <a:lnRef idx="2">
+        <a:scrgbClr r="0" g="0" b="0"/>
+      </a:lnRef>
+      <a:fillRef idx="1">
+        <a:scrgbClr r="0" g="0" b="0"/>
+      </a:fillRef>
+      <a:effectRef idx="0">
+        <a:scrgbClr r="0" g="0" b="0"/>
+      </a:effectRef>
+      <a:fontRef idx="minor"/>
+    </dgm:style>
+  </dgm:styleLbl>
+  <dgm:styleLbl name="bgAccFollowNode1">
+    <dgm:scene3d>
+      <a:camera prst="orthographicFront"/>
+      <a:lightRig rig="threePt" dir="t"/>
+    </dgm:scene3d>
+    <dgm:sp3d/>
+    <dgm:txPr/>
+    <dgm:style>
+      <a:lnRef idx="2">
+        <a:scrgbClr r="0" g="0" b="0"/>
+      </a:lnRef>
+      <a:fillRef idx="1">
+        <a:scrgbClr r="0" g="0" b="0"/>
+      </a:fillRef>
+      <a:effectRef idx="0">
+        <a:scrgbClr r="0" g="0" b="0"/>
+      </a:effectRef>
+      <a:fontRef idx="minor"/>
+    </dgm:style>
+  </dgm:styleLbl>
+  <dgm:styleLbl name="fgAcc0">
+    <dgm:scene3d>
+      <a:camera prst="orthographicFront"/>
+      <a:lightRig rig="threePt" dir="t"/>
+    </dgm:scene3d>
+    <dgm:sp3d/>
+    <dgm:txPr/>
+    <dgm:style>
+      <a:lnRef idx="2">
+        <a:scrgbClr r="0" g="0" b="0"/>
+      </a:lnRef>
+      <a:fillRef idx="1">
+        <a:scrgbClr r="0" g="0" b="0"/>
+      </a:fillRef>
+      <a:effectRef idx="0">
+        <a:scrgbClr r="0" g="0" b="0"/>
+      </a:effectRef>
+      <a:fontRef idx="minor"/>
+    </dgm:style>
+  </dgm:styleLbl>
+  <dgm:styleLbl name="fgAcc2">
+    <dgm:scene3d>
+      <a:camera prst="orthographicFront"/>
+      <a:lightRig rig="threePt" dir="t"/>
+    </dgm:scene3d>
+    <dgm:sp3d/>
+    <dgm:txPr/>
+    <dgm:style>
+      <a:lnRef idx="2">
+        <a:scrgbClr r="0" g="0" b="0"/>
+      </a:lnRef>
+      <a:fillRef idx="1">
+        <a:scrgbClr r="0" g="0" b="0"/>
+      </a:fillRef>
+      <a:effectRef idx="0">
+        <a:scrgbClr r="0" g="0" b="0"/>
+      </a:effectRef>
+      <a:fontRef idx="minor"/>
+    </dgm:style>
+  </dgm:styleLbl>
+  <dgm:styleLbl name="fgAcc3">
+    <dgm:scene3d>
+      <a:camera prst="orthographicFront"/>
+      <a:lightRig rig="threePt" dir="t"/>
+    </dgm:scene3d>
+    <dgm:sp3d/>
+    <dgm:txPr/>
+    <dgm:style>
+      <a:lnRef idx="2">
+        <a:scrgbClr r="0" g="0" b="0"/>
+      </a:lnRef>
+      <a:fillRef idx="1">
+        <a:scrgbClr r="0" g="0" b="0"/>
+      </a:fillRef>
+      <a:effectRef idx="0">
+        <a:scrgbClr r="0" g="0" b="0"/>
+      </a:effectRef>
+      <a:fontRef idx="minor"/>
+    </dgm:style>
+  </dgm:styleLbl>
+  <dgm:styleLbl name="fgAcc4">
+    <dgm:scene3d>
+      <a:camera prst="orthographicFront"/>
+      <a:lightRig rig="threePt" dir="t"/>
+    </dgm:scene3d>
+    <dgm:sp3d/>
+    <dgm:txPr/>
+    <dgm:style>
+      <a:lnRef idx="2">
+        <a:scrgbClr r="0" g="0" b="0"/>
+      </a:lnRef>
+      <a:fillRef idx="1">
+        <a:scrgbClr r="0" g="0" b="0"/>
+      </a:fillRef>
+      <a:effectRef idx="0">
+        <a:scrgbClr r="0" g="0" b="0"/>
+      </a:effectRef>
+      <a:fontRef idx="minor"/>
+    </dgm:style>
+  </dgm:styleLbl>
+  <dgm:styleLbl name="bgShp">
+    <dgm:scene3d>
+      <a:camera prst="orthographicFront"/>
+      <a:lightRig rig="threePt" dir="t"/>
+    </dgm:scene3d>
+    <dgm:sp3d/>
+    <dgm:txPr/>
+    <dgm:style>
+      <a:lnRef idx="0">
+        <a:scrgbClr r="0" g="0" b="0"/>
+      </a:lnRef>
+      <a:fillRef idx="1">
+        <a:scrgbClr r="0" g="0" b="0"/>
+      </a:fillRef>
+      <a:effectRef idx="0">
+        <a:scrgbClr r="0" g="0" b="0"/>
+      </a:effectRef>
+      <a:fontRef idx="minor"/>
+    </dgm:style>
+  </dgm:styleLbl>
+  <dgm:styleLbl name="dkBgShp">
+    <dgm:scene3d>
+      <a:camera prst="orthographicFront"/>
+      <a:lightRig rig="threePt" dir="t"/>
+    </dgm:scene3d>
+    <dgm:sp3d/>
+    <dgm:txPr/>
+    <dgm:style>
+      <a:lnRef idx="0">
+        <a:scrgbClr r="0" g="0" b="0"/>
+      </a:lnRef>
+      <a:fillRef idx="1">
+        <a:scrgbClr r="0" g="0" b="0"/>
+      </a:fillRef>
+      <a:effectRef idx="0">
+        <a:scrgbClr r="0" g="0" b="0"/>
+      </a:effectRef>
+      <a:fontRef idx="minor"/>
+    </dgm:style>
+  </dgm:styleLbl>
+  <dgm:styleLbl name="trBgShp">
+    <dgm:scene3d>
+      <a:camera prst="orthographicFront"/>
+      <a:lightRig rig="threePt" dir="t"/>
+    </dgm:scene3d>
+    <dgm:sp3d/>
+    <dgm:txPr/>
+    <dgm:style>
+      <a:lnRef idx="0">
+        <a:scrgbClr r="0" g="0" b="0"/>
+      </a:lnRef>
+      <a:fillRef idx="1">
+        <a:scrgbClr r="0" g="0" b="0"/>
+      </a:fillRef>
+      <a:effectRef idx="0">
+        <a:scrgbClr r="0" g="0" b="0"/>
+      </a:effectRef>
+      <a:fontRef idx="minor"/>
+    </dgm:style>
+  </dgm:styleLbl>
+  <dgm:styleLbl name="fgShp">
+    <dgm:scene3d>
+      <a:camera prst="orthographicFront"/>
+      <a:lightRig rig="threePt" dir="t"/>
+    </dgm:scene3d>
+    <dgm:sp3d/>
+    <dgm:txPr/>
+    <dgm:style>
+      <a:lnRef idx="2">
+        <a:scrgbClr r="0" g="0" b="0"/>
+      </a:lnRef>
+      <a:fillRef idx="1">
+        <a:scrgbClr r="0" g="0" b="0"/>
+      </a:fillRef>
+      <a:effectRef idx="0">
+        <a:scrgbClr r="0" g="0" b="0"/>
+      </a:effectRef>
+      <a:fontRef idx="minor"/>
+    </dgm:style>
+  </dgm:styleLbl>
+  <dgm:styleLbl name="revTx">
+    <dgm:scene3d>
+      <a:camera prst="orthographicFront"/>
+      <a:lightRig rig="threePt" dir="t"/>
+    </dgm:scene3d>
+    <dgm:sp3d/>
+    <dgm:txPr/>
+    <dgm:style>
+      <a:lnRef idx="0">
+        <a:scrgbClr r="0" g="0" b="0"/>
+      </a:lnRef>
+      <a:fillRef idx="0">
+        <a:scrgbClr r="0" g="0" b="0"/>
+      </a:fillRef>
+      <a:effectRef idx="0">
+        <a:scrgbClr r="0" g="0" b="0"/>
+      </a:effectRef>
+      <a:fontRef idx="minor"/>
+    </dgm:style>
+  </dgm:styleLbl>
+</dgm:styleDef>
+</file>
+
 <file path=ppt/slideLayouts/slideLayout1.xml><?xml version="1.0" encoding="utf-8"?>
 <p:sldLayout xmlns:a="http://schemas.openxmlformats.org/drawingml/2006/main" xmlns:r="http://schemas.openxmlformats.org/officeDocument/2006/relationships" xmlns:p="http://schemas.openxmlformats.org/presentationml/2006/main" type="title" preserve="1">
   <p:cSld name="Titelfolie">
@@ -2792,17 +7603,17 @@
   </p:cSld>
   <p:clrMap bg1="lt1" tx1="dk1" bg2="lt2" tx2="dk2" accent1="accent1" accent2="accent2" accent3="accent3" accent4="accent4" accent5="accent5" accent6="accent6" hlink="hlink" folHlink="folHlink"/>
   <p:sldLayoutIdLst>
-    <p:sldLayoutId id="2147483673" r:id="rId1"/>
-    <p:sldLayoutId id="2147483674" r:id="rId2"/>
-    <p:sldLayoutId id="2147483675" r:id="rId3"/>
-    <p:sldLayoutId id="2147483676" r:id="rId4"/>
-    <p:sldLayoutId id="2147483677" r:id="rId5"/>
-    <p:sldLayoutId id="2147483678" r:id="rId6"/>
-    <p:sldLayoutId id="2147483679" r:id="rId7"/>
-    <p:sldLayoutId id="2147483680" r:id="rId8"/>
-    <p:sldLayoutId id="2147483681" r:id="rId9"/>
-    <p:sldLayoutId id="2147483682" r:id="rId10"/>
-    <p:sldLayoutId id="2147483683" r:id="rId11"/>
+    <p:sldLayoutId id="2147483709" r:id="rId1"/>
+    <p:sldLayoutId id="2147483710" r:id="rId2"/>
+    <p:sldLayoutId id="2147483711" r:id="rId3"/>
+    <p:sldLayoutId id="2147483712" r:id="rId4"/>
+    <p:sldLayoutId id="2147483713" r:id="rId5"/>
+    <p:sldLayoutId id="2147483714" r:id="rId6"/>
+    <p:sldLayoutId id="2147483715" r:id="rId7"/>
+    <p:sldLayoutId id="2147483716" r:id="rId8"/>
+    <p:sldLayoutId id="2147483717" r:id="rId9"/>
+    <p:sldLayoutId id="2147483718" r:id="rId10"/>
+    <p:sldLayoutId id="2147483719" r:id="rId11"/>
   </p:sldLayoutIdLst>
   <p:txStyles>
     <p:titleStyle>
@@ -3596,45 +8407,26 @@
           </a:p>
         </p:txBody>
       </p:sp>
-      <p:sp>
-        <p:nvSpPr>
-          <p:cNvPr id="7" name="Inhaltsplatzhalter 6"/>
-          <p:cNvSpPr>
-            <a:spLocks noGrp="1"/>
-          </p:cNvSpPr>
+      <p:graphicFrame>
+        <p:nvGraphicFramePr>
+          <p:cNvPr id="11" name="Inhaltsplatzhalter 10"/>
+          <p:cNvGraphicFramePr>
+            <a:graphicFrameLocks noGrp="1"/>
+          </p:cNvGraphicFramePr>
           <p:nvPr>
             <p:ph sz="half" idx="2"/>
           </p:nvPr>
-        </p:nvSpPr>
-        <p:spPr/>
-        <p:txBody>
-          <a:bodyPr/>
-          <a:lstStyle/>
-          <a:p>
-            <a:r>
-              <a:rPr lang="de-DE" dirty="0" smtClean="0"/>
-              <a:t>Modelle : -7h</a:t>
-            </a:r>
-          </a:p>
-          <a:p>
-            <a:r>
-              <a:rPr lang="de-DE" dirty="0" err="1" smtClean="0"/>
-              <a:t>Fixtures</a:t>
-            </a:r>
-            <a:r>
-              <a:rPr lang="de-DE" dirty="0" smtClean="0"/>
-              <a:t> : +7</a:t>
-            </a:r>
-          </a:p>
-          <a:p>
-            <a:r>
-              <a:rPr lang="de-DE" dirty="0" smtClean="0"/>
-              <a:t>Manuelle- statt Modultests</a:t>
-            </a:r>
-            <a:endParaRPr lang="de-DE" dirty="0"/>
-          </a:p>
-        </p:txBody>
-      </p:sp>
+        </p:nvGraphicFramePr>
+        <p:xfrm>
+          <a:off x="457200" y="2174875"/>
+          <a:ext cx="4040188" cy="3951288"/>
+        </p:xfrm>
+        <a:graphic>
+          <a:graphicData uri="http://schemas.openxmlformats.org/drawingml/2006/diagram">
+            <dgm:relIds xmlns:dgm="http://schemas.openxmlformats.org/drawingml/2006/diagram" xmlns:r="http://schemas.openxmlformats.org/officeDocument/2006/relationships" r:dm="rId2" r:lo="rId3" r:qs="rId4" r:cs="rId5"/>
+          </a:graphicData>
+        </a:graphic>
+      </p:graphicFrame>
       <p:sp>
         <p:nvSpPr>
           <p:cNvPr id="8" name="Textplatzhalter 7"/>
@@ -3660,35 +8452,26 @@
           </a:p>
         </p:txBody>
       </p:sp>
-      <p:sp>
-        <p:nvSpPr>
-          <p:cNvPr id="9" name="Inhaltsplatzhalter 8"/>
-          <p:cNvSpPr>
-            <a:spLocks noGrp="1"/>
-          </p:cNvSpPr>
+      <p:graphicFrame>
+        <p:nvGraphicFramePr>
+          <p:cNvPr id="12" name="Inhaltsplatzhalter 11"/>
+          <p:cNvGraphicFramePr>
+            <a:graphicFrameLocks noGrp="1"/>
+          </p:cNvGraphicFramePr>
           <p:nvPr>
             <p:ph sz="quarter" idx="4"/>
           </p:nvPr>
-        </p:nvSpPr>
-        <p:spPr/>
-        <p:txBody>
-          <a:bodyPr/>
-          <a:lstStyle/>
-          <a:p>
-            <a:r>
-              <a:rPr lang="de-DE" dirty="0" smtClean="0"/>
-              <a:t>Modelle : -1h</a:t>
-            </a:r>
-          </a:p>
-          <a:p>
-            <a:r>
-              <a:rPr lang="de-DE" dirty="0" smtClean="0"/>
-              <a:t>Doku : +2h</a:t>
-            </a:r>
-            <a:endParaRPr lang="de-DE" dirty="0"/>
-          </a:p>
-        </p:txBody>
-      </p:sp>
+        </p:nvGraphicFramePr>
+        <p:xfrm>
+          <a:off x="4645025" y="2174875"/>
+          <a:ext cx="4041775" cy="3951288"/>
+        </p:xfrm>
+        <a:graphic>
+          <a:graphicData uri="http://schemas.openxmlformats.org/drawingml/2006/diagram">
+            <dgm:relIds xmlns:dgm="http://schemas.openxmlformats.org/drawingml/2006/diagram" xmlns:r="http://schemas.openxmlformats.org/officeDocument/2006/relationships" r:dm="rId7" r:lo="rId8" r:qs="rId9" r:cs="rId10"/>
+          </a:graphicData>
+        </a:graphic>
+      </p:graphicFrame>
     </p:spTree>
   </p:cSld>
   <p:clrMapOvr>
@@ -4184,7 +8967,9 @@
         </p:nvSpPr>
         <p:spPr/>
         <p:txBody>
-          <a:bodyPr/>
+          <a:bodyPr>
+            <a:normAutofit/>
+          </a:bodyPr>
           <a:lstStyle/>
           <a:p>
             <a:r>
@@ -4213,8 +8998,8 @@
         </p:blipFill>
         <p:spPr>
           <a:xfrm>
-            <a:off x="1184105" y="1600200"/>
-            <a:ext cx="2584790" cy="4525963"/>
+            <a:off x="1183961" y="1600200"/>
+            <a:ext cx="2585077" cy="4525963"/>
           </a:xfrm>
         </p:spPr>
       </p:pic>
@@ -4236,8 +9021,8 @@
         </p:blipFill>
         <p:spPr>
           <a:xfrm>
-            <a:off x="5374857" y="1600200"/>
-            <a:ext cx="2585285" cy="4525963"/>
+            <a:off x="5374961" y="1600200"/>
+            <a:ext cx="2585077" cy="4525963"/>
           </a:xfrm>
         </p:spPr>
       </p:pic>
@@ -4570,25 +9355,29 @@
           </a:p>
         </p:txBody>
       </p:sp>
-      <p:sp>
-        <p:nvSpPr>
-          <p:cNvPr id="3" name="Inhaltsplatzhalter 2"/>
-          <p:cNvSpPr>
-            <a:spLocks noGrp="1"/>
-          </p:cNvSpPr>
+      <p:pic>
+        <p:nvPicPr>
+          <p:cNvPr id="10" name="Inhaltsplatzhalter 9" descr="hbs_praesi_class_diagram.jpg"/>
+          <p:cNvPicPr>
+            <a:picLocks noGrp="1" noChangeAspect="1"/>
+          </p:cNvPicPr>
           <p:nvPr>
             <p:ph idx="1"/>
           </p:nvPr>
-        </p:nvSpPr>
-        <p:spPr/>
-        <p:txBody>
-          <a:bodyPr/>
-          <a:lstStyle/>
-          <a:p>
-            <a:endParaRPr lang="de-DE" dirty="0"/>
-          </a:p>
-        </p:txBody>
-      </p:sp>
+        </p:nvPicPr>
+        <p:blipFill>
+          <a:blip r:embed="rId2" cstate="print"/>
+          <a:stretch>
+            <a:fillRect/>
+          </a:stretch>
+        </p:blipFill>
+        <p:spPr>
+          <a:xfrm>
+            <a:off x="827584" y="1196752"/>
+            <a:ext cx="7128792" cy="5049561"/>
+          </a:xfrm>
+        </p:spPr>
+      </p:pic>
     </p:spTree>
   </p:cSld>
   <p:clrMapOvr>

--- a/praesentation/Projektpräsentation.pptx
+++ b/praesentation/Projektpräsentation.pptx
@@ -4,6 +4,9 @@
   <p:sldMasterIdLst>
     <p:sldMasterId id="2147483708" r:id="rId1"/>
   </p:sldMasterIdLst>
+  <p:notesMasterIdLst>
+    <p:notesMasterId r:id="rId18"/>
+  </p:notesMasterIdLst>
   <p:sldIdLst>
     <p:sldId id="256" r:id="rId2"/>
     <p:sldId id="257" r:id="rId3"/>
@@ -4933,6 +4936,353 @@
 </dgm:styleDef>
 </file>
 
+<file path=ppt/notesMasters/notesMaster1.xml><?xml version="1.0" encoding="utf-8"?>
+<p:notesMaster xmlns:a="http://schemas.openxmlformats.org/drawingml/2006/main" xmlns:r="http://schemas.openxmlformats.org/officeDocument/2006/relationships" xmlns:p="http://schemas.openxmlformats.org/presentationml/2006/main">
+  <p:cSld>
+    <p:bg>
+      <p:bgRef idx="1001">
+        <a:schemeClr val="bg1"/>
+      </p:bgRef>
+    </p:bg>
+    <p:spTree>
+      <p:nvGrpSpPr>
+        <p:cNvPr id="1" name=""/>
+        <p:cNvGrpSpPr/>
+        <p:nvPr/>
+      </p:nvGrpSpPr>
+      <p:grpSpPr>
+        <a:xfrm>
+          <a:off x="0" y="0"/>
+          <a:ext cx="0" cy="0"/>
+          <a:chOff x="0" y="0"/>
+          <a:chExt cx="0" cy="0"/>
+        </a:xfrm>
+      </p:grpSpPr>
+      <p:sp>
+        <p:nvSpPr>
+          <p:cNvPr id="2" name="Kopfzeilenplatzhalter 1"/>
+          <p:cNvSpPr>
+            <a:spLocks noGrp="1"/>
+          </p:cNvSpPr>
+          <p:nvPr>
+            <p:ph type="hdr" sz="quarter"/>
+          </p:nvPr>
+        </p:nvSpPr>
+        <p:spPr>
+          <a:xfrm>
+            <a:off x="0" y="0"/>
+            <a:ext cx="2971800" cy="457200"/>
+          </a:xfrm>
+          <a:prstGeom prst="rect">
+            <a:avLst/>
+          </a:prstGeom>
+        </p:spPr>
+        <p:txBody>
+          <a:bodyPr vert="horz" lIns="91440" tIns="45720" rIns="91440" bIns="45720" rtlCol="0"/>
+          <a:lstStyle>
+            <a:lvl1pPr algn="l">
+              <a:defRPr sz="1200"/>
+            </a:lvl1pPr>
+          </a:lstStyle>
+          <a:p>
+            <a:endParaRPr lang="de-DE"/>
+          </a:p>
+        </p:txBody>
+      </p:sp>
+      <p:sp>
+        <p:nvSpPr>
+          <p:cNvPr id="3" name="Datumsplatzhalter 2"/>
+          <p:cNvSpPr>
+            <a:spLocks noGrp="1"/>
+          </p:cNvSpPr>
+          <p:nvPr>
+            <p:ph type="dt" idx="1"/>
+          </p:nvPr>
+        </p:nvSpPr>
+        <p:spPr>
+          <a:xfrm>
+            <a:off x="3884613" y="0"/>
+            <a:ext cx="2971800" cy="457200"/>
+          </a:xfrm>
+          <a:prstGeom prst="rect">
+            <a:avLst/>
+          </a:prstGeom>
+        </p:spPr>
+        <p:txBody>
+          <a:bodyPr vert="horz" lIns="91440" tIns="45720" rIns="91440" bIns="45720" rtlCol="0"/>
+          <a:lstStyle>
+            <a:lvl1pPr algn="r">
+              <a:defRPr sz="1200"/>
+            </a:lvl1pPr>
+          </a:lstStyle>
+          <a:p>
+            <a:fld id="{C4168E4D-0E0B-440D-9413-7C1F6355695D}" type="datetimeFigureOut">
+              <a:rPr lang="de-DE" smtClean="0"/>
+              <a:t>12.07.2016</a:t>
+            </a:fld>
+            <a:endParaRPr lang="de-DE"/>
+          </a:p>
+        </p:txBody>
+      </p:sp>
+      <p:sp>
+        <p:nvSpPr>
+          <p:cNvPr id="4" name="Folienbildplatzhalter 3"/>
+          <p:cNvSpPr>
+            <a:spLocks noGrp="1" noRot="1" noChangeAspect="1"/>
+          </p:cNvSpPr>
+          <p:nvPr>
+            <p:ph type="sldImg" idx="2"/>
+          </p:nvPr>
+        </p:nvSpPr>
+        <p:spPr>
+          <a:xfrm>
+            <a:off x="1143000" y="685800"/>
+            <a:ext cx="4572000" cy="3429000"/>
+          </a:xfrm>
+          <a:prstGeom prst="rect">
+            <a:avLst/>
+          </a:prstGeom>
+          <a:noFill/>
+          <a:ln w="12700">
+            <a:solidFill>
+              <a:prstClr val="black"/>
+            </a:solidFill>
+          </a:ln>
+        </p:spPr>
+        <p:txBody>
+          <a:bodyPr vert="horz" lIns="91440" tIns="45720" rIns="91440" bIns="45720" rtlCol="0" anchor="ctr"/>
+          <a:lstStyle/>
+          <a:p>
+            <a:endParaRPr lang="de-DE"/>
+          </a:p>
+        </p:txBody>
+      </p:sp>
+      <p:sp>
+        <p:nvSpPr>
+          <p:cNvPr id="5" name="Notizenplatzhalter 4"/>
+          <p:cNvSpPr>
+            <a:spLocks noGrp="1"/>
+          </p:cNvSpPr>
+          <p:nvPr>
+            <p:ph type="body" sz="quarter" idx="3"/>
+          </p:nvPr>
+        </p:nvSpPr>
+        <p:spPr>
+          <a:xfrm>
+            <a:off x="685800" y="4343400"/>
+            <a:ext cx="5486400" cy="4114800"/>
+          </a:xfrm>
+          <a:prstGeom prst="rect">
+            <a:avLst/>
+          </a:prstGeom>
+        </p:spPr>
+        <p:txBody>
+          <a:bodyPr vert="horz" lIns="91440" tIns="45720" rIns="91440" bIns="45720" rtlCol="0">
+            <a:normAutofit/>
+          </a:bodyPr>
+          <a:lstStyle/>
+          <a:p>
+            <a:pPr lvl="0"/>
+            <a:r>
+              <a:rPr lang="de-DE" smtClean="0"/>
+              <a:t>Textmasterformate durch Klicken bearbeiten</a:t>
+            </a:r>
+          </a:p>
+          <a:p>
+            <a:pPr lvl="1"/>
+            <a:r>
+              <a:rPr lang="de-DE" smtClean="0"/>
+              <a:t>Zweite Ebene</a:t>
+            </a:r>
+          </a:p>
+          <a:p>
+            <a:pPr lvl="2"/>
+            <a:r>
+              <a:rPr lang="de-DE" smtClean="0"/>
+              <a:t>Dritte Ebene</a:t>
+            </a:r>
+          </a:p>
+          <a:p>
+            <a:pPr lvl="3"/>
+            <a:r>
+              <a:rPr lang="de-DE" smtClean="0"/>
+              <a:t>Vierte Ebene</a:t>
+            </a:r>
+          </a:p>
+          <a:p>
+            <a:pPr lvl="4"/>
+            <a:r>
+              <a:rPr lang="de-DE" smtClean="0"/>
+              <a:t>Fünfte Ebene</a:t>
+            </a:r>
+            <a:endParaRPr lang="de-DE"/>
+          </a:p>
+        </p:txBody>
+      </p:sp>
+      <p:sp>
+        <p:nvSpPr>
+          <p:cNvPr id="6" name="Fußzeilenplatzhalter 5"/>
+          <p:cNvSpPr>
+            <a:spLocks noGrp="1"/>
+          </p:cNvSpPr>
+          <p:nvPr>
+            <p:ph type="ftr" sz="quarter" idx="4"/>
+          </p:nvPr>
+        </p:nvSpPr>
+        <p:spPr>
+          <a:xfrm>
+            <a:off x="0" y="8685213"/>
+            <a:ext cx="2971800" cy="457200"/>
+          </a:xfrm>
+          <a:prstGeom prst="rect">
+            <a:avLst/>
+          </a:prstGeom>
+        </p:spPr>
+        <p:txBody>
+          <a:bodyPr vert="horz" lIns="91440" tIns="45720" rIns="91440" bIns="45720" rtlCol="0" anchor="b"/>
+          <a:lstStyle>
+            <a:lvl1pPr algn="l">
+              <a:defRPr sz="1200"/>
+            </a:lvl1pPr>
+          </a:lstStyle>
+          <a:p>
+            <a:endParaRPr lang="de-DE"/>
+          </a:p>
+        </p:txBody>
+      </p:sp>
+      <p:sp>
+        <p:nvSpPr>
+          <p:cNvPr id="7" name="Foliennummernplatzhalter 6"/>
+          <p:cNvSpPr>
+            <a:spLocks noGrp="1"/>
+          </p:cNvSpPr>
+          <p:nvPr>
+            <p:ph type="sldNum" sz="quarter" idx="5"/>
+          </p:nvPr>
+        </p:nvSpPr>
+        <p:spPr>
+          <a:xfrm>
+            <a:off x="3884613" y="8685213"/>
+            <a:ext cx="2971800" cy="457200"/>
+          </a:xfrm>
+          <a:prstGeom prst="rect">
+            <a:avLst/>
+          </a:prstGeom>
+        </p:spPr>
+        <p:txBody>
+          <a:bodyPr vert="horz" lIns="91440" tIns="45720" rIns="91440" bIns="45720" rtlCol="0" anchor="b"/>
+          <a:lstStyle>
+            <a:lvl1pPr algn="r">
+              <a:defRPr sz="1200"/>
+            </a:lvl1pPr>
+          </a:lstStyle>
+          <a:p>
+            <a:fld id="{AF670A59-C4C3-43E8-BCED-B0C58CBED59A}" type="slidenum">
+              <a:rPr lang="de-DE" smtClean="0"/>
+              <a:t>‹Nr.›</a:t>
+            </a:fld>
+            <a:endParaRPr lang="de-DE"/>
+          </a:p>
+        </p:txBody>
+      </p:sp>
+    </p:spTree>
+  </p:cSld>
+  <p:clrMap bg1="lt1" tx1="dk1" bg2="lt2" tx2="dk2" accent1="accent1" accent2="accent2" accent3="accent3" accent4="accent4" accent5="accent5" accent6="accent6" hlink="hlink" folHlink="folHlink"/>
+  <p:notesStyle>
+    <a:lvl1pPr marL="0" algn="l" defTabSz="914400" rtl="0" eaLnBrk="1" latinLnBrk="0" hangingPunct="1">
+      <a:defRPr sz="1200" kern="1200">
+        <a:solidFill>
+          <a:schemeClr val="tx1"/>
+        </a:solidFill>
+        <a:latin typeface="+mn-lt"/>
+        <a:ea typeface="+mn-ea"/>
+        <a:cs typeface="+mn-cs"/>
+      </a:defRPr>
+    </a:lvl1pPr>
+    <a:lvl2pPr marL="457200" algn="l" defTabSz="914400" rtl="0" eaLnBrk="1" latinLnBrk="0" hangingPunct="1">
+      <a:defRPr sz="1200" kern="1200">
+        <a:solidFill>
+          <a:schemeClr val="tx1"/>
+        </a:solidFill>
+        <a:latin typeface="+mn-lt"/>
+        <a:ea typeface="+mn-ea"/>
+        <a:cs typeface="+mn-cs"/>
+      </a:defRPr>
+    </a:lvl2pPr>
+    <a:lvl3pPr marL="914400" algn="l" defTabSz="914400" rtl="0" eaLnBrk="1" latinLnBrk="0" hangingPunct="1">
+      <a:defRPr sz="1200" kern="1200">
+        <a:solidFill>
+          <a:schemeClr val="tx1"/>
+        </a:solidFill>
+        <a:latin typeface="+mn-lt"/>
+        <a:ea typeface="+mn-ea"/>
+        <a:cs typeface="+mn-cs"/>
+      </a:defRPr>
+    </a:lvl3pPr>
+    <a:lvl4pPr marL="1371600" algn="l" defTabSz="914400" rtl="0" eaLnBrk="1" latinLnBrk="0" hangingPunct="1">
+      <a:defRPr sz="1200" kern="1200">
+        <a:solidFill>
+          <a:schemeClr val="tx1"/>
+        </a:solidFill>
+        <a:latin typeface="+mn-lt"/>
+        <a:ea typeface="+mn-ea"/>
+        <a:cs typeface="+mn-cs"/>
+      </a:defRPr>
+    </a:lvl4pPr>
+    <a:lvl5pPr marL="1828800" algn="l" defTabSz="914400" rtl="0" eaLnBrk="1" latinLnBrk="0" hangingPunct="1">
+      <a:defRPr sz="1200" kern="1200">
+        <a:solidFill>
+          <a:schemeClr val="tx1"/>
+        </a:solidFill>
+        <a:latin typeface="+mn-lt"/>
+        <a:ea typeface="+mn-ea"/>
+        <a:cs typeface="+mn-cs"/>
+      </a:defRPr>
+    </a:lvl5pPr>
+    <a:lvl6pPr marL="2286000" algn="l" defTabSz="914400" rtl="0" eaLnBrk="1" latinLnBrk="0" hangingPunct="1">
+      <a:defRPr sz="1200" kern="1200">
+        <a:solidFill>
+          <a:schemeClr val="tx1"/>
+        </a:solidFill>
+        <a:latin typeface="+mn-lt"/>
+        <a:ea typeface="+mn-ea"/>
+        <a:cs typeface="+mn-cs"/>
+      </a:defRPr>
+    </a:lvl6pPr>
+    <a:lvl7pPr marL="2743200" algn="l" defTabSz="914400" rtl="0" eaLnBrk="1" latinLnBrk="0" hangingPunct="1">
+      <a:defRPr sz="1200" kern="1200">
+        <a:solidFill>
+          <a:schemeClr val="tx1"/>
+        </a:solidFill>
+        <a:latin typeface="+mn-lt"/>
+        <a:ea typeface="+mn-ea"/>
+        <a:cs typeface="+mn-cs"/>
+      </a:defRPr>
+    </a:lvl7pPr>
+    <a:lvl8pPr marL="3200400" algn="l" defTabSz="914400" rtl="0" eaLnBrk="1" latinLnBrk="0" hangingPunct="1">
+      <a:defRPr sz="1200" kern="1200">
+        <a:solidFill>
+          <a:schemeClr val="tx1"/>
+        </a:solidFill>
+        <a:latin typeface="+mn-lt"/>
+        <a:ea typeface="+mn-ea"/>
+        <a:cs typeface="+mn-cs"/>
+      </a:defRPr>
+    </a:lvl8pPr>
+    <a:lvl9pPr marL="3657600" algn="l" defTabSz="914400" rtl="0" eaLnBrk="1" latinLnBrk="0" hangingPunct="1">
+      <a:defRPr sz="1200" kern="1200">
+        <a:solidFill>
+          <a:schemeClr val="tx1"/>
+        </a:solidFill>
+        <a:latin typeface="+mn-lt"/>
+        <a:ea typeface="+mn-ea"/>
+        <a:cs typeface="+mn-cs"/>
+      </a:defRPr>
+    </a:lvl9pPr>
+  </p:notesStyle>
+</p:notesMaster>
+</file>
+
 <file path=ppt/slideLayouts/slideLayout1.xml><?xml version="1.0" encoding="utf-8"?>
 <p:sldLayout xmlns:a="http://schemas.openxmlformats.org/drawingml/2006/main" xmlns:r="http://schemas.openxmlformats.org/officeDocument/2006/relationships" xmlns:p="http://schemas.openxmlformats.org/presentationml/2006/main" type="title" preserve="1">
   <p:cSld name="Titelfolie">
@@ -9026,6 +9376,96 @@
           </a:xfrm>
         </p:spPr>
       </p:pic>
+      <p:cxnSp>
+        <p:nvCxnSpPr>
+          <p:cNvPr id="9" name="Gerade Verbindung 8"/>
+          <p:cNvCxnSpPr/>
+          <p:nvPr/>
+        </p:nvCxnSpPr>
+        <p:spPr>
+          <a:xfrm>
+            <a:off x="3275856" y="2708920"/>
+            <a:ext cx="2592288" cy="0"/>
+          </a:xfrm>
+          <a:prstGeom prst="line">
+            <a:avLst/>
+          </a:prstGeom>
+        </p:spPr>
+        <p:style>
+          <a:lnRef idx="1">
+            <a:schemeClr val="accent1"/>
+          </a:lnRef>
+          <a:fillRef idx="0">
+            <a:schemeClr val="accent1"/>
+          </a:fillRef>
+          <a:effectRef idx="0">
+            <a:schemeClr val="accent1"/>
+          </a:effectRef>
+          <a:fontRef idx="minor">
+            <a:schemeClr val="tx1"/>
+          </a:fontRef>
+        </p:style>
+      </p:cxnSp>
+      <p:cxnSp>
+        <p:nvCxnSpPr>
+          <p:cNvPr id="11" name="Gerade Verbindung 10"/>
+          <p:cNvCxnSpPr/>
+          <p:nvPr/>
+        </p:nvCxnSpPr>
+        <p:spPr>
+          <a:xfrm>
+            <a:off x="3275856" y="3140968"/>
+            <a:ext cx="2592288" cy="0"/>
+          </a:xfrm>
+          <a:prstGeom prst="line">
+            <a:avLst/>
+          </a:prstGeom>
+        </p:spPr>
+        <p:style>
+          <a:lnRef idx="1">
+            <a:schemeClr val="accent1"/>
+          </a:lnRef>
+          <a:fillRef idx="0">
+            <a:schemeClr val="accent1"/>
+          </a:fillRef>
+          <a:effectRef idx="0">
+            <a:schemeClr val="accent1"/>
+          </a:effectRef>
+          <a:fontRef idx="minor">
+            <a:schemeClr val="tx1"/>
+          </a:fontRef>
+        </p:style>
+      </p:cxnSp>
+      <p:cxnSp>
+        <p:nvCxnSpPr>
+          <p:cNvPr id="15" name="Gerade Verbindung 14"/>
+          <p:cNvCxnSpPr/>
+          <p:nvPr/>
+        </p:nvCxnSpPr>
+        <p:spPr>
+          <a:xfrm>
+            <a:off x="3275856" y="3861048"/>
+            <a:ext cx="2664296" cy="0"/>
+          </a:xfrm>
+          <a:prstGeom prst="line">
+            <a:avLst/>
+          </a:prstGeom>
+        </p:spPr>
+        <p:style>
+          <a:lnRef idx="1">
+            <a:schemeClr val="accent1"/>
+          </a:lnRef>
+          <a:fillRef idx="0">
+            <a:schemeClr val="accent1"/>
+          </a:fillRef>
+          <a:effectRef idx="0">
+            <a:schemeClr val="accent1"/>
+          </a:effectRef>
+          <a:fontRef idx="minor">
+            <a:schemeClr val="tx1"/>
+          </a:fontRef>
+        </p:style>
+      </p:cxnSp>
     </p:spTree>
   </p:cSld>
   <p:clrMapOvr>
@@ -9667,4 +10107,287 @@
   <a:objectDefaults/>
   <a:extraClrSchemeLst/>
 </a:theme>
+</file>
+
+<file path=ppt/theme/theme2.xml><?xml version="1.0" encoding="utf-8"?>
+<a:theme xmlns:a="http://schemas.openxmlformats.org/drawingml/2006/main" name="Larissa-Design">
+  <a:themeElements>
+    <a:clrScheme name="Larissa">
+      <a:dk1>
+        <a:sysClr val="windowText" lastClr="000000"/>
+      </a:dk1>
+      <a:lt1>
+        <a:sysClr val="window" lastClr="FFFFFF"/>
+      </a:lt1>
+      <a:dk2>
+        <a:srgbClr val="1F497D"/>
+      </a:dk2>
+      <a:lt2>
+        <a:srgbClr val="EEECE1"/>
+      </a:lt2>
+      <a:accent1>
+        <a:srgbClr val="4F81BD"/>
+      </a:accent1>
+      <a:accent2>
+        <a:srgbClr val="C0504D"/>
+      </a:accent2>
+      <a:accent3>
+        <a:srgbClr val="9BBB59"/>
+      </a:accent3>
+      <a:accent4>
+        <a:srgbClr val="8064A2"/>
+      </a:accent4>
+      <a:accent5>
+        <a:srgbClr val="4BACC6"/>
+      </a:accent5>
+      <a:accent6>
+        <a:srgbClr val="F79646"/>
+      </a:accent6>
+      <a:hlink>
+        <a:srgbClr val="0000FF"/>
+      </a:hlink>
+      <a:folHlink>
+        <a:srgbClr val="800080"/>
+      </a:folHlink>
+    </a:clrScheme>
+    <a:fontScheme name="Larissa">
+      <a:majorFont>
+        <a:latin typeface="Calibri"/>
+        <a:ea typeface=""/>
+        <a:cs typeface=""/>
+        <a:font script="Jpan" typeface="ＭＳ Ｐゴシック"/>
+        <a:font script="Hang" typeface="맑은 고딕"/>
+        <a:font script="Hans" typeface="宋体"/>
+        <a:font script="Hant" typeface="新細明體"/>
+        <a:font script="Arab" typeface="Times New Roman"/>
+        <a:font script="Hebr" typeface="Times New Roman"/>
+        <a:font script="Thai" typeface="Angsana New"/>
+        <a:font script="Ethi" typeface="Nyala"/>
+        <a:font script="Beng" typeface="Vrinda"/>
+        <a:font script="Gujr" typeface="Shruti"/>
+        <a:font script="Khmr" typeface="MoolBoran"/>
+        <a:font script="Knda" typeface="Tunga"/>
+        <a:font script="Guru" typeface="Raavi"/>
+        <a:font script="Cans" typeface="Euphemia"/>
+        <a:font script="Cher" typeface="Plantagenet Cherokee"/>
+        <a:font script="Yiii" typeface="Microsoft Yi Baiti"/>
+        <a:font script="Tibt" typeface="Microsoft Himalaya"/>
+        <a:font script="Thaa" typeface="MV Boli"/>
+        <a:font script="Deva" typeface="Mangal"/>
+        <a:font script="Telu" typeface="Gautami"/>
+        <a:font script="Taml" typeface="Latha"/>
+        <a:font script="Syrc" typeface="Estrangelo Edessa"/>
+        <a:font script="Orya" typeface="Kalinga"/>
+        <a:font script="Mlym" typeface="Kartika"/>
+        <a:font script="Laoo" typeface="DokChampa"/>
+        <a:font script="Sinh" typeface="Iskoola Pota"/>
+        <a:font script="Mong" typeface="Mongolian Baiti"/>
+        <a:font script="Viet" typeface="Times New Roman"/>
+        <a:font script="Uigh" typeface="Microsoft Uighur"/>
+      </a:majorFont>
+      <a:minorFont>
+        <a:latin typeface="Calibri"/>
+        <a:ea typeface=""/>
+        <a:cs typeface=""/>
+        <a:font script="Jpan" typeface="ＭＳ Ｐゴシック"/>
+        <a:font script="Hang" typeface="맑은 고딕"/>
+        <a:font script="Hans" typeface="宋体"/>
+        <a:font script="Hant" typeface="新細明體"/>
+        <a:font script="Arab" typeface="Arial"/>
+        <a:font script="Hebr" typeface="Arial"/>
+        <a:font script="Thai" typeface="Cordia New"/>
+        <a:font script="Ethi" typeface="Nyala"/>
+        <a:font script="Beng" typeface="Vrinda"/>
+        <a:font script="Gujr" typeface="Shruti"/>
+        <a:font script="Khmr" typeface="DaunPenh"/>
+        <a:font script="Knda" typeface="Tunga"/>
+        <a:font script="Guru" typeface="Raavi"/>
+        <a:font script="Cans" typeface="Euphemia"/>
+        <a:font script="Cher" typeface="Plantagenet Cherokee"/>
+        <a:font script="Yiii" typeface="Microsoft Yi Baiti"/>
+        <a:font script="Tibt" typeface="Microsoft Himalaya"/>
+        <a:font script="Thaa" typeface="MV Boli"/>
+        <a:font script="Deva" typeface="Mangal"/>
+        <a:font script="Telu" typeface="Gautami"/>
+        <a:font script="Taml" typeface="Latha"/>
+        <a:font script="Syrc" typeface="Estrangelo Edessa"/>
+        <a:font script="Orya" typeface="Kalinga"/>
+        <a:font script="Mlym" typeface="Kartika"/>
+        <a:font script="Laoo" typeface="DokChampa"/>
+        <a:font script="Sinh" typeface="Iskoola Pota"/>
+        <a:font script="Mong" typeface="Mongolian Baiti"/>
+        <a:font script="Viet" typeface="Arial"/>
+        <a:font script="Uigh" typeface="Microsoft Uighur"/>
+      </a:minorFont>
+    </a:fontScheme>
+    <a:fmtScheme name="Larissa">
+      <a:fillStyleLst>
+        <a:solidFill>
+          <a:schemeClr val="phClr"/>
+        </a:solidFill>
+        <a:gradFill rotWithShape="1">
+          <a:gsLst>
+            <a:gs pos="0">
+              <a:schemeClr val="phClr">
+                <a:tint val="50000"/>
+                <a:satMod val="300000"/>
+              </a:schemeClr>
+            </a:gs>
+            <a:gs pos="35000">
+              <a:schemeClr val="phClr">
+                <a:tint val="37000"/>
+                <a:satMod val="300000"/>
+              </a:schemeClr>
+            </a:gs>
+            <a:gs pos="100000">
+              <a:schemeClr val="phClr">
+                <a:tint val="15000"/>
+                <a:satMod val="350000"/>
+              </a:schemeClr>
+            </a:gs>
+          </a:gsLst>
+          <a:lin ang="16200000" scaled="1"/>
+        </a:gradFill>
+        <a:gradFill rotWithShape="1">
+          <a:gsLst>
+            <a:gs pos="0">
+              <a:schemeClr val="phClr">
+                <a:shade val="51000"/>
+                <a:satMod val="130000"/>
+              </a:schemeClr>
+            </a:gs>
+            <a:gs pos="80000">
+              <a:schemeClr val="phClr">
+                <a:shade val="93000"/>
+                <a:satMod val="130000"/>
+              </a:schemeClr>
+            </a:gs>
+            <a:gs pos="100000">
+              <a:schemeClr val="phClr">
+                <a:shade val="94000"/>
+                <a:satMod val="135000"/>
+              </a:schemeClr>
+            </a:gs>
+          </a:gsLst>
+          <a:lin ang="16200000" scaled="0"/>
+        </a:gradFill>
+      </a:fillStyleLst>
+      <a:lnStyleLst>
+        <a:ln w="9525" cap="flat" cmpd="sng" algn="ctr">
+          <a:solidFill>
+            <a:schemeClr val="phClr">
+              <a:shade val="95000"/>
+              <a:satMod val="105000"/>
+            </a:schemeClr>
+          </a:solidFill>
+          <a:prstDash val="solid"/>
+        </a:ln>
+        <a:ln w="25400" cap="flat" cmpd="sng" algn="ctr">
+          <a:solidFill>
+            <a:schemeClr val="phClr"/>
+          </a:solidFill>
+          <a:prstDash val="solid"/>
+        </a:ln>
+        <a:ln w="38100" cap="flat" cmpd="sng" algn="ctr">
+          <a:solidFill>
+            <a:schemeClr val="phClr"/>
+          </a:solidFill>
+          <a:prstDash val="solid"/>
+        </a:ln>
+      </a:lnStyleLst>
+      <a:effectStyleLst>
+        <a:effectStyle>
+          <a:effectLst>
+            <a:outerShdw blurRad="40000" dist="20000" dir="5400000" rotWithShape="0">
+              <a:srgbClr val="000000">
+                <a:alpha val="38000"/>
+              </a:srgbClr>
+            </a:outerShdw>
+          </a:effectLst>
+        </a:effectStyle>
+        <a:effectStyle>
+          <a:effectLst>
+            <a:outerShdw blurRad="40000" dist="23000" dir="5400000" rotWithShape="0">
+              <a:srgbClr val="000000">
+                <a:alpha val="35000"/>
+              </a:srgbClr>
+            </a:outerShdw>
+          </a:effectLst>
+        </a:effectStyle>
+        <a:effectStyle>
+          <a:effectLst>
+            <a:outerShdw blurRad="40000" dist="23000" dir="5400000" rotWithShape="0">
+              <a:srgbClr val="000000">
+                <a:alpha val="35000"/>
+              </a:srgbClr>
+            </a:outerShdw>
+          </a:effectLst>
+          <a:scene3d>
+            <a:camera prst="orthographicFront">
+              <a:rot lat="0" lon="0" rev="0"/>
+            </a:camera>
+            <a:lightRig rig="threePt" dir="t">
+              <a:rot lat="0" lon="0" rev="1200000"/>
+            </a:lightRig>
+          </a:scene3d>
+          <a:sp3d>
+            <a:bevelT w="63500" h="25400"/>
+          </a:sp3d>
+        </a:effectStyle>
+      </a:effectStyleLst>
+      <a:bgFillStyleLst>
+        <a:solidFill>
+          <a:schemeClr val="phClr"/>
+        </a:solidFill>
+        <a:gradFill rotWithShape="1">
+          <a:gsLst>
+            <a:gs pos="0">
+              <a:schemeClr val="phClr">
+                <a:tint val="40000"/>
+                <a:satMod val="350000"/>
+              </a:schemeClr>
+            </a:gs>
+            <a:gs pos="40000">
+              <a:schemeClr val="phClr">
+                <a:tint val="45000"/>
+                <a:shade val="99000"/>
+                <a:satMod val="350000"/>
+              </a:schemeClr>
+            </a:gs>
+            <a:gs pos="100000">
+              <a:schemeClr val="phClr">
+                <a:shade val="20000"/>
+                <a:satMod val="255000"/>
+              </a:schemeClr>
+            </a:gs>
+          </a:gsLst>
+          <a:path path="circle">
+            <a:fillToRect l="50000" t="-80000" r="50000" b="180000"/>
+          </a:path>
+        </a:gradFill>
+        <a:gradFill rotWithShape="1">
+          <a:gsLst>
+            <a:gs pos="0">
+              <a:schemeClr val="phClr">
+                <a:tint val="80000"/>
+                <a:satMod val="300000"/>
+              </a:schemeClr>
+            </a:gs>
+            <a:gs pos="100000">
+              <a:schemeClr val="phClr">
+                <a:shade val="30000"/>
+                <a:satMod val="200000"/>
+              </a:schemeClr>
+            </a:gs>
+          </a:gsLst>
+          <a:path path="circle">
+            <a:fillToRect l="50000" t="50000" r="50000" b="50000"/>
+          </a:path>
+        </a:gradFill>
+      </a:bgFillStyleLst>
+    </a:fmtScheme>
+  </a:themeElements>
+  <a:objectDefaults/>
+  <a:extraClrSchemeLst/>
+</a:theme>
 </file>
--- a/praesentation/Projektpräsentation.pptx
+++ b/praesentation/Projektpräsentation.pptx
@@ -1760,6 +1760,13 @@
         </dgm:presLayoutVars>
       </dgm:prSet>
       <dgm:spPr/>
+      <dgm:t>
+        <a:bodyPr/>
+        <a:lstStyle/>
+        <a:p>
+          <a:endParaRPr lang="de-DE"/>
+        </a:p>
+      </dgm:t>
     </dgm:pt>
     <dgm:pt modelId="{71EC3D6D-92C2-4ECC-AE6B-9C03ADD05EC1}" type="pres">
       <dgm:prSet presAssocID="{E24A44A3-BF08-4BE0-8115-EC0657CDA1B9}" presName="linNode" presStyleCnt="0"/>
@@ -1773,6 +1780,13 @@
         </dgm:presLayoutVars>
       </dgm:prSet>
       <dgm:spPr/>
+      <dgm:t>
+        <a:bodyPr/>
+        <a:lstStyle/>
+        <a:p>
+          <a:endParaRPr lang="de-DE"/>
+        </a:p>
+      </dgm:t>
     </dgm:pt>
     <dgm:pt modelId="{2AAA2D92-F877-4BE4-B815-F1D3F2F0D72B}" type="pres">
       <dgm:prSet presAssocID="{5D5141B2-DFAB-4BFC-9C05-E0AD4C1DDF82}" presName="sp" presStyleCnt="0"/>
@@ -1790,6 +1804,13 @@
         </dgm:presLayoutVars>
       </dgm:prSet>
       <dgm:spPr/>
+      <dgm:t>
+        <a:bodyPr/>
+        <a:lstStyle/>
+        <a:p>
+          <a:endParaRPr lang="de-DE"/>
+        </a:p>
+      </dgm:t>
     </dgm:pt>
     <dgm:pt modelId="{457F35AE-88DC-4BE2-920F-EA910BBD904D}" type="pres">
       <dgm:prSet presAssocID="{F7B3E1B4-46D7-48FD-A572-6C892F64902A}" presName="sp" presStyleCnt="0"/>
@@ -1807,6 +1828,13 @@
         </dgm:presLayoutVars>
       </dgm:prSet>
       <dgm:spPr/>
+      <dgm:t>
+        <a:bodyPr/>
+        <a:lstStyle/>
+        <a:p>
+          <a:endParaRPr lang="de-DE"/>
+        </a:p>
+      </dgm:t>
     </dgm:pt>
   </dgm:ptLst>
   <dgm:cxnLst>
@@ -1935,6 +1963,13 @@
         </dgm:presLayoutVars>
       </dgm:prSet>
       <dgm:spPr/>
+      <dgm:t>
+        <a:bodyPr/>
+        <a:lstStyle/>
+        <a:p>
+          <a:endParaRPr lang="de-DE"/>
+        </a:p>
+      </dgm:t>
     </dgm:pt>
     <dgm:pt modelId="{378740A8-145B-40B4-9AD4-5D694068EE77}" type="pres">
       <dgm:prSet presAssocID="{8FFECAD1-8393-44DC-9FFB-186E97B545B2}" presName="linNode" presStyleCnt="0"/>
@@ -1948,6 +1983,13 @@
         </dgm:presLayoutVars>
       </dgm:prSet>
       <dgm:spPr/>
+      <dgm:t>
+        <a:bodyPr/>
+        <a:lstStyle/>
+        <a:p>
+          <a:endParaRPr lang="de-DE"/>
+        </a:p>
+      </dgm:t>
     </dgm:pt>
     <dgm:pt modelId="{769DD015-5267-4E33-AFA7-406EE0818B20}" type="pres">
       <dgm:prSet presAssocID="{18009103-2941-4BBF-ACDF-E0FB511B688E}" presName="sp" presStyleCnt="0"/>
@@ -1965,6 +2007,13 @@
         </dgm:presLayoutVars>
       </dgm:prSet>
       <dgm:spPr/>
+      <dgm:t>
+        <a:bodyPr/>
+        <a:lstStyle/>
+        <a:p>
+          <a:endParaRPr lang="de-DE"/>
+        </a:p>
+      </dgm:t>
     </dgm:pt>
   </dgm:ptLst>
   <dgm:cxnLst>
@@ -5018,6 +5067,7 @@
           <a:p>
             <a:fld id="{C4168E4D-0E0B-440D-9413-7C1F6355695D}" type="datetimeFigureOut">
               <a:rPr lang="de-DE" smtClean="0"/>
+              <a:pPr/>
               <a:t>12.07.2016</a:t>
             </a:fld>
             <a:endParaRPr lang="de-DE"/>
@@ -5179,6 +5229,7 @@
           <a:p>
             <a:fld id="{AF670A59-C4C3-43E8-BCED-B0C58CBED59A}" type="slidenum">
               <a:rPr lang="de-DE" smtClean="0"/>
+              <a:pPr/>
               <a:t>‹Nr.›</a:t>
             </a:fld>
             <a:endParaRPr lang="de-DE"/>
@@ -8348,25 +8399,29 @@
           </a:p>
         </p:txBody>
       </p:sp>
-      <p:sp>
-        <p:nvSpPr>
-          <p:cNvPr id="3" name="Inhaltsplatzhalter 2"/>
-          <p:cNvSpPr>
-            <a:spLocks noGrp="1"/>
-          </p:cNvSpPr>
+      <p:pic>
+        <p:nvPicPr>
+          <p:cNvPr id="4" name="Inhaltsplatzhalter 3" descr="hbs_sequence.jpg"/>
+          <p:cNvPicPr>
+            <a:picLocks noGrp="1" noChangeAspect="1"/>
+          </p:cNvPicPr>
           <p:nvPr>
             <p:ph idx="1"/>
           </p:nvPr>
-        </p:nvSpPr>
-        <p:spPr/>
-        <p:txBody>
-          <a:bodyPr/>
-          <a:lstStyle/>
-          <a:p>
-            <a:endParaRPr lang="de-DE"/>
-          </a:p>
-        </p:txBody>
-      </p:sp>
+        </p:nvPicPr>
+        <p:blipFill>
+          <a:blip r:embed="rId2" cstate="print"/>
+          <a:stretch>
+            <a:fillRect/>
+          </a:stretch>
+        </p:blipFill>
+        <p:spPr>
+          <a:xfrm>
+            <a:off x="1907704" y="1320998"/>
+            <a:ext cx="5256584" cy="5015657"/>
+          </a:xfrm>
+        </p:spPr>
+      </p:pic>
     </p:spTree>
   </p:cSld>
   <p:clrMapOvr>
@@ -9813,8 +9868,8 @@
         </p:blipFill>
         <p:spPr>
           <a:xfrm>
-            <a:off x="827584" y="1196752"/>
-            <a:ext cx="7128792" cy="5049561"/>
+            <a:off x="971600" y="1340768"/>
+            <a:ext cx="6840760" cy="4845538"/>
           </a:xfrm>
         </p:spPr>
       </p:pic>

--- a/praesentation/Projektpräsentation.pptx
+++ b/praesentation/Projektpräsentation.pptx
@@ -8634,13 +8634,22 @@
           <a:p>
             <a:r>
               <a:rPr lang="de-DE" dirty="0" smtClean="0"/>
-              <a:t>Validierung : JSON-Schema.org</a:t>
-            </a:r>
-          </a:p>
-          <a:p>
+              <a:t>Validierung : </a:t>
+            </a:r>
             <a:r>
               <a:rPr lang="de-DE" dirty="0" smtClean="0"/>
-              <a:t>Codereview durch Mitarbeiter</a:t>
+              <a:t>JSONLint.com , JSON-Schema.org</a:t>
+            </a:r>
+            <a:endParaRPr lang="de-DE" dirty="0" smtClean="0"/>
+          </a:p>
+          <a:p>
+            <a:r>
+              <a:rPr lang="de-DE" dirty="0" smtClean="0"/>
+              <a:t>Codereview durch </a:t>
+            </a:r>
+            <a:r>
+              <a:rPr lang="de-DE" dirty="0" smtClean="0"/>
+              <a:t>freien Mitarbeiter</a:t>
             </a:r>
             <a:endParaRPr lang="de-DE" dirty="0"/>
           </a:p>

--- a/praesentation/Projektpräsentation.pptx
+++ b/praesentation/Projektpräsentation.pptx
@@ -1623,7 +1623,7 @@
 <dgm:dataModel xmlns:dgm="http://schemas.openxmlformats.org/drawingml/2006/diagram" xmlns:a="http://schemas.openxmlformats.org/drawingml/2006/main">
   <dgm:ptLst>
     <dgm:pt modelId="{118E16F9-6405-4F1E-92C9-9F1F40918A9A}" type="doc">
-      <dgm:prSet loTypeId="urn:microsoft.com/office/officeart/2005/8/layout/vList5" loCatId="list" qsTypeId="urn:microsoft.com/office/officeart/2005/8/quickstyle/simple1" qsCatId="simple" csTypeId="urn:microsoft.com/office/officeart/2005/8/colors/accent1_2" csCatId="accent1"/>
+      <dgm:prSet loTypeId="urn:microsoft.com/office/officeart/2005/8/layout/vList4" loCatId="list" qsTypeId="urn:microsoft.com/office/officeart/2005/8/quickstyle/simple1" qsCatId="simple" csTypeId="urn:microsoft.com/office/officeart/2005/8/colors/accent1_2" csCatId="accent1"/>
       <dgm:spPr/>
       <dgm:t>
         <a:bodyPr/>
@@ -1751,11 +1751,10 @@
         </a:p>
       </dgm:t>
     </dgm:pt>
-    <dgm:pt modelId="{737C3B57-6D91-4521-8DE6-721D67121A69}" type="pres">
-      <dgm:prSet presAssocID="{118E16F9-6405-4F1E-92C9-9F1F40918A9A}" presName="Name0" presStyleCnt="0">
+    <dgm:pt modelId="{5963E6D3-97E0-4EC4-8677-CC40FBFFB8E2}" type="pres">
+      <dgm:prSet presAssocID="{118E16F9-6405-4F1E-92C9-9F1F40918A9A}" presName="linear" presStyleCnt="0">
         <dgm:presLayoutVars>
           <dgm:dir/>
-          <dgm:animLvl val="lvl"/>
           <dgm:resizeHandles val="exact"/>
         </dgm:presLayoutVars>
       </dgm:prSet>
@@ -1768,14 +1767,28 @@
         </a:p>
       </dgm:t>
     </dgm:pt>
-    <dgm:pt modelId="{71EC3D6D-92C2-4ECC-AE6B-9C03ADD05EC1}" type="pres">
-      <dgm:prSet presAssocID="{E24A44A3-BF08-4BE0-8115-EC0657CDA1B9}" presName="linNode" presStyleCnt="0"/>
+    <dgm:pt modelId="{28F29FF6-39B3-4DAA-90D2-9606512A6FFD}" type="pres">
+      <dgm:prSet presAssocID="{E24A44A3-BF08-4BE0-8115-EC0657CDA1B9}" presName="comp" presStyleCnt="0"/>
       <dgm:spPr/>
     </dgm:pt>
-    <dgm:pt modelId="{92051009-74A6-45C4-B352-FC35C4436E5E}" type="pres">
-      <dgm:prSet presAssocID="{E24A44A3-BF08-4BE0-8115-EC0657CDA1B9}" presName="parentText" presStyleLbl="node1" presStyleIdx="0" presStyleCnt="3">
+    <dgm:pt modelId="{52F28D6E-2D1C-4760-86DA-770B40100418}" type="pres">
+      <dgm:prSet presAssocID="{E24A44A3-BF08-4BE0-8115-EC0657CDA1B9}" presName="box" presStyleLbl="node1" presStyleIdx="0" presStyleCnt="3"/>
+      <dgm:spPr/>
+      <dgm:t>
+        <a:bodyPr/>
+        <a:lstStyle/>
+        <a:p>
+          <a:endParaRPr lang="de-DE"/>
+        </a:p>
+      </dgm:t>
+    </dgm:pt>
+    <dgm:pt modelId="{8C925B74-4148-4914-9EE6-9B6ECD650C18}" type="pres">
+      <dgm:prSet presAssocID="{E24A44A3-BF08-4BE0-8115-EC0657CDA1B9}" presName="img" presStyleLbl="fgImgPlace1" presStyleIdx="0" presStyleCnt="3"/>
+      <dgm:spPr/>
+    </dgm:pt>
+    <dgm:pt modelId="{8A75E162-E1E1-4156-B6D7-CC35AFBE3FD3}" type="pres">
+      <dgm:prSet presAssocID="{E24A44A3-BF08-4BE0-8115-EC0657CDA1B9}" presName="text" presStyleLbl="node1" presStyleIdx="0" presStyleCnt="3">
         <dgm:presLayoutVars>
-          <dgm:chMax val="1"/>
           <dgm:bulletEnabled val="1"/>
         </dgm:presLayoutVars>
       </dgm:prSet>
@@ -1788,18 +1801,32 @@
         </a:p>
       </dgm:t>
     </dgm:pt>
-    <dgm:pt modelId="{2AAA2D92-F877-4BE4-B815-F1D3F2F0D72B}" type="pres">
-      <dgm:prSet presAssocID="{5D5141B2-DFAB-4BFC-9C05-E0AD4C1DDF82}" presName="sp" presStyleCnt="0"/>
+    <dgm:pt modelId="{71DE4A81-8E2C-4483-ADDD-1D177AECF42F}" type="pres">
+      <dgm:prSet presAssocID="{5D5141B2-DFAB-4BFC-9C05-E0AD4C1DDF82}" presName="spacer" presStyleCnt="0"/>
       <dgm:spPr/>
     </dgm:pt>
-    <dgm:pt modelId="{20DA496A-A267-4661-BDDA-19769991013C}" type="pres">
-      <dgm:prSet presAssocID="{D3B9661F-A3E2-4262-8E57-2196A6CDA6DC}" presName="linNode" presStyleCnt="0"/>
+    <dgm:pt modelId="{55A538DD-558D-4BD9-B8AF-ECB1F0F87782}" type="pres">
+      <dgm:prSet presAssocID="{D3B9661F-A3E2-4262-8E57-2196A6CDA6DC}" presName="comp" presStyleCnt="0"/>
       <dgm:spPr/>
     </dgm:pt>
-    <dgm:pt modelId="{00F15BE8-36D2-4995-976F-26E50F7117A6}" type="pres">
-      <dgm:prSet presAssocID="{D3B9661F-A3E2-4262-8E57-2196A6CDA6DC}" presName="parentText" presStyleLbl="node1" presStyleIdx="1" presStyleCnt="3">
+    <dgm:pt modelId="{A15B2012-4E1C-4699-BFAE-1995EC308437}" type="pres">
+      <dgm:prSet presAssocID="{D3B9661F-A3E2-4262-8E57-2196A6CDA6DC}" presName="box" presStyleLbl="node1" presStyleIdx="1" presStyleCnt="3"/>
+      <dgm:spPr/>
+      <dgm:t>
+        <a:bodyPr/>
+        <a:lstStyle/>
+        <a:p>
+          <a:endParaRPr lang="de-DE"/>
+        </a:p>
+      </dgm:t>
+    </dgm:pt>
+    <dgm:pt modelId="{66410808-3F46-44EE-9CFF-CF83A4514099}" type="pres">
+      <dgm:prSet presAssocID="{D3B9661F-A3E2-4262-8E57-2196A6CDA6DC}" presName="img" presStyleLbl="fgImgPlace1" presStyleIdx="1" presStyleCnt="3"/>
+      <dgm:spPr/>
+    </dgm:pt>
+    <dgm:pt modelId="{4F8D0C3F-E6E6-4E65-8CF8-64F4B424215B}" type="pres">
+      <dgm:prSet presAssocID="{D3B9661F-A3E2-4262-8E57-2196A6CDA6DC}" presName="text" presStyleLbl="node1" presStyleIdx="1" presStyleCnt="3">
         <dgm:presLayoutVars>
-          <dgm:chMax val="1"/>
           <dgm:bulletEnabled val="1"/>
         </dgm:presLayoutVars>
       </dgm:prSet>
@@ -1812,18 +1839,32 @@
         </a:p>
       </dgm:t>
     </dgm:pt>
-    <dgm:pt modelId="{457F35AE-88DC-4BE2-920F-EA910BBD904D}" type="pres">
-      <dgm:prSet presAssocID="{F7B3E1B4-46D7-48FD-A572-6C892F64902A}" presName="sp" presStyleCnt="0"/>
+    <dgm:pt modelId="{02FC672F-FFC1-4EAB-94F8-A7DCDC30DEC6}" type="pres">
+      <dgm:prSet presAssocID="{F7B3E1B4-46D7-48FD-A572-6C892F64902A}" presName="spacer" presStyleCnt="0"/>
       <dgm:spPr/>
     </dgm:pt>
-    <dgm:pt modelId="{BFD6503A-5E64-45F0-9FDF-EE9DAEB98DAA}" type="pres">
-      <dgm:prSet presAssocID="{BBACE499-9FFB-452F-ADE7-BD5B8DCEE209}" presName="linNode" presStyleCnt="0"/>
+    <dgm:pt modelId="{EE999A78-C251-435F-A985-67640DC1B785}" type="pres">
+      <dgm:prSet presAssocID="{BBACE499-9FFB-452F-ADE7-BD5B8DCEE209}" presName="comp" presStyleCnt="0"/>
       <dgm:spPr/>
     </dgm:pt>
-    <dgm:pt modelId="{311FB5E6-D58E-4C20-A971-D92FCC10B81F}" type="pres">
-      <dgm:prSet presAssocID="{BBACE499-9FFB-452F-ADE7-BD5B8DCEE209}" presName="parentText" presStyleLbl="node1" presStyleIdx="2" presStyleCnt="3">
+    <dgm:pt modelId="{0D3BBE79-1873-4BB8-8D2F-58CB960F8A9B}" type="pres">
+      <dgm:prSet presAssocID="{BBACE499-9FFB-452F-ADE7-BD5B8DCEE209}" presName="box" presStyleLbl="node1" presStyleIdx="2" presStyleCnt="3"/>
+      <dgm:spPr/>
+      <dgm:t>
+        <a:bodyPr/>
+        <a:lstStyle/>
+        <a:p>
+          <a:endParaRPr lang="de-DE"/>
+        </a:p>
+      </dgm:t>
+    </dgm:pt>
+    <dgm:pt modelId="{BC303A00-C634-4BDE-84CE-29C0B7C7A62B}" type="pres">
+      <dgm:prSet presAssocID="{BBACE499-9FFB-452F-ADE7-BD5B8DCEE209}" presName="img" presStyleLbl="fgImgPlace1" presStyleIdx="2" presStyleCnt="3"/>
+      <dgm:spPr/>
+    </dgm:pt>
+    <dgm:pt modelId="{14190803-EA12-4880-B2EC-C5CB39F5D5C5}" type="pres">
+      <dgm:prSet presAssocID="{BBACE499-9FFB-452F-ADE7-BD5B8DCEE209}" presName="text" presStyleLbl="node1" presStyleIdx="2" presStyleCnt="3">
         <dgm:presLayoutVars>
-          <dgm:chMax val="1"/>
           <dgm:bulletEnabled val="1"/>
         </dgm:presLayoutVars>
       </dgm:prSet>
@@ -1838,21 +1879,30 @@
     </dgm:pt>
   </dgm:ptLst>
   <dgm:cxnLst>
-    <dgm:cxn modelId="{4F037FC4-CA3A-41D8-B1F0-5E272B57E8EB}" type="presOf" srcId="{BBACE499-9FFB-452F-ADE7-BD5B8DCEE209}" destId="{311FB5E6-D58E-4C20-A971-D92FCC10B81F}" srcOrd="0" destOrd="0" presId="urn:microsoft.com/office/officeart/2005/8/layout/vList5"/>
+    <dgm:cxn modelId="{23266E3F-17E5-405A-98CF-31DB71370FB7}" type="presOf" srcId="{118E16F9-6405-4F1E-92C9-9F1F40918A9A}" destId="{5963E6D3-97E0-4EC4-8677-CC40FBFFB8E2}" srcOrd="0" destOrd="0" presId="urn:microsoft.com/office/officeart/2005/8/layout/vList4"/>
     <dgm:cxn modelId="{260357FC-F84C-4967-8961-CD0F134BBD30}" srcId="{118E16F9-6405-4F1E-92C9-9F1F40918A9A}" destId="{BBACE499-9FFB-452F-ADE7-BD5B8DCEE209}" srcOrd="2" destOrd="0" parTransId="{009EF4A8-A2D8-4472-877A-DA1E7A27E1AE}" sibTransId="{666BE02F-EC05-4BF7-8187-C70C864C651B}"/>
-    <dgm:cxn modelId="{A1218DCB-7246-49F6-8099-E35904561D48}" type="presOf" srcId="{E24A44A3-BF08-4BE0-8115-EC0657CDA1B9}" destId="{92051009-74A6-45C4-B352-FC35C4436E5E}" srcOrd="0" destOrd="0" presId="urn:microsoft.com/office/officeart/2005/8/layout/vList5"/>
-    <dgm:cxn modelId="{9BA15140-7CD2-48C9-8D5D-EB2C79C08D38}" type="presOf" srcId="{D3B9661F-A3E2-4262-8E57-2196A6CDA6DC}" destId="{00F15BE8-36D2-4995-976F-26E50F7117A6}" srcOrd="0" destOrd="0" presId="urn:microsoft.com/office/officeart/2005/8/layout/vList5"/>
+    <dgm:cxn modelId="{A9975B5B-8750-4D1C-A278-EAAF58C50134}" type="presOf" srcId="{E24A44A3-BF08-4BE0-8115-EC0657CDA1B9}" destId="{52F28D6E-2D1C-4760-86DA-770B40100418}" srcOrd="0" destOrd="0" presId="urn:microsoft.com/office/officeart/2005/8/layout/vList4"/>
+    <dgm:cxn modelId="{0428FC49-6BB6-4393-8B6F-4796B049FC07}" type="presOf" srcId="{BBACE499-9FFB-452F-ADE7-BD5B8DCEE209}" destId="{0D3BBE79-1873-4BB8-8D2F-58CB960F8A9B}" srcOrd="0" destOrd="0" presId="urn:microsoft.com/office/officeart/2005/8/layout/vList4"/>
     <dgm:cxn modelId="{799B8845-34B6-47ED-A46F-147CF86186E6}" srcId="{118E16F9-6405-4F1E-92C9-9F1F40918A9A}" destId="{D3B9661F-A3E2-4262-8E57-2196A6CDA6DC}" srcOrd="1" destOrd="0" parTransId="{76A6B10C-5EA1-426E-9A4F-8DC80839A2C6}" sibTransId="{F7B3E1B4-46D7-48FD-A572-6C892F64902A}"/>
+    <dgm:cxn modelId="{D533AB07-E681-411E-A073-D8555FA671C3}" type="presOf" srcId="{E24A44A3-BF08-4BE0-8115-EC0657CDA1B9}" destId="{8A75E162-E1E1-4156-B6D7-CC35AFBE3FD3}" srcOrd="1" destOrd="0" presId="urn:microsoft.com/office/officeart/2005/8/layout/vList4"/>
     <dgm:cxn modelId="{CAA581BB-E5C2-444E-830D-5C6512B83EB2}" srcId="{118E16F9-6405-4F1E-92C9-9F1F40918A9A}" destId="{E24A44A3-BF08-4BE0-8115-EC0657CDA1B9}" srcOrd="0" destOrd="0" parTransId="{79DC79CA-5319-4A69-BB04-79A4E4D03BA2}" sibTransId="{5D5141B2-DFAB-4BFC-9C05-E0AD4C1DDF82}"/>
-    <dgm:cxn modelId="{F0C4D8A6-9931-4DB0-8D7D-F3B55C71A92E}" type="presOf" srcId="{118E16F9-6405-4F1E-92C9-9F1F40918A9A}" destId="{737C3B57-6D91-4521-8DE6-721D67121A69}" srcOrd="0" destOrd="0" presId="urn:microsoft.com/office/officeart/2005/8/layout/vList5"/>
-    <dgm:cxn modelId="{43D61345-0692-42C8-93A8-B186051472B4}" type="presParOf" srcId="{737C3B57-6D91-4521-8DE6-721D67121A69}" destId="{71EC3D6D-92C2-4ECC-AE6B-9C03ADD05EC1}" srcOrd="0" destOrd="0" presId="urn:microsoft.com/office/officeart/2005/8/layout/vList5"/>
-    <dgm:cxn modelId="{B1A79B68-FD4D-4662-BEFD-3D62FA84A77D}" type="presParOf" srcId="{71EC3D6D-92C2-4ECC-AE6B-9C03ADD05EC1}" destId="{92051009-74A6-45C4-B352-FC35C4436E5E}" srcOrd="0" destOrd="0" presId="urn:microsoft.com/office/officeart/2005/8/layout/vList5"/>
-    <dgm:cxn modelId="{B056DEF3-B9C7-4898-BE21-FE8FD9F2057D}" type="presParOf" srcId="{737C3B57-6D91-4521-8DE6-721D67121A69}" destId="{2AAA2D92-F877-4BE4-B815-F1D3F2F0D72B}" srcOrd="1" destOrd="0" presId="urn:microsoft.com/office/officeart/2005/8/layout/vList5"/>
-    <dgm:cxn modelId="{B506B0AA-8116-480D-87C5-E08F983DCB44}" type="presParOf" srcId="{737C3B57-6D91-4521-8DE6-721D67121A69}" destId="{20DA496A-A267-4661-BDDA-19769991013C}" srcOrd="2" destOrd="0" presId="urn:microsoft.com/office/officeart/2005/8/layout/vList5"/>
-    <dgm:cxn modelId="{CDAF15BD-D4AE-4187-B8B3-D96E4EE2D330}" type="presParOf" srcId="{20DA496A-A267-4661-BDDA-19769991013C}" destId="{00F15BE8-36D2-4995-976F-26E50F7117A6}" srcOrd="0" destOrd="0" presId="urn:microsoft.com/office/officeart/2005/8/layout/vList5"/>
-    <dgm:cxn modelId="{EA91FFAF-3516-4C57-AAC7-016F58139CAD}" type="presParOf" srcId="{737C3B57-6D91-4521-8DE6-721D67121A69}" destId="{457F35AE-88DC-4BE2-920F-EA910BBD904D}" srcOrd="3" destOrd="0" presId="urn:microsoft.com/office/officeart/2005/8/layout/vList5"/>
-    <dgm:cxn modelId="{67B77021-86F8-4CD4-98F2-41548DA6DE00}" type="presParOf" srcId="{737C3B57-6D91-4521-8DE6-721D67121A69}" destId="{BFD6503A-5E64-45F0-9FDF-EE9DAEB98DAA}" srcOrd="4" destOrd="0" presId="urn:microsoft.com/office/officeart/2005/8/layout/vList5"/>
-    <dgm:cxn modelId="{7B776F34-076D-474A-9722-9E6679EDEA6C}" type="presParOf" srcId="{BFD6503A-5E64-45F0-9FDF-EE9DAEB98DAA}" destId="{311FB5E6-D58E-4C20-A971-D92FCC10B81F}" srcOrd="0" destOrd="0" presId="urn:microsoft.com/office/officeart/2005/8/layout/vList5"/>
+    <dgm:cxn modelId="{85A8757F-0422-486E-82FD-A2DA3E53102A}" type="presOf" srcId="{BBACE499-9FFB-452F-ADE7-BD5B8DCEE209}" destId="{14190803-EA12-4880-B2EC-C5CB39F5D5C5}" srcOrd="1" destOrd="0" presId="urn:microsoft.com/office/officeart/2005/8/layout/vList4"/>
+    <dgm:cxn modelId="{E7226EE2-4E4E-4012-B627-00E7A59BBEF8}" type="presOf" srcId="{D3B9661F-A3E2-4262-8E57-2196A6CDA6DC}" destId="{4F8D0C3F-E6E6-4E65-8CF8-64F4B424215B}" srcOrd="1" destOrd="0" presId="urn:microsoft.com/office/officeart/2005/8/layout/vList4"/>
+    <dgm:cxn modelId="{07B7D927-B3DE-4052-B289-41EBD4B43A35}" type="presOf" srcId="{D3B9661F-A3E2-4262-8E57-2196A6CDA6DC}" destId="{A15B2012-4E1C-4699-BFAE-1995EC308437}" srcOrd="0" destOrd="0" presId="urn:microsoft.com/office/officeart/2005/8/layout/vList4"/>
+    <dgm:cxn modelId="{DE535182-862F-4598-85C9-88D593AB6C30}" type="presParOf" srcId="{5963E6D3-97E0-4EC4-8677-CC40FBFFB8E2}" destId="{28F29FF6-39B3-4DAA-90D2-9606512A6FFD}" srcOrd="0" destOrd="0" presId="urn:microsoft.com/office/officeart/2005/8/layout/vList4"/>
+    <dgm:cxn modelId="{EC8A2A2B-B16D-4642-9600-D114170F927B}" type="presParOf" srcId="{28F29FF6-39B3-4DAA-90D2-9606512A6FFD}" destId="{52F28D6E-2D1C-4760-86DA-770B40100418}" srcOrd="0" destOrd="0" presId="urn:microsoft.com/office/officeart/2005/8/layout/vList4"/>
+    <dgm:cxn modelId="{CFDD3C34-478B-4965-8D2F-C4F4E5AF83BE}" type="presParOf" srcId="{28F29FF6-39B3-4DAA-90D2-9606512A6FFD}" destId="{8C925B74-4148-4914-9EE6-9B6ECD650C18}" srcOrd="1" destOrd="0" presId="urn:microsoft.com/office/officeart/2005/8/layout/vList4"/>
+    <dgm:cxn modelId="{53F330E0-D804-4B9A-AD9E-25022A45AE10}" type="presParOf" srcId="{28F29FF6-39B3-4DAA-90D2-9606512A6FFD}" destId="{8A75E162-E1E1-4156-B6D7-CC35AFBE3FD3}" srcOrd="2" destOrd="0" presId="urn:microsoft.com/office/officeart/2005/8/layout/vList4"/>
+    <dgm:cxn modelId="{F911ED3C-5A02-4B36-83C2-D669BB165FAB}" type="presParOf" srcId="{5963E6D3-97E0-4EC4-8677-CC40FBFFB8E2}" destId="{71DE4A81-8E2C-4483-ADDD-1D177AECF42F}" srcOrd="1" destOrd="0" presId="urn:microsoft.com/office/officeart/2005/8/layout/vList4"/>
+    <dgm:cxn modelId="{C0C3C276-AFD2-4B97-9BCC-050155CF4E05}" type="presParOf" srcId="{5963E6D3-97E0-4EC4-8677-CC40FBFFB8E2}" destId="{55A538DD-558D-4BD9-B8AF-ECB1F0F87782}" srcOrd="2" destOrd="0" presId="urn:microsoft.com/office/officeart/2005/8/layout/vList4"/>
+    <dgm:cxn modelId="{148307AE-F64F-4383-BBD4-08C7CE5D9077}" type="presParOf" srcId="{55A538DD-558D-4BD9-B8AF-ECB1F0F87782}" destId="{A15B2012-4E1C-4699-BFAE-1995EC308437}" srcOrd="0" destOrd="0" presId="urn:microsoft.com/office/officeart/2005/8/layout/vList4"/>
+    <dgm:cxn modelId="{9A4C2DAC-0BF4-431D-8C69-737D412044F0}" type="presParOf" srcId="{55A538DD-558D-4BD9-B8AF-ECB1F0F87782}" destId="{66410808-3F46-44EE-9CFF-CF83A4514099}" srcOrd="1" destOrd="0" presId="urn:microsoft.com/office/officeart/2005/8/layout/vList4"/>
+    <dgm:cxn modelId="{327781E2-A9DA-4760-B254-EB3A793735AC}" type="presParOf" srcId="{55A538DD-558D-4BD9-B8AF-ECB1F0F87782}" destId="{4F8D0C3F-E6E6-4E65-8CF8-64F4B424215B}" srcOrd="2" destOrd="0" presId="urn:microsoft.com/office/officeart/2005/8/layout/vList4"/>
+    <dgm:cxn modelId="{75A1DF82-935C-40E0-A87B-D4714296695B}" type="presParOf" srcId="{5963E6D3-97E0-4EC4-8677-CC40FBFFB8E2}" destId="{02FC672F-FFC1-4EAB-94F8-A7DCDC30DEC6}" srcOrd="3" destOrd="0" presId="urn:microsoft.com/office/officeart/2005/8/layout/vList4"/>
+    <dgm:cxn modelId="{5458CDC9-A20B-483D-AF6C-2B99AF8608E8}" type="presParOf" srcId="{5963E6D3-97E0-4EC4-8677-CC40FBFFB8E2}" destId="{EE999A78-C251-435F-A985-67640DC1B785}" srcOrd="4" destOrd="0" presId="urn:microsoft.com/office/officeart/2005/8/layout/vList4"/>
+    <dgm:cxn modelId="{B1934A5C-F0B6-4A45-B37B-6916EFB97C4F}" type="presParOf" srcId="{EE999A78-C251-435F-A985-67640DC1B785}" destId="{0D3BBE79-1873-4BB8-8D2F-58CB960F8A9B}" srcOrd="0" destOrd="0" presId="urn:microsoft.com/office/officeart/2005/8/layout/vList4"/>
+    <dgm:cxn modelId="{297041ED-FC50-4E08-BB14-779178C9C44D}" type="presParOf" srcId="{EE999A78-C251-435F-A985-67640DC1B785}" destId="{BC303A00-C634-4BDE-84CE-29C0B7C7A62B}" srcOrd="1" destOrd="0" presId="urn:microsoft.com/office/officeart/2005/8/layout/vList4"/>
+    <dgm:cxn modelId="{3263B2A8-0521-4D13-A3F5-758607F44964}" type="presParOf" srcId="{EE999A78-C251-435F-A985-67640DC1B785}" destId="{14190803-EA12-4880-B2EC-C5CB39F5D5C5}" srcOrd="2" destOrd="0" presId="urn:microsoft.com/office/officeart/2005/8/layout/vList4"/>
   </dgm:cxnLst>
   <dgm:bg/>
   <dgm:whole/>
@@ -2046,18 +2096,20 @@
       <dsp:cNvGrpSpPr/>
     </dsp:nvGrpSpPr>
     <dsp:grpSpPr/>
-    <dsp:sp modelId="{92051009-74A6-45C4-B352-FC35C4436E5E}">
+    <dsp:sp modelId="{52F28D6E-2D1C-4760-86DA-770B40100418}">
       <dsp:nvSpPr>
         <dsp:cNvPr id="0" name=""/>
         <dsp:cNvSpPr/>
       </dsp:nvSpPr>
       <dsp:spPr>
         <a:xfrm>
-          <a:off x="1292860" y="1929"/>
-          <a:ext cx="1454467" cy="1273364"/>
+          <a:off x="0" y="0"/>
+          <a:ext cx="4040188" cy="1234777"/>
         </a:xfrm>
         <a:prstGeom prst="roundRect">
-          <a:avLst/>
+          <a:avLst>
+            <a:gd name="adj" fmla="val 10000"/>
+          </a:avLst>
         </a:prstGeom>
         <a:solidFill>
           <a:schemeClr val="accent1">
@@ -2095,12 +2147,12 @@
         </a:fontRef>
       </dsp:style>
       <dsp:txBody>
-        <a:bodyPr spcFirstLastPara="0" vert="horz" wrap="square" lIns="72390" tIns="36195" rIns="72390" bIns="36195" numCol="1" spcCol="1270" anchor="ctr" anchorCtr="0">
+        <a:bodyPr spcFirstLastPara="0" vert="horz" wrap="square" lIns="129540" tIns="129540" rIns="129540" bIns="129540" numCol="1" spcCol="1270" anchor="ctr" anchorCtr="0">
           <a:noAutofit/>
         </a:bodyPr>
         <a:lstStyle/>
         <a:p>
-          <a:pPr lvl="0" algn="ctr" defTabSz="844550" rtl="0">
+          <a:pPr lvl="0" algn="l" defTabSz="1511300" rtl="0">
             <a:lnSpc>
               <a:spcPct val="90000"/>
             </a:lnSpc>
@@ -2112,29 +2164,81 @@
             </a:spcAft>
           </a:pPr>
           <a:r>
-            <a:rPr lang="de-DE" sz="1900" kern="1200" dirty="0" smtClean="0"/>
+            <a:rPr lang="de-DE" sz="3400" kern="1200" dirty="0" smtClean="0"/>
             <a:t>Modelle : -7h</a:t>
           </a:r>
-          <a:endParaRPr lang="de-DE" sz="1900" kern="1200" dirty="0"/>
+          <a:endParaRPr lang="de-DE" sz="3400" kern="1200" dirty="0"/>
         </a:p>
       </dsp:txBody>
       <dsp:txXfrm>
-        <a:off x="1292860" y="1929"/>
-        <a:ext cx="1454467" cy="1273364"/>
+        <a:off x="931515" y="0"/>
+        <a:ext cx="3108672" cy="1234777"/>
       </dsp:txXfrm>
     </dsp:sp>
-    <dsp:sp modelId="{00F15BE8-36D2-4995-976F-26E50F7117A6}">
+    <dsp:sp modelId="{8C925B74-4148-4914-9EE6-9B6ECD650C18}">
       <dsp:nvSpPr>
         <dsp:cNvPr id="0" name=""/>
         <dsp:cNvSpPr/>
       </dsp:nvSpPr>
       <dsp:spPr>
         <a:xfrm>
-          <a:off x="1292860" y="1338961"/>
-          <a:ext cx="1454467" cy="1273364"/>
+          <a:off x="123477" y="123477"/>
+          <a:ext cx="808037" cy="987822"/>
         </a:xfrm>
         <a:prstGeom prst="roundRect">
-          <a:avLst/>
+          <a:avLst>
+            <a:gd name="adj" fmla="val 10000"/>
+          </a:avLst>
+        </a:prstGeom>
+        <a:solidFill>
+          <a:schemeClr val="accent1">
+            <a:tint val="50000"/>
+            <a:hueOff val="0"/>
+            <a:satOff val="0"/>
+            <a:lumOff val="0"/>
+            <a:alphaOff val="0"/>
+          </a:schemeClr>
+        </a:solidFill>
+        <a:ln w="25400" cap="flat" cmpd="sng" algn="ctr">
+          <a:solidFill>
+            <a:schemeClr val="lt1">
+              <a:hueOff val="0"/>
+              <a:satOff val="0"/>
+              <a:lumOff val="0"/>
+              <a:alphaOff val="0"/>
+            </a:schemeClr>
+          </a:solidFill>
+          <a:prstDash val="solid"/>
+        </a:ln>
+        <a:effectLst/>
+      </dsp:spPr>
+      <dsp:style>
+        <a:lnRef idx="2">
+          <a:scrgbClr r="0" g="0" b="0"/>
+        </a:lnRef>
+        <a:fillRef idx="1">
+          <a:scrgbClr r="0" g="0" b="0"/>
+        </a:fillRef>
+        <a:effectRef idx="0">
+          <a:scrgbClr r="0" g="0" b="0"/>
+        </a:effectRef>
+        <a:fontRef idx="minor"/>
+      </dsp:style>
+    </dsp:sp>
+    <dsp:sp modelId="{A15B2012-4E1C-4699-BFAE-1995EC308437}">
+      <dsp:nvSpPr>
+        <dsp:cNvPr id="0" name=""/>
+        <dsp:cNvSpPr/>
+      </dsp:nvSpPr>
+      <dsp:spPr>
+        <a:xfrm>
+          <a:off x="0" y="1358255"/>
+          <a:ext cx="4040188" cy="1234777"/>
+        </a:xfrm>
+        <a:prstGeom prst="roundRect">
+          <a:avLst>
+            <a:gd name="adj" fmla="val 10000"/>
+          </a:avLst>
         </a:prstGeom>
         <a:solidFill>
           <a:schemeClr val="accent1">
@@ -2172,12 +2276,12 @@
         </a:fontRef>
       </dsp:style>
       <dsp:txBody>
-        <a:bodyPr spcFirstLastPara="0" vert="horz" wrap="square" lIns="72390" tIns="36195" rIns="72390" bIns="36195" numCol="1" spcCol="1270" anchor="ctr" anchorCtr="0">
+        <a:bodyPr spcFirstLastPara="0" vert="horz" wrap="square" lIns="129540" tIns="129540" rIns="129540" bIns="129540" numCol="1" spcCol="1270" anchor="ctr" anchorCtr="0">
           <a:noAutofit/>
         </a:bodyPr>
         <a:lstStyle/>
         <a:p>
-          <a:pPr lvl="0" algn="ctr" defTabSz="844550" rtl="0">
+          <a:pPr lvl="0" algn="l" defTabSz="1511300" rtl="0">
             <a:lnSpc>
               <a:spcPct val="90000"/>
             </a:lnSpc>
@@ -2189,33 +2293,85 @@
             </a:spcAft>
           </a:pPr>
           <a:r>
-            <a:rPr lang="de-DE" sz="1900" kern="1200" dirty="0" err="1" smtClean="0"/>
+            <a:rPr lang="de-DE" sz="3400" kern="1200" dirty="0" err="1" smtClean="0"/>
             <a:t>Fixtures</a:t>
           </a:r>
           <a:r>
-            <a:rPr lang="de-DE" sz="1900" kern="1200" dirty="0" smtClean="0"/>
+            <a:rPr lang="de-DE" sz="3400" kern="1200" dirty="0" smtClean="0"/>
             <a:t> : +7</a:t>
           </a:r>
-          <a:endParaRPr lang="de-DE" sz="1900" kern="1200" dirty="0"/>
+          <a:endParaRPr lang="de-DE" sz="3400" kern="1200" dirty="0"/>
         </a:p>
       </dsp:txBody>
       <dsp:txXfrm>
-        <a:off x="1292860" y="1338961"/>
-        <a:ext cx="1454467" cy="1273364"/>
+        <a:off x="931515" y="1358255"/>
+        <a:ext cx="3108672" cy="1234777"/>
       </dsp:txXfrm>
     </dsp:sp>
-    <dsp:sp modelId="{311FB5E6-D58E-4C20-A971-D92FCC10B81F}">
+    <dsp:sp modelId="{66410808-3F46-44EE-9CFF-CF83A4514099}">
       <dsp:nvSpPr>
         <dsp:cNvPr id="0" name=""/>
         <dsp:cNvSpPr/>
       </dsp:nvSpPr>
       <dsp:spPr>
         <a:xfrm>
-          <a:off x="1292860" y="2675994"/>
-          <a:ext cx="1454467" cy="1273364"/>
+          <a:off x="123477" y="1481733"/>
+          <a:ext cx="808037" cy="987822"/>
         </a:xfrm>
         <a:prstGeom prst="roundRect">
-          <a:avLst/>
+          <a:avLst>
+            <a:gd name="adj" fmla="val 10000"/>
+          </a:avLst>
+        </a:prstGeom>
+        <a:solidFill>
+          <a:schemeClr val="accent1">
+            <a:tint val="50000"/>
+            <a:hueOff val="0"/>
+            <a:satOff val="0"/>
+            <a:lumOff val="0"/>
+            <a:alphaOff val="0"/>
+          </a:schemeClr>
+        </a:solidFill>
+        <a:ln w="25400" cap="flat" cmpd="sng" algn="ctr">
+          <a:solidFill>
+            <a:schemeClr val="lt1">
+              <a:hueOff val="0"/>
+              <a:satOff val="0"/>
+              <a:lumOff val="0"/>
+              <a:alphaOff val="0"/>
+            </a:schemeClr>
+          </a:solidFill>
+          <a:prstDash val="solid"/>
+        </a:ln>
+        <a:effectLst/>
+      </dsp:spPr>
+      <dsp:style>
+        <a:lnRef idx="2">
+          <a:scrgbClr r="0" g="0" b="0"/>
+        </a:lnRef>
+        <a:fillRef idx="1">
+          <a:scrgbClr r="0" g="0" b="0"/>
+        </a:fillRef>
+        <a:effectRef idx="0">
+          <a:scrgbClr r="0" g="0" b="0"/>
+        </a:effectRef>
+        <a:fontRef idx="minor"/>
+      </dsp:style>
+    </dsp:sp>
+    <dsp:sp modelId="{0D3BBE79-1873-4BB8-8D2F-58CB960F8A9B}">
+      <dsp:nvSpPr>
+        <dsp:cNvPr id="0" name=""/>
+        <dsp:cNvSpPr/>
+      </dsp:nvSpPr>
+      <dsp:spPr>
+        <a:xfrm>
+          <a:off x="0" y="2716510"/>
+          <a:ext cx="4040188" cy="1234777"/>
+        </a:xfrm>
+        <a:prstGeom prst="roundRect">
+          <a:avLst>
+            <a:gd name="adj" fmla="val 10000"/>
+          </a:avLst>
         </a:prstGeom>
         <a:solidFill>
           <a:schemeClr val="accent1">
@@ -2253,12 +2409,12 @@
         </a:fontRef>
       </dsp:style>
       <dsp:txBody>
-        <a:bodyPr spcFirstLastPara="0" vert="horz" wrap="square" lIns="72390" tIns="36195" rIns="72390" bIns="36195" numCol="1" spcCol="1270" anchor="ctr" anchorCtr="0">
+        <a:bodyPr spcFirstLastPara="0" vert="horz" wrap="square" lIns="129540" tIns="129540" rIns="129540" bIns="129540" numCol="1" spcCol="1270" anchor="ctr" anchorCtr="0">
           <a:noAutofit/>
         </a:bodyPr>
         <a:lstStyle/>
         <a:p>
-          <a:pPr lvl="0" algn="ctr" defTabSz="844550" rtl="0">
+          <a:pPr lvl="0" algn="l" defTabSz="1511300" rtl="0">
             <a:lnSpc>
               <a:spcPct val="90000"/>
             </a:lnSpc>
@@ -2270,16 +2426,66 @@
             </a:spcAft>
           </a:pPr>
           <a:r>
-            <a:rPr lang="de-DE" sz="1900" kern="1200" dirty="0" smtClean="0"/>
+            <a:rPr lang="de-DE" sz="3400" kern="1200" dirty="0" smtClean="0"/>
             <a:t>Manuelle- statt Modultests</a:t>
           </a:r>
-          <a:endParaRPr lang="de-DE" sz="1900" kern="1200" dirty="0"/>
+          <a:endParaRPr lang="de-DE" sz="3400" kern="1200" dirty="0"/>
         </a:p>
       </dsp:txBody>
       <dsp:txXfrm>
-        <a:off x="1292860" y="2675994"/>
-        <a:ext cx="1454467" cy="1273364"/>
+        <a:off x="931515" y="2716510"/>
+        <a:ext cx="3108672" cy="1234777"/>
       </dsp:txXfrm>
+    </dsp:sp>
+    <dsp:sp modelId="{BC303A00-C634-4BDE-84CE-29C0B7C7A62B}">
+      <dsp:nvSpPr>
+        <dsp:cNvPr id="0" name=""/>
+        <dsp:cNvSpPr/>
+      </dsp:nvSpPr>
+      <dsp:spPr>
+        <a:xfrm>
+          <a:off x="123477" y="2839988"/>
+          <a:ext cx="808037" cy="987822"/>
+        </a:xfrm>
+        <a:prstGeom prst="roundRect">
+          <a:avLst>
+            <a:gd name="adj" fmla="val 10000"/>
+          </a:avLst>
+        </a:prstGeom>
+        <a:solidFill>
+          <a:schemeClr val="accent1">
+            <a:tint val="50000"/>
+            <a:hueOff val="0"/>
+            <a:satOff val="0"/>
+            <a:lumOff val="0"/>
+            <a:alphaOff val="0"/>
+          </a:schemeClr>
+        </a:solidFill>
+        <a:ln w="25400" cap="flat" cmpd="sng" algn="ctr">
+          <a:solidFill>
+            <a:schemeClr val="lt1">
+              <a:hueOff val="0"/>
+              <a:satOff val="0"/>
+              <a:lumOff val="0"/>
+              <a:alphaOff val="0"/>
+            </a:schemeClr>
+          </a:solidFill>
+          <a:prstDash val="solid"/>
+        </a:ln>
+        <a:effectLst/>
+      </dsp:spPr>
+      <dsp:style>
+        <a:lnRef idx="2">
+          <a:scrgbClr r="0" g="0" b="0"/>
+        </a:lnRef>
+        <a:fillRef idx="1">
+          <a:scrgbClr r="0" g="0" b="0"/>
+        </a:fillRef>
+        <a:effectRef idx="0">
+          <a:scrgbClr r="0" g="0" b="0"/>
+        </a:effectRef>
+        <a:fontRef idx="minor"/>
+      </dsp:style>
     </dsp:sp>
   </dsp:spTree>
 </dsp:drawing>
@@ -2452,12 +2658,11 @@
 </file>
 
 <file path=ppt/diagrams/layout1.xml><?xml version="1.0" encoding="utf-8"?>
-<dgm:layoutDef xmlns:dgm="http://schemas.openxmlformats.org/drawingml/2006/diagram" xmlns:a="http://schemas.openxmlformats.org/drawingml/2006/main" uniqueId="urn:microsoft.com/office/officeart/2005/8/layout/vList5">
+<dgm:layoutDef xmlns:dgm="http://schemas.openxmlformats.org/drawingml/2006/diagram" xmlns:a="http://schemas.openxmlformats.org/drawingml/2006/main" uniqueId="urn:microsoft.com/office/officeart/2005/8/layout/vList4">
   <dgm:title val=""/>
   <dgm:desc val=""/>
   <dgm:catLst>
-    <dgm:cat type="list" pri="15000"/>
-    <dgm:cat type="convert" pri="2000"/>
+    <dgm:cat type="list" pri="13000"/>
   </dgm:catLst>
   <dgm:sampData>
     <dgm:dataModel>
@@ -2494,13 +2699,12 @@
       <dgm:cxnLst>
         <dgm:cxn modelId="4" srcId="0" destId="1" srcOrd="0" destOrd="0"/>
         <dgm:cxn modelId="5" srcId="0" destId="2" srcOrd="1" destOrd="0"/>
-        <dgm:cxn modelId="6" srcId="0" destId="3" srcOrd="2" destOrd="0"/>
         <dgm:cxn modelId="13" srcId="1" destId="11" srcOrd="0" destOrd="0"/>
-        <dgm:cxn modelId="14" srcId="1" destId="12" srcOrd="1" destOrd="0"/>
+        <dgm:cxn modelId="14" srcId="1" destId="12" srcOrd="0" destOrd="0"/>
         <dgm:cxn modelId="23" srcId="2" destId="21" srcOrd="0" destOrd="0"/>
-        <dgm:cxn modelId="24" srcId="2" destId="22" srcOrd="1" destOrd="0"/>
+        <dgm:cxn modelId="24" srcId="2" destId="22" srcOrd="0" destOrd="0"/>
         <dgm:cxn modelId="33" srcId="3" destId="31" srcOrd="0" destOrd="0"/>
-        <dgm:cxn modelId="34" srcId="3" destId="32" srcOrd="1" destOrd="0"/>
+        <dgm:cxn modelId="34" srcId="3" destId="32" srcOrd="0" destOrd="0"/>
       </dgm:cxnLst>
       <dgm:bg/>
       <dgm:whole/>
@@ -2511,15 +2715,11 @@
       <dgm:ptLst>
         <dgm:pt modelId="0" type="doc"/>
         <dgm:pt modelId="1"/>
-        <dgm:pt modelId="11"/>
         <dgm:pt modelId="2"/>
-        <dgm:pt modelId="21"/>
       </dgm:ptLst>
       <dgm:cxnLst>
-        <dgm:cxn modelId="4" srcId="0" destId="1" srcOrd="0" destOrd="0"/>
-        <dgm:cxn modelId="5" srcId="0" destId="2" srcOrd="1" destOrd="0"/>
-        <dgm:cxn modelId="13" srcId="1" destId="11" srcOrd="0" destOrd="0"/>
-        <dgm:cxn modelId="23" srcId="2" destId="21" srcOrd="0" destOrd="0"/>
+        <dgm:cxn modelId="3" srcId="0" destId="1" srcOrd="0" destOrd="0"/>
+        <dgm:cxn modelId="4" srcId="0" destId="2" srcOrd="1" destOrd="0"/>
       </dgm:cxnLst>
       <dgm:bg/>
       <dgm:whole/>
@@ -2530,98 +2730,114 @@
       <dgm:ptLst>
         <dgm:pt modelId="0" type="doc"/>
         <dgm:pt modelId="1"/>
-        <dgm:pt modelId="11"/>
         <dgm:pt modelId="2"/>
-        <dgm:pt modelId="21"/>
         <dgm:pt modelId="3"/>
-        <dgm:pt modelId="31"/>
         <dgm:pt modelId="4"/>
-        <dgm:pt modelId="41"/>
       </dgm:ptLst>
       <dgm:cxnLst>
         <dgm:cxn modelId="5" srcId="0" destId="1" srcOrd="0" destOrd="0"/>
         <dgm:cxn modelId="6" srcId="0" destId="2" srcOrd="1" destOrd="0"/>
         <dgm:cxn modelId="7" srcId="0" destId="3" srcOrd="2" destOrd="0"/>
         <dgm:cxn modelId="8" srcId="0" destId="4" srcOrd="3" destOrd="0"/>
-        <dgm:cxn modelId="13" srcId="1" destId="11" srcOrd="0" destOrd="0"/>
-        <dgm:cxn modelId="23" srcId="2" destId="21" srcOrd="0" destOrd="0"/>
-        <dgm:cxn modelId="33" srcId="3" destId="31" srcOrd="0" destOrd="0"/>
-        <dgm:cxn modelId="43" srcId="4" destId="41" srcOrd="0" destOrd="0"/>
       </dgm:cxnLst>
       <dgm:bg/>
       <dgm:whole/>
     </dgm:dataModel>
   </dgm:clrData>
-  <dgm:layoutNode name="Name0">
+  <dgm:layoutNode name="linear">
     <dgm:varLst>
       <dgm:dir/>
-      <dgm:animLvl val="lvl"/>
       <dgm:resizeHandles val="exact"/>
     </dgm:varLst>
-    <dgm:choose name="Name1">
-      <dgm:if name="Name2" func="var" arg="dir" op="equ" val="norm">
-        <dgm:alg type="lin">
-          <dgm:param type="linDir" val="fromT"/>
-          <dgm:param type="nodeHorzAlign" val="l"/>
-        </dgm:alg>
-      </dgm:if>
-      <dgm:else name="Name3">
-        <dgm:alg type="lin">
-          <dgm:param type="linDir" val="fromT"/>
-          <dgm:param type="nodeHorzAlign" val="r"/>
-        </dgm:alg>
-      </dgm:else>
-    </dgm:choose>
+    <dgm:alg type="lin">
+      <dgm:param type="linDir" val="fromT"/>
+      <dgm:param type="vertAlign" val="t"/>
+    </dgm:alg>
     <dgm:shape xmlns:r="http://schemas.openxmlformats.org/officeDocument/2006/relationships" r:blip="">
       <dgm:adjLst/>
     </dgm:shape>
     <dgm:presOf/>
     <dgm:constrLst>
-      <dgm:constr type="h" for="ch" forName="linNode" refType="h"/>
-      <dgm:constr type="w" for="ch" forName="linNode" refType="w"/>
-      <dgm:constr type="h" for="ch" forName="sp" refType="h" fact="0.05"/>
-      <dgm:constr type="primFontSz" for="des" forName="parentText" op="equ" val="65"/>
-      <dgm:constr type="secFontSz" for="des" forName="descendantText" op="equ"/>
+      <dgm:constr type="w" for="ch" forName="comp" refType="w"/>
+      <dgm:constr type="h" for="ch" forName="comp" refType="h"/>
+      <dgm:constr type="h" for="ch" forName="spacer" refType="h" refFor="ch" refForName="comp" op="equ" fact="0.1"/>
+      <dgm:constr type="primFontSz" for="des" forName="text" op="equ" val="65"/>
     </dgm:constrLst>
     <dgm:ruleLst/>
-    <dgm:forEach name="Name4" axis="ch" ptType="node">
-      <dgm:layoutNode name="linNode">
-        <dgm:choose name="Name5">
-          <dgm:if name="Name6" func="var" arg="dir" op="equ" val="norm">
-            <dgm:alg type="lin">
-              <dgm:param type="linDir" val="fromL"/>
-            </dgm:alg>
-          </dgm:if>
-          <dgm:else name="Name7">
-            <dgm:alg type="lin">
-              <dgm:param type="linDir" val="fromR"/>
-            </dgm:alg>
-          </dgm:else>
-        </dgm:choose>
+    <dgm:forEach name="Name0" axis="ch" ptType="node">
+      <dgm:layoutNode name="comp" styleLbl="node1">
+        <dgm:alg type="composite"/>
         <dgm:shape xmlns:r="http://schemas.openxmlformats.org/officeDocument/2006/relationships" r:blip="">
           <dgm:adjLst/>
         </dgm:shape>
         <dgm:presOf/>
-        <dgm:constrLst>
-          <dgm:constr type="w" for="ch" forName="parentText" refType="w" fact="0.36"/>
-          <dgm:constr type="w" for="ch" forName="descendantText" refType="w" fact="0.64"/>
-          <dgm:constr type="h" for="ch" forName="parentText" refType="h"/>
-          <dgm:constr type="h" for="ch" forName="descendantText" refType="h" refFor="ch" refForName="parentText" fact="0.8"/>
-        </dgm:constrLst>
+        <dgm:choose name="Name1">
+          <dgm:if name="Name2" func="var" arg="dir" op="equ" val="norm">
+            <dgm:constrLst>
+              <dgm:constr type="h" for="ch" forName="box" refType="h"/>
+              <dgm:constr type="w" for="ch" forName="box" refType="w"/>
+              <dgm:constr type="w" for="ch" forName="img" refType="w" refFor="ch" refForName="box" fact="0.2"/>
+              <dgm:constr type="h" for="ch" forName="img" refType="h" refFor="ch" refForName="box" fact="0.8"/>
+              <dgm:constr type="t" for="ch" forName="img" refType="h" refFor="ch" refForName="box" fact="0.1"/>
+              <dgm:constr type="l" for="ch" forName="img" refType="h" refFor="ch" refForName="box" fact="0.1"/>
+              <dgm:constr type="h" for="ch" forName="text" refType="h"/>
+              <dgm:constr type="l" for="ch" forName="text" refType="r" refFor="ch" refForName="img"/>
+              <dgm:constr type="r" for="ch" forName="text" refType="w"/>
+            </dgm:constrLst>
+          </dgm:if>
+          <dgm:else name="Name3">
+            <dgm:constrLst>
+              <dgm:constr type="h" for="ch" forName="box" refType="h"/>
+              <dgm:constr type="w" for="ch" forName="box" refType="w"/>
+              <dgm:constr type="w" for="ch" forName="img" refType="w" refFor="ch" refForName="box" fact="0.2"/>
+              <dgm:constr type="h" for="ch" forName="img" refType="h" refFor="ch" refForName="box" fact="0.8"/>
+              <dgm:constr type="t" for="ch" forName="img" refType="h" refFor="ch" refForName="box" fact="0.1"/>
+              <dgm:constr type="r" for="ch" forName="img" refType="w" refFor="ch" refForName="box"/>
+              <dgm:constr type="rOff" for="ch" forName="img" refType="h" refFor="ch" refForName="box" fact="-0.1"/>
+              <dgm:constr type="h" for="ch" forName="text" refType="h"/>
+              <dgm:constr type="r" for="ch" forName="text" refType="l" refFor="ch" refForName="img"/>
+              <dgm:constr type="l" for="ch" forName="text"/>
+            </dgm:constrLst>
+          </dgm:else>
+        </dgm:choose>
         <dgm:ruleLst/>
-        <dgm:layoutNode name="parentText">
+        <dgm:layoutNode name="box" styleLbl="node1">
+          <dgm:alg type="sp"/>
+          <dgm:shape xmlns:r="http://schemas.openxmlformats.org/officeDocument/2006/relationships" type="roundRect" r:blip="">
+            <dgm:adjLst>
+              <dgm:adj idx="1" val="0.1"/>
+            </dgm:adjLst>
+          </dgm:shape>
+          <dgm:presOf axis="desOrSelf" ptType="node"/>
+          <dgm:constrLst/>
+          <dgm:ruleLst/>
+        </dgm:layoutNode>
+        <dgm:layoutNode name="img" styleLbl="fgImgPlace1">
+          <dgm:alg type="sp"/>
+          <dgm:shape xmlns:r="http://schemas.openxmlformats.org/officeDocument/2006/relationships" type="roundRect" r:blip="" blipPhldr="1">
+            <dgm:adjLst>
+              <dgm:adj idx="1" val="0.1"/>
+            </dgm:adjLst>
+          </dgm:shape>
+          <dgm:presOf/>
+          <dgm:constrLst/>
+          <dgm:ruleLst/>
+        </dgm:layoutNode>
+        <dgm:layoutNode name="text">
           <dgm:varLst>
-            <dgm:chMax val="1"/>
             <dgm:bulletEnabled val="1"/>
           </dgm:varLst>
-          <dgm:alg type="tx"/>
-          <dgm:shape xmlns:r="http://schemas.openxmlformats.org/officeDocument/2006/relationships" type="roundRect" r:blip="" zOrderOff="3">
+          <dgm:alg type="tx">
+            <dgm:param type="parTxLTRAlign" val="l"/>
+            <dgm:param type="parTxRTLAlign" val="r"/>
+          </dgm:alg>
+          <dgm:shape xmlns:r="http://schemas.openxmlformats.org/officeDocument/2006/relationships" type="rect" r:blip="" hideGeom="1">
             <dgm:adjLst/>
           </dgm:shape>
-          <dgm:presOf axis="self" ptType="node"/>
+          <dgm:presOf axis="desOrSelf" ptType="node"/>
           <dgm:constrLst>
-            <dgm:constr type="tMarg" refType="primFontSz" fact="0.15"/>
-            <dgm:constr type="bMarg" refType="primFontSz" fact="0.15"/>
+            <dgm:constr type="tMarg" refType="primFontSz" fact="0.3"/>
+            <dgm:constr type="bMarg" refType="primFontSz" fact="0.3"/>
             <dgm:constr type="lMarg" refType="primFontSz" fact="0.3"/>
             <dgm:constr type="rMarg" refType="primFontSz" fact="0.3"/>
           </dgm:constrLst>
@@ -2629,52 +2845,14 @@
             <dgm:rule type="primFontSz" val="5" fact="NaN" max="NaN"/>
           </dgm:ruleLst>
         </dgm:layoutNode>
-        <dgm:choose name="Name8">
-          <dgm:if name="Name9" axis="ch" ptType="node" func="cnt" op="gte" val="1">
-            <dgm:layoutNode name="descendantText" styleLbl="alignAccFollowNode1">
-              <dgm:varLst>
-                <dgm:bulletEnabled val="1"/>
-              </dgm:varLst>
-              <dgm:alg type="tx">
-                <dgm:param type="stBulletLvl" val="1"/>
-                <dgm:param type="txAnchorVertCh" val="mid"/>
-              </dgm:alg>
-              <dgm:choose name="Name10">
-                <dgm:if name="Name11" func="var" arg="dir" op="equ" val="norm">
-                  <dgm:shape xmlns:r="http://schemas.openxmlformats.org/officeDocument/2006/relationships" rot="90" type="round2SameRect" r:blip="">
-                    <dgm:adjLst/>
-                  </dgm:shape>
-                </dgm:if>
-                <dgm:else name="Name12">
-                  <dgm:shape xmlns:r="http://schemas.openxmlformats.org/officeDocument/2006/relationships" rot="-90" type="round2SameRect" r:blip="">
-                    <dgm:adjLst/>
-                  </dgm:shape>
-                </dgm:else>
-              </dgm:choose>
-              <dgm:presOf axis="des" ptType="node"/>
-              <dgm:constrLst>
-                <dgm:constr type="secFontSz" val="65"/>
-                <dgm:constr type="primFontSz" refType="secFontSz"/>
-                <dgm:constr type="lMarg" refType="secFontSz" fact="0.3"/>
-                <dgm:constr type="rMarg" refType="secFontSz" fact="0.3"/>
-                <dgm:constr type="tMarg" refType="secFontSz" fact="0.15"/>
-                <dgm:constr type="bMarg" refType="secFontSz" fact="0.15"/>
-              </dgm:constrLst>
-              <dgm:ruleLst>
-                <dgm:rule type="secFontSz" val="5" fact="NaN" max="NaN"/>
-              </dgm:ruleLst>
-            </dgm:layoutNode>
-          </dgm:if>
-          <dgm:else name="Name13"/>
-        </dgm:choose>
       </dgm:layoutNode>
-      <dgm:forEach name="Name14" axis="followSib" ptType="sibTrans" cnt="1">
-        <dgm:layoutNode name="sp">
+      <dgm:forEach name="Name4" axis="followSib" ptType="sibTrans" cnt="1">
+        <dgm:layoutNode name="spacer">
           <dgm:alg type="sp"/>
           <dgm:shape xmlns:r="http://schemas.openxmlformats.org/officeDocument/2006/relationships" r:blip="">
             <dgm:adjLst/>
           </dgm:shape>
-          <dgm:presOf/>
+          <dgm:presOf axis="self"/>
           <dgm:constrLst/>
           <dgm:ruleLst/>
         </dgm:layoutNode>
@@ -9510,6 +9688,126 @@
           <a:xfrm>
             <a:off x="3275856" y="3861048"/>
             <a:ext cx="2664296" cy="0"/>
+          </a:xfrm>
+          <a:prstGeom prst="line">
+            <a:avLst/>
+          </a:prstGeom>
+        </p:spPr>
+        <p:style>
+          <a:lnRef idx="1">
+            <a:schemeClr val="accent1"/>
+          </a:lnRef>
+          <a:fillRef idx="0">
+            <a:schemeClr val="accent1"/>
+          </a:fillRef>
+          <a:effectRef idx="0">
+            <a:schemeClr val="accent1"/>
+          </a:effectRef>
+          <a:fontRef idx="minor">
+            <a:schemeClr val="tx1"/>
+          </a:fontRef>
+        </p:style>
+      </p:cxnSp>
+      <p:sp>
+        <p:nvSpPr>
+          <p:cNvPr id="10" name="Textfeld 9"/>
+          <p:cNvSpPr txBox="1"/>
+          <p:nvPr/>
+        </p:nvSpPr>
+        <p:spPr>
+          <a:xfrm>
+            <a:off x="3851920" y="2708920"/>
+            <a:ext cx="1368152" cy="369332"/>
+          </a:xfrm>
+          <a:prstGeom prst="rect">
+            <a:avLst/>
+          </a:prstGeom>
+          <a:noFill/>
+        </p:spPr>
+        <p:txBody>
+          <a:bodyPr wrap="square" rtlCol="0">
+            <a:spAutoFit/>
+          </a:bodyPr>
+          <a:lstStyle/>
+          <a:p>
+            <a:r>
+              <a:rPr lang="de-DE" dirty="0" smtClean="0"/>
+              <a:t>Hauptmenü</a:t>
+            </a:r>
+            <a:endParaRPr lang="de-DE" dirty="0"/>
+          </a:p>
+        </p:txBody>
+      </p:sp>
+      <p:sp>
+        <p:nvSpPr>
+          <p:cNvPr id="12" name="Textfeld 11"/>
+          <p:cNvSpPr txBox="1"/>
+          <p:nvPr/>
+        </p:nvSpPr>
+        <p:spPr>
+          <a:xfrm>
+            <a:off x="3851920" y="3284984"/>
+            <a:ext cx="1296144" cy="369332"/>
+          </a:xfrm>
+          <a:prstGeom prst="rect">
+            <a:avLst/>
+          </a:prstGeom>
+          <a:noFill/>
+        </p:spPr>
+        <p:txBody>
+          <a:bodyPr wrap="square" rtlCol="0">
+            <a:spAutoFit/>
+          </a:bodyPr>
+          <a:lstStyle/>
+          <a:p>
+            <a:r>
+              <a:rPr lang="de-DE" dirty="0" smtClean="0"/>
+              <a:t>Untermenü</a:t>
+            </a:r>
+            <a:endParaRPr lang="de-DE" dirty="0"/>
+          </a:p>
+        </p:txBody>
+      </p:sp>
+      <p:sp>
+        <p:nvSpPr>
+          <p:cNvPr id="13" name="Textfeld 12"/>
+          <p:cNvSpPr txBox="1"/>
+          <p:nvPr/>
+        </p:nvSpPr>
+        <p:spPr>
+          <a:xfrm>
+            <a:off x="3851920" y="3933056"/>
+            <a:ext cx="1296144" cy="369332"/>
+          </a:xfrm>
+          <a:prstGeom prst="rect">
+            <a:avLst/>
+          </a:prstGeom>
+          <a:noFill/>
+        </p:spPr>
+        <p:txBody>
+          <a:bodyPr wrap="square" rtlCol="0">
+            <a:spAutoFit/>
+          </a:bodyPr>
+          <a:lstStyle/>
+          <a:p>
+            <a:r>
+              <a:rPr lang="de-DE" dirty="0" smtClean="0"/>
+              <a:t>Eingabefeld</a:t>
+            </a:r>
+            <a:endParaRPr lang="de-DE" dirty="0"/>
+          </a:p>
+        </p:txBody>
+      </p:sp>
+      <p:cxnSp>
+        <p:nvCxnSpPr>
+          <p:cNvPr id="16" name="Gerade Verbindung 15"/>
+          <p:cNvCxnSpPr/>
+          <p:nvPr/>
+        </p:nvCxnSpPr>
+        <p:spPr>
+          <a:xfrm>
+            <a:off x="3275856" y="5301208"/>
+            <a:ext cx="2592288" cy="0"/>
           </a:xfrm>
           <a:prstGeom prst="line">
             <a:avLst/>

--- a/praesentation/Projektpräsentation.pptx
+++ b/praesentation/Projektpräsentation.pptx
@@ -9369,8 +9369,12 @@
           <a:lstStyle/>
           <a:p>
             <a:r>
+              <a:rPr lang="de-DE" smtClean="0"/>
+              <a:t>Gesamtprojekt : Entwickeln </a:t>
+            </a:r>
+            <a:r>
               <a:rPr lang="de-DE" dirty="0" smtClean="0"/>
-              <a:t>Entwickeln einer Serversoftware zur Reservierung von Hotelzimmern</a:t>
+              <a:t>einer Serversoftware zur Reservierung von Hotelzimmern</a:t>
             </a:r>
           </a:p>
           <a:p>
@@ -10105,6 +10109,78 @@
           <a:bodyPr/>
           <a:lstStyle/>
           <a:p>
+            <a:r>
+              <a:rPr lang="de-DE" dirty="0" smtClean="0"/>
+              <a:t>1 : </a:t>
+            </a:r>
+            <a:r>
+              <a:rPr lang="de-DE" dirty="0" err="1" smtClean="0"/>
+              <a:t>App</a:t>
+            </a:r>
+            <a:r>
+              <a:rPr lang="de-DE" dirty="0" err="1" smtClean="0"/>
+              <a:t>s</a:t>
+            </a:r>
+            <a:r>
+              <a:rPr lang="de-DE" dirty="0" smtClean="0"/>
+              <a:t> &lt;- Server – statische Daten</a:t>
+            </a:r>
+          </a:p>
+          <a:p>
+            <a:r>
+              <a:rPr lang="de-DE" dirty="0" smtClean="0"/>
+              <a:t>2 : </a:t>
+            </a:r>
+            <a:r>
+              <a:rPr lang="de-DE" dirty="0" err="1" smtClean="0"/>
+              <a:t>Apps</a:t>
+            </a:r>
+            <a:r>
+              <a:rPr lang="de-DE" dirty="0" smtClean="0"/>
+              <a:t> &lt;- Server – Preise &amp; Verfügbarkeiten</a:t>
+            </a:r>
+          </a:p>
+          <a:p>
+            <a:r>
+              <a:rPr lang="de-DE" dirty="0" smtClean="0"/>
+              <a:t>3a : </a:t>
+            </a:r>
+            <a:r>
+              <a:rPr lang="de-DE" dirty="0" err="1" smtClean="0"/>
+              <a:t>Apps</a:t>
+            </a:r>
+            <a:r>
+              <a:rPr lang="de-DE" dirty="0" smtClean="0"/>
+              <a:t> -&gt; Server – Warenkorb</a:t>
+            </a:r>
+          </a:p>
+          <a:p>
+            <a:r>
+              <a:rPr lang="de-DE" dirty="0" smtClean="0"/>
+              <a:t>3b : </a:t>
+            </a:r>
+            <a:r>
+              <a:rPr lang="de-DE" dirty="0" err="1" smtClean="0"/>
+              <a:t>Apps</a:t>
+            </a:r>
+            <a:r>
+              <a:rPr lang="de-DE" dirty="0" smtClean="0"/>
+              <a:t> -&gt; Server – Gesamtpreis</a:t>
+            </a:r>
+          </a:p>
+          <a:p>
+            <a:r>
+              <a:rPr lang="de-DE" dirty="0" smtClean="0"/>
+              <a:t>4 : </a:t>
+            </a:r>
+            <a:r>
+              <a:rPr lang="de-DE" dirty="0" err="1" smtClean="0"/>
+              <a:t>Apps</a:t>
+            </a:r>
+            <a:r>
+              <a:rPr lang="de-DE" dirty="0" smtClean="0"/>
+              <a:t> -&gt; Server – Warenkorb + Nutzerdaten</a:t>
+            </a:r>
             <a:endParaRPr lang="de-DE" dirty="0"/>
           </a:p>
         </p:txBody>

--- a/praesentation/Projektpräsentation.pptx
+++ b/praesentation/Projektpräsentation.pptx
@@ -9127,7 +9127,7 @@
           <a:bodyPr/>
           <a:lstStyle/>
           <a:p>
-            <a:endParaRPr lang="de-DE"/>
+            <a:endParaRPr lang="de-DE" dirty="0"/>
           </a:p>
         </p:txBody>
       </p:sp>
@@ -9369,7 +9369,7 @@
           <a:lstStyle/>
           <a:p>
             <a:r>
-              <a:rPr lang="de-DE" smtClean="0"/>
+              <a:rPr lang="de-DE" dirty="0" smtClean="0"/>
               <a:t>Gesamtprojekt : Entwickeln </a:t>
             </a:r>
             <a:r>
@@ -9505,7 +9505,7 @@
       </p:sp>
       <p:pic>
         <p:nvPicPr>
-          <p:cNvPr id="4" name="Inhaltsplatzhalter 3" descr="hbs_schema.png"/>
+          <p:cNvPr id="6" name="Inhaltsplatzhalter 5" descr="hbs_schema.jpg"/>
           <p:cNvPicPr>
             <a:picLocks noGrp="1" noChangeAspect="1"/>
           </p:cNvPicPr>
@@ -9521,8 +9521,8 @@
         </p:blipFill>
         <p:spPr>
           <a:xfrm>
-            <a:off x="470412" y="2402864"/>
-            <a:ext cx="8203175" cy="2920635"/>
+            <a:off x="1475656" y="1484785"/>
+            <a:ext cx="6061646" cy="4608512"/>
           </a:xfrm>
         </p:spPr>
       </p:pic>

--- a/praesentation/Projektpräsentation.pptx
+++ b/praesentation/Projektpräsentation.pptx
@@ -9127,6 +9127,30 @@
           <a:bodyPr/>
           <a:lstStyle/>
           <a:p>
+            <a:r>
+              <a:rPr lang="de-DE" dirty="0" smtClean="0"/>
+              <a:t>Projektziele Erreicht</a:t>
+            </a:r>
+          </a:p>
+          <a:p>
+            <a:r>
+              <a:rPr lang="de-DE" dirty="0" err="1" smtClean="0"/>
+              <a:t>iOS</a:t>
+            </a:r>
+            <a:r>
+              <a:rPr lang="de-DE" dirty="0" smtClean="0"/>
+              <a:t> </a:t>
+            </a:r>
+            <a:r>
+              <a:rPr lang="de-DE" dirty="0" err="1" smtClean="0"/>
+              <a:t>App</a:t>
+            </a:r>
+            <a:r>
+              <a:rPr lang="de-DE" dirty="0" smtClean="0"/>
+              <a:t> wird derzeit entwickelt</a:t>
+            </a:r>
+          </a:p>
+          <a:p>
             <a:endParaRPr lang="de-DE" dirty="0"/>
           </a:p>
         </p:txBody>

--- a/praesentation/Projektpräsentation.pptx
+++ b/praesentation/Projektpräsentation.pptx
@@ -1623,7 +1623,7 @@
 <dgm:dataModel xmlns:dgm="http://schemas.openxmlformats.org/drawingml/2006/diagram" xmlns:a="http://schemas.openxmlformats.org/drawingml/2006/main">
   <dgm:ptLst>
     <dgm:pt modelId="{118E16F9-6405-4F1E-92C9-9F1F40918A9A}" type="doc">
-      <dgm:prSet loTypeId="urn:microsoft.com/office/officeart/2005/8/layout/vList4" loCatId="list" qsTypeId="urn:microsoft.com/office/officeart/2005/8/quickstyle/simple1" qsCatId="simple" csTypeId="urn:microsoft.com/office/officeart/2005/8/colors/accent1_2" csCatId="accent1"/>
+      <dgm:prSet loTypeId="urn:microsoft.com/office/officeart/2005/8/layout/vList2" loCatId="list" qsTypeId="urn:microsoft.com/office/officeart/2005/8/quickstyle/simple1" qsCatId="simple" csTypeId="urn:microsoft.com/office/officeart/2005/8/colors/accent1_2" csCatId="accent1"/>
       <dgm:spPr/>
       <dgm:t>
         <a:bodyPr/>
@@ -1751,10 +1751,10 @@
         </a:p>
       </dgm:t>
     </dgm:pt>
-    <dgm:pt modelId="{5963E6D3-97E0-4EC4-8677-CC40FBFFB8E2}" type="pres">
+    <dgm:pt modelId="{FC96E662-FDA0-42EA-AB4D-8144CB928CF7}" type="pres">
       <dgm:prSet presAssocID="{118E16F9-6405-4F1E-92C9-9F1F40918A9A}" presName="linear" presStyleCnt="0">
         <dgm:presLayoutVars>
-          <dgm:dir/>
+          <dgm:animLvl val="lvl"/>
           <dgm:resizeHandles val="exact"/>
         </dgm:presLayoutVars>
       </dgm:prSet>
@@ -1767,28 +1767,10 @@
         </a:p>
       </dgm:t>
     </dgm:pt>
-    <dgm:pt modelId="{28F29FF6-39B3-4DAA-90D2-9606512A6FFD}" type="pres">
-      <dgm:prSet presAssocID="{E24A44A3-BF08-4BE0-8115-EC0657CDA1B9}" presName="comp" presStyleCnt="0"/>
-      <dgm:spPr/>
-    </dgm:pt>
-    <dgm:pt modelId="{52F28D6E-2D1C-4760-86DA-770B40100418}" type="pres">
-      <dgm:prSet presAssocID="{E24A44A3-BF08-4BE0-8115-EC0657CDA1B9}" presName="box" presStyleLbl="node1" presStyleIdx="0" presStyleCnt="3"/>
-      <dgm:spPr/>
-      <dgm:t>
-        <a:bodyPr/>
-        <a:lstStyle/>
-        <a:p>
-          <a:endParaRPr lang="de-DE"/>
-        </a:p>
-      </dgm:t>
-    </dgm:pt>
-    <dgm:pt modelId="{8C925B74-4148-4914-9EE6-9B6ECD650C18}" type="pres">
-      <dgm:prSet presAssocID="{E24A44A3-BF08-4BE0-8115-EC0657CDA1B9}" presName="img" presStyleLbl="fgImgPlace1" presStyleIdx="0" presStyleCnt="3"/>
-      <dgm:spPr/>
-    </dgm:pt>
-    <dgm:pt modelId="{8A75E162-E1E1-4156-B6D7-CC35AFBE3FD3}" type="pres">
-      <dgm:prSet presAssocID="{E24A44A3-BF08-4BE0-8115-EC0657CDA1B9}" presName="text" presStyleLbl="node1" presStyleIdx="0" presStyleCnt="3">
+    <dgm:pt modelId="{2B62EEB4-3E2B-4CF4-9AAA-930BF94AF6EC}" type="pres">
+      <dgm:prSet presAssocID="{E24A44A3-BF08-4BE0-8115-EC0657CDA1B9}" presName="parentText" presStyleLbl="node1" presStyleIdx="0" presStyleCnt="3">
         <dgm:presLayoutVars>
+          <dgm:chMax val="0"/>
           <dgm:bulletEnabled val="1"/>
         </dgm:presLayoutVars>
       </dgm:prSet>
@@ -1801,32 +1783,14 @@
         </a:p>
       </dgm:t>
     </dgm:pt>
-    <dgm:pt modelId="{71DE4A81-8E2C-4483-ADDD-1D177AECF42F}" type="pres">
+    <dgm:pt modelId="{F90B275F-7A69-423E-AF4C-D7C23A8DEE3A}" type="pres">
       <dgm:prSet presAssocID="{5D5141B2-DFAB-4BFC-9C05-E0AD4C1DDF82}" presName="spacer" presStyleCnt="0"/>
       <dgm:spPr/>
     </dgm:pt>
-    <dgm:pt modelId="{55A538DD-558D-4BD9-B8AF-ECB1F0F87782}" type="pres">
-      <dgm:prSet presAssocID="{D3B9661F-A3E2-4262-8E57-2196A6CDA6DC}" presName="comp" presStyleCnt="0"/>
-      <dgm:spPr/>
-    </dgm:pt>
-    <dgm:pt modelId="{A15B2012-4E1C-4699-BFAE-1995EC308437}" type="pres">
-      <dgm:prSet presAssocID="{D3B9661F-A3E2-4262-8E57-2196A6CDA6DC}" presName="box" presStyleLbl="node1" presStyleIdx="1" presStyleCnt="3"/>
-      <dgm:spPr/>
-      <dgm:t>
-        <a:bodyPr/>
-        <a:lstStyle/>
-        <a:p>
-          <a:endParaRPr lang="de-DE"/>
-        </a:p>
-      </dgm:t>
-    </dgm:pt>
-    <dgm:pt modelId="{66410808-3F46-44EE-9CFF-CF83A4514099}" type="pres">
-      <dgm:prSet presAssocID="{D3B9661F-A3E2-4262-8E57-2196A6CDA6DC}" presName="img" presStyleLbl="fgImgPlace1" presStyleIdx="1" presStyleCnt="3"/>
-      <dgm:spPr/>
-    </dgm:pt>
-    <dgm:pt modelId="{4F8D0C3F-E6E6-4E65-8CF8-64F4B424215B}" type="pres">
-      <dgm:prSet presAssocID="{D3B9661F-A3E2-4262-8E57-2196A6CDA6DC}" presName="text" presStyleLbl="node1" presStyleIdx="1" presStyleCnt="3">
+    <dgm:pt modelId="{A42902A6-BF43-4975-A10B-6C7B976D604F}" type="pres">
+      <dgm:prSet presAssocID="{D3B9661F-A3E2-4262-8E57-2196A6CDA6DC}" presName="parentText" presStyleLbl="node1" presStyleIdx="1" presStyleCnt="3">
         <dgm:presLayoutVars>
+          <dgm:chMax val="0"/>
           <dgm:bulletEnabled val="1"/>
         </dgm:presLayoutVars>
       </dgm:prSet>
@@ -1839,32 +1803,14 @@
         </a:p>
       </dgm:t>
     </dgm:pt>
-    <dgm:pt modelId="{02FC672F-FFC1-4EAB-94F8-A7DCDC30DEC6}" type="pres">
+    <dgm:pt modelId="{4E79096D-12CA-4858-A799-D2C26F037F31}" type="pres">
       <dgm:prSet presAssocID="{F7B3E1B4-46D7-48FD-A572-6C892F64902A}" presName="spacer" presStyleCnt="0"/>
       <dgm:spPr/>
     </dgm:pt>
-    <dgm:pt modelId="{EE999A78-C251-435F-A985-67640DC1B785}" type="pres">
-      <dgm:prSet presAssocID="{BBACE499-9FFB-452F-ADE7-BD5B8DCEE209}" presName="comp" presStyleCnt="0"/>
-      <dgm:spPr/>
-    </dgm:pt>
-    <dgm:pt modelId="{0D3BBE79-1873-4BB8-8D2F-58CB960F8A9B}" type="pres">
-      <dgm:prSet presAssocID="{BBACE499-9FFB-452F-ADE7-BD5B8DCEE209}" presName="box" presStyleLbl="node1" presStyleIdx="2" presStyleCnt="3"/>
-      <dgm:spPr/>
-      <dgm:t>
-        <a:bodyPr/>
-        <a:lstStyle/>
-        <a:p>
-          <a:endParaRPr lang="de-DE"/>
-        </a:p>
-      </dgm:t>
-    </dgm:pt>
-    <dgm:pt modelId="{BC303A00-C634-4BDE-84CE-29C0B7C7A62B}" type="pres">
-      <dgm:prSet presAssocID="{BBACE499-9FFB-452F-ADE7-BD5B8DCEE209}" presName="img" presStyleLbl="fgImgPlace1" presStyleIdx="2" presStyleCnt="3"/>
-      <dgm:spPr/>
-    </dgm:pt>
-    <dgm:pt modelId="{14190803-EA12-4880-B2EC-C5CB39F5D5C5}" type="pres">
-      <dgm:prSet presAssocID="{BBACE499-9FFB-452F-ADE7-BD5B8DCEE209}" presName="text" presStyleLbl="node1" presStyleIdx="2" presStyleCnt="3">
+    <dgm:pt modelId="{C429F269-6597-4838-8F0C-516DDDAD5841}" type="pres">
+      <dgm:prSet presAssocID="{BBACE499-9FFB-452F-ADE7-BD5B8DCEE209}" presName="parentText" presStyleLbl="node1" presStyleIdx="2" presStyleCnt="3">
         <dgm:presLayoutVars>
+          <dgm:chMax val="0"/>
           <dgm:bulletEnabled val="1"/>
         </dgm:presLayoutVars>
       </dgm:prSet>
@@ -1879,30 +1825,18 @@
     </dgm:pt>
   </dgm:ptLst>
   <dgm:cxnLst>
-    <dgm:cxn modelId="{23266E3F-17E5-405A-98CF-31DB71370FB7}" type="presOf" srcId="{118E16F9-6405-4F1E-92C9-9F1F40918A9A}" destId="{5963E6D3-97E0-4EC4-8677-CC40FBFFB8E2}" srcOrd="0" destOrd="0" presId="urn:microsoft.com/office/officeart/2005/8/layout/vList4"/>
+    <dgm:cxn modelId="{1FA49EF9-5F61-41BF-BCC9-2A76BBB026A5}" type="presOf" srcId="{D3B9661F-A3E2-4262-8E57-2196A6CDA6DC}" destId="{A42902A6-BF43-4975-A10B-6C7B976D604F}" srcOrd="0" destOrd="0" presId="urn:microsoft.com/office/officeart/2005/8/layout/vList2"/>
+    <dgm:cxn modelId="{3286ACAC-387C-43E3-8F76-DA93B7A32BC1}" type="presOf" srcId="{118E16F9-6405-4F1E-92C9-9F1F40918A9A}" destId="{FC96E662-FDA0-42EA-AB4D-8144CB928CF7}" srcOrd="0" destOrd="0" presId="urn:microsoft.com/office/officeart/2005/8/layout/vList2"/>
     <dgm:cxn modelId="{260357FC-F84C-4967-8961-CD0F134BBD30}" srcId="{118E16F9-6405-4F1E-92C9-9F1F40918A9A}" destId="{BBACE499-9FFB-452F-ADE7-BD5B8DCEE209}" srcOrd="2" destOrd="0" parTransId="{009EF4A8-A2D8-4472-877A-DA1E7A27E1AE}" sibTransId="{666BE02F-EC05-4BF7-8187-C70C864C651B}"/>
-    <dgm:cxn modelId="{A9975B5B-8750-4D1C-A278-EAAF58C50134}" type="presOf" srcId="{E24A44A3-BF08-4BE0-8115-EC0657CDA1B9}" destId="{52F28D6E-2D1C-4760-86DA-770B40100418}" srcOrd="0" destOrd="0" presId="urn:microsoft.com/office/officeart/2005/8/layout/vList4"/>
-    <dgm:cxn modelId="{0428FC49-6BB6-4393-8B6F-4796B049FC07}" type="presOf" srcId="{BBACE499-9FFB-452F-ADE7-BD5B8DCEE209}" destId="{0D3BBE79-1873-4BB8-8D2F-58CB960F8A9B}" srcOrd="0" destOrd="0" presId="urn:microsoft.com/office/officeart/2005/8/layout/vList4"/>
+    <dgm:cxn modelId="{0D9D9C8D-4361-446B-A4BD-7067BD572B12}" type="presOf" srcId="{BBACE499-9FFB-452F-ADE7-BD5B8DCEE209}" destId="{C429F269-6597-4838-8F0C-516DDDAD5841}" srcOrd="0" destOrd="0" presId="urn:microsoft.com/office/officeart/2005/8/layout/vList2"/>
+    <dgm:cxn modelId="{77182117-538E-475E-93A1-D515C193BF8D}" type="presOf" srcId="{E24A44A3-BF08-4BE0-8115-EC0657CDA1B9}" destId="{2B62EEB4-3E2B-4CF4-9AAA-930BF94AF6EC}" srcOrd="0" destOrd="0" presId="urn:microsoft.com/office/officeart/2005/8/layout/vList2"/>
     <dgm:cxn modelId="{799B8845-34B6-47ED-A46F-147CF86186E6}" srcId="{118E16F9-6405-4F1E-92C9-9F1F40918A9A}" destId="{D3B9661F-A3E2-4262-8E57-2196A6CDA6DC}" srcOrd="1" destOrd="0" parTransId="{76A6B10C-5EA1-426E-9A4F-8DC80839A2C6}" sibTransId="{F7B3E1B4-46D7-48FD-A572-6C892F64902A}"/>
-    <dgm:cxn modelId="{D533AB07-E681-411E-A073-D8555FA671C3}" type="presOf" srcId="{E24A44A3-BF08-4BE0-8115-EC0657CDA1B9}" destId="{8A75E162-E1E1-4156-B6D7-CC35AFBE3FD3}" srcOrd="1" destOrd="0" presId="urn:microsoft.com/office/officeart/2005/8/layout/vList4"/>
     <dgm:cxn modelId="{CAA581BB-E5C2-444E-830D-5C6512B83EB2}" srcId="{118E16F9-6405-4F1E-92C9-9F1F40918A9A}" destId="{E24A44A3-BF08-4BE0-8115-EC0657CDA1B9}" srcOrd="0" destOrd="0" parTransId="{79DC79CA-5319-4A69-BB04-79A4E4D03BA2}" sibTransId="{5D5141B2-DFAB-4BFC-9C05-E0AD4C1DDF82}"/>
-    <dgm:cxn modelId="{85A8757F-0422-486E-82FD-A2DA3E53102A}" type="presOf" srcId="{BBACE499-9FFB-452F-ADE7-BD5B8DCEE209}" destId="{14190803-EA12-4880-B2EC-C5CB39F5D5C5}" srcOrd="1" destOrd="0" presId="urn:microsoft.com/office/officeart/2005/8/layout/vList4"/>
-    <dgm:cxn modelId="{E7226EE2-4E4E-4012-B627-00E7A59BBEF8}" type="presOf" srcId="{D3B9661F-A3E2-4262-8E57-2196A6CDA6DC}" destId="{4F8D0C3F-E6E6-4E65-8CF8-64F4B424215B}" srcOrd="1" destOrd="0" presId="urn:microsoft.com/office/officeart/2005/8/layout/vList4"/>
-    <dgm:cxn modelId="{07B7D927-B3DE-4052-B289-41EBD4B43A35}" type="presOf" srcId="{D3B9661F-A3E2-4262-8E57-2196A6CDA6DC}" destId="{A15B2012-4E1C-4699-BFAE-1995EC308437}" srcOrd="0" destOrd="0" presId="urn:microsoft.com/office/officeart/2005/8/layout/vList4"/>
-    <dgm:cxn modelId="{DE535182-862F-4598-85C9-88D593AB6C30}" type="presParOf" srcId="{5963E6D3-97E0-4EC4-8677-CC40FBFFB8E2}" destId="{28F29FF6-39B3-4DAA-90D2-9606512A6FFD}" srcOrd="0" destOrd="0" presId="urn:microsoft.com/office/officeart/2005/8/layout/vList4"/>
-    <dgm:cxn modelId="{EC8A2A2B-B16D-4642-9600-D114170F927B}" type="presParOf" srcId="{28F29FF6-39B3-4DAA-90D2-9606512A6FFD}" destId="{52F28D6E-2D1C-4760-86DA-770B40100418}" srcOrd="0" destOrd="0" presId="urn:microsoft.com/office/officeart/2005/8/layout/vList4"/>
-    <dgm:cxn modelId="{CFDD3C34-478B-4965-8D2F-C4F4E5AF83BE}" type="presParOf" srcId="{28F29FF6-39B3-4DAA-90D2-9606512A6FFD}" destId="{8C925B74-4148-4914-9EE6-9B6ECD650C18}" srcOrd="1" destOrd="0" presId="urn:microsoft.com/office/officeart/2005/8/layout/vList4"/>
-    <dgm:cxn modelId="{53F330E0-D804-4B9A-AD9E-25022A45AE10}" type="presParOf" srcId="{28F29FF6-39B3-4DAA-90D2-9606512A6FFD}" destId="{8A75E162-E1E1-4156-B6D7-CC35AFBE3FD3}" srcOrd="2" destOrd="0" presId="urn:microsoft.com/office/officeart/2005/8/layout/vList4"/>
-    <dgm:cxn modelId="{F911ED3C-5A02-4B36-83C2-D669BB165FAB}" type="presParOf" srcId="{5963E6D3-97E0-4EC4-8677-CC40FBFFB8E2}" destId="{71DE4A81-8E2C-4483-ADDD-1D177AECF42F}" srcOrd="1" destOrd="0" presId="urn:microsoft.com/office/officeart/2005/8/layout/vList4"/>
-    <dgm:cxn modelId="{C0C3C276-AFD2-4B97-9BCC-050155CF4E05}" type="presParOf" srcId="{5963E6D3-97E0-4EC4-8677-CC40FBFFB8E2}" destId="{55A538DD-558D-4BD9-B8AF-ECB1F0F87782}" srcOrd="2" destOrd="0" presId="urn:microsoft.com/office/officeart/2005/8/layout/vList4"/>
-    <dgm:cxn modelId="{148307AE-F64F-4383-BBD4-08C7CE5D9077}" type="presParOf" srcId="{55A538DD-558D-4BD9-B8AF-ECB1F0F87782}" destId="{A15B2012-4E1C-4699-BFAE-1995EC308437}" srcOrd="0" destOrd="0" presId="urn:microsoft.com/office/officeart/2005/8/layout/vList4"/>
-    <dgm:cxn modelId="{9A4C2DAC-0BF4-431D-8C69-737D412044F0}" type="presParOf" srcId="{55A538DD-558D-4BD9-B8AF-ECB1F0F87782}" destId="{66410808-3F46-44EE-9CFF-CF83A4514099}" srcOrd="1" destOrd="0" presId="urn:microsoft.com/office/officeart/2005/8/layout/vList4"/>
-    <dgm:cxn modelId="{327781E2-A9DA-4760-B254-EB3A793735AC}" type="presParOf" srcId="{55A538DD-558D-4BD9-B8AF-ECB1F0F87782}" destId="{4F8D0C3F-E6E6-4E65-8CF8-64F4B424215B}" srcOrd="2" destOrd="0" presId="urn:microsoft.com/office/officeart/2005/8/layout/vList4"/>
-    <dgm:cxn modelId="{75A1DF82-935C-40E0-A87B-D4714296695B}" type="presParOf" srcId="{5963E6D3-97E0-4EC4-8677-CC40FBFFB8E2}" destId="{02FC672F-FFC1-4EAB-94F8-A7DCDC30DEC6}" srcOrd="3" destOrd="0" presId="urn:microsoft.com/office/officeart/2005/8/layout/vList4"/>
-    <dgm:cxn modelId="{5458CDC9-A20B-483D-AF6C-2B99AF8608E8}" type="presParOf" srcId="{5963E6D3-97E0-4EC4-8677-CC40FBFFB8E2}" destId="{EE999A78-C251-435F-A985-67640DC1B785}" srcOrd="4" destOrd="0" presId="urn:microsoft.com/office/officeart/2005/8/layout/vList4"/>
-    <dgm:cxn modelId="{B1934A5C-F0B6-4A45-B37B-6916EFB97C4F}" type="presParOf" srcId="{EE999A78-C251-435F-A985-67640DC1B785}" destId="{0D3BBE79-1873-4BB8-8D2F-58CB960F8A9B}" srcOrd="0" destOrd="0" presId="urn:microsoft.com/office/officeart/2005/8/layout/vList4"/>
-    <dgm:cxn modelId="{297041ED-FC50-4E08-BB14-779178C9C44D}" type="presParOf" srcId="{EE999A78-C251-435F-A985-67640DC1B785}" destId="{BC303A00-C634-4BDE-84CE-29C0B7C7A62B}" srcOrd="1" destOrd="0" presId="urn:microsoft.com/office/officeart/2005/8/layout/vList4"/>
-    <dgm:cxn modelId="{3263B2A8-0521-4D13-A3F5-758607F44964}" type="presParOf" srcId="{EE999A78-C251-435F-A985-67640DC1B785}" destId="{14190803-EA12-4880-B2EC-C5CB39F5D5C5}" srcOrd="2" destOrd="0" presId="urn:microsoft.com/office/officeart/2005/8/layout/vList4"/>
+    <dgm:cxn modelId="{BC72CE53-B7AB-4BD9-93ED-18023D1E4C5A}" type="presParOf" srcId="{FC96E662-FDA0-42EA-AB4D-8144CB928CF7}" destId="{2B62EEB4-3E2B-4CF4-9AAA-930BF94AF6EC}" srcOrd="0" destOrd="0" presId="urn:microsoft.com/office/officeart/2005/8/layout/vList2"/>
+    <dgm:cxn modelId="{717C0238-A306-4F39-988B-B42E604B7D3A}" type="presParOf" srcId="{FC96E662-FDA0-42EA-AB4D-8144CB928CF7}" destId="{F90B275F-7A69-423E-AF4C-D7C23A8DEE3A}" srcOrd="1" destOrd="0" presId="urn:microsoft.com/office/officeart/2005/8/layout/vList2"/>
+    <dgm:cxn modelId="{14F4A9A1-0154-4875-BF85-85B8DD87B50C}" type="presParOf" srcId="{FC96E662-FDA0-42EA-AB4D-8144CB928CF7}" destId="{A42902A6-BF43-4975-A10B-6C7B976D604F}" srcOrd="2" destOrd="0" presId="urn:microsoft.com/office/officeart/2005/8/layout/vList2"/>
+    <dgm:cxn modelId="{D4C8AAC7-F417-4FC5-99E9-ADE3517DB0E0}" type="presParOf" srcId="{FC96E662-FDA0-42EA-AB4D-8144CB928CF7}" destId="{4E79096D-12CA-4858-A799-D2C26F037F31}" srcOrd="3" destOrd="0" presId="urn:microsoft.com/office/officeart/2005/8/layout/vList2"/>
+    <dgm:cxn modelId="{38276518-A248-4BDF-BC0E-679125D70018}" type="presParOf" srcId="{FC96E662-FDA0-42EA-AB4D-8144CB928CF7}" destId="{C429F269-6597-4838-8F0C-516DDDAD5841}" srcOrd="4" destOrd="0" presId="urn:microsoft.com/office/officeart/2005/8/layout/vList2"/>
   </dgm:cxnLst>
   <dgm:bg/>
   <dgm:whole/>
@@ -1918,7 +1852,7 @@
 <dgm:dataModel xmlns:dgm="http://schemas.openxmlformats.org/drawingml/2006/diagram" xmlns:a="http://schemas.openxmlformats.org/drawingml/2006/main">
   <dgm:ptLst>
     <dgm:pt modelId="{1790D9E2-9743-4F1E-A0D8-2C72B0E06EFC}" type="doc">
-      <dgm:prSet loTypeId="urn:microsoft.com/office/officeart/2005/8/layout/vList5" loCatId="list" qsTypeId="urn:microsoft.com/office/officeart/2005/8/quickstyle/simple1" qsCatId="simple" csTypeId="urn:microsoft.com/office/officeart/2005/8/colors/accent1_2" csCatId="accent1"/>
+      <dgm:prSet loTypeId="urn:microsoft.com/office/officeart/2005/8/layout/vList2" loCatId="list" qsTypeId="urn:microsoft.com/office/officeart/2005/8/quickstyle/simple1" qsCatId="simple" csTypeId="urn:microsoft.com/office/officeart/2005/8/colors/accent1_2" csCatId="accent1"/>
       <dgm:spPr/>
       <dgm:t>
         <a:bodyPr/>
@@ -2004,10 +1938,9 @@
         </a:p>
       </dgm:t>
     </dgm:pt>
-    <dgm:pt modelId="{D5454114-8110-4FD6-AB82-105384C3DB80}" type="pres">
-      <dgm:prSet presAssocID="{1790D9E2-9743-4F1E-A0D8-2C72B0E06EFC}" presName="Name0" presStyleCnt="0">
+    <dgm:pt modelId="{C0A3E505-09EB-4934-9DEC-AA7ADDE5B795}" type="pres">
+      <dgm:prSet presAssocID="{1790D9E2-9743-4F1E-A0D8-2C72B0E06EFC}" presName="linear" presStyleCnt="0">
         <dgm:presLayoutVars>
-          <dgm:dir/>
           <dgm:animLvl val="lvl"/>
           <dgm:resizeHandles val="exact"/>
         </dgm:presLayoutVars>
@@ -2021,14 +1954,10 @@
         </a:p>
       </dgm:t>
     </dgm:pt>
-    <dgm:pt modelId="{378740A8-145B-40B4-9AD4-5D694068EE77}" type="pres">
-      <dgm:prSet presAssocID="{8FFECAD1-8393-44DC-9FFB-186E97B545B2}" presName="linNode" presStyleCnt="0"/>
-      <dgm:spPr/>
-    </dgm:pt>
-    <dgm:pt modelId="{0EEC1B93-EA32-4CE5-9AE1-B77396255A10}" type="pres">
+    <dgm:pt modelId="{CEC0843B-C79F-4225-ADAD-24BDE92F1999}" type="pres">
       <dgm:prSet presAssocID="{8FFECAD1-8393-44DC-9FFB-186E97B545B2}" presName="parentText" presStyleLbl="node1" presStyleIdx="0" presStyleCnt="2">
         <dgm:presLayoutVars>
-          <dgm:chMax val="1"/>
+          <dgm:chMax val="0"/>
           <dgm:bulletEnabled val="1"/>
         </dgm:presLayoutVars>
       </dgm:prSet>
@@ -2041,18 +1970,14 @@
         </a:p>
       </dgm:t>
     </dgm:pt>
-    <dgm:pt modelId="{769DD015-5267-4E33-AFA7-406EE0818B20}" type="pres">
-      <dgm:prSet presAssocID="{18009103-2941-4BBF-ACDF-E0FB511B688E}" presName="sp" presStyleCnt="0"/>
+    <dgm:pt modelId="{369BDF1A-22D6-43C3-BFCA-388271C42EF6}" type="pres">
+      <dgm:prSet presAssocID="{18009103-2941-4BBF-ACDF-E0FB511B688E}" presName="spacer" presStyleCnt="0"/>
       <dgm:spPr/>
     </dgm:pt>
-    <dgm:pt modelId="{1809FC62-F2EA-4FB5-9C41-1C24F5173153}" type="pres">
-      <dgm:prSet presAssocID="{A1E852E9-8BAB-41CF-AC9E-D043A9380CAC}" presName="linNode" presStyleCnt="0"/>
-      <dgm:spPr/>
-    </dgm:pt>
-    <dgm:pt modelId="{870FC55C-69CF-4FB8-8DAA-AC49AF4D1F00}" type="pres">
+    <dgm:pt modelId="{8D68D629-B239-49E0-92C8-20FA9144A105}" type="pres">
       <dgm:prSet presAssocID="{A1E852E9-8BAB-41CF-AC9E-D043A9380CAC}" presName="parentText" presStyleLbl="node1" presStyleIdx="1" presStyleCnt="2">
         <dgm:presLayoutVars>
-          <dgm:chMax val="1"/>
+          <dgm:chMax val="0"/>
           <dgm:bulletEnabled val="1"/>
         </dgm:presLayoutVars>
       </dgm:prSet>
@@ -2067,16 +1992,14 @@
     </dgm:pt>
   </dgm:ptLst>
   <dgm:cxnLst>
-    <dgm:cxn modelId="{6F42B632-86A1-4392-A092-5C8B3BBF01F7}" type="presOf" srcId="{8FFECAD1-8393-44DC-9FFB-186E97B545B2}" destId="{0EEC1B93-EA32-4CE5-9AE1-B77396255A10}" srcOrd="0" destOrd="0" presId="urn:microsoft.com/office/officeart/2005/8/layout/vList5"/>
     <dgm:cxn modelId="{23F60F9D-4247-4F34-A03F-5D6E784CA3A6}" srcId="{1790D9E2-9743-4F1E-A0D8-2C72B0E06EFC}" destId="{8FFECAD1-8393-44DC-9FFB-186E97B545B2}" srcOrd="0" destOrd="0" parTransId="{944CCEF5-DE5E-4D95-9FE8-68879EB724D1}" sibTransId="{18009103-2941-4BBF-ACDF-E0FB511B688E}"/>
-    <dgm:cxn modelId="{680722EC-6E2D-4718-8154-EE7526A63FBC}" type="presOf" srcId="{A1E852E9-8BAB-41CF-AC9E-D043A9380CAC}" destId="{870FC55C-69CF-4FB8-8DAA-AC49AF4D1F00}" srcOrd="0" destOrd="0" presId="urn:microsoft.com/office/officeart/2005/8/layout/vList5"/>
-    <dgm:cxn modelId="{6C0C0A30-8B0C-4692-BED2-EDFDCE95304E}" type="presOf" srcId="{1790D9E2-9743-4F1E-A0D8-2C72B0E06EFC}" destId="{D5454114-8110-4FD6-AB82-105384C3DB80}" srcOrd="0" destOrd="0" presId="urn:microsoft.com/office/officeart/2005/8/layout/vList5"/>
+    <dgm:cxn modelId="{88BA5B8A-C07B-40C8-A8B7-A6DD8D6B2F9E}" type="presOf" srcId="{1790D9E2-9743-4F1E-A0D8-2C72B0E06EFC}" destId="{C0A3E505-09EB-4934-9DEC-AA7ADDE5B795}" srcOrd="0" destOrd="0" presId="urn:microsoft.com/office/officeart/2005/8/layout/vList2"/>
+    <dgm:cxn modelId="{0F854F7D-D415-4CA7-A823-EAF7000E98E6}" type="presOf" srcId="{8FFECAD1-8393-44DC-9FFB-186E97B545B2}" destId="{CEC0843B-C79F-4225-ADAD-24BDE92F1999}" srcOrd="0" destOrd="0" presId="urn:microsoft.com/office/officeart/2005/8/layout/vList2"/>
+    <dgm:cxn modelId="{7FDD452B-E5C0-41AD-87A1-6A3AAEF86CD8}" type="presOf" srcId="{A1E852E9-8BAB-41CF-AC9E-D043A9380CAC}" destId="{8D68D629-B239-49E0-92C8-20FA9144A105}" srcOrd="0" destOrd="0" presId="urn:microsoft.com/office/officeart/2005/8/layout/vList2"/>
     <dgm:cxn modelId="{F8E8226A-2C00-4F0C-84A6-B720ADED4A13}" srcId="{1790D9E2-9743-4F1E-A0D8-2C72B0E06EFC}" destId="{A1E852E9-8BAB-41CF-AC9E-D043A9380CAC}" srcOrd="1" destOrd="0" parTransId="{BAD325A7-A702-4417-B59F-D9EE117F2B19}" sibTransId="{5EA9BB94-DA5E-4127-A6D0-166B2FAD5344}"/>
-    <dgm:cxn modelId="{A54A9610-2ED2-43BA-BFE2-15464005706E}" type="presParOf" srcId="{D5454114-8110-4FD6-AB82-105384C3DB80}" destId="{378740A8-145B-40B4-9AD4-5D694068EE77}" srcOrd="0" destOrd="0" presId="urn:microsoft.com/office/officeart/2005/8/layout/vList5"/>
-    <dgm:cxn modelId="{69798CBC-C767-49A2-9CB1-B9C1B377EE12}" type="presParOf" srcId="{378740A8-145B-40B4-9AD4-5D694068EE77}" destId="{0EEC1B93-EA32-4CE5-9AE1-B77396255A10}" srcOrd="0" destOrd="0" presId="urn:microsoft.com/office/officeart/2005/8/layout/vList5"/>
-    <dgm:cxn modelId="{C22385F6-155C-49AA-8C6A-A871CBED2477}" type="presParOf" srcId="{D5454114-8110-4FD6-AB82-105384C3DB80}" destId="{769DD015-5267-4E33-AFA7-406EE0818B20}" srcOrd="1" destOrd="0" presId="urn:microsoft.com/office/officeart/2005/8/layout/vList5"/>
-    <dgm:cxn modelId="{13FB8F7C-7A7B-47A0-826A-45A2A2862C82}" type="presParOf" srcId="{D5454114-8110-4FD6-AB82-105384C3DB80}" destId="{1809FC62-F2EA-4FB5-9C41-1C24F5173153}" srcOrd="2" destOrd="0" presId="urn:microsoft.com/office/officeart/2005/8/layout/vList5"/>
-    <dgm:cxn modelId="{D472B5BB-CB6A-4CB1-A975-002CF0B81ABF}" type="presParOf" srcId="{1809FC62-F2EA-4FB5-9C41-1C24F5173153}" destId="{870FC55C-69CF-4FB8-8DAA-AC49AF4D1F00}" srcOrd="0" destOrd="0" presId="urn:microsoft.com/office/officeart/2005/8/layout/vList5"/>
+    <dgm:cxn modelId="{A7B28392-3940-43B4-990A-A08C245D546E}" type="presParOf" srcId="{C0A3E505-09EB-4934-9DEC-AA7ADDE5B795}" destId="{CEC0843B-C79F-4225-ADAD-24BDE92F1999}" srcOrd="0" destOrd="0" presId="urn:microsoft.com/office/officeart/2005/8/layout/vList2"/>
+    <dgm:cxn modelId="{B70E3519-17F3-4702-9214-2FB2FB10B648}" type="presParOf" srcId="{C0A3E505-09EB-4934-9DEC-AA7ADDE5B795}" destId="{369BDF1A-22D6-43C3-BFCA-388271C42EF6}" srcOrd="1" destOrd="0" presId="urn:microsoft.com/office/officeart/2005/8/layout/vList2"/>
+    <dgm:cxn modelId="{07A00C35-5958-438C-845D-8AB2D05A6300}" type="presParOf" srcId="{C0A3E505-09EB-4934-9DEC-AA7ADDE5B795}" destId="{8D68D629-B239-49E0-92C8-20FA9144A105}" srcOrd="2" destOrd="0" presId="urn:microsoft.com/office/officeart/2005/8/layout/vList2"/>
   </dgm:cxnLst>
   <dgm:bg/>
   <dgm:whole/>
@@ -2096,418 +2019,15 @@
       <dsp:cNvGrpSpPr/>
     </dsp:nvGrpSpPr>
     <dsp:grpSpPr/>
-    <dsp:sp modelId="{52F28D6E-2D1C-4760-86DA-770B40100418}">
+    <dsp:sp modelId="{2B62EEB4-3E2B-4CF4-9AAA-930BF94AF6EC}">
       <dsp:nvSpPr>
         <dsp:cNvPr id="0" name=""/>
         <dsp:cNvSpPr/>
       </dsp:nvSpPr>
       <dsp:spPr>
         <a:xfrm>
-          <a:off x="0" y="0"/>
-          <a:ext cx="4040188" cy="1234777"/>
-        </a:xfrm>
-        <a:prstGeom prst="roundRect">
-          <a:avLst>
-            <a:gd name="adj" fmla="val 10000"/>
-          </a:avLst>
-        </a:prstGeom>
-        <a:solidFill>
-          <a:schemeClr val="accent1">
-            <a:hueOff val="0"/>
-            <a:satOff val="0"/>
-            <a:lumOff val="0"/>
-            <a:alphaOff val="0"/>
-          </a:schemeClr>
-        </a:solidFill>
-        <a:ln w="25400" cap="flat" cmpd="sng" algn="ctr">
-          <a:solidFill>
-            <a:schemeClr val="lt1">
-              <a:hueOff val="0"/>
-              <a:satOff val="0"/>
-              <a:lumOff val="0"/>
-              <a:alphaOff val="0"/>
-            </a:schemeClr>
-          </a:solidFill>
-          <a:prstDash val="solid"/>
-        </a:ln>
-        <a:effectLst/>
-      </dsp:spPr>
-      <dsp:style>
-        <a:lnRef idx="2">
-          <a:scrgbClr r="0" g="0" b="0"/>
-        </a:lnRef>
-        <a:fillRef idx="1">
-          <a:scrgbClr r="0" g="0" b="0"/>
-        </a:fillRef>
-        <a:effectRef idx="0">
-          <a:scrgbClr r="0" g="0" b="0"/>
-        </a:effectRef>
-        <a:fontRef idx="minor">
-          <a:schemeClr val="lt1"/>
-        </a:fontRef>
-      </dsp:style>
-      <dsp:txBody>
-        <a:bodyPr spcFirstLastPara="0" vert="horz" wrap="square" lIns="129540" tIns="129540" rIns="129540" bIns="129540" numCol="1" spcCol="1270" anchor="ctr" anchorCtr="0">
-          <a:noAutofit/>
-        </a:bodyPr>
-        <a:lstStyle/>
-        <a:p>
-          <a:pPr lvl="0" algn="l" defTabSz="1511300" rtl="0">
-            <a:lnSpc>
-              <a:spcPct val="90000"/>
-            </a:lnSpc>
-            <a:spcBef>
-              <a:spcPct val="0"/>
-            </a:spcBef>
-            <a:spcAft>
-              <a:spcPct val="35000"/>
-            </a:spcAft>
-          </a:pPr>
-          <a:r>
-            <a:rPr lang="de-DE" sz="3400" kern="1200" dirty="0" smtClean="0"/>
-            <a:t>Modelle : -7h</a:t>
-          </a:r>
-          <a:endParaRPr lang="de-DE" sz="3400" kern="1200" dirty="0"/>
-        </a:p>
-      </dsp:txBody>
-      <dsp:txXfrm>
-        <a:off x="931515" y="0"/>
-        <a:ext cx="3108672" cy="1234777"/>
-      </dsp:txXfrm>
-    </dsp:sp>
-    <dsp:sp modelId="{8C925B74-4148-4914-9EE6-9B6ECD650C18}">
-      <dsp:nvSpPr>
-        <dsp:cNvPr id="0" name=""/>
-        <dsp:cNvSpPr/>
-      </dsp:nvSpPr>
-      <dsp:spPr>
-        <a:xfrm>
-          <a:off x="123477" y="123477"/>
-          <a:ext cx="808037" cy="987822"/>
-        </a:xfrm>
-        <a:prstGeom prst="roundRect">
-          <a:avLst>
-            <a:gd name="adj" fmla="val 10000"/>
-          </a:avLst>
-        </a:prstGeom>
-        <a:solidFill>
-          <a:schemeClr val="accent1">
-            <a:tint val="50000"/>
-            <a:hueOff val="0"/>
-            <a:satOff val="0"/>
-            <a:lumOff val="0"/>
-            <a:alphaOff val="0"/>
-          </a:schemeClr>
-        </a:solidFill>
-        <a:ln w="25400" cap="flat" cmpd="sng" algn="ctr">
-          <a:solidFill>
-            <a:schemeClr val="lt1">
-              <a:hueOff val="0"/>
-              <a:satOff val="0"/>
-              <a:lumOff val="0"/>
-              <a:alphaOff val="0"/>
-            </a:schemeClr>
-          </a:solidFill>
-          <a:prstDash val="solid"/>
-        </a:ln>
-        <a:effectLst/>
-      </dsp:spPr>
-      <dsp:style>
-        <a:lnRef idx="2">
-          <a:scrgbClr r="0" g="0" b="0"/>
-        </a:lnRef>
-        <a:fillRef idx="1">
-          <a:scrgbClr r="0" g="0" b="0"/>
-        </a:fillRef>
-        <a:effectRef idx="0">
-          <a:scrgbClr r="0" g="0" b="0"/>
-        </a:effectRef>
-        <a:fontRef idx="minor"/>
-      </dsp:style>
-    </dsp:sp>
-    <dsp:sp modelId="{A15B2012-4E1C-4699-BFAE-1995EC308437}">
-      <dsp:nvSpPr>
-        <dsp:cNvPr id="0" name=""/>
-        <dsp:cNvSpPr/>
-      </dsp:nvSpPr>
-      <dsp:spPr>
-        <a:xfrm>
-          <a:off x="0" y="1358255"/>
-          <a:ext cx="4040188" cy="1234777"/>
-        </a:xfrm>
-        <a:prstGeom prst="roundRect">
-          <a:avLst>
-            <a:gd name="adj" fmla="val 10000"/>
-          </a:avLst>
-        </a:prstGeom>
-        <a:solidFill>
-          <a:schemeClr val="accent1">
-            <a:hueOff val="0"/>
-            <a:satOff val="0"/>
-            <a:lumOff val="0"/>
-            <a:alphaOff val="0"/>
-          </a:schemeClr>
-        </a:solidFill>
-        <a:ln w="25400" cap="flat" cmpd="sng" algn="ctr">
-          <a:solidFill>
-            <a:schemeClr val="lt1">
-              <a:hueOff val="0"/>
-              <a:satOff val="0"/>
-              <a:lumOff val="0"/>
-              <a:alphaOff val="0"/>
-            </a:schemeClr>
-          </a:solidFill>
-          <a:prstDash val="solid"/>
-        </a:ln>
-        <a:effectLst/>
-      </dsp:spPr>
-      <dsp:style>
-        <a:lnRef idx="2">
-          <a:scrgbClr r="0" g="0" b="0"/>
-        </a:lnRef>
-        <a:fillRef idx="1">
-          <a:scrgbClr r="0" g="0" b="0"/>
-        </a:fillRef>
-        <a:effectRef idx="0">
-          <a:scrgbClr r="0" g="0" b="0"/>
-        </a:effectRef>
-        <a:fontRef idx="minor">
-          <a:schemeClr val="lt1"/>
-        </a:fontRef>
-      </dsp:style>
-      <dsp:txBody>
-        <a:bodyPr spcFirstLastPara="0" vert="horz" wrap="square" lIns="129540" tIns="129540" rIns="129540" bIns="129540" numCol="1" spcCol="1270" anchor="ctr" anchorCtr="0">
-          <a:noAutofit/>
-        </a:bodyPr>
-        <a:lstStyle/>
-        <a:p>
-          <a:pPr lvl="0" algn="l" defTabSz="1511300" rtl="0">
-            <a:lnSpc>
-              <a:spcPct val="90000"/>
-            </a:lnSpc>
-            <a:spcBef>
-              <a:spcPct val="0"/>
-            </a:spcBef>
-            <a:spcAft>
-              <a:spcPct val="35000"/>
-            </a:spcAft>
-          </a:pPr>
-          <a:r>
-            <a:rPr lang="de-DE" sz="3400" kern="1200" dirty="0" err="1" smtClean="0"/>
-            <a:t>Fixtures</a:t>
-          </a:r>
-          <a:r>
-            <a:rPr lang="de-DE" sz="3400" kern="1200" dirty="0" smtClean="0"/>
-            <a:t> : +7</a:t>
-          </a:r>
-          <a:endParaRPr lang="de-DE" sz="3400" kern="1200" dirty="0"/>
-        </a:p>
-      </dsp:txBody>
-      <dsp:txXfrm>
-        <a:off x="931515" y="1358255"/>
-        <a:ext cx="3108672" cy="1234777"/>
-      </dsp:txXfrm>
-    </dsp:sp>
-    <dsp:sp modelId="{66410808-3F46-44EE-9CFF-CF83A4514099}">
-      <dsp:nvSpPr>
-        <dsp:cNvPr id="0" name=""/>
-        <dsp:cNvSpPr/>
-      </dsp:nvSpPr>
-      <dsp:spPr>
-        <a:xfrm>
-          <a:off x="123477" y="1481733"/>
-          <a:ext cx="808037" cy="987822"/>
-        </a:xfrm>
-        <a:prstGeom prst="roundRect">
-          <a:avLst>
-            <a:gd name="adj" fmla="val 10000"/>
-          </a:avLst>
-        </a:prstGeom>
-        <a:solidFill>
-          <a:schemeClr val="accent1">
-            <a:tint val="50000"/>
-            <a:hueOff val="0"/>
-            <a:satOff val="0"/>
-            <a:lumOff val="0"/>
-            <a:alphaOff val="0"/>
-          </a:schemeClr>
-        </a:solidFill>
-        <a:ln w="25400" cap="flat" cmpd="sng" algn="ctr">
-          <a:solidFill>
-            <a:schemeClr val="lt1">
-              <a:hueOff val="0"/>
-              <a:satOff val="0"/>
-              <a:lumOff val="0"/>
-              <a:alphaOff val="0"/>
-            </a:schemeClr>
-          </a:solidFill>
-          <a:prstDash val="solid"/>
-        </a:ln>
-        <a:effectLst/>
-      </dsp:spPr>
-      <dsp:style>
-        <a:lnRef idx="2">
-          <a:scrgbClr r="0" g="0" b="0"/>
-        </a:lnRef>
-        <a:fillRef idx="1">
-          <a:scrgbClr r="0" g="0" b="0"/>
-        </a:fillRef>
-        <a:effectRef idx="0">
-          <a:scrgbClr r="0" g="0" b="0"/>
-        </a:effectRef>
-        <a:fontRef idx="minor"/>
-      </dsp:style>
-    </dsp:sp>
-    <dsp:sp modelId="{0D3BBE79-1873-4BB8-8D2F-58CB960F8A9B}">
-      <dsp:nvSpPr>
-        <dsp:cNvPr id="0" name=""/>
-        <dsp:cNvSpPr/>
-      </dsp:nvSpPr>
-      <dsp:spPr>
-        <a:xfrm>
-          <a:off x="0" y="2716510"/>
-          <a:ext cx="4040188" cy="1234777"/>
-        </a:xfrm>
-        <a:prstGeom prst="roundRect">
-          <a:avLst>
-            <a:gd name="adj" fmla="val 10000"/>
-          </a:avLst>
-        </a:prstGeom>
-        <a:solidFill>
-          <a:schemeClr val="accent1">
-            <a:hueOff val="0"/>
-            <a:satOff val="0"/>
-            <a:lumOff val="0"/>
-            <a:alphaOff val="0"/>
-          </a:schemeClr>
-        </a:solidFill>
-        <a:ln w="25400" cap="flat" cmpd="sng" algn="ctr">
-          <a:solidFill>
-            <a:schemeClr val="lt1">
-              <a:hueOff val="0"/>
-              <a:satOff val="0"/>
-              <a:lumOff val="0"/>
-              <a:alphaOff val="0"/>
-            </a:schemeClr>
-          </a:solidFill>
-          <a:prstDash val="solid"/>
-        </a:ln>
-        <a:effectLst/>
-      </dsp:spPr>
-      <dsp:style>
-        <a:lnRef idx="2">
-          <a:scrgbClr r="0" g="0" b="0"/>
-        </a:lnRef>
-        <a:fillRef idx="1">
-          <a:scrgbClr r="0" g="0" b="0"/>
-        </a:fillRef>
-        <a:effectRef idx="0">
-          <a:scrgbClr r="0" g="0" b="0"/>
-        </a:effectRef>
-        <a:fontRef idx="minor">
-          <a:schemeClr val="lt1"/>
-        </a:fontRef>
-      </dsp:style>
-      <dsp:txBody>
-        <a:bodyPr spcFirstLastPara="0" vert="horz" wrap="square" lIns="129540" tIns="129540" rIns="129540" bIns="129540" numCol="1" spcCol="1270" anchor="ctr" anchorCtr="0">
-          <a:noAutofit/>
-        </a:bodyPr>
-        <a:lstStyle/>
-        <a:p>
-          <a:pPr lvl="0" algn="l" defTabSz="1511300" rtl="0">
-            <a:lnSpc>
-              <a:spcPct val="90000"/>
-            </a:lnSpc>
-            <a:spcBef>
-              <a:spcPct val="0"/>
-            </a:spcBef>
-            <a:spcAft>
-              <a:spcPct val="35000"/>
-            </a:spcAft>
-          </a:pPr>
-          <a:r>
-            <a:rPr lang="de-DE" sz="3400" kern="1200" dirty="0" smtClean="0"/>
-            <a:t>Manuelle- statt Modultests</a:t>
-          </a:r>
-          <a:endParaRPr lang="de-DE" sz="3400" kern="1200" dirty="0"/>
-        </a:p>
-      </dsp:txBody>
-      <dsp:txXfrm>
-        <a:off x="931515" y="2716510"/>
-        <a:ext cx="3108672" cy="1234777"/>
-      </dsp:txXfrm>
-    </dsp:sp>
-    <dsp:sp modelId="{BC303A00-C634-4BDE-84CE-29C0B7C7A62B}">
-      <dsp:nvSpPr>
-        <dsp:cNvPr id="0" name=""/>
-        <dsp:cNvSpPr/>
-      </dsp:nvSpPr>
-      <dsp:spPr>
-        <a:xfrm>
-          <a:off x="123477" y="2839988"/>
-          <a:ext cx="808037" cy="987822"/>
-        </a:xfrm>
-        <a:prstGeom prst="roundRect">
-          <a:avLst>
-            <a:gd name="adj" fmla="val 10000"/>
-          </a:avLst>
-        </a:prstGeom>
-        <a:solidFill>
-          <a:schemeClr val="accent1">
-            <a:tint val="50000"/>
-            <a:hueOff val="0"/>
-            <a:satOff val="0"/>
-            <a:lumOff val="0"/>
-            <a:alphaOff val="0"/>
-          </a:schemeClr>
-        </a:solidFill>
-        <a:ln w="25400" cap="flat" cmpd="sng" algn="ctr">
-          <a:solidFill>
-            <a:schemeClr val="lt1">
-              <a:hueOff val="0"/>
-              <a:satOff val="0"/>
-              <a:lumOff val="0"/>
-              <a:alphaOff val="0"/>
-            </a:schemeClr>
-          </a:solidFill>
-          <a:prstDash val="solid"/>
-        </a:ln>
-        <a:effectLst/>
-      </dsp:spPr>
-      <dsp:style>
-        <a:lnRef idx="2">
-          <a:scrgbClr r="0" g="0" b="0"/>
-        </a:lnRef>
-        <a:fillRef idx="1">
-          <a:scrgbClr r="0" g="0" b="0"/>
-        </a:fillRef>
-        <a:effectRef idx="0">
-          <a:scrgbClr r="0" g="0" b="0"/>
-        </a:effectRef>
-        <a:fontRef idx="minor"/>
-      </dsp:style>
-    </dsp:sp>
-  </dsp:spTree>
-</dsp:drawing>
-</file>
-
-<file path=ppt/diagrams/drawing2.xml><?xml version="1.0" encoding="utf-8"?>
-<dsp:drawing xmlns:dgm="http://schemas.openxmlformats.org/drawingml/2006/diagram" xmlns:a="http://schemas.openxmlformats.org/drawingml/2006/main" xmlns:dsp="http://schemas.microsoft.com/office/drawing/2008/diagram">
-  <dsp:spTree>
-    <dsp:nvGrpSpPr>
-      <dsp:cNvPr id="0" name=""/>
-      <dsp:cNvGrpSpPr/>
-    </dsp:nvGrpSpPr>
-    <dsp:grpSpPr/>
-    <dsp:sp modelId="{0EEC1B93-EA32-4CE5-9AE1-B77396255A10}">
-      <dsp:nvSpPr>
-        <dsp:cNvPr id="0" name=""/>
-        <dsp:cNvSpPr/>
-      </dsp:nvSpPr>
-      <dsp:spPr>
-        <a:xfrm>
-          <a:off x="1293367" y="48"/>
-          <a:ext cx="1455039" cy="1927410"/>
+          <a:off x="0" y="39144"/>
+          <a:ext cx="4040188" cy="1231479"/>
         </a:xfrm>
         <a:prstGeom prst="roundRect">
           <a:avLst/>
@@ -2548,12 +2068,12 @@
         </a:fontRef>
       </dsp:style>
       <dsp:txBody>
-        <a:bodyPr spcFirstLastPara="0" vert="horz" wrap="square" lIns="99060" tIns="49530" rIns="99060" bIns="49530" numCol="1" spcCol="1270" anchor="ctr" anchorCtr="0">
+        <a:bodyPr spcFirstLastPara="0" vert="horz" wrap="square" lIns="118110" tIns="118110" rIns="118110" bIns="118110" numCol="1" spcCol="1270" anchor="ctr" anchorCtr="0">
           <a:noAutofit/>
         </a:bodyPr>
         <a:lstStyle/>
         <a:p>
-          <a:pPr lvl="0" algn="ctr" defTabSz="1155700" rtl="0">
+          <a:pPr lvl="0" algn="l" defTabSz="1377950" rtl="0">
             <a:lnSpc>
               <a:spcPct val="90000"/>
             </a:lnSpc>
@@ -2565,26 +2085,26 @@
             </a:spcAft>
           </a:pPr>
           <a:r>
-            <a:rPr lang="de-DE" sz="2600" kern="1200" dirty="0" smtClean="0"/>
-            <a:t>Modelle : -1h</a:t>
+            <a:rPr lang="de-DE" sz="3100" kern="1200" dirty="0" smtClean="0"/>
+            <a:t>Modelle : -7h</a:t>
           </a:r>
-          <a:endParaRPr lang="de-DE" sz="2600" kern="1200" dirty="0"/>
+          <a:endParaRPr lang="de-DE" sz="3100" kern="1200" dirty="0"/>
         </a:p>
       </dsp:txBody>
       <dsp:txXfrm>
-        <a:off x="1293367" y="48"/>
-        <a:ext cx="1455039" cy="1927410"/>
+        <a:off x="0" y="39144"/>
+        <a:ext cx="4040188" cy="1231479"/>
       </dsp:txXfrm>
     </dsp:sp>
-    <dsp:sp modelId="{870FC55C-69CF-4FB8-8DAA-AC49AF4D1F00}">
+    <dsp:sp modelId="{A42902A6-BF43-4975-A10B-6C7B976D604F}">
       <dsp:nvSpPr>
         <dsp:cNvPr id="0" name=""/>
         <dsp:cNvSpPr/>
       </dsp:nvSpPr>
       <dsp:spPr>
         <a:xfrm>
-          <a:off x="1293367" y="2023829"/>
-          <a:ext cx="1455039" cy="1927410"/>
+          <a:off x="0" y="1359904"/>
+          <a:ext cx="4040188" cy="1231479"/>
         </a:xfrm>
         <a:prstGeom prst="roundRect">
           <a:avLst/>
@@ -2625,12 +2145,12 @@
         </a:fontRef>
       </dsp:style>
       <dsp:txBody>
-        <a:bodyPr spcFirstLastPara="0" vert="horz" wrap="square" lIns="99060" tIns="49530" rIns="99060" bIns="49530" numCol="1" spcCol="1270" anchor="ctr" anchorCtr="0">
+        <a:bodyPr spcFirstLastPara="0" vert="horz" wrap="square" lIns="118110" tIns="118110" rIns="118110" bIns="118110" numCol="1" spcCol="1270" anchor="ctr" anchorCtr="0">
           <a:noAutofit/>
         </a:bodyPr>
         <a:lstStyle/>
         <a:p>
-          <a:pPr lvl="0" algn="ctr" defTabSz="1155700" rtl="0">
+          <a:pPr lvl="0" algn="l" defTabSz="1377950" rtl="0">
             <a:lnSpc>
               <a:spcPct val="90000"/>
             </a:lnSpc>
@@ -2642,15 +2162,262 @@
             </a:spcAft>
           </a:pPr>
           <a:r>
-            <a:rPr lang="de-DE" sz="2600" kern="1200" dirty="0" smtClean="0"/>
-            <a:t>Doku : +2h</a:t>
+            <a:rPr lang="de-DE" sz="3100" kern="1200" dirty="0" err="1" smtClean="0"/>
+            <a:t>Fixtures</a:t>
           </a:r>
-          <a:endParaRPr lang="de-DE" sz="2600" kern="1200" dirty="0"/>
+          <a:r>
+            <a:rPr lang="de-DE" sz="3100" kern="1200" dirty="0" smtClean="0"/>
+            <a:t> : +7</a:t>
+          </a:r>
+          <a:endParaRPr lang="de-DE" sz="3100" kern="1200" dirty="0"/>
         </a:p>
       </dsp:txBody>
       <dsp:txXfrm>
-        <a:off x="1293367" y="2023829"/>
-        <a:ext cx="1455039" cy="1927410"/>
+        <a:off x="0" y="1359904"/>
+        <a:ext cx="4040188" cy="1231479"/>
+      </dsp:txXfrm>
+    </dsp:sp>
+    <dsp:sp modelId="{C429F269-6597-4838-8F0C-516DDDAD5841}">
+      <dsp:nvSpPr>
+        <dsp:cNvPr id="0" name=""/>
+        <dsp:cNvSpPr/>
+      </dsp:nvSpPr>
+      <dsp:spPr>
+        <a:xfrm>
+          <a:off x="0" y="2680663"/>
+          <a:ext cx="4040188" cy="1231479"/>
+        </a:xfrm>
+        <a:prstGeom prst="roundRect">
+          <a:avLst/>
+        </a:prstGeom>
+        <a:solidFill>
+          <a:schemeClr val="accent1">
+            <a:hueOff val="0"/>
+            <a:satOff val="0"/>
+            <a:lumOff val="0"/>
+            <a:alphaOff val="0"/>
+          </a:schemeClr>
+        </a:solidFill>
+        <a:ln w="25400" cap="flat" cmpd="sng" algn="ctr">
+          <a:solidFill>
+            <a:schemeClr val="lt1">
+              <a:hueOff val="0"/>
+              <a:satOff val="0"/>
+              <a:lumOff val="0"/>
+              <a:alphaOff val="0"/>
+            </a:schemeClr>
+          </a:solidFill>
+          <a:prstDash val="solid"/>
+        </a:ln>
+        <a:effectLst/>
+      </dsp:spPr>
+      <dsp:style>
+        <a:lnRef idx="2">
+          <a:scrgbClr r="0" g="0" b="0"/>
+        </a:lnRef>
+        <a:fillRef idx="1">
+          <a:scrgbClr r="0" g="0" b="0"/>
+        </a:fillRef>
+        <a:effectRef idx="0">
+          <a:scrgbClr r="0" g="0" b="0"/>
+        </a:effectRef>
+        <a:fontRef idx="minor">
+          <a:schemeClr val="lt1"/>
+        </a:fontRef>
+      </dsp:style>
+      <dsp:txBody>
+        <a:bodyPr spcFirstLastPara="0" vert="horz" wrap="square" lIns="118110" tIns="118110" rIns="118110" bIns="118110" numCol="1" spcCol="1270" anchor="ctr" anchorCtr="0">
+          <a:noAutofit/>
+        </a:bodyPr>
+        <a:lstStyle/>
+        <a:p>
+          <a:pPr lvl="0" algn="l" defTabSz="1377950" rtl="0">
+            <a:lnSpc>
+              <a:spcPct val="90000"/>
+            </a:lnSpc>
+            <a:spcBef>
+              <a:spcPct val="0"/>
+            </a:spcBef>
+            <a:spcAft>
+              <a:spcPct val="35000"/>
+            </a:spcAft>
+          </a:pPr>
+          <a:r>
+            <a:rPr lang="de-DE" sz="3100" kern="1200" dirty="0" smtClean="0"/>
+            <a:t>Manuelle- statt Modultests</a:t>
+          </a:r>
+          <a:endParaRPr lang="de-DE" sz="3100" kern="1200" dirty="0"/>
+        </a:p>
+      </dsp:txBody>
+      <dsp:txXfrm>
+        <a:off x="0" y="2680663"/>
+        <a:ext cx="4040188" cy="1231479"/>
+      </dsp:txXfrm>
+    </dsp:sp>
+  </dsp:spTree>
+</dsp:drawing>
+</file>
+
+<file path=ppt/diagrams/drawing2.xml><?xml version="1.0" encoding="utf-8"?>
+<dsp:drawing xmlns:dgm="http://schemas.openxmlformats.org/drawingml/2006/diagram" xmlns:a="http://schemas.openxmlformats.org/drawingml/2006/main" xmlns:dsp="http://schemas.microsoft.com/office/drawing/2008/diagram">
+  <dsp:spTree>
+    <dsp:nvGrpSpPr>
+      <dsp:cNvPr id="0" name=""/>
+      <dsp:cNvGrpSpPr/>
+    </dsp:nvGrpSpPr>
+    <dsp:grpSpPr/>
+    <dsp:sp modelId="{CEC0843B-C79F-4225-ADAD-24BDE92F1999}">
+      <dsp:nvSpPr>
+        <dsp:cNvPr id="0" name=""/>
+        <dsp:cNvSpPr/>
+      </dsp:nvSpPr>
+      <dsp:spPr>
+        <a:xfrm>
+          <a:off x="0" y="704393"/>
+          <a:ext cx="4041775" cy="1199250"/>
+        </a:xfrm>
+        <a:prstGeom prst="roundRect">
+          <a:avLst/>
+        </a:prstGeom>
+        <a:solidFill>
+          <a:schemeClr val="accent1">
+            <a:hueOff val="0"/>
+            <a:satOff val="0"/>
+            <a:lumOff val="0"/>
+            <a:alphaOff val="0"/>
+          </a:schemeClr>
+        </a:solidFill>
+        <a:ln w="25400" cap="flat" cmpd="sng" algn="ctr">
+          <a:solidFill>
+            <a:schemeClr val="lt1">
+              <a:hueOff val="0"/>
+              <a:satOff val="0"/>
+              <a:lumOff val="0"/>
+              <a:alphaOff val="0"/>
+            </a:schemeClr>
+          </a:solidFill>
+          <a:prstDash val="solid"/>
+        </a:ln>
+        <a:effectLst/>
+      </dsp:spPr>
+      <dsp:style>
+        <a:lnRef idx="2">
+          <a:scrgbClr r="0" g="0" b="0"/>
+        </a:lnRef>
+        <a:fillRef idx="1">
+          <a:scrgbClr r="0" g="0" b="0"/>
+        </a:fillRef>
+        <a:effectRef idx="0">
+          <a:scrgbClr r="0" g="0" b="0"/>
+        </a:effectRef>
+        <a:fontRef idx="minor">
+          <a:schemeClr val="lt1"/>
+        </a:fontRef>
+      </dsp:style>
+      <dsp:txBody>
+        <a:bodyPr spcFirstLastPara="0" vert="horz" wrap="square" lIns="190500" tIns="190500" rIns="190500" bIns="190500" numCol="1" spcCol="1270" anchor="ctr" anchorCtr="0">
+          <a:noAutofit/>
+        </a:bodyPr>
+        <a:lstStyle/>
+        <a:p>
+          <a:pPr lvl="0" algn="l" defTabSz="2222500" rtl="0">
+            <a:lnSpc>
+              <a:spcPct val="90000"/>
+            </a:lnSpc>
+            <a:spcBef>
+              <a:spcPct val="0"/>
+            </a:spcBef>
+            <a:spcAft>
+              <a:spcPct val="35000"/>
+            </a:spcAft>
+          </a:pPr>
+          <a:r>
+            <a:rPr lang="de-DE" sz="5000" kern="1200" dirty="0" smtClean="0"/>
+            <a:t>Modelle : -1h</a:t>
+          </a:r>
+          <a:endParaRPr lang="de-DE" sz="5000" kern="1200" dirty="0"/>
+        </a:p>
+      </dsp:txBody>
+      <dsp:txXfrm>
+        <a:off x="0" y="704393"/>
+        <a:ext cx="4041775" cy="1199250"/>
+      </dsp:txXfrm>
+    </dsp:sp>
+    <dsp:sp modelId="{8D68D629-B239-49E0-92C8-20FA9144A105}">
+      <dsp:nvSpPr>
+        <dsp:cNvPr id="0" name=""/>
+        <dsp:cNvSpPr/>
+      </dsp:nvSpPr>
+      <dsp:spPr>
+        <a:xfrm>
+          <a:off x="0" y="2047644"/>
+          <a:ext cx="4041775" cy="1199250"/>
+        </a:xfrm>
+        <a:prstGeom prst="roundRect">
+          <a:avLst/>
+        </a:prstGeom>
+        <a:solidFill>
+          <a:schemeClr val="accent1">
+            <a:hueOff val="0"/>
+            <a:satOff val="0"/>
+            <a:lumOff val="0"/>
+            <a:alphaOff val="0"/>
+          </a:schemeClr>
+        </a:solidFill>
+        <a:ln w="25400" cap="flat" cmpd="sng" algn="ctr">
+          <a:solidFill>
+            <a:schemeClr val="lt1">
+              <a:hueOff val="0"/>
+              <a:satOff val="0"/>
+              <a:lumOff val="0"/>
+              <a:alphaOff val="0"/>
+            </a:schemeClr>
+          </a:solidFill>
+          <a:prstDash val="solid"/>
+        </a:ln>
+        <a:effectLst/>
+      </dsp:spPr>
+      <dsp:style>
+        <a:lnRef idx="2">
+          <a:scrgbClr r="0" g="0" b="0"/>
+        </a:lnRef>
+        <a:fillRef idx="1">
+          <a:scrgbClr r="0" g="0" b="0"/>
+        </a:fillRef>
+        <a:effectRef idx="0">
+          <a:scrgbClr r="0" g="0" b="0"/>
+        </a:effectRef>
+        <a:fontRef idx="minor">
+          <a:schemeClr val="lt1"/>
+        </a:fontRef>
+      </dsp:style>
+      <dsp:txBody>
+        <a:bodyPr spcFirstLastPara="0" vert="horz" wrap="square" lIns="190500" tIns="190500" rIns="190500" bIns="190500" numCol="1" spcCol="1270" anchor="ctr" anchorCtr="0">
+          <a:noAutofit/>
+        </a:bodyPr>
+        <a:lstStyle/>
+        <a:p>
+          <a:pPr lvl="0" algn="l" defTabSz="2222500" rtl="0">
+            <a:lnSpc>
+              <a:spcPct val="90000"/>
+            </a:lnSpc>
+            <a:spcBef>
+              <a:spcPct val="0"/>
+            </a:spcBef>
+            <a:spcAft>
+              <a:spcPct val="35000"/>
+            </a:spcAft>
+          </a:pPr>
+          <a:r>
+            <a:rPr lang="de-DE" sz="5000" kern="1200" dirty="0" smtClean="0"/>
+            <a:t>Doku : +2h</a:t>
+          </a:r>
+          <a:endParaRPr lang="de-DE" sz="5000" kern="1200" dirty="0"/>
+        </a:p>
+      </dsp:txBody>
+      <dsp:txXfrm>
+        <a:off x="0" y="2047644"/>
+        <a:ext cx="4041775" cy="1199250"/>
       </dsp:txXfrm>
     </dsp:sp>
   </dsp:spTree>
@@ -2658,11 +2425,12 @@
 </file>
 
 <file path=ppt/diagrams/layout1.xml><?xml version="1.0" encoding="utf-8"?>
-<dgm:layoutDef xmlns:dgm="http://schemas.openxmlformats.org/drawingml/2006/diagram" xmlns:a="http://schemas.openxmlformats.org/drawingml/2006/main" uniqueId="urn:microsoft.com/office/officeart/2005/8/layout/vList4">
+<dgm:layoutDef xmlns:dgm="http://schemas.openxmlformats.org/drawingml/2006/diagram" xmlns:a="http://schemas.openxmlformats.org/drawingml/2006/main" uniqueId="urn:microsoft.com/office/officeart/2005/8/layout/vList2">
   <dgm:title val=""/>
   <dgm:desc val=""/>
   <dgm:catLst>
-    <dgm:cat type="list" pri="13000"/>
+    <dgm:cat type="list" pri="3000"/>
+    <dgm:cat type="convert" pri="1000"/>
   </dgm:catLst>
   <dgm:sampData>
     <dgm:dataModel>
@@ -2674,37 +2442,18 @@
         <dgm:pt modelId="11">
           <dgm:prSet phldr="1"/>
         </dgm:pt>
-        <dgm:pt modelId="12">
-          <dgm:prSet phldr="1"/>
-        </dgm:pt>
         <dgm:pt modelId="2">
           <dgm:prSet phldr="1"/>
         </dgm:pt>
         <dgm:pt modelId="21">
           <dgm:prSet phldr="1"/>
         </dgm:pt>
-        <dgm:pt modelId="22">
-          <dgm:prSet phldr="1"/>
-        </dgm:pt>
-        <dgm:pt modelId="3">
-          <dgm:prSet phldr="1"/>
-        </dgm:pt>
-        <dgm:pt modelId="31">
-          <dgm:prSet phldr="1"/>
-        </dgm:pt>
-        <dgm:pt modelId="32">
-          <dgm:prSet phldr="1"/>
-        </dgm:pt>
       </dgm:ptLst>
       <dgm:cxnLst>
         <dgm:cxn modelId="4" srcId="0" destId="1" srcOrd="0" destOrd="0"/>
         <dgm:cxn modelId="5" srcId="0" destId="2" srcOrd="1" destOrd="0"/>
-        <dgm:cxn modelId="13" srcId="1" destId="11" srcOrd="0" destOrd="0"/>
-        <dgm:cxn modelId="14" srcId="1" destId="12" srcOrd="0" destOrd="0"/>
+        <dgm:cxn modelId="12" srcId="1" destId="11" srcOrd="0" destOrd="0"/>
         <dgm:cxn modelId="23" srcId="2" destId="21" srcOrd="0" destOrd="0"/>
-        <dgm:cxn modelId="24" srcId="2" destId="22" srcOrd="0" destOrd="0"/>
-        <dgm:cxn modelId="33" srcId="3" destId="31" srcOrd="0" destOrd="0"/>
-        <dgm:cxn modelId="34" srcId="3" destId="32" srcOrd="0" destOrd="0"/>
       </dgm:cxnLst>
       <dgm:bg/>
       <dgm:whole/>
@@ -2746,129 +2495,109 @@
   </dgm:clrData>
   <dgm:layoutNode name="linear">
     <dgm:varLst>
-      <dgm:dir/>
+      <dgm:animLvl val="lvl"/>
       <dgm:resizeHandles val="exact"/>
     </dgm:varLst>
     <dgm:alg type="lin">
       <dgm:param type="linDir" val="fromT"/>
-      <dgm:param type="vertAlign" val="t"/>
+      <dgm:param type="vertAlign" val="mid"/>
     </dgm:alg>
     <dgm:shape xmlns:r="http://schemas.openxmlformats.org/officeDocument/2006/relationships" r:blip="">
       <dgm:adjLst/>
     </dgm:shape>
     <dgm:presOf/>
     <dgm:constrLst>
-      <dgm:constr type="w" for="ch" forName="comp" refType="w"/>
-      <dgm:constr type="h" for="ch" forName="comp" refType="h"/>
-      <dgm:constr type="h" for="ch" forName="spacer" refType="h" refFor="ch" refForName="comp" op="equ" fact="0.1"/>
-      <dgm:constr type="primFontSz" for="des" forName="text" op="equ" val="65"/>
+      <dgm:constr type="w" for="ch" forName="parentText" refType="w"/>
+      <dgm:constr type="h" for="ch" forName="parentText" refType="primFontSz" refFor="ch" refForName="parentText" fact="0.52"/>
+      <dgm:constr type="w" for="ch" forName="childText" refType="w"/>
+      <dgm:constr type="h" for="ch" forName="childText" refType="primFontSz" refFor="ch" refForName="parentText" fact="0.46"/>
+      <dgm:constr type="h" for="ch" forName="parentText" op="equ"/>
+      <dgm:constr type="primFontSz" for="ch" forName="parentText" op="equ" val="65"/>
+      <dgm:constr type="primFontSz" for="ch" forName="childText" refType="primFontSz" refFor="ch" refForName="parentText" op="equ"/>
+      <dgm:constr type="h" for="ch" forName="spacer" refType="primFontSz" refFor="ch" refForName="parentText" fact="0.08"/>
     </dgm:constrLst>
-    <dgm:ruleLst/>
+    <dgm:ruleLst>
+      <dgm:rule type="primFontSz" for="ch" forName="parentText" val="5" fact="NaN" max="NaN"/>
+    </dgm:ruleLst>
     <dgm:forEach name="Name0" axis="ch" ptType="node">
-      <dgm:layoutNode name="comp" styleLbl="node1">
-        <dgm:alg type="composite"/>
-        <dgm:shape xmlns:r="http://schemas.openxmlformats.org/officeDocument/2006/relationships" r:blip="">
+      <dgm:layoutNode name="parentText" styleLbl="node1">
+        <dgm:varLst>
+          <dgm:chMax val="0"/>
+          <dgm:bulletEnabled val="1"/>
+        </dgm:varLst>
+        <dgm:alg type="tx">
+          <dgm:param type="parTxLTRAlign" val="l"/>
+          <dgm:param type="parTxRTLAlign" val="r"/>
+        </dgm:alg>
+        <dgm:shape xmlns:r="http://schemas.openxmlformats.org/officeDocument/2006/relationships" type="roundRect" r:blip="">
           <dgm:adjLst/>
         </dgm:shape>
-        <dgm:presOf/>
-        <dgm:choose name="Name1">
-          <dgm:if name="Name2" func="var" arg="dir" op="equ" val="norm">
+        <dgm:presOf axis="self"/>
+        <dgm:constrLst>
+          <dgm:constr type="tMarg" refType="primFontSz" fact="0.3"/>
+          <dgm:constr type="bMarg" refType="primFontSz" fact="0.3"/>
+          <dgm:constr type="lMarg" refType="primFontSz" fact="0.3"/>
+          <dgm:constr type="rMarg" refType="primFontSz" fact="0.3"/>
+        </dgm:constrLst>
+        <dgm:ruleLst>
+          <dgm:rule type="h" val="INF" fact="NaN" max="NaN"/>
+        </dgm:ruleLst>
+      </dgm:layoutNode>
+      <dgm:choose name="Name1">
+        <dgm:if name="Name2" axis="ch" ptType="node" func="cnt" op="gte" val="1">
+          <dgm:layoutNode name="childText" styleLbl="revTx">
+            <dgm:varLst>
+              <dgm:bulletEnabled val="1"/>
+            </dgm:varLst>
+            <dgm:alg type="tx">
+              <dgm:param type="stBulletLvl" val="1"/>
+              <dgm:param type="lnSpAfChP" val="20"/>
+            </dgm:alg>
+            <dgm:shape xmlns:r="http://schemas.openxmlformats.org/officeDocument/2006/relationships" type="rect" r:blip="">
+              <dgm:adjLst/>
+            </dgm:shape>
+            <dgm:presOf axis="des" ptType="node"/>
             <dgm:constrLst>
-              <dgm:constr type="h" for="ch" forName="box" refType="h"/>
-              <dgm:constr type="w" for="ch" forName="box" refType="w"/>
-              <dgm:constr type="w" for="ch" forName="img" refType="w" refFor="ch" refForName="box" fact="0.2"/>
-              <dgm:constr type="h" for="ch" forName="img" refType="h" refFor="ch" refForName="box" fact="0.8"/>
-              <dgm:constr type="t" for="ch" forName="img" refType="h" refFor="ch" refForName="box" fact="0.1"/>
-              <dgm:constr type="l" for="ch" forName="img" refType="h" refFor="ch" refForName="box" fact="0.1"/>
-              <dgm:constr type="h" for="ch" forName="text" refType="h"/>
-              <dgm:constr type="l" for="ch" forName="text" refType="r" refFor="ch" refForName="img"/>
-              <dgm:constr type="r" for="ch" forName="text" refType="w"/>
+              <dgm:constr type="tMarg" refType="primFontSz" fact="0.1"/>
+              <dgm:constr type="bMarg" refType="primFontSz" fact="0.1"/>
+              <dgm:constr type="lMarg" refType="w" fact="0.09"/>
             </dgm:constrLst>
-          </dgm:if>
-          <dgm:else name="Name3">
-            <dgm:constrLst>
-              <dgm:constr type="h" for="ch" forName="box" refType="h"/>
-              <dgm:constr type="w" for="ch" forName="box" refType="w"/>
-              <dgm:constr type="w" for="ch" forName="img" refType="w" refFor="ch" refForName="box" fact="0.2"/>
-              <dgm:constr type="h" for="ch" forName="img" refType="h" refFor="ch" refForName="box" fact="0.8"/>
-              <dgm:constr type="t" for="ch" forName="img" refType="h" refFor="ch" refForName="box" fact="0.1"/>
-              <dgm:constr type="r" for="ch" forName="img" refType="w" refFor="ch" refForName="box"/>
-              <dgm:constr type="rOff" for="ch" forName="img" refType="h" refFor="ch" refForName="box" fact="-0.1"/>
-              <dgm:constr type="h" for="ch" forName="text" refType="h"/>
-              <dgm:constr type="r" for="ch" forName="text" refType="l" refFor="ch" refForName="img"/>
-              <dgm:constr type="l" for="ch" forName="text"/>
-            </dgm:constrLst>
-          </dgm:else>
-        </dgm:choose>
-        <dgm:ruleLst/>
-        <dgm:layoutNode name="box" styleLbl="node1">
-          <dgm:alg type="sp"/>
-          <dgm:shape xmlns:r="http://schemas.openxmlformats.org/officeDocument/2006/relationships" type="roundRect" r:blip="">
-            <dgm:adjLst>
-              <dgm:adj idx="1" val="0.1"/>
-            </dgm:adjLst>
-          </dgm:shape>
-          <dgm:presOf axis="desOrSelf" ptType="node"/>
-          <dgm:constrLst/>
-          <dgm:ruleLst/>
-        </dgm:layoutNode>
-        <dgm:layoutNode name="img" styleLbl="fgImgPlace1">
-          <dgm:alg type="sp"/>
-          <dgm:shape xmlns:r="http://schemas.openxmlformats.org/officeDocument/2006/relationships" type="roundRect" r:blip="" blipPhldr="1">
-            <dgm:adjLst>
-              <dgm:adj idx="1" val="0.1"/>
-            </dgm:adjLst>
-          </dgm:shape>
-          <dgm:presOf/>
-          <dgm:constrLst/>
-          <dgm:ruleLst/>
-        </dgm:layoutNode>
-        <dgm:layoutNode name="text">
-          <dgm:varLst>
-            <dgm:bulletEnabled val="1"/>
-          </dgm:varLst>
-          <dgm:alg type="tx">
-            <dgm:param type="parTxLTRAlign" val="l"/>
-            <dgm:param type="parTxRTLAlign" val="r"/>
-          </dgm:alg>
-          <dgm:shape xmlns:r="http://schemas.openxmlformats.org/officeDocument/2006/relationships" type="rect" r:blip="" hideGeom="1">
-            <dgm:adjLst/>
-          </dgm:shape>
-          <dgm:presOf axis="desOrSelf" ptType="node"/>
-          <dgm:constrLst>
-            <dgm:constr type="tMarg" refType="primFontSz" fact="0.3"/>
-            <dgm:constr type="bMarg" refType="primFontSz" fact="0.3"/>
-            <dgm:constr type="lMarg" refType="primFontSz" fact="0.3"/>
-            <dgm:constr type="rMarg" refType="primFontSz" fact="0.3"/>
-          </dgm:constrLst>
-          <dgm:ruleLst>
-            <dgm:rule type="primFontSz" val="5" fact="NaN" max="NaN"/>
-          </dgm:ruleLst>
-        </dgm:layoutNode>
-      </dgm:layoutNode>
-      <dgm:forEach name="Name4" axis="followSib" ptType="sibTrans" cnt="1">
-        <dgm:layoutNode name="spacer">
-          <dgm:alg type="sp"/>
-          <dgm:shape xmlns:r="http://schemas.openxmlformats.org/officeDocument/2006/relationships" r:blip="">
-            <dgm:adjLst/>
-          </dgm:shape>
-          <dgm:presOf axis="self"/>
-          <dgm:constrLst/>
-          <dgm:ruleLst/>
-        </dgm:layoutNode>
-      </dgm:forEach>
+            <dgm:ruleLst>
+              <dgm:rule type="h" val="INF" fact="NaN" max="NaN"/>
+            </dgm:ruleLst>
+          </dgm:layoutNode>
+        </dgm:if>
+        <dgm:else name="Name3">
+          <dgm:choose name="Name4">
+            <dgm:if name="Name5" axis="par ch" ptType="doc node" func="cnt" op="gte" val="2">
+              <dgm:forEach name="Name6" axis="followSib" ptType="sibTrans" cnt="1">
+                <dgm:layoutNode name="spacer">
+                  <dgm:alg type="sp"/>
+                  <dgm:shape xmlns:r="http://schemas.openxmlformats.org/officeDocument/2006/relationships" r:blip="">
+                    <dgm:adjLst/>
+                  </dgm:shape>
+                  <dgm:presOf/>
+                  <dgm:constrLst/>
+                  <dgm:ruleLst/>
+                </dgm:layoutNode>
+              </dgm:forEach>
+            </dgm:if>
+            <dgm:else name="Name7"/>
+          </dgm:choose>
+        </dgm:else>
+      </dgm:choose>
     </dgm:forEach>
   </dgm:layoutNode>
 </dgm:layoutDef>
 </file>
 
 <file path=ppt/diagrams/layout2.xml><?xml version="1.0" encoding="utf-8"?>
-<dgm:layoutDef xmlns:dgm="http://schemas.openxmlformats.org/drawingml/2006/diagram" xmlns:a="http://schemas.openxmlformats.org/drawingml/2006/main" uniqueId="urn:microsoft.com/office/officeart/2005/8/layout/vList5">
+<dgm:layoutDef xmlns:dgm="http://schemas.openxmlformats.org/drawingml/2006/diagram" xmlns:a="http://schemas.openxmlformats.org/drawingml/2006/main" uniqueId="urn:microsoft.com/office/officeart/2005/8/layout/vList2">
   <dgm:title val=""/>
   <dgm:desc val=""/>
   <dgm:catLst>
-    <dgm:cat type="list" pri="15000"/>
-    <dgm:cat type="convert" pri="2000"/>
+    <dgm:cat type="list" pri="3000"/>
+    <dgm:cat type="convert" pri="1000"/>
   </dgm:catLst>
   <dgm:sampData>
     <dgm:dataModel>
@@ -2880,38 +2609,18 @@
         <dgm:pt modelId="11">
           <dgm:prSet phldr="1"/>
         </dgm:pt>
-        <dgm:pt modelId="12">
-          <dgm:prSet phldr="1"/>
-        </dgm:pt>
         <dgm:pt modelId="2">
           <dgm:prSet phldr="1"/>
         </dgm:pt>
         <dgm:pt modelId="21">
           <dgm:prSet phldr="1"/>
         </dgm:pt>
-        <dgm:pt modelId="22">
-          <dgm:prSet phldr="1"/>
-        </dgm:pt>
-        <dgm:pt modelId="3">
-          <dgm:prSet phldr="1"/>
-        </dgm:pt>
-        <dgm:pt modelId="31">
-          <dgm:prSet phldr="1"/>
-        </dgm:pt>
-        <dgm:pt modelId="32">
-          <dgm:prSet phldr="1"/>
-        </dgm:pt>
       </dgm:ptLst>
       <dgm:cxnLst>
         <dgm:cxn modelId="4" srcId="0" destId="1" srcOrd="0" destOrd="0"/>
         <dgm:cxn modelId="5" srcId="0" destId="2" srcOrd="1" destOrd="0"/>
-        <dgm:cxn modelId="6" srcId="0" destId="3" srcOrd="2" destOrd="0"/>
-        <dgm:cxn modelId="13" srcId="1" destId="11" srcOrd="0" destOrd="0"/>
-        <dgm:cxn modelId="14" srcId="1" destId="12" srcOrd="1" destOrd="0"/>
+        <dgm:cxn modelId="12" srcId="1" destId="11" srcOrd="0" destOrd="0"/>
         <dgm:cxn modelId="23" srcId="2" destId="21" srcOrd="0" destOrd="0"/>
-        <dgm:cxn modelId="24" srcId="2" destId="22" srcOrd="1" destOrd="0"/>
-        <dgm:cxn modelId="33" srcId="3" destId="31" srcOrd="0" destOrd="0"/>
-        <dgm:cxn modelId="34" srcId="3" destId="32" srcOrd="1" destOrd="0"/>
       </dgm:cxnLst>
       <dgm:bg/>
       <dgm:whole/>
@@ -2922,15 +2631,11 @@
       <dgm:ptLst>
         <dgm:pt modelId="0" type="doc"/>
         <dgm:pt modelId="1"/>
-        <dgm:pt modelId="11"/>
         <dgm:pt modelId="2"/>
-        <dgm:pt modelId="21"/>
       </dgm:ptLst>
       <dgm:cxnLst>
-        <dgm:cxn modelId="4" srcId="0" destId="1" srcOrd="0" destOrd="0"/>
-        <dgm:cxn modelId="5" srcId="0" destId="2" srcOrd="1" destOrd="0"/>
-        <dgm:cxn modelId="13" srcId="1" destId="11" srcOrd="0" destOrd="0"/>
-        <dgm:cxn modelId="23" srcId="2" destId="21" srcOrd="0" destOrd="0"/>
+        <dgm:cxn modelId="3" srcId="0" destId="1" srcOrd="0" destOrd="0"/>
+        <dgm:cxn modelId="4" srcId="0" destId="2" srcOrd="1" destOrd="0"/>
       </dgm:cxnLst>
       <dgm:bg/>
       <dgm:whole/>
@@ -2941,155 +2646,113 @@
       <dgm:ptLst>
         <dgm:pt modelId="0" type="doc"/>
         <dgm:pt modelId="1"/>
-        <dgm:pt modelId="11"/>
         <dgm:pt modelId="2"/>
-        <dgm:pt modelId="21"/>
         <dgm:pt modelId="3"/>
-        <dgm:pt modelId="31"/>
         <dgm:pt modelId="4"/>
-        <dgm:pt modelId="41"/>
       </dgm:ptLst>
       <dgm:cxnLst>
         <dgm:cxn modelId="5" srcId="0" destId="1" srcOrd="0" destOrd="0"/>
         <dgm:cxn modelId="6" srcId="0" destId="2" srcOrd="1" destOrd="0"/>
         <dgm:cxn modelId="7" srcId="0" destId="3" srcOrd="2" destOrd="0"/>
         <dgm:cxn modelId="8" srcId="0" destId="4" srcOrd="3" destOrd="0"/>
-        <dgm:cxn modelId="13" srcId="1" destId="11" srcOrd="0" destOrd="0"/>
-        <dgm:cxn modelId="23" srcId="2" destId="21" srcOrd="0" destOrd="0"/>
-        <dgm:cxn modelId="33" srcId="3" destId="31" srcOrd="0" destOrd="0"/>
-        <dgm:cxn modelId="43" srcId="4" destId="41" srcOrd="0" destOrd="0"/>
       </dgm:cxnLst>
       <dgm:bg/>
       <dgm:whole/>
     </dgm:dataModel>
   </dgm:clrData>
-  <dgm:layoutNode name="Name0">
+  <dgm:layoutNode name="linear">
     <dgm:varLst>
-      <dgm:dir/>
       <dgm:animLvl val="lvl"/>
       <dgm:resizeHandles val="exact"/>
     </dgm:varLst>
-    <dgm:choose name="Name1">
-      <dgm:if name="Name2" func="var" arg="dir" op="equ" val="norm">
-        <dgm:alg type="lin">
-          <dgm:param type="linDir" val="fromT"/>
-          <dgm:param type="nodeHorzAlign" val="l"/>
-        </dgm:alg>
-      </dgm:if>
-      <dgm:else name="Name3">
-        <dgm:alg type="lin">
-          <dgm:param type="linDir" val="fromT"/>
-          <dgm:param type="nodeHorzAlign" val="r"/>
-        </dgm:alg>
-      </dgm:else>
-    </dgm:choose>
+    <dgm:alg type="lin">
+      <dgm:param type="linDir" val="fromT"/>
+      <dgm:param type="vertAlign" val="mid"/>
+    </dgm:alg>
     <dgm:shape xmlns:r="http://schemas.openxmlformats.org/officeDocument/2006/relationships" r:blip="">
       <dgm:adjLst/>
     </dgm:shape>
     <dgm:presOf/>
     <dgm:constrLst>
-      <dgm:constr type="h" for="ch" forName="linNode" refType="h"/>
-      <dgm:constr type="w" for="ch" forName="linNode" refType="w"/>
-      <dgm:constr type="h" for="ch" forName="sp" refType="h" fact="0.05"/>
-      <dgm:constr type="primFontSz" for="des" forName="parentText" op="equ" val="65"/>
-      <dgm:constr type="secFontSz" for="des" forName="descendantText" op="equ"/>
+      <dgm:constr type="w" for="ch" forName="parentText" refType="w"/>
+      <dgm:constr type="h" for="ch" forName="parentText" refType="primFontSz" refFor="ch" refForName="parentText" fact="0.52"/>
+      <dgm:constr type="w" for="ch" forName="childText" refType="w"/>
+      <dgm:constr type="h" for="ch" forName="childText" refType="primFontSz" refFor="ch" refForName="parentText" fact="0.46"/>
+      <dgm:constr type="h" for="ch" forName="parentText" op="equ"/>
+      <dgm:constr type="primFontSz" for="ch" forName="parentText" op="equ" val="65"/>
+      <dgm:constr type="primFontSz" for="ch" forName="childText" refType="primFontSz" refFor="ch" refForName="parentText" op="equ"/>
+      <dgm:constr type="h" for="ch" forName="spacer" refType="primFontSz" refFor="ch" refForName="parentText" fact="0.08"/>
     </dgm:constrLst>
-    <dgm:ruleLst/>
-    <dgm:forEach name="Name4" axis="ch" ptType="node">
-      <dgm:layoutNode name="linNode">
-        <dgm:choose name="Name5">
-          <dgm:if name="Name6" func="var" arg="dir" op="equ" val="norm">
-            <dgm:alg type="lin">
-              <dgm:param type="linDir" val="fromL"/>
-            </dgm:alg>
-          </dgm:if>
-          <dgm:else name="Name7">
-            <dgm:alg type="lin">
-              <dgm:param type="linDir" val="fromR"/>
-            </dgm:alg>
-          </dgm:else>
-        </dgm:choose>
-        <dgm:shape xmlns:r="http://schemas.openxmlformats.org/officeDocument/2006/relationships" r:blip="">
+    <dgm:ruleLst>
+      <dgm:rule type="primFontSz" for="ch" forName="parentText" val="5" fact="NaN" max="NaN"/>
+    </dgm:ruleLst>
+    <dgm:forEach name="Name0" axis="ch" ptType="node">
+      <dgm:layoutNode name="parentText" styleLbl="node1">
+        <dgm:varLst>
+          <dgm:chMax val="0"/>
+          <dgm:bulletEnabled val="1"/>
+        </dgm:varLst>
+        <dgm:alg type="tx">
+          <dgm:param type="parTxLTRAlign" val="l"/>
+          <dgm:param type="parTxRTLAlign" val="r"/>
+        </dgm:alg>
+        <dgm:shape xmlns:r="http://schemas.openxmlformats.org/officeDocument/2006/relationships" type="roundRect" r:blip="">
           <dgm:adjLst/>
         </dgm:shape>
-        <dgm:presOf/>
+        <dgm:presOf axis="self"/>
         <dgm:constrLst>
-          <dgm:constr type="w" for="ch" forName="parentText" refType="w" fact="0.36"/>
-          <dgm:constr type="w" for="ch" forName="descendantText" refType="w" fact="0.64"/>
-          <dgm:constr type="h" for="ch" forName="parentText" refType="h"/>
-          <dgm:constr type="h" for="ch" forName="descendantText" refType="h" refFor="ch" refForName="parentText" fact="0.8"/>
+          <dgm:constr type="tMarg" refType="primFontSz" fact="0.3"/>
+          <dgm:constr type="bMarg" refType="primFontSz" fact="0.3"/>
+          <dgm:constr type="lMarg" refType="primFontSz" fact="0.3"/>
+          <dgm:constr type="rMarg" refType="primFontSz" fact="0.3"/>
         </dgm:constrLst>
-        <dgm:ruleLst/>
-        <dgm:layoutNode name="parentText">
-          <dgm:varLst>
-            <dgm:chMax val="1"/>
-            <dgm:bulletEnabled val="1"/>
-          </dgm:varLst>
-          <dgm:alg type="tx"/>
-          <dgm:shape xmlns:r="http://schemas.openxmlformats.org/officeDocument/2006/relationships" type="roundRect" r:blip="" zOrderOff="3">
-            <dgm:adjLst/>
-          </dgm:shape>
-          <dgm:presOf axis="self" ptType="node"/>
-          <dgm:constrLst>
-            <dgm:constr type="tMarg" refType="primFontSz" fact="0.15"/>
-            <dgm:constr type="bMarg" refType="primFontSz" fact="0.15"/>
-            <dgm:constr type="lMarg" refType="primFontSz" fact="0.3"/>
-            <dgm:constr type="rMarg" refType="primFontSz" fact="0.3"/>
-          </dgm:constrLst>
-          <dgm:ruleLst>
-            <dgm:rule type="primFontSz" val="5" fact="NaN" max="NaN"/>
-          </dgm:ruleLst>
-        </dgm:layoutNode>
-        <dgm:choose name="Name8">
-          <dgm:if name="Name9" axis="ch" ptType="node" func="cnt" op="gte" val="1">
-            <dgm:layoutNode name="descendantText" styleLbl="alignAccFollowNode1">
-              <dgm:varLst>
-                <dgm:bulletEnabled val="1"/>
-              </dgm:varLst>
-              <dgm:alg type="tx">
-                <dgm:param type="stBulletLvl" val="1"/>
-                <dgm:param type="txAnchorVertCh" val="mid"/>
-              </dgm:alg>
-              <dgm:choose name="Name10">
-                <dgm:if name="Name11" func="var" arg="dir" op="equ" val="norm">
-                  <dgm:shape xmlns:r="http://schemas.openxmlformats.org/officeDocument/2006/relationships" rot="90" type="round2SameRect" r:blip="">
+        <dgm:ruleLst>
+          <dgm:rule type="h" val="INF" fact="NaN" max="NaN"/>
+        </dgm:ruleLst>
+      </dgm:layoutNode>
+      <dgm:choose name="Name1">
+        <dgm:if name="Name2" axis="ch" ptType="node" func="cnt" op="gte" val="1">
+          <dgm:layoutNode name="childText" styleLbl="revTx">
+            <dgm:varLst>
+              <dgm:bulletEnabled val="1"/>
+            </dgm:varLst>
+            <dgm:alg type="tx">
+              <dgm:param type="stBulletLvl" val="1"/>
+              <dgm:param type="lnSpAfChP" val="20"/>
+            </dgm:alg>
+            <dgm:shape xmlns:r="http://schemas.openxmlformats.org/officeDocument/2006/relationships" type="rect" r:blip="">
+              <dgm:adjLst/>
+            </dgm:shape>
+            <dgm:presOf axis="des" ptType="node"/>
+            <dgm:constrLst>
+              <dgm:constr type="tMarg" refType="primFontSz" fact="0.1"/>
+              <dgm:constr type="bMarg" refType="primFontSz" fact="0.1"/>
+              <dgm:constr type="lMarg" refType="w" fact="0.09"/>
+            </dgm:constrLst>
+            <dgm:ruleLst>
+              <dgm:rule type="h" val="INF" fact="NaN" max="NaN"/>
+            </dgm:ruleLst>
+          </dgm:layoutNode>
+        </dgm:if>
+        <dgm:else name="Name3">
+          <dgm:choose name="Name4">
+            <dgm:if name="Name5" axis="par ch" ptType="doc node" func="cnt" op="gte" val="2">
+              <dgm:forEach name="Name6" axis="followSib" ptType="sibTrans" cnt="1">
+                <dgm:layoutNode name="spacer">
+                  <dgm:alg type="sp"/>
+                  <dgm:shape xmlns:r="http://schemas.openxmlformats.org/officeDocument/2006/relationships" r:blip="">
                     <dgm:adjLst/>
                   </dgm:shape>
-                </dgm:if>
-                <dgm:else name="Name12">
-                  <dgm:shape xmlns:r="http://schemas.openxmlformats.org/officeDocument/2006/relationships" rot="-90" type="round2SameRect" r:blip="">
-                    <dgm:adjLst/>
-                  </dgm:shape>
-                </dgm:else>
-              </dgm:choose>
-              <dgm:presOf axis="des" ptType="node"/>
-              <dgm:constrLst>
-                <dgm:constr type="secFontSz" val="65"/>
-                <dgm:constr type="primFontSz" refType="secFontSz"/>
-                <dgm:constr type="lMarg" refType="secFontSz" fact="0.3"/>
-                <dgm:constr type="rMarg" refType="secFontSz" fact="0.3"/>
-                <dgm:constr type="tMarg" refType="secFontSz" fact="0.15"/>
-                <dgm:constr type="bMarg" refType="secFontSz" fact="0.15"/>
-              </dgm:constrLst>
-              <dgm:ruleLst>
-                <dgm:rule type="secFontSz" val="5" fact="NaN" max="NaN"/>
-              </dgm:ruleLst>
-            </dgm:layoutNode>
-          </dgm:if>
-          <dgm:else name="Name13"/>
-        </dgm:choose>
-      </dgm:layoutNode>
-      <dgm:forEach name="Name14" axis="followSib" ptType="sibTrans" cnt="1">
-        <dgm:layoutNode name="sp">
-          <dgm:alg type="sp"/>
-          <dgm:shape xmlns:r="http://schemas.openxmlformats.org/officeDocument/2006/relationships" r:blip="">
-            <dgm:adjLst/>
-          </dgm:shape>
-          <dgm:presOf/>
-          <dgm:constrLst/>
-          <dgm:ruleLst/>
-        </dgm:layoutNode>
-      </dgm:forEach>
+                  <dgm:presOf/>
+                  <dgm:constrLst/>
+                  <dgm:ruleLst/>
+                </dgm:layoutNode>
+              </dgm:forEach>
+            </dgm:if>
+            <dgm:else name="Name7"/>
+          </dgm:choose>
+        </dgm:else>
+      </dgm:choose>
     </dgm:forEach>
   </dgm:layoutNode>
 </dgm:layoutDef>
@@ -8735,7 +8398,19 @@
           <a:p>
             <a:r>
               <a:rPr lang="de-DE" dirty="0" smtClean="0"/>
-              <a:t>Implementierung der Testdaten</a:t>
+              <a:t>Implementierung der </a:t>
+            </a:r>
+            <a:r>
+              <a:rPr lang="de-DE" dirty="0" smtClean="0"/>
+              <a:t>Testdaten (</a:t>
+            </a:r>
+            <a:r>
+              <a:rPr lang="de-DE" dirty="0" err="1" smtClean="0"/>
+              <a:t>Fixtures</a:t>
+            </a:r>
+            <a:r>
+              <a:rPr lang="de-DE" dirty="0" smtClean="0"/>
+              <a:t>)</a:t>
             </a:r>
             <a:endParaRPr lang="de-DE" dirty="0"/>
           </a:p>
@@ -9134,6 +8809,13 @@
           </a:p>
           <a:p>
             <a:r>
+              <a:rPr lang="de-DE" dirty="0" smtClean="0"/>
+              <a:t>S.M.A.R.T. Kriterien erfüllt</a:t>
+            </a:r>
+            <a:endParaRPr lang="de-DE" dirty="0" smtClean="0"/>
+          </a:p>
+          <a:p>
+            <a:r>
               <a:rPr lang="de-DE" dirty="0" err="1" smtClean="0"/>
               <a:t>iOS</a:t>
             </a:r>
@@ -9148,6 +8830,12 @@
             <a:r>
               <a:rPr lang="de-DE" dirty="0" smtClean="0"/>
               <a:t> wird derzeit entwickelt</a:t>
+            </a:r>
+          </a:p>
+          <a:p>
+            <a:r>
+              <a:rPr lang="de-DE" dirty="0" smtClean="0"/>
+              <a:t>Geplanter Umsatz : 50€ pro Kunde und Monat</a:t>
             </a:r>
           </a:p>
           <a:p>
@@ -9941,8 +9629,9 @@
           <a:p>
             <a:r>
               <a:rPr lang="de-DE" dirty="0" smtClean="0"/>
-              <a:t>JSON</a:t>
-            </a:r>
+              <a:t>Datenaustausch : JSON</a:t>
+            </a:r>
+            <a:endParaRPr lang="de-DE" dirty="0" smtClean="0"/>
           </a:p>
           <a:p>
             <a:r>
@@ -9959,8 +9648,13 @@
           <a:p>
             <a:r>
               <a:rPr lang="de-DE" dirty="0" smtClean="0"/>
-              <a:t>Symfony3 MVC</a:t>
-            </a:r>
+              <a:t>Symfony3 </a:t>
+            </a:r>
+            <a:r>
+              <a:rPr lang="de-DE" dirty="0" smtClean="0"/>
+              <a:t>: MVC - Framework</a:t>
+            </a:r>
+            <a:endParaRPr lang="de-DE" dirty="0" smtClean="0"/>
           </a:p>
           <a:p>
             <a:r>
@@ -10046,25 +9740,36 @@
           <a:p>
             <a:r>
               <a:rPr lang="de-DE" dirty="0" smtClean="0"/>
-              <a:t>Zimmerkategorie</a:t>
-            </a:r>
-          </a:p>
-          <a:p>
+              <a:t>Zimmerkategorie (Einzel, Doppel, </a:t>
+            </a:r>
+            <a:r>
+              <a:rPr lang="de-DE" dirty="0" err="1" smtClean="0"/>
+              <a:t>Dreibett</a:t>
+            </a:r>
             <a:r>
               <a:rPr lang="de-DE" dirty="0" smtClean="0"/>
-              <a:t>Zusatzprodukte</a:t>
-            </a:r>
+              <a:t> …)</a:t>
+            </a:r>
+            <a:endParaRPr lang="de-DE" dirty="0" smtClean="0"/>
           </a:p>
           <a:p>
             <a:r>
               <a:rPr lang="de-DE" dirty="0" smtClean="0"/>
-              <a:t>Preise</a:t>
-            </a:r>
+              <a:t>Zusatzprodukt (Vollpension, Sektfrühstück …)</a:t>
+            </a:r>
+            <a:endParaRPr lang="de-DE" dirty="0" smtClean="0"/>
           </a:p>
           <a:p>
             <a:r>
               <a:rPr lang="de-DE" dirty="0" smtClean="0"/>
-              <a:t>Verfügbarkeiten</a:t>
+              <a:t>Preis</a:t>
+            </a:r>
+            <a:endParaRPr lang="de-DE" dirty="0" smtClean="0"/>
+          </a:p>
+          <a:p>
+            <a:r>
+              <a:rPr lang="de-DE" dirty="0" smtClean="0"/>
+              <a:t>Verfügbarkeit : nur für Zimmerkategorie</a:t>
             </a:r>
             <a:endParaRPr lang="de-DE" dirty="0"/>
           </a:p>

--- a/praesentation/Projektpräsentation.pptx
+++ b/praesentation/Projektpräsentation.pptx
@@ -21,7 +21,7 @@
     <p:sldId id="266" r:id="rId12"/>
     <p:sldId id="267" r:id="rId13"/>
     <p:sldId id="268" r:id="rId14"/>
-    <p:sldId id="272" r:id="rId15"/>
+    <p:sldId id="273" r:id="rId15"/>
     <p:sldId id="270" r:id="rId16"/>
     <p:sldId id="271" r:id="rId17"/>
   </p:sldIdLst>
@@ -123,4707 +123,6 @@
     </a:lvl9pPr>
   </p:defaultTextStyle>
 </p:presentation>
-</file>
-
-<file path=ppt/diagrams/colors1.xml><?xml version="1.0" encoding="utf-8"?>
-<dgm:colorsDef xmlns:dgm="http://schemas.openxmlformats.org/drawingml/2006/diagram" xmlns:a="http://schemas.openxmlformats.org/drawingml/2006/main" uniqueId="urn:microsoft.com/office/officeart/2005/8/colors/accent1_2">
-  <dgm:title val=""/>
-  <dgm:desc val=""/>
-  <dgm:catLst>
-    <dgm:cat type="accent1" pri="11200"/>
-  </dgm:catLst>
-  <dgm:styleLbl name="node0">
-    <dgm:fillClrLst meth="repeat">
-      <a:schemeClr val="accent1"/>
-    </dgm:fillClrLst>
-    <dgm:linClrLst meth="repeat">
-      <a:schemeClr val="lt1"/>
-    </dgm:linClrLst>
-    <dgm:effectClrLst/>
-    <dgm:txLinClrLst/>
-    <dgm:txFillClrLst/>
-    <dgm:txEffectClrLst/>
-  </dgm:styleLbl>
-  <dgm:styleLbl name="alignNode1">
-    <dgm:fillClrLst meth="repeat">
-      <a:schemeClr val="accent1"/>
-    </dgm:fillClrLst>
-    <dgm:linClrLst meth="repeat">
-      <a:schemeClr val="accent1"/>
-    </dgm:linClrLst>
-    <dgm:effectClrLst/>
-    <dgm:txLinClrLst/>
-    <dgm:txFillClrLst/>
-    <dgm:txEffectClrLst/>
-  </dgm:styleLbl>
-  <dgm:styleLbl name="node1">
-    <dgm:fillClrLst meth="repeat">
-      <a:schemeClr val="accent1"/>
-    </dgm:fillClrLst>
-    <dgm:linClrLst meth="repeat">
-      <a:schemeClr val="lt1"/>
-    </dgm:linClrLst>
-    <dgm:effectClrLst/>
-    <dgm:txLinClrLst/>
-    <dgm:txFillClrLst/>
-    <dgm:txEffectClrLst/>
-  </dgm:styleLbl>
-  <dgm:styleLbl name="lnNode1">
-    <dgm:fillClrLst meth="repeat">
-      <a:schemeClr val="accent1"/>
-    </dgm:fillClrLst>
-    <dgm:linClrLst meth="repeat">
-      <a:schemeClr val="lt1"/>
-    </dgm:linClrLst>
-    <dgm:effectClrLst/>
-    <dgm:txLinClrLst/>
-    <dgm:txFillClrLst/>
-    <dgm:txEffectClrLst/>
-  </dgm:styleLbl>
-  <dgm:styleLbl name="vennNode1">
-    <dgm:fillClrLst meth="repeat">
-      <a:schemeClr val="accent1">
-        <a:alpha val="50000"/>
-      </a:schemeClr>
-    </dgm:fillClrLst>
-    <dgm:linClrLst meth="repeat">
-      <a:schemeClr val="lt1"/>
-    </dgm:linClrLst>
-    <dgm:effectClrLst/>
-    <dgm:txLinClrLst/>
-    <dgm:txFillClrLst/>
-    <dgm:txEffectClrLst/>
-  </dgm:styleLbl>
-  <dgm:styleLbl name="node2">
-    <dgm:fillClrLst meth="repeat">
-      <a:schemeClr val="accent1"/>
-    </dgm:fillClrLst>
-    <dgm:linClrLst meth="repeat">
-      <a:schemeClr val="lt1"/>
-    </dgm:linClrLst>
-    <dgm:effectClrLst/>
-    <dgm:txLinClrLst/>
-    <dgm:txFillClrLst/>
-    <dgm:txEffectClrLst/>
-  </dgm:styleLbl>
-  <dgm:styleLbl name="node3">
-    <dgm:fillClrLst meth="repeat">
-      <a:schemeClr val="accent1"/>
-    </dgm:fillClrLst>
-    <dgm:linClrLst meth="repeat">
-      <a:schemeClr val="lt1"/>
-    </dgm:linClrLst>
-    <dgm:effectClrLst/>
-    <dgm:txLinClrLst/>
-    <dgm:txFillClrLst/>
-    <dgm:txEffectClrLst/>
-  </dgm:styleLbl>
-  <dgm:styleLbl name="node4">
-    <dgm:fillClrLst meth="repeat">
-      <a:schemeClr val="accent1"/>
-    </dgm:fillClrLst>
-    <dgm:linClrLst meth="repeat">
-      <a:schemeClr val="lt1"/>
-    </dgm:linClrLst>
-    <dgm:effectClrLst/>
-    <dgm:txLinClrLst/>
-    <dgm:txFillClrLst/>
-    <dgm:txEffectClrLst/>
-  </dgm:styleLbl>
-  <dgm:styleLbl name="fgImgPlace1">
-    <dgm:fillClrLst meth="repeat">
-      <a:schemeClr val="accent1">
-        <a:tint val="50000"/>
-      </a:schemeClr>
-    </dgm:fillClrLst>
-    <dgm:linClrLst meth="repeat">
-      <a:schemeClr val="lt1"/>
-    </dgm:linClrLst>
-    <dgm:effectClrLst/>
-    <dgm:txLinClrLst/>
-    <dgm:txFillClrLst meth="repeat">
-      <a:schemeClr val="lt1"/>
-    </dgm:txFillClrLst>
-    <dgm:txEffectClrLst/>
-  </dgm:styleLbl>
-  <dgm:styleLbl name="alignImgPlace1">
-    <dgm:fillClrLst meth="repeat">
-      <a:schemeClr val="accent1">
-        <a:tint val="50000"/>
-      </a:schemeClr>
-    </dgm:fillClrLst>
-    <dgm:linClrLst meth="repeat">
-      <a:schemeClr val="lt1"/>
-    </dgm:linClrLst>
-    <dgm:effectClrLst/>
-    <dgm:txLinClrLst/>
-    <dgm:txFillClrLst meth="repeat">
-      <a:schemeClr val="lt1"/>
-    </dgm:txFillClrLst>
-    <dgm:txEffectClrLst/>
-  </dgm:styleLbl>
-  <dgm:styleLbl name="bgImgPlace1">
-    <dgm:fillClrLst meth="repeat">
-      <a:schemeClr val="accent1">
-        <a:tint val="50000"/>
-      </a:schemeClr>
-    </dgm:fillClrLst>
-    <dgm:linClrLst meth="repeat">
-      <a:schemeClr val="lt1"/>
-    </dgm:linClrLst>
-    <dgm:effectClrLst/>
-    <dgm:txLinClrLst/>
-    <dgm:txFillClrLst meth="repeat">
-      <a:schemeClr val="lt1"/>
-    </dgm:txFillClrLst>
-    <dgm:txEffectClrLst/>
-  </dgm:styleLbl>
-  <dgm:styleLbl name="sibTrans2D1">
-    <dgm:fillClrLst meth="repeat">
-      <a:schemeClr val="accent1">
-        <a:tint val="60000"/>
-      </a:schemeClr>
-    </dgm:fillClrLst>
-    <dgm:linClrLst meth="repeat">
-      <a:schemeClr val="accent1">
-        <a:tint val="60000"/>
-      </a:schemeClr>
-    </dgm:linClrLst>
-    <dgm:effectClrLst/>
-    <dgm:txLinClrLst/>
-    <dgm:txFillClrLst/>
-    <dgm:txEffectClrLst/>
-  </dgm:styleLbl>
-  <dgm:styleLbl name="fgSibTrans2D1">
-    <dgm:fillClrLst meth="repeat">
-      <a:schemeClr val="accent1">
-        <a:tint val="60000"/>
-      </a:schemeClr>
-    </dgm:fillClrLst>
-    <dgm:linClrLst meth="repeat">
-      <a:schemeClr val="accent1">
-        <a:tint val="60000"/>
-      </a:schemeClr>
-    </dgm:linClrLst>
-    <dgm:effectClrLst/>
-    <dgm:txLinClrLst/>
-    <dgm:txFillClrLst/>
-    <dgm:txEffectClrLst/>
-  </dgm:styleLbl>
-  <dgm:styleLbl name="bgSibTrans2D1">
-    <dgm:fillClrLst meth="repeat">
-      <a:schemeClr val="accent1">
-        <a:tint val="60000"/>
-      </a:schemeClr>
-    </dgm:fillClrLst>
-    <dgm:linClrLst meth="repeat">
-      <a:schemeClr val="accent1">
-        <a:tint val="60000"/>
-      </a:schemeClr>
-    </dgm:linClrLst>
-    <dgm:effectClrLst/>
-    <dgm:txLinClrLst/>
-    <dgm:txFillClrLst/>
-    <dgm:txEffectClrLst/>
-  </dgm:styleLbl>
-  <dgm:styleLbl name="sibTrans1D1">
-    <dgm:fillClrLst meth="repeat">
-      <a:schemeClr val="accent1"/>
-    </dgm:fillClrLst>
-    <dgm:linClrLst meth="repeat">
-      <a:schemeClr val="accent1"/>
-    </dgm:linClrLst>
-    <dgm:effectClrLst/>
-    <dgm:txLinClrLst/>
-    <dgm:txFillClrLst meth="repeat">
-      <a:schemeClr val="tx1"/>
-    </dgm:txFillClrLst>
-    <dgm:txEffectClrLst/>
-  </dgm:styleLbl>
-  <dgm:styleLbl name="callout">
-    <dgm:fillClrLst meth="repeat">
-      <a:schemeClr val="accent1"/>
-    </dgm:fillClrLst>
-    <dgm:linClrLst meth="repeat">
-      <a:schemeClr val="accent1">
-        <a:tint val="50000"/>
-      </a:schemeClr>
-    </dgm:linClrLst>
-    <dgm:effectClrLst/>
-    <dgm:txLinClrLst/>
-    <dgm:txFillClrLst meth="repeat">
-      <a:schemeClr val="tx1"/>
-    </dgm:txFillClrLst>
-    <dgm:txEffectClrLst/>
-  </dgm:styleLbl>
-  <dgm:styleLbl name="asst0">
-    <dgm:fillClrLst meth="repeat">
-      <a:schemeClr val="accent1"/>
-    </dgm:fillClrLst>
-    <dgm:linClrLst meth="repeat">
-      <a:schemeClr val="lt1"/>
-    </dgm:linClrLst>
-    <dgm:effectClrLst/>
-    <dgm:txLinClrLst/>
-    <dgm:txFillClrLst/>
-    <dgm:txEffectClrLst/>
-  </dgm:styleLbl>
-  <dgm:styleLbl name="asst1">
-    <dgm:fillClrLst meth="repeat">
-      <a:schemeClr val="accent1"/>
-    </dgm:fillClrLst>
-    <dgm:linClrLst meth="repeat">
-      <a:schemeClr val="lt1"/>
-    </dgm:linClrLst>
-    <dgm:effectClrLst/>
-    <dgm:txLinClrLst/>
-    <dgm:txFillClrLst/>
-    <dgm:txEffectClrLst/>
-  </dgm:styleLbl>
-  <dgm:styleLbl name="asst2">
-    <dgm:fillClrLst meth="repeat">
-      <a:schemeClr val="accent1"/>
-    </dgm:fillClrLst>
-    <dgm:linClrLst meth="repeat">
-      <a:schemeClr val="lt1"/>
-    </dgm:linClrLst>
-    <dgm:effectClrLst/>
-    <dgm:txLinClrLst/>
-    <dgm:txFillClrLst/>
-    <dgm:txEffectClrLst/>
-  </dgm:styleLbl>
-  <dgm:styleLbl name="asst3">
-    <dgm:fillClrLst meth="repeat">
-      <a:schemeClr val="accent1"/>
-    </dgm:fillClrLst>
-    <dgm:linClrLst meth="repeat">
-      <a:schemeClr val="lt1"/>
-    </dgm:linClrLst>
-    <dgm:effectClrLst/>
-    <dgm:txLinClrLst/>
-    <dgm:txFillClrLst/>
-    <dgm:txEffectClrLst/>
-  </dgm:styleLbl>
-  <dgm:styleLbl name="asst4">
-    <dgm:fillClrLst meth="repeat">
-      <a:schemeClr val="accent1"/>
-    </dgm:fillClrLst>
-    <dgm:linClrLst meth="repeat">
-      <a:schemeClr val="lt1"/>
-    </dgm:linClrLst>
-    <dgm:effectClrLst/>
-    <dgm:txLinClrLst/>
-    <dgm:txFillClrLst/>
-    <dgm:txEffectClrLst/>
-  </dgm:styleLbl>
-  <dgm:styleLbl name="parChTrans2D1">
-    <dgm:fillClrLst meth="repeat">
-      <a:schemeClr val="accent1">
-        <a:tint val="60000"/>
-      </a:schemeClr>
-    </dgm:fillClrLst>
-    <dgm:linClrLst meth="repeat">
-      <a:schemeClr val="accent1">
-        <a:tint val="60000"/>
-      </a:schemeClr>
-    </dgm:linClrLst>
-    <dgm:effectClrLst/>
-    <dgm:txLinClrLst/>
-    <dgm:txFillClrLst meth="repeat">
-      <a:schemeClr val="lt1"/>
-    </dgm:txFillClrLst>
-    <dgm:txEffectClrLst/>
-  </dgm:styleLbl>
-  <dgm:styleLbl name="parChTrans2D2">
-    <dgm:fillClrLst meth="repeat">
-      <a:schemeClr val="accent1"/>
-    </dgm:fillClrLst>
-    <dgm:linClrLst meth="repeat">
-      <a:schemeClr val="accent1"/>
-    </dgm:linClrLst>
-    <dgm:effectClrLst/>
-    <dgm:txLinClrLst/>
-    <dgm:txFillClrLst meth="repeat">
-      <a:schemeClr val="lt1"/>
-    </dgm:txFillClrLst>
-    <dgm:txEffectClrLst/>
-  </dgm:styleLbl>
-  <dgm:styleLbl name="parChTrans2D3">
-    <dgm:fillClrLst meth="repeat">
-      <a:schemeClr val="accent1"/>
-    </dgm:fillClrLst>
-    <dgm:linClrLst meth="repeat">
-      <a:schemeClr val="accent1"/>
-    </dgm:linClrLst>
-    <dgm:effectClrLst/>
-    <dgm:txLinClrLst/>
-    <dgm:txFillClrLst meth="repeat">
-      <a:schemeClr val="lt1"/>
-    </dgm:txFillClrLst>
-    <dgm:txEffectClrLst/>
-  </dgm:styleLbl>
-  <dgm:styleLbl name="parChTrans2D4">
-    <dgm:fillClrLst meth="repeat">
-      <a:schemeClr val="accent1"/>
-    </dgm:fillClrLst>
-    <dgm:linClrLst meth="repeat">
-      <a:schemeClr val="accent1"/>
-    </dgm:linClrLst>
-    <dgm:effectClrLst/>
-    <dgm:txLinClrLst/>
-    <dgm:txFillClrLst meth="repeat">
-      <a:schemeClr val="lt1"/>
-    </dgm:txFillClrLst>
-    <dgm:txEffectClrLst/>
-  </dgm:styleLbl>
-  <dgm:styleLbl name="parChTrans1D1">
-    <dgm:fillClrLst meth="repeat">
-      <a:schemeClr val="accent1"/>
-    </dgm:fillClrLst>
-    <dgm:linClrLst meth="repeat">
-      <a:schemeClr val="accent1">
-        <a:shade val="60000"/>
-      </a:schemeClr>
-    </dgm:linClrLst>
-    <dgm:effectClrLst/>
-    <dgm:txLinClrLst/>
-    <dgm:txFillClrLst meth="repeat">
-      <a:schemeClr val="tx1"/>
-    </dgm:txFillClrLst>
-    <dgm:txEffectClrLst/>
-  </dgm:styleLbl>
-  <dgm:styleLbl name="parChTrans1D2">
-    <dgm:fillClrLst meth="repeat">
-      <a:schemeClr val="accent1"/>
-    </dgm:fillClrLst>
-    <dgm:linClrLst meth="repeat">
-      <a:schemeClr val="accent1">
-        <a:shade val="60000"/>
-      </a:schemeClr>
-    </dgm:linClrLst>
-    <dgm:effectClrLst/>
-    <dgm:txLinClrLst/>
-    <dgm:txFillClrLst meth="repeat">
-      <a:schemeClr val="tx1"/>
-    </dgm:txFillClrLst>
-    <dgm:txEffectClrLst/>
-  </dgm:styleLbl>
-  <dgm:styleLbl name="parChTrans1D3">
-    <dgm:fillClrLst meth="repeat">
-      <a:schemeClr val="accent1"/>
-    </dgm:fillClrLst>
-    <dgm:linClrLst meth="repeat">
-      <a:schemeClr val="accent1">
-        <a:shade val="80000"/>
-      </a:schemeClr>
-    </dgm:linClrLst>
-    <dgm:effectClrLst/>
-    <dgm:txLinClrLst/>
-    <dgm:txFillClrLst meth="repeat">
-      <a:schemeClr val="tx1"/>
-    </dgm:txFillClrLst>
-    <dgm:txEffectClrLst/>
-  </dgm:styleLbl>
-  <dgm:styleLbl name="parChTrans1D4">
-    <dgm:fillClrLst meth="repeat">
-      <a:schemeClr val="accent1"/>
-    </dgm:fillClrLst>
-    <dgm:linClrLst meth="repeat">
-      <a:schemeClr val="accent1">
-        <a:shade val="80000"/>
-      </a:schemeClr>
-    </dgm:linClrLst>
-    <dgm:effectClrLst/>
-    <dgm:txLinClrLst/>
-    <dgm:txFillClrLst meth="repeat">
-      <a:schemeClr val="tx1"/>
-    </dgm:txFillClrLst>
-    <dgm:txEffectClrLst/>
-  </dgm:styleLbl>
-  <dgm:styleLbl name="fgAcc1">
-    <dgm:fillClrLst meth="repeat">
-      <a:schemeClr val="lt1">
-        <a:alpha val="90000"/>
-      </a:schemeClr>
-    </dgm:fillClrLst>
-    <dgm:linClrLst meth="repeat">
-      <a:schemeClr val="accent1"/>
-    </dgm:linClrLst>
-    <dgm:effectClrLst/>
-    <dgm:txLinClrLst/>
-    <dgm:txFillClrLst meth="repeat">
-      <a:schemeClr val="dk1"/>
-    </dgm:txFillClrLst>
-    <dgm:txEffectClrLst/>
-  </dgm:styleLbl>
-  <dgm:styleLbl name="conFgAcc1">
-    <dgm:fillClrLst meth="repeat">
-      <a:schemeClr val="lt1">
-        <a:alpha val="90000"/>
-      </a:schemeClr>
-    </dgm:fillClrLst>
-    <dgm:linClrLst meth="repeat">
-      <a:schemeClr val="accent1"/>
-    </dgm:linClrLst>
-    <dgm:effectClrLst/>
-    <dgm:txLinClrLst/>
-    <dgm:txFillClrLst meth="repeat">
-      <a:schemeClr val="dk1"/>
-    </dgm:txFillClrLst>
-    <dgm:txEffectClrLst/>
-  </dgm:styleLbl>
-  <dgm:styleLbl name="alignAcc1">
-    <dgm:fillClrLst meth="repeat">
-      <a:schemeClr val="lt1">
-        <a:alpha val="90000"/>
-      </a:schemeClr>
-    </dgm:fillClrLst>
-    <dgm:linClrLst meth="repeat">
-      <a:schemeClr val="accent1"/>
-    </dgm:linClrLst>
-    <dgm:effectClrLst/>
-    <dgm:txLinClrLst/>
-    <dgm:txFillClrLst meth="repeat">
-      <a:schemeClr val="dk1"/>
-    </dgm:txFillClrLst>
-    <dgm:txEffectClrLst/>
-  </dgm:styleLbl>
-  <dgm:styleLbl name="trAlignAcc1">
-    <dgm:fillClrLst meth="repeat">
-      <a:schemeClr val="lt1">
-        <a:alpha val="40000"/>
-      </a:schemeClr>
-    </dgm:fillClrLst>
-    <dgm:linClrLst meth="repeat">
-      <a:schemeClr val="accent1"/>
-    </dgm:linClrLst>
-    <dgm:effectClrLst/>
-    <dgm:txLinClrLst/>
-    <dgm:txFillClrLst meth="repeat">
-      <a:schemeClr val="dk1"/>
-    </dgm:txFillClrLst>
-    <dgm:txEffectClrLst/>
-  </dgm:styleLbl>
-  <dgm:styleLbl name="bgAcc1">
-    <dgm:fillClrLst meth="repeat">
-      <a:schemeClr val="lt1">
-        <a:alpha val="90000"/>
-      </a:schemeClr>
-    </dgm:fillClrLst>
-    <dgm:linClrLst meth="repeat">
-      <a:schemeClr val="accent1"/>
-    </dgm:linClrLst>
-    <dgm:effectClrLst/>
-    <dgm:txLinClrLst/>
-    <dgm:txFillClrLst meth="repeat">
-      <a:schemeClr val="dk1"/>
-    </dgm:txFillClrLst>
-    <dgm:txEffectClrLst/>
-  </dgm:styleLbl>
-  <dgm:styleLbl name="solidFgAcc1">
-    <dgm:fillClrLst meth="repeat">
-      <a:schemeClr val="lt1"/>
-    </dgm:fillClrLst>
-    <dgm:linClrLst meth="repeat">
-      <a:schemeClr val="accent1"/>
-    </dgm:linClrLst>
-    <dgm:effectClrLst/>
-    <dgm:txLinClrLst/>
-    <dgm:txFillClrLst meth="repeat">
-      <a:schemeClr val="dk1"/>
-    </dgm:txFillClrLst>
-    <dgm:txEffectClrLst/>
-  </dgm:styleLbl>
-  <dgm:styleLbl name="solidAlignAcc1">
-    <dgm:fillClrLst meth="repeat">
-      <a:schemeClr val="lt1"/>
-    </dgm:fillClrLst>
-    <dgm:linClrLst meth="repeat">
-      <a:schemeClr val="accent1"/>
-    </dgm:linClrLst>
-    <dgm:effectClrLst/>
-    <dgm:txLinClrLst/>
-    <dgm:txFillClrLst meth="repeat">
-      <a:schemeClr val="dk1"/>
-    </dgm:txFillClrLst>
-    <dgm:txEffectClrLst/>
-  </dgm:styleLbl>
-  <dgm:styleLbl name="solidBgAcc1">
-    <dgm:fillClrLst meth="repeat">
-      <a:schemeClr val="lt1"/>
-    </dgm:fillClrLst>
-    <dgm:linClrLst meth="repeat">
-      <a:schemeClr val="accent1"/>
-    </dgm:linClrLst>
-    <dgm:effectClrLst/>
-    <dgm:txLinClrLst/>
-    <dgm:txFillClrLst meth="repeat">
-      <a:schemeClr val="dk1"/>
-    </dgm:txFillClrLst>
-    <dgm:txEffectClrLst/>
-  </dgm:styleLbl>
-  <dgm:styleLbl name="fgAccFollowNode1">
-    <dgm:fillClrLst meth="repeat">
-      <a:schemeClr val="accent1">
-        <a:alpha val="90000"/>
-        <a:tint val="40000"/>
-      </a:schemeClr>
-    </dgm:fillClrLst>
-    <dgm:linClrLst meth="repeat">
-      <a:schemeClr val="accent1">
-        <a:alpha val="90000"/>
-        <a:tint val="40000"/>
-      </a:schemeClr>
-    </dgm:linClrLst>
-    <dgm:effectClrLst/>
-    <dgm:txLinClrLst/>
-    <dgm:txFillClrLst meth="repeat">
-      <a:schemeClr val="dk1"/>
-    </dgm:txFillClrLst>
-    <dgm:txEffectClrLst/>
-  </dgm:styleLbl>
-  <dgm:styleLbl name="alignAccFollowNode1">
-    <dgm:fillClrLst meth="repeat">
-      <a:schemeClr val="accent1">
-        <a:alpha val="90000"/>
-        <a:tint val="40000"/>
-      </a:schemeClr>
-    </dgm:fillClrLst>
-    <dgm:linClrLst meth="repeat">
-      <a:schemeClr val="accent1">
-        <a:alpha val="90000"/>
-        <a:tint val="40000"/>
-      </a:schemeClr>
-    </dgm:linClrLst>
-    <dgm:effectClrLst/>
-    <dgm:txLinClrLst/>
-    <dgm:txFillClrLst meth="repeat">
-      <a:schemeClr val="dk1"/>
-    </dgm:txFillClrLst>
-    <dgm:txEffectClrLst/>
-  </dgm:styleLbl>
-  <dgm:styleLbl name="bgAccFollowNode1">
-    <dgm:fillClrLst meth="repeat">
-      <a:schemeClr val="accent1">
-        <a:alpha val="90000"/>
-        <a:tint val="40000"/>
-      </a:schemeClr>
-    </dgm:fillClrLst>
-    <dgm:linClrLst meth="repeat">
-      <a:schemeClr val="accent1">
-        <a:alpha val="90000"/>
-        <a:tint val="40000"/>
-      </a:schemeClr>
-    </dgm:linClrLst>
-    <dgm:effectClrLst/>
-    <dgm:txLinClrLst/>
-    <dgm:txFillClrLst meth="repeat">
-      <a:schemeClr val="dk1"/>
-    </dgm:txFillClrLst>
-    <dgm:txEffectClrLst/>
-  </dgm:styleLbl>
-  <dgm:styleLbl name="fgAcc0">
-    <dgm:fillClrLst meth="repeat">
-      <a:schemeClr val="lt1">
-        <a:alpha val="90000"/>
-      </a:schemeClr>
-    </dgm:fillClrLst>
-    <dgm:linClrLst meth="repeat">
-      <a:schemeClr val="accent1"/>
-    </dgm:linClrLst>
-    <dgm:effectClrLst/>
-    <dgm:txLinClrLst/>
-    <dgm:txFillClrLst meth="repeat">
-      <a:schemeClr val="dk1"/>
-    </dgm:txFillClrLst>
-    <dgm:txEffectClrLst/>
-  </dgm:styleLbl>
-  <dgm:styleLbl name="fgAcc2">
-    <dgm:fillClrLst meth="repeat">
-      <a:schemeClr val="lt1">
-        <a:alpha val="90000"/>
-      </a:schemeClr>
-    </dgm:fillClrLst>
-    <dgm:linClrLst meth="repeat">
-      <a:schemeClr val="accent1"/>
-    </dgm:linClrLst>
-    <dgm:effectClrLst/>
-    <dgm:txLinClrLst/>
-    <dgm:txFillClrLst meth="repeat">
-      <a:schemeClr val="dk1"/>
-    </dgm:txFillClrLst>
-    <dgm:txEffectClrLst/>
-  </dgm:styleLbl>
-  <dgm:styleLbl name="fgAcc3">
-    <dgm:fillClrLst meth="repeat">
-      <a:schemeClr val="lt1">
-        <a:alpha val="90000"/>
-      </a:schemeClr>
-    </dgm:fillClrLst>
-    <dgm:linClrLst meth="repeat">
-      <a:schemeClr val="accent1"/>
-    </dgm:linClrLst>
-    <dgm:effectClrLst/>
-    <dgm:txLinClrLst/>
-    <dgm:txFillClrLst meth="repeat">
-      <a:schemeClr val="dk1"/>
-    </dgm:txFillClrLst>
-    <dgm:txEffectClrLst/>
-  </dgm:styleLbl>
-  <dgm:styleLbl name="fgAcc4">
-    <dgm:fillClrLst meth="repeat">
-      <a:schemeClr val="lt1">
-        <a:alpha val="90000"/>
-      </a:schemeClr>
-    </dgm:fillClrLst>
-    <dgm:linClrLst meth="repeat">
-      <a:schemeClr val="accent1"/>
-    </dgm:linClrLst>
-    <dgm:effectClrLst/>
-    <dgm:txLinClrLst/>
-    <dgm:txFillClrLst meth="repeat">
-      <a:schemeClr val="dk1"/>
-    </dgm:txFillClrLst>
-    <dgm:txEffectClrLst/>
-  </dgm:styleLbl>
-  <dgm:styleLbl name="bgShp">
-    <dgm:fillClrLst meth="repeat">
-      <a:schemeClr val="accent1">
-        <a:tint val="40000"/>
-      </a:schemeClr>
-    </dgm:fillClrLst>
-    <dgm:linClrLst meth="repeat">
-      <a:schemeClr val="accent1"/>
-    </dgm:linClrLst>
-    <dgm:effectClrLst/>
-    <dgm:txLinClrLst/>
-    <dgm:txFillClrLst meth="repeat">
-      <a:schemeClr val="dk1"/>
-    </dgm:txFillClrLst>
-    <dgm:txEffectClrLst/>
-  </dgm:styleLbl>
-  <dgm:styleLbl name="dkBgShp">
-    <dgm:fillClrLst meth="repeat">
-      <a:schemeClr val="accent1">
-        <a:shade val="80000"/>
-      </a:schemeClr>
-    </dgm:fillClrLst>
-    <dgm:linClrLst meth="repeat">
-      <a:schemeClr val="accent1"/>
-    </dgm:linClrLst>
-    <dgm:effectClrLst/>
-    <dgm:txLinClrLst/>
-    <dgm:txFillClrLst meth="repeat">
-      <a:schemeClr val="lt1"/>
-    </dgm:txFillClrLst>
-    <dgm:txEffectClrLst/>
-  </dgm:styleLbl>
-  <dgm:styleLbl name="trBgShp">
-    <dgm:fillClrLst meth="repeat">
-      <a:schemeClr val="accent1">
-        <a:tint val="50000"/>
-        <a:alpha val="40000"/>
-      </a:schemeClr>
-    </dgm:fillClrLst>
-    <dgm:linClrLst meth="repeat">
-      <a:schemeClr val="accent1"/>
-    </dgm:linClrLst>
-    <dgm:effectClrLst/>
-    <dgm:txLinClrLst/>
-    <dgm:txFillClrLst meth="repeat">
-      <a:schemeClr val="lt1"/>
-    </dgm:txFillClrLst>
-    <dgm:txEffectClrLst/>
-  </dgm:styleLbl>
-  <dgm:styleLbl name="fgShp">
-    <dgm:fillClrLst meth="repeat">
-      <a:schemeClr val="accent1">
-        <a:tint val="60000"/>
-      </a:schemeClr>
-    </dgm:fillClrLst>
-    <dgm:linClrLst meth="repeat">
-      <a:schemeClr val="lt1"/>
-    </dgm:linClrLst>
-    <dgm:effectClrLst/>
-    <dgm:txLinClrLst/>
-    <dgm:txFillClrLst meth="repeat">
-      <a:schemeClr val="dk1"/>
-    </dgm:txFillClrLst>
-    <dgm:txEffectClrLst/>
-  </dgm:styleLbl>
-  <dgm:styleLbl name="revTx">
-    <dgm:fillClrLst meth="repeat">
-      <a:schemeClr val="lt1">
-        <a:alpha val="0"/>
-      </a:schemeClr>
-    </dgm:fillClrLst>
-    <dgm:linClrLst meth="repeat">
-      <a:schemeClr val="dk1">
-        <a:alpha val="0"/>
-      </a:schemeClr>
-    </dgm:linClrLst>
-    <dgm:effectClrLst/>
-    <dgm:txLinClrLst/>
-    <dgm:txFillClrLst meth="repeat">
-      <a:schemeClr val="tx1"/>
-    </dgm:txFillClrLst>
-    <dgm:txEffectClrLst/>
-  </dgm:styleLbl>
-</dgm:colorsDef>
-</file>
-
-<file path=ppt/diagrams/colors2.xml><?xml version="1.0" encoding="utf-8"?>
-<dgm:colorsDef xmlns:dgm="http://schemas.openxmlformats.org/drawingml/2006/diagram" xmlns:a="http://schemas.openxmlformats.org/drawingml/2006/main" uniqueId="urn:microsoft.com/office/officeart/2005/8/colors/accent1_2">
-  <dgm:title val=""/>
-  <dgm:desc val=""/>
-  <dgm:catLst>
-    <dgm:cat type="accent1" pri="11200"/>
-  </dgm:catLst>
-  <dgm:styleLbl name="node0">
-    <dgm:fillClrLst meth="repeat">
-      <a:schemeClr val="accent1"/>
-    </dgm:fillClrLst>
-    <dgm:linClrLst meth="repeat">
-      <a:schemeClr val="lt1"/>
-    </dgm:linClrLst>
-    <dgm:effectClrLst/>
-    <dgm:txLinClrLst/>
-    <dgm:txFillClrLst/>
-    <dgm:txEffectClrLst/>
-  </dgm:styleLbl>
-  <dgm:styleLbl name="alignNode1">
-    <dgm:fillClrLst meth="repeat">
-      <a:schemeClr val="accent1"/>
-    </dgm:fillClrLst>
-    <dgm:linClrLst meth="repeat">
-      <a:schemeClr val="accent1"/>
-    </dgm:linClrLst>
-    <dgm:effectClrLst/>
-    <dgm:txLinClrLst/>
-    <dgm:txFillClrLst/>
-    <dgm:txEffectClrLst/>
-  </dgm:styleLbl>
-  <dgm:styleLbl name="node1">
-    <dgm:fillClrLst meth="repeat">
-      <a:schemeClr val="accent1"/>
-    </dgm:fillClrLst>
-    <dgm:linClrLst meth="repeat">
-      <a:schemeClr val="lt1"/>
-    </dgm:linClrLst>
-    <dgm:effectClrLst/>
-    <dgm:txLinClrLst/>
-    <dgm:txFillClrLst/>
-    <dgm:txEffectClrLst/>
-  </dgm:styleLbl>
-  <dgm:styleLbl name="lnNode1">
-    <dgm:fillClrLst meth="repeat">
-      <a:schemeClr val="accent1"/>
-    </dgm:fillClrLst>
-    <dgm:linClrLst meth="repeat">
-      <a:schemeClr val="lt1"/>
-    </dgm:linClrLst>
-    <dgm:effectClrLst/>
-    <dgm:txLinClrLst/>
-    <dgm:txFillClrLst/>
-    <dgm:txEffectClrLst/>
-  </dgm:styleLbl>
-  <dgm:styleLbl name="vennNode1">
-    <dgm:fillClrLst meth="repeat">
-      <a:schemeClr val="accent1">
-        <a:alpha val="50000"/>
-      </a:schemeClr>
-    </dgm:fillClrLst>
-    <dgm:linClrLst meth="repeat">
-      <a:schemeClr val="lt1"/>
-    </dgm:linClrLst>
-    <dgm:effectClrLst/>
-    <dgm:txLinClrLst/>
-    <dgm:txFillClrLst/>
-    <dgm:txEffectClrLst/>
-  </dgm:styleLbl>
-  <dgm:styleLbl name="node2">
-    <dgm:fillClrLst meth="repeat">
-      <a:schemeClr val="accent1"/>
-    </dgm:fillClrLst>
-    <dgm:linClrLst meth="repeat">
-      <a:schemeClr val="lt1"/>
-    </dgm:linClrLst>
-    <dgm:effectClrLst/>
-    <dgm:txLinClrLst/>
-    <dgm:txFillClrLst/>
-    <dgm:txEffectClrLst/>
-  </dgm:styleLbl>
-  <dgm:styleLbl name="node3">
-    <dgm:fillClrLst meth="repeat">
-      <a:schemeClr val="accent1"/>
-    </dgm:fillClrLst>
-    <dgm:linClrLst meth="repeat">
-      <a:schemeClr val="lt1"/>
-    </dgm:linClrLst>
-    <dgm:effectClrLst/>
-    <dgm:txLinClrLst/>
-    <dgm:txFillClrLst/>
-    <dgm:txEffectClrLst/>
-  </dgm:styleLbl>
-  <dgm:styleLbl name="node4">
-    <dgm:fillClrLst meth="repeat">
-      <a:schemeClr val="accent1"/>
-    </dgm:fillClrLst>
-    <dgm:linClrLst meth="repeat">
-      <a:schemeClr val="lt1"/>
-    </dgm:linClrLst>
-    <dgm:effectClrLst/>
-    <dgm:txLinClrLst/>
-    <dgm:txFillClrLst/>
-    <dgm:txEffectClrLst/>
-  </dgm:styleLbl>
-  <dgm:styleLbl name="fgImgPlace1">
-    <dgm:fillClrLst meth="repeat">
-      <a:schemeClr val="accent1">
-        <a:tint val="50000"/>
-      </a:schemeClr>
-    </dgm:fillClrLst>
-    <dgm:linClrLst meth="repeat">
-      <a:schemeClr val="lt1"/>
-    </dgm:linClrLst>
-    <dgm:effectClrLst/>
-    <dgm:txLinClrLst/>
-    <dgm:txFillClrLst meth="repeat">
-      <a:schemeClr val="lt1"/>
-    </dgm:txFillClrLst>
-    <dgm:txEffectClrLst/>
-  </dgm:styleLbl>
-  <dgm:styleLbl name="alignImgPlace1">
-    <dgm:fillClrLst meth="repeat">
-      <a:schemeClr val="accent1">
-        <a:tint val="50000"/>
-      </a:schemeClr>
-    </dgm:fillClrLst>
-    <dgm:linClrLst meth="repeat">
-      <a:schemeClr val="lt1"/>
-    </dgm:linClrLst>
-    <dgm:effectClrLst/>
-    <dgm:txLinClrLst/>
-    <dgm:txFillClrLst meth="repeat">
-      <a:schemeClr val="lt1"/>
-    </dgm:txFillClrLst>
-    <dgm:txEffectClrLst/>
-  </dgm:styleLbl>
-  <dgm:styleLbl name="bgImgPlace1">
-    <dgm:fillClrLst meth="repeat">
-      <a:schemeClr val="accent1">
-        <a:tint val="50000"/>
-      </a:schemeClr>
-    </dgm:fillClrLst>
-    <dgm:linClrLst meth="repeat">
-      <a:schemeClr val="lt1"/>
-    </dgm:linClrLst>
-    <dgm:effectClrLst/>
-    <dgm:txLinClrLst/>
-    <dgm:txFillClrLst meth="repeat">
-      <a:schemeClr val="lt1"/>
-    </dgm:txFillClrLst>
-    <dgm:txEffectClrLst/>
-  </dgm:styleLbl>
-  <dgm:styleLbl name="sibTrans2D1">
-    <dgm:fillClrLst meth="repeat">
-      <a:schemeClr val="accent1">
-        <a:tint val="60000"/>
-      </a:schemeClr>
-    </dgm:fillClrLst>
-    <dgm:linClrLst meth="repeat">
-      <a:schemeClr val="accent1">
-        <a:tint val="60000"/>
-      </a:schemeClr>
-    </dgm:linClrLst>
-    <dgm:effectClrLst/>
-    <dgm:txLinClrLst/>
-    <dgm:txFillClrLst/>
-    <dgm:txEffectClrLst/>
-  </dgm:styleLbl>
-  <dgm:styleLbl name="fgSibTrans2D1">
-    <dgm:fillClrLst meth="repeat">
-      <a:schemeClr val="accent1">
-        <a:tint val="60000"/>
-      </a:schemeClr>
-    </dgm:fillClrLst>
-    <dgm:linClrLst meth="repeat">
-      <a:schemeClr val="accent1">
-        <a:tint val="60000"/>
-      </a:schemeClr>
-    </dgm:linClrLst>
-    <dgm:effectClrLst/>
-    <dgm:txLinClrLst/>
-    <dgm:txFillClrLst/>
-    <dgm:txEffectClrLst/>
-  </dgm:styleLbl>
-  <dgm:styleLbl name="bgSibTrans2D1">
-    <dgm:fillClrLst meth="repeat">
-      <a:schemeClr val="accent1">
-        <a:tint val="60000"/>
-      </a:schemeClr>
-    </dgm:fillClrLst>
-    <dgm:linClrLst meth="repeat">
-      <a:schemeClr val="accent1">
-        <a:tint val="60000"/>
-      </a:schemeClr>
-    </dgm:linClrLst>
-    <dgm:effectClrLst/>
-    <dgm:txLinClrLst/>
-    <dgm:txFillClrLst/>
-    <dgm:txEffectClrLst/>
-  </dgm:styleLbl>
-  <dgm:styleLbl name="sibTrans1D1">
-    <dgm:fillClrLst meth="repeat">
-      <a:schemeClr val="accent1"/>
-    </dgm:fillClrLst>
-    <dgm:linClrLst meth="repeat">
-      <a:schemeClr val="accent1"/>
-    </dgm:linClrLst>
-    <dgm:effectClrLst/>
-    <dgm:txLinClrLst/>
-    <dgm:txFillClrLst meth="repeat">
-      <a:schemeClr val="tx1"/>
-    </dgm:txFillClrLst>
-    <dgm:txEffectClrLst/>
-  </dgm:styleLbl>
-  <dgm:styleLbl name="callout">
-    <dgm:fillClrLst meth="repeat">
-      <a:schemeClr val="accent1"/>
-    </dgm:fillClrLst>
-    <dgm:linClrLst meth="repeat">
-      <a:schemeClr val="accent1">
-        <a:tint val="50000"/>
-      </a:schemeClr>
-    </dgm:linClrLst>
-    <dgm:effectClrLst/>
-    <dgm:txLinClrLst/>
-    <dgm:txFillClrLst meth="repeat">
-      <a:schemeClr val="tx1"/>
-    </dgm:txFillClrLst>
-    <dgm:txEffectClrLst/>
-  </dgm:styleLbl>
-  <dgm:styleLbl name="asst0">
-    <dgm:fillClrLst meth="repeat">
-      <a:schemeClr val="accent1"/>
-    </dgm:fillClrLst>
-    <dgm:linClrLst meth="repeat">
-      <a:schemeClr val="lt1"/>
-    </dgm:linClrLst>
-    <dgm:effectClrLst/>
-    <dgm:txLinClrLst/>
-    <dgm:txFillClrLst/>
-    <dgm:txEffectClrLst/>
-  </dgm:styleLbl>
-  <dgm:styleLbl name="asst1">
-    <dgm:fillClrLst meth="repeat">
-      <a:schemeClr val="accent1"/>
-    </dgm:fillClrLst>
-    <dgm:linClrLst meth="repeat">
-      <a:schemeClr val="lt1"/>
-    </dgm:linClrLst>
-    <dgm:effectClrLst/>
-    <dgm:txLinClrLst/>
-    <dgm:txFillClrLst/>
-    <dgm:txEffectClrLst/>
-  </dgm:styleLbl>
-  <dgm:styleLbl name="asst2">
-    <dgm:fillClrLst meth="repeat">
-      <a:schemeClr val="accent1"/>
-    </dgm:fillClrLst>
-    <dgm:linClrLst meth="repeat">
-      <a:schemeClr val="lt1"/>
-    </dgm:linClrLst>
-    <dgm:effectClrLst/>
-    <dgm:txLinClrLst/>
-    <dgm:txFillClrLst/>
-    <dgm:txEffectClrLst/>
-  </dgm:styleLbl>
-  <dgm:styleLbl name="asst3">
-    <dgm:fillClrLst meth="repeat">
-      <a:schemeClr val="accent1"/>
-    </dgm:fillClrLst>
-    <dgm:linClrLst meth="repeat">
-      <a:schemeClr val="lt1"/>
-    </dgm:linClrLst>
-    <dgm:effectClrLst/>
-    <dgm:txLinClrLst/>
-    <dgm:txFillClrLst/>
-    <dgm:txEffectClrLst/>
-  </dgm:styleLbl>
-  <dgm:styleLbl name="asst4">
-    <dgm:fillClrLst meth="repeat">
-      <a:schemeClr val="accent1"/>
-    </dgm:fillClrLst>
-    <dgm:linClrLst meth="repeat">
-      <a:schemeClr val="lt1"/>
-    </dgm:linClrLst>
-    <dgm:effectClrLst/>
-    <dgm:txLinClrLst/>
-    <dgm:txFillClrLst/>
-    <dgm:txEffectClrLst/>
-  </dgm:styleLbl>
-  <dgm:styleLbl name="parChTrans2D1">
-    <dgm:fillClrLst meth="repeat">
-      <a:schemeClr val="accent1">
-        <a:tint val="60000"/>
-      </a:schemeClr>
-    </dgm:fillClrLst>
-    <dgm:linClrLst meth="repeat">
-      <a:schemeClr val="accent1">
-        <a:tint val="60000"/>
-      </a:schemeClr>
-    </dgm:linClrLst>
-    <dgm:effectClrLst/>
-    <dgm:txLinClrLst/>
-    <dgm:txFillClrLst meth="repeat">
-      <a:schemeClr val="lt1"/>
-    </dgm:txFillClrLst>
-    <dgm:txEffectClrLst/>
-  </dgm:styleLbl>
-  <dgm:styleLbl name="parChTrans2D2">
-    <dgm:fillClrLst meth="repeat">
-      <a:schemeClr val="accent1"/>
-    </dgm:fillClrLst>
-    <dgm:linClrLst meth="repeat">
-      <a:schemeClr val="accent1"/>
-    </dgm:linClrLst>
-    <dgm:effectClrLst/>
-    <dgm:txLinClrLst/>
-    <dgm:txFillClrLst meth="repeat">
-      <a:schemeClr val="lt1"/>
-    </dgm:txFillClrLst>
-    <dgm:txEffectClrLst/>
-  </dgm:styleLbl>
-  <dgm:styleLbl name="parChTrans2D3">
-    <dgm:fillClrLst meth="repeat">
-      <a:schemeClr val="accent1"/>
-    </dgm:fillClrLst>
-    <dgm:linClrLst meth="repeat">
-      <a:schemeClr val="accent1"/>
-    </dgm:linClrLst>
-    <dgm:effectClrLst/>
-    <dgm:txLinClrLst/>
-    <dgm:txFillClrLst meth="repeat">
-      <a:schemeClr val="lt1"/>
-    </dgm:txFillClrLst>
-    <dgm:txEffectClrLst/>
-  </dgm:styleLbl>
-  <dgm:styleLbl name="parChTrans2D4">
-    <dgm:fillClrLst meth="repeat">
-      <a:schemeClr val="accent1"/>
-    </dgm:fillClrLst>
-    <dgm:linClrLst meth="repeat">
-      <a:schemeClr val="accent1"/>
-    </dgm:linClrLst>
-    <dgm:effectClrLst/>
-    <dgm:txLinClrLst/>
-    <dgm:txFillClrLst meth="repeat">
-      <a:schemeClr val="lt1"/>
-    </dgm:txFillClrLst>
-    <dgm:txEffectClrLst/>
-  </dgm:styleLbl>
-  <dgm:styleLbl name="parChTrans1D1">
-    <dgm:fillClrLst meth="repeat">
-      <a:schemeClr val="accent1"/>
-    </dgm:fillClrLst>
-    <dgm:linClrLst meth="repeat">
-      <a:schemeClr val="accent1">
-        <a:shade val="60000"/>
-      </a:schemeClr>
-    </dgm:linClrLst>
-    <dgm:effectClrLst/>
-    <dgm:txLinClrLst/>
-    <dgm:txFillClrLst meth="repeat">
-      <a:schemeClr val="tx1"/>
-    </dgm:txFillClrLst>
-    <dgm:txEffectClrLst/>
-  </dgm:styleLbl>
-  <dgm:styleLbl name="parChTrans1D2">
-    <dgm:fillClrLst meth="repeat">
-      <a:schemeClr val="accent1"/>
-    </dgm:fillClrLst>
-    <dgm:linClrLst meth="repeat">
-      <a:schemeClr val="accent1">
-        <a:shade val="60000"/>
-      </a:schemeClr>
-    </dgm:linClrLst>
-    <dgm:effectClrLst/>
-    <dgm:txLinClrLst/>
-    <dgm:txFillClrLst meth="repeat">
-      <a:schemeClr val="tx1"/>
-    </dgm:txFillClrLst>
-    <dgm:txEffectClrLst/>
-  </dgm:styleLbl>
-  <dgm:styleLbl name="parChTrans1D3">
-    <dgm:fillClrLst meth="repeat">
-      <a:schemeClr val="accent1"/>
-    </dgm:fillClrLst>
-    <dgm:linClrLst meth="repeat">
-      <a:schemeClr val="accent1">
-        <a:shade val="80000"/>
-      </a:schemeClr>
-    </dgm:linClrLst>
-    <dgm:effectClrLst/>
-    <dgm:txLinClrLst/>
-    <dgm:txFillClrLst meth="repeat">
-      <a:schemeClr val="tx1"/>
-    </dgm:txFillClrLst>
-    <dgm:txEffectClrLst/>
-  </dgm:styleLbl>
-  <dgm:styleLbl name="parChTrans1D4">
-    <dgm:fillClrLst meth="repeat">
-      <a:schemeClr val="accent1"/>
-    </dgm:fillClrLst>
-    <dgm:linClrLst meth="repeat">
-      <a:schemeClr val="accent1">
-        <a:shade val="80000"/>
-      </a:schemeClr>
-    </dgm:linClrLst>
-    <dgm:effectClrLst/>
-    <dgm:txLinClrLst/>
-    <dgm:txFillClrLst meth="repeat">
-      <a:schemeClr val="tx1"/>
-    </dgm:txFillClrLst>
-    <dgm:txEffectClrLst/>
-  </dgm:styleLbl>
-  <dgm:styleLbl name="fgAcc1">
-    <dgm:fillClrLst meth="repeat">
-      <a:schemeClr val="lt1">
-        <a:alpha val="90000"/>
-      </a:schemeClr>
-    </dgm:fillClrLst>
-    <dgm:linClrLst meth="repeat">
-      <a:schemeClr val="accent1"/>
-    </dgm:linClrLst>
-    <dgm:effectClrLst/>
-    <dgm:txLinClrLst/>
-    <dgm:txFillClrLst meth="repeat">
-      <a:schemeClr val="dk1"/>
-    </dgm:txFillClrLst>
-    <dgm:txEffectClrLst/>
-  </dgm:styleLbl>
-  <dgm:styleLbl name="conFgAcc1">
-    <dgm:fillClrLst meth="repeat">
-      <a:schemeClr val="lt1">
-        <a:alpha val="90000"/>
-      </a:schemeClr>
-    </dgm:fillClrLst>
-    <dgm:linClrLst meth="repeat">
-      <a:schemeClr val="accent1"/>
-    </dgm:linClrLst>
-    <dgm:effectClrLst/>
-    <dgm:txLinClrLst/>
-    <dgm:txFillClrLst meth="repeat">
-      <a:schemeClr val="dk1"/>
-    </dgm:txFillClrLst>
-    <dgm:txEffectClrLst/>
-  </dgm:styleLbl>
-  <dgm:styleLbl name="alignAcc1">
-    <dgm:fillClrLst meth="repeat">
-      <a:schemeClr val="lt1">
-        <a:alpha val="90000"/>
-      </a:schemeClr>
-    </dgm:fillClrLst>
-    <dgm:linClrLst meth="repeat">
-      <a:schemeClr val="accent1"/>
-    </dgm:linClrLst>
-    <dgm:effectClrLst/>
-    <dgm:txLinClrLst/>
-    <dgm:txFillClrLst meth="repeat">
-      <a:schemeClr val="dk1"/>
-    </dgm:txFillClrLst>
-    <dgm:txEffectClrLst/>
-  </dgm:styleLbl>
-  <dgm:styleLbl name="trAlignAcc1">
-    <dgm:fillClrLst meth="repeat">
-      <a:schemeClr val="lt1">
-        <a:alpha val="40000"/>
-      </a:schemeClr>
-    </dgm:fillClrLst>
-    <dgm:linClrLst meth="repeat">
-      <a:schemeClr val="accent1"/>
-    </dgm:linClrLst>
-    <dgm:effectClrLst/>
-    <dgm:txLinClrLst/>
-    <dgm:txFillClrLst meth="repeat">
-      <a:schemeClr val="dk1"/>
-    </dgm:txFillClrLst>
-    <dgm:txEffectClrLst/>
-  </dgm:styleLbl>
-  <dgm:styleLbl name="bgAcc1">
-    <dgm:fillClrLst meth="repeat">
-      <a:schemeClr val="lt1">
-        <a:alpha val="90000"/>
-      </a:schemeClr>
-    </dgm:fillClrLst>
-    <dgm:linClrLst meth="repeat">
-      <a:schemeClr val="accent1"/>
-    </dgm:linClrLst>
-    <dgm:effectClrLst/>
-    <dgm:txLinClrLst/>
-    <dgm:txFillClrLst meth="repeat">
-      <a:schemeClr val="dk1"/>
-    </dgm:txFillClrLst>
-    <dgm:txEffectClrLst/>
-  </dgm:styleLbl>
-  <dgm:styleLbl name="solidFgAcc1">
-    <dgm:fillClrLst meth="repeat">
-      <a:schemeClr val="lt1"/>
-    </dgm:fillClrLst>
-    <dgm:linClrLst meth="repeat">
-      <a:schemeClr val="accent1"/>
-    </dgm:linClrLst>
-    <dgm:effectClrLst/>
-    <dgm:txLinClrLst/>
-    <dgm:txFillClrLst meth="repeat">
-      <a:schemeClr val="dk1"/>
-    </dgm:txFillClrLst>
-    <dgm:txEffectClrLst/>
-  </dgm:styleLbl>
-  <dgm:styleLbl name="solidAlignAcc1">
-    <dgm:fillClrLst meth="repeat">
-      <a:schemeClr val="lt1"/>
-    </dgm:fillClrLst>
-    <dgm:linClrLst meth="repeat">
-      <a:schemeClr val="accent1"/>
-    </dgm:linClrLst>
-    <dgm:effectClrLst/>
-    <dgm:txLinClrLst/>
-    <dgm:txFillClrLst meth="repeat">
-      <a:schemeClr val="dk1"/>
-    </dgm:txFillClrLst>
-    <dgm:txEffectClrLst/>
-  </dgm:styleLbl>
-  <dgm:styleLbl name="solidBgAcc1">
-    <dgm:fillClrLst meth="repeat">
-      <a:schemeClr val="lt1"/>
-    </dgm:fillClrLst>
-    <dgm:linClrLst meth="repeat">
-      <a:schemeClr val="accent1"/>
-    </dgm:linClrLst>
-    <dgm:effectClrLst/>
-    <dgm:txLinClrLst/>
-    <dgm:txFillClrLst meth="repeat">
-      <a:schemeClr val="dk1"/>
-    </dgm:txFillClrLst>
-    <dgm:txEffectClrLst/>
-  </dgm:styleLbl>
-  <dgm:styleLbl name="fgAccFollowNode1">
-    <dgm:fillClrLst meth="repeat">
-      <a:schemeClr val="accent1">
-        <a:alpha val="90000"/>
-        <a:tint val="40000"/>
-      </a:schemeClr>
-    </dgm:fillClrLst>
-    <dgm:linClrLst meth="repeat">
-      <a:schemeClr val="accent1">
-        <a:alpha val="90000"/>
-        <a:tint val="40000"/>
-      </a:schemeClr>
-    </dgm:linClrLst>
-    <dgm:effectClrLst/>
-    <dgm:txLinClrLst/>
-    <dgm:txFillClrLst meth="repeat">
-      <a:schemeClr val="dk1"/>
-    </dgm:txFillClrLst>
-    <dgm:txEffectClrLst/>
-  </dgm:styleLbl>
-  <dgm:styleLbl name="alignAccFollowNode1">
-    <dgm:fillClrLst meth="repeat">
-      <a:schemeClr val="accent1">
-        <a:alpha val="90000"/>
-        <a:tint val="40000"/>
-      </a:schemeClr>
-    </dgm:fillClrLst>
-    <dgm:linClrLst meth="repeat">
-      <a:schemeClr val="accent1">
-        <a:alpha val="90000"/>
-        <a:tint val="40000"/>
-      </a:schemeClr>
-    </dgm:linClrLst>
-    <dgm:effectClrLst/>
-    <dgm:txLinClrLst/>
-    <dgm:txFillClrLst meth="repeat">
-      <a:schemeClr val="dk1"/>
-    </dgm:txFillClrLst>
-    <dgm:txEffectClrLst/>
-  </dgm:styleLbl>
-  <dgm:styleLbl name="bgAccFollowNode1">
-    <dgm:fillClrLst meth="repeat">
-      <a:schemeClr val="accent1">
-        <a:alpha val="90000"/>
-        <a:tint val="40000"/>
-      </a:schemeClr>
-    </dgm:fillClrLst>
-    <dgm:linClrLst meth="repeat">
-      <a:schemeClr val="accent1">
-        <a:alpha val="90000"/>
-        <a:tint val="40000"/>
-      </a:schemeClr>
-    </dgm:linClrLst>
-    <dgm:effectClrLst/>
-    <dgm:txLinClrLst/>
-    <dgm:txFillClrLst meth="repeat">
-      <a:schemeClr val="dk1"/>
-    </dgm:txFillClrLst>
-    <dgm:txEffectClrLst/>
-  </dgm:styleLbl>
-  <dgm:styleLbl name="fgAcc0">
-    <dgm:fillClrLst meth="repeat">
-      <a:schemeClr val="lt1">
-        <a:alpha val="90000"/>
-      </a:schemeClr>
-    </dgm:fillClrLst>
-    <dgm:linClrLst meth="repeat">
-      <a:schemeClr val="accent1"/>
-    </dgm:linClrLst>
-    <dgm:effectClrLst/>
-    <dgm:txLinClrLst/>
-    <dgm:txFillClrLst meth="repeat">
-      <a:schemeClr val="dk1"/>
-    </dgm:txFillClrLst>
-    <dgm:txEffectClrLst/>
-  </dgm:styleLbl>
-  <dgm:styleLbl name="fgAcc2">
-    <dgm:fillClrLst meth="repeat">
-      <a:schemeClr val="lt1">
-        <a:alpha val="90000"/>
-      </a:schemeClr>
-    </dgm:fillClrLst>
-    <dgm:linClrLst meth="repeat">
-      <a:schemeClr val="accent1"/>
-    </dgm:linClrLst>
-    <dgm:effectClrLst/>
-    <dgm:txLinClrLst/>
-    <dgm:txFillClrLst meth="repeat">
-      <a:schemeClr val="dk1"/>
-    </dgm:txFillClrLst>
-    <dgm:txEffectClrLst/>
-  </dgm:styleLbl>
-  <dgm:styleLbl name="fgAcc3">
-    <dgm:fillClrLst meth="repeat">
-      <a:schemeClr val="lt1">
-        <a:alpha val="90000"/>
-      </a:schemeClr>
-    </dgm:fillClrLst>
-    <dgm:linClrLst meth="repeat">
-      <a:schemeClr val="accent1"/>
-    </dgm:linClrLst>
-    <dgm:effectClrLst/>
-    <dgm:txLinClrLst/>
-    <dgm:txFillClrLst meth="repeat">
-      <a:schemeClr val="dk1"/>
-    </dgm:txFillClrLst>
-    <dgm:txEffectClrLst/>
-  </dgm:styleLbl>
-  <dgm:styleLbl name="fgAcc4">
-    <dgm:fillClrLst meth="repeat">
-      <a:schemeClr val="lt1">
-        <a:alpha val="90000"/>
-      </a:schemeClr>
-    </dgm:fillClrLst>
-    <dgm:linClrLst meth="repeat">
-      <a:schemeClr val="accent1"/>
-    </dgm:linClrLst>
-    <dgm:effectClrLst/>
-    <dgm:txLinClrLst/>
-    <dgm:txFillClrLst meth="repeat">
-      <a:schemeClr val="dk1"/>
-    </dgm:txFillClrLst>
-    <dgm:txEffectClrLst/>
-  </dgm:styleLbl>
-  <dgm:styleLbl name="bgShp">
-    <dgm:fillClrLst meth="repeat">
-      <a:schemeClr val="accent1">
-        <a:tint val="40000"/>
-      </a:schemeClr>
-    </dgm:fillClrLst>
-    <dgm:linClrLst meth="repeat">
-      <a:schemeClr val="accent1"/>
-    </dgm:linClrLst>
-    <dgm:effectClrLst/>
-    <dgm:txLinClrLst/>
-    <dgm:txFillClrLst meth="repeat">
-      <a:schemeClr val="dk1"/>
-    </dgm:txFillClrLst>
-    <dgm:txEffectClrLst/>
-  </dgm:styleLbl>
-  <dgm:styleLbl name="dkBgShp">
-    <dgm:fillClrLst meth="repeat">
-      <a:schemeClr val="accent1">
-        <a:shade val="80000"/>
-      </a:schemeClr>
-    </dgm:fillClrLst>
-    <dgm:linClrLst meth="repeat">
-      <a:schemeClr val="accent1"/>
-    </dgm:linClrLst>
-    <dgm:effectClrLst/>
-    <dgm:txLinClrLst/>
-    <dgm:txFillClrLst meth="repeat">
-      <a:schemeClr val="lt1"/>
-    </dgm:txFillClrLst>
-    <dgm:txEffectClrLst/>
-  </dgm:styleLbl>
-  <dgm:styleLbl name="trBgShp">
-    <dgm:fillClrLst meth="repeat">
-      <a:schemeClr val="accent1">
-        <a:tint val="50000"/>
-        <a:alpha val="40000"/>
-      </a:schemeClr>
-    </dgm:fillClrLst>
-    <dgm:linClrLst meth="repeat">
-      <a:schemeClr val="accent1"/>
-    </dgm:linClrLst>
-    <dgm:effectClrLst/>
-    <dgm:txLinClrLst/>
-    <dgm:txFillClrLst meth="repeat">
-      <a:schemeClr val="lt1"/>
-    </dgm:txFillClrLst>
-    <dgm:txEffectClrLst/>
-  </dgm:styleLbl>
-  <dgm:styleLbl name="fgShp">
-    <dgm:fillClrLst meth="repeat">
-      <a:schemeClr val="accent1">
-        <a:tint val="60000"/>
-      </a:schemeClr>
-    </dgm:fillClrLst>
-    <dgm:linClrLst meth="repeat">
-      <a:schemeClr val="lt1"/>
-    </dgm:linClrLst>
-    <dgm:effectClrLst/>
-    <dgm:txLinClrLst/>
-    <dgm:txFillClrLst meth="repeat">
-      <a:schemeClr val="dk1"/>
-    </dgm:txFillClrLst>
-    <dgm:txEffectClrLst/>
-  </dgm:styleLbl>
-  <dgm:styleLbl name="revTx">
-    <dgm:fillClrLst meth="repeat">
-      <a:schemeClr val="lt1">
-        <a:alpha val="0"/>
-      </a:schemeClr>
-    </dgm:fillClrLst>
-    <dgm:linClrLst meth="repeat">
-      <a:schemeClr val="dk1">
-        <a:alpha val="0"/>
-      </a:schemeClr>
-    </dgm:linClrLst>
-    <dgm:effectClrLst/>
-    <dgm:txLinClrLst/>
-    <dgm:txFillClrLst meth="repeat">
-      <a:schemeClr val="tx1"/>
-    </dgm:txFillClrLst>
-    <dgm:txEffectClrLst/>
-  </dgm:styleLbl>
-</dgm:colorsDef>
-</file>
-
-<file path=ppt/diagrams/data1.xml><?xml version="1.0" encoding="utf-8"?>
-<dgm:dataModel xmlns:dgm="http://schemas.openxmlformats.org/drawingml/2006/diagram" xmlns:a="http://schemas.openxmlformats.org/drawingml/2006/main">
-  <dgm:ptLst>
-    <dgm:pt modelId="{118E16F9-6405-4F1E-92C9-9F1F40918A9A}" type="doc">
-      <dgm:prSet loTypeId="urn:microsoft.com/office/officeart/2005/8/layout/vList2" loCatId="list" qsTypeId="urn:microsoft.com/office/officeart/2005/8/quickstyle/simple1" qsCatId="simple" csTypeId="urn:microsoft.com/office/officeart/2005/8/colors/accent1_2" csCatId="accent1"/>
-      <dgm:spPr/>
-      <dgm:t>
-        <a:bodyPr/>
-        <a:lstStyle/>
-        <a:p>
-          <a:endParaRPr lang="de-DE"/>
-        </a:p>
-      </dgm:t>
-    </dgm:pt>
-    <dgm:pt modelId="{E24A44A3-BF08-4BE0-8115-EC0657CDA1B9}">
-      <dgm:prSet/>
-      <dgm:spPr/>
-      <dgm:t>
-        <a:bodyPr/>
-        <a:lstStyle/>
-        <a:p>
-          <a:pPr rtl="0"/>
-          <a:r>
-            <a:rPr lang="de-DE" dirty="0" smtClean="0"/>
-            <a:t>Modelle : -7h</a:t>
-          </a:r>
-          <a:endParaRPr lang="de-DE" dirty="0"/>
-        </a:p>
-      </dgm:t>
-    </dgm:pt>
-    <dgm:pt modelId="{79DC79CA-5319-4A69-BB04-79A4E4D03BA2}" type="parTrans" cxnId="{CAA581BB-E5C2-444E-830D-5C6512B83EB2}">
-      <dgm:prSet/>
-      <dgm:spPr/>
-      <dgm:t>
-        <a:bodyPr/>
-        <a:lstStyle/>
-        <a:p>
-          <a:endParaRPr lang="de-DE"/>
-        </a:p>
-      </dgm:t>
-    </dgm:pt>
-    <dgm:pt modelId="{5D5141B2-DFAB-4BFC-9C05-E0AD4C1DDF82}" type="sibTrans" cxnId="{CAA581BB-E5C2-444E-830D-5C6512B83EB2}">
-      <dgm:prSet/>
-      <dgm:spPr/>
-      <dgm:t>
-        <a:bodyPr/>
-        <a:lstStyle/>
-        <a:p>
-          <a:endParaRPr lang="de-DE"/>
-        </a:p>
-      </dgm:t>
-    </dgm:pt>
-    <dgm:pt modelId="{D3B9661F-A3E2-4262-8E57-2196A6CDA6DC}">
-      <dgm:prSet/>
-      <dgm:spPr/>
-      <dgm:t>
-        <a:bodyPr/>
-        <a:lstStyle/>
-        <a:p>
-          <a:pPr rtl="0"/>
-          <a:r>
-            <a:rPr lang="de-DE" dirty="0" err="1" smtClean="0"/>
-            <a:t>Fixtures</a:t>
-          </a:r>
-          <a:r>
-            <a:rPr lang="de-DE" dirty="0" smtClean="0"/>
-            <a:t> : +7</a:t>
-          </a:r>
-          <a:endParaRPr lang="de-DE" dirty="0"/>
-        </a:p>
-      </dgm:t>
-    </dgm:pt>
-    <dgm:pt modelId="{76A6B10C-5EA1-426E-9A4F-8DC80839A2C6}" type="parTrans" cxnId="{799B8845-34B6-47ED-A46F-147CF86186E6}">
-      <dgm:prSet/>
-      <dgm:spPr/>
-      <dgm:t>
-        <a:bodyPr/>
-        <a:lstStyle/>
-        <a:p>
-          <a:endParaRPr lang="de-DE"/>
-        </a:p>
-      </dgm:t>
-    </dgm:pt>
-    <dgm:pt modelId="{F7B3E1B4-46D7-48FD-A572-6C892F64902A}" type="sibTrans" cxnId="{799B8845-34B6-47ED-A46F-147CF86186E6}">
-      <dgm:prSet/>
-      <dgm:spPr/>
-      <dgm:t>
-        <a:bodyPr/>
-        <a:lstStyle/>
-        <a:p>
-          <a:endParaRPr lang="de-DE"/>
-        </a:p>
-      </dgm:t>
-    </dgm:pt>
-    <dgm:pt modelId="{BBACE499-9FFB-452F-ADE7-BD5B8DCEE209}">
-      <dgm:prSet/>
-      <dgm:spPr/>
-      <dgm:t>
-        <a:bodyPr/>
-        <a:lstStyle/>
-        <a:p>
-          <a:pPr rtl="0"/>
-          <a:r>
-            <a:rPr lang="de-DE" dirty="0" smtClean="0"/>
-            <a:t>Manuelle- statt Modultests</a:t>
-          </a:r>
-          <a:endParaRPr lang="de-DE" dirty="0"/>
-        </a:p>
-      </dgm:t>
-    </dgm:pt>
-    <dgm:pt modelId="{009EF4A8-A2D8-4472-877A-DA1E7A27E1AE}" type="parTrans" cxnId="{260357FC-F84C-4967-8961-CD0F134BBD30}">
-      <dgm:prSet/>
-      <dgm:spPr/>
-      <dgm:t>
-        <a:bodyPr/>
-        <a:lstStyle/>
-        <a:p>
-          <a:endParaRPr lang="de-DE"/>
-        </a:p>
-      </dgm:t>
-    </dgm:pt>
-    <dgm:pt modelId="{666BE02F-EC05-4BF7-8187-C70C864C651B}" type="sibTrans" cxnId="{260357FC-F84C-4967-8961-CD0F134BBD30}">
-      <dgm:prSet/>
-      <dgm:spPr/>
-      <dgm:t>
-        <a:bodyPr/>
-        <a:lstStyle/>
-        <a:p>
-          <a:endParaRPr lang="de-DE"/>
-        </a:p>
-      </dgm:t>
-    </dgm:pt>
-    <dgm:pt modelId="{FC96E662-FDA0-42EA-AB4D-8144CB928CF7}" type="pres">
-      <dgm:prSet presAssocID="{118E16F9-6405-4F1E-92C9-9F1F40918A9A}" presName="linear" presStyleCnt="0">
-        <dgm:presLayoutVars>
-          <dgm:animLvl val="lvl"/>
-          <dgm:resizeHandles val="exact"/>
-        </dgm:presLayoutVars>
-      </dgm:prSet>
-      <dgm:spPr/>
-      <dgm:t>
-        <a:bodyPr/>
-        <a:lstStyle/>
-        <a:p>
-          <a:endParaRPr lang="de-DE"/>
-        </a:p>
-      </dgm:t>
-    </dgm:pt>
-    <dgm:pt modelId="{2B62EEB4-3E2B-4CF4-9AAA-930BF94AF6EC}" type="pres">
-      <dgm:prSet presAssocID="{E24A44A3-BF08-4BE0-8115-EC0657CDA1B9}" presName="parentText" presStyleLbl="node1" presStyleIdx="0" presStyleCnt="3">
-        <dgm:presLayoutVars>
-          <dgm:chMax val="0"/>
-          <dgm:bulletEnabled val="1"/>
-        </dgm:presLayoutVars>
-      </dgm:prSet>
-      <dgm:spPr/>
-      <dgm:t>
-        <a:bodyPr/>
-        <a:lstStyle/>
-        <a:p>
-          <a:endParaRPr lang="de-DE"/>
-        </a:p>
-      </dgm:t>
-    </dgm:pt>
-    <dgm:pt modelId="{F90B275F-7A69-423E-AF4C-D7C23A8DEE3A}" type="pres">
-      <dgm:prSet presAssocID="{5D5141B2-DFAB-4BFC-9C05-E0AD4C1DDF82}" presName="spacer" presStyleCnt="0"/>
-      <dgm:spPr/>
-    </dgm:pt>
-    <dgm:pt modelId="{A42902A6-BF43-4975-A10B-6C7B976D604F}" type="pres">
-      <dgm:prSet presAssocID="{D3B9661F-A3E2-4262-8E57-2196A6CDA6DC}" presName="parentText" presStyleLbl="node1" presStyleIdx="1" presStyleCnt="3">
-        <dgm:presLayoutVars>
-          <dgm:chMax val="0"/>
-          <dgm:bulletEnabled val="1"/>
-        </dgm:presLayoutVars>
-      </dgm:prSet>
-      <dgm:spPr/>
-      <dgm:t>
-        <a:bodyPr/>
-        <a:lstStyle/>
-        <a:p>
-          <a:endParaRPr lang="de-DE"/>
-        </a:p>
-      </dgm:t>
-    </dgm:pt>
-    <dgm:pt modelId="{4E79096D-12CA-4858-A799-D2C26F037F31}" type="pres">
-      <dgm:prSet presAssocID="{F7B3E1B4-46D7-48FD-A572-6C892F64902A}" presName="spacer" presStyleCnt="0"/>
-      <dgm:spPr/>
-    </dgm:pt>
-    <dgm:pt modelId="{C429F269-6597-4838-8F0C-516DDDAD5841}" type="pres">
-      <dgm:prSet presAssocID="{BBACE499-9FFB-452F-ADE7-BD5B8DCEE209}" presName="parentText" presStyleLbl="node1" presStyleIdx="2" presStyleCnt="3">
-        <dgm:presLayoutVars>
-          <dgm:chMax val="0"/>
-          <dgm:bulletEnabled val="1"/>
-        </dgm:presLayoutVars>
-      </dgm:prSet>
-      <dgm:spPr/>
-      <dgm:t>
-        <a:bodyPr/>
-        <a:lstStyle/>
-        <a:p>
-          <a:endParaRPr lang="de-DE"/>
-        </a:p>
-      </dgm:t>
-    </dgm:pt>
-  </dgm:ptLst>
-  <dgm:cxnLst>
-    <dgm:cxn modelId="{1FA49EF9-5F61-41BF-BCC9-2A76BBB026A5}" type="presOf" srcId="{D3B9661F-A3E2-4262-8E57-2196A6CDA6DC}" destId="{A42902A6-BF43-4975-A10B-6C7B976D604F}" srcOrd="0" destOrd="0" presId="urn:microsoft.com/office/officeart/2005/8/layout/vList2"/>
-    <dgm:cxn modelId="{3286ACAC-387C-43E3-8F76-DA93B7A32BC1}" type="presOf" srcId="{118E16F9-6405-4F1E-92C9-9F1F40918A9A}" destId="{FC96E662-FDA0-42EA-AB4D-8144CB928CF7}" srcOrd="0" destOrd="0" presId="urn:microsoft.com/office/officeart/2005/8/layout/vList2"/>
-    <dgm:cxn modelId="{260357FC-F84C-4967-8961-CD0F134BBD30}" srcId="{118E16F9-6405-4F1E-92C9-9F1F40918A9A}" destId="{BBACE499-9FFB-452F-ADE7-BD5B8DCEE209}" srcOrd="2" destOrd="0" parTransId="{009EF4A8-A2D8-4472-877A-DA1E7A27E1AE}" sibTransId="{666BE02F-EC05-4BF7-8187-C70C864C651B}"/>
-    <dgm:cxn modelId="{0D9D9C8D-4361-446B-A4BD-7067BD572B12}" type="presOf" srcId="{BBACE499-9FFB-452F-ADE7-BD5B8DCEE209}" destId="{C429F269-6597-4838-8F0C-516DDDAD5841}" srcOrd="0" destOrd="0" presId="urn:microsoft.com/office/officeart/2005/8/layout/vList2"/>
-    <dgm:cxn modelId="{77182117-538E-475E-93A1-D515C193BF8D}" type="presOf" srcId="{E24A44A3-BF08-4BE0-8115-EC0657CDA1B9}" destId="{2B62EEB4-3E2B-4CF4-9AAA-930BF94AF6EC}" srcOrd="0" destOrd="0" presId="urn:microsoft.com/office/officeart/2005/8/layout/vList2"/>
-    <dgm:cxn modelId="{799B8845-34B6-47ED-A46F-147CF86186E6}" srcId="{118E16F9-6405-4F1E-92C9-9F1F40918A9A}" destId="{D3B9661F-A3E2-4262-8E57-2196A6CDA6DC}" srcOrd="1" destOrd="0" parTransId="{76A6B10C-5EA1-426E-9A4F-8DC80839A2C6}" sibTransId="{F7B3E1B4-46D7-48FD-A572-6C892F64902A}"/>
-    <dgm:cxn modelId="{CAA581BB-E5C2-444E-830D-5C6512B83EB2}" srcId="{118E16F9-6405-4F1E-92C9-9F1F40918A9A}" destId="{E24A44A3-BF08-4BE0-8115-EC0657CDA1B9}" srcOrd="0" destOrd="0" parTransId="{79DC79CA-5319-4A69-BB04-79A4E4D03BA2}" sibTransId="{5D5141B2-DFAB-4BFC-9C05-E0AD4C1DDF82}"/>
-    <dgm:cxn modelId="{BC72CE53-B7AB-4BD9-93ED-18023D1E4C5A}" type="presParOf" srcId="{FC96E662-FDA0-42EA-AB4D-8144CB928CF7}" destId="{2B62EEB4-3E2B-4CF4-9AAA-930BF94AF6EC}" srcOrd="0" destOrd="0" presId="urn:microsoft.com/office/officeart/2005/8/layout/vList2"/>
-    <dgm:cxn modelId="{717C0238-A306-4F39-988B-B42E604B7D3A}" type="presParOf" srcId="{FC96E662-FDA0-42EA-AB4D-8144CB928CF7}" destId="{F90B275F-7A69-423E-AF4C-D7C23A8DEE3A}" srcOrd="1" destOrd="0" presId="urn:microsoft.com/office/officeart/2005/8/layout/vList2"/>
-    <dgm:cxn modelId="{14F4A9A1-0154-4875-BF85-85B8DD87B50C}" type="presParOf" srcId="{FC96E662-FDA0-42EA-AB4D-8144CB928CF7}" destId="{A42902A6-BF43-4975-A10B-6C7B976D604F}" srcOrd="2" destOrd="0" presId="urn:microsoft.com/office/officeart/2005/8/layout/vList2"/>
-    <dgm:cxn modelId="{D4C8AAC7-F417-4FC5-99E9-ADE3517DB0E0}" type="presParOf" srcId="{FC96E662-FDA0-42EA-AB4D-8144CB928CF7}" destId="{4E79096D-12CA-4858-A799-D2C26F037F31}" srcOrd="3" destOrd="0" presId="urn:microsoft.com/office/officeart/2005/8/layout/vList2"/>
-    <dgm:cxn modelId="{38276518-A248-4BDF-BC0E-679125D70018}" type="presParOf" srcId="{FC96E662-FDA0-42EA-AB4D-8144CB928CF7}" destId="{C429F269-6597-4838-8F0C-516DDDAD5841}" srcOrd="4" destOrd="0" presId="urn:microsoft.com/office/officeart/2005/8/layout/vList2"/>
-  </dgm:cxnLst>
-  <dgm:bg/>
-  <dgm:whole/>
-  <dgm:extLst>
-    <a:ext uri="http://schemas.microsoft.com/office/drawing/2008/diagram">
-      <dsp:dataModelExt xmlns:dsp="http://schemas.microsoft.com/office/drawing/2008/diagram" xmlns="" relId="rId6" minVer="http://schemas.openxmlformats.org/drawingml/2006/diagram"/>
-    </a:ext>
-  </dgm:extLst>
-</dgm:dataModel>
-</file>
-
-<file path=ppt/diagrams/data2.xml><?xml version="1.0" encoding="utf-8"?>
-<dgm:dataModel xmlns:dgm="http://schemas.openxmlformats.org/drawingml/2006/diagram" xmlns:a="http://schemas.openxmlformats.org/drawingml/2006/main">
-  <dgm:ptLst>
-    <dgm:pt modelId="{1790D9E2-9743-4F1E-A0D8-2C72B0E06EFC}" type="doc">
-      <dgm:prSet loTypeId="urn:microsoft.com/office/officeart/2005/8/layout/vList2" loCatId="list" qsTypeId="urn:microsoft.com/office/officeart/2005/8/quickstyle/simple1" qsCatId="simple" csTypeId="urn:microsoft.com/office/officeart/2005/8/colors/accent1_2" csCatId="accent1"/>
-      <dgm:spPr/>
-      <dgm:t>
-        <a:bodyPr/>
-        <a:lstStyle/>
-        <a:p>
-          <a:endParaRPr lang="de-DE"/>
-        </a:p>
-      </dgm:t>
-    </dgm:pt>
-    <dgm:pt modelId="{8FFECAD1-8393-44DC-9FFB-186E97B545B2}">
-      <dgm:prSet/>
-      <dgm:spPr/>
-      <dgm:t>
-        <a:bodyPr/>
-        <a:lstStyle/>
-        <a:p>
-          <a:pPr rtl="0"/>
-          <a:r>
-            <a:rPr lang="de-DE" dirty="0" smtClean="0"/>
-            <a:t>Modelle : -1h</a:t>
-          </a:r>
-          <a:endParaRPr lang="de-DE" dirty="0"/>
-        </a:p>
-      </dgm:t>
-    </dgm:pt>
-    <dgm:pt modelId="{944CCEF5-DE5E-4D95-9FE8-68879EB724D1}" type="parTrans" cxnId="{23F60F9D-4247-4F34-A03F-5D6E784CA3A6}">
-      <dgm:prSet/>
-      <dgm:spPr/>
-      <dgm:t>
-        <a:bodyPr/>
-        <a:lstStyle/>
-        <a:p>
-          <a:endParaRPr lang="de-DE"/>
-        </a:p>
-      </dgm:t>
-    </dgm:pt>
-    <dgm:pt modelId="{18009103-2941-4BBF-ACDF-E0FB511B688E}" type="sibTrans" cxnId="{23F60F9D-4247-4F34-A03F-5D6E784CA3A6}">
-      <dgm:prSet/>
-      <dgm:spPr/>
-      <dgm:t>
-        <a:bodyPr/>
-        <a:lstStyle/>
-        <a:p>
-          <a:endParaRPr lang="de-DE"/>
-        </a:p>
-      </dgm:t>
-    </dgm:pt>
-    <dgm:pt modelId="{A1E852E9-8BAB-41CF-AC9E-D043A9380CAC}">
-      <dgm:prSet/>
-      <dgm:spPr/>
-      <dgm:t>
-        <a:bodyPr/>
-        <a:lstStyle/>
-        <a:p>
-          <a:pPr rtl="0"/>
-          <a:r>
-            <a:rPr lang="de-DE" dirty="0" smtClean="0"/>
-            <a:t>Doku : +2h</a:t>
-          </a:r>
-          <a:endParaRPr lang="de-DE" dirty="0"/>
-        </a:p>
-      </dgm:t>
-    </dgm:pt>
-    <dgm:pt modelId="{BAD325A7-A702-4417-B59F-D9EE117F2B19}" type="parTrans" cxnId="{F8E8226A-2C00-4F0C-84A6-B720ADED4A13}">
-      <dgm:prSet/>
-      <dgm:spPr/>
-      <dgm:t>
-        <a:bodyPr/>
-        <a:lstStyle/>
-        <a:p>
-          <a:endParaRPr lang="de-DE"/>
-        </a:p>
-      </dgm:t>
-    </dgm:pt>
-    <dgm:pt modelId="{5EA9BB94-DA5E-4127-A6D0-166B2FAD5344}" type="sibTrans" cxnId="{F8E8226A-2C00-4F0C-84A6-B720ADED4A13}">
-      <dgm:prSet/>
-      <dgm:spPr/>
-      <dgm:t>
-        <a:bodyPr/>
-        <a:lstStyle/>
-        <a:p>
-          <a:endParaRPr lang="de-DE"/>
-        </a:p>
-      </dgm:t>
-    </dgm:pt>
-    <dgm:pt modelId="{C0A3E505-09EB-4934-9DEC-AA7ADDE5B795}" type="pres">
-      <dgm:prSet presAssocID="{1790D9E2-9743-4F1E-A0D8-2C72B0E06EFC}" presName="linear" presStyleCnt="0">
-        <dgm:presLayoutVars>
-          <dgm:animLvl val="lvl"/>
-          <dgm:resizeHandles val="exact"/>
-        </dgm:presLayoutVars>
-      </dgm:prSet>
-      <dgm:spPr/>
-      <dgm:t>
-        <a:bodyPr/>
-        <a:lstStyle/>
-        <a:p>
-          <a:endParaRPr lang="de-DE"/>
-        </a:p>
-      </dgm:t>
-    </dgm:pt>
-    <dgm:pt modelId="{CEC0843B-C79F-4225-ADAD-24BDE92F1999}" type="pres">
-      <dgm:prSet presAssocID="{8FFECAD1-8393-44DC-9FFB-186E97B545B2}" presName="parentText" presStyleLbl="node1" presStyleIdx="0" presStyleCnt="2">
-        <dgm:presLayoutVars>
-          <dgm:chMax val="0"/>
-          <dgm:bulletEnabled val="1"/>
-        </dgm:presLayoutVars>
-      </dgm:prSet>
-      <dgm:spPr/>
-      <dgm:t>
-        <a:bodyPr/>
-        <a:lstStyle/>
-        <a:p>
-          <a:endParaRPr lang="de-DE"/>
-        </a:p>
-      </dgm:t>
-    </dgm:pt>
-    <dgm:pt modelId="{369BDF1A-22D6-43C3-BFCA-388271C42EF6}" type="pres">
-      <dgm:prSet presAssocID="{18009103-2941-4BBF-ACDF-E0FB511B688E}" presName="spacer" presStyleCnt="0"/>
-      <dgm:spPr/>
-    </dgm:pt>
-    <dgm:pt modelId="{8D68D629-B239-49E0-92C8-20FA9144A105}" type="pres">
-      <dgm:prSet presAssocID="{A1E852E9-8BAB-41CF-AC9E-D043A9380CAC}" presName="parentText" presStyleLbl="node1" presStyleIdx="1" presStyleCnt="2">
-        <dgm:presLayoutVars>
-          <dgm:chMax val="0"/>
-          <dgm:bulletEnabled val="1"/>
-        </dgm:presLayoutVars>
-      </dgm:prSet>
-      <dgm:spPr/>
-      <dgm:t>
-        <a:bodyPr/>
-        <a:lstStyle/>
-        <a:p>
-          <a:endParaRPr lang="de-DE"/>
-        </a:p>
-      </dgm:t>
-    </dgm:pt>
-  </dgm:ptLst>
-  <dgm:cxnLst>
-    <dgm:cxn modelId="{23F60F9D-4247-4F34-A03F-5D6E784CA3A6}" srcId="{1790D9E2-9743-4F1E-A0D8-2C72B0E06EFC}" destId="{8FFECAD1-8393-44DC-9FFB-186E97B545B2}" srcOrd="0" destOrd="0" parTransId="{944CCEF5-DE5E-4D95-9FE8-68879EB724D1}" sibTransId="{18009103-2941-4BBF-ACDF-E0FB511B688E}"/>
-    <dgm:cxn modelId="{88BA5B8A-C07B-40C8-A8B7-A6DD8D6B2F9E}" type="presOf" srcId="{1790D9E2-9743-4F1E-A0D8-2C72B0E06EFC}" destId="{C0A3E505-09EB-4934-9DEC-AA7ADDE5B795}" srcOrd="0" destOrd="0" presId="urn:microsoft.com/office/officeart/2005/8/layout/vList2"/>
-    <dgm:cxn modelId="{0F854F7D-D415-4CA7-A823-EAF7000E98E6}" type="presOf" srcId="{8FFECAD1-8393-44DC-9FFB-186E97B545B2}" destId="{CEC0843B-C79F-4225-ADAD-24BDE92F1999}" srcOrd="0" destOrd="0" presId="urn:microsoft.com/office/officeart/2005/8/layout/vList2"/>
-    <dgm:cxn modelId="{7FDD452B-E5C0-41AD-87A1-6A3AAEF86CD8}" type="presOf" srcId="{A1E852E9-8BAB-41CF-AC9E-D043A9380CAC}" destId="{8D68D629-B239-49E0-92C8-20FA9144A105}" srcOrd="0" destOrd="0" presId="urn:microsoft.com/office/officeart/2005/8/layout/vList2"/>
-    <dgm:cxn modelId="{F8E8226A-2C00-4F0C-84A6-B720ADED4A13}" srcId="{1790D9E2-9743-4F1E-A0D8-2C72B0E06EFC}" destId="{A1E852E9-8BAB-41CF-AC9E-D043A9380CAC}" srcOrd="1" destOrd="0" parTransId="{BAD325A7-A702-4417-B59F-D9EE117F2B19}" sibTransId="{5EA9BB94-DA5E-4127-A6D0-166B2FAD5344}"/>
-    <dgm:cxn modelId="{A7B28392-3940-43B4-990A-A08C245D546E}" type="presParOf" srcId="{C0A3E505-09EB-4934-9DEC-AA7ADDE5B795}" destId="{CEC0843B-C79F-4225-ADAD-24BDE92F1999}" srcOrd="0" destOrd="0" presId="urn:microsoft.com/office/officeart/2005/8/layout/vList2"/>
-    <dgm:cxn modelId="{B70E3519-17F3-4702-9214-2FB2FB10B648}" type="presParOf" srcId="{C0A3E505-09EB-4934-9DEC-AA7ADDE5B795}" destId="{369BDF1A-22D6-43C3-BFCA-388271C42EF6}" srcOrd="1" destOrd="0" presId="urn:microsoft.com/office/officeart/2005/8/layout/vList2"/>
-    <dgm:cxn modelId="{07A00C35-5958-438C-845D-8AB2D05A6300}" type="presParOf" srcId="{C0A3E505-09EB-4934-9DEC-AA7ADDE5B795}" destId="{8D68D629-B239-49E0-92C8-20FA9144A105}" srcOrd="2" destOrd="0" presId="urn:microsoft.com/office/officeart/2005/8/layout/vList2"/>
-  </dgm:cxnLst>
-  <dgm:bg/>
-  <dgm:whole/>
-  <dgm:extLst>
-    <a:ext uri="http://schemas.microsoft.com/office/drawing/2008/diagram">
-      <dsp:dataModelExt xmlns:dsp="http://schemas.microsoft.com/office/drawing/2008/diagram" xmlns="" relId="rId11" minVer="http://schemas.openxmlformats.org/drawingml/2006/diagram"/>
-    </a:ext>
-  </dgm:extLst>
-</dgm:dataModel>
-</file>
-
-<file path=ppt/diagrams/drawing1.xml><?xml version="1.0" encoding="utf-8"?>
-<dsp:drawing xmlns:dgm="http://schemas.openxmlformats.org/drawingml/2006/diagram" xmlns:a="http://schemas.openxmlformats.org/drawingml/2006/main" xmlns:dsp="http://schemas.microsoft.com/office/drawing/2008/diagram">
-  <dsp:spTree>
-    <dsp:nvGrpSpPr>
-      <dsp:cNvPr id="0" name=""/>
-      <dsp:cNvGrpSpPr/>
-    </dsp:nvGrpSpPr>
-    <dsp:grpSpPr/>
-    <dsp:sp modelId="{2B62EEB4-3E2B-4CF4-9AAA-930BF94AF6EC}">
-      <dsp:nvSpPr>
-        <dsp:cNvPr id="0" name=""/>
-        <dsp:cNvSpPr/>
-      </dsp:nvSpPr>
-      <dsp:spPr>
-        <a:xfrm>
-          <a:off x="0" y="39144"/>
-          <a:ext cx="4040188" cy="1231479"/>
-        </a:xfrm>
-        <a:prstGeom prst="roundRect">
-          <a:avLst/>
-        </a:prstGeom>
-        <a:solidFill>
-          <a:schemeClr val="accent1">
-            <a:hueOff val="0"/>
-            <a:satOff val="0"/>
-            <a:lumOff val="0"/>
-            <a:alphaOff val="0"/>
-          </a:schemeClr>
-        </a:solidFill>
-        <a:ln w="25400" cap="flat" cmpd="sng" algn="ctr">
-          <a:solidFill>
-            <a:schemeClr val="lt1">
-              <a:hueOff val="0"/>
-              <a:satOff val="0"/>
-              <a:lumOff val="0"/>
-              <a:alphaOff val="0"/>
-            </a:schemeClr>
-          </a:solidFill>
-          <a:prstDash val="solid"/>
-        </a:ln>
-        <a:effectLst/>
-      </dsp:spPr>
-      <dsp:style>
-        <a:lnRef idx="2">
-          <a:scrgbClr r="0" g="0" b="0"/>
-        </a:lnRef>
-        <a:fillRef idx="1">
-          <a:scrgbClr r="0" g="0" b="0"/>
-        </a:fillRef>
-        <a:effectRef idx="0">
-          <a:scrgbClr r="0" g="0" b="0"/>
-        </a:effectRef>
-        <a:fontRef idx="minor">
-          <a:schemeClr val="lt1"/>
-        </a:fontRef>
-      </dsp:style>
-      <dsp:txBody>
-        <a:bodyPr spcFirstLastPara="0" vert="horz" wrap="square" lIns="118110" tIns="118110" rIns="118110" bIns="118110" numCol="1" spcCol="1270" anchor="ctr" anchorCtr="0">
-          <a:noAutofit/>
-        </a:bodyPr>
-        <a:lstStyle/>
-        <a:p>
-          <a:pPr lvl="0" algn="l" defTabSz="1377950" rtl="0">
-            <a:lnSpc>
-              <a:spcPct val="90000"/>
-            </a:lnSpc>
-            <a:spcBef>
-              <a:spcPct val="0"/>
-            </a:spcBef>
-            <a:spcAft>
-              <a:spcPct val="35000"/>
-            </a:spcAft>
-          </a:pPr>
-          <a:r>
-            <a:rPr lang="de-DE" sz="3100" kern="1200" dirty="0" smtClean="0"/>
-            <a:t>Modelle : -7h</a:t>
-          </a:r>
-          <a:endParaRPr lang="de-DE" sz="3100" kern="1200" dirty="0"/>
-        </a:p>
-      </dsp:txBody>
-      <dsp:txXfrm>
-        <a:off x="0" y="39144"/>
-        <a:ext cx="4040188" cy="1231479"/>
-      </dsp:txXfrm>
-    </dsp:sp>
-    <dsp:sp modelId="{A42902A6-BF43-4975-A10B-6C7B976D604F}">
-      <dsp:nvSpPr>
-        <dsp:cNvPr id="0" name=""/>
-        <dsp:cNvSpPr/>
-      </dsp:nvSpPr>
-      <dsp:spPr>
-        <a:xfrm>
-          <a:off x="0" y="1359904"/>
-          <a:ext cx="4040188" cy="1231479"/>
-        </a:xfrm>
-        <a:prstGeom prst="roundRect">
-          <a:avLst/>
-        </a:prstGeom>
-        <a:solidFill>
-          <a:schemeClr val="accent1">
-            <a:hueOff val="0"/>
-            <a:satOff val="0"/>
-            <a:lumOff val="0"/>
-            <a:alphaOff val="0"/>
-          </a:schemeClr>
-        </a:solidFill>
-        <a:ln w="25400" cap="flat" cmpd="sng" algn="ctr">
-          <a:solidFill>
-            <a:schemeClr val="lt1">
-              <a:hueOff val="0"/>
-              <a:satOff val="0"/>
-              <a:lumOff val="0"/>
-              <a:alphaOff val="0"/>
-            </a:schemeClr>
-          </a:solidFill>
-          <a:prstDash val="solid"/>
-        </a:ln>
-        <a:effectLst/>
-      </dsp:spPr>
-      <dsp:style>
-        <a:lnRef idx="2">
-          <a:scrgbClr r="0" g="0" b="0"/>
-        </a:lnRef>
-        <a:fillRef idx="1">
-          <a:scrgbClr r="0" g="0" b="0"/>
-        </a:fillRef>
-        <a:effectRef idx="0">
-          <a:scrgbClr r="0" g="0" b="0"/>
-        </a:effectRef>
-        <a:fontRef idx="minor">
-          <a:schemeClr val="lt1"/>
-        </a:fontRef>
-      </dsp:style>
-      <dsp:txBody>
-        <a:bodyPr spcFirstLastPara="0" vert="horz" wrap="square" lIns="118110" tIns="118110" rIns="118110" bIns="118110" numCol="1" spcCol="1270" anchor="ctr" anchorCtr="0">
-          <a:noAutofit/>
-        </a:bodyPr>
-        <a:lstStyle/>
-        <a:p>
-          <a:pPr lvl="0" algn="l" defTabSz="1377950" rtl="0">
-            <a:lnSpc>
-              <a:spcPct val="90000"/>
-            </a:lnSpc>
-            <a:spcBef>
-              <a:spcPct val="0"/>
-            </a:spcBef>
-            <a:spcAft>
-              <a:spcPct val="35000"/>
-            </a:spcAft>
-          </a:pPr>
-          <a:r>
-            <a:rPr lang="de-DE" sz="3100" kern="1200" dirty="0" err="1" smtClean="0"/>
-            <a:t>Fixtures</a:t>
-          </a:r>
-          <a:r>
-            <a:rPr lang="de-DE" sz="3100" kern="1200" dirty="0" smtClean="0"/>
-            <a:t> : +7</a:t>
-          </a:r>
-          <a:endParaRPr lang="de-DE" sz="3100" kern="1200" dirty="0"/>
-        </a:p>
-      </dsp:txBody>
-      <dsp:txXfrm>
-        <a:off x="0" y="1359904"/>
-        <a:ext cx="4040188" cy="1231479"/>
-      </dsp:txXfrm>
-    </dsp:sp>
-    <dsp:sp modelId="{C429F269-6597-4838-8F0C-516DDDAD5841}">
-      <dsp:nvSpPr>
-        <dsp:cNvPr id="0" name=""/>
-        <dsp:cNvSpPr/>
-      </dsp:nvSpPr>
-      <dsp:spPr>
-        <a:xfrm>
-          <a:off x="0" y="2680663"/>
-          <a:ext cx="4040188" cy="1231479"/>
-        </a:xfrm>
-        <a:prstGeom prst="roundRect">
-          <a:avLst/>
-        </a:prstGeom>
-        <a:solidFill>
-          <a:schemeClr val="accent1">
-            <a:hueOff val="0"/>
-            <a:satOff val="0"/>
-            <a:lumOff val="0"/>
-            <a:alphaOff val="0"/>
-          </a:schemeClr>
-        </a:solidFill>
-        <a:ln w="25400" cap="flat" cmpd="sng" algn="ctr">
-          <a:solidFill>
-            <a:schemeClr val="lt1">
-              <a:hueOff val="0"/>
-              <a:satOff val="0"/>
-              <a:lumOff val="0"/>
-              <a:alphaOff val="0"/>
-            </a:schemeClr>
-          </a:solidFill>
-          <a:prstDash val="solid"/>
-        </a:ln>
-        <a:effectLst/>
-      </dsp:spPr>
-      <dsp:style>
-        <a:lnRef idx="2">
-          <a:scrgbClr r="0" g="0" b="0"/>
-        </a:lnRef>
-        <a:fillRef idx="1">
-          <a:scrgbClr r="0" g="0" b="0"/>
-        </a:fillRef>
-        <a:effectRef idx="0">
-          <a:scrgbClr r="0" g="0" b="0"/>
-        </a:effectRef>
-        <a:fontRef idx="minor">
-          <a:schemeClr val="lt1"/>
-        </a:fontRef>
-      </dsp:style>
-      <dsp:txBody>
-        <a:bodyPr spcFirstLastPara="0" vert="horz" wrap="square" lIns="118110" tIns="118110" rIns="118110" bIns="118110" numCol="1" spcCol="1270" anchor="ctr" anchorCtr="0">
-          <a:noAutofit/>
-        </a:bodyPr>
-        <a:lstStyle/>
-        <a:p>
-          <a:pPr lvl="0" algn="l" defTabSz="1377950" rtl="0">
-            <a:lnSpc>
-              <a:spcPct val="90000"/>
-            </a:lnSpc>
-            <a:spcBef>
-              <a:spcPct val="0"/>
-            </a:spcBef>
-            <a:spcAft>
-              <a:spcPct val="35000"/>
-            </a:spcAft>
-          </a:pPr>
-          <a:r>
-            <a:rPr lang="de-DE" sz="3100" kern="1200" dirty="0" smtClean="0"/>
-            <a:t>Manuelle- statt Modultests</a:t>
-          </a:r>
-          <a:endParaRPr lang="de-DE" sz="3100" kern="1200" dirty="0"/>
-        </a:p>
-      </dsp:txBody>
-      <dsp:txXfrm>
-        <a:off x="0" y="2680663"/>
-        <a:ext cx="4040188" cy="1231479"/>
-      </dsp:txXfrm>
-    </dsp:sp>
-  </dsp:spTree>
-</dsp:drawing>
-</file>
-
-<file path=ppt/diagrams/drawing2.xml><?xml version="1.0" encoding="utf-8"?>
-<dsp:drawing xmlns:dgm="http://schemas.openxmlformats.org/drawingml/2006/diagram" xmlns:a="http://schemas.openxmlformats.org/drawingml/2006/main" xmlns:dsp="http://schemas.microsoft.com/office/drawing/2008/diagram">
-  <dsp:spTree>
-    <dsp:nvGrpSpPr>
-      <dsp:cNvPr id="0" name=""/>
-      <dsp:cNvGrpSpPr/>
-    </dsp:nvGrpSpPr>
-    <dsp:grpSpPr/>
-    <dsp:sp modelId="{CEC0843B-C79F-4225-ADAD-24BDE92F1999}">
-      <dsp:nvSpPr>
-        <dsp:cNvPr id="0" name=""/>
-        <dsp:cNvSpPr/>
-      </dsp:nvSpPr>
-      <dsp:spPr>
-        <a:xfrm>
-          <a:off x="0" y="704393"/>
-          <a:ext cx="4041775" cy="1199250"/>
-        </a:xfrm>
-        <a:prstGeom prst="roundRect">
-          <a:avLst/>
-        </a:prstGeom>
-        <a:solidFill>
-          <a:schemeClr val="accent1">
-            <a:hueOff val="0"/>
-            <a:satOff val="0"/>
-            <a:lumOff val="0"/>
-            <a:alphaOff val="0"/>
-          </a:schemeClr>
-        </a:solidFill>
-        <a:ln w="25400" cap="flat" cmpd="sng" algn="ctr">
-          <a:solidFill>
-            <a:schemeClr val="lt1">
-              <a:hueOff val="0"/>
-              <a:satOff val="0"/>
-              <a:lumOff val="0"/>
-              <a:alphaOff val="0"/>
-            </a:schemeClr>
-          </a:solidFill>
-          <a:prstDash val="solid"/>
-        </a:ln>
-        <a:effectLst/>
-      </dsp:spPr>
-      <dsp:style>
-        <a:lnRef idx="2">
-          <a:scrgbClr r="0" g="0" b="0"/>
-        </a:lnRef>
-        <a:fillRef idx="1">
-          <a:scrgbClr r="0" g="0" b="0"/>
-        </a:fillRef>
-        <a:effectRef idx="0">
-          <a:scrgbClr r="0" g="0" b="0"/>
-        </a:effectRef>
-        <a:fontRef idx="minor">
-          <a:schemeClr val="lt1"/>
-        </a:fontRef>
-      </dsp:style>
-      <dsp:txBody>
-        <a:bodyPr spcFirstLastPara="0" vert="horz" wrap="square" lIns="190500" tIns="190500" rIns="190500" bIns="190500" numCol="1" spcCol="1270" anchor="ctr" anchorCtr="0">
-          <a:noAutofit/>
-        </a:bodyPr>
-        <a:lstStyle/>
-        <a:p>
-          <a:pPr lvl="0" algn="l" defTabSz="2222500" rtl="0">
-            <a:lnSpc>
-              <a:spcPct val="90000"/>
-            </a:lnSpc>
-            <a:spcBef>
-              <a:spcPct val="0"/>
-            </a:spcBef>
-            <a:spcAft>
-              <a:spcPct val="35000"/>
-            </a:spcAft>
-          </a:pPr>
-          <a:r>
-            <a:rPr lang="de-DE" sz="5000" kern="1200" dirty="0" smtClean="0"/>
-            <a:t>Modelle : -1h</a:t>
-          </a:r>
-          <a:endParaRPr lang="de-DE" sz="5000" kern="1200" dirty="0"/>
-        </a:p>
-      </dsp:txBody>
-      <dsp:txXfrm>
-        <a:off x="0" y="704393"/>
-        <a:ext cx="4041775" cy="1199250"/>
-      </dsp:txXfrm>
-    </dsp:sp>
-    <dsp:sp modelId="{8D68D629-B239-49E0-92C8-20FA9144A105}">
-      <dsp:nvSpPr>
-        <dsp:cNvPr id="0" name=""/>
-        <dsp:cNvSpPr/>
-      </dsp:nvSpPr>
-      <dsp:spPr>
-        <a:xfrm>
-          <a:off x="0" y="2047644"/>
-          <a:ext cx="4041775" cy="1199250"/>
-        </a:xfrm>
-        <a:prstGeom prst="roundRect">
-          <a:avLst/>
-        </a:prstGeom>
-        <a:solidFill>
-          <a:schemeClr val="accent1">
-            <a:hueOff val="0"/>
-            <a:satOff val="0"/>
-            <a:lumOff val="0"/>
-            <a:alphaOff val="0"/>
-          </a:schemeClr>
-        </a:solidFill>
-        <a:ln w="25400" cap="flat" cmpd="sng" algn="ctr">
-          <a:solidFill>
-            <a:schemeClr val="lt1">
-              <a:hueOff val="0"/>
-              <a:satOff val="0"/>
-              <a:lumOff val="0"/>
-              <a:alphaOff val="0"/>
-            </a:schemeClr>
-          </a:solidFill>
-          <a:prstDash val="solid"/>
-        </a:ln>
-        <a:effectLst/>
-      </dsp:spPr>
-      <dsp:style>
-        <a:lnRef idx="2">
-          <a:scrgbClr r="0" g="0" b="0"/>
-        </a:lnRef>
-        <a:fillRef idx="1">
-          <a:scrgbClr r="0" g="0" b="0"/>
-        </a:fillRef>
-        <a:effectRef idx="0">
-          <a:scrgbClr r="0" g="0" b="0"/>
-        </a:effectRef>
-        <a:fontRef idx="minor">
-          <a:schemeClr val="lt1"/>
-        </a:fontRef>
-      </dsp:style>
-      <dsp:txBody>
-        <a:bodyPr spcFirstLastPara="0" vert="horz" wrap="square" lIns="190500" tIns="190500" rIns="190500" bIns="190500" numCol="1" spcCol="1270" anchor="ctr" anchorCtr="0">
-          <a:noAutofit/>
-        </a:bodyPr>
-        <a:lstStyle/>
-        <a:p>
-          <a:pPr lvl="0" algn="l" defTabSz="2222500" rtl="0">
-            <a:lnSpc>
-              <a:spcPct val="90000"/>
-            </a:lnSpc>
-            <a:spcBef>
-              <a:spcPct val="0"/>
-            </a:spcBef>
-            <a:spcAft>
-              <a:spcPct val="35000"/>
-            </a:spcAft>
-          </a:pPr>
-          <a:r>
-            <a:rPr lang="de-DE" sz="5000" kern="1200" dirty="0" smtClean="0"/>
-            <a:t>Doku : +2h</a:t>
-          </a:r>
-          <a:endParaRPr lang="de-DE" sz="5000" kern="1200" dirty="0"/>
-        </a:p>
-      </dsp:txBody>
-      <dsp:txXfrm>
-        <a:off x="0" y="2047644"/>
-        <a:ext cx="4041775" cy="1199250"/>
-      </dsp:txXfrm>
-    </dsp:sp>
-  </dsp:spTree>
-</dsp:drawing>
-</file>
-
-<file path=ppt/diagrams/layout1.xml><?xml version="1.0" encoding="utf-8"?>
-<dgm:layoutDef xmlns:dgm="http://schemas.openxmlformats.org/drawingml/2006/diagram" xmlns:a="http://schemas.openxmlformats.org/drawingml/2006/main" uniqueId="urn:microsoft.com/office/officeart/2005/8/layout/vList2">
-  <dgm:title val=""/>
-  <dgm:desc val=""/>
-  <dgm:catLst>
-    <dgm:cat type="list" pri="3000"/>
-    <dgm:cat type="convert" pri="1000"/>
-  </dgm:catLst>
-  <dgm:sampData>
-    <dgm:dataModel>
-      <dgm:ptLst>
-        <dgm:pt modelId="0" type="doc"/>
-        <dgm:pt modelId="1">
-          <dgm:prSet phldr="1"/>
-        </dgm:pt>
-        <dgm:pt modelId="11">
-          <dgm:prSet phldr="1"/>
-        </dgm:pt>
-        <dgm:pt modelId="2">
-          <dgm:prSet phldr="1"/>
-        </dgm:pt>
-        <dgm:pt modelId="21">
-          <dgm:prSet phldr="1"/>
-        </dgm:pt>
-      </dgm:ptLst>
-      <dgm:cxnLst>
-        <dgm:cxn modelId="4" srcId="0" destId="1" srcOrd="0" destOrd="0"/>
-        <dgm:cxn modelId="5" srcId="0" destId="2" srcOrd="1" destOrd="0"/>
-        <dgm:cxn modelId="12" srcId="1" destId="11" srcOrd="0" destOrd="0"/>
-        <dgm:cxn modelId="23" srcId="2" destId="21" srcOrd="0" destOrd="0"/>
-      </dgm:cxnLst>
-      <dgm:bg/>
-      <dgm:whole/>
-    </dgm:dataModel>
-  </dgm:sampData>
-  <dgm:styleData>
-    <dgm:dataModel>
-      <dgm:ptLst>
-        <dgm:pt modelId="0" type="doc"/>
-        <dgm:pt modelId="1"/>
-        <dgm:pt modelId="2"/>
-      </dgm:ptLst>
-      <dgm:cxnLst>
-        <dgm:cxn modelId="3" srcId="0" destId="1" srcOrd="0" destOrd="0"/>
-        <dgm:cxn modelId="4" srcId="0" destId="2" srcOrd="1" destOrd="0"/>
-      </dgm:cxnLst>
-      <dgm:bg/>
-      <dgm:whole/>
-    </dgm:dataModel>
-  </dgm:styleData>
-  <dgm:clrData>
-    <dgm:dataModel>
-      <dgm:ptLst>
-        <dgm:pt modelId="0" type="doc"/>
-        <dgm:pt modelId="1"/>
-        <dgm:pt modelId="2"/>
-        <dgm:pt modelId="3"/>
-        <dgm:pt modelId="4"/>
-      </dgm:ptLst>
-      <dgm:cxnLst>
-        <dgm:cxn modelId="5" srcId="0" destId="1" srcOrd="0" destOrd="0"/>
-        <dgm:cxn modelId="6" srcId="0" destId="2" srcOrd="1" destOrd="0"/>
-        <dgm:cxn modelId="7" srcId="0" destId="3" srcOrd="2" destOrd="0"/>
-        <dgm:cxn modelId="8" srcId="0" destId="4" srcOrd="3" destOrd="0"/>
-      </dgm:cxnLst>
-      <dgm:bg/>
-      <dgm:whole/>
-    </dgm:dataModel>
-  </dgm:clrData>
-  <dgm:layoutNode name="linear">
-    <dgm:varLst>
-      <dgm:animLvl val="lvl"/>
-      <dgm:resizeHandles val="exact"/>
-    </dgm:varLst>
-    <dgm:alg type="lin">
-      <dgm:param type="linDir" val="fromT"/>
-      <dgm:param type="vertAlign" val="mid"/>
-    </dgm:alg>
-    <dgm:shape xmlns:r="http://schemas.openxmlformats.org/officeDocument/2006/relationships" r:blip="">
-      <dgm:adjLst/>
-    </dgm:shape>
-    <dgm:presOf/>
-    <dgm:constrLst>
-      <dgm:constr type="w" for="ch" forName="parentText" refType="w"/>
-      <dgm:constr type="h" for="ch" forName="parentText" refType="primFontSz" refFor="ch" refForName="parentText" fact="0.52"/>
-      <dgm:constr type="w" for="ch" forName="childText" refType="w"/>
-      <dgm:constr type="h" for="ch" forName="childText" refType="primFontSz" refFor="ch" refForName="parentText" fact="0.46"/>
-      <dgm:constr type="h" for="ch" forName="parentText" op="equ"/>
-      <dgm:constr type="primFontSz" for="ch" forName="parentText" op="equ" val="65"/>
-      <dgm:constr type="primFontSz" for="ch" forName="childText" refType="primFontSz" refFor="ch" refForName="parentText" op="equ"/>
-      <dgm:constr type="h" for="ch" forName="spacer" refType="primFontSz" refFor="ch" refForName="parentText" fact="0.08"/>
-    </dgm:constrLst>
-    <dgm:ruleLst>
-      <dgm:rule type="primFontSz" for="ch" forName="parentText" val="5" fact="NaN" max="NaN"/>
-    </dgm:ruleLst>
-    <dgm:forEach name="Name0" axis="ch" ptType="node">
-      <dgm:layoutNode name="parentText" styleLbl="node1">
-        <dgm:varLst>
-          <dgm:chMax val="0"/>
-          <dgm:bulletEnabled val="1"/>
-        </dgm:varLst>
-        <dgm:alg type="tx">
-          <dgm:param type="parTxLTRAlign" val="l"/>
-          <dgm:param type="parTxRTLAlign" val="r"/>
-        </dgm:alg>
-        <dgm:shape xmlns:r="http://schemas.openxmlformats.org/officeDocument/2006/relationships" type="roundRect" r:blip="">
-          <dgm:adjLst/>
-        </dgm:shape>
-        <dgm:presOf axis="self"/>
-        <dgm:constrLst>
-          <dgm:constr type="tMarg" refType="primFontSz" fact="0.3"/>
-          <dgm:constr type="bMarg" refType="primFontSz" fact="0.3"/>
-          <dgm:constr type="lMarg" refType="primFontSz" fact="0.3"/>
-          <dgm:constr type="rMarg" refType="primFontSz" fact="0.3"/>
-        </dgm:constrLst>
-        <dgm:ruleLst>
-          <dgm:rule type="h" val="INF" fact="NaN" max="NaN"/>
-        </dgm:ruleLst>
-      </dgm:layoutNode>
-      <dgm:choose name="Name1">
-        <dgm:if name="Name2" axis="ch" ptType="node" func="cnt" op="gte" val="1">
-          <dgm:layoutNode name="childText" styleLbl="revTx">
-            <dgm:varLst>
-              <dgm:bulletEnabled val="1"/>
-            </dgm:varLst>
-            <dgm:alg type="tx">
-              <dgm:param type="stBulletLvl" val="1"/>
-              <dgm:param type="lnSpAfChP" val="20"/>
-            </dgm:alg>
-            <dgm:shape xmlns:r="http://schemas.openxmlformats.org/officeDocument/2006/relationships" type="rect" r:blip="">
-              <dgm:adjLst/>
-            </dgm:shape>
-            <dgm:presOf axis="des" ptType="node"/>
-            <dgm:constrLst>
-              <dgm:constr type="tMarg" refType="primFontSz" fact="0.1"/>
-              <dgm:constr type="bMarg" refType="primFontSz" fact="0.1"/>
-              <dgm:constr type="lMarg" refType="w" fact="0.09"/>
-            </dgm:constrLst>
-            <dgm:ruleLst>
-              <dgm:rule type="h" val="INF" fact="NaN" max="NaN"/>
-            </dgm:ruleLst>
-          </dgm:layoutNode>
-        </dgm:if>
-        <dgm:else name="Name3">
-          <dgm:choose name="Name4">
-            <dgm:if name="Name5" axis="par ch" ptType="doc node" func="cnt" op="gte" val="2">
-              <dgm:forEach name="Name6" axis="followSib" ptType="sibTrans" cnt="1">
-                <dgm:layoutNode name="spacer">
-                  <dgm:alg type="sp"/>
-                  <dgm:shape xmlns:r="http://schemas.openxmlformats.org/officeDocument/2006/relationships" r:blip="">
-                    <dgm:adjLst/>
-                  </dgm:shape>
-                  <dgm:presOf/>
-                  <dgm:constrLst/>
-                  <dgm:ruleLst/>
-                </dgm:layoutNode>
-              </dgm:forEach>
-            </dgm:if>
-            <dgm:else name="Name7"/>
-          </dgm:choose>
-        </dgm:else>
-      </dgm:choose>
-    </dgm:forEach>
-  </dgm:layoutNode>
-</dgm:layoutDef>
-</file>
-
-<file path=ppt/diagrams/layout2.xml><?xml version="1.0" encoding="utf-8"?>
-<dgm:layoutDef xmlns:dgm="http://schemas.openxmlformats.org/drawingml/2006/diagram" xmlns:a="http://schemas.openxmlformats.org/drawingml/2006/main" uniqueId="urn:microsoft.com/office/officeart/2005/8/layout/vList2">
-  <dgm:title val=""/>
-  <dgm:desc val=""/>
-  <dgm:catLst>
-    <dgm:cat type="list" pri="3000"/>
-    <dgm:cat type="convert" pri="1000"/>
-  </dgm:catLst>
-  <dgm:sampData>
-    <dgm:dataModel>
-      <dgm:ptLst>
-        <dgm:pt modelId="0" type="doc"/>
-        <dgm:pt modelId="1">
-          <dgm:prSet phldr="1"/>
-        </dgm:pt>
-        <dgm:pt modelId="11">
-          <dgm:prSet phldr="1"/>
-        </dgm:pt>
-        <dgm:pt modelId="2">
-          <dgm:prSet phldr="1"/>
-        </dgm:pt>
-        <dgm:pt modelId="21">
-          <dgm:prSet phldr="1"/>
-        </dgm:pt>
-      </dgm:ptLst>
-      <dgm:cxnLst>
-        <dgm:cxn modelId="4" srcId="0" destId="1" srcOrd="0" destOrd="0"/>
-        <dgm:cxn modelId="5" srcId="0" destId="2" srcOrd="1" destOrd="0"/>
-        <dgm:cxn modelId="12" srcId="1" destId="11" srcOrd="0" destOrd="0"/>
-        <dgm:cxn modelId="23" srcId="2" destId="21" srcOrd="0" destOrd="0"/>
-      </dgm:cxnLst>
-      <dgm:bg/>
-      <dgm:whole/>
-    </dgm:dataModel>
-  </dgm:sampData>
-  <dgm:styleData>
-    <dgm:dataModel>
-      <dgm:ptLst>
-        <dgm:pt modelId="0" type="doc"/>
-        <dgm:pt modelId="1"/>
-        <dgm:pt modelId="2"/>
-      </dgm:ptLst>
-      <dgm:cxnLst>
-        <dgm:cxn modelId="3" srcId="0" destId="1" srcOrd="0" destOrd="0"/>
-        <dgm:cxn modelId="4" srcId="0" destId="2" srcOrd="1" destOrd="0"/>
-      </dgm:cxnLst>
-      <dgm:bg/>
-      <dgm:whole/>
-    </dgm:dataModel>
-  </dgm:styleData>
-  <dgm:clrData>
-    <dgm:dataModel>
-      <dgm:ptLst>
-        <dgm:pt modelId="0" type="doc"/>
-        <dgm:pt modelId="1"/>
-        <dgm:pt modelId="2"/>
-        <dgm:pt modelId="3"/>
-        <dgm:pt modelId="4"/>
-      </dgm:ptLst>
-      <dgm:cxnLst>
-        <dgm:cxn modelId="5" srcId="0" destId="1" srcOrd="0" destOrd="0"/>
-        <dgm:cxn modelId="6" srcId="0" destId="2" srcOrd="1" destOrd="0"/>
-        <dgm:cxn modelId="7" srcId="0" destId="3" srcOrd="2" destOrd="0"/>
-        <dgm:cxn modelId="8" srcId="0" destId="4" srcOrd="3" destOrd="0"/>
-      </dgm:cxnLst>
-      <dgm:bg/>
-      <dgm:whole/>
-    </dgm:dataModel>
-  </dgm:clrData>
-  <dgm:layoutNode name="linear">
-    <dgm:varLst>
-      <dgm:animLvl val="lvl"/>
-      <dgm:resizeHandles val="exact"/>
-    </dgm:varLst>
-    <dgm:alg type="lin">
-      <dgm:param type="linDir" val="fromT"/>
-      <dgm:param type="vertAlign" val="mid"/>
-    </dgm:alg>
-    <dgm:shape xmlns:r="http://schemas.openxmlformats.org/officeDocument/2006/relationships" r:blip="">
-      <dgm:adjLst/>
-    </dgm:shape>
-    <dgm:presOf/>
-    <dgm:constrLst>
-      <dgm:constr type="w" for="ch" forName="parentText" refType="w"/>
-      <dgm:constr type="h" for="ch" forName="parentText" refType="primFontSz" refFor="ch" refForName="parentText" fact="0.52"/>
-      <dgm:constr type="w" for="ch" forName="childText" refType="w"/>
-      <dgm:constr type="h" for="ch" forName="childText" refType="primFontSz" refFor="ch" refForName="parentText" fact="0.46"/>
-      <dgm:constr type="h" for="ch" forName="parentText" op="equ"/>
-      <dgm:constr type="primFontSz" for="ch" forName="parentText" op="equ" val="65"/>
-      <dgm:constr type="primFontSz" for="ch" forName="childText" refType="primFontSz" refFor="ch" refForName="parentText" op="equ"/>
-      <dgm:constr type="h" for="ch" forName="spacer" refType="primFontSz" refFor="ch" refForName="parentText" fact="0.08"/>
-    </dgm:constrLst>
-    <dgm:ruleLst>
-      <dgm:rule type="primFontSz" for="ch" forName="parentText" val="5" fact="NaN" max="NaN"/>
-    </dgm:ruleLst>
-    <dgm:forEach name="Name0" axis="ch" ptType="node">
-      <dgm:layoutNode name="parentText" styleLbl="node1">
-        <dgm:varLst>
-          <dgm:chMax val="0"/>
-          <dgm:bulletEnabled val="1"/>
-        </dgm:varLst>
-        <dgm:alg type="tx">
-          <dgm:param type="parTxLTRAlign" val="l"/>
-          <dgm:param type="parTxRTLAlign" val="r"/>
-        </dgm:alg>
-        <dgm:shape xmlns:r="http://schemas.openxmlformats.org/officeDocument/2006/relationships" type="roundRect" r:blip="">
-          <dgm:adjLst/>
-        </dgm:shape>
-        <dgm:presOf axis="self"/>
-        <dgm:constrLst>
-          <dgm:constr type="tMarg" refType="primFontSz" fact="0.3"/>
-          <dgm:constr type="bMarg" refType="primFontSz" fact="0.3"/>
-          <dgm:constr type="lMarg" refType="primFontSz" fact="0.3"/>
-          <dgm:constr type="rMarg" refType="primFontSz" fact="0.3"/>
-        </dgm:constrLst>
-        <dgm:ruleLst>
-          <dgm:rule type="h" val="INF" fact="NaN" max="NaN"/>
-        </dgm:ruleLst>
-      </dgm:layoutNode>
-      <dgm:choose name="Name1">
-        <dgm:if name="Name2" axis="ch" ptType="node" func="cnt" op="gte" val="1">
-          <dgm:layoutNode name="childText" styleLbl="revTx">
-            <dgm:varLst>
-              <dgm:bulletEnabled val="1"/>
-            </dgm:varLst>
-            <dgm:alg type="tx">
-              <dgm:param type="stBulletLvl" val="1"/>
-              <dgm:param type="lnSpAfChP" val="20"/>
-            </dgm:alg>
-            <dgm:shape xmlns:r="http://schemas.openxmlformats.org/officeDocument/2006/relationships" type="rect" r:blip="">
-              <dgm:adjLst/>
-            </dgm:shape>
-            <dgm:presOf axis="des" ptType="node"/>
-            <dgm:constrLst>
-              <dgm:constr type="tMarg" refType="primFontSz" fact="0.1"/>
-              <dgm:constr type="bMarg" refType="primFontSz" fact="0.1"/>
-              <dgm:constr type="lMarg" refType="w" fact="0.09"/>
-            </dgm:constrLst>
-            <dgm:ruleLst>
-              <dgm:rule type="h" val="INF" fact="NaN" max="NaN"/>
-            </dgm:ruleLst>
-          </dgm:layoutNode>
-        </dgm:if>
-        <dgm:else name="Name3">
-          <dgm:choose name="Name4">
-            <dgm:if name="Name5" axis="par ch" ptType="doc node" func="cnt" op="gte" val="2">
-              <dgm:forEach name="Name6" axis="followSib" ptType="sibTrans" cnt="1">
-                <dgm:layoutNode name="spacer">
-                  <dgm:alg type="sp"/>
-                  <dgm:shape xmlns:r="http://schemas.openxmlformats.org/officeDocument/2006/relationships" r:blip="">
-                    <dgm:adjLst/>
-                  </dgm:shape>
-                  <dgm:presOf/>
-                  <dgm:constrLst/>
-                  <dgm:ruleLst/>
-                </dgm:layoutNode>
-              </dgm:forEach>
-            </dgm:if>
-            <dgm:else name="Name7"/>
-          </dgm:choose>
-        </dgm:else>
-      </dgm:choose>
-    </dgm:forEach>
-  </dgm:layoutNode>
-</dgm:layoutDef>
-</file>
-
-<file path=ppt/diagrams/quickStyle1.xml><?xml version="1.0" encoding="utf-8"?>
-<dgm:styleDef xmlns:dgm="http://schemas.openxmlformats.org/drawingml/2006/diagram" xmlns:a="http://schemas.openxmlformats.org/drawingml/2006/main" uniqueId="urn:microsoft.com/office/officeart/2005/8/quickstyle/simple1">
-  <dgm:title val=""/>
-  <dgm:desc val=""/>
-  <dgm:catLst>
-    <dgm:cat type="simple" pri="10100"/>
-  </dgm:catLst>
-  <dgm:scene3d>
-    <a:camera prst="orthographicFront"/>
-    <a:lightRig rig="threePt" dir="t"/>
-  </dgm:scene3d>
-  <dgm:styleLbl name="node0">
-    <dgm:scene3d>
-      <a:camera prst="orthographicFront"/>
-      <a:lightRig rig="threePt" dir="t"/>
-    </dgm:scene3d>
-    <dgm:sp3d/>
-    <dgm:txPr/>
-    <dgm:style>
-      <a:lnRef idx="2">
-        <a:scrgbClr r="0" g="0" b="0"/>
-      </a:lnRef>
-      <a:fillRef idx="1">
-        <a:scrgbClr r="0" g="0" b="0"/>
-      </a:fillRef>
-      <a:effectRef idx="0">
-        <a:scrgbClr r="0" g="0" b="0"/>
-      </a:effectRef>
-      <a:fontRef idx="minor">
-        <a:schemeClr val="lt1"/>
-      </a:fontRef>
-    </dgm:style>
-  </dgm:styleLbl>
-  <dgm:styleLbl name="lnNode1">
-    <dgm:scene3d>
-      <a:camera prst="orthographicFront"/>
-      <a:lightRig rig="threePt" dir="t"/>
-    </dgm:scene3d>
-    <dgm:sp3d/>
-    <dgm:txPr/>
-    <dgm:style>
-      <a:lnRef idx="2">
-        <a:scrgbClr r="0" g="0" b="0"/>
-      </a:lnRef>
-      <a:fillRef idx="1">
-        <a:scrgbClr r="0" g="0" b="0"/>
-      </a:fillRef>
-      <a:effectRef idx="0">
-        <a:scrgbClr r="0" g="0" b="0"/>
-      </a:effectRef>
-      <a:fontRef idx="minor">
-        <a:schemeClr val="lt1"/>
-      </a:fontRef>
-    </dgm:style>
-  </dgm:styleLbl>
-  <dgm:styleLbl name="vennNode1">
-    <dgm:scene3d>
-      <a:camera prst="orthographicFront"/>
-      <a:lightRig rig="threePt" dir="t"/>
-    </dgm:scene3d>
-    <dgm:sp3d/>
-    <dgm:txPr/>
-    <dgm:style>
-      <a:lnRef idx="2">
-        <a:scrgbClr r="0" g="0" b="0"/>
-      </a:lnRef>
-      <a:fillRef idx="1">
-        <a:scrgbClr r="0" g="0" b="0"/>
-      </a:fillRef>
-      <a:effectRef idx="0">
-        <a:scrgbClr r="0" g="0" b="0"/>
-      </a:effectRef>
-      <a:fontRef idx="minor">
-        <a:schemeClr val="tx1"/>
-      </a:fontRef>
-    </dgm:style>
-  </dgm:styleLbl>
-  <dgm:styleLbl name="alignNode1">
-    <dgm:scene3d>
-      <a:camera prst="orthographicFront"/>
-      <a:lightRig rig="threePt" dir="t"/>
-    </dgm:scene3d>
-    <dgm:sp3d/>
-    <dgm:txPr/>
-    <dgm:style>
-      <a:lnRef idx="2">
-        <a:scrgbClr r="0" g="0" b="0"/>
-      </a:lnRef>
-      <a:fillRef idx="1">
-        <a:scrgbClr r="0" g="0" b="0"/>
-      </a:fillRef>
-      <a:effectRef idx="0">
-        <a:scrgbClr r="0" g="0" b="0"/>
-      </a:effectRef>
-      <a:fontRef idx="minor">
-        <a:schemeClr val="lt1"/>
-      </a:fontRef>
-    </dgm:style>
-  </dgm:styleLbl>
-  <dgm:styleLbl name="node1">
-    <dgm:scene3d>
-      <a:camera prst="orthographicFront"/>
-      <a:lightRig rig="threePt" dir="t"/>
-    </dgm:scene3d>
-    <dgm:sp3d/>
-    <dgm:txPr/>
-    <dgm:style>
-      <a:lnRef idx="2">
-        <a:scrgbClr r="0" g="0" b="0"/>
-      </a:lnRef>
-      <a:fillRef idx="1">
-        <a:scrgbClr r="0" g="0" b="0"/>
-      </a:fillRef>
-      <a:effectRef idx="0">
-        <a:scrgbClr r="0" g="0" b="0"/>
-      </a:effectRef>
-      <a:fontRef idx="minor">
-        <a:schemeClr val="lt1"/>
-      </a:fontRef>
-    </dgm:style>
-  </dgm:styleLbl>
-  <dgm:styleLbl name="node2">
-    <dgm:scene3d>
-      <a:camera prst="orthographicFront"/>
-      <a:lightRig rig="threePt" dir="t"/>
-    </dgm:scene3d>
-    <dgm:sp3d/>
-    <dgm:txPr/>
-    <dgm:style>
-      <a:lnRef idx="2">
-        <a:scrgbClr r="0" g="0" b="0"/>
-      </a:lnRef>
-      <a:fillRef idx="1">
-        <a:scrgbClr r="0" g="0" b="0"/>
-      </a:fillRef>
-      <a:effectRef idx="0">
-        <a:scrgbClr r="0" g="0" b="0"/>
-      </a:effectRef>
-      <a:fontRef idx="minor">
-        <a:schemeClr val="lt1"/>
-      </a:fontRef>
-    </dgm:style>
-  </dgm:styleLbl>
-  <dgm:styleLbl name="node3">
-    <dgm:scene3d>
-      <a:camera prst="orthographicFront"/>
-      <a:lightRig rig="threePt" dir="t"/>
-    </dgm:scene3d>
-    <dgm:sp3d/>
-    <dgm:txPr/>
-    <dgm:style>
-      <a:lnRef idx="2">
-        <a:scrgbClr r="0" g="0" b="0"/>
-      </a:lnRef>
-      <a:fillRef idx="1">
-        <a:scrgbClr r="0" g="0" b="0"/>
-      </a:fillRef>
-      <a:effectRef idx="0">
-        <a:scrgbClr r="0" g="0" b="0"/>
-      </a:effectRef>
-      <a:fontRef idx="minor">
-        <a:schemeClr val="lt1"/>
-      </a:fontRef>
-    </dgm:style>
-  </dgm:styleLbl>
-  <dgm:styleLbl name="node4">
-    <dgm:scene3d>
-      <a:camera prst="orthographicFront"/>
-      <a:lightRig rig="threePt" dir="t"/>
-    </dgm:scene3d>
-    <dgm:sp3d/>
-    <dgm:txPr/>
-    <dgm:style>
-      <a:lnRef idx="2">
-        <a:scrgbClr r="0" g="0" b="0"/>
-      </a:lnRef>
-      <a:fillRef idx="1">
-        <a:scrgbClr r="0" g="0" b="0"/>
-      </a:fillRef>
-      <a:effectRef idx="0">
-        <a:scrgbClr r="0" g="0" b="0"/>
-      </a:effectRef>
-      <a:fontRef idx="minor">
-        <a:schemeClr val="lt1"/>
-      </a:fontRef>
-    </dgm:style>
-  </dgm:styleLbl>
-  <dgm:styleLbl name="fgImgPlace1">
-    <dgm:scene3d>
-      <a:camera prst="orthographicFront"/>
-      <a:lightRig rig="threePt" dir="t"/>
-    </dgm:scene3d>
-    <dgm:sp3d/>
-    <dgm:txPr/>
-    <dgm:style>
-      <a:lnRef idx="2">
-        <a:scrgbClr r="0" g="0" b="0"/>
-      </a:lnRef>
-      <a:fillRef idx="1">
-        <a:scrgbClr r="0" g="0" b="0"/>
-      </a:fillRef>
-      <a:effectRef idx="0">
-        <a:scrgbClr r="0" g="0" b="0"/>
-      </a:effectRef>
-      <a:fontRef idx="minor"/>
-    </dgm:style>
-  </dgm:styleLbl>
-  <dgm:styleLbl name="alignImgPlace1">
-    <dgm:scene3d>
-      <a:camera prst="orthographicFront"/>
-      <a:lightRig rig="threePt" dir="t"/>
-    </dgm:scene3d>
-    <dgm:sp3d/>
-    <dgm:txPr/>
-    <dgm:style>
-      <a:lnRef idx="2">
-        <a:scrgbClr r="0" g="0" b="0"/>
-      </a:lnRef>
-      <a:fillRef idx="1">
-        <a:scrgbClr r="0" g="0" b="0"/>
-      </a:fillRef>
-      <a:effectRef idx="0">
-        <a:scrgbClr r="0" g="0" b="0"/>
-      </a:effectRef>
-      <a:fontRef idx="minor"/>
-    </dgm:style>
-  </dgm:styleLbl>
-  <dgm:styleLbl name="bgImgPlace1">
-    <dgm:scene3d>
-      <a:camera prst="orthographicFront"/>
-      <a:lightRig rig="threePt" dir="t"/>
-    </dgm:scene3d>
-    <dgm:sp3d/>
-    <dgm:txPr/>
-    <dgm:style>
-      <a:lnRef idx="2">
-        <a:scrgbClr r="0" g="0" b="0"/>
-      </a:lnRef>
-      <a:fillRef idx="1">
-        <a:scrgbClr r="0" g="0" b="0"/>
-      </a:fillRef>
-      <a:effectRef idx="0">
-        <a:scrgbClr r="0" g="0" b="0"/>
-      </a:effectRef>
-      <a:fontRef idx="minor"/>
-    </dgm:style>
-  </dgm:styleLbl>
-  <dgm:styleLbl name="sibTrans2D1">
-    <dgm:scene3d>
-      <a:camera prst="orthographicFront"/>
-      <a:lightRig rig="threePt" dir="t"/>
-    </dgm:scene3d>
-    <dgm:sp3d/>
-    <dgm:txPr/>
-    <dgm:style>
-      <a:lnRef idx="0">
-        <a:scrgbClr r="0" g="0" b="0"/>
-      </a:lnRef>
-      <a:fillRef idx="1">
-        <a:scrgbClr r="0" g="0" b="0"/>
-      </a:fillRef>
-      <a:effectRef idx="0">
-        <a:scrgbClr r="0" g="0" b="0"/>
-      </a:effectRef>
-      <a:fontRef idx="minor">
-        <a:schemeClr val="lt1"/>
-      </a:fontRef>
-    </dgm:style>
-  </dgm:styleLbl>
-  <dgm:styleLbl name="fgSibTrans2D1">
-    <dgm:scene3d>
-      <a:camera prst="orthographicFront"/>
-      <a:lightRig rig="threePt" dir="t"/>
-    </dgm:scene3d>
-    <dgm:sp3d/>
-    <dgm:txPr/>
-    <dgm:style>
-      <a:lnRef idx="0">
-        <a:scrgbClr r="0" g="0" b="0"/>
-      </a:lnRef>
-      <a:fillRef idx="1">
-        <a:scrgbClr r="0" g="0" b="0"/>
-      </a:fillRef>
-      <a:effectRef idx="0">
-        <a:scrgbClr r="0" g="0" b="0"/>
-      </a:effectRef>
-      <a:fontRef idx="minor">
-        <a:schemeClr val="lt1"/>
-      </a:fontRef>
-    </dgm:style>
-  </dgm:styleLbl>
-  <dgm:styleLbl name="bgSibTrans2D1">
-    <dgm:scene3d>
-      <a:camera prst="orthographicFront"/>
-      <a:lightRig rig="threePt" dir="t"/>
-    </dgm:scene3d>
-    <dgm:sp3d/>
-    <dgm:txPr/>
-    <dgm:style>
-      <a:lnRef idx="0">
-        <a:scrgbClr r="0" g="0" b="0"/>
-      </a:lnRef>
-      <a:fillRef idx="1">
-        <a:scrgbClr r="0" g="0" b="0"/>
-      </a:fillRef>
-      <a:effectRef idx="0">
-        <a:scrgbClr r="0" g="0" b="0"/>
-      </a:effectRef>
-      <a:fontRef idx="minor">
-        <a:schemeClr val="lt1"/>
-      </a:fontRef>
-    </dgm:style>
-  </dgm:styleLbl>
-  <dgm:styleLbl name="sibTrans1D1">
-    <dgm:scene3d>
-      <a:camera prst="orthographicFront"/>
-      <a:lightRig rig="threePt" dir="t"/>
-    </dgm:scene3d>
-    <dgm:sp3d/>
-    <dgm:txPr/>
-    <dgm:style>
-      <a:lnRef idx="1">
-        <a:scrgbClr r="0" g="0" b="0"/>
-      </a:lnRef>
-      <a:fillRef idx="0">
-        <a:scrgbClr r="0" g="0" b="0"/>
-      </a:fillRef>
-      <a:effectRef idx="0">
-        <a:scrgbClr r="0" g="0" b="0"/>
-      </a:effectRef>
-      <a:fontRef idx="minor"/>
-    </dgm:style>
-  </dgm:styleLbl>
-  <dgm:styleLbl name="callout">
-    <dgm:scene3d>
-      <a:camera prst="orthographicFront"/>
-      <a:lightRig rig="threePt" dir="t"/>
-    </dgm:scene3d>
-    <dgm:sp3d/>
-    <dgm:txPr/>
-    <dgm:style>
-      <a:lnRef idx="2">
-        <a:scrgbClr r="0" g="0" b="0"/>
-      </a:lnRef>
-      <a:fillRef idx="1">
-        <a:scrgbClr r="0" g="0" b="0"/>
-      </a:fillRef>
-      <a:effectRef idx="0">
-        <a:scrgbClr r="0" g="0" b="0"/>
-      </a:effectRef>
-      <a:fontRef idx="minor"/>
-    </dgm:style>
-  </dgm:styleLbl>
-  <dgm:styleLbl name="asst0">
-    <dgm:scene3d>
-      <a:camera prst="orthographicFront"/>
-      <a:lightRig rig="threePt" dir="t"/>
-    </dgm:scene3d>
-    <dgm:sp3d/>
-    <dgm:txPr/>
-    <dgm:style>
-      <a:lnRef idx="2">
-        <a:scrgbClr r="0" g="0" b="0"/>
-      </a:lnRef>
-      <a:fillRef idx="1">
-        <a:scrgbClr r="0" g="0" b="0"/>
-      </a:fillRef>
-      <a:effectRef idx="0">
-        <a:scrgbClr r="0" g="0" b="0"/>
-      </a:effectRef>
-      <a:fontRef idx="minor">
-        <a:schemeClr val="lt1"/>
-      </a:fontRef>
-    </dgm:style>
-  </dgm:styleLbl>
-  <dgm:styleLbl name="asst1">
-    <dgm:scene3d>
-      <a:camera prst="orthographicFront"/>
-      <a:lightRig rig="threePt" dir="t"/>
-    </dgm:scene3d>
-    <dgm:sp3d/>
-    <dgm:txPr/>
-    <dgm:style>
-      <a:lnRef idx="2">
-        <a:scrgbClr r="0" g="0" b="0"/>
-      </a:lnRef>
-      <a:fillRef idx="1">
-        <a:scrgbClr r="0" g="0" b="0"/>
-      </a:fillRef>
-      <a:effectRef idx="0">
-        <a:scrgbClr r="0" g="0" b="0"/>
-      </a:effectRef>
-      <a:fontRef idx="minor">
-        <a:schemeClr val="lt1"/>
-      </a:fontRef>
-    </dgm:style>
-  </dgm:styleLbl>
-  <dgm:styleLbl name="asst2">
-    <dgm:scene3d>
-      <a:camera prst="orthographicFront"/>
-      <a:lightRig rig="threePt" dir="t"/>
-    </dgm:scene3d>
-    <dgm:sp3d/>
-    <dgm:txPr/>
-    <dgm:style>
-      <a:lnRef idx="2">
-        <a:scrgbClr r="0" g="0" b="0"/>
-      </a:lnRef>
-      <a:fillRef idx="1">
-        <a:scrgbClr r="0" g="0" b="0"/>
-      </a:fillRef>
-      <a:effectRef idx="0">
-        <a:scrgbClr r="0" g="0" b="0"/>
-      </a:effectRef>
-      <a:fontRef idx="minor">
-        <a:schemeClr val="lt1"/>
-      </a:fontRef>
-    </dgm:style>
-  </dgm:styleLbl>
-  <dgm:styleLbl name="asst3">
-    <dgm:scene3d>
-      <a:camera prst="orthographicFront"/>
-      <a:lightRig rig="threePt" dir="t"/>
-    </dgm:scene3d>
-    <dgm:sp3d/>
-    <dgm:txPr/>
-    <dgm:style>
-      <a:lnRef idx="2">
-        <a:scrgbClr r="0" g="0" b="0"/>
-      </a:lnRef>
-      <a:fillRef idx="1">
-        <a:scrgbClr r="0" g="0" b="0"/>
-      </a:fillRef>
-      <a:effectRef idx="0">
-        <a:scrgbClr r="0" g="0" b="0"/>
-      </a:effectRef>
-      <a:fontRef idx="minor">
-        <a:schemeClr val="lt1"/>
-      </a:fontRef>
-    </dgm:style>
-  </dgm:styleLbl>
-  <dgm:styleLbl name="asst4">
-    <dgm:scene3d>
-      <a:camera prst="orthographicFront"/>
-      <a:lightRig rig="threePt" dir="t"/>
-    </dgm:scene3d>
-    <dgm:sp3d/>
-    <dgm:txPr/>
-    <dgm:style>
-      <a:lnRef idx="2">
-        <a:scrgbClr r="0" g="0" b="0"/>
-      </a:lnRef>
-      <a:fillRef idx="1">
-        <a:scrgbClr r="0" g="0" b="0"/>
-      </a:fillRef>
-      <a:effectRef idx="0">
-        <a:scrgbClr r="0" g="0" b="0"/>
-      </a:effectRef>
-      <a:fontRef idx="minor">
-        <a:schemeClr val="lt1"/>
-      </a:fontRef>
-    </dgm:style>
-  </dgm:styleLbl>
-  <dgm:styleLbl name="parChTrans2D1">
-    <dgm:scene3d>
-      <a:camera prst="orthographicFront"/>
-      <a:lightRig rig="threePt" dir="t"/>
-    </dgm:scene3d>
-    <dgm:sp3d/>
-    <dgm:txPr/>
-    <dgm:style>
-      <a:lnRef idx="2">
-        <a:scrgbClr r="0" g="0" b="0"/>
-      </a:lnRef>
-      <a:fillRef idx="1">
-        <a:scrgbClr r="0" g="0" b="0"/>
-      </a:fillRef>
-      <a:effectRef idx="0">
-        <a:scrgbClr r="0" g="0" b="0"/>
-      </a:effectRef>
-      <a:fontRef idx="minor">
-        <a:schemeClr val="lt1"/>
-      </a:fontRef>
-    </dgm:style>
-  </dgm:styleLbl>
-  <dgm:styleLbl name="parChTrans2D2">
-    <dgm:scene3d>
-      <a:camera prst="orthographicFront"/>
-      <a:lightRig rig="threePt" dir="t"/>
-    </dgm:scene3d>
-    <dgm:sp3d/>
-    <dgm:txPr/>
-    <dgm:style>
-      <a:lnRef idx="2">
-        <a:scrgbClr r="0" g="0" b="0"/>
-      </a:lnRef>
-      <a:fillRef idx="1">
-        <a:scrgbClr r="0" g="0" b="0"/>
-      </a:fillRef>
-      <a:effectRef idx="0">
-        <a:scrgbClr r="0" g="0" b="0"/>
-      </a:effectRef>
-      <a:fontRef idx="minor">
-        <a:schemeClr val="lt1"/>
-      </a:fontRef>
-    </dgm:style>
-  </dgm:styleLbl>
-  <dgm:styleLbl name="parChTrans2D3">
-    <dgm:scene3d>
-      <a:camera prst="orthographicFront"/>
-      <a:lightRig rig="threePt" dir="t"/>
-    </dgm:scene3d>
-    <dgm:sp3d/>
-    <dgm:txPr/>
-    <dgm:style>
-      <a:lnRef idx="2">
-        <a:scrgbClr r="0" g="0" b="0"/>
-      </a:lnRef>
-      <a:fillRef idx="1">
-        <a:scrgbClr r="0" g="0" b="0"/>
-      </a:fillRef>
-      <a:effectRef idx="0">
-        <a:scrgbClr r="0" g="0" b="0"/>
-      </a:effectRef>
-      <a:fontRef idx="minor">
-        <a:schemeClr val="lt1"/>
-      </a:fontRef>
-    </dgm:style>
-  </dgm:styleLbl>
-  <dgm:styleLbl name="parChTrans2D4">
-    <dgm:scene3d>
-      <a:camera prst="orthographicFront"/>
-      <a:lightRig rig="threePt" dir="t"/>
-    </dgm:scene3d>
-    <dgm:sp3d/>
-    <dgm:txPr/>
-    <dgm:style>
-      <a:lnRef idx="2">
-        <a:scrgbClr r="0" g="0" b="0"/>
-      </a:lnRef>
-      <a:fillRef idx="1">
-        <a:scrgbClr r="0" g="0" b="0"/>
-      </a:fillRef>
-      <a:effectRef idx="0">
-        <a:scrgbClr r="0" g="0" b="0"/>
-      </a:effectRef>
-      <a:fontRef idx="minor">
-        <a:schemeClr val="lt1"/>
-      </a:fontRef>
-    </dgm:style>
-  </dgm:styleLbl>
-  <dgm:styleLbl name="parChTrans1D1">
-    <dgm:scene3d>
-      <a:camera prst="orthographicFront"/>
-      <a:lightRig rig="threePt" dir="t"/>
-    </dgm:scene3d>
-    <dgm:sp3d/>
-    <dgm:txPr/>
-    <dgm:style>
-      <a:lnRef idx="2">
-        <a:scrgbClr r="0" g="0" b="0"/>
-      </a:lnRef>
-      <a:fillRef idx="0">
-        <a:scrgbClr r="0" g="0" b="0"/>
-      </a:fillRef>
-      <a:effectRef idx="0">
-        <a:scrgbClr r="0" g="0" b="0"/>
-      </a:effectRef>
-      <a:fontRef idx="minor"/>
-    </dgm:style>
-  </dgm:styleLbl>
-  <dgm:styleLbl name="parChTrans1D2">
-    <dgm:scene3d>
-      <a:camera prst="orthographicFront"/>
-      <a:lightRig rig="threePt" dir="t"/>
-    </dgm:scene3d>
-    <dgm:sp3d/>
-    <dgm:txPr/>
-    <dgm:style>
-      <a:lnRef idx="2">
-        <a:scrgbClr r="0" g="0" b="0"/>
-      </a:lnRef>
-      <a:fillRef idx="0">
-        <a:scrgbClr r="0" g="0" b="0"/>
-      </a:fillRef>
-      <a:effectRef idx="0">
-        <a:scrgbClr r="0" g="0" b="0"/>
-      </a:effectRef>
-      <a:fontRef idx="minor"/>
-    </dgm:style>
-  </dgm:styleLbl>
-  <dgm:styleLbl name="parChTrans1D3">
-    <dgm:scene3d>
-      <a:camera prst="orthographicFront"/>
-      <a:lightRig rig="threePt" dir="t"/>
-    </dgm:scene3d>
-    <dgm:sp3d/>
-    <dgm:txPr/>
-    <dgm:style>
-      <a:lnRef idx="2">
-        <a:scrgbClr r="0" g="0" b="0"/>
-      </a:lnRef>
-      <a:fillRef idx="0">
-        <a:scrgbClr r="0" g="0" b="0"/>
-      </a:fillRef>
-      <a:effectRef idx="0">
-        <a:scrgbClr r="0" g="0" b="0"/>
-      </a:effectRef>
-      <a:fontRef idx="minor"/>
-    </dgm:style>
-  </dgm:styleLbl>
-  <dgm:styleLbl name="parChTrans1D4">
-    <dgm:scene3d>
-      <a:camera prst="orthographicFront"/>
-      <a:lightRig rig="threePt" dir="t"/>
-    </dgm:scene3d>
-    <dgm:sp3d/>
-    <dgm:txPr/>
-    <dgm:style>
-      <a:lnRef idx="2">
-        <a:scrgbClr r="0" g="0" b="0"/>
-      </a:lnRef>
-      <a:fillRef idx="0">
-        <a:scrgbClr r="0" g="0" b="0"/>
-      </a:fillRef>
-      <a:effectRef idx="0">
-        <a:scrgbClr r="0" g="0" b="0"/>
-      </a:effectRef>
-      <a:fontRef idx="minor"/>
-    </dgm:style>
-  </dgm:styleLbl>
-  <dgm:styleLbl name="fgAcc1">
-    <dgm:scene3d>
-      <a:camera prst="orthographicFront"/>
-      <a:lightRig rig="threePt" dir="t"/>
-    </dgm:scene3d>
-    <dgm:sp3d/>
-    <dgm:txPr/>
-    <dgm:style>
-      <a:lnRef idx="2">
-        <a:scrgbClr r="0" g="0" b="0"/>
-      </a:lnRef>
-      <a:fillRef idx="1">
-        <a:scrgbClr r="0" g="0" b="0"/>
-      </a:fillRef>
-      <a:effectRef idx="0">
-        <a:scrgbClr r="0" g="0" b="0"/>
-      </a:effectRef>
-      <a:fontRef idx="minor"/>
-    </dgm:style>
-  </dgm:styleLbl>
-  <dgm:styleLbl name="conFgAcc1">
-    <dgm:scene3d>
-      <a:camera prst="orthographicFront"/>
-      <a:lightRig rig="threePt" dir="t"/>
-    </dgm:scene3d>
-    <dgm:sp3d/>
-    <dgm:txPr/>
-    <dgm:style>
-      <a:lnRef idx="2">
-        <a:scrgbClr r="0" g="0" b="0"/>
-      </a:lnRef>
-      <a:fillRef idx="1">
-        <a:scrgbClr r="0" g="0" b="0"/>
-      </a:fillRef>
-      <a:effectRef idx="0">
-        <a:scrgbClr r="0" g="0" b="0"/>
-      </a:effectRef>
-      <a:fontRef idx="minor"/>
-    </dgm:style>
-  </dgm:styleLbl>
-  <dgm:styleLbl name="alignAcc1">
-    <dgm:scene3d>
-      <a:camera prst="orthographicFront"/>
-      <a:lightRig rig="threePt" dir="t"/>
-    </dgm:scene3d>
-    <dgm:sp3d/>
-    <dgm:txPr/>
-    <dgm:style>
-      <a:lnRef idx="2">
-        <a:scrgbClr r="0" g="0" b="0"/>
-      </a:lnRef>
-      <a:fillRef idx="1">
-        <a:scrgbClr r="0" g="0" b="0"/>
-      </a:fillRef>
-      <a:effectRef idx="0">
-        <a:scrgbClr r="0" g="0" b="0"/>
-      </a:effectRef>
-      <a:fontRef idx="minor"/>
-    </dgm:style>
-  </dgm:styleLbl>
-  <dgm:styleLbl name="trAlignAcc1">
-    <dgm:scene3d>
-      <a:camera prst="orthographicFront"/>
-      <a:lightRig rig="threePt" dir="t"/>
-    </dgm:scene3d>
-    <dgm:sp3d/>
-    <dgm:txPr/>
-    <dgm:style>
-      <a:lnRef idx="1">
-        <a:scrgbClr r="0" g="0" b="0"/>
-      </a:lnRef>
-      <a:fillRef idx="1">
-        <a:scrgbClr r="0" g="0" b="0"/>
-      </a:fillRef>
-      <a:effectRef idx="0">
-        <a:scrgbClr r="0" g="0" b="0"/>
-      </a:effectRef>
-      <a:fontRef idx="minor"/>
-    </dgm:style>
-  </dgm:styleLbl>
-  <dgm:styleLbl name="bgAcc1">
-    <dgm:scene3d>
-      <a:camera prst="orthographicFront"/>
-      <a:lightRig rig="threePt" dir="t"/>
-    </dgm:scene3d>
-    <dgm:sp3d/>
-    <dgm:txPr/>
-    <dgm:style>
-      <a:lnRef idx="2">
-        <a:scrgbClr r="0" g="0" b="0"/>
-      </a:lnRef>
-      <a:fillRef idx="1">
-        <a:scrgbClr r="0" g="0" b="0"/>
-      </a:fillRef>
-      <a:effectRef idx="0">
-        <a:scrgbClr r="0" g="0" b="0"/>
-      </a:effectRef>
-      <a:fontRef idx="minor"/>
-    </dgm:style>
-  </dgm:styleLbl>
-  <dgm:styleLbl name="solidFgAcc1">
-    <dgm:scene3d>
-      <a:camera prst="orthographicFront"/>
-      <a:lightRig rig="threePt" dir="t"/>
-    </dgm:scene3d>
-    <dgm:sp3d/>
-    <dgm:txPr/>
-    <dgm:style>
-      <a:lnRef idx="2">
-        <a:scrgbClr r="0" g="0" b="0"/>
-      </a:lnRef>
-      <a:fillRef idx="1">
-        <a:scrgbClr r="0" g="0" b="0"/>
-      </a:fillRef>
-      <a:effectRef idx="0">
-        <a:scrgbClr r="0" g="0" b="0"/>
-      </a:effectRef>
-      <a:fontRef idx="minor"/>
-    </dgm:style>
-  </dgm:styleLbl>
-  <dgm:styleLbl name="solidAlignAcc1">
-    <dgm:scene3d>
-      <a:camera prst="orthographicFront"/>
-      <a:lightRig rig="threePt" dir="t"/>
-    </dgm:scene3d>
-    <dgm:sp3d/>
-    <dgm:txPr/>
-    <dgm:style>
-      <a:lnRef idx="2">
-        <a:scrgbClr r="0" g="0" b="0"/>
-      </a:lnRef>
-      <a:fillRef idx="1">
-        <a:scrgbClr r="0" g="0" b="0"/>
-      </a:fillRef>
-      <a:effectRef idx="0">
-        <a:scrgbClr r="0" g="0" b="0"/>
-      </a:effectRef>
-      <a:fontRef idx="minor"/>
-    </dgm:style>
-  </dgm:styleLbl>
-  <dgm:styleLbl name="solidBgAcc1">
-    <dgm:scene3d>
-      <a:camera prst="orthographicFront"/>
-      <a:lightRig rig="threePt" dir="t"/>
-    </dgm:scene3d>
-    <dgm:sp3d/>
-    <dgm:txPr/>
-    <dgm:style>
-      <a:lnRef idx="2">
-        <a:scrgbClr r="0" g="0" b="0"/>
-      </a:lnRef>
-      <a:fillRef idx="1">
-        <a:scrgbClr r="0" g="0" b="0"/>
-      </a:fillRef>
-      <a:effectRef idx="0">
-        <a:scrgbClr r="0" g="0" b="0"/>
-      </a:effectRef>
-      <a:fontRef idx="minor"/>
-    </dgm:style>
-  </dgm:styleLbl>
-  <dgm:styleLbl name="fgAccFollowNode1">
-    <dgm:scene3d>
-      <a:camera prst="orthographicFront"/>
-      <a:lightRig rig="threePt" dir="t"/>
-    </dgm:scene3d>
-    <dgm:sp3d/>
-    <dgm:txPr/>
-    <dgm:style>
-      <a:lnRef idx="2">
-        <a:scrgbClr r="0" g="0" b="0"/>
-      </a:lnRef>
-      <a:fillRef idx="1">
-        <a:scrgbClr r="0" g="0" b="0"/>
-      </a:fillRef>
-      <a:effectRef idx="0">
-        <a:scrgbClr r="0" g="0" b="0"/>
-      </a:effectRef>
-      <a:fontRef idx="minor"/>
-    </dgm:style>
-  </dgm:styleLbl>
-  <dgm:styleLbl name="alignAccFollowNode1">
-    <dgm:scene3d>
-      <a:camera prst="orthographicFront"/>
-      <a:lightRig rig="threePt" dir="t"/>
-    </dgm:scene3d>
-    <dgm:sp3d/>
-    <dgm:txPr/>
-    <dgm:style>
-      <a:lnRef idx="2">
-        <a:scrgbClr r="0" g="0" b="0"/>
-      </a:lnRef>
-      <a:fillRef idx="1">
-        <a:scrgbClr r="0" g="0" b="0"/>
-      </a:fillRef>
-      <a:effectRef idx="0">
-        <a:scrgbClr r="0" g="0" b="0"/>
-      </a:effectRef>
-      <a:fontRef idx="minor"/>
-    </dgm:style>
-  </dgm:styleLbl>
-  <dgm:styleLbl name="bgAccFollowNode1">
-    <dgm:scene3d>
-      <a:camera prst="orthographicFront"/>
-      <a:lightRig rig="threePt" dir="t"/>
-    </dgm:scene3d>
-    <dgm:sp3d/>
-    <dgm:txPr/>
-    <dgm:style>
-      <a:lnRef idx="2">
-        <a:scrgbClr r="0" g="0" b="0"/>
-      </a:lnRef>
-      <a:fillRef idx="1">
-        <a:scrgbClr r="0" g="0" b="0"/>
-      </a:fillRef>
-      <a:effectRef idx="0">
-        <a:scrgbClr r="0" g="0" b="0"/>
-      </a:effectRef>
-      <a:fontRef idx="minor"/>
-    </dgm:style>
-  </dgm:styleLbl>
-  <dgm:styleLbl name="fgAcc0">
-    <dgm:scene3d>
-      <a:camera prst="orthographicFront"/>
-      <a:lightRig rig="threePt" dir="t"/>
-    </dgm:scene3d>
-    <dgm:sp3d/>
-    <dgm:txPr/>
-    <dgm:style>
-      <a:lnRef idx="2">
-        <a:scrgbClr r="0" g="0" b="0"/>
-      </a:lnRef>
-      <a:fillRef idx="1">
-        <a:scrgbClr r="0" g="0" b="0"/>
-      </a:fillRef>
-      <a:effectRef idx="0">
-        <a:scrgbClr r="0" g="0" b="0"/>
-      </a:effectRef>
-      <a:fontRef idx="minor"/>
-    </dgm:style>
-  </dgm:styleLbl>
-  <dgm:styleLbl name="fgAcc2">
-    <dgm:scene3d>
-      <a:camera prst="orthographicFront"/>
-      <a:lightRig rig="threePt" dir="t"/>
-    </dgm:scene3d>
-    <dgm:sp3d/>
-    <dgm:txPr/>
-    <dgm:style>
-      <a:lnRef idx="2">
-        <a:scrgbClr r="0" g="0" b="0"/>
-      </a:lnRef>
-      <a:fillRef idx="1">
-        <a:scrgbClr r="0" g="0" b="0"/>
-      </a:fillRef>
-      <a:effectRef idx="0">
-        <a:scrgbClr r="0" g="0" b="0"/>
-      </a:effectRef>
-      <a:fontRef idx="minor"/>
-    </dgm:style>
-  </dgm:styleLbl>
-  <dgm:styleLbl name="fgAcc3">
-    <dgm:scene3d>
-      <a:camera prst="orthographicFront"/>
-      <a:lightRig rig="threePt" dir="t"/>
-    </dgm:scene3d>
-    <dgm:sp3d/>
-    <dgm:txPr/>
-    <dgm:style>
-      <a:lnRef idx="2">
-        <a:scrgbClr r="0" g="0" b="0"/>
-      </a:lnRef>
-      <a:fillRef idx="1">
-        <a:scrgbClr r="0" g="0" b="0"/>
-      </a:fillRef>
-      <a:effectRef idx="0">
-        <a:scrgbClr r="0" g="0" b="0"/>
-      </a:effectRef>
-      <a:fontRef idx="minor"/>
-    </dgm:style>
-  </dgm:styleLbl>
-  <dgm:styleLbl name="fgAcc4">
-    <dgm:scene3d>
-      <a:camera prst="orthographicFront"/>
-      <a:lightRig rig="threePt" dir="t"/>
-    </dgm:scene3d>
-    <dgm:sp3d/>
-    <dgm:txPr/>
-    <dgm:style>
-      <a:lnRef idx="2">
-        <a:scrgbClr r="0" g="0" b="0"/>
-      </a:lnRef>
-      <a:fillRef idx="1">
-        <a:scrgbClr r="0" g="0" b="0"/>
-      </a:fillRef>
-      <a:effectRef idx="0">
-        <a:scrgbClr r="0" g="0" b="0"/>
-      </a:effectRef>
-      <a:fontRef idx="minor"/>
-    </dgm:style>
-  </dgm:styleLbl>
-  <dgm:styleLbl name="bgShp">
-    <dgm:scene3d>
-      <a:camera prst="orthographicFront"/>
-      <a:lightRig rig="threePt" dir="t"/>
-    </dgm:scene3d>
-    <dgm:sp3d/>
-    <dgm:txPr/>
-    <dgm:style>
-      <a:lnRef idx="0">
-        <a:scrgbClr r="0" g="0" b="0"/>
-      </a:lnRef>
-      <a:fillRef idx="1">
-        <a:scrgbClr r="0" g="0" b="0"/>
-      </a:fillRef>
-      <a:effectRef idx="0">
-        <a:scrgbClr r="0" g="0" b="0"/>
-      </a:effectRef>
-      <a:fontRef idx="minor"/>
-    </dgm:style>
-  </dgm:styleLbl>
-  <dgm:styleLbl name="dkBgShp">
-    <dgm:scene3d>
-      <a:camera prst="orthographicFront"/>
-      <a:lightRig rig="threePt" dir="t"/>
-    </dgm:scene3d>
-    <dgm:sp3d/>
-    <dgm:txPr/>
-    <dgm:style>
-      <a:lnRef idx="0">
-        <a:scrgbClr r="0" g="0" b="0"/>
-      </a:lnRef>
-      <a:fillRef idx="1">
-        <a:scrgbClr r="0" g="0" b="0"/>
-      </a:fillRef>
-      <a:effectRef idx="0">
-        <a:scrgbClr r="0" g="0" b="0"/>
-      </a:effectRef>
-      <a:fontRef idx="minor"/>
-    </dgm:style>
-  </dgm:styleLbl>
-  <dgm:styleLbl name="trBgShp">
-    <dgm:scene3d>
-      <a:camera prst="orthographicFront"/>
-      <a:lightRig rig="threePt" dir="t"/>
-    </dgm:scene3d>
-    <dgm:sp3d/>
-    <dgm:txPr/>
-    <dgm:style>
-      <a:lnRef idx="0">
-        <a:scrgbClr r="0" g="0" b="0"/>
-      </a:lnRef>
-      <a:fillRef idx="1">
-        <a:scrgbClr r="0" g="0" b="0"/>
-      </a:fillRef>
-      <a:effectRef idx="0">
-        <a:scrgbClr r="0" g="0" b="0"/>
-      </a:effectRef>
-      <a:fontRef idx="minor"/>
-    </dgm:style>
-  </dgm:styleLbl>
-  <dgm:styleLbl name="fgShp">
-    <dgm:scene3d>
-      <a:camera prst="orthographicFront"/>
-      <a:lightRig rig="threePt" dir="t"/>
-    </dgm:scene3d>
-    <dgm:sp3d/>
-    <dgm:txPr/>
-    <dgm:style>
-      <a:lnRef idx="2">
-        <a:scrgbClr r="0" g="0" b="0"/>
-      </a:lnRef>
-      <a:fillRef idx="1">
-        <a:scrgbClr r="0" g="0" b="0"/>
-      </a:fillRef>
-      <a:effectRef idx="0">
-        <a:scrgbClr r="0" g="0" b="0"/>
-      </a:effectRef>
-      <a:fontRef idx="minor"/>
-    </dgm:style>
-  </dgm:styleLbl>
-  <dgm:styleLbl name="revTx">
-    <dgm:scene3d>
-      <a:camera prst="orthographicFront"/>
-      <a:lightRig rig="threePt" dir="t"/>
-    </dgm:scene3d>
-    <dgm:sp3d/>
-    <dgm:txPr/>
-    <dgm:style>
-      <a:lnRef idx="0">
-        <a:scrgbClr r="0" g="0" b="0"/>
-      </a:lnRef>
-      <a:fillRef idx="0">
-        <a:scrgbClr r="0" g="0" b="0"/>
-      </a:fillRef>
-      <a:effectRef idx="0">
-        <a:scrgbClr r="0" g="0" b="0"/>
-      </a:effectRef>
-      <a:fontRef idx="minor"/>
-    </dgm:style>
-  </dgm:styleLbl>
-</dgm:styleDef>
-</file>
-
-<file path=ppt/diagrams/quickStyle2.xml><?xml version="1.0" encoding="utf-8"?>
-<dgm:styleDef xmlns:dgm="http://schemas.openxmlformats.org/drawingml/2006/diagram" xmlns:a="http://schemas.openxmlformats.org/drawingml/2006/main" uniqueId="urn:microsoft.com/office/officeart/2005/8/quickstyle/simple1">
-  <dgm:title val=""/>
-  <dgm:desc val=""/>
-  <dgm:catLst>
-    <dgm:cat type="simple" pri="10100"/>
-  </dgm:catLst>
-  <dgm:scene3d>
-    <a:camera prst="orthographicFront"/>
-    <a:lightRig rig="threePt" dir="t"/>
-  </dgm:scene3d>
-  <dgm:styleLbl name="node0">
-    <dgm:scene3d>
-      <a:camera prst="orthographicFront"/>
-      <a:lightRig rig="threePt" dir="t"/>
-    </dgm:scene3d>
-    <dgm:sp3d/>
-    <dgm:txPr/>
-    <dgm:style>
-      <a:lnRef idx="2">
-        <a:scrgbClr r="0" g="0" b="0"/>
-      </a:lnRef>
-      <a:fillRef idx="1">
-        <a:scrgbClr r="0" g="0" b="0"/>
-      </a:fillRef>
-      <a:effectRef idx="0">
-        <a:scrgbClr r="0" g="0" b="0"/>
-      </a:effectRef>
-      <a:fontRef idx="minor">
-        <a:schemeClr val="lt1"/>
-      </a:fontRef>
-    </dgm:style>
-  </dgm:styleLbl>
-  <dgm:styleLbl name="lnNode1">
-    <dgm:scene3d>
-      <a:camera prst="orthographicFront"/>
-      <a:lightRig rig="threePt" dir="t"/>
-    </dgm:scene3d>
-    <dgm:sp3d/>
-    <dgm:txPr/>
-    <dgm:style>
-      <a:lnRef idx="2">
-        <a:scrgbClr r="0" g="0" b="0"/>
-      </a:lnRef>
-      <a:fillRef idx="1">
-        <a:scrgbClr r="0" g="0" b="0"/>
-      </a:fillRef>
-      <a:effectRef idx="0">
-        <a:scrgbClr r="0" g="0" b="0"/>
-      </a:effectRef>
-      <a:fontRef idx="minor">
-        <a:schemeClr val="lt1"/>
-      </a:fontRef>
-    </dgm:style>
-  </dgm:styleLbl>
-  <dgm:styleLbl name="vennNode1">
-    <dgm:scene3d>
-      <a:camera prst="orthographicFront"/>
-      <a:lightRig rig="threePt" dir="t"/>
-    </dgm:scene3d>
-    <dgm:sp3d/>
-    <dgm:txPr/>
-    <dgm:style>
-      <a:lnRef idx="2">
-        <a:scrgbClr r="0" g="0" b="0"/>
-      </a:lnRef>
-      <a:fillRef idx="1">
-        <a:scrgbClr r="0" g="0" b="0"/>
-      </a:fillRef>
-      <a:effectRef idx="0">
-        <a:scrgbClr r="0" g="0" b="0"/>
-      </a:effectRef>
-      <a:fontRef idx="minor">
-        <a:schemeClr val="tx1"/>
-      </a:fontRef>
-    </dgm:style>
-  </dgm:styleLbl>
-  <dgm:styleLbl name="alignNode1">
-    <dgm:scene3d>
-      <a:camera prst="orthographicFront"/>
-      <a:lightRig rig="threePt" dir="t"/>
-    </dgm:scene3d>
-    <dgm:sp3d/>
-    <dgm:txPr/>
-    <dgm:style>
-      <a:lnRef idx="2">
-        <a:scrgbClr r="0" g="0" b="0"/>
-      </a:lnRef>
-      <a:fillRef idx="1">
-        <a:scrgbClr r="0" g="0" b="0"/>
-      </a:fillRef>
-      <a:effectRef idx="0">
-        <a:scrgbClr r="0" g="0" b="0"/>
-      </a:effectRef>
-      <a:fontRef idx="minor">
-        <a:schemeClr val="lt1"/>
-      </a:fontRef>
-    </dgm:style>
-  </dgm:styleLbl>
-  <dgm:styleLbl name="node1">
-    <dgm:scene3d>
-      <a:camera prst="orthographicFront"/>
-      <a:lightRig rig="threePt" dir="t"/>
-    </dgm:scene3d>
-    <dgm:sp3d/>
-    <dgm:txPr/>
-    <dgm:style>
-      <a:lnRef idx="2">
-        <a:scrgbClr r="0" g="0" b="0"/>
-      </a:lnRef>
-      <a:fillRef idx="1">
-        <a:scrgbClr r="0" g="0" b="0"/>
-      </a:fillRef>
-      <a:effectRef idx="0">
-        <a:scrgbClr r="0" g="0" b="0"/>
-      </a:effectRef>
-      <a:fontRef idx="minor">
-        <a:schemeClr val="lt1"/>
-      </a:fontRef>
-    </dgm:style>
-  </dgm:styleLbl>
-  <dgm:styleLbl name="node2">
-    <dgm:scene3d>
-      <a:camera prst="orthographicFront"/>
-      <a:lightRig rig="threePt" dir="t"/>
-    </dgm:scene3d>
-    <dgm:sp3d/>
-    <dgm:txPr/>
-    <dgm:style>
-      <a:lnRef idx="2">
-        <a:scrgbClr r="0" g="0" b="0"/>
-      </a:lnRef>
-      <a:fillRef idx="1">
-        <a:scrgbClr r="0" g="0" b="0"/>
-      </a:fillRef>
-      <a:effectRef idx="0">
-        <a:scrgbClr r="0" g="0" b="0"/>
-      </a:effectRef>
-      <a:fontRef idx="minor">
-        <a:schemeClr val="lt1"/>
-      </a:fontRef>
-    </dgm:style>
-  </dgm:styleLbl>
-  <dgm:styleLbl name="node3">
-    <dgm:scene3d>
-      <a:camera prst="orthographicFront"/>
-      <a:lightRig rig="threePt" dir="t"/>
-    </dgm:scene3d>
-    <dgm:sp3d/>
-    <dgm:txPr/>
-    <dgm:style>
-      <a:lnRef idx="2">
-        <a:scrgbClr r="0" g="0" b="0"/>
-      </a:lnRef>
-      <a:fillRef idx="1">
-        <a:scrgbClr r="0" g="0" b="0"/>
-      </a:fillRef>
-      <a:effectRef idx="0">
-        <a:scrgbClr r="0" g="0" b="0"/>
-      </a:effectRef>
-      <a:fontRef idx="minor">
-        <a:schemeClr val="lt1"/>
-      </a:fontRef>
-    </dgm:style>
-  </dgm:styleLbl>
-  <dgm:styleLbl name="node4">
-    <dgm:scene3d>
-      <a:camera prst="orthographicFront"/>
-      <a:lightRig rig="threePt" dir="t"/>
-    </dgm:scene3d>
-    <dgm:sp3d/>
-    <dgm:txPr/>
-    <dgm:style>
-      <a:lnRef idx="2">
-        <a:scrgbClr r="0" g="0" b="0"/>
-      </a:lnRef>
-      <a:fillRef idx="1">
-        <a:scrgbClr r="0" g="0" b="0"/>
-      </a:fillRef>
-      <a:effectRef idx="0">
-        <a:scrgbClr r="0" g="0" b="0"/>
-      </a:effectRef>
-      <a:fontRef idx="minor">
-        <a:schemeClr val="lt1"/>
-      </a:fontRef>
-    </dgm:style>
-  </dgm:styleLbl>
-  <dgm:styleLbl name="fgImgPlace1">
-    <dgm:scene3d>
-      <a:camera prst="orthographicFront"/>
-      <a:lightRig rig="threePt" dir="t"/>
-    </dgm:scene3d>
-    <dgm:sp3d/>
-    <dgm:txPr/>
-    <dgm:style>
-      <a:lnRef idx="2">
-        <a:scrgbClr r="0" g="0" b="0"/>
-      </a:lnRef>
-      <a:fillRef idx="1">
-        <a:scrgbClr r="0" g="0" b="0"/>
-      </a:fillRef>
-      <a:effectRef idx="0">
-        <a:scrgbClr r="0" g="0" b="0"/>
-      </a:effectRef>
-      <a:fontRef idx="minor"/>
-    </dgm:style>
-  </dgm:styleLbl>
-  <dgm:styleLbl name="alignImgPlace1">
-    <dgm:scene3d>
-      <a:camera prst="orthographicFront"/>
-      <a:lightRig rig="threePt" dir="t"/>
-    </dgm:scene3d>
-    <dgm:sp3d/>
-    <dgm:txPr/>
-    <dgm:style>
-      <a:lnRef idx="2">
-        <a:scrgbClr r="0" g="0" b="0"/>
-      </a:lnRef>
-      <a:fillRef idx="1">
-        <a:scrgbClr r="0" g="0" b="0"/>
-      </a:fillRef>
-      <a:effectRef idx="0">
-        <a:scrgbClr r="0" g="0" b="0"/>
-      </a:effectRef>
-      <a:fontRef idx="minor"/>
-    </dgm:style>
-  </dgm:styleLbl>
-  <dgm:styleLbl name="bgImgPlace1">
-    <dgm:scene3d>
-      <a:camera prst="orthographicFront"/>
-      <a:lightRig rig="threePt" dir="t"/>
-    </dgm:scene3d>
-    <dgm:sp3d/>
-    <dgm:txPr/>
-    <dgm:style>
-      <a:lnRef idx="2">
-        <a:scrgbClr r="0" g="0" b="0"/>
-      </a:lnRef>
-      <a:fillRef idx="1">
-        <a:scrgbClr r="0" g="0" b="0"/>
-      </a:fillRef>
-      <a:effectRef idx="0">
-        <a:scrgbClr r="0" g="0" b="0"/>
-      </a:effectRef>
-      <a:fontRef idx="minor"/>
-    </dgm:style>
-  </dgm:styleLbl>
-  <dgm:styleLbl name="sibTrans2D1">
-    <dgm:scene3d>
-      <a:camera prst="orthographicFront"/>
-      <a:lightRig rig="threePt" dir="t"/>
-    </dgm:scene3d>
-    <dgm:sp3d/>
-    <dgm:txPr/>
-    <dgm:style>
-      <a:lnRef idx="0">
-        <a:scrgbClr r="0" g="0" b="0"/>
-      </a:lnRef>
-      <a:fillRef idx="1">
-        <a:scrgbClr r="0" g="0" b="0"/>
-      </a:fillRef>
-      <a:effectRef idx="0">
-        <a:scrgbClr r="0" g="0" b="0"/>
-      </a:effectRef>
-      <a:fontRef idx="minor">
-        <a:schemeClr val="lt1"/>
-      </a:fontRef>
-    </dgm:style>
-  </dgm:styleLbl>
-  <dgm:styleLbl name="fgSibTrans2D1">
-    <dgm:scene3d>
-      <a:camera prst="orthographicFront"/>
-      <a:lightRig rig="threePt" dir="t"/>
-    </dgm:scene3d>
-    <dgm:sp3d/>
-    <dgm:txPr/>
-    <dgm:style>
-      <a:lnRef idx="0">
-        <a:scrgbClr r="0" g="0" b="0"/>
-      </a:lnRef>
-      <a:fillRef idx="1">
-        <a:scrgbClr r="0" g="0" b="0"/>
-      </a:fillRef>
-      <a:effectRef idx="0">
-        <a:scrgbClr r="0" g="0" b="0"/>
-      </a:effectRef>
-      <a:fontRef idx="minor">
-        <a:schemeClr val="lt1"/>
-      </a:fontRef>
-    </dgm:style>
-  </dgm:styleLbl>
-  <dgm:styleLbl name="bgSibTrans2D1">
-    <dgm:scene3d>
-      <a:camera prst="orthographicFront"/>
-      <a:lightRig rig="threePt" dir="t"/>
-    </dgm:scene3d>
-    <dgm:sp3d/>
-    <dgm:txPr/>
-    <dgm:style>
-      <a:lnRef idx="0">
-        <a:scrgbClr r="0" g="0" b="0"/>
-      </a:lnRef>
-      <a:fillRef idx="1">
-        <a:scrgbClr r="0" g="0" b="0"/>
-      </a:fillRef>
-      <a:effectRef idx="0">
-        <a:scrgbClr r="0" g="0" b="0"/>
-      </a:effectRef>
-      <a:fontRef idx="minor">
-        <a:schemeClr val="lt1"/>
-      </a:fontRef>
-    </dgm:style>
-  </dgm:styleLbl>
-  <dgm:styleLbl name="sibTrans1D1">
-    <dgm:scene3d>
-      <a:camera prst="orthographicFront"/>
-      <a:lightRig rig="threePt" dir="t"/>
-    </dgm:scene3d>
-    <dgm:sp3d/>
-    <dgm:txPr/>
-    <dgm:style>
-      <a:lnRef idx="1">
-        <a:scrgbClr r="0" g="0" b="0"/>
-      </a:lnRef>
-      <a:fillRef idx="0">
-        <a:scrgbClr r="0" g="0" b="0"/>
-      </a:fillRef>
-      <a:effectRef idx="0">
-        <a:scrgbClr r="0" g="0" b="0"/>
-      </a:effectRef>
-      <a:fontRef idx="minor"/>
-    </dgm:style>
-  </dgm:styleLbl>
-  <dgm:styleLbl name="callout">
-    <dgm:scene3d>
-      <a:camera prst="orthographicFront"/>
-      <a:lightRig rig="threePt" dir="t"/>
-    </dgm:scene3d>
-    <dgm:sp3d/>
-    <dgm:txPr/>
-    <dgm:style>
-      <a:lnRef idx="2">
-        <a:scrgbClr r="0" g="0" b="0"/>
-      </a:lnRef>
-      <a:fillRef idx="1">
-        <a:scrgbClr r="0" g="0" b="0"/>
-      </a:fillRef>
-      <a:effectRef idx="0">
-        <a:scrgbClr r="0" g="0" b="0"/>
-      </a:effectRef>
-      <a:fontRef idx="minor"/>
-    </dgm:style>
-  </dgm:styleLbl>
-  <dgm:styleLbl name="asst0">
-    <dgm:scene3d>
-      <a:camera prst="orthographicFront"/>
-      <a:lightRig rig="threePt" dir="t"/>
-    </dgm:scene3d>
-    <dgm:sp3d/>
-    <dgm:txPr/>
-    <dgm:style>
-      <a:lnRef idx="2">
-        <a:scrgbClr r="0" g="0" b="0"/>
-      </a:lnRef>
-      <a:fillRef idx="1">
-        <a:scrgbClr r="0" g="0" b="0"/>
-      </a:fillRef>
-      <a:effectRef idx="0">
-        <a:scrgbClr r="0" g="0" b="0"/>
-      </a:effectRef>
-      <a:fontRef idx="minor">
-        <a:schemeClr val="lt1"/>
-      </a:fontRef>
-    </dgm:style>
-  </dgm:styleLbl>
-  <dgm:styleLbl name="asst1">
-    <dgm:scene3d>
-      <a:camera prst="orthographicFront"/>
-      <a:lightRig rig="threePt" dir="t"/>
-    </dgm:scene3d>
-    <dgm:sp3d/>
-    <dgm:txPr/>
-    <dgm:style>
-      <a:lnRef idx="2">
-        <a:scrgbClr r="0" g="0" b="0"/>
-      </a:lnRef>
-      <a:fillRef idx="1">
-        <a:scrgbClr r="0" g="0" b="0"/>
-      </a:fillRef>
-      <a:effectRef idx="0">
-        <a:scrgbClr r="0" g="0" b="0"/>
-      </a:effectRef>
-      <a:fontRef idx="minor">
-        <a:schemeClr val="lt1"/>
-      </a:fontRef>
-    </dgm:style>
-  </dgm:styleLbl>
-  <dgm:styleLbl name="asst2">
-    <dgm:scene3d>
-      <a:camera prst="orthographicFront"/>
-      <a:lightRig rig="threePt" dir="t"/>
-    </dgm:scene3d>
-    <dgm:sp3d/>
-    <dgm:txPr/>
-    <dgm:style>
-      <a:lnRef idx="2">
-        <a:scrgbClr r="0" g="0" b="0"/>
-      </a:lnRef>
-      <a:fillRef idx="1">
-        <a:scrgbClr r="0" g="0" b="0"/>
-      </a:fillRef>
-      <a:effectRef idx="0">
-        <a:scrgbClr r="0" g="0" b="0"/>
-      </a:effectRef>
-      <a:fontRef idx="minor">
-        <a:schemeClr val="lt1"/>
-      </a:fontRef>
-    </dgm:style>
-  </dgm:styleLbl>
-  <dgm:styleLbl name="asst3">
-    <dgm:scene3d>
-      <a:camera prst="orthographicFront"/>
-      <a:lightRig rig="threePt" dir="t"/>
-    </dgm:scene3d>
-    <dgm:sp3d/>
-    <dgm:txPr/>
-    <dgm:style>
-      <a:lnRef idx="2">
-        <a:scrgbClr r="0" g="0" b="0"/>
-      </a:lnRef>
-      <a:fillRef idx="1">
-        <a:scrgbClr r="0" g="0" b="0"/>
-      </a:fillRef>
-      <a:effectRef idx="0">
-        <a:scrgbClr r="0" g="0" b="0"/>
-      </a:effectRef>
-      <a:fontRef idx="minor">
-        <a:schemeClr val="lt1"/>
-      </a:fontRef>
-    </dgm:style>
-  </dgm:styleLbl>
-  <dgm:styleLbl name="asst4">
-    <dgm:scene3d>
-      <a:camera prst="orthographicFront"/>
-      <a:lightRig rig="threePt" dir="t"/>
-    </dgm:scene3d>
-    <dgm:sp3d/>
-    <dgm:txPr/>
-    <dgm:style>
-      <a:lnRef idx="2">
-        <a:scrgbClr r="0" g="0" b="0"/>
-      </a:lnRef>
-      <a:fillRef idx="1">
-        <a:scrgbClr r="0" g="0" b="0"/>
-      </a:fillRef>
-      <a:effectRef idx="0">
-        <a:scrgbClr r="0" g="0" b="0"/>
-      </a:effectRef>
-      <a:fontRef idx="minor">
-        <a:schemeClr val="lt1"/>
-      </a:fontRef>
-    </dgm:style>
-  </dgm:styleLbl>
-  <dgm:styleLbl name="parChTrans2D1">
-    <dgm:scene3d>
-      <a:camera prst="orthographicFront"/>
-      <a:lightRig rig="threePt" dir="t"/>
-    </dgm:scene3d>
-    <dgm:sp3d/>
-    <dgm:txPr/>
-    <dgm:style>
-      <a:lnRef idx="2">
-        <a:scrgbClr r="0" g="0" b="0"/>
-      </a:lnRef>
-      <a:fillRef idx="1">
-        <a:scrgbClr r="0" g="0" b="0"/>
-      </a:fillRef>
-      <a:effectRef idx="0">
-        <a:scrgbClr r="0" g="0" b="0"/>
-      </a:effectRef>
-      <a:fontRef idx="minor">
-        <a:schemeClr val="lt1"/>
-      </a:fontRef>
-    </dgm:style>
-  </dgm:styleLbl>
-  <dgm:styleLbl name="parChTrans2D2">
-    <dgm:scene3d>
-      <a:camera prst="orthographicFront"/>
-      <a:lightRig rig="threePt" dir="t"/>
-    </dgm:scene3d>
-    <dgm:sp3d/>
-    <dgm:txPr/>
-    <dgm:style>
-      <a:lnRef idx="2">
-        <a:scrgbClr r="0" g="0" b="0"/>
-      </a:lnRef>
-      <a:fillRef idx="1">
-        <a:scrgbClr r="0" g="0" b="0"/>
-      </a:fillRef>
-      <a:effectRef idx="0">
-        <a:scrgbClr r="0" g="0" b="0"/>
-      </a:effectRef>
-      <a:fontRef idx="minor">
-        <a:schemeClr val="lt1"/>
-      </a:fontRef>
-    </dgm:style>
-  </dgm:styleLbl>
-  <dgm:styleLbl name="parChTrans2D3">
-    <dgm:scene3d>
-      <a:camera prst="orthographicFront"/>
-      <a:lightRig rig="threePt" dir="t"/>
-    </dgm:scene3d>
-    <dgm:sp3d/>
-    <dgm:txPr/>
-    <dgm:style>
-      <a:lnRef idx="2">
-        <a:scrgbClr r="0" g="0" b="0"/>
-      </a:lnRef>
-      <a:fillRef idx="1">
-        <a:scrgbClr r="0" g="0" b="0"/>
-      </a:fillRef>
-      <a:effectRef idx="0">
-        <a:scrgbClr r="0" g="0" b="0"/>
-      </a:effectRef>
-      <a:fontRef idx="minor">
-        <a:schemeClr val="lt1"/>
-      </a:fontRef>
-    </dgm:style>
-  </dgm:styleLbl>
-  <dgm:styleLbl name="parChTrans2D4">
-    <dgm:scene3d>
-      <a:camera prst="orthographicFront"/>
-      <a:lightRig rig="threePt" dir="t"/>
-    </dgm:scene3d>
-    <dgm:sp3d/>
-    <dgm:txPr/>
-    <dgm:style>
-      <a:lnRef idx="2">
-        <a:scrgbClr r="0" g="0" b="0"/>
-      </a:lnRef>
-      <a:fillRef idx="1">
-        <a:scrgbClr r="0" g="0" b="0"/>
-      </a:fillRef>
-      <a:effectRef idx="0">
-        <a:scrgbClr r="0" g="0" b="0"/>
-      </a:effectRef>
-      <a:fontRef idx="minor">
-        <a:schemeClr val="lt1"/>
-      </a:fontRef>
-    </dgm:style>
-  </dgm:styleLbl>
-  <dgm:styleLbl name="parChTrans1D1">
-    <dgm:scene3d>
-      <a:camera prst="orthographicFront"/>
-      <a:lightRig rig="threePt" dir="t"/>
-    </dgm:scene3d>
-    <dgm:sp3d/>
-    <dgm:txPr/>
-    <dgm:style>
-      <a:lnRef idx="2">
-        <a:scrgbClr r="0" g="0" b="0"/>
-      </a:lnRef>
-      <a:fillRef idx="0">
-        <a:scrgbClr r="0" g="0" b="0"/>
-      </a:fillRef>
-      <a:effectRef idx="0">
-        <a:scrgbClr r="0" g="0" b="0"/>
-      </a:effectRef>
-      <a:fontRef idx="minor"/>
-    </dgm:style>
-  </dgm:styleLbl>
-  <dgm:styleLbl name="parChTrans1D2">
-    <dgm:scene3d>
-      <a:camera prst="orthographicFront"/>
-      <a:lightRig rig="threePt" dir="t"/>
-    </dgm:scene3d>
-    <dgm:sp3d/>
-    <dgm:txPr/>
-    <dgm:style>
-      <a:lnRef idx="2">
-        <a:scrgbClr r="0" g="0" b="0"/>
-      </a:lnRef>
-      <a:fillRef idx="0">
-        <a:scrgbClr r="0" g="0" b="0"/>
-      </a:fillRef>
-      <a:effectRef idx="0">
-        <a:scrgbClr r="0" g="0" b="0"/>
-      </a:effectRef>
-      <a:fontRef idx="minor"/>
-    </dgm:style>
-  </dgm:styleLbl>
-  <dgm:styleLbl name="parChTrans1D3">
-    <dgm:scene3d>
-      <a:camera prst="orthographicFront"/>
-      <a:lightRig rig="threePt" dir="t"/>
-    </dgm:scene3d>
-    <dgm:sp3d/>
-    <dgm:txPr/>
-    <dgm:style>
-      <a:lnRef idx="2">
-        <a:scrgbClr r="0" g="0" b="0"/>
-      </a:lnRef>
-      <a:fillRef idx="0">
-        <a:scrgbClr r="0" g="0" b="0"/>
-      </a:fillRef>
-      <a:effectRef idx="0">
-        <a:scrgbClr r="0" g="0" b="0"/>
-      </a:effectRef>
-      <a:fontRef idx="minor"/>
-    </dgm:style>
-  </dgm:styleLbl>
-  <dgm:styleLbl name="parChTrans1D4">
-    <dgm:scene3d>
-      <a:camera prst="orthographicFront"/>
-      <a:lightRig rig="threePt" dir="t"/>
-    </dgm:scene3d>
-    <dgm:sp3d/>
-    <dgm:txPr/>
-    <dgm:style>
-      <a:lnRef idx="2">
-        <a:scrgbClr r="0" g="0" b="0"/>
-      </a:lnRef>
-      <a:fillRef idx="0">
-        <a:scrgbClr r="0" g="0" b="0"/>
-      </a:fillRef>
-      <a:effectRef idx="0">
-        <a:scrgbClr r="0" g="0" b="0"/>
-      </a:effectRef>
-      <a:fontRef idx="minor"/>
-    </dgm:style>
-  </dgm:styleLbl>
-  <dgm:styleLbl name="fgAcc1">
-    <dgm:scene3d>
-      <a:camera prst="orthographicFront"/>
-      <a:lightRig rig="threePt" dir="t"/>
-    </dgm:scene3d>
-    <dgm:sp3d/>
-    <dgm:txPr/>
-    <dgm:style>
-      <a:lnRef idx="2">
-        <a:scrgbClr r="0" g="0" b="0"/>
-      </a:lnRef>
-      <a:fillRef idx="1">
-        <a:scrgbClr r="0" g="0" b="0"/>
-      </a:fillRef>
-      <a:effectRef idx="0">
-        <a:scrgbClr r="0" g="0" b="0"/>
-      </a:effectRef>
-      <a:fontRef idx="minor"/>
-    </dgm:style>
-  </dgm:styleLbl>
-  <dgm:styleLbl name="conFgAcc1">
-    <dgm:scene3d>
-      <a:camera prst="orthographicFront"/>
-      <a:lightRig rig="threePt" dir="t"/>
-    </dgm:scene3d>
-    <dgm:sp3d/>
-    <dgm:txPr/>
-    <dgm:style>
-      <a:lnRef idx="2">
-        <a:scrgbClr r="0" g="0" b="0"/>
-      </a:lnRef>
-      <a:fillRef idx="1">
-        <a:scrgbClr r="0" g="0" b="0"/>
-      </a:fillRef>
-      <a:effectRef idx="0">
-        <a:scrgbClr r="0" g="0" b="0"/>
-      </a:effectRef>
-      <a:fontRef idx="minor"/>
-    </dgm:style>
-  </dgm:styleLbl>
-  <dgm:styleLbl name="alignAcc1">
-    <dgm:scene3d>
-      <a:camera prst="orthographicFront"/>
-      <a:lightRig rig="threePt" dir="t"/>
-    </dgm:scene3d>
-    <dgm:sp3d/>
-    <dgm:txPr/>
-    <dgm:style>
-      <a:lnRef idx="2">
-        <a:scrgbClr r="0" g="0" b="0"/>
-      </a:lnRef>
-      <a:fillRef idx="1">
-        <a:scrgbClr r="0" g="0" b="0"/>
-      </a:fillRef>
-      <a:effectRef idx="0">
-        <a:scrgbClr r="0" g="0" b="0"/>
-      </a:effectRef>
-      <a:fontRef idx="minor"/>
-    </dgm:style>
-  </dgm:styleLbl>
-  <dgm:styleLbl name="trAlignAcc1">
-    <dgm:scene3d>
-      <a:camera prst="orthographicFront"/>
-      <a:lightRig rig="threePt" dir="t"/>
-    </dgm:scene3d>
-    <dgm:sp3d/>
-    <dgm:txPr/>
-    <dgm:style>
-      <a:lnRef idx="1">
-        <a:scrgbClr r="0" g="0" b="0"/>
-      </a:lnRef>
-      <a:fillRef idx="1">
-        <a:scrgbClr r="0" g="0" b="0"/>
-      </a:fillRef>
-      <a:effectRef idx="0">
-        <a:scrgbClr r="0" g="0" b="0"/>
-      </a:effectRef>
-      <a:fontRef idx="minor"/>
-    </dgm:style>
-  </dgm:styleLbl>
-  <dgm:styleLbl name="bgAcc1">
-    <dgm:scene3d>
-      <a:camera prst="orthographicFront"/>
-      <a:lightRig rig="threePt" dir="t"/>
-    </dgm:scene3d>
-    <dgm:sp3d/>
-    <dgm:txPr/>
-    <dgm:style>
-      <a:lnRef idx="2">
-        <a:scrgbClr r="0" g="0" b="0"/>
-      </a:lnRef>
-      <a:fillRef idx="1">
-        <a:scrgbClr r="0" g="0" b="0"/>
-      </a:fillRef>
-      <a:effectRef idx="0">
-        <a:scrgbClr r="0" g="0" b="0"/>
-      </a:effectRef>
-      <a:fontRef idx="minor"/>
-    </dgm:style>
-  </dgm:styleLbl>
-  <dgm:styleLbl name="solidFgAcc1">
-    <dgm:scene3d>
-      <a:camera prst="orthographicFront"/>
-      <a:lightRig rig="threePt" dir="t"/>
-    </dgm:scene3d>
-    <dgm:sp3d/>
-    <dgm:txPr/>
-    <dgm:style>
-      <a:lnRef idx="2">
-        <a:scrgbClr r="0" g="0" b="0"/>
-      </a:lnRef>
-      <a:fillRef idx="1">
-        <a:scrgbClr r="0" g="0" b="0"/>
-      </a:fillRef>
-      <a:effectRef idx="0">
-        <a:scrgbClr r="0" g="0" b="0"/>
-      </a:effectRef>
-      <a:fontRef idx="minor"/>
-    </dgm:style>
-  </dgm:styleLbl>
-  <dgm:styleLbl name="solidAlignAcc1">
-    <dgm:scene3d>
-      <a:camera prst="orthographicFront"/>
-      <a:lightRig rig="threePt" dir="t"/>
-    </dgm:scene3d>
-    <dgm:sp3d/>
-    <dgm:txPr/>
-    <dgm:style>
-      <a:lnRef idx="2">
-        <a:scrgbClr r="0" g="0" b="0"/>
-      </a:lnRef>
-      <a:fillRef idx="1">
-        <a:scrgbClr r="0" g="0" b="0"/>
-      </a:fillRef>
-      <a:effectRef idx="0">
-        <a:scrgbClr r="0" g="0" b="0"/>
-      </a:effectRef>
-      <a:fontRef idx="minor"/>
-    </dgm:style>
-  </dgm:styleLbl>
-  <dgm:styleLbl name="solidBgAcc1">
-    <dgm:scene3d>
-      <a:camera prst="orthographicFront"/>
-      <a:lightRig rig="threePt" dir="t"/>
-    </dgm:scene3d>
-    <dgm:sp3d/>
-    <dgm:txPr/>
-    <dgm:style>
-      <a:lnRef idx="2">
-        <a:scrgbClr r="0" g="0" b="0"/>
-      </a:lnRef>
-      <a:fillRef idx="1">
-        <a:scrgbClr r="0" g="0" b="0"/>
-      </a:fillRef>
-      <a:effectRef idx="0">
-        <a:scrgbClr r="0" g="0" b="0"/>
-      </a:effectRef>
-      <a:fontRef idx="minor"/>
-    </dgm:style>
-  </dgm:styleLbl>
-  <dgm:styleLbl name="fgAccFollowNode1">
-    <dgm:scene3d>
-      <a:camera prst="orthographicFront"/>
-      <a:lightRig rig="threePt" dir="t"/>
-    </dgm:scene3d>
-    <dgm:sp3d/>
-    <dgm:txPr/>
-    <dgm:style>
-      <a:lnRef idx="2">
-        <a:scrgbClr r="0" g="0" b="0"/>
-      </a:lnRef>
-      <a:fillRef idx="1">
-        <a:scrgbClr r="0" g="0" b="0"/>
-      </a:fillRef>
-      <a:effectRef idx="0">
-        <a:scrgbClr r="0" g="0" b="0"/>
-      </a:effectRef>
-      <a:fontRef idx="minor"/>
-    </dgm:style>
-  </dgm:styleLbl>
-  <dgm:styleLbl name="alignAccFollowNode1">
-    <dgm:scene3d>
-      <a:camera prst="orthographicFront"/>
-      <a:lightRig rig="threePt" dir="t"/>
-    </dgm:scene3d>
-    <dgm:sp3d/>
-    <dgm:txPr/>
-    <dgm:style>
-      <a:lnRef idx="2">
-        <a:scrgbClr r="0" g="0" b="0"/>
-      </a:lnRef>
-      <a:fillRef idx="1">
-        <a:scrgbClr r="0" g="0" b="0"/>
-      </a:fillRef>
-      <a:effectRef idx="0">
-        <a:scrgbClr r="0" g="0" b="0"/>
-      </a:effectRef>
-      <a:fontRef idx="minor"/>
-    </dgm:style>
-  </dgm:styleLbl>
-  <dgm:styleLbl name="bgAccFollowNode1">
-    <dgm:scene3d>
-      <a:camera prst="orthographicFront"/>
-      <a:lightRig rig="threePt" dir="t"/>
-    </dgm:scene3d>
-    <dgm:sp3d/>
-    <dgm:txPr/>
-    <dgm:style>
-      <a:lnRef idx="2">
-        <a:scrgbClr r="0" g="0" b="0"/>
-      </a:lnRef>
-      <a:fillRef idx="1">
-        <a:scrgbClr r="0" g="0" b="0"/>
-      </a:fillRef>
-      <a:effectRef idx="0">
-        <a:scrgbClr r="0" g="0" b="0"/>
-      </a:effectRef>
-      <a:fontRef idx="minor"/>
-    </dgm:style>
-  </dgm:styleLbl>
-  <dgm:styleLbl name="fgAcc0">
-    <dgm:scene3d>
-      <a:camera prst="orthographicFront"/>
-      <a:lightRig rig="threePt" dir="t"/>
-    </dgm:scene3d>
-    <dgm:sp3d/>
-    <dgm:txPr/>
-    <dgm:style>
-      <a:lnRef idx="2">
-        <a:scrgbClr r="0" g="0" b="0"/>
-      </a:lnRef>
-      <a:fillRef idx="1">
-        <a:scrgbClr r="0" g="0" b="0"/>
-      </a:fillRef>
-      <a:effectRef idx="0">
-        <a:scrgbClr r="0" g="0" b="0"/>
-      </a:effectRef>
-      <a:fontRef idx="minor"/>
-    </dgm:style>
-  </dgm:styleLbl>
-  <dgm:styleLbl name="fgAcc2">
-    <dgm:scene3d>
-      <a:camera prst="orthographicFront"/>
-      <a:lightRig rig="threePt" dir="t"/>
-    </dgm:scene3d>
-    <dgm:sp3d/>
-    <dgm:txPr/>
-    <dgm:style>
-      <a:lnRef idx="2">
-        <a:scrgbClr r="0" g="0" b="0"/>
-      </a:lnRef>
-      <a:fillRef idx="1">
-        <a:scrgbClr r="0" g="0" b="0"/>
-      </a:fillRef>
-      <a:effectRef idx="0">
-        <a:scrgbClr r="0" g="0" b="0"/>
-      </a:effectRef>
-      <a:fontRef idx="minor"/>
-    </dgm:style>
-  </dgm:styleLbl>
-  <dgm:styleLbl name="fgAcc3">
-    <dgm:scene3d>
-      <a:camera prst="orthographicFront"/>
-      <a:lightRig rig="threePt" dir="t"/>
-    </dgm:scene3d>
-    <dgm:sp3d/>
-    <dgm:txPr/>
-    <dgm:style>
-      <a:lnRef idx="2">
-        <a:scrgbClr r="0" g="0" b="0"/>
-      </a:lnRef>
-      <a:fillRef idx="1">
-        <a:scrgbClr r="0" g="0" b="0"/>
-      </a:fillRef>
-      <a:effectRef idx="0">
-        <a:scrgbClr r="0" g="0" b="0"/>
-      </a:effectRef>
-      <a:fontRef idx="minor"/>
-    </dgm:style>
-  </dgm:styleLbl>
-  <dgm:styleLbl name="fgAcc4">
-    <dgm:scene3d>
-      <a:camera prst="orthographicFront"/>
-      <a:lightRig rig="threePt" dir="t"/>
-    </dgm:scene3d>
-    <dgm:sp3d/>
-    <dgm:txPr/>
-    <dgm:style>
-      <a:lnRef idx="2">
-        <a:scrgbClr r="0" g="0" b="0"/>
-      </a:lnRef>
-      <a:fillRef idx="1">
-        <a:scrgbClr r="0" g="0" b="0"/>
-      </a:fillRef>
-      <a:effectRef idx="0">
-        <a:scrgbClr r="0" g="0" b="0"/>
-      </a:effectRef>
-      <a:fontRef idx="minor"/>
-    </dgm:style>
-  </dgm:styleLbl>
-  <dgm:styleLbl name="bgShp">
-    <dgm:scene3d>
-      <a:camera prst="orthographicFront"/>
-      <a:lightRig rig="threePt" dir="t"/>
-    </dgm:scene3d>
-    <dgm:sp3d/>
-    <dgm:txPr/>
-    <dgm:style>
-      <a:lnRef idx="0">
-        <a:scrgbClr r="0" g="0" b="0"/>
-      </a:lnRef>
-      <a:fillRef idx="1">
-        <a:scrgbClr r="0" g="0" b="0"/>
-      </a:fillRef>
-      <a:effectRef idx="0">
-        <a:scrgbClr r="0" g="0" b="0"/>
-      </a:effectRef>
-      <a:fontRef idx="minor"/>
-    </dgm:style>
-  </dgm:styleLbl>
-  <dgm:styleLbl name="dkBgShp">
-    <dgm:scene3d>
-      <a:camera prst="orthographicFront"/>
-      <a:lightRig rig="threePt" dir="t"/>
-    </dgm:scene3d>
-    <dgm:sp3d/>
-    <dgm:txPr/>
-    <dgm:style>
-      <a:lnRef idx="0">
-        <a:scrgbClr r="0" g="0" b="0"/>
-      </a:lnRef>
-      <a:fillRef idx="1">
-        <a:scrgbClr r="0" g="0" b="0"/>
-      </a:fillRef>
-      <a:effectRef idx="0">
-        <a:scrgbClr r="0" g="0" b="0"/>
-      </a:effectRef>
-      <a:fontRef idx="minor"/>
-    </dgm:style>
-  </dgm:styleLbl>
-  <dgm:styleLbl name="trBgShp">
-    <dgm:scene3d>
-      <a:camera prst="orthographicFront"/>
-      <a:lightRig rig="threePt" dir="t"/>
-    </dgm:scene3d>
-    <dgm:sp3d/>
-    <dgm:txPr/>
-    <dgm:style>
-      <a:lnRef idx="0">
-        <a:scrgbClr r="0" g="0" b="0"/>
-      </a:lnRef>
-      <a:fillRef idx="1">
-        <a:scrgbClr r="0" g="0" b="0"/>
-      </a:fillRef>
-      <a:effectRef idx="0">
-        <a:scrgbClr r="0" g="0" b="0"/>
-      </a:effectRef>
-      <a:fontRef idx="minor"/>
-    </dgm:style>
-  </dgm:styleLbl>
-  <dgm:styleLbl name="fgShp">
-    <dgm:scene3d>
-      <a:camera prst="orthographicFront"/>
-      <a:lightRig rig="threePt" dir="t"/>
-    </dgm:scene3d>
-    <dgm:sp3d/>
-    <dgm:txPr/>
-    <dgm:style>
-      <a:lnRef idx="2">
-        <a:scrgbClr r="0" g="0" b="0"/>
-      </a:lnRef>
-      <a:fillRef idx="1">
-        <a:scrgbClr r="0" g="0" b="0"/>
-      </a:fillRef>
-      <a:effectRef idx="0">
-        <a:scrgbClr r="0" g="0" b="0"/>
-      </a:effectRef>
-      <a:fontRef idx="minor"/>
-    </dgm:style>
-  </dgm:styleLbl>
-  <dgm:styleLbl name="revTx">
-    <dgm:scene3d>
-      <a:camera prst="orthographicFront"/>
-      <a:lightRig rig="threePt" dir="t"/>
-    </dgm:scene3d>
-    <dgm:sp3d/>
-    <dgm:txPr/>
-    <dgm:style>
-      <a:lnRef idx="0">
-        <a:scrgbClr r="0" g="0" b="0"/>
-      </a:lnRef>
-      <a:fillRef idx="0">
-        <a:scrgbClr r="0" g="0" b="0"/>
-      </a:fillRef>
-      <a:effectRef idx="0">
-        <a:scrgbClr r="0" g="0" b="0"/>
-      </a:effectRef>
-      <a:fontRef idx="minor"/>
-    </dgm:style>
-  </dgm:styleLbl>
-</dgm:styleDef>
 </file>
 
 <file path=ppt/notesMasters/notesMaster1.xml><?xml version="1.0" encoding="utf-8"?>
@@ -8628,7 +3927,7 @@
       </p:grpSpPr>
       <p:sp>
         <p:nvSpPr>
-          <p:cNvPr id="2" name="Titel 1"/>
+          <p:cNvPr id="4" name="Titel 3"/>
           <p:cNvSpPr>
             <a:spLocks noGrp="1"/>
           </p:cNvSpPr>
@@ -8651,7 +3950,7 @@
       </p:sp>
       <p:sp>
         <p:nvSpPr>
-          <p:cNvPr id="6" name="Textplatzhalter 5"/>
+          <p:cNvPr id="5" name="Textplatzhalter 4"/>
           <p:cNvSpPr>
             <a:spLocks noGrp="1"/>
           </p:cNvSpPr>
@@ -8662,41 +3961,60 @@
         <p:spPr/>
         <p:txBody>
           <a:bodyPr>
-            <a:normAutofit fontScale="92500"/>
+            <a:normAutofit fontScale="92500" lnSpcReduction="20000"/>
           </a:bodyPr>
           <a:lstStyle/>
           <a:p>
             <a:r>
               <a:rPr lang="de-DE" dirty="0" smtClean="0"/>
-              <a:t>Differenz Projektantrag - Projekt</a:t>
+              <a:t>Unterschied Projektantrag - Projekt</a:t>
             </a:r>
             <a:endParaRPr lang="de-DE" dirty="0"/>
           </a:p>
         </p:txBody>
       </p:sp>
-      <p:graphicFrame>
-        <p:nvGraphicFramePr>
-          <p:cNvPr id="11" name="Inhaltsplatzhalter 10"/>
-          <p:cNvGraphicFramePr>
-            <a:graphicFrameLocks noGrp="1"/>
-          </p:cNvGraphicFramePr>
+      <p:sp>
+        <p:nvSpPr>
+          <p:cNvPr id="6" name="Inhaltsplatzhalter 5"/>
+          <p:cNvSpPr>
+            <a:spLocks noGrp="1"/>
+          </p:cNvSpPr>
           <p:nvPr>
             <p:ph sz="half" idx="2"/>
           </p:nvPr>
-        </p:nvGraphicFramePr>
-        <p:xfrm>
-          <a:off x="457200" y="2174875"/>
-          <a:ext cx="4040188" cy="3951288"/>
-        </p:xfrm>
-        <a:graphic>
-          <a:graphicData uri="http://schemas.openxmlformats.org/drawingml/2006/diagram">
-            <dgm:relIds xmlns:dgm="http://schemas.openxmlformats.org/drawingml/2006/diagram" xmlns:r="http://schemas.openxmlformats.org/officeDocument/2006/relationships" r:dm="rId2" r:lo="rId3" r:qs="rId4" r:cs="rId5"/>
-          </a:graphicData>
-        </a:graphic>
-      </p:graphicFrame>
-      <p:sp>
-        <p:nvSpPr>
-          <p:cNvPr id="8" name="Textplatzhalter 7"/>
+        </p:nvSpPr>
+        <p:spPr/>
+        <p:txBody>
+          <a:bodyPr/>
+          <a:lstStyle/>
+          <a:p>
+            <a:r>
+              <a:rPr lang="de-DE" dirty="0" smtClean="0"/>
+              <a:t>Modelle: -7h</a:t>
+            </a:r>
+          </a:p>
+          <a:p>
+            <a:r>
+              <a:rPr lang="de-DE" dirty="0" err="1" smtClean="0"/>
+              <a:t>Fixtures</a:t>
+            </a:r>
+            <a:r>
+              <a:rPr lang="de-DE" dirty="0" smtClean="0"/>
+              <a:t>: +7h</a:t>
+            </a:r>
+          </a:p>
+          <a:p>
+            <a:r>
+              <a:rPr lang="de-DE" dirty="0" smtClean="0"/>
+              <a:t>Manuelle- statt Modultests</a:t>
+            </a:r>
+            <a:endParaRPr lang="de-DE" dirty="0"/>
+          </a:p>
+        </p:txBody>
+      </p:sp>
+      <p:sp>
+        <p:nvSpPr>
+          <p:cNvPr id="7" name="Textplatzhalter 6"/>
           <p:cNvSpPr>
             <a:spLocks noGrp="1"/>
           </p:cNvSpPr>
@@ -8707,38 +4025,47 @@
         <p:spPr/>
         <p:txBody>
           <a:bodyPr>
-            <a:normAutofit fontScale="92500"/>
+            <a:normAutofit fontScale="92500" lnSpcReduction="20000"/>
           </a:bodyPr>
           <a:lstStyle/>
           <a:p>
             <a:r>
               <a:rPr lang="de-DE" dirty="0" smtClean="0"/>
-              <a:t>Differenz Planung - Umsetzung</a:t>
+              <a:t>Unterschied Planung - Umsetzung</a:t>
             </a:r>
             <a:endParaRPr lang="de-DE" dirty="0"/>
           </a:p>
         </p:txBody>
       </p:sp>
-      <p:graphicFrame>
-        <p:nvGraphicFramePr>
-          <p:cNvPr id="12" name="Inhaltsplatzhalter 11"/>
-          <p:cNvGraphicFramePr>
-            <a:graphicFrameLocks noGrp="1"/>
-          </p:cNvGraphicFramePr>
+      <p:sp>
+        <p:nvSpPr>
+          <p:cNvPr id="8" name="Inhaltsplatzhalter 7"/>
+          <p:cNvSpPr>
+            <a:spLocks noGrp="1"/>
+          </p:cNvSpPr>
           <p:nvPr>
             <p:ph sz="quarter" idx="4"/>
           </p:nvPr>
-        </p:nvGraphicFramePr>
-        <p:xfrm>
-          <a:off x="4645025" y="2174875"/>
-          <a:ext cx="4041775" cy="3951288"/>
-        </p:xfrm>
-        <a:graphic>
-          <a:graphicData uri="http://schemas.openxmlformats.org/drawingml/2006/diagram">
-            <dgm:relIds xmlns:dgm="http://schemas.openxmlformats.org/drawingml/2006/diagram" xmlns:r="http://schemas.openxmlformats.org/officeDocument/2006/relationships" r:dm="rId7" r:lo="rId8" r:qs="rId9" r:cs="rId10"/>
-          </a:graphicData>
-        </a:graphic>
-      </p:graphicFrame>
+        </p:nvSpPr>
+        <p:spPr/>
+        <p:txBody>
+          <a:bodyPr/>
+          <a:lstStyle/>
+          <a:p>
+            <a:r>
+              <a:rPr lang="de-DE" dirty="0" smtClean="0"/>
+              <a:t>Modelle: -1h</a:t>
+            </a:r>
+          </a:p>
+          <a:p>
+            <a:r>
+              <a:rPr lang="de-DE" dirty="0" smtClean="0"/>
+              <a:t>Doku: +2h</a:t>
+            </a:r>
+            <a:endParaRPr lang="de-DE" dirty="0"/>
+          </a:p>
+        </p:txBody>
+      </p:sp>
     </p:spTree>
   </p:cSld>
   <p:clrMapOvr>

--- a/praesentation/Projektpräsentation.pptx
+++ b/praesentation/Projektpräsentation.pptx
@@ -3894,8 +3894,28 @@
           <a:p>
             <a:r>
               <a:rPr lang="de-DE" dirty="0" smtClean="0"/>
-              <a:t>Konfiguration der Datenbankverbindung</a:t>
-            </a:r>
+              <a:t>Konfiguration der </a:t>
+            </a:r>
+            <a:r>
+              <a:rPr lang="de-DE" dirty="0" smtClean="0"/>
+              <a:t>Datenbankverbindung</a:t>
+            </a:r>
+          </a:p>
+          <a:p>
+            <a:r>
+              <a:rPr lang="de-DE" dirty="0" err="1" smtClean="0"/>
+              <a:t>url</a:t>
+            </a:r>
+            <a:r>
+              <a:rPr lang="de-DE" dirty="0" smtClean="0"/>
+              <a:t> : </a:t>
+            </a:r>
+            <a:r>
+              <a:rPr lang="de-DE" dirty="0" smtClean="0"/>
+              <a:t>http://dev.mam-hbs.de/api/v0.1/getpricesandavailabilities</a:t>
+            </a:r>
+          </a:p>
+          <a:p>
             <a:endParaRPr lang="de-DE" dirty="0"/>
           </a:p>
         </p:txBody>
@@ -4131,7 +4151,7 @@
           <a:p>
             <a:r>
               <a:rPr lang="de-DE" dirty="0" smtClean="0"/>
-              <a:t>Projektziele Erreicht</a:t>
+              <a:t>Projektziele erreicht</a:t>
             </a:r>
           </a:p>
           <a:p>
@@ -4157,6 +4177,12 @@
             <a:r>
               <a:rPr lang="de-DE" dirty="0" smtClean="0"/>
               <a:t> wird derzeit entwickelt</a:t>
+            </a:r>
+          </a:p>
+          <a:p>
+            <a:r>
+              <a:rPr lang="de-DE" dirty="0" smtClean="0"/>
+              <a:t>Teilprojektkosten : 820€</a:t>
             </a:r>
           </a:p>
           <a:p>

--- a/praesentation/Projektpräsentation.pptx
+++ b/praesentation/Projektpräsentation.pptx
@@ -5,25 +5,26 @@
     <p:sldMasterId id="2147483708" r:id="rId1"/>
   </p:sldMasterIdLst>
   <p:notesMasterIdLst>
-    <p:notesMasterId r:id="rId18"/>
+    <p:notesMasterId r:id="rId19"/>
   </p:notesMasterIdLst>
   <p:sldIdLst>
     <p:sldId id="256" r:id="rId2"/>
     <p:sldId id="257" r:id="rId3"/>
-    <p:sldId id="258" r:id="rId4"/>
-    <p:sldId id="259" r:id="rId5"/>
-    <p:sldId id="260" r:id="rId6"/>
-    <p:sldId id="261" r:id="rId7"/>
-    <p:sldId id="262" r:id="rId8"/>
-    <p:sldId id="263" r:id="rId9"/>
-    <p:sldId id="264" r:id="rId10"/>
-    <p:sldId id="265" r:id="rId11"/>
-    <p:sldId id="266" r:id="rId12"/>
-    <p:sldId id="267" r:id="rId13"/>
-    <p:sldId id="268" r:id="rId14"/>
-    <p:sldId id="273" r:id="rId15"/>
-    <p:sldId id="270" r:id="rId16"/>
-    <p:sldId id="271" r:id="rId17"/>
+    <p:sldId id="274" r:id="rId4"/>
+    <p:sldId id="258" r:id="rId5"/>
+    <p:sldId id="259" r:id="rId6"/>
+    <p:sldId id="260" r:id="rId7"/>
+    <p:sldId id="261" r:id="rId8"/>
+    <p:sldId id="262" r:id="rId9"/>
+    <p:sldId id="263" r:id="rId10"/>
+    <p:sldId id="264" r:id="rId11"/>
+    <p:sldId id="265" r:id="rId12"/>
+    <p:sldId id="266" r:id="rId13"/>
+    <p:sldId id="267" r:id="rId14"/>
+    <p:sldId id="268" r:id="rId15"/>
+    <p:sldId id="273" r:id="rId16"/>
+    <p:sldId id="270" r:id="rId17"/>
+    <p:sldId id="271" r:id="rId18"/>
   </p:sldIdLst>
   <p:sldSz cx="9144000" cy="6858000" type="screen4x3"/>
   <p:notesSz cx="6858000" cy="9144000"/>
@@ -208,7 +209,7 @@
             <a:fld id="{C4168E4D-0E0B-440D-9413-7C1F6355695D}" type="datetimeFigureOut">
               <a:rPr lang="de-DE" smtClean="0"/>
               <a:pPr/>
-              <a:t>12.07.2016</a:t>
+              <a:t>13.07.2016</a:t>
             </a:fld>
             <a:endParaRPr lang="de-DE"/>
           </a:p>
@@ -656,7 +657,7 @@
             <a:fld id="{5FE66156-7666-46EE-B0CD-966BA12C86BB}" type="datetimeFigureOut">
               <a:rPr lang="de-DE" smtClean="0"/>
               <a:pPr/>
-              <a:t>12.07.2016</a:t>
+              <a:t>13.07.2016</a:t>
             </a:fld>
             <a:endParaRPr lang="de-DE"/>
           </a:p>
@@ -823,7 +824,7 @@
             <a:fld id="{5FE66156-7666-46EE-B0CD-966BA12C86BB}" type="datetimeFigureOut">
               <a:rPr lang="de-DE" smtClean="0"/>
               <a:pPr/>
-              <a:t>12.07.2016</a:t>
+              <a:t>13.07.2016</a:t>
             </a:fld>
             <a:endParaRPr lang="de-DE"/>
           </a:p>
@@ -1000,7 +1001,7 @@
             <a:fld id="{5FE66156-7666-46EE-B0CD-966BA12C86BB}" type="datetimeFigureOut">
               <a:rPr lang="de-DE" smtClean="0"/>
               <a:pPr/>
-              <a:t>12.07.2016</a:t>
+              <a:t>13.07.2016</a:t>
             </a:fld>
             <a:endParaRPr lang="de-DE"/>
           </a:p>
@@ -1167,7 +1168,7 @@
             <a:fld id="{5FE66156-7666-46EE-B0CD-966BA12C86BB}" type="datetimeFigureOut">
               <a:rPr lang="de-DE" smtClean="0"/>
               <a:pPr/>
-              <a:t>12.07.2016</a:t>
+              <a:t>13.07.2016</a:t>
             </a:fld>
             <a:endParaRPr lang="de-DE"/>
           </a:p>
@@ -1410,7 +1411,7 @@
             <a:fld id="{5FE66156-7666-46EE-B0CD-966BA12C86BB}" type="datetimeFigureOut">
               <a:rPr lang="de-DE" smtClean="0"/>
               <a:pPr/>
-              <a:t>12.07.2016</a:t>
+              <a:t>13.07.2016</a:t>
             </a:fld>
             <a:endParaRPr lang="de-DE"/>
           </a:p>
@@ -1695,7 +1696,7 @@
             <a:fld id="{5FE66156-7666-46EE-B0CD-966BA12C86BB}" type="datetimeFigureOut">
               <a:rPr lang="de-DE" smtClean="0"/>
               <a:pPr/>
-              <a:t>12.07.2016</a:t>
+              <a:t>13.07.2016</a:t>
             </a:fld>
             <a:endParaRPr lang="de-DE"/>
           </a:p>
@@ -2114,7 +2115,7 @@
             <a:fld id="{5FE66156-7666-46EE-B0CD-966BA12C86BB}" type="datetimeFigureOut">
               <a:rPr lang="de-DE" smtClean="0"/>
               <a:pPr/>
-              <a:t>12.07.2016</a:t>
+              <a:t>13.07.2016</a:t>
             </a:fld>
             <a:endParaRPr lang="de-DE"/>
           </a:p>
@@ -2229,7 +2230,7 @@
             <a:fld id="{5FE66156-7666-46EE-B0CD-966BA12C86BB}" type="datetimeFigureOut">
               <a:rPr lang="de-DE" smtClean="0"/>
               <a:pPr/>
-              <a:t>12.07.2016</a:t>
+              <a:t>13.07.2016</a:t>
             </a:fld>
             <a:endParaRPr lang="de-DE"/>
           </a:p>
@@ -2321,7 +2322,7 @@
             <a:fld id="{5FE66156-7666-46EE-B0CD-966BA12C86BB}" type="datetimeFigureOut">
               <a:rPr lang="de-DE" smtClean="0"/>
               <a:pPr/>
-              <a:t>12.07.2016</a:t>
+              <a:t>13.07.2016</a:t>
             </a:fld>
             <a:endParaRPr lang="de-DE"/>
           </a:p>
@@ -2595,7 +2596,7 @@
             <a:fld id="{5FE66156-7666-46EE-B0CD-966BA12C86BB}" type="datetimeFigureOut">
               <a:rPr lang="de-DE" smtClean="0"/>
               <a:pPr/>
-              <a:t>12.07.2016</a:t>
+              <a:t>13.07.2016</a:t>
             </a:fld>
             <a:endParaRPr lang="de-DE"/>
           </a:p>
@@ -2845,7 +2846,7 @@
             <a:fld id="{5FE66156-7666-46EE-B0CD-966BA12C86BB}" type="datetimeFigureOut">
               <a:rPr lang="de-DE" smtClean="0"/>
               <a:pPr/>
-              <a:t>12.07.2016</a:t>
+              <a:t>13.07.2016</a:t>
             </a:fld>
             <a:endParaRPr lang="de-DE"/>
           </a:p>
@@ -3055,7 +3056,7 @@
             <a:fld id="{5FE66156-7666-46EE-B0CD-966BA12C86BB}" type="datetimeFigureOut">
               <a:rPr lang="de-DE" smtClean="0"/>
               <a:pPr/>
-              <a:t>12.07.2016</a:t>
+              <a:t>13.07.2016</a:t>
             </a:fld>
             <a:endParaRPr lang="de-DE"/>
           </a:p>
@@ -3533,7 +3534,7 @@
           <a:p>
             <a:r>
               <a:rPr lang="de-DE" dirty="0" smtClean="0"/>
-              <a:t>Sequenzdiagramm</a:t>
+              <a:t>Klassendiagramm</a:t>
             </a:r>
             <a:endParaRPr lang="de-DE" dirty="0"/>
           </a:p>
@@ -3541,7 +3542,7 @@
       </p:sp>
       <p:pic>
         <p:nvPicPr>
-          <p:cNvPr id="4" name="Inhaltsplatzhalter 3" descr="hbs_sequence.jpg"/>
+          <p:cNvPr id="10" name="Inhaltsplatzhalter 9" descr="hbs_praesi_class_diagram.jpg"/>
           <p:cNvPicPr>
             <a:picLocks noGrp="1" noChangeAspect="1"/>
           </p:cNvPicPr>
@@ -3557,8 +3558,8 @@
         </p:blipFill>
         <p:spPr>
           <a:xfrm>
-            <a:off x="1907704" y="1320998"/>
-            <a:ext cx="5256584" cy="5015657"/>
+            <a:off x="971600" y="1340768"/>
+            <a:ext cx="6840760" cy="4845538"/>
           </a:xfrm>
         </p:spPr>
       </p:pic>
@@ -3604,117 +3605,35 @@
           <a:p>
             <a:r>
               <a:rPr lang="de-DE" dirty="0" smtClean="0"/>
-              <a:t>Realisierung</a:t>
+              <a:t>Sequenzdiagramm</a:t>
             </a:r>
             <a:endParaRPr lang="de-DE" dirty="0"/>
           </a:p>
         </p:txBody>
       </p:sp>
-      <p:sp>
-        <p:nvSpPr>
-          <p:cNvPr id="3" name="Inhaltsplatzhalter 2"/>
-          <p:cNvSpPr>
-            <a:spLocks noGrp="1"/>
-          </p:cNvSpPr>
+      <p:pic>
+        <p:nvPicPr>
+          <p:cNvPr id="4" name="Inhaltsplatzhalter 3" descr="hbs_sequence.jpg"/>
+          <p:cNvPicPr>
+            <a:picLocks noGrp="1" noChangeAspect="1"/>
+          </p:cNvPicPr>
           <p:nvPr>
             <p:ph idx="1"/>
           </p:nvPr>
-        </p:nvSpPr>
-        <p:spPr/>
-        <p:txBody>
-          <a:bodyPr>
-            <a:normAutofit fontScale="92500"/>
-          </a:bodyPr>
-          <a:lstStyle/>
-          <a:p>
-            <a:r>
-              <a:rPr lang="de-DE" dirty="0" smtClean="0"/>
-              <a:t>Lokale Entwicklung mit </a:t>
-            </a:r>
-            <a:r>
-              <a:rPr lang="de-DE" dirty="0" err="1" smtClean="0"/>
-              <a:t>Netbeans</a:t>
-            </a:r>
-            <a:r>
-              <a:rPr lang="de-DE" dirty="0" smtClean="0"/>
-              <a:t> DIE</a:t>
-            </a:r>
-          </a:p>
-          <a:p>
-            <a:r>
-              <a:rPr lang="de-DE" dirty="0" smtClean="0"/>
-              <a:t>Implementierung der Modelle</a:t>
-            </a:r>
-          </a:p>
-          <a:p>
-            <a:r>
-              <a:rPr lang="de-DE" dirty="0" smtClean="0"/>
-              <a:t>Nutzung von </a:t>
-            </a:r>
-            <a:r>
-              <a:rPr lang="de-DE" dirty="0" err="1" smtClean="0"/>
-              <a:t>Doctrine</a:t>
-            </a:r>
-            <a:r>
-              <a:rPr lang="de-DE" dirty="0" smtClean="0"/>
-              <a:t> ORM – </a:t>
-            </a:r>
-            <a:r>
-              <a:rPr lang="de-DE" dirty="0" err="1" smtClean="0"/>
-              <a:t>Annotations</a:t>
-            </a:r>
-            <a:endParaRPr lang="de-DE" dirty="0" smtClean="0"/>
-          </a:p>
-          <a:p>
-            <a:r>
-              <a:rPr lang="de-DE" dirty="0" smtClean="0"/>
-              <a:t>Automatische Generierung DDL – Datenbank</a:t>
-            </a:r>
-          </a:p>
-          <a:p>
-            <a:r>
-              <a:rPr lang="de-DE" dirty="0" smtClean="0"/>
-              <a:t>Definition JSON DTO</a:t>
-            </a:r>
-          </a:p>
-          <a:p>
-            <a:r>
-              <a:rPr lang="de-DE" dirty="0" smtClean="0"/>
-              <a:t>Implementierung der Controller</a:t>
-            </a:r>
-          </a:p>
-          <a:p>
-            <a:r>
-              <a:rPr lang="de-DE" dirty="0" smtClean="0"/>
-              <a:t>Zuordnung eines Controllers zu einem </a:t>
-            </a:r>
-            <a:r>
-              <a:rPr lang="de-DE" dirty="0" err="1" smtClean="0"/>
-              <a:t>Endpoint</a:t>
-            </a:r>
-            <a:endParaRPr lang="de-DE" dirty="0" smtClean="0"/>
-          </a:p>
-          <a:p>
-            <a:r>
-              <a:rPr lang="de-DE" dirty="0" smtClean="0"/>
-              <a:t>Implementierung der </a:t>
-            </a:r>
-            <a:r>
-              <a:rPr lang="de-DE" dirty="0" smtClean="0"/>
-              <a:t>Testdaten (</a:t>
-            </a:r>
-            <a:r>
-              <a:rPr lang="de-DE" dirty="0" err="1" smtClean="0"/>
-              <a:t>Fixtures</a:t>
-            </a:r>
-            <a:r>
-              <a:rPr lang="de-DE" dirty="0" smtClean="0"/>
-              <a:t>)</a:t>
-            </a:r>
-            <a:endParaRPr lang="de-DE" dirty="0"/>
-          </a:p>
-        </p:txBody>
-      </p:sp>
+        </p:nvPicPr>
+        <p:blipFill>
+          <a:blip r:embed="rId2" cstate="print"/>
+          <a:stretch>
+            <a:fillRect/>
+          </a:stretch>
+        </p:blipFill>
+        <p:spPr>
+          <a:xfrm>
+            <a:off x="1907704" y="1320998"/>
+            <a:ext cx="5256584" cy="5015657"/>
+          </a:xfrm>
+        </p:spPr>
+      </p:pic>
     </p:spTree>
   </p:cSld>
   <p:clrMapOvr>
@@ -3757,7 +3676,7 @@
           <a:p>
             <a:r>
               <a:rPr lang="de-DE" dirty="0" smtClean="0"/>
-              <a:t>QM</a:t>
+              <a:t>Realisierung</a:t>
             </a:r>
             <a:endParaRPr lang="de-DE" dirty="0"/>
           </a:p>
@@ -3775,33 +3694,90 @@
         </p:nvSpPr>
         <p:spPr/>
         <p:txBody>
-          <a:bodyPr/>
-          <a:lstStyle/>
-          <a:p>
-            <a:r>
-              <a:rPr lang="de-DE" dirty="0" smtClean="0"/>
-              <a:t>Manuelles Testen mit Postman</a:t>
-            </a:r>
-          </a:p>
-          <a:p>
-            <a:r>
-              <a:rPr lang="de-DE" dirty="0" smtClean="0"/>
-              <a:t>Validierung : </a:t>
-            </a:r>
-            <a:r>
-              <a:rPr lang="de-DE" dirty="0" smtClean="0"/>
-              <a:t>JSONLint.com , JSON-Schema.org</a:t>
+          <a:bodyPr>
+            <a:normAutofit fontScale="92500"/>
+          </a:bodyPr>
+          <a:lstStyle/>
+          <a:p>
+            <a:r>
+              <a:rPr lang="de-DE" dirty="0" smtClean="0"/>
+              <a:t>Lokale Entwicklung mit </a:t>
+            </a:r>
+            <a:r>
+              <a:rPr lang="de-DE" dirty="0" err="1" smtClean="0"/>
+              <a:t>Netbeans</a:t>
+            </a:r>
+            <a:r>
+              <a:rPr lang="de-DE" dirty="0" smtClean="0"/>
+              <a:t> DIE</a:t>
+            </a:r>
+          </a:p>
+          <a:p>
+            <a:r>
+              <a:rPr lang="de-DE" dirty="0" smtClean="0"/>
+              <a:t>Implementierung der Modelle</a:t>
+            </a:r>
+          </a:p>
+          <a:p>
+            <a:r>
+              <a:rPr lang="de-DE" dirty="0" smtClean="0"/>
+              <a:t>Nutzung von </a:t>
+            </a:r>
+            <a:r>
+              <a:rPr lang="de-DE" dirty="0" err="1" smtClean="0"/>
+              <a:t>Doctrine</a:t>
+            </a:r>
+            <a:r>
+              <a:rPr lang="de-DE" dirty="0" smtClean="0"/>
+              <a:t> ORM – </a:t>
+            </a:r>
+            <a:r>
+              <a:rPr lang="de-DE" dirty="0" err="1" smtClean="0"/>
+              <a:t>Annotations</a:t>
             </a:r>
             <a:endParaRPr lang="de-DE" dirty="0" smtClean="0"/>
           </a:p>
           <a:p>
             <a:r>
               <a:rPr lang="de-DE" dirty="0" smtClean="0"/>
-              <a:t>Codereview durch </a:t>
-            </a:r>
-            <a:r>
-              <a:rPr lang="de-DE" dirty="0" smtClean="0"/>
-              <a:t>freien Mitarbeiter</a:t>
+              <a:t>Automatische Generierung DDL – Datenbank</a:t>
+            </a:r>
+          </a:p>
+          <a:p>
+            <a:r>
+              <a:rPr lang="de-DE" dirty="0" smtClean="0"/>
+              <a:t>Definition JSON DTO</a:t>
+            </a:r>
+          </a:p>
+          <a:p>
+            <a:r>
+              <a:rPr lang="de-DE" dirty="0" smtClean="0"/>
+              <a:t>Implementierung der Controller</a:t>
+            </a:r>
+          </a:p>
+          <a:p>
+            <a:r>
+              <a:rPr lang="de-DE" dirty="0" smtClean="0"/>
+              <a:t>Zuordnung eines Controllers zu einem </a:t>
+            </a:r>
+            <a:r>
+              <a:rPr lang="de-DE" dirty="0" err="1" smtClean="0"/>
+              <a:t>Endpoint</a:t>
+            </a:r>
+            <a:endParaRPr lang="de-DE" dirty="0" smtClean="0"/>
+          </a:p>
+          <a:p>
+            <a:r>
+              <a:rPr lang="de-DE" dirty="0" smtClean="0"/>
+              <a:t>Implementierung der Testdaten (</a:t>
+            </a:r>
+            <a:r>
+              <a:rPr lang="de-DE" dirty="0" err="1" smtClean="0"/>
+              <a:t>Fixtures</a:t>
+            </a:r>
+            <a:r>
+              <a:rPr lang="de-DE" dirty="0" smtClean="0"/>
+              <a:t>)</a:t>
             </a:r>
             <a:endParaRPr lang="de-DE" dirty="0"/>
           </a:p>
@@ -3849,7 +3825,7 @@
           <a:p>
             <a:r>
               <a:rPr lang="de-DE" dirty="0" smtClean="0"/>
-              <a:t>Inbetriebnahme</a:t>
+              <a:t>QM</a:t>
             </a:r>
             <a:endParaRPr lang="de-DE" dirty="0"/>
           </a:p>
@@ -3872,50 +3848,20 @@
           <a:p>
             <a:r>
               <a:rPr lang="de-DE" dirty="0" smtClean="0"/>
-              <a:t>Server wird extern beherbergt</a:t>
-            </a:r>
-          </a:p>
-          <a:p>
-            <a:r>
-              <a:rPr lang="de-DE" dirty="0" err="1" smtClean="0"/>
-              <a:t>Git</a:t>
-            </a:r>
-            <a:r>
-              <a:rPr lang="de-DE" dirty="0" smtClean="0"/>
-              <a:t> als Versionsverwaltungssystem</a:t>
-            </a:r>
-          </a:p>
-          <a:p>
-            <a:r>
-              <a:rPr lang="de-DE" dirty="0" smtClean="0"/>
-              <a:t>Hochladen mittels Push – Operation</a:t>
-            </a:r>
-          </a:p>
-          <a:p>
-            <a:r>
-              <a:rPr lang="de-DE" dirty="0" smtClean="0"/>
-              <a:t>Konfiguration der </a:t>
-            </a:r>
-            <a:r>
-              <a:rPr lang="de-DE" dirty="0" smtClean="0"/>
-              <a:t>Datenbankverbindung</a:t>
-            </a:r>
-          </a:p>
-          <a:p>
-            <a:r>
-              <a:rPr lang="de-DE" dirty="0" err="1" smtClean="0"/>
-              <a:t>url</a:t>
-            </a:r>
-            <a:r>
-              <a:rPr lang="de-DE" dirty="0" smtClean="0"/>
-              <a:t> : </a:t>
-            </a:r>
-            <a:r>
-              <a:rPr lang="de-DE" dirty="0" smtClean="0"/>
-              <a:t>http://dev.mam-hbs.de/api/v0.1/getpricesandavailabilities</a:t>
-            </a:r>
-          </a:p>
-          <a:p>
+              <a:t>Manuelles Testen mit Postman</a:t>
+            </a:r>
+          </a:p>
+          <a:p>
+            <a:r>
+              <a:rPr lang="de-DE" dirty="0" smtClean="0"/>
+              <a:t>Validierung : JSONLint.com , JSON-Schema.org</a:t>
+            </a:r>
+          </a:p>
+          <a:p>
+            <a:r>
+              <a:rPr lang="de-DE" dirty="0" smtClean="0"/>
+              <a:t>Codereview durch freien Mitarbeiter</a:t>
+            </a:r>
             <a:endParaRPr lang="de-DE" dirty="0"/>
           </a:p>
         </p:txBody>
@@ -3947,7 +3893,7 @@
       </p:grpSpPr>
       <p:sp>
         <p:nvSpPr>
-          <p:cNvPr id="4" name="Titel 3"/>
+          <p:cNvPr id="2" name="Titel 1"/>
           <p:cNvSpPr>
             <a:spLocks noGrp="1"/>
           </p:cNvSpPr>
@@ -3962,7 +3908,7 @@
           <a:p>
             <a:r>
               <a:rPr lang="de-DE" dirty="0" smtClean="0"/>
-              <a:t>Soll – Ist -Vergleich</a:t>
+              <a:t>Inbetriebnahme</a:t>
             </a:r>
             <a:endParaRPr lang="de-DE" dirty="0"/>
           </a:p>
@@ -3970,118 +3916,57 @@
       </p:sp>
       <p:sp>
         <p:nvSpPr>
-          <p:cNvPr id="5" name="Textplatzhalter 4"/>
-          <p:cNvSpPr>
-            <a:spLocks noGrp="1"/>
-          </p:cNvSpPr>
-          <p:nvPr>
-            <p:ph type="body" idx="1"/>
-          </p:nvPr>
-        </p:nvSpPr>
-        <p:spPr/>
-        <p:txBody>
-          <a:bodyPr>
-            <a:normAutofit fontScale="92500" lnSpcReduction="20000"/>
-          </a:bodyPr>
-          <a:lstStyle/>
-          <a:p>
-            <a:r>
-              <a:rPr lang="de-DE" dirty="0" smtClean="0"/>
-              <a:t>Unterschied Projektantrag - Projekt</a:t>
-            </a:r>
-            <a:endParaRPr lang="de-DE" dirty="0"/>
-          </a:p>
-        </p:txBody>
-      </p:sp>
-      <p:sp>
-        <p:nvSpPr>
-          <p:cNvPr id="6" name="Inhaltsplatzhalter 5"/>
-          <p:cNvSpPr>
-            <a:spLocks noGrp="1"/>
-          </p:cNvSpPr>
-          <p:nvPr>
-            <p:ph sz="half" idx="2"/>
-          </p:nvPr>
-        </p:nvSpPr>
-        <p:spPr/>
-        <p:txBody>
-          <a:bodyPr/>
-          <a:lstStyle/>
-          <a:p>
-            <a:r>
-              <a:rPr lang="de-DE" dirty="0" smtClean="0"/>
-              <a:t>Modelle: -7h</a:t>
+          <p:cNvPr id="3" name="Inhaltsplatzhalter 2"/>
+          <p:cNvSpPr>
+            <a:spLocks noGrp="1"/>
+          </p:cNvSpPr>
+          <p:nvPr>
+            <p:ph idx="1"/>
+          </p:nvPr>
+        </p:nvSpPr>
+        <p:spPr/>
+        <p:txBody>
+          <a:bodyPr/>
+          <a:lstStyle/>
+          <a:p>
+            <a:r>
+              <a:rPr lang="de-DE" dirty="0" smtClean="0"/>
+              <a:t>Server wird extern beherbergt</a:t>
             </a:r>
           </a:p>
           <a:p>
             <a:r>
               <a:rPr lang="de-DE" dirty="0" err="1" smtClean="0"/>
-              <a:t>Fixtures</a:t>
-            </a:r>
-            <a:r>
-              <a:rPr lang="de-DE" dirty="0" smtClean="0"/>
-              <a:t>: +7h</a:t>
-            </a:r>
-          </a:p>
-          <a:p>
-            <a:r>
-              <a:rPr lang="de-DE" dirty="0" smtClean="0"/>
-              <a:t>Manuelle- statt Modultests</a:t>
-            </a:r>
-            <a:endParaRPr lang="de-DE" dirty="0"/>
-          </a:p>
-        </p:txBody>
-      </p:sp>
-      <p:sp>
-        <p:nvSpPr>
-          <p:cNvPr id="7" name="Textplatzhalter 6"/>
-          <p:cNvSpPr>
-            <a:spLocks noGrp="1"/>
-          </p:cNvSpPr>
-          <p:nvPr>
-            <p:ph type="body" sz="quarter" idx="3"/>
-          </p:nvPr>
-        </p:nvSpPr>
-        <p:spPr/>
-        <p:txBody>
-          <a:bodyPr>
-            <a:normAutofit fontScale="92500" lnSpcReduction="20000"/>
-          </a:bodyPr>
-          <a:lstStyle/>
-          <a:p>
-            <a:r>
-              <a:rPr lang="de-DE" dirty="0" smtClean="0"/>
-              <a:t>Unterschied Planung - Umsetzung</a:t>
-            </a:r>
-            <a:endParaRPr lang="de-DE" dirty="0"/>
-          </a:p>
-        </p:txBody>
-      </p:sp>
-      <p:sp>
-        <p:nvSpPr>
-          <p:cNvPr id="8" name="Inhaltsplatzhalter 7"/>
-          <p:cNvSpPr>
-            <a:spLocks noGrp="1"/>
-          </p:cNvSpPr>
-          <p:nvPr>
-            <p:ph sz="quarter" idx="4"/>
-          </p:nvPr>
-        </p:nvSpPr>
-        <p:spPr/>
-        <p:txBody>
-          <a:bodyPr/>
-          <a:lstStyle/>
-          <a:p>
-            <a:r>
-              <a:rPr lang="de-DE" dirty="0" smtClean="0"/>
-              <a:t>Modelle: -1h</a:t>
-            </a:r>
-          </a:p>
-          <a:p>
-            <a:r>
-              <a:rPr lang="de-DE" dirty="0" smtClean="0"/>
-              <a:t>Doku: +2h</a:t>
-            </a:r>
+              <a:t>Git</a:t>
+            </a:r>
+            <a:r>
+              <a:rPr lang="de-DE" dirty="0" smtClean="0"/>
+              <a:t> als Versionsverwaltungssystem</a:t>
+            </a:r>
+          </a:p>
+          <a:p>
+            <a:r>
+              <a:rPr lang="de-DE" dirty="0" smtClean="0"/>
+              <a:t>Hochladen mittels Push – Operation</a:t>
+            </a:r>
+          </a:p>
+          <a:p>
+            <a:r>
+              <a:rPr lang="de-DE" dirty="0" smtClean="0"/>
+              <a:t>Konfiguration der Datenbankverbindung</a:t>
+            </a:r>
+          </a:p>
+          <a:p>
+            <a:r>
+              <a:rPr lang="de-DE" dirty="0" err="1" smtClean="0"/>
+              <a:t>url</a:t>
+            </a:r>
+            <a:r>
+              <a:rPr lang="de-DE" dirty="0" smtClean="0"/>
+              <a:t> : http://dev.mam-hbs.de/api/v0.1/getpricesandavailabilities</a:t>
+            </a:r>
+          </a:p>
+          <a:p>
             <a:endParaRPr lang="de-DE" dirty="0"/>
           </a:p>
         </p:txBody>
@@ -4113,7 +3998,7 @@
       </p:grpSpPr>
       <p:sp>
         <p:nvSpPr>
-          <p:cNvPr id="2" name="Titel 1"/>
+          <p:cNvPr id="4" name="Titel 3"/>
           <p:cNvSpPr>
             <a:spLocks noGrp="1"/>
           </p:cNvSpPr>
@@ -4128,7 +4013,7 @@
           <a:p>
             <a:r>
               <a:rPr lang="de-DE" dirty="0" smtClean="0"/>
-              <a:t>Fazit</a:t>
+              <a:t>Soll – Ist -Vergleich</a:t>
             </a:r>
             <a:endParaRPr lang="de-DE" dirty="0"/>
           </a:p>
@@ -4136,62 +4021,118 @@
       </p:sp>
       <p:sp>
         <p:nvSpPr>
-          <p:cNvPr id="3" name="Inhaltsplatzhalter 2"/>
-          <p:cNvSpPr>
-            <a:spLocks noGrp="1"/>
-          </p:cNvSpPr>
-          <p:nvPr>
-            <p:ph idx="1"/>
-          </p:nvPr>
-        </p:nvSpPr>
-        <p:spPr/>
-        <p:txBody>
-          <a:bodyPr/>
-          <a:lstStyle/>
-          <a:p>
-            <a:r>
-              <a:rPr lang="de-DE" dirty="0" smtClean="0"/>
-              <a:t>Projektziele erreicht</a:t>
-            </a:r>
-          </a:p>
-          <a:p>
-            <a:r>
-              <a:rPr lang="de-DE" dirty="0" smtClean="0"/>
-              <a:t>S.M.A.R.T. Kriterien erfüllt</a:t>
-            </a:r>
-            <a:endParaRPr lang="de-DE" dirty="0" smtClean="0"/>
+          <p:cNvPr id="5" name="Textplatzhalter 4"/>
+          <p:cNvSpPr>
+            <a:spLocks noGrp="1"/>
+          </p:cNvSpPr>
+          <p:nvPr>
+            <p:ph type="body" idx="1"/>
+          </p:nvPr>
+        </p:nvSpPr>
+        <p:spPr/>
+        <p:txBody>
+          <a:bodyPr>
+            <a:normAutofit fontScale="92500" lnSpcReduction="20000"/>
+          </a:bodyPr>
+          <a:lstStyle/>
+          <a:p>
+            <a:r>
+              <a:rPr lang="de-DE" dirty="0" smtClean="0"/>
+              <a:t>Unterschied Projektantrag - Projekt</a:t>
+            </a:r>
+            <a:endParaRPr lang="de-DE" dirty="0"/>
+          </a:p>
+        </p:txBody>
+      </p:sp>
+      <p:sp>
+        <p:nvSpPr>
+          <p:cNvPr id="6" name="Inhaltsplatzhalter 5"/>
+          <p:cNvSpPr>
+            <a:spLocks noGrp="1"/>
+          </p:cNvSpPr>
+          <p:nvPr>
+            <p:ph sz="half" idx="2"/>
+          </p:nvPr>
+        </p:nvSpPr>
+        <p:spPr/>
+        <p:txBody>
+          <a:bodyPr/>
+          <a:lstStyle/>
+          <a:p>
+            <a:r>
+              <a:rPr lang="de-DE" dirty="0" smtClean="0"/>
+              <a:t>Modelle: -7h</a:t>
+            </a:r>
           </a:p>
           <a:p>
             <a:r>
               <a:rPr lang="de-DE" dirty="0" err="1" smtClean="0"/>
-              <a:t>iOS</a:t>
-            </a:r>
-            <a:r>
-              <a:rPr lang="de-DE" dirty="0" smtClean="0"/>
-              <a:t> </a:t>
-            </a:r>
-            <a:r>
-              <a:rPr lang="de-DE" dirty="0" err="1" smtClean="0"/>
-              <a:t>App</a:t>
-            </a:r>
-            <a:r>
-              <a:rPr lang="de-DE" dirty="0" smtClean="0"/>
-              <a:t> wird derzeit entwickelt</a:t>
-            </a:r>
-          </a:p>
-          <a:p>
-            <a:r>
-              <a:rPr lang="de-DE" dirty="0" smtClean="0"/>
-              <a:t>Teilprojektkosten : 820€</a:t>
-            </a:r>
-          </a:p>
-          <a:p>
-            <a:r>
-              <a:rPr lang="de-DE" dirty="0" smtClean="0"/>
-              <a:t>Geplanter Umsatz : 50€ pro Kunde und Monat</a:t>
-            </a:r>
-          </a:p>
-          <a:p>
+              <a:t>Fixtures</a:t>
+            </a:r>
+            <a:r>
+              <a:rPr lang="de-DE" dirty="0" smtClean="0"/>
+              <a:t>: +7h</a:t>
+            </a:r>
+          </a:p>
+          <a:p>
+            <a:r>
+              <a:rPr lang="de-DE" dirty="0" smtClean="0"/>
+              <a:t>Manuelle- statt Modultests</a:t>
+            </a:r>
+            <a:endParaRPr lang="de-DE" dirty="0"/>
+          </a:p>
+        </p:txBody>
+      </p:sp>
+      <p:sp>
+        <p:nvSpPr>
+          <p:cNvPr id="7" name="Textplatzhalter 6"/>
+          <p:cNvSpPr>
+            <a:spLocks noGrp="1"/>
+          </p:cNvSpPr>
+          <p:nvPr>
+            <p:ph type="body" sz="quarter" idx="3"/>
+          </p:nvPr>
+        </p:nvSpPr>
+        <p:spPr/>
+        <p:txBody>
+          <a:bodyPr>
+            <a:normAutofit fontScale="92500" lnSpcReduction="20000"/>
+          </a:bodyPr>
+          <a:lstStyle/>
+          <a:p>
+            <a:r>
+              <a:rPr lang="de-DE" dirty="0" smtClean="0"/>
+              <a:t>Unterschied Planung - Umsetzung</a:t>
+            </a:r>
+            <a:endParaRPr lang="de-DE" dirty="0"/>
+          </a:p>
+        </p:txBody>
+      </p:sp>
+      <p:sp>
+        <p:nvSpPr>
+          <p:cNvPr id="8" name="Inhaltsplatzhalter 7"/>
+          <p:cNvSpPr>
+            <a:spLocks noGrp="1"/>
+          </p:cNvSpPr>
+          <p:nvPr>
+            <p:ph sz="quarter" idx="4"/>
+          </p:nvPr>
+        </p:nvSpPr>
+        <p:spPr/>
+        <p:txBody>
+          <a:bodyPr/>
+          <a:lstStyle/>
+          <a:p>
+            <a:r>
+              <a:rPr lang="de-DE" dirty="0" smtClean="0"/>
+              <a:t>Modelle: -1h</a:t>
+            </a:r>
+          </a:p>
+          <a:p>
+            <a:r>
+              <a:rPr lang="de-DE" dirty="0" smtClean="0"/>
+              <a:t>Doku: +2h</a:t>
+            </a:r>
             <a:endParaRPr lang="de-DE" dirty="0"/>
           </a:p>
         </p:txBody>
@@ -4238,6 +4179,115 @@
           <a:p>
             <a:r>
               <a:rPr lang="de-DE" dirty="0" smtClean="0"/>
+              <a:t>Fazit</a:t>
+            </a:r>
+            <a:endParaRPr lang="de-DE" dirty="0"/>
+          </a:p>
+        </p:txBody>
+      </p:sp>
+      <p:sp>
+        <p:nvSpPr>
+          <p:cNvPr id="3" name="Inhaltsplatzhalter 2"/>
+          <p:cNvSpPr>
+            <a:spLocks noGrp="1"/>
+          </p:cNvSpPr>
+          <p:nvPr>
+            <p:ph idx="1"/>
+          </p:nvPr>
+        </p:nvSpPr>
+        <p:spPr/>
+        <p:txBody>
+          <a:bodyPr/>
+          <a:lstStyle/>
+          <a:p>
+            <a:r>
+              <a:rPr lang="de-DE" dirty="0" smtClean="0"/>
+              <a:t>Projektziele erreicht</a:t>
+            </a:r>
+          </a:p>
+          <a:p>
+            <a:r>
+              <a:rPr lang="de-DE" dirty="0" smtClean="0"/>
+              <a:t>S.M.A.R.T. Kriterien erfüllt</a:t>
+            </a:r>
+          </a:p>
+          <a:p>
+            <a:r>
+              <a:rPr lang="de-DE" dirty="0" err="1" smtClean="0"/>
+              <a:t>iOS</a:t>
+            </a:r>
+            <a:r>
+              <a:rPr lang="de-DE" dirty="0" smtClean="0"/>
+              <a:t> </a:t>
+            </a:r>
+            <a:r>
+              <a:rPr lang="de-DE" dirty="0" err="1" smtClean="0"/>
+              <a:t>App</a:t>
+            </a:r>
+            <a:r>
+              <a:rPr lang="de-DE" dirty="0" smtClean="0"/>
+              <a:t> wird derzeit entwickelt</a:t>
+            </a:r>
+          </a:p>
+          <a:p>
+            <a:r>
+              <a:rPr lang="de-DE" dirty="0" smtClean="0"/>
+              <a:t>Teilprojektkosten : 820€</a:t>
+            </a:r>
+          </a:p>
+          <a:p>
+            <a:r>
+              <a:rPr lang="de-DE" dirty="0" smtClean="0"/>
+              <a:t>Geplanter Umsatz : 50€ pro Kunde und Monat</a:t>
+            </a:r>
+          </a:p>
+          <a:p>
+            <a:endParaRPr lang="de-DE" dirty="0"/>
+          </a:p>
+        </p:txBody>
+      </p:sp>
+    </p:spTree>
+  </p:cSld>
+  <p:clrMapOvr>
+    <a:masterClrMapping/>
+  </p:clrMapOvr>
+</p:sld>
+</file>
+
+<file path=ppt/slides/slide17.xml><?xml version="1.0" encoding="utf-8"?>
+<p:sld xmlns:a="http://schemas.openxmlformats.org/drawingml/2006/main" xmlns:r="http://schemas.openxmlformats.org/officeDocument/2006/relationships" xmlns:p="http://schemas.openxmlformats.org/presentationml/2006/main">
+  <p:cSld>
+    <p:spTree>
+      <p:nvGrpSpPr>
+        <p:cNvPr id="1" name=""/>
+        <p:cNvGrpSpPr/>
+        <p:nvPr/>
+      </p:nvGrpSpPr>
+      <p:grpSpPr>
+        <a:xfrm>
+          <a:off x="0" y="0"/>
+          <a:ext cx="0" cy="0"/>
+          <a:chOff x="0" y="0"/>
+          <a:chExt cx="0" cy="0"/>
+        </a:xfrm>
+      </p:grpSpPr>
+      <p:sp>
+        <p:nvSpPr>
+          <p:cNvPr id="2" name="Titel 1"/>
+          <p:cNvSpPr>
+            <a:spLocks noGrp="1"/>
+          </p:cNvSpPr>
+          <p:nvPr>
+            <p:ph type="title"/>
+          </p:nvPr>
+        </p:nvSpPr>
+        <p:spPr/>
+        <p:txBody>
+          <a:bodyPr/>
+          <a:lstStyle/>
+          <a:p>
+            <a:r>
+              <a:rPr lang="de-DE" dirty="0" smtClean="0"/>
               <a:t>Abschluss</a:t>
             </a:r>
             <a:endParaRPr lang="de-DE" dirty="0"/>
@@ -4410,7 +4460,7 @@
           <a:p>
             <a:r>
               <a:rPr lang="de-DE" dirty="0" smtClean="0"/>
-              <a:t>Projektauftrag</a:t>
+              <a:t>Einleitung</a:t>
             </a:r>
             <a:endParaRPr lang="de-DE" dirty="0"/>
           </a:p>
@@ -4429,92 +4479,69 @@
         <p:spPr/>
         <p:txBody>
           <a:bodyPr>
-            <a:normAutofit fontScale="92500" lnSpcReduction="20000"/>
+            <a:normAutofit fontScale="92500" lnSpcReduction="10000"/>
           </a:bodyPr>
           <a:lstStyle/>
           <a:p>
             <a:r>
               <a:rPr lang="de-DE" dirty="0" smtClean="0"/>
-              <a:t>Gesamtprojekt : Entwickeln </a:t>
-            </a:r>
-            <a:r>
-              <a:rPr lang="de-DE" dirty="0" smtClean="0"/>
-              <a:t>einer Serversoftware zur Reservierung von Hotelzimmern</a:t>
-            </a:r>
-          </a:p>
-          <a:p>
-            <a:r>
-              <a:rPr lang="de-DE" dirty="0" smtClean="0"/>
-              <a:t>Anbindung von mobilen </a:t>
-            </a:r>
+              <a:t>Unternehmen : mobile-ad-</a:t>
+            </a:r>
+            <a:r>
+              <a:rPr lang="de-DE" dirty="0" err="1" smtClean="0"/>
+              <a:t>media</a:t>
+            </a:r>
+            <a:r>
+              <a:rPr lang="de-DE" dirty="0" smtClean="0"/>
+              <a:t> GmbH</a:t>
+            </a:r>
+          </a:p>
+          <a:p>
+            <a:r>
+              <a:rPr lang="de-DE" dirty="0" smtClean="0"/>
+              <a:t>Gesamtprojekt : Softwaresystem zur Reservierung von Hotelzimmern</a:t>
+            </a:r>
+          </a:p>
+          <a:p>
+            <a:r>
+              <a:rPr lang="de-DE" dirty="0" smtClean="0"/>
+              <a:t>Kunden : Einzelne Hotels</a:t>
+            </a:r>
+          </a:p>
+          <a:p>
+            <a:r>
+              <a:rPr lang="de-DE" dirty="0" smtClean="0"/>
+              <a:t>Grafische Anpassung der Clients</a:t>
+            </a:r>
+          </a:p>
+          <a:p>
+            <a:r>
+              <a:rPr lang="de-DE" dirty="0" smtClean="0"/>
+              <a:t>Zentraler Server - </a:t>
+            </a:r>
+            <a:r>
+              <a:rPr lang="de-DE" dirty="0" smtClean="0"/>
+              <a:t>L</a:t>
+            </a:r>
+            <a:r>
+              <a:rPr lang="de-DE" dirty="0" smtClean="0"/>
+              <a:t>ogik</a:t>
+            </a:r>
+          </a:p>
+          <a:p>
             <a:r>
               <a:rPr lang="de-DE" dirty="0" err="1" smtClean="0"/>
               <a:t>Apps</a:t>
             </a:r>
             <a:r>
               <a:rPr lang="de-DE" dirty="0" smtClean="0"/>
-              <a:t>: </a:t>
-            </a:r>
-            <a:r>
-              <a:rPr lang="de-DE" dirty="0" err="1" smtClean="0"/>
-              <a:t>iOS</a:t>
-            </a:r>
-            <a:r>
-              <a:rPr lang="de-DE" dirty="0" smtClean="0"/>
-              <a:t> &amp; </a:t>
-            </a:r>
-            <a:r>
-              <a:rPr lang="de-DE" dirty="0" err="1" smtClean="0"/>
-              <a:t>Android</a:t>
-            </a:r>
-            <a:endParaRPr lang="de-DE" dirty="0" smtClean="0"/>
-          </a:p>
-          <a:p>
-            <a:r>
-              <a:rPr lang="de-DE" dirty="0" err="1" smtClean="0"/>
-              <a:t>Apps</a:t>
-            </a:r>
-            <a:r>
-              <a:rPr lang="de-DE" dirty="0" smtClean="0"/>
-              <a:t> dienen der Darstellung</a:t>
-            </a:r>
-          </a:p>
-          <a:p>
-            <a:r>
-              <a:rPr lang="de-DE" dirty="0" smtClean="0"/>
-              <a:t>Versorgung der </a:t>
-            </a:r>
-            <a:r>
-              <a:rPr lang="de-DE" dirty="0" err="1" smtClean="0"/>
-              <a:t>Apps</a:t>
-            </a:r>
-            <a:r>
-              <a:rPr lang="de-DE" dirty="0" smtClean="0"/>
-              <a:t> mit Daten</a:t>
-            </a:r>
-          </a:p>
-          <a:p>
-            <a:r>
-              <a:rPr lang="de-DE" dirty="0" smtClean="0"/>
-              <a:t>Entgegennahme Reservierung</a:t>
-            </a:r>
-          </a:p>
-          <a:p>
-            <a:r>
-              <a:rPr lang="de-DE" dirty="0" smtClean="0"/>
-              <a:t>Ausgehende Email</a:t>
-            </a:r>
-          </a:p>
-          <a:p>
-            <a:r>
-              <a:rPr lang="de-DE" dirty="0" smtClean="0"/>
-              <a:t>Testdaten</a:t>
-            </a:r>
-          </a:p>
-          <a:p>
-            <a:r>
-              <a:rPr lang="de-DE" dirty="0" smtClean="0"/>
-              <a:t>Grafische Anpassung des Clients an Kundenwunsch</a:t>
+              <a:t> als Clients – Darstellung &amp; Nutzereingaben</a:t>
+            </a:r>
+          </a:p>
+          <a:p>
+            <a:r>
+              <a:rPr lang="de-DE" dirty="0" smtClean="0"/>
+              <a:t>Anbindung an externe Systeme im späteren Projektverlauf</a:t>
             </a:r>
             <a:endParaRPr lang="de-DE" dirty="0"/>
           </a:p>
@@ -4562,6 +4589,132 @@
           <a:p>
             <a:r>
               <a:rPr lang="de-DE" dirty="0" smtClean="0"/>
+              <a:t>Projektauftrag</a:t>
+            </a:r>
+            <a:endParaRPr lang="de-DE" dirty="0"/>
+          </a:p>
+        </p:txBody>
+      </p:sp>
+      <p:sp>
+        <p:nvSpPr>
+          <p:cNvPr id="3" name="Inhaltsplatzhalter 2"/>
+          <p:cNvSpPr>
+            <a:spLocks noGrp="1"/>
+          </p:cNvSpPr>
+          <p:nvPr>
+            <p:ph idx="1"/>
+          </p:nvPr>
+        </p:nvSpPr>
+        <p:spPr/>
+        <p:txBody>
+          <a:bodyPr>
+            <a:normAutofit/>
+          </a:bodyPr>
+          <a:lstStyle/>
+          <a:p>
+            <a:r>
+              <a:rPr lang="de-DE" dirty="0" smtClean="0"/>
+              <a:t>Teilprojekt : Serversoftware</a:t>
+            </a:r>
+          </a:p>
+          <a:p>
+            <a:r>
+              <a:rPr lang="de-DE" dirty="0" smtClean="0"/>
+              <a:t>Schnittstellen zu den </a:t>
+            </a:r>
+            <a:r>
+              <a:rPr lang="de-DE" dirty="0" err="1" smtClean="0"/>
+              <a:t>Apps</a:t>
+            </a:r>
+            <a:endParaRPr lang="de-DE" dirty="0" smtClean="0"/>
+          </a:p>
+          <a:p>
+            <a:r>
+              <a:rPr lang="de-DE" dirty="0" smtClean="0"/>
+              <a:t>Definition der Schnittstellen</a:t>
+            </a:r>
+          </a:p>
+          <a:p>
+            <a:r>
+              <a:rPr lang="de-DE" dirty="0" smtClean="0"/>
+              <a:t>Versorgung </a:t>
+            </a:r>
+            <a:r>
+              <a:rPr lang="de-DE" dirty="0" smtClean="0"/>
+              <a:t>der </a:t>
+            </a:r>
+            <a:r>
+              <a:rPr lang="de-DE" dirty="0" err="1" smtClean="0"/>
+              <a:t>Apps</a:t>
+            </a:r>
+            <a:r>
+              <a:rPr lang="de-DE" dirty="0" smtClean="0"/>
+              <a:t> mit Daten</a:t>
+            </a:r>
+          </a:p>
+          <a:p>
+            <a:r>
+              <a:rPr lang="de-DE" dirty="0" smtClean="0"/>
+              <a:t>Entgegennahme Reservierung</a:t>
+            </a:r>
+          </a:p>
+          <a:p>
+            <a:r>
+              <a:rPr lang="de-DE" dirty="0" smtClean="0"/>
+              <a:t>Ausgehende Email</a:t>
+            </a:r>
+          </a:p>
+          <a:p>
+            <a:r>
+              <a:rPr lang="de-DE" dirty="0" smtClean="0"/>
+              <a:t>Testdaten</a:t>
+            </a:r>
+            <a:endParaRPr lang="de-DE" dirty="0" smtClean="0"/>
+          </a:p>
+        </p:txBody>
+      </p:sp>
+    </p:spTree>
+  </p:cSld>
+  <p:clrMapOvr>
+    <a:masterClrMapping/>
+  </p:clrMapOvr>
+</p:sld>
+</file>
+
+<file path=ppt/slides/slide5.xml><?xml version="1.0" encoding="utf-8"?>
+<p:sld xmlns:a="http://schemas.openxmlformats.org/drawingml/2006/main" xmlns:r="http://schemas.openxmlformats.org/officeDocument/2006/relationships" xmlns:p="http://schemas.openxmlformats.org/presentationml/2006/main">
+  <p:cSld>
+    <p:spTree>
+      <p:nvGrpSpPr>
+        <p:cNvPr id="1" name=""/>
+        <p:cNvGrpSpPr/>
+        <p:nvPr/>
+      </p:nvGrpSpPr>
+      <p:grpSpPr>
+        <a:xfrm>
+          <a:off x="0" y="0"/>
+          <a:ext cx="0" cy="0"/>
+          <a:chOff x="0" y="0"/>
+          <a:chExt cx="0" cy="0"/>
+        </a:xfrm>
+      </p:grpSpPr>
+      <p:sp>
+        <p:nvSpPr>
+          <p:cNvPr id="2" name="Titel 1"/>
+          <p:cNvSpPr>
+            <a:spLocks noGrp="1"/>
+          </p:cNvSpPr>
+          <p:nvPr>
+            <p:ph type="title"/>
+          </p:nvPr>
+        </p:nvSpPr>
+        <p:spPr/>
+        <p:txBody>
+          <a:bodyPr/>
+          <a:lstStyle/>
+          <a:p>
+            <a:r>
+              <a:rPr lang="de-DE" dirty="0" smtClean="0"/>
               <a:t>Schematische Darstellung</a:t>
             </a:r>
             <a:endParaRPr lang="de-DE" dirty="0"/>
@@ -4599,7 +4752,7 @@
 </p:sld>
 </file>
 
-<file path=ppt/slides/slide5.xml><?xml version="1.0" encoding="utf-8"?>
+<file path=ppt/slides/slide6.xml><?xml version="1.0" encoding="utf-8"?>
 <p:sld xmlns:a="http://schemas.openxmlformats.org/drawingml/2006/main" xmlns:r="http://schemas.openxmlformats.org/officeDocument/2006/relationships" xmlns:p="http://schemas.openxmlformats.org/presentationml/2006/main">
   <p:cSld>
     <p:spTree>
@@ -4905,129 +5058,6 @@
 </p:sld>
 </file>
 
-<file path=ppt/slides/slide6.xml><?xml version="1.0" encoding="utf-8"?>
-<p:sld xmlns:a="http://schemas.openxmlformats.org/drawingml/2006/main" xmlns:r="http://schemas.openxmlformats.org/officeDocument/2006/relationships" xmlns:p="http://schemas.openxmlformats.org/presentationml/2006/main">
-  <p:cSld>
-    <p:spTree>
-      <p:nvGrpSpPr>
-        <p:cNvPr id="1" name=""/>
-        <p:cNvGrpSpPr/>
-        <p:nvPr/>
-      </p:nvGrpSpPr>
-      <p:grpSpPr>
-        <a:xfrm>
-          <a:off x="0" y="0"/>
-          <a:ext cx="0" cy="0"/>
-          <a:chOff x="0" y="0"/>
-          <a:chExt cx="0" cy="0"/>
-        </a:xfrm>
-      </p:grpSpPr>
-      <p:sp>
-        <p:nvSpPr>
-          <p:cNvPr id="2" name="Titel 1"/>
-          <p:cNvSpPr>
-            <a:spLocks noGrp="1"/>
-          </p:cNvSpPr>
-          <p:nvPr>
-            <p:ph type="title"/>
-          </p:nvPr>
-        </p:nvSpPr>
-        <p:spPr/>
-        <p:txBody>
-          <a:bodyPr/>
-          <a:lstStyle/>
-          <a:p>
-            <a:r>
-              <a:rPr lang="de-DE" dirty="0" smtClean="0"/>
-              <a:t>Soll-Konzept</a:t>
-            </a:r>
-            <a:endParaRPr lang="de-DE" dirty="0"/>
-          </a:p>
-        </p:txBody>
-      </p:sp>
-      <p:sp>
-        <p:nvSpPr>
-          <p:cNvPr id="3" name="Inhaltsplatzhalter 2"/>
-          <p:cNvSpPr>
-            <a:spLocks noGrp="1"/>
-          </p:cNvSpPr>
-          <p:nvPr>
-            <p:ph idx="1"/>
-          </p:nvPr>
-        </p:nvSpPr>
-        <p:spPr/>
-        <p:txBody>
-          <a:bodyPr>
-            <a:normAutofit lnSpcReduction="10000"/>
-          </a:bodyPr>
-          <a:lstStyle/>
-          <a:p>
-            <a:r>
-              <a:rPr lang="de-DE" dirty="0" smtClean="0"/>
-              <a:t>Webservice</a:t>
-            </a:r>
-          </a:p>
-          <a:p>
-            <a:r>
-              <a:rPr lang="de-DE" dirty="0" smtClean="0"/>
-              <a:t>Geringer Datenverkehr</a:t>
-            </a:r>
-          </a:p>
-          <a:p>
-            <a:r>
-              <a:rPr lang="de-DE" dirty="0" smtClean="0"/>
-              <a:t>Trennung Darstellung – Geschäftslogik</a:t>
-            </a:r>
-          </a:p>
-          <a:p>
-            <a:r>
-              <a:rPr lang="de-DE" dirty="0" smtClean="0"/>
-              <a:t>Datenaustausch : JSON</a:t>
-            </a:r>
-            <a:endParaRPr lang="de-DE" dirty="0" smtClean="0"/>
-          </a:p>
-          <a:p>
-            <a:r>
-              <a:rPr lang="de-DE" dirty="0" smtClean="0"/>
-              <a:t>Definierte JSON Struktur</a:t>
-            </a:r>
-          </a:p>
-          <a:p>
-            <a:r>
-              <a:rPr lang="de-DE" dirty="0" smtClean="0"/>
-              <a:t>PHP als Grundlage</a:t>
-            </a:r>
-          </a:p>
-          <a:p>
-            <a:r>
-              <a:rPr lang="de-DE" dirty="0" smtClean="0"/>
-              <a:t>Symfony3 </a:t>
-            </a:r>
-            <a:r>
-              <a:rPr lang="de-DE" dirty="0" smtClean="0"/>
-              <a:t>: MVC - Framework</a:t>
-            </a:r>
-            <a:endParaRPr lang="de-DE" dirty="0" smtClean="0"/>
-          </a:p>
-          <a:p>
-            <a:r>
-              <a:rPr lang="de-DE" dirty="0" smtClean="0"/>
-              <a:t>Verwendung Quelloffener Software</a:t>
-            </a:r>
-          </a:p>
-          <a:p>
-            <a:endParaRPr lang="de-DE" dirty="0"/>
-          </a:p>
-        </p:txBody>
-      </p:sp>
-    </p:spTree>
-  </p:cSld>
-  <p:clrMapOvr>
-    <a:masterClrMapping/>
-  </p:clrMapOvr>
-</p:sld>
-</file>
-
 <file path=ppt/slides/slide7.xml><?xml version="1.0" encoding="utf-8"?>
 <p:sld xmlns:a="http://schemas.openxmlformats.org/drawingml/2006/main" xmlns:r="http://schemas.openxmlformats.org/officeDocument/2006/relationships" xmlns:p="http://schemas.openxmlformats.org/presentationml/2006/main">
   <p:cSld>
@@ -5057,73 +5087,82 @@
         </p:nvSpPr>
         <p:spPr/>
         <p:txBody>
+          <a:bodyPr/>
+          <a:lstStyle/>
+          <a:p>
+            <a:r>
+              <a:rPr lang="de-DE" dirty="0" smtClean="0"/>
+              <a:t>Soll-Konzept</a:t>
+            </a:r>
+            <a:endParaRPr lang="de-DE" dirty="0"/>
+          </a:p>
+        </p:txBody>
+      </p:sp>
+      <p:sp>
+        <p:nvSpPr>
+          <p:cNvPr id="3" name="Inhaltsplatzhalter 2"/>
+          <p:cNvSpPr>
+            <a:spLocks noGrp="1"/>
+          </p:cNvSpPr>
+          <p:nvPr>
+            <p:ph idx="1"/>
+          </p:nvPr>
+        </p:nvSpPr>
+        <p:spPr/>
+        <p:txBody>
           <a:bodyPr>
-            <a:normAutofit fontScale="90000"/>
+            <a:normAutofit lnSpcReduction="10000"/>
           </a:bodyPr>
           <a:lstStyle/>
           <a:p>
             <a:r>
               <a:rPr lang="de-DE" dirty="0" smtClean="0"/>
-              <a:t>Analyse der Entitäten und deren Beziehungen</a:t>
-            </a:r>
-            <a:endParaRPr lang="de-DE" dirty="0"/>
-          </a:p>
-        </p:txBody>
-      </p:sp>
-      <p:sp>
-        <p:nvSpPr>
-          <p:cNvPr id="3" name="Inhaltsplatzhalter 2"/>
-          <p:cNvSpPr>
-            <a:spLocks noGrp="1"/>
-          </p:cNvSpPr>
-          <p:nvPr>
-            <p:ph idx="1"/>
-          </p:nvPr>
-        </p:nvSpPr>
-        <p:spPr/>
-        <p:txBody>
-          <a:bodyPr/>
-          <a:lstStyle/>
-          <a:p>
-            <a:r>
-              <a:rPr lang="de-DE" dirty="0" smtClean="0"/>
-              <a:t>Hotel</a:t>
-            </a:r>
-          </a:p>
-          <a:p>
-            <a:r>
-              <a:rPr lang="de-DE" dirty="0" smtClean="0"/>
-              <a:t>Zimmerkategorie (Einzel, Doppel, </a:t>
-            </a:r>
-            <a:r>
-              <a:rPr lang="de-DE" dirty="0" err="1" smtClean="0"/>
-              <a:t>Dreibett</a:t>
-            </a:r>
-            <a:r>
-              <a:rPr lang="de-DE" dirty="0" smtClean="0"/>
-              <a:t> …)</a:t>
-            </a:r>
-            <a:endParaRPr lang="de-DE" dirty="0" smtClean="0"/>
-          </a:p>
-          <a:p>
-            <a:r>
-              <a:rPr lang="de-DE" dirty="0" smtClean="0"/>
-              <a:t>Zusatzprodukt (Vollpension, Sektfrühstück …)</a:t>
-            </a:r>
-            <a:endParaRPr lang="de-DE" dirty="0" smtClean="0"/>
-          </a:p>
-          <a:p>
-            <a:r>
-              <a:rPr lang="de-DE" dirty="0" smtClean="0"/>
-              <a:t>Preis</a:t>
-            </a:r>
-            <a:endParaRPr lang="de-DE" dirty="0" smtClean="0"/>
-          </a:p>
-          <a:p>
-            <a:r>
-              <a:rPr lang="de-DE" dirty="0" smtClean="0"/>
-              <a:t>Verfügbarkeit : nur für Zimmerkategorie</a:t>
-            </a:r>
+              <a:t>Webservice</a:t>
+            </a:r>
+          </a:p>
+          <a:p>
+            <a:r>
+              <a:rPr lang="de-DE" dirty="0" smtClean="0"/>
+              <a:t>Geringer Datenverkehr</a:t>
+            </a:r>
+          </a:p>
+          <a:p>
+            <a:r>
+              <a:rPr lang="de-DE" dirty="0" smtClean="0"/>
+              <a:t>Trennung Darstellung – Geschäftslogik</a:t>
+            </a:r>
+          </a:p>
+          <a:p>
+            <a:r>
+              <a:rPr lang="de-DE" dirty="0" smtClean="0"/>
+              <a:t>Datenaustausch : JSON</a:t>
+            </a:r>
+          </a:p>
+          <a:p>
+            <a:r>
+              <a:rPr lang="de-DE" dirty="0" smtClean="0"/>
+              <a:t>Definierte JSON Struktur</a:t>
+            </a:r>
+          </a:p>
+          <a:p>
+            <a:r>
+              <a:rPr lang="de-DE" dirty="0" smtClean="0"/>
+              <a:t>PHP als Grundlage</a:t>
+            </a:r>
+          </a:p>
+          <a:p>
+            <a:r>
+              <a:rPr lang="de-DE" dirty="0" smtClean="0"/>
+              <a:t>Symfony3 : MVC - Framework</a:t>
+            </a:r>
+          </a:p>
+          <a:p>
+            <a:r>
+              <a:rPr lang="de-DE" dirty="0" smtClean="0"/>
+              <a:t>Verwendung Quelloffener Software</a:t>
+            </a:r>
+          </a:p>
+          <a:p>
             <a:endParaRPr lang="de-DE" dirty="0"/>
           </a:p>
         </p:txBody>
@@ -5165,12 +5204,14 @@
         </p:nvSpPr>
         <p:spPr/>
         <p:txBody>
-          <a:bodyPr/>
-          <a:lstStyle/>
-          <a:p>
-            <a:r>
-              <a:rPr lang="de-DE" dirty="0" smtClean="0"/>
-              <a:t>Analyse des Dialogs</a:t>
+          <a:bodyPr>
+            <a:normAutofit fontScale="90000"/>
+          </a:bodyPr>
+          <a:lstStyle/>
+          <a:p>
+            <a:r>
+              <a:rPr lang="de-DE" dirty="0" smtClean="0"/>
+              <a:t>Analyse der Entitäten und deren Beziehungen</a:t>
             </a:r>
             <a:endParaRPr lang="de-DE" dirty="0"/>
           </a:p>
@@ -5193,75 +5234,39 @@
           <a:p>
             <a:r>
               <a:rPr lang="de-DE" dirty="0" smtClean="0"/>
-              <a:t>1 : </a:t>
+              <a:t>Hotel</a:t>
+            </a:r>
+          </a:p>
+          <a:p>
+            <a:r>
+              <a:rPr lang="de-DE" dirty="0" smtClean="0"/>
+              <a:t>Zimmerkategorie (Einzel, Doppel, </a:t>
             </a:r>
             <a:r>
               <a:rPr lang="de-DE" dirty="0" err="1" smtClean="0"/>
-              <a:t>App</a:t>
-            </a:r>
-            <a:r>
-              <a:rPr lang="de-DE" dirty="0" err="1" smtClean="0"/>
-              <a:t>s</a:t>
-            </a:r>
-            <a:r>
-              <a:rPr lang="de-DE" dirty="0" smtClean="0"/>
-              <a:t> &lt;- Server – statische Daten</a:t>
-            </a:r>
-          </a:p>
-          <a:p>
-            <a:r>
-              <a:rPr lang="de-DE" dirty="0" smtClean="0"/>
-              <a:t>2 : </a:t>
-            </a:r>
-            <a:r>
-              <a:rPr lang="de-DE" dirty="0" err="1" smtClean="0"/>
-              <a:t>Apps</a:t>
-            </a:r>
-            <a:r>
-              <a:rPr lang="de-DE" dirty="0" smtClean="0"/>
-              <a:t> &lt;- Server – Preise &amp; Verfügbarkeiten</a:t>
-            </a:r>
-          </a:p>
-          <a:p>
-            <a:r>
-              <a:rPr lang="de-DE" dirty="0" smtClean="0"/>
-              <a:t>3a : </a:t>
-            </a:r>
-            <a:r>
-              <a:rPr lang="de-DE" dirty="0" err="1" smtClean="0"/>
-              <a:t>Apps</a:t>
-            </a:r>
-            <a:r>
-              <a:rPr lang="de-DE" dirty="0" smtClean="0"/>
-              <a:t> -&gt; Server – Warenkorb</a:t>
-            </a:r>
-          </a:p>
-          <a:p>
-            <a:r>
-              <a:rPr lang="de-DE" dirty="0" smtClean="0"/>
-              <a:t>3b : </a:t>
-            </a:r>
-            <a:r>
-              <a:rPr lang="de-DE" dirty="0" err="1" smtClean="0"/>
-              <a:t>Apps</a:t>
-            </a:r>
-            <a:r>
-              <a:rPr lang="de-DE" dirty="0" smtClean="0"/>
-              <a:t> -&gt; Server – Gesamtpreis</a:t>
-            </a:r>
-          </a:p>
-          <a:p>
-            <a:r>
-              <a:rPr lang="de-DE" dirty="0" smtClean="0"/>
-              <a:t>4 : </a:t>
-            </a:r>
-            <a:r>
-              <a:rPr lang="de-DE" dirty="0" err="1" smtClean="0"/>
-              <a:t>Apps</a:t>
-            </a:r>
-            <a:r>
-              <a:rPr lang="de-DE" dirty="0" smtClean="0"/>
-              <a:t> -&gt; Server – Warenkorb + Nutzerdaten</a:t>
+              <a:t>Dreibett</a:t>
+            </a:r>
+            <a:r>
+              <a:rPr lang="de-DE" dirty="0" smtClean="0"/>
+              <a:t> …)</a:t>
+            </a:r>
+          </a:p>
+          <a:p>
+            <a:r>
+              <a:rPr lang="de-DE" dirty="0" smtClean="0"/>
+              <a:t>Zusatzprodukt (Vollpension, Sektfrühstück …)</a:t>
+            </a:r>
+          </a:p>
+          <a:p>
+            <a:r>
+              <a:rPr lang="de-DE" dirty="0" smtClean="0"/>
+              <a:t>Preis</a:t>
+            </a:r>
+          </a:p>
+          <a:p>
+            <a:r>
+              <a:rPr lang="de-DE" dirty="0" smtClean="0"/>
+              <a:t>Verfügbarkeit : nur für Zimmerkategorie</a:t>
             </a:r>
             <a:endParaRPr lang="de-DE" dirty="0"/>
           </a:p>
@@ -5309,35 +5314,99 @@
           <a:p>
             <a:r>
               <a:rPr lang="de-DE" dirty="0" smtClean="0"/>
-              <a:t>Klassendiagramm</a:t>
+              <a:t>Analyse des Dialogs</a:t>
             </a:r>
             <a:endParaRPr lang="de-DE" dirty="0"/>
           </a:p>
         </p:txBody>
       </p:sp>
-      <p:pic>
-        <p:nvPicPr>
-          <p:cNvPr id="10" name="Inhaltsplatzhalter 9" descr="hbs_praesi_class_diagram.jpg"/>
-          <p:cNvPicPr>
-            <a:picLocks noGrp="1" noChangeAspect="1"/>
-          </p:cNvPicPr>
+      <p:sp>
+        <p:nvSpPr>
+          <p:cNvPr id="3" name="Inhaltsplatzhalter 2"/>
+          <p:cNvSpPr>
+            <a:spLocks noGrp="1"/>
+          </p:cNvSpPr>
           <p:nvPr>
             <p:ph idx="1"/>
           </p:nvPr>
-        </p:nvPicPr>
-        <p:blipFill>
-          <a:blip r:embed="rId2" cstate="print"/>
-          <a:stretch>
-            <a:fillRect/>
-          </a:stretch>
-        </p:blipFill>
-        <p:spPr>
-          <a:xfrm>
-            <a:off x="971600" y="1340768"/>
-            <a:ext cx="6840760" cy="4845538"/>
-          </a:xfrm>
-        </p:spPr>
-      </p:pic>
+        </p:nvSpPr>
+        <p:spPr/>
+        <p:txBody>
+          <a:bodyPr/>
+          <a:lstStyle/>
+          <a:p>
+            <a:r>
+              <a:rPr lang="de-DE" dirty="0" smtClean="0"/>
+              <a:t>1 : </a:t>
+            </a:r>
+            <a:r>
+              <a:rPr lang="de-DE" dirty="0" err="1" smtClean="0"/>
+              <a:t>Apps</a:t>
+            </a:r>
+            <a:r>
+              <a:rPr lang="de-DE" dirty="0" smtClean="0"/>
+              <a:t> &lt;- Server – statische Daten</a:t>
+            </a:r>
+          </a:p>
+          <a:p>
+            <a:r>
+              <a:rPr lang="de-DE" dirty="0" smtClean="0"/>
+              <a:t>2 : </a:t>
+            </a:r>
+            <a:r>
+              <a:rPr lang="de-DE" dirty="0" err="1" smtClean="0"/>
+              <a:t>Apps</a:t>
+            </a:r>
+            <a:r>
+              <a:rPr lang="de-DE" dirty="0" smtClean="0"/>
+              <a:t> &lt;- Server – Preise &amp; Verfügbarkeiten</a:t>
+            </a:r>
+          </a:p>
+          <a:p>
+            <a:r>
+              <a:rPr lang="de-DE" dirty="0" smtClean="0"/>
+              <a:t>3a : </a:t>
+            </a:r>
+            <a:r>
+              <a:rPr lang="de-DE" dirty="0" err="1" smtClean="0"/>
+              <a:t>Apps</a:t>
+            </a:r>
+            <a:r>
+              <a:rPr lang="de-DE" dirty="0" smtClean="0"/>
+              <a:t> -&gt; Server – Warenkorb</a:t>
+            </a:r>
+          </a:p>
+          <a:p>
+            <a:r>
+              <a:rPr lang="de-DE" dirty="0" smtClean="0"/>
+              <a:t>3b : </a:t>
+            </a:r>
+            <a:r>
+              <a:rPr lang="de-DE" dirty="0" err="1" smtClean="0"/>
+              <a:t>Apps</a:t>
+            </a:r>
+            <a:r>
+              <a:rPr lang="de-DE" dirty="0" smtClean="0"/>
+              <a:t> -&gt; Server – Gesamtpreis</a:t>
+            </a:r>
+          </a:p>
+          <a:p>
+            <a:r>
+              <a:rPr lang="de-DE" dirty="0" smtClean="0"/>
+              <a:t>4 : </a:t>
+            </a:r>
+            <a:r>
+              <a:rPr lang="de-DE" dirty="0" err="1" smtClean="0"/>
+              <a:t>Apps</a:t>
+            </a:r>
+            <a:r>
+              <a:rPr lang="de-DE" dirty="0" smtClean="0"/>
+              <a:t> -&gt; Server – Warenkorb + Nutzerdaten</a:t>
+            </a:r>
+            <a:endParaRPr lang="de-DE" dirty="0"/>
+          </a:p>
+        </p:txBody>
+      </p:sp>
     </p:spTree>
   </p:cSld>
   <p:clrMapOvr>

--- a/praesentation/Projektpräsentation.pptx
+++ b/praesentation/Projektpräsentation.pptx
@@ -654,9 +654,8 @@
           <a:bodyPr/>
           <a:lstStyle/>
           <a:p>
-            <a:fld id="{5FE66156-7666-46EE-B0CD-966BA12C86BB}" type="datetimeFigureOut">
-              <a:rPr lang="de-DE" smtClean="0"/>
-              <a:pPr/>
+            <a:fld id="{68B59362-95CF-40A7-A4DF-8A85CB5047CB}" type="datetime1">
+              <a:rPr lang="de-DE" smtClean="0"/>
               <a:t>13.07.2016</a:t>
             </a:fld>
             <a:endParaRPr lang="de-DE"/>
@@ -821,9 +820,8 @@
           <a:bodyPr/>
           <a:lstStyle/>
           <a:p>
-            <a:fld id="{5FE66156-7666-46EE-B0CD-966BA12C86BB}" type="datetimeFigureOut">
-              <a:rPr lang="de-DE" smtClean="0"/>
-              <a:pPr/>
+            <a:fld id="{1B883039-4B8F-48C6-A3D8-45B6F7171F58}" type="datetime1">
+              <a:rPr lang="de-DE" smtClean="0"/>
               <a:t>13.07.2016</a:t>
             </a:fld>
             <a:endParaRPr lang="de-DE"/>
@@ -998,9 +996,8 @@
           <a:bodyPr/>
           <a:lstStyle/>
           <a:p>
-            <a:fld id="{5FE66156-7666-46EE-B0CD-966BA12C86BB}" type="datetimeFigureOut">
-              <a:rPr lang="de-DE" smtClean="0"/>
-              <a:pPr/>
+            <a:fld id="{51E0B59D-9D42-44BD-BFC5-602F8CDC9C83}" type="datetime1">
+              <a:rPr lang="de-DE" smtClean="0"/>
               <a:t>13.07.2016</a:t>
             </a:fld>
             <a:endParaRPr lang="de-DE"/>
@@ -1165,9 +1162,8 @@
           <a:bodyPr/>
           <a:lstStyle/>
           <a:p>
-            <a:fld id="{5FE66156-7666-46EE-B0CD-966BA12C86BB}" type="datetimeFigureOut">
-              <a:rPr lang="de-DE" smtClean="0"/>
-              <a:pPr/>
+            <a:fld id="{63FDF3FE-08AA-47E1-985C-1E9971D80D07}" type="datetime1">
+              <a:rPr lang="de-DE" smtClean="0"/>
               <a:t>13.07.2016</a:t>
             </a:fld>
             <a:endParaRPr lang="de-DE"/>
@@ -1408,9 +1404,8 @@
           <a:bodyPr/>
           <a:lstStyle/>
           <a:p>
-            <a:fld id="{5FE66156-7666-46EE-B0CD-966BA12C86BB}" type="datetimeFigureOut">
-              <a:rPr lang="de-DE" smtClean="0"/>
-              <a:pPr/>
+            <a:fld id="{57EFAEC1-4D68-4353-B480-49899C31166A}" type="datetime1">
+              <a:rPr lang="de-DE" smtClean="0"/>
               <a:t>13.07.2016</a:t>
             </a:fld>
             <a:endParaRPr lang="de-DE"/>
@@ -1693,9 +1688,8 @@
           <a:bodyPr/>
           <a:lstStyle/>
           <a:p>
-            <a:fld id="{5FE66156-7666-46EE-B0CD-966BA12C86BB}" type="datetimeFigureOut">
-              <a:rPr lang="de-DE" smtClean="0"/>
-              <a:pPr/>
+            <a:fld id="{36E85223-9B52-416E-9EE1-0326488C799B}" type="datetime1">
+              <a:rPr lang="de-DE" smtClean="0"/>
               <a:t>13.07.2016</a:t>
             </a:fld>
             <a:endParaRPr lang="de-DE"/>
@@ -2112,9 +2106,8 @@
           <a:bodyPr/>
           <a:lstStyle/>
           <a:p>
-            <a:fld id="{5FE66156-7666-46EE-B0CD-966BA12C86BB}" type="datetimeFigureOut">
-              <a:rPr lang="de-DE" smtClean="0"/>
-              <a:pPr/>
+            <a:fld id="{B2C2CA58-2B82-451A-9424-8197F7D99AA0}" type="datetime1">
+              <a:rPr lang="de-DE" smtClean="0"/>
               <a:t>13.07.2016</a:t>
             </a:fld>
             <a:endParaRPr lang="de-DE"/>
@@ -2227,9 +2220,8 @@
           <a:bodyPr/>
           <a:lstStyle/>
           <a:p>
-            <a:fld id="{5FE66156-7666-46EE-B0CD-966BA12C86BB}" type="datetimeFigureOut">
-              <a:rPr lang="de-DE" smtClean="0"/>
-              <a:pPr/>
+            <a:fld id="{FA805AE1-C0D6-47C7-92D4-1C359887F2DA}" type="datetime1">
+              <a:rPr lang="de-DE" smtClean="0"/>
               <a:t>13.07.2016</a:t>
             </a:fld>
             <a:endParaRPr lang="de-DE"/>
@@ -2319,9 +2311,8 @@
           <a:bodyPr/>
           <a:lstStyle/>
           <a:p>
-            <a:fld id="{5FE66156-7666-46EE-B0CD-966BA12C86BB}" type="datetimeFigureOut">
-              <a:rPr lang="de-DE" smtClean="0"/>
-              <a:pPr/>
+            <a:fld id="{FD248A26-605E-4910-AD02-14F9E25DCF9B}" type="datetime1">
+              <a:rPr lang="de-DE" smtClean="0"/>
               <a:t>13.07.2016</a:t>
             </a:fld>
             <a:endParaRPr lang="de-DE"/>
@@ -2593,9 +2584,8 @@
           <a:bodyPr/>
           <a:lstStyle/>
           <a:p>
-            <a:fld id="{5FE66156-7666-46EE-B0CD-966BA12C86BB}" type="datetimeFigureOut">
-              <a:rPr lang="de-DE" smtClean="0"/>
-              <a:pPr/>
+            <a:fld id="{3FF73274-3E0F-4718-B197-FA0577D2B64C}" type="datetime1">
+              <a:rPr lang="de-DE" smtClean="0"/>
               <a:t>13.07.2016</a:t>
             </a:fld>
             <a:endParaRPr lang="de-DE"/>
@@ -2843,9 +2833,8 @@
           <a:bodyPr/>
           <a:lstStyle/>
           <a:p>
-            <a:fld id="{5FE66156-7666-46EE-B0CD-966BA12C86BB}" type="datetimeFigureOut">
-              <a:rPr lang="de-DE" smtClean="0"/>
-              <a:pPr/>
+            <a:fld id="{72CDCEDE-A480-419B-8173-6EE7A3DB6060}" type="datetime1">
+              <a:rPr lang="de-DE" smtClean="0"/>
               <a:t>13.07.2016</a:t>
             </a:fld>
             <a:endParaRPr lang="de-DE"/>
@@ -3053,9 +3042,8 @@
             </a:lvl1pPr>
           </a:lstStyle>
           <a:p>
-            <a:fld id="{5FE66156-7666-46EE-B0CD-966BA12C86BB}" type="datetimeFigureOut">
-              <a:rPr lang="de-DE" smtClean="0"/>
-              <a:pPr/>
+            <a:fld id="{7B1394D0-E744-470D-AC64-D170CBF28581}" type="datetime1">
+              <a:rPr lang="de-DE" smtClean="0"/>
               <a:t>13.07.2016</a:t>
             </a:fld>
             <a:endParaRPr lang="de-DE"/>
@@ -3157,6 +3145,7 @@
     <p:sldLayoutId id="2147483718" r:id="rId10"/>
     <p:sldLayoutId id="2147483719" r:id="rId11"/>
   </p:sldLayoutIdLst>
+  <p:hf hdr="0" ftr="0" dt="0"/>
   <p:txStyles>
     <p:titleStyle>
       <a:lvl1pPr algn="ctr" defTabSz="914400" rtl="0" eaLnBrk="1" latinLnBrk="0" hangingPunct="1">
@@ -3492,6 +3481,30 @@
           </a:p>
         </p:txBody>
       </p:sp>
+      <p:sp>
+        <p:nvSpPr>
+          <p:cNvPr id="4" name="Foliennummernplatzhalter 3"/>
+          <p:cNvSpPr>
+            <a:spLocks noGrp="1"/>
+          </p:cNvSpPr>
+          <p:nvPr>
+            <p:ph type="sldNum" sz="quarter" idx="12"/>
+          </p:nvPr>
+        </p:nvSpPr>
+        <p:spPr/>
+        <p:txBody>
+          <a:bodyPr/>
+          <a:lstStyle/>
+          <a:p>
+            <a:fld id="{F6741669-CF2E-4015-A056-54B33D7C161D}" type="slidenum">
+              <a:rPr lang="de-DE" smtClean="0"/>
+              <a:pPr/>
+              <a:t>1</a:t>
+            </a:fld>
+            <a:endParaRPr lang="de-DE"/>
+          </a:p>
+        </p:txBody>
+      </p:sp>
     </p:spTree>
   </p:cSld>
   <p:clrMapOvr>
@@ -3563,6 +3576,30 @@
           </a:xfrm>
         </p:spPr>
       </p:pic>
+      <p:sp>
+        <p:nvSpPr>
+          <p:cNvPr id="4" name="Foliennummernplatzhalter 3"/>
+          <p:cNvSpPr>
+            <a:spLocks noGrp="1"/>
+          </p:cNvSpPr>
+          <p:nvPr>
+            <p:ph type="sldNum" sz="quarter" idx="12"/>
+          </p:nvPr>
+        </p:nvSpPr>
+        <p:spPr/>
+        <p:txBody>
+          <a:bodyPr/>
+          <a:lstStyle/>
+          <a:p>
+            <a:fld id="{F6741669-CF2E-4015-A056-54B33D7C161D}" type="slidenum">
+              <a:rPr lang="de-DE" smtClean="0"/>
+              <a:pPr/>
+              <a:t>10</a:t>
+            </a:fld>
+            <a:endParaRPr lang="de-DE"/>
+          </a:p>
+        </p:txBody>
+      </p:sp>
     </p:spTree>
   </p:cSld>
   <p:clrMapOvr>
@@ -3634,6 +3671,30 @@
           </a:xfrm>
         </p:spPr>
       </p:pic>
+      <p:sp>
+        <p:nvSpPr>
+          <p:cNvPr id="5" name="Foliennummernplatzhalter 4"/>
+          <p:cNvSpPr>
+            <a:spLocks noGrp="1"/>
+          </p:cNvSpPr>
+          <p:nvPr>
+            <p:ph type="sldNum" sz="quarter" idx="12"/>
+          </p:nvPr>
+        </p:nvSpPr>
+        <p:spPr/>
+        <p:txBody>
+          <a:bodyPr/>
+          <a:lstStyle/>
+          <a:p>
+            <a:fld id="{F6741669-CF2E-4015-A056-54B33D7C161D}" type="slidenum">
+              <a:rPr lang="de-DE" smtClean="0"/>
+              <a:pPr/>
+              <a:t>11</a:t>
+            </a:fld>
+            <a:endParaRPr lang="de-DE"/>
+          </a:p>
+        </p:txBody>
+      </p:sp>
     </p:spTree>
   </p:cSld>
   <p:clrMapOvr>
@@ -3746,8 +3807,13 @@
           <a:p>
             <a:r>
               <a:rPr lang="de-DE" dirty="0" smtClean="0"/>
-              <a:t>Definition JSON DTO</a:t>
-            </a:r>
+              <a:t>Definition JSON </a:t>
+            </a:r>
+            <a:r>
+              <a:rPr lang="de-DE" dirty="0" smtClean="0"/>
+              <a:t>- DTO</a:t>
+            </a:r>
+            <a:endParaRPr lang="de-DE" dirty="0" smtClean="0"/>
           </a:p>
           <a:p>
             <a:r>
@@ -3780,6 +3846,30 @@
               <a:t>)</a:t>
             </a:r>
             <a:endParaRPr lang="de-DE" dirty="0"/>
+          </a:p>
+        </p:txBody>
+      </p:sp>
+      <p:sp>
+        <p:nvSpPr>
+          <p:cNvPr id="4" name="Foliennummernplatzhalter 3"/>
+          <p:cNvSpPr>
+            <a:spLocks noGrp="1"/>
+          </p:cNvSpPr>
+          <p:nvPr>
+            <p:ph type="sldNum" sz="quarter" idx="12"/>
+          </p:nvPr>
+        </p:nvSpPr>
+        <p:spPr/>
+        <p:txBody>
+          <a:bodyPr/>
+          <a:lstStyle/>
+          <a:p>
+            <a:fld id="{F6741669-CF2E-4015-A056-54B33D7C161D}" type="slidenum">
+              <a:rPr lang="de-DE" smtClean="0"/>
+              <a:pPr/>
+              <a:t>12</a:t>
+            </a:fld>
+            <a:endParaRPr lang="de-DE"/>
           </a:p>
         </p:txBody>
       </p:sp>
@@ -3866,6 +3956,30 @@
           </a:p>
         </p:txBody>
       </p:sp>
+      <p:sp>
+        <p:nvSpPr>
+          <p:cNvPr id="4" name="Foliennummernplatzhalter 3"/>
+          <p:cNvSpPr>
+            <a:spLocks noGrp="1"/>
+          </p:cNvSpPr>
+          <p:nvPr>
+            <p:ph type="sldNum" sz="quarter" idx="12"/>
+          </p:nvPr>
+        </p:nvSpPr>
+        <p:spPr/>
+        <p:txBody>
+          <a:bodyPr/>
+          <a:lstStyle/>
+          <a:p>
+            <a:fld id="{F6741669-CF2E-4015-A056-54B33D7C161D}" type="slidenum">
+              <a:rPr lang="de-DE" smtClean="0"/>
+              <a:pPr/>
+              <a:t>13</a:t>
+            </a:fld>
+            <a:endParaRPr lang="de-DE"/>
+          </a:p>
+        </p:txBody>
+      </p:sp>
     </p:spTree>
   </p:cSld>
   <p:clrMapOvr>
@@ -3971,6 +4085,30 @@
           </a:p>
         </p:txBody>
       </p:sp>
+      <p:sp>
+        <p:nvSpPr>
+          <p:cNvPr id="4" name="Foliennummernplatzhalter 3"/>
+          <p:cNvSpPr>
+            <a:spLocks noGrp="1"/>
+          </p:cNvSpPr>
+          <p:nvPr>
+            <p:ph type="sldNum" sz="quarter" idx="12"/>
+          </p:nvPr>
+        </p:nvSpPr>
+        <p:spPr/>
+        <p:txBody>
+          <a:bodyPr/>
+          <a:lstStyle/>
+          <a:p>
+            <a:fld id="{F6741669-CF2E-4015-A056-54B33D7C161D}" type="slidenum">
+              <a:rPr lang="de-DE" smtClean="0"/>
+              <a:pPr/>
+              <a:t>14</a:t>
+            </a:fld>
+            <a:endParaRPr lang="de-DE"/>
+          </a:p>
+        </p:txBody>
+      </p:sp>
     </p:spTree>
   </p:cSld>
   <p:clrMapOvr>
@@ -4137,6 +4275,30 @@
           </a:p>
         </p:txBody>
       </p:sp>
+      <p:sp>
+        <p:nvSpPr>
+          <p:cNvPr id="9" name="Foliennummernplatzhalter 8"/>
+          <p:cNvSpPr>
+            <a:spLocks noGrp="1"/>
+          </p:cNvSpPr>
+          <p:nvPr>
+            <p:ph type="sldNum" sz="quarter" idx="12"/>
+          </p:nvPr>
+        </p:nvSpPr>
+        <p:spPr/>
+        <p:txBody>
+          <a:bodyPr/>
+          <a:lstStyle/>
+          <a:p>
+            <a:fld id="{F6741669-CF2E-4015-A056-54B33D7C161D}" type="slidenum">
+              <a:rPr lang="de-DE" smtClean="0"/>
+              <a:pPr/>
+              <a:t>15</a:t>
+            </a:fld>
+            <a:endParaRPr lang="de-DE"/>
+          </a:p>
+        </p:txBody>
+      </p:sp>
     </p:spTree>
   </p:cSld>
   <p:clrMapOvr>
@@ -4246,6 +4408,30 @@
           </a:p>
         </p:txBody>
       </p:sp>
+      <p:sp>
+        <p:nvSpPr>
+          <p:cNvPr id="4" name="Foliennummernplatzhalter 3"/>
+          <p:cNvSpPr>
+            <a:spLocks noGrp="1"/>
+          </p:cNvSpPr>
+          <p:nvPr>
+            <p:ph type="sldNum" sz="quarter" idx="12"/>
+          </p:nvPr>
+        </p:nvSpPr>
+        <p:spPr/>
+        <p:txBody>
+          <a:bodyPr/>
+          <a:lstStyle/>
+          <a:p>
+            <a:fld id="{F6741669-CF2E-4015-A056-54B33D7C161D}" type="slidenum">
+              <a:rPr lang="de-DE" smtClean="0"/>
+              <a:pPr/>
+              <a:t>16</a:t>
+            </a:fld>
+            <a:endParaRPr lang="de-DE"/>
+          </a:p>
+        </p:txBody>
+      </p:sp>
     </p:spTree>
   </p:cSld>
   <p:clrMapOvr>
@@ -4323,6 +4509,30 @@
           </a:p>
         </p:txBody>
       </p:sp>
+      <p:sp>
+        <p:nvSpPr>
+          <p:cNvPr id="4" name="Foliennummernplatzhalter 3"/>
+          <p:cNvSpPr>
+            <a:spLocks noGrp="1"/>
+          </p:cNvSpPr>
+          <p:nvPr>
+            <p:ph type="sldNum" sz="quarter" idx="12"/>
+          </p:nvPr>
+        </p:nvSpPr>
+        <p:spPr/>
+        <p:txBody>
+          <a:bodyPr/>
+          <a:lstStyle/>
+          <a:p>
+            <a:fld id="{F6741669-CF2E-4015-A056-54B33D7C161D}" type="slidenum">
+              <a:rPr lang="de-DE" smtClean="0"/>
+              <a:pPr/>
+              <a:t>17</a:t>
+            </a:fld>
+            <a:endParaRPr lang="de-DE"/>
+          </a:p>
+        </p:txBody>
+      </p:sp>
     </p:spTree>
   </p:cSld>
   <p:clrMapOvr>
@@ -4418,6 +4628,30 @@
           </a:p>
         </p:txBody>
       </p:sp>
+      <p:sp>
+        <p:nvSpPr>
+          <p:cNvPr id="4" name="Foliennummernplatzhalter 3"/>
+          <p:cNvSpPr>
+            <a:spLocks noGrp="1"/>
+          </p:cNvSpPr>
+          <p:nvPr>
+            <p:ph type="sldNum" sz="quarter" idx="12"/>
+          </p:nvPr>
+        </p:nvSpPr>
+        <p:spPr/>
+        <p:txBody>
+          <a:bodyPr/>
+          <a:lstStyle/>
+          <a:p>
+            <a:fld id="{F6741669-CF2E-4015-A056-54B33D7C161D}" type="slidenum">
+              <a:rPr lang="de-DE" smtClean="0"/>
+              <a:pPr/>
+              <a:t>2</a:t>
+            </a:fld>
+            <a:endParaRPr lang="de-DE"/>
+          </a:p>
+        </p:txBody>
+      </p:sp>
     </p:spTree>
   </p:cSld>
   <p:clrMapOvr>
@@ -4547,6 +4781,30 @@
           </a:p>
         </p:txBody>
       </p:sp>
+      <p:sp>
+        <p:nvSpPr>
+          <p:cNvPr id="4" name="Foliennummernplatzhalter 3"/>
+          <p:cNvSpPr>
+            <a:spLocks noGrp="1"/>
+          </p:cNvSpPr>
+          <p:nvPr>
+            <p:ph type="sldNum" sz="quarter" idx="12"/>
+          </p:nvPr>
+        </p:nvSpPr>
+        <p:spPr/>
+        <p:txBody>
+          <a:bodyPr/>
+          <a:lstStyle/>
+          <a:p>
+            <a:fld id="{F6741669-CF2E-4015-A056-54B33D7C161D}" type="slidenum">
+              <a:rPr lang="de-DE" smtClean="0"/>
+              <a:pPr/>
+              <a:t>3</a:t>
+            </a:fld>
+            <a:endParaRPr lang="de-DE"/>
+          </a:p>
+        </p:txBody>
+      </p:sp>
     </p:spTree>
   </p:cSld>
   <p:clrMapOvr>
@@ -4620,7 +4878,7 @@
           <a:p>
             <a:r>
               <a:rPr lang="de-DE" dirty="0" smtClean="0"/>
-              <a:t>Schnittstellen zu den </a:t>
+              <a:t>Definition und Implementierung der Schnittstellen zu den </a:t>
             </a:r>
             <a:r>
               <a:rPr lang="de-DE" dirty="0" err="1" smtClean="0"/>
@@ -4631,12 +4889,6 @@
           <a:p>
             <a:r>
               <a:rPr lang="de-DE" dirty="0" smtClean="0"/>
-              <a:t>Definition der Schnittstellen</a:t>
-            </a:r>
-          </a:p>
-          <a:p>
-            <a:r>
-              <a:rPr lang="de-DE" dirty="0" smtClean="0"/>
               <a:t>Versorgung </a:t>
             </a:r>
             <a:r>
@@ -4670,6 +4922,30 @@
               <a:t>Testdaten</a:t>
             </a:r>
             <a:endParaRPr lang="de-DE" dirty="0" smtClean="0"/>
+          </a:p>
+        </p:txBody>
+      </p:sp>
+      <p:sp>
+        <p:nvSpPr>
+          <p:cNvPr id="4" name="Foliennummernplatzhalter 3"/>
+          <p:cNvSpPr>
+            <a:spLocks noGrp="1"/>
+          </p:cNvSpPr>
+          <p:nvPr>
+            <p:ph type="sldNum" sz="quarter" idx="12"/>
+          </p:nvPr>
+        </p:nvSpPr>
+        <p:spPr/>
+        <p:txBody>
+          <a:bodyPr/>
+          <a:lstStyle/>
+          <a:p>
+            <a:fld id="{F6741669-CF2E-4015-A056-54B33D7C161D}" type="slidenum">
+              <a:rPr lang="de-DE" smtClean="0"/>
+              <a:pPr/>
+              <a:t>4</a:t>
+            </a:fld>
+            <a:endParaRPr lang="de-DE"/>
           </a:p>
         </p:txBody>
       </p:sp>
@@ -4744,6 +5020,30 @@
           </a:xfrm>
         </p:spPr>
       </p:pic>
+      <p:sp>
+        <p:nvSpPr>
+          <p:cNvPr id="4" name="Foliennummernplatzhalter 3"/>
+          <p:cNvSpPr>
+            <a:spLocks noGrp="1"/>
+          </p:cNvSpPr>
+          <p:nvPr>
+            <p:ph type="sldNum" sz="quarter" idx="12"/>
+          </p:nvPr>
+        </p:nvSpPr>
+        <p:spPr/>
+        <p:txBody>
+          <a:bodyPr/>
+          <a:lstStyle/>
+          <a:p>
+            <a:fld id="{F6741669-CF2E-4015-A056-54B33D7C161D}" type="slidenum">
+              <a:rPr lang="de-DE" smtClean="0"/>
+              <a:pPr/>
+              <a:t>5</a:t>
+            </a:fld>
+            <a:endParaRPr lang="de-DE"/>
+          </a:p>
+        </p:txBody>
+      </p:sp>
     </p:spTree>
   </p:cSld>
   <p:clrMapOvr>
@@ -5050,6 +5350,30 @@
           </a:fontRef>
         </p:style>
       </p:cxnSp>
+      <p:sp>
+        <p:nvSpPr>
+          <p:cNvPr id="14" name="Foliennummernplatzhalter 13"/>
+          <p:cNvSpPr>
+            <a:spLocks noGrp="1"/>
+          </p:cNvSpPr>
+          <p:nvPr>
+            <p:ph type="sldNum" sz="quarter" idx="12"/>
+          </p:nvPr>
+        </p:nvSpPr>
+        <p:spPr/>
+        <p:txBody>
+          <a:bodyPr/>
+          <a:lstStyle/>
+          <a:p>
+            <a:fld id="{F6741669-CF2E-4015-A056-54B33D7C161D}" type="slidenum">
+              <a:rPr lang="de-DE" smtClean="0"/>
+              <a:pPr/>
+              <a:t>6</a:t>
+            </a:fld>
+            <a:endParaRPr lang="de-DE"/>
+          </a:p>
+        </p:txBody>
+      </p:sp>
     </p:spTree>
   </p:cSld>
   <p:clrMapOvr>
@@ -5135,13 +5459,22 @@
           <a:p>
             <a:r>
               <a:rPr lang="de-DE" dirty="0" smtClean="0"/>
-              <a:t>Datenaustausch : JSON</a:t>
-            </a:r>
-          </a:p>
-          <a:p>
-            <a:r>
-              <a:rPr lang="de-DE" dirty="0" smtClean="0"/>
-              <a:t>Definierte JSON Struktur</a:t>
+              <a:t>Datenaustausch : </a:t>
+            </a:r>
+            <a:r>
+              <a:rPr lang="de-DE" dirty="0" smtClean="0"/>
+              <a:t>JSON als Datenformat</a:t>
+            </a:r>
+            <a:endParaRPr lang="de-DE" dirty="0" smtClean="0"/>
+          </a:p>
+          <a:p>
+            <a:r>
+              <a:rPr lang="de-DE" dirty="0" smtClean="0"/>
+              <a:t>Definition der </a:t>
+            </a:r>
+            <a:r>
+              <a:rPr lang="de-DE" dirty="0" smtClean="0"/>
+              <a:t>JSON Struktur</a:t>
             </a:r>
           </a:p>
           <a:p>
@@ -5164,6 +5497,30 @@
           </a:p>
           <a:p>
             <a:endParaRPr lang="de-DE" dirty="0"/>
+          </a:p>
+        </p:txBody>
+      </p:sp>
+      <p:sp>
+        <p:nvSpPr>
+          <p:cNvPr id="4" name="Foliennummernplatzhalter 3"/>
+          <p:cNvSpPr>
+            <a:spLocks noGrp="1"/>
+          </p:cNvSpPr>
+          <p:nvPr>
+            <p:ph type="sldNum" sz="quarter" idx="12"/>
+          </p:nvPr>
+        </p:nvSpPr>
+        <p:spPr/>
+        <p:txBody>
+          <a:bodyPr/>
+          <a:lstStyle/>
+          <a:p>
+            <a:fld id="{F6741669-CF2E-4015-A056-54B33D7C161D}" type="slidenum">
+              <a:rPr lang="de-DE" smtClean="0"/>
+              <a:pPr/>
+              <a:t>7</a:t>
+            </a:fld>
+            <a:endParaRPr lang="de-DE"/>
           </a:p>
         </p:txBody>
       </p:sp>
@@ -5272,6 +5629,30 @@
           </a:p>
         </p:txBody>
       </p:sp>
+      <p:sp>
+        <p:nvSpPr>
+          <p:cNvPr id="4" name="Foliennummernplatzhalter 3"/>
+          <p:cNvSpPr>
+            <a:spLocks noGrp="1"/>
+          </p:cNvSpPr>
+          <p:nvPr>
+            <p:ph type="sldNum" sz="quarter" idx="12"/>
+          </p:nvPr>
+        </p:nvSpPr>
+        <p:spPr/>
+        <p:txBody>
+          <a:bodyPr/>
+          <a:lstStyle/>
+          <a:p>
+            <a:fld id="{F6741669-CF2E-4015-A056-54B33D7C161D}" type="slidenum">
+              <a:rPr lang="de-DE" smtClean="0"/>
+              <a:pPr/>
+              <a:t>8</a:t>
+            </a:fld>
+            <a:endParaRPr lang="de-DE"/>
+          </a:p>
+        </p:txBody>
+      </p:sp>
     </p:spTree>
   </p:cSld>
   <p:clrMapOvr>
@@ -5404,6 +5785,30 @@
               <a:t> -&gt; Server – Warenkorb + Nutzerdaten</a:t>
             </a:r>
             <a:endParaRPr lang="de-DE" dirty="0"/>
+          </a:p>
+        </p:txBody>
+      </p:sp>
+      <p:sp>
+        <p:nvSpPr>
+          <p:cNvPr id="4" name="Foliennummernplatzhalter 3"/>
+          <p:cNvSpPr>
+            <a:spLocks noGrp="1"/>
+          </p:cNvSpPr>
+          <p:nvPr>
+            <p:ph type="sldNum" sz="quarter" idx="12"/>
+          </p:nvPr>
+        </p:nvSpPr>
+        <p:spPr/>
+        <p:txBody>
+          <a:bodyPr/>
+          <a:lstStyle/>
+          <a:p>
+            <a:fld id="{F6741669-CF2E-4015-A056-54B33D7C161D}" type="slidenum">
+              <a:rPr lang="de-DE" smtClean="0"/>
+              <a:pPr/>
+              <a:t>9</a:t>
+            </a:fld>
+            <a:endParaRPr lang="de-DE"/>
           </a:p>
         </p:txBody>
       </p:sp>

--- a/praesentation/Projektpräsentation.pptx
+++ b/praesentation/Projektpräsentation.pptx
@@ -4598,8 +4598,15 @@
           <a:p>
             <a:r>
               <a:rPr lang="de-DE" dirty="0" smtClean="0"/>
+              <a:t>Intro</a:t>
+            </a:r>
+          </a:p>
+          <a:p>
+            <a:r>
+              <a:rPr lang="de-DE" dirty="0" smtClean="0"/>
               <a:t>Vorbereitung</a:t>
             </a:r>
+            <a:endParaRPr lang="de-DE" dirty="0" smtClean="0"/>
           </a:p>
           <a:p>
             <a:r>
@@ -4739,19 +4746,7 @@
           <a:p>
             <a:r>
               <a:rPr lang="de-DE" dirty="0" smtClean="0"/>
-              <a:t>Kunden : Einzelne Hotels</a:t>
-            </a:r>
-          </a:p>
-          <a:p>
-            <a:r>
-              <a:rPr lang="de-DE" dirty="0" smtClean="0"/>
-              <a:t>Grafische Anpassung der Clients</a:t>
-            </a:r>
-          </a:p>
-          <a:p>
-            <a:r>
-              <a:rPr lang="de-DE" dirty="0" smtClean="0"/>
-              <a:t>Zentraler Server - </a:t>
+              <a:t>Zentraler Server : </a:t>
             </a:r>
             <a:r>
               <a:rPr lang="de-DE" dirty="0" smtClean="0"/>
@@ -4769,7 +4764,23 @@
             </a:r>
             <a:r>
               <a:rPr lang="de-DE" dirty="0" smtClean="0"/>
-              <a:t> als Clients – Darstellung &amp; Nutzereingaben</a:t>
+              <a:t> als Clients : Darstellung &amp; Nutzereingaben</a:t>
+            </a:r>
+          </a:p>
+          <a:p>
+            <a:r>
+              <a:rPr lang="de-DE" dirty="0" smtClean="0"/>
+              <a:t>Kunden : Einzelne Hotels</a:t>
+            </a:r>
+          </a:p>
+          <a:p>
+            <a:r>
+              <a:rPr lang="de-DE" dirty="0" smtClean="0"/>
+              <a:t>Grafische Anpassung der </a:t>
+            </a:r>
+            <a:r>
+              <a:rPr lang="de-DE" dirty="0" smtClean="0"/>
+              <a:t>Clients</a:t>
             </a:r>
           </a:p>
           <a:p>

--- a/praesentation/Projektpräsentation.pptx
+++ b/praesentation/Projektpräsentation.pptx
@@ -4746,15 +4746,7 @@
           <a:p>
             <a:r>
               <a:rPr lang="de-DE" dirty="0" smtClean="0"/>
-              <a:t>Zentraler Server : </a:t>
-            </a:r>
-            <a:r>
-              <a:rPr lang="de-DE" dirty="0" smtClean="0"/>
-              <a:t>L</a:t>
-            </a:r>
-            <a:r>
-              <a:rPr lang="de-DE" dirty="0" smtClean="0"/>
-              <a:t>ogik</a:t>
+              <a:t>Zentraler Server : Logik – Vermittlung - Pufferung</a:t>
             </a:r>
           </a:p>
           <a:p>
@@ -4877,7 +4869,7 @@
         <p:spPr/>
         <p:txBody>
           <a:bodyPr>
-            <a:normAutofit/>
+            <a:normAutofit lnSpcReduction="10000"/>
           </a:bodyPr>
           <a:lstStyle/>
           <a:p>
@@ -4885,6 +4877,13 @@
               <a:rPr lang="de-DE" dirty="0" smtClean="0"/>
               <a:t>Teilprojekt : Serversoftware</a:t>
             </a:r>
+          </a:p>
+          <a:p>
+            <a:r>
+              <a:rPr lang="de-DE" dirty="0" smtClean="0"/>
+              <a:t>Gegeben : grafisches Konzept</a:t>
+            </a:r>
+            <a:endParaRPr lang="de-DE" dirty="0" smtClean="0"/>
           </a:p>
           <a:p>
             <a:r>

--- a/praesentation/Projektpräsentation.pptx
+++ b/praesentation/Projektpräsentation.pptx
@@ -2,7 +2,7 @@
 <file path=ppt/presentation.xml><?xml version="1.0" encoding="utf-8"?>
 <p:presentation xmlns:a="http://schemas.openxmlformats.org/drawingml/2006/main" xmlns:r="http://schemas.openxmlformats.org/officeDocument/2006/relationships" xmlns:p="http://schemas.openxmlformats.org/presentationml/2006/main" saveSubsetFonts="1">
   <p:sldMasterIdLst>
-    <p:sldMasterId id="2147483708" r:id="rId1"/>
+    <p:sldMasterId id="2147483732" r:id="rId1"/>
   </p:sldMasterIdLst>
   <p:notesMasterIdLst>
     <p:notesMasterId r:id="rId19"/>
@@ -475,9 +475,9 @@
 </p:notesMaster>
 </file>
 
-<file path=ppt/slideLayouts/slideLayout1.xml><?xml version="1.0" encoding="utf-8"?>
-<p:sldLayout xmlns:a="http://schemas.openxmlformats.org/drawingml/2006/main" xmlns:r="http://schemas.openxmlformats.org/officeDocument/2006/relationships" xmlns:p="http://schemas.openxmlformats.org/presentationml/2006/main" type="title" preserve="1">
-  <p:cSld name="Titelfolie">
+<file path=ppt/notesSlides/notesSlide1.xml><?xml version="1.0" encoding="utf-8"?>
+<p:notes xmlns:a="http://schemas.openxmlformats.org/drawingml/2006/main" xmlns:r="http://schemas.openxmlformats.org/officeDocument/2006/relationships" xmlns:p="http://schemas.openxmlformats.org/presentationml/2006/main">
+  <p:cSld>
     <p:spTree>
       <p:nvGrpSpPr>
         <p:cNvPr id="1" name=""/>
@@ -494,7 +494,236 @@
       </p:grpSpPr>
       <p:sp>
         <p:nvSpPr>
-          <p:cNvPr id="2" name="Titel 1"/>
+          <p:cNvPr id="2" name="Folienbildplatzhalter 1"/>
+          <p:cNvSpPr>
+            <a:spLocks noGrp="1" noRot="1" noChangeAspect="1"/>
+          </p:cNvSpPr>
+          <p:nvPr>
+            <p:ph type="sldImg"/>
+          </p:nvPr>
+        </p:nvSpPr>
+        <p:spPr/>
+      </p:sp>
+      <p:sp>
+        <p:nvSpPr>
+          <p:cNvPr id="3" name="Notizenplatzhalter 2"/>
+          <p:cNvSpPr>
+            <a:spLocks noGrp="1"/>
+          </p:cNvSpPr>
+          <p:nvPr>
+            <p:ph type="body" idx="1"/>
+          </p:nvPr>
+        </p:nvSpPr>
+        <p:spPr/>
+        <p:txBody>
+          <a:bodyPr>
+            <a:normAutofit/>
+          </a:bodyPr>
+          <a:lstStyle/>
+          <a:p>
+            <a:endParaRPr lang="de-DE"/>
+          </a:p>
+        </p:txBody>
+      </p:sp>
+      <p:sp>
+        <p:nvSpPr>
+          <p:cNvPr id="4" name="Foliennummernplatzhalter 3"/>
+          <p:cNvSpPr>
+            <a:spLocks noGrp="1"/>
+          </p:cNvSpPr>
+          <p:nvPr>
+            <p:ph type="sldNum" sz="quarter" idx="10"/>
+          </p:nvPr>
+        </p:nvSpPr>
+        <p:spPr/>
+        <p:txBody>
+          <a:bodyPr/>
+          <a:lstStyle/>
+          <a:p>
+            <a:fld id="{AF670A59-C4C3-43E8-BCED-B0C58CBED59A}" type="slidenum">
+              <a:rPr lang="de-DE" smtClean="0"/>
+              <a:pPr/>
+              <a:t>11</a:t>
+            </a:fld>
+            <a:endParaRPr lang="de-DE"/>
+          </a:p>
+        </p:txBody>
+      </p:sp>
+    </p:spTree>
+  </p:cSld>
+  <p:clrMapOvr>
+    <a:masterClrMapping/>
+  </p:clrMapOvr>
+</p:notes>
+</file>
+
+<file path=ppt/slideLayouts/slideLayout1.xml><?xml version="1.0" encoding="utf-8"?>
+<p:sldLayout xmlns:a="http://schemas.openxmlformats.org/drawingml/2006/main" xmlns:r="http://schemas.openxmlformats.org/officeDocument/2006/relationships" xmlns:p="http://schemas.openxmlformats.org/presentationml/2006/main" showMasterSp="0" type="title" preserve="1">
+  <p:cSld name="Titelfolie">
+    <p:bg>
+      <p:bgRef idx="1001">
+        <a:schemeClr val="bg2"/>
+      </p:bgRef>
+    </p:bg>
+    <p:spTree>
+      <p:nvGrpSpPr>
+        <p:cNvPr id="1" name=""/>
+        <p:cNvGrpSpPr/>
+        <p:nvPr/>
+      </p:nvGrpSpPr>
+      <p:grpSpPr>
+        <a:xfrm>
+          <a:off x="0" y="0"/>
+          <a:ext cx="0" cy="0"/>
+          <a:chOff x="0" y="0"/>
+          <a:chExt cx="0" cy="0"/>
+        </a:xfrm>
+      </p:grpSpPr>
+      <p:sp>
+        <p:nvSpPr>
+          <p:cNvPr id="7" name="Rechteck 6"/>
+          <p:cNvSpPr/>
+          <p:nvPr/>
+        </p:nvSpPr>
+        <p:spPr bwMode="white">
+          <a:xfrm>
+            <a:off x="0" y="5971032"/>
+            <a:ext cx="9144000" cy="886968"/>
+          </a:xfrm>
+          <a:prstGeom prst="rect">
+            <a:avLst/>
+          </a:prstGeom>
+          <a:solidFill>
+            <a:srgbClr val="FFFFFF"/>
+          </a:solidFill>
+          <a:ln w="50800" cap="rnd" cmpd="dbl" algn="ctr">
+            <a:noFill/>
+            <a:prstDash val="solid"/>
+          </a:ln>
+          <a:effectLst/>
+        </p:spPr>
+        <p:style>
+          <a:lnRef idx="3">
+            <a:schemeClr val="lt1"/>
+          </a:lnRef>
+          <a:fillRef idx="1">
+            <a:schemeClr val="accent1"/>
+          </a:fillRef>
+          <a:effectRef idx="1">
+            <a:schemeClr val="accent1"/>
+          </a:effectRef>
+          <a:fontRef idx="minor">
+            <a:schemeClr val="lt1"/>
+          </a:fontRef>
+        </p:style>
+        <p:txBody>
+          <a:bodyPr anchor="ctr"/>
+          <a:lstStyle/>
+          <a:p>
+            <a:pPr algn="ctr" eaLnBrk="1" latinLnBrk="0" hangingPunct="1"/>
+            <a:endParaRPr kumimoji="0" lang="en-US"/>
+          </a:p>
+        </p:txBody>
+      </p:sp>
+      <p:sp>
+        <p:nvSpPr>
+          <p:cNvPr id="10" name="Rechteck 9"/>
+          <p:cNvSpPr/>
+          <p:nvPr/>
+        </p:nvSpPr>
+        <p:spPr>
+          <a:xfrm>
+            <a:off x="-9144" y="6053328"/>
+            <a:ext cx="2249424" cy="713232"/>
+          </a:xfrm>
+          <a:prstGeom prst="rect">
+            <a:avLst/>
+          </a:prstGeom>
+          <a:solidFill>
+            <a:schemeClr val="accent2">
+              <a:alpha val="100000"/>
+            </a:schemeClr>
+          </a:solidFill>
+          <a:ln w="50800" cap="rnd" cmpd="dbl" algn="ctr">
+            <a:noFill/>
+            <a:prstDash val="solid"/>
+          </a:ln>
+          <a:effectLst/>
+        </p:spPr>
+        <p:style>
+          <a:lnRef idx="3">
+            <a:schemeClr val="lt1"/>
+          </a:lnRef>
+          <a:fillRef idx="1">
+            <a:schemeClr val="accent1"/>
+          </a:fillRef>
+          <a:effectRef idx="1">
+            <a:schemeClr val="accent1"/>
+          </a:effectRef>
+          <a:fontRef idx="minor">
+            <a:schemeClr val="lt1"/>
+          </a:fontRef>
+        </p:style>
+        <p:txBody>
+          <a:bodyPr anchor="ctr"/>
+          <a:lstStyle/>
+          <a:p>
+            <a:pPr algn="ctr" eaLnBrk="1" latinLnBrk="0" hangingPunct="1"/>
+            <a:endParaRPr kumimoji="0" lang="en-US"/>
+          </a:p>
+        </p:txBody>
+      </p:sp>
+      <p:sp>
+        <p:nvSpPr>
+          <p:cNvPr id="11" name="Rechteck 10"/>
+          <p:cNvSpPr/>
+          <p:nvPr/>
+        </p:nvSpPr>
+        <p:spPr>
+          <a:xfrm>
+            <a:off x="2359152" y="6044184"/>
+            <a:ext cx="6784848" cy="713232"/>
+          </a:xfrm>
+          <a:prstGeom prst="rect">
+            <a:avLst/>
+          </a:prstGeom>
+          <a:solidFill>
+            <a:schemeClr val="accent1">
+              <a:alpha val="100000"/>
+            </a:schemeClr>
+          </a:solidFill>
+          <a:ln w="50800" cap="rnd" cmpd="dbl" algn="ctr">
+            <a:noFill/>
+            <a:prstDash val="solid"/>
+          </a:ln>
+          <a:effectLst/>
+        </p:spPr>
+        <p:style>
+          <a:lnRef idx="3">
+            <a:schemeClr val="lt1"/>
+          </a:lnRef>
+          <a:fillRef idx="1">
+            <a:schemeClr val="accent1"/>
+          </a:fillRef>
+          <a:effectRef idx="1">
+            <a:schemeClr val="accent1"/>
+          </a:effectRef>
+          <a:fontRef idx="minor">
+            <a:schemeClr val="lt1"/>
+          </a:fontRef>
+        </p:style>
+        <p:txBody>
+          <a:bodyPr anchor="ctr"/>
+          <a:lstStyle/>
+          <a:p>
+            <a:pPr algn="ctr" eaLnBrk="1" latinLnBrk="0" hangingPunct="1"/>
+            <a:endParaRPr kumimoji="0" lang="en-US"/>
+          </a:p>
+        </p:txBody>
+      </p:sp>
+      <p:sp>
+        <p:nvSpPr>
+          <p:cNvPr id="8" name="Titel 7"/>
           <p:cNvSpPr>
             <a:spLocks noGrp="1"/>
           </p:cNvSpPr>
@@ -504,25 +733,29 @@
         </p:nvSpPr>
         <p:spPr>
           <a:xfrm>
-            <a:off x="685800" y="2130425"/>
-            <a:ext cx="7772400" cy="1470025"/>
-          </a:xfrm>
-        </p:spPr>
-        <p:txBody>
-          <a:bodyPr/>
-          <a:lstStyle/>
-          <a:p>
-            <a:r>
-              <a:rPr lang="de-DE" smtClean="0"/>
+            <a:off x="2362200" y="4038600"/>
+            <a:ext cx="6477000" cy="1828800"/>
+          </a:xfrm>
+        </p:spPr>
+        <p:txBody>
+          <a:bodyPr anchor="b"/>
+          <a:lstStyle>
+            <a:lvl1pPr>
+              <a:defRPr cap="all" baseline="0"/>
+            </a:lvl1pPr>
+          </a:lstStyle>
+          <a:p>
+            <a:r>
+              <a:rPr kumimoji="0" lang="de-DE" smtClean="0"/>
               <a:t>Titelmasterformat durch Klicken bearbeiten</a:t>
             </a:r>
-            <a:endParaRPr lang="de-DE"/>
-          </a:p>
-        </p:txBody>
-      </p:sp>
-      <p:sp>
-        <p:nvSpPr>
-          <p:cNvPr id="3" name="Untertitel 2"/>
+            <a:endParaRPr kumimoji="0" lang="en-US"/>
+          </a:p>
+        </p:txBody>
+      </p:sp>
+      <p:sp>
+        <p:nvSpPr>
+          <p:cNvPr id="9" name="Untertitel 8"/>
           <p:cNvSpPr>
             <a:spLocks noGrp="1"/>
           </p:cNvSpPr>
@@ -532,127 +765,86 @@
         </p:nvSpPr>
         <p:spPr>
           <a:xfrm>
-            <a:off x="1371600" y="3886200"/>
-            <a:ext cx="6400800" cy="1752600"/>
-          </a:xfrm>
-        </p:spPr>
-        <p:txBody>
-          <a:bodyPr/>
+            <a:off x="2362200" y="6050037"/>
+            <a:ext cx="6705600" cy="685800"/>
+          </a:xfrm>
+        </p:spPr>
+        <p:txBody>
+          <a:bodyPr anchor="ctr">
+            <a:normAutofit/>
+          </a:bodyPr>
           <a:lstStyle>
-            <a:lvl1pPr marL="0" indent="0" algn="ctr">
+            <a:lvl1pPr marL="0" indent="0" algn="l">
               <a:buNone/>
-              <a:defRPr>
+              <a:defRPr sz="2600">
                 <a:solidFill>
-                  <a:schemeClr val="tx1">
-                    <a:tint val="75000"/>
-                  </a:schemeClr>
+                  <a:srgbClr val="FFFFFF"/>
                 </a:solidFill>
               </a:defRPr>
             </a:lvl1pPr>
             <a:lvl2pPr marL="457200" indent="0" algn="ctr">
               <a:buNone/>
-              <a:defRPr>
-                <a:solidFill>
-                  <a:schemeClr val="tx1">
-                    <a:tint val="75000"/>
-                  </a:schemeClr>
-                </a:solidFill>
-              </a:defRPr>
             </a:lvl2pPr>
             <a:lvl3pPr marL="914400" indent="0" algn="ctr">
               <a:buNone/>
-              <a:defRPr>
-                <a:solidFill>
-                  <a:schemeClr val="tx1">
-                    <a:tint val="75000"/>
-                  </a:schemeClr>
-                </a:solidFill>
-              </a:defRPr>
             </a:lvl3pPr>
             <a:lvl4pPr marL="1371600" indent="0" algn="ctr">
               <a:buNone/>
-              <a:defRPr>
-                <a:solidFill>
-                  <a:schemeClr val="tx1">
-                    <a:tint val="75000"/>
-                  </a:schemeClr>
-                </a:solidFill>
-              </a:defRPr>
             </a:lvl4pPr>
             <a:lvl5pPr marL="1828800" indent="0" algn="ctr">
               <a:buNone/>
-              <a:defRPr>
-                <a:solidFill>
-                  <a:schemeClr val="tx1">
-                    <a:tint val="75000"/>
-                  </a:schemeClr>
-                </a:solidFill>
-              </a:defRPr>
             </a:lvl5pPr>
             <a:lvl6pPr marL="2286000" indent="0" algn="ctr">
               <a:buNone/>
-              <a:defRPr>
-                <a:solidFill>
-                  <a:schemeClr val="tx1">
-                    <a:tint val="75000"/>
-                  </a:schemeClr>
-                </a:solidFill>
-              </a:defRPr>
             </a:lvl6pPr>
             <a:lvl7pPr marL="2743200" indent="0" algn="ctr">
               <a:buNone/>
-              <a:defRPr>
-                <a:solidFill>
-                  <a:schemeClr val="tx1">
-                    <a:tint val="75000"/>
-                  </a:schemeClr>
-                </a:solidFill>
-              </a:defRPr>
             </a:lvl7pPr>
             <a:lvl8pPr marL="3200400" indent="0" algn="ctr">
               <a:buNone/>
-              <a:defRPr>
-                <a:solidFill>
-                  <a:schemeClr val="tx1">
-                    <a:tint val="75000"/>
-                  </a:schemeClr>
-                </a:solidFill>
-              </a:defRPr>
             </a:lvl8pPr>
             <a:lvl9pPr marL="3657600" indent="0" algn="ctr">
               <a:buNone/>
-              <a:defRPr>
+            </a:lvl9pPr>
+          </a:lstStyle>
+          <a:p>
+            <a:r>
+              <a:rPr kumimoji="0" lang="de-DE" smtClean="0"/>
+              <a:t>Formatvorlage des Untertitelmasters durch Klicken bearbeiten</a:t>
+            </a:r>
+            <a:endParaRPr kumimoji="0" lang="en-US"/>
+          </a:p>
+        </p:txBody>
+      </p:sp>
+      <p:sp>
+        <p:nvSpPr>
+          <p:cNvPr id="28" name="Datumsplatzhalter 27"/>
+          <p:cNvSpPr>
+            <a:spLocks noGrp="1"/>
+          </p:cNvSpPr>
+          <p:nvPr>
+            <p:ph type="dt" sz="half" idx="10"/>
+          </p:nvPr>
+        </p:nvSpPr>
+        <p:spPr>
+          <a:xfrm>
+            <a:off x="76200" y="6068699"/>
+            <a:ext cx="2057400" cy="685800"/>
+          </a:xfrm>
+        </p:spPr>
+        <p:txBody>
+          <a:bodyPr>
+            <a:noAutofit/>
+          </a:bodyPr>
+          <a:lstStyle>
+            <a:lvl1pPr algn="ctr">
+              <a:defRPr sz="2000">
                 <a:solidFill>
-                  <a:schemeClr val="tx1">
-                    <a:tint val="75000"/>
-                  </a:schemeClr>
+                  <a:srgbClr val="FFFFFF"/>
                 </a:solidFill>
               </a:defRPr>
-            </a:lvl9pPr>
+            </a:lvl1pPr>
           </a:lstStyle>
-          <a:p>
-            <a:r>
-              <a:rPr lang="de-DE" smtClean="0"/>
-              <a:t>Formatvorlage des Untertitelmasters durch Klicken bearbeiten</a:t>
-            </a:r>
-            <a:endParaRPr lang="de-DE"/>
-          </a:p>
-        </p:txBody>
-      </p:sp>
-      <p:sp>
-        <p:nvSpPr>
-          <p:cNvPr id="4" name="Datumsplatzhalter 3"/>
-          <p:cNvSpPr>
-            <a:spLocks noGrp="1"/>
-          </p:cNvSpPr>
-          <p:nvPr>
-            <p:ph type="dt" sz="half" idx="10"/>
-          </p:nvPr>
-        </p:nvSpPr>
-        <p:spPr/>
-        <p:txBody>
-          <a:bodyPr/>
-          <a:lstStyle/>
           <a:p>
             <a:fld id="{68B59362-95CF-40A7-A4DF-8A85CB5047CB}" type="datetime1">
               <a:rPr lang="de-DE" smtClean="0"/>
@@ -664,7 +856,7 @@
       </p:sp>
       <p:sp>
         <p:nvSpPr>
-          <p:cNvPr id="5" name="Fußzeilenplatzhalter 4"/>
+          <p:cNvPr id="17" name="Fußzeilenplatzhalter 16"/>
           <p:cNvSpPr>
             <a:spLocks noGrp="1"/>
           </p:cNvSpPr>
@@ -672,10 +864,23 @@
             <p:ph type="ftr" sz="quarter" idx="11"/>
           </p:nvPr>
         </p:nvSpPr>
-        <p:spPr/>
+        <p:spPr>
+          <a:xfrm>
+            <a:off x="2085393" y="236538"/>
+            <a:ext cx="5867400" cy="365125"/>
+          </a:xfrm>
+        </p:spPr>
         <p:txBody>
           <a:bodyPr/>
-          <a:lstStyle/>
+          <a:lstStyle>
+            <a:lvl1pPr algn="r">
+              <a:defRPr>
+                <a:solidFill>
+                  <a:schemeClr val="tx2"/>
+                </a:solidFill>
+              </a:defRPr>
+            </a:lvl1pPr>
+          </a:lstStyle>
           <a:p>
             <a:endParaRPr lang="de-DE"/>
           </a:p>
@@ -683,7 +888,7 @@
       </p:sp>
       <p:sp>
         <p:nvSpPr>
-          <p:cNvPr id="6" name="Foliennummernplatzhalter 5"/>
+          <p:cNvPr id="29" name="Foliennummernplatzhalter 28"/>
           <p:cNvSpPr>
             <a:spLocks noGrp="1"/>
           </p:cNvSpPr>
@@ -691,10 +896,23 @@
             <p:ph type="sldNum" sz="quarter" idx="12"/>
           </p:nvPr>
         </p:nvSpPr>
-        <p:spPr/>
+        <p:spPr>
+          <a:xfrm>
+            <a:off x="8001000" y="228600"/>
+            <a:ext cx="838200" cy="381000"/>
+          </a:xfrm>
+        </p:spPr>
         <p:txBody>
           <a:bodyPr/>
-          <a:lstStyle/>
+          <a:lstStyle>
+            <a:lvl1pPr>
+              <a:defRPr>
+                <a:solidFill>
+                  <a:schemeClr val="tx2"/>
+                </a:solidFill>
+              </a:defRPr>
+            </a:lvl1pPr>
+          </a:lstStyle>
           <a:p>
             <a:fld id="{F6741669-CF2E-4015-A056-54B33D7C161D}" type="slidenum">
               <a:rPr lang="de-DE" smtClean="0"/>
@@ -708,7 +926,7 @@
     </p:spTree>
   </p:cSld>
   <p:clrMapOvr>
-    <a:masterClrMapping/>
+    <a:overrideClrMapping bg1="dk1" tx1="lt1" bg2="dk2" tx2="lt2" accent1="accent1" accent2="accent2" accent3="accent3" accent4="accent4" accent5="accent5" accent6="accent6" hlink="hlink" folHlink="folHlink"/>
   </p:clrMapOvr>
 </p:sldLayout>
 </file>
@@ -746,10 +964,10 @@
           <a:lstStyle/>
           <a:p>
             <a:r>
-              <a:rPr lang="de-DE" smtClean="0"/>
+              <a:rPr kumimoji="0" lang="de-DE" smtClean="0"/>
               <a:t>Titelmasterformat durch Klicken bearbeiten</a:t>
             </a:r>
-            <a:endParaRPr lang="de-DE"/>
+            <a:endParaRPr kumimoji="0" lang="en-US"/>
           </a:p>
         </p:txBody>
       </p:sp>
@@ -768,40 +986,40 @@
           <a:bodyPr vert="eaVert"/>
           <a:lstStyle/>
           <a:p>
-            <a:pPr lvl="0"/>
+            <a:pPr lvl="0" eaLnBrk="1" latinLnBrk="0" hangingPunct="1"/>
             <a:r>
               <a:rPr lang="de-DE" smtClean="0"/>
               <a:t>Textmasterformate durch Klicken bearbeiten</a:t>
             </a:r>
           </a:p>
           <a:p>
-            <a:pPr lvl="1"/>
+            <a:pPr lvl="1" eaLnBrk="1" latinLnBrk="0" hangingPunct="1"/>
             <a:r>
               <a:rPr lang="de-DE" smtClean="0"/>
               <a:t>Zweite Ebene</a:t>
             </a:r>
           </a:p>
           <a:p>
-            <a:pPr lvl="2"/>
+            <a:pPr lvl="2" eaLnBrk="1" latinLnBrk="0" hangingPunct="1"/>
             <a:r>
               <a:rPr lang="de-DE" smtClean="0"/>
               <a:t>Dritte Ebene</a:t>
             </a:r>
           </a:p>
           <a:p>
-            <a:pPr lvl="3"/>
+            <a:pPr lvl="3" eaLnBrk="1" latinLnBrk="0" hangingPunct="1"/>
             <a:r>
               <a:rPr lang="de-DE" smtClean="0"/>
               <a:t>Vierte Ebene</a:t>
             </a:r>
           </a:p>
           <a:p>
-            <a:pPr lvl="4"/>
+            <a:pPr lvl="4" eaLnBrk="1" latinLnBrk="0" hangingPunct="1"/>
             <a:r>
               <a:rPr lang="de-DE" smtClean="0"/>
               <a:t>Fünfte Ebene</a:t>
             </a:r>
-            <a:endParaRPr lang="de-DE"/>
+            <a:endParaRPr kumimoji="0" lang="en-US"/>
           </a:p>
         </p:txBody>
       </p:sp>
@@ -880,8 +1098,13 @@
 </file>
 
 <file path=ppt/slideLayouts/slideLayout11.xml><?xml version="1.0" encoding="utf-8"?>
-<p:sldLayout xmlns:a="http://schemas.openxmlformats.org/drawingml/2006/main" xmlns:r="http://schemas.openxmlformats.org/officeDocument/2006/relationships" xmlns:p="http://schemas.openxmlformats.org/presentationml/2006/main" type="vertTitleAndTx" preserve="1">
+<p:sldLayout xmlns:a="http://schemas.openxmlformats.org/drawingml/2006/main" xmlns:r="http://schemas.openxmlformats.org/officeDocument/2006/relationships" xmlns:p="http://schemas.openxmlformats.org/presentationml/2006/main" showMasterSp="0" type="vertTitleAndTx" preserve="1">
   <p:cSld name="Vertikaler Titel und Text">
+    <p:bg>
+      <p:bgRef idx="1001">
+        <a:schemeClr val="bg1"/>
+      </p:bgRef>
+    </p:bg>
     <p:spTree>
       <p:nvGrpSpPr>
         <p:cNvPr id="1" name=""/>
@@ -908,8 +1131,8 @@
         </p:nvSpPr>
         <p:spPr>
           <a:xfrm>
-            <a:off x="6629400" y="274638"/>
-            <a:ext cx="2057400" cy="5851525"/>
+            <a:off x="6553200" y="609600"/>
+            <a:ext cx="2057400" cy="5516563"/>
           </a:xfrm>
         </p:spPr>
         <p:txBody>
@@ -917,10 +1140,10 @@
           <a:lstStyle/>
           <a:p>
             <a:r>
-              <a:rPr lang="de-DE" smtClean="0"/>
+              <a:rPr kumimoji="0" lang="de-DE" smtClean="0"/>
               <a:t>Titelmasterformat durch Klicken bearbeiten</a:t>
             </a:r>
-            <a:endParaRPr lang="de-DE"/>
+            <a:endParaRPr kumimoji="0" lang="en-US"/>
           </a:p>
         </p:txBody>
       </p:sp>
@@ -936,48 +1159,48 @@
         </p:nvSpPr>
         <p:spPr>
           <a:xfrm>
-            <a:off x="457200" y="274638"/>
-            <a:ext cx="6019800" cy="5851525"/>
+            <a:off x="457200" y="609600"/>
+            <a:ext cx="5562600" cy="5516564"/>
           </a:xfrm>
         </p:spPr>
         <p:txBody>
           <a:bodyPr vert="eaVert"/>
           <a:lstStyle/>
           <a:p>
-            <a:pPr lvl="0"/>
+            <a:pPr lvl="0" eaLnBrk="1" latinLnBrk="0" hangingPunct="1"/>
             <a:r>
               <a:rPr lang="de-DE" smtClean="0"/>
               <a:t>Textmasterformate durch Klicken bearbeiten</a:t>
             </a:r>
           </a:p>
           <a:p>
-            <a:pPr lvl="1"/>
+            <a:pPr lvl="1" eaLnBrk="1" latinLnBrk="0" hangingPunct="1"/>
             <a:r>
               <a:rPr lang="de-DE" smtClean="0"/>
               <a:t>Zweite Ebene</a:t>
             </a:r>
           </a:p>
           <a:p>
-            <a:pPr lvl="2"/>
+            <a:pPr lvl="2" eaLnBrk="1" latinLnBrk="0" hangingPunct="1"/>
             <a:r>
               <a:rPr lang="de-DE" smtClean="0"/>
               <a:t>Dritte Ebene</a:t>
             </a:r>
           </a:p>
           <a:p>
-            <a:pPr lvl="3"/>
+            <a:pPr lvl="3" eaLnBrk="1" latinLnBrk="0" hangingPunct="1"/>
             <a:r>
               <a:rPr lang="de-DE" smtClean="0"/>
               <a:t>Vierte Ebene</a:t>
             </a:r>
           </a:p>
           <a:p>
-            <a:pPr lvl="4"/>
+            <a:pPr lvl="4" eaLnBrk="1" latinLnBrk="0" hangingPunct="1"/>
             <a:r>
               <a:rPr lang="de-DE" smtClean="0"/>
               <a:t>Fünfte Ebene</a:t>
             </a:r>
-            <a:endParaRPr lang="de-DE"/>
+            <a:endParaRPr kumimoji="0" lang="en-US"/>
           </a:p>
         </p:txBody>
       </p:sp>
@@ -991,7 +1214,12 @@
             <p:ph type="dt" sz="half" idx="10"/>
           </p:nvPr>
         </p:nvSpPr>
-        <p:spPr/>
+        <p:spPr>
+          <a:xfrm>
+            <a:off x="6553200" y="6248402"/>
+            <a:ext cx="2209800" cy="365125"/>
+          </a:xfrm>
+        </p:spPr>
         <p:txBody>
           <a:bodyPr/>
           <a:lstStyle/>
@@ -1014,7 +1242,12 @@
             <p:ph type="ftr" sz="quarter" idx="11"/>
           </p:nvPr>
         </p:nvSpPr>
-        <p:spPr/>
+        <p:spPr>
+          <a:xfrm>
+            <a:off x="457201" y="6248207"/>
+            <a:ext cx="5573483" cy="365125"/>
+          </a:xfrm>
+        </p:spPr>
         <p:txBody>
           <a:bodyPr/>
           <a:lstStyle/>
@@ -1025,6 +1258,141 @@
       </p:sp>
       <p:sp>
         <p:nvSpPr>
+          <p:cNvPr id="7" name="Rechteck 6"/>
+          <p:cNvSpPr/>
+          <p:nvPr/>
+        </p:nvSpPr>
+        <p:spPr bwMode="white">
+          <a:xfrm>
+            <a:off x="6096318" y="0"/>
+            <a:ext cx="320040" cy="6858000"/>
+          </a:xfrm>
+          <a:prstGeom prst="rect">
+            <a:avLst/>
+          </a:prstGeom>
+          <a:solidFill>
+            <a:srgbClr val="FFFFFF"/>
+          </a:solidFill>
+          <a:ln w="19050" cap="flat" cmpd="sng" algn="ctr">
+            <a:noFill/>
+            <a:prstDash val="solid"/>
+          </a:ln>
+        </p:spPr>
+        <p:style>
+          <a:lnRef idx="2">
+            <a:schemeClr val="accent1"/>
+          </a:lnRef>
+          <a:fillRef idx="1">
+            <a:schemeClr val="accent1"/>
+          </a:fillRef>
+          <a:effectRef idx="0">
+            <a:schemeClr val="accent1"/>
+          </a:effectRef>
+          <a:fontRef idx="minor">
+            <a:schemeClr val="lt1"/>
+          </a:fontRef>
+        </p:style>
+        <p:txBody>
+          <a:bodyPr rtlCol="0" anchor="ctr"/>
+          <a:lstStyle/>
+          <a:p>
+            <a:pPr algn="ctr" eaLnBrk="1" latinLnBrk="0" hangingPunct="1"/>
+            <a:endParaRPr kumimoji="0" lang="en-US"/>
+          </a:p>
+        </p:txBody>
+      </p:sp>
+      <p:sp>
+        <p:nvSpPr>
+          <p:cNvPr id="8" name="Rechteck 7"/>
+          <p:cNvSpPr/>
+          <p:nvPr/>
+        </p:nvSpPr>
+        <p:spPr>
+          <a:xfrm>
+            <a:off x="6142038" y="609600"/>
+            <a:ext cx="228600" cy="6248400"/>
+          </a:xfrm>
+          <a:prstGeom prst="rect">
+            <a:avLst/>
+          </a:prstGeom>
+          <a:solidFill>
+            <a:schemeClr val="accent1"/>
+          </a:solidFill>
+          <a:ln w="19050" cap="flat" cmpd="sng" algn="ctr">
+            <a:noFill/>
+            <a:prstDash val="solid"/>
+          </a:ln>
+        </p:spPr>
+        <p:style>
+          <a:lnRef idx="2">
+            <a:schemeClr val="accent1"/>
+          </a:lnRef>
+          <a:fillRef idx="1">
+            <a:schemeClr val="accent1"/>
+          </a:fillRef>
+          <a:effectRef idx="0">
+            <a:schemeClr val="accent1"/>
+          </a:effectRef>
+          <a:fontRef idx="minor">
+            <a:schemeClr val="lt1"/>
+          </a:fontRef>
+        </p:style>
+        <p:txBody>
+          <a:bodyPr rtlCol="0" anchor="ctr"/>
+          <a:lstStyle/>
+          <a:p>
+            <a:pPr algn="ctr" eaLnBrk="1" latinLnBrk="0" hangingPunct="1"/>
+            <a:endParaRPr kumimoji="0" lang="en-US"/>
+          </a:p>
+        </p:txBody>
+      </p:sp>
+      <p:sp>
+        <p:nvSpPr>
+          <p:cNvPr id="9" name="Rechteck 8"/>
+          <p:cNvSpPr/>
+          <p:nvPr/>
+        </p:nvSpPr>
+        <p:spPr>
+          <a:xfrm>
+            <a:off x="6142038" y="0"/>
+            <a:ext cx="228600" cy="533400"/>
+          </a:xfrm>
+          <a:prstGeom prst="rect">
+            <a:avLst/>
+          </a:prstGeom>
+          <a:solidFill>
+            <a:schemeClr val="accent2"/>
+          </a:solidFill>
+          <a:ln w="19050" cap="flat" cmpd="sng" algn="ctr">
+            <a:noFill/>
+            <a:prstDash val="solid"/>
+          </a:ln>
+        </p:spPr>
+        <p:style>
+          <a:lnRef idx="2">
+            <a:schemeClr val="accent1"/>
+          </a:lnRef>
+          <a:fillRef idx="1">
+            <a:schemeClr val="accent1"/>
+          </a:fillRef>
+          <a:effectRef idx="0">
+            <a:schemeClr val="accent1"/>
+          </a:effectRef>
+          <a:fontRef idx="minor">
+            <a:schemeClr val="lt1"/>
+          </a:fontRef>
+        </p:style>
+        <p:txBody>
+          <a:bodyPr rtlCol="0" anchor="ctr"/>
+          <a:lstStyle/>
+          <a:p>
+            <a:pPr algn="ctr" eaLnBrk="1" latinLnBrk="0" hangingPunct="1"/>
+            <a:endParaRPr kumimoji="0" lang="en-US"/>
+          </a:p>
+        </p:txBody>
+      </p:sp>
+      <p:sp>
+        <p:nvSpPr>
           <p:cNvPr id="6" name="Foliennummernplatzhalter 5"/>
           <p:cNvSpPr>
             <a:spLocks noGrp="1"/>
@@ -1033,7 +1401,12 @@
             <p:ph type="sldNum" sz="quarter" idx="12"/>
           </p:nvPr>
         </p:nvSpPr>
-        <p:spPr/>
+        <p:spPr>
+          <a:xfrm rot="5400000">
+            <a:off x="5989638" y="144462"/>
+            <a:ext cx="533400" cy="244476"/>
+          </a:xfrm>
+        </p:spPr>
         <p:txBody>
           <a:bodyPr/>
           <a:lstStyle/>
@@ -1050,7 +1423,7 @@
     </p:spTree>
   </p:cSld>
   <p:clrMapOvr>
-    <a:masterClrMapping/>
+    <a:overrideClrMapping bg1="lt1" tx1="dk1" bg2="lt2" tx2="dk2" accent1="accent1" accent2="accent2" accent3="accent3" accent4="accent4" accent5="accent5" accent6="accent6" hlink="hlink" folHlink="folHlink"/>
   </p:clrMapOvr>
 </p:sldLayout>
 </file>
@@ -1082,68 +1455,21 @@
             <p:ph type="title"/>
           </p:nvPr>
         </p:nvSpPr>
-        <p:spPr/>
+        <p:spPr>
+          <a:xfrm>
+            <a:off x="612648" y="228600"/>
+            <a:ext cx="8153400" cy="990600"/>
+          </a:xfrm>
+        </p:spPr>
         <p:txBody>
           <a:bodyPr/>
           <a:lstStyle/>
           <a:p>
             <a:r>
-              <a:rPr lang="de-DE" smtClean="0"/>
+              <a:rPr kumimoji="0" lang="de-DE" smtClean="0"/>
               <a:t>Titelmasterformat durch Klicken bearbeiten</a:t>
             </a:r>
-            <a:endParaRPr lang="de-DE"/>
-          </a:p>
-        </p:txBody>
-      </p:sp>
-      <p:sp>
-        <p:nvSpPr>
-          <p:cNvPr id="3" name="Inhaltsplatzhalter 2"/>
-          <p:cNvSpPr>
-            <a:spLocks noGrp="1"/>
-          </p:cNvSpPr>
-          <p:nvPr>
-            <p:ph idx="1"/>
-          </p:nvPr>
-        </p:nvSpPr>
-        <p:spPr/>
-        <p:txBody>
-          <a:bodyPr/>
-          <a:lstStyle/>
-          <a:p>
-            <a:pPr lvl="0"/>
-            <a:r>
-              <a:rPr lang="de-DE" smtClean="0"/>
-              <a:t>Textmasterformate durch Klicken bearbeiten</a:t>
-            </a:r>
-          </a:p>
-          <a:p>
-            <a:pPr lvl="1"/>
-            <a:r>
-              <a:rPr lang="de-DE" smtClean="0"/>
-              <a:t>Zweite Ebene</a:t>
-            </a:r>
-          </a:p>
-          <a:p>
-            <a:pPr lvl="2"/>
-            <a:r>
-              <a:rPr lang="de-DE" smtClean="0"/>
-              <a:t>Dritte Ebene</a:t>
-            </a:r>
-          </a:p>
-          <a:p>
-            <a:pPr lvl="3"/>
-            <a:r>
-              <a:rPr lang="de-DE" smtClean="0"/>
-              <a:t>Vierte Ebene</a:t>
-            </a:r>
-          </a:p>
-          <a:p>
-            <a:pPr lvl="4"/>
-            <a:r>
-              <a:rPr lang="de-DE" smtClean="0"/>
-              <a:t>Fünfte Ebene</a:t>
-            </a:r>
-            <a:endParaRPr lang="de-DE"/>
+            <a:endParaRPr kumimoji="0" lang="en-US"/>
           </a:p>
         </p:txBody>
       </p:sp>
@@ -1202,7 +1528,15 @@
         <p:spPr/>
         <p:txBody>
           <a:bodyPr/>
-          <a:lstStyle/>
+          <a:lstStyle>
+            <a:lvl1pPr>
+              <a:defRPr>
+                <a:solidFill>
+                  <a:srgbClr val="FFFFFF"/>
+                </a:solidFill>
+              </a:defRPr>
+            </a:lvl1pPr>
+          </a:lstStyle>
           <a:p>
             <a:fld id="{F6741669-CF2E-4015-A056-54B33D7C161D}" type="slidenum">
               <a:rPr lang="de-DE" smtClean="0"/>
@@ -1210,6 +1544,63 @@
               <a:t>‹Nr.›</a:t>
             </a:fld>
             <a:endParaRPr lang="de-DE"/>
+          </a:p>
+        </p:txBody>
+      </p:sp>
+      <p:sp>
+        <p:nvSpPr>
+          <p:cNvPr id="8" name="Inhaltsplatzhalter 7"/>
+          <p:cNvSpPr>
+            <a:spLocks noGrp="1"/>
+          </p:cNvSpPr>
+          <p:nvPr>
+            <p:ph sz="quarter" idx="1"/>
+          </p:nvPr>
+        </p:nvSpPr>
+        <p:spPr>
+          <a:xfrm>
+            <a:off x="612648" y="1600200"/>
+            <a:ext cx="8153400" cy="4495800"/>
+          </a:xfrm>
+        </p:spPr>
+        <p:txBody>
+          <a:bodyPr/>
+          <a:lstStyle/>
+          <a:p>
+            <a:pPr lvl="0" eaLnBrk="1" latinLnBrk="0" hangingPunct="1"/>
+            <a:r>
+              <a:rPr lang="de-DE" smtClean="0"/>
+              <a:t>Textmasterformate durch Klicken bearbeiten</a:t>
+            </a:r>
+          </a:p>
+          <a:p>
+            <a:pPr lvl="1" eaLnBrk="1" latinLnBrk="0" hangingPunct="1"/>
+            <a:r>
+              <a:rPr lang="de-DE" smtClean="0"/>
+              <a:t>Zweite Ebene</a:t>
+            </a:r>
+          </a:p>
+          <a:p>
+            <a:pPr lvl="2" eaLnBrk="1" latinLnBrk="0" hangingPunct="1"/>
+            <a:r>
+              <a:rPr lang="de-DE" smtClean="0"/>
+              <a:t>Dritte Ebene</a:t>
+            </a:r>
+          </a:p>
+          <a:p>
+            <a:pPr lvl="3" eaLnBrk="1" latinLnBrk="0" hangingPunct="1"/>
+            <a:r>
+              <a:rPr lang="de-DE" smtClean="0"/>
+              <a:t>Vierte Ebene</a:t>
+            </a:r>
+          </a:p>
+          <a:p>
+            <a:pPr lvl="4" eaLnBrk="1" latinLnBrk="0" hangingPunct="1"/>
+            <a:r>
+              <a:rPr lang="de-DE" smtClean="0"/>
+              <a:t>Fünfte Ebene</a:t>
+            </a:r>
+            <a:endParaRPr kumimoji="0" lang="en-US"/>
           </a:p>
         </p:txBody>
       </p:sp>
@@ -1222,8 +1613,13 @@
 </file>
 
 <file path=ppt/slideLayouts/slideLayout3.xml><?xml version="1.0" encoding="utf-8"?>
-<p:sldLayout xmlns:a="http://schemas.openxmlformats.org/drawingml/2006/main" xmlns:r="http://schemas.openxmlformats.org/officeDocument/2006/relationships" xmlns:p="http://schemas.openxmlformats.org/presentationml/2006/main" type="secHead" preserve="1">
+<p:sldLayout xmlns:a="http://schemas.openxmlformats.org/drawingml/2006/main" xmlns:r="http://schemas.openxmlformats.org/officeDocument/2006/relationships" xmlns:p="http://schemas.openxmlformats.org/presentationml/2006/main" showMasterSp="0" type="secHead" preserve="1">
   <p:cSld name="Abschnittsüberschrift">
+    <p:bg>
+      <p:bgRef idx="1003">
+        <a:schemeClr val="bg1"/>
+      </p:bgRef>
+    </p:bg>
     <p:spTree>
       <p:nvGrpSpPr>
         <p:cNvPr id="1" name=""/>
@@ -1240,66 +1636,32 @@
       </p:grpSpPr>
       <p:sp>
         <p:nvSpPr>
-          <p:cNvPr id="2" name="Titel 1"/>
-          <p:cNvSpPr>
-            <a:spLocks noGrp="1"/>
-          </p:cNvSpPr>
-          <p:nvPr>
-            <p:ph type="title"/>
+          <p:cNvPr id="3" name="Textplatzhalter 2"/>
+          <p:cNvSpPr>
+            <a:spLocks noGrp="1"/>
+          </p:cNvSpPr>
+          <p:nvPr>
+            <p:ph type="body" idx="1"/>
           </p:nvPr>
         </p:nvSpPr>
         <p:spPr>
           <a:xfrm>
-            <a:off x="722313" y="4406900"/>
-            <a:ext cx="7772400" cy="1362075"/>
+            <a:off x="1371600" y="2743200"/>
+            <a:ext cx="7123113" cy="1673225"/>
           </a:xfrm>
         </p:spPr>
         <p:txBody>
           <a:bodyPr anchor="t"/>
-          <a:lstStyle>
-            <a:lvl1pPr algn="l">
-              <a:defRPr sz="4000" b="1" cap="all"/>
-            </a:lvl1pPr>
-          </a:lstStyle>
-          <a:p>
-            <a:r>
-              <a:rPr lang="de-DE" smtClean="0"/>
-              <a:t>Titelmasterformat durch Klicken bearbeiten</a:t>
-            </a:r>
-            <a:endParaRPr lang="de-DE"/>
-          </a:p>
-        </p:txBody>
-      </p:sp>
-      <p:sp>
-        <p:nvSpPr>
-          <p:cNvPr id="3" name="Textplatzhalter 2"/>
-          <p:cNvSpPr>
-            <a:spLocks noGrp="1"/>
-          </p:cNvSpPr>
-          <p:nvPr>
-            <p:ph type="body" idx="1"/>
-          </p:nvPr>
-        </p:nvSpPr>
-        <p:spPr>
-          <a:xfrm>
-            <a:off x="722313" y="2906713"/>
-            <a:ext cx="7772400" cy="1500187"/>
-          </a:xfrm>
-        </p:spPr>
-        <p:txBody>
-          <a:bodyPr anchor="b"/>
           <a:lstStyle>
             <a:lvl1pPr marL="0" indent="0">
               <a:buNone/>
-              <a:defRPr sz="2000">
+              <a:defRPr sz="2800">
                 <a:solidFill>
-                  <a:schemeClr val="tx1">
-                    <a:tint val="75000"/>
-                  </a:schemeClr>
+                  <a:schemeClr val="tx2"/>
                 </a:solidFill>
               </a:defRPr>
             </a:lvl1pPr>
-            <a:lvl2pPr marL="457200" indent="0">
+            <a:lvl2pPr>
               <a:buNone/>
               <a:defRPr sz="1800">
                 <a:solidFill>
@@ -1309,7 +1671,7 @@
                 </a:solidFill>
               </a:defRPr>
             </a:lvl2pPr>
-            <a:lvl3pPr marL="914400" indent="0">
+            <a:lvl3pPr>
               <a:buNone/>
               <a:defRPr sz="1600">
                 <a:solidFill>
@@ -1319,7 +1681,7 @@
                 </a:solidFill>
               </a:defRPr>
             </a:lvl3pPr>
-            <a:lvl4pPr marL="1371600" indent="0">
+            <a:lvl4pPr>
               <a:buNone/>
               <a:defRPr sz="1400">
                 <a:solidFill>
@@ -1329,7 +1691,7 @@
                 </a:solidFill>
               </a:defRPr>
             </a:lvl4pPr>
-            <a:lvl5pPr marL="1828800" indent="0">
+            <a:lvl5pPr>
               <a:buNone/>
               <a:defRPr sz="1400">
                 <a:solidFill>
@@ -1339,59 +1701,198 @@
                 </a:solidFill>
               </a:defRPr>
             </a:lvl5pPr>
-            <a:lvl6pPr marL="2286000" indent="0">
+          </a:lstStyle>
+          <a:p>
+            <a:pPr lvl="0" eaLnBrk="1" latinLnBrk="0" hangingPunct="1"/>
+            <a:r>
+              <a:rPr kumimoji="0" lang="de-DE" smtClean="0"/>
+              <a:t>Textmasterformate durch Klicken bearbeiten</a:t>
+            </a:r>
+          </a:p>
+        </p:txBody>
+      </p:sp>
+      <p:sp>
+        <p:nvSpPr>
+          <p:cNvPr id="7" name="Rechteck 6"/>
+          <p:cNvSpPr/>
+          <p:nvPr/>
+        </p:nvSpPr>
+        <p:spPr bwMode="white">
+          <a:xfrm>
+            <a:off x="0" y="1524000"/>
+            <a:ext cx="9144000" cy="1143000"/>
+          </a:xfrm>
+          <a:prstGeom prst="rect">
+            <a:avLst/>
+          </a:prstGeom>
+          <a:solidFill>
+            <a:srgbClr val="FFFFFF"/>
+          </a:solidFill>
+          <a:ln w="50800" cap="rnd" cmpd="dbl" algn="ctr">
+            <a:noFill/>
+            <a:prstDash val="solid"/>
+          </a:ln>
+          <a:effectLst/>
+        </p:spPr>
+        <p:style>
+          <a:lnRef idx="3">
+            <a:schemeClr val="lt1"/>
+          </a:lnRef>
+          <a:fillRef idx="1">
+            <a:schemeClr val="accent1"/>
+          </a:fillRef>
+          <a:effectRef idx="1">
+            <a:schemeClr val="accent1"/>
+          </a:effectRef>
+          <a:fontRef idx="minor">
+            <a:schemeClr val="lt1"/>
+          </a:fontRef>
+        </p:style>
+        <p:txBody>
+          <a:bodyPr anchor="ctr"/>
+          <a:lstStyle/>
+          <a:p>
+            <a:pPr algn="ctr" eaLnBrk="1" latinLnBrk="0" hangingPunct="1"/>
+            <a:endParaRPr kumimoji="0" lang="en-US"/>
+          </a:p>
+        </p:txBody>
+      </p:sp>
+      <p:sp>
+        <p:nvSpPr>
+          <p:cNvPr id="8" name="Rechteck 7"/>
+          <p:cNvSpPr/>
+          <p:nvPr/>
+        </p:nvSpPr>
+        <p:spPr>
+          <a:xfrm>
+            <a:off x="0" y="1600200"/>
+            <a:ext cx="1295400" cy="990600"/>
+          </a:xfrm>
+          <a:prstGeom prst="rect">
+            <a:avLst/>
+          </a:prstGeom>
+          <a:solidFill>
+            <a:schemeClr val="accent2">
+              <a:alpha val="100000"/>
+            </a:schemeClr>
+          </a:solidFill>
+          <a:ln w="50800" cap="rnd" cmpd="dbl" algn="ctr">
+            <a:noFill/>
+            <a:prstDash val="solid"/>
+          </a:ln>
+          <a:effectLst/>
+        </p:spPr>
+        <p:style>
+          <a:lnRef idx="3">
+            <a:schemeClr val="lt1"/>
+          </a:lnRef>
+          <a:fillRef idx="1">
+            <a:schemeClr val="accent1"/>
+          </a:fillRef>
+          <a:effectRef idx="1">
+            <a:schemeClr val="accent1"/>
+          </a:effectRef>
+          <a:fontRef idx="minor">
+            <a:schemeClr val="lt1"/>
+          </a:fontRef>
+        </p:style>
+        <p:txBody>
+          <a:bodyPr anchor="ctr"/>
+          <a:lstStyle/>
+          <a:p>
+            <a:pPr algn="ctr" eaLnBrk="1" latinLnBrk="0" hangingPunct="1"/>
+            <a:endParaRPr kumimoji="0" lang="en-US"/>
+          </a:p>
+        </p:txBody>
+      </p:sp>
+      <p:sp>
+        <p:nvSpPr>
+          <p:cNvPr id="9" name="Rechteck 8"/>
+          <p:cNvSpPr/>
+          <p:nvPr/>
+        </p:nvSpPr>
+        <p:spPr>
+          <a:xfrm>
+            <a:off x="1371600" y="1600200"/>
+            <a:ext cx="7772400" cy="990600"/>
+          </a:xfrm>
+          <a:prstGeom prst="rect">
+            <a:avLst/>
+          </a:prstGeom>
+          <a:solidFill>
+            <a:schemeClr val="accent1">
+              <a:alpha val="100000"/>
+            </a:schemeClr>
+          </a:solidFill>
+          <a:ln w="50800" cap="rnd" cmpd="dbl" algn="ctr">
+            <a:noFill/>
+            <a:prstDash val="solid"/>
+          </a:ln>
+          <a:effectLst/>
+        </p:spPr>
+        <p:style>
+          <a:lnRef idx="3">
+            <a:schemeClr val="lt1"/>
+          </a:lnRef>
+          <a:fillRef idx="1">
+            <a:schemeClr val="accent1"/>
+          </a:fillRef>
+          <a:effectRef idx="1">
+            <a:schemeClr val="accent1"/>
+          </a:effectRef>
+          <a:fontRef idx="minor">
+            <a:schemeClr val="lt1"/>
+          </a:fontRef>
+        </p:style>
+        <p:txBody>
+          <a:bodyPr anchor="ctr"/>
+          <a:lstStyle/>
+          <a:p>
+            <a:pPr algn="ctr" eaLnBrk="1" latinLnBrk="0" hangingPunct="1"/>
+            <a:endParaRPr kumimoji="0" lang="en-US"/>
+          </a:p>
+        </p:txBody>
+      </p:sp>
+      <p:sp>
+        <p:nvSpPr>
+          <p:cNvPr id="2" name="Titel 1"/>
+          <p:cNvSpPr>
+            <a:spLocks noGrp="1"/>
+          </p:cNvSpPr>
+          <p:nvPr>
+            <p:ph type="title"/>
+          </p:nvPr>
+        </p:nvSpPr>
+        <p:spPr>
+          <a:xfrm>
+            <a:off x="1371600" y="1600200"/>
+            <a:ext cx="7620000" cy="990600"/>
+          </a:xfrm>
+        </p:spPr>
+        <p:txBody>
+          <a:bodyPr/>
+          <a:lstStyle>
+            <a:lvl1pPr algn="l">
               <a:buNone/>
-              <a:defRPr sz="1400">
+              <a:defRPr sz="4400" b="0" cap="none">
                 <a:solidFill>
-                  <a:schemeClr val="tx1">
-                    <a:tint val="75000"/>
-                  </a:schemeClr>
+                  <a:srgbClr val="FFFFFF"/>
                 </a:solidFill>
               </a:defRPr>
-            </a:lvl6pPr>
-            <a:lvl7pPr marL="2743200" indent="0">
-              <a:buNone/>
-              <a:defRPr sz="1400">
-                <a:solidFill>
-                  <a:schemeClr val="tx1">
-                    <a:tint val="75000"/>
-                  </a:schemeClr>
-                </a:solidFill>
-              </a:defRPr>
-            </a:lvl7pPr>
-            <a:lvl8pPr marL="3200400" indent="0">
-              <a:buNone/>
-              <a:defRPr sz="1400">
-                <a:solidFill>
-                  <a:schemeClr val="tx1">
-                    <a:tint val="75000"/>
-                  </a:schemeClr>
-                </a:solidFill>
-              </a:defRPr>
-            </a:lvl8pPr>
-            <a:lvl9pPr marL="3657600" indent="0">
-              <a:buNone/>
-              <a:defRPr sz="1400">
-                <a:solidFill>
-                  <a:schemeClr val="tx1">
-                    <a:tint val="75000"/>
-                  </a:schemeClr>
-                </a:solidFill>
-              </a:defRPr>
-            </a:lvl9pPr>
+            </a:lvl1pPr>
           </a:lstStyle>
           <a:p>
-            <a:pPr lvl="0"/>
-            <a:r>
-              <a:rPr lang="de-DE" smtClean="0"/>
-              <a:t>Textmasterformate durch Klicken bearbeiten</a:t>
-            </a:r>
-          </a:p>
-        </p:txBody>
-      </p:sp>
-      <p:sp>
-        <p:nvSpPr>
-          <p:cNvPr id="4" name="Datumsplatzhalter 3"/>
+            <a:r>
+              <a:rPr kumimoji="0" lang="de-DE" smtClean="0"/>
+              <a:t>Titelmasterformat durch Klicken bearbeiten</a:t>
+            </a:r>
+            <a:endParaRPr kumimoji="0" lang="en-US"/>
+          </a:p>
+        </p:txBody>
+      </p:sp>
+      <p:sp>
+        <p:nvSpPr>
+          <p:cNvPr id="12" name="Datumsplatzhalter 11"/>
           <p:cNvSpPr>
             <a:spLocks noGrp="1"/>
           </p:cNvSpPr>
@@ -1414,37 +1915,33 @@
       </p:sp>
       <p:sp>
         <p:nvSpPr>
-          <p:cNvPr id="5" name="Fußzeilenplatzhalter 4"/>
-          <p:cNvSpPr>
-            <a:spLocks noGrp="1"/>
-          </p:cNvSpPr>
-          <p:nvPr>
-            <p:ph type="ftr" sz="quarter" idx="11"/>
-          </p:nvPr>
-        </p:nvSpPr>
-        <p:spPr/>
-        <p:txBody>
-          <a:bodyPr/>
-          <a:lstStyle/>
-          <a:p>
-            <a:endParaRPr lang="de-DE"/>
-          </a:p>
-        </p:txBody>
-      </p:sp>
-      <p:sp>
-        <p:nvSpPr>
-          <p:cNvPr id="6" name="Foliennummernplatzhalter 5"/>
-          <p:cNvSpPr>
-            <a:spLocks noGrp="1"/>
-          </p:cNvSpPr>
-          <p:nvPr>
-            <p:ph type="sldNum" sz="quarter" idx="12"/>
-          </p:nvPr>
-        </p:nvSpPr>
-        <p:spPr/>
-        <p:txBody>
-          <a:bodyPr/>
-          <a:lstStyle/>
+          <p:cNvPr id="13" name="Foliennummernplatzhalter 12"/>
+          <p:cNvSpPr>
+            <a:spLocks noGrp="1"/>
+          </p:cNvSpPr>
+          <p:nvPr>
+            <p:ph type="sldNum" sz="quarter" idx="11"/>
+          </p:nvPr>
+        </p:nvSpPr>
+        <p:spPr>
+          <a:xfrm>
+            <a:off x="0" y="1752600"/>
+            <a:ext cx="1295400" cy="701676"/>
+          </a:xfrm>
+        </p:spPr>
+        <p:txBody>
+          <a:bodyPr>
+            <a:noAutofit/>
+          </a:bodyPr>
+          <a:lstStyle>
+            <a:lvl1pPr>
+              <a:defRPr sz="2400">
+                <a:solidFill>
+                  <a:srgbClr val="FFFFFF"/>
+                </a:solidFill>
+              </a:defRPr>
+            </a:lvl1pPr>
+          </a:lstStyle>
           <a:p>
             <a:fld id="{F6741669-CF2E-4015-A056-54B33D7C161D}" type="slidenum">
               <a:rPr lang="de-DE" smtClean="0"/>
@@ -1455,10 +1952,29 @@
           </a:p>
         </p:txBody>
       </p:sp>
+      <p:sp>
+        <p:nvSpPr>
+          <p:cNvPr id="14" name="Fußzeilenplatzhalter 13"/>
+          <p:cNvSpPr>
+            <a:spLocks noGrp="1"/>
+          </p:cNvSpPr>
+          <p:nvPr>
+            <p:ph type="ftr" sz="quarter" idx="12"/>
+          </p:nvPr>
+        </p:nvSpPr>
+        <p:spPr/>
+        <p:txBody>
+          <a:bodyPr/>
+          <a:lstStyle/>
+          <a:p>
+            <a:endParaRPr lang="de-DE"/>
+          </a:p>
+        </p:txBody>
+      </p:sp>
     </p:spTree>
   </p:cSld>
   <p:clrMapOvr>
-    <a:masterClrMapping/>
+    <a:overrideClrMapping bg1="lt1" tx1="dk1" bg2="lt2" tx2="dk2" accent1="accent1" accent2="accent2" accent3="accent3" accent4="accent4" accent5="accent5" accent6="accent6" hlink="hlink" folHlink="folHlink"/>
   </p:clrMapOvr>
 </p:sldLayout>
 </file>
@@ -1496,196 +2012,140 @@
           <a:lstStyle/>
           <a:p>
             <a:r>
-              <a:rPr lang="de-DE" smtClean="0"/>
+              <a:rPr kumimoji="0" lang="de-DE" smtClean="0"/>
               <a:t>Titelmasterformat durch Klicken bearbeiten</a:t>
             </a:r>
-            <a:endParaRPr lang="de-DE"/>
-          </a:p>
-        </p:txBody>
-      </p:sp>
-      <p:sp>
-        <p:nvSpPr>
-          <p:cNvPr id="3" name="Inhaltsplatzhalter 2"/>
-          <p:cNvSpPr>
-            <a:spLocks noGrp="1"/>
-          </p:cNvSpPr>
-          <p:nvPr>
-            <p:ph sz="half" idx="1"/>
+            <a:endParaRPr kumimoji="0" lang="en-US"/>
+          </a:p>
+        </p:txBody>
+      </p:sp>
+      <p:sp>
+        <p:nvSpPr>
+          <p:cNvPr id="9" name="Inhaltsplatzhalter 8"/>
+          <p:cNvSpPr>
+            <a:spLocks noGrp="1"/>
+          </p:cNvSpPr>
+          <p:nvPr>
+            <p:ph sz="quarter" idx="1"/>
           </p:nvPr>
         </p:nvSpPr>
         <p:spPr>
           <a:xfrm>
-            <a:off x="457200" y="1600200"/>
-            <a:ext cx="4038600" cy="4525963"/>
+            <a:off x="609600" y="1589567"/>
+            <a:ext cx="3886200" cy="4572000"/>
           </a:xfrm>
         </p:spPr>
         <p:txBody>
           <a:bodyPr/>
-          <a:lstStyle>
-            <a:lvl1pPr>
-              <a:defRPr sz="2800"/>
-            </a:lvl1pPr>
-            <a:lvl2pPr>
-              <a:defRPr sz="2400"/>
-            </a:lvl2pPr>
-            <a:lvl3pPr>
-              <a:defRPr sz="2000"/>
-            </a:lvl3pPr>
-            <a:lvl4pPr>
-              <a:defRPr sz="1800"/>
-            </a:lvl4pPr>
-            <a:lvl5pPr>
-              <a:defRPr sz="1800"/>
-            </a:lvl5pPr>
-            <a:lvl6pPr>
-              <a:defRPr sz="1800"/>
-            </a:lvl6pPr>
-            <a:lvl7pPr>
-              <a:defRPr sz="1800"/>
-            </a:lvl7pPr>
-            <a:lvl8pPr>
-              <a:defRPr sz="1800"/>
-            </a:lvl8pPr>
-            <a:lvl9pPr>
-              <a:defRPr sz="1800"/>
-            </a:lvl9pPr>
-          </a:lstStyle>
-          <a:p>
-            <a:pPr lvl="0"/>
+          <a:lstStyle/>
+          <a:p>
+            <a:pPr lvl="0" eaLnBrk="1" latinLnBrk="0" hangingPunct="1"/>
             <a:r>
               <a:rPr lang="de-DE" smtClean="0"/>
               <a:t>Textmasterformate durch Klicken bearbeiten</a:t>
             </a:r>
           </a:p>
           <a:p>
-            <a:pPr lvl="1"/>
+            <a:pPr lvl="1" eaLnBrk="1" latinLnBrk="0" hangingPunct="1"/>
             <a:r>
               <a:rPr lang="de-DE" smtClean="0"/>
               <a:t>Zweite Ebene</a:t>
             </a:r>
           </a:p>
           <a:p>
-            <a:pPr lvl="2"/>
+            <a:pPr lvl="2" eaLnBrk="1" latinLnBrk="0" hangingPunct="1"/>
             <a:r>
               <a:rPr lang="de-DE" smtClean="0"/>
               <a:t>Dritte Ebene</a:t>
             </a:r>
           </a:p>
           <a:p>
-            <a:pPr lvl="3"/>
+            <a:pPr lvl="3" eaLnBrk="1" latinLnBrk="0" hangingPunct="1"/>
             <a:r>
               <a:rPr lang="de-DE" smtClean="0"/>
               <a:t>Vierte Ebene</a:t>
             </a:r>
           </a:p>
           <a:p>
-            <a:pPr lvl="4"/>
+            <a:pPr lvl="4" eaLnBrk="1" latinLnBrk="0" hangingPunct="1"/>
             <a:r>
               <a:rPr lang="de-DE" smtClean="0"/>
               <a:t>Fünfte Ebene</a:t>
             </a:r>
-            <a:endParaRPr lang="de-DE"/>
-          </a:p>
-        </p:txBody>
-      </p:sp>
-      <p:sp>
-        <p:nvSpPr>
-          <p:cNvPr id="4" name="Inhaltsplatzhalter 3"/>
-          <p:cNvSpPr>
-            <a:spLocks noGrp="1"/>
-          </p:cNvSpPr>
-          <p:nvPr>
-            <p:ph sz="half" idx="2"/>
+            <a:endParaRPr kumimoji="0" lang="en-US"/>
+          </a:p>
+        </p:txBody>
+      </p:sp>
+      <p:sp>
+        <p:nvSpPr>
+          <p:cNvPr id="11" name="Inhaltsplatzhalter 10"/>
+          <p:cNvSpPr>
+            <a:spLocks noGrp="1"/>
+          </p:cNvSpPr>
+          <p:nvPr>
+            <p:ph sz="quarter" idx="2"/>
           </p:nvPr>
         </p:nvSpPr>
         <p:spPr>
           <a:xfrm>
-            <a:off x="4648200" y="1600200"/>
-            <a:ext cx="4038600" cy="4525963"/>
+            <a:off x="4844901" y="1589567"/>
+            <a:ext cx="3886200" cy="4572000"/>
           </a:xfrm>
         </p:spPr>
         <p:txBody>
           <a:bodyPr/>
-          <a:lstStyle>
-            <a:lvl1pPr>
-              <a:defRPr sz="2800"/>
-            </a:lvl1pPr>
-            <a:lvl2pPr>
-              <a:defRPr sz="2400"/>
-            </a:lvl2pPr>
-            <a:lvl3pPr>
-              <a:defRPr sz="2000"/>
-            </a:lvl3pPr>
-            <a:lvl4pPr>
-              <a:defRPr sz="1800"/>
-            </a:lvl4pPr>
-            <a:lvl5pPr>
-              <a:defRPr sz="1800"/>
-            </a:lvl5pPr>
-            <a:lvl6pPr>
-              <a:defRPr sz="1800"/>
-            </a:lvl6pPr>
-            <a:lvl7pPr>
-              <a:defRPr sz="1800"/>
-            </a:lvl7pPr>
-            <a:lvl8pPr>
-              <a:defRPr sz="1800"/>
-            </a:lvl8pPr>
-            <a:lvl9pPr>
-              <a:defRPr sz="1800"/>
-            </a:lvl9pPr>
-          </a:lstStyle>
-          <a:p>
-            <a:pPr lvl="0"/>
+          <a:lstStyle/>
+          <a:p>
+            <a:pPr lvl="0" eaLnBrk="1" latinLnBrk="0" hangingPunct="1"/>
             <a:r>
               <a:rPr lang="de-DE" smtClean="0"/>
               <a:t>Textmasterformate durch Klicken bearbeiten</a:t>
             </a:r>
           </a:p>
           <a:p>
-            <a:pPr lvl="1"/>
+            <a:pPr lvl="1" eaLnBrk="1" latinLnBrk="0" hangingPunct="1"/>
             <a:r>
               <a:rPr lang="de-DE" smtClean="0"/>
               <a:t>Zweite Ebene</a:t>
             </a:r>
           </a:p>
           <a:p>
-            <a:pPr lvl="2"/>
+            <a:pPr lvl="2" eaLnBrk="1" latinLnBrk="0" hangingPunct="1"/>
             <a:r>
               <a:rPr lang="de-DE" smtClean="0"/>
               <a:t>Dritte Ebene</a:t>
             </a:r>
           </a:p>
           <a:p>
-            <a:pPr lvl="3"/>
+            <a:pPr lvl="3" eaLnBrk="1" latinLnBrk="0" hangingPunct="1"/>
             <a:r>
               <a:rPr lang="de-DE" smtClean="0"/>
               <a:t>Vierte Ebene</a:t>
             </a:r>
           </a:p>
           <a:p>
-            <a:pPr lvl="4"/>
+            <a:pPr lvl="4" eaLnBrk="1" latinLnBrk="0" hangingPunct="1"/>
             <a:r>
               <a:rPr lang="de-DE" smtClean="0"/>
               <a:t>Fünfte Ebene</a:t>
             </a:r>
-            <a:endParaRPr lang="de-DE"/>
-          </a:p>
-        </p:txBody>
-      </p:sp>
-      <p:sp>
-        <p:nvSpPr>
-          <p:cNvPr id="5" name="Datumsplatzhalter 4"/>
-          <p:cNvSpPr>
-            <a:spLocks noGrp="1"/>
-          </p:cNvSpPr>
-          <p:nvPr>
-            <p:ph type="dt" sz="half" idx="10"/>
-          </p:nvPr>
-        </p:nvSpPr>
-        <p:spPr/>
-        <p:txBody>
-          <a:bodyPr/>
+            <a:endParaRPr kumimoji="0" lang="en-US"/>
+          </a:p>
+        </p:txBody>
+      </p:sp>
+      <p:sp>
+        <p:nvSpPr>
+          <p:cNvPr id="8" name="Datumsplatzhalter 7"/>
+          <p:cNvSpPr>
+            <a:spLocks noGrp="1"/>
+          </p:cNvSpPr>
+          <p:nvPr>
+            <p:ph type="dt" sz="half" idx="15"/>
+          </p:nvPr>
+        </p:nvSpPr>
+        <p:spPr/>
+        <p:txBody>
+          <a:bodyPr rtlCol="0"/>
           <a:lstStyle/>
           <a:p>
             <a:fld id="{36E85223-9B52-416E-9EE1-0326488C799B}" type="datetime1">
@@ -1698,36 +2158,17 @@
       </p:sp>
       <p:sp>
         <p:nvSpPr>
-          <p:cNvPr id="6" name="Fußzeilenplatzhalter 5"/>
-          <p:cNvSpPr>
-            <a:spLocks noGrp="1"/>
-          </p:cNvSpPr>
-          <p:nvPr>
-            <p:ph type="ftr" sz="quarter" idx="11"/>
-          </p:nvPr>
-        </p:nvSpPr>
-        <p:spPr/>
-        <p:txBody>
-          <a:bodyPr/>
-          <a:lstStyle/>
-          <a:p>
-            <a:endParaRPr lang="de-DE"/>
-          </a:p>
-        </p:txBody>
-      </p:sp>
-      <p:sp>
-        <p:nvSpPr>
-          <p:cNvPr id="7" name="Foliennummernplatzhalter 6"/>
-          <p:cNvSpPr>
-            <a:spLocks noGrp="1"/>
-          </p:cNvSpPr>
-          <p:nvPr>
-            <p:ph type="sldNum" sz="quarter" idx="12"/>
-          </p:nvPr>
-        </p:nvSpPr>
-        <p:spPr/>
-        <p:txBody>
-          <a:bodyPr/>
+          <p:cNvPr id="10" name="Foliennummernplatzhalter 9"/>
+          <p:cNvSpPr>
+            <a:spLocks noGrp="1"/>
+          </p:cNvSpPr>
+          <p:nvPr>
+            <p:ph type="sldNum" sz="quarter" idx="16"/>
+          </p:nvPr>
+        </p:nvSpPr>
+        <p:spPr/>
+        <p:txBody>
+          <a:bodyPr rtlCol="0"/>
           <a:lstStyle/>
           <a:p>
             <a:fld id="{F6741669-CF2E-4015-A056-54B33D7C161D}" type="slidenum">
@@ -1735,6 +2176,25 @@
               <a:pPr/>
               <a:t>‹Nr.›</a:t>
             </a:fld>
+            <a:endParaRPr lang="de-DE"/>
+          </a:p>
+        </p:txBody>
+      </p:sp>
+      <p:sp>
+        <p:nvSpPr>
+          <p:cNvPr id="12" name="Fußzeilenplatzhalter 11"/>
+          <p:cNvSpPr>
+            <a:spLocks noGrp="1"/>
+          </p:cNvSpPr>
+          <p:nvPr>
+            <p:ph type="ftr" sz="quarter" idx="17"/>
+          </p:nvPr>
+        </p:nvSpPr>
+        <p:spPr/>
+        <p:txBody>
+          <a:bodyPr rtlCol="0"/>
+          <a:lstStyle/>
+          <a:p>
             <a:endParaRPr lang="de-DE"/>
           </a:p>
         </p:txBody>
@@ -1774,9 +2234,14 @@
             <p:ph type="title"/>
           </p:nvPr>
         </p:nvSpPr>
-        <p:spPr/>
-        <p:txBody>
-          <a:bodyPr/>
+        <p:spPr>
+          <a:xfrm>
+            <a:off x="533400" y="273050"/>
+            <a:ext cx="8153400" cy="869950"/>
+          </a:xfrm>
+        </p:spPr>
+        <p:txBody>
+          <a:bodyPr anchor="ctr"/>
           <a:lstStyle>
             <a:lvl1pPr>
               <a:defRPr/>
@@ -1784,326 +2249,140 @@
           </a:lstStyle>
           <a:p>
             <a:r>
-              <a:rPr lang="de-DE" smtClean="0"/>
+              <a:rPr kumimoji="0" lang="de-DE" smtClean="0"/>
               <a:t>Titelmasterformat durch Klicken bearbeiten</a:t>
             </a:r>
-            <a:endParaRPr lang="de-DE"/>
-          </a:p>
-        </p:txBody>
-      </p:sp>
-      <p:sp>
-        <p:nvSpPr>
-          <p:cNvPr id="3" name="Textplatzhalter 2"/>
-          <p:cNvSpPr>
-            <a:spLocks noGrp="1"/>
-          </p:cNvSpPr>
-          <p:nvPr>
-            <p:ph type="body" idx="1"/>
+            <a:endParaRPr kumimoji="0" lang="en-US"/>
+          </a:p>
+        </p:txBody>
+      </p:sp>
+      <p:sp>
+        <p:nvSpPr>
+          <p:cNvPr id="11" name="Inhaltsplatzhalter 10"/>
+          <p:cNvSpPr>
+            <a:spLocks noGrp="1"/>
+          </p:cNvSpPr>
+          <p:nvPr>
+            <p:ph sz="quarter" idx="2"/>
           </p:nvPr>
         </p:nvSpPr>
         <p:spPr>
           <a:xfrm>
-            <a:off x="457200" y="1535113"/>
-            <a:ext cx="4040188" cy="639762"/>
-          </a:xfrm>
-        </p:spPr>
-        <p:txBody>
-          <a:bodyPr anchor="b"/>
-          <a:lstStyle>
-            <a:lvl1pPr marL="0" indent="0">
-              <a:buNone/>
-              <a:defRPr sz="2400" b="1"/>
-            </a:lvl1pPr>
-            <a:lvl2pPr marL="457200" indent="0">
-              <a:buNone/>
-              <a:defRPr sz="2000" b="1"/>
-            </a:lvl2pPr>
-            <a:lvl3pPr marL="914400" indent="0">
-              <a:buNone/>
-              <a:defRPr sz="1800" b="1"/>
-            </a:lvl3pPr>
-            <a:lvl4pPr marL="1371600" indent="0">
-              <a:buNone/>
-              <a:defRPr sz="1600" b="1"/>
-            </a:lvl4pPr>
-            <a:lvl5pPr marL="1828800" indent="0">
-              <a:buNone/>
-              <a:defRPr sz="1600" b="1"/>
-            </a:lvl5pPr>
-            <a:lvl6pPr marL="2286000" indent="0">
-              <a:buNone/>
-              <a:defRPr sz="1600" b="1"/>
-            </a:lvl6pPr>
-            <a:lvl7pPr marL="2743200" indent="0">
-              <a:buNone/>
-              <a:defRPr sz="1600" b="1"/>
-            </a:lvl7pPr>
-            <a:lvl8pPr marL="3200400" indent="0">
-              <a:buNone/>
-              <a:defRPr sz="1600" b="1"/>
-            </a:lvl8pPr>
-            <a:lvl9pPr marL="3657600" indent="0">
-              <a:buNone/>
-              <a:defRPr sz="1600" b="1"/>
-            </a:lvl9pPr>
-          </a:lstStyle>
-          <a:p>
-            <a:pPr lvl="0"/>
+            <a:off x="609600" y="2438400"/>
+            <a:ext cx="3886200" cy="3581400"/>
+          </a:xfrm>
+        </p:spPr>
+        <p:txBody>
+          <a:bodyPr/>
+          <a:lstStyle/>
+          <a:p>
+            <a:pPr lvl="0" eaLnBrk="1" latinLnBrk="0" hangingPunct="1"/>
             <a:r>
               <a:rPr lang="de-DE" smtClean="0"/>
               <a:t>Textmasterformate durch Klicken bearbeiten</a:t>
             </a:r>
           </a:p>
-        </p:txBody>
-      </p:sp>
-      <p:sp>
-        <p:nvSpPr>
-          <p:cNvPr id="4" name="Inhaltsplatzhalter 3"/>
-          <p:cNvSpPr>
-            <a:spLocks noGrp="1"/>
-          </p:cNvSpPr>
-          <p:nvPr>
-            <p:ph sz="half" idx="2"/>
+          <a:p>
+            <a:pPr lvl="1" eaLnBrk="1" latinLnBrk="0" hangingPunct="1"/>
+            <a:r>
+              <a:rPr lang="de-DE" smtClean="0"/>
+              <a:t>Zweite Ebene</a:t>
+            </a:r>
+          </a:p>
+          <a:p>
+            <a:pPr lvl="2" eaLnBrk="1" latinLnBrk="0" hangingPunct="1"/>
+            <a:r>
+              <a:rPr lang="de-DE" smtClean="0"/>
+              <a:t>Dritte Ebene</a:t>
+            </a:r>
+          </a:p>
+          <a:p>
+            <a:pPr lvl="3" eaLnBrk="1" latinLnBrk="0" hangingPunct="1"/>
+            <a:r>
+              <a:rPr lang="de-DE" smtClean="0"/>
+              <a:t>Vierte Ebene</a:t>
+            </a:r>
+          </a:p>
+          <a:p>
+            <a:pPr lvl="4" eaLnBrk="1" latinLnBrk="0" hangingPunct="1"/>
+            <a:r>
+              <a:rPr lang="de-DE" smtClean="0"/>
+              <a:t>Fünfte Ebene</a:t>
+            </a:r>
+            <a:endParaRPr kumimoji="0" lang="en-US"/>
+          </a:p>
+        </p:txBody>
+      </p:sp>
+      <p:sp>
+        <p:nvSpPr>
+          <p:cNvPr id="13" name="Inhaltsplatzhalter 12"/>
+          <p:cNvSpPr>
+            <a:spLocks noGrp="1"/>
+          </p:cNvSpPr>
+          <p:nvPr>
+            <p:ph sz="quarter" idx="4"/>
           </p:nvPr>
         </p:nvSpPr>
         <p:spPr>
           <a:xfrm>
-            <a:off x="457200" y="2174875"/>
-            <a:ext cx="4040188" cy="3951288"/>
+            <a:off x="4800600" y="2438400"/>
+            <a:ext cx="3886200" cy="3581400"/>
           </a:xfrm>
         </p:spPr>
         <p:txBody>
           <a:bodyPr/>
-          <a:lstStyle>
-            <a:lvl1pPr>
-              <a:defRPr sz="2400"/>
-            </a:lvl1pPr>
-            <a:lvl2pPr>
-              <a:defRPr sz="2000"/>
-            </a:lvl2pPr>
-            <a:lvl3pPr>
-              <a:defRPr sz="1800"/>
-            </a:lvl3pPr>
-            <a:lvl4pPr>
-              <a:defRPr sz="1600"/>
-            </a:lvl4pPr>
-            <a:lvl5pPr>
-              <a:defRPr sz="1600"/>
-            </a:lvl5pPr>
-            <a:lvl6pPr>
-              <a:defRPr sz="1600"/>
-            </a:lvl6pPr>
-            <a:lvl7pPr>
-              <a:defRPr sz="1600"/>
-            </a:lvl7pPr>
-            <a:lvl8pPr>
-              <a:defRPr sz="1600"/>
-            </a:lvl8pPr>
-            <a:lvl9pPr>
-              <a:defRPr sz="1600"/>
-            </a:lvl9pPr>
-          </a:lstStyle>
-          <a:p>
-            <a:pPr lvl="0"/>
+          <a:lstStyle/>
+          <a:p>
+            <a:pPr lvl="0" eaLnBrk="1" latinLnBrk="0" hangingPunct="1"/>
             <a:r>
               <a:rPr lang="de-DE" smtClean="0"/>
               <a:t>Textmasterformate durch Klicken bearbeiten</a:t>
             </a:r>
           </a:p>
           <a:p>
-            <a:pPr lvl="1"/>
+            <a:pPr lvl="1" eaLnBrk="1" latinLnBrk="0" hangingPunct="1"/>
             <a:r>
               <a:rPr lang="de-DE" smtClean="0"/>
               <a:t>Zweite Ebene</a:t>
             </a:r>
           </a:p>
           <a:p>
-            <a:pPr lvl="2"/>
+            <a:pPr lvl="2" eaLnBrk="1" latinLnBrk="0" hangingPunct="1"/>
             <a:r>
               <a:rPr lang="de-DE" smtClean="0"/>
               <a:t>Dritte Ebene</a:t>
             </a:r>
           </a:p>
           <a:p>
-            <a:pPr lvl="3"/>
+            <a:pPr lvl="3" eaLnBrk="1" latinLnBrk="0" hangingPunct="1"/>
             <a:r>
               <a:rPr lang="de-DE" smtClean="0"/>
               <a:t>Vierte Ebene</a:t>
             </a:r>
           </a:p>
           <a:p>
-            <a:pPr lvl="4"/>
+            <a:pPr lvl="4" eaLnBrk="1" latinLnBrk="0" hangingPunct="1"/>
             <a:r>
               <a:rPr lang="de-DE" smtClean="0"/>
               <a:t>Fünfte Ebene</a:t>
             </a:r>
-            <a:endParaRPr lang="de-DE"/>
-          </a:p>
-        </p:txBody>
-      </p:sp>
-      <p:sp>
-        <p:nvSpPr>
-          <p:cNvPr id="5" name="Textplatzhalter 4"/>
-          <p:cNvSpPr>
-            <a:spLocks noGrp="1"/>
-          </p:cNvSpPr>
-          <p:nvPr>
-            <p:ph type="body" sz="quarter" idx="3"/>
-          </p:nvPr>
-        </p:nvSpPr>
-        <p:spPr>
-          <a:xfrm>
-            <a:off x="4645025" y="1535113"/>
-            <a:ext cx="4041775" cy="639762"/>
-          </a:xfrm>
-        </p:spPr>
-        <p:txBody>
-          <a:bodyPr anchor="b"/>
-          <a:lstStyle>
-            <a:lvl1pPr marL="0" indent="0">
-              <a:buNone/>
-              <a:defRPr sz="2400" b="1"/>
-            </a:lvl1pPr>
-            <a:lvl2pPr marL="457200" indent="0">
-              <a:buNone/>
-              <a:defRPr sz="2000" b="1"/>
-            </a:lvl2pPr>
-            <a:lvl3pPr marL="914400" indent="0">
-              <a:buNone/>
-              <a:defRPr sz="1800" b="1"/>
-            </a:lvl3pPr>
-            <a:lvl4pPr marL="1371600" indent="0">
-              <a:buNone/>
-              <a:defRPr sz="1600" b="1"/>
-            </a:lvl4pPr>
-            <a:lvl5pPr marL="1828800" indent="0">
-              <a:buNone/>
-              <a:defRPr sz="1600" b="1"/>
-            </a:lvl5pPr>
-            <a:lvl6pPr marL="2286000" indent="0">
-              <a:buNone/>
-              <a:defRPr sz="1600" b="1"/>
-            </a:lvl6pPr>
-            <a:lvl7pPr marL="2743200" indent="0">
-              <a:buNone/>
-              <a:defRPr sz="1600" b="1"/>
-            </a:lvl7pPr>
-            <a:lvl8pPr marL="3200400" indent="0">
-              <a:buNone/>
-              <a:defRPr sz="1600" b="1"/>
-            </a:lvl8pPr>
-            <a:lvl9pPr marL="3657600" indent="0">
-              <a:buNone/>
-              <a:defRPr sz="1600" b="1"/>
-            </a:lvl9pPr>
-          </a:lstStyle>
-          <a:p>
-            <a:pPr lvl="0"/>
-            <a:r>
-              <a:rPr lang="de-DE" smtClean="0"/>
-              <a:t>Textmasterformate durch Klicken bearbeiten</a:t>
-            </a:r>
-          </a:p>
-        </p:txBody>
-      </p:sp>
-      <p:sp>
-        <p:nvSpPr>
-          <p:cNvPr id="6" name="Inhaltsplatzhalter 5"/>
-          <p:cNvSpPr>
-            <a:spLocks noGrp="1"/>
-          </p:cNvSpPr>
-          <p:nvPr>
-            <p:ph sz="quarter" idx="4"/>
-          </p:nvPr>
-        </p:nvSpPr>
-        <p:spPr>
-          <a:xfrm>
-            <a:off x="4645025" y="2174875"/>
-            <a:ext cx="4041775" cy="3951288"/>
-          </a:xfrm>
-        </p:spPr>
-        <p:txBody>
-          <a:bodyPr/>
-          <a:lstStyle>
-            <a:lvl1pPr>
-              <a:defRPr sz="2400"/>
-            </a:lvl1pPr>
-            <a:lvl2pPr>
-              <a:defRPr sz="2000"/>
-            </a:lvl2pPr>
-            <a:lvl3pPr>
-              <a:defRPr sz="1800"/>
-            </a:lvl3pPr>
-            <a:lvl4pPr>
-              <a:defRPr sz="1600"/>
-            </a:lvl4pPr>
-            <a:lvl5pPr>
-              <a:defRPr sz="1600"/>
-            </a:lvl5pPr>
-            <a:lvl6pPr>
-              <a:defRPr sz="1600"/>
-            </a:lvl6pPr>
-            <a:lvl7pPr>
-              <a:defRPr sz="1600"/>
-            </a:lvl7pPr>
-            <a:lvl8pPr>
-              <a:defRPr sz="1600"/>
-            </a:lvl8pPr>
-            <a:lvl9pPr>
-              <a:defRPr sz="1600"/>
-            </a:lvl9pPr>
-          </a:lstStyle>
-          <a:p>
-            <a:pPr lvl="0"/>
-            <a:r>
-              <a:rPr lang="de-DE" smtClean="0"/>
-              <a:t>Textmasterformate durch Klicken bearbeiten</a:t>
-            </a:r>
-          </a:p>
-          <a:p>
-            <a:pPr lvl="1"/>
-            <a:r>
-              <a:rPr lang="de-DE" smtClean="0"/>
-              <a:t>Zweite Ebene</a:t>
-            </a:r>
-          </a:p>
-          <a:p>
-            <a:pPr lvl="2"/>
-            <a:r>
-              <a:rPr lang="de-DE" smtClean="0"/>
-              <a:t>Dritte Ebene</a:t>
-            </a:r>
-          </a:p>
-          <a:p>
-            <a:pPr lvl="3"/>
-            <a:r>
-              <a:rPr lang="de-DE" smtClean="0"/>
-              <a:t>Vierte Ebene</a:t>
-            </a:r>
-          </a:p>
-          <a:p>
-            <a:pPr lvl="4"/>
-            <a:r>
-              <a:rPr lang="de-DE" smtClean="0"/>
-              <a:t>Fünfte Ebene</a:t>
-            </a:r>
-            <a:endParaRPr lang="de-DE"/>
-          </a:p>
-        </p:txBody>
-      </p:sp>
-      <p:sp>
-        <p:nvSpPr>
-          <p:cNvPr id="7" name="Datumsplatzhalter 6"/>
-          <p:cNvSpPr>
-            <a:spLocks noGrp="1"/>
-          </p:cNvSpPr>
-          <p:nvPr>
-            <p:ph type="dt" sz="half" idx="10"/>
-          </p:nvPr>
-        </p:nvSpPr>
-        <p:spPr/>
-        <p:txBody>
-          <a:bodyPr/>
+            <a:endParaRPr kumimoji="0" lang="en-US"/>
+          </a:p>
+        </p:txBody>
+      </p:sp>
+      <p:sp>
+        <p:nvSpPr>
+          <p:cNvPr id="10" name="Datumsplatzhalter 9"/>
+          <p:cNvSpPr>
+            <a:spLocks noGrp="1"/>
+          </p:cNvSpPr>
+          <p:nvPr>
+            <p:ph type="dt" sz="half" idx="15"/>
+          </p:nvPr>
+        </p:nvSpPr>
+        <p:spPr/>
+        <p:txBody>
+          <a:bodyPr rtlCol="0"/>
           <a:lstStyle/>
           <a:p>
             <a:fld id="{B2C2CA58-2B82-451A-9424-8197F7D99AA0}" type="datetime1">
@@ -2116,36 +2395,17 @@
       </p:sp>
       <p:sp>
         <p:nvSpPr>
-          <p:cNvPr id="8" name="Fußzeilenplatzhalter 7"/>
-          <p:cNvSpPr>
-            <a:spLocks noGrp="1"/>
-          </p:cNvSpPr>
-          <p:nvPr>
-            <p:ph type="ftr" sz="quarter" idx="11"/>
-          </p:nvPr>
-        </p:nvSpPr>
-        <p:spPr/>
-        <p:txBody>
-          <a:bodyPr/>
-          <a:lstStyle/>
-          <a:p>
-            <a:endParaRPr lang="de-DE"/>
-          </a:p>
-        </p:txBody>
-      </p:sp>
-      <p:sp>
-        <p:nvSpPr>
-          <p:cNvPr id="9" name="Foliennummernplatzhalter 8"/>
-          <p:cNvSpPr>
-            <a:spLocks noGrp="1"/>
-          </p:cNvSpPr>
-          <p:nvPr>
-            <p:ph type="sldNum" sz="quarter" idx="12"/>
-          </p:nvPr>
-        </p:nvSpPr>
-        <p:spPr/>
-        <p:txBody>
-          <a:bodyPr/>
+          <p:cNvPr id="12" name="Foliennummernplatzhalter 11"/>
+          <p:cNvSpPr>
+            <a:spLocks noGrp="1"/>
+          </p:cNvSpPr>
+          <p:nvPr>
+            <p:ph type="sldNum" sz="quarter" idx="16"/>
+          </p:nvPr>
+        </p:nvSpPr>
+        <p:spPr/>
+        <p:txBody>
+          <a:bodyPr rtlCol="0"/>
           <a:lstStyle/>
           <a:p>
             <a:fld id="{F6741669-CF2E-4015-A056-54B33D7C161D}" type="slidenum">
@@ -2154,6 +2414,107 @@
               <a:t>‹Nr.›</a:t>
             </a:fld>
             <a:endParaRPr lang="de-DE"/>
+          </a:p>
+        </p:txBody>
+      </p:sp>
+      <p:sp>
+        <p:nvSpPr>
+          <p:cNvPr id="14" name="Fußzeilenplatzhalter 13"/>
+          <p:cNvSpPr>
+            <a:spLocks noGrp="1"/>
+          </p:cNvSpPr>
+          <p:nvPr>
+            <p:ph type="ftr" sz="quarter" idx="17"/>
+          </p:nvPr>
+        </p:nvSpPr>
+        <p:spPr/>
+        <p:txBody>
+          <a:bodyPr rtlCol="0"/>
+          <a:lstStyle/>
+          <a:p>
+            <a:endParaRPr lang="de-DE"/>
+          </a:p>
+        </p:txBody>
+      </p:sp>
+      <p:sp>
+        <p:nvSpPr>
+          <p:cNvPr id="16" name="Textplatzhalter 15"/>
+          <p:cNvSpPr>
+            <a:spLocks noGrp="1"/>
+          </p:cNvSpPr>
+          <p:nvPr>
+            <p:ph type="body" sz="quarter" idx="1"/>
+          </p:nvPr>
+        </p:nvSpPr>
+        <p:spPr>
+          <a:xfrm>
+            <a:off x="609600" y="1752600"/>
+            <a:ext cx="3886200" cy="640080"/>
+          </a:xfrm>
+          <a:solidFill>
+            <a:schemeClr val="accent2"/>
+          </a:solidFill>
+        </p:spPr>
+        <p:txBody>
+          <a:bodyPr rtlCol="0" anchor="ctr"/>
+          <a:lstStyle>
+            <a:lvl1pPr marL="0" indent="0">
+              <a:buFontTx/>
+              <a:buNone/>
+              <a:defRPr sz="2000" b="1">
+                <a:solidFill>
+                  <a:srgbClr val="FFFFFF"/>
+                </a:solidFill>
+              </a:defRPr>
+            </a:lvl1pPr>
+          </a:lstStyle>
+          <a:p>
+            <a:pPr lvl="0" eaLnBrk="1" latinLnBrk="0" hangingPunct="1"/>
+            <a:r>
+              <a:rPr kumimoji="0" lang="de-DE" smtClean="0"/>
+              <a:t>Textmasterformate durch Klicken bearbeiten</a:t>
+            </a:r>
+          </a:p>
+        </p:txBody>
+      </p:sp>
+      <p:sp>
+        <p:nvSpPr>
+          <p:cNvPr id="15" name="Textplatzhalter 14"/>
+          <p:cNvSpPr>
+            <a:spLocks noGrp="1"/>
+          </p:cNvSpPr>
+          <p:nvPr>
+            <p:ph type="body" sz="quarter" idx="3"/>
+          </p:nvPr>
+        </p:nvSpPr>
+        <p:spPr>
+          <a:xfrm>
+            <a:off x="4800600" y="1752600"/>
+            <a:ext cx="3886200" cy="640080"/>
+          </a:xfrm>
+          <a:solidFill>
+            <a:schemeClr val="accent4"/>
+          </a:solidFill>
+        </p:spPr>
+        <p:txBody>
+          <a:bodyPr rtlCol="0" anchor="ctr"/>
+          <a:lstStyle>
+            <a:lvl1pPr marL="0" indent="0">
+              <a:buFontTx/>
+              <a:buNone/>
+              <a:defRPr sz="2000" b="1">
+                <a:solidFill>
+                  <a:srgbClr val="FFFFFF"/>
+                </a:solidFill>
+              </a:defRPr>
+            </a:lvl1pPr>
+          </a:lstStyle>
+          <a:p>
+            <a:pPr lvl="0" eaLnBrk="1" latinLnBrk="0" hangingPunct="1"/>
+            <a:r>
+              <a:rPr kumimoji="0" lang="de-DE" smtClean="0"/>
+              <a:t>Textmasterformate durch Klicken bearbeiten</a:t>
+            </a:r>
           </a:p>
         </p:txBody>
       </p:sp>
@@ -2198,10 +2559,10 @@
           <a:lstStyle/>
           <a:p>
             <a:r>
-              <a:rPr lang="de-DE" smtClean="0"/>
+              <a:rPr kumimoji="0" lang="de-DE" smtClean="0"/>
               <a:t>Titelmasterformat durch Klicken bearbeiten</a:t>
             </a:r>
-            <a:endParaRPr lang="de-DE"/>
+            <a:endParaRPr kumimoji="0" lang="en-US"/>
           </a:p>
         </p:txBody>
       </p:sp>
@@ -2260,7 +2621,15 @@
         <p:spPr/>
         <p:txBody>
           <a:bodyPr/>
-          <a:lstStyle/>
+          <a:lstStyle>
+            <a:lvl1pPr>
+              <a:defRPr>
+                <a:solidFill>
+                  <a:srgbClr val="FFFFFF"/>
+                </a:solidFill>
+              </a:defRPr>
+            </a:lvl1pPr>
+          </a:lstStyle>
           <a:p>
             <a:fld id="{F6741669-CF2E-4015-A056-54B33D7C161D}" type="slidenum">
               <a:rPr lang="de-DE" smtClean="0"/>
@@ -2280,7 +2649,7 @@
 </file>
 
 <file path=ppt/slideLayouts/slideLayout7.xml><?xml version="1.0" encoding="utf-8"?>
-<p:sldLayout xmlns:a="http://schemas.openxmlformats.org/drawingml/2006/main" xmlns:r="http://schemas.openxmlformats.org/officeDocument/2006/relationships" xmlns:p="http://schemas.openxmlformats.org/presentationml/2006/main" type="blank" preserve="1">
+<p:sldLayout xmlns:a="http://schemas.openxmlformats.org/drawingml/2006/main" xmlns:r="http://schemas.openxmlformats.org/officeDocument/2006/relationships" xmlns:p="http://schemas.openxmlformats.org/presentationml/2006/main" showMasterSp="0" type="blank" preserve="1">
   <p:cSld name="Leer">
     <p:spTree>
       <p:nvGrpSpPr>
@@ -2348,10 +2717,23 @@
             <p:ph type="sldNum" sz="quarter" idx="12"/>
           </p:nvPr>
         </p:nvSpPr>
-        <p:spPr/>
+        <p:spPr>
+          <a:xfrm>
+            <a:off x="0" y="6248400"/>
+            <a:ext cx="533400" cy="381000"/>
+          </a:xfrm>
+        </p:spPr>
         <p:txBody>
           <a:bodyPr/>
-          <a:lstStyle/>
+          <a:lstStyle>
+            <a:lvl1pPr>
+              <a:defRPr>
+                <a:solidFill>
+                  <a:schemeClr val="tx2"/>
+                </a:solidFill>
+              </a:defRPr>
+            </a:lvl1pPr>
+          </a:lstStyle>
           <a:p>
             <a:fld id="{F6741669-CF2E-4015-A056-54B33D7C161D}" type="slidenum">
               <a:rPr lang="de-DE" smtClean="0"/>
@@ -2399,232 +2781,91 @@
         </p:nvSpPr>
         <p:spPr>
           <a:xfrm>
-            <a:off x="457200" y="273050"/>
-            <a:ext cx="3008313" cy="1162050"/>
-          </a:xfrm>
-        </p:spPr>
-        <p:txBody>
-          <a:bodyPr anchor="b"/>
+            <a:off x="609600" y="273050"/>
+            <a:ext cx="8077200" cy="869950"/>
+          </a:xfrm>
+        </p:spPr>
+        <p:txBody>
+          <a:bodyPr anchor="ctr"/>
           <a:lstStyle>
             <a:lvl1pPr algn="l">
-              <a:defRPr sz="2000" b="1"/>
+              <a:buNone/>
+              <a:defRPr sz="4400" b="0"/>
             </a:lvl1pPr>
           </a:lstStyle>
           <a:p>
             <a:r>
-              <a:rPr lang="de-DE" smtClean="0"/>
+              <a:rPr kumimoji="0" lang="de-DE" smtClean="0"/>
               <a:t>Titelmasterformat durch Klicken bearbeiten</a:t>
             </a:r>
+            <a:endParaRPr kumimoji="0" lang="en-US"/>
+          </a:p>
+        </p:txBody>
+      </p:sp>
+      <p:sp>
+        <p:nvSpPr>
+          <p:cNvPr id="5" name="Datumsplatzhalter 4"/>
+          <p:cNvSpPr>
+            <a:spLocks noGrp="1"/>
+          </p:cNvSpPr>
+          <p:nvPr>
+            <p:ph type="dt" sz="half" idx="10"/>
+          </p:nvPr>
+        </p:nvSpPr>
+        <p:spPr/>
+        <p:txBody>
+          <a:bodyPr/>
+          <a:lstStyle/>
+          <a:p>
+            <a:fld id="{3FF73274-3E0F-4718-B197-FA0577D2B64C}" type="datetime1">
+              <a:rPr lang="de-DE" smtClean="0"/>
+              <a:t>13.07.2016</a:t>
+            </a:fld>
             <a:endParaRPr lang="de-DE"/>
           </a:p>
         </p:txBody>
       </p:sp>
       <p:sp>
         <p:nvSpPr>
-          <p:cNvPr id="3" name="Inhaltsplatzhalter 2"/>
-          <p:cNvSpPr>
-            <a:spLocks noGrp="1"/>
-          </p:cNvSpPr>
-          <p:nvPr>
-            <p:ph idx="1"/>
-          </p:nvPr>
-        </p:nvSpPr>
-        <p:spPr>
-          <a:xfrm>
-            <a:off x="3575050" y="273050"/>
-            <a:ext cx="5111750" cy="5853113"/>
-          </a:xfrm>
-        </p:spPr>
+          <p:cNvPr id="6" name="Fußzeilenplatzhalter 5"/>
+          <p:cNvSpPr>
+            <a:spLocks noGrp="1"/>
+          </p:cNvSpPr>
+          <p:nvPr>
+            <p:ph type="ftr" sz="quarter" idx="11"/>
+          </p:nvPr>
+        </p:nvSpPr>
+        <p:spPr/>
+        <p:txBody>
+          <a:bodyPr/>
+          <a:lstStyle/>
+          <a:p>
+            <a:endParaRPr lang="de-DE"/>
+          </a:p>
+        </p:txBody>
+      </p:sp>
+      <p:sp>
+        <p:nvSpPr>
+          <p:cNvPr id="7" name="Foliennummernplatzhalter 6"/>
+          <p:cNvSpPr>
+            <a:spLocks noGrp="1"/>
+          </p:cNvSpPr>
+          <p:nvPr>
+            <p:ph type="sldNum" sz="quarter" idx="12"/>
+          </p:nvPr>
+        </p:nvSpPr>
+        <p:spPr/>
         <p:txBody>
           <a:bodyPr/>
           <a:lstStyle>
             <a:lvl1pPr>
-              <a:defRPr sz="3200"/>
+              <a:defRPr>
+                <a:solidFill>
+                  <a:srgbClr val="FFFFFF"/>
+                </a:solidFill>
+              </a:defRPr>
             </a:lvl1pPr>
-            <a:lvl2pPr>
-              <a:defRPr sz="2800"/>
-            </a:lvl2pPr>
-            <a:lvl3pPr>
-              <a:defRPr sz="2400"/>
-            </a:lvl3pPr>
-            <a:lvl4pPr>
-              <a:defRPr sz="2000"/>
-            </a:lvl4pPr>
-            <a:lvl5pPr>
-              <a:defRPr sz="2000"/>
-            </a:lvl5pPr>
-            <a:lvl6pPr>
-              <a:defRPr sz="2000"/>
-            </a:lvl6pPr>
-            <a:lvl7pPr>
-              <a:defRPr sz="2000"/>
-            </a:lvl7pPr>
-            <a:lvl8pPr>
-              <a:defRPr sz="2000"/>
-            </a:lvl8pPr>
-            <a:lvl9pPr>
-              <a:defRPr sz="2000"/>
-            </a:lvl9pPr>
           </a:lstStyle>
-          <a:p>
-            <a:pPr lvl="0"/>
-            <a:r>
-              <a:rPr lang="de-DE" smtClean="0"/>
-              <a:t>Textmasterformate durch Klicken bearbeiten</a:t>
-            </a:r>
-          </a:p>
-          <a:p>
-            <a:pPr lvl="1"/>
-            <a:r>
-              <a:rPr lang="de-DE" smtClean="0"/>
-              <a:t>Zweite Ebene</a:t>
-            </a:r>
-          </a:p>
-          <a:p>
-            <a:pPr lvl="2"/>
-            <a:r>
-              <a:rPr lang="de-DE" smtClean="0"/>
-              <a:t>Dritte Ebene</a:t>
-            </a:r>
-          </a:p>
-          <a:p>
-            <a:pPr lvl="3"/>
-            <a:r>
-              <a:rPr lang="de-DE" smtClean="0"/>
-              <a:t>Vierte Ebene</a:t>
-            </a:r>
-          </a:p>
-          <a:p>
-            <a:pPr lvl="4"/>
-            <a:r>
-              <a:rPr lang="de-DE" smtClean="0"/>
-              <a:t>Fünfte Ebene</a:t>
-            </a:r>
-            <a:endParaRPr lang="de-DE"/>
-          </a:p>
-        </p:txBody>
-      </p:sp>
-      <p:sp>
-        <p:nvSpPr>
-          <p:cNvPr id="4" name="Textplatzhalter 3"/>
-          <p:cNvSpPr>
-            <a:spLocks noGrp="1"/>
-          </p:cNvSpPr>
-          <p:nvPr>
-            <p:ph type="body" sz="half" idx="2"/>
-          </p:nvPr>
-        </p:nvSpPr>
-        <p:spPr>
-          <a:xfrm>
-            <a:off x="457200" y="1435100"/>
-            <a:ext cx="3008313" cy="4691063"/>
-          </a:xfrm>
-        </p:spPr>
-        <p:txBody>
-          <a:bodyPr/>
-          <a:lstStyle>
-            <a:lvl1pPr marL="0" indent="0">
-              <a:buNone/>
-              <a:defRPr sz="1400"/>
-            </a:lvl1pPr>
-            <a:lvl2pPr marL="457200" indent="0">
-              <a:buNone/>
-              <a:defRPr sz="1200"/>
-            </a:lvl2pPr>
-            <a:lvl3pPr marL="914400" indent="0">
-              <a:buNone/>
-              <a:defRPr sz="1000"/>
-            </a:lvl3pPr>
-            <a:lvl4pPr marL="1371600" indent="0">
-              <a:buNone/>
-              <a:defRPr sz="900"/>
-            </a:lvl4pPr>
-            <a:lvl5pPr marL="1828800" indent="0">
-              <a:buNone/>
-              <a:defRPr sz="900"/>
-            </a:lvl5pPr>
-            <a:lvl6pPr marL="2286000" indent="0">
-              <a:buNone/>
-              <a:defRPr sz="900"/>
-            </a:lvl6pPr>
-            <a:lvl7pPr marL="2743200" indent="0">
-              <a:buNone/>
-              <a:defRPr sz="900"/>
-            </a:lvl7pPr>
-            <a:lvl8pPr marL="3200400" indent="0">
-              <a:buNone/>
-              <a:defRPr sz="900"/>
-            </a:lvl8pPr>
-            <a:lvl9pPr marL="3657600" indent="0">
-              <a:buNone/>
-              <a:defRPr sz="900"/>
-            </a:lvl9pPr>
-          </a:lstStyle>
-          <a:p>
-            <a:pPr lvl="0"/>
-            <a:r>
-              <a:rPr lang="de-DE" smtClean="0"/>
-              <a:t>Textmasterformate durch Klicken bearbeiten</a:t>
-            </a:r>
-          </a:p>
-        </p:txBody>
-      </p:sp>
-      <p:sp>
-        <p:nvSpPr>
-          <p:cNvPr id="5" name="Datumsplatzhalter 4"/>
-          <p:cNvSpPr>
-            <a:spLocks noGrp="1"/>
-          </p:cNvSpPr>
-          <p:nvPr>
-            <p:ph type="dt" sz="half" idx="10"/>
-          </p:nvPr>
-        </p:nvSpPr>
-        <p:spPr/>
-        <p:txBody>
-          <a:bodyPr/>
-          <a:lstStyle/>
-          <a:p>
-            <a:fld id="{3FF73274-3E0F-4718-B197-FA0577D2B64C}" type="datetime1">
-              <a:rPr lang="de-DE" smtClean="0"/>
-              <a:t>13.07.2016</a:t>
-            </a:fld>
-            <a:endParaRPr lang="de-DE"/>
-          </a:p>
-        </p:txBody>
-      </p:sp>
-      <p:sp>
-        <p:nvSpPr>
-          <p:cNvPr id="6" name="Fußzeilenplatzhalter 5"/>
-          <p:cNvSpPr>
-            <a:spLocks noGrp="1"/>
-          </p:cNvSpPr>
-          <p:nvPr>
-            <p:ph type="ftr" sz="quarter" idx="11"/>
-          </p:nvPr>
-        </p:nvSpPr>
-        <p:spPr/>
-        <p:txBody>
-          <a:bodyPr/>
-          <a:lstStyle/>
-          <a:p>
-            <a:endParaRPr lang="de-DE"/>
-          </a:p>
-        </p:txBody>
-      </p:sp>
-      <p:sp>
-        <p:nvSpPr>
-          <p:cNvPr id="7" name="Foliennummernplatzhalter 6"/>
-          <p:cNvSpPr>
-            <a:spLocks noGrp="1"/>
-          </p:cNvSpPr>
-          <p:nvPr>
-            <p:ph type="sldNum" sz="quarter" idx="12"/>
-          </p:nvPr>
-        </p:nvSpPr>
-        <p:spPr/>
-        <p:txBody>
-          <a:bodyPr/>
-          <a:lstStyle/>
           <a:p>
             <a:fld id="{F6741669-CF2E-4015-A056-54B33D7C161D}" type="slidenum">
               <a:rPr lang="de-DE" smtClean="0"/>
@@ -2632,6 +2873,137 @@
               <a:t>‹Nr.›</a:t>
             </a:fld>
             <a:endParaRPr lang="de-DE"/>
+          </a:p>
+        </p:txBody>
+      </p:sp>
+      <p:sp>
+        <p:nvSpPr>
+          <p:cNvPr id="3" name="Textplatzhalter 2"/>
+          <p:cNvSpPr>
+            <a:spLocks noGrp="1"/>
+          </p:cNvSpPr>
+          <p:nvPr>
+            <p:ph type="body" idx="2"/>
+          </p:nvPr>
+        </p:nvSpPr>
+        <p:spPr>
+          <a:xfrm>
+            <a:off x="609600" y="1752600"/>
+            <a:ext cx="1600200" cy="4343400"/>
+          </a:xfrm>
+          <a:ln w="50800" cap="sq" cmpd="dbl" algn="ctr">
+            <a:solidFill>
+              <a:schemeClr val="accent2"/>
+            </a:solidFill>
+            <a:prstDash val="solid"/>
+            <a:miter lim="800000"/>
+          </a:ln>
+          <a:effectLst/>
+        </p:spPr>
+        <p:style>
+          <a:lnRef idx="3">
+            <a:schemeClr val="lt1"/>
+          </a:lnRef>
+          <a:fillRef idx="1">
+            <a:schemeClr val="accent2"/>
+          </a:fillRef>
+          <a:effectRef idx="1">
+            <a:schemeClr val="accent2"/>
+          </a:effectRef>
+          <a:fontRef idx="minor">
+            <a:schemeClr val="lt1"/>
+          </a:fontRef>
+        </p:style>
+        <p:txBody>
+          <a:bodyPr lIns="137160" tIns="182880" rIns="137160" bIns="91440"/>
+          <a:lstStyle>
+            <a:lvl1pPr marL="0" indent="0">
+              <a:spcAft>
+                <a:spcPts val="1000"/>
+              </a:spcAft>
+              <a:buNone/>
+              <a:defRPr sz="1800"/>
+            </a:lvl1pPr>
+            <a:lvl2pPr>
+              <a:buNone/>
+              <a:defRPr sz="1200"/>
+            </a:lvl2pPr>
+            <a:lvl3pPr>
+              <a:buNone/>
+              <a:defRPr sz="1000"/>
+            </a:lvl3pPr>
+            <a:lvl4pPr>
+              <a:buNone/>
+              <a:defRPr sz="900"/>
+            </a:lvl4pPr>
+            <a:lvl5pPr>
+              <a:buNone/>
+              <a:defRPr sz="900"/>
+            </a:lvl5pPr>
+          </a:lstStyle>
+          <a:p>
+            <a:pPr lvl="0" eaLnBrk="1" latinLnBrk="0" hangingPunct="1"/>
+            <a:r>
+              <a:rPr kumimoji="0" lang="de-DE" smtClean="0"/>
+              <a:t>Textmasterformate durch Klicken bearbeiten</a:t>
+            </a:r>
+          </a:p>
+        </p:txBody>
+      </p:sp>
+      <p:sp>
+        <p:nvSpPr>
+          <p:cNvPr id="9" name="Inhaltsplatzhalter 8"/>
+          <p:cNvSpPr>
+            <a:spLocks noGrp="1"/>
+          </p:cNvSpPr>
+          <p:nvPr>
+            <p:ph sz="quarter" idx="1"/>
+          </p:nvPr>
+        </p:nvSpPr>
+        <p:spPr>
+          <a:xfrm>
+            <a:off x="2362200" y="1752600"/>
+            <a:ext cx="6400800" cy="4419600"/>
+          </a:xfrm>
+        </p:spPr>
+        <p:txBody>
+          <a:bodyPr/>
+          <a:lstStyle/>
+          <a:p>
+            <a:pPr lvl="0" eaLnBrk="1" latinLnBrk="0" hangingPunct="1"/>
+            <a:r>
+              <a:rPr lang="de-DE" smtClean="0"/>
+              <a:t>Textmasterformate durch Klicken bearbeiten</a:t>
+            </a:r>
+          </a:p>
+          <a:p>
+            <a:pPr lvl="1" eaLnBrk="1" latinLnBrk="0" hangingPunct="1"/>
+            <a:r>
+              <a:rPr lang="de-DE" smtClean="0"/>
+              <a:t>Zweite Ebene</a:t>
+            </a:r>
+          </a:p>
+          <a:p>
+            <a:pPr lvl="2" eaLnBrk="1" latinLnBrk="0" hangingPunct="1"/>
+            <a:r>
+              <a:rPr lang="de-DE" smtClean="0"/>
+              <a:t>Dritte Ebene</a:t>
+            </a:r>
+          </a:p>
+          <a:p>
+            <a:pPr lvl="3" eaLnBrk="1" latinLnBrk="0" hangingPunct="1"/>
+            <a:r>
+              <a:rPr lang="de-DE" smtClean="0"/>
+              <a:t>Vierte Ebene</a:t>
+            </a:r>
+          </a:p>
+          <a:p>
+            <a:pPr lvl="4" eaLnBrk="1" latinLnBrk="0" hangingPunct="1"/>
+            <a:r>
+              <a:rPr lang="de-DE" smtClean="0"/>
+              <a:t>Fünfte Ebene</a:t>
+            </a:r>
+            <a:endParaRPr kumimoji="0" lang="en-US"/>
           </a:p>
         </p:txBody>
       </p:sp>
@@ -2644,8 +3016,13 @@
 </file>
 
 <file path=ppt/slideLayouts/slideLayout9.xml><?xml version="1.0" encoding="utf-8"?>
-<p:sldLayout xmlns:a="http://schemas.openxmlformats.org/drawingml/2006/main" xmlns:r="http://schemas.openxmlformats.org/officeDocument/2006/relationships" xmlns:p="http://schemas.openxmlformats.org/presentationml/2006/main" type="picTx" preserve="1">
+<p:sldLayout xmlns:a="http://schemas.openxmlformats.org/drawingml/2006/main" xmlns:r="http://schemas.openxmlformats.org/officeDocument/2006/relationships" xmlns:p="http://schemas.openxmlformats.org/presentationml/2006/main" showMasterSp="0" type="picTx" preserve="1">
   <p:cSld name="Bild mit Überschrift">
+    <p:bg>
+      <p:bgRef idx="1003">
+        <a:schemeClr val="bg2"/>
+      </p:bgRef>
+    </p:bg>
     <p:spTree>
       <p:nvGrpSpPr>
         <p:cNvPr id="1" name=""/>
@@ -2662,6 +3039,202 @@
       </p:grpSpPr>
       <p:sp>
         <p:nvSpPr>
+          <p:cNvPr id="4" name="Textplatzhalter 3"/>
+          <p:cNvSpPr>
+            <a:spLocks noGrp="1"/>
+          </p:cNvSpPr>
+          <p:nvPr>
+            <p:ph type="body" sz="half" idx="2"/>
+          </p:nvPr>
+        </p:nvSpPr>
+        <p:spPr>
+          <a:xfrm>
+            <a:off x="1600200" y="5486400"/>
+            <a:ext cx="7315200" cy="685800"/>
+          </a:xfrm>
+        </p:spPr>
+        <p:txBody>
+          <a:bodyPr/>
+          <a:lstStyle>
+            <a:lvl1pPr marL="0" indent="0">
+              <a:buFontTx/>
+              <a:buNone/>
+              <a:defRPr sz="1700"/>
+            </a:lvl1pPr>
+            <a:lvl2pPr>
+              <a:buFontTx/>
+              <a:buNone/>
+              <a:defRPr sz="1200"/>
+            </a:lvl2pPr>
+            <a:lvl3pPr>
+              <a:buFontTx/>
+              <a:buNone/>
+              <a:defRPr sz="1000"/>
+            </a:lvl3pPr>
+            <a:lvl4pPr>
+              <a:buFontTx/>
+              <a:buNone/>
+              <a:defRPr sz="900"/>
+            </a:lvl4pPr>
+            <a:lvl5pPr>
+              <a:buFontTx/>
+              <a:buNone/>
+              <a:defRPr sz="900"/>
+            </a:lvl5pPr>
+          </a:lstStyle>
+          <a:p>
+            <a:pPr lvl="0" eaLnBrk="1" latinLnBrk="0" hangingPunct="1"/>
+            <a:r>
+              <a:rPr kumimoji="0" lang="de-DE" smtClean="0"/>
+              <a:t>Textmasterformate durch Klicken bearbeiten</a:t>
+            </a:r>
+          </a:p>
+        </p:txBody>
+      </p:sp>
+      <p:sp>
+        <p:nvSpPr>
+          <p:cNvPr id="8" name="Rechteck 7"/>
+          <p:cNvSpPr/>
+          <p:nvPr/>
+        </p:nvSpPr>
+        <p:spPr bwMode="white">
+          <a:xfrm>
+            <a:off x="-9144" y="4572000"/>
+            <a:ext cx="9144000" cy="886968"/>
+          </a:xfrm>
+          <a:prstGeom prst="rect">
+            <a:avLst/>
+          </a:prstGeom>
+          <a:solidFill>
+            <a:srgbClr val="FFFFFF"/>
+          </a:solidFill>
+          <a:ln w="50800" cap="rnd" cmpd="dbl" algn="ctr">
+            <a:noFill/>
+            <a:prstDash val="solid"/>
+          </a:ln>
+          <a:effectLst/>
+        </p:spPr>
+        <p:style>
+          <a:lnRef idx="3">
+            <a:schemeClr val="lt1"/>
+          </a:lnRef>
+          <a:fillRef idx="1">
+            <a:schemeClr val="accent1"/>
+          </a:fillRef>
+          <a:effectRef idx="1">
+            <a:schemeClr val="accent1"/>
+          </a:effectRef>
+          <a:fontRef idx="minor">
+            <a:schemeClr val="lt1"/>
+          </a:fontRef>
+        </p:style>
+        <p:txBody>
+          <a:bodyPr anchor="ctr"/>
+          <a:lstStyle/>
+          <a:p>
+            <a:pPr algn="ctr" eaLnBrk="1" latinLnBrk="0" hangingPunct="1"/>
+            <a:endParaRPr kumimoji="0" lang="en-US"/>
+          </a:p>
+        </p:txBody>
+      </p:sp>
+      <p:sp>
+        <p:nvSpPr>
+          <p:cNvPr id="9" name="Rechteck 8"/>
+          <p:cNvSpPr/>
+          <p:nvPr/>
+        </p:nvSpPr>
+        <p:spPr>
+          <a:xfrm>
+            <a:off x="-9144" y="4663440"/>
+            <a:ext cx="1463040" cy="713232"/>
+          </a:xfrm>
+          <a:prstGeom prst="rect">
+            <a:avLst/>
+          </a:prstGeom>
+          <a:solidFill>
+            <a:schemeClr val="accent2">
+              <a:alpha val="100000"/>
+            </a:schemeClr>
+          </a:solidFill>
+          <a:ln w="50800" cap="rnd" cmpd="dbl" algn="ctr">
+            <a:noFill/>
+            <a:prstDash val="solid"/>
+          </a:ln>
+          <a:effectLst/>
+        </p:spPr>
+        <p:style>
+          <a:lnRef idx="3">
+            <a:schemeClr val="lt1"/>
+          </a:lnRef>
+          <a:fillRef idx="1">
+            <a:schemeClr val="accent1"/>
+          </a:fillRef>
+          <a:effectRef idx="1">
+            <a:schemeClr val="accent1"/>
+          </a:effectRef>
+          <a:fontRef idx="minor">
+            <a:schemeClr val="lt1"/>
+          </a:fontRef>
+        </p:style>
+        <p:txBody>
+          <a:bodyPr anchor="ctr"/>
+          <a:lstStyle/>
+          <a:p>
+            <a:pPr algn="ctr" eaLnBrk="1" latinLnBrk="0" hangingPunct="1"/>
+            <a:endParaRPr kumimoji="0" lang="en-US"/>
+          </a:p>
+        </p:txBody>
+      </p:sp>
+      <p:sp>
+        <p:nvSpPr>
+          <p:cNvPr id="10" name="Rechteck 9"/>
+          <p:cNvSpPr/>
+          <p:nvPr/>
+        </p:nvSpPr>
+        <p:spPr>
+          <a:xfrm>
+            <a:off x="1545336" y="4654296"/>
+            <a:ext cx="7598664" cy="713232"/>
+          </a:xfrm>
+          <a:prstGeom prst="rect">
+            <a:avLst/>
+          </a:prstGeom>
+          <a:solidFill>
+            <a:schemeClr val="accent1">
+              <a:alpha val="100000"/>
+            </a:schemeClr>
+          </a:solidFill>
+          <a:ln w="50800" cap="rnd" cmpd="dbl" algn="ctr">
+            <a:noFill/>
+            <a:prstDash val="solid"/>
+          </a:ln>
+          <a:effectLst/>
+        </p:spPr>
+        <p:style>
+          <a:lnRef idx="3">
+            <a:schemeClr val="lt1"/>
+          </a:lnRef>
+          <a:fillRef idx="1">
+            <a:schemeClr val="accent1"/>
+          </a:fillRef>
+          <a:effectRef idx="1">
+            <a:schemeClr val="accent1"/>
+          </a:effectRef>
+          <a:fontRef idx="minor">
+            <a:schemeClr val="lt1"/>
+          </a:fontRef>
+        </p:style>
+        <p:txBody>
+          <a:bodyPr anchor="ctr"/>
+          <a:lstStyle/>
+          <a:p>
+            <a:pPr algn="ctr" eaLnBrk="1" latinLnBrk="0" hangingPunct="1"/>
+            <a:endParaRPr kumimoji="0" lang="en-US"/>
+          </a:p>
+        </p:txBody>
+      </p:sp>
+      <p:sp>
+        <p:nvSpPr>
           <p:cNvPr id="2" name="Titel 1"/>
           <p:cNvSpPr>
             <a:spLocks noGrp="1"/>
@@ -2672,28 +3245,164 @@
         </p:nvSpPr>
         <p:spPr>
           <a:xfrm>
-            <a:off x="1792288" y="4800600"/>
-            <a:ext cx="5486400" cy="566738"/>
-          </a:xfrm>
-        </p:spPr>
-        <p:txBody>
-          <a:bodyPr anchor="b"/>
+            <a:off x="1600200" y="4648200"/>
+            <a:ext cx="7315200" cy="685800"/>
+          </a:xfrm>
+        </p:spPr>
+        <p:txBody>
+          <a:bodyPr anchor="ctr"/>
           <a:lstStyle>
             <a:lvl1pPr algn="l">
-              <a:defRPr sz="2000" b="1"/>
+              <a:buNone/>
+              <a:defRPr sz="2800" b="0">
+                <a:solidFill>
+                  <a:srgbClr val="FFFFFF"/>
+                </a:solidFill>
+              </a:defRPr>
             </a:lvl1pPr>
           </a:lstStyle>
           <a:p>
             <a:r>
-              <a:rPr lang="de-DE" smtClean="0"/>
+              <a:rPr kumimoji="0" lang="de-DE" smtClean="0"/>
               <a:t>Titelmasterformat durch Klicken bearbeiten</a:t>
             </a:r>
+            <a:endParaRPr kumimoji="0" lang="en-US"/>
+          </a:p>
+        </p:txBody>
+      </p:sp>
+      <p:sp>
+        <p:nvSpPr>
+          <p:cNvPr id="11" name="Rechteck 10"/>
+          <p:cNvSpPr/>
+          <p:nvPr/>
+        </p:nvSpPr>
+        <p:spPr bwMode="white">
+          <a:xfrm>
+            <a:off x="1447800" y="0"/>
+            <a:ext cx="100584" cy="6867144"/>
+          </a:xfrm>
+          <a:prstGeom prst="rect">
+            <a:avLst/>
+          </a:prstGeom>
+          <a:solidFill>
+            <a:srgbClr val="FFFFFF"/>
+          </a:solidFill>
+          <a:ln w="50800" cap="rnd" cmpd="dbl" algn="ctr">
+            <a:noFill/>
+            <a:prstDash val="solid"/>
+          </a:ln>
+          <a:effectLst/>
+        </p:spPr>
+        <p:style>
+          <a:lnRef idx="3">
+            <a:schemeClr val="lt1"/>
+          </a:lnRef>
+          <a:fillRef idx="1">
+            <a:schemeClr val="accent1"/>
+          </a:fillRef>
+          <a:effectRef idx="1">
+            <a:schemeClr val="accent1"/>
+          </a:effectRef>
+          <a:fontRef idx="minor">
+            <a:schemeClr val="lt1"/>
+          </a:fontRef>
+        </p:style>
+        <p:txBody>
+          <a:bodyPr anchor="ctr"/>
+          <a:lstStyle/>
+          <a:p>
+            <a:pPr algn="ctr" eaLnBrk="1" latinLnBrk="0" hangingPunct="1"/>
+            <a:endParaRPr kumimoji="0" lang="en-US"/>
+          </a:p>
+        </p:txBody>
+      </p:sp>
+      <p:sp>
+        <p:nvSpPr>
+          <p:cNvPr id="12" name="Datumsplatzhalter 11"/>
+          <p:cNvSpPr>
+            <a:spLocks noGrp="1"/>
+          </p:cNvSpPr>
+          <p:nvPr>
+            <p:ph type="dt" sz="half" idx="10"/>
+          </p:nvPr>
+        </p:nvSpPr>
+        <p:spPr>
+          <a:xfrm>
+            <a:off x="6248400" y="6248400"/>
+            <a:ext cx="2667000" cy="365125"/>
+          </a:xfrm>
+        </p:spPr>
+        <p:txBody>
+          <a:bodyPr rtlCol="0"/>
+          <a:lstStyle/>
+          <a:p>
+            <a:fld id="{72CDCEDE-A480-419B-8173-6EE7A3DB6060}" type="datetime1">
+              <a:rPr lang="de-DE" smtClean="0"/>
+              <a:t>13.07.2016</a:t>
+            </a:fld>
             <a:endParaRPr lang="de-DE"/>
           </a:p>
         </p:txBody>
       </p:sp>
       <p:sp>
         <p:nvSpPr>
+          <p:cNvPr id="13" name="Foliennummernplatzhalter 12"/>
+          <p:cNvSpPr>
+            <a:spLocks noGrp="1"/>
+          </p:cNvSpPr>
+          <p:nvPr>
+            <p:ph type="sldNum" sz="quarter" idx="11"/>
+          </p:nvPr>
+        </p:nvSpPr>
+        <p:spPr>
+          <a:xfrm>
+            <a:off x="0" y="4667249"/>
+            <a:ext cx="1447800" cy="663578"/>
+          </a:xfrm>
+        </p:spPr>
+        <p:txBody>
+          <a:bodyPr rtlCol="0"/>
+          <a:lstStyle>
+            <a:lvl1pPr>
+              <a:defRPr sz="2800"/>
+            </a:lvl1pPr>
+          </a:lstStyle>
+          <a:p>
+            <a:fld id="{F6741669-CF2E-4015-A056-54B33D7C161D}" type="slidenum">
+              <a:rPr lang="de-DE" smtClean="0"/>
+              <a:pPr/>
+              <a:t>‹Nr.›</a:t>
+            </a:fld>
+            <a:endParaRPr lang="de-DE"/>
+          </a:p>
+        </p:txBody>
+      </p:sp>
+      <p:sp>
+        <p:nvSpPr>
+          <p:cNvPr id="14" name="Fußzeilenplatzhalter 13"/>
+          <p:cNvSpPr>
+            <a:spLocks noGrp="1"/>
+          </p:cNvSpPr>
+          <p:nvPr>
+            <p:ph type="ftr" sz="quarter" idx="12"/>
+          </p:nvPr>
+        </p:nvSpPr>
+        <p:spPr>
+          <a:xfrm>
+            <a:off x="1600200" y="6248206"/>
+            <a:ext cx="4572000" cy="365125"/>
+          </a:xfrm>
+        </p:spPr>
+        <p:txBody>
+          <a:bodyPr rtlCol="0"/>
+          <a:lstStyle/>
+          <a:p>
+            <a:endParaRPr lang="de-DE"/>
+          </a:p>
+        </p:txBody>
+      </p:sp>
+      <p:sp>
+        <p:nvSpPr>
           <p:cNvPr id="3" name="Bildplatzhalter 2"/>
           <p:cNvSpPr>
             <a:spLocks noGrp="1"/>
@@ -2704,9 +3413,17 @@
         </p:nvSpPr>
         <p:spPr>
           <a:xfrm>
-            <a:off x="1792288" y="612775"/>
-            <a:ext cx="5486400" cy="4114800"/>
-          </a:xfrm>
+            <a:off x="1560576" y="0"/>
+            <a:ext cx="7583424" cy="4568952"/>
+          </a:xfrm>
+          <a:solidFill>
+            <a:schemeClr val="accent1">
+              <a:tint val="40000"/>
+            </a:schemeClr>
+          </a:solidFill>
+          <a:ln>
+            <a:noFill/>
+          </a:ln>
         </p:spPr>
         <p:txBody>
           <a:bodyPr/>
@@ -2715,179 +3432,20 @@
               <a:buNone/>
               <a:defRPr sz="3200"/>
             </a:lvl1pPr>
-            <a:lvl2pPr marL="457200" indent="0">
-              <a:buNone/>
-              <a:defRPr sz="2800"/>
-            </a:lvl2pPr>
-            <a:lvl3pPr marL="914400" indent="0">
-              <a:buNone/>
-              <a:defRPr sz="2400"/>
-            </a:lvl3pPr>
-            <a:lvl4pPr marL="1371600" indent="0">
-              <a:buNone/>
-              <a:defRPr sz="2000"/>
-            </a:lvl4pPr>
-            <a:lvl5pPr marL="1828800" indent="0">
-              <a:buNone/>
-              <a:defRPr sz="2000"/>
-            </a:lvl5pPr>
-            <a:lvl6pPr marL="2286000" indent="0">
-              <a:buNone/>
-              <a:defRPr sz="2000"/>
-            </a:lvl6pPr>
-            <a:lvl7pPr marL="2743200" indent="0">
-              <a:buNone/>
-              <a:defRPr sz="2000"/>
-            </a:lvl7pPr>
-            <a:lvl8pPr marL="3200400" indent="0">
-              <a:buNone/>
-              <a:defRPr sz="2000"/>
-            </a:lvl8pPr>
-            <a:lvl9pPr marL="3657600" indent="0">
-              <a:buNone/>
-              <a:defRPr sz="2000"/>
-            </a:lvl9pPr>
           </a:lstStyle>
           <a:p>
-            <a:endParaRPr lang="de-DE"/>
-          </a:p>
-        </p:txBody>
-      </p:sp>
-      <p:sp>
-        <p:nvSpPr>
-          <p:cNvPr id="4" name="Textplatzhalter 3"/>
-          <p:cNvSpPr>
-            <a:spLocks noGrp="1"/>
-          </p:cNvSpPr>
-          <p:nvPr>
-            <p:ph type="body" sz="half" idx="2"/>
-          </p:nvPr>
-        </p:nvSpPr>
-        <p:spPr>
-          <a:xfrm>
-            <a:off x="1792288" y="5367338"/>
-            <a:ext cx="5486400" cy="804862"/>
-          </a:xfrm>
-        </p:spPr>
-        <p:txBody>
-          <a:bodyPr/>
-          <a:lstStyle>
-            <a:lvl1pPr marL="0" indent="0">
-              <a:buNone/>
-              <a:defRPr sz="1400"/>
-            </a:lvl1pPr>
-            <a:lvl2pPr marL="457200" indent="0">
-              <a:buNone/>
-              <a:defRPr sz="1200"/>
-            </a:lvl2pPr>
-            <a:lvl3pPr marL="914400" indent="0">
-              <a:buNone/>
-              <a:defRPr sz="1000"/>
-            </a:lvl3pPr>
-            <a:lvl4pPr marL="1371600" indent="0">
-              <a:buNone/>
-              <a:defRPr sz="900"/>
-            </a:lvl4pPr>
-            <a:lvl5pPr marL="1828800" indent="0">
-              <a:buNone/>
-              <a:defRPr sz="900"/>
-            </a:lvl5pPr>
-            <a:lvl6pPr marL="2286000" indent="0">
-              <a:buNone/>
-              <a:defRPr sz="900"/>
-            </a:lvl6pPr>
-            <a:lvl7pPr marL="2743200" indent="0">
-              <a:buNone/>
-              <a:defRPr sz="900"/>
-            </a:lvl7pPr>
-            <a:lvl8pPr marL="3200400" indent="0">
-              <a:buNone/>
-              <a:defRPr sz="900"/>
-            </a:lvl8pPr>
-            <a:lvl9pPr marL="3657600" indent="0">
-              <a:buNone/>
-              <a:defRPr sz="900"/>
-            </a:lvl9pPr>
-          </a:lstStyle>
-          <a:p>
-            <a:pPr lvl="0"/>
-            <a:r>
-              <a:rPr lang="de-DE" smtClean="0"/>
-              <a:t>Textmasterformate durch Klicken bearbeiten</a:t>
-            </a:r>
-          </a:p>
-        </p:txBody>
-      </p:sp>
-      <p:sp>
-        <p:nvSpPr>
-          <p:cNvPr id="5" name="Datumsplatzhalter 4"/>
-          <p:cNvSpPr>
-            <a:spLocks noGrp="1"/>
-          </p:cNvSpPr>
-          <p:nvPr>
-            <p:ph type="dt" sz="half" idx="10"/>
-          </p:nvPr>
-        </p:nvSpPr>
-        <p:spPr/>
-        <p:txBody>
-          <a:bodyPr/>
-          <a:lstStyle/>
-          <a:p>
-            <a:fld id="{72CDCEDE-A480-419B-8173-6EE7A3DB6060}" type="datetime1">
-              <a:rPr lang="de-DE" smtClean="0"/>
-              <a:t>13.07.2016</a:t>
-            </a:fld>
-            <a:endParaRPr lang="de-DE"/>
-          </a:p>
-        </p:txBody>
-      </p:sp>
-      <p:sp>
-        <p:nvSpPr>
-          <p:cNvPr id="6" name="Fußzeilenplatzhalter 5"/>
-          <p:cNvSpPr>
-            <a:spLocks noGrp="1"/>
-          </p:cNvSpPr>
-          <p:nvPr>
-            <p:ph type="ftr" sz="quarter" idx="11"/>
-          </p:nvPr>
-        </p:nvSpPr>
-        <p:spPr/>
-        <p:txBody>
-          <a:bodyPr/>
-          <a:lstStyle/>
-          <a:p>
-            <a:endParaRPr lang="de-DE"/>
-          </a:p>
-        </p:txBody>
-      </p:sp>
-      <p:sp>
-        <p:nvSpPr>
-          <p:cNvPr id="7" name="Foliennummernplatzhalter 6"/>
-          <p:cNvSpPr>
-            <a:spLocks noGrp="1"/>
-          </p:cNvSpPr>
-          <p:nvPr>
-            <p:ph type="sldNum" sz="quarter" idx="12"/>
-          </p:nvPr>
-        </p:nvSpPr>
-        <p:spPr/>
-        <p:txBody>
-          <a:bodyPr/>
-          <a:lstStyle/>
-          <a:p>
-            <a:fld id="{F6741669-CF2E-4015-A056-54B33D7C161D}" type="slidenum">
-              <a:rPr lang="de-DE" smtClean="0"/>
-              <a:pPr/>
-              <a:t>‹Nr.›</a:t>
-            </a:fld>
-            <a:endParaRPr lang="de-DE"/>
+            <a:r>
+              <a:rPr kumimoji="0" lang="de-DE" smtClean="0"/>
+              <a:t>Bild durch Klicken auf Symbol hinzufügen</a:t>
+            </a:r>
+            <a:endParaRPr kumimoji="0" lang="en-US" dirty="0"/>
           </a:p>
         </p:txBody>
       </p:sp>
     </p:spTree>
   </p:cSld>
   <p:clrMapOvr>
-    <a:masterClrMapping/>
+    <a:overrideClrMapping bg1="lt1" tx1="dk1" bg2="lt2" tx2="dk2" accent1="accent1" accent2="accent2" accent3="accent3" accent4="accent4" accent5="accent5" accent6="accent6" hlink="hlink" folHlink="folHlink"/>
   </p:clrMapOvr>
 </p:sldLayout>
 </file>
@@ -2916,7 +3474,7 @@
       </p:grpSpPr>
       <p:sp>
         <p:nvSpPr>
-          <p:cNvPr id="2" name="Titelplatzhalter 1"/>
+          <p:cNvPr id="22" name="Titelplatzhalter 21"/>
           <p:cNvSpPr>
             <a:spLocks noGrp="1"/>
           </p:cNvSpPr>
@@ -2926,30 +3484,30 @@
         </p:nvSpPr>
         <p:spPr>
           <a:xfrm>
-            <a:off x="457200" y="274638"/>
-            <a:ext cx="8229600" cy="1143000"/>
+            <a:off x="609600" y="228600"/>
+            <a:ext cx="8153400" cy="990600"/>
           </a:xfrm>
           <a:prstGeom prst="rect">
             <a:avLst/>
           </a:prstGeom>
         </p:spPr>
         <p:txBody>
-          <a:bodyPr vert="horz" lIns="91440" tIns="45720" rIns="91440" bIns="45720" rtlCol="0" anchor="ctr">
+          <a:bodyPr vert="horz" anchor="ctr">
             <a:normAutofit/>
           </a:bodyPr>
           <a:lstStyle/>
           <a:p>
             <a:r>
-              <a:rPr lang="de-DE" smtClean="0"/>
+              <a:rPr kumimoji="0" lang="de-DE" smtClean="0"/>
               <a:t>Titelmasterformat durch Klicken bearbeiten</a:t>
             </a:r>
-            <a:endParaRPr lang="de-DE"/>
-          </a:p>
-        </p:txBody>
-      </p:sp>
-      <p:sp>
-        <p:nvSpPr>
-          <p:cNvPr id="3" name="Textplatzhalter 2"/>
+            <a:endParaRPr kumimoji="0" lang="en-US"/>
+          </a:p>
+        </p:txBody>
+      </p:sp>
+      <p:sp>
+        <p:nvSpPr>
+          <p:cNvPr id="13" name="Textplatzhalter 12"/>
           <p:cNvSpPr>
             <a:spLocks noGrp="1"/>
           </p:cNvSpPr>
@@ -2959,59 +3517,59 @@
         </p:nvSpPr>
         <p:spPr>
           <a:xfrm>
-            <a:off x="457200" y="1600200"/>
-            <a:ext cx="8229600" cy="4525963"/>
+            <a:off x="612648" y="1600200"/>
+            <a:ext cx="8153400" cy="4526280"/>
           </a:xfrm>
           <a:prstGeom prst="rect">
             <a:avLst/>
           </a:prstGeom>
         </p:spPr>
         <p:txBody>
-          <a:bodyPr vert="horz" lIns="91440" tIns="45720" rIns="91440" bIns="45720" rtlCol="0">
+          <a:bodyPr vert="horz">
             <a:normAutofit/>
           </a:bodyPr>
           <a:lstStyle/>
           <a:p>
-            <a:pPr lvl="0"/>
-            <a:r>
-              <a:rPr lang="de-DE" smtClean="0"/>
+            <a:pPr lvl="0" eaLnBrk="1" latinLnBrk="0" hangingPunct="1"/>
+            <a:r>
+              <a:rPr kumimoji="0" lang="de-DE" smtClean="0"/>
               <a:t>Textmasterformate durch Klicken bearbeiten</a:t>
             </a:r>
           </a:p>
           <a:p>
-            <a:pPr lvl="1"/>
-            <a:r>
-              <a:rPr lang="de-DE" smtClean="0"/>
+            <a:pPr lvl="1" eaLnBrk="1" latinLnBrk="0" hangingPunct="1"/>
+            <a:r>
+              <a:rPr kumimoji="0" lang="de-DE" smtClean="0"/>
               <a:t>Zweite Ebene</a:t>
             </a:r>
           </a:p>
           <a:p>
-            <a:pPr lvl="2"/>
-            <a:r>
-              <a:rPr lang="de-DE" smtClean="0"/>
+            <a:pPr lvl="2" eaLnBrk="1" latinLnBrk="0" hangingPunct="1"/>
+            <a:r>
+              <a:rPr kumimoji="0" lang="de-DE" smtClean="0"/>
               <a:t>Dritte Ebene</a:t>
             </a:r>
           </a:p>
           <a:p>
-            <a:pPr lvl="3"/>
-            <a:r>
-              <a:rPr lang="de-DE" smtClean="0"/>
+            <a:pPr lvl="3" eaLnBrk="1" latinLnBrk="0" hangingPunct="1"/>
+            <a:r>
+              <a:rPr kumimoji="0" lang="de-DE" smtClean="0"/>
               <a:t>Vierte Ebene</a:t>
             </a:r>
           </a:p>
           <a:p>
-            <a:pPr lvl="4"/>
-            <a:r>
-              <a:rPr lang="de-DE" smtClean="0"/>
+            <a:pPr lvl="4" eaLnBrk="1" latinLnBrk="0" hangingPunct="1"/>
+            <a:r>
+              <a:rPr kumimoji="0" lang="de-DE" smtClean="0"/>
               <a:t>Fünfte Ebene</a:t>
             </a:r>
-            <a:endParaRPr lang="de-DE"/>
-          </a:p>
-        </p:txBody>
-      </p:sp>
-      <p:sp>
-        <p:nvSpPr>
-          <p:cNvPr id="4" name="Datumsplatzhalter 3"/>
+            <a:endParaRPr kumimoji="0" lang="en-US"/>
+          </a:p>
+        </p:txBody>
+      </p:sp>
+      <p:sp>
+        <p:nvSpPr>
+          <p:cNvPr id="14" name="Datumsplatzhalter 13"/>
           <p:cNvSpPr>
             <a:spLocks noGrp="1"/>
           </p:cNvSpPr>
@@ -3021,22 +3579,20 @@
         </p:nvSpPr>
         <p:spPr>
           <a:xfrm>
-            <a:off x="457200" y="6356350"/>
-            <a:ext cx="2133600" cy="365125"/>
+            <a:off x="6096000" y="6248400"/>
+            <a:ext cx="2667000" cy="365125"/>
           </a:xfrm>
           <a:prstGeom prst="rect">
             <a:avLst/>
           </a:prstGeom>
         </p:spPr>
         <p:txBody>
-          <a:bodyPr vert="horz" lIns="91440" tIns="45720" rIns="91440" bIns="45720" rtlCol="0" anchor="ctr"/>
+          <a:bodyPr vert="horz" anchor="ctr" anchorCtr="0"/>
           <a:lstStyle>
-            <a:lvl1pPr algn="l">
-              <a:defRPr sz="1200">
+            <a:lvl1pPr algn="l" eaLnBrk="1" latinLnBrk="0" hangingPunct="1">
+              <a:defRPr kumimoji="0" sz="1400">
                 <a:solidFill>
-                  <a:schemeClr val="tx1">
-                    <a:tint val="75000"/>
-                  </a:schemeClr>
+                  <a:schemeClr val="tx2"/>
                 </a:solidFill>
               </a:defRPr>
             </a:lvl1pPr>
@@ -3052,7 +3608,7 @@
       </p:sp>
       <p:sp>
         <p:nvSpPr>
-          <p:cNvPr id="5" name="Fußzeilenplatzhalter 4"/>
+          <p:cNvPr id="3" name="Fußzeilenplatzhalter 2"/>
           <p:cNvSpPr>
             <a:spLocks noGrp="1"/>
           </p:cNvSpPr>
@@ -3062,22 +3618,20 @@
         </p:nvSpPr>
         <p:spPr>
           <a:xfrm>
-            <a:off x="3124200" y="6356350"/>
-            <a:ext cx="2895600" cy="365125"/>
+            <a:off x="609600" y="6248206"/>
+            <a:ext cx="5421083" cy="365125"/>
           </a:xfrm>
           <a:prstGeom prst="rect">
             <a:avLst/>
           </a:prstGeom>
         </p:spPr>
         <p:txBody>
-          <a:bodyPr vert="horz" lIns="91440" tIns="45720" rIns="91440" bIns="45720" rtlCol="0" anchor="ctr"/>
+          <a:bodyPr vert="horz" anchor="ctr"/>
           <a:lstStyle>
-            <a:lvl1pPr algn="ctr">
-              <a:defRPr sz="1200">
+            <a:lvl1pPr algn="r" eaLnBrk="1" latinLnBrk="0" hangingPunct="1">
+              <a:defRPr kumimoji="0" sz="1400">
                 <a:solidFill>
-                  <a:schemeClr val="tx1">
-                    <a:tint val="75000"/>
-                  </a:schemeClr>
+                  <a:schemeClr val="tx2"/>
                 </a:solidFill>
               </a:defRPr>
             </a:lvl1pPr>
@@ -3089,32 +3643,174 @@
       </p:sp>
       <p:sp>
         <p:nvSpPr>
-          <p:cNvPr id="6" name="Foliennummernplatzhalter 5"/>
-          <p:cNvSpPr>
-            <a:spLocks noGrp="1"/>
-          </p:cNvSpPr>
-          <p:nvPr>
-            <p:ph type="sldNum" sz="quarter" idx="4"/>
-          </p:nvPr>
-        </p:nvSpPr>
-        <p:spPr>
-          <a:xfrm>
-            <a:off x="6553200" y="6356350"/>
-            <a:ext cx="2133600" cy="365125"/>
+          <p:cNvPr id="7" name="Rechteck 6"/>
+          <p:cNvSpPr/>
+          <p:nvPr/>
+        </p:nvSpPr>
+        <p:spPr bwMode="white">
+          <a:xfrm>
+            <a:off x="0" y="1234440"/>
+            <a:ext cx="9144000" cy="320040"/>
           </a:xfrm>
           <a:prstGeom prst="rect">
             <a:avLst/>
           </a:prstGeom>
-        </p:spPr>
-        <p:txBody>
-          <a:bodyPr vert="horz" lIns="91440" tIns="45720" rIns="91440" bIns="45720" rtlCol="0" anchor="ctr"/>
+          <a:solidFill>
+            <a:srgbClr val="FFFFFF"/>
+          </a:solidFill>
+          <a:ln w="50800" cap="rnd" cmpd="dbl" algn="ctr">
+            <a:noFill/>
+            <a:prstDash val="solid"/>
+          </a:ln>
+          <a:effectLst/>
+        </p:spPr>
+        <p:style>
+          <a:lnRef idx="3">
+            <a:schemeClr val="lt1"/>
+          </a:lnRef>
+          <a:fillRef idx="1">
+            <a:schemeClr val="accent1"/>
+          </a:fillRef>
+          <a:effectRef idx="1">
+            <a:schemeClr val="accent1"/>
+          </a:effectRef>
+          <a:fontRef idx="minor">
+            <a:schemeClr val="lt1"/>
+          </a:fontRef>
+        </p:style>
+        <p:txBody>
+          <a:bodyPr anchor="ctr"/>
+          <a:lstStyle/>
+          <a:p>
+            <a:pPr algn="ctr" eaLnBrk="1" latinLnBrk="0" hangingPunct="1"/>
+            <a:endParaRPr kumimoji="0" lang="en-US"/>
+          </a:p>
+        </p:txBody>
+      </p:sp>
+      <p:sp>
+        <p:nvSpPr>
+          <p:cNvPr id="8" name="Rechteck 7"/>
+          <p:cNvSpPr/>
+          <p:nvPr/>
+        </p:nvSpPr>
+        <p:spPr>
+          <a:xfrm>
+            <a:off x="0" y="1280160"/>
+            <a:ext cx="533400" cy="228600"/>
+          </a:xfrm>
+          <a:prstGeom prst="rect">
+            <a:avLst/>
+          </a:prstGeom>
+          <a:solidFill>
+            <a:schemeClr val="accent2">
+              <a:alpha val="100000"/>
+            </a:schemeClr>
+          </a:solidFill>
+          <a:ln w="50800" cap="rnd" cmpd="dbl" algn="ctr">
+            <a:noFill/>
+            <a:prstDash val="solid"/>
+          </a:ln>
+          <a:effectLst/>
+        </p:spPr>
+        <p:style>
+          <a:lnRef idx="3">
+            <a:schemeClr val="lt1"/>
+          </a:lnRef>
+          <a:fillRef idx="1">
+            <a:schemeClr val="accent1"/>
+          </a:fillRef>
+          <a:effectRef idx="1">
+            <a:schemeClr val="accent1"/>
+          </a:effectRef>
+          <a:fontRef idx="minor">
+            <a:schemeClr val="lt1"/>
+          </a:fontRef>
+        </p:style>
+        <p:txBody>
+          <a:bodyPr anchor="ctr"/>
+          <a:lstStyle/>
+          <a:p>
+            <a:pPr algn="ctr" eaLnBrk="1" latinLnBrk="0" hangingPunct="1"/>
+            <a:endParaRPr kumimoji="0" lang="en-US"/>
+          </a:p>
+        </p:txBody>
+      </p:sp>
+      <p:sp>
+        <p:nvSpPr>
+          <p:cNvPr id="9" name="Rechteck 8"/>
+          <p:cNvSpPr/>
+          <p:nvPr/>
+        </p:nvSpPr>
+        <p:spPr>
+          <a:xfrm>
+            <a:off x="590550" y="1280160"/>
+            <a:ext cx="8553450" cy="228600"/>
+          </a:xfrm>
+          <a:prstGeom prst="rect">
+            <a:avLst/>
+          </a:prstGeom>
+          <a:solidFill>
+            <a:schemeClr val="accent1">
+              <a:alpha val="100000"/>
+            </a:schemeClr>
+          </a:solidFill>
+          <a:ln w="50800" cap="rnd" cmpd="dbl" algn="ctr">
+            <a:noFill/>
+            <a:prstDash val="solid"/>
+          </a:ln>
+          <a:effectLst/>
+        </p:spPr>
+        <p:style>
+          <a:lnRef idx="3">
+            <a:schemeClr val="lt1"/>
+          </a:lnRef>
+          <a:fillRef idx="1">
+            <a:schemeClr val="accent1"/>
+          </a:fillRef>
+          <a:effectRef idx="1">
+            <a:schemeClr val="accent1"/>
+          </a:effectRef>
+          <a:fontRef idx="minor">
+            <a:schemeClr val="lt1"/>
+          </a:fontRef>
+        </p:style>
+        <p:txBody>
+          <a:bodyPr anchor="ctr"/>
+          <a:lstStyle/>
+          <a:p>
+            <a:pPr algn="ctr" eaLnBrk="1" latinLnBrk="0" hangingPunct="1"/>
+            <a:endParaRPr kumimoji="0" lang="en-US"/>
+          </a:p>
+        </p:txBody>
+      </p:sp>
+      <p:sp>
+        <p:nvSpPr>
+          <p:cNvPr id="23" name="Foliennummernplatzhalter 22"/>
+          <p:cNvSpPr>
+            <a:spLocks noGrp="1"/>
+          </p:cNvSpPr>
+          <p:nvPr>
+            <p:ph type="sldNum" sz="quarter" idx="4"/>
+          </p:nvPr>
+        </p:nvSpPr>
+        <p:spPr>
+          <a:xfrm>
+            <a:off x="0" y="1272222"/>
+            <a:ext cx="533400" cy="244476"/>
+          </a:xfrm>
+          <a:prstGeom prst="rect">
+            <a:avLst/>
+          </a:prstGeom>
+        </p:spPr>
+        <p:txBody>
+          <a:bodyPr vert="horz" anchor="ctr" anchorCtr="0">
+            <a:normAutofit/>
+          </a:bodyPr>
           <a:lstStyle>
-            <a:lvl1pPr algn="r">
-              <a:defRPr sz="1200">
+            <a:lvl1pPr algn="ctr" eaLnBrk="1" latinLnBrk="0" hangingPunct="1">
+              <a:defRPr kumimoji="0" sz="1400" b="1">
                 <a:solidFill>
-                  <a:schemeClr val="tx1">
-                    <a:tint val="75000"/>
-                  </a:schemeClr>
+                  <a:srgbClr val="FFFFFF"/>
                 </a:solidFill>
               </a:defRPr>
             </a:lvl1pPr>
@@ -3133,29 +3829,29 @@
   </p:cSld>
   <p:clrMap bg1="lt1" tx1="dk1" bg2="lt2" tx2="dk2" accent1="accent1" accent2="accent2" accent3="accent3" accent4="accent4" accent5="accent5" accent6="accent6" hlink="hlink" folHlink="folHlink"/>
   <p:sldLayoutIdLst>
-    <p:sldLayoutId id="2147483709" r:id="rId1"/>
-    <p:sldLayoutId id="2147483710" r:id="rId2"/>
-    <p:sldLayoutId id="2147483711" r:id="rId3"/>
-    <p:sldLayoutId id="2147483712" r:id="rId4"/>
-    <p:sldLayoutId id="2147483713" r:id="rId5"/>
-    <p:sldLayoutId id="2147483714" r:id="rId6"/>
-    <p:sldLayoutId id="2147483715" r:id="rId7"/>
-    <p:sldLayoutId id="2147483716" r:id="rId8"/>
-    <p:sldLayoutId id="2147483717" r:id="rId9"/>
-    <p:sldLayoutId id="2147483718" r:id="rId10"/>
-    <p:sldLayoutId id="2147483719" r:id="rId11"/>
+    <p:sldLayoutId id="2147483733" r:id="rId1"/>
+    <p:sldLayoutId id="2147483734" r:id="rId2"/>
+    <p:sldLayoutId id="2147483735" r:id="rId3"/>
+    <p:sldLayoutId id="2147483736" r:id="rId4"/>
+    <p:sldLayoutId id="2147483737" r:id="rId5"/>
+    <p:sldLayoutId id="2147483738" r:id="rId6"/>
+    <p:sldLayoutId id="2147483739" r:id="rId7"/>
+    <p:sldLayoutId id="2147483740" r:id="rId8"/>
+    <p:sldLayoutId id="2147483741" r:id="rId9"/>
+    <p:sldLayoutId id="2147483742" r:id="rId10"/>
+    <p:sldLayoutId id="2147483743" r:id="rId11"/>
   </p:sldLayoutIdLst>
   <p:hf hdr="0" ftr="0" dt="0"/>
   <p:txStyles>
     <p:titleStyle>
-      <a:lvl1pPr algn="ctr" defTabSz="914400" rtl="0" eaLnBrk="1" latinLnBrk="0" hangingPunct="1">
+      <a:lvl1pPr algn="l" rtl="0" eaLnBrk="1" latinLnBrk="0" hangingPunct="1">
         <a:spcBef>
           <a:spcPct val="0"/>
         </a:spcBef>
         <a:buNone/>
-        <a:defRPr sz="4400" kern="1200">
+        <a:defRPr kumimoji="0" sz="4400" kern="1200">
           <a:solidFill>
-            <a:schemeClr val="tx1"/>
+            <a:schemeClr val="tx2"/>
           </a:solidFill>
           <a:latin typeface="+mj-lt"/>
           <a:ea typeface="+mj-ea"/>
@@ -3164,13 +3860,17 @@
       </a:lvl1pPr>
     </p:titleStyle>
     <p:bodyStyle>
-      <a:lvl1pPr marL="342900" indent="-342900" algn="l" defTabSz="914400" rtl="0" eaLnBrk="1" latinLnBrk="0" hangingPunct="1">
+      <a:lvl1pPr marL="320040" indent="-320040" algn="l" rtl="0" eaLnBrk="1" latinLnBrk="0" hangingPunct="1">
         <a:spcBef>
-          <a:spcPct val="20000"/>
+          <a:spcPts val="700"/>
         </a:spcBef>
-        <a:buFont typeface="Arial" pitchFamily="34" charset="0"/>
-        <a:buChar char="•"/>
-        <a:defRPr sz="3200" kern="1200">
+        <a:buClr>
+          <a:schemeClr val="accent2"/>
+        </a:buClr>
+        <a:buSzPct val="60000"/>
+        <a:buFont typeface="Wingdings"/>
+        <a:buChar char=""/>
+        <a:defRPr kumimoji="0" sz="2900" kern="1200">
           <a:solidFill>
             <a:schemeClr val="tx1"/>
           </a:solidFill>
@@ -3179,13 +3879,17 @@
           <a:cs typeface="+mn-cs"/>
         </a:defRPr>
       </a:lvl1pPr>
-      <a:lvl2pPr marL="742950" indent="-285750" algn="l" defTabSz="914400" rtl="0" eaLnBrk="1" latinLnBrk="0" hangingPunct="1">
+      <a:lvl2pPr marL="640080" indent="-274320" algn="l" rtl="0" eaLnBrk="1" latinLnBrk="0" hangingPunct="1">
         <a:spcBef>
-          <a:spcPct val="20000"/>
+          <a:spcPts val="550"/>
         </a:spcBef>
-        <a:buFont typeface="Arial" pitchFamily="34" charset="0"/>
-        <a:buChar char="–"/>
-        <a:defRPr sz="2800" kern="1200">
+        <a:buClr>
+          <a:schemeClr val="accent1"/>
+        </a:buClr>
+        <a:buSzPct val="70000"/>
+        <a:buFont typeface="Wingdings 2"/>
+        <a:buChar char=""/>
+        <a:defRPr kumimoji="0" sz="2600" kern="1200">
           <a:solidFill>
             <a:schemeClr val="tx1"/>
           </a:solidFill>
@@ -3194,13 +3898,17 @@
           <a:cs typeface="+mn-cs"/>
         </a:defRPr>
       </a:lvl2pPr>
-      <a:lvl3pPr marL="1143000" indent="-228600" algn="l" defTabSz="914400" rtl="0" eaLnBrk="1" latinLnBrk="0" hangingPunct="1">
+      <a:lvl3pPr marL="914400" indent="-228600" algn="l" rtl="0" eaLnBrk="1" latinLnBrk="0" hangingPunct="1">
         <a:spcBef>
-          <a:spcPct val="20000"/>
+          <a:spcPts val="500"/>
         </a:spcBef>
-        <a:buFont typeface="Arial" pitchFamily="34" charset="0"/>
-        <a:buChar char="•"/>
-        <a:defRPr sz="2400" kern="1200">
+        <a:buClr>
+          <a:schemeClr val="accent2"/>
+        </a:buClr>
+        <a:buSzPct val="75000"/>
+        <a:buFont typeface="Wingdings"/>
+        <a:buChar char=""/>
+        <a:defRPr kumimoji="0" sz="2300" kern="1200">
           <a:solidFill>
             <a:schemeClr val="tx1"/>
           </a:solidFill>
@@ -3209,13 +3917,17 @@
           <a:cs typeface="+mn-cs"/>
         </a:defRPr>
       </a:lvl3pPr>
-      <a:lvl4pPr marL="1600200" indent="-228600" algn="l" defTabSz="914400" rtl="0" eaLnBrk="1" latinLnBrk="0" hangingPunct="1">
+      <a:lvl4pPr marL="1371600" indent="-228600" algn="l" rtl="0" eaLnBrk="1" latinLnBrk="0" hangingPunct="1">
         <a:spcBef>
-          <a:spcPct val="20000"/>
+          <a:spcPts val="400"/>
         </a:spcBef>
-        <a:buFont typeface="Arial" pitchFamily="34" charset="0"/>
-        <a:buChar char="–"/>
-        <a:defRPr sz="2000" kern="1200">
+        <a:buClr>
+          <a:schemeClr val="accent3"/>
+        </a:buClr>
+        <a:buSzPct val="75000"/>
+        <a:buFont typeface="Wingdings"/>
+        <a:buChar char=""/>
+        <a:defRPr kumimoji="0" sz="2000" kern="1200">
           <a:solidFill>
             <a:schemeClr val="tx1"/>
           </a:solidFill>
@@ -3224,13 +3936,17 @@
           <a:cs typeface="+mn-cs"/>
         </a:defRPr>
       </a:lvl4pPr>
-      <a:lvl5pPr marL="2057400" indent="-228600" algn="l" defTabSz="914400" rtl="0" eaLnBrk="1" latinLnBrk="0" hangingPunct="1">
+      <a:lvl5pPr marL="1828800" indent="-228600" algn="l" rtl="0" eaLnBrk="1" latinLnBrk="0" hangingPunct="1">
         <a:spcBef>
-          <a:spcPct val="20000"/>
+          <a:spcPts val="400"/>
         </a:spcBef>
-        <a:buFont typeface="Arial" pitchFamily="34" charset="0"/>
-        <a:buChar char="»"/>
-        <a:defRPr sz="2000" kern="1200">
+        <a:buClr>
+          <a:schemeClr val="accent4"/>
+        </a:buClr>
+        <a:buSzPct val="65000"/>
+        <a:buFont typeface="Wingdings"/>
+        <a:buChar char=""/>
+        <a:defRPr kumimoji="0" sz="2000" kern="1200">
           <a:solidFill>
             <a:schemeClr val="tx1"/>
           </a:solidFill>
@@ -3239,13 +3955,16 @@
           <a:cs typeface="+mn-cs"/>
         </a:defRPr>
       </a:lvl5pPr>
-      <a:lvl6pPr marL="2514600" indent="-228600" algn="l" defTabSz="914400" rtl="0" eaLnBrk="1" latinLnBrk="0" hangingPunct="1">
+      <a:lvl6pPr marL="2103120" indent="-228600" algn="l" rtl="0" eaLnBrk="1" latinLnBrk="0" hangingPunct="1">
         <a:spcBef>
           <a:spcPct val="20000"/>
         </a:spcBef>
-        <a:buFont typeface="Arial" pitchFamily="34" charset="0"/>
-        <a:buChar char="•"/>
-        <a:defRPr sz="2000" kern="1200">
+        <a:buClr>
+          <a:schemeClr val="accent1"/>
+        </a:buClr>
+        <a:buFont typeface="Wingdings"/>
+        <a:buChar char="§"/>
+        <a:defRPr kumimoji="0" sz="1800" kern="1200" baseline="0">
           <a:solidFill>
             <a:schemeClr val="tx1"/>
           </a:solidFill>
@@ -3254,13 +3973,16 @@
           <a:cs typeface="+mn-cs"/>
         </a:defRPr>
       </a:lvl6pPr>
-      <a:lvl7pPr marL="2971800" indent="-228600" algn="l" defTabSz="914400" rtl="0" eaLnBrk="1" latinLnBrk="0" hangingPunct="1">
+      <a:lvl7pPr marL="2377440" indent="-228600" algn="l" rtl="0" eaLnBrk="1" latinLnBrk="0" hangingPunct="1">
         <a:spcBef>
           <a:spcPct val="20000"/>
         </a:spcBef>
-        <a:buFont typeface="Arial" pitchFamily="34" charset="0"/>
-        <a:buChar char="•"/>
-        <a:defRPr sz="2000" kern="1200">
+        <a:buClr>
+          <a:schemeClr val="accent2"/>
+        </a:buClr>
+        <a:buFont typeface="Wingdings"/>
+        <a:buChar char="§"/>
+        <a:defRPr kumimoji="0" sz="1800" kern="1200" baseline="0">
           <a:solidFill>
             <a:schemeClr val="tx1"/>
           </a:solidFill>
@@ -3269,13 +3991,16 @@
           <a:cs typeface="+mn-cs"/>
         </a:defRPr>
       </a:lvl7pPr>
-      <a:lvl8pPr marL="3429000" indent="-228600" algn="l" defTabSz="914400" rtl="0" eaLnBrk="1" latinLnBrk="0" hangingPunct="1">
+      <a:lvl8pPr marL="2651760" indent="-228600" algn="l" rtl="0" eaLnBrk="1" latinLnBrk="0" hangingPunct="1">
         <a:spcBef>
           <a:spcPct val="20000"/>
         </a:spcBef>
-        <a:buFont typeface="Arial" pitchFamily="34" charset="0"/>
-        <a:buChar char="•"/>
-        <a:defRPr sz="2000" kern="1200">
+        <a:buClr>
+          <a:schemeClr val="accent3"/>
+        </a:buClr>
+        <a:buFont typeface="Wingdings"/>
+        <a:buChar char="§"/>
+        <a:defRPr kumimoji="0" sz="1800" kern="1200" baseline="0">
           <a:solidFill>
             <a:schemeClr val="tx1"/>
           </a:solidFill>
@@ -3284,13 +4009,16 @@
           <a:cs typeface="+mn-cs"/>
         </a:defRPr>
       </a:lvl8pPr>
-      <a:lvl9pPr marL="3886200" indent="-228600" algn="l" defTabSz="914400" rtl="0" eaLnBrk="1" latinLnBrk="0" hangingPunct="1">
+      <a:lvl9pPr marL="2926080" indent="-228600" algn="l" rtl="0" eaLnBrk="1" latinLnBrk="0" hangingPunct="1">
         <a:spcBef>
           <a:spcPct val="20000"/>
         </a:spcBef>
-        <a:buFont typeface="Arial" pitchFamily="34" charset="0"/>
-        <a:buChar char="•"/>
-        <a:defRPr sz="2000" kern="1200">
+        <a:buClr>
+          <a:schemeClr val="accent4"/>
+        </a:buClr>
+        <a:buFont typeface="Wingdings"/>
+        <a:buChar char="§"/>
+        <a:defRPr kumimoji="0" sz="1800" kern="1200" baseline="0">
           <a:solidFill>
             <a:schemeClr val="tx1"/>
           </a:solidFill>
@@ -3301,11 +4029,8 @@
       </a:lvl9pPr>
     </p:bodyStyle>
     <p:otherStyle>
-      <a:defPPr>
-        <a:defRPr lang="de-DE"/>
-      </a:defPPr>
-      <a:lvl1pPr marL="0" algn="l" defTabSz="914400" rtl="0" eaLnBrk="1" latinLnBrk="0" hangingPunct="1">
-        <a:defRPr sz="1800" kern="1200">
+      <a:lvl1pPr marL="0" algn="l" rtl="0" eaLnBrk="1" latinLnBrk="0" hangingPunct="1">
+        <a:defRPr kumimoji="0" kern="1200">
           <a:solidFill>
             <a:schemeClr val="tx1"/>
           </a:solidFill>
@@ -3314,8 +4039,8 @@
           <a:cs typeface="+mn-cs"/>
         </a:defRPr>
       </a:lvl1pPr>
-      <a:lvl2pPr marL="457200" algn="l" defTabSz="914400" rtl="0" eaLnBrk="1" latinLnBrk="0" hangingPunct="1">
-        <a:defRPr sz="1800" kern="1200">
+      <a:lvl2pPr marL="457200" algn="l" rtl="0" eaLnBrk="1" latinLnBrk="0" hangingPunct="1">
+        <a:defRPr kumimoji="0" kern="1200">
           <a:solidFill>
             <a:schemeClr val="tx1"/>
           </a:solidFill>
@@ -3324,8 +4049,8 @@
           <a:cs typeface="+mn-cs"/>
         </a:defRPr>
       </a:lvl2pPr>
-      <a:lvl3pPr marL="914400" algn="l" defTabSz="914400" rtl="0" eaLnBrk="1" latinLnBrk="0" hangingPunct="1">
-        <a:defRPr sz="1800" kern="1200">
+      <a:lvl3pPr marL="914400" algn="l" rtl="0" eaLnBrk="1" latinLnBrk="0" hangingPunct="1">
+        <a:defRPr kumimoji="0" kern="1200">
           <a:solidFill>
             <a:schemeClr val="tx1"/>
           </a:solidFill>
@@ -3334,8 +4059,8 @@
           <a:cs typeface="+mn-cs"/>
         </a:defRPr>
       </a:lvl3pPr>
-      <a:lvl4pPr marL="1371600" algn="l" defTabSz="914400" rtl="0" eaLnBrk="1" latinLnBrk="0" hangingPunct="1">
-        <a:defRPr sz="1800" kern="1200">
+      <a:lvl4pPr marL="1371600" algn="l" rtl="0" eaLnBrk="1" latinLnBrk="0" hangingPunct="1">
+        <a:defRPr kumimoji="0" kern="1200">
           <a:solidFill>
             <a:schemeClr val="tx1"/>
           </a:solidFill>
@@ -3344,8 +4069,8 @@
           <a:cs typeface="+mn-cs"/>
         </a:defRPr>
       </a:lvl4pPr>
-      <a:lvl5pPr marL="1828800" algn="l" defTabSz="914400" rtl="0" eaLnBrk="1" latinLnBrk="0" hangingPunct="1">
-        <a:defRPr sz="1800" kern="1200">
+      <a:lvl5pPr marL="1828800" algn="l" rtl="0" eaLnBrk="1" latinLnBrk="0" hangingPunct="1">
+        <a:defRPr kumimoji="0" kern="1200">
           <a:solidFill>
             <a:schemeClr val="tx1"/>
           </a:solidFill>
@@ -3354,8 +4079,8 @@
           <a:cs typeface="+mn-cs"/>
         </a:defRPr>
       </a:lvl5pPr>
-      <a:lvl6pPr marL="2286000" algn="l" defTabSz="914400" rtl="0" eaLnBrk="1" latinLnBrk="0" hangingPunct="1">
-        <a:defRPr sz="1800" kern="1200">
+      <a:lvl6pPr marL="2286000" algn="l" rtl="0" eaLnBrk="1" latinLnBrk="0" hangingPunct="1">
+        <a:defRPr kumimoji="0" kern="1200">
           <a:solidFill>
             <a:schemeClr val="tx1"/>
           </a:solidFill>
@@ -3364,8 +4089,8 @@
           <a:cs typeface="+mn-cs"/>
         </a:defRPr>
       </a:lvl6pPr>
-      <a:lvl7pPr marL="2743200" algn="l" defTabSz="914400" rtl="0" eaLnBrk="1" latinLnBrk="0" hangingPunct="1">
-        <a:defRPr sz="1800" kern="1200">
+      <a:lvl7pPr marL="2743200" algn="l" rtl="0" eaLnBrk="1" latinLnBrk="0" hangingPunct="1">
+        <a:defRPr kumimoji="0" kern="1200">
           <a:solidFill>
             <a:schemeClr val="tx1"/>
           </a:solidFill>
@@ -3374,8 +4099,8 @@
           <a:cs typeface="+mn-cs"/>
         </a:defRPr>
       </a:lvl7pPr>
-      <a:lvl8pPr marL="3200400" algn="l" defTabSz="914400" rtl="0" eaLnBrk="1" latinLnBrk="0" hangingPunct="1">
-        <a:defRPr sz="1800" kern="1200">
+      <a:lvl8pPr marL="3200400" algn="l" rtl="0" eaLnBrk="1" latinLnBrk="0" hangingPunct="1">
+        <a:defRPr kumimoji="0" kern="1200">
           <a:solidFill>
             <a:schemeClr val="tx1"/>
           </a:solidFill>
@@ -3384,8 +4109,8 @@
           <a:cs typeface="+mn-cs"/>
         </a:defRPr>
       </a:lvl8pPr>
-      <a:lvl9pPr marL="3657600" algn="l" defTabSz="914400" rtl="0" eaLnBrk="1" latinLnBrk="0" hangingPunct="1">
-        <a:defRPr sz="1800" kern="1200">
+      <a:lvl9pPr marL="3657600" algn="l" rtl="0" eaLnBrk="1" latinLnBrk="0" hangingPunct="1">
+        <a:defRPr kumimoji="0" kern="1200">
           <a:solidFill>
             <a:schemeClr val="tx1"/>
           </a:solidFill>
@@ -3426,7 +4151,12 @@
             <p:ph type="ctrTitle"/>
           </p:nvPr>
         </p:nvSpPr>
-        <p:spPr/>
+        <p:spPr>
+          <a:xfrm>
+            <a:off x="1403648" y="4038600"/>
+            <a:ext cx="7435552" cy="1828800"/>
+          </a:xfrm>
+        </p:spPr>
         <p:txBody>
           <a:bodyPr/>
           <a:lstStyle/>
@@ -3452,7 +4182,7 @@
         <p:spPr/>
         <p:txBody>
           <a:bodyPr>
-            <a:normAutofit fontScale="92500" lnSpcReduction="20000"/>
+            <a:normAutofit fontScale="25000" lnSpcReduction="20000"/>
           </a:bodyPr>
           <a:lstStyle/>
           <a:p>
@@ -3475,7 +4205,17 @@
           <a:p>
             <a:r>
               <a:rPr lang="de-DE" dirty="0" smtClean="0"/>
-              <a:t>Fachinformatiker Anwendungsentwicklung</a:t>
+              <a:t>Fachinformatiker </a:t>
+            </a:r>
+            <a:r>
+              <a:rPr lang="de-DE" dirty="0" smtClean="0"/>
+              <a:t>Anwendungsentwicklung</a:t>
+            </a:r>
+          </a:p>
+          <a:p>
+            <a:r>
+              <a:rPr lang="de-DE" dirty="0" smtClean="0"/>
+              <a:t>Sommer 2016</a:t>
             </a:r>
             <a:endParaRPr lang="de-DE" dirty="0"/>
           </a:p>
@@ -3553,6 +4293,32 @@
           </a:p>
         </p:txBody>
       </p:sp>
+      <p:sp>
+        <p:nvSpPr>
+          <p:cNvPr id="4" name="Foliennummernplatzhalter 3"/>
+          <p:cNvSpPr>
+            <a:spLocks noGrp="1"/>
+          </p:cNvSpPr>
+          <p:nvPr>
+            <p:ph type="sldNum" sz="quarter" idx="12"/>
+          </p:nvPr>
+        </p:nvSpPr>
+        <p:spPr/>
+        <p:txBody>
+          <a:bodyPr>
+            <a:normAutofit fontScale="85000" lnSpcReduction="20000"/>
+          </a:bodyPr>
+          <a:lstStyle/>
+          <a:p>
+            <a:fld id="{F6741669-CF2E-4015-A056-54B33D7C161D}" type="slidenum">
+              <a:rPr lang="de-DE" smtClean="0"/>
+              <a:pPr/>
+              <a:t>10</a:t>
+            </a:fld>
+            <a:endParaRPr lang="de-DE"/>
+          </a:p>
+        </p:txBody>
+      </p:sp>
       <p:pic>
         <p:nvPicPr>
           <p:cNvPr id="10" name="Inhaltsplatzhalter 9" descr="hbs_praesi_class_diagram.jpg"/>
@@ -3560,7 +4326,7 @@
             <a:picLocks noGrp="1" noChangeAspect="1"/>
           </p:cNvPicPr>
           <p:nvPr>
-            <p:ph idx="1"/>
+            <p:ph sz="quarter" idx="1"/>
           </p:nvPr>
         </p:nvPicPr>
         <p:blipFill>
@@ -3571,35 +4337,37 @@
         </p:blipFill>
         <p:spPr>
           <a:xfrm>
-            <a:off x="971600" y="1340768"/>
-            <a:ext cx="6840760" cy="4845538"/>
+            <a:off x="971600" y="1700808"/>
+            <a:ext cx="6840760" cy="4485498"/>
           </a:xfrm>
         </p:spPr>
       </p:pic>
-      <p:sp>
-        <p:nvSpPr>
-          <p:cNvPr id="4" name="Foliennummernplatzhalter 3"/>
-          <p:cNvSpPr>
-            <a:spLocks noGrp="1"/>
-          </p:cNvSpPr>
-          <p:nvPr>
-            <p:ph type="sldNum" sz="quarter" idx="12"/>
-          </p:nvPr>
-        </p:nvSpPr>
-        <p:spPr/>
-        <p:txBody>
-          <a:bodyPr/>
-          <a:lstStyle/>
-          <a:p>
-            <a:fld id="{F6741669-CF2E-4015-A056-54B33D7C161D}" type="slidenum">
-              <a:rPr lang="de-DE" smtClean="0"/>
-              <a:pPr/>
-              <a:t>10</a:t>
-            </a:fld>
-            <a:endParaRPr lang="de-DE"/>
-          </a:p>
-        </p:txBody>
-      </p:sp>
+      <p:pic>
+        <p:nvPicPr>
+          <p:cNvPr id="8194" name="Picture 2" descr="C:\Users\Jan\Desktop\weiterbildung_fachinformatiker_ihk_projektantrag\praesentation\navi4.gif"/>
+          <p:cNvPicPr>
+            <a:picLocks noChangeAspect="1" noChangeArrowheads="1"/>
+          </p:cNvPicPr>
+          <p:nvPr/>
+        </p:nvPicPr>
+        <p:blipFill>
+          <a:blip r:embed="rId3" cstate="print"/>
+          <a:srcRect/>
+          <a:stretch>
+            <a:fillRect/>
+          </a:stretch>
+        </p:blipFill>
+        <p:spPr bwMode="auto">
+          <a:xfrm>
+            <a:off x="0" y="6162675"/>
+            <a:ext cx="5172076" cy="695325"/>
+          </a:xfrm>
+          <a:prstGeom prst="rect">
+            <a:avLst/>
+          </a:prstGeom>
+          <a:noFill/>
+        </p:spPr>
+      </p:pic>
     </p:spTree>
   </p:cSld>
   <p:clrMapOvr>
@@ -3648,53 +4416,81 @@
           </a:p>
         </p:txBody>
       </p:sp>
+      <p:sp>
+        <p:nvSpPr>
+          <p:cNvPr id="5" name="Foliennummernplatzhalter 4"/>
+          <p:cNvSpPr>
+            <a:spLocks noGrp="1"/>
+          </p:cNvSpPr>
+          <p:nvPr>
+            <p:ph type="sldNum" sz="quarter" idx="12"/>
+          </p:nvPr>
+        </p:nvSpPr>
+        <p:spPr/>
+        <p:txBody>
+          <a:bodyPr>
+            <a:normAutofit fontScale="85000" lnSpcReduction="20000"/>
+          </a:bodyPr>
+          <a:lstStyle/>
+          <a:p>
+            <a:fld id="{F6741669-CF2E-4015-A056-54B33D7C161D}" type="slidenum">
+              <a:rPr lang="de-DE" smtClean="0"/>
+              <a:pPr/>
+              <a:t>11</a:t>
+            </a:fld>
+            <a:endParaRPr lang="de-DE"/>
+          </a:p>
+        </p:txBody>
+      </p:sp>
       <p:pic>
         <p:nvPicPr>
-          <p:cNvPr id="4" name="Inhaltsplatzhalter 3" descr="hbs_sequence.jpg"/>
+          <p:cNvPr id="8" name="Inhaltsplatzhalter 7" descr="hbs_sequence.gif"/>
           <p:cNvPicPr>
             <a:picLocks noGrp="1" noChangeAspect="1"/>
           </p:cNvPicPr>
           <p:nvPr>
-            <p:ph idx="1"/>
+            <p:ph sz="quarter" idx="1"/>
           </p:nvPr>
         </p:nvPicPr>
         <p:blipFill>
-          <a:blip r:embed="rId2" cstate="print"/>
+          <a:blip r:embed="rId3" cstate="print"/>
           <a:stretch>
             <a:fillRect/>
           </a:stretch>
         </p:blipFill>
         <p:spPr>
           <a:xfrm>
-            <a:off x="1907704" y="1320998"/>
-            <a:ext cx="5256584" cy="5015657"/>
+            <a:off x="2297031" y="1600200"/>
+            <a:ext cx="4784887" cy="4495800"/>
           </a:xfrm>
         </p:spPr>
       </p:pic>
-      <p:sp>
-        <p:nvSpPr>
-          <p:cNvPr id="5" name="Foliennummernplatzhalter 4"/>
-          <p:cNvSpPr>
-            <a:spLocks noGrp="1"/>
-          </p:cNvSpPr>
-          <p:nvPr>
-            <p:ph type="sldNum" sz="quarter" idx="12"/>
-          </p:nvPr>
-        </p:nvSpPr>
-        <p:spPr/>
-        <p:txBody>
-          <a:bodyPr/>
-          <a:lstStyle/>
-          <a:p>
-            <a:fld id="{F6741669-CF2E-4015-A056-54B33D7C161D}" type="slidenum">
-              <a:rPr lang="de-DE" smtClean="0"/>
-              <a:pPr/>
-              <a:t>11</a:t>
-            </a:fld>
-            <a:endParaRPr lang="de-DE"/>
-          </a:p>
-        </p:txBody>
-      </p:sp>
+      <p:pic>
+        <p:nvPicPr>
+          <p:cNvPr id="9218" name="Picture 2" descr="C:\Users\Jan\Desktop\weiterbildung_fachinformatiker_ihk_projektantrag\praesentation\navi4.gif"/>
+          <p:cNvPicPr>
+            <a:picLocks noChangeAspect="1" noChangeArrowheads="1"/>
+          </p:cNvPicPr>
+          <p:nvPr/>
+        </p:nvPicPr>
+        <p:blipFill>
+          <a:blip r:embed="rId4" cstate="print"/>
+          <a:srcRect/>
+          <a:stretch>
+            <a:fillRect/>
+          </a:stretch>
+        </p:blipFill>
+        <p:spPr bwMode="auto">
+          <a:xfrm>
+            <a:off x="0" y="6162675"/>
+            <a:ext cx="5172076" cy="695325"/>
+          </a:xfrm>
+          <a:prstGeom prst="rect">
+            <a:avLst/>
+          </a:prstGeom>
+          <a:noFill/>
+        </p:spPr>
+      </p:pic>
     </p:spTree>
   </p:cSld>
   <p:clrMapOvr>
@@ -3745,123 +4541,19 @@
       </p:sp>
       <p:sp>
         <p:nvSpPr>
-          <p:cNvPr id="3" name="Inhaltsplatzhalter 2"/>
-          <p:cNvSpPr>
-            <a:spLocks noGrp="1"/>
-          </p:cNvSpPr>
-          <p:nvPr>
-            <p:ph idx="1"/>
+          <p:cNvPr id="4" name="Foliennummernplatzhalter 3"/>
+          <p:cNvSpPr>
+            <a:spLocks noGrp="1"/>
+          </p:cNvSpPr>
+          <p:nvPr>
+            <p:ph type="sldNum" sz="quarter" idx="12"/>
           </p:nvPr>
         </p:nvSpPr>
         <p:spPr/>
         <p:txBody>
           <a:bodyPr>
-            <a:normAutofit fontScale="92500"/>
+            <a:normAutofit fontScale="85000" lnSpcReduction="20000"/>
           </a:bodyPr>
-          <a:lstStyle/>
-          <a:p>
-            <a:r>
-              <a:rPr lang="de-DE" dirty="0" smtClean="0"/>
-              <a:t>Lokale Entwicklung mit </a:t>
-            </a:r>
-            <a:r>
-              <a:rPr lang="de-DE" dirty="0" err="1" smtClean="0"/>
-              <a:t>Netbeans</a:t>
-            </a:r>
-            <a:r>
-              <a:rPr lang="de-DE" dirty="0" smtClean="0"/>
-              <a:t> DIE</a:t>
-            </a:r>
-          </a:p>
-          <a:p>
-            <a:r>
-              <a:rPr lang="de-DE" dirty="0" smtClean="0"/>
-              <a:t>Implementierung der Modelle</a:t>
-            </a:r>
-          </a:p>
-          <a:p>
-            <a:r>
-              <a:rPr lang="de-DE" dirty="0" smtClean="0"/>
-              <a:t>Nutzung von </a:t>
-            </a:r>
-            <a:r>
-              <a:rPr lang="de-DE" dirty="0" err="1" smtClean="0"/>
-              <a:t>Doctrine</a:t>
-            </a:r>
-            <a:r>
-              <a:rPr lang="de-DE" dirty="0" smtClean="0"/>
-              <a:t> ORM – </a:t>
-            </a:r>
-            <a:r>
-              <a:rPr lang="de-DE" dirty="0" err="1" smtClean="0"/>
-              <a:t>Annotations</a:t>
-            </a:r>
-            <a:endParaRPr lang="de-DE" dirty="0" smtClean="0"/>
-          </a:p>
-          <a:p>
-            <a:r>
-              <a:rPr lang="de-DE" dirty="0" smtClean="0"/>
-              <a:t>Automatische Generierung DDL – Datenbank</a:t>
-            </a:r>
-          </a:p>
-          <a:p>
-            <a:r>
-              <a:rPr lang="de-DE" dirty="0" smtClean="0"/>
-              <a:t>Definition JSON </a:t>
-            </a:r>
-            <a:r>
-              <a:rPr lang="de-DE" dirty="0" smtClean="0"/>
-              <a:t>- DTO</a:t>
-            </a:r>
-            <a:endParaRPr lang="de-DE" dirty="0" smtClean="0"/>
-          </a:p>
-          <a:p>
-            <a:r>
-              <a:rPr lang="de-DE" dirty="0" smtClean="0"/>
-              <a:t>Implementierung der Controller</a:t>
-            </a:r>
-          </a:p>
-          <a:p>
-            <a:r>
-              <a:rPr lang="de-DE" dirty="0" smtClean="0"/>
-              <a:t>Zuordnung eines Controllers zu einem </a:t>
-            </a:r>
-            <a:r>
-              <a:rPr lang="de-DE" dirty="0" err="1" smtClean="0"/>
-              <a:t>Endpoint</a:t>
-            </a:r>
-            <a:endParaRPr lang="de-DE" dirty="0" smtClean="0"/>
-          </a:p>
-          <a:p>
-            <a:r>
-              <a:rPr lang="de-DE" dirty="0" smtClean="0"/>
-              <a:t>Implementierung der Testdaten (</a:t>
-            </a:r>
-            <a:r>
-              <a:rPr lang="de-DE" dirty="0" err="1" smtClean="0"/>
-              <a:t>Fixtures</a:t>
-            </a:r>
-            <a:r>
-              <a:rPr lang="de-DE" dirty="0" smtClean="0"/>
-              <a:t>)</a:t>
-            </a:r>
-            <a:endParaRPr lang="de-DE" dirty="0"/>
-          </a:p>
-        </p:txBody>
-      </p:sp>
-      <p:sp>
-        <p:nvSpPr>
-          <p:cNvPr id="4" name="Foliennummernplatzhalter 3"/>
-          <p:cNvSpPr>
-            <a:spLocks noGrp="1"/>
-          </p:cNvSpPr>
-          <p:nvPr>
-            <p:ph type="sldNum" sz="quarter" idx="12"/>
-          </p:nvPr>
-        </p:nvSpPr>
-        <p:spPr/>
-        <p:txBody>
-          <a:bodyPr/>
           <a:lstStyle/>
           <a:p>
             <a:fld id="{F6741669-CF2E-4015-A056-54B33D7C161D}" type="slidenum">
@@ -3873,6 +4565,138 @@
           </a:p>
         </p:txBody>
       </p:sp>
+      <p:sp>
+        <p:nvSpPr>
+          <p:cNvPr id="3" name="Inhaltsplatzhalter 2"/>
+          <p:cNvSpPr>
+            <a:spLocks noGrp="1"/>
+          </p:cNvSpPr>
+          <p:nvPr>
+            <p:ph sz="quarter" idx="1"/>
+          </p:nvPr>
+        </p:nvSpPr>
+        <p:spPr/>
+        <p:txBody>
+          <a:bodyPr>
+            <a:normAutofit lnSpcReduction="10000"/>
+          </a:bodyPr>
+          <a:lstStyle/>
+          <a:p>
+            <a:r>
+              <a:rPr lang="de-DE" dirty="0" smtClean="0"/>
+              <a:t>Lokale Entwicklung mit </a:t>
+            </a:r>
+            <a:r>
+              <a:rPr lang="de-DE" dirty="0" err="1" smtClean="0"/>
+              <a:t>Netbeans</a:t>
+            </a:r>
+            <a:r>
+              <a:rPr lang="de-DE" dirty="0" smtClean="0"/>
+              <a:t> DIE</a:t>
+            </a:r>
+          </a:p>
+          <a:p>
+            <a:r>
+              <a:rPr lang="de-DE" dirty="0" smtClean="0"/>
+              <a:t>Implementierung der Modelle</a:t>
+            </a:r>
+          </a:p>
+          <a:p>
+            <a:r>
+              <a:rPr lang="de-DE" dirty="0" smtClean="0"/>
+              <a:t>Nutzung von </a:t>
+            </a:r>
+            <a:r>
+              <a:rPr lang="de-DE" dirty="0" err="1" smtClean="0"/>
+              <a:t>Doctrine</a:t>
+            </a:r>
+            <a:r>
+              <a:rPr lang="de-DE" dirty="0" smtClean="0"/>
+              <a:t> ORM – </a:t>
+            </a:r>
+            <a:r>
+              <a:rPr lang="de-DE" dirty="0" err="1" smtClean="0"/>
+              <a:t>Annotations</a:t>
+            </a:r>
+            <a:endParaRPr lang="de-DE" dirty="0" smtClean="0"/>
+          </a:p>
+          <a:p>
+            <a:r>
+              <a:rPr lang="de-DE" dirty="0" smtClean="0"/>
+              <a:t>Automatische Generierung DDL – Datenbank</a:t>
+            </a:r>
+          </a:p>
+          <a:p>
+            <a:r>
+              <a:rPr lang="de-DE" dirty="0" smtClean="0"/>
+              <a:t>Definition JSON </a:t>
+            </a:r>
+            <a:r>
+              <a:rPr lang="de-DE" dirty="0" smtClean="0"/>
+              <a:t>- DTO</a:t>
+            </a:r>
+            <a:endParaRPr lang="de-DE" dirty="0" smtClean="0"/>
+          </a:p>
+          <a:p>
+            <a:r>
+              <a:rPr lang="de-DE" dirty="0" smtClean="0"/>
+              <a:t>Implementierung der Controller</a:t>
+            </a:r>
+          </a:p>
+          <a:p>
+            <a:r>
+              <a:rPr lang="de-DE" dirty="0" smtClean="0"/>
+              <a:t>Zuordnung eines Controllers zu einem </a:t>
+            </a:r>
+            <a:r>
+              <a:rPr lang="de-DE" dirty="0" err="1" smtClean="0"/>
+              <a:t>Endpoint</a:t>
+            </a:r>
+            <a:endParaRPr lang="de-DE" dirty="0" smtClean="0"/>
+          </a:p>
+          <a:p>
+            <a:r>
+              <a:rPr lang="de-DE" dirty="0" smtClean="0"/>
+              <a:t>Implementierung der Testdaten (</a:t>
+            </a:r>
+            <a:r>
+              <a:rPr lang="de-DE" dirty="0" err="1" smtClean="0"/>
+              <a:t>Fixtures</a:t>
+            </a:r>
+            <a:r>
+              <a:rPr lang="de-DE" dirty="0" smtClean="0"/>
+              <a:t>)</a:t>
+            </a:r>
+            <a:endParaRPr lang="de-DE" dirty="0"/>
+          </a:p>
+        </p:txBody>
+      </p:sp>
+      <p:pic>
+        <p:nvPicPr>
+          <p:cNvPr id="10242" name="Picture 2" descr="C:\Users\Jan\Desktop\weiterbildung_fachinformatiker_ihk_projektantrag\praesentation\navi5.gif"/>
+          <p:cNvPicPr>
+            <a:picLocks noChangeAspect="1" noChangeArrowheads="1"/>
+          </p:cNvPicPr>
+          <p:nvPr/>
+        </p:nvPicPr>
+        <p:blipFill>
+          <a:blip r:embed="rId2" cstate="print"/>
+          <a:srcRect/>
+          <a:stretch>
+            <a:fillRect/>
+          </a:stretch>
+        </p:blipFill>
+        <p:spPr bwMode="auto">
+          <a:xfrm>
+            <a:off x="0" y="6172200"/>
+            <a:ext cx="5172075" cy="685800"/>
+          </a:xfrm>
+          <a:prstGeom prst="rect">
+            <a:avLst/>
+          </a:prstGeom>
+          <a:noFill/>
+        </p:spPr>
+      </p:pic>
     </p:spTree>
   </p:cSld>
   <p:clrMapOvr>
@@ -3923,41 +4747,6 @@
       </p:sp>
       <p:sp>
         <p:nvSpPr>
-          <p:cNvPr id="3" name="Inhaltsplatzhalter 2"/>
-          <p:cNvSpPr>
-            <a:spLocks noGrp="1"/>
-          </p:cNvSpPr>
-          <p:nvPr>
-            <p:ph idx="1"/>
-          </p:nvPr>
-        </p:nvSpPr>
-        <p:spPr/>
-        <p:txBody>
-          <a:bodyPr/>
-          <a:lstStyle/>
-          <a:p>
-            <a:r>
-              <a:rPr lang="de-DE" dirty="0" smtClean="0"/>
-              <a:t>Manuelles Testen mit Postman</a:t>
-            </a:r>
-          </a:p>
-          <a:p>
-            <a:r>
-              <a:rPr lang="de-DE" dirty="0" smtClean="0"/>
-              <a:t>Validierung : JSONLint.com , JSON-Schema.org</a:t>
-            </a:r>
-          </a:p>
-          <a:p>
-            <a:r>
-              <a:rPr lang="de-DE" dirty="0" smtClean="0"/>
-              <a:t>Codereview durch freien Mitarbeiter</a:t>
-            </a:r>
-            <a:endParaRPr lang="de-DE" dirty="0"/>
-          </a:p>
-        </p:txBody>
-      </p:sp>
-      <p:sp>
-        <p:nvSpPr>
           <p:cNvPr id="4" name="Foliennummernplatzhalter 3"/>
           <p:cNvSpPr>
             <a:spLocks noGrp="1"/>
@@ -3968,7 +4757,9 @@
         </p:nvSpPr>
         <p:spPr/>
         <p:txBody>
-          <a:bodyPr/>
+          <a:bodyPr>
+            <a:normAutofit fontScale="85000" lnSpcReduction="20000"/>
+          </a:bodyPr>
           <a:lstStyle/>
           <a:p>
             <a:fld id="{F6741669-CF2E-4015-A056-54B33D7C161D}" type="slidenum">
@@ -3980,6 +4771,67 @@
           </a:p>
         </p:txBody>
       </p:sp>
+      <p:sp>
+        <p:nvSpPr>
+          <p:cNvPr id="3" name="Inhaltsplatzhalter 2"/>
+          <p:cNvSpPr>
+            <a:spLocks noGrp="1"/>
+          </p:cNvSpPr>
+          <p:nvPr>
+            <p:ph sz="quarter" idx="1"/>
+          </p:nvPr>
+        </p:nvSpPr>
+        <p:spPr/>
+        <p:txBody>
+          <a:bodyPr/>
+          <a:lstStyle/>
+          <a:p>
+            <a:r>
+              <a:rPr lang="de-DE" dirty="0" smtClean="0"/>
+              <a:t>Manuelles Testen mit Postman</a:t>
+            </a:r>
+          </a:p>
+          <a:p>
+            <a:r>
+              <a:rPr lang="de-DE" dirty="0" smtClean="0"/>
+              <a:t>Validierung : JSONLint.com , JSON-Schema.org</a:t>
+            </a:r>
+          </a:p>
+          <a:p>
+            <a:r>
+              <a:rPr lang="de-DE" dirty="0" smtClean="0"/>
+              <a:t>Codereview durch freien Mitarbeiter</a:t>
+            </a:r>
+            <a:endParaRPr lang="de-DE" dirty="0"/>
+          </a:p>
+        </p:txBody>
+      </p:sp>
+      <p:pic>
+        <p:nvPicPr>
+          <p:cNvPr id="11266" name="Picture 2" descr="C:\Users\Jan\Desktop\weiterbildung_fachinformatiker_ihk_projektantrag\praesentation\navi5.gif"/>
+          <p:cNvPicPr>
+            <a:picLocks noChangeAspect="1" noChangeArrowheads="1"/>
+          </p:cNvPicPr>
+          <p:nvPr/>
+        </p:nvPicPr>
+        <p:blipFill>
+          <a:blip r:embed="rId2" cstate="print"/>
+          <a:srcRect/>
+          <a:stretch>
+            <a:fillRect/>
+          </a:stretch>
+        </p:blipFill>
+        <p:spPr bwMode="auto">
+          <a:xfrm>
+            <a:off x="0" y="6172200"/>
+            <a:ext cx="5172076" cy="685800"/>
+          </a:xfrm>
+          <a:prstGeom prst="rect">
+            <a:avLst/>
+          </a:prstGeom>
+          <a:noFill/>
+        </p:spPr>
+      </p:pic>
     </p:spTree>
   </p:cSld>
   <p:clrMapOvr>
@@ -4030,63 +4882,6 @@
       </p:sp>
       <p:sp>
         <p:nvSpPr>
-          <p:cNvPr id="3" name="Inhaltsplatzhalter 2"/>
-          <p:cNvSpPr>
-            <a:spLocks noGrp="1"/>
-          </p:cNvSpPr>
-          <p:nvPr>
-            <p:ph idx="1"/>
-          </p:nvPr>
-        </p:nvSpPr>
-        <p:spPr/>
-        <p:txBody>
-          <a:bodyPr/>
-          <a:lstStyle/>
-          <a:p>
-            <a:r>
-              <a:rPr lang="de-DE" dirty="0" smtClean="0"/>
-              <a:t>Server wird extern beherbergt</a:t>
-            </a:r>
-          </a:p>
-          <a:p>
-            <a:r>
-              <a:rPr lang="de-DE" dirty="0" err="1" smtClean="0"/>
-              <a:t>Git</a:t>
-            </a:r>
-            <a:r>
-              <a:rPr lang="de-DE" dirty="0" smtClean="0"/>
-              <a:t> als Versionsverwaltungssystem</a:t>
-            </a:r>
-          </a:p>
-          <a:p>
-            <a:r>
-              <a:rPr lang="de-DE" dirty="0" smtClean="0"/>
-              <a:t>Hochladen mittels Push – Operation</a:t>
-            </a:r>
-          </a:p>
-          <a:p>
-            <a:r>
-              <a:rPr lang="de-DE" dirty="0" smtClean="0"/>
-              <a:t>Konfiguration der Datenbankverbindung</a:t>
-            </a:r>
-          </a:p>
-          <a:p>
-            <a:r>
-              <a:rPr lang="de-DE" dirty="0" err="1" smtClean="0"/>
-              <a:t>url</a:t>
-            </a:r>
-            <a:r>
-              <a:rPr lang="de-DE" dirty="0" smtClean="0"/>
-              <a:t> : http://dev.mam-hbs.de/api/v0.1/getpricesandavailabilities</a:t>
-            </a:r>
-          </a:p>
-          <a:p>
-            <a:endParaRPr lang="de-DE" dirty="0"/>
-          </a:p>
-        </p:txBody>
-      </p:sp>
-      <p:sp>
-        <p:nvSpPr>
           <p:cNvPr id="4" name="Foliennummernplatzhalter 3"/>
           <p:cNvSpPr>
             <a:spLocks noGrp="1"/>
@@ -4097,7 +4892,9 @@
         </p:nvSpPr>
         <p:spPr/>
         <p:txBody>
-          <a:bodyPr/>
+          <a:bodyPr>
+            <a:normAutofit fontScale="85000" lnSpcReduction="20000"/>
+          </a:bodyPr>
           <a:lstStyle/>
           <a:p>
             <a:fld id="{F6741669-CF2E-4015-A056-54B33D7C161D}" type="slidenum">
@@ -4109,6 +4906,89 @@
           </a:p>
         </p:txBody>
       </p:sp>
+      <p:sp>
+        <p:nvSpPr>
+          <p:cNvPr id="3" name="Inhaltsplatzhalter 2"/>
+          <p:cNvSpPr>
+            <a:spLocks noGrp="1"/>
+          </p:cNvSpPr>
+          <p:nvPr>
+            <p:ph sz="quarter" idx="1"/>
+          </p:nvPr>
+        </p:nvSpPr>
+        <p:spPr/>
+        <p:txBody>
+          <a:bodyPr/>
+          <a:lstStyle/>
+          <a:p>
+            <a:r>
+              <a:rPr lang="de-DE" dirty="0" smtClean="0"/>
+              <a:t>Server wird extern beherbergt</a:t>
+            </a:r>
+          </a:p>
+          <a:p>
+            <a:r>
+              <a:rPr lang="de-DE" dirty="0" err="1" smtClean="0"/>
+              <a:t>Git</a:t>
+            </a:r>
+            <a:r>
+              <a:rPr lang="de-DE" dirty="0" smtClean="0"/>
+              <a:t> als Versionsverwaltungssystem</a:t>
+            </a:r>
+          </a:p>
+          <a:p>
+            <a:r>
+              <a:rPr lang="de-DE" dirty="0" smtClean="0"/>
+              <a:t>Hochladen mittels Push – Operation</a:t>
+            </a:r>
+          </a:p>
+          <a:p>
+            <a:r>
+              <a:rPr lang="de-DE" dirty="0" smtClean="0"/>
+              <a:t>Konfiguration der Datenbankverbindung</a:t>
+            </a:r>
+          </a:p>
+          <a:p>
+            <a:r>
+              <a:rPr lang="de-DE" dirty="0" err="1" smtClean="0"/>
+              <a:t>url</a:t>
+            </a:r>
+            <a:r>
+              <a:rPr lang="de-DE" dirty="0" smtClean="0"/>
+              <a:t> : http://dev.mam-hbs.de/api/v0.1/getpricesandavailabilities</a:t>
+            </a:r>
+          </a:p>
+          <a:p>
+            <a:endParaRPr lang="de-DE" dirty="0"/>
+          </a:p>
+        </p:txBody>
+      </p:sp>
+      <p:pic>
+        <p:nvPicPr>
+          <p:cNvPr id="12290" name="Picture 2" descr="C:\Users\Jan\Desktop\weiterbildung_fachinformatiker_ihk_projektantrag\praesentation\navi5.gif"/>
+          <p:cNvPicPr>
+            <a:picLocks noChangeAspect="1" noChangeArrowheads="1"/>
+          </p:cNvPicPr>
+          <p:nvPr/>
+        </p:nvPicPr>
+        <p:blipFill>
+          <a:blip r:embed="rId2" cstate="print"/>
+          <a:srcRect/>
+          <a:stretch>
+            <a:fillRect/>
+          </a:stretch>
+        </p:blipFill>
+        <p:spPr bwMode="auto">
+          <a:xfrm>
+            <a:off x="0" y="6172200"/>
+            <a:ext cx="5172076" cy="685800"/>
+          </a:xfrm>
+          <a:prstGeom prst="rect">
+            <a:avLst/>
+          </a:prstGeom>
+          <a:noFill/>
+        </p:spPr>
+      </p:pic>
     </p:spTree>
   </p:cSld>
   <p:clrMapOvr>
@@ -4159,37 +5039,12 @@
       </p:sp>
       <p:sp>
         <p:nvSpPr>
-          <p:cNvPr id="5" name="Textplatzhalter 4"/>
-          <p:cNvSpPr>
-            <a:spLocks noGrp="1"/>
-          </p:cNvSpPr>
-          <p:nvPr>
-            <p:ph type="body" idx="1"/>
-          </p:nvPr>
-        </p:nvSpPr>
-        <p:spPr/>
-        <p:txBody>
-          <a:bodyPr>
-            <a:normAutofit fontScale="92500" lnSpcReduction="20000"/>
-          </a:bodyPr>
-          <a:lstStyle/>
-          <a:p>
-            <a:r>
-              <a:rPr lang="de-DE" dirty="0" smtClean="0"/>
-              <a:t>Unterschied Projektantrag - Projekt</a:t>
-            </a:r>
-            <a:endParaRPr lang="de-DE" dirty="0"/>
-          </a:p>
-        </p:txBody>
-      </p:sp>
-      <p:sp>
-        <p:nvSpPr>
           <p:cNvPr id="6" name="Inhaltsplatzhalter 5"/>
           <p:cNvSpPr>
             <a:spLocks noGrp="1"/>
           </p:cNvSpPr>
           <p:nvPr>
-            <p:ph sz="half" idx="2"/>
+            <p:ph sz="quarter" idx="2"/>
           </p:nvPr>
         </p:nvSpPr>
         <p:spPr/>
@@ -4223,71 +5078,48 @@
       </p:sp>
       <p:sp>
         <p:nvSpPr>
-          <p:cNvPr id="7" name="Textplatzhalter 6"/>
-          <p:cNvSpPr>
-            <a:spLocks noGrp="1"/>
-          </p:cNvSpPr>
-          <p:nvPr>
-            <p:ph type="body" sz="quarter" idx="3"/>
+          <p:cNvPr id="8" name="Inhaltsplatzhalter 7"/>
+          <p:cNvSpPr>
+            <a:spLocks noGrp="1"/>
+          </p:cNvSpPr>
+          <p:nvPr>
+            <p:ph sz="quarter" idx="4"/>
+          </p:nvPr>
+        </p:nvSpPr>
+        <p:spPr/>
+        <p:txBody>
+          <a:bodyPr/>
+          <a:lstStyle/>
+          <a:p>
+            <a:r>
+              <a:rPr lang="de-DE" dirty="0" smtClean="0"/>
+              <a:t>Modelle: -1h</a:t>
+            </a:r>
+          </a:p>
+          <a:p>
+            <a:r>
+              <a:rPr lang="de-DE" dirty="0" smtClean="0"/>
+              <a:t>Doku: +2h</a:t>
+            </a:r>
+            <a:endParaRPr lang="de-DE" dirty="0"/>
+          </a:p>
+        </p:txBody>
+      </p:sp>
+      <p:sp>
+        <p:nvSpPr>
+          <p:cNvPr id="9" name="Foliennummernplatzhalter 8"/>
+          <p:cNvSpPr>
+            <a:spLocks noGrp="1"/>
+          </p:cNvSpPr>
+          <p:nvPr>
+            <p:ph type="sldNum" sz="quarter" idx="16"/>
           </p:nvPr>
         </p:nvSpPr>
         <p:spPr/>
         <p:txBody>
           <a:bodyPr>
-            <a:normAutofit fontScale="92500" lnSpcReduction="20000"/>
+            <a:normAutofit fontScale="85000" lnSpcReduction="20000"/>
           </a:bodyPr>
-          <a:lstStyle/>
-          <a:p>
-            <a:r>
-              <a:rPr lang="de-DE" dirty="0" smtClean="0"/>
-              <a:t>Unterschied Planung - Umsetzung</a:t>
-            </a:r>
-            <a:endParaRPr lang="de-DE" dirty="0"/>
-          </a:p>
-        </p:txBody>
-      </p:sp>
-      <p:sp>
-        <p:nvSpPr>
-          <p:cNvPr id="8" name="Inhaltsplatzhalter 7"/>
-          <p:cNvSpPr>
-            <a:spLocks noGrp="1"/>
-          </p:cNvSpPr>
-          <p:nvPr>
-            <p:ph sz="quarter" idx="4"/>
-          </p:nvPr>
-        </p:nvSpPr>
-        <p:spPr/>
-        <p:txBody>
-          <a:bodyPr/>
-          <a:lstStyle/>
-          <a:p>
-            <a:r>
-              <a:rPr lang="de-DE" dirty="0" smtClean="0"/>
-              <a:t>Modelle: -1h</a:t>
-            </a:r>
-          </a:p>
-          <a:p>
-            <a:r>
-              <a:rPr lang="de-DE" dirty="0" smtClean="0"/>
-              <a:t>Doku: +2h</a:t>
-            </a:r>
-            <a:endParaRPr lang="de-DE" dirty="0"/>
-          </a:p>
-        </p:txBody>
-      </p:sp>
-      <p:sp>
-        <p:nvSpPr>
-          <p:cNvPr id="9" name="Foliennummernplatzhalter 8"/>
-          <p:cNvSpPr>
-            <a:spLocks noGrp="1"/>
-          </p:cNvSpPr>
-          <p:nvPr>
-            <p:ph type="sldNum" sz="quarter" idx="12"/>
-          </p:nvPr>
-        </p:nvSpPr>
-        <p:spPr/>
-        <p:txBody>
-          <a:bodyPr/>
           <a:lstStyle/>
           <a:p>
             <a:fld id="{F6741669-CF2E-4015-A056-54B33D7C161D}" type="slidenum">
@@ -4299,6 +5131,82 @@
           </a:p>
         </p:txBody>
       </p:sp>
+      <p:sp>
+        <p:nvSpPr>
+          <p:cNvPr id="5" name="Textplatzhalter 4"/>
+          <p:cNvSpPr>
+            <a:spLocks noGrp="1"/>
+          </p:cNvSpPr>
+          <p:nvPr>
+            <p:ph type="body" sz="quarter" idx="1"/>
+          </p:nvPr>
+        </p:nvSpPr>
+        <p:spPr/>
+        <p:txBody>
+          <a:bodyPr>
+            <a:normAutofit fontScale="92500" lnSpcReduction="10000"/>
+          </a:bodyPr>
+          <a:lstStyle/>
+          <a:p>
+            <a:r>
+              <a:rPr lang="de-DE" dirty="0" smtClean="0"/>
+              <a:t>Unterschied Projektantrag - Projekt</a:t>
+            </a:r>
+            <a:endParaRPr lang="de-DE" dirty="0"/>
+          </a:p>
+        </p:txBody>
+      </p:sp>
+      <p:sp>
+        <p:nvSpPr>
+          <p:cNvPr id="7" name="Textplatzhalter 6"/>
+          <p:cNvSpPr>
+            <a:spLocks noGrp="1"/>
+          </p:cNvSpPr>
+          <p:nvPr>
+            <p:ph type="body" sz="quarter" idx="3"/>
+          </p:nvPr>
+        </p:nvSpPr>
+        <p:spPr/>
+        <p:txBody>
+          <a:bodyPr>
+            <a:normAutofit fontScale="92500" lnSpcReduction="10000"/>
+          </a:bodyPr>
+          <a:lstStyle/>
+          <a:p>
+            <a:r>
+              <a:rPr lang="de-DE" dirty="0" smtClean="0"/>
+              <a:t>Unterschied Planung - Umsetzung</a:t>
+            </a:r>
+            <a:endParaRPr lang="de-DE" dirty="0"/>
+          </a:p>
+        </p:txBody>
+      </p:sp>
+      <p:pic>
+        <p:nvPicPr>
+          <p:cNvPr id="13314" name="Picture 2" descr="C:\Users\Jan\Desktop\weiterbildung_fachinformatiker_ihk_projektantrag\praesentation\navi6.gif"/>
+          <p:cNvPicPr>
+            <a:picLocks noChangeAspect="1" noChangeArrowheads="1"/>
+          </p:cNvPicPr>
+          <p:nvPr/>
+        </p:nvPicPr>
+        <p:blipFill>
+          <a:blip r:embed="rId2" cstate="print"/>
+          <a:srcRect/>
+          <a:stretch>
+            <a:fillRect/>
+          </a:stretch>
+        </p:blipFill>
+        <p:spPr bwMode="auto">
+          <a:xfrm>
+            <a:off x="0" y="6248400"/>
+            <a:ext cx="5153025" cy="609600"/>
+          </a:xfrm>
+          <a:prstGeom prst="rect">
+            <a:avLst/>
+          </a:prstGeom>
+          <a:noFill/>
+        </p:spPr>
+      </p:pic>
     </p:spTree>
   </p:cSld>
   <p:clrMapOvr>
@@ -4349,67 +5257,6 @@
       </p:sp>
       <p:sp>
         <p:nvSpPr>
-          <p:cNvPr id="3" name="Inhaltsplatzhalter 2"/>
-          <p:cNvSpPr>
-            <a:spLocks noGrp="1"/>
-          </p:cNvSpPr>
-          <p:nvPr>
-            <p:ph idx="1"/>
-          </p:nvPr>
-        </p:nvSpPr>
-        <p:spPr/>
-        <p:txBody>
-          <a:bodyPr/>
-          <a:lstStyle/>
-          <a:p>
-            <a:r>
-              <a:rPr lang="de-DE" dirty="0" smtClean="0"/>
-              <a:t>Projektziele erreicht</a:t>
-            </a:r>
-          </a:p>
-          <a:p>
-            <a:r>
-              <a:rPr lang="de-DE" dirty="0" smtClean="0"/>
-              <a:t>S.M.A.R.T. Kriterien erfüllt</a:t>
-            </a:r>
-          </a:p>
-          <a:p>
-            <a:r>
-              <a:rPr lang="de-DE" dirty="0" err="1" smtClean="0"/>
-              <a:t>iOS</a:t>
-            </a:r>
-            <a:r>
-              <a:rPr lang="de-DE" dirty="0" smtClean="0"/>
-              <a:t> </a:t>
-            </a:r>
-            <a:r>
-              <a:rPr lang="de-DE" dirty="0" err="1" smtClean="0"/>
-              <a:t>App</a:t>
-            </a:r>
-            <a:r>
-              <a:rPr lang="de-DE" dirty="0" smtClean="0"/>
-              <a:t> wird derzeit entwickelt</a:t>
-            </a:r>
-          </a:p>
-          <a:p>
-            <a:r>
-              <a:rPr lang="de-DE" dirty="0" smtClean="0"/>
-              <a:t>Teilprojektkosten : 820€</a:t>
-            </a:r>
-          </a:p>
-          <a:p>
-            <a:r>
-              <a:rPr lang="de-DE" dirty="0" smtClean="0"/>
-              <a:t>Geplanter Umsatz : 50€ pro Kunde und Monat</a:t>
-            </a:r>
-          </a:p>
-          <a:p>
-            <a:endParaRPr lang="de-DE" dirty="0"/>
-          </a:p>
-        </p:txBody>
-      </p:sp>
-      <p:sp>
-        <p:nvSpPr>
           <p:cNvPr id="4" name="Foliennummernplatzhalter 3"/>
           <p:cNvSpPr>
             <a:spLocks noGrp="1"/>
@@ -4420,7 +5267,9 @@
         </p:nvSpPr>
         <p:spPr/>
         <p:txBody>
-          <a:bodyPr/>
+          <a:bodyPr>
+            <a:normAutofit fontScale="85000" lnSpcReduction="20000"/>
+          </a:bodyPr>
           <a:lstStyle/>
           <a:p>
             <a:fld id="{F6741669-CF2E-4015-A056-54B33D7C161D}" type="slidenum">
@@ -4432,6 +5281,93 @@
           </a:p>
         </p:txBody>
       </p:sp>
+      <p:sp>
+        <p:nvSpPr>
+          <p:cNvPr id="3" name="Inhaltsplatzhalter 2"/>
+          <p:cNvSpPr>
+            <a:spLocks noGrp="1"/>
+          </p:cNvSpPr>
+          <p:nvPr>
+            <p:ph sz="quarter" idx="1"/>
+          </p:nvPr>
+        </p:nvSpPr>
+        <p:spPr/>
+        <p:txBody>
+          <a:bodyPr/>
+          <a:lstStyle/>
+          <a:p>
+            <a:r>
+              <a:rPr lang="de-DE" dirty="0" smtClean="0"/>
+              <a:t>Projektziele erreicht</a:t>
+            </a:r>
+          </a:p>
+          <a:p>
+            <a:r>
+              <a:rPr lang="de-DE" dirty="0" smtClean="0"/>
+              <a:t>S.M.A.R.T. Kriterien erfüllt</a:t>
+            </a:r>
+          </a:p>
+          <a:p>
+            <a:r>
+              <a:rPr lang="de-DE" dirty="0" err="1" smtClean="0"/>
+              <a:t>iOS</a:t>
+            </a:r>
+            <a:r>
+              <a:rPr lang="de-DE" dirty="0" smtClean="0"/>
+              <a:t> </a:t>
+            </a:r>
+            <a:r>
+              <a:rPr lang="de-DE" dirty="0" err="1" smtClean="0"/>
+              <a:t>App</a:t>
+            </a:r>
+            <a:r>
+              <a:rPr lang="de-DE" dirty="0" smtClean="0"/>
+              <a:t> wird derzeit entwickelt</a:t>
+            </a:r>
+          </a:p>
+          <a:p>
+            <a:r>
+              <a:rPr lang="de-DE" dirty="0" smtClean="0"/>
+              <a:t>Teilprojektkosten : 820€</a:t>
+            </a:r>
+          </a:p>
+          <a:p>
+            <a:r>
+              <a:rPr lang="de-DE" dirty="0" smtClean="0"/>
+              <a:t>Geplanter Umsatz : 50€ pro Kunde und Monat</a:t>
+            </a:r>
+          </a:p>
+          <a:p>
+            <a:endParaRPr lang="de-DE" dirty="0"/>
+          </a:p>
+        </p:txBody>
+      </p:sp>
+      <p:pic>
+        <p:nvPicPr>
+          <p:cNvPr id="14338" name="Picture 2" descr="C:\Users\Jan\Desktop\weiterbildung_fachinformatiker_ihk_projektantrag\praesentation\navi6.gif"/>
+          <p:cNvPicPr>
+            <a:picLocks noChangeAspect="1" noChangeArrowheads="1"/>
+          </p:cNvPicPr>
+          <p:nvPr/>
+        </p:nvPicPr>
+        <p:blipFill>
+          <a:blip r:embed="rId2" cstate="print"/>
+          <a:srcRect/>
+          <a:stretch>
+            <a:fillRect/>
+          </a:stretch>
+        </p:blipFill>
+        <p:spPr bwMode="auto">
+          <a:xfrm>
+            <a:off x="0" y="6248400"/>
+            <a:ext cx="5153025" cy="609600"/>
+          </a:xfrm>
+          <a:prstGeom prst="rect">
+            <a:avLst/>
+          </a:prstGeom>
+          <a:noFill/>
+        </p:spPr>
+      </p:pic>
     </p:spTree>
   </p:cSld>
   <p:clrMapOvr>
@@ -4482,12 +5418,38 @@
       </p:sp>
       <p:sp>
         <p:nvSpPr>
+          <p:cNvPr id="4" name="Foliennummernplatzhalter 3"/>
+          <p:cNvSpPr>
+            <a:spLocks noGrp="1"/>
+          </p:cNvSpPr>
+          <p:nvPr>
+            <p:ph type="sldNum" sz="quarter" idx="12"/>
+          </p:nvPr>
+        </p:nvSpPr>
+        <p:spPr/>
+        <p:txBody>
+          <a:bodyPr>
+            <a:normAutofit fontScale="85000" lnSpcReduction="20000"/>
+          </a:bodyPr>
+          <a:lstStyle/>
+          <a:p>
+            <a:fld id="{F6741669-CF2E-4015-A056-54B33D7C161D}" type="slidenum">
+              <a:rPr lang="de-DE" smtClean="0"/>
+              <a:pPr/>
+              <a:t>17</a:t>
+            </a:fld>
+            <a:endParaRPr lang="de-DE"/>
+          </a:p>
+        </p:txBody>
+      </p:sp>
+      <p:sp>
+        <p:nvSpPr>
           <p:cNvPr id="3" name="Inhaltsplatzhalter 2"/>
           <p:cNvSpPr>
             <a:spLocks noGrp="1"/>
           </p:cNvSpPr>
           <p:nvPr>
-            <p:ph idx="1"/>
+            <p:ph sz="quarter" idx="1"/>
           </p:nvPr>
         </p:nvSpPr>
         <p:spPr/>
@@ -4506,30 +5468,6 @@
               <a:t></a:t>
             </a:r>
             <a:endParaRPr lang="de-DE" dirty="0"/>
-          </a:p>
-        </p:txBody>
-      </p:sp>
-      <p:sp>
-        <p:nvSpPr>
-          <p:cNvPr id="4" name="Foliennummernplatzhalter 3"/>
-          <p:cNvSpPr>
-            <a:spLocks noGrp="1"/>
-          </p:cNvSpPr>
-          <p:nvPr>
-            <p:ph type="sldNum" sz="quarter" idx="12"/>
-          </p:nvPr>
-        </p:nvSpPr>
-        <p:spPr/>
-        <p:txBody>
-          <a:bodyPr/>
-          <a:lstStyle/>
-          <a:p>
-            <a:fld id="{F6741669-CF2E-4015-A056-54B33D7C161D}" type="slidenum">
-              <a:rPr lang="de-DE" smtClean="0"/>
-              <a:pPr/>
-              <a:t>17</a:t>
-            </a:fld>
-            <a:endParaRPr lang="de-DE"/>
           </a:p>
         </p:txBody>
       </p:sp>
@@ -4583,60 +5521,6 @@
       </p:sp>
       <p:sp>
         <p:nvSpPr>
-          <p:cNvPr id="3" name="Inhaltsplatzhalter 2"/>
-          <p:cNvSpPr>
-            <a:spLocks noGrp="1"/>
-          </p:cNvSpPr>
-          <p:nvPr>
-            <p:ph idx="1"/>
-          </p:nvPr>
-        </p:nvSpPr>
-        <p:spPr/>
-        <p:txBody>
-          <a:bodyPr/>
-          <a:lstStyle/>
-          <a:p>
-            <a:r>
-              <a:rPr lang="de-DE" dirty="0" smtClean="0"/>
-              <a:t>Intro</a:t>
-            </a:r>
-          </a:p>
-          <a:p>
-            <a:r>
-              <a:rPr lang="de-DE" dirty="0" smtClean="0"/>
-              <a:t>Vorbereitung</a:t>
-            </a:r>
-            <a:endParaRPr lang="de-DE" dirty="0" smtClean="0"/>
-          </a:p>
-          <a:p>
-            <a:r>
-              <a:rPr lang="de-DE" dirty="0" smtClean="0"/>
-              <a:t>Analyse</a:t>
-            </a:r>
-          </a:p>
-          <a:p>
-            <a:r>
-              <a:rPr lang="de-DE" dirty="0" smtClean="0"/>
-              <a:t>Entwurf</a:t>
-            </a:r>
-          </a:p>
-          <a:p>
-            <a:r>
-              <a:rPr lang="de-DE" dirty="0" smtClean="0"/>
-              <a:t>Umsetzung</a:t>
-            </a:r>
-          </a:p>
-          <a:p>
-            <a:r>
-              <a:rPr lang="de-DE" dirty="0" smtClean="0"/>
-              <a:t>Nachbetrachtung</a:t>
-            </a:r>
-            <a:endParaRPr lang="de-DE" dirty="0"/>
-          </a:p>
-        </p:txBody>
-      </p:sp>
-      <p:sp>
-        <p:nvSpPr>
           <p:cNvPr id="4" name="Foliennummernplatzhalter 3"/>
           <p:cNvSpPr>
             <a:spLocks noGrp="1"/>
@@ -4647,7 +5531,9 @@
         </p:nvSpPr>
         <p:spPr/>
         <p:txBody>
-          <a:bodyPr/>
+          <a:bodyPr>
+            <a:normAutofit fontScale="85000" lnSpcReduction="20000"/>
+          </a:bodyPr>
           <a:lstStyle/>
           <a:p>
             <a:fld id="{F6741669-CF2E-4015-A056-54B33D7C161D}" type="slidenum">
@@ -4656,6 +5542,61 @@
               <a:t>2</a:t>
             </a:fld>
             <a:endParaRPr lang="de-DE"/>
+          </a:p>
+        </p:txBody>
+      </p:sp>
+      <p:sp>
+        <p:nvSpPr>
+          <p:cNvPr id="3" name="Inhaltsplatzhalter 2"/>
+          <p:cNvSpPr>
+            <a:spLocks noGrp="1"/>
+          </p:cNvSpPr>
+          <p:nvPr>
+            <p:ph sz="quarter" idx="1"/>
+          </p:nvPr>
+        </p:nvSpPr>
+        <p:spPr/>
+        <p:txBody>
+          <a:bodyPr/>
+          <a:lstStyle/>
+          <a:p>
+            <a:r>
+              <a:rPr lang="de-DE" dirty="0" smtClean="0"/>
+              <a:t>Einleitung</a:t>
+            </a:r>
+            <a:endParaRPr lang="de-DE" dirty="0" smtClean="0"/>
+          </a:p>
+          <a:p>
+            <a:r>
+              <a:rPr lang="de-DE" dirty="0" smtClean="0"/>
+              <a:t>Vorbereitung</a:t>
+            </a:r>
+            <a:endParaRPr lang="de-DE" dirty="0" smtClean="0"/>
+          </a:p>
+          <a:p>
+            <a:r>
+              <a:rPr lang="de-DE" dirty="0" smtClean="0"/>
+              <a:t>Analyse</a:t>
+            </a:r>
+          </a:p>
+          <a:p>
+            <a:r>
+              <a:rPr lang="de-DE" dirty="0" smtClean="0"/>
+              <a:t>Entwurf</a:t>
+            </a:r>
+          </a:p>
+          <a:p>
+            <a:r>
+              <a:rPr lang="de-DE" dirty="0" smtClean="0"/>
+              <a:t>Umsetzung</a:t>
+            </a:r>
+          </a:p>
+          <a:p>
+            <a:r>
+              <a:rPr lang="de-DE" dirty="0" smtClean="0"/>
+              <a:t>Nachbetrachtung</a:t>
+            </a:r>
+            <a:endParaRPr lang="de-DE" dirty="0"/>
           </a:p>
         </p:txBody>
       </p:sp>
@@ -4709,94 +5650,19 @@
       </p:sp>
       <p:sp>
         <p:nvSpPr>
-          <p:cNvPr id="3" name="Inhaltsplatzhalter 2"/>
-          <p:cNvSpPr>
-            <a:spLocks noGrp="1"/>
-          </p:cNvSpPr>
-          <p:nvPr>
-            <p:ph idx="1"/>
+          <p:cNvPr id="4" name="Foliennummernplatzhalter 3"/>
+          <p:cNvSpPr>
+            <a:spLocks noGrp="1"/>
+          </p:cNvSpPr>
+          <p:nvPr>
+            <p:ph type="sldNum" sz="quarter" idx="12"/>
           </p:nvPr>
         </p:nvSpPr>
         <p:spPr/>
         <p:txBody>
           <a:bodyPr>
-            <a:normAutofit fontScale="92500" lnSpcReduction="10000"/>
+            <a:normAutofit fontScale="85000" lnSpcReduction="20000"/>
           </a:bodyPr>
-          <a:lstStyle/>
-          <a:p>
-            <a:r>
-              <a:rPr lang="de-DE" dirty="0" smtClean="0"/>
-              <a:t>Unternehmen : mobile-ad-</a:t>
-            </a:r>
-            <a:r>
-              <a:rPr lang="de-DE" dirty="0" err="1" smtClean="0"/>
-              <a:t>media</a:t>
-            </a:r>
-            <a:r>
-              <a:rPr lang="de-DE" dirty="0" smtClean="0"/>
-              <a:t> GmbH</a:t>
-            </a:r>
-          </a:p>
-          <a:p>
-            <a:r>
-              <a:rPr lang="de-DE" dirty="0" smtClean="0"/>
-              <a:t>Gesamtprojekt : Softwaresystem zur Reservierung von Hotelzimmern</a:t>
-            </a:r>
-          </a:p>
-          <a:p>
-            <a:r>
-              <a:rPr lang="de-DE" dirty="0" smtClean="0"/>
-              <a:t>Zentraler Server : Logik – Vermittlung - Pufferung</a:t>
-            </a:r>
-          </a:p>
-          <a:p>
-            <a:r>
-              <a:rPr lang="de-DE" dirty="0" err="1" smtClean="0"/>
-              <a:t>Apps</a:t>
-            </a:r>
-            <a:r>
-              <a:rPr lang="de-DE" dirty="0" smtClean="0"/>
-              <a:t> als Clients : Darstellung &amp; Nutzereingaben</a:t>
-            </a:r>
-          </a:p>
-          <a:p>
-            <a:r>
-              <a:rPr lang="de-DE" dirty="0" smtClean="0"/>
-              <a:t>Kunden : Einzelne Hotels</a:t>
-            </a:r>
-          </a:p>
-          <a:p>
-            <a:r>
-              <a:rPr lang="de-DE" dirty="0" smtClean="0"/>
-              <a:t>Grafische Anpassung der </a:t>
-            </a:r>
-            <a:r>
-              <a:rPr lang="de-DE" dirty="0" smtClean="0"/>
-              <a:t>Clients</a:t>
-            </a:r>
-          </a:p>
-          <a:p>
-            <a:r>
-              <a:rPr lang="de-DE" dirty="0" smtClean="0"/>
-              <a:t>Anbindung an externe Systeme im späteren Projektverlauf</a:t>
-            </a:r>
-            <a:endParaRPr lang="de-DE" dirty="0"/>
-          </a:p>
-        </p:txBody>
-      </p:sp>
-      <p:sp>
-        <p:nvSpPr>
-          <p:cNvPr id="4" name="Foliennummernplatzhalter 3"/>
-          <p:cNvSpPr>
-            <a:spLocks noGrp="1"/>
-          </p:cNvSpPr>
-          <p:nvPr>
-            <p:ph type="sldNum" sz="quarter" idx="12"/>
-          </p:nvPr>
-        </p:nvSpPr>
-        <p:spPr/>
-        <p:txBody>
-          <a:bodyPr/>
           <a:lstStyle/>
           <a:p>
             <a:fld id="{F6741669-CF2E-4015-A056-54B33D7C161D}" type="slidenum">
@@ -4808,6 +5674,109 @@
           </a:p>
         </p:txBody>
       </p:sp>
+      <p:sp>
+        <p:nvSpPr>
+          <p:cNvPr id="3" name="Inhaltsplatzhalter 2"/>
+          <p:cNvSpPr>
+            <a:spLocks noGrp="1"/>
+          </p:cNvSpPr>
+          <p:nvPr>
+            <p:ph sz="quarter" idx="1"/>
+          </p:nvPr>
+        </p:nvSpPr>
+        <p:spPr/>
+        <p:txBody>
+          <a:bodyPr>
+            <a:normAutofit fontScale="92500"/>
+          </a:bodyPr>
+          <a:lstStyle/>
+          <a:p>
+            <a:r>
+              <a:rPr lang="de-DE" dirty="0" smtClean="0"/>
+              <a:t>Unternehmen : mobile-ad-</a:t>
+            </a:r>
+            <a:r>
+              <a:rPr lang="de-DE" dirty="0" err="1" smtClean="0"/>
+              <a:t>media</a:t>
+            </a:r>
+            <a:r>
+              <a:rPr lang="de-DE" dirty="0" smtClean="0"/>
+              <a:t> GmbH</a:t>
+            </a:r>
+          </a:p>
+          <a:p>
+            <a:r>
+              <a:rPr lang="de-DE" dirty="0" smtClean="0"/>
+              <a:t>Gesamtprojekt : Softwaresystem zur Reservierung von Hotelzimmern</a:t>
+            </a:r>
+          </a:p>
+          <a:p>
+            <a:r>
+              <a:rPr lang="de-DE" dirty="0" smtClean="0"/>
+              <a:t>Zentraler Server : Logik – Vermittlung - Pufferung</a:t>
+            </a:r>
+          </a:p>
+          <a:p>
+            <a:r>
+              <a:rPr lang="de-DE" dirty="0" err="1" smtClean="0"/>
+              <a:t>Apps</a:t>
+            </a:r>
+            <a:r>
+              <a:rPr lang="de-DE" dirty="0" smtClean="0"/>
+              <a:t> als Clients : Darstellung &amp; Nutzereingaben</a:t>
+            </a:r>
+          </a:p>
+          <a:p>
+            <a:r>
+              <a:rPr lang="de-DE" dirty="0" smtClean="0"/>
+              <a:t>Kunden : Einzelne Hotels</a:t>
+            </a:r>
+          </a:p>
+          <a:p>
+            <a:r>
+              <a:rPr lang="de-DE" dirty="0" smtClean="0"/>
+              <a:t>Grafische Anpassung der </a:t>
+            </a:r>
+            <a:r>
+              <a:rPr lang="de-DE" dirty="0" smtClean="0"/>
+              <a:t>Clients</a:t>
+            </a:r>
+          </a:p>
+          <a:p>
+            <a:r>
+              <a:rPr lang="de-DE" dirty="0" smtClean="0"/>
+              <a:t>Anbindung an externe Systeme im späteren Projektverlauf</a:t>
+            </a:r>
+            <a:endParaRPr lang="de-DE" dirty="0"/>
+          </a:p>
+        </p:txBody>
+      </p:sp>
+      <p:pic>
+        <p:nvPicPr>
+          <p:cNvPr id="1026" name="Picture 2" descr="C:\Users\Jan\Desktop\weiterbildung_fachinformatiker_ihk_projektantrag\praesentation\navi1.gif"/>
+          <p:cNvPicPr>
+            <a:picLocks noChangeAspect="1" noChangeArrowheads="1"/>
+          </p:cNvPicPr>
+          <p:nvPr/>
+        </p:nvPicPr>
+        <p:blipFill>
+          <a:blip r:embed="rId2" cstate="print"/>
+          <a:srcRect/>
+          <a:stretch>
+            <a:fillRect/>
+          </a:stretch>
+        </p:blipFill>
+        <p:spPr bwMode="auto">
+          <a:xfrm>
+            <a:off x="0" y="6219825"/>
+            <a:ext cx="5191126" cy="638175"/>
+          </a:xfrm>
+          <a:prstGeom prst="rect">
+            <a:avLst/>
+          </a:prstGeom>
+          <a:noFill/>
+        </p:spPr>
+      </p:pic>
     </p:spTree>
   </p:cSld>
   <p:clrMapOvr>
@@ -4858,96 +5827,19 @@
       </p:sp>
       <p:sp>
         <p:nvSpPr>
-          <p:cNvPr id="3" name="Inhaltsplatzhalter 2"/>
-          <p:cNvSpPr>
-            <a:spLocks noGrp="1"/>
-          </p:cNvSpPr>
-          <p:nvPr>
-            <p:ph idx="1"/>
+          <p:cNvPr id="4" name="Foliennummernplatzhalter 3"/>
+          <p:cNvSpPr>
+            <a:spLocks noGrp="1"/>
+          </p:cNvSpPr>
+          <p:nvPr>
+            <p:ph type="sldNum" sz="quarter" idx="12"/>
           </p:nvPr>
         </p:nvSpPr>
         <p:spPr/>
         <p:txBody>
           <a:bodyPr>
-            <a:normAutofit lnSpcReduction="10000"/>
+            <a:normAutofit fontScale="85000" lnSpcReduction="20000"/>
           </a:bodyPr>
-          <a:lstStyle/>
-          <a:p>
-            <a:r>
-              <a:rPr lang="de-DE" dirty="0" smtClean="0"/>
-              <a:t>Teilprojekt : Serversoftware</a:t>
-            </a:r>
-          </a:p>
-          <a:p>
-            <a:r>
-              <a:rPr lang="de-DE" dirty="0" smtClean="0"/>
-              <a:t>Gegeben : grafisches Konzept</a:t>
-            </a:r>
-            <a:endParaRPr lang="de-DE" dirty="0" smtClean="0"/>
-          </a:p>
-          <a:p>
-            <a:r>
-              <a:rPr lang="de-DE" dirty="0" smtClean="0"/>
-              <a:t>Definition und Implementierung der Schnittstellen zu den </a:t>
-            </a:r>
-            <a:r>
-              <a:rPr lang="de-DE" dirty="0" err="1" smtClean="0"/>
-              <a:t>Apps</a:t>
-            </a:r>
-            <a:endParaRPr lang="de-DE" dirty="0" smtClean="0"/>
-          </a:p>
-          <a:p>
-            <a:r>
-              <a:rPr lang="de-DE" dirty="0" smtClean="0"/>
-              <a:t>Versorgung </a:t>
-            </a:r>
-            <a:r>
-              <a:rPr lang="de-DE" dirty="0" smtClean="0"/>
-              <a:t>der </a:t>
-            </a:r>
-            <a:r>
-              <a:rPr lang="de-DE" dirty="0" err="1" smtClean="0"/>
-              <a:t>Apps</a:t>
-            </a:r>
-            <a:r>
-              <a:rPr lang="de-DE" dirty="0" smtClean="0"/>
-              <a:t> mit Daten</a:t>
-            </a:r>
-          </a:p>
-          <a:p>
-            <a:r>
-              <a:rPr lang="de-DE" dirty="0" smtClean="0"/>
-              <a:t>Entgegennahme Reservierung</a:t>
-            </a:r>
-          </a:p>
-          <a:p>
-            <a:r>
-              <a:rPr lang="de-DE" dirty="0" smtClean="0"/>
-              <a:t>Ausgehende Email</a:t>
-            </a:r>
-          </a:p>
-          <a:p>
-            <a:r>
-              <a:rPr lang="de-DE" dirty="0" smtClean="0"/>
-              <a:t>Testdaten</a:t>
-            </a:r>
-            <a:endParaRPr lang="de-DE" dirty="0" smtClean="0"/>
-          </a:p>
-        </p:txBody>
-      </p:sp>
-      <p:sp>
-        <p:nvSpPr>
-          <p:cNvPr id="4" name="Foliennummernplatzhalter 3"/>
-          <p:cNvSpPr>
-            <a:spLocks noGrp="1"/>
-          </p:cNvSpPr>
-          <p:nvPr>
-            <p:ph type="sldNum" sz="quarter" idx="12"/>
-          </p:nvPr>
-        </p:nvSpPr>
-        <p:spPr/>
-        <p:txBody>
-          <a:bodyPr/>
           <a:lstStyle/>
           <a:p>
             <a:fld id="{F6741669-CF2E-4015-A056-54B33D7C161D}" type="slidenum">
@@ -4959,6 +5851,111 @@
           </a:p>
         </p:txBody>
       </p:sp>
+      <p:sp>
+        <p:nvSpPr>
+          <p:cNvPr id="3" name="Inhaltsplatzhalter 2"/>
+          <p:cNvSpPr>
+            <a:spLocks noGrp="1"/>
+          </p:cNvSpPr>
+          <p:nvPr>
+            <p:ph sz="quarter" idx="1"/>
+          </p:nvPr>
+        </p:nvSpPr>
+        <p:spPr/>
+        <p:txBody>
+          <a:bodyPr>
+            <a:normAutofit/>
+          </a:bodyPr>
+          <a:lstStyle/>
+          <a:p>
+            <a:r>
+              <a:rPr lang="de-DE" dirty="0" smtClean="0"/>
+              <a:t>Teilprojekt : Serversoftware</a:t>
+            </a:r>
+          </a:p>
+          <a:p>
+            <a:r>
+              <a:rPr lang="de-DE" dirty="0" smtClean="0"/>
+              <a:t>Gegeben : grafisches Konzept</a:t>
+            </a:r>
+            <a:endParaRPr lang="de-DE" dirty="0" smtClean="0"/>
+          </a:p>
+          <a:p>
+            <a:r>
+              <a:rPr lang="de-DE" dirty="0" smtClean="0"/>
+              <a:t>Definition und Implementierung der Schnittstellen zu den </a:t>
+            </a:r>
+            <a:r>
+              <a:rPr lang="de-DE" dirty="0" err="1" smtClean="0"/>
+              <a:t>Apps</a:t>
+            </a:r>
+            <a:endParaRPr lang="de-DE" dirty="0" smtClean="0"/>
+          </a:p>
+          <a:p>
+            <a:r>
+              <a:rPr lang="de-DE" dirty="0" smtClean="0"/>
+              <a:t>Versorgung </a:t>
+            </a:r>
+            <a:r>
+              <a:rPr lang="de-DE" dirty="0" smtClean="0"/>
+              <a:t>der </a:t>
+            </a:r>
+            <a:r>
+              <a:rPr lang="de-DE" dirty="0" err="1" smtClean="0"/>
+              <a:t>Apps</a:t>
+            </a:r>
+            <a:r>
+              <a:rPr lang="de-DE" dirty="0" smtClean="0"/>
+              <a:t> mit Daten</a:t>
+            </a:r>
+          </a:p>
+          <a:p>
+            <a:r>
+              <a:rPr lang="de-DE" dirty="0" smtClean="0"/>
+              <a:t>Entgegennahme Reservierung</a:t>
+            </a:r>
+          </a:p>
+          <a:p>
+            <a:r>
+              <a:rPr lang="de-DE" dirty="0" smtClean="0"/>
+              <a:t>Ausgehende Email</a:t>
+            </a:r>
+          </a:p>
+          <a:p>
+            <a:r>
+              <a:rPr lang="de-DE" dirty="0" smtClean="0"/>
+              <a:t>Testdaten</a:t>
+            </a:r>
+            <a:endParaRPr lang="de-DE" dirty="0" smtClean="0"/>
+          </a:p>
+        </p:txBody>
+      </p:sp>
+      <p:pic>
+        <p:nvPicPr>
+          <p:cNvPr id="2050" name="Picture 2" descr="C:\Users\Jan\Desktop\weiterbildung_fachinformatiker_ihk_projektantrag\praesentation\navi2.gif"/>
+          <p:cNvPicPr>
+            <a:picLocks noChangeAspect="1" noChangeArrowheads="1"/>
+          </p:cNvPicPr>
+          <p:nvPr/>
+        </p:nvPicPr>
+        <p:blipFill>
+          <a:blip r:embed="rId2" cstate="print"/>
+          <a:srcRect/>
+          <a:stretch>
+            <a:fillRect/>
+          </a:stretch>
+        </p:blipFill>
+        <p:spPr bwMode="auto">
+          <a:xfrm>
+            <a:off x="0" y="6210300"/>
+            <a:ext cx="5162550" cy="647700"/>
+          </a:xfrm>
+          <a:prstGeom prst="rect">
+            <a:avLst/>
+          </a:prstGeom>
+          <a:noFill/>
+        </p:spPr>
+      </p:pic>
     </p:spTree>
   </p:cSld>
   <p:clrMapOvr>
@@ -5007,6 +6004,32 @@
           </a:p>
         </p:txBody>
       </p:sp>
+      <p:sp>
+        <p:nvSpPr>
+          <p:cNvPr id="4" name="Foliennummernplatzhalter 3"/>
+          <p:cNvSpPr>
+            <a:spLocks noGrp="1"/>
+          </p:cNvSpPr>
+          <p:nvPr>
+            <p:ph type="sldNum" sz="quarter" idx="12"/>
+          </p:nvPr>
+        </p:nvSpPr>
+        <p:spPr/>
+        <p:txBody>
+          <a:bodyPr>
+            <a:normAutofit fontScale="85000" lnSpcReduction="20000"/>
+          </a:bodyPr>
+          <a:lstStyle/>
+          <a:p>
+            <a:fld id="{F6741669-CF2E-4015-A056-54B33D7C161D}" type="slidenum">
+              <a:rPr lang="de-DE" smtClean="0"/>
+              <a:pPr/>
+              <a:t>5</a:t>
+            </a:fld>
+            <a:endParaRPr lang="de-DE"/>
+          </a:p>
+        </p:txBody>
+      </p:sp>
       <p:pic>
         <p:nvPicPr>
           <p:cNvPr id="6" name="Inhaltsplatzhalter 5" descr="hbs_schema.jpg"/>
@@ -5014,7 +6037,7 @@
             <a:picLocks noGrp="1" noChangeAspect="1"/>
           </p:cNvPicPr>
           <p:nvPr>
-            <p:ph idx="1"/>
+            <p:ph sz="quarter" idx="1"/>
           </p:nvPr>
         </p:nvPicPr>
         <p:blipFill>
@@ -5025,35 +6048,37 @@
         </p:blipFill>
         <p:spPr>
           <a:xfrm>
-            <a:off x="1475656" y="1484785"/>
-            <a:ext cx="6061646" cy="4608512"/>
+            <a:off x="1475656" y="1628799"/>
+            <a:ext cx="6061646" cy="4464497"/>
           </a:xfrm>
         </p:spPr>
       </p:pic>
-      <p:sp>
-        <p:nvSpPr>
-          <p:cNvPr id="4" name="Foliennummernplatzhalter 3"/>
-          <p:cNvSpPr>
-            <a:spLocks noGrp="1"/>
-          </p:cNvSpPr>
-          <p:nvPr>
-            <p:ph type="sldNum" sz="quarter" idx="12"/>
-          </p:nvPr>
-        </p:nvSpPr>
-        <p:spPr/>
-        <p:txBody>
-          <a:bodyPr/>
-          <a:lstStyle/>
-          <a:p>
-            <a:fld id="{F6741669-CF2E-4015-A056-54B33D7C161D}" type="slidenum">
-              <a:rPr lang="de-DE" smtClean="0"/>
-              <a:pPr/>
-              <a:t>5</a:t>
-            </a:fld>
-            <a:endParaRPr lang="de-DE"/>
-          </a:p>
-        </p:txBody>
-      </p:sp>
+      <p:pic>
+        <p:nvPicPr>
+          <p:cNvPr id="3074" name="Picture 2" descr="C:\Users\Jan\Desktop\weiterbildung_fachinformatiker_ihk_projektantrag\praesentation\navi2.gif"/>
+          <p:cNvPicPr>
+            <a:picLocks noChangeAspect="1" noChangeArrowheads="1"/>
+          </p:cNvPicPr>
+          <p:nvPr/>
+        </p:nvPicPr>
+        <p:blipFill>
+          <a:blip r:embed="rId3" cstate="print"/>
+          <a:srcRect/>
+          <a:stretch>
+            <a:fillRect/>
+          </a:stretch>
+        </p:blipFill>
+        <p:spPr bwMode="auto">
+          <a:xfrm>
+            <a:off x="0" y="6210300"/>
+            <a:ext cx="5162550" cy="647700"/>
+          </a:xfrm>
+          <a:prstGeom prst="rect">
+            <a:avLst/>
+          </a:prstGeom>
+          <a:noFill/>
+        </p:spPr>
+      </p:pic>
     </p:spTree>
   </p:cSld>
   <p:clrMapOvr>
@@ -5063,7 +6088,7 @@
 </file>
 
 <file path=ppt/slides/slide6.xml><?xml version="1.0" encoding="utf-8"?>
-<p:sld xmlns:a="http://schemas.openxmlformats.org/drawingml/2006/main" xmlns:r="http://schemas.openxmlformats.org/officeDocument/2006/relationships" xmlns:p="http://schemas.openxmlformats.org/presentationml/2006/main">
+<p:sld xmlns:a="http://schemas.openxmlformats.org/drawingml/2006/main" xmlns:r="http://schemas.openxmlformats.org/officeDocument/2006/relationships" xmlns:p="http://schemas.openxmlformats.org/presentationml/2006/main" showMasterSp="0">
   <p:cSld>
     <p:spTree>
       <p:nvGrpSpPr>
@@ -5111,7 +6136,7 @@
             <a:picLocks noGrp="1" noChangeAspect="1"/>
           </p:cNvPicPr>
           <p:nvPr>
-            <p:ph sz="half" idx="1"/>
+            <p:ph sz="quarter" idx="1"/>
           </p:nvPr>
         </p:nvPicPr>
         <p:blipFill>
@@ -5122,8 +6147,8 @@
         </p:blipFill>
         <p:spPr>
           <a:xfrm>
-            <a:off x="1183961" y="1600200"/>
-            <a:ext cx="2585077" cy="4525963"/>
+            <a:off x="1260008" y="1611839"/>
+            <a:ext cx="2585383" cy="4526498"/>
           </a:xfrm>
         </p:spPr>
       </p:pic>
@@ -5134,7 +6159,7 @@
             <a:picLocks noGrp="1" noChangeAspect="1"/>
           </p:cNvPicPr>
           <p:nvPr>
-            <p:ph sz="half" idx="2"/>
+            <p:ph sz="quarter" idx="2"/>
           </p:nvPr>
         </p:nvPicPr>
         <p:blipFill>
@@ -5145,11 +6170,37 @@
         </p:blipFill>
         <p:spPr>
           <a:xfrm>
-            <a:off x="5374961" y="1600200"/>
-            <a:ext cx="2585077" cy="4525963"/>
+            <a:off x="5495458" y="1611839"/>
+            <a:ext cx="2585383" cy="4526498"/>
           </a:xfrm>
         </p:spPr>
       </p:pic>
+      <p:sp>
+        <p:nvSpPr>
+          <p:cNvPr id="14" name="Foliennummernplatzhalter 13"/>
+          <p:cNvSpPr>
+            <a:spLocks noGrp="1"/>
+          </p:cNvSpPr>
+          <p:nvPr>
+            <p:ph type="sldNum" sz="quarter" idx="16"/>
+          </p:nvPr>
+        </p:nvSpPr>
+        <p:spPr/>
+        <p:txBody>
+          <a:bodyPr>
+            <a:normAutofit fontScale="85000" lnSpcReduction="20000"/>
+          </a:bodyPr>
+          <a:lstStyle/>
+          <a:p>
+            <a:fld id="{F6741669-CF2E-4015-A056-54B33D7C161D}" type="slidenum">
+              <a:rPr lang="de-DE" smtClean="0"/>
+              <a:pPr/>
+              <a:t>6</a:t>
+            </a:fld>
+            <a:endParaRPr lang="de-DE"/>
+          </a:p>
+        </p:txBody>
+      </p:sp>
       <p:cxnSp>
         <p:nvCxnSpPr>
           <p:cNvPr id="9" name="Gerade Verbindung 8"/>
@@ -5249,7 +6300,7 @@
         <p:spPr>
           <a:xfrm>
             <a:off x="3851920" y="2708920"/>
-            <a:ext cx="1368152" cy="369332"/>
+            <a:ext cx="1728192" cy="369332"/>
           </a:xfrm>
           <a:prstGeom prst="rect">
             <a:avLst/>
@@ -5279,7 +6330,7 @@
         <p:spPr>
           <a:xfrm>
             <a:off x="3851920" y="3284984"/>
-            <a:ext cx="1296144" cy="369332"/>
+            <a:ext cx="1728192" cy="369332"/>
           </a:xfrm>
           <a:prstGeom prst="rect">
             <a:avLst/>
@@ -5309,7 +6360,7 @@
         <p:spPr>
           <a:xfrm>
             <a:off x="3851920" y="3933056"/>
-            <a:ext cx="1296144" cy="369332"/>
+            <a:ext cx="1800200" cy="369332"/>
           </a:xfrm>
           <a:prstGeom prst="rect">
             <a:avLst/>
@@ -5360,30 +6411,32 @@
           </a:fontRef>
         </p:style>
       </p:cxnSp>
-      <p:sp>
-        <p:nvSpPr>
-          <p:cNvPr id="14" name="Foliennummernplatzhalter 13"/>
-          <p:cNvSpPr>
-            <a:spLocks noGrp="1"/>
-          </p:cNvSpPr>
-          <p:nvPr>
-            <p:ph type="sldNum" sz="quarter" idx="12"/>
-          </p:nvPr>
-        </p:nvSpPr>
-        <p:spPr/>
-        <p:txBody>
-          <a:bodyPr/>
-          <a:lstStyle/>
-          <a:p>
-            <a:fld id="{F6741669-CF2E-4015-A056-54B33D7C161D}" type="slidenum">
-              <a:rPr lang="de-DE" smtClean="0"/>
-              <a:pPr/>
-              <a:t>6</a:t>
-            </a:fld>
-            <a:endParaRPr lang="de-DE"/>
-          </a:p>
-        </p:txBody>
-      </p:sp>
+      <p:pic>
+        <p:nvPicPr>
+          <p:cNvPr id="4098" name="Picture 2" descr="C:\Users\Jan\Desktop\weiterbildung_fachinformatiker_ihk_projektantrag\praesentation\navi2.gif"/>
+          <p:cNvPicPr>
+            <a:picLocks noChangeAspect="1" noChangeArrowheads="1"/>
+          </p:cNvPicPr>
+          <p:nvPr/>
+        </p:nvPicPr>
+        <p:blipFill>
+          <a:blip r:embed="rId4" cstate="print"/>
+          <a:srcRect/>
+          <a:stretch>
+            <a:fillRect/>
+          </a:stretch>
+        </p:blipFill>
+        <p:spPr bwMode="auto">
+          <a:xfrm>
+            <a:off x="0" y="6210300"/>
+            <a:ext cx="5162550" cy="647700"/>
+          </a:xfrm>
+          <a:prstGeom prst="rect">
+            <a:avLst/>
+          </a:prstGeom>
+          <a:noFill/>
+        </p:spPr>
+      </p:pic>
     </p:spTree>
   </p:cSld>
   <p:clrMapOvr>
@@ -5434,95 +6487,19 @@
       </p:sp>
       <p:sp>
         <p:nvSpPr>
-          <p:cNvPr id="3" name="Inhaltsplatzhalter 2"/>
-          <p:cNvSpPr>
-            <a:spLocks noGrp="1"/>
-          </p:cNvSpPr>
-          <p:nvPr>
-            <p:ph idx="1"/>
+          <p:cNvPr id="4" name="Foliennummernplatzhalter 3"/>
+          <p:cNvSpPr>
+            <a:spLocks noGrp="1"/>
+          </p:cNvSpPr>
+          <p:nvPr>
+            <p:ph type="sldNum" sz="quarter" idx="12"/>
           </p:nvPr>
         </p:nvSpPr>
         <p:spPr/>
         <p:txBody>
           <a:bodyPr>
-            <a:normAutofit lnSpcReduction="10000"/>
+            <a:normAutofit fontScale="85000" lnSpcReduction="20000"/>
           </a:bodyPr>
-          <a:lstStyle/>
-          <a:p>
-            <a:r>
-              <a:rPr lang="de-DE" dirty="0" smtClean="0"/>
-              <a:t>Webservice</a:t>
-            </a:r>
-          </a:p>
-          <a:p>
-            <a:r>
-              <a:rPr lang="de-DE" dirty="0" smtClean="0"/>
-              <a:t>Geringer Datenverkehr</a:t>
-            </a:r>
-          </a:p>
-          <a:p>
-            <a:r>
-              <a:rPr lang="de-DE" dirty="0" smtClean="0"/>
-              <a:t>Trennung Darstellung – Geschäftslogik</a:t>
-            </a:r>
-          </a:p>
-          <a:p>
-            <a:r>
-              <a:rPr lang="de-DE" dirty="0" smtClean="0"/>
-              <a:t>Datenaustausch : </a:t>
-            </a:r>
-            <a:r>
-              <a:rPr lang="de-DE" dirty="0" smtClean="0"/>
-              <a:t>JSON als Datenformat</a:t>
-            </a:r>
-            <a:endParaRPr lang="de-DE" dirty="0" smtClean="0"/>
-          </a:p>
-          <a:p>
-            <a:r>
-              <a:rPr lang="de-DE" dirty="0" smtClean="0"/>
-              <a:t>Definition der </a:t>
-            </a:r>
-            <a:r>
-              <a:rPr lang="de-DE" dirty="0" smtClean="0"/>
-              <a:t>JSON Struktur</a:t>
-            </a:r>
-          </a:p>
-          <a:p>
-            <a:r>
-              <a:rPr lang="de-DE" dirty="0" smtClean="0"/>
-              <a:t>PHP als Grundlage</a:t>
-            </a:r>
-          </a:p>
-          <a:p>
-            <a:r>
-              <a:rPr lang="de-DE" dirty="0" smtClean="0"/>
-              <a:t>Symfony3 : MVC - Framework</a:t>
-            </a:r>
-          </a:p>
-          <a:p>
-            <a:r>
-              <a:rPr lang="de-DE" dirty="0" smtClean="0"/>
-              <a:t>Verwendung Quelloffener Software</a:t>
-            </a:r>
-          </a:p>
-          <a:p>
-            <a:endParaRPr lang="de-DE" dirty="0"/>
-          </a:p>
-        </p:txBody>
-      </p:sp>
-      <p:sp>
-        <p:nvSpPr>
-          <p:cNvPr id="4" name="Foliennummernplatzhalter 3"/>
-          <p:cNvSpPr>
-            <a:spLocks noGrp="1"/>
-          </p:cNvSpPr>
-          <p:nvPr>
-            <p:ph type="sldNum" sz="quarter" idx="12"/>
-          </p:nvPr>
-        </p:nvSpPr>
-        <p:spPr/>
-        <p:txBody>
-          <a:bodyPr/>
           <a:lstStyle/>
           <a:p>
             <a:fld id="{F6741669-CF2E-4015-A056-54B33D7C161D}" type="slidenum">
@@ -5534,6 +6511,142 @@
           </a:p>
         </p:txBody>
       </p:sp>
+      <p:sp>
+        <p:nvSpPr>
+          <p:cNvPr id="3" name="Inhaltsplatzhalter 2"/>
+          <p:cNvSpPr>
+            <a:spLocks noGrp="1"/>
+          </p:cNvSpPr>
+          <p:nvPr>
+            <p:ph sz="quarter" idx="1"/>
+          </p:nvPr>
+        </p:nvSpPr>
+        <p:spPr/>
+        <p:txBody>
+          <a:bodyPr>
+            <a:normAutofit/>
+          </a:bodyPr>
+          <a:lstStyle/>
+          <a:p>
+            <a:r>
+              <a:rPr lang="de-DE" dirty="0" smtClean="0"/>
+              <a:t>Webservice</a:t>
+            </a:r>
+          </a:p>
+          <a:p>
+            <a:r>
+              <a:rPr lang="de-DE" dirty="0" smtClean="0"/>
+              <a:t>Minimaler</a:t>
+            </a:r>
+            <a:r>
+              <a:rPr lang="de-DE" dirty="0" smtClean="0"/>
+              <a:t> </a:t>
+            </a:r>
+            <a:r>
+              <a:rPr lang="de-DE" dirty="0" smtClean="0"/>
+              <a:t>Datenverkehr</a:t>
+            </a:r>
+          </a:p>
+          <a:p>
+            <a:r>
+              <a:rPr lang="de-DE" dirty="0" smtClean="0"/>
+              <a:t>Trennung </a:t>
+            </a:r>
+            <a:r>
+              <a:rPr lang="de-DE" dirty="0" smtClean="0"/>
+              <a:t>von Darstellung </a:t>
+            </a:r>
+            <a:r>
+              <a:rPr lang="de-DE" dirty="0" smtClean="0"/>
+              <a:t>&amp;</a:t>
+            </a:r>
+            <a:r>
+              <a:rPr lang="de-DE" dirty="0" smtClean="0"/>
+              <a:t> </a:t>
+            </a:r>
+            <a:r>
+              <a:rPr lang="de-DE" dirty="0" smtClean="0"/>
+              <a:t>Geschäftslogik</a:t>
+            </a:r>
+          </a:p>
+          <a:p>
+            <a:r>
+              <a:rPr lang="de-DE" dirty="0" smtClean="0"/>
+              <a:t>Datenaustausch : </a:t>
+            </a:r>
+            <a:r>
+              <a:rPr lang="de-DE" dirty="0" smtClean="0"/>
+              <a:t>JSON als Datenformat</a:t>
+            </a:r>
+            <a:endParaRPr lang="de-DE" dirty="0" smtClean="0"/>
+          </a:p>
+          <a:p>
+            <a:r>
+              <a:rPr lang="de-DE" dirty="0" smtClean="0"/>
+              <a:t>Definition der </a:t>
+            </a:r>
+            <a:r>
+              <a:rPr lang="de-DE" dirty="0" smtClean="0"/>
+              <a:t>JSON Struktur</a:t>
+            </a:r>
+          </a:p>
+          <a:p>
+            <a:r>
+              <a:rPr lang="de-DE" dirty="0" smtClean="0"/>
+              <a:t>PHP als Grundlage</a:t>
+            </a:r>
+          </a:p>
+          <a:p>
+            <a:r>
+              <a:rPr lang="de-DE" dirty="0" smtClean="0"/>
+              <a:t>Symfony3 : MVC - Framework</a:t>
+            </a:r>
+          </a:p>
+          <a:p>
+            <a:r>
+              <a:rPr lang="de-DE" dirty="0" smtClean="0"/>
+              <a:t>Verwendung </a:t>
+            </a:r>
+            <a:r>
+              <a:rPr lang="de-DE" dirty="0" smtClean="0"/>
+              <a:t>quelloffener </a:t>
+            </a:r>
+            <a:r>
+              <a:rPr lang="de-DE" dirty="0" smtClean="0"/>
+              <a:t>Software</a:t>
+            </a:r>
+          </a:p>
+          <a:p>
+            <a:endParaRPr lang="de-DE" dirty="0"/>
+          </a:p>
+        </p:txBody>
+      </p:sp>
+      <p:pic>
+        <p:nvPicPr>
+          <p:cNvPr id="5122" name="Picture 2" descr="C:\Users\Jan\Desktop\weiterbildung_fachinformatiker_ihk_projektantrag\praesentation\navi2.gif"/>
+          <p:cNvPicPr>
+            <a:picLocks noChangeAspect="1" noChangeArrowheads="1"/>
+          </p:cNvPicPr>
+          <p:nvPr/>
+        </p:nvPicPr>
+        <p:blipFill>
+          <a:blip r:embed="rId2" cstate="print"/>
+          <a:srcRect/>
+          <a:stretch>
+            <a:fillRect/>
+          </a:stretch>
+        </p:blipFill>
+        <p:spPr bwMode="auto">
+          <a:xfrm>
+            <a:off x="0" y="6210300"/>
+            <a:ext cx="5162550" cy="647700"/>
+          </a:xfrm>
+          <a:prstGeom prst="rect">
+            <a:avLst/>
+          </a:prstGeom>
+          <a:noFill/>
+        </p:spPr>
+      </p:pic>
     </p:spTree>
   </p:cSld>
   <p:clrMapOvr>
@@ -5586,61 +6699,6 @@
       </p:sp>
       <p:sp>
         <p:nvSpPr>
-          <p:cNvPr id="3" name="Inhaltsplatzhalter 2"/>
-          <p:cNvSpPr>
-            <a:spLocks noGrp="1"/>
-          </p:cNvSpPr>
-          <p:nvPr>
-            <p:ph idx="1"/>
-          </p:nvPr>
-        </p:nvSpPr>
-        <p:spPr/>
-        <p:txBody>
-          <a:bodyPr/>
-          <a:lstStyle/>
-          <a:p>
-            <a:r>
-              <a:rPr lang="de-DE" dirty="0" smtClean="0"/>
-              <a:t>Hotel</a:t>
-            </a:r>
-          </a:p>
-          <a:p>
-            <a:r>
-              <a:rPr lang="de-DE" dirty="0" smtClean="0"/>
-              <a:t>Zimmerkategorie (Einzel, Doppel, </a:t>
-            </a:r>
-            <a:r>
-              <a:rPr lang="de-DE" dirty="0" err="1" smtClean="0"/>
-              <a:t>Dreibett</a:t>
-            </a:r>
-            <a:r>
-              <a:rPr lang="de-DE" dirty="0" smtClean="0"/>
-              <a:t> …)</a:t>
-            </a:r>
-          </a:p>
-          <a:p>
-            <a:r>
-              <a:rPr lang="de-DE" dirty="0" smtClean="0"/>
-              <a:t>Zusatzprodukt (Vollpension, Sektfrühstück …)</a:t>
-            </a:r>
-          </a:p>
-          <a:p>
-            <a:r>
-              <a:rPr lang="de-DE" dirty="0" smtClean="0"/>
-              <a:t>Preis</a:t>
-            </a:r>
-          </a:p>
-          <a:p>
-            <a:r>
-              <a:rPr lang="de-DE" dirty="0" smtClean="0"/>
-              <a:t>Verfügbarkeit : nur für Zimmerkategorie</a:t>
-            </a:r>
-            <a:endParaRPr lang="de-DE" dirty="0"/>
-          </a:p>
-        </p:txBody>
-      </p:sp>
-      <p:sp>
-        <p:nvSpPr>
           <p:cNvPr id="4" name="Foliennummernplatzhalter 3"/>
           <p:cNvSpPr>
             <a:spLocks noGrp="1"/>
@@ -5651,7 +6709,9 @@
         </p:nvSpPr>
         <p:spPr/>
         <p:txBody>
-          <a:bodyPr/>
+          <a:bodyPr>
+            <a:normAutofit fontScale="85000" lnSpcReduction="20000"/>
+          </a:bodyPr>
           <a:lstStyle/>
           <a:p>
             <a:fld id="{F6741669-CF2E-4015-A056-54B33D7C161D}" type="slidenum">
@@ -5663,6 +6723,87 @@
           </a:p>
         </p:txBody>
       </p:sp>
+      <p:sp>
+        <p:nvSpPr>
+          <p:cNvPr id="3" name="Inhaltsplatzhalter 2"/>
+          <p:cNvSpPr>
+            <a:spLocks noGrp="1"/>
+          </p:cNvSpPr>
+          <p:nvPr>
+            <p:ph sz="quarter" idx="1"/>
+          </p:nvPr>
+        </p:nvSpPr>
+        <p:spPr/>
+        <p:txBody>
+          <a:bodyPr/>
+          <a:lstStyle/>
+          <a:p>
+            <a:r>
+              <a:rPr lang="de-DE" dirty="0" smtClean="0"/>
+              <a:t>Hotel</a:t>
+            </a:r>
+          </a:p>
+          <a:p>
+            <a:r>
+              <a:rPr lang="de-DE" dirty="0" smtClean="0"/>
+              <a:t>Zimmerkategorie (Einzel, Doppel, </a:t>
+            </a:r>
+            <a:r>
+              <a:rPr lang="de-DE" dirty="0" err="1" smtClean="0"/>
+              <a:t>Dreibett</a:t>
+            </a:r>
+            <a:r>
+              <a:rPr lang="de-DE" dirty="0" smtClean="0"/>
+              <a:t> …)</a:t>
+            </a:r>
+          </a:p>
+          <a:p>
+            <a:r>
+              <a:rPr lang="de-DE" dirty="0" smtClean="0"/>
+              <a:t>Zusatzprodukt (Vollpension, Sektfrühstück …)</a:t>
+            </a:r>
+          </a:p>
+          <a:p>
+            <a:r>
+              <a:rPr lang="de-DE" dirty="0" smtClean="0"/>
+              <a:t>Preis</a:t>
+            </a:r>
+          </a:p>
+          <a:p>
+            <a:r>
+              <a:rPr lang="de-DE" dirty="0" smtClean="0"/>
+              <a:t>Verfügbarkeit : nur für Zimmerkategorie</a:t>
+            </a:r>
+            <a:endParaRPr lang="de-DE" dirty="0"/>
+          </a:p>
+        </p:txBody>
+      </p:sp>
+      <p:pic>
+        <p:nvPicPr>
+          <p:cNvPr id="6146" name="Picture 2" descr="C:\Users\Jan\Desktop\weiterbildung_fachinformatiker_ihk_projektantrag\praesentation\navi3.gif"/>
+          <p:cNvPicPr>
+            <a:picLocks noChangeAspect="1" noChangeArrowheads="1"/>
+          </p:cNvPicPr>
+          <p:nvPr/>
+        </p:nvPicPr>
+        <p:blipFill>
+          <a:blip r:embed="rId2" cstate="print"/>
+          <a:srcRect/>
+          <a:stretch>
+            <a:fillRect/>
+          </a:stretch>
+        </p:blipFill>
+        <p:spPr bwMode="auto">
+          <a:xfrm>
+            <a:off x="0" y="6200775"/>
+            <a:ext cx="5153026" cy="657225"/>
+          </a:xfrm>
+          <a:prstGeom prst="rect">
+            <a:avLst/>
+          </a:prstGeom>
+          <a:noFill/>
+        </p:spPr>
+      </p:pic>
     </p:spTree>
   </p:cSld>
   <p:clrMapOvr>
@@ -5713,93 +6854,6 @@
       </p:sp>
       <p:sp>
         <p:nvSpPr>
-          <p:cNvPr id="3" name="Inhaltsplatzhalter 2"/>
-          <p:cNvSpPr>
-            <a:spLocks noGrp="1"/>
-          </p:cNvSpPr>
-          <p:nvPr>
-            <p:ph idx="1"/>
-          </p:nvPr>
-        </p:nvSpPr>
-        <p:spPr/>
-        <p:txBody>
-          <a:bodyPr/>
-          <a:lstStyle/>
-          <a:p>
-            <a:r>
-              <a:rPr lang="de-DE" dirty="0" smtClean="0"/>
-              <a:t>1 : </a:t>
-            </a:r>
-            <a:r>
-              <a:rPr lang="de-DE" dirty="0" err="1" smtClean="0"/>
-              <a:t>Apps</a:t>
-            </a:r>
-            <a:r>
-              <a:rPr lang="de-DE" dirty="0" smtClean="0"/>
-              <a:t> &lt;- Server – statische Daten</a:t>
-            </a:r>
-          </a:p>
-          <a:p>
-            <a:r>
-              <a:rPr lang="de-DE" dirty="0" smtClean="0"/>
-              <a:t>2 : </a:t>
-            </a:r>
-            <a:r>
-              <a:rPr lang="de-DE" dirty="0" err="1" smtClean="0"/>
-              <a:t>Apps</a:t>
-            </a:r>
-            <a:r>
-              <a:rPr lang="de-DE" dirty="0" smtClean="0"/>
-              <a:t> &lt;- Server – Preise &amp; Verfügbarkeiten</a:t>
-            </a:r>
-          </a:p>
-          <a:p>
-            <a:r>
-              <a:rPr lang="de-DE" dirty="0" smtClean="0"/>
-              <a:t>3a : </a:t>
-            </a:r>
-            <a:r>
-              <a:rPr lang="de-DE" dirty="0" err="1" smtClean="0"/>
-              <a:t>Apps</a:t>
-            </a:r>
-            <a:r>
-              <a:rPr lang="de-DE" dirty="0" smtClean="0"/>
-              <a:t> -&gt; Server – Warenkorb</a:t>
-            </a:r>
-          </a:p>
-          <a:p>
-            <a:r>
-              <a:rPr lang="de-DE" dirty="0" smtClean="0"/>
-              <a:t>3b : </a:t>
-            </a:r>
-            <a:r>
-              <a:rPr lang="de-DE" dirty="0" err="1" smtClean="0"/>
-              <a:t>Apps</a:t>
-            </a:r>
-            <a:r>
-              <a:rPr lang="de-DE" dirty="0" smtClean="0"/>
-              <a:t> -&gt; Server – Gesamtpreis</a:t>
-            </a:r>
-          </a:p>
-          <a:p>
-            <a:r>
-              <a:rPr lang="de-DE" dirty="0" smtClean="0"/>
-              <a:t>4 : </a:t>
-            </a:r>
-            <a:r>
-              <a:rPr lang="de-DE" dirty="0" err="1" smtClean="0"/>
-              <a:t>Apps</a:t>
-            </a:r>
-            <a:r>
-              <a:rPr lang="de-DE" dirty="0" smtClean="0"/>
-              <a:t> -&gt; Server – Warenkorb + Nutzerdaten</a:t>
-            </a:r>
-            <a:endParaRPr lang="de-DE" dirty="0"/>
-          </a:p>
-        </p:txBody>
-      </p:sp>
-      <p:sp>
-        <p:nvSpPr>
           <p:cNvPr id="4" name="Foliennummernplatzhalter 3"/>
           <p:cNvSpPr>
             <a:spLocks noGrp="1"/>
@@ -5810,7 +6864,9 @@
         </p:nvSpPr>
         <p:spPr/>
         <p:txBody>
-          <a:bodyPr/>
+          <a:bodyPr>
+            <a:normAutofit fontScale="85000" lnSpcReduction="20000"/>
+          </a:bodyPr>
           <a:lstStyle/>
           <a:p>
             <a:fld id="{F6741669-CF2E-4015-A056-54B33D7C161D}" type="slidenum">
@@ -5822,6 +6878,119 @@
           </a:p>
         </p:txBody>
       </p:sp>
+      <p:sp>
+        <p:nvSpPr>
+          <p:cNvPr id="3" name="Inhaltsplatzhalter 2"/>
+          <p:cNvSpPr>
+            <a:spLocks noGrp="1"/>
+          </p:cNvSpPr>
+          <p:nvPr>
+            <p:ph sz="quarter" idx="1"/>
+          </p:nvPr>
+        </p:nvSpPr>
+        <p:spPr/>
+        <p:txBody>
+          <a:bodyPr/>
+          <a:lstStyle/>
+          <a:p>
+            <a:r>
+              <a:rPr lang="de-DE" dirty="0" smtClean="0"/>
+              <a:t>1 : </a:t>
+            </a:r>
+            <a:r>
+              <a:rPr lang="de-DE" dirty="0" err="1" smtClean="0"/>
+              <a:t>Apps</a:t>
+            </a:r>
+            <a:r>
+              <a:rPr lang="de-DE" dirty="0" smtClean="0"/>
+              <a:t> &lt;- Server – statische Daten</a:t>
+            </a:r>
+          </a:p>
+          <a:p>
+            <a:r>
+              <a:rPr lang="de-DE" dirty="0" smtClean="0"/>
+              <a:t>2 : </a:t>
+            </a:r>
+            <a:r>
+              <a:rPr lang="de-DE" dirty="0" err="1" smtClean="0"/>
+              <a:t>Apps</a:t>
+            </a:r>
+            <a:r>
+              <a:rPr lang="de-DE" dirty="0" smtClean="0"/>
+              <a:t> &lt;- Server – Preise &amp; Verfügbarkeiten</a:t>
+            </a:r>
+          </a:p>
+          <a:p>
+            <a:r>
+              <a:rPr lang="de-DE" dirty="0" smtClean="0"/>
+              <a:t>3a : </a:t>
+            </a:r>
+            <a:r>
+              <a:rPr lang="de-DE" dirty="0" err="1" smtClean="0"/>
+              <a:t>Apps</a:t>
+            </a:r>
+            <a:r>
+              <a:rPr lang="de-DE" dirty="0" smtClean="0"/>
+              <a:t> -&gt; Server – Warenkorb</a:t>
+            </a:r>
+          </a:p>
+          <a:p>
+            <a:r>
+              <a:rPr lang="de-DE" dirty="0" smtClean="0"/>
+              <a:t>3b : </a:t>
+            </a:r>
+            <a:r>
+              <a:rPr lang="de-DE" dirty="0" err="1" smtClean="0"/>
+              <a:t>Apps</a:t>
+            </a:r>
+            <a:r>
+              <a:rPr lang="de-DE" dirty="0" smtClean="0"/>
+              <a:t> -&gt; Server – Gesamtpreis</a:t>
+            </a:r>
+          </a:p>
+          <a:p>
+            <a:r>
+              <a:rPr lang="de-DE" dirty="0" smtClean="0"/>
+              <a:t>4 : </a:t>
+            </a:r>
+            <a:r>
+              <a:rPr lang="de-DE" dirty="0" err="1" smtClean="0"/>
+              <a:t>Apps</a:t>
+            </a:r>
+            <a:r>
+              <a:rPr lang="de-DE" dirty="0" smtClean="0"/>
+              <a:t> -&gt; Server – Warenkorb + Nutzerdaten</a:t>
+            </a:r>
+            <a:endParaRPr lang="de-DE" dirty="0"/>
+          </a:p>
+        </p:txBody>
+      </p:sp>
+      <p:pic>
+        <p:nvPicPr>
+          <p:cNvPr id="7170" name="Picture 2" descr="C:\Users\Jan\Desktop\weiterbildung_fachinformatiker_ihk_projektantrag\praesentation\navi3.gif"/>
+          <p:cNvPicPr>
+            <a:picLocks noChangeAspect="1" noChangeArrowheads="1"/>
+          </p:cNvPicPr>
+          <p:nvPr/>
+        </p:nvPicPr>
+        <p:blipFill>
+          <a:blip r:embed="rId2" cstate="print"/>
+          <a:srcRect/>
+          <a:stretch>
+            <a:fillRect/>
+          </a:stretch>
+        </p:blipFill>
+        <p:spPr bwMode="auto">
+          <a:xfrm>
+            <a:off x="0" y="6200775"/>
+            <a:ext cx="5153025" cy="657225"/>
+          </a:xfrm>
+          <a:prstGeom prst="rect">
+            <a:avLst/>
+          </a:prstGeom>
+          <a:noFill/>
+        </p:spPr>
+      </p:pic>
     </p:spTree>
   </p:cSld>
   <p:clrMapOvr>
@@ -5831,9 +7000,9 @@
 </file>
 
 <file path=ppt/theme/theme1.xml><?xml version="1.0" encoding="utf-8"?>
-<a:theme xmlns:a="http://schemas.openxmlformats.org/drawingml/2006/main" name="Larissa-Design">
+<a:theme xmlns:a="http://schemas.openxmlformats.org/drawingml/2006/main" name="Galathea">
   <a:themeElements>
-    <a:clrScheme name="Larissa">
+    <a:clrScheme name="Papier">
       <a:dk1>
         <a:sysClr val="windowText" lastClr="000000"/>
       </a:dk1>
@@ -5841,82 +7010,50 @@
         <a:sysClr val="window" lastClr="FFFFFF"/>
       </a:lt1>
       <a:dk2>
-        <a:srgbClr val="1F497D"/>
+        <a:srgbClr val="444D26"/>
       </a:dk2>
       <a:lt2>
-        <a:srgbClr val="EEECE1"/>
+        <a:srgbClr val="FEFAC9"/>
       </a:lt2>
       <a:accent1>
-        <a:srgbClr val="4F81BD"/>
+        <a:srgbClr val="A5B592"/>
       </a:accent1>
       <a:accent2>
-        <a:srgbClr val="C0504D"/>
+        <a:srgbClr val="F3A447"/>
       </a:accent2>
       <a:accent3>
-        <a:srgbClr val="9BBB59"/>
+        <a:srgbClr val="E7BC29"/>
       </a:accent3>
       <a:accent4>
-        <a:srgbClr val="8064A2"/>
+        <a:srgbClr val="D092A7"/>
       </a:accent4>
       <a:accent5>
-        <a:srgbClr val="4BACC6"/>
+        <a:srgbClr val="9C85C0"/>
       </a:accent5>
       <a:accent6>
-        <a:srgbClr val="F79646"/>
+        <a:srgbClr val="809EC2"/>
       </a:accent6>
       <a:hlink>
-        <a:srgbClr val="0000FF"/>
+        <a:srgbClr val="8E58B6"/>
       </a:hlink>
       <a:folHlink>
-        <a:srgbClr val="800080"/>
+        <a:srgbClr val="7F6F6F"/>
       </a:folHlink>
     </a:clrScheme>
-    <a:fontScheme name="Larissa">
+    <a:fontScheme name="Galathea">
       <a:majorFont>
-        <a:latin typeface="Calibri"/>
+        <a:latin typeface="Tw Cen MT"/>
         <a:ea typeface=""/>
         <a:cs typeface=""/>
-        <a:font script="Jpan" typeface="ＭＳ Ｐゴシック"/>
-        <a:font script="Hang" typeface="맑은 고딕"/>
-        <a:font script="Hans" typeface="宋体"/>
-        <a:font script="Hant" typeface="新細明體"/>
-        <a:font script="Arab" typeface="Times New Roman"/>
-        <a:font script="Hebr" typeface="Times New Roman"/>
-        <a:font script="Thai" typeface="Angsana New"/>
-        <a:font script="Ethi" typeface="Nyala"/>
-        <a:font script="Beng" typeface="Vrinda"/>
-        <a:font script="Gujr" typeface="Shruti"/>
-        <a:font script="Khmr" typeface="MoolBoran"/>
-        <a:font script="Knda" typeface="Tunga"/>
-        <a:font script="Guru" typeface="Raavi"/>
-        <a:font script="Cans" typeface="Euphemia"/>
-        <a:font script="Cher" typeface="Plantagenet Cherokee"/>
-        <a:font script="Yiii" typeface="Microsoft Yi Baiti"/>
-        <a:font script="Tibt" typeface="Microsoft Himalaya"/>
-        <a:font script="Thaa" typeface="MV Boli"/>
-        <a:font script="Deva" typeface="Mangal"/>
-        <a:font script="Telu" typeface="Gautami"/>
-        <a:font script="Taml" typeface="Latha"/>
-        <a:font script="Syrc" typeface="Estrangelo Edessa"/>
-        <a:font script="Orya" typeface="Kalinga"/>
-        <a:font script="Mlym" typeface="Kartika"/>
-        <a:font script="Laoo" typeface="DokChampa"/>
-        <a:font script="Sinh" typeface="Iskoola Pota"/>
-        <a:font script="Mong" typeface="Mongolian Baiti"/>
-        <a:font script="Viet" typeface="Times New Roman"/>
-        <a:font script="Uigh" typeface="Microsoft Uighur"/>
-      </a:majorFont>
-      <a:minorFont>
-        <a:latin typeface="Calibri"/>
-        <a:ea typeface=""/>
-        <a:cs typeface=""/>
-        <a:font script="Jpan" typeface="ＭＳ Ｐゴシック"/>
-        <a:font script="Hang" typeface="맑은 고딕"/>
-        <a:font script="Hans" typeface="宋体"/>
-        <a:font script="Hant" typeface="新細明體"/>
+        <a:font script="Grek" typeface="Calibri"/>
+        <a:font script="Cyrl" typeface="Calibri"/>
+        <a:font script="Jpan" typeface="HGPｺﾞｼｯｸE"/>
+        <a:font script="Hang" typeface="HY얕은샘물M"/>
+        <a:font script="Hans" typeface="华文仿宋"/>
+        <a:font script="Hant" typeface="微軟正黑體"/>
         <a:font script="Arab" typeface="Arial"/>
-        <a:font script="Hebr" typeface="Arial"/>
-        <a:font script="Thai" typeface="Cordia New"/>
+        <a:font script="Hebr" typeface="Levenim MT"/>
+        <a:font script="Thai" typeface="FreesiaUPC"/>
         <a:font script="Ethi" typeface="Nyala"/>
         <a:font script="Beng" typeface="Vrinda"/>
         <a:font script="Gujr" typeface="Shruti"/>
@@ -5937,79 +7074,74 @@
         <a:font script="Laoo" typeface="DokChampa"/>
         <a:font script="Sinh" typeface="Iskoola Pota"/>
         <a:font script="Mong" typeface="Mongolian Baiti"/>
-        <a:font script="Viet" typeface="Arial"/>
+        <a:font script="Viet" typeface="Tahoma"/>
+        <a:font script="Uigh" typeface="Microsoft Uighur"/>
+      </a:majorFont>
+      <a:minorFont>
+        <a:latin typeface="Tw Cen MT"/>
+        <a:ea typeface=""/>
+        <a:cs typeface=""/>
+        <a:font script="Grek" typeface="Calibri"/>
+        <a:font script="Cyrl" typeface="Calibri"/>
+        <a:font script="Jpan" typeface="HGPｺﾞｼｯｸE"/>
+        <a:font script="Hang" typeface="HY얕은샘물M"/>
+        <a:font script="Hans" typeface="华文仿宋"/>
+        <a:font script="Hant" typeface="微軟正黑體"/>
+        <a:font script="Arab" typeface="Arial"/>
+        <a:font script="Hebr" typeface="Levenim MT"/>
+        <a:font script="Thai" typeface="FreesiaUPC"/>
+        <a:font script="Ethi" typeface="Nyala"/>
+        <a:font script="Beng" typeface="Vrinda"/>
+        <a:font script="Gujr" typeface="Shruti"/>
+        <a:font script="Khmr" typeface="DaunPenh"/>
+        <a:font script="Knda" typeface="Tunga"/>
+        <a:font script="Guru" typeface="Raavi"/>
+        <a:font script="Cans" typeface="Euphemia"/>
+        <a:font script="Cher" typeface="Plantagenet Cherokee"/>
+        <a:font script="Yiii" typeface="Microsoft Yi Baiti"/>
+        <a:font script="Tibt" typeface="Microsoft Himalaya"/>
+        <a:font script="Thaa" typeface="MV Boli"/>
+        <a:font script="Deva" typeface="Mangal"/>
+        <a:font script="Telu" typeface="Gautami"/>
+        <a:font script="Taml" typeface="Latha"/>
+        <a:font script="Syrc" typeface="Estrangelo Edessa"/>
+        <a:font script="Orya" typeface="Kalinga"/>
+        <a:font script="Mlym" typeface="Kartika"/>
+        <a:font script="Laoo" typeface="DokChampa"/>
+        <a:font script="Sinh" typeface="Iskoola Pota"/>
+        <a:font script="Mong" typeface="Mongolian Baiti"/>
+        <a:font script="Viet" typeface="Tahoma"/>
         <a:font script="Uigh" typeface="Microsoft Uighur"/>
       </a:minorFont>
     </a:fontScheme>
-    <a:fmtScheme name="Larissa">
+    <a:fmtScheme name="Galathea">
       <a:fillStyleLst>
         <a:solidFill>
           <a:schemeClr val="phClr"/>
         </a:solidFill>
-        <a:gradFill rotWithShape="1">
-          <a:gsLst>
-            <a:gs pos="0">
-              <a:schemeClr val="phClr">
-                <a:tint val="50000"/>
-                <a:satMod val="300000"/>
-              </a:schemeClr>
-            </a:gs>
-            <a:gs pos="35000">
-              <a:schemeClr val="phClr">
-                <a:tint val="37000"/>
-                <a:satMod val="300000"/>
-              </a:schemeClr>
-            </a:gs>
-            <a:gs pos="100000">
-              <a:schemeClr val="phClr">
-                <a:tint val="15000"/>
-                <a:satMod val="350000"/>
-              </a:schemeClr>
-            </a:gs>
-          </a:gsLst>
-          <a:lin ang="16200000" scaled="1"/>
-        </a:gradFill>
-        <a:gradFill rotWithShape="1">
-          <a:gsLst>
-            <a:gs pos="0">
-              <a:schemeClr val="phClr">
-                <a:shade val="51000"/>
-                <a:satMod val="130000"/>
-              </a:schemeClr>
-            </a:gs>
-            <a:gs pos="80000">
-              <a:schemeClr val="phClr">
-                <a:shade val="93000"/>
-                <a:satMod val="130000"/>
-              </a:schemeClr>
-            </a:gs>
-            <a:gs pos="100000">
-              <a:schemeClr val="phClr">
-                <a:shade val="94000"/>
-                <a:satMod val="135000"/>
-              </a:schemeClr>
-            </a:gs>
-          </a:gsLst>
-          <a:lin ang="16200000" scaled="0"/>
-        </a:gradFill>
+        <a:solidFill>
+          <a:schemeClr val="phClr">
+            <a:tint val="50000"/>
+          </a:schemeClr>
+        </a:solidFill>
+        <a:solidFill>
+          <a:schemeClr val="phClr"/>
+        </a:solidFill>
       </a:fillStyleLst>
       <a:lnStyleLst>
-        <a:ln w="9525" cap="flat" cmpd="sng" algn="ctr">
-          <a:solidFill>
-            <a:schemeClr val="phClr">
-              <a:shade val="95000"/>
-              <a:satMod val="105000"/>
-            </a:schemeClr>
-          </a:solidFill>
-          <a:prstDash val="solid"/>
-        </a:ln>
-        <a:ln w="25400" cap="flat" cmpd="sng" algn="ctr">
+        <a:ln w="10000" cap="flat" cmpd="sng" algn="ctr">
           <a:solidFill>
             <a:schemeClr val="phClr"/>
           </a:solidFill>
           <a:prstDash val="solid"/>
         </a:ln>
-        <a:ln w="38100" cap="flat" cmpd="sng" algn="ctr">
+        <a:ln w="19050" cap="flat" cmpd="sng" algn="ctr">
+          <a:solidFill>
+            <a:schemeClr val="phClr"/>
+          </a:solidFill>
+          <a:prstDash val="solid"/>
+        </a:ln>
+        <a:ln w="47625" cap="flat" cmpd="dbl" algn="ctr">
           <a:solidFill>
             <a:schemeClr val="phClr"/>
           </a:solidFill>
@@ -6019,40 +7151,43 @@
       <a:effectStyleLst>
         <a:effectStyle>
           <a:effectLst>
-            <a:outerShdw blurRad="40000" dist="20000" dir="5400000" rotWithShape="0">
+            <a:outerShdw blurRad="38100" dist="30000" dir="5400000" rotWithShape="0">
               <a:srgbClr val="000000">
-                <a:alpha val="38000"/>
+                <a:alpha val="45000"/>
               </a:srgbClr>
             </a:outerShdw>
           </a:effectLst>
         </a:effectStyle>
         <a:effectStyle>
           <a:effectLst>
-            <a:outerShdw blurRad="40000" dist="23000" dir="5400000" rotWithShape="0">
+            <a:outerShdw blurRad="38100" dist="30000" dir="5400000" rotWithShape="0">
               <a:srgbClr val="000000">
-                <a:alpha val="35000"/>
+                <a:alpha val="45000"/>
               </a:srgbClr>
             </a:outerShdw>
           </a:effectLst>
         </a:effectStyle>
         <a:effectStyle>
           <a:effectLst>
-            <a:outerShdw blurRad="40000" dist="23000" dir="5400000" rotWithShape="0">
+            <a:outerShdw blurRad="38100" dist="25400" dir="5400000" rotWithShape="0">
               <a:srgbClr val="000000">
                 <a:alpha val="35000"/>
               </a:srgbClr>
             </a:outerShdw>
           </a:effectLst>
           <a:scene3d>
-            <a:camera prst="orthographicFront">
+            <a:camera prst="isometricTopDown" fov="0">
               <a:rot lat="0" lon="0" rev="0"/>
             </a:camera>
-            <a:lightRig rig="threePt" dir="t">
-              <a:rot lat="0" lon="0" rev="1200000"/>
+            <a:lightRig rig="balanced" dir="t">
+              <a:rot lat="0" lon="0" rev="13800000"/>
             </a:lightRig>
           </a:scene3d>
-          <a:sp3d>
-            <a:bevelT w="63500" h="25400"/>
+          <a:sp3d extrusionH="12700" prstMaterial="plastic">
+            <a:bevelT w="38100" h="25400" prst="softRound"/>
+            <a:contourClr>
+              <a:schemeClr val="phClr"/>
+            </a:contourClr>
           </a:sp3d>
         </a:effectStyle>
       </a:effectStyleLst>
@@ -6060,51 +7195,34 @@
         <a:solidFill>
           <a:schemeClr val="phClr"/>
         </a:solidFill>
-        <a:gradFill rotWithShape="1">
-          <a:gsLst>
-            <a:gs pos="0">
+        <a:blipFill>
+          <a:blip xmlns:r="http://schemas.openxmlformats.org/officeDocument/2006/relationships" r:embed="rId1">
+            <a:duotone>
               <a:schemeClr val="phClr">
-                <a:tint val="40000"/>
-                <a:satMod val="350000"/>
+                <a:shade val="90000"/>
+                <a:satMod val="140000"/>
               </a:schemeClr>
-            </a:gs>
-            <a:gs pos="40000">
               <a:schemeClr val="phClr">
-                <a:tint val="45000"/>
-                <a:shade val="99000"/>
-                <a:satMod val="350000"/>
+                <a:satMod val="120000"/>
               </a:schemeClr>
-            </a:gs>
-            <a:gs pos="100000">
+            </a:duotone>
+          </a:blip>
+          <a:tile tx="0" ty="0" sx="100000" sy="100000" flip="none" algn="tl"/>
+        </a:blipFill>
+        <a:blipFill>
+          <a:blip xmlns:r="http://schemas.openxmlformats.org/officeDocument/2006/relationships" r:embed="rId2">
+            <a:duotone>
               <a:schemeClr val="phClr">
-                <a:shade val="20000"/>
-                <a:satMod val="255000"/>
+                <a:shade val="90000"/>
+                <a:satMod val="140000"/>
               </a:schemeClr>
-            </a:gs>
-          </a:gsLst>
-          <a:path path="circle">
-            <a:fillToRect l="50000" t="-80000" r="50000" b="180000"/>
-          </a:path>
-        </a:gradFill>
-        <a:gradFill rotWithShape="1">
-          <a:gsLst>
-            <a:gs pos="0">
               <a:schemeClr val="phClr">
-                <a:tint val="80000"/>
-                <a:satMod val="300000"/>
+                <a:satMod val="120000"/>
               </a:schemeClr>
-            </a:gs>
-            <a:gs pos="100000">
-              <a:schemeClr val="phClr">
-                <a:shade val="30000"/>
-                <a:satMod val="200000"/>
-              </a:schemeClr>
-            </a:gs>
-          </a:gsLst>
-          <a:path path="circle">
-            <a:fillToRect l="50000" t="50000" r="50000" b="50000"/>
-          </a:path>
-        </a:gradFill>
+            </a:duotone>
+          </a:blip>
+          <a:tile tx="0" ty="0" sx="100000" sy="100000" flip="none" algn="tl"/>
+        </a:blipFill>
       </a:bgFillStyleLst>
     </a:fmtScheme>
   </a:themeElements>

--- a/praesentation/Projektpräsentation.pptx
+++ b/praesentation/Projektpräsentation.pptx
@@ -13,7 +13,7 @@
     <p:sldId id="274" r:id="rId4"/>
     <p:sldId id="258" r:id="rId5"/>
     <p:sldId id="259" r:id="rId6"/>
-    <p:sldId id="260" r:id="rId7"/>
+    <p:sldId id="275" r:id="rId7"/>
     <p:sldId id="261" r:id="rId8"/>
     <p:sldId id="262" r:id="rId9"/>
     <p:sldId id="263" r:id="rId10"/>
@@ -4592,8 +4592,13 @@
             </a:r>
             <a:r>
               <a:rPr lang="de-DE" dirty="0" smtClean="0"/>
-              <a:t> DIE</a:t>
-            </a:r>
+              <a:t> </a:t>
+            </a:r>
+            <a:r>
+              <a:rPr lang="de-DE" dirty="0" smtClean="0"/>
+              <a:t>IDE</a:t>
+            </a:r>
+            <a:endParaRPr lang="de-DE" dirty="0" smtClean="0"/>
           </a:p>
           <a:p>
             <a:r>
@@ -6088,7 +6093,7 @@
 </file>
 
 <file path=ppt/slides/slide6.xml><?xml version="1.0" encoding="utf-8"?>
-<p:sld xmlns:a="http://schemas.openxmlformats.org/drawingml/2006/main" xmlns:r="http://schemas.openxmlformats.org/officeDocument/2006/relationships" xmlns:p="http://schemas.openxmlformats.org/presentationml/2006/main" showMasterSp="0">
+<p:sld xmlns:a="http://schemas.openxmlformats.org/drawingml/2006/main" xmlns:r="http://schemas.openxmlformats.org/officeDocument/2006/relationships" xmlns:p="http://schemas.openxmlformats.org/presentationml/2006/main">
   <p:cSld>
     <p:spTree>
       <p:nvGrpSpPr>
@@ -6116,14 +6121,12 @@
         </p:nvSpPr>
         <p:spPr/>
         <p:txBody>
-          <a:bodyPr>
-            <a:normAutofit/>
-          </a:bodyPr>
-          <a:lstStyle/>
-          <a:p>
-            <a:r>
-              <a:rPr lang="de-DE" dirty="0" smtClean="0"/>
-              <a:t>Gegeben: Grafisches Konzept</a:t>
+          <a:bodyPr/>
+          <a:lstStyle/>
+          <a:p>
+            <a:r>
+              <a:rPr lang="de-DE" dirty="0" smtClean="0"/>
+              <a:t>Gegeben : Grafisches Konzept</a:t>
             </a:r>
             <a:endParaRPr lang="de-DE" dirty="0"/>
           </a:p>
@@ -6147,8 +6150,8 @@
         </p:blipFill>
         <p:spPr>
           <a:xfrm>
-            <a:off x="1260008" y="1611839"/>
-            <a:ext cx="2585383" cy="4526498"/>
+            <a:off x="1247159" y="1589088"/>
+            <a:ext cx="2611081" cy="4572000"/>
           </a:xfrm>
         </p:spPr>
       </p:pic>
@@ -6170,14 +6173,14 @@
         </p:blipFill>
         <p:spPr>
           <a:xfrm>
-            <a:off x="5495458" y="1611839"/>
-            <a:ext cx="2585383" cy="4526498"/>
+            <a:off x="5482359" y="1589088"/>
+            <a:ext cx="2611582" cy="4572000"/>
           </a:xfrm>
         </p:spPr>
       </p:pic>
       <p:sp>
         <p:nvSpPr>
-          <p:cNvPr id="14" name="Foliennummernplatzhalter 13"/>
+          <p:cNvPr id="5" name="Foliennummernplatzhalter 4"/>
           <p:cNvSpPr>
             <a:spLocks noGrp="1"/>
           </p:cNvSpPr>
@@ -6209,8 +6212,8 @@
         </p:nvCxnSpPr>
         <p:spPr>
           <a:xfrm>
-            <a:off x="3275856" y="2708920"/>
-            <a:ext cx="2592288" cy="0"/>
+            <a:off x="3347864" y="2708920"/>
+            <a:ext cx="2664296" cy="0"/>
           </a:xfrm>
           <a:prstGeom prst="line">
             <a:avLst/>
@@ -6239,8 +6242,8 @@
         </p:nvCxnSpPr>
         <p:spPr>
           <a:xfrm>
-            <a:off x="3275856" y="3140968"/>
-            <a:ext cx="2592288" cy="0"/>
+            <a:off x="3347864" y="3140968"/>
+            <a:ext cx="2664296" cy="0"/>
           </a:xfrm>
           <a:prstGeom prst="line">
             <a:avLst/>
@@ -6263,13 +6266,13 @@
       </p:cxnSp>
       <p:cxnSp>
         <p:nvCxnSpPr>
-          <p:cNvPr id="15" name="Gerade Verbindung 14"/>
+          <p:cNvPr id="13" name="Gerade Verbindung 12"/>
           <p:cNvCxnSpPr/>
           <p:nvPr/>
         </p:nvCxnSpPr>
         <p:spPr>
           <a:xfrm>
-            <a:off x="3275856" y="3861048"/>
+            <a:off x="3347864" y="3861048"/>
             <a:ext cx="2664296" cy="0"/>
           </a:xfrm>
           <a:prstGeom prst="line">
@@ -6293,14 +6296,14 @@
       </p:cxnSp>
       <p:sp>
         <p:nvSpPr>
-          <p:cNvPr id="10" name="Textfeld 9"/>
+          <p:cNvPr id="14" name="Textfeld 13"/>
           <p:cNvSpPr txBox="1"/>
           <p:nvPr/>
         </p:nvSpPr>
         <p:spPr>
           <a:xfrm>
-            <a:off x="3851920" y="2708920"/>
-            <a:ext cx="1728192" cy="369332"/>
+            <a:off x="3779912" y="2708920"/>
+            <a:ext cx="2160240" cy="369332"/>
           </a:xfrm>
           <a:prstGeom prst="rect">
             <a:avLst/>
@@ -6323,14 +6326,14 @@
       </p:sp>
       <p:sp>
         <p:nvSpPr>
-          <p:cNvPr id="12" name="Textfeld 11"/>
+          <p:cNvPr id="15" name="Textfeld 14"/>
           <p:cNvSpPr txBox="1"/>
           <p:nvPr/>
         </p:nvSpPr>
         <p:spPr>
           <a:xfrm>
-            <a:off x="3851920" y="3284984"/>
-            <a:ext cx="1728192" cy="369332"/>
+            <a:off x="3779912" y="3356992"/>
+            <a:ext cx="2088232" cy="369332"/>
           </a:xfrm>
           <a:prstGeom prst="rect">
             <a:avLst/>
@@ -6351,46 +6354,16 @@
           </a:p>
         </p:txBody>
       </p:sp>
-      <p:sp>
-        <p:nvSpPr>
-          <p:cNvPr id="13" name="Textfeld 12"/>
-          <p:cNvSpPr txBox="1"/>
-          <p:nvPr/>
-        </p:nvSpPr>
-        <p:spPr>
-          <a:xfrm>
-            <a:off x="3851920" y="3933056"/>
-            <a:ext cx="1800200" cy="369332"/>
-          </a:xfrm>
-          <a:prstGeom prst="rect">
-            <a:avLst/>
-          </a:prstGeom>
-          <a:noFill/>
-        </p:spPr>
-        <p:txBody>
-          <a:bodyPr wrap="square" rtlCol="0">
-            <a:spAutoFit/>
-          </a:bodyPr>
-          <a:lstStyle/>
-          <a:p>
-            <a:r>
-              <a:rPr lang="de-DE" dirty="0" smtClean="0"/>
-              <a:t>Eingabefeld</a:t>
-            </a:r>
-            <a:endParaRPr lang="de-DE" dirty="0"/>
-          </a:p>
-        </p:txBody>
-      </p:sp>
       <p:cxnSp>
         <p:nvCxnSpPr>
-          <p:cNvPr id="16" name="Gerade Verbindung 15"/>
+          <p:cNvPr id="17" name="Gerade Verbindung 16"/>
           <p:cNvCxnSpPr/>
           <p:nvPr/>
         </p:nvCxnSpPr>
         <p:spPr>
           <a:xfrm>
-            <a:off x="3275856" y="5301208"/>
-            <a:ext cx="2592288" cy="0"/>
+            <a:off x="3347864" y="5301208"/>
+            <a:ext cx="2664296" cy="0"/>
           </a:xfrm>
           <a:prstGeom prst="line">
             <a:avLst/>
@@ -6411,9 +6384,39 @@
           </a:fontRef>
         </p:style>
       </p:cxnSp>
+      <p:sp>
+        <p:nvSpPr>
+          <p:cNvPr id="18" name="Textfeld 17"/>
+          <p:cNvSpPr txBox="1"/>
+          <p:nvPr/>
+        </p:nvSpPr>
+        <p:spPr>
+          <a:xfrm>
+            <a:off x="3779912" y="4437112"/>
+            <a:ext cx="2088232" cy="369332"/>
+          </a:xfrm>
+          <a:prstGeom prst="rect">
+            <a:avLst/>
+          </a:prstGeom>
+          <a:noFill/>
+        </p:spPr>
+        <p:txBody>
+          <a:bodyPr wrap="square" rtlCol="0">
+            <a:spAutoFit/>
+          </a:bodyPr>
+          <a:lstStyle/>
+          <a:p>
+            <a:r>
+              <a:rPr lang="de-DE" dirty="0" smtClean="0"/>
+              <a:t>Eingabefeld</a:t>
+            </a:r>
+            <a:endParaRPr lang="de-DE" dirty="0"/>
+          </a:p>
+        </p:txBody>
+      </p:sp>
       <p:pic>
         <p:nvPicPr>
-          <p:cNvPr id="4098" name="Picture 2" descr="C:\Users\Jan\Desktop\weiterbildung_fachinformatiker_ihk_projektantrag\praesentation\navi2.gif"/>
+          <p:cNvPr id="15362" name="Picture 2" descr="C:\Users\Jan\Desktop\weiterbildung_fachinformatiker_ihk_projektantrag\praesentation\navi2.gif"/>
           <p:cNvPicPr>
             <a:picLocks noChangeAspect="1" noChangeArrowheads="1"/>
           </p:cNvPicPr>
@@ -6530,8 +6533,17 @@
           <a:p>
             <a:r>
               <a:rPr lang="de-DE" dirty="0" smtClean="0"/>
-              <a:t>Webservice</a:t>
-            </a:r>
+              <a:t>Webservice zwischen </a:t>
+            </a:r>
+            <a:r>
+              <a:rPr lang="de-DE" dirty="0" err="1" smtClean="0"/>
+              <a:t>App</a:t>
+            </a:r>
+            <a:r>
+              <a:rPr lang="de-DE" dirty="0" smtClean="0"/>
+              <a:t> und Server</a:t>
+            </a:r>
+            <a:endParaRPr lang="de-DE" dirty="0" smtClean="0"/>
           </a:p>
           <a:p>
             <a:r>

--- a/praesentation/Projektpräsentation.pptx
+++ b/praesentation/Projektpräsentation.pptx
@@ -6778,8 +6778,13 @@
           <a:p>
             <a:r>
               <a:rPr lang="de-DE" dirty="0" smtClean="0"/>
-              <a:t>Preis</a:t>
-            </a:r>
+              <a:t>Preis : </a:t>
+            </a:r>
+            <a:r>
+              <a:rPr lang="de-DE" smtClean="0"/>
+              <a:t>sämtliche Produkte</a:t>
+            </a:r>
+            <a:endParaRPr lang="de-DE" dirty="0" smtClean="0"/>
           </a:p>
           <a:p>
             <a:r>

--- a/praesentation/Projektpräsentation.pptx
+++ b/praesentation/Projektpräsentation.pptx
@@ -16,7 +16,7 @@
     <p:sldId id="275" r:id="rId7"/>
     <p:sldId id="261" r:id="rId8"/>
     <p:sldId id="262" r:id="rId9"/>
-    <p:sldId id="263" r:id="rId10"/>
+    <p:sldId id="276" r:id="rId10"/>
     <p:sldId id="264" r:id="rId11"/>
     <p:sldId id="265" r:id="rId12"/>
     <p:sldId id="266" r:id="rId13"/>
@@ -6778,11 +6778,7 @@
           <a:p>
             <a:r>
               <a:rPr lang="de-DE" dirty="0" smtClean="0"/>
-              <a:t>Preis : </a:t>
-            </a:r>
-            <a:r>
-              <a:rPr lang="de-DE" smtClean="0"/>
-              <a:t>sämtliche Produkte</a:t>
+              <a:t>Preis : sämtliche Produkte</a:t>
             </a:r>
             <a:endParaRPr lang="de-DE" dirty="0" smtClean="0"/>
           </a:p>
@@ -6871,7 +6867,7 @@
       </p:sp>
       <p:sp>
         <p:nvSpPr>
-          <p:cNvPr id="4" name="Foliennummernplatzhalter 3"/>
+          <p:cNvPr id="3" name="Foliennummernplatzhalter 2"/>
           <p:cNvSpPr>
             <a:spLocks noGrp="1"/>
           </p:cNvSpPr>
@@ -6895,96 +6891,468 @@
           </a:p>
         </p:txBody>
       </p:sp>
-      <p:sp>
-        <p:nvSpPr>
-          <p:cNvPr id="3" name="Inhaltsplatzhalter 2"/>
-          <p:cNvSpPr>
-            <a:spLocks noGrp="1"/>
-          </p:cNvSpPr>
+      <p:graphicFrame>
+        <p:nvGraphicFramePr>
+          <p:cNvPr id="8" name="Inhaltsplatzhalter 7"/>
+          <p:cNvGraphicFramePr>
+            <a:graphicFrameLocks noGrp="1"/>
+          </p:cNvGraphicFramePr>
           <p:nvPr>
             <p:ph sz="quarter" idx="1"/>
           </p:nvPr>
-        </p:nvSpPr>
-        <p:spPr/>
-        <p:txBody>
-          <a:bodyPr/>
-          <a:lstStyle/>
-          <a:p>
-            <a:r>
-              <a:rPr lang="de-DE" dirty="0" smtClean="0"/>
-              <a:t>1 : </a:t>
-            </a:r>
-            <a:r>
-              <a:rPr lang="de-DE" dirty="0" err="1" smtClean="0"/>
-              <a:t>Apps</a:t>
-            </a:r>
-            <a:r>
-              <a:rPr lang="de-DE" dirty="0" smtClean="0"/>
-              <a:t> &lt;- Server – statische Daten</a:t>
-            </a:r>
-          </a:p>
-          <a:p>
-            <a:r>
-              <a:rPr lang="de-DE" dirty="0" smtClean="0"/>
-              <a:t>2 : </a:t>
-            </a:r>
-            <a:r>
-              <a:rPr lang="de-DE" dirty="0" err="1" smtClean="0"/>
-              <a:t>Apps</a:t>
-            </a:r>
-            <a:r>
-              <a:rPr lang="de-DE" dirty="0" smtClean="0"/>
-              <a:t> &lt;- Server – Preise &amp; Verfügbarkeiten</a:t>
-            </a:r>
-          </a:p>
-          <a:p>
-            <a:r>
-              <a:rPr lang="de-DE" dirty="0" smtClean="0"/>
-              <a:t>3a : </a:t>
-            </a:r>
-            <a:r>
-              <a:rPr lang="de-DE" dirty="0" err="1" smtClean="0"/>
-              <a:t>Apps</a:t>
-            </a:r>
-            <a:r>
-              <a:rPr lang="de-DE" dirty="0" smtClean="0"/>
-              <a:t> -&gt; Server – Warenkorb</a:t>
-            </a:r>
-          </a:p>
-          <a:p>
-            <a:r>
-              <a:rPr lang="de-DE" dirty="0" smtClean="0"/>
-              <a:t>3b : </a:t>
-            </a:r>
-            <a:r>
-              <a:rPr lang="de-DE" dirty="0" err="1" smtClean="0"/>
-              <a:t>Apps</a:t>
-            </a:r>
-            <a:r>
-              <a:rPr lang="de-DE" dirty="0" smtClean="0"/>
-              <a:t> -&gt; Server – Gesamtpreis</a:t>
-            </a:r>
-          </a:p>
-          <a:p>
-            <a:r>
-              <a:rPr lang="de-DE" dirty="0" smtClean="0"/>
-              <a:t>4 : </a:t>
-            </a:r>
-            <a:r>
-              <a:rPr lang="de-DE" dirty="0" err="1" smtClean="0"/>
-              <a:t>Apps</a:t>
-            </a:r>
-            <a:r>
-              <a:rPr lang="de-DE" dirty="0" smtClean="0"/>
-              <a:t> -&gt; Server – Warenkorb + Nutzerdaten</a:t>
-            </a:r>
-            <a:endParaRPr lang="de-DE" dirty="0"/>
-          </a:p>
-        </p:txBody>
-      </p:sp>
+        </p:nvGraphicFramePr>
+        <p:xfrm>
+          <a:off x="611560" y="1772816"/>
+          <a:ext cx="8136905" cy="3926568"/>
+        </p:xfrm>
+        <a:graphic>
+          <a:graphicData uri="http://schemas.openxmlformats.org/drawingml/2006/table">
+            <a:tbl>
+              <a:tblPr firstRow="1" bandRow="1">
+                <a:tableStyleId>{5C22544A-7EE6-4342-B048-85BDC9FD1C3A}</a:tableStyleId>
+              </a:tblPr>
+              <a:tblGrid>
+                <a:gridCol w="932998"/>
+                <a:gridCol w="1796558"/>
+                <a:gridCol w="5407349"/>
+              </a:tblGrid>
+              <a:tr h="490821">
+                <a:tc>
+                  <a:txBody>
+                    <a:bodyPr/>
+                    <a:lstStyle/>
+                    <a:p>
+                      <a:r>
+                        <a:rPr lang="de-DE" dirty="0" smtClean="0"/>
+                        <a:t>Schritt</a:t>
+                      </a:r>
+                      <a:endParaRPr lang="de-DE" dirty="0"/>
+                    </a:p>
+                  </a:txBody>
+                  <a:tcPr/>
+                </a:tc>
+                <a:tc>
+                  <a:txBody>
+                    <a:bodyPr/>
+                    <a:lstStyle/>
+                    <a:p>
+                      <a:r>
+                        <a:rPr lang="de-DE" dirty="0" smtClean="0"/>
+                        <a:t>Richtung</a:t>
+                      </a:r>
+                      <a:endParaRPr lang="de-DE" dirty="0"/>
+                    </a:p>
+                  </a:txBody>
+                  <a:tcPr/>
+                </a:tc>
+                <a:tc>
+                  <a:txBody>
+                    <a:bodyPr/>
+                    <a:lstStyle/>
+                    <a:p>
+                      <a:r>
+                        <a:rPr lang="de-DE" dirty="0" smtClean="0"/>
+                        <a:t>Daten</a:t>
+                      </a:r>
+                      <a:endParaRPr lang="de-DE" dirty="0"/>
+                    </a:p>
+                  </a:txBody>
+                  <a:tcPr/>
+                </a:tc>
+              </a:tr>
+              <a:tr h="490821">
+                <a:tc>
+                  <a:txBody>
+                    <a:bodyPr/>
+                    <a:lstStyle/>
+                    <a:p>
+                      <a:r>
+                        <a:rPr lang="de-DE" dirty="0" smtClean="0"/>
+                        <a:t>1</a:t>
+                      </a:r>
+                      <a:endParaRPr lang="de-DE" dirty="0"/>
+                    </a:p>
+                  </a:txBody>
+                  <a:tcPr/>
+                </a:tc>
+                <a:tc>
+                  <a:txBody>
+                    <a:bodyPr/>
+                    <a:lstStyle/>
+                    <a:p>
+                      <a:r>
+                        <a:rPr lang="de-DE" dirty="0" err="1" smtClean="0"/>
+                        <a:t>Apps</a:t>
+                      </a:r>
+                      <a:r>
+                        <a:rPr lang="de-DE" dirty="0" smtClean="0"/>
+                        <a:t> </a:t>
+                      </a:r>
+                      <a:r>
+                        <a:rPr lang="de-DE" dirty="0" smtClean="0">
+                          <a:sym typeface="Wingdings" pitchFamily="2" charset="2"/>
+                        </a:rPr>
+                        <a:t></a:t>
+                      </a:r>
+                      <a:r>
+                        <a:rPr lang="de-DE" dirty="0" smtClean="0"/>
+                        <a:t> Server</a:t>
+                      </a:r>
+                      <a:endParaRPr lang="de-DE" dirty="0"/>
+                    </a:p>
+                  </a:txBody>
+                  <a:tcPr/>
+                </a:tc>
+                <a:tc>
+                  <a:txBody>
+                    <a:bodyPr/>
+                    <a:lstStyle/>
+                    <a:p>
+                      <a:r>
+                        <a:rPr lang="de-DE" dirty="0" smtClean="0"/>
+                        <a:t>Statische Daten</a:t>
+                      </a:r>
+                      <a:endParaRPr lang="de-DE" dirty="0"/>
+                    </a:p>
+                  </a:txBody>
+                  <a:tcPr/>
+                </a:tc>
+              </a:tr>
+              <a:tr h="490821">
+                <a:tc>
+                  <a:txBody>
+                    <a:bodyPr/>
+                    <a:lstStyle/>
+                    <a:p>
+                      <a:r>
+                        <a:rPr lang="de-DE" dirty="0" smtClean="0"/>
+                        <a:t>2a</a:t>
+                      </a:r>
+                      <a:endParaRPr lang="de-DE" dirty="0"/>
+                    </a:p>
+                  </a:txBody>
+                  <a:tcPr/>
+                </a:tc>
+                <a:tc>
+                  <a:txBody>
+                    <a:bodyPr/>
+                    <a:lstStyle/>
+                    <a:p>
+                      <a:r>
+                        <a:rPr lang="de-DE" dirty="0" err="1" smtClean="0"/>
+                        <a:t>Apps</a:t>
+                      </a:r>
+                      <a:r>
+                        <a:rPr lang="de-DE" dirty="0" smtClean="0"/>
+                        <a:t> </a:t>
+                      </a:r>
+                      <a:r>
+                        <a:rPr lang="de-DE" dirty="0" smtClean="0">
+                          <a:sym typeface="Wingdings" pitchFamily="2" charset="2"/>
+                        </a:rPr>
+                        <a:t> Server</a:t>
+                      </a:r>
+                      <a:endParaRPr lang="de-DE" dirty="0"/>
+                    </a:p>
+                  </a:txBody>
+                  <a:tcPr/>
+                </a:tc>
+                <a:tc>
+                  <a:txBody>
+                    <a:bodyPr/>
+                    <a:lstStyle/>
+                    <a:p>
+                      <a:r>
+                        <a:rPr lang="de-DE" dirty="0" smtClean="0"/>
+                        <a:t>Datum</a:t>
+                      </a:r>
+                      <a:endParaRPr lang="de-DE" dirty="0"/>
+                    </a:p>
+                  </a:txBody>
+                  <a:tcPr/>
+                </a:tc>
+              </a:tr>
+              <a:tr h="490821">
+                <a:tc>
+                  <a:txBody>
+                    <a:bodyPr/>
+                    <a:lstStyle/>
+                    <a:p>
+                      <a:r>
+                        <a:rPr lang="de-DE" dirty="0" smtClean="0"/>
+                        <a:t>2b</a:t>
+                      </a:r>
+                      <a:endParaRPr lang="de-DE" dirty="0"/>
+                    </a:p>
+                  </a:txBody>
+                  <a:tcPr/>
+                </a:tc>
+                <a:tc>
+                  <a:txBody>
+                    <a:bodyPr/>
+                    <a:lstStyle/>
+                    <a:p>
+                      <a:r>
+                        <a:rPr lang="de-DE" dirty="0" err="1" smtClean="0"/>
+                        <a:t>Apps</a:t>
+                      </a:r>
+                      <a:r>
+                        <a:rPr lang="de-DE" dirty="0" smtClean="0"/>
+                        <a:t> </a:t>
+                      </a:r>
+                      <a:r>
+                        <a:rPr lang="de-DE" dirty="0" smtClean="0">
+                          <a:sym typeface="Wingdings" pitchFamily="2" charset="2"/>
+                        </a:rPr>
+                        <a:t> Server</a:t>
+                      </a:r>
+                      <a:endParaRPr lang="de-DE" dirty="0"/>
+                    </a:p>
+                  </a:txBody>
+                  <a:tcPr/>
+                </a:tc>
+                <a:tc>
+                  <a:txBody>
+                    <a:bodyPr/>
+                    <a:lstStyle/>
+                    <a:p>
+                      <a:r>
+                        <a:rPr lang="de-DE" dirty="0" smtClean="0"/>
+                        <a:t>Preise &amp;</a:t>
+                      </a:r>
+                      <a:r>
+                        <a:rPr lang="de-DE" baseline="0" dirty="0" smtClean="0"/>
+                        <a:t> Verfügbarkeiten (Datumsabhängig)</a:t>
+                      </a:r>
+                      <a:endParaRPr lang="de-DE" dirty="0"/>
+                    </a:p>
+                  </a:txBody>
+                  <a:tcPr/>
+                </a:tc>
+              </a:tr>
+              <a:tr h="490821">
+                <a:tc>
+                  <a:txBody>
+                    <a:bodyPr/>
+                    <a:lstStyle/>
+                    <a:p>
+                      <a:r>
+                        <a:rPr lang="de-DE" dirty="0" smtClean="0"/>
+                        <a:t>3a</a:t>
+                      </a:r>
+                      <a:endParaRPr lang="de-DE" dirty="0"/>
+                    </a:p>
+                  </a:txBody>
+                  <a:tcPr/>
+                </a:tc>
+                <a:tc>
+                  <a:txBody>
+                    <a:bodyPr/>
+                    <a:lstStyle/>
+                    <a:p>
+                      <a:r>
+                        <a:rPr lang="de-DE" dirty="0" err="1" smtClean="0"/>
+                        <a:t>Apps</a:t>
+                      </a:r>
+                      <a:r>
+                        <a:rPr lang="de-DE" dirty="0" smtClean="0"/>
+                        <a:t> </a:t>
+                      </a:r>
+                      <a:r>
+                        <a:rPr lang="de-DE" dirty="0" smtClean="0">
+                          <a:sym typeface="Wingdings" pitchFamily="2" charset="2"/>
+                        </a:rPr>
+                        <a:t> Server</a:t>
+                      </a:r>
+                      <a:endParaRPr lang="de-DE" dirty="0"/>
+                    </a:p>
+                  </a:txBody>
+                  <a:tcPr/>
+                </a:tc>
+                <a:tc>
+                  <a:txBody>
+                    <a:bodyPr/>
+                    <a:lstStyle/>
+                    <a:p>
+                      <a:r>
+                        <a:rPr lang="de-DE" dirty="0" smtClean="0"/>
+                        <a:t>Warenkorb</a:t>
+                      </a:r>
+                      <a:endParaRPr lang="de-DE" dirty="0"/>
+                    </a:p>
+                  </a:txBody>
+                  <a:tcPr/>
+                </a:tc>
+              </a:tr>
+              <a:tr h="490821">
+                <a:tc>
+                  <a:txBody>
+                    <a:bodyPr/>
+                    <a:lstStyle/>
+                    <a:p>
+                      <a:r>
+                        <a:rPr lang="de-DE" dirty="0" smtClean="0"/>
+                        <a:t>3b</a:t>
+                      </a:r>
+                      <a:endParaRPr lang="de-DE" dirty="0"/>
+                    </a:p>
+                  </a:txBody>
+                  <a:tcPr/>
+                </a:tc>
+                <a:tc>
+                  <a:txBody>
+                    <a:bodyPr/>
+                    <a:lstStyle/>
+                    <a:p>
+                      <a:r>
+                        <a:rPr lang="de-DE" dirty="0" err="1" smtClean="0"/>
+                        <a:t>Apps</a:t>
+                      </a:r>
+                      <a:r>
+                        <a:rPr lang="de-DE" dirty="0" smtClean="0"/>
+                        <a:t> </a:t>
+                      </a:r>
+                      <a:r>
+                        <a:rPr lang="de-DE" dirty="0" smtClean="0">
+                          <a:sym typeface="Wingdings" pitchFamily="2" charset="2"/>
+                        </a:rPr>
+                        <a:t> Server</a:t>
+                      </a:r>
+                      <a:endParaRPr lang="de-DE" dirty="0"/>
+                    </a:p>
+                  </a:txBody>
+                  <a:tcPr/>
+                </a:tc>
+                <a:tc>
+                  <a:txBody>
+                    <a:bodyPr/>
+                    <a:lstStyle/>
+                    <a:p>
+                      <a:r>
+                        <a:rPr lang="de-DE" dirty="0" smtClean="0"/>
+                        <a:t>Gesamtpreis</a:t>
+                      </a:r>
+                      <a:endParaRPr lang="de-DE" dirty="0"/>
+                    </a:p>
+                  </a:txBody>
+                  <a:tcPr/>
+                </a:tc>
+              </a:tr>
+              <a:tr h="490821">
+                <a:tc>
+                  <a:txBody>
+                    <a:bodyPr/>
+                    <a:lstStyle/>
+                    <a:p>
+                      <a:r>
+                        <a:rPr lang="de-DE" dirty="0" smtClean="0"/>
+                        <a:t>4a</a:t>
+                      </a:r>
+                      <a:endParaRPr lang="de-DE" dirty="0"/>
+                    </a:p>
+                  </a:txBody>
+                  <a:tcPr/>
+                </a:tc>
+                <a:tc>
+                  <a:txBody>
+                    <a:bodyPr/>
+                    <a:lstStyle/>
+                    <a:p>
+                      <a:r>
+                        <a:rPr lang="de-DE" dirty="0" err="1" smtClean="0"/>
+                        <a:t>Apps</a:t>
+                      </a:r>
+                      <a:r>
+                        <a:rPr lang="de-DE" dirty="0" smtClean="0"/>
+                        <a:t> </a:t>
+                      </a:r>
+                      <a:r>
+                        <a:rPr lang="de-DE" dirty="0" smtClean="0">
+                          <a:sym typeface="Wingdings" pitchFamily="2" charset="2"/>
+                        </a:rPr>
+                        <a:t> Server</a:t>
+                      </a:r>
+                      <a:endParaRPr lang="de-DE" dirty="0"/>
+                    </a:p>
+                  </a:txBody>
+                  <a:tcPr/>
+                </a:tc>
+                <a:tc>
+                  <a:txBody>
+                    <a:bodyPr/>
+                    <a:lstStyle/>
+                    <a:p>
+                      <a:r>
+                        <a:rPr lang="de-DE" dirty="0" smtClean="0"/>
+                        <a:t>Warenkorb &amp; Nutzerdaten</a:t>
+                      </a:r>
+                      <a:endParaRPr lang="de-DE" dirty="0"/>
+                    </a:p>
+                  </a:txBody>
+                  <a:tcPr/>
+                </a:tc>
+              </a:tr>
+              <a:tr h="490821">
+                <a:tc>
+                  <a:txBody>
+                    <a:bodyPr/>
+                    <a:lstStyle/>
+                    <a:p>
+                      <a:r>
+                        <a:rPr lang="de-DE" dirty="0" smtClean="0"/>
+                        <a:t>4b</a:t>
+                      </a:r>
+                      <a:endParaRPr lang="de-DE" dirty="0"/>
+                    </a:p>
+                  </a:txBody>
+                  <a:tcPr/>
+                </a:tc>
+                <a:tc>
+                  <a:txBody>
+                    <a:bodyPr/>
+                    <a:lstStyle/>
+                    <a:p>
+                      <a:r>
+                        <a:rPr lang="de-DE" dirty="0" err="1" smtClean="0"/>
+                        <a:t>Apps</a:t>
+                      </a:r>
+                      <a:r>
+                        <a:rPr lang="de-DE" dirty="0" smtClean="0"/>
+                        <a:t> </a:t>
+                      </a:r>
+                      <a:r>
+                        <a:rPr lang="de-DE" dirty="0" smtClean="0">
+                          <a:sym typeface="Wingdings" pitchFamily="2" charset="2"/>
+                        </a:rPr>
+                        <a:t> Server</a:t>
+                      </a:r>
+                      <a:endParaRPr lang="de-DE" dirty="0"/>
+                    </a:p>
+                  </a:txBody>
+                  <a:tcPr/>
+                </a:tc>
+                <a:tc>
+                  <a:txBody>
+                    <a:bodyPr/>
+                    <a:lstStyle/>
+                    <a:p>
+                      <a:r>
+                        <a:rPr lang="de-DE" dirty="0" smtClean="0"/>
+                        <a:t>Status</a:t>
+                      </a:r>
+                      <a:endParaRPr lang="de-DE" dirty="0"/>
+                    </a:p>
+                  </a:txBody>
+                  <a:tcPr/>
+                </a:tc>
+              </a:tr>
+            </a:tbl>
+          </a:graphicData>
+        </a:graphic>
+      </p:graphicFrame>
       <p:pic>
         <p:nvPicPr>
-          <p:cNvPr id="7170" name="Picture 2" descr="C:\Users\Jan\Desktop\weiterbildung_fachinformatiker_ihk_projektantrag\praesentation\navi3.gif"/>
+          <p:cNvPr id="16386" name="Picture 2" descr="C:\Users\Jan\Desktop\weiterbildung_fachinformatiker_ihk_projektantrag\praesentation\navi3.gif"/>
           <p:cNvPicPr>
             <a:picLocks noChangeAspect="1" noChangeArrowheads="1"/>
           </p:cNvPicPr>

--- a/praesentation/Projektpräsentation.pptx
+++ b/praesentation/Projektpräsentation.pptx
@@ -124,6 +124,4139 @@
     </a:lvl9pPr>
   </p:defaultTextStyle>
 </p:presentation>
+</file>
+
+<file path=ppt/diagrams/colors1.xml><?xml version="1.0" encoding="utf-8"?>
+<dgm:colorsDef xmlns:dgm="http://schemas.openxmlformats.org/drawingml/2006/diagram" xmlns:a="http://schemas.openxmlformats.org/drawingml/2006/main" uniqueId="urn:microsoft.com/office/officeart/2005/8/colors/accent1_2">
+  <dgm:title val=""/>
+  <dgm:desc val=""/>
+  <dgm:catLst>
+    <dgm:cat type="accent1" pri="11200"/>
+  </dgm:catLst>
+  <dgm:styleLbl name="node0">
+    <dgm:fillClrLst meth="repeat">
+      <a:schemeClr val="accent1"/>
+    </dgm:fillClrLst>
+    <dgm:linClrLst meth="repeat">
+      <a:schemeClr val="lt1"/>
+    </dgm:linClrLst>
+    <dgm:effectClrLst/>
+    <dgm:txLinClrLst/>
+    <dgm:txFillClrLst/>
+    <dgm:txEffectClrLst/>
+  </dgm:styleLbl>
+  <dgm:styleLbl name="alignNode1">
+    <dgm:fillClrLst meth="repeat">
+      <a:schemeClr val="accent1"/>
+    </dgm:fillClrLst>
+    <dgm:linClrLst meth="repeat">
+      <a:schemeClr val="accent1"/>
+    </dgm:linClrLst>
+    <dgm:effectClrLst/>
+    <dgm:txLinClrLst/>
+    <dgm:txFillClrLst/>
+    <dgm:txEffectClrLst/>
+  </dgm:styleLbl>
+  <dgm:styleLbl name="node1">
+    <dgm:fillClrLst meth="repeat">
+      <a:schemeClr val="accent1"/>
+    </dgm:fillClrLst>
+    <dgm:linClrLst meth="repeat">
+      <a:schemeClr val="lt1"/>
+    </dgm:linClrLst>
+    <dgm:effectClrLst/>
+    <dgm:txLinClrLst/>
+    <dgm:txFillClrLst/>
+    <dgm:txEffectClrLst/>
+  </dgm:styleLbl>
+  <dgm:styleLbl name="lnNode1">
+    <dgm:fillClrLst meth="repeat">
+      <a:schemeClr val="accent1"/>
+    </dgm:fillClrLst>
+    <dgm:linClrLst meth="repeat">
+      <a:schemeClr val="lt1"/>
+    </dgm:linClrLst>
+    <dgm:effectClrLst/>
+    <dgm:txLinClrLst/>
+    <dgm:txFillClrLst/>
+    <dgm:txEffectClrLst/>
+  </dgm:styleLbl>
+  <dgm:styleLbl name="vennNode1">
+    <dgm:fillClrLst meth="repeat">
+      <a:schemeClr val="accent1">
+        <a:alpha val="50000"/>
+      </a:schemeClr>
+    </dgm:fillClrLst>
+    <dgm:linClrLst meth="repeat">
+      <a:schemeClr val="lt1"/>
+    </dgm:linClrLst>
+    <dgm:effectClrLst/>
+    <dgm:txLinClrLst/>
+    <dgm:txFillClrLst/>
+    <dgm:txEffectClrLst/>
+  </dgm:styleLbl>
+  <dgm:styleLbl name="node2">
+    <dgm:fillClrLst meth="repeat">
+      <a:schemeClr val="accent1"/>
+    </dgm:fillClrLst>
+    <dgm:linClrLst meth="repeat">
+      <a:schemeClr val="lt1"/>
+    </dgm:linClrLst>
+    <dgm:effectClrLst/>
+    <dgm:txLinClrLst/>
+    <dgm:txFillClrLst/>
+    <dgm:txEffectClrLst/>
+  </dgm:styleLbl>
+  <dgm:styleLbl name="node3">
+    <dgm:fillClrLst meth="repeat">
+      <a:schemeClr val="accent1"/>
+    </dgm:fillClrLst>
+    <dgm:linClrLst meth="repeat">
+      <a:schemeClr val="lt1"/>
+    </dgm:linClrLst>
+    <dgm:effectClrLst/>
+    <dgm:txLinClrLst/>
+    <dgm:txFillClrLst/>
+    <dgm:txEffectClrLst/>
+  </dgm:styleLbl>
+  <dgm:styleLbl name="node4">
+    <dgm:fillClrLst meth="repeat">
+      <a:schemeClr val="accent1"/>
+    </dgm:fillClrLst>
+    <dgm:linClrLst meth="repeat">
+      <a:schemeClr val="lt1"/>
+    </dgm:linClrLst>
+    <dgm:effectClrLst/>
+    <dgm:txLinClrLst/>
+    <dgm:txFillClrLst/>
+    <dgm:txEffectClrLst/>
+  </dgm:styleLbl>
+  <dgm:styleLbl name="fgImgPlace1">
+    <dgm:fillClrLst meth="repeat">
+      <a:schemeClr val="accent1">
+        <a:tint val="50000"/>
+      </a:schemeClr>
+    </dgm:fillClrLst>
+    <dgm:linClrLst meth="repeat">
+      <a:schemeClr val="lt1"/>
+    </dgm:linClrLst>
+    <dgm:effectClrLst/>
+    <dgm:txLinClrLst/>
+    <dgm:txFillClrLst meth="repeat">
+      <a:schemeClr val="lt1"/>
+    </dgm:txFillClrLst>
+    <dgm:txEffectClrLst/>
+  </dgm:styleLbl>
+  <dgm:styleLbl name="alignImgPlace1">
+    <dgm:fillClrLst meth="repeat">
+      <a:schemeClr val="accent1">
+        <a:tint val="50000"/>
+      </a:schemeClr>
+    </dgm:fillClrLst>
+    <dgm:linClrLst meth="repeat">
+      <a:schemeClr val="lt1"/>
+    </dgm:linClrLst>
+    <dgm:effectClrLst/>
+    <dgm:txLinClrLst/>
+    <dgm:txFillClrLst meth="repeat">
+      <a:schemeClr val="lt1"/>
+    </dgm:txFillClrLst>
+    <dgm:txEffectClrLst/>
+  </dgm:styleLbl>
+  <dgm:styleLbl name="bgImgPlace1">
+    <dgm:fillClrLst meth="repeat">
+      <a:schemeClr val="accent1">
+        <a:tint val="50000"/>
+      </a:schemeClr>
+    </dgm:fillClrLst>
+    <dgm:linClrLst meth="repeat">
+      <a:schemeClr val="lt1"/>
+    </dgm:linClrLst>
+    <dgm:effectClrLst/>
+    <dgm:txLinClrLst/>
+    <dgm:txFillClrLst meth="repeat">
+      <a:schemeClr val="lt1"/>
+    </dgm:txFillClrLst>
+    <dgm:txEffectClrLst/>
+  </dgm:styleLbl>
+  <dgm:styleLbl name="sibTrans2D1">
+    <dgm:fillClrLst meth="repeat">
+      <a:schemeClr val="accent1">
+        <a:tint val="60000"/>
+      </a:schemeClr>
+    </dgm:fillClrLst>
+    <dgm:linClrLst meth="repeat">
+      <a:schemeClr val="accent1">
+        <a:tint val="60000"/>
+      </a:schemeClr>
+    </dgm:linClrLst>
+    <dgm:effectClrLst/>
+    <dgm:txLinClrLst/>
+    <dgm:txFillClrLst/>
+    <dgm:txEffectClrLst/>
+  </dgm:styleLbl>
+  <dgm:styleLbl name="fgSibTrans2D1">
+    <dgm:fillClrLst meth="repeat">
+      <a:schemeClr val="accent1">
+        <a:tint val="60000"/>
+      </a:schemeClr>
+    </dgm:fillClrLst>
+    <dgm:linClrLst meth="repeat">
+      <a:schemeClr val="accent1">
+        <a:tint val="60000"/>
+      </a:schemeClr>
+    </dgm:linClrLst>
+    <dgm:effectClrLst/>
+    <dgm:txLinClrLst/>
+    <dgm:txFillClrLst/>
+    <dgm:txEffectClrLst/>
+  </dgm:styleLbl>
+  <dgm:styleLbl name="bgSibTrans2D1">
+    <dgm:fillClrLst meth="repeat">
+      <a:schemeClr val="accent1">
+        <a:tint val="60000"/>
+      </a:schemeClr>
+    </dgm:fillClrLst>
+    <dgm:linClrLst meth="repeat">
+      <a:schemeClr val="accent1">
+        <a:tint val="60000"/>
+      </a:schemeClr>
+    </dgm:linClrLst>
+    <dgm:effectClrLst/>
+    <dgm:txLinClrLst/>
+    <dgm:txFillClrLst/>
+    <dgm:txEffectClrLst/>
+  </dgm:styleLbl>
+  <dgm:styleLbl name="sibTrans1D1">
+    <dgm:fillClrLst meth="repeat">
+      <a:schemeClr val="accent1"/>
+    </dgm:fillClrLst>
+    <dgm:linClrLst meth="repeat">
+      <a:schemeClr val="accent1"/>
+    </dgm:linClrLst>
+    <dgm:effectClrLst/>
+    <dgm:txLinClrLst/>
+    <dgm:txFillClrLst meth="repeat">
+      <a:schemeClr val="tx1"/>
+    </dgm:txFillClrLst>
+    <dgm:txEffectClrLst/>
+  </dgm:styleLbl>
+  <dgm:styleLbl name="callout">
+    <dgm:fillClrLst meth="repeat">
+      <a:schemeClr val="accent1"/>
+    </dgm:fillClrLst>
+    <dgm:linClrLst meth="repeat">
+      <a:schemeClr val="accent1">
+        <a:tint val="50000"/>
+      </a:schemeClr>
+    </dgm:linClrLst>
+    <dgm:effectClrLst/>
+    <dgm:txLinClrLst/>
+    <dgm:txFillClrLst meth="repeat">
+      <a:schemeClr val="tx1"/>
+    </dgm:txFillClrLst>
+    <dgm:txEffectClrLst/>
+  </dgm:styleLbl>
+  <dgm:styleLbl name="asst0">
+    <dgm:fillClrLst meth="repeat">
+      <a:schemeClr val="accent1"/>
+    </dgm:fillClrLst>
+    <dgm:linClrLst meth="repeat">
+      <a:schemeClr val="lt1"/>
+    </dgm:linClrLst>
+    <dgm:effectClrLst/>
+    <dgm:txLinClrLst/>
+    <dgm:txFillClrLst/>
+    <dgm:txEffectClrLst/>
+  </dgm:styleLbl>
+  <dgm:styleLbl name="asst1">
+    <dgm:fillClrLst meth="repeat">
+      <a:schemeClr val="accent1"/>
+    </dgm:fillClrLst>
+    <dgm:linClrLst meth="repeat">
+      <a:schemeClr val="lt1"/>
+    </dgm:linClrLst>
+    <dgm:effectClrLst/>
+    <dgm:txLinClrLst/>
+    <dgm:txFillClrLst/>
+    <dgm:txEffectClrLst/>
+  </dgm:styleLbl>
+  <dgm:styleLbl name="asst2">
+    <dgm:fillClrLst meth="repeat">
+      <a:schemeClr val="accent1"/>
+    </dgm:fillClrLst>
+    <dgm:linClrLst meth="repeat">
+      <a:schemeClr val="lt1"/>
+    </dgm:linClrLst>
+    <dgm:effectClrLst/>
+    <dgm:txLinClrLst/>
+    <dgm:txFillClrLst/>
+    <dgm:txEffectClrLst/>
+  </dgm:styleLbl>
+  <dgm:styleLbl name="asst3">
+    <dgm:fillClrLst meth="repeat">
+      <a:schemeClr val="accent1"/>
+    </dgm:fillClrLst>
+    <dgm:linClrLst meth="repeat">
+      <a:schemeClr val="lt1"/>
+    </dgm:linClrLst>
+    <dgm:effectClrLst/>
+    <dgm:txLinClrLst/>
+    <dgm:txFillClrLst/>
+    <dgm:txEffectClrLst/>
+  </dgm:styleLbl>
+  <dgm:styleLbl name="asst4">
+    <dgm:fillClrLst meth="repeat">
+      <a:schemeClr val="accent1"/>
+    </dgm:fillClrLst>
+    <dgm:linClrLst meth="repeat">
+      <a:schemeClr val="lt1"/>
+    </dgm:linClrLst>
+    <dgm:effectClrLst/>
+    <dgm:txLinClrLst/>
+    <dgm:txFillClrLst/>
+    <dgm:txEffectClrLst/>
+  </dgm:styleLbl>
+  <dgm:styleLbl name="parChTrans2D1">
+    <dgm:fillClrLst meth="repeat">
+      <a:schemeClr val="accent1">
+        <a:tint val="60000"/>
+      </a:schemeClr>
+    </dgm:fillClrLst>
+    <dgm:linClrLst meth="repeat">
+      <a:schemeClr val="accent1">
+        <a:tint val="60000"/>
+      </a:schemeClr>
+    </dgm:linClrLst>
+    <dgm:effectClrLst/>
+    <dgm:txLinClrLst/>
+    <dgm:txFillClrLst meth="repeat">
+      <a:schemeClr val="lt1"/>
+    </dgm:txFillClrLst>
+    <dgm:txEffectClrLst/>
+  </dgm:styleLbl>
+  <dgm:styleLbl name="parChTrans2D2">
+    <dgm:fillClrLst meth="repeat">
+      <a:schemeClr val="accent1"/>
+    </dgm:fillClrLst>
+    <dgm:linClrLst meth="repeat">
+      <a:schemeClr val="accent1"/>
+    </dgm:linClrLst>
+    <dgm:effectClrLst/>
+    <dgm:txLinClrLst/>
+    <dgm:txFillClrLst meth="repeat">
+      <a:schemeClr val="lt1"/>
+    </dgm:txFillClrLst>
+    <dgm:txEffectClrLst/>
+  </dgm:styleLbl>
+  <dgm:styleLbl name="parChTrans2D3">
+    <dgm:fillClrLst meth="repeat">
+      <a:schemeClr val="accent1"/>
+    </dgm:fillClrLst>
+    <dgm:linClrLst meth="repeat">
+      <a:schemeClr val="accent1"/>
+    </dgm:linClrLst>
+    <dgm:effectClrLst/>
+    <dgm:txLinClrLst/>
+    <dgm:txFillClrLst meth="repeat">
+      <a:schemeClr val="lt1"/>
+    </dgm:txFillClrLst>
+    <dgm:txEffectClrLst/>
+  </dgm:styleLbl>
+  <dgm:styleLbl name="parChTrans2D4">
+    <dgm:fillClrLst meth="repeat">
+      <a:schemeClr val="accent1"/>
+    </dgm:fillClrLst>
+    <dgm:linClrLst meth="repeat">
+      <a:schemeClr val="accent1"/>
+    </dgm:linClrLst>
+    <dgm:effectClrLst/>
+    <dgm:txLinClrLst/>
+    <dgm:txFillClrLst meth="repeat">
+      <a:schemeClr val="lt1"/>
+    </dgm:txFillClrLst>
+    <dgm:txEffectClrLst/>
+  </dgm:styleLbl>
+  <dgm:styleLbl name="parChTrans1D1">
+    <dgm:fillClrLst meth="repeat">
+      <a:schemeClr val="accent1"/>
+    </dgm:fillClrLst>
+    <dgm:linClrLst meth="repeat">
+      <a:schemeClr val="accent1">
+        <a:shade val="60000"/>
+      </a:schemeClr>
+    </dgm:linClrLst>
+    <dgm:effectClrLst/>
+    <dgm:txLinClrLst/>
+    <dgm:txFillClrLst meth="repeat">
+      <a:schemeClr val="tx1"/>
+    </dgm:txFillClrLst>
+    <dgm:txEffectClrLst/>
+  </dgm:styleLbl>
+  <dgm:styleLbl name="parChTrans1D2">
+    <dgm:fillClrLst meth="repeat">
+      <a:schemeClr val="accent1"/>
+    </dgm:fillClrLst>
+    <dgm:linClrLst meth="repeat">
+      <a:schemeClr val="accent1">
+        <a:shade val="60000"/>
+      </a:schemeClr>
+    </dgm:linClrLst>
+    <dgm:effectClrLst/>
+    <dgm:txLinClrLst/>
+    <dgm:txFillClrLst meth="repeat">
+      <a:schemeClr val="tx1"/>
+    </dgm:txFillClrLst>
+    <dgm:txEffectClrLst/>
+  </dgm:styleLbl>
+  <dgm:styleLbl name="parChTrans1D3">
+    <dgm:fillClrLst meth="repeat">
+      <a:schemeClr val="accent1"/>
+    </dgm:fillClrLst>
+    <dgm:linClrLst meth="repeat">
+      <a:schemeClr val="accent1">
+        <a:shade val="80000"/>
+      </a:schemeClr>
+    </dgm:linClrLst>
+    <dgm:effectClrLst/>
+    <dgm:txLinClrLst/>
+    <dgm:txFillClrLst meth="repeat">
+      <a:schemeClr val="tx1"/>
+    </dgm:txFillClrLst>
+    <dgm:txEffectClrLst/>
+  </dgm:styleLbl>
+  <dgm:styleLbl name="parChTrans1D4">
+    <dgm:fillClrLst meth="repeat">
+      <a:schemeClr val="accent1"/>
+    </dgm:fillClrLst>
+    <dgm:linClrLst meth="repeat">
+      <a:schemeClr val="accent1">
+        <a:shade val="80000"/>
+      </a:schemeClr>
+    </dgm:linClrLst>
+    <dgm:effectClrLst/>
+    <dgm:txLinClrLst/>
+    <dgm:txFillClrLst meth="repeat">
+      <a:schemeClr val="tx1"/>
+    </dgm:txFillClrLst>
+    <dgm:txEffectClrLst/>
+  </dgm:styleLbl>
+  <dgm:styleLbl name="fgAcc1">
+    <dgm:fillClrLst meth="repeat">
+      <a:schemeClr val="lt1">
+        <a:alpha val="90000"/>
+      </a:schemeClr>
+    </dgm:fillClrLst>
+    <dgm:linClrLst meth="repeat">
+      <a:schemeClr val="accent1"/>
+    </dgm:linClrLst>
+    <dgm:effectClrLst/>
+    <dgm:txLinClrLst/>
+    <dgm:txFillClrLst meth="repeat">
+      <a:schemeClr val="dk1"/>
+    </dgm:txFillClrLst>
+    <dgm:txEffectClrLst/>
+  </dgm:styleLbl>
+  <dgm:styleLbl name="conFgAcc1">
+    <dgm:fillClrLst meth="repeat">
+      <a:schemeClr val="lt1">
+        <a:alpha val="90000"/>
+      </a:schemeClr>
+    </dgm:fillClrLst>
+    <dgm:linClrLst meth="repeat">
+      <a:schemeClr val="accent1"/>
+    </dgm:linClrLst>
+    <dgm:effectClrLst/>
+    <dgm:txLinClrLst/>
+    <dgm:txFillClrLst meth="repeat">
+      <a:schemeClr val="dk1"/>
+    </dgm:txFillClrLst>
+    <dgm:txEffectClrLst/>
+  </dgm:styleLbl>
+  <dgm:styleLbl name="alignAcc1">
+    <dgm:fillClrLst meth="repeat">
+      <a:schemeClr val="lt1">
+        <a:alpha val="90000"/>
+      </a:schemeClr>
+    </dgm:fillClrLst>
+    <dgm:linClrLst meth="repeat">
+      <a:schemeClr val="accent1"/>
+    </dgm:linClrLst>
+    <dgm:effectClrLst/>
+    <dgm:txLinClrLst/>
+    <dgm:txFillClrLst meth="repeat">
+      <a:schemeClr val="dk1"/>
+    </dgm:txFillClrLst>
+    <dgm:txEffectClrLst/>
+  </dgm:styleLbl>
+  <dgm:styleLbl name="trAlignAcc1">
+    <dgm:fillClrLst meth="repeat">
+      <a:schemeClr val="lt1">
+        <a:alpha val="40000"/>
+      </a:schemeClr>
+    </dgm:fillClrLst>
+    <dgm:linClrLst meth="repeat">
+      <a:schemeClr val="accent1"/>
+    </dgm:linClrLst>
+    <dgm:effectClrLst/>
+    <dgm:txLinClrLst/>
+    <dgm:txFillClrLst meth="repeat">
+      <a:schemeClr val="dk1"/>
+    </dgm:txFillClrLst>
+    <dgm:txEffectClrLst/>
+  </dgm:styleLbl>
+  <dgm:styleLbl name="bgAcc1">
+    <dgm:fillClrLst meth="repeat">
+      <a:schemeClr val="lt1">
+        <a:alpha val="90000"/>
+      </a:schemeClr>
+    </dgm:fillClrLst>
+    <dgm:linClrLst meth="repeat">
+      <a:schemeClr val="accent1"/>
+    </dgm:linClrLst>
+    <dgm:effectClrLst/>
+    <dgm:txLinClrLst/>
+    <dgm:txFillClrLst meth="repeat">
+      <a:schemeClr val="dk1"/>
+    </dgm:txFillClrLst>
+    <dgm:txEffectClrLst/>
+  </dgm:styleLbl>
+  <dgm:styleLbl name="solidFgAcc1">
+    <dgm:fillClrLst meth="repeat">
+      <a:schemeClr val="lt1"/>
+    </dgm:fillClrLst>
+    <dgm:linClrLst meth="repeat">
+      <a:schemeClr val="accent1"/>
+    </dgm:linClrLst>
+    <dgm:effectClrLst/>
+    <dgm:txLinClrLst/>
+    <dgm:txFillClrLst meth="repeat">
+      <a:schemeClr val="dk1"/>
+    </dgm:txFillClrLst>
+    <dgm:txEffectClrLst/>
+  </dgm:styleLbl>
+  <dgm:styleLbl name="solidAlignAcc1">
+    <dgm:fillClrLst meth="repeat">
+      <a:schemeClr val="lt1"/>
+    </dgm:fillClrLst>
+    <dgm:linClrLst meth="repeat">
+      <a:schemeClr val="accent1"/>
+    </dgm:linClrLst>
+    <dgm:effectClrLst/>
+    <dgm:txLinClrLst/>
+    <dgm:txFillClrLst meth="repeat">
+      <a:schemeClr val="dk1"/>
+    </dgm:txFillClrLst>
+    <dgm:txEffectClrLst/>
+  </dgm:styleLbl>
+  <dgm:styleLbl name="solidBgAcc1">
+    <dgm:fillClrLst meth="repeat">
+      <a:schemeClr val="lt1"/>
+    </dgm:fillClrLst>
+    <dgm:linClrLst meth="repeat">
+      <a:schemeClr val="accent1"/>
+    </dgm:linClrLst>
+    <dgm:effectClrLst/>
+    <dgm:txLinClrLst/>
+    <dgm:txFillClrLst meth="repeat">
+      <a:schemeClr val="dk1"/>
+    </dgm:txFillClrLst>
+    <dgm:txEffectClrLst/>
+  </dgm:styleLbl>
+  <dgm:styleLbl name="fgAccFollowNode1">
+    <dgm:fillClrLst meth="repeat">
+      <a:schemeClr val="accent1">
+        <a:alpha val="90000"/>
+        <a:tint val="40000"/>
+      </a:schemeClr>
+    </dgm:fillClrLst>
+    <dgm:linClrLst meth="repeat">
+      <a:schemeClr val="accent1">
+        <a:alpha val="90000"/>
+        <a:tint val="40000"/>
+      </a:schemeClr>
+    </dgm:linClrLst>
+    <dgm:effectClrLst/>
+    <dgm:txLinClrLst/>
+    <dgm:txFillClrLst meth="repeat">
+      <a:schemeClr val="dk1"/>
+    </dgm:txFillClrLst>
+    <dgm:txEffectClrLst/>
+  </dgm:styleLbl>
+  <dgm:styleLbl name="alignAccFollowNode1">
+    <dgm:fillClrLst meth="repeat">
+      <a:schemeClr val="accent1">
+        <a:alpha val="90000"/>
+        <a:tint val="40000"/>
+      </a:schemeClr>
+    </dgm:fillClrLst>
+    <dgm:linClrLst meth="repeat">
+      <a:schemeClr val="accent1">
+        <a:alpha val="90000"/>
+        <a:tint val="40000"/>
+      </a:schemeClr>
+    </dgm:linClrLst>
+    <dgm:effectClrLst/>
+    <dgm:txLinClrLst/>
+    <dgm:txFillClrLst meth="repeat">
+      <a:schemeClr val="dk1"/>
+    </dgm:txFillClrLst>
+    <dgm:txEffectClrLst/>
+  </dgm:styleLbl>
+  <dgm:styleLbl name="bgAccFollowNode1">
+    <dgm:fillClrLst meth="repeat">
+      <a:schemeClr val="accent1">
+        <a:alpha val="90000"/>
+        <a:tint val="40000"/>
+      </a:schemeClr>
+    </dgm:fillClrLst>
+    <dgm:linClrLst meth="repeat">
+      <a:schemeClr val="accent1">
+        <a:alpha val="90000"/>
+        <a:tint val="40000"/>
+      </a:schemeClr>
+    </dgm:linClrLst>
+    <dgm:effectClrLst/>
+    <dgm:txLinClrLst/>
+    <dgm:txFillClrLst meth="repeat">
+      <a:schemeClr val="dk1"/>
+    </dgm:txFillClrLst>
+    <dgm:txEffectClrLst/>
+  </dgm:styleLbl>
+  <dgm:styleLbl name="fgAcc0">
+    <dgm:fillClrLst meth="repeat">
+      <a:schemeClr val="lt1">
+        <a:alpha val="90000"/>
+      </a:schemeClr>
+    </dgm:fillClrLst>
+    <dgm:linClrLst meth="repeat">
+      <a:schemeClr val="accent1"/>
+    </dgm:linClrLst>
+    <dgm:effectClrLst/>
+    <dgm:txLinClrLst/>
+    <dgm:txFillClrLst meth="repeat">
+      <a:schemeClr val="dk1"/>
+    </dgm:txFillClrLst>
+    <dgm:txEffectClrLst/>
+  </dgm:styleLbl>
+  <dgm:styleLbl name="fgAcc2">
+    <dgm:fillClrLst meth="repeat">
+      <a:schemeClr val="lt1">
+        <a:alpha val="90000"/>
+      </a:schemeClr>
+    </dgm:fillClrLst>
+    <dgm:linClrLst meth="repeat">
+      <a:schemeClr val="accent1"/>
+    </dgm:linClrLst>
+    <dgm:effectClrLst/>
+    <dgm:txLinClrLst/>
+    <dgm:txFillClrLst meth="repeat">
+      <a:schemeClr val="dk1"/>
+    </dgm:txFillClrLst>
+    <dgm:txEffectClrLst/>
+  </dgm:styleLbl>
+  <dgm:styleLbl name="fgAcc3">
+    <dgm:fillClrLst meth="repeat">
+      <a:schemeClr val="lt1">
+        <a:alpha val="90000"/>
+      </a:schemeClr>
+    </dgm:fillClrLst>
+    <dgm:linClrLst meth="repeat">
+      <a:schemeClr val="accent1"/>
+    </dgm:linClrLst>
+    <dgm:effectClrLst/>
+    <dgm:txLinClrLst/>
+    <dgm:txFillClrLst meth="repeat">
+      <a:schemeClr val="dk1"/>
+    </dgm:txFillClrLst>
+    <dgm:txEffectClrLst/>
+  </dgm:styleLbl>
+  <dgm:styleLbl name="fgAcc4">
+    <dgm:fillClrLst meth="repeat">
+      <a:schemeClr val="lt1">
+        <a:alpha val="90000"/>
+      </a:schemeClr>
+    </dgm:fillClrLst>
+    <dgm:linClrLst meth="repeat">
+      <a:schemeClr val="accent1"/>
+    </dgm:linClrLst>
+    <dgm:effectClrLst/>
+    <dgm:txLinClrLst/>
+    <dgm:txFillClrLst meth="repeat">
+      <a:schemeClr val="dk1"/>
+    </dgm:txFillClrLst>
+    <dgm:txEffectClrLst/>
+  </dgm:styleLbl>
+  <dgm:styleLbl name="bgShp">
+    <dgm:fillClrLst meth="repeat">
+      <a:schemeClr val="accent1">
+        <a:tint val="40000"/>
+      </a:schemeClr>
+    </dgm:fillClrLst>
+    <dgm:linClrLst meth="repeat">
+      <a:schemeClr val="accent1"/>
+    </dgm:linClrLst>
+    <dgm:effectClrLst/>
+    <dgm:txLinClrLst/>
+    <dgm:txFillClrLst meth="repeat">
+      <a:schemeClr val="dk1"/>
+    </dgm:txFillClrLst>
+    <dgm:txEffectClrLst/>
+  </dgm:styleLbl>
+  <dgm:styleLbl name="dkBgShp">
+    <dgm:fillClrLst meth="repeat">
+      <a:schemeClr val="accent1">
+        <a:shade val="80000"/>
+      </a:schemeClr>
+    </dgm:fillClrLst>
+    <dgm:linClrLst meth="repeat">
+      <a:schemeClr val="accent1"/>
+    </dgm:linClrLst>
+    <dgm:effectClrLst/>
+    <dgm:txLinClrLst/>
+    <dgm:txFillClrLst meth="repeat">
+      <a:schemeClr val="lt1"/>
+    </dgm:txFillClrLst>
+    <dgm:txEffectClrLst/>
+  </dgm:styleLbl>
+  <dgm:styleLbl name="trBgShp">
+    <dgm:fillClrLst meth="repeat">
+      <a:schemeClr val="accent1">
+        <a:tint val="50000"/>
+        <a:alpha val="40000"/>
+      </a:schemeClr>
+    </dgm:fillClrLst>
+    <dgm:linClrLst meth="repeat">
+      <a:schemeClr val="accent1"/>
+    </dgm:linClrLst>
+    <dgm:effectClrLst/>
+    <dgm:txLinClrLst/>
+    <dgm:txFillClrLst meth="repeat">
+      <a:schemeClr val="lt1"/>
+    </dgm:txFillClrLst>
+    <dgm:txEffectClrLst/>
+  </dgm:styleLbl>
+  <dgm:styleLbl name="fgShp">
+    <dgm:fillClrLst meth="repeat">
+      <a:schemeClr val="accent1">
+        <a:tint val="60000"/>
+      </a:schemeClr>
+    </dgm:fillClrLst>
+    <dgm:linClrLst meth="repeat">
+      <a:schemeClr val="lt1"/>
+    </dgm:linClrLst>
+    <dgm:effectClrLst/>
+    <dgm:txLinClrLst/>
+    <dgm:txFillClrLst meth="repeat">
+      <a:schemeClr val="dk1"/>
+    </dgm:txFillClrLst>
+    <dgm:txEffectClrLst/>
+  </dgm:styleLbl>
+  <dgm:styleLbl name="revTx">
+    <dgm:fillClrLst meth="repeat">
+      <a:schemeClr val="lt1">
+        <a:alpha val="0"/>
+      </a:schemeClr>
+    </dgm:fillClrLst>
+    <dgm:linClrLst meth="repeat">
+      <a:schemeClr val="dk1">
+        <a:alpha val="0"/>
+      </a:schemeClr>
+    </dgm:linClrLst>
+    <dgm:effectClrLst/>
+    <dgm:txLinClrLst/>
+    <dgm:txFillClrLst meth="repeat">
+      <a:schemeClr val="tx1"/>
+    </dgm:txFillClrLst>
+    <dgm:txEffectClrLst/>
+  </dgm:styleLbl>
+</dgm:colorsDef>
+</file>
+
+<file path=ppt/diagrams/data1.xml><?xml version="1.0" encoding="utf-8"?>
+<dgm:dataModel xmlns:dgm="http://schemas.openxmlformats.org/drawingml/2006/diagram" xmlns:a="http://schemas.openxmlformats.org/drawingml/2006/main">
+  <dgm:ptLst>
+    <dgm:pt modelId="{CC7E7781-C2B6-4689-BB94-7CB864FBAAD3}" type="doc">
+      <dgm:prSet loTypeId="urn:microsoft.com/office/officeart/2005/8/layout/vProcess5" loCatId="process" qsTypeId="urn:microsoft.com/office/officeart/2005/8/quickstyle/simple1" qsCatId="simple" csTypeId="urn:microsoft.com/office/officeart/2005/8/colors/accent1_2" csCatId="accent1"/>
+      <dgm:spPr/>
+      <dgm:t>
+        <a:bodyPr/>
+        <a:lstStyle/>
+        <a:p>
+          <a:endParaRPr lang="de-DE"/>
+        </a:p>
+      </dgm:t>
+    </dgm:pt>
+    <dgm:pt modelId="{3D4C920E-DC2F-45B9-BCDA-5DCAEA0E45C7}">
+      <dgm:prSet/>
+      <dgm:spPr/>
+      <dgm:t>
+        <a:bodyPr/>
+        <a:lstStyle/>
+        <a:p>
+          <a:pPr rtl="0"/>
+          <a:r>
+            <a:rPr lang="de-DE" dirty="0" smtClean="0"/>
+            <a:t>Einleitung</a:t>
+          </a:r>
+          <a:endParaRPr lang="de-DE" dirty="0"/>
+        </a:p>
+      </dgm:t>
+    </dgm:pt>
+    <dgm:pt modelId="{1E395B22-5FA8-4676-B7D3-8FCE9B2F3F8B}" type="parTrans" cxnId="{6EDC021F-7FF6-4716-9786-87F6C616E3DB}">
+      <dgm:prSet/>
+      <dgm:spPr/>
+      <dgm:t>
+        <a:bodyPr/>
+        <a:lstStyle/>
+        <a:p>
+          <a:endParaRPr lang="de-DE"/>
+        </a:p>
+      </dgm:t>
+    </dgm:pt>
+    <dgm:pt modelId="{B3A9770A-8C31-48F1-A4A3-4036C0B9FBAF}" type="sibTrans" cxnId="{6EDC021F-7FF6-4716-9786-87F6C616E3DB}">
+      <dgm:prSet/>
+      <dgm:spPr/>
+      <dgm:t>
+        <a:bodyPr/>
+        <a:lstStyle/>
+        <a:p>
+          <a:endParaRPr lang="de-DE"/>
+        </a:p>
+      </dgm:t>
+    </dgm:pt>
+    <dgm:pt modelId="{D3B773DD-834A-4A7C-A16B-89AEF924AD91}">
+      <dgm:prSet/>
+      <dgm:spPr/>
+      <dgm:t>
+        <a:bodyPr/>
+        <a:lstStyle/>
+        <a:p>
+          <a:pPr rtl="0"/>
+          <a:r>
+            <a:rPr lang="de-DE" dirty="0" smtClean="0"/>
+            <a:t>Vorbereitung</a:t>
+          </a:r>
+          <a:endParaRPr lang="de-DE" dirty="0"/>
+        </a:p>
+      </dgm:t>
+    </dgm:pt>
+    <dgm:pt modelId="{492D7E68-0FA4-491A-BCBE-E127A11D713E}" type="parTrans" cxnId="{7A994AAD-D281-4B62-82F8-AA99F2524875}">
+      <dgm:prSet/>
+      <dgm:spPr/>
+      <dgm:t>
+        <a:bodyPr/>
+        <a:lstStyle/>
+        <a:p>
+          <a:endParaRPr lang="de-DE"/>
+        </a:p>
+      </dgm:t>
+    </dgm:pt>
+    <dgm:pt modelId="{D7A75137-28C0-4A8D-8350-3021A5A20F92}" type="sibTrans" cxnId="{7A994AAD-D281-4B62-82F8-AA99F2524875}">
+      <dgm:prSet/>
+      <dgm:spPr/>
+      <dgm:t>
+        <a:bodyPr/>
+        <a:lstStyle/>
+        <a:p>
+          <a:endParaRPr lang="de-DE"/>
+        </a:p>
+      </dgm:t>
+    </dgm:pt>
+    <dgm:pt modelId="{A7592742-5C83-4599-88EB-19FB6B0B0AD6}">
+      <dgm:prSet/>
+      <dgm:spPr/>
+      <dgm:t>
+        <a:bodyPr/>
+        <a:lstStyle/>
+        <a:p>
+          <a:pPr rtl="0"/>
+          <a:r>
+            <a:rPr lang="de-DE" dirty="0" smtClean="0"/>
+            <a:t>Analyse</a:t>
+          </a:r>
+          <a:endParaRPr lang="de-DE" dirty="0"/>
+        </a:p>
+      </dgm:t>
+    </dgm:pt>
+    <dgm:pt modelId="{DE5F1086-6D76-4E75-A9A0-F0C8E0033728}" type="parTrans" cxnId="{9D6B4F12-A155-4FB1-8268-D99AADA6AA2C}">
+      <dgm:prSet/>
+      <dgm:spPr/>
+      <dgm:t>
+        <a:bodyPr/>
+        <a:lstStyle/>
+        <a:p>
+          <a:endParaRPr lang="de-DE"/>
+        </a:p>
+      </dgm:t>
+    </dgm:pt>
+    <dgm:pt modelId="{DAC5600A-801B-4A37-9216-8430F1D11A52}" type="sibTrans" cxnId="{9D6B4F12-A155-4FB1-8268-D99AADA6AA2C}">
+      <dgm:prSet/>
+      <dgm:spPr/>
+      <dgm:t>
+        <a:bodyPr/>
+        <a:lstStyle/>
+        <a:p>
+          <a:endParaRPr lang="de-DE"/>
+        </a:p>
+      </dgm:t>
+    </dgm:pt>
+    <dgm:pt modelId="{A103FB69-F2B9-4E93-9E09-1BEFB2FC37C9}">
+      <dgm:prSet/>
+      <dgm:spPr/>
+      <dgm:t>
+        <a:bodyPr/>
+        <a:lstStyle/>
+        <a:p>
+          <a:pPr rtl="0"/>
+          <a:r>
+            <a:rPr lang="de-DE" dirty="0" smtClean="0"/>
+            <a:t>Entwurf</a:t>
+          </a:r>
+          <a:endParaRPr lang="de-DE" dirty="0"/>
+        </a:p>
+      </dgm:t>
+    </dgm:pt>
+    <dgm:pt modelId="{B280710B-F9FE-4D9B-843A-9198F535EB7B}" type="parTrans" cxnId="{A8EB1ACD-6B96-4774-90FE-D6794E14FBA7}">
+      <dgm:prSet/>
+      <dgm:spPr/>
+      <dgm:t>
+        <a:bodyPr/>
+        <a:lstStyle/>
+        <a:p>
+          <a:endParaRPr lang="de-DE"/>
+        </a:p>
+      </dgm:t>
+    </dgm:pt>
+    <dgm:pt modelId="{9002DD8C-0A24-45F9-AE65-882C40474E21}" type="sibTrans" cxnId="{A8EB1ACD-6B96-4774-90FE-D6794E14FBA7}">
+      <dgm:prSet/>
+      <dgm:spPr/>
+      <dgm:t>
+        <a:bodyPr/>
+        <a:lstStyle/>
+        <a:p>
+          <a:endParaRPr lang="de-DE"/>
+        </a:p>
+      </dgm:t>
+    </dgm:pt>
+    <dgm:pt modelId="{220DA009-3546-4887-AAE4-9DC907BE7075}">
+      <dgm:prSet/>
+      <dgm:spPr/>
+      <dgm:t>
+        <a:bodyPr/>
+        <a:lstStyle/>
+        <a:p>
+          <a:pPr rtl="0"/>
+          <a:r>
+            <a:rPr lang="de-DE" dirty="0" smtClean="0"/>
+            <a:t>Umsetzung</a:t>
+          </a:r>
+          <a:endParaRPr lang="de-DE" dirty="0"/>
+        </a:p>
+      </dgm:t>
+    </dgm:pt>
+    <dgm:pt modelId="{8211603C-5572-4FA2-B532-1AC1DFAF2C34}" type="parTrans" cxnId="{E6B5F339-546B-4C07-B234-E864B25CB9E0}">
+      <dgm:prSet/>
+      <dgm:spPr/>
+      <dgm:t>
+        <a:bodyPr/>
+        <a:lstStyle/>
+        <a:p>
+          <a:endParaRPr lang="de-DE"/>
+        </a:p>
+      </dgm:t>
+    </dgm:pt>
+    <dgm:pt modelId="{297F058C-FD60-4438-9423-60BBEEBB8595}" type="sibTrans" cxnId="{E6B5F339-546B-4C07-B234-E864B25CB9E0}">
+      <dgm:prSet/>
+      <dgm:spPr/>
+      <dgm:t>
+        <a:bodyPr/>
+        <a:lstStyle/>
+        <a:p>
+          <a:endParaRPr lang="de-DE"/>
+        </a:p>
+      </dgm:t>
+    </dgm:pt>
+    <dgm:pt modelId="{EBEAB8D3-F324-4BC3-B329-927BAF4A0483}">
+      <dgm:prSet/>
+      <dgm:spPr/>
+    </dgm:pt>
+    <dgm:pt modelId="{15E8C6E6-0462-411C-92B0-ADC937E3120B}" type="parTrans" cxnId="{3D04E1CA-2572-49E2-BF89-26F960CA7DB4}">
+      <dgm:prSet/>
+      <dgm:spPr/>
+      <dgm:t>
+        <a:bodyPr/>
+        <a:lstStyle/>
+        <a:p>
+          <a:endParaRPr lang="de-DE"/>
+        </a:p>
+      </dgm:t>
+    </dgm:pt>
+    <dgm:pt modelId="{E45970A0-7308-4EFC-B0FE-CF2CAECB16D3}" type="sibTrans" cxnId="{3D04E1CA-2572-49E2-BF89-26F960CA7DB4}">
+      <dgm:prSet/>
+      <dgm:spPr/>
+      <dgm:t>
+        <a:bodyPr/>
+        <a:lstStyle/>
+        <a:p>
+          <a:endParaRPr lang="de-DE"/>
+        </a:p>
+      </dgm:t>
+    </dgm:pt>
+    <dgm:pt modelId="{D9E749CC-954E-4E5E-BB6D-E58C9AB5708F}" type="pres">
+      <dgm:prSet presAssocID="{CC7E7781-C2B6-4689-BB94-7CB864FBAAD3}" presName="outerComposite" presStyleCnt="0">
+        <dgm:presLayoutVars>
+          <dgm:chMax val="5"/>
+          <dgm:dir/>
+          <dgm:resizeHandles val="exact"/>
+        </dgm:presLayoutVars>
+      </dgm:prSet>
+      <dgm:spPr/>
+    </dgm:pt>
+    <dgm:pt modelId="{C99B6C88-BC2E-4581-9BC9-B36C6F28A08D}" type="pres">
+      <dgm:prSet presAssocID="{CC7E7781-C2B6-4689-BB94-7CB864FBAAD3}" presName="dummyMaxCanvas" presStyleCnt="0">
+        <dgm:presLayoutVars/>
+      </dgm:prSet>
+      <dgm:spPr/>
+    </dgm:pt>
+    <dgm:pt modelId="{7C86DE1A-7CA7-487B-B6BE-47545EB9C65C}" type="pres">
+      <dgm:prSet presAssocID="{CC7E7781-C2B6-4689-BB94-7CB864FBAAD3}" presName="FiveNodes_1" presStyleLbl="node1" presStyleIdx="0" presStyleCnt="5">
+        <dgm:presLayoutVars>
+          <dgm:bulletEnabled val="1"/>
+        </dgm:presLayoutVars>
+      </dgm:prSet>
+      <dgm:spPr/>
+    </dgm:pt>
+    <dgm:pt modelId="{EA622416-5BB3-4DB7-BEF0-5ECF392CF6CB}" type="pres">
+      <dgm:prSet presAssocID="{CC7E7781-C2B6-4689-BB94-7CB864FBAAD3}" presName="FiveNodes_2" presStyleLbl="node1" presStyleIdx="1" presStyleCnt="5">
+        <dgm:presLayoutVars>
+          <dgm:bulletEnabled val="1"/>
+        </dgm:presLayoutVars>
+      </dgm:prSet>
+      <dgm:spPr/>
+    </dgm:pt>
+    <dgm:pt modelId="{ADF840DE-A5B6-4254-B088-252189994BA9}" type="pres">
+      <dgm:prSet presAssocID="{CC7E7781-C2B6-4689-BB94-7CB864FBAAD3}" presName="FiveNodes_3" presStyleLbl="node1" presStyleIdx="2" presStyleCnt="5">
+        <dgm:presLayoutVars>
+          <dgm:bulletEnabled val="1"/>
+        </dgm:presLayoutVars>
+      </dgm:prSet>
+      <dgm:spPr/>
+    </dgm:pt>
+    <dgm:pt modelId="{E850A8C1-D9D8-4C3D-9D5D-B12EF5713BC8}" type="pres">
+      <dgm:prSet presAssocID="{CC7E7781-C2B6-4689-BB94-7CB864FBAAD3}" presName="FiveNodes_4" presStyleLbl="node1" presStyleIdx="3" presStyleCnt="5">
+        <dgm:presLayoutVars>
+          <dgm:bulletEnabled val="1"/>
+        </dgm:presLayoutVars>
+      </dgm:prSet>
+      <dgm:spPr/>
+    </dgm:pt>
+    <dgm:pt modelId="{6923DECC-709A-4292-86D7-2FAB6474C6F8}" type="pres">
+      <dgm:prSet presAssocID="{CC7E7781-C2B6-4689-BB94-7CB864FBAAD3}" presName="FiveNodes_5" presStyleLbl="node1" presStyleIdx="4" presStyleCnt="5">
+        <dgm:presLayoutVars>
+          <dgm:bulletEnabled val="1"/>
+        </dgm:presLayoutVars>
+      </dgm:prSet>
+      <dgm:spPr/>
+    </dgm:pt>
+    <dgm:pt modelId="{C77EC6D8-8CB6-40C1-B1F8-D6A2F3427D6A}" type="pres">
+      <dgm:prSet presAssocID="{CC7E7781-C2B6-4689-BB94-7CB864FBAAD3}" presName="FiveConn_1-2" presStyleLbl="fgAccFollowNode1" presStyleIdx="0" presStyleCnt="4">
+        <dgm:presLayoutVars>
+          <dgm:bulletEnabled val="1"/>
+        </dgm:presLayoutVars>
+      </dgm:prSet>
+      <dgm:spPr/>
+    </dgm:pt>
+    <dgm:pt modelId="{E51F7E02-E163-4FD6-8C0F-3D897CEA290D}" type="pres">
+      <dgm:prSet presAssocID="{CC7E7781-C2B6-4689-BB94-7CB864FBAAD3}" presName="FiveConn_2-3" presStyleLbl="fgAccFollowNode1" presStyleIdx="1" presStyleCnt="4">
+        <dgm:presLayoutVars>
+          <dgm:bulletEnabled val="1"/>
+        </dgm:presLayoutVars>
+      </dgm:prSet>
+      <dgm:spPr/>
+    </dgm:pt>
+    <dgm:pt modelId="{0E91D821-4BAB-4204-8AF4-C78F3BB674DD}" type="pres">
+      <dgm:prSet presAssocID="{CC7E7781-C2B6-4689-BB94-7CB864FBAAD3}" presName="FiveConn_3-4" presStyleLbl="fgAccFollowNode1" presStyleIdx="2" presStyleCnt="4">
+        <dgm:presLayoutVars>
+          <dgm:bulletEnabled val="1"/>
+        </dgm:presLayoutVars>
+      </dgm:prSet>
+      <dgm:spPr/>
+    </dgm:pt>
+    <dgm:pt modelId="{A8CA6631-6C56-4AD8-A3AC-71B6E48E9A09}" type="pres">
+      <dgm:prSet presAssocID="{CC7E7781-C2B6-4689-BB94-7CB864FBAAD3}" presName="FiveConn_4-5" presStyleLbl="fgAccFollowNode1" presStyleIdx="3" presStyleCnt="4">
+        <dgm:presLayoutVars>
+          <dgm:bulletEnabled val="1"/>
+        </dgm:presLayoutVars>
+      </dgm:prSet>
+      <dgm:spPr/>
+    </dgm:pt>
+    <dgm:pt modelId="{13FBFBB1-4562-4B52-99AB-85968827B24A}" type="pres">
+      <dgm:prSet presAssocID="{CC7E7781-C2B6-4689-BB94-7CB864FBAAD3}" presName="FiveNodes_1_text" presStyleLbl="node1" presStyleIdx="4" presStyleCnt="5">
+        <dgm:presLayoutVars>
+          <dgm:bulletEnabled val="1"/>
+        </dgm:presLayoutVars>
+      </dgm:prSet>
+      <dgm:spPr/>
+    </dgm:pt>
+    <dgm:pt modelId="{71B12C03-3947-4315-A22D-98C3E265DB8D}" type="pres">
+      <dgm:prSet presAssocID="{CC7E7781-C2B6-4689-BB94-7CB864FBAAD3}" presName="FiveNodes_2_text" presStyleLbl="node1" presStyleIdx="4" presStyleCnt="5">
+        <dgm:presLayoutVars>
+          <dgm:bulletEnabled val="1"/>
+        </dgm:presLayoutVars>
+      </dgm:prSet>
+      <dgm:spPr/>
+    </dgm:pt>
+    <dgm:pt modelId="{3A0212C4-C398-4C5C-A3EA-7FECACD4D4A1}" type="pres">
+      <dgm:prSet presAssocID="{CC7E7781-C2B6-4689-BB94-7CB864FBAAD3}" presName="FiveNodes_3_text" presStyleLbl="node1" presStyleIdx="4" presStyleCnt="5">
+        <dgm:presLayoutVars>
+          <dgm:bulletEnabled val="1"/>
+        </dgm:presLayoutVars>
+      </dgm:prSet>
+      <dgm:spPr/>
+    </dgm:pt>
+    <dgm:pt modelId="{DE13052D-E221-4B01-A430-2F636D0CE8B6}" type="pres">
+      <dgm:prSet presAssocID="{CC7E7781-C2B6-4689-BB94-7CB864FBAAD3}" presName="FiveNodes_4_text" presStyleLbl="node1" presStyleIdx="4" presStyleCnt="5">
+        <dgm:presLayoutVars>
+          <dgm:bulletEnabled val="1"/>
+        </dgm:presLayoutVars>
+      </dgm:prSet>
+      <dgm:spPr/>
+    </dgm:pt>
+    <dgm:pt modelId="{A348ECCF-809B-4EA0-AA77-E8BEFC1ECDB8}" type="pres">
+      <dgm:prSet presAssocID="{CC7E7781-C2B6-4689-BB94-7CB864FBAAD3}" presName="FiveNodes_5_text" presStyleLbl="node1" presStyleIdx="4" presStyleCnt="5">
+        <dgm:presLayoutVars>
+          <dgm:bulletEnabled val="1"/>
+        </dgm:presLayoutVars>
+      </dgm:prSet>
+      <dgm:spPr/>
+    </dgm:pt>
+  </dgm:ptLst>
+  <dgm:cxnLst>
+    <dgm:cxn modelId="{50CA25A9-1D16-409D-9532-9BA8BA4368F9}" type="presOf" srcId="{D3B773DD-834A-4A7C-A16B-89AEF924AD91}" destId="{EA622416-5BB3-4DB7-BEF0-5ECF392CF6CB}" srcOrd="0" destOrd="0" presId="urn:microsoft.com/office/officeart/2005/8/layout/vProcess5"/>
+    <dgm:cxn modelId="{7A994AAD-D281-4B62-82F8-AA99F2524875}" srcId="{CC7E7781-C2B6-4689-BB94-7CB864FBAAD3}" destId="{D3B773DD-834A-4A7C-A16B-89AEF924AD91}" srcOrd="1" destOrd="0" parTransId="{492D7E68-0FA4-491A-BCBE-E127A11D713E}" sibTransId="{D7A75137-28C0-4A8D-8350-3021A5A20F92}"/>
+    <dgm:cxn modelId="{A8EB1ACD-6B96-4774-90FE-D6794E14FBA7}" srcId="{CC7E7781-C2B6-4689-BB94-7CB864FBAAD3}" destId="{A103FB69-F2B9-4E93-9E09-1BEFB2FC37C9}" srcOrd="3" destOrd="0" parTransId="{B280710B-F9FE-4D9B-843A-9198F535EB7B}" sibTransId="{9002DD8C-0A24-45F9-AE65-882C40474E21}"/>
+    <dgm:cxn modelId="{142DB966-12A1-4EA1-B8BD-1B0A898F2C0A}" type="presOf" srcId="{3D4C920E-DC2F-45B9-BCDA-5DCAEA0E45C7}" destId="{13FBFBB1-4562-4B52-99AB-85968827B24A}" srcOrd="1" destOrd="0" presId="urn:microsoft.com/office/officeart/2005/8/layout/vProcess5"/>
+    <dgm:cxn modelId="{C31ED6C1-CDBB-40BB-84EF-DE34AA30AE49}" type="presOf" srcId="{D3B773DD-834A-4A7C-A16B-89AEF924AD91}" destId="{71B12C03-3947-4315-A22D-98C3E265DB8D}" srcOrd="1" destOrd="0" presId="urn:microsoft.com/office/officeart/2005/8/layout/vProcess5"/>
+    <dgm:cxn modelId="{31407CED-9798-49D6-B79D-24E63EFB81BB}" type="presOf" srcId="{DAC5600A-801B-4A37-9216-8430F1D11A52}" destId="{0E91D821-4BAB-4204-8AF4-C78F3BB674DD}" srcOrd="0" destOrd="0" presId="urn:microsoft.com/office/officeart/2005/8/layout/vProcess5"/>
+    <dgm:cxn modelId="{903F6691-2835-473A-8D7C-E2C5EA62309D}" type="presOf" srcId="{CC7E7781-C2B6-4689-BB94-7CB864FBAAD3}" destId="{D9E749CC-954E-4E5E-BB6D-E58C9AB5708F}" srcOrd="0" destOrd="0" presId="urn:microsoft.com/office/officeart/2005/8/layout/vProcess5"/>
+    <dgm:cxn modelId="{A6DA6C8F-5344-4931-B520-BF0C81E40C0F}" type="presOf" srcId="{A7592742-5C83-4599-88EB-19FB6B0B0AD6}" destId="{ADF840DE-A5B6-4254-B088-252189994BA9}" srcOrd="0" destOrd="0" presId="urn:microsoft.com/office/officeart/2005/8/layout/vProcess5"/>
+    <dgm:cxn modelId="{3D04E1CA-2572-49E2-BF89-26F960CA7DB4}" srcId="{CC7E7781-C2B6-4689-BB94-7CB864FBAAD3}" destId="{EBEAB8D3-F324-4BC3-B329-927BAF4A0483}" srcOrd="5" destOrd="0" parTransId="{15E8C6E6-0462-411C-92B0-ADC937E3120B}" sibTransId="{E45970A0-7308-4EFC-B0FE-CF2CAECB16D3}"/>
+    <dgm:cxn modelId="{CDA0F86C-4E17-45AC-B0C5-0B12AF91CE3E}" type="presOf" srcId="{A103FB69-F2B9-4E93-9E09-1BEFB2FC37C9}" destId="{DE13052D-E221-4B01-A430-2F636D0CE8B6}" srcOrd="1" destOrd="0" presId="urn:microsoft.com/office/officeart/2005/8/layout/vProcess5"/>
+    <dgm:cxn modelId="{9A8A29C1-B478-4F13-908E-1349C0B5F7C0}" type="presOf" srcId="{D7A75137-28C0-4A8D-8350-3021A5A20F92}" destId="{E51F7E02-E163-4FD6-8C0F-3D897CEA290D}" srcOrd="0" destOrd="0" presId="urn:microsoft.com/office/officeart/2005/8/layout/vProcess5"/>
+    <dgm:cxn modelId="{E611B95D-52C9-4F70-A2F4-6ECBCE47A915}" type="presOf" srcId="{A7592742-5C83-4599-88EB-19FB6B0B0AD6}" destId="{3A0212C4-C398-4C5C-A3EA-7FECACD4D4A1}" srcOrd="1" destOrd="0" presId="urn:microsoft.com/office/officeart/2005/8/layout/vProcess5"/>
+    <dgm:cxn modelId="{BD4A472E-F359-43B7-9884-4FAC561165D3}" type="presOf" srcId="{220DA009-3546-4887-AAE4-9DC907BE7075}" destId="{A348ECCF-809B-4EA0-AA77-E8BEFC1ECDB8}" srcOrd="1" destOrd="0" presId="urn:microsoft.com/office/officeart/2005/8/layout/vProcess5"/>
+    <dgm:cxn modelId="{6EDC021F-7FF6-4716-9786-87F6C616E3DB}" srcId="{CC7E7781-C2B6-4689-BB94-7CB864FBAAD3}" destId="{3D4C920E-DC2F-45B9-BCDA-5DCAEA0E45C7}" srcOrd="0" destOrd="0" parTransId="{1E395B22-5FA8-4676-B7D3-8FCE9B2F3F8B}" sibTransId="{B3A9770A-8C31-48F1-A4A3-4036C0B9FBAF}"/>
+    <dgm:cxn modelId="{851F56D9-E998-48D6-9A01-9CD7FC13ADEA}" type="presOf" srcId="{9002DD8C-0A24-45F9-AE65-882C40474E21}" destId="{A8CA6631-6C56-4AD8-A3AC-71B6E48E9A09}" srcOrd="0" destOrd="0" presId="urn:microsoft.com/office/officeart/2005/8/layout/vProcess5"/>
+    <dgm:cxn modelId="{E6B5F339-546B-4C07-B234-E864B25CB9E0}" srcId="{CC7E7781-C2B6-4689-BB94-7CB864FBAAD3}" destId="{220DA009-3546-4887-AAE4-9DC907BE7075}" srcOrd="4" destOrd="0" parTransId="{8211603C-5572-4FA2-B532-1AC1DFAF2C34}" sibTransId="{297F058C-FD60-4438-9423-60BBEEBB8595}"/>
+    <dgm:cxn modelId="{C1981F5E-DA98-4BA4-88D1-E7AD7F760383}" type="presOf" srcId="{B3A9770A-8C31-48F1-A4A3-4036C0B9FBAF}" destId="{C77EC6D8-8CB6-40C1-B1F8-D6A2F3427D6A}" srcOrd="0" destOrd="0" presId="urn:microsoft.com/office/officeart/2005/8/layout/vProcess5"/>
+    <dgm:cxn modelId="{3AE7049F-958F-4624-9CA0-C05F51084126}" type="presOf" srcId="{3D4C920E-DC2F-45B9-BCDA-5DCAEA0E45C7}" destId="{7C86DE1A-7CA7-487B-B6BE-47545EB9C65C}" srcOrd="0" destOrd="0" presId="urn:microsoft.com/office/officeart/2005/8/layout/vProcess5"/>
+    <dgm:cxn modelId="{55C64D2C-9A37-4967-85E8-3A8556F2F0DD}" type="presOf" srcId="{220DA009-3546-4887-AAE4-9DC907BE7075}" destId="{6923DECC-709A-4292-86D7-2FAB6474C6F8}" srcOrd="0" destOrd="0" presId="urn:microsoft.com/office/officeart/2005/8/layout/vProcess5"/>
+    <dgm:cxn modelId="{AB029270-F87C-4D53-8EFB-CF9205220BEB}" type="presOf" srcId="{A103FB69-F2B9-4E93-9E09-1BEFB2FC37C9}" destId="{E850A8C1-D9D8-4C3D-9D5D-B12EF5713BC8}" srcOrd="0" destOrd="0" presId="urn:microsoft.com/office/officeart/2005/8/layout/vProcess5"/>
+    <dgm:cxn modelId="{9D6B4F12-A155-4FB1-8268-D99AADA6AA2C}" srcId="{CC7E7781-C2B6-4689-BB94-7CB864FBAAD3}" destId="{A7592742-5C83-4599-88EB-19FB6B0B0AD6}" srcOrd="2" destOrd="0" parTransId="{DE5F1086-6D76-4E75-A9A0-F0C8E0033728}" sibTransId="{DAC5600A-801B-4A37-9216-8430F1D11A52}"/>
+    <dgm:cxn modelId="{8FA2BC81-1B45-4E6F-9686-105F7C0A2DD3}" type="presParOf" srcId="{D9E749CC-954E-4E5E-BB6D-E58C9AB5708F}" destId="{C99B6C88-BC2E-4581-9BC9-B36C6F28A08D}" srcOrd="0" destOrd="0" presId="urn:microsoft.com/office/officeart/2005/8/layout/vProcess5"/>
+    <dgm:cxn modelId="{C99C1F1D-9278-40A1-BDD3-991595A694D4}" type="presParOf" srcId="{D9E749CC-954E-4E5E-BB6D-E58C9AB5708F}" destId="{7C86DE1A-7CA7-487B-B6BE-47545EB9C65C}" srcOrd="1" destOrd="0" presId="urn:microsoft.com/office/officeart/2005/8/layout/vProcess5"/>
+    <dgm:cxn modelId="{7B43478B-D6F0-4DC9-B61E-1AF34AB33B95}" type="presParOf" srcId="{D9E749CC-954E-4E5E-BB6D-E58C9AB5708F}" destId="{EA622416-5BB3-4DB7-BEF0-5ECF392CF6CB}" srcOrd="2" destOrd="0" presId="urn:microsoft.com/office/officeart/2005/8/layout/vProcess5"/>
+    <dgm:cxn modelId="{1D431894-EB0C-4A58-B06C-AC742BB5075E}" type="presParOf" srcId="{D9E749CC-954E-4E5E-BB6D-E58C9AB5708F}" destId="{ADF840DE-A5B6-4254-B088-252189994BA9}" srcOrd="3" destOrd="0" presId="urn:microsoft.com/office/officeart/2005/8/layout/vProcess5"/>
+    <dgm:cxn modelId="{EDB15107-F09F-4589-B07F-8082BAAAF18C}" type="presParOf" srcId="{D9E749CC-954E-4E5E-BB6D-E58C9AB5708F}" destId="{E850A8C1-D9D8-4C3D-9D5D-B12EF5713BC8}" srcOrd="4" destOrd="0" presId="urn:microsoft.com/office/officeart/2005/8/layout/vProcess5"/>
+    <dgm:cxn modelId="{B1703F72-8CD4-4A37-9D56-D75273A74F38}" type="presParOf" srcId="{D9E749CC-954E-4E5E-BB6D-E58C9AB5708F}" destId="{6923DECC-709A-4292-86D7-2FAB6474C6F8}" srcOrd="5" destOrd="0" presId="urn:microsoft.com/office/officeart/2005/8/layout/vProcess5"/>
+    <dgm:cxn modelId="{B9820B7B-D36E-401F-8390-59943C519191}" type="presParOf" srcId="{D9E749CC-954E-4E5E-BB6D-E58C9AB5708F}" destId="{C77EC6D8-8CB6-40C1-B1F8-D6A2F3427D6A}" srcOrd="6" destOrd="0" presId="urn:microsoft.com/office/officeart/2005/8/layout/vProcess5"/>
+    <dgm:cxn modelId="{33AABAA0-80E6-4D85-BD41-880CAEB7FE19}" type="presParOf" srcId="{D9E749CC-954E-4E5E-BB6D-E58C9AB5708F}" destId="{E51F7E02-E163-4FD6-8C0F-3D897CEA290D}" srcOrd="7" destOrd="0" presId="urn:microsoft.com/office/officeart/2005/8/layout/vProcess5"/>
+    <dgm:cxn modelId="{910884D8-5AA1-432E-B283-A942C80870F4}" type="presParOf" srcId="{D9E749CC-954E-4E5E-BB6D-E58C9AB5708F}" destId="{0E91D821-4BAB-4204-8AF4-C78F3BB674DD}" srcOrd="8" destOrd="0" presId="urn:microsoft.com/office/officeart/2005/8/layout/vProcess5"/>
+    <dgm:cxn modelId="{F678E0DE-E28E-4710-A1C3-D9F81E2A623D}" type="presParOf" srcId="{D9E749CC-954E-4E5E-BB6D-E58C9AB5708F}" destId="{A8CA6631-6C56-4AD8-A3AC-71B6E48E9A09}" srcOrd="9" destOrd="0" presId="urn:microsoft.com/office/officeart/2005/8/layout/vProcess5"/>
+    <dgm:cxn modelId="{2251DE9C-CB06-44D1-868F-BE320BD9F4A0}" type="presParOf" srcId="{D9E749CC-954E-4E5E-BB6D-E58C9AB5708F}" destId="{13FBFBB1-4562-4B52-99AB-85968827B24A}" srcOrd="10" destOrd="0" presId="urn:microsoft.com/office/officeart/2005/8/layout/vProcess5"/>
+    <dgm:cxn modelId="{54E7D407-28EA-4871-88F6-97A727D98232}" type="presParOf" srcId="{D9E749CC-954E-4E5E-BB6D-E58C9AB5708F}" destId="{71B12C03-3947-4315-A22D-98C3E265DB8D}" srcOrd="11" destOrd="0" presId="urn:microsoft.com/office/officeart/2005/8/layout/vProcess5"/>
+    <dgm:cxn modelId="{AFF04A0F-F3D5-4737-B1A2-FAF0C0BB9AE5}" type="presParOf" srcId="{D9E749CC-954E-4E5E-BB6D-E58C9AB5708F}" destId="{3A0212C4-C398-4C5C-A3EA-7FECACD4D4A1}" srcOrd="12" destOrd="0" presId="urn:microsoft.com/office/officeart/2005/8/layout/vProcess5"/>
+    <dgm:cxn modelId="{E0095558-4A97-4651-A68C-C1E35C79039E}" type="presParOf" srcId="{D9E749CC-954E-4E5E-BB6D-E58C9AB5708F}" destId="{DE13052D-E221-4B01-A430-2F636D0CE8B6}" srcOrd="13" destOrd="0" presId="urn:microsoft.com/office/officeart/2005/8/layout/vProcess5"/>
+    <dgm:cxn modelId="{D625B681-D863-43EE-9F85-F3FACE2C44B6}" type="presParOf" srcId="{D9E749CC-954E-4E5E-BB6D-E58C9AB5708F}" destId="{A348ECCF-809B-4EA0-AA77-E8BEFC1ECDB8}" srcOrd="14" destOrd="0" presId="urn:microsoft.com/office/officeart/2005/8/layout/vProcess5"/>
+  </dgm:cxnLst>
+  <dgm:bg/>
+  <dgm:whole/>
+  <dgm:extLst>
+    <a:ext uri="http://schemas.microsoft.com/office/drawing/2008/diagram">
+      <dsp:dataModelExt xmlns:dsp="http://schemas.microsoft.com/office/drawing/2008/diagram" xmlns="" relId="rId6" minVer="http://schemas.openxmlformats.org/drawingml/2006/diagram"/>
+    </a:ext>
+  </dgm:extLst>
+</dgm:dataModel>
+</file>
+
+<file path=ppt/diagrams/drawing1.xml><?xml version="1.0" encoding="utf-8"?>
+<dsp:drawing xmlns:dgm="http://schemas.openxmlformats.org/drawingml/2006/diagram" xmlns:a="http://schemas.openxmlformats.org/drawingml/2006/main" xmlns:dsp="http://schemas.microsoft.com/office/drawing/2008/diagram">
+  <dsp:spTree>
+    <dsp:nvGrpSpPr>
+      <dsp:cNvPr id="0" name=""/>
+      <dsp:cNvGrpSpPr/>
+    </dsp:nvGrpSpPr>
+    <dsp:grpSpPr/>
+    <dsp:sp modelId="{7C86DE1A-7CA7-487B-B6BE-47545EB9C65C}">
+      <dsp:nvSpPr>
+        <dsp:cNvPr id="0" name=""/>
+        <dsp:cNvSpPr/>
+      </dsp:nvSpPr>
+      <dsp:spPr>
+        <a:xfrm>
+          <a:off x="0" y="0"/>
+          <a:ext cx="6278118" cy="809244"/>
+        </a:xfrm>
+        <a:prstGeom prst="roundRect">
+          <a:avLst>
+            <a:gd name="adj" fmla="val 10000"/>
+          </a:avLst>
+        </a:prstGeom>
+        <a:solidFill>
+          <a:schemeClr val="accent1">
+            <a:hueOff val="0"/>
+            <a:satOff val="0"/>
+            <a:lumOff val="0"/>
+            <a:alphaOff val="0"/>
+          </a:schemeClr>
+        </a:solidFill>
+        <a:ln w="19050" cap="flat" cmpd="sng" algn="ctr">
+          <a:solidFill>
+            <a:schemeClr val="lt1">
+              <a:hueOff val="0"/>
+              <a:satOff val="0"/>
+              <a:lumOff val="0"/>
+              <a:alphaOff val="0"/>
+            </a:schemeClr>
+          </a:solidFill>
+          <a:prstDash val="solid"/>
+        </a:ln>
+        <a:effectLst/>
+      </dsp:spPr>
+      <dsp:style>
+        <a:lnRef idx="2">
+          <a:scrgbClr r="0" g="0" b="0"/>
+        </a:lnRef>
+        <a:fillRef idx="1">
+          <a:scrgbClr r="0" g="0" b="0"/>
+        </a:fillRef>
+        <a:effectRef idx="0">
+          <a:scrgbClr r="0" g="0" b="0"/>
+        </a:effectRef>
+        <a:fontRef idx="minor">
+          <a:schemeClr val="lt1"/>
+        </a:fontRef>
+      </dsp:style>
+      <dsp:txBody>
+        <a:bodyPr spcFirstLastPara="0" vert="horz" wrap="square" lIns="137160" tIns="137160" rIns="137160" bIns="137160" numCol="1" spcCol="1270" anchor="ctr" anchorCtr="0">
+          <a:noAutofit/>
+        </a:bodyPr>
+        <a:lstStyle/>
+        <a:p>
+          <a:pPr lvl="0" algn="l" defTabSz="1600200" rtl="0">
+            <a:lnSpc>
+              <a:spcPct val="90000"/>
+            </a:lnSpc>
+            <a:spcBef>
+              <a:spcPct val="0"/>
+            </a:spcBef>
+            <a:spcAft>
+              <a:spcPct val="35000"/>
+            </a:spcAft>
+          </a:pPr>
+          <a:r>
+            <a:rPr lang="de-DE" sz="3600" kern="1200" dirty="0" smtClean="0"/>
+            <a:t>Einleitung</a:t>
+          </a:r>
+          <a:endParaRPr lang="de-DE" sz="3600" kern="1200" dirty="0"/>
+        </a:p>
+      </dsp:txBody>
+      <dsp:txXfrm>
+        <a:off x="0" y="0"/>
+        <a:ext cx="5357602" cy="809244"/>
+      </dsp:txXfrm>
+    </dsp:sp>
+    <dsp:sp modelId="{EA622416-5BB3-4DB7-BEF0-5ECF392CF6CB}">
+      <dsp:nvSpPr>
+        <dsp:cNvPr id="0" name=""/>
+        <dsp:cNvSpPr/>
+      </dsp:nvSpPr>
+      <dsp:spPr>
+        <a:xfrm>
+          <a:off x="468820" y="921639"/>
+          <a:ext cx="6278118" cy="809244"/>
+        </a:xfrm>
+        <a:prstGeom prst="roundRect">
+          <a:avLst>
+            <a:gd name="adj" fmla="val 10000"/>
+          </a:avLst>
+        </a:prstGeom>
+        <a:solidFill>
+          <a:schemeClr val="accent1">
+            <a:hueOff val="0"/>
+            <a:satOff val="0"/>
+            <a:lumOff val="0"/>
+            <a:alphaOff val="0"/>
+          </a:schemeClr>
+        </a:solidFill>
+        <a:ln w="19050" cap="flat" cmpd="sng" algn="ctr">
+          <a:solidFill>
+            <a:schemeClr val="lt1">
+              <a:hueOff val="0"/>
+              <a:satOff val="0"/>
+              <a:lumOff val="0"/>
+              <a:alphaOff val="0"/>
+            </a:schemeClr>
+          </a:solidFill>
+          <a:prstDash val="solid"/>
+        </a:ln>
+        <a:effectLst/>
+      </dsp:spPr>
+      <dsp:style>
+        <a:lnRef idx="2">
+          <a:scrgbClr r="0" g="0" b="0"/>
+        </a:lnRef>
+        <a:fillRef idx="1">
+          <a:scrgbClr r="0" g="0" b="0"/>
+        </a:fillRef>
+        <a:effectRef idx="0">
+          <a:scrgbClr r="0" g="0" b="0"/>
+        </a:effectRef>
+        <a:fontRef idx="minor">
+          <a:schemeClr val="lt1"/>
+        </a:fontRef>
+      </dsp:style>
+      <dsp:txBody>
+        <a:bodyPr spcFirstLastPara="0" vert="horz" wrap="square" lIns="137160" tIns="137160" rIns="137160" bIns="137160" numCol="1" spcCol="1270" anchor="ctr" anchorCtr="0">
+          <a:noAutofit/>
+        </a:bodyPr>
+        <a:lstStyle/>
+        <a:p>
+          <a:pPr lvl="0" algn="l" defTabSz="1600200" rtl="0">
+            <a:lnSpc>
+              <a:spcPct val="90000"/>
+            </a:lnSpc>
+            <a:spcBef>
+              <a:spcPct val="0"/>
+            </a:spcBef>
+            <a:spcAft>
+              <a:spcPct val="35000"/>
+            </a:spcAft>
+          </a:pPr>
+          <a:r>
+            <a:rPr lang="de-DE" sz="3600" kern="1200" dirty="0" smtClean="0"/>
+            <a:t>Vorbereitung</a:t>
+          </a:r>
+          <a:endParaRPr lang="de-DE" sz="3600" kern="1200" dirty="0"/>
+        </a:p>
+      </dsp:txBody>
+      <dsp:txXfrm>
+        <a:off x="468820" y="921639"/>
+        <a:ext cx="5283288" cy="809244"/>
+      </dsp:txXfrm>
+    </dsp:sp>
+    <dsp:sp modelId="{ADF840DE-A5B6-4254-B088-252189994BA9}">
+      <dsp:nvSpPr>
+        <dsp:cNvPr id="0" name=""/>
+        <dsp:cNvSpPr/>
+      </dsp:nvSpPr>
+      <dsp:spPr>
+        <a:xfrm>
+          <a:off x="937640" y="1843278"/>
+          <a:ext cx="6278118" cy="809244"/>
+        </a:xfrm>
+        <a:prstGeom prst="roundRect">
+          <a:avLst>
+            <a:gd name="adj" fmla="val 10000"/>
+          </a:avLst>
+        </a:prstGeom>
+        <a:solidFill>
+          <a:schemeClr val="accent1">
+            <a:hueOff val="0"/>
+            <a:satOff val="0"/>
+            <a:lumOff val="0"/>
+            <a:alphaOff val="0"/>
+          </a:schemeClr>
+        </a:solidFill>
+        <a:ln w="19050" cap="flat" cmpd="sng" algn="ctr">
+          <a:solidFill>
+            <a:schemeClr val="lt1">
+              <a:hueOff val="0"/>
+              <a:satOff val="0"/>
+              <a:lumOff val="0"/>
+              <a:alphaOff val="0"/>
+            </a:schemeClr>
+          </a:solidFill>
+          <a:prstDash val="solid"/>
+        </a:ln>
+        <a:effectLst/>
+      </dsp:spPr>
+      <dsp:style>
+        <a:lnRef idx="2">
+          <a:scrgbClr r="0" g="0" b="0"/>
+        </a:lnRef>
+        <a:fillRef idx="1">
+          <a:scrgbClr r="0" g="0" b="0"/>
+        </a:fillRef>
+        <a:effectRef idx="0">
+          <a:scrgbClr r="0" g="0" b="0"/>
+        </a:effectRef>
+        <a:fontRef idx="minor">
+          <a:schemeClr val="lt1"/>
+        </a:fontRef>
+      </dsp:style>
+      <dsp:txBody>
+        <a:bodyPr spcFirstLastPara="0" vert="horz" wrap="square" lIns="137160" tIns="137160" rIns="137160" bIns="137160" numCol="1" spcCol="1270" anchor="ctr" anchorCtr="0">
+          <a:noAutofit/>
+        </a:bodyPr>
+        <a:lstStyle/>
+        <a:p>
+          <a:pPr lvl="0" algn="l" defTabSz="1600200" rtl="0">
+            <a:lnSpc>
+              <a:spcPct val="90000"/>
+            </a:lnSpc>
+            <a:spcBef>
+              <a:spcPct val="0"/>
+            </a:spcBef>
+            <a:spcAft>
+              <a:spcPct val="35000"/>
+            </a:spcAft>
+          </a:pPr>
+          <a:r>
+            <a:rPr lang="de-DE" sz="3600" kern="1200" dirty="0" smtClean="0"/>
+            <a:t>Analyse</a:t>
+          </a:r>
+          <a:endParaRPr lang="de-DE" sz="3600" kern="1200" dirty="0"/>
+        </a:p>
+      </dsp:txBody>
+      <dsp:txXfrm>
+        <a:off x="937640" y="1843278"/>
+        <a:ext cx="5283288" cy="809244"/>
+      </dsp:txXfrm>
+    </dsp:sp>
+    <dsp:sp modelId="{E850A8C1-D9D8-4C3D-9D5D-B12EF5713BC8}">
+      <dsp:nvSpPr>
+        <dsp:cNvPr id="0" name=""/>
+        <dsp:cNvSpPr/>
+      </dsp:nvSpPr>
+      <dsp:spPr>
+        <a:xfrm>
+          <a:off x="1406461" y="2764917"/>
+          <a:ext cx="6278118" cy="809244"/>
+        </a:xfrm>
+        <a:prstGeom prst="roundRect">
+          <a:avLst>
+            <a:gd name="adj" fmla="val 10000"/>
+          </a:avLst>
+        </a:prstGeom>
+        <a:solidFill>
+          <a:schemeClr val="accent1">
+            <a:hueOff val="0"/>
+            <a:satOff val="0"/>
+            <a:lumOff val="0"/>
+            <a:alphaOff val="0"/>
+          </a:schemeClr>
+        </a:solidFill>
+        <a:ln w="19050" cap="flat" cmpd="sng" algn="ctr">
+          <a:solidFill>
+            <a:schemeClr val="lt1">
+              <a:hueOff val="0"/>
+              <a:satOff val="0"/>
+              <a:lumOff val="0"/>
+              <a:alphaOff val="0"/>
+            </a:schemeClr>
+          </a:solidFill>
+          <a:prstDash val="solid"/>
+        </a:ln>
+        <a:effectLst/>
+      </dsp:spPr>
+      <dsp:style>
+        <a:lnRef idx="2">
+          <a:scrgbClr r="0" g="0" b="0"/>
+        </a:lnRef>
+        <a:fillRef idx="1">
+          <a:scrgbClr r="0" g="0" b="0"/>
+        </a:fillRef>
+        <a:effectRef idx="0">
+          <a:scrgbClr r="0" g="0" b="0"/>
+        </a:effectRef>
+        <a:fontRef idx="minor">
+          <a:schemeClr val="lt1"/>
+        </a:fontRef>
+      </dsp:style>
+      <dsp:txBody>
+        <a:bodyPr spcFirstLastPara="0" vert="horz" wrap="square" lIns="137160" tIns="137160" rIns="137160" bIns="137160" numCol="1" spcCol="1270" anchor="ctr" anchorCtr="0">
+          <a:noAutofit/>
+        </a:bodyPr>
+        <a:lstStyle/>
+        <a:p>
+          <a:pPr lvl="0" algn="l" defTabSz="1600200" rtl="0">
+            <a:lnSpc>
+              <a:spcPct val="90000"/>
+            </a:lnSpc>
+            <a:spcBef>
+              <a:spcPct val="0"/>
+            </a:spcBef>
+            <a:spcAft>
+              <a:spcPct val="35000"/>
+            </a:spcAft>
+          </a:pPr>
+          <a:r>
+            <a:rPr lang="de-DE" sz="3600" kern="1200" dirty="0" smtClean="0"/>
+            <a:t>Entwurf</a:t>
+          </a:r>
+          <a:endParaRPr lang="de-DE" sz="3600" kern="1200" dirty="0"/>
+        </a:p>
+      </dsp:txBody>
+      <dsp:txXfrm>
+        <a:off x="1406461" y="2764917"/>
+        <a:ext cx="5283288" cy="809244"/>
+      </dsp:txXfrm>
+    </dsp:sp>
+    <dsp:sp modelId="{6923DECC-709A-4292-86D7-2FAB6474C6F8}">
+      <dsp:nvSpPr>
+        <dsp:cNvPr id="0" name=""/>
+        <dsp:cNvSpPr/>
+      </dsp:nvSpPr>
+      <dsp:spPr>
+        <a:xfrm>
+          <a:off x="1875281" y="3686556"/>
+          <a:ext cx="6278118" cy="809244"/>
+        </a:xfrm>
+        <a:prstGeom prst="roundRect">
+          <a:avLst>
+            <a:gd name="adj" fmla="val 10000"/>
+          </a:avLst>
+        </a:prstGeom>
+        <a:solidFill>
+          <a:schemeClr val="accent1">
+            <a:hueOff val="0"/>
+            <a:satOff val="0"/>
+            <a:lumOff val="0"/>
+            <a:alphaOff val="0"/>
+          </a:schemeClr>
+        </a:solidFill>
+        <a:ln w="19050" cap="flat" cmpd="sng" algn="ctr">
+          <a:solidFill>
+            <a:schemeClr val="lt1">
+              <a:hueOff val="0"/>
+              <a:satOff val="0"/>
+              <a:lumOff val="0"/>
+              <a:alphaOff val="0"/>
+            </a:schemeClr>
+          </a:solidFill>
+          <a:prstDash val="solid"/>
+        </a:ln>
+        <a:effectLst/>
+      </dsp:spPr>
+      <dsp:style>
+        <a:lnRef idx="2">
+          <a:scrgbClr r="0" g="0" b="0"/>
+        </a:lnRef>
+        <a:fillRef idx="1">
+          <a:scrgbClr r="0" g="0" b="0"/>
+        </a:fillRef>
+        <a:effectRef idx="0">
+          <a:scrgbClr r="0" g="0" b="0"/>
+        </a:effectRef>
+        <a:fontRef idx="minor">
+          <a:schemeClr val="lt1"/>
+        </a:fontRef>
+      </dsp:style>
+      <dsp:txBody>
+        <a:bodyPr spcFirstLastPara="0" vert="horz" wrap="square" lIns="137160" tIns="137160" rIns="137160" bIns="137160" numCol="1" spcCol="1270" anchor="ctr" anchorCtr="0">
+          <a:noAutofit/>
+        </a:bodyPr>
+        <a:lstStyle/>
+        <a:p>
+          <a:pPr lvl="0" algn="l" defTabSz="1600200" rtl="0">
+            <a:lnSpc>
+              <a:spcPct val="90000"/>
+            </a:lnSpc>
+            <a:spcBef>
+              <a:spcPct val="0"/>
+            </a:spcBef>
+            <a:spcAft>
+              <a:spcPct val="35000"/>
+            </a:spcAft>
+          </a:pPr>
+          <a:r>
+            <a:rPr lang="de-DE" sz="3600" kern="1200" dirty="0" smtClean="0"/>
+            <a:t>Umsetzung</a:t>
+          </a:r>
+          <a:endParaRPr lang="de-DE" sz="3600" kern="1200" dirty="0"/>
+        </a:p>
+      </dsp:txBody>
+      <dsp:txXfrm>
+        <a:off x="1875281" y="3686556"/>
+        <a:ext cx="5283288" cy="809244"/>
+      </dsp:txXfrm>
+    </dsp:sp>
+    <dsp:sp modelId="{C77EC6D8-8CB6-40C1-B1F8-D6A2F3427D6A}">
+      <dsp:nvSpPr>
+        <dsp:cNvPr id="0" name=""/>
+        <dsp:cNvSpPr/>
+      </dsp:nvSpPr>
+      <dsp:spPr>
+        <a:xfrm>
+          <a:off x="5752109" y="591197"/>
+          <a:ext cx="526008" cy="526008"/>
+        </a:xfrm>
+        <a:prstGeom prst="downArrow">
+          <a:avLst>
+            <a:gd name="adj1" fmla="val 55000"/>
+            <a:gd name="adj2" fmla="val 45000"/>
+          </a:avLst>
+        </a:prstGeom>
+        <a:solidFill>
+          <a:schemeClr val="accent1">
+            <a:alpha val="90000"/>
+            <a:tint val="40000"/>
+            <a:hueOff val="0"/>
+            <a:satOff val="0"/>
+            <a:lumOff val="0"/>
+            <a:alphaOff val="0"/>
+          </a:schemeClr>
+        </a:solidFill>
+        <a:ln w="19050" cap="flat" cmpd="sng" algn="ctr">
+          <a:solidFill>
+            <a:schemeClr val="accent1">
+              <a:alpha val="90000"/>
+              <a:tint val="40000"/>
+              <a:hueOff val="0"/>
+              <a:satOff val="0"/>
+              <a:lumOff val="0"/>
+              <a:alphaOff val="0"/>
+            </a:schemeClr>
+          </a:solidFill>
+          <a:prstDash val="solid"/>
+        </a:ln>
+        <a:effectLst/>
+      </dsp:spPr>
+      <dsp:style>
+        <a:lnRef idx="2">
+          <a:scrgbClr r="0" g="0" b="0"/>
+        </a:lnRef>
+        <a:fillRef idx="1">
+          <a:scrgbClr r="0" g="0" b="0"/>
+        </a:fillRef>
+        <a:effectRef idx="0">
+          <a:scrgbClr r="0" g="0" b="0"/>
+        </a:effectRef>
+        <a:fontRef idx="minor"/>
+      </dsp:style>
+      <dsp:txBody>
+        <a:bodyPr spcFirstLastPara="0" vert="horz" wrap="square" lIns="31750" tIns="31750" rIns="31750" bIns="31750" numCol="1" spcCol="1270" anchor="ctr" anchorCtr="0">
+          <a:noAutofit/>
+        </a:bodyPr>
+        <a:lstStyle/>
+        <a:p>
+          <a:pPr lvl="0" algn="ctr" defTabSz="1111250">
+            <a:lnSpc>
+              <a:spcPct val="90000"/>
+            </a:lnSpc>
+            <a:spcBef>
+              <a:spcPct val="0"/>
+            </a:spcBef>
+            <a:spcAft>
+              <a:spcPct val="35000"/>
+            </a:spcAft>
+          </a:pPr>
+          <a:endParaRPr lang="de-DE" sz="2500" kern="1200"/>
+        </a:p>
+      </dsp:txBody>
+      <dsp:txXfrm>
+        <a:off x="5752109" y="591197"/>
+        <a:ext cx="526008" cy="526008"/>
+      </dsp:txXfrm>
+    </dsp:sp>
+    <dsp:sp modelId="{E51F7E02-E163-4FD6-8C0F-3D897CEA290D}">
+      <dsp:nvSpPr>
+        <dsp:cNvPr id="0" name=""/>
+        <dsp:cNvSpPr/>
+      </dsp:nvSpPr>
+      <dsp:spPr>
+        <a:xfrm>
+          <a:off x="6220929" y="1512836"/>
+          <a:ext cx="526008" cy="526008"/>
+        </a:xfrm>
+        <a:prstGeom prst="downArrow">
+          <a:avLst>
+            <a:gd name="adj1" fmla="val 55000"/>
+            <a:gd name="adj2" fmla="val 45000"/>
+          </a:avLst>
+        </a:prstGeom>
+        <a:solidFill>
+          <a:schemeClr val="accent1">
+            <a:alpha val="90000"/>
+            <a:tint val="40000"/>
+            <a:hueOff val="0"/>
+            <a:satOff val="0"/>
+            <a:lumOff val="0"/>
+            <a:alphaOff val="0"/>
+          </a:schemeClr>
+        </a:solidFill>
+        <a:ln w="19050" cap="flat" cmpd="sng" algn="ctr">
+          <a:solidFill>
+            <a:schemeClr val="accent1">
+              <a:alpha val="90000"/>
+              <a:tint val="40000"/>
+              <a:hueOff val="0"/>
+              <a:satOff val="0"/>
+              <a:lumOff val="0"/>
+              <a:alphaOff val="0"/>
+            </a:schemeClr>
+          </a:solidFill>
+          <a:prstDash val="solid"/>
+        </a:ln>
+        <a:effectLst/>
+      </dsp:spPr>
+      <dsp:style>
+        <a:lnRef idx="2">
+          <a:scrgbClr r="0" g="0" b="0"/>
+        </a:lnRef>
+        <a:fillRef idx="1">
+          <a:scrgbClr r="0" g="0" b="0"/>
+        </a:fillRef>
+        <a:effectRef idx="0">
+          <a:scrgbClr r="0" g="0" b="0"/>
+        </a:effectRef>
+        <a:fontRef idx="minor"/>
+      </dsp:style>
+      <dsp:txBody>
+        <a:bodyPr spcFirstLastPara="0" vert="horz" wrap="square" lIns="31750" tIns="31750" rIns="31750" bIns="31750" numCol="1" spcCol="1270" anchor="ctr" anchorCtr="0">
+          <a:noAutofit/>
+        </a:bodyPr>
+        <a:lstStyle/>
+        <a:p>
+          <a:pPr lvl="0" algn="ctr" defTabSz="1111250">
+            <a:lnSpc>
+              <a:spcPct val="90000"/>
+            </a:lnSpc>
+            <a:spcBef>
+              <a:spcPct val="0"/>
+            </a:spcBef>
+            <a:spcAft>
+              <a:spcPct val="35000"/>
+            </a:spcAft>
+          </a:pPr>
+          <a:endParaRPr lang="de-DE" sz="2500" kern="1200"/>
+        </a:p>
+      </dsp:txBody>
+      <dsp:txXfrm>
+        <a:off x="6220929" y="1512836"/>
+        <a:ext cx="526008" cy="526008"/>
+      </dsp:txXfrm>
+    </dsp:sp>
+    <dsp:sp modelId="{0E91D821-4BAB-4204-8AF4-C78F3BB674DD}">
+      <dsp:nvSpPr>
+        <dsp:cNvPr id="0" name=""/>
+        <dsp:cNvSpPr/>
+      </dsp:nvSpPr>
+      <dsp:spPr>
+        <a:xfrm>
+          <a:off x="6689750" y="2420988"/>
+          <a:ext cx="526008" cy="526008"/>
+        </a:xfrm>
+        <a:prstGeom prst="downArrow">
+          <a:avLst>
+            <a:gd name="adj1" fmla="val 55000"/>
+            <a:gd name="adj2" fmla="val 45000"/>
+          </a:avLst>
+        </a:prstGeom>
+        <a:solidFill>
+          <a:schemeClr val="accent1">
+            <a:alpha val="90000"/>
+            <a:tint val="40000"/>
+            <a:hueOff val="0"/>
+            <a:satOff val="0"/>
+            <a:lumOff val="0"/>
+            <a:alphaOff val="0"/>
+          </a:schemeClr>
+        </a:solidFill>
+        <a:ln w="19050" cap="flat" cmpd="sng" algn="ctr">
+          <a:solidFill>
+            <a:schemeClr val="accent1">
+              <a:alpha val="90000"/>
+              <a:tint val="40000"/>
+              <a:hueOff val="0"/>
+              <a:satOff val="0"/>
+              <a:lumOff val="0"/>
+              <a:alphaOff val="0"/>
+            </a:schemeClr>
+          </a:solidFill>
+          <a:prstDash val="solid"/>
+        </a:ln>
+        <a:effectLst/>
+      </dsp:spPr>
+      <dsp:style>
+        <a:lnRef idx="2">
+          <a:scrgbClr r="0" g="0" b="0"/>
+        </a:lnRef>
+        <a:fillRef idx="1">
+          <a:scrgbClr r="0" g="0" b="0"/>
+        </a:fillRef>
+        <a:effectRef idx="0">
+          <a:scrgbClr r="0" g="0" b="0"/>
+        </a:effectRef>
+        <a:fontRef idx="minor"/>
+      </dsp:style>
+      <dsp:txBody>
+        <a:bodyPr spcFirstLastPara="0" vert="horz" wrap="square" lIns="31750" tIns="31750" rIns="31750" bIns="31750" numCol="1" spcCol="1270" anchor="ctr" anchorCtr="0">
+          <a:noAutofit/>
+        </a:bodyPr>
+        <a:lstStyle/>
+        <a:p>
+          <a:pPr lvl="0" algn="ctr" defTabSz="1111250">
+            <a:lnSpc>
+              <a:spcPct val="90000"/>
+            </a:lnSpc>
+            <a:spcBef>
+              <a:spcPct val="0"/>
+            </a:spcBef>
+            <a:spcAft>
+              <a:spcPct val="35000"/>
+            </a:spcAft>
+          </a:pPr>
+          <a:endParaRPr lang="de-DE" sz="2500" kern="1200"/>
+        </a:p>
+      </dsp:txBody>
+      <dsp:txXfrm>
+        <a:off x="6689750" y="2420988"/>
+        <a:ext cx="526008" cy="526008"/>
+      </dsp:txXfrm>
+    </dsp:sp>
+    <dsp:sp modelId="{A8CA6631-6C56-4AD8-A3AC-71B6E48E9A09}">
+      <dsp:nvSpPr>
+        <dsp:cNvPr id="0" name=""/>
+        <dsp:cNvSpPr/>
+      </dsp:nvSpPr>
+      <dsp:spPr>
+        <a:xfrm>
+          <a:off x="7158570" y="3351618"/>
+          <a:ext cx="526008" cy="526008"/>
+        </a:xfrm>
+        <a:prstGeom prst="downArrow">
+          <a:avLst>
+            <a:gd name="adj1" fmla="val 55000"/>
+            <a:gd name="adj2" fmla="val 45000"/>
+          </a:avLst>
+        </a:prstGeom>
+        <a:solidFill>
+          <a:schemeClr val="accent1">
+            <a:alpha val="90000"/>
+            <a:tint val="40000"/>
+            <a:hueOff val="0"/>
+            <a:satOff val="0"/>
+            <a:lumOff val="0"/>
+            <a:alphaOff val="0"/>
+          </a:schemeClr>
+        </a:solidFill>
+        <a:ln w="19050" cap="flat" cmpd="sng" algn="ctr">
+          <a:solidFill>
+            <a:schemeClr val="accent1">
+              <a:alpha val="90000"/>
+              <a:tint val="40000"/>
+              <a:hueOff val="0"/>
+              <a:satOff val="0"/>
+              <a:lumOff val="0"/>
+              <a:alphaOff val="0"/>
+            </a:schemeClr>
+          </a:solidFill>
+          <a:prstDash val="solid"/>
+        </a:ln>
+        <a:effectLst/>
+      </dsp:spPr>
+      <dsp:style>
+        <a:lnRef idx="2">
+          <a:scrgbClr r="0" g="0" b="0"/>
+        </a:lnRef>
+        <a:fillRef idx="1">
+          <a:scrgbClr r="0" g="0" b="0"/>
+        </a:fillRef>
+        <a:effectRef idx="0">
+          <a:scrgbClr r="0" g="0" b="0"/>
+        </a:effectRef>
+        <a:fontRef idx="minor"/>
+      </dsp:style>
+      <dsp:txBody>
+        <a:bodyPr spcFirstLastPara="0" vert="horz" wrap="square" lIns="31750" tIns="31750" rIns="31750" bIns="31750" numCol="1" spcCol="1270" anchor="ctr" anchorCtr="0">
+          <a:noAutofit/>
+        </a:bodyPr>
+        <a:lstStyle/>
+        <a:p>
+          <a:pPr lvl="0" algn="ctr" defTabSz="1111250">
+            <a:lnSpc>
+              <a:spcPct val="90000"/>
+            </a:lnSpc>
+            <a:spcBef>
+              <a:spcPct val="0"/>
+            </a:spcBef>
+            <a:spcAft>
+              <a:spcPct val="35000"/>
+            </a:spcAft>
+          </a:pPr>
+          <a:endParaRPr lang="de-DE" sz="2500" kern="1200"/>
+        </a:p>
+      </dsp:txBody>
+      <dsp:txXfrm>
+        <a:off x="7158570" y="3351618"/>
+        <a:ext cx="526008" cy="526008"/>
+      </dsp:txXfrm>
+    </dsp:sp>
+  </dsp:spTree>
+</dsp:drawing>
+</file>
+
+<file path=ppt/diagrams/layout1.xml><?xml version="1.0" encoding="utf-8"?>
+<dgm:layoutDef xmlns:dgm="http://schemas.openxmlformats.org/drawingml/2006/diagram" xmlns:a="http://schemas.openxmlformats.org/drawingml/2006/main" uniqueId="urn:microsoft.com/office/officeart/2005/8/layout/vProcess5">
+  <dgm:title val=""/>
+  <dgm:desc val=""/>
+  <dgm:catLst>
+    <dgm:cat type="process" pri="14000"/>
+  </dgm:catLst>
+  <dgm:sampData>
+    <dgm:dataModel>
+      <dgm:ptLst>
+        <dgm:pt modelId="0" type="doc"/>
+        <dgm:pt modelId="1">
+          <dgm:prSet phldr="1"/>
+        </dgm:pt>
+        <dgm:pt modelId="2">
+          <dgm:prSet phldr="1"/>
+        </dgm:pt>
+        <dgm:pt modelId="3">
+          <dgm:prSet phldr="1"/>
+        </dgm:pt>
+      </dgm:ptLst>
+      <dgm:cxnLst>
+        <dgm:cxn modelId="5" srcId="0" destId="1" srcOrd="0" destOrd="0"/>
+        <dgm:cxn modelId="6" srcId="0" destId="2" srcOrd="1" destOrd="0"/>
+        <dgm:cxn modelId="7" srcId="0" destId="3" srcOrd="2" destOrd="0"/>
+      </dgm:cxnLst>
+      <dgm:bg/>
+      <dgm:whole/>
+    </dgm:dataModel>
+  </dgm:sampData>
+  <dgm:styleData>
+    <dgm:dataModel>
+      <dgm:ptLst>
+        <dgm:pt modelId="0" type="doc"/>
+        <dgm:pt modelId="1"/>
+        <dgm:pt modelId="2"/>
+      </dgm:ptLst>
+      <dgm:cxnLst>
+        <dgm:cxn modelId="3" srcId="0" destId="1" srcOrd="0" destOrd="0"/>
+        <dgm:cxn modelId="4" srcId="0" destId="2" srcOrd="1" destOrd="0"/>
+      </dgm:cxnLst>
+      <dgm:bg/>
+      <dgm:whole/>
+    </dgm:dataModel>
+  </dgm:styleData>
+  <dgm:clrData>
+    <dgm:dataModel>
+      <dgm:ptLst>
+        <dgm:pt modelId="0" type="doc"/>
+        <dgm:pt modelId="1"/>
+        <dgm:pt modelId="2"/>
+        <dgm:pt modelId="3"/>
+        <dgm:pt modelId="4"/>
+      </dgm:ptLst>
+      <dgm:cxnLst>
+        <dgm:cxn modelId="6" srcId="0" destId="1" srcOrd="0" destOrd="0"/>
+        <dgm:cxn modelId="7" srcId="0" destId="2" srcOrd="1" destOrd="0"/>
+        <dgm:cxn modelId="8" srcId="0" destId="3" srcOrd="2" destOrd="0"/>
+        <dgm:cxn modelId="9" srcId="0" destId="4" srcOrd="3" destOrd="0"/>
+      </dgm:cxnLst>
+      <dgm:bg/>
+      <dgm:whole/>
+    </dgm:dataModel>
+  </dgm:clrData>
+  <dgm:layoutNode name="outerComposite">
+    <dgm:varLst>
+      <dgm:chMax val="5"/>
+      <dgm:dir/>
+      <dgm:resizeHandles val="exact"/>
+    </dgm:varLst>
+    <dgm:alg type="composite"/>
+    <dgm:shape xmlns:r="http://schemas.openxmlformats.org/officeDocument/2006/relationships" r:blip="">
+      <dgm:adjLst/>
+    </dgm:shape>
+    <dgm:presOf/>
+    <dgm:choose name="Name0">
+      <dgm:if name="Name1" func="var" arg="dir" op="equ" val="norm">
+        <dgm:constrLst>
+          <dgm:constr type="primFontSz" for="ch" ptType="node" op="equ" val="65"/>
+          <dgm:constr type="w" for="ch" forName="dummyMaxCanvas" refType="w"/>
+          <dgm:constr type="h" for="ch" forName="dummyMaxCanvas" refType="h"/>
+          <dgm:constr type="w" for="ch" forName="OneNode_1" refType="w"/>
+          <dgm:constr type="h" for="ch" forName="OneNode_1" refType="h" fact="0.5"/>
+          <dgm:constr type="ctrY" for="ch" forName="OneNode_1" refType="h" fact="0.5"/>
+          <dgm:constr type="w" for="ch" forName="TwoNodes_1" refType="w" fact="0.85"/>
+          <dgm:constr type="h" for="ch" forName="TwoNodes_1" refType="h" fact="0.45"/>
+          <dgm:constr type="t" for="ch" forName="TwoNodes_1"/>
+          <dgm:constr type="l" for="ch" forName="TwoNodes_1"/>
+          <dgm:constr type="w" for="ch" forName="TwoNodes_2" refType="w" fact="0.85"/>
+          <dgm:constr type="h" for="ch" forName="TwoNodes_2" refType="h" fact="0.45"/>
+          <dgm:constr type="b" for="ch" forName="TwoNodes_2" refType="h"/>
+          <dgm:constr type="r" for="ch" forName="TwoNodes_2" refType="w"/>
+          <dgm:constr type="w" for="ch" forName="TwoConn_1-2" refType="h" refFor="ch" refForName="TwoNodes_1" fact="0.65"/>
+          <dgm:constr type="h" for="ch" forName="TwoConn_1-2" refType="h" refFor="ch" refForName="TwoNodes_1" fact="0.65"/>
+          <dgm:constr type="ctrY" for="ch" forName="TwoConn_1-2" refType="h" fact="0.5"/>
+          <dgm:constr type="r" for="ch" forName="TwoConn_1-2" refType="r" refFor="ch" refForName="TwoNodes_1"/>
+          <dgm:constr type="r" for="ch" forName="TwoNodes_1_text" refType="l" refFor="ch" refForName="TwoConn_1-2"/>
+          <dgm:constr type="rOff" for="ch" forName="TwoNodes_1_text" refType="w" refFor="ch" refForName="TwoConn_1-2" fact="-0.5"/>
+          <dgm:constr type="t" for="ch" forName="TwoNodes_1_text" refType="t" refFor="ch" refForName="TwoNodes_1"/>
+          <dgm:constr type="b" for="ch" forName="TwoNodes_1_text" refType="b" refFor="ch" refForName="TwoNodes_1"/>
+          <dgm:constr type="l" for="ch" forName="TwoNodes_1_text" refType="l" refFor="ch" refForName="TwoNodes_1"/>
+          <dgm:constr type="r" for="ch" forName="TwoNodes_2_text" refType="l" refFor="ch" refForName="TwoConn_1-2"/>
+          <dgm:constr type="t" for="ch" forName="TwoNodes_2_text" refType="t" refFor="ch" refForName="TwoNodes_2"/>
+          <dgm:constr type="b" for="ch" forName="TwoNodes_2_text" refType="b" refFor="ch" refForName="TwoNodes_2"/>
+          <dgm:constr type="l" for="ch" forName="TwoNodes_2_text" refType="l" refFor="ch" refForName="TwoNodes_2"/>
+          <dgm:constr type="w" for="ch" forName="ThreeNodes_1" refType="w" fact="0.85"/>
+          <dgm:constr type="h" for="ch" forName="ThreeNodes_1" refType="h" fact="0.3"/>
+          <dgm:constr type="t" for="ch" forName="ThreeNodes_1"/>
+          <dgm:constr type="l" for="ch" forName="ThreeNodes_1"/>
+          <dgm:constr type="w" for="ch" forName="ThreeNodes_2" refType="w" fact="0.85"/>
+          <dgm:constr type="h" for="ch" forName="ThreeNodes_2" refType="h" fact="0.3"/>
+          <dgm:constr type="ctrY" for="ch" forName="ThreeNodes_2" refType="h" fact="0.5"/>
+          <dgm:constr type="ctrX" for="ch" forName="ThreeNodes_2" refType="w" fact="0.5"/>
+          <dgm:constr type="w" for="ch" forName="ThreeNodes_3" refType="w" fact="0.85"/>
+          <dgm:constr type="h" for="ch" forName="ThreeNodes_3" refType="h" fact="0.3"/>
+          <dgm:constr type="b" for="ch" forName="ThreeNodes_3" refType="h"/>
+          <dgm:constr type="r" for="ch" forName="ThreeNodes_3" refType="w"/>
+          <dgm:constr type="w" for="ch" forName="ThreeConn_1-2" refType="h" refFor="ch" refForName="ThreeNodes_1" fact="0.65"/>
+          <dgm:constr type="h" for="ch" forName="ThreeConn_1-2" refType="h" refFor="ch" refForName="ThreeNodes_1" fact="0.65"/>
+          <dgm:constr type="ctrY" for="ch" forName="ThreeConn_1-2" refType="h" fact="0.325"/>
+          <dgm:constr type="r" for="ch" forName="ThreeConn_1-2" refType="r" refFor="ch" refForName="ThreeNodes_1"/>
+          <dgm:constr type="w" for="ch" forName="ThreeConn_2-3" refType="h" refFor="ch" refForName="ThreeNodes_2" fact="0.65"/>
+          <dgm:constr type="h" for="ch" forName="ThreeConn_2-3" refType="h" refFor="ch" refForName="ThreeNodes_2" fact="0.65"/>
+          <dgm:constr type="ctrY" for="ch" forName="ThreeConn_2-3" refType="h" fact="0.673"/>
+          <dgm:constr type="r" for="ch" forName="ThreeConn_2-3" refType="r" refFor="ch" refForName="ThreeNodes_2"/>
+          <dgm:constr type="r" for="ch" forName="ThreeNodes_1_text" refType="l" refFor="ch" refForName="ThreeConn_1-2"/>
+          <dgm:constr type="rOff" for="ch" forName="ThreeNodes_1_text" refType="w" refFor="ch" refForName="ThreeConn_1-2" fact="-0.57"/>
+          <dgm:constr type="t" for="ch" forName="ThreeNodes_1_text" refType="t" refFor="ch" refForName="ThreeNodes_1"/>
+          <dgm:constr type="b" for="ch" forName="ThreeNodes_1_text" refType="b" refFor="ch" refForName="ThreeNodes_1"/>
+          <dgm:constr type="l" for="ch" forName="ThreeNodes_1_text" refType="l" refFor="ch" refForName="ThreeNodes_1"/>
+          <dgm:constr type="r" for="ch" forName="ThreeNodes_2_text" refType="l" refFor="ch" refForName="ThreeConn_1-2"/>
+          <dgm:constr type="t" for="ch" forName="ThreeNodes_2_text" refType="t" refFor="ch" refForName="ThreeNodes_2"/>
+          <dgm:constr type="b" for="ch" forName="ThreeNodes_2_text" refType="b" refFor="ch" refForName="ThreeNodes_2"/>
+          <dgm:constr type="l" for="ch" forName="ThreeNodes_2_text" refType="l" refFor="ch" refForName="ThreeNodes_2"/>
+          <dgm:constr type="r" for="ch" forName="ThreeNodes_3_text" refType="l" refFor="ch" refForName="ThreeConn_2-3"/>
+          <dgm:constr type="t" for="ch" forName="ThreeNodes_3_text" refType="t" refFor="ch" refForName="ThreeNodes_3"/>
+          <dgm:constr type="b" for="ch" forName="ThreeNodes_3_text" refType="b" refFor="ch" refForName="ThreeNodes_3"/>
+          <dgm:constr type="l" for="ch" forName="ThreeNodes_3_text" refType="l" refFor="ch" refForName="ThreeNodes_3"/>
+          <dgm:constr type="w" for="ch" forName="FourNodes_1" refType="w" fact="0.8"/>
+          <dgm:constr type="h" for="ch" forName="FourNodes_1" refType="h" fact="0.22"/>
+          <dgm:constr type="t" for="ch" forName="FourNodes_1"/>
+          <dgm:constr type="l" for="ch" forName="FourNodes_1"/>
+          <dgm:constr type="w" for="ch" forName="FourNodes_2" refType="w" fact="0.8"/>
+          <dgm:constr type="h" for="ch" forName="FourNodes_2" refType="h" fact="0.22"/>
+          <dgm:constr type="ctrY" for="ch" forName="FourNodes_2" refType="h" fact="0.37"/>
+          <dgm:constr type="ctrX" for="ch" forName="FourNodes_2" refType="w" fact="0.467"/>
+          <dgm:constr type="w" for="ch" forName="FourNodes_3" refType="w" fact="0.8"/>
+          <dgm:constr type="h" for="ch" forName="FourNodes_3" refType="h" fact="0.22"/>
+          <dgm:constr type="ctrY" for="ch" forName="FourNodes_3" refType="h" fact="0.63"/>
+          <dgm:constr type="ctrX" for="ch" forName="FourNodes_3" refType="w" fact="0.533"/>
+          <dgm:constr type="w" for="ch" forName="FourNodes_4" refType="w" fact="0.8"/>
+          <dgm:constr type="h" for="ch" forName="FourNodes_4" refType="h" fact="0.22"/>
+          <dgm:constr type="b" for="ch" forName="FourNodes_4" refType="h"/>
+          <dgm:constr type="r" for="ch" forName="FourNodes_4" refType="w"/>
+          <dgm:constr type="w" for="ch" forName="FourConn_1-2" refType="h" refFor="ch" refForName="FourNodes_1" fact="0.65"/>
+          <dgm:constr type="h" for="ch" forName="FourConn_1-2" refType="h" refFor="ch" refForName="FourNodes_1" fact="0.65"/>
+          <dgm:constr type="ctrY" for="ch" forName="FourConn_1-2" refType="h" fact="0.24"/>
+          <dgm:constr type="r" for="ch" forName="FourConn_1-2" refType="r" refFor="ch" refForName="FourNodes_1"/>
+          <dgm:constr type="w" for="ch" forName="FourConn_2-3" refType="h" refFor="ch" refForName="FourNodes_2" fact="0.65"/>
+          <dgm:constr type="h" for="ch" forName="FourConn_2-3" refType="h" refFor="ch" refForName="FourNodes_2" fact="0.65"/>
+          <dgm:constr type="ctrY" for="ch" forName="FourConn_2-3" refType="h" fact="0.5"/>
+          <dgm:constr type="r" for="ch" forName="FourConn_2-3" refType="r" refFor="ch" refForName="FourNodes_2"/>
+          <dgm:constr type="w" for="ch" forName="FourConn_3-4" refType="h" refFor="ch" refForName="FourNodes_3" fact="0.65"/>
+          <dgm:constr type="h" for="ch" forName="FourConn_3-4" refType="h" refFor="ch" refForName="FourNodes_3" fact="0.65"/>
+          <dgm:constr type="ctrY" for="ch" forName="FourConn_3-4" refType="h" fact="0.76"/>
+          <dgm:constr type="r" for="ch" forName="FourConn_3-4" refType="r" refFor="ch" refForName="FourNodes_3"/>
+          <dgm:constr type="r" for="ch" forName="FourNodes_1_text" refType="l" refFor="ch" refForName="FourConn_1-2"/>
+          <dgm:constr type="rOff" for="ch" forName="FourNodes_1_text" refType="w" refFor="ch" refForName="FourConn_1-2" fact="-0.7"/>
+          <dgm:constr type="t" for="ch" forName="FourNodes_1_text" refType="t" refFor="ch" refForName="FourNodes_1"/>
+          <dgm:constr type="b" for="ch" forName="FourNodes_1_text" refType="b" refFor="ch" refForName="FourNodes_1"/>
+          <dgm:constr type="l" for="ch" forName="FourNodes_1_text" refType="l" refFor="ch" refForName="FourNodes_1"/>
+          <dgm:constr type="r" for="ch" forName="FourNodes_2_text" refType="l" refFor="ch" refForName="FourConn_1-2"/>
+          <dgm:constr type="t" for="ch" forName="FourNodes_2_text" refType="t" refFor="ch" refForName="FourNodes_2"/>
+          <dgm:constr type="b" for="ch" forName="FourNodes_2_text" refType="b" refFor="ch" refForName="FourNodes_2"/>
+          <dgm:constr type="l" for="ch" forName="FourNodes_2_text" refType="l" refFor="ch" refForName="FourNodes_2"/>
+          <dgm:constr type="r" for="ch" forName="FourNodes_3_text" refType="l" refFor="ch" refForName="FourConn_2-3"/>
+          <dgm:constr type="t" for="ch" forName="FourNodes_3_text" refType="t" refFor="ch" refForName="FourNodes_3"/>
+          <dgm:constr type="b" for="ch" forName="FourNodes_3_text" refType="b" refFor="ch" refForName="FourNodes_3"/>
+          <dgm:constr type="l" for="ch" forName="FourNodes_3_text" refType="l" refFor="ch" refForName="FourNodes_3"/>
+          <dgm:constr type="r" for="ch" forName="FourNodes_4_text" refType="l" refFor="ch" refForName="FourConn_3-4"/>
+          <dgm:constr type="t" for="ch" forName="FourNodes_4_text" refType="t" refFor="ch" refForName="FourNodes_4"/>
+          <dgm:constr type="b" for="ch" forName="FourNodes_4_text" refType="b" refFor="ch" refForName="FourNodes_4"/>
+          <dgm:constr type="l" for="ch" forName="FourNodes_4_text" refType="l" refFor="ch" refForName="FourNodes_4"/>
+          <dgm:constr type="w" for="ch" forName="FiveNodes_1" refType="w" fact="0.77"/>
+          <dgm:constr type="h" for="ch" forName="FiveNodes_1" refType="h" fact="0.18"/>
+          <dgm:constr type="t" for="ch" forName="FiveNodes_1"/>
+          <dgm:constr type="l" for="ch" forName="FiveNodes_1"/>
+          <dgm:constr type="w" for="ch" forName="FiveNodes_2" refType="w" fact="0.77"/>
+          <dgm:constr type="h" for="ch" forName="FiveNodes_2" refType="h" fact="0.18"/>
+          <dgm:constr type="ctrY" for="ch" forName="FiveNodes_2" refType="h" fact="0.295"/>
+          <dgm:constr type="ctrX" for="ch" forName="FiveNodes_2" refType="w" fact="0.4425"/>
+          <dgm:constr type="w" for="ch" forName="FiveNodes_3" refType="w" fact="0.77"/>
+          <dgm:constr type="h" for="ch" forName="FiveNodes_3" refType="h" fact="0.18"/>
+          <dgm:constr type="ctrY" for="ch" forName="FiveNodes_3" refType="h" fact="0.5"/>
+          <dgm:constr type="ctrX" for="ch" forName="FiveNodes_3" refType="w" fact="0.5"/>
+          <dgm:constr type="w" for="ch" forName="FiveNodes_4" refType="w" fact="0.77"/>
+          <dgm:constr type="h" for="ch" forName="FiveNodes_4" refType="h" fact="0.18"/>
+          <dgm:constr type="ctrY" for="ch" forName="FiveNodes_4" refType="h" fact="0.705"/>
+          <dgm:constr type="ctrX" for="ch" forName="FiveNodes_4" refType="w" fact="0.5575"/>
+          <dgm:constr type="w" for="ch" forName="FiveNodes_5" refType="w" fact="0.77"/>
+          <dgm:constr type="h" for="ch" forName="FiveNodes_5" refType="h" fact="0.18"/>
+          <dgm:constr type="b" for="ch" forName="FiveNodes_5" refType="h"/>
+          <dgm:constr type="r" for="ch" forName="FiveNodes_5" refType="w"/>
+          <dgm:constr type="w" for="ch" forName="FiveConn_1-2" refType="h" refFor="ch" refForName="FiveNodes_1" fact="0.65"/>
+          <dgm:constr type="h" for="ch" forName="FiveConn_1-2" refType="h" refFor="ch" refForName="FiveNodes_1" fact="0.65"/>
+          <dgm:constr type="ctrY" for="ch" forName="FiveConn_1-2" refType="h" fact="0.19"/>
+          <dgm:constr type="r" for="ch" forName="FiveConn_1-2" refType="r" refFor="ch" refForName="FiveNodes_1"/>
+          <dgm:constr type="w" for="ch" forName="FiveConn_2-3" refType="h" refFor="ch" refForName="FiveNodes_2" fact="0.65"/>
+          <dgm:constr type="h" for="ch" forName="FiveConn_2-3" refType="h" refFor="ch" refForName="FiveNodes_2" fact="0.65"/>
+          <dgm:constr type="ctrY" for="ch" forName="FiveConn_2-3" refType="h" fact="0.395"/>
+          <dgm:constr type="r" for="ch" forName="FiveConn_2-3" refType="r" refFor="ch" refForName="FiveNodes_2"/>
+          <dgm:constr type="w" for="ch" forName="FiveConn_3-4" refType="h" refFor="ch" refForName="FiveNodes_3" fact="0.65"/>
+          <dgm:constr type="h" for="ch" forName="FiveConn_3-4" refType="h" refFor="ch" refForName="FiveNodes_3" fact="0.65"/>
+          <dgm:constr type="ctrY" for="ch" forName="FiveConn_3-4" refType="h" fact="0.597"/>
+          <dgm:constr type="r" for="ch" forName="FiveConn_3-4" refType="r" refFor="ch" refForName="FiveNodes_3"/>
+          <dgm:constr type="w" for="ch" forName="FiveConn_4-5" refType="h" refFor="ch" refForName="FiveNodes_4" fact="0.65"/>
+          <dgm:constr type="h" for="ch" forName="FiveConn_4-5" refType="h" refFor="ch" refForName="FiveNodes_4" fact="0.65"/>
+          <dgm:constr type="ctrY" for="ch" forName="FiveConn_4-5" refType="h" fact="0.804"/>
+          <dgm:constr type="r" for="ch" forName="FiveConn_4-5" refType="r" refFor="ch" refForName="FiveNodes_4"/>
+          <dgm:constr type="r" for="ch" forName="FiveNodes_1_text" refType="l" refFor="ch" refForName="FiveConn_1-2"/>
+          <dgm:constr type="rOff" for="ch" forName="FiveNodes_1_text" refType="w" refFor="ch" refForName="FiveConn_1-2" fact="-0.75"/>
+          <dgm:constr type="t" for="ch" forName="FiveNodes_1_text" refType="t" refFor="ch" refForName="FiveNodes_1"/>
+          <dgm:constr type="b" for="ch" forName="FiveNodes_1_text" refType="b" refFor="ch" refForName="FiveNodes_1"/>
+          <dgm:constr type="l" for="ch" forName="FiveNodes_1_text" refType="l" refFor="ch" refForName="FiveNodes_1"/>
+          <dgm:constr type="r" for="ch" forName="FiveNodes_2_text" refType="l" refFor="ch" refForName="FiveConn_1-2"/>
+          <dgm:constr type="t" for="ch" forName="FiveNodes_2_text" refType="t" refFor="ch" refForName="FiveNodes_2"/>
+          <dgm:constr type="b" for="ch" forName="FiveNodes_2_text" refType="b" refFor="ch" refForName="FiveNodes_2"/>
+          <dgm:constr type="l" for="ch" forName="FiveNodes_2_text" refType="l" refFor="ch" refForName="FiveNodes_2"/>
+          <dgm:constr type="r" for="ch" forName="FiveNodes_3_text" refType="l" refFor="ch" refForName="FiveConn_2-3"/>
+          <dgm:constr type="t" for="ch" forName="FiveNodes_3_text" refType="t" refFor="ch" refForName="FiveNodes_3"/>
+          <dgm:constr type="b" for="ch" forName="FiveNodes_3_text" refType="b" refFor="ch" refForName="FiveNodes_3"/>
+          <dgm:constr type="l" for="ch" forName="FiveNodes_3_text" refType="l" refFor="ch" refForName="FiveNodes_3"/>
+          <dgm:constr type="r" for="ch" forName="FiveNodes_4_text" refType="l" refFor="ch" refForName="FiveConn_3-4"/>
+          <dgm:constr type="t" for="ch" forName="FiveNodes_4_text" refType="t" refFor="ch" refForName="FiveNodes_4"/>
+          <dgm:constr type="b" for="ch" forName="FiveNodes_4_text" refType="b" refFor="ch" refForName="FiveNodes_4"/>
+          <dgm:constr type="l" for="ch" forName="FiveNodes_4_text" refType="l" refFor="ch" refForName="FiveNodes_4"/>
+          <dgm:constr type="r" for="ch" forName="FiveNodes_5_text" refType="l" refFor="ch" refForName="FiveConn_4-5"/>
+          <dgm:constr type="t" for="ch" forName="FiveNodes_5_text" refType="t" refFor="ch" refForName="FiveNodes_5"/>
+          <dgm:constr type="b" for="ch" forName="FiveNodes_5_text" refType="b" refFor="ch" refForName="FiveNodes_5"/>
+          <dgm:constr type="l" for="ch" forName="FiveNodes_5_text" refType="l" refFor="ch" refForName="FiveNodes_5"/>
+        </dgm:constrLst>
+      </dgm:if>
+      <dgm:else name="Name2">
+        <dgm:constrLst>
+          <dgm:constr type="primFontSz" for="ch" ptType="node" op="equ" val="65"/>
+          <dgm:constr type="w" for="ch" forName="dummyMaxCanvas" refType="w"/>
+          <dgm:constr type="h" for="ch" forName="dummyMaxCanvas" refType="h"/>
+          <dgm:constr type="w" for="ch" forName="OneNode_1" refType="w"/>
+          <dgm:constr type="h" for="ch" forName="OneNode_1" refType="h" fact="0.5"/>
+          <dgm:constr type="ctrY" for="ch" forName="OneNode_1" refType="h" fact="0.5"/>
+          <dgm:constr type="w" for="ch" forName="TwoNodes_1" refType="w" fact="0.85"/>
+          <dgm:constr type="h" for="ch" forName="TwoNodes_1" refType="h" fact="0.45"/>
+          <dgm:constr type="t" for="ch" forName="TwoNodes_1"/>
+          <dgm:constr type="r" for="ch" forName="TwoNodes_1" refType="w"/>
+          <dgm:constr type="w" for="ch" forName="TwoNodes_2" refType="w" fact="0.85"/>
+          <dgm:constr type="h" for="ch" forName="TwoNodes_2" refType="h" fact="0.45"/>
+          <dgm:constr type="b" for="ch" forName="TwoNodes_2" refType="h"/>
+          <dgm:constr type="l" for="ch" forName="TwoNodes_2"/>
+          <dgm:constr type="w" for="ch" forName="TwoConn_1-2" refType="h" refFor="ch" refForName="TwoNodes_1" fact="0.65"/>
+          <dgm:constr type="h" for="ch" forName="TwoConn_1-2" refType="h" refFor="ch" refForName="TwoNodes_1" fact="0.65"/>
+          <dgm:constr type="ctrY" for="ch" forName="TwoConn_1-2" refType="h" fact="0.5"/>
+          <dgm:constr type="l" for="ch" forName="TwoConn_1-2" refType="l" refFor="ch" refForName="TwoNodes_1"/>
+          <dgm:constr type="l" for="ch" forName="TwoNodes_1_text" refType="r" refFor="ch" refForName="TwoConn_1-2"/>
+          <dgm:constr type="lOff" for="ch" forName="TwoNodes_1_text" refType="w" refFor="ch" refForName="TwoConn_1-2" fact="0.5"/>
+          <dgm:constr type="t" for="ch" forName="TwoNodes_1_text" refType="t" refFor="ch" refForName="TwoNodes_1"/>
+          <dgm:constr type="b" for="ch" forName="TwoNodes_1_text" refType="b" refFor="ch" refForName="TwoNodes_1"/>
+          <dgm:constr type="r" for="ch" forName="TwoNodes_1_text" refType="r" refFor="ch" refForName="TwoNodes_1"/>
+          <dgm:constr type="l" for="ch" forName="TwoNodes_2_text" refType="r" refFor="ch" refForName="TwoConn_1-2"/>
+          <dgm:constr type="t" for="ch" forName="TwoNodes_2_text" refType="t" refFor="ch" refForName="TwoNodes_2"/>
+          <dgm:constr type="b" for="ch" forName="TwoNodes_2_text" refType="b" refFor="ch" refForName="TwoNodes_2"/>
+          <dgm:constr type="r" for="ch" forName="TwoNodes_2_text" refType="r" refFor="ch" refForName="TwoNodes_2"/>
+          <dgm:constr type="w" for="ch" forName="ThreeNodes_1" refType="w" fact="0.85"/>
+          <dgm:constr type="h" for="ch" forName="ThreeNodes_1" refType="h" fact="0.3"/>
+          <dgm:constr type="t" for="ch" forName="ThreeNodes_1"/>
+          <dgm:constr type="r" for="ch" forName="ThreeNodes_1" refType="w"/>
+          <dgm:constr type="w" for="ch" forName="ThreeNodes_2" refType="w" fact="0.85"/>
+          <dgm:constr type="h" for="ch" forName="ThreeNodes_2" refType="h" fact="0.3"/>
+          <dgm:constr type="ctrY" for="ch" forName="ThreeNodes_2" refType="h" fact="0.5"/>
+          <dgm:constr type="ctrX" for="ch" forName="ThreeNodes_2" refType="w" fact="0.5"/>
+          <dgm:constr type="w" for="ch" forName="ThreeNodes_3" refType="w" fact="0.85"/>
+          <dgm:constr type="h" for="ch" forName="ThreeNodes_3" refType="h" fact="0.3"/>
+          <dgm:constr type="b" for="ch" forName="ThreeNodes_3" refType="h"/>
+          <dgm:constr type="l" for="ch" forName="ThreeNodes_3"/>
+          <dgm:constr type="w" for="ch" forName="ThreeConn_1-2" refType="h" refFor="ch" refForName="ThreeNodes_1" fact="0.65"/>
+          <dgm:constr type="h" for="ch" forName="ThreeConn_1-2" refType="h" refFor="ch" refForName="ThreeNodes_1" fact="0.65"/>
+          <dgm:constr type="ctrY" for="ch" forName="ThreeConn_1-2" refType="h" fact="0.325"/>
+          <dgm:constr type="l" for="ch" forName="ThreeConn_1-2" refType="l" refFor="ch" refForName="ThreeNodes_1"/>
+          <dgm:constr type="w" for="ch" forName="ThreeConn_2-3" refType="h" refFor="ch" refForName="ThreeNodes_2" fact="0.65"/>
+          <dgm:constr type="h" for="ch" forName="ThreeConn_2-3" refType="h" refFor="ch" refForName="ThreeNodes_2" fact="0.65"/>
+          <dgm:constr type="ctrY" for="ch" forName="ThreeConn_2-3" refType="h" fact="0.673"/>
+          <dgm:constr type="l" for="ch" forName="ThreeConn_2-3" refType="l" refFor="ch" refForName="ThreeNodes_2"/>
+          <dgm:constr type="l" for="ch" forName="ThreeNodes_1_text" refType="r" refFor="ch" refForName="ThreeConn_1-2"/>
+          <dgm:constr type="lOff" for="ch" forName="ThreeNodes_1_text" refType="w" refFor="ch" refForName="ThreeConn_1-2" fact="0.55"/>
+          <dgm:constr type="t" for="ch" forName="ThreeNodes_1_text" refType="t" refFor="ch" refForName="ThreeNodes_1"/>
+          <dgm:constr type="b" for="ch" forName="ThreeNodes_1_text" refType="b" refFor="ch" refForName="ThreeNodes_1"/>
+          <dgm:constr type="r" for="ch" forName="ThreeNodes_1_text" refType="r" refFor="ch" refForName="ThreeNodes_1"/>
+          <dgm:constr type="l" for="ch" forName="ThreeNodes_2_text" refType="r" refFor="ch" refForName="ThreeConn_1-2"/>
+          <dgm:constr type="t" for="ch" forName="ThreeNodes_2_text" refType="t" refFor="ch" refForName="ThreeNodes_2"/>
+          <dgm:constr type="b" for="ch" forName="ThreeNodes_2_text" refType="b" refFor="ch" refForName="ThreeNodes_2"/>
+          <dgm:constr type="r" for="ch" forName="ThreeNodes_2_text" refType="r" refFor="ch" refForName="ThreeNodes_2"/>
+          <dgm:constr type="l" for="ch" forName="ThreeNodes_3_text" refType="r" refFor="ch" refForName="ThreeConn_2-3"/>
+          <dgm:constr type="t" for="ch" forName="ThreeNodes_3_text" refType="t" refFor="ch" refForName="ThreeNodes_3"/>
+          <dgm:constr type="b" for="ch" forName="ThreeNodes_3_text" refType="b" refFor="ch" refForName="ThreeNodes_3"/>
+          <dgm:constr type="r" for="ch" forName="ThreeNodes_3_text" refType="r" refFor="ch" refForName="ThreeNodes_3"/>
+          <dgm:constr type="w" for="ch" forName="FourNodes_1" refType="w" fact="0.8"/>
+          <dgm:constr type="h" for="ch" forName="FourNodes_1" refType="h" fact="0.22"/>
+          <dgm:constr type="t" for="ch" forName="FourNodes_1"/>
+          <dgm:constr type="r" for="ch" forName="FourNodes_1" refType="w"/>
+          <dgm:constr type="w" for="ch" forName="FourNodes_2" refType="w" fact="0.8"/>
+          <dgm:constr type="h" for="ch" forName="FourNodes_2" refType="h" fact="0.22"/>
+          <dgm:constr type="ctrY" for="ch" forName="FourNodes_2" refType="h" fact="0.37"/>
+          <dgm:constr type="ctrX" for="ch" forName="FourNodes_2" refType="w" fact="0.533"/>
+          <dgm:constr type="w" for="ch" forName="FourNodes_3" refType="w" fact="0.8"/>
+          <dgm:constr type="h" for="ch" forName="FourNodes_3" refType="h" fact="0.22"/>
+          <dgm:constr type="ctrY" for="ch" forName="FourNodes_3" refType="h" fact="0.63"/>
+          <dgm:constr type="ctrX" for="ch" forName="FourNodes_3" refType="w" fact="0.467"/>
+          <dgm:constr type="w" for="ch" forName="FourNodes_4" refType="w" fact="0.8"/>
+          <dgm:constr type="h" for="ch" forName="FourNodes_4" refType="h" fact="0.22"/>
+          <dgm:constr type="b" for="ch" forName="FourNodes_4" refType="h"/>
+          <dgm:constr type="l" for="ch" forName="FourNodes_4"/>
+          <dgm:constr type="w" for="ch" forName="FourConn_1-2" refType="h" refFor="ch" refForName="FourNodes_1" fact="0.65"/>
+          <dgm:constr type="h" for="ch" forName="FourConn_1-2" refType="h" refFor="ch" refForName="FourNodes_1" fact="0.65"/>
+          <dgm:constr type="ctrY" for="ch" forName="FourConn_1-2" refType="h" fact="0.24"/>
+          <dgm:constr type="l" for="ch" forName="FourConn_1-2" refType="l" refFor="ch" refForName="FourNodes_1"/>
+          <dgm:constr type="w" for="ch" forName="FourConn_2-3" refType="h" refFor="ch" refForName="FourNodes_2" fact="0.65"/>
+          <dgm:constr type="h" for="ch" forName="FourConn_2-3" refType="h" refFor="ch" refForName="FourNodes_2" fact="0.65"/>
+          <dgm:constr type="ctrY" for="ch" forName="FourConn_2-3" refType="h" fact="0.5"/>
+          <dgm:constr type="l" for="ch" forName="FourConn_2-3" refType="l" refFor="ch" refForName="FourNodes_2"/>
+          <dgm:constr type="w" for="ch" forName="FourConn_3-4" refType="h" refFor="ch" refForName="FourNodes_3" fact="0.65"/>
+          <dgm:constr type="h" for="ch" forName="FourConn_3-4" refType="h" refFor="ch" refForName="FourNodes_3" fact="0.65"/>
+          <dgm:constr type="ctrY" for="ch" forName="FourConn_3-4" refType="h" fact="0.76"/>
+          <dgm:constr type="l" for="ch" forName="FourConn_3-4" refType="l" refFor="ch" refForName="FourNodes_3"/>
+          <dgm:constr type="l" for="ch" forName="FourNodes_1_text" refType="r" refFor="ch" refForName="FourConn_1-2"/>
+          <dgm:constr type="lOff" for="ch" forName="FourNodes_1_text" refType="w" refFor="ch" refForName="FourConn_1-2" fact="0.69"/>
+          <dgm:constr type="t" for="ch" forName="FourNodes_1_text" refType="t" refFor="ch" refForName="FourNodes_1"/>
+          <dgm:constr type="b" for="ch" forName="FourNodes_1_text" refType="b" refFor="ch" refForName="FourNodes_1"/>
+          <dgm:constr type="r" for="ch" forName="FourNodes_1_text" refType="r" refFor="ch" refForName="FourNodes_1"/>
+          <dgm:constr type="l" for="ch" forName="FourNodes_2_text" refType="r" refFor="ch" refForName="FourConn_1-2"/>
+          <dgm:constr type="t" for="ch" forName="FourNodes_2_text" refType="t" refFor="ch" refForName="FourNodes_2"/>
+          <dgm:constr type="b" for="ch" forName="FourNodes_2_text" refType="b" refFor="ch" refForName="FourNodes_2"/>
+          <dgm:constr type="r" for="ch" forName="FourNodes_2_text" refType="r" refFor="ch" refForName="FourNodes_2"/>
+          <dgm:constr type="l" for="ch" forName="FourNodes_3_text" refType="r" refFor="ch" refForName="FourConn_2-3"/>
+          <dgm:constr type="t" for="ch" forName="FourNodes_3_text" refType="t" refFor="ch" refForName="FourNodes_3"/>
+          <dgm:constr type="b" for="ch" forName="FourNodes_3_text" refType="b" refFor="ch" refForName="FourNodes_3"/>
+          <dgm:constr type="r" for="ch" forName="FourNodes_3_text" refType="r" refFor="ch" refForName="FourNodes_3"/>
+          <dgm:constr type="l" for="ch" forName="FourNodes_4_text" refType="r" refFor="ch" refForName="FourConn_3-4"/>
+          <dgm:constr type="t" for="ch" forName="FourNodes_4_text" refType="t" refFor="ch" refForName="FourNodes_4"/>
+          <dgm:constr type="b" for="ch" forName="FourNodes_4_text" refType="b" refFor="ch" refForName="FourNodes_4"/>
+          <dgm:constr type="r" for="ch" forName="FourNodes_4_text" refType="r" refFor="ch" refForName="FourNodes_4"/>
+          <dgm:constr type="w" for="ch" forName="FiveNodes_1" refType="w" fact="0.77"/>
+          <dgm:constr type="h" for="ch" forName="FiveNodes_1" refType="h" fact="0.18"/>
+          <dgm:constr type="t" for="ch" forName="FiveNodes_1"/>
+          <dgm:constr type="r" for="ch" forName="FiveNodes_1" refType="w"/>
+          <dgm:constr type="w" for="ch" forName="FiveNodes_2" refType="w" fact="0.77"/>
+          <dgm:constr type="h" for="ch" forName="FiveNodes_2" refType="h" fact="0.18"/>
+          <dgm:constr type="ctrY" for="ch" forName="FiveNodes_2" refType="h" fact="0.295"/>
+          <dgm:constr type="ctrX" for="ch" forName="FiveNodes_2" refType="w" fact="0.5575"/>
+          <dgm:constr type="w" for="ch" forName="FiveNodes_3" refType="w" fact="0.77"/>
+          <dgm:constr type="h" for="ch" forName="FiveNodes_3" refType="h" fact="0.18"/>
+          <dgm:constr type="ctrY" for="ch" forName="FiveNodes_3" refType="h" fact="0.5"/>
+          <dgm:constr type="ctrX" for="ch" forName="FiveNodes_3" refType="w" fact="0.5"/>
+          <dgm:constr type="w" for="ch" forName="FiveNodes_4" refType="w" fact="0.77"/>
+          <dgm:constr type="h" for="ch" forName="FiveNodes_4" refType="h" fact="0.18"/>
+          <dgm:constr type="ctrY" for="ch" forName="FiveNodes_4" refType="h" fact="0.705"/>
+          <dgm:constr type="ctrX" for="ch" forName="FiveNodes_4" refType="w" fact="0.4425"/>
+          <dgm:constr type="w" for="ch" forName="FiveNodes_5" refType="w" fact="0.77"/>
+          <dgm:constr type="h" for="ch" forName="FiveNodes_5" refType="h" fact="0.18"/>
+          <dgm:constr type="b" for="ch" forName="FiveNodes_5" refType="h"/>
+          <dgm:constr type="l" for="ch" forName="FiveNodes_5"/>
+          <dgm:constr type="w" for="ch" forName="FiveConn_1-2" refType="h" refFor="ch" refForName="FiveNodes_1" fact="0.65"/>
+          <dgm:constr type="h" for="ch" forName="FiveConn_1-2" refType="h" refFor="ch" refForName="FiveNodes_1" fact="0.65"/>
+          <dgm:constr type="ctrY" for="ch" forName="FiveConn_1-2" refType="h" fact="0.19"/>
+          <dgm:constr type="l" for="ch" forName="FiveConn_1-2" refType="l" refFor="ch" refForName="FiveNodes_1"/>
+          <dgm:constr type="w" for="ch" forName="FiveConn_2-3" refType="h" refFor="ch" refForName="FiveNodes_2" fact="0.65"/>
+          <dgm:constr type="h" for="ch" forName="FiveConn_2-3" refType="h" refFor="ch" refForName="FiveNodes_2" fact="0.65"/>
+          <dgm:constr type="ctrY" for="ch" forName="FiveConn_2-3" refType="h" fact="0.395"/>
+          <dgm:constr type="l" for="ch" forName="FiveConn_2-3" refType="l" refFor="ch" refForName="FiveNodes_2"/>
+          <dgm:constr type="w" for="ch" forName="FiveConn_3-4" refType="h" refFor="ch" refForName="FiveNodes_3" fact="0.65"/>
+          <dgm:constr type="h" for="ch" forName="FiveConn_3-4" refType="h" refFor="ch" refForName="FiveNodes_3" fact="0.65"/>
+          <dgm:constr type="ctrY" for="ch" forName="FiveConn_3-4" refType="h" fact="0.597"/>
+          <dgm:constr type="l" for="ch" forName="FiveConn_3-4" refType="l" refFor="ch" refForName="FiveNodes_3"/>
+          <dgm:constr type="w" for="ch" forName="FiveConn_4-5" refType="h" refFor="ch" refForName="FiveNodes_4" fact="0.65"/>
+          <dgm:constr type="h" for="ch" forName="FiveConn_4-5" refType="h" refFor="ch" refForName="FiveNodes_4" fact="0.65"/>
+          <dgm:constr type="ctrY" for="ch" forName="FiveConn_4-5" refType="h" fact="0.804"/>
+          <dgm:constr type="l" for="ch" forName="FiveConn_4-5" refType="l" refFor="ch" refForName="FiveNodes_4"/>
+          <dgm:constr type="l" for="ch" forName="FiveNodes_1_text" refType="r" refFor="ch" refForName="FiveConn_1-2"/>
+          <dgm:constr type="lOff" for="ch" forName="FiveNodes_1_text" refType="w" refFor="ch" refForName="FiveConn_1-2" fact="0.73"/>
+          <dgm:constr type="t" for="ch" forName="FiveNodes_1_text" refType="t" refFor="ch" refForName="FiveNodes_1"/>
+          <dgm:constr type="b" for="ch" forName="FiveNodes_1_text" refType="b" refFor="ch" refForName="FiveNodes_1"/>
+          <dgm:constr type="r" for="ch" forName="FiveNodes_1_text" refType="r" refFor="ch" refForName="FiveNodes_1"/>
+          <dgm:constr type="l" for="ch" forName="FiveNodes_2_text" refType="r" refFor="ch" refForName="FiveConn_1-2"/>
+          <dgm:constr type="t" for="ch" forName="FiveNodes_2_text" refType="t" refFor="ch" refForName="FiveNodes_2"/>
+          <dgm:constr type="b" for="ch" forName="FiveNodes_2_text" refType="b" refFor="ch" refForName="FiveNodes_2"/>
+          <dgm:constr type="r" for="ch" forName="FiveNodes_2_text" refType="r" refFor="ch" refForName="FiveNodes_2"/>
+          <dgm:constr type="l" for="ch" forName="FiveNodes_3_text" refType="r" refFor="ch" refForName="FiveConn_2-3"/>
+          <dgm:constr type="t" for="ch" forName="FiveNodes_3_text" refType="t" refFor="ch" refForName="FiveNodes_3"/>
+          <dgm:constr type="b" for="ch" forName="FiveNodes_3_text" refType="b" refFor="ch" refForName="FiveNodes_3"/>
+          <dgm:constr type="r" for="ch" forName="FiveNodes_3_text" refType="r" refFor="ch" refForName="FiveNodes_3"/>
+          <dgm:constr type="l" for="ch" forName="FiveNodes_4_text" refType="r" refFor="ch" refForName="FiveConn_3-4"/>
+          <dgm:constr type="t" for="ch" forName="FiveNodes_4_text" refType="t" refFor="ch" refForName="FiveNodes_4"/>
+          <dgm:constr type="b" for="ch" forName="FiveNodes_4_text" refType="b" refFor="ch" refForName="FiveNodes_4"/>
+          <dgm:constr type="r" for="ch" forName="FiveNodes_4_text" refType="r" refFor="ch" refForName="FiveNodes_4"/>
+          <dgm:constr type="l" for="ch" forName="FiveNodes_5_text" refType="r" refFor="ch" refForName="FiveConn_4-5"/>
+          <dgm:constr type="t" for="ch" forName="FiveNodes_5_text" refType="t" refFor="ch" refForName="FiveNodes_5"/>
+          <dgm:constr type="b" for="ch" forName="FiveNodes_5_text" refType="b" refFor="ch" refForName="FiveNodes_5"/>
+          <dgm:constr type="r" for="ch" forName="FiveNodes_5_text" refType="r" refFor="ch" refForName="FiveNodes_5"/>
+        </dgm:constrLst>
+      </dgm:else>
+    </dgm:choose>
+    <dgm:ruleLst/>
+    <dgm:layoutNode name="dummyMaxCanvas">
+      <dgm:varLst/>
+      <dgm:alg type="sp"/>
+      <dgm:shape xmlns:r="http://schemas.openxmlformats.org/officeDocument/2006/relationships" r:blip="">
+        <dgm:adjLst/>
+      </dgm:shape>
+      <dgm:presOf/>
+      <dgm:constrLst/>
+      <dgm:ruleLst/>
+    </dgm:layoutNode>
+    <dgm:choose name="Name3">
+      <dgm:if name="Name4" axis="ch" ptType="node" func="cnt" op="equ" val="1">
+        <dgm:layoutNode name="OneNode_1">
+          <dgm:varLst>
+            <dgm:bulletEnabled val="1"/>
+          </dgm:varLst>
+          <dgm:alg type="tx"/>
+          <dgm:shape xmlns:r="http://schemas.openxmlformats.org/officeDocument/2006/relationships" type="roundRect" r:blip="">
+            <dgm:adjLst>
+              <dgm:adj idx="1" val="0.1"/>
+            </dgm:adjLst>
+          </dgm:shape>
+          <dgm:presOf axis="ch desOrSelf" ptType="node node" st="1 1" cnt="1 0"/>
+          <dgm:constrLst>
+            <dgm:constr type="lMarg" refType="primFontSz" fact="0.3"/>
+            <dgm:constr type="rMarg" refType="primFontSz" fact="0.3"/>
+            <dgm:constr type="tMarg" refType="primFontSz" fact="0.3"/>
+            <dgm:constr type="bMarg" refType="primFontSz" fact="0.3"/>
+          </dgm:constrLst>
+          <dgm:ruleLst>
+            <dgm:rule type="primFontSz" val="5" fact="NaN" max="NaN"/>
+          </dgm:ruleLst>
+        </dgm:layoutNode>
+      </dgm:if>
+      <dgm:else name="Name5">
+        <dgm:choose name="Name6">
+          <dgm:if name="Name7" axis="ch" ptType="node" func="cnt" op="equ" val="2">
+            <dgm:layoutNode name="TwoNodes_1">
+              <dgm:varLst>
+                <dgm:bulletEnabled val="1"/>
+              </dgm:varLst>
+              <dgm:alg type="sp"/>
+              <dgm:shape xmlns:r="http://schemas.openxmlformats.org/officeDocument/2006/relationships" type="roundRect" r:blip="">
+                <dgm:adjLst>
+                  <dgm:adj idx="1" val="0.1"/>
+                </dgm:adjLst>
+              </dgm:shape>
+              <dgm:presOf axis="ch desOrSelf" ptType="node node" st="1 1" cnt="1 0"/>
+              <dgm:constrLst/>
+              <dgm:ruleLst/>
+            </dgm:layoutNode>
+            <dgm:layoutNode name="TwoNodes_2">
+              <dgm:varLst>
+                <dgm:bulletEnabled val="1"/>
+              </dgm:varLst>
+              <dgm:alg type="sp"/>
+              <dgm:shape xmlns:r="http://schemas.openxmlformats.org/officeDocument/2006/relationships" type="roundRect" r:blip="">
+                <dgm:adjLst>
+                  <dgm:adj idx="1" val="0.1"/>
+                </dgm:adjLst>
+              </dgm:shape>
+              <dgm:presOf axis="ch desOrSelf" ptType="node node" st="2 1" cnt="1 0"/>
+              <dgm:constrLst/>
+              <dgm:ruleLst/>
+            </dgm:layoutNode>
+            <dgm:layoutNode name="TwoConn_1-2" styleLbl="fgAccFollowNode1">
+              <dgm:varLst>
+                <dgm:bulletEnabled val="1"/>
+              </dgm:varLst>
+              <dgm:alg type="tx"/>
+              <dgm:shape xmlns:r="http://schemas.openxmlformats.org/officeDocument/2006/relationships" type="downArrow" r:blip="">
+                <dgm:adjLst>
+                  <dgm:adj idx="1" val="0.55"/>
+                  <dgm:adj idx="2" val="0.45"/>
+                </dgm:adjLst>
+              </dgm:shape>
+              <dgm:presOf axis="ch" ptType="sibTrans" cnt="1"/>
+              <dgm:constrLst>
+                <dgm:constr type="lMarg" refType="primFontSz" fact="0.1"/>
+                <dgm:constr type="rMarg" refType="primFontSz" fact="0.1"/>
+                <dgm:constr type="tMarg" refType="primFontSz" fact="0.1"/>
+                <dgm:constr type="bMarg" refType="primFontSz" fact="0.1"/>
+              </dgm:constrLst>
+              <dgm:ruleLst>
+                <dgm:rule type="primFontSz" val="5" fact="NaN" max="NaN"/>
+              </dgm:ruleLst>
+            </dgm:layoutNode>
+            <dgm:layoutNode name="TwoNodes_1_text">
+              <dgm:varLst>
+                <dgm:bulletEnabled val="1"/>
+              </dgm:varLst>
+              <dgm:alg type="tx">
+                <dgm:param type="parTxLTRAlign" val="l"/>
+                <dgm:param type="txAnchorVertCh" val="mid"/>
+              </dgm:alg>
+              <dgm:shape xmlns:r="http://schemas.openxmlformats.org/officeDocument/2006/relationships" type="roundRect" r:blip="" hideGeom="1">
+                <dgm:adjLst>
+                  <dgm:adj idx="1" val="0.1"/>
+                </dgm:adjLst>
+              </dgm:shape>
+              <dgm:presOf axis="ch desOrSelf" ptType="node node" st="1 1" cnt="1 0"/>
+              <dgm:constrLst>
+                <dgm:constr type="lMarg" refType="primFontSz" fact="0.3"/>
+                <dgm:constr type="rMarg" refType="primFontSz" fact="0.3"/>
+                <dgm:constr type="tMarg" refType="primFontSz" fact="0.3"/>
+                <dgm:constr type="bMarg" refType="primFontSz" fact="0.3"/>
+              </dgm:constrLst>
+              <dgm:ruleLst>
+                <dgm:rule type="primFontSz" val="5" fact="NaN" max="NaN"/>
+              </dgm:ruleLst>
+            </dgm:layoutNode>
+            <dgm:layoutNode name="TwoNodes_2_text">
+              <dgm:varLst>
+                <dgm:bulletEnabled val="1"/>
+              </dgm:varLst>
+              <dgm:alg type="tx">
+                <dgm:param type="parTxLTRAlign" val="l"/>
+                <dgm:param type="txAnchorVertCh" val="mid"/>
+              </dgm:alg>
+              <dgm:shape xmlns:r="http://schemas.openxmlformats.org/officeDocument/2006/relationships" type="roundRect" r:blip="" hideGeom="1">
+                <dgm:adjLst>
+                  <dgm:adj idx="1" val="0.1"/>
+                </dgm:adjLst>
+              </dgm:shape>
+              <dgm:presOf axis="ch desOrSelf" ptType="node node" st="2 1" cnt="1 0"/>
+              <dgm:constrLst>
+                <dgm:constr type="lMarg" refType="primFontSz" fact="0.3"/>
+                <dgm:constr type="rMarg" refType="primFontSz" fact="0.3"/>
+                <dgm:constr type="tMarg" refType="primFontSz" fact="0.3"/>
+                <dgm:constr type="bMarg" refType="primFontSz" fact="0.3"/>
+              </dgm:constrLst>
+              <dgm:ruleLst>
+                <dgm:rule type="primFontSz" val="5" fact="NaN" max="NaN"/>
+              </dgm:ruleLst>
+            </dgm:layoutNode>
+          </dgm:if>
+          <dgm:else name="Name8">
+            <dgm:choose name="Name9">
+              <dgm:if name="Name10" axis="ch" ptType="node" func="cnt" op="equ" val="3">
+                <dgm:layoutNode name="ThreeNodes_1">
+                  <dgm:varLst>
+                    <dgm:bulletEnabled val="1"/>
+                  </dgm:varLst>
+                  <dgm:alg type="sp"/>
+                  <dgm:shape xmlns:r="http://schemas.openxmlformats.org/officeDocument/2006/relationships" type="roundRect" r:blip="">
+                    <dgm:adjLst>
+                      <dgm:adj idx="1" val="0.1"/>
+                    </dgm:adjLst>
+                  </dgm:shape>
+                  <dgm:presOf axis="ch desOrSelf" ptType="node node" st="1 1" cnt="1 0"/>
+                  <dgm:constrLst/>
+                  <dgm:ruleLst/>
+                </dgm:layoutNode>
+                <dgm:layoutNode name="ThreeNodes_2">
+                  <dgm:varLst>
+                    <dgm:bulletEnabled val="1"/>
+                  </dgm:varLst>
+                  <dgm:alg type="sp"/>
+                  <dgm:shape xmlns:r="http://schemas.openxmlformats.org/officeDocument/2006/relationships" type="roundRect" r:blip="">
+                    <dgm:adjLst>
+                      <dgm:adj idx="1" val="0.1"/>
+                    </dgm:adjLst>
+                  </dgm:shape>
+                  <dgm:presOf axis="ch desOrSelf" ptType="node node" st="2 1" cnt="1 0"/>
+                  <dgm:constrLst/>
+                  <dgm:ruleLst/>
+                </dgm:layoutNode>
+                <dgm:layoutNode name="ThreeNodes_3">
+                  <dgm:varLst>
+                    <dgm:bulletEnabled val="1"/>
+                  </dgm:varLst>
+                  <dgm:alg type="sp"/>
+                  <dgm:shape xmlns:r="http://schemas.openxmlformats.org/officeDocument/2006/relationships" type="roundRect" r:blip="">
+                    <dgm:adjLst>
+                      <dgm:adj idx="1" val="0.1"/>
+                    </dgm:adjLst>
+                  </dgm:shape>
+                  <dgm:presOf axis="ch desOrSelf" ptType="node node" st="3 1" cnt="1 0"/>
+                  <dgm:constrLst/>
+                  <dgm:ruleLst/>
+                </dgm:layoutNode>
+                <dgm:layoutNode name="ThreeConn_1-2" styleLbl="fgAccFollowNode1">
+                  <dgm:varLst>
+                    <dgm:bulletEnabled val="1"/>
+                  </dgm:varLst>
+                  <dgm:alg type="tx"/>
+                  <dgm:shape xmlns:r="http://schemas.openxmlformats.org/officeDocument/2006/relationships" type="downArrow" r:blip="">
+                    <dgm:adjLst>
+                      <dgm:adj idx="1" val="0.55"/>
+                      <dgm:adj idx="2" val="0.45"/>
+                    </dgm:adjLst>
+                  </dgm:shape>
+                  <dgm:presOf axis="ch" ptType="sibTrans" cnt="1"/>
+                  <dgm:constrLst>
+                    <dgm:constr type="lMarg" refType="primFontSz" fact="0.1"/>
+                    <dgm:constr type="rMarg" refType="primFontSz" fact="0.1"/>
+                    <dgm:constr type="tMarg" refType="primFontSz" fact="0.1"/>
+                    <dgm:constr type="bMarg" refType="primFontSz" fact="0.1"/>
+                  </dgm:constrLst>
+                  <dgm:ruleLst>
+                    <dgm:rule type="primFontSz" val="5" fact="NaN" max="NaN"/>
+                  </dgm:ruleLst>
+                </dgm:layoutNode>
+                <dgm:layoutNode name="ThreeConn_2-3" styleLbl="fgAccFollowNode1">
+                  <dgm:varLst>
+                    <dgm:bulletEnabled val="1"/>
+                  </dgm:varLst>
+                  <dgm:alg type="tx"/>
+                  <dgm:shape xmlns:r="http://schemas.openxmlformats.org/officeDocument/2006/relationships" type="downArrow" r:blip="">
+                    <dgm:adjLst>
+                      <dgm:adj idx="1" val="0.55"/>
+                      <dgm:adj idx="2" val="0.45"/>
+                    </dgm:adjLst>
+                  </dgm:shape>
+                  <dgm:presOf axis="ch" ptType="sibTrans" st="2" cnt="1"/>
+                  <dgm:constrLst>
+                    <dgm:constr type="lMarg" refType="primFontSz" fact="0.1"/>
+                    <dgm:constr type="rMarg" refType="primFontSz" fact="0.1"/>
+                    <dgm:constr type="tMarg" refType="primFontSz" fact="0.1"/>
+                    <dgm:constr type="bMarg" refType="primFontSz" fact="0.1"/>
+                  </dgm:constrLst>
+                  <dgm:ruleLst>
+                    <dgm:rule type="primFontSz" val="5" fact="NaN" max="NaN"/>
+                  </dgm:ruleLst>
+                </dgm:layoutNode>
+                <dgm:layoutNode name="ThreeNodes_1_text">
+                  <dgm:varLst>
+                    <dgm:bulletEnabled val="1"/>
+                  </dgm:varLst>
+                  <dgm:alg type="tx">
+                    <dgm:param type="parTxLTRAlign" val="l"/>
+                    <dgm:param type="txAnchorVertCh" val="mid"/>
+                  </dgm:alg>
+                  <dgm:shape xmlns:r="http://schemas.openxmlformats.org/officeDocument/2006/relationships" type="roundRect" r:blip="" hideGeom="1">
+                    <dgm:adjLst>
+                      <dgm:adj idx="1" val="0.1"/>
+                    </dgm:adjLst>
+                  </dgm:shape>
+                  <dgm:presOf axis="ch desOrSelf" ptType="node node" st="1 1" cnt="1 0"/>
+                  <dgm:constrLst>
+                    <dgm:constr type="lMarg" refType="primFontSz" fact="0.3"/>
+                    <dgm:constr type="rMarg" refType="primFontSz" fact="0.3"/>
+                    <dgm:constr type="tMarg" refType="primFontSz" fact="0.3"/>
+                    <dgm:constr type="bMarg" refType="primFontSz" fact="0.3"/>
+                  </dgm:constrLst>
+                  <dgm:ruleLst>
+                    <dgm:rule type="primFontSz" val="5" fact="NaN" max="NaN"/>
+                  </dgm:ruleLst>
+                </dgm:layoutNode>
+                <dgm:layoutNode name="ThreeNodes_2_text">
+                  <dgm:varLst>
+                    <dgm:bulletEnabled val="1"/>
+                  </dgm:varLst>
+                  <dgm:alg type="tx">
+                    <dgm:param type="parTxLTRAlign" val="l"/>
+                    <dgm:param type="txAnchorVertCh" val="mid"/>
+                  </dgm:alg>
+                  <dgm:shape xmlns:r="http://schemas.openxmlformats.org/officeDocument/2006/relationships" type="roundRect" r:blip="" hideGeom="1">
+                    <dgm:adjLst>
+                      <dgm:adj idx="1" val="0.1"/>
+                    </dgm:adjLst>
+                  </dgm:shape>
+                  <dgm:presOf axis="ch desOrSelf" ptType="node node" st="2 1" cnt="1 0"/>
+                  <dgm:constrLst>
+                    <dgm:constr type="lMarg" refType="primFontSz" fact="0.3"/>
+                    <dgm:constr type="rMarg" refType="primFontSz" fact="0.3"/>
+                    <dgm:constr type="tMarg" refType="primFontSz" fact="0.3"/>
+                    <dgm:constr type="bMarg" refType="primFontSz" fact="0.3"/>
+                  </dgm:constrLst>
+                  <dgm:ruleLst>
+                    <dgm:rule type="primFontSz" val="5" fact="NaN" max="NaN"/>
+                  </dgm:ruleLst>
+                </dgm:layoutNode>
+                <dgm:layoutNode name="ThreeNodes_3_text">
+                  <dgm:varLst>
+                    <dgm:bulletEnabled val="1"/>
+                  </dgm:varLst>
+                  <dgm:alg type="tx">
+                    <dgm:param type="parTxLTRAlign" val="l"/>
+                    <dgm:param type="txAnchorVertCh" val="mid"/>
+                  </dgm:alg>
+                  <dgm:shape xmlns:r="http://schemas.openxmlformats.org/officeDocument/2006/relationships" type="roundRect" r:blip="" hideGeom="1">
+                    <dgm:adjLst>
+                      <dgm:adj idx="1" val="0.1"/>
+                    </dgm:adjLst>
+                  </dgm:shape>
+                  <dgm:presOf axis="ch desOrSelf" ptType="node node" st="3 1" cnt="1 0"/>
+                  <dgm:constrLst>
+                    <dgm:constr type="lMarg" refType="primFontSz" fact="0.3"/>
+                    <dgm:constr type="rMarg" refType="primFontSz" fact="0.3"/>
+                    <dgm:constr type="tMarg" refType="primFontSz" fact="0.3"/>
+                    <dgm:constr type="bMarg" refType="primFontSz" fact="0.3"/>
+                  </dgm:constrLst>
+                  <dgm:ruleLst>
+                    <dgm:rule type="primFontSz" val="5" fact="NaN" max="NaN"/>
+                  </dgm:ruleLst>
+                </dgm:layoutNode>
+              </dgm:if>
+              <dgm:else name="Name11">
+                <dgm:choose name="Name12">
+                  <dgm:if name="Name13" axis="ch" ptType="node" func="cnt" op="equ" val="4">
+                    <dgm:layoutNode name="FourNodes_1">
+                      <dgm:varLst>
+                        <dgm:bulletEnabled val="1"/>
+                      </dgm:varLst>
+                      <dgm:alg type="sp"/>
+                      <dgm:shape xmlns:r="http://schemas.openxmlformats.org/officeDocument/2006/relationships" type="roundRect" r:blip="">
+                        <dgm:adjLst>
+                          <dgm:adj idx="1" val="0.1"/>
+                        </dgm:adjLst>
+                      </dgm:shape>
+                      <dgm:presOf axis="ch desOrSelf" ptType="node node" st="1 1" cnt="1 0"/>
+                      <dgm:constrLst/>
+                      <dgm:ruleLst/>
+                    </dgm:layoutNode>
+                    <dgm:layoutNode name="FourNodes_2">
+                      <dgm:varLst>
+                        <dgm:bulletEnabled val="1"/>
+                      </dgm:varLst>
+                      <dgm:alg type="sp"/>
+                      <dgm:shape xmlns:r="http://schemas.openxmlformats.org/officeDocument/2006/relationships" type="roundRect" r:blip="">
+                        <dgm:adjLst>
+                          <dgm:adj idx="1" val="0.1"/>
+                        </dgm:adjLst>
+                      </dgm:shape>
+                      <dgm:presOf axis="ch desOrSelf" ptType="node node" st="2 1" cnt="1 0"/>
+                      <dgm:constrLst/>
+                      <dgm:ruleLst/>
+                    </dgm:layoutNode>
+                    <dgm:layoutNode name="FourNodes_3">
+                      <dgm:varLst>
+                        <dgm:bulletEnabled val="1"/>
+                      </dgm:varLst>
+                      <dgm:alg type="sp"/>
+                      <dgm:shape xmlns:r="http://schemas.openxmlformats.org/officeDocument/2006/relationships" type="roundRect" r:blip="">
+                        <dgm:adjLst>
+                          <dgm:adj idx="1" val="0.1"/>
+                        </dgm:adjLst>
+                      </dgm:shape>
+                      <dgm:presOf axis="ch desOrSelf" ptType="node node" st="3 1" cnt="1 0"/>
+                      <dgm:constrLst/>
+                      <dgm:ruleLst/>
+                    </dgm:layoutNode>
+                    <dgm:layoutNode name="FourNodes_4">
+                      <dgm:varLst>
+                        <dgm:bulletEnabled val="1"/>
+                      </dgm:varLst>
+                      <dgm:alg type="sp"/>
+                      <dgm:shape xmlns:r="http://schemas.openxmlformats.org/officeDocument/2006/relationships" type="roundRect" r:blip="">
+                        <dgm:adjLst>
+                          <dgm:adj idx="1" val="0.1"/>
+                        </dgm:adjLst>
+                      </dgm:shape>
+                      <dgm:presOf axis="ch desOrSelf" ptType="node node" st="4 1" cnt="1 0"/>
+                      <dgm:constrLst/>
+                      <dgm:ruleLst/>
+                    </dgm:layoutNode>
+                    <dgm:layoutNode name="FourConn_1-2" styleLbl="fgAccFollowNode1">
+                      <dgm:varLst>
+                        <dgm:bulletEnabled val="1"/>
+                      </dgm:varLst>
+                      <dgm:alg type="tx"/>
+                      <dgm:shape xmlns:r="http://schemas.openxmlformats.org/officeDocument/2006/relationships" type="downArrow" r:blip="">
+                        <dgm:adjLst>
+                          <dgm:adj idx="1" val="0.55"/>
+                          <dgm:adj idx="2" val="0.45"/>
+                        </dgm:adjLst>
+                      </dgm:shape>
+                      <dgm:presOf axis="ch" ptType="sibTrans" cnt="1"/>
+                      <dgm:constrLst>
+                        <dgm:constr type="lMarg" refType="primFontSz" fact="0.1"/>
+                        <dgm:constr type="rMarg" refType="primFontSz" fact="0.1"/>
+                        <dgm:constr type="tMarg" refType="primFontSz" fact="0.1"/>
+                        <dgm:constr type="bMarg" refType="primFontSz" fact="0.1"/>
+                      </dgm:constrLst>
+                      <dgm:ruleLst>
+                        <dgm:rule type="primFontSz" val="5" fact="NaN" max="NaN"/>
+                      </dgm:ruleLst>
+                    </dgm:layoutNode>
+                    <dgm:layoutNode name="FourConn_2-3" styleLbl="fgAccFollowNode1">
+                      <dgm:varLst>
+                        <dgm:bulletEnabled val="1"/>
+                      </dgm:varLst>
+                      <dgm:alg type="tx"/>
+                      <dgm:shape xmlns:r="http://schemas.openxmlformats.org/officeDocument/2006/relationships" type="downArrow" r:blip="">
+                        <dgm:adjLst>
+                          <dgm:adj idx="1" val="0.55"/>
+                          <dgm:adj idx="2" val="0.45"/>
+                        </dgm:adjLst>
+                      </dgm:shape>
+                      <dgm:presOf axis="ch" ptType="sibTrans" st="2" cnt="1"/>
+                      <dgm:constrLst>
+                        <dgm:constr type="lMarg" refType="primFontSz" fact="0.1"/>
+                        <dgm:constr type="rMarg" refType="primFontSz" fact="0.1"/>
+                        <dgm:constr type="tMarg" refType="primFontSz" fact="0.1"/>
+                        <dgm:constr type="bMarg" refType="primFontSz" fact="0.1"/>
+                      </dgm:constrLst>
+                      <dgm:ruleLst>
+                        <dgm:rule type="primFontSz" val="5" fact="NaN" max="NaN"/>
+                      </dgm:ruleLst>
+                    </dgm:layoutNode>
+                    <dgm:layoutNode name="FourConn_3-4" styleLbl="fgAccFollowNode1">
+                      <dgm:varLst>
+                        <dgm:bulletEnabled val="1"/>
+                      </dgm:varLst>
+                      <dgm:alg type="tx"/>
+                      <dgm:shape xmlns:r="http://schemas.openxmlformats.org/officeDocument/2006/relationships" type="downArrow" r:blip="">
+                        <dgm:adjLst>
+                          <dgm:adj idx="1" val="0.55"/>
+                          <dgm:adj idx="2" val="0.45"/>
+                        </dgm:adjLst>
+                      </dgm:shape>
+                      <dgm:presOf axis="ch" ptType="sibTrans" st="3" cnt="1"/>
+                      <dgm:constrLst>
+                        <dgm:constr type="lMarg" refType="primFontSz" fact="0.1"/>
+                        <dgm:constr type="rMarg" refType="primFontSz" fact="0.1"/>
+                        <dgm:constr type="tMarg" refType="primFontSz" fact="0.1"/>
+                        <dgm:constr type="bMarg" refType="primFontSz" fact="0.1"/>
+                      </dgm:constrLst>
+                      <dgm:ruleLst>
+                        <dgm:rule type="primFontSz" val="5" fact="NaN" max="NaN"/>
+                      </dgm:ruleLst>
+                    </dgm:layoutNode>
+                    <dgm:layoutNode name="FourNodes_1_text">
+                      <dgm:varLst>
+                        <dgm:bulletEnabled val="1"/>
+                      </dgm:varLst>
+                      <dgm:alg type="tx">
+                        <dgm:param type="parTxLTRAlign" val="l"/>
+                        <dgm:param type="txAnchorVertCh" val="mid"/>
+                      </dgm:alg>
+                      <dgm:shape xmlns:r="http://schemas.openxmlformats.org/officeDocument/2006/relationships" type="roundRect" r:blip="" hideGeom="1">
+                        <dgm:adjLst>
+                          <dgm:adj idx="1" val="0.1"/>
+                        </dgm:adjLst>
+                      </dgm:shape>
+                      <dgm:presOf axis="ch desOrSelf" ptType="node node" st="1 1" cnt="1 0"/>
+                      <dgm:constrLst>
+                        <dgm:constr type="lMarg" refType="primFontSz" fact="0.3"/>
+                        <dgm:constr type="rMarg" refType="primFontSz" fact="0.3"/>
+                        <dgm:constr type="tMarg" refType="primFontSz" fact="0.3"/>
+                        <dgm:constr type="bMarg" refType="primFontSz" fact="0.3"/>
+                      </dgm:constrLst>
+                      <dgm:ruleLst>
+                        <dgm:rule type="primFontSz" val="5" fact="NaN" max="NaN"/>
+                      </dgm:ruleLst>
+                    </dgm:layoutNode>
+                    <dgm:layoutNode name="FourNodes_2_text">
+                      <dgm:varLst>
+                        <dgm:bulletEnabled val="1"/>
+                      </dgm:varLst>
+                      <dgm:alg type="tx">
+                        <dgm:param type="parTxLTRAlign" val="l"/>
+                        <dgm:param type="txAnchorVertCh" val="mid"/>
+                      </dgm:alg>
+                      <dgm:shape xmlns:r="http://schemas.openxmlformats.org/officeDocument/2006/relationships" type="roundRect" r:blip="" hideGeom="1">
+                        <dgm:adjLst>
+                          <dgm:adj idx="1" val="0.1"/>
+                        </dgm:adjLst>
+                      </dgm:shape>
+                      <dgm:presOf axis="ch desOrSelf" ptType="node node" st="2 1" cnt="1 0"/>
+                      <dgm:constrLst>
+                        <dgm:constr type="lMarg" refType="primFontSz" fact="0.3"/>
+                        <dgm:constr type="rMarg" refType="primFontSz" fact="0.3"/>
+                        <dgm:constr type="tMarg" refType="primFontSz" fact="0.3"/>
+                        <dgm:constr type="bMarg" refType="primFontSz" fact="0.3"/>
+                      </dgm:constrLst>
+                      <dgm:ruleLst>
+                        <dgm:rule type="primFontSz" val="5" fact="NaN" max="NaN"/>
+                      </dgm:ruleLst>
+                    </dgm:layoutNode>
+                    <dgm:layoutNode name="FourNodes_3_text">
+                      <dgm:varLst>
+                        <dgm:bulletEnabled val="1"/>
+                      </dgm:varLst>
+                      <dgm:alg type="tx">
+                        <dgm:param type="parTxLTRAlign" val="l"/>
+                        <dgm:param type="txAnchorVertCh" val="mid"/>
+                      </dgm:alg>
+                      <dgm:shape xmlns:r="http://schemas.openxmlformats.org/officeDocument/2006/relationships" type="roundRect" r:blip="" hideGeom="1">
+                        <dgm:adjLst>
+                          <dgm:adj idx="1" val="0.1"/>
+                        </dgm:adjLst>
+                      </dgm:shape>
+                      <dgm:presOf axis="ch desOrSelf" ptType="node node" st="3 1" cnt="1 0"/>
+                      <dgm:constrLst>
+                        <dgm:constr type="lMarg" refType="primFontSz" fact="0.3"/>
+                        <dgm:constr type="rMarg" refType="primFontSz" fact="0.3"/>
+                        <dgm:constr type="tMarg" refType="primFontSz" fact="0.3"/>
+                        <dgm:constr type="bMarg" refType="primFontSz" fact="0.3"/>
+                      </dgm:constrLst>
+                      <dgm:ruleLst>
+                        <dgm:rule type="primFontSz" val="5" fact="NaN" max="NaN"/>
+                      </dgm:ruleLst>
+                    </dgm:layoutNode>
+                    <dgm:layoutNode name="FourNodes_4_text">
+                      <dgm:varLst>
+                        <dgm:bulletEnabled val="1"/>
+                      </dgm:varLst>
+                      <dgm:alg type="tx">
+                        <dgm:param type="parTxLTRAlign" val="l"/>
+                        <dgm:param type="txAnchorVertCh" val="mid"/>
+                      </dgm:alg>
+                      <dgm:shape xmlns:r="http://schemas.openxmlformats.org/officeDocument/2006/relationships" type="roundRect" r:blip="" hideGeom="1">
+                        <dgm:adjLst>
+                          <dgm:adj idx="1" val="0.1"/>
+                        </dgm:adjLst>
+                      </dgm:shape>
+                      <dgm:presOf axis="ch desOrSelf" ptType="node node" st="4 1" cnt="1 0"/>
+                      <dgm:constrLst>
+                        <dgm:constr type="lMarg" refType="primFontSz" fact="0.3"/>
+                        <dgm:constr type="rMarg" refType="primFontSz" fact="0.3"/>
+                        <dgm:constr type="tMarg" refType="primFontSz" fact="0.3"/>
+                        <dgm:constr type="bMarg" refType="primFontSz" fact="0.3"/>
+                      </dgm:constrLst>
+                      <dgm:ruleLst>
+                        <dgm:rule type="primFontSz" val="5" fact="NaN" max="NaN"/>
+                      </dgm:ruleLst>
+                    </dgm:layoutNode>
+                  </dgm:if>
+                  <dgm:else name="Name14">
+                    <dgm:choose name="Name15">
+                      <dgm:if name="Name16" axis="ch" ptType="node" func="cnt" op="gte" val="5">
+                        <dgm:layoutNode name="FiveNodes_1">
+                          <dgm:varLst>
+                            <dgm:bulletEnabled val="1"/>
+                          </dgm:varLst>
+                          <dgm:alg type="sp"/>
+                          <dgm:shape xmlns:r="http://schemas.openxmlformats.org/officeDocument/2006/relationships" type="roundRect" r:blip="">
+                            <dgm:adjLst>
+                              <dgm:adj idx="1" val="0.1"/>
+                            </dgm:adjLst>
+                          </dgm:shape>
+                          <dgm:presOf axis="ch desOrSelf" ptType="node node" st="1 1" cnt="1 0"/>
+                          <dgm:constrLst/>
+                          <dgm:ruleLst/>
+                        </dgm:layoutNode>
+                        <dgm:layoutNode name="FiveNodes_2">
+                          <dgm:varLst>
+                            <dgm:bulletEnabled val="1"/>
+                          </dgm:varLst>
+                          <dgm:alg type="sp"/>
+                          <dgm:shape xmlns:r="http://schemas.openxmlformats.org/officeDocument/2006/relationships" type="roundRect" r:blip="">
+                            <dgm:adjLst>
+                              <dgm:adj idx="1" val="0.1"/>
+                            </dgm:adjLst>
+                          </dgm:shape>
+                          <dgm:presOf axis="ch desOrSelf" ptType="node node" st="2 1" cnt="1 0"/>
+                          <dgm:constrLst/>
+                          <dgm:ruleLst/>
+                        </dgm:layoutNode>
+                        <dgm:layoutNode name="FiveNodes_3">
+                          <dgm:varLst>
+                            <dgm:bulletEnabled val="1"/>
+                          </dgm:varLst>
+                          <dgm:alg type="sp"/>
+                          <dgm:shape xmlns:r="http://schemas.openxmlformats.org/officeDocument/2006/relationships" type="roundRect" r:blip="">
+                            <dgm:adjLst>
+                              <dgm:adj idx="1" val="0.1"/>
+                            </dgm:adjLst>
+                          </dgm:shape>
+                          <dgm:presOf axis="ch desOrSelf" ptType="node node" st="3 1" cnt="1 0"/>
+                          <dgm:constrLst/>
+                          <dgm:ruleLst/>
+                        </dgm:layoutNode>
+                        <dgm:layoutNode name="FiveNodes_4">
+                          <dgm:varLst>
+                            <dgm:bulletEnabled val="1"/>
+                          </dgm:varLst>
+                          <dgm:alg type="sp"/>
+                          <dgm:shape xmlns:r="http://schemas.openxmlformats.org/officeDocument/2006/relationships" type="roundRect" r:blip="">
+                            <dgm:adjLst>
+                              <dgm:adj idx="1" val="0.1"/>
+                            </dgm:adjLst>
+                          </dgm:shape>
+                          <dgm:presOf axis="ch desOrSelf" ptType="node node" st="4 1" cnt="1 0"/>
+                          <dgm:constrLst/>
+                          <dgm:ruleLst/>
+                        </dgm:layoutNode>
+                        <dgm:layoutNode name="FiveNodes_5">
+                          <dgm:varLst>
+                            <dgm:bulletEnabled val="1"/>
+                          </dgm:varLst>
+                          <dgm:alg type="sp"/>
+                          <dgm:shape xmlns:r="http://schemas.openxmlformats.org/officeDocument/2006/relationships" type="roundRect" r:blip="">
+                            <dgm:adjLst>
+                              <dgm:adj idx="1" val="0.1"/>
+                            </dgm:adjLst>
+                          </dgm:shape>
+                          <dgm:presOf axis="ch desOrSelf" ptType="node node" st="5 1" cnt="1 0"/>
+                          <dgm:constrLst/>
+                          <dgm:ruleLst/>
+                        </dgm:layoutNode>
+                        <dgm:layoutNode name="FiveConn_1-2" styleLbl="fgAccFollowNode1">
+                          <dgm:varLst>
+                            <dgm:bulletEnabled val="1"/>
+                          </dgm:varLst>
+                          <dgm:alg type="tx"/>
+                          <dgm:shape xmlns:r="http://schemas.openxmlformats.org/officeDocument/2006/relationships" type="downArrow" r:blip="">
+                            <dgm:adjLst>
+                              <dgm:adj idx="1" val="0.55"/>
+                              <dgm:adj idx="2" val="0.45"/>
+                            </dgm:adjLst>
+                          </dgm:shape>
+                          <dgm:presOf axis="ch" ptType="sibTrans" cnt="1"/>
+                          <dgm:constrLst>
+                            <dgm:constr type="lMarg" refType="primFontSz" fact="0.1"/>
+                            <dgm:constr type="rMarg" refType="primFontSz" fact="0.1"/>
+                            <dgm:constr type="tMarg" refType="primFontSz" fact="0.1"/>
+                            <dgm:constr type="bMarg" refType="primFontSz" fact="0.1"/>
+                          </dgm:constrLst>
+                          <dgm:ruleLst>
+                            <dgm:rule type="primFontSz" val="5" fact="NaN" max="NaN"/>
+                          </dgm:ruleLst>
+                        </dgm:layoutNode>
+                        <dgm:layoutNode name="FiveConn_2-3" styleLbl="fgAccFollowNode1">
+                          <dgm:varLst>
+                            <dgm:bulletEnabled val="1"/>
+                          </dgm:varLst>
+                          <dgm:alg type="tx"/>
+                          <dgm:shape xmlns:r="http://schemas.openxmlformats.org/officeDocument/2006/relationships" type="downArrow" r:blip="">
+                            <dgm:adjLst>
+                              <dgm:adj idx="1" val="0.55"/>
+                              <dgm:adj idx="2" val="0.45"/>
+                            </dgm:adjLst>
+                          </dgm:shape>
+                          <dgm:presOf axis="ch" ptType="sibTrans" st="2" cnt="1"/>
+                          <dgm:constrLst>
+                            <dgm:constr type="lMarg" refType="primFontSz" fact="0.1"/>
+                            <dgm:constr type="rMarg" refType="primFontSz" fact="0.1"/>
+                            <dgm:constr type="tMarg" refType="primFontSz" fact="0.1"/>
+                            <dgm:constr type="bMarg" refType="primFontSz" fact="0.1"/>
+                          </dgm:constrLst>
+                          <dgm:ruleLst>
+                            <dgm:rule type="primFontSz" val="5" fact="NaN" max="NaN"/>
+                          </dgm:ruleLst>
+                        </dgm:layoutNode>
+                        <dgm:layoutNode name="FiveConn_3-4" styleLbl="fgAccFollowNode1">
+                          <dgm:varLst>
+                            <dgm:bulletEnabled val="1"/>
+                          </dgm:varLst>
+                          <dgm:alg type="tx"/>
+                          <dgm:shape xmlns:r="http://schemas.openxmlformats.org/officeDocument/2006/relationships" type="downArrow" r:blip="">
+                            <dgm:adjLst>
+                              <dgm:adj idx="1" val="0.55"/>
+                              <dgm:adj idx="2" val="0.45"/>
+                            </dgm:adjLst>
+                          </dgm:shape>
+                          <dgm:presOf axis="ch" ptType="sibTrans" st="3" cnt="1"/>
+                          <dgm:constrLst>
+                            <dgm:constr type="lMarg" refType="primFontSz" fact="0.1"/>
+                            <dgm:constr type="rMarg" refType="primFontSz" fact="0.1"/>
+                            <dgm:constr type="tMarg" refType="primFontSz" fact="0.1"/>
+                            <dgm:constr type="bMarg" refType="primFontSz" fact="0.1"/>
+                          </dgm:constrLst>
+                          <dgm:ruleLst>
+                            <dgm:rule type="primFontSz" val="5" fact="NaN" max="NaN"/>
+                          </dgm:ruleLst>
+                        </dgm:layoutNode>
+                        <dgm:layoutNode name="FiveConn_4-5" styleLbl="fgAccFollowNode1">
+                          <dgm:varLst>
+                            <dgm:bulletEnabled val="1"/>
+                          </dgm:varLst>
+                          <dgm:alg type="tx"/>
+                          <dgm:shape xmlns:r="http://schemas.openxmlformats.org/officeDocument/2006/relationships" type="downArrow" r:blip="">
+                            <dgm:adjLst>
+                              <dgm:adj idx="1" val="0.55"/>
+                              <dgm:adj idx="2" val="0.45"/>
+                            </dgm:adjLst>
+                          </dgm:shape>
+                          <dgm:presOf axis="ch" ptType="sibTrans" st="4" cnt="1"/>
+                          <dgm:constrLst>
+                            <dgm:constr type="lMarg" refType="primFontSz" fact="0.1"/>
+                            <dgm:constr type="rMarg" refType="primFontSz" fact="0.1"/>
+                            <dgm:constr type="tMarg" refType="primFontSz" fact="0.1"/>
+                            <dgm:constr type="bMarg" refType="primFontSz" fact="0.1"/>
+                          </dgm:constrLst>
+                          <dgm:ruleLst>
+                            <dgm:rule type="primFontSz" val="5" fact="NaN" max="NaN"/>
+                          </dgm:ruleLst>
+                        </dgm:layoutNode>
+                        <dgm:layoutNode name="FiveNodes_1_text">
+                          <dgm:varLst>
+                            <dgm:bulletEnabled val="1"/>
+                          </dgm:varLst>
+                          <dgm:alg type="tx">
+                            <dgm:param type="parTxLTRAlign" val="l"/>
+                            <dgm:param type="txAnchorVertCh" val="mid"/>
+                          </dgm:alg>
+                          <dgm:shape xmlns:r="http://schemas.openxmlformats.org/officeDocument/2006/relationships" type="roundRect" r:blip="" hideGeom="1">
+                            <dgm:adjLst>
+                              <dgm:adj idx="1" val="0.1"/>
+                            </dgm:adjLst>
+                          </dgm:shape>
+                          <dgm:presOf axis="ch desOrSelf" ptType="node node" st="1 1" cnt="1 0"/>
+                          <dgm:constrLst>
+                            <dgm:constr type="lMarg" refType="primFontSz" fact="0.3"/>
+                            <dgm:constr type="rMarg" refType="primFontSz" fact="0.3"/>
+                            <dgm:constr type="tMarg" refType="primFontSz" fact="0.3"/>
+                            <dgm:constr type="bMarg" refType="primFontSz" fact="0.3"/>
+                          </dgm:constrLst>
+                          <dgm:ruleLst>
+                            <dgm:rule type="primFontSz" val="5" fact="NaN" max="NaN"/>
+                          </dgm:ruleLst>
+                        </dgm:layoutNode>
+                        <dgm:layoutNode name="FiveNodes_2_text">
+                          <dgm:varLst>
+                            <dgm:bulletEnabled val="1"/>
+                          </dgm:varLst>
+                          <dgm:alg type="tx">
+                            <dgm:param type="parTxLTRAlign" val="l"/>
+                            <dgm:param type="txAnchorVertCh" val="mid"/>
+                          </dgm:alg>
+                          <dgm:shape xmlns:r="http://schemas.openxmlformats.org/officeDocument/2006/relationships" type="roundRect" r:blip="" hideGeom="1">
+                            <dgm:adjLst>
+                              <dgm:adj idx="1" val="0.1"/>
+                            </dgm:adjLst>
+                          </dgm:shape>
+                          <dgm:presOf axis="ch desOrSelf" ptType="node node" st="2 1" cnt="1 0"/>
+                          <dgm:constrLst>
+                            <dgm:constr type="lMarg" refType="primFontSz" fact="0.3"/>
+                            <dgm:constr type="rMarg" refType="primFontSz" fact="0.3"/>
+                            <dgm:constr type="tMarg" refType="primFontSz" fact="0.3"/>
+                            <dgm:constr type="bMarg" refType="primFontSz" fact="0.3"/>
+                          </dgm:constrLst>
+                          <dgm:ruleLst>
+                            <dgm:rule type="primFontSz" val="5" fact="NaN" max="NaN"/>
+                          </dgm:ruleLst>
+                        </dgm:layoutNode>
+                        <dgm:layoutNode name="FiveNodes_3_text">
+                          <dgm:varLst>
+                            <dgm:bulletEnabled val="1"/>
+                          </dgm:varLst>
+                          <dgm:alg type="tx">
+                            <dgm:param type="parTxLTRAlign" val="l"/>
+                            <dgm:param type="txAnchorVertCh" val="mid"/>
+                          </dgm:alg>
+                          <dgm:shape xmlns:r="http://schemas.openxmlformats.org/officeDocument/2006/relationships" type="roundRect" r:blip="" hideGeom="1">
+                            <dgm:adjLst>
+                              <dgm:adj idx="1" val="0.1"/>
+                            </dgm:adjLst>
+                          </dgm:shape>
+                          <dgm:presOf axis="ch desOrSelf" ptType="node node" st="3 1" cnt="1 0"/>
+                          <dgm:constrLst>
+                            <dgm:constr type="lMarg" refType="primFontSz" fact="0.3"/>
+                            <dgm:constr type="rMarg" refType="primFontSz" fact="0.3"/>
+                            <dgm:constr type="tMarg" refType="primFontSz" fact="0.3"/>
+                            <dgm:constr type="bMarg" refType="primFontSz" fact="0.3"/>
+                          </dgm:constrLst>
+                          <dgm:ruleLst>
+                            <dgm:rule type="primFontSz" val="5" fact="NaN" max="NaN"/>
+                          </dgm:ruleLst>
+                        </dgm:layoutNode>
+                        <dgm:layoutNode name="FiveNodes_4_text">
+                          <dgm:varLst>
+                            <dgm:bulletEnabled val="1"/>
+                          </dgm:varLst>
+                          <dgm:alg type="tx">
+                            <dgm:param type="parTxLTRAlign" val="l"/>
+                            <dgm:param type="txAnchorVertCh" val="mid"/>
+                          </dgm:alg>
+                          <dgm:shape xmlns:r="http://schemas.openxmlformats.org/officeDocument/2006/relationships" type="roundRect" r:blip="" hideGeom="1">
+                            <dgm:adjLst>
+                              <dgm:adj idx="1" val="0.1"/>
+                            </dgm:adjLst>
+                          </dgm:shape>
+                          <dgm:presOf axis="ch desOrSelf" ptType="node node" st="4 1" cnt="1 0"/>
+                          <dgm:constrLst>
+                            <dgm:constr type="lMarg" refType="primFontSz" fact="0.3"/>
+                            <dgm:constr type="rMarg" refType="primFontSz" fact="0.3"/>
+                            <dgm:constr type="tMarg" refType="primFontSz" fact="0.3"/>
+                            <dgm:constr type="bMarg" refType="primFontSz" fact="0.3"/>
+                          </dgm:constrLst>
+                          <dgm:ruleLst>
+                            <dgm:rule type="primFontSz" val="5" fact="NaN" max="NaN"/>
+                          </dgm:ruleLst>
+                        </dgm:layoutNode>
+                        <dgm:layoutNode name="FiveNodes_5_text">
+                          <dgm:varLst>
+                            <dgm:bulletEnabled val="1"/>
+                          </dgm:varLst>
+                          <dgm:alg type="tx">
+                            <dgm:param type="parTxLTRAlign" val="l"/>
+                            <dgm:param type="txAnchorVertCh" val="mid"/>
+                          </dgm:alg>
+                          <dgm:shape xmlns:r="http://schemas.openxmlformats.org/officeDocument/2006/relationships" type="roundRect" r:blip="" hideGeom="1">
+                            <dgm:adjLst>
+                              <dgm:adj idx="1" val="0.1"/>
+                            </dgm:adjLst>
+                          </dgm:shape>
+                          <dgm:presOf axis="ch desOrSelf" ptType="node node" st="5 1" cnt="1 0"/>
+                          <dgm:constrLst>
+                            <dgm:constr type="lMarg" refType="primFontSz" fact="0.3"/>
+                            <dgm:constr type="rMarg" refType="primFontSz" fact="0.3"/>
+                            <dgm:constr type="tMarg" refType="primFontSz" fact="0.3"/>
+                            <dgm:constr type="bMarg" refType="primFontSz" fact="0.3"/>
+                          </dgm:constrLst>
+                          <dgm:ruleLst>
+                            <dgm:rule type="primFontSz" val="5" fact="NaN" max="NaN"/>
+                          </dgm:ruleLst>
+                        </dgm:layoutNode>
+                      </dgm:if>
+                      <dgm:else name="Name17"/>
+                    </dgm:choose>
+                  </dgm:else>
+                </dgm:choose>
+              </dgm:else>
+            </dgm:choose>
+          </dgm:else>
+        </dgm:choose>
+      </dgm:else>
+    </dgm:choose>
+  </dgm:layoutNode>
+</dgm:layoutDef>
+</file>
+
+<file path=ppt/diagrams/quickStyle1.xml><?xml version="1.0" encoding="utf-8"?>
+<dgm:styleDef xmlns:dgm="http://schemas.openxmlformats.org/drawingml/2006/diagram" xmlns:a="http://schemas.openxmlformats.org/drawingml/2006/main" uniqueId="urn:microsoft.com/office/officeart/2005/8/quickstyle/simple1">
+  <dgm:title val=""/>
+  <dgm:desc val=""/>
+  <dgm:catLst>
+    <dgm:cat type="simple" pri="10100"/>
+  </dgm:catLst>
+  <dgm:scene3d>
+    <a:camera prst="orthographicFront"/>
+    <a:lightRig rig="threePt" dir="t"/>
+  </dgm:scene3d>
+  <dgm:styleLbl name="node0">
+    <dgm:scene3d>
+      <a:camera prst="orthographicFront"/>
+      <a:lightRig rig="threePt" dir="t"/>
+    </dgm:scene3d>
+    <dgm:sp3d/>
+    <dgm:txPr/>
+    <dgm:style>
+      <a:lnRef idx="2">
+        <a:scrgbClr r="0" g="0" b="0"/>
+      </a:lnRef>
+      <a:fillRef idx="1">
+        <a:scrgbClr r="0" g="0" b="0"/>
+      </a:fillRef>
+      <a:effectRef idx="0">
+        <a:scrgbClr r="0" g="0" b="0"/>
+      </a:effectRef>
+      <a:fontRef idx="minor">
+        <a:schemeClr val="lt1"/>
+      </a:fontRef>
+    </dgm:style>
+  </dgm:styleLbl>
+  <dgm:styleLbl name="lnNode1">
+    <dgm:scene3d>
+      <a:camera prst="orthographicFront"/>
+      <a:lightRig rig="threePt" dir="t"/>
+    </dgm:scene3d>
+    <dgm:sp3d/>
+    <dgm:txPr/>
+    <dgm:style>
+      <a:lnRef idx="2">
+        <a:scrgbClr r="0" g="0" b="0"/>
+      </a:lnRef>
+      <a:fillRef idx="1">
+        <a:scrgbClr r="0" g="0" b="0"/>
+      </a:fillRef>
+      <a:effectRef idx="0">
+        <a:scrgbClr r="0" g="0" b="0"/>
+      </a:effectRef>
+      <a:fontRef idx="minor">
+        <a:schemeClr val="lt1"/>
+      </a:fontRef>
+    </dgm:style>
+  </dgm:styleLbl>
+  <dgm:styleLbl name="vennNode1">
+    <dgm:scene3d>
+      <a:camera prst="orthographicFront"/>
+      <a:lightRig rig="threePt" dir="t"/>
+    </dgm:scene3d>
+    <dgm:sp3d/>
+    <dgm:txPr/>
+    <dgm:style>
+      <a:lnRef idx="2">
+        <a:scrgbClr r="0" g="0" b="0"/>
+      </a:lnRef>
+      <a:fillRef idx="1">
+        <a:scrgbClr r="0" g="0" b="0"/>
+      </a:fillRef>
+      <a:effectRef idx="0">
+        <a:scrgbClr r="0" g="0" b="0"/>
+      </a:effectRef>
+      <a:fontRef idx="minor">
+        <a:schemeClr val="tx1"/>
+      </a:fontRef>
+    </dgm:style>
+  </dgm:styleLbl>
+  <dgm:styleLbl name="alignNode1">
+    <dgm:scene3d>
+      <a:camera prst="orthographicFront"/>
+      <a:lightRig rig="threePt" dir="t"/>
+    </dgm:scene3d>
+    <dgm:sp3d/>
+    <dgm:txPr/>
+    <dgm:style>
+      <a:lnRef idx="2">
+        <a:scrgbClr r="0" g="0" b="0"/>
+      </a:lnRef>
+      <a:fillRef idx="1">
+        <a:scrgbClr r="0" g="0" b="0"/>
+      </a:fillRef>
+      <a:effectRef idx="0">
+        <a:scrgbClr r="0" g="0" b="0"/>
+      </a:effectRef>
+      <a:fontRef idx="minor">
+        <a:schemeClr val="lt1"/>
+      </a:fontRef>
+    </dgm:style>
+  </dgm:styleLbl>
+  <dgm:styleLbl name="node1">
+    <dgm:scene3d>
+      <a:camera prst="orthographicFront"/>
+      <a:lightRig rig="threePt" dir="t"/>
+    </dgm:scene3d>
+    <dgm:sp3d/>
+    <dgm:txPr/>
+    <dgm:style>
+      <a:lnRef idx="2">
+        <a:scrgbClr r="0" g="0" b="0"/>
+      </a:lnRef>
+      <a:fillRef idx="1">
+        <a:scrgbClr r="0" g="0" b="0"/>
+      </a:fillRef>
+      <a:effectRef idx="0">
+        <a:scrgbClr r="0" g="0" b="0"/>
+      </a:effectRef>
+      <a:fontRef idx="minor">
+        <a:schemeClr val="lt1"/>
+      </a:fontRef>
+    </dgm:style>
+  </dgm:styleLbl>
+  <dgm:styleLbl name="node2">
+    <dgm:scene3d>
+      <a:camera prst="orthographicFront"/>
+      <a:lightRig rig="threePt" dir="t"/>
+    </dgm:scene3d>
+    <dgm:sp3d/>
+    <dgm:txPr/>
+    <dgm:style>
+      <a:lnRef idx="2">
+        <a:scrgbClr r="0" g="0" b="0"/>
+      </a:lnRef>
+      <a:fillRef idx="1">
+        <a:scrgbClr r="0" g="0" b="0"/>
+      </a:fillRef>
+      <a:effectRef idx="0">
+        <a:scrgbClr r="0" g="0" b="0"/>
+      </a:effectRef>
+      <a:fontRef idx="minor">
+        <a:schemeClr val="lt1"/>
+      </a:fontRef>
+    </dgm:style>
+  </dgm:styleLbl>
+  <dgm:styleLbl name="node3">
+    <dgm:scene3d>
+      <a:camera prst="orthographicFront"/>
+      <a:lightRig rig="threePt" dir="t"/>
+    </dgm:scene3d>
+    <dgm:sp3d/>
+    <dgm:txPr/>
+    <dgm:style>
+      <a:lnRef idx="2">
+        <a:scrgbClr r="0" g="0" b="0"/>
+      </a:lnRef>
+      <a:fillRef idx="1">
+        <a:scrgbClr r="0" g="0" b="0"/>
+      </a:fillRef>
+      <a:effectRef idx="0">
+        <a:scrgbClr r="0" g="0" b="0"/>
+      </a:effectRef>
+      <a:fontRef idx="minor">
+        <a:schemeClr val="lt1"/>
+      </a:fontRef>
+    </dgm:style>
+  </dgm:styleLbl>
+  <dgm:styleLbl name="node4">
+    <dgm:scene3d>
+      <a:camera prst="orthographicFront"/>
+      <a:lightRig rig="threePt" dir="t"/>
+    </dgm:scene3d>
+    <dgm:sp3d/>
+    <dgm:txPr/>
+    <dgm:style>
+      <a:lnRef idx="2">
+        <a:scrgbClr r="0" g="0" b="0"/>
+      </a:lnRef>
+      <a:fillRef idx="1">
+        <a:scrgbClr r="0" g="0" b="0"/>
+      </a:fillRef>
+      <a:effectRef idx="0">
+        <a:scrgbClr r="0" g="0" b="0"/>
+      </a:effectRef>
+      <a:fontRef idx="minor">
+        <a:schemeClr val="lt1"/>
+      </a:fontRef>
+    </dgm:style>
+  </dgm:styleLbl>
+  <dgm:styleLbl name="fgImgPlace1">
+    <dgm:scene3d>
+      <a:camera prst="orthographicFront"/>
+      <a:lightRig rig="threePt" dir="t"/>
+    </dgm:scene3d>
+    <dgm:sp3d/>
+    <dgm:txPr/>
+    <dgm:style>
+      <a:lnRef idx="2">
+        <a:scrgbClr r="0" g="0" b="0"/>
+      </a:lnRef>
+      <a:fillRef idx="1">
+        <a:scrgbClr r="0" g="0" b="0"/>
+      </a:fillRef>
+      <a:effectRef idx="0">
+        <a:scrgbClr r="0" g="0" b="0"/>
+      </a:effectRef>
+      <a:fontRef idx="minor"/>
+    </dgm:style>
+  </dgm:styleLbl>
+  <dgm:styleLbl name="alignImgPlace1">
+    <dgm:scene3d>
+      <a:camera prst="orthographicFront"/>
+      <a:lightRig rig="threePt" dir="t"/>
+    </dgm:scene3d>
+    <dgm:sp3d/>
+    <dgm:txPr/>
+    <dgm:style>
+      <a:lnRef idx="2">
+        <a:scrgbClr r="0" g="0" b="0"/>
+      </a:lnRef>
+      <a:fillRef idx="1">
+        <a:scrgbClr r="0" g="0" b="0"/>
+      </a:fillRef>
+      <a:effectRef idx="0">
+        <a:scrgbClr r="0" g="0" b="0"/>
+      </a:effectRef>
+      <a:fontRef idx="minor"/>
+    </dgm:style>
+  </dgm:styleLbl>
+  <dgm:styleLbl name="bgImgPlace1">
+    <dgm:scene3d>
+      <a:camera prst="orthographicFront"/>
+      <a:lightRig rig="threePt" dir="t"/>
+    </dgm:scene3d>
+    <dgm:sp3d/>
+    <dgm:txPr/>
+    <dgm:style>
+      <a:lnRef idx="2">
+        <a:scrgbClr r="0" g="0" b="0"/>
+      </a:lnRef>
+      <a:fillRef idx="1">
+        <a:scrgbClr r="0" g="0" b="0"/>
+      </a:fillRef>
+      <a:effectRef idx="0">
+        <a:scrgbClr r="0" g="0" b="0"/>
+      </a:effectRef>
+      <a:fontRef idx="minor"/>
+    </dgm:style>
+  </dgm:styleLbl>
+  <dgm:styleLbl name="sibTrans2D1">
+    <dgm:scene3d>
+      <a:camera prst="orthographicFront"/>
+      <a:lightRig rig="threePt" dir="t"/>
+    </dgm:scene3d>
+    <dgm:sp3d/>
+    <dgm:txPr/>
+    <dgm:style>
+      <a:lnRef idx="0">
+        <a:scrgbClr r="0" g="0" b="0"/>
+      </a:lnRef>
+      <a:fillRef idx="1">
+        <a:scrgbClr r="0" g="0" b="0"/>
+      </a:fillRef>
+      <a:effectRef idx="0">
+        <a:scrgbClr r="0" g="0" b="0"/>
+      </a:effectRef>
+      <a:fontRef idx="minor">
+        <a:schemeClr val="lt1"/>
+      </a:fontRef>
+    </dgm:style>
+  </dgm:styleLbl>
+  <dgm:styleLbl name="fgSibTrans2D1">
+    <dgm:scene3d>
+      <a:camera prst="orthographicFront"/>
+      <a:lightRig rig="threePt" dir="t"/>
+    </dgm:scene3d>
+    <dgm:sp3d/>
+    <dgm:txPr/>
+    <dgm:style>
+      <a:lnRef idx="0">
+        <a:scrgbClr r="0" g="0" b="0"/>
+      </a:lnRef>
+      <a:fillRef idx="1">
+        <a:scrgbClr r="0" g="0" b="0"/>
+      </a:fillRef>
+      <a:effectRef idx="0">
+        <a:scrgbClr r="0" g="0" b="0"/>
+      </a:effectRef>
+      <a:fontRef idx="minor">
+        <a:schemeClr val="lt1"/>
+      </a:fontRef>
+    </dgm:style>
+  </dgm:styleLbl>
+  <dgm:styleLbl name="bgSibTrans2D1">
+    <dgm:scene3d>
+      <a:camera prst="orthographicFront"/>
+      <a:lightRig rig="threePt" dir="t"/>
+    </dgm:scene3d>
+    <dgm:sp3d/>
+    <dgm:txPr/>
+    <dgm:style>
+      <a:lnRef idx="0">
+        <a:scrgbClr r="0" g="0" b="0"/>
+      </a:lnRef>
+      <a:fillRef idx="1">
+        <a:scrgbClr r="0" g="0" b="0"/>
+      </a:fillRef>
+      <a:effectRef idx="0">
+        <a:scrgbClr r="0" g="0" b="0"/>
+      </a:effectRef>
+      <a:fontRef idx="minor">
+        <a:schemeClr val="lt1"/>
+      </a:fontRef>
+    </dgm:style>
+  </dgm:styleLbl>
+  <dgm:styleLbl name="sibTrans1D1">
+    <dgm:scene3d>
+      <a:camera prst="orthographicFront"/>
+      <a:lightRig rig="threePt" dir="t"/>
+    </dgm:scene3d>
+    <dgm:sp3d/>
+    <dgm:txPr/>
+    <dgm:style>
+      <a:lnRef idx="1">
+        <a:scrgbClr r="0" g="0" b="0"/>
+      </a:lnRef>
+      <a:fillRef idx="0">
+        <a:scrgbClr r="0" g="0" b="0"/>
+      </a:fillRef>
+      <a:effectRef idx="0">
+        <a:scrgbClr r="0" g="0" b="0"/>
+      </a:effectRef>
+      <a:fontRef idx="minor"/>
+    </dgm:style>
+  </dgm:styleLbl>
+  <dgm:styleLbl name="callout">
+    <dgm:scene3d>
+      <a:camera prst="orthographicFront"/>
+      <a:lightRig rig="threePt" dir="t"/>
+    </dgm:scene3d>
+    <dgm:sp3d/>
+    <dgm:txPr/>
+    <dgm:style>
+      <a:lnRef idx="2">
+        <a:scrgbClr r="0" g="0" b="0"/>
+      </a:lnRef>
+      <a:fillRef idx="1">
+        <a:scrgbClr r="0" g="0" b="0"/>
+      </a:fillRef>
+      <a:effectRef idx="0">
+        <a:scrgbClr r="0" g="0" b="0"/>
+      </a:effectRef>
+      <a:fontRef idx="minor"/>
+    </dgm:style>
+  </dgm:styleLbl>
+  <dgm:styleLbl name="asst0">
+    <dgm:scene3d>
+      <a:camera prst="orthographicFront"/>
+      <a:lightRig rig="threePt" dir="t"/>
+    </dgm:scene3d>
+    <dgm:sp3d/>
+    <dgm:txPr/>
+    <dgm:style>
+      <a:lnRef idx="2">
+        <a:scrgbClr r="0" g="0" b="0"/>
+      </a:lnRef>
+      <a:fillRef idx="1">
+        <a:scrgbClr r="0" g="0" b="0"/>
+      </a:fillRef>
+      <a:effectRef idx="0">
+        <a:scrgbClr r="0" g="0" b="0"/>
+      </a:effectRef>
+      <a:fontRef idx="minor">
+        <a:schemeClr val="lt1"/>
+      </a:fontRef>
+    </dgm:style>
+  </dgm:styleLbl>
+  <dgm:styleLbl name="asst1">
+    <dgm:scene3d>
+      <a:camera prst="orthographicFront"/>
+      <a:lightRig rig="threePt" dir="t"/>
+    </dgm:scene3d>
+    <dgm:sp3d/>
+    <dgm:txPr/>
+    <dgm:style>
+      <a:lnRef idx="2">
+        <a:scrgbClr r="0" g="0" b="0"/>
+      </a:lnRef>
+      <a:fillRef idx="1">
+        <a:scrgbClr r="0" g="0" b="0"/>
+      </a:fillRef>
+      <a:effectRef idx="0">
+        <a:scrgbClr r="0" g="0" b="0"/>
+      </a:effectRef>
+      <a:fontRef idx="minor">
+        <a:schemeClr val="lt1"/>
+      </a:fontRef>
+    </dgm:style>
+  </dgm:styleLbl>
+  <dgm:styleLbl name="asst2">
+    <dgm:scene3d>
+      <a:camera prst="orthographicFront"/>
+      <a:lightRig rig="threePt" dir="t"/>
+    </dgm:scene3d>
+    <dgm:sp3d/>
+    <dgm:txPr/>
+    <dgm:style>
+      <a:lnRef idx="2">
+        <a:scrgbClr r="0" g="0" b="0"/>
+      </a:lnRef>
+      <a:fillRef idx="1">
+        <a:scrgbClr r="0" g="0" b="0"/>
+      </a:fillRef>
+      <a:effectRef idx="0">
+        <a:scrgbClr r="0" g="0" b="0"/>
+      </a:effectRef>
+      <a:fontRef idx="minor">
+        <a:schemeClr val="lt1"/>
+      </a:fontRef>
+    </dgm:style>
+  </dgm:styleLbl>
+  <dgm:styleLbl name="asst3">
+    <dgm:scene3d>
+      <a:camera prst="orthographicFront"/>
+      <a:lightRig rig="threePt" dir="t"/>
+    </dgm:scene3d>
+    <dgm:sp3d/>
+    <dgm:txPr/>
+    <dgm:style>
+      <a:lnRef idx="2">
+        <a:scrgbClr r="0" g="0" b="0"/>
+      </a:lnRef>
+      <a:fillRef idx="1">
+        <a:scrgbClr r="0" g="0" b="0"/>
+      </a:fillRef>
+      <a:effectRef idx="0">
+        <a:scrgbClr r="0" g="0" b="0"/>
+      </a:effectRef>
+      <a:fontRef idx="minor">
+        <a:schemeClr val="lt1"/>
+      </a:fontRef>
+    </dgm:style>
+  </dgm:styleLbl>
+  <dgm:styleLbl name="asst4">
+    <dgm:scene3d>
+      <a:camera prst="orthographicFront"/>
+      <a:lightRig rig="threePt" dir="t"/>
+    </dgm:scene3d>
+    <dgm:sp3d/>
+    <dgm:txPr/>
+    <dgm:style>
+      <a:lnRef idx="2">
+        <a:scrgbClr r="0" g="0" b="0"/>
+      </a:lnRef>
+      <a:fillRef idx="1">
+        <a:scrgbClr r="0" g="0" b="0"/>
+      </a:fillRef>
+      <a:effectRef idx="0">
+        <a:scrgbClr r="0" g="0" b="0"/>
+      </a:effectRef>
+      <a:fontRef idx="minor">
+        <a:schemeClr val="lt1"/>
+      </a:fontRef>
+    </dgm:style>
+  </dgm:styleLbl>
+  <dgm:styleLbl name="parChTrans2D1">
+    <dgm:scene3d>
+      <a:camera prst="orthographicFront"/>
+      <a:lightRig rig="threePt" dir="t"/>
+    </dgm:scene3d>
+    <dgm:sp3d/>
+    <dgm:txPr/>
+    <dgm:style>
+      <a:lnRef idx="2">
+        <a:scrgbClr r="0" g="0" b="0"/>
+      </a:lnRef>
+      <a:fillRef idx="1">
+        <a:scrgbClr r="0" g="0" b="0"/>
+      </a:fillRef>
+      <a:effectRef idx="0">
+        <a:scrgbClr r="0" g="0" b="0"/>
+      </a:effectRef>
+      <a:fontRef idx="minor">
+        <a:schemeClr val="lt1"/>
+      </a:fontRef>
+    </dgm:style>
+  </dgm:styleLbl>
+  <dgm:styleLbl name="parChTrans2D2">
+    <dgm:scene3d>
+      <a:camera prst="orthographicFront"/>
+      <a:lightRig rig="threePt" dir="t"/>
+    </dgm:scene3d>
+    <dgm:sp3d/>
+    <dgm:txPr/>
+    <dgm:style>
+      <a:lnRef idx="2">
+        <a:scrgbClr r="0" g="0" b="0"/>
+      </a:lnRef>
+      <a:fillRef idx="1">
+        <a:scrgbClr r="0" g="0" b="0"/>
+      </a:fillRef>
+      <a:effectRef idx="0">
+        <a:scrgbClr r="0" g="0" b="0"/>
+      </a:effectRef>
+      <a:fontRef idx="minor">
+        <a:schemeClr val="lt1"/>
+      </a:fontRef>
+    </dgm:style>
+  </dgm:styleLbl>
+  <dgm:styleLbl name="parChTrans2D3">
+    <dgm:scene3d>
+      <a:camera prst="orthographicFront"/>
+      <a:lightRig rig="threePt" dir="t"/>
+    </dgm:scene3d>
+    <dgm:sp3d/>
+    <dgm:txPr/>
+    <dgm:style>
+      <a:lnRef idx="2">
+        <a:scrgbClr r="0" g="0" b="0"/>
+      </a:lnRef>
+      <a:fillRef idx="1">
+        <a:scrgbClr r="0" g="0" b="0"/>
+      </a:fillRef>
+      <a:effectRef idx="0">
+        <a:scrgbClr r="0" g="0" b="0"/>
+      </a:effectRef>
+      <a:fontRef idx="minor">
+        <a:schemeClr val="lt1"/>
+      </a:fontRef>
+    </dgm:style>
+  </dgm:styleLbl>
+  <dgm:styleLbl name="parChTrans2D4">
+    <dgm:scene3d>
+      <a:camera prst="orthographicFront"/>
+      <a:lightRig rig="threePt" dir="t"/>
+    </dgm:scene3d>
+    <dgm:sp3d/>
+    <dgm:txPr/>
+    <dgm:style>
+      <a:lnRef idx="2">
+        <a:scrgbClr r="0" g="0" b="0"/>
+      </a:lnRef>
+      <a:fillRef idx="1">
+        <a:scrgbClr r="0" g="0" b="0"/>
+      </a:fillRef>
+      <a:effectRef idx="0">
+        <a:scrgbClr r="0" g="0" b="0"/>
+      </a:effectRef>
+      <a:fontRef idx="minor">
+        <a:schemeClr val="lt1"/>
+      </a:fontRef>
+    </dgm:style>
+  </dgm:styleLbl>
+  <dgm:styleLbl name="parChTrans1D1">
+    <dgm:scene3d>
+      <a:camera prst="orthographicFront"/>
+      <a:lightRig rig="threePt" dir="t"/>
+    </dgm:scene3d>
+    <dgm:sp3d/>
+    <dgm:txPr/>
+    <dgm:style>
+      <a:lnRef idx="2">
+        <a:scrgbClr r="0" g="0" b="0"/>
+      </a:lnRef>
+      <a:fillRef idx="0">
+        <a:scrgbClr r="0" g="0" b="0"/>
+      </a:fillRef>
+      <a:effectRef idx="0">
+        <a:scrgbClr r="0" g="0" b="0"/>
+      </a:effectRef>
+      <a:fontRef idx="minor"/>
+    </dgm:style>
+  </dgm:styleLbl>
+  <dgm:styleLbl name="parChTrans1D2">
+    <dgm:scene3d>
+      <a:camera prst="orthographicFront"/>
+      <a:lightRig rig="threePt" dir="t"/>
+    </dgm:scene3d>
+    <dgm:sp3d/>
+    <dgm:txPr/>
+    <dgm:style>
+      <a:lnRef idx="2">
+        <a:scrgbClr r="0" g="0" b="0"/>
+      </a:lnRef>
+      <a:fillRef idx="0">
+        <a:scrgbClr r="0" g="0" b="0"/>
+      </a:fillRef>
+      <a:effectRef idx="0">
+        <a:scrgbClr r="0" g="0" b="0"/>
+      </a:effectRef>
+      <a:fontRef idx="minor"/>
+    </dgm:style>
+  </dgm:styleLbl>
+  <dgm:styleLbl name="parChTrans1D3">
+    <dgm:scene3d>
+      <a:camera prst="orthographicFront"/>
+      <a:lightRig rig="threePt" dir="t"/>
+    </dgm:scene3d>
+    <dgm:sp3d/>
+    <dgm:txPr/>
+    <dgm:style>
+      <a:lnRef idx="2">
+        <a:scrgbClr r="0" g="0" b="0"/>
+      </a:lnRef>
+      <a:fillRef idx="0">
+        <a:scrgbClr r="0" g="0" b="0"/>
+      </a:fillRef>
+      <a:effectRef idx="0">
+        <a:scrgbClr r="0" g="0" b="0"/>
+      </a:effectRef>
+      <a:fontRef idx="minor"/>
+    </dgm:style>
+  </dgm:styleLbl>
+  <dgm:styleLbl name="parChTrans1D4">
+    <dgm:scene3d>
+      <a:camera prst="orthographicFront"/>
+      <a:lightRig rig="threePt" dir="t"/>
+    </dgm:scene3d>
+    <dgm:sp3d/>
+    <dgm:txPr/>
+    <dgm:style>
+      <a:lnRef idx="2">
+        <a:scrgbClr r="0" g="0" b="0"/>
+      </a:lnRef>
+      <a:fillRef idx="0">
+        <a:scrgbClr r="0" g="0" b="0"/>
+      </a:fillRef>
+      <a:effectRef idx="0">
+        <a:scrgbClr r="0" g="0" b="0"/>
+      </a:effectRef>
+      <a:fontRef idx="minor"/>
+    </dgm:style>
+  </dgm:styleLbl>
+  <dgm:styleLbl name="fgAcc1">
+    <dgm:scene3d>
+      <a:camera prst="orthographicFront"/>
+      <a:lightRig rig="threePt" dir="t"/>
+    </dgm:scene3d>
+    <dgm:sp3d/>
+    <dgm:txPr/>
+    <dgm:style>
+      <a:lnRef idx="2">
+        <a:scrgbClr r="0" g="0" b="0"/>
+      </a:lnRef>
+      <a:fillRef idx="1">
+        <a:scrgbClr r="0" g="0" b="0"/>
+      </a:fillRef>
+      <a:effectRef idx="0">
+        <a:scrgbClr r="0" g="0" b="0"/>
+      </a:effectRef>
+      <a:fontRef idx="minor"/>
+    </dgm:style>
+  </dgm:styleLbl>
+  <dgm:styleLbl name="conFgAcc1">
+    <dgm:scene3d>
+      <a:camera prst="orthographicFront"/>
+      <a:lightRig rig="threePt" dir="t"/>
+    </dgm:scene3d>
+    <dgm:sp3d/>
+    <dgm:txPr/>
+    <dgm:style>
+      <a:lnRef idx="2">
+        <a:scrgbClr r="0" g="0" b="0"/>
+      </a:lnRef>
+      <a:fillRef idx="1">
+        <a:scrgbClr r="0" g="0" b="0"/>
+      </a:fillRef>
+      <a:effectRef idx="0">
+        <a:scrgbClr r="0" g="0" b="0"/>
+      </a:effectRef>
+      <a:fontRef idx="minor"/>
+    </dgm:style>
+  </dgm:styleLbl>
+  <dgm:styleLbl name="alignAcc1">
+    <dgm:scene3d>
+      <a:camera prst="orthographicFront"/>
+      <a:lightRig rig="threePt" dir="t"/>
+    </dgm:scene3d>
+    <dgm:sp3d/>
+    <dgm:txPr/>
+    <dgm:style>
+      <a:lnRef idx="2">
+        <a:scrgbClr r="0" g="0" b="0"/>
+      </a:lnRef>
+      <a:fillRef idx="1">
+        <a:scrgbClr r="0" g="0" b="0"/>
+      </a:fillRef>
+      <a:effectRef idx="0">
+        <a:scrgbClr r="0" g="0" b="0"/>
+      </a:effectRef>
+      <a:fontRef idx="minor"/>
+    </dgm:style>
+  </dgm:styleLbl>
+  <dgm:styleLbl name="trAlignAcc1">
+    <dgm:scene3d>
+      <a:camera prst="orthographicFront"/>
+      <a:lightRig rig="threePt" dir="t"/>
+    </dgm:scene3d>
+    <dgm:sp3d/>
+    <dgm:txPr/>
+    <dgm:style>
+      <a:lnRef idx="1">
+        <a:scrgbClr r="0" g="0" b="0"/>
+      </a:lnRef>
+      <a:fillRef idx="1">
+        <a:scrgbClr r="0" g="0" b="0"/>
+      </a:fillRef>
+      <a:effectRef idx="0">
+        <a:scrgbClr r="0" g="0" b="0"/>
+      </a:effectRef>
+      <a:fontRef idx="minor"/>
+    </dgm:style>
+  </dgm:styleLbl>
+  <dgm:styleLbl name="bgAcc1">
+    <dgm:scene3d>
+      <a:camera prst="orthographicFront"/>
+      <a:lightRig rig="threePt" dir="t"/>
+    </dgm:scene3d>
+    <dgm:sp3d/>
+    <dgm:txPr/>
+    <dgm:style>
+      <a:lnRef idx="2">
+        <a:scrgbClr r="0" g="0" b="0"/>
+      </a:lnRef>
+      <a:fillRef idx="1">
+        <a:scrgbClr r="0" g="0" b="0"/>
+      </a:fillRef>
+      <a:effectRef idx="0">
+        <a:scrgbClr r="0" g="0" b="0"/>
+      </a:effectRef>
+      <a:fontRef idx="minor"/>
+    </dgm:style>
+  </dgm:styleLbl>
+  <dgm:styleLbl name="solidFgAcc1">
+    <dgm:scene3d>
+      <a:camera prst="orthographicFront"/>
+      <a:lightRig rig="threePt" dir="t"/>
+    </dgm:scene3d>
+    <dgm:sp3d/>
+    <dgm:txPr/>
+    <dgm:style>
+      <a:lnRef idx="2">
+        <a:scrgbClr r="0" g="0" b="0"/>
+      </a:lnRef>
+      <a:fillRef idx="1">
+        <a:scrgbClr r="0" g="0" b="0"/>
+      </a:fillRef>
+      <a:effectRef idx="0">
+        <a:scrgbClr r="0" g="0" b="0"/>
+      </a:effectRef>
+      <a:fontRef idx="minor"/>
+    </dgm:style>
+  </dgm:styleLbl>
+  <dgm:styleLbl name="solidAlignAcc1">
+    <dgm:scene3d>
+      <a:camera prst="orthographicFront"/>
+      <a:lightRig rig="threePt" dir="t"/>
+    </dgm:scene3d>
+    <dgm:sp3d/>
+    <dgm:txPr/>
+    <dgm:style>
+      <a:lnRef idx="2">
+        <a:scrgbClr r="0" g="0" b="0"/>
+      </a:lnRef>
+      <a:fillRef idx="1">
+        <a:scrgbClr r="0" g="0" b="0"/>
+      </a:fillRef>
+      <a:effectRef idx="0">
+        <a:scrgbClr r="0" g="0" b="0"/>
+      </a:effectRef>
+      <a:fontRef idx="minor"/>
+    </dgm:style>
+  </dgm:styleLbl>
+  <dgm:styleLbl name="solidBgAcc1">
+    <dgm:scene3d>
+      <a:camera prst="orthographicFront"/>
+      <a:lightRig rig="threePt" dir="t"/>
+    </dgm:scene3d>
+    <dgm:sp3d/>
+    <dgm:txPr/>
+    <dgm:style>
+      <a:lnRef idx="2">
+        <a:scrgbClr r="0" g="0" b="0"/>
+      </a:lnRef>
+      <a:fillRef idx="1">
+        <a:scrgbClr r="0" g="0" b="0"/>
+      </a:fillRef>
+      <a:effectRef idx="0">
+        <a:scrgbClr r="0" g="0" b="0"/>
+      </a:effectRef>
+      <a:fontRef idx="minor"/>
+    </dgm:style>
+  </dgm:styleLbl>
+  <dgm:styleLbl name="fgAccFollowNode1">
+    <dgm:scene3d>
+      <a:camera prst="orthographicFront"/>
+      <a:lightRig rig="threePt" dir="t"/>
+    </dgm:scene3d>
+    <dgm:sp3d/>
+    <dgm:txPr/>
+    <dgm:style>
+      <a:lnRef idx="2">
+        <a:scrgbClr r="0" g="0" b="0"/>
+      </a:lnRef>
+      <a:fillRef idx="1">
+        <a:scrgbClr r="0" g="0" b="0"/>
+      </a:fillRef>
+      <a:effectRef idx="0">
+        <a:scrgbClr r="0" g="0" b="0"/>
+      </a:effectRef>
+      <a:fontRef idx="minor"/>
+    </dgm:style>
+  </dgm:styleLbl>
+  <dgm:styleLbl name="alignAccFollowNode1">
+    <dgm:scene3d>
+      <a:camera prst="orthographicFront"/>
+      <a:lightRig rig="threePt" dir="t"/>
+    </dgm:scene3d>
+    <dgm:sp3d/>
+    <dgm:txPr/>
+    <dgm:style>
+      <a:lnRef idx="2">
+        <a:scrgbClr r="0" g="0" b="0"/>
+      </a:lnRef>
+      <a:fillRef idx="1">
+        <a:scrgbClr r="0" g="0" b="0"/>
+      </a:fillRef>
+      <a:effectRef idx="0">
+        <a:scrgbClr r="0" g="0" b="0"/>
+      </a:effectRef>
+      <a:fontRef idx="minor"/>
+    </dgm:style>
+  </dgm:styleLbl>
+  <dgm:styleLbl name="bgAccFollowNode1">
+    <dgm:scene3d>
+      <a:camera prst="orthographicFront"/>
+      <a:lightRig rig="threePt" dir="t"/>
+    </dgm:scene3d>
+    <dgm:sp3d/>
+    <dgm:txPr/>
+    <dgm:style>
+      <a:lnRef idx="2">
+        <a:scrgbClr r="0" g="0" b="0"/>
+      </a:lnRef>
+      <a:fillRef idx="1">
+        <a:scrgbClr r="0" g="0" b="0"/>
+      </a:fillRef>
+      <a:effectRef idx="0">
+        <a:scrgbClr r="0" g="0" b="0"/>
+      </a:effectRef>
+      <a:fontRef idx="minor"/>
+    </dgm:style>
+  </dgm:styleLbl>
+  <dgm:styleLbl name="fgAcc0">
+    <dgm:scene3d>
+      <a:camera prst="orthographicFront"/>
+      <a:lightRig rig="threePt" dir="t"/>
+    </dgm:scene3d>
+    <dgm:sp3d/>
+    <dgm:txPr/>
+    <dgm:style>
+      <a:lnRef idx="2">
+        <a:scrgbClr r="0" g="0" b="0"/>
+      </a:lnRef>
+      <a:fillRef idx="1">
+        <a:scrgbClr r="0" g="0" b="0"/>
+      </a:fillRef>
+      <a:effectRef idx="0">
+        <a:scrgbClr r="0" g="0" b="0"/>
+      </a:effectRef>
+      <a:fontRef idx="minor"/>
+    </dgm:style>
+  </dgm:styleLbl>
+  <dgm:styleLbl name="fgAcc2">
+    <dgm:scene3d>
+      <a:camera prst="orthographicFront"/>
+      <a:lightRig rig="threePt" dir="t"/>
+    </dgm:scene3d>
+    <dgm:sp3d/>
+    <dgm:txPr/>
+    <dgm:style>
+      <a:lnRef idx="2">
+        <a:scrgbClr r="0" g="0" b="0"/>
+      </a:lnRef>
+      <a:fillRef idx="1">
+        <a:scrgbClr r="0" g="0" b="0"/>
+      </a:fillRef>
+      <a:effectRef idx="0">
+        <a:scrgbClr r="0" g="0" b="0"/>
+      </a:effectRef>
+      <a:fontRef idx="minor"/>
+    </dgm:style>
+  </dgm:styleLbl>
+  <dgm:styleLbl name="fgAcc3">
+    <dgm:scene3d>
+      <a:camera prst="orthographicFront"/>
+      <a:lightRig rig="threePt" dir="t"/>
+    </dgm:scene3d>
+    <dgm:sp3d/>
+    <dgm:txPr/>
+    <dgm:style>
+      <a:lnRef idx="2">
+        <a:scrgbClr r="0" g="0" b="0"/>
+      </a:lnRef>
+      <a:fillRef idx="1">
+        <a:scrgbClr r="0" g="0" b="0"/>
+      </a:fillRef>
+      <a:effectRef idx="0">
+        <a:scrgbClr r="0" g="0" b="0"/>
+      </a:effectRef>
+      <a:fontRef idx="minor"/>
+    </dgm:style>
+  </dgm:styleLbl>
+  <dgm:styleLbl name="fgAcc4">
+    <dgm:scene3d>
+      <a:camera prst="orthographicFront"/>
+      <a:lightRig rig="threePt" dir="t"/>
+    </dgm:scene3d>
+    <dgm:sp3d/>
+    <dgm:txPr/>
+    <dgm:style>
+      <a:lnRef idx="2">
+        <a:scrgbClr r="0" g="0" b="0"/>
+      </a:lnRef>
+      <a:fillRef idx="1">
+        <a:scrgbClr r="0" g="0" b="0"/>
+      </a:fillRef>
+      <a:effectRef idx="0">
+        <a:scrgbClr r="0" g="0" b="0"/>
+      </a:effectRef>
+      <a:fontRef idx="minor"/>
+    </dgm:style>
+  </dgm:styleLbl>
+  <dgm:styleLbl name="bgShp">
+    <dgm:scene3d>
+      <a:camera prst="orthographicFront"/>
+      <a:lightRig rig="threePt" dir="t"/>
+    </dgm:scene3d>
+    <dgm:sp3d/>
+    <dgm:txPr/>
+    <dgm:style>
+      <a:lnRef idx="0">
+        <a:scrgbClr r="0" g="0" b="0"/>
+      </a:lnRef>
+      <a:fillRef idx="1">
+        <a:scrgbClr r="0" g="0" b="0"/>
+      </a:fillRef>
+      <a:effectRef idx="0">
+        <a:scrgbClr r="0" g="0" b="0"/>
+      </a:effectRef>
+      <a:fontRef idx="minor"/>
+    </dgm:style>
+  </dgm:styleLbl>
+  <dgm:styleLbl name="dkBgShp">
+    <dgm:scene3d>
+      <a:camera prst="orthographicFront"/>
+      <a:lightRig rig="threePt" dir="t"/>
+    </dgm:scene3d>
+    <dgm:sp3d/>
+    <dgm:txPr/>
+    <dgm:style>
+      <a:lnRef idx="0">
+        <a:scrgbClr r="0" g="0" b="0"/>
+      </a:lnRef>
+      <a:fillRef idx="1">
+        <a:scrgbClr r="0" g="0" b="0"/>
+      </a:fillRef>
+      <a:effectRef idx="0">
+        <a:scrgbClr r="0" g="0" b="0"/>
+      </a:effectRef>
+      <a:fontRef idx="minor"/>
+    </dgm:style>
+  </dgm:styleLbl>
+  <dgm:styleLbl name="trBgShp">
+    <dgm:scene3d>
+      <a:camera prst="orthographicFront"/>
+      <a:lightRig rig="threePt" dir="t"/>
+    </dgm:scene3d>
+    <dgm:sp3d/>
+    <dgm:txPr/>
+    <dgm:style>
+      <a:lnRef idx="0">
+        <a:scrgbClr r="0" g="0" b="0"/>
+      </a:lnRef>
+      <a:fillRef idx="1">
+        <a:scrgbClr r="0" g="0" b="0"/>
+      </a:fillRef>
+      <a:effectRef idx="0">
+        <a:scrgbClr r="0" g="0" b="0"/>
+      </a:effectRef>
+      <a:fontRef idx="minor"/>
+    </dgm:style>
+  </dgm:styleLbl>
+  <dgm:styleLbl name="fgShp">
+    <dgm:scene3d>
+      <a:camera prst="orthographicFront"/>
+      <a:lightRig rig="threePt" dir="t"/>
+    </dgm:scene3d>
+    <dgm:sp3d/>
+    <dgm:txPr/>
+    <dgm:style>
+      <a:lnRef idx="2">
+        <a:scrgbClr r="0" g="0" b="0"/>
+      </a:lnRef>
+      <a:fillRef idx="1">
+        <a:scrgbClr r="0" g="0" b="0"/>
+      </a:fillRef>
+      <a:effectRef idx="0">
+        <a:scrgbClr r="0" g="0" b="0"/>
+      </a:effectRef>
+      <a:fontRef idx="minor"/>
+    </dgm:style>
+  </dgm:styleLbl>
+  <dgm:styleLbl name="revTx">
+    <dgm:scene3d>
+      <a:camera prst="orthographicFront"/>
+      <a:lightRig rig="threePt" dir="t"/>
+    </dgm:scene3d>
+    <dgm:sp3d/>
+    <dgm:txPr/>
+    <dgm:style>
+      <a:lnRef idx="0">
+        <a:scrgbClr r="0" g="0" b="0"/>
+      </a:lnRef>
+      <a:fillRef idx="0">
+        <a:scrgbClr r="0" g="0" b="0"/>
+      </a:fillRef>
+      <a:effectRef idx="0">
+        <a:scrgbClr r="0" g="0" b="0"/>
+      </a:effectRef>
+      <a:fontRef idx="minor"/>
+    </dgm:style>
+  </dgm:styleLbl>
+</dgm:styleDef>
 </file>
 
 <file path=ppt/notesMasters/notesMaster1.xml><?xml version="1.0" encoding="utf-8"?>
@@ -5550,61 +9683,26 @@
           </a:p>
         </p:txBody>
       </p:sp>
-      <p:sp>
-        <p:nvSpPr>
-          <p:cNvPr id="3" name="Inhaltsplatzhalter 2"/>
-          <p:cNvSpPr>
-            <a:spLocks noGrp="1"/>
-          </p:cNvSpPr>
+      <p:graphicFrame>
+        <p:nvGraphicFramePr>
+          <p:cNvPr id="13" name="Inhaltsplatzhalter 12"/>
+          <p:cNvGraphicFramePr>
+            <a:graphicFrameLocks noGrp="1"/>
+          </p:cNvGraphicFramePr>
           <p:nvPr>
             <p:ph sz="quarter" idx="1"/>
           </p:nvPr>
-        </p:nvSpPr>
-        <p:spPr/>
-        <p:txBody>
-          <a:bodyPr/>
-          <a:lstStyle/>
-          <a:p>
-            <a:r>
-              <a:rPr lang="de-DE" dirty="0" smtClean="0"/>
-              <a:t>Einleitung</a:t>
-            </a:r>
-            <a:endParaRPr lang="de-DE" dirty="0" smtClean="0"/>
-          </a:p>
-          <a:p>
-            <a:r>
-              <a:rPr lang="de-DE" dirty="0" smtClean="0"/>
-              <a:t>Vorbereitung</a:t>
-            </a:r>
-            <a:endParaRPr lang="de-DE" dirty="0" smtClean="0"/>
-          </a:p>
-          <a:p>
-            <a:r>
-              <a:rPr lang="de-DE" dirty="0" smtClean="0"/>
-              <a:t>Analyse</a:t>
-            </a:r>
-          </a:p>
-          <a:p>
-            <a:r>
-              <a:rPr lang="de-DE" dirty="0" smtClean="0"/>
-              <a:t>Entwurf</a:t>
-            </a:r>
-          </a:p>
-          <a:p>
-            <a:r>
-              <a:rPr lang="de-DE" dirty="0" smtClean="0"/>
-              <a:t>Umsetzung</a:t>
-            </a:r>
-          </a:p>
-          <a:p>
-            <a:r>
-              <a:rPr lang="de-DE" dirty="0" smtClean="0"/>
-              <a:t>Nachbetrachtung</a:t>
-            </a:r>
-            <a:endParaRPr lang="de-DE" dirty="0"/>
-          </a:p>
-        </p:txBody>
-      </p:sp>
+        </p:nvGraphicFramePr>
+        <p:xfrm>
+          <a:off x="612648" y="1600200"/>
+          <a:ext cx="8153400" cy="4495800"/>
+        </p:xfrm>
+        <a:graphic>
+          <a:graphicData uri="http://schemas.openxmlformats.org/drawingml/2006/diagram">
+            <dgm:relIds xmlns:dgm="http://schemas.openxmlformats.org/drawingml/2006/diagram" xmlns:r="http://schemas.openxmlformats.org/officeDocument/2006/relationships" r:dm="rId2" r:lo="rId3" r:qs="rId4" r:cs="rId5"/>
+          </a:graphicData>
+        </a:graphic>
+      </p:graphicFrame>
     </p:spTree>
   </p:cSld>
   <p:clrMapOvr>
@@ -5875,8 +9973,13 @@
           <a:p>
             <a:r>
               <a:rPr lang="de-DE" dirty="0" smtClean="0"/>
-              <a:t>Teilprojekt : Serversoftware</a:t>
-            </a:r>
+              <a:t>Teilprojekt : </a:t>
+            </a:r>
+            <a:r>
+              <a:rPr lang="de-DE" smtClean="0"/>
+              <a:t>Serversoftware entwickeln</a:t>
+            </a:r>
+            <a:endParaRPr lang="de-DE" dirty="0" smtClean="0"/>
           </a:p>
           <a:p>
             <a:r>

--- a/praesentation/Projektpräsentation.pptx
+++ b/praesentation/Projektpräsentation.pptx
@@ -873,11 +873,758 @@
 </dgm:colorsDef>
 </file>
 
+<file path=ppt/diagrams/colors2.xml><?xml version="1.0" encoding="utf-8"?>
+<dgm:colorsDef xmlns:dgm="http://schemas.openxmlformats.org/drawingml/2006/diagram" xmlns:a="http://schemas.openxmlformats.org/drawingml/2006/main" uniqueId="urn:microsoft.com/office/officeart/2005/8/colors/accent1_2">
+  <dgm:title val=""/>
+  <dgm:desc val=""/>
+  <dgm:catLst>
+    <dgm:cat type="accent1" pri="11200"/>
+  </dgm:catLst>
+  <dgm:styleLbl name="node0">
+    <dgm:fillClrLst meth="repeat">
+      <a:schemeClr val="accent1"/>
+    </dgm:fillClrLst>
+    <dgm:linClrLst meth="repeat">
+      <a:schemeClr val="lt1"/>
+    </dgm:linClrLst>
+    <dgm:effectClrLst/>
+    <dgm:txLinClrLst/>
+    <dgm:txFillClrLst/>
+    <dgm:txEffectClrLst/>
+  </dgm:styleLbl>
+  <dgm:styleLbl name="alignNode1">
+    <dgm:fillClrLst meth="repeat">
+      <a:schemeClr val="accent1"/>
+    </dgm:fillClrLst>
+    <dgm:linClrLst meth="repeat">
+      <a:schemeClr val="accent1"/>
+    </dgm:linClrLst>
+    <dgm:effectClrLst/>
+    <dgm:txLinClrLst/>
+    <dgm:txFillClrLst/>
+    <dgm:txEffectClrLst/>
+  </dgm:styleLbl>
+  <dgm:styleLbl name="node1">
+    <dgm:fillClrLst meth="repeat">
+      <a:schemeClr val="accent1"/>
+    </dgm:fillClrLst>
+    <dgm:linClrLst meth="repeat">
+      <a:schemeClr val="lt1"/>
+    </dgm:linClrLst>
+    <dgm:effectClrLst/>
+    <dgm:txLinClrLst/>
+    <dgm:txFillClrLst/>
+    <dgm:txEffectClrLst/>
+  </dgm:styleLbl>
+  <dgm:styleLbl name="lnNode1">
+    <dgm:fillClrLst meth="repeat">
+      <a:schemeClr val="accent1"/>
+    </dgm:fillClrLst>
+    <dgm:linClrLst meth="repeat">
+      <a:schemeClr val="lt1"/>
+    </dgm:linClrLst>
+    <dgm:effectClrLst/>
+    <dgm:txLinClrLst/>
+    <dgm:txFillClrLst/>
+    <dgm:txEffectClrLst/>
+  </dgm:styleLbl>
+  <dgm:styleLbl name="vennNode1">
+    <dgm:fillClrLst meth="repeat">
+      <a:schemeClr val="accent1">
+        <a:alpha val="50000"/>
+      </a:schemeClr>
+    </dgm:fillClrLst>
+    <dgm:linClrLst meth="repeat">
+      <a:schemeClr val="lt1"/>
+    </dgm:linClrLst>
+    <dgm:effectClrLst/>
+    <dgm:txLinClrLst/>
+    <dgm:txFillClrLst/>
+    <dgm:txEffectClrLst/>
+  </dgm:styleLbl>
+  <dgm:styleLbl name="node2">
+    <dgm:fillClrLst meth="repeat">
+      <a:schemeClr val="accent1"/>
+    </dgm:fillClrLst>
+    <dgm:linClrLst meth="repeat">
+      <a:schemeClr val="lt1"/>
+    </dgm:linClrLst>
+    <dgm:effectClrLst/>
+    <dgm:txLinClrLst/>
+    <dgm:txFillClrLst/>
+    <dgm:txEffectClrLst/>
+  </dgm:styleLbl>
+  <dgm:styleLbl name="node3">
+    <dgm:fillClrLst meth="repeat">
+      <a:schemeClr val="accent1"/>
+    </dgm:fillClrLst>
+    <dgm:linClrLst meth="repeat">
+      <a:schemeClr val="lt1"/>
+    </dgm:linClrLst>
+    <dgm:effectClrLst/>
+    <dgm:txLinClrLst/>
+    <dgm:txFillClrLst/>
+    <dgm:txEffectClrLst/>
+  </dgm:styleLbl>
+  <dgm:styleLbl name="node4">
+    <dgm:fillClrLst meth="repeat">
+      <a:schemeClr val="accent1"/>
+    </dgm:fillClrLst>
+    <dgm:linClrLst meth="repeat">
+      <a:schemeClr val="lt1"/>
+    </dgm:linClrLst>
+    <dgm:effectClrLst/>
+    <dgm:txLinClrLst/>
+    <dgm:txFillClrLst/>
+    <dgm:txEffectClrLst/>
+  </dgm:styleLbl>
+  <dgm:styleLbl name="fgImgPlace1">
+    <dgm:fillClrLst meth="repeat">
+      <a:schemeClr val="accent1">
+        <a:tint val="50000"/>
+      </a:schemeClr>
+    </dgm:fillClrLst>
+    <dgm:linClrLst meth="repeat">
+      <a:schemeClr val="lt1"/>
+    </dgm:linClrLst>
+    <dgm:effectClrLst/>
+    <dgm:txLinClrLst/>
+    <dgm:txFillClrLst meth="repeat">
+      <a:schemeClr val="lt1"/>
+    </dgm:txFillClrLst>
+    <dgm:txEffectClrLst/>
+  </dgm:styleLbl>
+  <dgm:styleLbl name="alignImgPlace1">
+    <dgm:fillClrLst meth="repeat">
+      <a:schemeClr val="accent1">
+        <a:tint val="50000"/>
+      </a:schemeClr>
+    </dgm:fillClrLst>
+    <dgm:linClrLst meth="repeat">
+      <a:schemeClr val="lt1"/>
+    </dgm:linClrLst>
+    <dgm:effectClrLst/>
+    <dgm:txLinClrLst/>
+    <dgm:txFillClrLst meth="repeat">
+      <a:schemeClr val="lt1"/>
+    </dgm:txFillClrLst>
+    <dgm:txEffectClrLst/>
+  </dgm:styleLbl>
+  <dgm:styleLbl name="bgImgPlace1">
+    <dgm:fillClrLst meth="repeat">
+      <a:schemeClr val="accent1">
+        <a:tint val="50000"/>
+      </a:schemeClr>
+    </dgm:fillClrLst>
+    <dgm:linClrLst meth="repeat">
+      <a:schemeClr val="lt1"/>
+    </dgm:linClrLst>
+    <dgm:effectClrLst/>
+    <dgm:txLinClrLst/>
+    <dgm:txFillClrLst meth="repeat">
+      <a:schemeClr val="lt1"/>
+    </dgm:txFillClrLst>
+    <dgm:txEffectClrLst/>
+  </dgm:styleLbl>
+  <dgm:styleLbl name="sibTrans2D1">
+    <dgm:fillClrLst meth="repeat">
+      <a:schemeClr val="accent1">
+        <a:tint val="60000"/>
+      </a:schemeClr>
+    </dgm:fillClrLst>
+    <dgm:linClrLst meth="repeat">
+      <a:schemeClr val="accent1">
+        <a:tint val="60000"/>
+      </a:schemeClr>
+    </dgm:linClrLst>
+    <dgm:effectClrLst/>
+    <dgm:txLinClrLst/>
+    <dgm:txFillClrLst/>
+    <dgm:txEffectClrLst/>
+  </dgm:styleLbl>
+  <dgm:styleLbl name="fgSibTrans2D1">
+    <dgm:fillClrLst meth="repeat">
+      <a:schemeClr val="accent1">
+        <a:tint val="60000"/>
+      </a:schemeClr>
+    </dgm:fillClrLst>
+    <dgm:linClrLst meth="repeat">
+      <a:schemeClr val="accent1">
+        <a:tint val="60000"/>
+      </a:schemeClr>
+    </dgm:linClrLst>
+    <dgm:effectClrLst/>
+    <dgm:txLinClrLst/>
+    <dgm:txFillClrLst/>
+    <dgm:txEffectClrLst/>
+  </dgm:styleLbl>
+  <dgm:styleLbl name="bgSibTrans2D1">
+    <dgm:fillClrLst meth="repeat">
+      <a:schemeClr val="accent1">
+        <a:tint val="60000"/>
+      </a:schemeClr>
+    </dgm:fillClrLst>
+    <dgm:linClrLst meth="repeat">
+      <a:schemeClr val="accent1">
+        <a:tint val="60000"/>
+      </a:schemeClr>
+    </dgm:linClrLst>
+    <dgm:effectClrLst/>
+    <dgm:txLinClrLst/>
+    <dgm:txFillClrLst/>
+    <dgm:txEffectClrLst/>
+  </dgm:styleLbl>
+  <dgm:styleLbl name="sibTrans1D1">
+    <dgm:fillClrLst meth="repeat">
+      <a:schemeClr val="accent1"/>
+    </dgm:fillClrLst>
+    <dgm:linClrLst meth="repeat">
+      <a:schemeClr val="accent1"/>
+    </dgm:linClrLst>
+    <dgm:effectClrLst/>
+    <dgm:txLinClrLst/>
+    <dgm:txFillClrLst meth="repeat">
+      <a:schemeClr val="tx1"/>
+    </dgm:txFillClrLst>
+    <dgm:txEffectClrLst/>
+  </dgm:styleLbl>
+  <dgm:styleLbl name="callout">
+    <dgm:fillClrLst meth="repeat">
+      <a:schemeClr val="accent1"/>
+    </dgm:fillClrLst>
+    <dgm:linClrLst meth="repeat">
+      <a:schemeClr val="accent1">
+        <a:tint val="50000"/>
+      </a:schemeClr>
+    </dgm:linClrLst>
+    <dgm:effectClrLst/>
+    <dgm:txLinClrLst/>
+    <dgm:txFillClrLst meth="repeat">
+      <a:schemeClr val="tx1"/>
+    </dgm:txFillClrLst>
+    <dgm:txEffectClrLst/>
+  </dgm:styleLbl>
+  <dgm:styleLbl name="asst0">
+    <dgm:fillClrLst meth="repeat">
+      <a:schemeClr val="accent1"/>
+    </dgm:fillClrLst>
+    <dgm:linClrLst meth="repeat">
+      <a:schemeClr val="lt1"/>
+    </dgm:linClrLst>
+    <dgm:effectClrLst/>
+    <dgm:txLinClrLst/>
+    <dgm:txFillClrLst/>
+    <dgm:txEffectClrLst/>
+  </dgm:styleLbl>
+  <dgm:styleLbl name="asst1">
+    <dgm:fillClrLst meth="repeat">
+      <a:schemeClr val="accent1"/>
+    </dgm:fillClrLst>
+    <dgm:linClrLst meth="repeat">
+      <a:schemeClr val="lt1"/>
+    </dgm:linClrLst>
+    <dgm:effectClrLst/>
+    <dgm:txLinClrLst/>
+    <dgm:txFillClrLst/>
+    <dgm:txEffectClrLst/>
+  </dgm:styleLbl>
+  <dgm:styleLbl name="asst2">
+    <dgm:fillClrLst meth="repeat">
+      <a:schemeClr val="accent1"/>
+    </dgm:fillClrLst>
+    <dgm:linClrLst meth="repeat">
+      <a:schemeClr val="lt1"/>
+    </dgm:linClrLst>
+    <dgm:effectClrLst/>
+    <dgm:txLinClrLst/>
+    <dgm:txFillClrLst/>
+    <dgm:txEffectClrLst/>
+  </dgm:styleLbl>
+  <dgm:styleLbl name="asst3">
+    <dgm:fillClrLst meth="repeat">
+      <a:schemeClr val="accent1"/>
+    </dgm:fillClrLst>
+    <dgm:linClrLst meth="repeat">
+      <a:schemeClr val="lt1"/>
+    </dgm:linClrLst>
+    <dgm:effectClrLst/>
+    <dgm:txLinClrLst/>
+    <dgm:txFillClrLst/>
+    <dgm:txEffectClrLst/>
+  </dgm:styleLbl>
+  <dgm:styleLbl name="asst4">
+    <dgm:fillClrLst meth="repeat">
+      <a:schemeClr val="accent1"/>
+    </dgm:fillClrLst>
+    <dgm:linClrLst meth="repeat">
+      <a:schemeClr val="lt1"/>
+    </dgm:linClrLst>
+    <dgm:effectClrLst/>
+    <dgm:txLinClrLst/>
+    <dgm:txFillClrLst/>
+    <dgm:txEffectClrLst/>
+  </dgm:styleLbl>
+  <dgm:styleLbl name="parChTrans2D1">
+    <dgm:fillClrLst meth="repeat">
+      <a:schemeClr val="accent1">
+        <a:tint val="60000"/>
+      </a:schemeClr>
+    </dgm:fillClrLst>
+    <dgm:linClrLst meth="repeat">
+      <a:schemeClr val="accent1">
+        <a:tint val="60000"/>
+      </a:schemeClr>
+    </dgm:linClrLst>
+    <dgm:effectClrLst/>
+    <dgm:txLinClrLst/>
+    <dgm:txFillClrLst meth="repeat">
+      <a:schemeClr val="lt1"/>
+    </dgm:txFillClrLst>
+    <dgm:txEffectClrLst/>
+  </dgm:styleLbl>
+  <dgm:styleLbl name="parChTrans2D2">
+    <dgm:fillClrLst meth="repeat">
+      <a:schemeClr val="accent1"/>
+    </dgm:fillClrLst>
+    <dgm:linClrLst meth="repeat">
+      <a:schemeClr val="accent1"/>
+    </dgm:linClrLst>
+    <dgm:effectClrLst/>
+    <dgm:txLinClrLst/>
+    <dgm:txFillClrLst meth="repeat">
+      <a:schemeClr val="lt1"/>
+    </dgm:txFillClrLst>
+    <dgm:txEffectClrLst/>
+  </dgm:styleLbl>
+  <dgm:styleLbl name="parChTrans2D3">
+    <dgm:fillClrLst meth="repeat">
+      <a:schemeClr val="accent1"/>
+    </dgm:fillClrLst>
+    <dgm:linClrLst meth="repeat">
+      <a:schemeClr val="accent1"/>
+    </dgm:linClrLst>
+    <dgm:effectClrLst/>
+    <dgm:txLinClrLst/>
+    <dgm:txFillClrLst meth="repeat">
+      <a:schemeClr val="lt1"/>
+    </dgm:txFillClrLst>
+    <dgm:txEffectClrLst/>
+  </dgm:styleLbl>
+  <dgm:styleLbl name="parChTrans2D4">
+    <dgm:fillClrLst meth="repeat">
+      <a:schemeClr val="accent1"/>
+    </dgm:fillClrLst>
+    <dgm:linClrLst meth="repeat">
+      <a:schemeClr val="accent1"/>
+    </dgm:linClrLst>
+    <dgm:effectClrLst/>
+    <dgm:txLinClrLst/>
+    <dgm:txFillClrLst meth="repeat">
+      <a:schemeClr val="lt1"/>
+    </dgm:txFillClrLst>
+    <dgm:txEffectClrLst/>
+  </dgm:styleLbl>
+  <dgm:styleLbl name="parChTrans1D1">
+    <dgm:fillClrLst meth="repeat">
+      <a:schemeClr val="accent1"/>
+    </dgm:fillClrLst>
+    <dgm:linClrLst meth="repeat">
+      <a:schemeClr val="accent1">
+        <a:shade val="60000"/>
+      </a:schemeClr>
+    </dgm:linClrLst>
+    <dgm:effectClrLst/>
+    <dgm:txLinClrLst/>
+    <dgm:txFillClrLst meth="repeat">
+      <a:schemeClr val="tx1"/>
+    </dgm:txFillClrLst>
+    <dgm:txEffectClrLst/>
+  </dgm:styleLbl>
+  <dgm:styleLbl name="parChTrans1D2">
+    <dgm:fillClrLst meth="repeat">
+      <a:schemeClr val="accent1"/>
+    </dgm:fillClrLst>
+    <dgm:linClrLst meth="repeat">
+      <a:schemeClr val="accent1">
+        <a:shade val="60000"/>
+      </a:schemeClr>
+    </dgm:linClrLst>
+    <dgm:effectClrLst/>
+    <dgm:txLinClrLst/>
+    <dgm:txFillClrLst meth="repeat">
+      <a:schemeClr val="tx1"/>
+    </dgm:txFillClrLst>
+    <dgm:txEffectClrLst/>
+  </dgm:styleLbl>
+  <dgm:styleLbl name="parChTrans1D3">
+    <dgm:fillClrLst meth="repeat">
+      <a:schemeClr val="accent1"/>
+    </dgm:fillClrLst>
+    <dgm:linClrLst meth="repeat">
+      <a:schemeClr val="accent1">
+        <a:shade val="80000"/>
+      </a:schemeClr>
+    </dgm:linClrLst>
+    <dgm:effectClrLst/>
+    <dgm:txLinClrLst/>
+    <dgm:txFillClrLst meth="repeat">
+      <a:schemeClr val="tx1"/>
+    </dgm:txFillClrLst>
+    <dgm:txEffectClrLst/>
+  </dgm:styleLbl>
+  <dgm:styleLbl name="parChTrans1D4">
+    <dgm:fillClrLst meth="repeat">
+      <a:schemeClr val="accent1"/>
+    </dgm:fillClrLst>
+    <dgm:linClrLst meth="repeat">
+      <a:schemeClr val="accent1">
+        <a:shade val="80000"/>
+      </a:schemeClr>
+    </dgm:linClrLst>
+    <dgm:effectClrLst/>
+    <dgm:txLinClrLst/>
+    <dgm:txFillClrLst meth="repeat">
+      <a:schemeClr val="tx1"/>
+    </dgm:txFillClrLst>
+    <dgm:txEffectClrLst/>
+  </dgm:styleLbl>
+  <dgm:styleLbl name="fgAcc1">
+    <dgm:fillClrLst meth="repeat">
+      <a:schemeClr val="lt1">
+        <a:alpha val="90000"/>
+      </a:schemeClr>
+    </dgm:fillClrLst>
+    <dgm:linClrLst meth="repeat">
+      <a:schemeClr val="accent1"/>
+    </dgm:linClrLst>
+    <dgm:effectClrLst/>
+    <dgm:txLinClrLst/>
+    <dgm:txFillClrLst meth="repeat">
+      <a:schemeClr val="dk1"/>
+    </dgm:txFillClrLst>
+    <dgm:txEffectClrLst/>
+  </dgm:styleLbl>
+  <dgm:styleLbl name="conFgAcc1">
+    <dgm:fillClrLst meth="repeat">
+      <a:schemeClr val="lt1">
+        <a:alpha val="90000"/>
+      </a:schemeClr>
+    </dgm:fillClrLst>
+    <dgm:linClrLst meth="repeat">
+      <a:schemeClr val="accent1"/>
+    </dgm:linClrLst>
+    <dgm:effectClrLst/>
+    <dgm:txLinClrLst/>
+    <dgm:txFillClrLst meth="repeat">
+      <a:schemeClr val="dk1"/>
+    </dgm:txFillClrLst>
+    <dgm:txEffectClrLst/>
+  </dgm:styleLbl>
+  <dgm:styleLbl name="alignAcc1">
+    <dgm:fillClrLst meth="repeat">
+      <a:schemeClr val="lt1">
+        <a:alpha val="90000"/>
+      </a:schemeClr>
+    </dgm:fillClrLst>
+    <dgm:linClrLst meth="repeat">
+      <a:schemeClr val="accent1"/>
+    </dgm:linClrLst>
+    <dgm:effectClrLst/>
+    <dgm:txLinClrLst/>
+    <dgm:txFillClrLst meth="repeat">
+      <a:schemeClr val="dk1"/>
+    </dgm:txFillClrLst>
+    <dgm:txEffectClrLst/>
+  </dgm:styleLbl>
+  <dgm:styleLbl name="trAlignAcc1">
+    <dgm:fillClrLst meth="repeat">
+      <a:schemeClr val="lt1">
+        <a:alpha val="40000"/>
+      </a:schemeClr>
+    </dgm:fillClrLst>
+    <dgm:linClrLst meth="repeat">
+      <a:schemeClr val="accent1"/>
+    </dgm:linClrLst>
+    <dgm:effectClrLst/>
+    <dgm:txLinClrLst/>
+    <dgm:txFillClrLst meth="repeat">
+      <a:schemeClr val="dk1"/>
+    </dgm:txFillClrLst>
+    <dgm:txEffectClrLst/>
+  </dgm:styleLbl>
+  <dgm:styleLbl name="bgAcc1">
+    <dgm:fillClrLst meth="repeat">
+      <a:schemeClr val="lt1">
+        <a:alpha val="90000"/>
+      </a:schemeClr>
+    </dgm:fillClrLst>
+    <dgm:linClrLst meth="repeat">
+      <a:schemeClr val="accent1"/>
+    </dgm:linClrLst>
+    <dgm:effectClrLst/>
+    <dgm:txLinClrLst/>
+    <dgm:txFillClrLst meth="repeat">
+      <a:schemeClr val="dk1"/>
+    </dgm:txFillClrLst>
+    <dgm:txEffectClrLst/>
+  </dgm:styleLbl>
+  <dgm:styleLbl name="solidFgAcc1">
+    <dgm:fillClrLst meth="repeat">
+      <a:schemeClr val="lt1"/>
+    </dgm:fillClrLst>
+    <dgm:linClrLst meth="repeat">
+      <a:schemeClr val="accent1"/>
+    </dgm:linClrLst>
+    <dgm:effectClrLst/>
+    <dgm:txLinClrLst/>
+    <dgm:txFillClrLst meth="repeat">
+      <a:schemeClr val="dk1"/>
+    </dgm:txFillClrLst>
+    <dgm:txEffectClrLst/>
+  </dgm:styleLbl>
+  <dgm:styleLbl name="solidAlignAcc1">
+    <dgm:fillClrLst meth="repeat">
+      <a:schemeClr val="lt1"/>
+    </dgm:fillClrLst>
+    <dgm:linClrLst meth="repeat">
+      <a:schemeClr val="accent1"/>
+    </dgm:linClrLst>
+    <dgm:effectClrLst/>
+    <dgm:txLinClrLst/>
+    <dgm:txFillClrLst meth="repeat">
+      <a:schemeClr val="dk1"/>
+    </dgm:txFillClrLst>
+    <dgm:txEffectClrLst/>
+  </dgm:styleLbl>
+  <dgm:styleLbl name="solidBgAcc1">
+    <dgm:fillClrLst meth="repeat">
+      <a:schemeClr val="lt1"/>
+    </dgm:fillClrLst>
+    <dgm:linClrLst meth="repeat">
+      <a:schemeClr val="accent1"/>
+    </dgm:linClrLst>
+    <dgm:effectClrLst/>
+    <dgm:txLinClrLst/>
+    <dgm:txFillClrLst meth="repeat">
+      <a:schemeClr val="dk1"/>
+    </dgm:txFillClrLst>
+    <dgm:txEffectClrLst/>
+  </dgm:styleLbl>
+  <dgm:styleLbl name="fgAccFollowNode1">
+    <dgm:fillClrLst meth="repeat">
+      <a:schemeClr val="accent1">
+        <a:alpha val="90000"/>
+        <a:tint val="40000"/>
+      </a:schemeClr>
+    </dgm:fillClrLst>
+    <dgm:linClrLst meth="repeat">
+      <a:schemeClr val="accent1">
+        <a:alpha val="90000"/>
+        <a:tint val="40000"/>
+      </a:schemeClr>
+    </dgm:linClrLst>
+    <dgm:effectClrLst/>
+    <dgm:txLinClrLst/>
+    <dgm:txFillClrLst meth="repeat">
+      <a:schemeClr val="dk1"/>
+    </dgm:txFillClrLst>
+    <dgm:txEffectClrLst/>
+  </dgm:styleLbl>
+  <dgm:styleLbl name="alignAccFollowNode1">
+    <dgm:fillClrLst meth="repeat">
+      <a:schemeClr val="accent1">
+        <a:alpha val="90000"/>
+        <a:tint val="40000"/>
+      </a:schemeClr>
+    </dgm:fillClrLst>
+    <dgm:linClrLst meth="repeat">
+      <a:schemeClr val="accent1">
+        <a:alpha val="90000"/>
+        <a:tint val="40000"/>
+      </a:schemeClr>
+    </dgm:linClrLst>
+    <dgm:effectClrLst/>
+    <dgm:txLinClrLst/>
+    <dgm:txFillClrLst meth="repeat">
+      <a:schemeClr val="dk1"/>
+    </dgm:txFillClrLst>
+    <dgm:txEffectClrLst/>
+  </dgm:styleLbl>
+  <dgm:styleLbl name="bgAccFollowNode1">
+    <dgm:fillClrLst meth="repeat">
+      <a:schemeClr val="accent1">
+        <a:alpha val="90000"/>
+        <a:tint val="40000"/>
+      </a:schemeClr>
+    </dgm:fillClrLst>
+    <dgm:linClrLst meth="repeat">
+      <a:schemeClr val="accent1">
+        <a:alpha val="90000"/>
+        <a:tint val="40000"/>
+      </a:schemeClr>
+    </dgm:linClrLst>
+    <dgm:effectClrLst/>
+    <dgm:txLinClrLst/>
+    <dgm:txFillClrLst meth="repeat">
+      <a:schemeClr val="dk1"/>
+    </dgm:txFillClrLst>
+    <dgm:txEffectClrLst/>
+  </dgm:styleLbl>
+  <dgm:styleLbl name="fgAcc0">
+    <dgm:fillClrLst meth="repeat">
+      <a:schemeClr val="lt1">
+        <a:alpha val="90000"/>
+      </a:schemeClr>
+    </dgm:fillClrLst>
+    <dgm:linClrLst meth="repeat">
+      <a:schemeClr val="accent1"/>
+    </dgm:linClrLst>
+    <dgm:effectClrLst/>
+    <dgm:txLinClrLst/>
+    <dgm:txFillClrLst meth="repeat">
+      <a:schemeClr val="dk1"/>
+    </dgm:txFillClrLst>
+    <dgm:txEffectClrLst/>
+  </dgm:styleLbl>
+  <dgm:styleLbl name="fgAcc2">
+    <dgm:fillClrLst meth="repeat">
+      <a:schemeClr val="lt1">
+        <a:alpha val="90000"/>
+      </a:schemeClr>
+    </dgm:fillClrLst>
+    <dgm:linClrLst meth="repeat">
+      <a:schemeClr val="accent1"/>
+    </dgm:linClrLst>
+    <dgm:effectClrLst/>
+    <dgm:txLinClrLst/>
+    <dgm:txFillClrLst meth="repeat">
+      <a:schemeClr val="dk1"/>
+    </dgm:txFillClrLst>
+    <dgm:txEffectClrLst/>
+  </dgm:styleLbl>
+  <dgm:styleLbl name="fgAcc3">
+    <dgm:fillClrLst meth="repeat">
+      <a:schemeClr val="lt1">
+        <a:alpha val="90000"/>
+      </a:schemeClr>
+    </dgm:fillClrLst>
+    <dgm:linClrLst meth="repeat">
+      <a:schemeClr val="accent1"/>
+    </dgm:linClrLst>
+    <dgm:effectClrLst/>
+    <dgm:txLinClrLst/>
+    <dgm:txFillClrLst meth="repeat">
+      <a:schemeClr val="dk1"/>
+    </dgm:txFillClrLst>
+    <dgm:txEffectClrLst/>
+  </dgm:styleLbl>
+  <dgm:styleLbl name="fgAcc4">
+    <dgm:fillClrLst meth="repeat">
+      <a:schemeClr val="lt1">
+        <a:alpha val="90000"/>
+      </a:schemeClr>
+    </dgm:fillClrLst>
+    <dgm:linClrLst meth="repeat">
+      <a:schemeClr val="accent1"/>
+    </dgm:linClrLst>
+    <dgm:effectClrLst/>
+    <dgm:txLinClrLst/>
+    <dgm:txFillClrLst meth="repeat">
+      <a:schemeClr val="dk1"/>
+    </dgm:txFillClrLst>
+    <dgm:txEffectClrLst/>
+  </dgm:styleLbl>
+  <dgm:styleLbl name="bgShp">
+    <dgm:fillClrLst meth="repeat">
+      <a:schemeClr val="accent1">
+        <a:tint val="40000"/>
+      </a:schemeClr>
+    </dgm:fillClrLst>
+    <dgm:linClrLst meth="repeat">
+      <a:schemeClr val="accent1"/>
+    </dgm:linClrLst>
+    <dgm:effectClrLst/>
+    <dgm:txLinClrLst/>
+    <dgm:txFillClrLst meth="repeat">
+      <a:schemeClr val="dk1"/>
+    </dgm:txFillClrLst>
+    <dgm:txEffectClrLst/>
+  </dgm:styleLbl>
+  <dgm:styleLbl name="dkBgShp">
+    <dgm:fillClrLst meth="repeat">
+      <a:schemeClr val="accent1">
+        <a:shade val="80000"/>
+      </a:schemeClr>
+    </dgm:fillClrLst>
+    <dgm:linClrLst meth="repeat">
+      <a:schemeClr val="accent1"/>
+    </dgm:linClrLst>
+    <dgm:effectClrLst/>
+    <dgm:txLinClrLst/>
+    <dgm:txFillClrLst meth="repeat">
+      <a:schemeClr val="lt1"/>
+    </dgm:txFillClrLst>
+    <dgm:txEffectClrLst/>
+  </dgm:styleLbl>
+  <dgm:styleLbl name="trBgShp">
+    <dgm:fillClrLst meth="repeat">
+      <a:schemeClr val="accent1">
+        <a:tint val="50000"/>
+        <a:alpha val="40000"/>
+      </a:schemeClr>
+    </dgm:fillClrLst>
+    <dgm:linClrLst meth="repeat">
+      <a:schemeClr val="accent1"/>
+    </dgm:linClrLst>
+    <dgm:effectClrLst/>
+    <dgm:txLinClrLst/>
+    <dgm:txFillClrLst meth="repeat">
+      <a:schemeClr val="lt1"/>
+    </dgm:txFillClrLst>
+    <dgm:txEffectClrLst/>
+  </dgm:styleLbl>
+  <dgm:styleLbl name="fgShp">
+    <dgm:fillClrLst meth="repeat">
+      <a:schemeClr val="accent1">
+        <a:tint val="60000"/>
+      </a:schemeClr>
+    </dgm:fillClrLst>
+    <dgm:linClrLst meth="repeat">
+      <a:schemeClr val="lt1"/>
+    </dgm:linClrLst>
+    <dgm:effectClrLst/>
+    <dgm:txLinClrLst/>
+    <dgm:txFillClrLst meth="repeat">
+      <a:schemeClr val="dk1"/>
+    </dgm:txFillClrLst>
+    <dgm:txEffectClrLst/>
+  </dgm:styleLbl>
+  <dgm:styleLbl name="revTx">
+    <dgm:fillClrLst meth="repeat">
+      <a:schemeClr val="lt1">
+        <a:alpha val="0"/>
+      </a:schemeClr>
+    </dgm:fillClrLst>
+    <dgm:linClrLst meth="repeat">
+      <a:schemeClr val="dk1">
+        <a:alpha val="0"/>
+      </a:schemeClr>
+    </dgm:linClrLst>
+    <dgm:effectClrLst/>
+    <dgm:txLinClrLst/>
+    <dgm:txFillClrLst meth="repeat">
+      <a:schemeClr val="tx1"/>
+    </dgm:txFillClrLst>
+    <dgm:txEffectClrLst/>
+  </dgm:styleLbl>
+</dgm:colorsDef>
+</file>
+
 <file path=ppt/diagrams/data1.xml><?xml version="1.0" encoding="utf-8"?>
 <dgm:dataModel xmlns:dgm="http://schemas.openxmlformats.org/drawingml/2006/diagram" xmlns:a="http://schemas.openxmlformats.org/drawingml/2006/main">
   <dgm:ptLst>
     <dgm:pt modelId="{CC7E7781-C2B6-4689-BB94-7CB864FBAAD3}" type="doc">
-      <dgm:prSet loTypeId="urn:microsoft.com/office/officeart/2005/8/layout/vProcess5" loCatId="process" qsTypeId="urn:microsoft.com/office/officeart/2005/8/quickstyle/simple1" qsCatId="simple" csTypeId="urn:microsoft.com/office/officeart/2005/8/colors/accent1_2" csCatId="accent1"/>
+      <dgm:prSet loTypeId="urn:microsoft.com/office/officeart/2005/8/layout/vList2" loCatId="list" qsTypeId="urn:microsoft.com/office/officeart/2005/8/quickstyle/simple1" qsCatId="simple" csTypeId="urn:microsoft.com/office/officeart/2005/8/colors/accent1_2" csCatId="accent1"/>
       <dgm:spPr/>
       <dgm:t>
         <a:bodyPr/>
@@ -921,7 +1668,7 @@
         <a:bodyPr/>
         <a:lstStyle/>
         <a:p>
-          <a:endParaRPr lang="de-DE"/>
+          <a:endParaRPr lang="de-DE" dirty="0"/>
         </a:p>
       </dgm:t>
     </dgm:pt>
@@ -959,7 +1706,7 @@
         <a:bodyPr/>
         <a:lstStyle/>
         <a:p>
-          <a:endParaRPr lang="de-DE"/>
+          <a:endParaRPr lang="de-DE" dirty="0"/>
         </a:p>
       </dgm:t>
     </dgm:pt>
@@ -997,7 +1744,7 @@
         <a:bodyPr/>
         <a:lstStyle/>
         <a:p>
-          <a:endParaRPr lang="de-DE"/>
+          <a:endParaRPr lang="de-DE" dirty="0"/>
         </a:p>
       </dgm:t>
     </dgm:pt>
@@ -1035,7 +1782,7 @@
         <a:bodyPr/>
         <a:lstStyle/>
         <a:p>
-          <a:endParaRPr lang="de-DE"/>
+          <a:endParaRPr lang="de-DE" dirty="0"/>
         </a:p>
       </dgm:t>
     </dgm:pt>
@@ -1080,6 +1827,18 @@
     <dgm:pt modelId="{EBEAB8D3-F324-4BC3-B329-927BAF4A0483}">
       <dgm:prSet/>
       <dgm:spPr/>
+      <dgm:t>
+        <a:bodyPr/>
+        <a:lstStyle/>
+        <a:p>
+          <a:pPr rtl="0"/>
+          <a:r>
+            <a:rPr lang="de-DE" dirty="0" smtClean="0"/>
+            <a:t>Nachbetrachtung</a:t>
+          </a:r>
+          <a:endParaRPr lang="de-DE" dirty="0"/>
+        </a:p>
+      </dgm:t>
     </dgm:pt>
     <dgm:pt modelId="{15E8C6E6-0462-411C-92B0-ADC937E3120B}" type="parTrans" cxnId="{3D04E1CA-2572-49E2-BF89-26F960CA7DB4}">
       <dgm:prSet/>
@@ -1103,129 +1862,84 @@
         </a:p>
       </dgm:t>
     </dgm:pt>
-    <dgm:pt modelId="{D9E749CC-954E-4E5E-BB6D-E58C9AB5708F}" type="pres">
-      <dgm:prSet presAssocID="{CC7E7781-C2B6-4689-BB94-7CB864FBAAD3}" presName="outerComposite" presStyleCnt="0">
+    <dgm:pt modelId="{3AA65F0D-E964-4529-A704-5FFB47D18A61}" type="pres">
+      <dgm:prSet presAssocID="{CC7E7781-C2B6-4689-BB94-7CB864FBAAD3}" presName="linear" presStyleCnt="0">
         <dgm:presLayoutVars>
-          <dgm:chMax val="5"/>
-          <dgm:dir/>
+          <dgm:animLvl val="lvl"/>
           <dgm:resizeHandles val="exact"/>
         </dgm:presLayoutVars>
       </dgm:prSet>
       <dgm:spPr/>
     </dgm:pt>
-    <dgm:pt modelId="{C99B6C88-BC2E-4581-9BC9-B36C6F28A08D}" type="pres">
-      <dgm:prSet presAssocID="{CC7E7781-C2B6-4689-BB94-7CB864FBAAD3}" presName="dummyMaxCanvas" presStyleCnt="0">
-        <dgm:presLayoutVars/>
-      </dgm:prSet>
-      <dgm:spPr/>
-    </dgm:pt>
-    <dgm:pt modelId="{7C86DE1A-7CA7-487B-B6BE-47545EB9C65C}" type="pres">
-      <dgm:prSet presAssocID="{CC7E7781-C2B6-4689-BB94-7CB864FBAAD3}" presName="FiveNodes_1" presStyleLbl="node1" presStyleIdx="0" presStyleCnt="5">
+    <dgm:pt modelId="{6733F618-9039-4DBB-89EF-C8EB2F455A28}" type="pres">
+      <dgm:prSet presAssocID="{3D4C920E-DC2F-45B9-BCDA-5DCAEA0E45C7}" presName="parentText" presStyleLbl="node1" presStyleIdx="0" presStyleCnt="6">
         <dgm:presLayoutVars>
+          <dgm:chMax val="0"/>
           <dgm:bulletEnabled val="1"/>
         </dgm:presLayoutVars>
       </dgm:prSet>
       <dgm:spPr/>
     </dgm:pt>
-    <dgm:pt modelId="{EA622416-5BB3-4DB7-BEF0-5ECF392CF6CB}" type="pres">
-      <dgm:prSet presAssocID="{CC7E7781-C2B6-4689-BB94-7CB864FBAAD3}" presName="FiveNodes_2" presStyleLbl="node1" presStyleIdx="1" presStyleCnt="5">
+    <dgm:pt modelId="{2252E39B-0CB4-44C9-820B-FE36C06E4946}" type="pres">
+      <dgm:prSet presAssocID="{B3A9770A-8C31-48F1-A4A3-4036C0B9FBAF}" presName="spacer" presStyleCnt="0"/>
+      <dgm:spPr/>
+    </dgm:pt>
+    <dgm:pt modelId="{E46B14DA-4BF8-4593-B655-BE916A9CC64C}" type="pres">
+      <dgm:prSet presAssocID="{D3B773DD-834A-4A7C-A16B-89AEF924AD91}" presName="parentText" presStyleLbl="node1" presStyleIdx="1" presStyleCnt="6">
         <dgm:presLayoutVars>
+          <dgm:chMax val="0"/>
           <dgm:bulletEnabled val="1"/>
         </dgm:presLayoutVars>
       </dgm:prSet>
       <dgm:spPr/>
     </dgm:pt>
-    <dgm:pt modelId="{ADF840DE-A5B6-4254-B088-252189994BA9}" type="pres">
-      <dgm:prSet presAssocID="{CC7E7781-C2B6-4689-BB94-7CB864FBAAD3}" presName="FiveNodes_3" presStyleLbl="node1" presStyleIdx="2" presStyleCnt="5">
+    <dgm:pt modelId="{4FB7CB50-ABB4-4BCF-9A74-6ECFBF217973}" type="pres">
+      <dgm:prSet presAssocID="{D7A75137-28C0-4A8D-8350-3021A5A20F92}" presName="spacer" presStyleCnt="0"/>
+      <dgm:spPr/>
+    </dgm:pt>
+    <dgm:pt modelId="{FC870CDE-B8A7-4153-B0E2-AF00CFC44648}" type="pres">
+      <dgm:prSet presAssocID="{A7592742-5C83-4599-88EB-19FB6B0B0AD6}" presName="parentText" presStyleLbl="node1" presStyleIdx="2" presStyleCnt="6">
         <dgm:presLayoutVars>
+          <dgm:chMax val="0"/>
           <dgm:bulletEnabled val="1"/>
         </dgm:presLayoutVars>
       </dgm:prSet>
       <dgm:spPr/>
     </dgm:pt>
-    <dgm:pt modelId="{E850A8C1-D9D8-4C3D-9D5D-B12EF5713BC8}" type="pres">
-      <dgm:prSet presAssocID="{CC7E7781-C2B6-4689-BB94-7CB864FBAAD3}" presName="FiveNodes_4" presStyleLbl="node1" presStyleIdx="3" presStyleCnt="5">
+    <dgm:pt modelId="{664C40F2-6B80-4275-99F5-0E64958400AC}" type="pres">
+      <dgm:prSet presAssocID="{DAC5600A-801B-4A37-9216-8430F1D11A52}" presName="spacer" presStyleCnt="0"/>
+      <dgm:spPr/>
+    </dgm:pt>
+    <dgm:pt modelId="{B6417CE5-A261-4775-89F9-5A1D7BCBA06B}" type="pres">
+      <dgm:prSet presAssocID="{A103FB69-F2B9-4E93-9E09-1BEFB2FC37C9}" presName="parentText" presStyleLbl="node1" presStyleIdx="3" presStyleCnt="6">
         <dgm:presLayoutVars>
+          <dgm:chMax val="0"/>
           <dgm:bulletEnabled val="1"/>
         </dgm:presLayoutVars>
       </dgm:prSet>
       <dgm:spPr/>
     </dgm:pt>
-    <dgm:pt modelId="{6923DECC-709A-4292-86D7-2FAB6474C6F8}" type="pres">
-      <dgm:prSet presAssocID="{CC7E7781-C2B6-4689-BB94-7CB864FBAAD3}" presName="FiveNodes_5" presStyleLbl="node1" presStyleIdx="4" presStyleCnt="5">
+    <dgm:pt modelId="{77AA61DC-D54F-4110-926E-0617C4F5774F}" type="pres">
+      <dgm:prSet presAssocID="{9002DD8C-0A24-45F9-AE65-882C40474E21}" presName="spacer" presStyleCnt="0"/>
+      <dgm:spPr/>
+    </dgm:pt>
+    <dgm:pt modelId="{E9AB6232-7856-484F-B8BB-361EEDE1F174}" type="pres">
+      <dgm:prSet presAssocID="{220DA009-3546-4887-AAE4-9DC907BE7075}" presName="parentText" presStyleLbl="node1" presStyleIdx="4" presStyleCnt="6">
         <dgm:presLayoutVars>
+          <dgm:chMax val="0"/>
           <dgm:bulletEnabled val="1"/>
         </dgm:presLayoutVars>
       </dgm:prSet>
       <dgm:spPr/>
     </dgm:pt>
-    <dgm:pt modelId="{C77EC6D8-8CB6-40C1-B1F8-D6A2F3427D6A}" type="pres">
-      <dgm:prSet presAssocID="{CC7E7781-C2B6-4689-BB94-7CB864FBAAD3}" presName="FiveConn_1-2" presStyleLbl="fgAccFollowNode1" presStyleIdx="0" presStyleCnt="4">
-        <dgm:presLayoutVars>
-          <dgm:bulletEnabled val="1"/>
-        </dgm:presLayoutVars>
-      </dgm:prSet>
+    <dgm:pt modelId="{4E7547B5-7448-4038-BA61-0BCBDFCFFDFF}" type="pres">
+      <dgm:prSet presAssocID="{297F058C-FD60-4438-9423-60BBEEBB8595}" presName="spacer" presStyleCnt="0"/>
       <dgm:spPr/>
     </dgm:pt>
-    <dgm:pt modelId="{E51F7E02-E163-4FD6-8C0F-3D897CEA290D}" type="pres">
-      <dgm:prSet presAssocID="{CC7E7781-C2B6-4689-BB94-7CB864FBAAD3}" presName="FiveConn_2-3" presStyleLbl="fgAccFollowNode1" presStyleIdx="1" presStyleCnt="4">
+    <dgm:pt modelId="{AEA3363F-66F4-4142-BEA9-DF98CC6AF6A2}" type="pres">
+      <dgm:prSet presAssocID="{EBEAB8D3-F324-4BC3-B329-927BAF4A0483}" presName="parentText" presStyleLbl="node1" presStyleIdx="5" presStyleCnt="6">
         <dgm:presLayoutVars>
-          <dgm:bulletEnabled val="1"/>
-        </dgm:presLayoutVars>
-      </dgm:prSet>
-      <dgm:spPr/>
-    </dgm:pt>
-    <dgm:pt modelId="{0E91D821-4BAB-4204-8AF4-C78F3BB674DD}" type="pres">
-      <dgm:prSet presAssocID="{CC7E7781-C2B6-4689-BB94-7CB864FBAAD3}" presName="FiveConn_3-4" presStyleLbl="fgAccFollowNode1" presStyleIdx="2" presStyleCnt="4">
-        <dgm:presLayoutVars>
-          <dgm:bulletEnabled val="1"/>
-        </dgm:presLayoutVars>
-      </dgm:prSet>
-      <dgm:spPr/>
-    </dgm:pt>
-    <dgm:pt modelId="{A8CA6631-6C56-4AD8-A3AC-71B6E48E9A09}" type="pres">
-      <dgm:prSet presAssocID="{CC7E7781-C2B6-4689-BB94-7CB864FBAAD3}" presName="FiveConn_4-5" presStyleLbl="fgAccFollowNode1" presStyleIdx="3" presStyleCnt="4">
-        <dgm:presLayoutVars>
-          <dgm:bulletEnabled val="1"/>
-        </dgm:presLayoutVars>
-      </dgm:prSet>
-      <dgm:spPr/>
-    </dgm:pt>
-    <dgm:pt modelId="{13FBFBB1-4562-4B52-99AB-85968827B24A}" type="pres">
-      <dgm:prSet presAssocID="{CC7E7781-C2B6-4689-BB94-7CB864FBAAD3}" presName="FiveNodes_1_text" presStyleLbl="node1" presStyleIdx="4" presStyleCnt="5">
-        <dgm:presLayoutVars>
-          <dgm:bulletEnabled val="1"/>
-        </dgm:presLayoutVars>
-      </dgm:prSet>
-      <dgm:spPr/>
-    </dgm:pt>
-    <dgm:pt modelId="{71B12C03-3947-4315-A22D-98C3E265DB8D}" type="pres">
-      <dgm:prSet presAssocID="{CC7E7781-C2B6-4689-BB94-7CB864FBAAD3}" presName="FiveNodes_2_text" presStyleLbl="node1" presStyleIdx="4" presStyleCnt="5">
-        <dgm:presLayoutVars>
-          <dgm:bulletEnabled val="1"/>
-        </dgm:presLayoutVars>
-      </dgm:prSet>
-      <dgm:spPr/>
-    </dgm:pt>
-    <dgm:pt modelId="{3A0212C4-C398-4C5C-A3EA-7FECACD4D4A1}" type="pres">
-      <dgm:prSet presAssocID="{CC7E7781-C2B6-4689-BB94-7CB864FBAAD3}" presName="FiveNodes_3_text" presStyleLbl="node1" presStyleIdx="4" presStyleCnt="5">
-        <dgm:presLayoutVars>
-          <dgm:bulletEnabled val="1"/>
-        </dgm:presLayoutVars>
-      </dgm:prSet>
-      <dgm:spPr/>
-    </dgm:pt>
-    <dgm:pt modelId="{DE13052D-E221-4B01-A430-2F636D0CE8B6}" type="pres">
-      <dgm:prSet presAssocID="{CC7E7781-C2B6-4689-BB94-7CB864FBAAD3}" presName="FiveNodes_4_text" presStyleLbl="node1" presStyleIdx="4" presStyleCnt="5">
-        <dgm:presLayoutVars>
-          <dgm:bulletEnabled val="1"/>
-        </dgm:presLayoutVars>
-      </dgm:prSet>
-      <dgm:spPr/>
-    </dgm:pt>
-    <dgm:pt modelId="{A348ECCF-809B-4EA0-AA77-E8BEFC1ECDB8}" type="pres">
-      <dgm:prSet presAssocID="{CC7E7781-C2B6-4689-BB94-7CB864FBAAD3}" presName="FiveNodes_5_text" presStyleLbl="node1" presStyleIdx="4" presStyleCnt="5">
-        <dgm:presLayoutVars>
+          <dgm:chMax val="0"/>
           <dgm:bulletEnabled val="1"/>
         </dgm:presLayoutVars>
       </dgm:prSet>
@@ -1233,42 +1947,345 @@
     </dgm:pt>
   </dgm:ptLst>
   <dgm:cxnLst>
-    <dgm:cxn modelId="{50CA25A9-1D16-409D-9532-9BA8BA4368F9}" type="presOf" srcId="{D3B773DD-834A-4A7C-A16B-89AEF924AD91}" destId="{EA622416-5BB3-4DB7-BEF0-5ECF392CF6CB}" srcOrd="0" destOrd="0" presId="urn:microsoft.com/office/officeart/2005/8/layout/vProcess5"/>
+    <dgm:cxn modelId="{A8EB1ACD-6B96-4774-90FE-D6794E14FBA7}" srcId="{CC7E7781-C2B6-4689-BB94-7CB864FBAAD3}" destId="{A103FB69-F2B9-4E93-9E09-1BEFB2FC37C9}" srcOrd="3" destOrd="0" parTransId="{B280710B-F9FE-4D9B-843A-9198F535EB7B}" sibTransId="{9002DD8C-0A24-45F9-AE65-882C40474E21}"/>
+    <dgm:cxn modelId="{28B6E72A-9923-4895-B6CD-2DB7C7C8B872}" type="presOf" srcId="{A7592742-5C83-4599-88EB-19FB6B0B0AD6}" destId="{FC870CDE-B8A7-4153-B0E2-AF00CFC44648}" srcOrd="0" destOrd="0" presId="urn:microsoft.com/office/officeart/2005/8/layout/vList2"/>
+    <dgm:cxn modelId="{1D87B7B8-6E2A-4941-834C-F0C575ADE554}" type="presOf" srcId="{220DA009-3546-4887-AAE4-9DC907BE7075}" destId="{E9AB6232-7856-484F-B8BB-361EEDE1F174}" srcOrd="0" destOrd="0" presId="urn:microsoft.com/office/officeart/2005/8/layout/vList2"/>
     <dgm:cxn modelId="{7A994AAD-D281-4B62-82F8-AA99F2524875}" srcId="{CC7E7781-C2B6-4689-BB94-7CB864FBAAD3}" destId="{D3B773DD-834A-4A7C-A16B-89AEF924AD91}" srcOrd="1" destOrd="0" parTransId="{492D7E68-0FA4-491A-BCBE-E127A11D713E}" sibTransId="{D7A75137-28C0-4A8D-8350-3021A5A20F92}"/>
-    <dgm:cxn modelId="{A8EB1ACD-6B96-4774-90FE-D6794E14FBA7}" srcId="{CC7E7781-C2B6-4689-BB94-7CB864FBAAD3}" destId="{A103FB69-F2B9-4E93-9E09-1BEFB2FC37C9}" srcOrd="3" destOrd="0" parTransId="{B280710B-F9FE-4D9B-843A-9198F535EB7B}" sibTransId="{9002DD8C-0A24-45F9-AE65-882C40474E21}"/>
-    <dgm:cxn modelId="{142DB966-12A1-4EA1-B8BD-1B0A898F2C0A}" type="presOf" srcId="{3D4C920E-DC2F-45B9-BCDA-5DCAEA0E45C7}" destId="{13FBFBB1-4562-4B52-99AB-85968827B24A}" srcOrd="1" destOrd="0" presId="urn:microsoft.com/office/officeart/2005/8/layout/vProcess5"/>
-    <dgm:cxn modelId="{C31ED6C1-CDBB-40BB-84EF-DE34AA30AE49}" type="presOf" srcId="{D3B773DD-834A-4A7C-A16B-89AEF924AD91}" destId="{71B12C03-3947-4315-A22D-98C3E265DB8D}" srcOrd="1" destOrd="0" presId="urn:microsoft.com/office/officeart/2005/8/layout/vProcess5"/>
-    <dgm:cxn modelId="{31407CED-9798-49D6-B79D-24E63EFB81BB}" type="presOf" srcId="{DAC5600A-801B-4A37-9216-8430F1D11A52}" destId="{0E91D821-4BAB-4204-8AF4-C78F3BB674DD}" srcOrd="0" destOrd="0" presId="urn:microsoft.com/office/officeart/2005/8/layout/vProcess5"/>
-    <dgm:cxn modelId="{903F6691-2835-473A-8D7C-E2C5EA62309D}" type="presOf" srcId="{CC7E7781-C2B6-4689-BB94-7CB864FBAAD3}" destId="{D9E749CC-954E-4E5E-BB6D-E58C9AB5708F}" srcOrd="0" destOrd="0" presId="urn:microsoft.com/office/officeart/2005/8/layout/vProcess5"/>
-    <dgm:cxn modelId="{A6DA6C8F-5344-4931-B520-BF0C81E40C0F}" type="presOf" srcId="{A7592742-5C83-4599-88EB-19FB6B0B0AD6}" destId="{ADF840DE-A5B6-4254-B088-252189994BA9}" srcOrd="0" destOrd="0" presId="urn:microsoft.com/office/officeart/2005/8/layout/vProcess5"/>
+    <dgm:cxn modelId="{94C6AE2B-AE9A-4F47-8ED3-9F985981DA66}" type="presOf" srcId="{EBEAB8D3-F324-4BC3-B329-927BAF4A0483}" destId="{AEA3363F-66F4-4142-BEA9-DF98CC6AF6A2}" srcOrd="0" destOrd="0" presId="urn:microsoft.com/office/officeart/2005/8/layout/vList2"/>
+    <dgm:cxn modelId="{6EDC021F-7FF6-4716-9786-87F6C616E3DB}" srcId="{CC7E7781-C2B6-4689-BB94-7CB864FBAAD3}" destId="{3D4C920E-DC2F-45B9-BCDA-5DCAEA0E45C7}" srcOrd="0" destOrd="0" parTransId="{1E395B22-5FA8-4676-B7D3-8FCE9B2F3F8B}" sibTransId="{B3A9770A-8C31-48F1-A4A3-4036C0B9FBAF}"/>
+    <dgm:cxn modelId="{EF474476-1810-4C75-ADA5-C644AB745B3A}" type="presOf" srcId="{3D4C920E-DC2F-45B9-BCDA-5DCAEA0E45C7}" destId="{6733F618-9039-4DBB-89EF-C8EB2F455A28}" srcOrd="0" destOrd="0" presId="urn:microsoft.com/office/officeart/2005/8/layout/vList2"/>
+    <dgm:cxn modelId="{3136D13C-EADF-43DA-BB19-51CE681F2C6F}" type="presOf" srcId="{A103FB69-F2B9-4E93-9E09-1BEFB2FC37C9}" destId="{B6417CE5-A261-4775-89F9-5A1D7BCBA06B}" srcOrd="0" destOrd="0" presId="urn:microsoft.com/office/officeart/2005/8/layout/vList2"/>
+    <dgm:cxn modelId="{9D6B4F12-A155-4FB1-8268-D99AADA6AA2C}" srcId="{CC7E7781-C2B6-4689-BB94-7CB864FBAAD3}" destId="{A7592742-5C83-4599-88EB-19FB6B0B0AD6}" srcOrd="2" destOrd="0" parTransId="{DE5F1086-6D76-4E75-A9A0-F0C8E0033728}" sibTransId="{DAC5600A-801B-4A37-9216-8430F1D11A52}"/>
+    <dgm:cxn modelId="{485A4E89-7B36-478D-9373-93A0DE52DFB6}" type="presOf" srcId="{CC7E7781-C2B6-4689-BB94-7CB864FBAAD3}" destId="{3AA65F0D-E964-4529-A704-5FFB47D18A61}" srcOrd="0" destOrd="0" presId="urn:microsoft.com/office/officeart/2005/8/layout/vList2"/>
+    <dgm:cxn modelId="{56ABE976-A8E0-4428-873D-1511ED0D7720}" type="presOf" srcId="{D3B773DD-834A-4A7C-A16B-89AEF924AD91}" destId="{E46B14DA-4BF8-4593-B655-BE916A9CC64C}" srcOrd="0" destOrd="0" presId="urn:microsoft.com/office/officeart/2005/8/layout/vList2"/>
     <dgm:cxn modelId="{3D04E1CA-2572-49E2-BF89-26F960CA7DB4}" srcId="{CC7E7781-C2B6-4689-BB94-7CB864FBAAD3}" destId="{EBEAB8D3-F324-4BC3-B329-927BAF4A0483}" srcOrd="5" destOrd="0" parTransId="{15E8C6E6-0462-411C-92B0-ADC937E3120B}" sibTransId="{E45970A0-7308-4EFC-B0FE-CF2CAECB16D3}"/>
-    <dgm:cxn modelId="{CDA0F86C-4E17-45AC-B0C5-0B12AF91CE3E}" type="presOf" srcId="{A103FB69-F2B9-4E93-9E09-1BEFB2FC37C9}" destId="{DE13052D-E221-4B01-A430-2F636D0CE8B6}" srcOrd="1" destOrd="0" presId="urn:microsoft.com/office/officeart/2005/8/layout/vProcess5"/>
-    <dgm:cxn modelId="{9A8A29C1-B478-4F13-908E-1349C0B5F7C0}" type="presOf" srcId="{D7A75137-28C0-4A8D-8350-3021A5A20F92}" destId="{E51F7E02-E163-4FD6-8C0F-3D897CEA290D}" srcOrd="0" destOrd="0" presId="urn:microsoft.com/office/officeart/2005/8/layout/vProcess5"/>
-    <dgm:cxn modelId="{E611B95D-52C9-4F70-A2F4-6ECBCE47A915}" type="presOf" srcId="{A7592742-5C83-4599-88EB-19FB6B0B0AD6}" destId="{3A0212C4-C398-4C5C-A3EA-7FECACD4D4A1}" srcOrd="1" destOrd="0" presId="urn:microsoft.com/office/officeart/2005/8/layout/vProcess5"/>
-    <dgm:cxn modelId="{BD4A472E-F359-43B7-9884-4FAC561165D3}" type="presOf" srcId="{220DA009-3546-4887-AAE4-9DC907BE7075}" destId="{A348ECCF-809B-4EA0-AA77-E8BEFC1ECDB8}" srcOrd="1" destOrd="0" presId="urn:microsoft.com/office/officeart/2005/8/layout/vProcess5"/>
-    <dgm:cxn modelId="{6EDC021F-7FF6-4716-9786-87F6C616E3DB}" srcId="{CC7E7781-C2B6-4689-BB94-7CB864FBAAD3}" destId="{3D4C920E-DC2F-45B9-BCDA-5DCAEA0E45C7}" srcOrd="0" destOrd="0" parTransId="{1E395B22-5FA8-4676-B7D3-8FCE9B2F3F8B}" sibTransId="{B3A9770A-8C31-48F1-A4A3-4036C0B9FBAF}"/>
-    <dgm:cxn modelId="{851F56D9-E998-48D6-9A01-9CD7FC13ADEA}" type="presOf" srcId="{9002DD8C-0A24-45F9-AE65-882C40474E21}" destId="{A8CA6631-6C56-4AD8-A3AC-71B6E48E9A09}" srcOrd="0" destOrd="0" presId="urn:microsoft.com/office/officeart/2005/8/layout/vProcess5"/>
     <dgm:cxn modelId="{E6B5F339-546B-4C07-B234-E864B25CB9E0}" srcId="{CC7E7781-C2B6-4689-BB94-7CB864FBAAD3}" destId="{220DA009-3546-4887-AAE4-9DC907BE7075}" srcOrd="4" destOrd="0" parTransId="{8211603C-5572-4FA2-B532-1AC1DFAF2C34}" sibTransId="{297F058C-FD60-4438-9423-60BBEEBB8595}"/>
-    <dgm:cxn modelId="{C1981F5E-DA98-4BA4-88D1-E7AD7F760383}" type="presOf" srcId="{B3A9770A-8C31-48F1-A4A3-4036C0B9FBAF}" destId="{C77EC6D8-8CB6-40C1-B1F8-D6A2F3427D6A}" srcOrd="0" destOrd="0" presId="urn:microsoft.com/office/officeart/2005/8/layout/vProcess5"/>
-    <dgm:cxn modelId="{3AE7049F-958F-4624-9CA0-C05F51084126}" type="presOf" srcId="{3D4C920E-DC2F-45B9-BCDA-5DCAEA0E45C7}" destId="{7C86DE1A-7CA7-487B-B6BE-47545EB9C65C}" srcOrd="0" destOrd="0" presId="urn:microsoft.com/office/officeart/2005/8/layout/vProcess5"/>
-    <dgm:cxn modelId="{55C64D2C-9A37-4967-85E8-3A8556F2F0DD}" type="presOf" srcId="{220DA009-3546-4887-AAE4-9DC907BE7075}" destId="{6923DECC-709A-4292-86D7-2FAB6474C6F8}" srcOrd="0" destOrd="0" presId="urn:microsoft.com/office/officeart/2005/8/layout/vProcess5"/>
-    <dgm:cxn modelId="{AB029270-F87C-4D53-8EFB-CF9205220BEB}" type="presOf" srcId="{A103FB69-F2B9-4E93-9E09-1BEFB2FC37C9}" destId="{E850A8C1-D9D8-4C3D-9D5D-B12EF5713BC8}" srcOrd="0" destOrd="0" presId="urn:microsoft.com/office/officeart/2005/8/layout/vProcess5"/>
-    <dgm:cxn modelId="{9D6B4F12-A155-4FB1-8268-D99AADA6AA2C}" srcId="{CC7E7781-C2B6-4689-BB94-7CB864FBAAD3}" destId="{A7592742-5C83-4599-88EB-19FB6B0B0AD6}" srcOrd="2" destOrd="0" parTransId="{DE5F1086-6D76-4E75-A9A0-F0C8E0033728}" sibTransId="{DAC5600A-801B-4A37-9216-8430F1D11A52}"/>
-    <dgm:cxn modelId="{8FA2BC81-1B45-4E6F-9686-105F7C0A2DD3}" type="presParOf" srcId="{D9E749CC-954E-4E5E-BB6D-E58C9AB5708F}" destId="{C99B6C88-BC2E-4581-9BC9-B36C6F28A08D}" srcOrd="0" destOrd="0" presId="urn:microsoft.com/office/officeart/2005/8/layout/vProcess5"/>
-    <dgm:cxn modelId="{C99C1F1D-9278-40A1-BDD3-991595A694D4}" type="presParOf" srcId="{D9E749CC-954E-4E5E-BB6D-E58C9AB5708F}" destId="{7C86DE1A-7CA7-487B-B6BE-47545EB9C65C}" srcOrd="1" destOrd="0" presId="urn:microsoft.com/office/officeart/2005/8/layout/vProcess5"/>
-    <dgm:cxn modelId="{7B43478B-D6F0-4DC9-B61E-1AF34AB33B95}" type="presParOf" srcId="{D9E749CC-954E-4E5E-BB6D-E58C9AB5708F}" destId="{EA622416-5BB3-4DB7-BEF0-5ECF392CF6CB}" srcOrd="2" destOrd="0" presId="urn:microsoft.com/office/officeart/2005/8/layout/vProcess5"/>
-    <dgm:cxn modelId="{1D431894-EB0C-4A58-B06C-AC742BB5075E}" type="presParOf" srcId="{D9E749CC-954E-4E5E-BB6D-E58C9AB5708F}" destId="{ADF840DE-A5B6-4254-B088-252189994BA9}" srcOrd="3" destOrd="0" presId="urn:microsoft.com/office/officeart/2005/8/layout/vProcess5"/>
-    <dgm:cxn modelId="{EDB15107-F09F-4589-B07F-8082BAAAF18C}" type="presParOf" srcId="{D9E749CC-954E-4E5E-BB6D-E58C9AB5708F}" destId="{E850A8C1-D9D8-4C3D-9D5D-B12EF5713BC8}" srcOrd="4" destOrd="0" presId="urn:microsoft.com/office/officeart/2005/8/layout/vProcess5"/>
-    <dgm:cxn modelId="{B1703F72-8CD4-4A37-9D56-D75273A74F38}" type="presParOf" srcId="{D9E749CC-954E-4E5E-BB6D-E58C9AB5708F}" destId="{6923DECC-709A-4292-86D7-2FAB6474C6F8}" srcOrd="5" destOrd="0" presId="urn:microsoft.com/office/officeart/2005/8/layout/vProcess5"/>
-    <dgm:cxn modelId="{B9820B7B-D36E-401F-8390-59943C519191}" type="presParOf" srcId="{D9E749CC-954E-4E5E-BB6D-E58C9AB5708F}" destId="{C77EC6D8-8CB6-40C1-B1F8-D6A2F3427D6A}" srcOrd="6" destOrd="0" presId="urn:microsoft.com/office/officeart/2005/8/layout/vProcess5"/>
-    <dgm:cxn modelId="{33AABAA0-80E6-4D85-BD41-880CAEB7FE19}" type="presParOf" srcId="{D9E749CC-954E-4E5E-BB6D-E58C9AB5708F}" destId="{E51F7E02-E163-4FD6-8C0F-3D897CEA290D}" srcOrd="7" destOrd="0" presId="urn:microsoft.com/office/officeart/2005/8/layout/vProcess5"/>
-    <dgm:cxn modelId="{910884D8-5AA1-432E-B283-A942C80870F4}" type="presParOf" srcId="{D9E749CC-954E-4E5E-BB6D-E58C9AB5708F}" destId="{0E91D821-4BAB-4204-8AF4-C78F3BB674DD}" srcOrd="8" destOrd="0" presId="urn:microsoft.com/office/officeart/2005/8/layout/vProcess5"/>
-    <dgm:cxn modelId="{F678E0DE-E28E-4710-A1C3-D9F81E2A623D}" type="presParOf" srcId="{D9E749CC-954E-4E5E-BB6D-E58C9AB5708F}" destId="{A8CA6631-6C56-4AD8-A3AC-71B6E48E9A09}" srcOrd="9" destOrd="0" presId="urn:microsoft.com/office/officeart/2005/8/layout/vProcess5"/>
-    <dgm:cxn modelId="{2251DE9C-CB06-44D1-868F-BE320BD9F4A0}" type="presParOf" srcId="{D9E749CC-954E-4E5E-BB6D-E58C9AB5708F}" destId="{13FBFBB1-4562-4B52-99AB-85968827B24A}" srcOrd="10" destOrd="0" presId="urn:microsoft.com/office/officeart/2005/8/layout/vProcess5"/>
-    <dgm:cxn modelId="{54E7D407-28EA-4871-88F6-97A727D98232}" type="presParOf" srcId="{D9E749CC-954E-4E5E-BB6D-E58C9AB5708F}" destId="{71B12C03-3947-4315-A22D-98C3E265DB8D}" srcOrd="11" destOrd="0" presId="urn:microsoft.com/office/officeart/2005/8/layout/vProcess5"/>
-    <dgm:cxn modelId="{AFF04A0F-F3D5-4737-B1A2-FAF0C0BB9AE5}" type="presParOf" srcId="{D9E749CC-954E-4E5E-BB6D-E58C9AB5708F}" destId="{3A0212C4-C398-4C5C-A3EA-7FECACD4D4A1}" srcOrd="12" destOrd="0" presId="urn:microsoft.com/office/officeart/2005/8/layout/vProcess5"/>
-    <dgm:cxn modelId="{E0095558-4A97-4651-A68C-C1E35C79039E}" type="presParOf" srcId="{D9E749CC-954E-4E5E-BB6D-E58C9AB5708F}" destId="{DE13052D-E221-4B01-A430-2F636D0CE8B6}" srcOrd="13" destOrd="0" presId="urn:microsoft.com/office/officeart/2005/8/layout/vProcess5"/>
-    <dgm:cxn modelId="{D625B681-D863-43EE-9F85-F3FACE2C44B6}" type="presParOf" srcId="{D9E749CC-954E-4E5E-BB6D-E58C9AB5708F}" destId="{A348ECCF-809B-4EA0-AA77-E8BEFC1ECDB8}" srcOrd="14" destOrd="0" presId="urn:microsoft.com/office/officeart/2005/8/layout/vProcess5"/>
+    <dgm:cxn modelId="{0C2E4778-48F1-4B27-8478-D953E89270AA}" type="presParOf" srcId="{3AA65F0D-E964-4529-A704-5FFB47D18A61}" destId="{6733F618-9039-4DBB-89EF-C8EB2F455A28}" srcOrd="0" destOrd="0" presId="urn:microsoft.com/office/officeart/2005/8/layout/vList2"/>
+    <dgm:cxn modelId="{5E81F40E-9E38-4261-9E17-2C4082DBAB3C}" type="presParOf" srcId="{3AA65F0D-E964-4529-A704-5FFB47D18A61}" destId="{2252E39B-0CB4-44C9-820B-FE36C06E4946}" srcOrd="1" destOrd="0" presId="urn:microsoft.com/office/officeart/2005/8/layout/vList2"/>
+    <dgm:cxn modelId="{B6707BF4-3804-4F21-A96A-E0E3A7438C43}" type="presParOf" srcId="{3AA65F0D-E964-4529-A704-5FFB47D18A61}" destId="{E46B14DA-4BF8-4593-B655-BE916A9CC64C}" srcOrd="2" destOrd="0" presId="urn:microsoft.com/office/officeart/2005/8/layout/vList2"/>
+    <dgm:cxn modelId="{F5A92C0E-E173-40F2-9F6B-B47F9B038EB5}" type="presParOf" srcId="{3AA65F0D-E964-4529-A704-5FFB47D18A61}" destId="{4FB7CB50-ABB4-4BCF-9A74-6ECFBF217973}" srcOrd="3" destOrd="0" presId="urn:microsoft.com/office/officeart/2005/8/layout/vList2"/>
+    <dgm:cxn modelId="{A4E4724C-1896-4346-8EA1-063D2C39991C}" type="presParOf" srcId="{3AA65F0D-E964-4529-A704-5FFB47D18A61}" destId="{FC870CDE-B8A7-4153-B0E2-AF00CFC44648}" srcOrd="4" destOrd="0" presId="urn:microsoft.com/office/officeart/2005/8/layout/vList2"/>
+    <dgm:cxn modelId="{F36D7743-4A4B-49D0-8490-3F177054F1BA}" type="presParOf" srcId="{3AA65F0D-E964-4529-A704-5FFB47D18A61}" destId="{664C40F2-6B80-4275-99F5-0E64958400AC}" srcOrd="5" destOrd="0" presId="urn:microsoft.com/office/officeart/2005/8/layout/vList2"/>
+    <dgm:cxn modelId="{F475581F-DAEB-42AF-9945-2F54B02843CF}" type="presParOf" srcId="{3AA65F0D-E964-4529-A704-5FFB47D18A61}" destId="{B6417CE5-A261-4775-89F9-5A1D7BCBA06B}" srcOrd="6" destOrd="0" presId="urn:microsoft.com/office/officeart/2005/8/layout/vList2"/>
+    <dgm:cxn modelId="{FD613164-4D71-44E9-A8D5-AB16A2B0D31B}" type="presParOf" srcId="{3AA65F0D-E964-4529-A704-5FFB47D18A61}" destId="{77AA61DC-D54F-4110-926E-0617C4F5774F}" srcOrd="7" destOrd="0" presId="urn:microsoft.com/office/officeart/2005/8/layout/vList2"/>
+    <dgm:cxn modelId="{6A16838C-D6FF-4D15-9E82-2199222BDDE9}" type="presParOf" srcId="{3AA65F0D-E964-4529-A704-5FFB47D18A61}" destId="{E9AB6232-7856-484F-B8BB-361EEDE1F174}" srcOrd="8" destOrd="0" presId="urn:microsoft.com/office/officeart/2005/8/layout/vList2"/>
+    <dgm:cxn modelId="{86ACB247-64D6-4F1C-86D7-92CC9B85E68C}" type="presParOf" srcId="{3AA65F0D-E964-4529-A704-5FFB47D18A61}" destId="{4E7547B5-7448-4038-BA61-0BCBDFCFFDFF}" srcOrd="9" destOrd="0" presId="urn:microsoft.com/office/officeart/2005/8/layout/vList2"/>
+    <dgm:cxn modelId="{9F95197E-EB90-48C7-AC82-FB157251DA43}" type="presParOf" srcId="{3AA65F0D-E964-4529-A704-5FFB47D18A61}" destId="{AEA3363F-66F4-4142-BEA9-DF98CC6AF6A2}" srcOrd="10" destOrd="0" presId="urn:microsoft.com/office/officeart/2005/8/layout/vList2"/>
+  </dgm:cxnLst>
+  <dgm:bg/>
+  <dgm:whole/>
+  <dgm:extLst>
+    <a:ext uri="http://schemas.microsoft.com/office/drawing/2008/diagram">
+      <dsp:dataModelExt xmlns:dsp="http://schemas.microsoft.com/office/drawing/2008/diagram" xmlns="" relId="rId6" minVer="http://schemas.openxmlformats.org/drawingml/2006/diagram"/>
+    </a:ext>
+  </dgm:extLst>
+</dgm:dataModel>
+</file>
+
+<file path=ppt/diagrams/data2.xml><?xml version="1.0" encoding="utf-8"?>
+<dgm:dataModel xmlns:dgm="http://schemas.openxmlformats.org/drawingml/2006/diagram" xmlns:a="http://schemas.openxmlformats.org/drawingml/2006/main">
+  <dgm:ptLst>
+    <dgm:pt modelId="{5A5EE5CE-5FA0-4118-BAE5-F35358F8AC4B}" type="doc">
+      <dgm:prSet loTypeId="urn:microsoft.com/office/officeart/2005/8/layout/vList2" loCatId="list" qsTypeId="urn:microsoft.com/office/officeart/2005/8/quickstyle/simple1" qsCatId="simple" csTypeId="urn:microsoft.com/office/officeart/2005/8/colors/accent1_2" csCatId="accent1"/>
+      <dgm:spPr/>
+      <dgm:t>
+        <a:bodyPr/>
+        <a:lstStyle/>
+        <a:p>
+          <a:endParaRPr lang="de-DE"/>
+        </a:p>
+      </dgm:t>
+    </dgm:pt>
+    <dgm:pt modelId="{7419DC6E-AEEF-4495-9BC5-CC15C418B196}">
+      <dgm:prSet/>
+      <dgm:spPr/>
+      <dgm:t>
+        <a:bodyPr/>
+        <a:lstStyle/>
+        <a:p>
+          <a:pPr rtl="0"/>
+          <a:r>
+            <a:rPr lang="de-DE" dirty="0" smtClean="0"/>
+            <a:t>Hotel</a:t>
+          </a:r>
+          <a:endParaRPr lang="de-DE" dirty="0"/>
+        </a:p>
+      </dgm:t>
+    </dgm:pt>
+    <dgm:pt modelId="{7D18F21E-BDE5-427F-8B74-D9BD36AC6CAB}" type="parTrans" cxnId="{B30C17C6-800C-4798-A8C0-6ACA338E7961}">
+      <dgm:prSet/>
+      <dgm:spPr/>
+      <dgm:t>
+        <a:bodyPr/>
+        <a:lstStyle/>
+        <a:p>
+          <a:endParaRPr lang="de-DE"/>
+        </a:p>
+      </dgm:t>
+    </dgm:pt>
+    <dgm:pt modelId="{04450D34-FE7B-4114-A268-EE2C1117DEF8}" type="sibTrans" cxnId="{B30C17C6-800C-4798-A8C0-6ACA338E7961}">
+      <dgm:prSet/>
+      <dgm:spPr/>
+      <dgm:t>
+        <a:bodyPr/>
+        <a:lstStyle/>
+        <a:p>
+          <a:endParaRPr lang="de-DE"/>
+        </a:p>
+      </dgm:t>
+    </dgm:pt>
+    <dgm:pt modelId="{8E8EAF33-2677-46CC-9D2D-D9DC0FDA549B}">
+      <dgm:prSet/>
+      <dgm:spPr/>
+      <dgm:t>
+        <a:bodyPr/>
+        <a:lstStyle/>
+        <a:p>
+          <a:pPr rtl="0"/>
+          <a:r>
+            <a:rPr lang="de-DE" dirty="0" smtClean="0"/>
+            <a:t>Zimmerkategorie (Einzel, Doppel, </a:t>
+          </a:r>
+          <a:r>
+            <a:rPr lang="de-DE" dirty="0" err="1" smtClean="0"/>
+            <a:t>Dreibett</a:t>
+          </a:r>
+          <a:r>
+            <a:rPr lang="de-DE" dirty="0" smtClean="0"/>
+            <a:t> …)</a:t>
+          </a:r>
+          <a:endParaRPr lang="de-DE" dirty="0"/>
+        </a:p>
+      </dgm:t>
+    </dgm:pt>
+    <dgm:pt modelId="{78F6C0BF-61BC-479C-BBB5-94045697EDF4}" type="parTrans" cxnId="{4BB176F4-241A-442B-A596-9B7020BBF45A}">
+      <dgm:prSet/>
+      <dgm:spPr/>
+      <dgm:t>
+        <a:bodyPr/>
+        <a:lstStyle/>
+        <a:p>
+          <a:endParaRPr lang="de-DE"/>
+        </a:p>
+      </dgm:t>
+    </dgm:pt>
+    <dgm:pt modelId="{226E0C5B-EFEC-4C4E-AEDA-D0002916A64E}" type="sibTrans" cxnId="{4BB176F4-241A-442B-A596-9B7020BBF45A}">
+      <dgm:prSet/>
+      <dgm:spPr/>
+      <dgm:t>
+        <a:bodyPr/>
+        <a:lstStyle/>
+        <a:p>
+          <a:endParaRPr lang="de-DE"/>
+        </a:p>
+      </dgm:t>
+    </dgm:pt>
+    <dgm:pt modelId="{59DB83C1-8016-4F70-B7C0-7897A54B01F0}">
+      <dgm:prSet/>
+      <dgm:spPr/>
+      <dgm:t>
+        <a:bodyPr/>
+        <a:lstStyle/>
+        <a:p>
+          <a:pPr rtl="0"/>
+          <a:r>
+            <a:rPr lang="de-DE" dirty="0" smtClean="0"/>
+            <a:t>Zusatzprodukt (Vollpension, Sektfrühstück …)</a:t>
+          </a:r>
+          <a:endParaRPr lang="de-DE" dirty="0"/>
+        </a:p>
+      </dgm:t>
+    </dgm:pt>
+    <dgm:pt modelId="{00653CB0-C292-4422-957B-BC8974B2914D}" type="parTrans" cxnId="{FA2E70F1-3F23-4972-B5B8-51E359F0D59C}">
+      <dgm:prSet/>
+      <dgm:spPr/>
+      <dgm:t>
+        <a:bodyPr/>
+        <a:lstStyle/>
+        <a:p>
+          <a:endParaRPr lang="de-DE"/>
+        </a:p>
+      </dgm:t>
+    </dgm:pt>
+    <dgm:pt modelId="{CB115F4C-7F8B-4D0E-BD28-FD8AE562E7A2}" type="sibTrans" cxnId="{FA2E70F1-3F23-4972-B5B8-51E359F0D59C}">
+      <dgm:prSet/>
+      <dgm:spPr/>
+      <dgm:t>
+        <a:bodyPr/>
+        <a:lstStyle/>
+        <a:p>
+          <a:endParaRPr lang="de-DE"/>
+        </a:p>
+      </dgm:t>
+    </dgm:pt>
+    <dgm:pt modelId="{D6885970-7279-4821-B2D6-78D0F6E63E97}">
+      <dgm:prSet/>
+      <dgm:spPr/>
+      <dgm:t>
+        <a:bodyPr/>
+        <a:lstStyle/>
+        <a:p>
+          <a:pPr rtl="0"/>
+          <a:r>
+            <a:rPr lang="de-DE" dirty="0" smtClean="0"/>
+            <a:t>Preis : sämtliche Produkte</a:t>
+          </a:r>
+          <a:endParaRPr lang="de-DE" dirty="0"/>
+        </a:p>
+      </dgm:t>
+    </dgm:pt>
+    <dgm:pt modelId="{F4400309-AC23-4EDB-9E1C-020BBF643F12}" type="parTrans" cxnId="{7010AC9F-BF98-4C7D-9D52-D6B50FBBF027}">
+      <dgm:prSet/>
+      <dgm:spPr/>
+      <dgm:t>
+        <a:bodyPr/>
+        <a:lstStyle/>
+        <a:p>
+          <a:endParaRPr lang="de-DE"/>
+        </a:p>
+      </dgm:t>
+    </dgm:pt>
+    <dgm:pt modelId="{A699CF55-41F5-4923-A255-70087D6B58E7}" type="sibTrans" cxnId="{7010AC9F-BF98-4C7D-9D52-D6B50FBBF027}">
+      <dgm:prSet/>
+      <dgm:spPr/>
+      <dgm:t>
+        <a:bodyPr/>
+        <a:lstStyle/>
+        <a:p>
+          <a:endParaRPr lang="de-DE"/>
+        </a:p>
+      </dgm:t>
+    </dgm:pt>
+    <dgm:pt modelId="{26AB1326-626C-44CE-BBC3-B57774700F5D}">
+      <dgm:prSet/>
+      <dgm:spPr/>
+      <dgm:t>
+        <a:bodyPr/>
+        <a:lstStyle/>
+        <a:p>
+          <a:pPr rtl="0"/>
+          <a:r>
+            <a:rPr lang="de-DE" dirty="0" smtClean="0"/>
+            <a:t>Verfügbarkeit : nur für Zimmerkategorie</a:t>
+          </a:r>
+          <a:endParaRPr lang="de-DE" dirty="0"/>
+        </a:p>
+      </dgm:t>
+    </dgm:pt>
+    <dgm:pt modelId="{76A0F654-15F4-44B1-B9E9-D370F0E8F030}" type="parTrans" cxnId="{76BC7674-0252-4CB5-946D-48AFEAE30F72}">
+      <dgm:prSet/>
+      <dgm:spPr/>
+      <dgm:t>
+        <a:bodyPr/>
+        <a:lstStyle/>
+        <a:p>
+          <a:endParaRPr lang="de-DE"/>
+        </a:p>
+      </dgm:t>
+    </dgm:pt>
+    <dgm:pt modelId="{70F08F4D-2B43-48A8-A4B6-072F9608683F}" type="sibTrans" cxnId="{76BC7674-0252-4CB5-946D-48AFEAE30F72}">
+      <dgm:prSet/>
+      <dgm:spPr/>
+      <dgm:t>
+        <a:bodyPr/>
+        <a:lstStyle/>
+        <a:p>
+          <a:endParaRPr lang="de-DE"/>
+        </a:p>
+      </dgm:t>
+    </dgm:pt>
+    <dgm:pt modelId="{5EE32492-A28C-4C8E-B949-ABD5583C137D}" type="pres">
+      <dgm:prSet presAssocID="{5A5EE5CE-5FA0-4118-BAE5-F35358F8AC4B}" presName="linear" presStyleCnt="0">
+        <dgm:presLayoutVars>
+          <dgm:animLvl val="lvl"/>
+          <dgm:resizeHandles val="exact"/>
+        </dgm:presLayoutVars>
+      </dgm:prSet>
+      <dgm:spPr/>
+    </dgm:pt>
+    <dgm:pt modelId="{CA7010D6-0523-46C9-A417-BAB1024A5258}" type="pres">
+      <dgm:prSet presAssocID="{7419DC6E-AEEF-4495-9BC5-CC15C418B196}" presName="parentText" presStyleLbl="node1" presStyleIdx="0" presStyleCnt="5">
+        <dgm:presLayoutVars>
+          <dgm:chMax val="0"/>
+          <dgm:bulletEnabled val="1"/>
+        </dgm:presLayoutVars>
+      </dgm:prSet>
+      <dgm:spPr/>
+    </dgm:pt>
+    <dgm:pt modelId="{6D9E11E9-5EBB-49BC-898C-A9D1C44CD860}" type="pres">
+      <dgm:prSet presAssocID="{04450D34-FE7B-4114-A268-EE2C1117DEF8}" presName="spacer" presStyleCnt="0"/>
+      <dgm:spPr/>
+    </dgm:pt>
+    <dgm:pt modelId="{EFA95CE2-8A3E-425A-BE8D-BD1105EF3716}" type="pres">
+      <dgm:prSet presAssocID="{8E8EAF33-2677-46CC-9D2D-D9DC0FDA549B}" presName="parentText" presStyleLbl="node1" presStyleIdx="1" presStyleCnt="5">
+        <dgm:presLayoutVars>
+          <dgm:chMax val="0"/>
+          <dgm:bulletEnabled val="1"/>
+        </dgm:presLayoutVars>
+      </dgm:prSet>
+      <dgm:spPr/>
+    </dgm:pt>
+    <dgm:pt modelId="{3FAB2C85-9D5F-4C8D-98F2-864E4700BD08}" type="pres">
+      <dgm:prSet presAssocID="{226E0C5B-EFEC-4C4E-AEDA-D0002916A64E}" presName="spacer" presStyleCnt="0"/>
+      <dgm:spPr/>
+    </dgm:pt>
+    <dgm:pt modelId="{A69980C4-8503-4685-849B-2E38F36D7439}" type="pres">
+      <dgm:prSet presAssocID="{59DB83C1-8016-4F70-B7C0-7897A54B01F0}" presName="parentText" presStyleLbl="node1" presStyleIdx="2" presStyleCnt="5">
+        <dgm:presLayoutVars>
+          <dgm:chMax val="0"/>
+          <dgm:bulletEnabled val="1"/>
+        </dgm:presLayoutVars>
+      </dgm:prSet>
+      <dgm:spPr/>
+    </dgm:pt>
+    <dgm:pt modelId="{AF0F90F5-6FFD-495A-9208-4251EDE17B27}" type="pres">
+      <dgm:prSet presAssocID="{CB115F4C-7F8B-4D0E-BD28-FD8AE562E7A2}" presName="spacer" presStyleCnt="0"/>
+      <dgm:spPr/>
+    </dgm:pt>
+    <dgm:pt modelId="{D690F0E9-F7A0-456C-A38A-39D1CA58B45A}" type="pres">
+      <dgm:prSet presAssocID="{D6885970-7279-4821-B2D6-78D0F6E63E97}" presName="parentText" presStyleLbl="node1" presStyleIdx="3" presStyleCnt="5">
+        <dgm:presLayoutVars>
+          <dgm:chMax val="0"/>
+          <dgm:bulletEnabled val="1"/>
+        </dgm:presLayoutVars>
+      </dgm:prSet>
+      <dgm:spPr/>
+    </dgm:pt>
+    <dgm:pt modelId="{7D8A0587-B8FD-4418-ABA7-D232DB07AC7A}" type="pres">
+      <dgm:prSet presAssocID="{A699CF55-41F5-4923-A255-70087D6B58E7}" presName="spacer" presStyleCnt="0"/>
+      <dgm:spPr/>
+    </dgm:pt>
+    <dgm:pt modelId="{58810C48-8A3C-4183-A0FC-03FC346358D4}" type="pres">
+      <dgm:prSet presAssocID="{26AB1326-626C-44CE-BBC3-B57774700F5D}" presName="parentText" presStyleLbl="node1" presStyleIdx="4" presStyleCnt="5">
+        <dgm:presLayoutVars>
+          <dgm:chMax val="0"/>
+          <dgm:bulletEnabled val="1"/>
+        </dgm:presLayoutVars>
+      </dgm:prSet>
+      <dgm:spPr/>
+    </dgm:pt>
+  </dgm:ptLst>
+  <dgm:cxnLst>
+    <dgm:cxn modelId="{7010AC9F-BF98-4C7D-9D52-D6B50FBBF027}" srcId="{5A5EE5CE-5FA0-4118-BAE5-F35358F8AC4B}" destId="{D6885970-7279-4821-B2D6-78D0F6E63E97}" srcOrd="3" destOrd="0" parTransId="{F4400309-AC23-4EDB-9E1C-020BBF643F12}" sibTransId="{A699CF55-41F5-4923-A255-70087D6B58E7}"/>
+    <dgm:cxn modelId="{4BB176F4-241A-442B-A596-9B7020BBF45A}" srcId="{5A5EE5CE-5FA0-4118-BAE5-F35358F8AC4B}" destId="{8E8EAF33-2677-46CC-9D2D-D9DC0FDA549B}" srcOrd="1" destOrd="0" parTransId="{78F6C0BF-61BC-479C-BBB5-94045697EDF4}" sibTransId="{226E0C5B-EFEC-4C4E-AEDA-D0002916A64E}"/>
+    <dgm:cxn modelId="{672C544C-F29D-48DF-8DD9-43D490A13D53}" type="presOf" srcId="{7419DC6E-AEEF-4495-9BC5-CC15C418B196}" destId="{CA7010D6-0523-46C9-A417-BAB1024A5258}" srcOrd="0" destOrd="0" presId="urn:microsoft.com/office/officeart/2005/8/layout/vList2"/>
+    <dgm:cxn modelId="{B30C17C6-800C-4798-A8C0-6ACA338E7961}" srcId="{5A5EE5CE-5FA0-4118-BAE5-F35358F8AC4B}" destId="{7419DC6E-AEEF-4495-9BC5-CC15C418B196}" srcOrd="0" destOrd="0" parTransId="{7D18F21E-BDE5-427F-8B74-D9BD36AC6CAB}" sibTransId="{04450D34-FE7B-4114-A268-EE2C1117DEF8}"/>
+    <dgm:cxn modelId="{0A7A5640-9A64-4E8D-8185-812E4AB9233E}" type="presOf" srcId="{26AB1326-626C-44CE-BBC3-B57774700F5D}" destId="{58810C48-8A3C-4183-A0FC-03FC346358D4}" srcOrd="0" destOrd="0" presId="urn:microsoft.com/office/officeart/2005/8/layout/vList2"/>
+    <dgm:cxn modelId="{76BC7674-0252-4CB5-946D-48AFEAE30F72}" srcId="{5A5EE5CE-5FA0-4118-BAE5-F35358F8AC4B}" destId="{26AB1326-626C-44CE-BBC3-B57774700F5D}" srcOrd="4" destOrd="0" parTransId="{76A0F654-15F4-44B1-B9E9-D370F0E8F030}" sibTransId="{70F08F4D-2B43-48A8-A4B6-072F9608683F}"/>
+    <dgm:cxn modelId="{DB630EE3-EF0F-4C14-A8E3-05B883C0977F}" type="presOf" srcId="{5A5EE5CE-5FA0-4118-BAE5-F35358F8AC4B}" destId="{5EE32492-A28C-4C8E-B949-ABD5583C137D}" srcOrd="0" destOrd="0" presId="urn:microsoft.com/office/officeart/2005/8/layout/vList2"/>
+    <dgm:cxn modelId="{FA2E70F1-3F23-4972-B5B8-51E359F0D59C}" srcId="{5A5EE5CE-5FA0-4118-BAE5-F35358F8AC4B}" destId="{59DB83C1-8016-4F70-B7C0-7897A54B01F0}" srcOrd="2" destOrd="0" parTransId="{00653CB0-C292-4422-957B-BC8974B2914D}" sibTransId="{CB115F4C-7F8B-4D0E-BD28-FD8AE562E7A2}"/>
+    <dgm:cxn modelId="{5F0EDE82-BC3E-4E7C-896D-A6E83C2DDE5D}" type="presOf" srcId="{8E8EAF33-2677-46CC-9D2D-D9DC0FDA549B}" destId="{EFA95CE2-8A3E-425A-BE8D-BD1105EF3716}" srcOrd="0" destOrd="0" presId="urn:microsoft.com/office/officeart/2005/8/layout/vList2"/>
+    <dgm:cxn modelId="{78C977AE-9438-46D3-88A0-352ABE53E75E}" type="presOf" srcId="{D6885970-7279-4821-B2D6-78D0F6E63E97}" destId="{D690F0E9-F7A0-456C-A38A-39D1CA58B45A}" srcOrd="0" destOrd="0" presId="urn:microsoft.com/office/officeart/2005/8/layout/vList2"/>
+    <dgm:cxn modelId="{071ADD68-CC99-4492-A99E-C9FCC39692A9}" type="presOf" srcId="{59DB83C1-8016-4F70-B7C0-7897A54B01F0}" destId="{A69980C4-8503-4685-849B-2E38F36D7439}" srcOrd="0" destOrd="0" presId="urn:microsoft.com/office/officeart/2005/8/layout/vList2"/>
+    <dgm:cxn modelId="{9C1A3339-A058-46B2-B72E-2DD4272DD2F4}" type="presParOf" srcId="{5EE32492-A28C-4C8E-B949-ABD5583C137D}" destId="{CA7010D6-0523-46C9-A417-BAB1024A5258}" srcOrd="0" destOrd="0" presId="urn:microsoft.com/office/officeart/2005/8/layout/vList2"/>
+    <dgm:cxn modelId="{3E54FBE0-78EA-411C-9F0A-6D3D65EE2C0C}" type="presParOf" srcId="{5EE32492-A28C-4C8E-B949-ABD5583C137D}" destId="{6D9E11E9-5EBB-49BC-898C-A9D1C44CD860}" srcOrd="1" destOrd="0" presId="urn:microsoft.com/office/officeart/2005/8/layout/vList2"/>
+    <dgm:cxn modelId="{C83604C6-C147-4620-9A02-C602F262FCD1}" type="presParOf" srcId="{5EE32492-A28C-4C8E-B949-ABD5583C137D}" destId="{EFA95CE2-8A3E-425A-BE8D-BD1105EF3716}" srcOrd="2" destOrd="0" presId="urn:microsoft.com/office/officeart/2005/8/layout/vList2"/>
+    <dgm:cxn modelId="{BDD32483-5A00-41AC-B29F-04695376E5FF}" type="presParOf" srcId="{5EE32492-A28C-4C8E-B949-ABD5583C137D}" destId="{3FAB2C85-9D5F-4C8D-98F2-864E4700BD08}" srcOrd="3" destOrd="0" presId="urn:microsoft.com/office/officeart/2005/8/layout/vList2"/>
+    <dgm:cxn modelId="{805FDE9D-D6F5-4990-B001-F5314EE5F9C2}" type="presParOf" srcId="{5EE32492-A28C-4C8E-B949-ABD5583C137D}" destId="{A69980C4-8503-4685-849B-2E38F36D7439}" srcOrd="4" destOrd="0" presId="urn:microsoft.com/office/officeart/2005/8/layout/vList2"/>
+    <dgm:cxn modelId="{89C2B21F-1FD8-4C29-B2A0-E18702389D06}" type="presParOf" srcId="{5EE32492-A28C-4C8E-B949-ABD5583C137D}" destId="{AF0F90F5-6FFD-495A-9208-4251EDE17B27}" srcOrd="5" destOrd="0" presId="urn:microsoft.com/office/officeart/2005/8/layout/vList2"/>
+    <dgm:cxn modelId="{ABAF4A77-5561-4D15-853E-20861AC8D662}" type="presParOf" srcId="{5EE32492-A28C-4C8E-B949-ABD5583C137D}" destId="{D690F0E9-F7A0-456C-A38A-39D1CA58B45A}" srcOrd="6" destOrd="0" presId="urn:microsoft.com/office/officeart/2005/8/layout/vList2"/>
+    <dgm:cxn modelId="{F1B40F66-41EA-4EC6-9583-EE2F39F8AF62}" type="presParOf" srcId="{5EE32492-A28C-4C8E-B949-ABD5583C137D}" destId="{7D8A0587-B8FD-4418-ABA7-D232DB07AC7A}" srcOrd="7" destOrd="0" presId="urn:microsoft.com/office/officeart/2005/8/layout/vList2"/>
+    <dgm:cxn modelId="{9B1ED28E-F334-4FA4-B8EC-A78520FB4E93}" type="presParOf" srcId="{5EE32492-A28C-4C8E-B949-ABD5583C137D}" destId="{58810C48-8A3C-4183-A0FC-03FC346358D4}" srcOrd="8" destOrd="0" presId="urn:microsoft.com/office/officeart/2005/8/layout/vList2"/>
   </dgm:cxnLst>
   <dgm:bg/>
   <dgm:whole/>
@@ -1288,20 +2305,18 @@
       <dsp:cNvGrpSpPr/>
     </dsp:nvGrpSpPr>
     <dsp:grpSpPr/>
-    <dsp:sp modelId="{7C86DE1A-7CA7-487B-B6BE-47545EB9C65C}">
+    <dsp:sp modelId="{6733F618-9039-4DBB-89EF-C8EB2F455A28}">
       <dsp:nvSpPr>
         <dsp:cNvPr id="0" name=""/>
         <dsp:cNvSpPr/>
       </dsp:nvSpPr>
       <dsp:spPr>
         <a:xfrm>
-          <a:off x="0" y="0"/>
-          <a:ext cx="6278118" cy="809244"/>
+          <a:off x="0" y="3300"/>
+          <a:ext cx="8153400" cy="678600"/>
         </a:xfrm>
         <a:prstGeom prst="roundRect">
-          <a:avLst>
-            <a:gd name="adj" fmla="val 10000"/>
-          </a:avLst>
+          <a:avLst/>
         </a:prstGeom>
         <a:solidFill>
           <a:schemeClr val="accent1">
@@ -1339,12 +2354,12 @@
         </a:fontRef>
       </dsp:style>
       <dsp:txBody>
-        <a:bodyPr spcFirstLastPara="0" vert="horz" wrap="square" lIns="137160" tIns="137160" rIns="137160" bIns="137160" numCol="1" spcCol="1270" anchor="ctr" anchorCtr="0">
+        <a:bodyPr spcFirstLastPara="0" vert="horz" wrap="square" lIns="110490" tIns="110490" rIns="110490" bIns="110490" numCol="1" spcCol="1270" anchor="ctr" anchorCtr="0">
           <a:noAutofit/>
         </a:bodyPr>
         <a:lstStyle/>
         <a:p>
-          <a:pPr lvl="0" algn="l" defTabSz="1600200" rtl="0">
+          <a:pPr lvl="0" algn="l" defTabSz="1289050" rtl="0">
             <a:lnSpc>
               <a:spcPct val="90000"/>
             </a:lnSpc>
@@ -1356,31 +2371,29 @@
             </a:spcAft>
           </a:pPr>
           <a:r>
-            <a:rPr lang="de-DE" sz="3600" kern="1200" dirty="0" smtClean="0"/>
+            <a:rPr lang="de-DE" sz="2900" kern="1200" dirty="0" smtClean="0"/>
             <a:t>Einleitung</a:t>
           </a:r>
-          <a:endParaRPr lang="de-DE" sz="3600" kern="1200" dirty="0"/>
+          <a:endParaRPr lang="de-DE" sz="2900" kern="1200" dirty="0"/>
         </a:p>
       </dsp:txBody>
       <dsp:txXfrm>
-        <a:off x="0" y="0"/>
-        <a:ext cx="5357602" cy="809244"/>
+        <a:off x="0" y="3300"/>
+        <a:ext cx="8153400" cy="678600"/>
       </dsp:txXfrm>
     </dsp:sp>
-    <dsp:sp modelId="{EA622416-5BB3-4DB7-BEF0-5ECF392CF6CB}">
+    <dsp:sp modelId="{E46B14DA-4BF8-4593-B655-BE916A9CC64C}">
       <dsp:nvSpPr>
         <dsp:cNvPr id="0" name=""/>
         <dsp:cNvSpPr/>
       </dsp:nvSpPr>
       <dsp:spPr>
         <a:xfrm>
-          <a:off x="468820" y="921639"/>
-          <a:ext cx="6278118" cy="809244"/>
+          <a:off x="0" y="765420"/>
+          <a:ext cx="8153400" cy="678600"/>
         </a:xfrm>
         <a:prstGeom prst="roundRect">
-          <a:avLst>
-            <a:gd name="adj" fmla="val 10000"/>
-          </a:avLst>
+          <a:avLst/>
         </a:prstGeom>
         <a:solidFill>
           <a:schemeClr val="accent1">
@@ -1418,12 +2431,12 @@
         </a:fontRef>
       </dsp:style>
       <dsp:txBody>
-        <a:bodyPr spcFirstLastPara="0" vert="horz" wrap="square" lIns="137160" tIns="137160" rIns="137160" bIns="137160" numCol="1" spcCol="1270" anchor="ctr" anchorCtr="0">
+        <a:bodyPr spcFirstLastPara="0" vert="horz" wrap="square" lIns="110490" tIns="110490" rIns="110490" bIns="110490" numCol="1" spcCol="1270" anchor="ctr" anchorCtr="0">
           <a:noAutofit/>
         </a:bodyPr>
         <a:lstStyle/>
         <a:p>
-          <a:pPr lvl="0" algn="l" defTabSz="1600200" rtl="0">
+          <a:pPr lvl="0" algn="l" defTabSz="1289050" rtl="0">
             <a:lnSpc>
               <a:spcPct val="90000"/>
             </a:lnSpc>
@@ -1435,31 +2448,29 @@
             </a:spcAft>
           </a:pPr>
           <a:r>
-            <a:rPr lang="de-DE" sz="3600" kern="1200" dirty="0" smtClean="0"/>
+            <a:rPr lang="de-DE" sz="2900" kern="1200" dirty="0" smtClean="0"/>
             <a:t>Vorbereitung</a:t>
           </a:r>
-          <a:endParaRPr lang="de-DE" sz="3600" kern="1200" dirty="0"/>
+          <a:endParaRPr lang="de-DE" sz="2900" kern="1200" dirty="0"/>
         </a:p>
       </dsp:txBody>
       <dsp:txXfrm>
-        <a:off x="468820" y="921639"/>
-        <a:ext cx="5283288" cy="809244"/>
+        <a:off x="0" y="765420"/>
+        <a:ext cx="8153400" cy="678600"/>
       </dsp:txXfrm>
     </dsp:sp>
-    <dsp:sp modelId="{ADF840DE-A5B6-4254-B088-252189994BA9}">
+    <dsp:sp modelId="{FC870CDE-B8A7-4153-B0E2-AF00CFC44648}">
       <dsp:nvSpPr>
         <dsp:cNvPr id="0" name=""/>
         <dsp:cNvSpPr/>
       </dsp:nvSpPr>
       <dsp:spPr>
         <a:xfrm>
-          <a:off x="937640" y="1843278"/>
-          <a:ext cx="6278118" cy="809244"/>
+          <a:off x="0" y="1527540"/>
+          <a:ext cx="8153400" cy="678600"/>
         </a:xfrm>
         <a:prstGeom prst="roundRect">
-          <a:avLst>
-            <a:gd name="adj" fmla="val 10000"/>
-          </a:avLst>
+          <a:avLst/>
         </a:prstGeom>
         <a:solidFill>
           <a:schemeClr val="accent1">
@@ -1497,12 +2508,12 @@
         </a:fontRef>
       </dsp:style>
       <dsp:txBody>
-        <a:bodyPr spcFirstLastPara="0" vert="horz" wrap="square" lIns="137160" tIns="137160" rIns="137160" bIns="137160" numCol="1" spcCol="1270" anchor="ctr" anchorCtr="0">
+        <a:bodyPr spcFirstLastPara="0" vert="horz" wrap="square" lIns="110490" tIns="110490" rIns="110490" bIns="110490" numCol="1" spcCol="1270" anchor="ctr" anchorCtr="0">
           <a:noAutofit/>
         </a:bodyPr>
         <a:lstStyle/>
         <a:p>
-          <a:pPr lvl="0" algn="l" defTabSz="1600200" rtl="0">
+          <a:pPr lvl="0" algn="l" defTabSz="1289050" rtl="0">
             <a:lnSpc>
               <a:spcPct val="90000"/>
             </a:lnSpc>
@@ -1514,31 +2525,29 @@
             </a:spcAft>
           </a:pPr>
           <a:r>
-            <a:rPr lang="de-DE" sz="3600" kern="1200" dirty="0" smtClean="0"/>
+            <a:rPr lang="de-DE" sz="2900" kern="1200" dirty="0" smtClean="0"/>
             <a:t>Analyse</a:t>
           </a:r>
-          <a:endParaRPr lang="de-DE" sz="3600" kern="1200" dirty="0"/>
+          <a:endParaRPr lang="de-DE" sz="2900" kern="1200" dirty="0"/>
         </a:p>
       </dsp:txBody>
       <dsp:txXfrm>
-        <a:off x="937640" y="1843278"/>
-        <a:ext cx="5283288" cy="809244"/>
+        <a:off x="0" y="1527540"/>
+        <a:ext cx="8153400" cy="678600"/>
       </dsp:txXfrm>
     </dsp:sp>
-    <dsp:sp modelId="{E850A8C1-D9D8-4C3D-9D5D-B12EF5713BC8}">
+    <dsp:sp modelId="{B6417CE5-A261-4775-89F9-5A1D7BCBA06B}">
       <dsp:nvSpPr>
         <dsp:cNvPr id="0" name=""/>
         <dsp:cNvSpPr/>
       </dsp:nvSpPr>
       <dsp:spPr>
         <a:xfrm>
-          <a:off x="1406461" y="2764917"/>
-          <a:ext cx="6278118" cy="809244"/>
+          <a:off x="0" y="2289660"/>
+          <a:ext cx="8153400" cy="678600"/>
         </a:xfrm>
         <a:prstGeom prst="roundRect">
-          <a:avLst>
-            <a:gd name="adj" fmla="val 10000"/>
-          </a:avLst>
+          <a:avLst/>
         </a:prstGeom>
         <a:solidFill>
           <a:schemeClr val="accent1">
@@ -1576,12 +2585,12 @@
         </a:fontRef>
       </dsp:style>
       <dsp:txBody>
-        <a:bodyPr spcFirstLastPara="0" vert="horz" wrap="square" lIns="137160" tIns="137160" rIns="137160" bIns="137160" numCol="1" spcCol="1270" anchor="ctr" anchorCtr="0">
+        <a:bodyPr spcFirstLastPara="0" vert="horz" wrap="square" lIns="110490" tIns="110490" rIns="110490" bIns="110490" numCol="1" spcCol="1270" anchor="ctr" anchorCtr="0">
           <a:noAutofit/>
         </a:bodyPr>
         <a:lstStyle/>
         <a:p>
-          <a:pPr lvl="0" algn="l" defTabSz="1600200" rtl="0">
+          <a:pPr lvl="0" algn="l" defTabSz="1289050" rtl="0">
             <a:lnSpc>
               <a:spcPct val="90000"/>
             </a:lnSpc>
@@ -1593,31 +2602,29 @@
             </a:spcAft>
           </a:pPr>
           <a:r>
-            <a:rPr lang="de-DE" sz="3600" kern="1200" dirty="0" smtClean="0"/>
+            <a:rPr lang="de-DE" sz="2900" kern="1200" dirty="0" smtClean="0"/>
             <a:t>Entwurf</a:t>
           </a:r>
-          <a:endParaRPr lang="de-DE" sz="3600" kern="1200" dirty="0"/>
+          <a:endParaRPr lang="de-DE" sz="2900" kern="1200" dirty="0"/>
         </a:p>
       </dsp:txBody>
       <dsp:txXfrm>
-        <a:off x="1406461" y="2764917"/>
-        <a:ext cx="5283288" cy="809244"/>
+        <a:off x="0" y="2289660"/>
+        <a:ext cx="8153400" cy="678600"/>
       </dsp:txXfrm>
     </dsp:sp>
-    <dsp:sp modelId="{6923DECC-709A-4292-86D7-2FAB6474C6F8}">
+    <dsp:sp modelId="{E9AB6232-7856-484F-B8BB-361EEDE1F174}">
       <dsp:nvSpPr>
         <dsp:cNvPr id="0" name=""/>
         <dsp:cNvSpPr/>
       </dsp:nvSpPr>
       <dsp:spPr>
         <a:xfrm>
-          <a:off x="1875281" y="3686556"/>
-          <a:ext cx="6278118" cy="809244"/>
+          <a:off x="0" y="3051780"/>
+          <a:ext cx="8153400" cy="678600"/>
         </a:xfrm>
         <a:prstGeom prst="roundRect">
-          <a:avLst>
-            <a:gd name="adj" fmla="val 10000"/>
-          </a:avLst>
+          <a:avLst/>
         </a:prstGeom>
         <a:solidFill>
           <a:schemeClr val="accent1">
@@ -1655,12 +2662,12 @@
         </a:fontRef>
       </dsp:style>
       <dsp:txBody>
-        <a:bodyPr spcFirstLastPara="0" vert="horz" wrap="square" lIns="137160" tIns="137160" rIns="137160" bIns="137160" numCol="1" spcCol="1270" anchor="ctr" anchorCtr="0">
+        <a:bodyPr spcFirstLastPara="0" vert="horz" wrap="square" lIns="110490" tIns="110490" rIns="110490" bIns="110490" numCol="1" spcCol="1270" anchor="ctr" anchorCtr="0">
           <a:noAutofit/>
         </a:bodyPr>
         <a:lstStyle/>
         <a:p>
-          <a:pPr lvl="0" algn="l" defTabSz="1600200" rtl="0">
+          <a:pPr lvl="0" algn="l" defTabSz="1289050" rtl="0">
             <a:lnSpc>
               <a:spcPct val="90000"/>
             </a:lnSpc>
@@ -1672,37 +2679,32 @@
             </a:spcAft>
           </a:pPr>
           <a:r>
-            <a:rPr lang="de-DE" sz="3600" kern="1200" dirty="0" smtClean="0"/>
+            <a:rPr lang="de-DE" sz="2900" kern="1200" dirty="0" smtClean="0"/>
             <a:t>Umsetzung</a:t>
           </a:r>
-          <a:endParaRPr lang="de-DE" sz="3600" kern="1200" dirty="0"/>
+          <a:endParaRPr lang="de-DE" sz="2900" kern="1200" dirty="0"/>
         </a:p>
       </dsp:txBody>
       <dsp:txXfrm>
-        <a:off x="1875281" y="3686556"/>
-        <a:ext cx="5283288" cy="809244"/>
+        <a:off x="0" y="3051780"/>
+        <a:ext cx="8153400" cy="678600"/>
       </dsp:txXfrm>
     </dsp:sp>
-    <dsp:sp modelId="{C77EC6D8-8CB6-40C1-B1F8-D6A2F3427D6A}">
+    <dsp:sp modelId="{AEA3363F-66F4-4142-BEA9-DF98CC6AF6A2}">
       <dsp:nvSpPr>
         <dsp:cNvPr id="0" name=""/>
         <dsp:cNvSpPr/>
       </dsp:nvSpPr>
       <dsp:spPr>
         <a:xfrm>
-          <a:off x="5752109" y="591197"/>
-          <a:ext cx="526008" cy="526008"/>
+          <a:off x="0" y="3813900"/>
+          <a:ext cx="8153400" cy="678600"/>
         </a:xfrm>
-        <a:prstGeom prst="downArrow">
-          <a:avLst>
-            <a:gd name="adj1" fmla="val 55000"/>
-            <a:gd name="adj2" fmla="val 45000"/>
-          </a:avLst>
+        <a:prstGeom prst="roundRect">
+          <a:avLst/>
         </a:prstGeom>
         <a:solidFill>
           <a:schemeClr val="accent1">
-            <a:alpha val="90000"/>
-            <a:tint val="40000"/>
             <a:hueOff val="0"/>
             <a:satOff val="0"/>
             <a:lumOff val="0"/>
@@ -1711,9 +2713,7 @@
         </a:solidFill>
         <a:ln w="19050" cap="flat" cmpd="sng" algn="ctr">
           <a:solidFill>
-            <a:schemeClr val="accent1">
-              <a:alpha val="90000"/>
-              <a:tint val="40000"/>
+            <a:schemeClr val="lt1">
               <a:hueOff val="0"/>
               <a:satOff val="0"/>
               <a:lumOff val="0"/>
@@ -1734,15 +2734,17 @@
         <a:effectRef idx="0">
           <a:scrgbClr r="0" g="0" b="0"/>
         </a:effectRef>
-        <a:fontRef idx="minor"/>
+        <a:fontRef idx="minor">
+          <a:schemeClr val="lt1"/>
+        </a:fontRef>
       </dsp:style>
       <dsp:txBody>
-        <a:bodyPr spcFirstLastPara="0" vert="horz" wrap="square" lIns="31750" tIns="31750" rIns="31750" bIns="31750" numCol="1" spcCol="1270" anchor="ctr" anchorCtr="0">
+        <a:bodyPr spcFirstLastPara="0" vert="horz" wrap="square" lIns="110490" tIns="110490" rIns="110490" bIns="110490" numCol="1" spcCol="1270" anchor="ctr" anchorCtr="0">
           <a:noAutofit/>
         </a:bodyPr>
         <a:lstStyle/>
         <a:p>
-          <a:pPr lvl="0" algn="ctr" defTabSz="1111250">
+          <a:pPr lvl="0" algn="l" defTabSz="1289050" rtl="0">
             <a:lnSpc>
               <a:spcPct val="90000"/>
             </a:lnSpc>
@@ -1753,34 +2755,45 @@
               <a:spcPct val="35000"/>
             </a:spcAft>
           </a:pPr>
-          <a:endParaRPr lang="de-DE" sz="2500" kern="1200"/>
+          <a:r>
+            <a:rPr lang="de-DE" sz="2900" kern="1200" dirty="0" smtClean="0"/>
+            <a:t>Nachbetrachtung</a:t>
+          </a:r>
+          <a:endParaRPr lang="de-DE" sz="2900" kern="1200" dirty="0"/>
         </a:p>
       </dsp:txBody>
       <dsp:txXfrm>
-        <a:off x="5752109" y="591197"/>
-        <a:ext cx="526008" cy="526008"/>
+        <a:off x="0" y="3813900"/>
+        <a:ext cx="8153400" cy="678600"/>
       </dsp:txXfrm>
     </dsp:sp>
-    <dsp:sp modelId="{E51F7E02-E163-4FD6-8C0F-3D897CEA290D}">
+  </dsp:spTree>
+</dsp:drawing>
+</file>
+
+<file path=ppt/diagrams/drawing2.xml><?xml version="1.0" encoding="utf-8"?>
+<dsp:drawing xmlns:dgm="http://schemas.openxmlformats.org/drawingml/2006/diagram" xmlns:a="http://schemas.openxmlformats.org/drawingml/2006/main" xmlns:dsp="http://schemas.microsoft.com/office/drawing/2008/diagram">
+  <dsp:spTree>
+    <dsp:nvGrpSpPr>
+      <dsp:cNvPr id="0" name=""/>
+      <dsp:cNvGrpSpPr/>
+    </dsp:nvGrpSpPr>
+    <dsp:grpSpPr/>
+    <dsp:sp modelId="{CA7010D6-0523-46C9-A417-BAB1024A5258}">
       <dsp:nvSpPr>
         <dsp:cNvPr id="0" name=""/>
         <dsp:cNvSpPr/>
       </dsp:nvSpPr>
       <dsp:spPr>
         <a:xfrm>
-          <a:off x="6220929" y="1512836"/>
-          <a:ext cx="526008" cy="526008"/>
+          <a:off x="0" y="320099"/>
+          <a:ext cx="8153400" cy="702000"/>
         </a:xfrm>
-        <a:prstGeom prst="downArrow">
-          <a:avLst>
-            <a:gd name="adj1" fmla="val 55000"/>
-            <a:gd name="adj2" fmla="val 45000"/>
-          </a:avLst>
+        <a:prstGeom prst="roundRect">
+          <a:avLst/>
         </a:prstGeom>
         <a:solidFill>
           <a:schemeClr val="accent1">
-            <a:alpha val="90000"/>
-            <a:tint val="40000"/>
             <a:hueOff val="0"/>
             <a:satOff val="0"/>
             <a:lumOff val="0"/>
@@ -1789,9 +2802,7 @@
         </a:solidFill>
         <a:ln w="19050" cap="flat" cmpd="sng" algn="ctr">
           <a:solidFill>
-            <a:schemeClr val="accent1">
-              <a:alpha val="90000"/>
-              <a:tint val="40000"/>
+            <a:schemeClr val="lt1">
               <a:hueOff val="0"/>
               <a:satOff val="0"/>
               <a:lumOff val="0"/>
@@ -1812,15 +2823,17 @@
         <a:effectRef idx="0">
           <a:scrgbClr r="0" g="0" b="0"/>
         </a:effectRef>
-        <a:fontRef idx="minor"/>
+        <a:fontRef idx="minor">
+          <a:schemeClr val="lt1"/>
+        </a:fontRef>
       </dsp:style>
       <dsp:txBody>
-        <a:bodyPr spcFirstLastPara="0" vert="horz" wrap="square" lIns="31750" tIns="31750" rIns="31750" bIns="31750" numCol="1" spcCol="1270" anchor="ctr" anchorCtr="0">
+        <a:bodyPr spcFirstLastPara="0" vert="horz" wrap="square" lIns="114300" tIns="114300" rIns="114300" bIns="114300" numCol="1" spcCol="1270" anchor="ctr" anchorCtr="0">
           <a:noAutofit/>
         </a:bodyPr>
         <a:lstStyle/>
         <a:p>
-          <a:pPr lvl="0" algn="ctr" defTabSz="1111250">
+          <a:pPr lvl="0" algn="l" defTabSz="1333500" rtl="0">
             <a:lnSpc>
               <a:spcPct val="90000"/>
             </a:lnSpc>
@@ -1831,34 +2844,33 @@
               <a:spcPct val="35000"/>
             </a:spcAft>
           </a:pPr>
-          <a:endParaRPr lang="de-DE" sz="2500" kern="1200"/>
+          <a:r>
+            <a:rPr lang="de-DE" sz="3000" kern="1200" dirty="0" smtClean="0"/>
+            <a:t>Hotel</a:t>
+          </a:r>
+          <a:endParaRPr lang="de-DE" sz="3000" kern="1200" dirty="0"/>
         </a:p>
       </dsp:txBody>
       <dsp:txXfrm>
-        <a:off x="6220929" y="1512836"/>
-        <a:ext cx="526008" cy="526008"/>
+        <a:off x="0" y="320099"/>
+        <a:ext cx="8153400" cy="702000"/>
       </dsp:txXfrm>
     </dsp:sp>
-    <dsp:sp modelId="{0E91D821-4BAB-4204-8AF4-C78F3BB674DD}">
+    <dsp:sp modelId="{EFA95CE2-8A3E-425A-BE8D-BD1105EF3716}">
       <dsp:nvSpPr>
         <dsp:cNvPr id="0" name=""/>
         <dsp:cNvSpPr/>
       </dsp:nvSpPr>
       <dsp:spPr>
         <a:xfrm>
-          <a:off x="6689750" y="2420988"/>
-          <a:ext cx="526008" cy="526008"/>
+          <a:off x="0" y="1108500"/>
+          <a:ext cx="8153400" cy="702000"/>
         </a:xfrm>
-        <a:prstGeom prst="downArrow">
-          <a:avLst>
-            <a:gd name="adj1" fmla="val 55000"/>
-            <a:gd name="adj2" fmla="val 45000"/>
-          </a:avLst>
+        <a:prstGeom prst="roundRect">
+          <a:avLst/>
         </a:prstGeom>
         <a:solidFill>
           <a:schemeClr val="accent1">
-            <a:alpha val="90000"/>
-            <a:tint val="40000"/>
             <a:hueOff val="0"/>
             <a:satOff val="0"/>
             <a:lumOff val="0"/>
@@ -1867,9 +2879,7 @@
         </a:solidFill>
         <a:ln w="19050" cap="flat" cmpd="sng" algn="ctr">
           <a:solidFill>
-            <a:schemeClr val="accent1">
-              <a:alpha val="90000"/>
-              <a:tint val="40000"/>
+            <a:schemeClr val="lt1">
               <a:hueOff val="0"/>
               <a:satOff val="0"/>
               <a:lumOff val="0"/>
@@ -1890,15 +2900,17 @@
         <a:effectRef idx="0">
           <a:scrgbClr r="0" g="0" b="0"/>
         </a:effectRef>
-        <a:fontRef idx="minor"/>
+        <a:fontRef idx="minor">
+          <a:schemeClr val="lt1"/>
+        </a:fontRef>
       </dsp:style>
       <dsp:txBody>
-        <a:bodyPr spcFirstLastPara="0" vert="horz" wrap="square" lIns="31750" tIns="31750" rIns="31750" bIns="31750" numCol="1" spcCol="1270" anchor="ctr" anchorCtr="0">
+        <a:bodyPr spcFirstLastPara="0" vert="horz" wrap="square" lIns="114300" tIns="114300" rIns="114300" bIns="114300" numCol="1" spcCol="1270" anchor="ctr" anchorCtr="0">
           <a:noAutofit/>
         </a:bodyPr>
         <a:lstStyle/>
         <a:p>
-          <a:pPr lvl="0" algn="ctr" defTabSz="1111250">
+          <a:pPr lvl="0" algn="l" defTabSz="1333500" rtl="0">
             <a:lnSpc>
               <a:spcPct val="90000"/>
             </a:lnSpc>
@@ -1909,34 +2921,41 @@
               <a:spcPct val="35000"/>
             </a:spcAft>
           </a:pPr>
-          <a:endParaRPr lang="de-DE" sz="2500" kern="1200"/>
+          <a:r>
+            <a:rPr lang="de-DE" sz="3000" kern="1200" dirty="0" smtClean="0"/>
+            <a:t>Zimmerkategorie (Einzel, Doppel, </a:t>
+          </a:r>
+          <a:r>
+            <a:rPr lang="de-DE" sz="3000" kern="1200" dirty="0" err="1" smtClean="0"/>
+            <a:t>Dreibett</a:t>
+          </a:r>
+          <a:r>
+            <a:rPr lang="de-DE" sz="3000" kern="1200" dirty="0" smtClean="0"/>
+            <a:t> …)</a:t>
+          </a:r>
+          <a:endParaRPr lang="de-DE" sz="3000" kern="1200" dirty="0"/>
         </a:p>
       </dsp:txBody>
       <dsp:txXfrm>
-        <a:off x="6689750" y="2420988"/>
-        <a:ext cx="526008" cy="526008"/>
+        <a:off x="0" y="1108500"/>
+        <a:ext cx="8153400" cy="702000"/>
       </dsp:txXfrm>
     </dsp:sp>
-    <dsp:sp modelId="{A8CA6631-6C56-4AD8-A3AC-71B6E48E9A09}">
+    <dsp:sp modelId="{A69980C4-8503-4685-849B-2E38F36D7439}">
       <dsp:nvSpPr>
         <dsp:cNvPr id="0" name=""/>
         <dsp:cNvSpPr/>
       </dsp:nvSpPr>
       <dsp:spPr>
         <a:xfrm>
-          <a:off x="7158570" y="3351618"/>
-          <a:ext cx="526008" cy="526008"/>
+          <a:off x="0" y="1896900"/>
+          <a:ext cx="8153400" cy="702000"/>
         </a:xfrm>
-        <a:prstGeom prst="downArrow">
-          <a:avLst>
-            <a:gd name="adj1" fmla="val 55000"/>
-            <a:gd name="adj2" fmla="val 45000"/>
-          </a:avLst>
+        <a:prstGeom prst="roundRect">
+          <a:avLst/>
         </a:prstGeom>
         <a:solidFill>
           <a:schemeClr val="accent1">
-            <a:alpha val="90000"/>
-            <a:tint val="40000"/>
             <a:hueOff val="0"/>
             <a:satOff val="0"/>
             <a:lumOff val="0"/>
@@ -1945,9 +2964,7 @@
         </a:solidFill>
         <a:ln w="19050" cap="flat" cmpd="sng" algn="ctr">
           <a:solidFill>
-            <a:schemeClr val="accent1">
-              <a:alpha val="90000"/>
-              <a:tint val="40000"/>
+            <a:schemeClr val="lt1">
               <a:hueOff val="0"/>
               <a:satOff val="0"/>
               <a:lumOff val="0"/>
@@ -1968,15 +2985,17 @@
         <a:effectRef idx="0">
           <a:scrgbClr r="0" g="0" b="0"/>
         </a:effectRef>
-        <a:fontRef idx="minor"/>
+        <a:fontRef idx="minor">
+          <a:schemeClr val="lt1"/>
+        </a:fontRef>
       </dsp:style>
       <dsp:txBody>
-        <a:bodyPr spcFirstLastPara="0" vert="horz" wrap="square" lIns="31750" tIns="31750" rIns="31750" bIns="31750" numCol="1" spcCol="1270" anchor="ctr" anchorCtr="0">
+        <a:bodyPr spcFirstLastPara="0" vert="horz" wrap="square" lIns="114300" tIns="114300" rIns="114300" bIns="114300" numCol="1" spcCol="1270" anchor="ctr" anchorCtr="0">
           <a:noAutofit/>
         </a:bodyPr>
         <a:lstStyle/>
         <a:p>
-          <a:pPr lvl="0" algn="ctr" defTabSz="1111250">
+          <a:pPr lvl="0" algn="l" defTabSz="1333500" rtl="0">
             <a:lnSpc>
               <a:spcPct val="90000"/>
             </a:lnSpc>
@@ -1987,12 +3006,170 @@
               <a:spcPct val="35000"/>
             </a:spcAft>
           </a:pPr>
-          <a:endParaRPr lang="de-DE" sz="2500" kern="1200"/>
+          <a:r>
+            <a:rPr lang="de-DE" sz="3000" kern="1200" dirty="0" smtClean="0"/>
+            <a:t>Zusatzprodukt (Vollpension, Sektfrühstück …)</a:t>
+          </a:r>
+          <a:endParaRPr lang="de-DE" sz="3000" kern="1200" dirty="0"/>
         </a:p>
       </dsp:txBody>
       <dsp:txXfrm>
-        <a:off x="7158570" y="3351618"/>
-        <a:ext cx="526008" cy="526008"/>
+        <a:off x="0" y="1896900"/>
+        <a:ext cx="8153400" cy="702000"/>
+      </dsp:txXfrm>
+    </dsp:sp>
+    <dsp:sp modelId="{D690F0E9-F7A0-456C-A38A-39D1CA58B45A}">
+      <dsp:nvSpPr>
+        <dsp:cNvPr id="0" name=""/>
+        <dsp:cNvSpPr/>
+      </dsp:nvSpPr>
+      <dsp:spPr>
+        <a:xfrm>
+          <a:off x="0" y="2685300"/>
+          <a:ext cx="8153400" cy="702000"/>
+        </a:xfrm>
+        <a:prstGeom prst="roundRect">
+          <a:avLst/>
+        </a:prstGeom>
+        <a:solidFill>
+          <a:schemeClr val="accent1">
+            <a:hueOff val="0"/>
+            <a:satOff val="0"/>
+            <a:lumOff val="0"/>
+            <a:alphaOff val="0"/>
+          </a:schemeClr>
+        </a:solidFill>
+        <a:ln w="19050" cap="flat" cmpd="sng" algn="ctr">
+          <a:solidFill>
+            <a:schemeClr val="lt1">
+              <a:hueOff val="0"/>
+              <a:satOff val="0"/>
+              <a:lumOff val="0"/>
+              <a:alphaOff val="0"/>
+            </a:schemeClr>
+          </a:solidFill>
+          <a:prstDash val="solid"/>
+        </a:ln>
+        <a:effectLst/>
+      </dsp:spPr>
+      <dsp:style>
+        <a:lnRef idx="2">
+          <a:scrgbClr r="0" g="0" b="0"/>
+        </a:lnRef>
+        <a:fillRef idx="1">
+          <a:scrgbClr r="0" g="0" b="0"/>
+        </a:fillRef>
+        <a:effectRef idx="0">
+          <a:scrgbClr r="0" g="0" b="0"/>
+        </a:effectRef>
+        <a:fontRef idx="minor">
+          <a:schemeClr val="lt1"/>
+        </a:fontRef>
+      </dsp:style>
+      <dsp:txBody>
+        <a:bodyPr spcFirstLastPara="0" vert="horz" wrap="square" lIns="114300" tIns="114300" rIns="114300" bIns="114300" numCol="1" spcCol="1270" anchor="ctr" anchorCtr="0">
+          <a:noAutofit/>
+        </a:bodyPr>
+        <a:lstStyle/>
+        <a:p>
+          <a:pPr lvl="0" algn="l" defTabSz="1333500" rtl="0">
+            <a:lnSpc>
+              <a:spcPct val="90000"/>
+            </a:lnSpc>
+            <a:spcBef>
+              <a:spcPct val="0"/>
+            </a:spcBef>
+            <a:spcAft>
+              <a:spcPct val="35000"/>
+            </a:spcAft>
+          </a:pPr>
+          <a:r>
+            <a:rPr lang="de-DE" sz="3000" kern="1200" dirty="0" smtClean="0"/>
+            <a:t>Preis : sämtliche Produkte</a:t>
+          </a:r>
+          <a:endParaRPr lang="de-DE" sz="3000" kern="1200" dirty="0"/>
+        </a:p>
+      </dsp:txBody>
+      <dsp:txXfrm>
+        <a:off x="0" y="2685300"/>
+        <a:ext cx="8153400" cy="702000"/>
+      </dsp:txXfrm>
+    </dsp:sp>
+    <dsp:sp modelId="{58810C48-8A3C-4183-A0FC-03FC346358D4}">
+      <dsp:nvSpPr>
+        <dsp:cNvPr id="0" name=""/>
+        <dsp:cNvSpPr/>
+      </dsp:nvSpPr>
+      <dsp:spPr>
+        <a:xfrm>
+          <a:off x="0" y="3473700"/>
+          <a:ext cx="8153400" cy="702000"/>
+        </a:xfrm>
+        <a:prstGeom prst="roundRect">
+          <a:avLst/>
+        </a:prstGeom>
+        <a:solidFill>
+          <a:schemeClr val="accent1">
+            <a:hueOff val="0"/>
+            <a:satOff val="0"/>
+            <a:lumOff val="0"/>
+            <a:alphaOff val="0"/>
+          </a:schemeClr>
+        </a:solidFill>
+        <a:ln w="19050" cap="flat" cmpd="sng" algn="ctr">
+          <a:solidFill>
+            <a:schemeClr val="lt1">
+              <a:hueOff val="0"/>
+              <a:satOff val="0"/>
+              <a:lumOff val="0"/>
+              <a:alphaOff val="0"/>
+            </a:schemeClr>
+          </a:solidFill>
+          <a:prstDash val="solid"/>
+        </a:ln>
+        <a:effectLst/>
+      </dsp:spPr>
+      <dsp:style>
+        <a:lnRef idx="2">
+          <a:scrgbClr r="0" g="0" b="0"/>
+        </a:lnRef>
+        <a:fillRef idx="1">
+          <a:scrgbClr r="0" g="0" b="0"/>
+        </a:fillRef>
+        <a:effectRef idx="0">
+          <a:scrgbClr r="0" g="0" b="0"/>
+        </a:effectRef>
+        <a:fontRef idx="minor">
+          <a:schemeClr val="lt1"/>
+        </a:fontRef>
+      </dsp:style>
+      <dsp:txBody>
+        <a:bodyPr spcFirstLastPara="0" vert="horz" wrap="square" lIns="114300" tIns="114300" rIns="114300" bIns="114300" numCol="1" spcCol="1270" anchor="ctr" anchorCtr="0">
+          <a:noAutofit/>
+        </a:bodyPr>
+        <a:lstStyle/>
+        <a:p>
+          <a:pPr lvl="0" algn="l" defTabSz="1333500" rtl="0">
+            <a:lnSpc>
+              <a:spcPct val="90000"/>
+            </a:lnSpc>
+            <a:spcBef>
+              <a:spcPct val="0"/>
+            </a:spcBef>
+            <a:spcAft>
+              <a:spcPct val="35000"/>
+            </a:spcAft>
+          </a:pPr>
+          <a:r>
+            <a:rPr lang="de-DE" sz="3000" kern="1200" dirty="0" smtClean="0"/>
+            <a:t>Verfügbarkeit : nur für Zimmerkategorie</a:t>
+          </a:r>
+          <a:endParaRPr lang="de-DE" sz="3000" kern="1200" dirty="0"/>
+        </a:p>
+      </dsp:txBody>
+      <dsp:txXfrm>
+        <a:off x="0" y="3473700"/>
+        <a:ext cx="8153400" cy="702000"/>
       </dsp:txXfrm>
     </dsp:sp>
   </dsp:spTree>
@@ -2000,11 +3177,12 @@
 </file>
 
 <file path=ppt/diagrams/layout1.xml><?xml version="1.0" encoding="utf-8"?>
-<dgm:layoutDef xmlns:dgm="http://schemas.openxmlformats.org/drawingml/2006/diagram" xmlns:a="http://schemas.openxmlformats.org/drawingml/2006/main" uniqueId="urn:microsoft.com/office/officeart/2005/8/layout/vProcess5">
+<dgm:layoutDef xmlns:dgm="http://schemas.openxmlformats.org/drawingml/2006/diagram" xmlns:a="http://schemas.openxmlformats.org/drawingml/2006/main" uniqueId="urn:microsoft.com/office/officeart/2005/8/layout/vList2">
   <dgm:title val=""/>
   <dgm:desc val=""/>
   <dgm:catLst>
-    <dgm:cat type="process" pri="14000"/>
+    <dgm:cat type="list" pri="3000"/>
+    <dgm:cat type="convert" pri="1000"/>
   </dgm:catLst>
   <dgm:sampData>
     <dgm:dataModel>
@@ -2013,17 +3191,21 @@
         <dgm:pt modelId="1">
           <dgm:prSet phldr="1"/>
         </dgm:pt>
+        <dgm:pt modelId="11">
+          <dgm:prSet phldr="1"/>
+        </dgm:pt>
         <dgm:pt modelId="2">
           <dgm:prSet phldr="1"/>
         </dgm:pt>
-        <dgm:pt modelId="3">
+        <dgm:pt modelId="21">
           <dgm:prSet phldr="1"/>
         </dgm:pt>
       </dgm:ptLst>
       <dgm:cxnLst>
-        <dgm:cxn modelId="5" srcId="0" destId="1" srcOrd="0" destOrd="0"/>
-        <dgm:cxn modelId="6" srcId="0" destId="2" srcOrd="1" destOrd="0"/>
-        <dgm:cxn modelId="7" srcId="0" destId="3" srcOrd="2" destOrd="0"/>
+        <dgm:cxn modelId="4" srcId="0" destId="1" srcOrd="0" destOrd="0"/>
+        <dgm:cxn modelId="5" srcId="0" destId="2" srcOrd="1" destOrd="0"/>
+        <dgm:cxn modelId="12" srcId="1" destId="11" srcOrd="0" destOrd="0"/>
+        <dgm:cxn modelId="23" srcId="2" destId="21" srcOrd="0" destOrd="0"/>
       </dgm:cxnLst>
       <dgm:bg/>
       <dgm:whole/>
@@ -2054,1178 +3236,1315 @@
         <dgm:pt modelId="4"/>
       </dgm:ptLst>
       <dgm:cxnLst>
-        <dgm:cxn modelId="6" srcId="0" destId="1" srcOrd="0" destOrd="0"/>
-        <dgm:cxn modelId="7" srcId="0" destId="2" srcOrd="1" destOrd="0"/>
-        <dgm:cxn modelId="8" srcId="0" destId="3" srcOrd="2" destOrd="0"/>
-        <dgm:cxn modelId="9" srcId="0" destId="4" srcOrd="3" destOrd="0"/>
+        <dgm:cxn modelId="5" srcId="0" destId="1" srcOrd="0" destOrd="0"/>
+        <dgm:cxn modelId="6" srcId="0" destId="2" srcOrd="1" destOrd="0"/>
+        <dgm:cxn modelId="7" srcId="0" destId="3" srcOrd="2" destOrd="0"/>
+        <dgm:cxn modelId="8" srcId="0" destId="4" srcOrd="3" destOrd="0"/>
       </dgm:cxnLst>
       <dgm:bg/>
       <dgm:whole/>
     </dgm:dataModel>
   </dgm:clrData>
-  <dgm:layoutNode name="outerComposite">
+  <dgm:layoutNode name="linear">
     <dgm:varLst>
-      <dgm:chMax val="5"/>
-      <dgm:dir/>
+      <dgm:animLvl val="lvl"/>
       <dgm:resizeHandles val="exact"/>
     </dgm:varLst>
-    <dgm:alg type="composite"/>
+    <dgm:alg type="lin">
+      <dgm:param type="linDir" val="fromT"/>
+      <dgm:param type="vertAlign" val="mid"/>
+    </dgm:alg>
     <dgm:shape xmlns:r="http://schemas.openxmlformats.org/officeDocument/2006/relationships" r:blip="">
       <dgm:adjLst/>
     </dgm:shape>
     <dgm:presOf/>
-    <dgm:choose name="Name0">
-      <dgm:if name="Name1" func="var" arg="dir" op="equ" val="norm">
+    <dgm:constrLst>
+      <dgm:constr type="w" for="ch" forName="parentText" refType="w"/>
+      <dgm:constr type="h" for="ch" forName="parentText" refType="primFontSz" refFor="ch" refForName="parentText" fact="0.52"/>
+      <dgm:constr type="w" for="ch" forName="childText" refType="w"/>
+      <dgm:constr type="h" for="ch" forName="childText" refType="primFontSz" refFor="ch" refForName="parentText" fact="0.46"/>
+      <dgm:constr type="h" for="ch" forName="parentText" op="equ"/>
+      <dgm:constr type="primFontSz" for="ch" forName="parentText" op="equ" val="65"/>
+      <dgm:constr type="primFontSz" for="ch" forName="childText" refType="primFontSz" refFor="ch" refForName="parentText" op="equ"/>
+      <dgm:constr type="h" for="ch" forName="spacer" refType="primFontSz" refFor="ch" refForName="parentText" fact="0.08"/>
+    </dgm:constrLst>
+    <dgm:ruleLst>
+      <dgm:rule type="primFontSz" for="ch" forName="parentText" val="5" fact="NaN" max="NaN"/>
+    </dgm:ruleLst>
+    <dgm:forEach name="Name0" axis="ch" ptType="node">
+      <dgm:layoutNode name="parentText" styleLbl="node1">
+        <dgm:varLst>
+          <dgm:chMax val="0"/>
+          <dgm:bulletEnabled val="1"/>
+        </dgm:varLst>
+        <dgm:alg type="tx">
+          <dgm:param type="parTxLTRAlign" val="l"/>
+          <dgm:param type="parTxRTLAlign" val="r"/>
+        </dgm:alg>
+        <dgm:shape xmlns:r="http://schemas.openxmlformats.org/officeDocument/2006/relationships" type="roundRect" r:blip="">
+          <dgm:adjLst/>
+        </dgm:shape>
+        <dgm:presOf axis="self"/>
         <dgm:constrLst>
-          <dgm:constr type="primFontSz" for="ch" ptType="node" op="equ" val="65"/>
-          <dgm:constr type="w" for="ch" forName="dummyMaxCanvas" refType="w"/>
-          <dgm:constr type="h" for="ch" forName="dummyMaxCanvas" refType="h"/>
-          <dgm:constr type="w" for="ch" forName="OneNode_1" refType="w"/>
-          <dgm:constr type="h" for="ch" forName="OneNode_1" refType="h" fact="0.5"/>
-          <dgm:constr type="ctrY" for="ch" forName="OneNode_1" refType="h" fact="0.5"/>
-          <dgm:constr type="w" for="ch" forName="TwoNodes_1" refType="w" fact="0.85"/>
-          <dgm:constr type="h" for="ch" forName="TwoNodes_1" refType="h" fact="0.45"/>
-          <dgm:constr type="t" for="ch" forName="TwoNodes_1"/>
-          <dgm:constr type="l" for="ch" forName="TwoNodes_1"/>
-          <dgm:constr type="w" for="ch" forName="TwoNodes_2" refType="w" fact="0.85"/>
-          <dgm:constr type="h" for="ch" forName="TwoNodes_2" refType="h" fact="0.45"/>
-          <dgm:constr type="b" for="ch" forName="TwoNodes_2" refType="h"/>
-          <dgm:constr type="r" for="ch" forName="TwoNodes_2" refType="w"/>
-          <dgm:constr type="w" for="ch" forName="TwoConn_1-2" refType="h" refFor="ch" refForName="TwoNodes_1" fact="0.65"/>
-          <dgm:constr type="h" for="ch" forName="TwoConn_1-2" refType="h" refFor="ch" refForName="TwoNodes_1" fact="0.65"/>
-          <dgm:constr type="ctrY" for="ch" forName="TwoConn_1-2" refType="h" fact="0.5"/>
-          <dgm:constr type="r" for="ch" forName="TwoConn_1-2" refType="r" refFor="ch" refForName="TwoNodes_1"/>
-          <dgm:constr type="r" for="ch" forName="TwoNodes_1_text" refType="l" refFor="ch" refForName="TwoConn_1-2"/>
-          <dgm:constr type="rOff" for="ch" forName="TwoNodes_1_text" refType="w" refFor="ch" refForName="TwoConn_1-2" fact="-0.5"/>
-          <dgm:constr type="t" for="ch" forName="TwoNodes_1_text" refType="t" refFor="ch" refForName="TwoNodes_1"/>
-          <dgm:constr type="b" for="ch" forName="TwoNodes_1_text" refType="b" refFor="ch" refForName="TwoNodes_1"/>
-          <dgm:constr type="l" for="ch" forName="TwoNodes_1_text" refType="l" refFor="ch" refForName="TwoNodes_1"/>
-          <dgm:constr type="r" for="ch" forName="TwoNodes_2_text" refType="l" refFor="ch" refForName="TwoConn_1-2"/>
-          <dgm:constr type="t" for="ch" forName="TwoNodes_2_text" refType="t" refFor="ch" refForName="TwoNodes_2"/>
-          <dgm:constr type="b" for="ch" forName="TwoNodes_2_text" refType="b" refFor="ch" refForName="TwoNodes_2"/>
-          <dgm:constr type="l" for="ch" forName="TwoNodes_2_text" refType="l" refFor="ch" refForName="TwoNodes_2"/>
-          <dgm:constr type="w" for="ch" forName="ThreeNodes_1" refType="w" fact="0.85"/>
-          <dgm:constr type="h" for="ch" forName="ThreeNodes_1" refType="h" fact="0.3"/>
-          <dgm:constr type="t" for="ch" forName="ThreeNodes_1"/>
-          <dgm:constr type="l" for="ch" forName="ThreeNodes_1"/>
-          <dgm:constr type="w" for="ch" forName="ThreeNodes_2" refType="w" fact="0.85"/>
-          <dgm:constr type="h" for="ch" forName="ThreeNodes_2" refType="h" fact="0.3"/>
-          <dgm:constr type="ctrY" for="ch" forName="ThreeNodes_2" refType="h" fact="0.5"/>
-          <dgm:constr type="ctrX" for="ch" forName="ThreeNodes_2" refType="w" fact="0.5"/>
-          <dgm:constr type="w" for="ch" forName="ThreeNodes_3" refType="w" fact="0.85"/>
-          <dgm:constr type="h" for="ch" forName="ThreeNodes_3" refType="h" fact="0.3"/>
-          <dgm:constr type="b" for="ch" forName="ThreeNodes_3" refType="h"/>
-          <dgm:constr type="r" for="ch" forName="ThreeNodes_3" refType="w"/>
-          <dgm:constr type="w" for="ch" forName="ThreeConn_1-2" refType="h" refFor="ch" refForName="ThreeNodes_1" fact="0.65"/>
-          <dgm:constr type="h" for="ch" forName="ThreeConn_1-2" refType="h" refFor="ch" refForName="ThreeNodes_1" fact="0.65"/>
-          <dgm:constr type="ctrY" for="ch" forName="ThreeConn_1-2" refType="h" fact="0.325"/>
-          <dgm:constr type="r" for="ch" forName="ThreeConn_1-2" refType="r" refFor="ch" refForName="ThreeNodes_1"/>
-          <dgm:constr type="w" for="ch" forName="ThreeConn_2-3" refType="h" refFor="ch" refForName="ThreeNodes_2" fact="0.65"/>
-          <dgm:constr type="h" for="ch" forName="ThreeConn_2-3" refType="h" refFor="ch" refForName="ThreeNodes_2" fact="0.65"/>
-          <dgm:constr type="ctrY" for="ch" forName="ThreeConn_2-3" refType="h" fact="0.673"/>
-          <dgm:constr type="r" for="ch" forName="ThreeConn_2-3" refType="r" refFor="ch" refForName="ThreeNodes_2"/>
-          <dgm:constr type="r" for="ch" forName="ThreeNodes_1_text" refType="l" refFor="ch" refForName="ThreeConn_1-2"/>
-          <dgm:constr type="rOff" for="ch" forName="ThreeNodes_1_text" refType="w" refFor="ch" refForName="ThreeConn_1-2" fact="-0.57"/>
-          <dgm:constr type="t" for="ch" forName="ThreeNodes_1_text" refType="t" refFor="ch" refForName="ThreeNodes_1"/>
-          <dgm:constr type="b" for="ch" forName="ThreeNodes_1_text" refType="b" refFor="ch" refForName="ThreeNodes_1"/>
-          <dgm:constr type="l" for="ch" forName="ThreeNodes_1_text" refType="l" refFor="ch" refForName="ThreeNodes_1"/>
-          <dgm:constr type="r" for="ch" forName="ThreeNodes_2_text" refType="l" refFor="ch" refForName="ThreeConn_1-2"/>
-          <dgm:constr type="t" for="ch" forName="ThreeNodes_2_text" refType="t" refFor="ch" refForName="ThreeNodes_2"/>
-          <dgm:constr type="b" for="ch" forName="ThreeNodes_2_text" refType="b" refFor="ch" refForName="ThreeNodes_2"/>
-          <dgm:constr type="l" for="ch" forName="ThreeNodes_2_text" refType="l" refFor="ch" refForName="ThreeNodes_2"/>
-          <dgm:constr type="r" for="ch" forName="ThreeNodes_3_text" refType="l" refFor="ch" refForName="ThreeConn_2-3"/>
-          <dgm:constr type="t" for="ch" forName="ThreeNodes_3_text" refType="t" refFor="ch" refForName="ThreeNodes_3"/>
-          <dgm:constr type="b" for="ch" forName="ThreeNodes_3_text" refType="b" refFor="ch" refForName="ThreeNodes_3"/>
-          <dgm:constr type="l" for="ch" forName="ThreeNodes_3_text" refType="l" refFor="ch" refForName="ThreeNodes_3"/>
-          <dgm:constr type="w" for="ch" forName="FourNodes_1" refType="w" fact="0.8"/>
-          <dgm:constr type="h" for="ch" forName="FourNodes_1" refType="h" fact="0.22"/>
-          <dgm:constr type="t" for="ch" forName="FourNodes_1"/>
-          <dgm:constr type="l" for="ch" forName="FourNodes_1"/>
-          <dgm:constr type="w" for="ch" forName="FourNodes_2" refType="w" fact="0.8"/>
-          <dgm:constr type="h" for="ch" forName="FourNodes_2" refType="h" fact="0.22"/>
-          <dgm:constr type="ctrY" for="ch" forName="FourNodes_2" refType="h" fact="0.37"/>
-          <dgm:constr type="ctrX" for="ch" forName="FourNodes_2" refType="w" fact="0.467"/>
-          <dgm:constr type="w" for="ch" forName="FourNodes_3" refType="w" fact="0.8"/>
-          <dgm:constr type="h" for="ch" forName="FourNodes_3" refType="h" fact="0.22"/>
-          <dgm:constr type="ctrY" for="ch" forName="FourNodes_3" refType="h" fact="0.63"/>
-          <dgm:constr type="ctrX" for="ch" forName="FourNodes_3" refType="w" fact="0.533"/>
-          <dgm:constr type="w" for="ch" forName="FourNodes_4" refType="w" fact="0.8"/>
-          <dgm:constr type="h" for="ch" forName="FourNodes_4" refType="h" fact="0.22"/>
-          <dgm:constr type="b" for="ch" forName="FourNodes_4" refType="h"/>
-          <dgm:constr type="r" for="ch" forName="FourNodes_4" refType="w"/>
-          <dgm:constr type="w" for="ch" forName="FourConn_1-2" refType="h" refFor="ch" refForName="FourNodes_1" fact="0.65"/>
-          <dgm:constr type="h" for="ch" forName="FourConn_1-2" refType="h" refFor="ch" refForName="FourNodes_1" fact="0.65"/>
-          <dgm:constr type="ctrY" for="ch" forName="FourConn_1-2" refType="h" fact="0.24"/>
-          <dgm:constr type="r" for="ch" forName="FourConn_1-2" refType="r" refFor="ch" refForName="FourNodes_1"/>
-          <dgm:constr type="w" for="ch" forName="FourConn_2-3" refType="h" refFor="ch" refForName="FourNodes_2" fact="0.65"/>
-          <dgm:constr type="h" for="ch" forName="FourConn_2-3" refType="h" refFor="ch" refForName="FourNodes_2" fact="0.65"/>
-          <dgm:constr type="ctrY" for="ch" forName="FourConn_2-3" refType="h" fact="0.5"/>
-          <dgm:constr type="r" for="ch" forName="FourConn_2-3" refType="r" refFor="ch" refForName="FourNodes_2"/>
-          <dgm:constr type="w" for="ch" forName="FourConn_3-4" refType="h" refFor="ch" refForName="FourNodes_3" fact="0.65"/>
-          <dgm:constr type="h" for="ch" forName="FourConn_3-4" refType="h" refFor="ch" refForName="FourNodes_3" fact="0.65"/>
-          <dgm:constr type="ctrY" for="ch" forName="FourConn_3-4" refType="h" fact="0.76"/>
-          <dgm:constr type="r" for="ch" forName="FourConn_3-4" refType="r" refFor="ch" refForName="FourNodes_3"/>
-          <dgm:constr type="r" for="ch" forName="FourNodes_1_text" refType="l" refFor="ch" refForName="FourConn_1-2"/>
-          <dgm:constr type="rOff" for="ch" forName="FourNodes_1_text" refType="w" refFor="ch" refForName="FourConn_1-2" fact="-0.7"/>
-          <dgm:constr type="t" for="ch" forName="FourNodes_1_text" refType="t" refFor="ch" refForName="FourNodes_1"/>
-          <dgm:constr type="b" for="ch" forName="FourNodes_1_text" refType="b" refFor="ch" refForName="FourNodes_1"/>
-          <dgm:constr type="l" for="ch" forName="FourNodes_1_text" refType="l" refFor="ch" refForName="FourNodes_1"/>
-          <dgm:constr type="r" for="ch" forName="FourNodes_2_text" refType="l" refFor="ch" refForName="FourConn_1-2"/>
-          <dgm:constr type="t" for="ch" forName="FourNodes_2_text" refType="t" refFor="ch" refForName="FourNodes_2"/>
-          <dgm:constr type="b" for="ch" forName="FourNodes_2_text" refType="b" refFor="ch" refForName="FourNodes_2"/>
-          <dgm:constr type="l" for="ch" forName="FourNodes_2_text" refType="l" refFor="ch" refForName="FourNodes_2"/>
-          <dgm:constr type="r" for="ch" forName="FourNodes_3_text" refType="l" refFor="ch" refForName="FourConn_2-3"/>
-          <dgm:constr type="t" for="ch" forName="FourNodes_3_text" refType="t" refFor="ch" refForName="FourNodes_3"/>
-          <dgm:constr type="b" for="ch" forName="FourNodes_3_text" refType="b" refFor="ch" refForName="FourNodes_3"/>
-          <dgm:constr type="l" for="ch" forName="FourNodes_3_text" refType="l" refFor="ch" refForName="FourNodes_3"/>
-          <dgm:constr type="r" for="ch" forName="FourNodes_4_text" refType="l" refFor="ch" refForName="FourConn_3-4"/>
-          <dgm:constr type="t" for="ch" forName="FourNodes_4_text" refType="t" refFor="ch" refForName="FourNodes_4"/>
-          <dgm:constr type="b" for="ch" forName="FourNodes_4_text" refType="b" refFor="ch" refForName="FourNodes_4"/>
-          <dgm:constr type="l" for="ch" forName="FourNodes_4_text" refType="l" refFor="ch" refForName="FourNodes_4"/>
-          <dgm:constr type="w" for="ch" forName="FiveNodes_1" refType="w" fact="0.77"/>
-          <dgm:constr type="h" for="ch" forName="FiveNodes_1" refType="h" fact="0.18"/>
-          <dgm:constr type="t" for="ch" forName="FiveNodes_1"/>
-          <dgm:constr type="l" for="ch" forName="FiveNodes_1"/>
-          <dgm:constr type="w" for="ch" forName="FiveNodes_2" refType="w" fact="0.77"/>
-          <dgm:constr type="h" for="ch" forName="FiveNodes_2" refType="h" fact="0.18"/>
-          <dgm:constr type="ctrY" for="ch" forName="FiveNodes_2" refType="h" fact="0.295"/>
-          <dgm:constr type="ctrX" for="ch" forName="FiveNodes_2" refType="w" fact="0.4425"/>
-          <dgm:constr type="w" for="ch" forName="FiveNodes_3" refType="w" fact="0.77"/>
-          <dgm:constr type="h" for="ch" forName="FiveNodes_3" refType="h" fact="0.18"/>
-          <dgm:constr type="ctrY" for="ch" forName="FiveNodes_3" refType="h" fact="0.5"/>
-          <dgm:constr type="ctrX" for="ch" forName="FiveNodes_3" refType="w" fact="0.5"/>
-          <dgm:constr type="w" for="ch" forName="FiveNodes_4" refType="w" fact="0.77"/>
-          <dgm:constr type="h" for="ch" forName="FiveNodes_4" refType="h" fact="0.18"/>
-          <dgm:constr type="ctrY" for="ch" forName="FiveNodes_4" refType="h" fact="0.705"/>
-          <dgm:constr type="ctrX" for="ch" forName="FiveNodes_4" refType="w" fact="0.5575"/>
-          <dgm:constr type="w" for="ch" forName="FiveNodes_5" refType="w" fact="0.77"/>
-          <dgm:constr type="h" for="ch" forName="FiveNodes_5" refType="h" fact="0.18"/>
-          <dgm:constr type="b" for="ch" forName="FiveNodes_5" refType="h"/>
-          <dgm:constr type="r" for="ch" forName="FiveNodes_5" refType="w"/>
-          <dgm:constr type="w" for="ch" forName="FiveConn_1-2" refType="h" refFor="ch" refForName="FiveNodes_1" fact="0.65"/>
-          <dgm:constr type="h" for="ch" forName="FiveConn_1-2" refType="h" refFor="ch" refForName="FiveNodes_1" fact="0.65"/>
-          <dgm:constr type="ctrY" for="ch" forName="FiveConn_1-2" refType="h" fact="0.19"/>
-          <dgm:constr type="r" for="ch" forName="FiveConn_1-2" refType="r" refFor="ch" refForName="FiveNodes_1"/>
-          <dgm:constr type="w" for="ch" forName="FiveConn_2-3" refType="h" refFor="ch" refForName="FiveNodes_2" fact="0.65"/>
-          <dgm:constr type="h" for="ch" forName="FiveConn_2-3" refType="h" refFor="ch" refForName="FiveNodes_2" fact="0.65"/>
-          <dgm:constr type="ctrY" for="ch" forName="FiveConn_2-3" refType="h" fact="0.395"/>
-          <dgm:constr type="r" for="ch" forName="FiveConn_2-3" refType="r" refFor="ch" refForName="FiveNodes_2"/>
-          <dgm:constr type="w" for="ch" forName="FiveConn_3-4" refType="h" refFor="ch" refForName="FiveNodes_3" fact="0.65"/>
-          <dgm:constr type="h" for="ch" forName="FiveConn_3-4" refType="h" refFor="ch" refForName="FiveNodes_3" fact="0.65"/>
-          <dgm:constr type="ctrY" for="ch" forName="FiveConn_3-4" refType="h" fact="0.597"/>
-          <dgm:constr type="r" for="ch" forName="FiveConn_3-4" refType="r" refFor="ch" refForName="FiveNodes_3"/>
-          <dgm:constr type="w" for="ch" forName="FiveConn_4-5" refType="h" refFor="ch" refForName="FiveNodes_4" fact="0.65"/>
-          <dgm:constr type="h" for="ch" forName="FiveConn_4-5" refType="h" refFor="ch" refForName="FiveNodes_4" fact="0.65"/>
-          <dgm:constr type="ctrY" for="ch" forName="FiveConn_4-5" refType="h" fact="0.804"/>
-          <dgm:constr type="r" for="ch" forName="FiveConn_4-5" refType="r" refFor="ch" refForName="FiveNodes_4"/>
-          <dgm:constr type="r" for="ch" forName="FiveNodes_1_text" refType="l" refFor="ch" refForName="FiveConn_1-2"/>
-          <dgm:constr type="rOff" for="ch" forName="FiveNodes_1_text" refType="w" refFor="ch" refForName="FiveConn_1-2" fact="-0.75"/>
-          <dgm:constr type="t" for="ch" forName="FiveNodes_1_text" refType="t" refFor="ch" refForName="FiveNodes_1"/>
-          <dgm:constr type="b" for="ch" forName="FiveNodes_1_text" refType="b" refFor="ch" refForName="FiveNodes_1"/>
-          <dgm:constr type="l" for="ch" forName="FiveNodes_1_text" refType="l" refFor="ch" refForName="FiveNodes_1"/>
-          <dgm:constr type="r" for="ch" forName="FiveNodes_2_text" refType="l" refFor="ch" refForName="FiveConn_1-2"/>
-          <dgm:constr type="t" for="ch" forName="FiveNodes_2_text" refType="t" refFor="ch" refForName="FiveNodes_2"/>
-          <dgm:constr type="b" for="ch" forName="FiveNodes_2_text" refType="b" refFor="ch" refForName="FiveNodes_2"/>
-          <dgm:constr type="l" for="ch" forName="FiveNodes_2_text" refType="l" refFor="ch" refForName="FiveNodes_2"/>
-          <dgm:constr type="r" for="ch" forName="FiveNodes_3_text" refType="l" refFor="ch" refForName="FiveConn_2-3"/>
-          <dgm:constr type="t" for="ch" forName="FiveNodes_3_text" refType="t" refFor="ch" refForName="FiveNodes_3"/>
-          <dgm:constr type="b" for="ch" forName="FiveNodes_3_text" refType="b" refFor="ch" refForName="FiveNodes_3"/>
-          <dgm:constr type="l" for="ch" forName="FiveNodes_3_text" refType="l" refFor="ch" refForName="FiveNodes_3"/>
-          <dgm:constr type="r" for="ch" forName="FiveNodes_4_text" refType="l" refFor="ch" refForName="FiveConn_3-4"/>
-          <dgm:constr type="t" for="ch" forName="FiveNodes_4_text" refType="t" refFor="ch" refForName="FiveNodes_4"/>
-          <dgm:constr type="b" for="ch" forName="FiveNodes_4_text" refType="b" refFor="ch" refForName="FiveNodes_4"/>
-          <dgm:constr type="l" for="ch" forName="FiveNodes_4_text" refType="l" refFor="ch" refForName="FiveNodes_4"/>
-          <dgm:constr type="r" for="ch" forName="FiveNodes_5_text" refType="l" refFor="ch" refForName="FiveConn_4-5"/>
-          <dgm:constr type="t" for="ch" forName="FiveNodes_5_text" refType="t" refFor="ch" refForName="FiveNodes_5"/>
-          <dgm:constr type="b" for="ch" forName="FiveNodes_5_text" refType="b" refFor="ch" refForName="FiveNodes_5"/>
-          <dgm:constr type="l" for="ch" forName="FiveNodes_5_text" refType="l" refFor="ch" refForName="FiveNodes_5"/>
+          <dgm:constr type="tMarg" refType="primFontSz" fact="0.3"/>
+          <dgm:constr type="bMarg" refType="primFontSz" fact="0.3"/>
+          <dgm:constr type="lMarg" refType="primFontSz" fact="0.3"/>
+          <dgm:constr type="rMarg" refType="primFontSz" fact="0.3"/>
         </dgm:constrLst>
-      </dgm:if>
-      <dgm:else name="Name2">
-        <dgm:constrLst>
-          <dgm:constr type="primFontSz" for="ch" ptType="node" op="equ" val="65"/>
-          <dgm:constr type="w" for="ch" forName="dummyMaxCanvas" refType="w"/>
-          <dgm:constr type="h" for="ch" forName="dummyMaxCanvas" refType="h"/>
-          <dgm:constr type="w" for="ch" forName="OneNode_1" refType="w"/>
-          <dgm:constr type="h" for="ch" forName="OneNode_1" refType="h" fact="0.5"/>
-          <dgm:constr type="ctrY" for="ch" forName="OneNode_1" refType="h" fact="0.5"/>
-          <dgm:constr type="w" for="ch" forName="TwoNodes_1" refType="w" fact="0.85"/>
-          <dgm:constr type="h" for="ch" forName="TwoNodes_1" refType="h" fact="0.45"/>
-          <dgm:constr type="t" for="ch" forName="TwoNodes_1"/>
-          <dgm:constr type="r" for="ch" forName="TwoNodes_1" refType="w"/>
-          <dgm:constr type="w" for="ch" forName="TwoNodes_2" refType="w" fact="0.85"/>
-          <dgm:constr type="h" for="ch" forName="TwoNodes_2" refType="h" fact="0.45"/>
-          <dgm:constr type="b" for="ch" forName="TwoNodes_2" refType="h"/>
-          <dgm:constr type="l" for="ch" forName="TwoNodes_2"/>
-          <dgm:constr type="w" for="ch" forName="TwoConn_1-2" refType="h" refFor="ch" refForName="TwoNodes_1" fact="0.65"/>
-          <dgm:constr type="h" for="ch" forName="TwoConn_1-2" refType="h" refFor="ch" refForName="TwoNodes_1" fact="0.65"/>
-          <dgm:constr type="ctrY" for="ch" forName="TwoConn_1-2" refType="h" fact="0.5"/>
-          <dgm:constr type="l" for="ch" forName="TwoConn_1-2" refType="l" refFor="ch" refForName="TwoNodes_1"/>
-          <dgm:constr type="l" for="ch" forName="TwoNodes_1_text" refType="r" refFor="ch" refForName="TwoConn_1-2"/>
-          <dgm:constr type="lOff" for="ch" forName="TwoNodes_1_text" refType="w" refFor="ch" refForName="TwoConn_1-2" fact="0.5"/>
-          <dgm:constr type="t" for="ch" forName="TwoNodes_1_text" refType="t" refFor="ch" refForName="TwoNodes_1"/>
-          <dgm:constr type="b" for="ch" forName="TwoNodes_1_text" refType="b" refFor="ch" refForName="TwoNodes_1"/>
-          <dgm:constr type="r" for="ch" forName="TwoNodes_1_text" refType="r" refFor="ch" refForName="TwoNodes_1"/>
-          <dgm:constr type="l" for="ch" forName="TwoNodes_2_text" refType="r" refFor="ch" refForName="TwoConn_1-2"/>
-          <dgm:constr type="t" for="ch" forName="TwoNodes_2_text" refType="t" refFor="ch" refForName="TwoNodes_2"/>
-          <dgm:constr type="b" for="ch" forName="TwoNodes_2_text" refType="b" refFor="ch" refForName="TwoNodes_2"/>
-          <dgm:constr type="r" for="ch" forName="TwoNodes_2_text" refType="r" refFor="ch" refForName="TwoNodes_2"/>
-          <dgm:constr type="w" for="ch" forName="ThreeNodes_1" refType="w" fact="0.85"/>
-          <dgm:constr type="h" for="ch" forName="ThreeNodes_1" refType="h" fact="0.3"/>
-          <dgm:constr type="t" for="ch" forName="ThreeNodes_1"/>
-          <dgm:constr type="r" for="ch" forName="ThreeNodes_1" refType="w"/>
-          <dgm:constr type="w" for="ch" forName="ThreeNodes_2" refType="w" fact="0.85"/>
-          <dgm:constr type="h" for="ch" forName="ThreeNodes_2" refType="h" fact="0.3"/>
-          <dgm:constr type="ctrY" for="ch" forName="ThreeNodes_2" refType="h" fact="0.5"/>
-          <dgm:constr type="ctrX" for="ch" forName="ThreeNodes_2" refType="w" fact="0.5"/>
-          <dgm:constr type="w" for="ch" forName="ThreeNodes_3" refType="w" fact="0.85"/>
-          <dgm:constr type="h" for="ch" forName="ThreeNodes_3" refType="h" fact="0.3"/>
-          <dgm:constr type="b" for="ch" forName="ThreeNodes_3" refType="h"/>
-          <dgm:constr type="l" for="ch" forName="ThreeNodes_3"/>
-          <dgm:constr type="w" for="ch" forName="ThreeConn_1-2" refType="h" refFor="ch" refForName="ThreeNodes_1" fact="0.65"/>
-          <dgm:constr type="h" for="ch" forName="ThreeConn_1-2" refType="h" refFor="ch" refForName="ThreeNodes_1" fact="0.65"/>
-          <dgm:constr type="ctrY" for="ch" forName="ThreeConn_1-2" refType="h" fact="0.325"/>
-          <dgm:constr type="l" for="ch" forName="ThreeConn_1-2" refType="l" refFor="ch" refForName="ThreeNodes_1"/>
-          <dgm:constr type="w" for="ch" forName="ThreeConn_2-3" refType="h" refFor="ch" refForName="ThreeNodes_2" fact="0.65"/>
-          <dgm:constr type="h" for="ch" forName="ThreeConn_2-3" refType="h" refFor="ch" refForName="ThreeNodes_2" fact="0.65"/>
-          <dgm:constr type="ctrY" for="ch" forName="ThreeConn_2-3" refType="h" fact="0.673"/>
-          <dgm:constr type="l" for="ch" forName="ThreeConn_2-3" refType="l" refFor="ch" refForName="ThreeNodes_2"/>
-          <dgm:constr type="l" for="ch" forName="ThreeNodes_1_text" refType="r" refFor="ch" refForName="ThreeConn_1-2"/>
-          <dgm:constr type="lOff" for="ch" forName="ThreeNodes_1_text" refType="w" refFor="ch" refForName="ThreeConn_1-2" fact="0.55"/>
-          <dgm:constr type="t" for="ch" forName="ThreeNodes_1_text" refType="t" refFor="ch" refForName="ThreeNodes_1"/>
-          <dgm:constr type="b" for="ch" forName="ThreeNodes_1_text" refType="b" refFor="ch" refForName="ThreeNodes_1"/>
-          <dgm:constr type="r" for="ch" forName="ThreeNodes_1_text" refType="r" refFor="ch" refForName="ThreeNodes_1"/>
-          <dgm:constr type="l" for="ch" forName="ThreeNodes_2_text" refType="r" refFor="ch" refForName="ThreeConn_1-2"/>
-          <dgm:constr type="t" for="ch" forName="ThreeNodes_2_text" refType="t" refFor="ch" refForName="ThreeNodes_2"/>
-          <dgm:constr type="b" for="ch" forName="ThreeNodes_2_text" refType="b" refFor="ch" refForName="ThreeNodes_2"/>
-          <dgm:constr type="r" for="ch" forName="ThreeNodes_2_text" refType="r" refFor="ch" refForName="ThreeNodes_2"/>
-          <dgm:constr type="l" for="ch" forName="ThreeNodes_3_text" refType="r" refFor="ch" refForName="ThreeConn_2-3"/>
-          <dgm:constr type="t" for="ch" forName="ThreeNodes_3_text" refType="t" refFor="ch" refForName="ThreeNodes_3"/>
-          <dgm:constr type="b" for="ch" forName="ThreeNodes_3_text" refType="b" refFor="ch" refForName="ThreeNodes_3"/>
-          <dgm:constr type="r" for="ch" forName="ThreeNodes_3_text" refType="r" refFor="ch" refForName="ThreeNodes_3"/>
-          <dgm:constr type="w" for="ch" forName="FourNodes_1" refType="w" fact="0.8"/>
-          <dgm:constr type="h" for="ch" forName="FourNodes_1" refType="h" fact="0.22"/>
-          <dgm:constr type="t" for="ch" forName="FourNodes_1"/>
-          <dgm:constr type="r" for="ch" forName="FourNodes_1" refType="w"/>
-          <dgm:constr type="w" for="ch" forName="FourNodes_2" refType="w" fact="0.8"/>
-          <dgm:constr type="h" for="ch" forName="FourNodes_2" refType="h" fact="0.22"/>
-          <dgm:constr type="ctrY" for="ch" forName="FourNodes_2" refType="h" fact="0.37"/>
-          <dgm:constr type="ctrX" for="ch" forName="FourNodes_2" refType="w" fact="0.533"/>
-          <dgm:constr type="w" for="ch" forName="FourNodes_3" refType="w" fact="0.8"/>
-          <dgm:constr type="h" for="ch" forName="FourNodes_3" refType="h" fact="0.22"/>
-          <dgm:constr type="ctrY" for="ch" forName="FourNodes_3" refType="h" fact="0.63"/>
-          <dgm:constr type="ctrX" for="ch" forName="FourNodes_3" refType="w" fact="0.467"/>
-          <dgm:constr type="w" for="ch" forName="FourNodes_4" refType="w" fact="0.8"/>
-          <dgm:constr type="h" for="ch" forName="FourNodes_4" refType="h" fact="0.22"/>
-          <dgm:constr type="b" for="ch" forName="FourNodes_4" refType="h"/>
-          <dgm:constr type="l" for="ch" forName="FourNodes_4"/>
-          <dgm:constr type="w" for="ch" forName="FourConn_1-2" refType="h" refFor="ch" refForName="FourNodes_1" fact="0.65"/>
-          <dgm:constr type="h" for="ch" forName="FourConn_1-2" refType="h" refFor="ch" refForName="FourNodes_1" fact="0.65"/>
-          <dgm:constr type="ctrY" for="ch" forName="FourConn_1-2" refType="h" fact="0.24"/>
-          <dgm:constr type="l" for="ch" forName="FourConn_1-2" refType="l" refFor="ch" refForName="FourNodes_1"/>
-          <dgm:constr type="w" for="ch" forName="FourConn_2-3" refType="h" refFor="ch" refForName="FourNodes_2" fact="0.65"/>
-          <dgm:constr type="h" for="ch" forName="FourConn_2-3" refType="h" refFor="ch" refForName="FourNodes_2" fact="0.65"/>
-          <dgm:constr type="ctrY" for="ch" forName="FourConn_2-3" refType="h" fact="0.5"/>
-          <dgm:constr type="l" for="ch" forName="FourConn_2-3" refType="l" refFor="ch" refForName="FourNodes_2"/>
-          <dgm:constr type="w" for="ch" forName="FourConn_3-4" refType="h" refFor="ch" refForName="FourNodes_3" fact="0.65"/>
-          <dgm:constr type="h" for="ch" forName="FourConn_3-4" refType="h" refFor="ch" refForName="FourNodes_3" fact="0.65"/>
-          <dgm:constr type="ctrY" for="ch" forName="FourConn_3-4" refType="h" fact="0.76"/>
-          <dgm:constr type="l" for="ch" forName="FourConn_3-4" refType="l" refFor="ch" refForName="FourNodes_3"/>
-          <dgm:constr type="l" for="ch" forName="FourNodes_1_text" refType="r" refFor="ch" refForName="FourConn_1-2"/>
-          <dgm:constr type="lOff" for="ch" forName="FourNodes_1_text" refType="w" refFor="ch" refForName="FourConn_1-2" fact="0.69"/>
-          <dgm:constr type="t" for="ch" forName="FourNodes_1_text" refType="t" refFor="ch" refForName="FourNodes_1"/>
-          <dgm:constr type="b" for="ch" forName="FourNodes_1_text" refType="b" refFor="ch" refForName="FourNodes_1"/>
-          <dgm:constr type="r" for="ch" forName="FourNodes_1_text" refType="r" refFor="ch" refForName="FourNodes_1"/>
-          <dgm:constr type="l" for="ch" forName="FourNodes_2_text" refType="r" refFor="ch" refForName="FourConn_1-2"/>
-          <dgm:constr type="t" for="ch" forName="FourNodes_2_text" refType="t" refFor="ch" refForName="FourNodes_2"/>
-          <dgm:constr type="b" for="ch" forName="FourNodes_2_text" refType="b" refFor="ch" refForName="FourNodes_2"/>
-          <dgm:constr type="r" for="ch" forName="FourNodes_2_text" refType="r" refFor="ch" refForName="FourNodes_2"/>
-          <dgm:constr type="l" for="ch" forName="FourNodes_3_text" refType="r" refFor="ch" refForName="FourConn_2-3"/>
-          <dgm:constr type="t" for="ch" forName="FourNodes_3_text" refType="t" refFor="ch" refForName="FourNodes_3"/>
-          <dgm:constr type="b" for="ch" forName="FourNodes_3_text" refType="b" refFor="ch" refForName="FourNodes_3"/>
-          <dgm:constr type="r" for="ch" forName="FourNodes_3_text" refType="r" refFor="ch" refForName="FourNodes_3"/>
-          <dgm:constr type="l" for="ch" forName="FourNodes_4_text" refType="r" refFor="ch" refForName="FourConn_3-4"/>
-          <dgm:constr type="t" for="ch" forName="FourNodes_4_text" refType="t" refFor="ch" refForName="FourNodes_4"/>
-          <dgm:constr type="b" for="ch" forName="FourNodes_4_text" refType="b" refFor="ch" refForName="FourNodes_4"/>
-          <dgm:constr type="r" for="ch" forName="FourNodes_4_text" refType="r" refFor="ch" refForName="FourNodes_4"/>
-          <dgm:constr type="w" for="ch" forName="FiveNodes_1" refType="w" fact="0.77"/>
-          <dgm:constr type="h" for="ch" forName="FiveNodes_1" refType="h" fact="0.18"/>
-          <dgm:constr type="t" for="ch" forName="FiveNodes_1"/>
-          <dgm:constr type="r" for="ch" forName="FiveNodes_1" refType="w"/>
-          <dgm:constr type="w" for="ch" forName="FiveNodes_2" refType="w" fact="0.77"/>
-          <dgm:constr type="h" for="ch" forName="FiveNodes_2" refType="h" fact="0.18"/>
-          <dgm:constr type="ctrY" for="ch" forName="FiveNodes_2" refType="h" fact="0.295"/>
-          <dgm:constr type="ctrX" for="ch" forName="FiveNodes_2" refType="w" fact="0.5575"/>
-          <dgm:constr type="w" for="ch" forName="FiveNodes_3" refType="w" fact="0.77"/>
-          <dgm:constr type="h" for="ch" forName="FiveNodes_3" refType="h" fact="0.18"/>
-          <dgm:constr type="ctrY" for="ch" forName="FiveNodes_3" refType="h" fact="0.5"/>
-          <dgm:constr type="ctrX" for="ch" forName="FiveNodes_3" refType="w" fact="0.5"/>
-          <dgm:constr type="w" for="ch" forName="FiveNodes_4" refType="w" fact="0.77"/>
-          <dgm:constr type="h" for="ch" forName="FiveNodes_4" refType="h" fact="0.18"/>
-          <dgm:constr type="ctrY" for="ch" forName="FiveNodes_4" refType="h" fact="0.705"/>
-          <dgm:constr type="ctrX" for="ch" forName="FiveNodes_4" refType="w" fact="0.4425"/>
-          <dgm:constr type="w" for="ch" forName="FiveNodes_5" refType="w" fact="0.77"/>
-          <dgm:constr type="h" for="ch" forName="FiveNodes_5" refType="h" fact="0.18"/>
-          <dgm:constr type="b" for="ch" forName="FiveNodes_5" refType="h"/>
-          <dgm:constr type="l" for="ch" forName="FiveNodes_5"/>
-          <dgm:constr type="w" for="ch" forName="FiveConn_1-2" refType="h" refFor="ch" refForName="FiveNodes_1" fact="0.65"/>
-          <dgm:constr type="h" for="ch" forName="FiveConn_1-2" refType="h" refFor="ch" refForName="FiveNodes_1" fact="0.65"/>
-          <dgm:constr type="ctrY" for="ch" forName="FiveConn_1-2" refType="h" fact="0.19"/>
-          <dgm:constr type="l" for="ch" forName="FiveConn_1-2" refType="l" refFor="ch" refForName="FiveNodes_1"/>
-          <dgm:constr type="w" for="ch" forName="FiveConn_2-3" refType="h" refFor="ch" refForName="FiveNodes_2" fact="0.65"/>
-          <dgm:constr type="h" for="ch" forName="FiveConn_2-3" refType="h" refFor="ch" refForName="FiveNodes_2" fact="0.65"/>
-          <dgm:constr type="ctrY" for="ch" forName="FiveConn_2-3" refType="h" fact="0.395"/>
-          <dgm:constr type="l" for="ch" forName="FiveConn_2-3" refType="l" refFor="ch" refForName="FiveNodes_2"/>
-          <dgm:constr type="w" for="ch" forName="FiveConn_3-4" refType="h" refFor="ch" refForName="FiveNodes_3" fact="0.65"/>
-          <dgm:constr type="h" for="ch" forName="FiveConn_3-4" refType="h" refFor="ch" refForName="FiveNodes_3" fact="0.65"/>
-          <dgm:constr type="ctrY" for="ch" forName="FiveConn_3-4" refType="h" fact="0.597"/>
-          <dgm:constr type="l" for="ch" forName="FiveConn_3-4" refType="l" refFor="ch" refForName="FiveNodes_3"/>
-          <dgm:constr type="w" for="ch" forName="FiveConn_4-5" refType="h" refFor="ch" refForName="FiveNodes_4" fact="0.65"/>
-          <dgm:constr type="h" for="ch" forName="FiveConn_4-5" refType="h" refFor="ch" refForName="FiveNodes_4" fact="0.65"/>
-          <dgm:constr type="ctrY" for="ch" forName="FiveConn_4-5" refType="h" fact="0.804"/>
-          <dgm:constr type="l" for="ch" forName="FiveConn_4-5" refType="l" refFor="ch" refForName="FiveNodes_4"/>
-          <dgm:constr type="l" for="ch" forName="FiveNodes_1_text" refType="r" refFor="ch" refForName="FiveConn_1-2"/>
-          <dgm:constr type="lOff" for="ch" forName="FiveNodes_1_text" refType="w" refFor="ch" refForName="FiveConn_1-2" fact="0.73"/>
-          <dgm:constr type="t" for="ch" forName="FiveNodes_1_text" refType="t" refFor="ch" refForName="FiveNodes_1"/>
-          <dgm:constr type="b" for="ch" forName="FiveNodes_1_text" refType="b" refFor="ch" refForName="FiveNodes_1"/>
-          <dgm:constr type="r" for="ch" forName="FiveNodes_1_text" refType="r" refFor="ch" refForName="FiveNodes_1"/>
-          <dgm:constr type="l" for="ch" forName="FiveNodes_2_text" refType="r" refFor="ch" refForName="FiveConn_1-2"/>
-          <dgm:constr type="t" for="ch" forName="FiveNodes_2_text" refType="t" refFor="ch" refForName="FiveNodes_2"/>
-          <dgm:constr type="b" for="ch" forName="FiveNodes_2_text" refType="b" refFor="ch" refForName="FiveNodes_2"/>
-          <dgm:constr type="r" for="ch" forName="FiveNodes_2_text" refType="r" refFor="ch" refForName="FiveNodes_2"/>
-          <dgm:constr type="l" for="ch" forName="FiveNodes_3_text" refType="r" refFor="ch" refForName="FiveConn_2-3"/>
-          <dgm:constr type="t" for="ch" forName="FiveNodes_3_text" refType="t" refFor="ch" refForName="FiveNodes_3"/>
-          <dgm:constr type="b" for="ch" forName="FiveNodes_3_text" refType="b" refFor="ch" refForName="FiveNodes_3"/>
-          <dgm:constr type="r" for="ch" forName="FiveNodes_3_text" refType="r" refFor="ch" refForName="FiveNodes_3"/>
-          <dgm:constr type="l" for="ch" forName="FiveNodes_4_text" refType="r" refFor="ch" refForName="FiveConn_3-4"/>
-          <dgm:constr type="t" for="ch" forName="FiveNodes_4_text" refType="t" refFor="ch" refForName="FiveNodes_4"/>
-          <dgm:constr type="b" for="ch" forName="FiveNodes_4_text" refType="b" refFor="ch" refForName="FiveNodes_4"/>
-          <dgm:constr type="r" for="ch" forName="FiveNodes_4_text" refType="r" refFor="ch" refForName="FiveNodes_4"/>
-          <dgm:constr type="l" for="ch" forName="FiveNodes_5_text" refType="r" refFor="ch" refForName="FiveConn_4-5"/>
-          <dgm:constr type="t" for="ch" forName="FiveNodes_5_text" refType="t" refFor="ch" refForName="FiveNodes_5"/>
-          <dgm:constr type="b" for="ch" forName="FiveNodes_5_text" refType="b" refFor="ch" refForName="FiveNodes_5"/>
-          <dgm:constr type="r" for="ch" forName="FiveNodes_5_text" refType="r" refFor="ch" refForName="FiveNodes_5"/>
-        </dgm:constrLst>
-      </dgm:else>
-    </dgm:choose>
-    <dgm:ruleLst/>
-    <dgm:layoutNode name="dummyMaxCanvas">
-      <dgm:varLst/>
-      <dgm:alg type="sp"/>
-      <dgm:shape xmlns:r="http://schemas.openxmlformats.org/officeDocument/2006/relationships" r:blip="">
-        <dgm:adjLst/>
-      </dgm:shape>
-      <dgm:presOf/>
-      <dgm:constrLst/>
-      <dgm:ruleLst/>
-    </dgm:layoutNode>
-    <dgm:choose name="Name3">
-      <dgm:if name="Name4" axis="ch" ptType="node" func="cnt" op="equ" val="1">
-        <dgm:layoutNode name="OneNode_1">
-          <dgm:varLst>
-            <dgm:bulletEnabled val="1"/>
-          </dgm:varLst>
-          <dgm:alg type="tx"/>
-          <dgm:shape xmlns:r="http://schemas.openxmlformats.org/officeDocument/2006/relationships" type="roundRect" r:blip="">
-            <dgm:adjLst>
-              <dgm:adj idx="1" val="0.1"/>
-            </dgm:adjLst>
-          </dgm:shape>
-          <dgm:presOf axis="ch desOrSelf" ptType="node node" st="1 1" cnt="1 0"/>
-          <dgm:constrLst>
-            <dgm:constr type="lMarg" refType="primFontSz" fact="0.3"/>
-            <dgm:constr type="rMarg" refType="primFontSz" fact="0.3"/>
-            <dgm:constr type="tMarg" refType="primFontSz" fact="0.3"/>
-            <dgm:constr type="bMarg" refType="primFontSz" fact="0.3"/>
-          </dgm:constrLst>
-          <dgm:ruleLst>
-            <dgm:rule type="primFontSz" val="5" fact="NaN" max="NaN"/>
-          </dgm:ruleLst>
-        </dgm:layoutNode>
-      </dgm:if>
-      <dgm:else name="Name5">
-        <dgm:choose name="Name6">
-          <dgm:if name="Name7" axis="ch" ptType="node" func="cnt" op="equ" val="2">
-            <dgm:layoutNode name="TwoNodes_1">
-              <dgm:varLst>
-                <dgm:bulletEnabled val="1"/>
-              </dgm:varLst>
-              <dgm:alg type="sp"/>
-              <dgm:shape xmlns:r="http://schemas.openxmlformats.org/officeDocument/2006/relationships" type="roundRect" r:blip="">
-                <dgm:adjLst>
-                  <dgm:adj idx="1" val="0.1"/>
-                </dgm:adjLst>
-              </dgm:shape>
-              <dgm:presOf axis="ch desOrSelf" ptType="node node" st="1 1" cnt="1 0"/>
-              <dgm:constrLst/>
-              <dgm:ruleLst/>
-            </dgm:layoutNode>
-            <dgm:layoutNode name="TwoNodes_2">
-              <dgm:varLst>
-                <dgm:bulletEnabled val="1"/>
-              </dgm:varLst>
-              <dgm:alg type="sp"/>
-              <dgm:shape xmlns:r="http://schemas.openxmlformats.org/officeDocument/2006/relationships" type="roundRect" r:blip="">
-                <dgm:adjLst>
-                  <dgm:adj idx="1" val="0.1"/>
-                </dgm:adjLst>
-              </dgm:shape>
-              <dgm:presOf axis="ch desOrSelf" ptType="node node" st="2 1" cnt="1 0"/>
-              <dgm:constrLst/>
-              <dgm:ruleLst/>
-            </dgm:layoutNode>
-            <dgm:layoutNode name="TwoConn_1-2" styleLbl="fgAccFollowNode1">
-              <dgm:varLst>
-                <dgm:bulletEnabled val="1"/>
-              </dgm:varLst>
-              <dgm:alg type="tx"/>
-              <dgm:shape xmlns:r="http://schemas.openxmlformats.org/officeDocument/2006/relationships" type="downArrow" r:blip="">
-                <dgm:adjLst>
-                  <dgm:adj idx="1" val="0.55"/>
-                  <dgm:adj idx="2" val="0.45"/>
-                </dgm:adjLst>
-              </dgm:shape>
-              <dgm:presOf axis="ch" ptType="sibTrans" cnt="1"/>
-              <dgm:constrLst>
-                <dgm:constr type="lMarg" refType="primFontSz" fact="0.1"/>
-                <dgm:constr type="rMarg" refType="primFontSz" fact="0.1"/>
-                <dgm:constr type="tMarg" refType="primFontSz" fact="0.1"/>
-                <dgm:constr type="bMarg" refType="primFontSz" fact="0.1"/>
-              </dgm:constrLst>
-              <dgm:ruleLst>
-                <dgm:rule type="primFontSz" val="5" fact="NaN" max="NaN"/>
-              </dgm:ruleLst>
-            </dgm:layoutNode>
-            <dgm:layoutNode name="TwoNodes_1_text">
-              <dgm:varLst>
-                <dgm:bulletEnabled val="1"/>
-              </dgm:varLst>
-              <dgm:alg type="tx">
-                <dgm:param type="parTxLTRAlign" val="l"/>
-                <dgm:param type="txAnchorVertCh" val="mid"/>
-              </dgm:alg>
-              <dgm:shape xmlns:r="http://schemas.openxmlformats.org/officeDocument/2006/relationships" type="roundRect" r:blip="" hideGeom="1">
-                <dgm:adjLst>
-                  <dgm:adj idx="1" val="0.1"/>
-                </dgm:adjLst>
-              </dgm:shape>
-              <dgm:presOf axis="ch desOrSelf" ptType="node node" st="1 1" cnt="1 0"/>
-              <dgm:constrLst>
-                <dgm:constr type="lMarg" refType="primFontSz" fact="0.3"/>
-                <dgm:constr type="rMarg" refType="primFontSz" fact="0.3"/>
-                <dgm:constr type="tMarg" refType="primFontSz" fact="0.3"/>
-                <dgm:constr type="bMarg" refType="primFontSz" fact="0.3"/>
-              </dgm:constrLst>
-              <dgm:ruleLst>
-                <dgm:rule type="primFontSz" val="5" fact="NaN" max="NaN"/>
-              </dgm:ruleLst>
-            </dgm:layoutNode>
-            <dgm:layoutNode name="TwoNodes_2_text">
-              <dgm:varLst>
-                <dgm:bulletEnabled val="1"/>
-              </dgm:varLst>
-              <dgm:alg type="tx">
-                <dgm:param type="parTxLTRAlign" val="l"/>
-                <dgm:param type="txAnchorVertCh" val="mid"/>
-              </dgm:alg>
-              <dgm:shape xmlns:r="http://schemas.openxmlformats.org/officeDocument/2006/relationships" type="roundRect" r:blip="" hideGeom="1">
-                <dgm:adjLst>
-                  <dgm:adj idx="1" val="0.1"/>
-                </dgm:adjLst>
-              </dgm:shape>
-              <dgm:presOf axis="ch desOrSelf" ptType="node node" st="2 1" cnt="1 0"/>
-              <dgm:constrLst>
-                <dgm:constr type="lMarg" refType="primFontSz" fact="0.3"/>
-                <dgm:constr type="rMarg" refType="primFontSz" fact="0.3"/>
-                <dgm:constr type="tMarg" refType="primFontSz" fact="0.3"/>
-                <dgm:constr type="bMarg" refType="primFontSz" fact="0.3"/>
-              </dgm:constrLst>
-              <dgm:ruleLst>
-                <dgm:rule type="primFontSz" val="5" fact="NaN" max="NaN"/>
-              </dgm:ruleLst>
-            </dgm:layoutNode>
-          </dgm:if>
-          <dgm:else name="Name8">
-            <dgm:choose name="Name9">
-              <dgm:if name="Name10" axis="ch" ptType="node" func="cnt" op="equ" val="3">
-                <dgm:layoutNode name="ThreeNodes_1">
-                  <dgm:varLst>
-                    <dgm:bulletEnabled val="1"/>
-                  </dgm:varLst>
+        <dgm:ruleLst>
+          <dgm:rule type="h" val="INF" fact="NaN" max="NaN"/>
+        </dgm:ruleLst>
+      </dgm:layoutNode>
+      <dgm:choose name="Name1">
+        <dgm:if name="Name2" axis="ch" ptType="node" func="cnt" op="gte" val="1">
+          <dgm:layoutNode name="childText" styleLbl="revTx">
+            <dgm:varLst>
+              <dgm:bulletEnabled val="1"/>
+            </dgm:varLst>
+            <dgm:alg type="tx">
+              <dgm:param type="stBulletLvl" val="1"/>
+              <dgm:param type="lnSpAfChP" val="20"/>
+            </dgm:alg>
+            <dgm:shape xmlns:r="http://schemas.openxmlformats.org/officeDocument/2006/relationships" type="rect" r:blip="">
+              <dgm:adjLst/>
+            </dgm:shape>
+            <dgm:presOf axis="des" ptType="node"/>
+            <dgm:constrLst>
+              <dgm:constr type="tMarg" refType="primFontSz" fact="0.1"/>
+              <dgm:constr type="bMarg" refType="primFontSz" fact="0.1"/>
+              <dgm:constr type="lMarg" refType="w" fact="0.09"/>
+            </dgm:constrLst>
+            <dgm:ruleLst>
+              <dgm:rule type="h" val="INF" fact="NaN" max="NaN"/>
+            </dgm:ruleLst>
+          </dgm:layoutNode>
+        </dgm:if>
+        <dgm:else name="Name3">
+          <dgm:choose name="Name4">
+            <dgm:if name="Name5" axis="par ch" ptType="doc node" func="cnt" op="gte" val="2">
+              <dgm:forEach name="Name6" axis="followSib" ptType="sibTrans" cnt="1">
+                <dgm:layoutNode name="spacer">
                   <dgm:alg type="sp"/>
-                  <dgm:shape xmlns:r="http://schemas.openxmlformats.org/officeDocument/2006/relationships" type="roundRect" r:blip="">
-                    <dgm:adjLst>
-                      <dgm:adj idx="1" val="0.1"/>
-                    </dgm:adjLst>
+                  <dgm:shape xmlns:r="http://schemas.openxmlformats.org/officeDocument/2006/relationships" r:blip="">
+                    <dgm:adjLst/>
                   </dgm:shape>
-                  <dgm:presOf axis="ch desOrSelf" ptType="node node" st="1 1" cnt="1 0"/>
+                  <dgm:presOf/>
                   <dgm:constrLst/>
                   <dgm:ruleLst/>
                 </dgm:layoutNode>
-                <dgm:layoutNode name="ThreeNodes_2">
-                  <dgm:varLst>
-                    <dgm:bulletEnabled val="1"/>
-                  </dgm:varLst>
+              </dgm:forEach>
+            </dgm:if>
+            <dgm:else name="Name7"/>
+          </dgm:choose>
+        </dgm:else>
+      </dgm:choose>
+    </dgm:forEach>
+  </dgm:layoutNode>
+</dgm:layoutDef>
+</file>
+
+<file path=ppt/diagrams/layout2.xml><?xml version="1.0" encoding="utf-8"?>
+<dgm:layoutDef xmlns:dgm="http://schemas.openxmlformats.org/drawingml/2006/diagram" xmlns:a="http://schemas.openxmlformats.org/drawingml/2006/main" uniqueId="urn:microsoft.com/office/officeart/2005/8/layout/vList2">
+  <dgm:title val=""/>
+  <dgm:desc val=""/>
+  <dgm:catLst>
+    <dgm:cat type="list" pri="3000"/>
+    <dgm:cat type="convert" pri="1000"/>
+  </dgm:catLst>
+  <dgm:sampData>
+    <dgm:dataModel>
+      <dgm:ptLst>
+        <dgm:pt modelId="0" type="doc"/>
+        <dgm:pt modelId="1">
+          <dgm:prSet phldr="1"/>
+        </dgm:pt>
+        <dgm:pt modelId="11">
+          <dgm:prSet phldr="1"/>
+        </dgm:pt>
+        <dgm:pt modelId="2">
+          <dgm:prSet phldr="1"/>
+        </dgm:pt>
+        <dgm:pt modelId="21">
+          <dgm:prSet phldr="1"/>
+        </dgm:pt>
+      </dgm:ptLst>
+      <dgm:cxnLst>
+        <dgm:cxn modelId="4" srcId="0" destId="1" srcOrd="0" destOrd="0"/>
+        <dgm:cxn modelId="5" srcId="0" destId="2" srcOrd="1" destOrd="0"/>
+        <dgm:cxn modelId="12" srcId="1" destId="11" srcOrd="0" destOrd="0"/>
+        <dgm:cxn modelId="23" srcId="2" destId="21" srcOrd="0" destOrd="0"/>
+      </dgm:cxnLst>
+      <dgm:bg/>
+      <dgm:whole/>
+    </dgm:dataModel>
+  </dgm:sampData>
+  <dgm:styleData>
+    <dgm:dataModel>
+      <dgm:ptLst>
+        <dgm:pt modelId="0" type="doc"/>
+        <dgm:pt modelId="1"/>
+        <dgm:pt modelId="2"/>
+      </dgm:ptLst>
+      <dgm:cxnLst>
+        <dgm:cxn modelId="3" srcId="0" destId="1" srcOrd="0" destOrd="0"/>
+        <dgm:cxn modelId="4" srcId="0" destId="2" srcOrd="1" destOrd="0"/>
+      </dgm:cxnLst>
+      <dgm:bg/>
+      <dgm:whole/>
+    </dgm:dataModel>
+  </dgm:styleData>
+  <dgm:clrData>
+    <dgm:dataModel>
+      <dgm:ptLst>
+        <dgm:pt modelId="0" type="doc"/>
+        <dgm:pt modelId="1"/>
+        <dgm:pt modelId="2"/>
+        <dgm:pt modelId="3"/>
+        <dgm:pt modelId="4"/>
+      </dgm:ptLst>
+      <dgm:cxnLst>
+        <dgm:cxn modelId="5" srcId="0" destId="1" srcOrd="0" destOrd="0"/>
+        <dgm:cxn modelId="6" srcId="0" destId="2" srcOrd="1" destOrd="0"/>
+        <dgm:cxn modelId="7" srcId="0" destId="3" srcOrd="2" destOrd="0"/>
+        <dgm:cxn modelId="8" srcId="0" destId="4" srcOrd="3" destOrd="0"/>
+      </dgm:cxnLst>
+      <dgm:bg/>
+      <dgm:whole/>
+    </dgm:dataModel>
+  </dgm:clrData>
+  <dgm:layoutNode name="linear">
+    <dgm:varLst>
+      <dgm:animLvl val="lvl"/>
+      <dgm:resizeHandles val="exact"/>
+    </dgm:varLst>
+    <dgm:alg type="lin">
+      <dgm:param type="linDir" val="fromT"/>
+      <dgm:param type="vertAlign" val="mid"/>
+    </dgm:alg>
+    <dgm:shape xmlns:r="http://schemas.openxmlformats.org/officeDocument/2006/relationships" r:blip="">
+      <dgm:adjLst/>
+    </dgm:shape>
+    <dgm:presOf/>
+    <dgm:constrLst>
+      <dgm:constr type="w" for="ch" forName="parentText" refType="w"/>
+      <dgm:constr type="h" for="ch" forName="parentText" refType="primFontSz" refFor="ch" refForName="parentText" fact="0.52"/>
+      <dgm:constr type="w" for="ch" forName="childText" refType="w"/>
+      <dgm:constr type="h" for="ch" forName="childText" refType="primFontSz" refFor="ch" refForName="parentText" fact="0.46"/>
+      <dgm:constr type="h" for="ch" forName="parentText" op="equ"/>
+      <dgm:constr type="primFontSz" for="ch" forName="parentText" op="equ" val="65"/>
+      <dgm:constr type="primFontSz" for="ch" forName="childText" refType="primFontSz" refFor="ch" refForName="parentText" op="equ"/>
+      <dgm:constr type="h" for="ch" forName="spacer" refType="primFontSz" refFor="ch" refForName="parentText" fact="0.08"/>
+    </dgm:constrLst>
+    <dgm:ruleLst>
+      <dgm:rule type="primFontSz" for="ch" forName="parentText" val="5" fact="NaN" max="NaN"/>
+    </dgm:ruleLst>
+    <dgm:forEach name="Name0" axis="ch" ptType="node">
+      <dgm:layoutNode name="parentText" styleLbl="node1">
+        <dgm:varLst>
+          <dgm:chMax val="0"/>
+          <dgm:bulletEnabled val="1"/>
+        </dgm:varLst>
+        <dgm:alg type="tx">
+          <dgm:param type="parTxLTRAlign" val="l"/>
+          <dgm:param type="parTxRTLAlign" val="r"/>
+        </dgm:alg>
+        <dgm:shape xmlns:r="http://schemas.openxmlformats.org/officeDocument/2006/relationships" type="roundRect" r:blip="">
+          <dgm:adjLst/>
+        </dgm:shape>
+        <dgm:presOf axis="self"/>
+        <dgm:constrLst>
+          <dgm:constr type="tMarg" refType="primFontSz" fact="0.3"/>
+          <dgm:constr type="bMarg" refType="primFontSz" fact="0.3"/>
+          <dgm:constr type="lMarg" refType="primFontSz" fact="0.3"/>
+          <dgm:constr type="rMarg" refType="primFontSz" fact="0.3"/>
+        </dgm:constrLst>
+        <dgm:ruleLst>
+          <dgm:rule type="h" val="INF" fact="NaN" max="NaN"/>
+        </dgm:ruleLst>
+      </dgm:layoutNode>
+      <dgm:choose name="Name1">
+        <dgm:if name="Name2" axis="ch" ptType="node" func="cnt" op="gte" val="1">
+          <dgm:layoutNode name="childText" styleLbl="revTx">
+            <dgm:varLst>
+              <dgm:bulletEnabled val="1"/>
+            </dgm:varLst>
+            <dgm:alg type="tx">
+              <dgm:param type="stBulletLvl" val="1"/>
+              <dgm:param type="lnSpAfChP" val="20"/>
+            </dgm:alg>
+            <dgm:shape xmlns:r="http://schemas.openxmlformats.org/officeDocument/2006/relationships" type="rect" r:blip="">
+              <dgm:adjLst/>
+            </dgm:shape>
+            <dgm:presOf axis="des" ptType="node"/>
+            <dgm:constrLst>
+              <dgm:constr type="tMarg" refType="primFontSz" fact="0.1"/>
+              <dgm:constr type="bMarg" refType="primFontSz" fact="0.1"/>
+              <dgm:constr type="lMarg" refType="w" fact="0.09"/>
+            </dgm:constrLst>
+            <dgm:ruleLst>
+              <dgm:rule type="h" val="INF" fact="NaN" max="NaN"/>
+            </dgm:ruleLst>
+          </dgm:layoutNode>
+        </dgm:if>
+        <dgm:else name="Name3">
+          <dgm:choose name="Name4">
+            <dgm:if name="Name5" axis="par ch" ptType="doc node" func="cnt" op="gte" val="2">
+              <dgm:forEach name="Name6" axis="followSib" ptType="sibTrans" cnt="1">
+                <dgm:layoutNode name="spacer">
                   <dgm:alg type="sp"/>
-                  <dgm:shape xmlns:r="http://schemas.openxmlformats.org/officeDocument/2006/relationships" type="roundRect" r:blip="">
-                    <dgm:adjLst>
-                      <dgm:adj idx="1" val="0.1"/>
-                    </dgm:adjLst>
+                  <dgm:shape xmlns:r="http://schemas.openxmlformats.org/officeDocument/2006/relationships" r:blip="">
+                    <dgm:adjLst/>
                   </dgm:shape>
-                  <dgm:presOf axis="ch desOrSelf" ptType="node node" st="2 1" cnt="1 0"/>
+                  <dgm:presOf/>
                   <dgm:constrLst/>
                   <dgm:ruleLst/>
                 </dgm:layoutNode>
-                <dgm:layoutNode name="ThreeNodes_3">
-                  <dgm:varLst>
-                    <dgm:bulletEnabled val="1"/>
-                  </dgm:varLst>
-                  <dgm:alg type="sp"/>
-                  <dgm:shape xmlns:r="http://schemas.openxmlformats.org/officeDocument/2006/relationships" type="roundRect" r:blip="">
-                    <dgm:adjLst>
-                      <dgm:adj idx="1" val="0.1"/>
-                    </dgm:adjLst>
-                  </dgm:shape>
-                  <dgm:presOf axis="ch desOrSelf" ptType="node node" st="3 1" cnt="1 0"/>
-                  <dgm:constrLst/>
-                  <dgm:ruleLst/>
-                </dgm:layoutNode>
-                <dgm:layoutNode name="ThreeConn_1-2" styleLbl="fgAccFollowNode1">
-                  <dgm:varLst>
-                    <dgm:bulletEnabled val="1"/>
-                  </dgm:varLst>
-                  <dgm:alg type="tx"/>
-                  <dgm:shape xmlns:r="http://schemas.openxmlformats.org/officeDocument/2006/relationships" type="downArrow" r:blip="">
-                    <dgm:adjLst>
-                      <dgm:adj idx="1" val="0.55"/>
-                      <dgm:adj idx="2" val="0.45"/>
-                    </dgm:adjLst>
-                  </dgm:shape>
-                  <dgm:presOf axis="ch" ptType="sibTrans" cnt="1"/>
-                  <dgm:constrLst>
-                    <dgm:constr type="lMarg" refType="primFontSz" fact="0.1"/>
-                    <dgm:constr type="rMarg" refType="primFontSz" fact="0.1"/>
-                    <dgm:constr type="tMarg" refType="primFontSz" fact="0.1"/>
-                    <dgm:constr type="bMarg" refType="primFontSz" fact="0.1"/>
-                  </dgm:constrLst>
-                  <dgm:ruleLst>
-                    <dgm:rule type="primFontSz" val="5" fact="NaN" max="NaN"/>
-                  </dgm:ruleLst>
-                </dgm:layoutNode>
-                <dgm:layoutNode name="ThreeConn_2-3" styleLbl="fgAccFollowNode1">
-                  <dgm:varLst>
-                    <dgm:bulletEnabled val="1"/>
-                  </dgm:varLst>
-                  <dgm:alg type="tx"/>
-                  <dgm:shape xmlns:r="http://schemas.openxmlformats.org/officeDocument/2006/relationships" type="downArrow" r:blip="">
-                    <dgm:adjLst>
-                      <dgm:adj idx="1" val="0.55"/>
-                      <dgm:adj idx="2" val="0.45"/>
-                    </dgm:adjLst>
-                  </dgm:shape>
-                  <dgm:presOf axis="ch" ptType="sibTrans" st="2" cnt="1"/>
-                  <dgm:constrLst>
-                    <dgm:constr type="lMarg" refType="primFontSz" fact="0.1"/>
-                    <dgm:constr type="rMarg" refType="primFontSz" fact="0.1"/>
-                    <dgm:constr type="tMarg" refType="primFontSz" fact="0.1"/>
-                    <dgm:constr type="bMarg" refType="primFontSz" fact="0.1"/>
-                  </dgm:constrLst>
-                  <dgm:ruleLst>
-                    <dgm:rule type="primFontSz" val="5" fact="NaN" max="NaN"/>
-                  </dgm:ruleLst>
-                </dgm:layoutNode>
-                <dgm:layoutNode name="ThreeNodes_1_text">
-                  <dgm:varLst>
-                    <dgm:bulletEnabled val="1"/>
-                  </dgm:varLst>
-                  <dgm:alg type="tx">
-                    <dgm:param type="parTxLTRAlign" val="l"/>
-                    <dgm:param type="txAnchorVertCh" val="mid"/>
-                  </dgm:alg>
-                  <dgm:shape xmlns:r="http://schemas.openxmlformats.org/officeDocument/2006/relationships" type="roundRect" r:blip="" hideGeom="1">
-                    <dgm:adjLst>
-                      <dgm:adj idx="1" val="0.1"/>
-                    </dgm:adjLst>
-                  </dgm:shape>
-                  <dgm:presOf axis="ch desOrSelf" ptType="node node" st="1 1" cnt="1 0"/>
-                  <dgm:constrLst>
-                    <dgm:constr type="lMarg" refType="primFontSz" fact="0.3"/>
-                    <dgm:constr type="rMarg" refType="primFontSz" fact="0.3"/>
-                    <dgm:constr type="tMarg" refType="primFontSz" fact="0.3"/>
-                    <dgm:constr type="bMarg" refType="primFontSz" fact="0.3"/>
-                  </dgm:constrLst>
-                  <dgm:ruleLst>
-                    <dgm:rule type="primFontSz" val="5" fact="NaN" max="NaN"/>
-                  </dgm:ruleLst>
-                </dgm:layoutNode>
-                <dgm:layoutNode name="ThreeNodes_2_text">
-                  <dgm:varLst>
-                    <dgm:bulletEnabled val="1"/>
-                  </dgm:varLst>
-                  <dgm:alg type="tx">
-                    <dgm:param type="parTxLTRAlign" val="l"/>
-                    <dgm:param type="txAnchorVertCh" val="mid"/>
-                  </dgm:alg>
-                  <dgm:shape xmlns:r="http://schemas.openxmlformats.org/officeDocument/2006/relationships" type="roundRect" r:blip="" hideGeom="1">
-                    <dgm:adjLst>
-                      <dgm:adj idx="1" val="0.1"/>
-                    </dgm:adjLst>
-                  </dgm:shape>
-                  <dgm:presOf axis="ch desOrSelf" ptType="node node" st="2 1" cnt="1 0"/>
-                  <dgm:constrLst>
-                    <dgm:constr type="lMarg" refType="primFontSz" fact="0.3"/>
-                    <dgm:constr type="rMarg" refType="primFontSz" fact="0.3"/>
-                    <dgm:constr type="tMarg" refType="primFontSz" fact="0.3"/>
-                    <dgm:constr type="bMarg" refType="primFontSz" fact="0.3"/>
-                  </dgm:constrLst>
-                  <dgm:ruleLst>
-                    <dgm:rule type="primFontSz" val="5" fact="NaN" max="NaN"/>
-                  </dgm:ruleLst>
-                </dgm:layoutNode>
-                <dgm:layoutNode name="ThreeNodes_3_text">
-                  <dgm:varLst>
-                    <dgm:bulletEnabled val="1"/>
-                  </dgm:varLst>
-                  <dgm:alg type="tx">
-                    <dgm:param type="parTxLTRAlign" val="l"/>
-                    <dgm:param type="txAnchorVertCh" val="mid"/>
-                  </dgm:alg>
-                  <dgm:shape xmlns:r="http://schemas.openxmlformats.org/officeDocument/2006/relationships" type="roundRect" r:blip="" hideGeom="1">
-                    <dgm:adjLst>
-                      <dgm:adj idx="1" val="0.1"/>
-                    </dgm:adjLst>
-                  </dgm:shape>
-                  <dgm:presOf axis="ch desOrSelf" ptType="node node" st="3 1" cnt="1 0"/>
-                  <dgm:constrLst>
-                    <dgm:constr type="lMarg" refType="primFontSz" fact="0.3"/>
-                    <dgm:constr type="rMarg" refType="primFontSz" fact="0.3"/>
-                    <dgm:constr type="tMarg" refType="primFontSz" fact="0.3"/>
-                    <dgm:constr type="bMarg" refType="primFontSz" fact="0.3"/>
-                  </dgm:constrLst>
-                  <dgm:ruleLst>
-                    <dgm:rule type="primFontSz" val="5" fact="NaN" max="NaN"/>
-                  </dgm:ruleLst>
-                </dgm:layoutNode>
-              </dgm:if>
-              <dgm:else name="Name11">
-                <dgm:choose name="Name12">
-                  <dgm:if name="Name13" axis="ch" ptType="node" func="cnt" op="equ" val="4">
-                    <dgm:layoutNode name="FourNodes_1">
-                      <dgm:varLst>
-                        <dgm:bulletEnabled val="1"/>
-                      </dgm:varLst>
-                      <dgm:alg type="sp"/>
-                      <dgm:shape xmlns:r="http://schemas.openxmlformats.org/officeDocument/2006/relationships" type="roundRect" r:blip="">
-                        <dgm:adjLst>
-                          <dgm:adj idx="1" val="0.1"/>
-                        </dgm:adjLst>
-                      </dgm:shape>
-                      <dgm:presOf axis="ch desOrSelf" ptType="node node" st="1 1" cnt="1 0"/>
-                      <dgm:constrLst/>
-                      <dgm:ruleLst/>
-                    </dgm:layoutNode>
-                    <dgm:layoutNode name="FourNodes_2">
-                      <dgm:varLst>
-                        <dgm:bulletEnabled val="1"/>
-                      </dgm:varLst>
-                      <dgm:alg type="sp"/>
-                      <dgm:shape xmlns:r="http://schemas.openxmlformats.org/officeDocument/2006/relationships" type="roundRect" r:blip="">
-                        <dgm:adjLst>
-                          <dgm:adj idx="1" val="0.1"/>
-                        </dgm:adjLst>
-                      </dgm:shape>
-                      <dgm:presOf axis="ch desOrSelf" ptType="node node" st="2 1" cnt="1 0"/>
-                      <dgm:constrLst/>
-                      <dgm:ruleLst/>
-                    </dgm:layoutNode>
-                    <dgm:layoutNode name="FourNodes_3">
-                      <dgm:varLst>
-                        <dgm:bulletEnabled val="1"/>
-                      </dgm:varLst>
-                      <dgm:alg type="sp"/>
-                      <dgm:shape xmlns:r="http://schemas.openxmlformats.org/officeDocument/2006/relationships" type="roundRect" r:blip="">
-                        <dgm:adjLst>
-                          <dgm:adj idx="1" val="0.1"/>
-                        </dgm:adjLst>
-                      </dgm:shape>
-                      <dgm:presOf axis="ch desOrSelf" ptType="node node" st="3 1" cnt="1 0"/>
-                      <dgm:constrLst/>
-                      <dgm:ruleLst/>
-                    </dgm:layoutNode>
-                    <dgm:layoutNode name="FourNodes_4">
-                      <dgm:varLst>
-                        <dgm:bulletEnabled val="1"/>
-                      </dgm:varLst>
-                      <dgm:alg type="sp"/>
-                      <dgm:shape xmlns:r="http://schemas.openxmlformats.org/officeDocument/2006/relationships" type="roundRect" r:blip="">
-                        <dgm:adjLst>
-                          <dgm:adj idx="1" val="0.1"/>
-                        </dgm:adjLst>
-                      </dgm:shape>
-                      <dgm:presOf axis="ch desOrSelf" ptType="node node" st="4 1" cnt="1 0"/>
-                      <dgm:constrLst/>
-                      <dgm:ruleLst/>
-                    </dgm:layoutNode>
-                    <dgm:layoutNode name="FourConn_1-2" styleLbl="fgAccFollowNode1">
-                      <dgm:varLst>
-                        <dgm:bulletEnabled val="1"/>
-                      </dgm:varLst>
-                      <dgm:alg type="tx"/>
-                      <dgm:shape xmlns:r="http://schemas.openxmlformats.org/officeDocument/2006/relationships" type="downArrow" r:blip="">
-                        <dgm:adjLst>
-                          <dgm:adj idx="1" val="0.55"/>
-                          <dgm:adj idx="2" val="0.45"/>
-                        </dgm:adjLst>
-                      </dgm:shape>
-                      <dgm:presOf axis="ch" ptType="sibTrans" cnt="1"/>
-                      <dgm:constrLst>
-                        <dgm:constr type="lMarg" refType="primFontSz" fact="0.1"/>
-                        <dgm:constr type="rMarg" refType="primFontSz" fact="0.1"/>
-                        <dgm:constr type="tMarg" refType="primFontSz" fact="0.1"/>
-                        <dgm:constr type="bMarg" refType="primFontSz" fact="0.1"/>
-                      </dgm:constrLst>
-                      <dgm:ruleLst>
-                        <dgm:rule type="primFontSz" val="5" fact="NaN" max="NaN"/>
-                      </dgm:ruleLst>
-                    </dgm:layoutNode>
-                    <dgm:layoutNode name="FourConn_2-3" styleLbl="fgAccFollowNode1">
-                      <dgm:varLst>
-                        <dgm:bulletEnabled val="1"/>
-                      </dgm:varLst>
-                      <dgm:alg type="tx"/>
-                      <dgm:shape xmlns:r="http://schemas.openxmlformats.org/officeDocument/2006/relationships" type="downArrow" r:blip="">
-                        <dgm:adjLst>
-                          <dgm:adj idx="1" val="0.55"/>
-                          <dgm:adj idx="2" val="0.45"/>
-                        </dgm:adjLst>
-                      </dgm:shape>
-                      <dgm:presOf axis="ch" ptType="sibTrans" st="2" cnt="1"/>
-                      <dgm:constrLst>
-                        <dgm:constr type="lMarg" refType="primFontSz" fact="0.1"/>
-                        <dgm:constr type="rMarg" refType="primFontSz" fact="0.1"/>
-                        <dgm:constr type="tMarg" refType="primFontSz" fact="0.1"/>
-                        <dgm:constr type="bMarg" refType="primFontSz" fact="0.1"/>
-                      </dgm:constrLst>
-                      <dgm:ruleLst>
-                        <dgm:rule type="primFontSz" val="5" fact="NaN" max="NaN"/>
-                      </dgm:ruleLst>
-                    </dgm:layoutNode>
-                    <dgm:layoutNode name="FourConn_3-4" styleLbl="fgAccFollowNode1">
-                      <dgm:varLst>
-                        <dgm:bulletEnabled val="1"/>
-                      </dgm:varLst>
-                      <dgm:alg type="tx"/>
-                      <dgm:shape xmlns:r="http://schemas.openxmlformats.org/officeDocument/2006/relationships" type="downArrow" r:blip="">
-                        <dgm:adjLst>
-                          <dgm:adj idx="1" val="0.55"/>
-                          <dgm:adj idx="2" val="0.45"/>
-                        </dgm:adjLst>
-                      </dgm:shape>
-                      <dgm:presOf axis="ch" ptType="sibTrans" st="3" cnt="1"/>
-                      <dgm:constrLst>
-                        <dgm:constr type="lMarg" refType="primFontSz" fact="0.1"/>
-                        <dgm:constr type="rMarg" refType="primFontSz" fact="0.1"/>
-                        <dgm:constr type="tMarg" refType="primFontSz" fact="0.1"/>
-                        <dgm:constr type="bMarg" refType="primFontSz" fact="0.1"/>
-                      </dgm:constrLst>
-                      <dgm:ruleLst>
-                        <dgm:rule type="primFontSz" val="5" fact="NaN" max="NaN"/>
-                      </dgm:ruleLst>
-                    </dgm:layoutNode>
-                    <dgm:layoutNode name="FourNodes_1_text">
-                      <dgm:varLst>
-                        <dgm:bulletEnabled val="1"/>
-                      </dgm:varLst>
-                      <dgm:alg type="tx">
-                        <dgm:param type="parTxLTRAlign" val="l"/>
-                        <dgm:param type="txAnchorVertCh" val="mid"/>
-                      </dgm:alg>
-                      <dgm:shape xmlns:r="http://schemas.openxmlformats.org/officeDocument/2006/relationships" type="roundRect" r:blip="" hideGeom="1">
-                        <dgm:adjLst>
-                          <dgm:adj idx="1" val="0.1"/>
-                        </dgm:adjLst>
-                      </dgm:shape>
-                      <dgm:presOf axis="ch desOrSelf" ptType="node node" st="1 1" cnt="1 0"/>
-                      <dgm:constrLst>
-                        <dgm:constr type="lMarg" refType="primFontSz" fact="0.3"/>
-                        <dgm:constr type="rMarg" refType="primFontSz" fact="0.3"/>
-                        <dgm:constr type="tMarg" refType="primFontSz" fact="0.3"/>
-                        <dgm:constr type="bMarg" refType="primFontSz" fact="0.3"/>
-                      </dgm:constrLst>
-                      <dgm:ruleLst>
-                        <dgm:rule type="primFontSz" val="5" fact="NaN" max="NaN"/>
-                      </dgm:ruleLst>
-                    </dgm:layoutNode>
-                    <dgm:layoutNode name="FourNodes_2_text">
-                      <dgm:varLst>
-                        <dgm:bulletEnabled val="1"/>
-                      </dgm:varLst>
-                      <dgm:alg type="tx">
-                        <dgm:param type="parTxLTRAlign" val="l"/>
-                        <dgm:param type="txAnchorVertCh" val="mid"/>
-                      </dgm:alg>
-                      <dgm:shape xmlns:r="http://schemas.openxmlformats.org/officeDocument/2006/relationships" type="roundRect" r:blip="" hideGeom="1">
-                        <dgm:adjLst>
-                          <dgm:adj idx="1" val="0.1"/>
-                        </dgm:adjLst>
-                      </dgm:shape>
-                      <dgm:presOf axis="ch desOrSelf" ptType="node node" st="2 1" cnt="1 0"/>
-                      <dgm:constrLst>
-                        <dgm:constr type="lMarg" refType="primFontSz" fact="0.3"/>
-                        <dgm:constr type="rMarg" refType="primFontSz" fact="0.3"/>
-                        <dgm:constr type="tMarg" refType="primFontSz" fact="0.3"/>
-                        <dgm:constr type="bMarg" refType="primFontSz" fact="0.3"/>
-                      </dgm:constrLst>
-                      <dgm:ruleLst>
-                        <dgm:rule type="primFontSz" val="5" fact="NaN" max="NaN"/>
-                      </dgm:ruleLst>
-                    </dgm:layoutNode>
-                    <dgm:layoutNode name="FourNodes_3_text">
-                      <dgm:varLst>
-                        <dgm:bulletEnabled val="1"/>
-                      </dgm:varLst>
-                      <dgm:alg type="tx">
-                        <dgm:param type="parTxLTRAlign" val="l"/>
-                        <dgm:param type="txAnchorVertCh" val="mid"/>
-                      </dgm:alg>
-                      <dgm:shape xmlns:r="http://schemas.openxmlformats.org/officeDocument/2006/relationships" type="roundRect" r:blip="" hideGeom="1">
-                        <dgm:adjLst>
-                          <dgm:adj idx="1" val="0.1"/>
-                        </dgm:adjLst>
-                      </dgm:shape>
-                      <dgm:presOf axis="ch desOrSelf" ptType="node node" st="3 1" cnt="1 0"/>
-                      <dgm:constrLst>
-                        <dgm:constr type="lMarg" refType="primFontSz" fact="0.3"/>
-                        <dgm:constr type="rMarg" refType="primFontSz" fact="0.3"/>
-                        <dgm:constr type="tMarg" refType="primFontSz" fact="0.3"/>
-                        <dgm:constr type="bMarg" refType="primFontSz" fact="0.3"/>
-                      </dgm:constrLst>
-                      <dgm:ruleLst>
-                        <dgm:rule type="primFontSz" val="5" fact="NaN" max="NaN"/>
-                      </dgm:ruleLst>
-                    </dgm:layoutNode>
-                    <dgm:layoutNode name="FourNodes_4_text">
-                      <dgm:varLst>
-                        <dgm:bulletEnabled val="1"/>
-                      </dgm:varLst>
-                      <dgm:alg type="tx">
-                        <dgm:param type="parTxLTRAlign" val="l"/>
-                        <dgm:param type="txAnchorVertCh" val="mid"/>
-                      </dgm:alg>
-                      <dgm:shape xmlns:r="http://schemas.openxmlformats.org/officeDocument/2006/relationships" type="roundRect" r:blip="" hideGeom="1">
-                        <dgm:adjLst>
-                          <dgm:adj idx="1" val="0.1"/>
-                        </dgm:adjLst>
-                      </dgm:shape>
-                      <dgm:presOf axis="ch desOrSelf" ptType="node node" st="4 1" cnt="1 0"/>
-                      <dgm:constrLst>
-                        <dgm:constr type="lMarg" refType="primFontSz" fact="0.3"/>
-                        <dgm:constr type="rMarg" refType="primFontSz" fact="0.3"/>
-                        <dgm:constr type="tMarg" refType="primFontSz" fact="0.3"/>
-                        <dgm:constr type="bMarg" refType="primFontSz" fact="0.3"/>
-                      </dgm:constrLst>
-                      <dgm:ruleLst>
-                        <dgm:rule type="primFontSz" val="5" fact="NaN" max="NaN"/>
-                      </dgm:ruleLst>
-                    </dgm:layoutNode>
-                  </dgm:if>
-                  <dgm:else name="Name14">
-                    <dgm:choose name="Name15">
-                      <dgm:if name="Name16" axis="ch" ptType="node" func="cnt" op="gte" val="5">
-                        <dgm:layoutNode name="FiveNodes_1">
-                          <dgm:varLst>
-                            <dgm:bulletEnabled val="1"/>
-                          </dgm:varLst>
-                          <dgm:alg type="sp"/>
-                          <dgm:shape xmlns:r="http://schemas.openxmlformats.org/officeDocument/2006/relationships" type="roundRect" r:blip="">
-                            <dgm:adjLst>
-                              <dgm:adj idx="1" val="0.1"/>
-                            </dgm:adjLst>
-                          </dgm:shape>
-                          <dgm:presOf axis="ch desOrSelf" ptType="node node" st="1 1" cnt="1 0"/>
-                          <dgm:constrLst/>
-                          <dgm:ruleLst/>
-                        </dgm:layoutNode>
-                        <dgm:layoutNode name="FiveNodes_2">
-                          <dgm:varLst>
-                            <dgm:bulletEnabled val="1"/>
-                          </dgm:varLst>
-                          <dgm:alg type="sp"/>
-                          <dgm:shape xmlns:r="http://schemas.openxmlformats.org/officeDocument/2006/relationships" type="roundRect" r:blip="">
-                            <dgm:adjLst>
-                              <dgm:adj idx="1" val="0.1"/>
-                            </dgm:adjLst>
-                          </dgm:shape>
-                          <dgm:presOf axis="ch desOrSelf" ptType="node node" st="2 1" cnt="1 0"/>
-                          <dgm:constrLst/>
-                          <dgm:ruleLst/>
-                        </dgm:layoutNode>
-                        <dgm:layoutNode name="FiveNodes_3">
-                          <dgm:varLst>
-                            <dgm:bulletEnabled val="1"/>
-                          </dgm:varLst>
-                          <dgm:alg type="sp"/>
-                          <dgm:shape xmlns:r="http://schemas.openxmlformats.org/officeDocument/2006/relationships" type="roundRect" r:blip="">
-                            <dgm:adjLst>
-                              <dgm:adj idx="1" val="0.1"/>
-                            </dgm:adjLst>
-                          </dgm:shape>
-                          <dgm:presOf axis="ch desOrSelf" ptType="node node" st="3 1" cnt="1 0"/>
-                          <dgm:constrLst/>
-                          <dgm:ruleLst/>
-                        </dgm:layoutNode>
-                        <dgm:layoutNode name="FiveNodes_4">
-                          <dgm:varLst>
-                            <dgm:bulletEnabled val="1"/>
-                          </dgm:varLst>
-                          <dgm:alg type="sp"/>
-                          <dgm:shape xmlns:r="http://schemas.openxmlformats.org/officeDocument/2006/relationships" type="roundRect" r:blip="">
-                            <dgm:adjLst>
-                              <dgm:adj idx="1" val="0.1"/>
-                            </dgm:adjLst>
-                          </dgm:shape>
-                          <dgm:presOf axis="ch desOrSelf" ptType="node node" st="4 1" cnt="1 0"/>
-                          <dgm:constrLst/>
-                          <dgm:ruleLst/>
-                        </dgm:layoutNode>
-                        <dgm:layoutNode name="FiveNodes_5">
-                          <dgm:varLst>
-                            <dgm:bulletEnabled val="1"/>
-                          </dgm:varLst>
-                          <dgm:alg type="sp"/>
-                          <dgm:shape xmlns:r="http://schemas.openxmlformats.org/officeDocument/2006/relationships" type="roundRect" r:blip="">
-                            <dgm:adjLst>
-                              <dgm:adj idx="1" val="0.1"/>
-                            </dgm:adjLst>
-                          </dgm:shape>
-                          <dgm:presOf axis="ch desOrSelf" ptType="node node" st="5 1" cnt="1 0"/>
-                          <dgm:constrLst/>
-                          <dgm:ruleLst/>
-                        </dgm:layoutNode>
-                        <dgm:layoutNode name="FiveConn_1-2" styleLbl="fgAccFollowNode1">
-                          <dgm:varLst>
-                            <dgm:bulletEnabled val="1"/>
-                          </dgm:varLst>
-                          <dgm:alg type="tx"/>
-                          <dgm:shape xmlns:r="http://schemas.openxmlformats.org/officeDocument/2006/relationships" type="downArrow" r:blip="">
-                            <dgm:adjLst>
-                              <dgm:adj idx="1" val="0.55"/>
-                              <dgm:adj idx="2" val="0.45"/>
-                            </dgm:adjLst>
-                          </dgm:shape>
-                          <dgm:presOf axis="ch" ptType="sibTrans" cnt="1"/>
-                          <dgm:constrLst>
-                            <dgm:constr type="lMarg" refType="primFontSz" fact="0.1"/>
-                            <dgm:constr type="rMarg" refType="primFontSz" fact="0.1"/>
-                            <dgm:constr type="tMarg" refType="primFontSz" fact="0.1"/>
-                            <dgm:constr type="bMarg" refType="primFontSz" fact="0.1"/>
-                          </dgm:constrLst>
-                          <dgm:ruleLst>
-                            <dgm:rule type="primFontSz" val="5" fact="NaN" max="NaN"/>
-                          </dgm:ruleLst>
-                        </dgm:layoutNode>
-                        <dgm:layoutNode name="FiveConn_2-3" styleLbl="fgAccFollowNode1">
-                          <dgm:varLst>
-                            <dgm:bulletEnabled val="1"/>
-                          </dgm:varLst>
-                          <dgm:alg type="tx"/>
-                          <dgm:shape xmlns:r="http://schemas.openxmlformats.org/officeDocument/2006/relationships" type="downArrow" r:blip="">
-                            <dgm:adjLst>
-                              <dgm:adj idx="1" val="0.55"/>
-                              <dgm:adj idx="2" val="0.45"/>
-                            </dgm:adjLst>
-                          </dgm:shape>
-                          <dgm:presOf axis="ch" ptType="sibTrans" st="2" cnt="1"/>
-                          <dgm:constrLst>
-                            <dgm:constr type="lMarg" refType="primFontSz" fact="0.1"/>
-                            <dgm:constr type="rMarg" refType="primFontSz" fact="0.1"/>
-                            <dgm:constr type="tMarg" refType="primFontSz" fact="0.1"/>
-                            <dgm:constr type="bMarg" refType="primFontSz" fact="0.1"/>
-                          </dgm:constrLst>
-                          <dgm:ruleLst>
-                            <dgm:rule type="primFontSz" val="5" fact="NaN" max="NaN"/>
-                          </dgm:ruleLst>
-                        </dgm:layoutNode>
-                        <dgm:layoutNode name="FiveConn_3-4" styleLbl="fgAccFollowNode1">
-                          <dgm:varLst>
-                            <dgm:bulletEnabled val="1"/>
-                          </dgm:varLst>
-                          <dgm:alg type="tx"/>
-                          <dgm:shape xmlns:r="http://schemas.openxmlformats.org/officeDocument/2006/relationships" type="downArrow" r:blip="">
-                            <dgm:adjLst>
-                              <dgm:adj idx="1" val="0.55"/>
-                              <dgm:adj idx="2" val="0.45"/>
-                            </dgm:adjLst>
-                          </dgm:shape>
-                          <dgm:presOf axis="ch" ptType="sibTrans" st="3" cnt="1"/>
-                          <dgm:constrLst>
-                            <dgm:constr type="lMarg" refType="primFontSz" fact="0.1"/>
-                            <dgm:constr type="rMarg" refType="primFontSz" fact="0.1"/>
-                            <dgm:constr type="tMarg" refType="primFontSz" fact="0.1"/>
-                            <dgm:constr type="bMarg" refType="primFontSz" fact="0.1"/>
-                          </dgm:constrLst>
-                          <dgm:ruleLst>
-                            <dgm:rule type="primFontSz" val="5" fact="NaN" max="NaN"/>
-                          </dgm:ruleLst>
-                        </dgm:layoutNode>
-                        <dgm:layoutNode name="FiveConn_4-5" styleLbl="fgAccFollowNode1">
-                          <dgm:varLst>
-                            <dgm:bulletEnabled val="1"/>
-                          </dgm:varLst>
-                          <dgm:alg type="tx"/>
-                          <dgm:shape xmlns:r="http://schemas.openxmlformats.org/officeDocument/2006/relationships" type="downArrow" r:blip="">
-                            <dgm:adjLst>
-                              <dgm:adj idx="1" val="0.55"/>
-                              <dgm:adj idx="2" val="0.45"/>
-                            </dgm:adjLst>
-                          </dgm:shape>
-                          <dgm:presOf axis="ch" ptType="sibTrans" st="4" cnt="1"/>
-                          <dgm:constrLst>
-                            <dgm:constr type="lMarg" refType="primFontSz" fact="0.1"/>
-                            <dgm:constr type="rMarg" refType="primFontSz" fact="0.1"/>
-                            <dgm:constr type="tMarg" refType="primFontSz" fact="0.1"/>
-                            <dgm:constr type="bMarg" refType="primFontSz" fact="0.1"/>
-                          </dgm:constrLst>
-                          <dgm:ruleLst>
-                            <dgm:rule type="primFontSz" val="5" fact="NaN" max="NaN"/>
-                          </dgm:ruleLst>
-                        </dgm:layoutNode>
-                        <dgm:layoutNode name="FiveNodes_1_text">
-                          <dgm:varLst>
-                            <dgm:bulletEnabled val="1"/>
-                          </dgm:varLst>
-                          <dgm:alg type="tx">
-                            <dgm:param type="parTxLTRAlign" val="l"/>
-                            <dgm:param type="txAnchorVertCh" val="mid"/>
-                          </dgm:alg>
-                          <dgm:shape xmlns:r="http://schemas.openxmlformats.org/officeDocument/2006/relationships" type="roundRect" r:blip="" hideGeom="1">
-                            <dgm:adjLst>
-                              <dgm:adj idx="1" val="0.1"/>
-                            </dgm:adjLst>
-                          </dgm:shape>
-                          <dgm:presOf axis="ch desOrSelf" ptType="node node" st="1 1" cnt="1 0"/>
-                          <dgm:constrLst>
-                            <dgm:constr type="lMarg" refType="primFontSz" fact="0.3"/>
-                            <dgm:constr type="rMarg" refType="primFontSz" fact="0.3"/>
-                            <dgm:constr type="tMarg" refType="primFontSz" fact="0.3"/>
-                            <dgm:constr type="bMarg" refType="primFontSz" fact="0.3"/>
-                          </dgm:constrLst>
-                          <dgm:ruleLst>
-                            <dgm:rule type="primFontSz" val="5" fact="NaN" max="NaN"/>
-                          </dgm:ruleLst>
-                        </dgm:layoutNode>
-                        <dgm:layoutNode name="FiveNodes_2_text">
-                          <dgm:varLst>
-                            <dgm:bulletEnabled val="1"/>
-                          </dgm:varLst>
-                          <dgm:alg type="tx">
-                            <dgm:param type="parTxLTRAlign" val="l"/>
-                            <dgm:param type="txAnchorVertCh" val="mid"/>
-                          </dgm:alg>
-                          <dgm:shape xmlns:r="http://schemas.openxmlformats.org/officeDocument/2006/relationships" type="roundRect" r:blip="" hideGeom="1">
-                            <dgm:adjLst>
-                              <dgm:adj idx="1" val="0.1"/>
-                            </dgm:adjLst>
-                          </dgm:shape>
-                          <dgm:presOf axis="ch desOrSelf" ptType="node node" st="2 1" cnt="1 0"/>
-                          <dgm:constrLst>
-                            <dgm:constr type="lMarg" refType="primFontSz" fact="0.3"/>
-                            <dgm:constr type="rMarg" refType="primFontSz" fact="0.3"/>
-                            <dgm:constr type="tMarg" refType="primFontSz" fact="0.3"/>
-                            <dgm:constr type="bMarg" refType="primFontSz" fact="0.3"/>
-                          </dgm:constrLst>
-                          <dgm:ruleLst>
-                            <dgm:rule type="primFontSz" val="5" fact="NaN" max="NaN"/>
-                          </dgm:ruleLst>
-                        </dgm:layoutNode>
-                        <dgm:layoutNode name="FiveNodes_3_text">
-                          <dgm:varLst>
-                            <dgm:bulletEnabled val="1"/>
-                          </dgm:varLst>
-                          <dgm:alg type="tx">
-                            <dgm:param type="parTxLTRAlign" val="l"/>
-                            <dgm:param type="txAnchorVertCh" val="mid"/>
-                          </dgm:alg>
-                          <dgm:shape xmlns:r="http://schemas.openxmlformats.org/officeDocument/2006/relationships" type="roundRect" r:blip="" hideGeom="1">
-                            <dgm:adjLst>
-                              <dgm:adj idx="1" val="0.1"/>
-                            </dgm:adjLst>
-                          </dgm:shape>
-                          <dgm:presOf axis="ch desOrSelf" ptType="node node" st="3 1" cnt="1 0"/>
-                          <dgm:constrLst>
-                            <dgm:constr type="lMarg" refType="primFontSz" fact="0.3"/>
-                            <dgm:constr type="rMarg" refType="primFontSz" fact="0.3"/>
-                            <dgm:constr type="tMarg" refType="primFontSz" fact="0.3"/>
-                            <dgm:constr type="bMarg" refType="primFontSz" fact="0.3"/>
-                          </dgm:constrLst>
-                          <dgm:ruleLst>
-                            <dgm:rule type="primFontSz" val="5" fact="NaN" max="NaN"/>
-                          </dgm:ruleLst>
-                        </dgm:layoutNode>
-                        <dgm:layoutNode name="FiveNodes_4_text">
-                          <dgm:varLst>
-                            <dgm:bulletEnabled val="1"/>
-                          </dgm:varLst>
-                          <dgm:alg type="tx">
-                            <dgm:param type="parTxLTRAlign" val="l"/>
-                            <dgm:param type="txAnchorVertCh" val="mid"/>
-                          </dgm:alg>
-                          <dgm:shape xmlns:r="http://schemas.openxmlformats.org/officeDocument/2006/relationships" type="roundRect" r:blip="" hideGeom="1">
-                            <dgm:adjLst>
-                              <dgm:adj idx="1" val="0.1"/>
-                            </dgm:adjLst>
-                          </dgm:shape>
-                          <dgm:presOf axis="ch desOrSelf" ptType="node node" st="4 1" cnt="1 0"/>
-                          <dgm:constrLst>
-                            <dgm:constr type="lMarg" refType="primFontSz" fact="0.3"/>
-                            <dgm:constr type="rMarg" refType="primFontSz" fact="0.3"/>
-                            <dgm:constr type="tMarg" refType="primFontSz" fact="0.3"/>
-                            <dgm:constr type="bMarg" refType="primFontSz" fact="0.3"/>
-                          </dgm:constrLst>
-                          <dgm:ruleLst>
-                            <dgm:rule type="primFontSz" val="5" fact="NaN" max="NaN"/>
-                          </dgm:ruleLst>
-                        </dgm:layoutNode>
-                        <dgm:layoutNode name="FiveNodes_5_text">
-                          <dgm:varLst>
-                            <dgm:bulletEnabled val="1"/>
-                          </dgm:varLst>
-                          <dgm:alg type="tx">
-                            <dgm:param type="parTxLTRAlign" val="l"/>
-                            <dgm:param type="txAnchorVertCh" val="mid"/>
-                          </dgm:alg>
-                          <dgm:shape xmlns:r="http://schemas.openxmlformats.org/officeDocument/2006/relationships" type="roundRect" r:blip="" hideGeom="1">
-                            <dgm:adjLst>
-                              <dgm:adj idx="1" val="0.1"/>
-                            </dgm:adjLst>
-                          </dgm:shape>
-                          <dgm:presOf axis="ch desOrSelf" ptType="node node" st="5 1" cnt="1 0"/>
-                          <dgm:constrLst>
-                            <dgm:constr type="lMarg" refType="primFontSz" fact="0.3"/>
-                            <dgm:constr type="rMarg" refType="primFontSz" fact="0.3"/>
-                            <dgm:constr type="tMarg" refType="primFontSz" fact="0.3"/>
-                            <dgm:constr type="bMarg" refType="primFontSz" fact="0.3"/>
-                          </dgm:constrLst>
-                          <dgm:ruleLst>
-                            <dgm:rule type="primFontSz" val="5" fact="NaN" max="NaN"/>
-                          </dgm:ruleLst>
-                        </dgm:layoutNode>
-                      </dgm:if>
-                      <dgm:else name="Name17"/>
-                    </dgm:choose>
-                  </dgm:else>
-                </dgm:choose>
-              </dgm:else>
-            </dgm:choose>
-          </dgm:else>
-        </dgm:choose>
-      </dgm:else>
-    </dgm:choose>
+              </dgm:forEach>
+            </dgm:if>
+            <dgm:else name="Name7"/>
+          </dgm:choose>
+        </dgm:else>
+      </dgm:choose>
+    </dgm:forEach>
   </dgm:layoutNode>
 </dgm:layoutDef>
 </file>
 
 <file path=ppt/diagrams/quickStyle1.xml><?xml version="1.0" encoding="utf-8"?>
+<dgm:styleDef xmlns:dgm="http://schemas.openxmlformats.org/drawingml/2006/diagram" xmlns:a="http://schemas.openxmlformats.org/drawingml/2006/main" uniqueId="urn:microsoft.com/office/officeart/2005/8/quickstyle/simple1">
+  <dgm:title val=""/>
+  <dgm:desc val=""/>
+  <dgm:catLst>
+    <dgm:cat type="simple" pri="10100"/>
+  </dgm:catLst>
+  <dgm:scene3d>
+    <a:camera prst="orthographicFront"/>
+    <a:lightRig rig="threePt" dir="t"/>
+  </dgm:scene3d>
+  <dgm:styleLbl name="node0">
+    <dgm:scene3d>
+      <a:camera prst="orthographicFront"/>
+      <a:lightRig rig="threePt" dir="t"/>
+    </dgm:scene3d>
+    <dgm:sp3d/>
+    <dgm:txPr/>
+    <dgm:style>
+      <a:lnRef idx="2">
+        <a:scrgbClr r="0" g="0" b="0"/>
+      </a:lnRef>
+      <a:fillRef idx="1">
+        <a:scrgbClr r="0" g="0" b="0"/>
+      </a:fillRef>
+      <a:effectRef idx="0">
+        <a:scrgbClr r="0" g="0" b="0"/>
+      </a:effectRef>
+      <a:fontRef idx="minor">
+        <a:schemeClr val="lt1"/>
+      </a:fontRef>
+    </dgm:style>
+  </dgm:styleLbl>
+  <dgm:styleLbl name="lnNode1">
+    <dgm:scene3d>
+      <a:camera prst="orthographicFront"/>
+      <a:lightRig rig="threePt" dir="t"/>
+    </dgm:scene3d>
+    <dgm:sp3d/>
+    <dgm:txPr/>
+    <dgm:style>
+      <a:lnRef idx="2">
+        <a:scrgbClr r="0" g="0" b="0"/>
+      </a:lnRef>
+      <a:fillRef idx="1">
+        <a:scrgbClr r="0" g="0" b="0"/>
+      </a:fillRef>
+      <a:effectRef idx="0">
+        <a:scrgbClr r="0" g="0" b="0"/>
+      </a:effectRef>
+      <a:fontRef idx="minor">
+        <a:schemeClr val="lt1"/>
+      </a:fontRef>
+    </dgm:style>
+  </dgm:styleLbl>
+  <dgm:styleLbl name="vennNode1">
+    <dgm:scene3d>
+      <a:camera prst="orthographicFront"/>
+      <a:lightRig rig="threePt" dir="t"/>
+    </dgm:scene3d>
+    <dgm:sp3d/>
+    <dgm:txPr/>
+    <dgm:style>
+      <a:lnRef idx="2">
+        <a:scrgbClr r="0" g="0" b="0"/>
+      </a:lnRef>
+      <a:fillRef idx="1">
+        <a:scrgbClr r="0" g="0" b="0"/>
+      </a:fillRef>
+      <a:effectRef idx="0">
+        <a:scrgbClr r="0" g="0" b="0"/>
+      </a:effectRef>
+      <a:fontRef idx="minor">
+        <a:schemeClr val="tx1"/>
+      </a:fontRef>
+    </dgm:style>
+  </dgm:styleLbl>
+  <dgm:styleLbl name="alignNode1">
+    <dgm:scene3d>
+      <a:camera prst="orthographicFront"/>
+      <a:lightRig rig="threePt" dir="t"/>
+    </dgm:scene3d>
+    <dgm:sp3d/>
+    <dgm:txPr/>
+    <dgm:style>
+      <a:lnRef idx="2">
+        <a:scrgbClr r="0" g="0" b="0"/>
+      </a:lnRef>
+      <a:fillRef idx="1">
+        <a:scrgbClr r="0" g="0" b="0"/>
+      </a:fillRef>
+      <a:effectRef idx="0">
+        <a:scrgbClr r="0" g="0" b="0"/>
+      </a:effectRef>
+      <a:fontRef idx="minor">
+        <a:schemeClr val="lt1"/>
+      </a:fontRef>
+    </dgm:style>
+  </dgm:styleLbl>
+  <dgm:styleLbl name="node1">
+    <dgm:scene3d>
+      <a:camera prst="orthographicFront"/>
+      <a:lightRig rig="threePt" dir="t"/>
+    </dgm:scene3d>
+    <dgm:sp3d/>
+    <dgm:txPr/>
+    <dgm:style>
+      <a:lnRef idx="2">
+        <a:scrgbClr r="0" g="0" b="0"/>
+      </a:lnRef>
+      <a:fillRef idx="1">
+        <a:scrgbClr r="0" g="0" b="0"/>
+      </a:fillRef>
+      <a:effectRef idx="0">
+        <a:scrgbClr r="0" g="0" b="0"/>
+      </a:effectRef>
+      <a:fontRef idx="minor">
+        <a:schemeClr val="lt1"/>
+      </a:fontRef>
+    </dgm:style>
+  </dgm:styleLbl>
+  <dgm:styleLbl name="node2">
+    <dgm:scene3d>
+      <a:camera prst="orthographicFront"/>
+      <a:lightRig rig="threePt" dir="t"/>
+    </dgm:scene3d>
+    <dgm:sp3d/>
+    <dgm:txPr/>
+    <dgm:style>
+      <a:lnRef idx="2">
+        <a:scrgbClr r="0" g="0" b="0"/>
+      </a:lnRef>
+      <a:fillRef idx="1">
+        <a:scrgbClr r="0" g="0" b="0"/>
+      </a:fillRef>
+      <a:effectRef idx="0">
+        <a:scrgbClr r="0" g="0" b="0"/>
+      </a:effectRef>
+      <a:fontRef idx="minor">
+        <a:schemeClr val="lt1"/>
+      </a:fontRef>
+    </dgm:style>
+  </dgm:styleLbl>
+  <dgm:styleLbl name="node3">
+    <dgm:scene3d>
+      <a:camera prst="orthographicFront"/>
+      <a:lightRig rig="threePt" dir="t"/>
+    </dgm:scene3d>
+    <dgm:sp3d/>
+    <dgm:txPr/>
+    <dgm:style>
+      <a:lnRef idx="2">
+        <a:scrgbClr r="0" g="0" b="0"/>
+      </a:lnRef>
+      <a:fillRef idx="1">
+        <a:scrgbClr r="0" g="0" b="0"/>
+      </a:fillRef>
+      <a:effectRef idx="0">
+        <a:scrgbClr r="0" g="0" b="0"/>
+      </a:effectRef>
+      <a:fontRef idx="minor">
+        <a:schemeClr val="lt1"/>
+      </a:fontRef>
+    </dgm:style>
+  </dgm:styleLbl>
+  <dgm:styleLbl name="node4">
+    <dgm:scene3d>
+      <a:camera prst="orthographicFront"/>
+      <a:lightRig rig="threePt" dir="t"/>
+    </dgm:scene3d>
+    <dgm:sp3d/>
+    <dgm:txPr/>
+    <dgm:style>
+      <a:lnRef idx="2">
+        <a:scrgbClr r="0" g="0" b="0"/>
+      </a:lnRef>
+      <a:fillRef idx="1">
+        <a:scrgbClr r="0" g="0" b="0"/>
+      </a:fillRef>
+      <a:effectRef idx="0">
+        <a:scrgbClr r="0" g="0" b="0"/>
+      </a:effectRef>
+      <a:fontRef idx="minor">
+        <a:schemeClr val="lt1"/>
+      </a:fontRef>
+    </dgm:style>
+  </dgm:styleLbl>
+  <dgm:styleLbl name="fgImgPlace1">
+    <dgm:scene3d>
+      <a:camera prst="orthographicFront"/>
+      <a:lightRig rig="threePt" dir="t"/>
+    </dgm:scene3d>
+    <dgm:sp3d/>
+    <dgm:txPr/>
+    <dgm:style>
+      <a:lnRef idx="2">
+        <a:scrgbClr r="0" g="0" b="0"/>
+      </a:lnRef>
+      <a:fillRef idx="1">
+        <a:scrgbClr r="0" g="0" b="0"/>
+      </a:fillRef>
+      <a:effectRef idx="0">
+        <a:scrgbClr r="0" g="0" b="0"/>
+      </a:effectRef>
+      <a:fontRef idx="minor"/>
+    </dgm:style>
+  </dgm:styleLbl>
+  <dgm:styleLbl name="alignImgPlace1">
+    <dgm:scene3d>
+      <a:camera prst="orthographicFront"/>
+      <a:lightRig rig="threePt" dir="t"/>
+    </dgm:scene3d>
+    <dgm:sp3d/>
+    <dgm:txPr/>
+    <dgm:style>
+      <a:lnRef idx="2">
+        <a:scrgbClr r="0" g="0" b="0"/>
+      </a:lnRef>
+      <a:fillRef idx="1">
+        <a:scrgbClr r="0" g="0" b="0"/>
+      </a:fillRef>
+      <a:effectRef idx="0">
+        <a:scrgbClr r="0" g="0" b="0"/>
+      </a:effectRef>
+      <a:fontRef idx="minor"/>
+    </dgm:style>
+  </dgm:styleLbl>
+  <dgm:styleLbl name="bgImgPlace1">
+    <dgm:scene3d>
+      <a:camera prst="orthographicFront"/>
+      <a:lightRig rig="threePt" dir="t"/>
+    </dgm:scene3d>
+    <dgm:sp3d/>
+    <dgm:txPr/>
+    <dgm:style>
+      <a:lnRef idx="2">
+        <a:scrgbClr r="0" g="0" b="0"/>
+      </a:lnRef>
+      <a:fillRef idx="1">
+        <a:scrgbClr r="0" g="0" b="0"/>
+      </a:fillRef>
+      <a:effectRef idx="0">
+        <a:scrgbClr r="0" g="0" b="0"/>
+      </a:effectRef>
+      <a:fontRef idx="minor"/>
+    </dgm:style>
+  </dgm:styleLbl>
+  <dgm:styleLbl name="sibTrans2D1">
+    <dgm:scene3d>
+      <a:camera prst="orthographicFront"/>
+      <a:lightRig rig="threePt" dir="t"/>
+    </dgm:scene3d>
+    <dgm:sp3d/>
+    <dgm:txPr/>
+    <dgm:style>
+      <a:lnRef idx="0">
+        <a:scrgbClr r="0" g="0" b="0"/>
+      </a:lnRef>
+      <a:fillRef idx="1">
+        <a:scrgbClr r="0" g="0" b="0"/>
+      </a:fillRef>
+      <a:effectRef idx="0">
+        <a:scrgbClr r="0" g="0" b="0"/>
+      </a:effectRef>
+      <a:fontRef idx="minor">
+        <a:schemeClr val="lt1"/>
+      </a:fontRef>
+    </dgm:style>
+  </dgm:styleLbl>
+  <dgm:styleLbl name="fgSibTrans2D1">
+    <dgm:scene3d>
+      <a:camera prst="orthographicFront"/>
+      <a:lightRig rig="threePt" dir="t"/>
+    </dgm:scene3d>
+    <dgm:sp3d/>
+    <dgm:txPr/>
+    <dgm:style>
+      <a:lnRef idx="0">
+        <a:scrgbClr r="0" g="0" b="0"/>
+      </a:lnRef>
+      <a:fillRef idx="1">
+        <a:scrgbClr r="0" g="0" b="0"/>
+      </a:fillRef>
+      <a:effectRef idx="0">
+        <a:scrgbClr r="0" g="0" b="0"/>
+      </a:effectRef>
+      <a:fontRef idx="minor">
+        <a:schemeClr val="lt1"/>
+      </a:fontRef>
+    </dgm:style>
+  </dgm:styleLbl>
+  <dgm:styleLbl name="bgSibTrans2D1">
+    <dgm:scene3d>
+      <a:camera prst="orthographicFront"/>
+      <a:lightRig rig="threePt" dir="t"/>
+    </dgm:scene3d>
+    <dgm:sp3d/>
+    <dgm:txPr/>
+    <dgm:style>
+      <a:lnRef idx="0">
+        <a:scrgbClr r="0" g="0" b="0"/>
+      </a:lnRef>
+      <a:fillRef idx="1">
+        <a:scrgbClr r="0" g="0" b="0"/>
+      </a:fillRef>
+      <a:effectRef idx="0">
+        <a:scrgbClr r="0" g="0" b="0"/>
+      </a:effectRef>
+      <a:fontRef idx="minor">
+        <a:schemeClr val="lt1"/>
+      </a:fontRef>
+    </dgm:style>
+  </dgm:styleLbl>
+  <dgm:styleLbl name="sibTrans1D1">
+    <dgm:scene3d>
+      <a:camera prst="orthographicFront"/>
+      <a:lightRig rig="threePt" dir="t"/>
+    </dgm:scene3d>
+    <dgm:sp3d/>
+    <dgm:txPr/>
+    <dgm:style>
+      <a:lnRef idx="1">
+        <a:scrgbClr r="0" g="0" b="0"/>
+      </a:lnRef>
+      <a:fillRef idx="0">
+        <a:scrgbClr r="0" g="0" b="0"/>
+      </a:fillRef>
+      <a:effectRef idx="0">
+        <a:scrgbClr r="0" g="0" b="0"/>
+      </a:effectRef>
+      <a:fontRef idx="minor"/>
+    </dgm:style>
+  </dgm:styleLbl>
+  <dgm:styleLbl name="callout">
+    <dgm:scene3d>
+      <a:camera prst="orthographicFront"/>
+      <a:lightRig rig="threePt" dir="t"/>
+    </dgm:scene3d>
+    <dgm:sp3d/>
+    <dgm:txPr/>
+    <dgm:style>
+      <a:lnRef idx="2">
+        <a:scrgbClr r="0" g="0" b="0"/>
+      </a:lnRef>
+      <a:fillRef idx="1">
+        <a:scrgbClr r="0" g="0" b="0"/>
+      </a:fillRef>
+      <a:effectRef idx="0">
+        <a:scrgbClr r="0" g="0" b="0"/>
+      </a:effectRef>
+      <a:fontRef idx="minor"/>
+    </dgm:style>
+  </dgm:styleLbl>
+  <dgm:styleLbl name="asst0">
+    <dgm:scene3d>
+      <a:camera prst="orthographicFront"/>
+      <a:lightRig rig="threePt" dir="t"/>
+    </dgm:scene3d>
+    <dgm:sp3d/>
+    <dgm:txPr/>
+    <dgm:style>
+      <a:lnRef idx="2">
+        <a:scrgbClr r="0" g="0" b="0"/>
+      </a:lnRef>
+      <a:fillRef idx="1">
+        <a:scrgbClr r="0" g="0" b="0"/>
+      </a:fillRef>
+      <a:effectRef idx="0">
+        <a:scrgbClr r="0" g="0" b="0"/>
+      </a:effectRef>
+      <a:fontRef idx="minor">
+        <a:schemeClr val="lt1"/>
+      </a:fontRef>
+    </dgm:style>
+  </dgm:styleLbl>
+  <dgm:styleLbl name="asst1">
+    <dgm:scene3d>
+      <a:camera prst="orthographicFront"/>
+      <a:lightRig rig="threePt" dir="t"/>
+    </dgm:scene3d>
+    <dgm:sp3d/>
+    <dgm:txPr/>
+    <dgm:style>
+      <a:lnRef idx="2">
+        <a:scrgbClr r="0" g="0" b="0"/>
+      </a:lnRef>
+      <a:fillRef idx="1">
+        <a:scrgbClr r="0" g="0" b="0"/>
+      </a:fillRef>
+      <a:effectRef idx="0">
+        <a:scrgbClr r="0" g="0" b="0"/>
+      </a:effectRef>
+      <a:fontRef idx="minor">
+        <a:schemeClr val="lt1"/>
+      </a:fontRef>
+    </dgm:style>
+  </dgm:styleLbl>
+  <dgm:styleLbl name="asst2">
+    <dgm:scene3d>
+      <a:camera prst="orthographicFront"/>
+      <a:lightRig rig="threePt" dir="t"/>
+    </dgm:scene3d>
+    <dgm:sp3d/>
+    <dgm:txPr/>
+    <dgm:style>
+      <a:lnRef idx="2">
+        <a:scrgbClr r="0" g="0" b="0"/>
+      </a:lnRef>
+      <a:fillRef idx="1">
+        <a:scrgbClr r="0" g="0" b="0"/>
+      </a:fillRef>
+      <a:effectRef idx="0">
+        <a:scrgbClr r="0" g="0" b="0"/>
+      </a:effectRef>
+      <a:fontRef idx="minor">
+        <a:schemeClr val="lt1"/>
+      </a:fontRef>
+    </dgm:style>
+  </dgm:styleLbl>
+  <dgm:styleLbl name="asst3">
+    <dgm:scene3d>
+      <a:camera prst="orthographicFront"/>
+      <a:lightRig rig="threePt" dir="t"/>
+    </dgm:scene3d>
+    <dgm:sp3d/>
+    <dgm:txPr/>
+    <dgm:style>
+      <a:lnRef idx="2">
+        <a:scrgbClr r="0" g="0" b="0"/>
+      </a:lnRef>
+      <a:fillRef idx="1">
+        <a:scrgbClr r="0" g="0" b="0"/>
+      </a:fillRef>
+      <a:effectRef idx="0">
+        <a:scrgbClr r="0" g="0" b="0"/>
+      </a:effectRef>
+      <a:fontRef idx="minor">
+        <a:schemeClr val="lt1"/>
+      </a:fontRef>
+    </dgm:style>
+  </dgm:styleLbl>
+  <dgm:styleLbl name="asst4">
+    <dgm:scene3d>
+      <a:camera prst="orthographicFront"/>
+      <a:lightRig rig="threePt" dir="t"/>
+    </dgm:scene3d>
+    <dgm:sp3d/>
+    <dgm:txPr/>
+    <dgm:style>
+      <a:lnRef idx="2">
+        <a:scrgbClr r="0" g="0" b="0"/>
+      </a:lnRef>
+      <a:fillRef idx="1">
+        <a:scrgbClr r="0" g="0" b="0"/>
+      </a:fillRef>
+      <a:effectRef idx="0">
+        <a:scrgbClr r="0" g="0" b="0"/>
+      </a:effectRef>
+      <a:fontRef idx="minor">
+        <a:schemeClr val="lt1"/>
+      </a:fontRef>
+    </dgm:style>
+  </dgm:styleLbl>
+  <dgm:styleLbl name="parChTrans2D1">
+    <dgm:scene3d>
+      <a:camera prst="orthographicFront"/>
+      <a:lightRig rig="threePt" dir="t"/>
+    </dgm:scene3d>
+    <dgm:sp3d/>
+    <dgm:txPr/>
+    <dgm:style>
+      <a:lnRef idx="2">
+        <a:scrgbClr r="0" g="0" b="0"/>
+      </a:lnRef>
+      <a:fillRef idx="1">
+        <a:scrgbClr r="0" g="0" b="0"/>
+      </a:fillRef>
+      <a:effectRef idx="0">
+        <a:scrgbClr r="0" g="0" b="0"/>
+      </a:effectRef>
+      <a:fontRef idx="minor">
+        <a:schemeClr val="lt1"/>
+      </a:fontRef>
+    </dgm:style>
+  </dgm:styleLbl>
+  <dgm:styleLbl name="parChTrans2D2">
+    <dgm:scene3d>
+      <a:camera prst="orthographicFront"/>
+      <a:lightRig rig="threePt" dir="t"/>
+    </dgm:scene3d>
+    <dgm:sp3d/>
+    <dgm:txPr/>
+    <dgm:style>
+      <a:lnRef idx="2">
+        <a:scrgbClr r="0" g="0" b="0"/>
+      </a:lnRef>
+      <a:fillRef idx="1">
+        <a:scrgbClr r="0" g="0" b="0"/>
+      </a:fillRef>
+      <a:effectRef idx="0">
+        <a:scrgbClr r="0" g="0" b="0"/>
+      </a:effectRef>
+      <a:fontRef idx="minor">
+        <a:schemeClr val="lt1"/>
+      </a:fontRef>
+    </dgm:style>
+  </dgm:styleLbl>
+  <dgm:styleLbl name="parChTrans2D3">
+    <dgm:scene3d>
+      <a:camera prst="orthographicFront"/>
+      <a:lightRig rig="threePt" dir="t"/>
+    </dgm:scene3d>
+    <dgm:sp3d/>
+    <dgm:txPr/>
+    <dgm:style>
+      <a:lnRef idx="2">
+        <a:scrgbClr r="0" g="0" b="0"/>
+      </a:lnRef>
+      <a:fillRef idx="1">
+        <a:scrgbClr r="0" g="0" b="0"/>
+      </a:fillRef>
+      <a:effectRef idx="0">
+        <a:scrgbClr r="0" g="0" b="0"/>
+      </a:effectRef>
+      <a:fontRef idx="minor">
+        <a:schemeClr val="lt1"/>
+      </a:fontRef>
+    </dgm:style>
+  </dgm:styleLbl>
+  <dgm:styleLbl name="parChTrans2D4">
+    <dgm:scene3d>
+      <a:camera prst="orthographicFront"/>
+      <a:lightRig rig="threePt" dir="t"/>
+    </dgm:scene3d>
+    <dgm:sp3d/>
+    <dgm:txPr/>
+    <dgm:style>
+      <a:lnRef idx="2">
+        <a:scrgbClr r="0" g="0" b="0"/>
+      </a:lnRef>
+      <a:fillRef idx="1">
+        <a:scrgbClr r="0" g="0" b="0"/>
+      </a:fillRef>
+      <a:effectRef idx="0">
+        <a:scrgbClr r="0" g="0" b="0"/>
+      </a:effectRef>
+      <a:fontRef idx="minor">
+        <a:schemeClr val="lt1"/>
+      </a:fontRef>
+    </dgm:style>
+  </dgm:styleLbl>
+  <dgm:styleLbl name="parChTrans1D1">
+    <dgm:scene3d>
+      <a:camera prst="orthographicFront"/>
+      <a:lightRig rig="threePt" dir="t"/>
+    </dgm:scene3d>
+    <dgm:sp3d/>
+    <dgm:txPr/>
+    <dgm:style>
+      <a:lnRef idx="2">
+        <a:scrgbClr r="0" g="0" b="0"/>
+      </a:lnRef>
+      <a:fillRef idx="0">
+        <a:scrgbClr r="0" g="0" b="0"/>
+      </a:fillRef>
+      <a:effectRef idx="0">
+        <a:scrgbClr r="0" g="0" b="0"/>
+      </a:effectRef>
+      <a:fontRef idx="minor"/>
+    </dgm:style>
+  </dgm:styleLbl>
+  <dgm:styleLbl name="parChTrans1D2">
+    <dgm:scene3d>
+      <a:camera prst="orthographicFront"/>
+      <a:lightRig rig="threePt" dir="t"/>
+    </dgm:scene3d>
+    <dgm:sp3d/>
+    <dgm:txPr/>
+    <dgm:style>
+      <a:lnRef idx="2">
+        <a:scrgbClr r="0" g="0" b="0"/>
+      </a:lnRef>
+      <a:fillRef idx="0">
+        <a:scrgbClr r="0" g="0" b="0"/>
+      </a:fillRef>
+      <a:effectRef idx="0">
+        <a:scrgbClr r="0" g="0" b="0"/>
+      </a:effectRef>
+      <a:fontRef idx="minor"/>
+    </dgm:style>
+  </dgm:styleLbl>
+  <dgm:styleLbl name="parChTrans1D3">
+    <dgm:scene3d>
+      <a:camera prst="orthographicFront"/>
+      <a:lightRig rig="threePt" dir="t"/>
+    </dgm:scene3d>
+    <dgm:sp3d/>
+    <dgm:txPr/>
+    <dgm:style>
+      <a:lnRef idx="2">
+        <a:scrgbClr r="0" g="0" b="0"/>
+      </a:lnRef>
+      <a:fillRef idx="0">
+        <a:scrgbClr r="0" g="0" b="0"/>
+      </a:fillRef>
+      <a:effectRef idx="0">
+        <a:scrgbClr r="0" g="0" b="0"/>
+      </a:effectRef>
+      <a:fontRef idx="minor"/>
+    </dgm:style>
+  </dgm:styleLbl>
+  <dgm:styleLbl name="parChTrans1D4">
+    <dgm:scene3d>
+      <a:camera prst="orthographicFront"/>
+      <a:lightRig rig="threePt" dir="t"/>
+    </dgm:scene3d>
+    <dgm:sp3d/>
+    <dgm:txPr/>
+    <dgm:style>
+      <a:lnRef idx="2">
+        <a:scrgbClr r="0" g="0" b="0"/>
+      </a:lnRef>
+      <a:fillRef idx="0">
+        <a:scrgbClr r="0" g="0" b="0"/>
+      </a:fillRef>
+      <a:effectRef idx="0">
+        <a:scrgbClr r="0" g="0" b="0"/>
+      </a:effectRef>
+      <a:fontRef idx="minor"/>
+    </dgm:style>
+  </dgm:styleLbl>
+  <dgm:styleLbl name="fgAcc1">
+    <dgm:scene3d>
+      <a:camera prst="orthographicFront"/>
+      <a:lightRig rig="threePt" dir="t"/>
+    </dgm:scene3d>
+    <dgm:sp3d/>
+    <dgm:txPr/>
+    <dgm:style>
+      <a:lnRef idx="2">
+        <a:scrgbClr r="0" g="0" b="0"/>
+      </a:lnRef>
+      <a:fillRef idx="1">
+        <a:scrgbClr r="0" g="0" b="0"/>
+      </a:fillRef>
+      <a:effectRef idx="0">
+        <a:scrgbClr r="0" g="0" b="0"/>
+      </a:effectRef>
+      <a:fontRef idx="minor"/>
+    </dgm:style>
+  </dgm:styleLbl>
+  <dgm:styleLbl name="conFgAcc1">
+    <dgm:scene3d>
+      <a:camera prst="orthographicFront"/>
+      <a:lightRig rig="threePt" dir="t"/>
+    </dgm:scene3d>
+    <dgm:sp3d/>
+    <dgm:txPr/>
+    <dgm:style>
+      <a:lnRef idx="2">
+        <a:scrgbClr r="0" g="0" b="0"/>
+      </a:lnRef>
+      <a:fillRef idx="1">
+        <a:scrgbClr r="0" g="0" b="0"/>
+      </a:fillRef>
+      <a:effectRef idx="0">
+        <a:scrgbClr r="0" g="0" b="0"/>
+      </a:effectRef>
+      <a:fontRef idx="minor"/>
+    </dgm:style>
+  </dgm:styleLbl>
+  <dgm:styleLbl name="alignAcc1">
+    <dgm:scene3d>
+      <a:camera prst="orthographicFront"/>
+      <a:lightRig rig="threePt" dir="t"/>
+    </dgm:scene3d>
+    <dgm:sp3d/>
+    <dgm:txPr/>
+    <dgm:style>
+      <a:lnRef idx="2">
+        <a:scrgbClr r="0" g="0" b="0"/>
+      </a:lnRef>
+      <a:fillRef idx="1">
+        <a:scrgbClr r="0" g="0" b="0"/>
+      </a:fillRef>
+      <a:effectRef idx="0">
+        <a:scrgbClr r="0" g="0" b="0"/>
+      </a:effectRef>
+      <a:fontRef idx="minor"/>
+    </dgm:style>
+  </dgm:styleLbl>
+  <dgm:styleLbl name="trAlignAcc1">
+    <dgm:scene3d>
+      <a:camera prst="orthographicFront"/>
+      <a:lightRig rig="threePt" dir="t"/>
+    </dgm:scene3d>
+    <dgm:sp3d/>
+    <dgm:txPr/>
+    <dgm:style>
+      <a:lnRef idx="1">
+        <a:scrgbClr r="0" g="0" b="0"/>
+      </a:lnRef>
+      <a:fillRef idx="1">
+        <a:scrgbClr r="0" g="0" b="0"/>
+      </a:fillRef>
+      <a:effectRef idx="0">
+        <a:scrgbClr r="0" g="0" b="0"/>
+      </a:effectRef>
+      <a:fontRef idx="minor"/>
+    </dgm:style>
+  </dgm:styleLbl>
+  <dgm:styleLbl name="bgAcc1">
+    <dgm:scene3d>
+      <a:camera prst="orthographicFront"/>
+      <a:lightRig rig="threePt" dir="t"/>
+    </dgm:scene3d>
+    <dgm:sp3d/>
+    <dgm:txPr/>
+    <dgm:style>
+      <a:lnRef idx="2">
+        <a:scrgbClr r="0" g="0" b="0"/>
+      </a:lnRef>
+      <a:fillRef idx="1">
+        <a:scrgbClr r="0" g="0" b="0"/>
+      </a:fillRef>
+      <a:effectRef idx="0">
+        <a:scrgbClr r="0" g="0" b="0"/>
+      </a:effectRef>
+      <a:fontRef idx="minor"/>
+    </dgm:style>
+  </dgm:styleLbl>
+  <dgm:styleLbl name="solidFgAcc1">
+    <dgm:scene3d>
+      <a:camera prst="orthographicFront"/>
+      <a:lightRig rig="threePt" dir="t"/>
+    </dgm:scene3d>
+    <dgm:sp3d/>
+    <dgm:txPr/>
+    <dgm:style>
+      <a:lnRef idx="2">
+        <a:scrgbClr r="0" g="0" b="0"/>
+      </a:lnRef>
+      <a:fillRef idx="1">
+        <a:scrgbClr r="0" g="0" b="0"/>
+      </a:fillRef>
+      <a:effectRef idx="0">
+        <a:scrgbClr r="0" g="0" b="0"/>
+      </a:effectRef>
+      <a:fontRef idx="minor"/>
+    </dgm:style>
+  </dgm:styleLbl>
+  <dgm:styleLbl name="solidAlignAcc1">
+    <dgm:scene3d>
+      <a:camera prst="orthographicFront"/>
+      <a:lightRig rig="threePt" dir="t"/>
+    </dgm:scene3d>
+    <dgm:sp3d/>
+    <dgm:txPr/>
+    <dgm:style>
+      <a:lnRef idx="2">
+        <a:scrgbClr r="0" g="0" b="0"/>
+      </a:lnRef>
+      <a:fillRef idx="1">
+        <a:scrgbClr r="0" g="0" b="0"/>
+      </a:fillRef>
+      <a:effectRef idx="0">
+        <a:scrgbClr r="0" g="0" b="0"/>
+      </a:effectRef>
+      <a:fontRef idx="minor"/>
+    </dgm:style>
+  </dgm:styleLbl>
+  <dgm:styleLbl name="solidBgAcc1">
+    <dgm:scene3d>
+      <a:camera prst="orthographicFront"/>
+      <a:lightRig rig="threePt" dir="t"/>
+    </dgm:scene3d>
+    <dgm:sp3d/>
+    <dgm:txPr/>
+    <dgm:style>
+      <a:lnRef idx="2">
+        <a:scrgbClr r="0" g="0" b="0"/>
+      </a:lnRef>
+      <a:fillRef idx="1">
+        <a:scrgbClr r="0" g="0" b="0"/>
+      </a:fillRef>
+      <a:effectRef idx="0">
+        <a:scrgbClr r="0" g="0" b="0"/>
+      </a:effectRef>
+      <a:fontRef idx="minor"/>
+    </dgm:style>
+  </dgm:styleLbl>
+  <dgm:styleLbl name="fgAccFollowNode1">
+    <dgm:scene3d>
+      <a:camera prst="orthographicFront"/>
+      <a:lightRig rig="threePt" dir="t"/>
+    </dgm:scene3d>
+    <dgm:sp3d/>
+    <dgm:txPr/>
+    <dgm:style>
+      <a:lnRef idx="2">
+        <a:scrgbClr r="0" g="0" b="0"/>
+      </a:lnRef>
+      <a:fillRef idx="1">
+        <a:scrgbClr r="0" g="0" b="0"/>
+      </a:fillRef>
+      <a:effectRef idx="0">
+        <a:scrgbClr r="0" g="0" b="0"/>
+      </a:effectRef>
+      <a:fontRef idx="minor"/>
+    </dgm:style>
+  </dgm:styleLbl>
+  <dgm:styleLbl name="alignAccFollowNode1">
+    <dgm:scene3d>
+      <a:camera prst="orthographicFront"/>
+      <a:lightRig rig="threePt" dir="t"/>
+    </dgm:scene3d>
+    <dgm:sp3d/>
+    <dgm:txPr/>
+    <dgm:style>
+      <a:lnRef idx="2">
+        <a:scrgbClr r="0" g="0" b="0"/>
+      </a:lnRef>
+      <a:fillRef idx="1">
+        <a:scrgbClr r="0" g="0" b="0"/>
+      </a:fillRef>
+      <a:effectRef idx="0">
+        <a:scrgbClr r="0" g="0" b="0"/>
+      </a:effectRef>
+      <a:fontRef idx="minor"/>
+    </dgm:style>
+  </dgm:styleLbl>
+  <dgm:styleLbl name="bgAccFollowNode1">
+    <dgm:scene3d>
+      <a:camera prst="orthographicFront"/>
+      <a:lightRig rig="threePt" dir="t"/>
+    </dgm:scene3d>
+    <dgm:sp3d/>
+    <dgm:txPr/>
+    <dgm:style>
+      <a:lnRef idx="2">
+        <a:scrgbClr r="0" g="0" b="0"/>
+      </a:lnRef>
+      <a:fillRef idx="1">
+        <a:scrgbClr r="0" g="0" b="0"/>
+      </a:fillRef>
+      <a:effectRef idx="0">
+        <a:scrgbClr r="0" g="0" b="0"/>
+      </a:effectRef>
+      <a:fontRef idx="minor"/>
+    </dgm:style>
+  </dgm:styleLbl>
+  <dgm:styleLbl name="fgAcc0">
+    <dgm:scene3d>
+      <a:camera prst="orthographicFront"/>
+      <a:lightRig rig="threePt" dir="t"/>
+    </dgm:scene3d>
+    <dgm:sp3d/>
+    <dgm:txPr/>
+    <dgm:style>
+      <a:lnRef idx="2">
+        <a:scrgbClr r="0" g="0" b="0"/>
+      </a:lnRef>
+      <a:fillRef idx="1">
+        <a:scrgbClr r="0" g="0" b="0"/>
+      </a:fillRef>
+      <a:effectRef idx="0">
+        <a:scrgbClr r="0" g="0" b="0"/>
+      </a:effectRef>
+      <a:fontRef idx="minor"/>
+    </dgm:style>
+  </dgm:styleLbl>
+  <dgm:styleLbl name="fgAcc2">
+    <dgm:scene3d>
+      <a:camera prst="orthographicFront"/>
+      <a:lightRig rig="threePt" dir="t"/>
+    </dgm:scene3d>
+    <dgm:sp3d/>
+    <dgm:txPr/>
+    <dgm:style>
+      <a:lnRef idx="2">
+        <a:scrgbClr r="0" g="0" b="0"/>
+      </a:lnRef>
+      <a:fillRef idx="1">
+        <a:scrgbClr r="0" g="0" b="0"/>
+      </a:fillRef>
+      <a:effectRef idx="0">
+        <a:scrgbClr r="0" g="0" b="0"/>
+      </a:effectRef>
+      <a:fontRef idx="minor"/>
+    </dgm:style>
+  </dgm:styleLbl>
+  <dgm:styleLbl name="fgAcc3">
+    <dgm:scene3d>
+      <a:camera prst="orthographicFront"/>
+      <a:lightRig rig="threePt" dir="t"/>
+    </dgm:scene3d>
+    <dgm:sp3d/>
+    <dgm:txPr/>
+    <dgm:style>
+      <a:lnRef idx="2">
+        <a:scrgbClr r="0" g="0" b="0"/>
+      </a:lnRef>
+      <a:fillRef idx="1">
+        <a:scrgbClr r="0" g="0" b="0"/>
+      </a:fillRef>
+      <a:effectRef idx="0">
+        <a:scrgbClr r="0" g="0" b="0"/>
+      </a:effectRef>
+      <a:fontRef idx="minor"/>
+    </dgm:style>
+  </dgm:styleLbl>
+  <dgm:styleLbl name="fgAcc4">
+    <dgm:scene3d>
+      <a:camera prst="orthographicFront"/>
+      <a:lightRig rig="threePt" dir="t"/>
+    </dgm:scene3d>
+    <dgm:sp3d/>
+    <dgm:txPr/>
+    <dgm:style>
+      <a:lnRef idx="2">
+        <a:scrgbClr r="0" g="0" b="0"/>
+      </a:lnRef>
+      <a:fillRef idx="1">
+        <a:scrgbClr r="0" g="0" b="0"/>
+      </a:fillRef>
+      <a:effectRef idx="0">
+        <a:scrgbClr r="0" g="0" b="0"/>
+      </a:effectRef>
+      <a:fontRef idx="minor"/>
+    </dgm:style>
+  </dgm:styleLbl>
+  <dgm:styleLbl name="bgShp">
+    <dgm:scene3d>
+      <a:camera prst="orthographicFront"/>
+      <a:lightRig rig="threePt" dir="t"/>
+    </dgm:scene3d>
+    <dgm:sp3d/>
+    <dgm:txPr/>
+    <dgm:style>
+      <a:lnRef idx="0">
+        <a:scrgbClr r="0" g="0" b="0"/>
+      </a:lnRef>
+      <a:fillRef idx="1">
+        <a:scrgbClr r="0" g="0" b="0"/>
+      </a:fillRef>
+      <a:effectRef idx="0">
+        <a:scrgbClr r="0" g="0" b="0"/>
+      </a:effectRef>
+      <a:fontRef idx="minor"/>
+    </dgm:style>
+  </dgm:styleLbl>
+  <dgm:styleLbl name="dkBgShp">
+    <dgm:scene3d>
+      <a:camera prst="orthographicFront"/>
+      <a:lightRig rig="threePt" dir="t"/>
+    </dgm:scene3d>
+    <dgm:sp3d/>
+    <dgm:txPr/>
+    <dgm:style>
+      <a:lnRef idx="0">
+        <a:scrgbClr r="0" g="0" b="0"/>
+      </a:lnRef>
+      <a:fillRef idx="1">
+        <a:scrgbClr r="0" g="0" b="0"/>
+      </a:fillRef>
+      <a:effectRef idx="0">
+        <a:scrgbClr r="0" g="0" b="0"/>
+      </a:effectRef>
+      <a:fontRef idx="minor"/>
+    </dgm:style>
+  </dgm:styleLbl>
+  <dgm:styleLbl name="trBgShp">
+    <dgm:scene3d>
+      <a:camera prst="orthographicFront"/>
+      <a:lightRig rig="threePt" dir="t"/>
+    </dgm:scene3d>
+    <dgm:sp3d/>
+    <dgm:txPr/>
+    <dgm:style>
+      <a:lnRef idx="0">
+        <a:scrgbClr r="0" g="0" b="0"/>
+      </a:lnRef>
+      <a:fillRef idx="1">
+        <a:scrgbClr r="0" g="0" b="0"/>
+      </a:fillRef>
+      <a:effectRef idx="0">
+        <a:scrgbClr r="0" g="0" b="0"/>
+      </a:effectRef>
+      <a:fontRef idx="minor"/>
+    </dgm:style>
+  </dgm:styleLbl>
+  <dgm:styleLbl name="fgShp">
+    <dgm:scene3d>
+      <a:camera prst="orthographicFront"/>
+      <a:lightRig rig="threePt" dir="t"/>
+    </dgm:scene3d>
+    <dgm:sp3d/>
+    <dgm:txPr/>
+    <dgm:style>
+      <a:lnRef idx="2">
+        <a:scrgbClr r="0" g="0" b="0"/>
+      </a:lnRef>
+      <a:fillRef idx="1">
+        <a:scrgbClr r="0" g="0" b="0"/>
+      </a:fillRef>
+      <a:effectRef idx="0">
+        <a:scrgbClr r="0" g="0" b="0"/>
+      </a:effectRef>
+      <a:fontRef idx="minor"/>
+    </dgm:style>
+  </dgm:styleLbl>
+  <dgm:styleLbl name="revTx">
+    <dgm:scene3d>
+      <a:camera prst="orthographicFront"/>
+      <a:lightRig rig="threePt" dir="t"/>
+    </dgm:scene3d>
+    <dgm:sp3d/>
+    <dgm:txPr/>
+    <dgm:style>
+      <a:lnRef idx="0">
+        <a:scrgbClr r="0" g="0" b="0"/>
+      </a:lnRef>
+      <a:fillRef idx="0">
+        <a:scrgbClr r="0" g="0" b="0"/>
+      </a:fillRef>
+      <a:effectRef idx="0">
+        <a:scrgbClr r="0" g="0" b="0"/>
+      </a:effectRef>
+      <a:fontRef idx="minor"/>
+    </dgm:style>
+  </dgm:styleLbl>
+</dgm:styleDef>
+</file>
+
+<file path=ppt/diagrams/quickStyle2.xml><?xml version="1.0" encoding="utf-8"?>
 <dgm:styleDef xmlns:dgm="http://schemas.openxmlformats.org/drawingml/2006/diagram" xmlns:a="http://schemas.openxmlformats.org/drawingml/2006/main" uniqueId="urn:microsoft.com/office/officeart/2005/8/quickstyle/simple1">
   <dgm:title val=""/>
   <dgm:desc val=""/>
@@ -9773,7 +11092,7 @@
               <a:pPr/>
               <a:t>3</a:t>
             </a:fld>
-            <a:endParaRPr lang="de-DE"/>
+            <a:endParaRPr lang="de-DE" dirty="0"/>
           </a:p>
         </p:txBody>
       </p:sp>
@@ -9799,7 +11118,7 @@
               <a:t>Unternehmen : mobile-ad-</a:t>
             </a:r>
             <a:r>
-              <a:rPr lang="de-DE" dirty="0" err="1" smtClean="0"/>
+              <a:rPr lang="de-DE" dirty="0" smtClean="0"/>
               <a:t>media</a:t>
             </a:r>
             <a:r>
@@ -9821,7 +11140,7 @@
           </a:p>
           <a:p>
             <a:r>
-              <a:rPr lang="de-DE" dirty="0" err="1" smtClean="0"/>
+              <a:rPr lang="de-DE" dirty="0" smtClean="0"/>
               <a:t>Apps</a:t>
             </a:r>
             <a:r>
@@ -9950,7 +11269,7 @@
               <a:pPr/>
               <a:t>4</a:t>
             </a:fld>
-            <a:endParaRPr lang="de-DE"/>
+            <a:endParaRPr lang="de-DE" dirty="0"/>
           </a:p>
         </p:txBody>
       </p:sp>
@@ -9973,13 +11292,8 @@
           <a:p>
             <a:r>
               <a:rPr lang="de-DE" dirty="0" smtClean="0"/>
-              <a:t>Teilprojekt : </a:t>
-            </a:r>
-            <a:r>
-              <a:rPr lang="de-DE" smtClean="0"/>
-              <a:t>Serversoftware entwickeln</a:t>
-            </a:r>
-            <a:endParaRPr lang="de-DE" dirty="0" smtClean="0"/>
+              <a:t>Teilprojekt : Serversoftware entwickeln</a:t>
+            </a:r>
           </a:p>
           <a:p>
             <a:r>
@@ -9994,7 +11308,7 @@
               <a:t>Definition und Implementierung der Schnittstellen zu den </a:t>
             </a:r>
             <a:r>
-              <a:rPr lang="de-DE" dirty="0" err="1" smtClean="0"/>
+              <a:rPr lang="de-DE" dirty="0" smtClean="0"/>
               <a:t>Apps</a:t>
             </a:r>
             <a:endParaRPr lang="de-DE" dirty="0" smtClean="0"/>
@@ -10009,7 +11323,7 @@
               <a:t>der </a:t>
             </a:r>
             <a:r>
-              <a:rPr lang="de-DE" dirty="0" err="1" smtClean="0"/>
+              <a:rPr lang="de-DE" dirty="0" smtClean="0"/>
               <a:t>Apps</a:t>
             </a:r>
             <a:r>
@@ -10134,7 +11448,7 @@
               <a:pPr/>
               <a:t>5</a:t>
             </a:fld>
-            <a:endParaRPr lang="de-DE"/>
+            <a:endParaRPr lang="de-DE" dirty="0"/>
           </a:p>
         </p:txBody>
       </p:sp>
@@ -10303,7 +11617,7 @@
               <a:pPr/>
               <a:t>6</a:t>
             </a:fld>
-            <a:endParaRPr lang="de-DE"/>
+            <a:endParaRPr lang="de-DE" dirty="0"/>
           </a:p>
         </p:txBody>
       </p:sp>
@@ -10613,7 +11927,7 @@
               <a:pPr/>
               <a:t>7</a:t>
             </a:fld>
-            <a:endParaRPr lang="de-DE"/>
+            <a:endParaRPr lang="de-DE" dirty="0"/>
           </a:p>
         </p:txBody>
       </p:sp>
@@ -10640,7 +11954,7 @@
             </a:r>
             <a:r>
               <a:rPr lang="de-DE" dirty="0" err="1" smtClean="0"/>
-              <a:t>App</a:t>
+              <a:t>Apps</a:t>
             </a:r>
             <a:r>
               <a:rPr lang="de-DE" dirty="0" smtClean="0"/>
@@ -10834,66 +12148,30 @@
               <a:pPr/>
               <a:t>8</a:t>
             </a:fld>
-            <a:endParaRPr lang="de-DE"/>
-          </a:p>
-        </p:txBody>
-      </p:sp>
-      <p:sp>
-        <p:nvSpPr>
-          <p:cNvPr id="3" name="Inhaltsplatzhalter 2"/>
-          <p:cNvSpPr>
-            <a:spLocks noGrp="1"/>
-          </p:cNvSpPr>
+            <a:endParaRPr lang="de-DE" dirty="0"/>
+          </a:p>
+        </p:txBody>
+      </p:sp>
+      <p:graphicFrame>
+        <p:nvGraphicFramePr>
+          <p:cNvPr id="8" name="Inhaltsplatzhalter 7"/>
+          <p:cNvGraphicFramePr>
+            <a:graphicFrameLocks noGrp="1"/>
+          </p:cNvGraphicFramePr>
           <p:nvPr>
             <p:ph sz="quarter" idx="1"/>
           </p:nvPr>
-        </p:nvSpPr>
-        <p:spPr/>
-        <p:txBody>
-          <a:bodyPr/>
-          <a:lstStyle/>
-          <a:p>
-            <a:r>
-              <a:rPr lang="de-DE" dirty="0" smtClean="0"/>
-              <a:t>Hotel</a:t>
-            </a:r>
-          </a:p>
-          <a:p>
-            <a:r>
-              <a:rPr lang="de-DE" dirty="0" smtClean="0"/>
-              <a:t>Zimmerkategorie (Einzel, Doppel, </a:t>
-            </a:r>
-            <a:r>
-              <a:rPr lang="de-DE" dirty="0" err="1" smtClean="0"/>
-              <a:t>Dreibett</a:t>
-            </a:r>
-            <a:r>
-              <a:rPr lang="de-DE" dirty="0" smtClean="0"/>
-              <a:t> …)</a:t>
-            </a:r>
-          </a:p>
-          <a:p>
-            <a:r>
-              <a:rPr lang="de-DE" dirty="0" smtClean="0"/>
-              <a:t>Zusatzprodukt (Vollpension, Sektfrühstück …)</a:t>
-            </a:r>
-          </a:p>
-          <a:p>
-            <a:r>
-              <a:rPr lang="de-DE" dirty="0" smtClean="0"/>
-              <a:t>Preis : sämtliche Produkte</a:t>
-            </a:r>
-            <a:endParaRPr lang="de-DE" dirty="0" smtClean="0"/>
-          </a:p>
-          <a:p>
-            <a:r>
-              <a:rPr lang="de-DE" dirty="0" smtClean="0"/>
-              <a:t>Verfügbarkeit : nur für Zimmerkategorie</a:t>
-            </a:r>
-            <a:endParaRPr lang="de-DE" dirty="0"/>
-          </a:p>
-        </p:txBody>
-      </p:sp>
+        </p:nvGraphicFramePr>
+        <p:xfrm>
+          <a:off x="612648" y="1600200"/>
+          <a:ext cx="8153400" cy="4495800"/>
+        </p:xfrm>
+        <a:graphic>
+          <a:graphicData uri="http://schemas.openxmlformats.org/drawingml/2006/diagram">
+            <dgm:relIds xmlns:dgm="http://schemas.openxmlformats.org/drawingml/2006/diagram" xmlns:r="http://schemas.openxmlformats.org/officeDocument/2006/relationships" r:dm="rId2" r:lo="rId3" r:qs="rId4" r:cs="rId5"/>
+          </a:graphicData>
+        </a:graphic>
+      </p:graphicFrame>
       <p:pic>
         <p:nvPicPr>
           <p:cNvPr id="6146" name="Picture 2" descr="C:\Users\Jan\Desktop\weiterbildung_fachinformatiker_ihk_projektantrag\praesentation\navi3.gif"/>
@@ -10903,7 +12181,7 @@
           <p:nvPr/>
         </p:nvPicPr>
         <p:blipFill>
-          <a:blip r:embed="rId2" cstate="print"/>
+          <a:blip r:embed="rId7" cstate="print"/>
           <a:srcRect/>
           <a:stretch>
             <a:fillRect/>
@@ -11490,7 +12768,7 @@
 <file path=ppt/theme/theme1.xml><?xml version="1.0" encoding="utf-8"?>
 <a:theme xmlns:a="http://schemas.openxmlformats.org/drawingml/2006/main" name="Galathea">
   <a:themeElements>
-    <a:clrScheme name="Papier">
+    <a:clrScheme name="Haemera">
       <a:dk1>
         <a:sysClr val="windowText" lastClr="000000"/>
       </a:dk1>
@@ -11498,34 +12776,34 @@
         <a:sysClr val="window" lastClr="FFFFFF"/>
       </a:lt1>
       <a:dk2>
-        <a:srgbClr val="444D26"/>
+        <a:srgbClr val="3B3B3B"/>
       </a:dk2>
       <a:lt2>
-        <a:srgbClr val="FEFAC9"/>
+        <a:srgbClr val="D4D2D0"/>
       </a:lt2>
       <a:accent1>
-        <a:srgbClr val="A5B592"/>
+        <a:srgbClr val="6EA0B0"/>
       </a:accent1>
       <a:accent2>
-        <a:srgbClr val="F3A447"/>
+        <a:srgbClr val="CCAF0A"/>
       </a:accent2>
       <a:accent3>
-        <a:srgbClr val="E7BC29"/>
+        <a:srgbClr val="8D89A4"/>
       </a:accent3>
       <a:accent4>
-        <a:srgbClr val="D092A7"/>
+        <a:srgbClr val="748560"/>
       </a:accent4>
       <a:accent5>
-        <a:srgbClr val="9C85C0"/>
+        <a:srgbClr val="9E9273"/>
       </a:accent5>
       <a:accent6>
-        <a:srgbClr val="809EC2"/>
+        <a:srgbClr val="7E848D"/>
       </a:accent6>
       <a:hlink>
-        <a:srgbClr val="8E58B6"/>
+        <a:srgbClr val="00C8C3"/>
       </a:hlink>
       <a:folHlink>
-        <a:srgbClr val="7F6F6F"/>
+        <a:srgbClr val="A116E0"/>
       </a:folHlink>
     </a:clrScheme>
     <a:fontScheme name="Galathea">

--- a/praesentation/Projektpräsentation.pptx
+++ b/praesentation/Projektpräsentation.pptx
@@ -1870,6 +1870,13 @@
         </dgm:presLayoutVars>
       </dgm:prSet>
       <dgm:spPr/>
+      <dgm:t>
+        <a:bodyPr/>
+        <a:lstStyle/>
+        <a:p>
+          <a:endParaRPr lang="de-DE"/>
+        </a:p>
+      </dgm:t>
     </dgm:pt>
     <dgm:pt modelId="{6733F618-9039-4DBB-89EF-C8EB2F455A28}" type="pres">
       <dgm:prSet presAssocID="{3D4C920E-DC2F-45B9-BCDA-5DCAEA0E45C7}" presName="parentText" presStyleLbl="node1" presStyleIdx="0" presStyleCnt="6">
@@ -1879,6 +1886,13 @@
         </dgm:presLayoutVars>
       </dgm:prSet>
       <dgm:spPr/>
+      <dgm:t>
+        <a:bodyPr/>
+        <a:lstStyle/>
+        <a:p>
+          <a:endParaRPr lang="de-DE"/>
+        </a:p>
+      </dgm:t>
     </dgm:pt>
     <dgm:pt modelId="{2252E39B-0CB4-44C9-820B-FE36C06E4946}" type="pres">
       <dgm:prSet presAssocID="{B3A9770A-8C31-48F1-A4A3-4036C0B9FBAF}" presName="spacer" presStyleCnt="0"/>
@@ -1892,6 +1906,13 @@
         </dgm:presLayoutVars>
       </dgm:prSet>
       <dgm:spPr/>
+      <dgm:t>
+        <a:bodyPr/>
+        <a:lstStyle/>
+        <a:p>
+          <a:endParaRPr lang="de-DE"/>
+        </a:p>
+      </dgm:t>
     </dgm:pt>
     <dgm:pt modelId="{4FB7CB50-ABB4-4BCF-9A74-6ECFBF217973}" type="pres">
       <dgm:prSet presAssocID="{D7A75137-28C0-4A8D-8350-3021A5A20F92}" presName="spacer" presStyleCnt="0"/>
@@ -1905,6 +1926,13 @@
         </dgm:presLayoutVars>
       </dgm:prSet>
       <dgm:spPr/>
+      <dgm:t>
+        <a:bodyPr/>
+        <a:lstStyle/>
+        <a:p>
+          <a:endParaRPr lang="de-DE"/>
+        </a:p>
+      </dgm:t>
     </dgm:pt>
     <dgm:pt modelId="{664C40F2-6B80-4275-99F5-0E64958400AC}" type="pres">
       <dgm:prSet presAssocID="{DAC5600A-801B-4A37-9216-8430F1D11A52}" presName="spacer" presStyleCnt="0"/>
@@ -1918,6 +1946,13 @@
         </dgm:presLayoutVars>
       </dgm:prSet>
       <dgm:spPr/>
+      <dgm:t>
+        <a:bodyPr/>
+        <a:lstStyle/>
+        <a:p>
+          <a:endParaRPr lang="de-DE"/>
+        </a:p>
+      </dgm:t>
     </dgm:pt>
     <dgm:pt modelId="{77AA61DC-D54F-4110-926E-0617C4F5774F}" type="pres">
       <dgm:prSet presAssocID="{9002DD8C-0A24-45F9-AE65-882C40474E21}" presName="spacer" presStyleCnt="0"/>
@@ -1931,6 +1966,13 @@
         </dgm:presLayoutVars>
       </dgm:prSet>
       <dgm:spPr/>
+      <dgm:t>
+        <a:bodyPr/>
+        <a:lstStyle/>
+        <a:p>
+          <a:endParaRPr lang="de-DE"/>
+        </a:p>
+      </dgm:t>
     </dgm:pt>
     <dgm:pt modelId="{4E7547B5-7448-4038-BA61-0BCBDFCFFDFF}" type="pres">
       <dgm:prSet presAssocID="{297F058C-FD60-4438-9423-60BBEEBB8595}" presName="spacer" presStyleCnt="0"/>
@@ -1944,22 +1986,29 @@
         </dgm:presLayoutVars>
       </dgm:prSet>
       <dgm:spPr/>
+      <dgm:t>
+        <a:bodyPr/>
+        <a:lstStyle/>
+        <a:p>
+          <a:endParaRPr lang="de-DE"/>
+        </a:p>
+      </dgm:t>
     </dgm:pt>
   </dgm:ptLst>
   <dgm:cxnLst>
+    <dgm:cxn modelId="{E6B5F339-546B-4C07-B234-E864B25CB9E0}" srcId="{CC7E7781-C2B6-4689-BB94-7CB864FBAAD3}" destId="{220DA009-3546-4887-AAE4-9DC907BE7075}" srcOrd="4" destOrd="0" parTransId="{8211603C-5572-4FA2-B532-1AC1DFAF2C34}" sibTransId="{297F058C-FD60-4438-9423-60BBEEBB8595}"/>
+    <dgm:cxn modelId="{28B6E72A-9923-4895-B6CD-2DB7C7C8B872}" type="presOf" srcId="{A7592742-5C83-4599-88EB-19FB6B0B0AD6}" destId="{FC870CDE-B8A7-4153-B0E2-AF00CFC44648}" srcOrd="0" destOrd="0" presId="urn:microsoft.com/office/officeart/2005/8/layout/vList2"/>
+    <dgm:cxn modelId="{7A994AAD-D281-4B62-82F8-AA99F2524875}" srcId="{CC7E7781-C2B6-4689-BB94-7CB864FBAAD3}" destId="{D3B773DD-834A-4A7C-A16B-89AEF924AD91}" srcOrd="1" destOrd="0" parTransId="{492D7E68-0FA4-491A-BCBE-E127A11D713E}" sibTransId="{D7A75137-28C0-4A8D-8350-3021A5A20F92}"/>
+    <dgm:cxn modelId="{9D6B4F12-A155-4FB1-8268-D99AADA6AA2C}" srcId="{CC7E7781-C2B6-4689-BB94-7CB864FBAAD3}" destId="{A7592742-5C83-4599-88EB-19FB6B0B0AD6}" srcOrd="2" destOrd="0" parTransId="{DE5F1086-6D76-4E75-A9A0-F0C8E0033728}" sibTransId="{DAC5600A-801B-4A37-9216-8430F1D11A52}"/>
+    <dgm:cxn modelId="{3D04E1CA-2572-49E2-BF89-26F960CA7DB4}" srcId="{CC7E7781-C2B6-4689-BB94-7CB864FBAAD3}" destId="{EBEAB8D3-F324-4BC3-B329-927BAF4A0483}" srcOrd="5" destOrd="0" parTransId="{15E8C6E6-0462-411C-92B0-ADC937E3120B}" sibTransId="{E45970A0-7308-4EFC-B0FE-CF2CAECB16D3}"/>
+    <dgm:cxn modelId="{EF474476-1810-4C75-ADA5-C644AB745B3A}" type="presOf" srcId="{3D4C920E-DC2F-45B9-BCDA-5DCAEA0E45C7}" destId="{6733F618-9039-4DBB-89EF-C8EB2F455A28}" srcOrd="0" destOrd="0" presId="urn:microsoft.com/office/officeart/2005/8/layout/vList2"/>
+    <dgm:cxn modelId="{56ABE976-A8E0-4428-873D-1511ED0D7720}" type="presOf" srcId="{D3B773DD-834A-4A7C-A16B-89AEF924AD91}" destId="{E46B14DA-4BF8-4593-B655-BE916A9CC64C}" srcOrd="0" destOrd="0" presId="urn:microsoft.com/office/officeart/2005/8/layout/vList2"/>
     <dgm:cxn modelId="{A8EB1ACD-6B96-4774-90FE-D6794E14FBA7}" srcId="{CC7E7781-C2B6-4689-BB94-7CB864FBAAD3}" destId="{A103FB69-F2B9-4E93-9E09-1BEFB2FC37C9}" srcOrd="3" destOrd="0" parTransId="{B280710B-F9FE-4D9B-843A-9198F535EB7B}" sibTransId="{9002DD8C-0A24-45F9-AE65-882C40474E21}"/>
-    <dgm:cxn modelId="{28B6E72A-9923-4895-B6CD-2DB7C7C8B872}" type="presOf" srcId="{A7592742-5C83-4599-88EB-19FB6B0B0AD6}" destId="{FC870CDE-B8A7-4153-B0E2-AF00CFC44648}" srcOrd="0" destOrd="0" presId="urn:microsoft.com/office/officeart/2005/8/layout/vList2"/>
+    <dgm:cxn modelId="{3136D13C-EADF-43DA-BB19-51CE681F2C6F}" type="presOf" srcId="{A103FB69-F2B9-4E93-9E09-1BEFB2FC37C9}" destId="{B6417CE5-A261-4775-89F9-5A1D7BCBA06B}" srcOrd="0" destOrd="0" presId="urn:microsoft.com/office/officeart/2005/8/layout/vList2"/>
     <dgm:cxn modelId="{1D87B7B8-6E2A-4941-834C-F0C575ADE554}" type="presOf" srcId="{220DA009-3546-4887-AAE4-9DC907BE7075}" destId="{E9AB6232-7856-484F-B8BB-361EEDE1F174}" srcOrd="0" destOrd="0" presId="urn:microsoft.com/office/officeart/2005/8/layout/vList2"/>
-    <dgm:cxn modelId="{7A994AAD-D281-4B62-82F8-AA99F2524875}" srcId="{CC7E7781-C2B6-4689-BB94-7CB864FBAAD3}" destId="{D3B773DD-834A-4A7C-A16B-89AEF924AD91}" srcOrd="1" destOrd="0" parTransId="{492D7E68-0FA4-491A-BCBE-E127A11D713E}" sibTransId="{D7A75137-28C0-4A8D-8350-3021A5A20F92}"/>
     <dgm:cxn modelId="{94C6AE2B-AE9A-4F47-8ED3-9F985981DA66}" type="presOf" srcId="{EBEAB8D3-F324-4BC3-B329-927BAF4A0483}" destId="{AEA3363F-66F4-4142-BEA9-DF98CC6AF6A2}" srcOrd="0" destOrd="0" presId="urn:microsoft.com/office/officeart/2005/8/layout/vList2"/>
     <dgm:cxn modelId="{6EDC021F-7FF6-4716-9786-87F6C616E3DB}" srcId="{CC7E7781-C2B6-4689-BB94-7CB864FBAAD3}" destId="{3D4C920E-DC2F-45B9-BCDA-5DCAEA0E45C7}" srcOrd="0" destOrd="0" parTransId="{1E395B22-5FA8-4676-B7D3-8FCE9B2F3F8B}" sibTransId="{B3A9770A-8C31-48F1-A4A3-4036C0B9FBAF}"/>
-    <dgm:cxn modelId="{EF474476-1810-4C75-ADA5-C644AB745B3A}" type="presOf" srcId="{3D4C920E-DC2F-45B9-BCDA-5DCAEA0E45C7}" destId="{6733F618-9039-4DBB-89EF-C8EB2F455A28}" srcOrd="0" destOrd="0" presId="urn:microsoft.com/office/officeart/2005/8/layout/vList2"/>
-    <dgm:cxn modelId="{3136D13C-EADF-43DA-BB19-51CE681F2C6F}" type="presOf" srcId="{A103FB69-F2B9-4E93-9E09-1BEFB2FC37C9}" destId="{B6417CE5-A261-4775-89F9-5A1D7BCBA06B}" srcOrd="0" destOrd="0" presId="urn:microsoft.com/office/officeart/2005/8/layout/vList2"/>
-    <dgm:cxn modelId="{9D6B4F12-A155-4FB1-8268-D99AADA6AA2C}" srcId="{CC7E7781-C2B6-4689-BB94-7CB864FBAAD3}" destId="{A7592742-5C83-4599-88EB-19FB6B0B0AD6}" srcOrd="2" destOrd="0" parTransId="{DE5F1086-6D76-4E75-A9A0-F0C8E0033728}" sibTransId="{DAC5600A-801B-4A37-9216-8430F1D11A52}"/>
     <dgm:cxn modelId="{485A4E89-7B36-478D-9373-93A0DE52DFB6}" type="presOf" srcId="{CC7E7781-C2B6-4689-BB94-7CB864FBAAD3}" destId="{3AA65F0D-E964-4529-A704-5FFB47D18A61}" srcOrd="0" destOrd="0" presId="urn:microsoft.com/office/officeart/2005/8/layout/vList2"/>
-    <dgm:cxn modelId="{56ABE976-A8E0-4428-873D-1511ED0D7720}" type="presOf" srcId="{D3B773DD-834A-4A7C-A16B-89AEF924AD91}" destId="{E46B14DA-4BF8-4593-B655-BE916A9CC64C}" srcOrd="0" destOrd="0" presId="urn:microsoft.com/office/officeart/2005/8/layout/vList2"/>
-    <dgm:cxn modelId="{3D04E1CA-2572-49E2-BF89-26F960CA7DB4}" srcId="{CC7E7781-C2B6-4689-BB94-7CB864FBAAD3}" destId="{EBEAB8D3-F324-4BC3-B329-927BAF4A0483}" srcOrd="5" destOrd="0" parTransId="{15E8C6E6-0462-411C-92B0-ADC937E3120B}" sibTransId="{E45970A0-7308-4EFC-B0FE-CF2CAECB16D3}"/>
-    <dgm:cxn modelId="{E6B5F339-546B-4C07-B234-E864B25CB9E0}" srcId="{CC7E7781-C2B6-4689-BB94-7CB864FBAAD3}" destId="{220DA009-3546-4887-AAE4-9DC907BE7075}" srcOrd="4" destOrd="0" parTransId="{8211603C-5572-4FA2-B532-1AC1DFAF2C34}" sibTransId="{297F058C-FD60-4438-9423-60BBEEBB8595}"/>
     <dgm:cxn modelId="{0C2E4778-48F1-4B27-8478-D953E89270AA}" type="presParOf" srcId="{3AA65F0D-E964-4529-A704-5FFB47D18A61}" destId="{6733F618-9039-4DBB-89EF-C8EB2F455A28}" srcOrd="0" destOrd="0" presId="urn:microsoft.com/office/officeart/2005/8/layout/vList2"/>
     <dgm:cxn modelId="{5E81F40E-9E38-4261-9E17-2C4082DBAB3C}" type="presParOf" srcId="{3AA65F0D-E964-4529-A704-5FFB47D18A61}" destId="{2252E39B-0CB4-44C9-820B-FE36C06E4946}" srcOrd="1" destOrd="0" presId="urn:microsoft.com/office/officeart/2005/8/layout/vList2"/>
     <dgm:cxn modelId="{B6707BF4-3804-4F21-A96A-E0E3A7438C43}" type="presParOf" srcId="{3AA65F0D-E964-4529-A704-5FFB47D18A61}" destId="{E46B14DA-4BF8-4593-B655-BE916A9CC64C}" srcOrd="2" destOrd="0" presId="urn:microsoft.com/office/officeart/2005/8/layout/vList2"/>
@@ -2202,6 +2251,13 @@
         </dgm:presLayoutVars>
       </dgm:prSet>
       <dgm:spPr/>
+      <dgm:t>
+        <a:bodyPr/>
+        <a:lstStyle/>
+        <a:p>
+          <a:endParaRPr lang="de-DE"/>
+        </a:p>
+      </dgm:t>
     </dgm:pt>
     <dgm:pt modelId="{CA7010D6-0523-46C9-A417-BAB1024A5258}" type="pres">
       <dgm:prSet presAssocID="{7419DC6E-AEEF-4495-9BC5-CC15C418B196}" presName="parentText" presStyleLbl="node1" presStyleIdx="0" presStyleCnt="5">
@@ -2211,6 +2267,13 @@
         </dgm:presLayoutVars>
       </dgm:prSet>
       <dgm:spPr/>
+      <dgm:t>
+        <a:bodyPr/>
+        <a:lstStyle/>
+        <a:p>
+          <a:endParaRPr lang="de-DE"/>
+        </a:p>
+      </dgm:t>
     </dgm:pt>
     <dgm:pt modelId="{6D9E11E9-5EBB-49BC-898C-A9D1C44CD860}" type="pres">
       <dgm:prSet presAssocID="{04450D34-FE7B-4114-A268-EE2C1117DEF8}" presName="spacer" presStyleCnt="0"/>
@@ -2224,6 +2287,13 @@
         </dgm:presLayoutVars>
       </dgm:prSet>
       <dgm:spPr/>
+      <dgm:t>
+        <a:bodyPr/>
+        <a:lstStyle/>
+        <a:p>
+          <a:endParaRPr lang="de-DE"/>
+        </a:p>
+      </dgm:t>
     </dgm:pt>
     <dgm:pt modelId="{3FAB2C85-9D5F-4C8D-98F2-864E4700BD08}" type="pres">
       <dgm:prSet presAssocID="{226E0C5B-EFEC-4C4E-AEDA-D0002916A64E}" presName="spacer" presStyleCnt="0"/>
@@ -2237,6 +2307,13 @@
         </dgm:presLayoutVars>
       </dgm:prSet>
       <dgm:spPr/>
+      <dgm:t>
+        <a:bodyPr/>
+        <a:lstStyle/>
+        <a:p>
+          <a:endParaRPr lang="de-DE"/>
+        </a:p>
+      </dgm:t>
     </dgm:pt>
     <dgm:pt modelId="{AF0F90F5-6FFD-495A-9208-4251EDE17B27}" type="pres">
       <dgm:prSet presAssocID="{CB115F4C-7F8B-4D0E-BD28-FD8AE562E7A2}" presName="spacer" presStyleCnt="0"/>
@@ -2250,6 +2327,13 @@
         </dgm:presLayoutVars>
       </dgm:prSet>
       <dgm:spPr/>
+      <dgm:t>
+        <a:bodyPr/>
+        <a:lstStyle/>
+        <a:p>
+          <a:endParaRPr lang="de-DE"/>
+        </a:p>
+      </dgm:t>
     </dgm:pt>
     <dgm:pt modelId="{7D8A0587-B8FD-4418-ABA7-D232DB07AC7A}" type="pres">
       <dgm:prSet presAssocID="{A699CF55-41F5-4923-A255-70087D6B58E7}" presName="spacer" presStyleCnt="0"/>
@@ -2263,6 +2347,13 @@
         </dgm:presLayoutVars>
       </dgm:prSet>
       <dgm:spPr/>
+      <dgm:t>
+        <a:bodyPr/>
+        <a:lstStyle/>
+        <a:p>
+          <a:endParaRPr lang="de-DE"/>
+        </a:p>
+      </dgm:t>
     </dgm:pt>
   </dgm:ptLst>
   <dgm:cxnLst>
@@ -6300,6 +6391,7 @@
           <a:p>
             <a:fld id="{68B59362-95CF-40A7-A4DF-8A85CB5047CB}" type="datetime1">
               <a:rPr lang="de-DE" smtClean="0"/>
+              <a:pPr/>
               <a:t>13.07.2016</a:t>
             </a:fld>
             <a:endParaRPr lang="de-DE"/>
@@ -6492,6 +6584,7 @@
           <a:p>
             <a:fld id="{1B883039-4B8F-48C6-A3D8-45B6F7171F58}" type="datetime1">
               <a:rPr lang="de-DE" smtClean="0"/>
+              <a:pPr/>
               <a:t>13.07.2016</a:t>
             </a:fld>
             <a:endParaRPr lang="de-DE"/>
@@ -6678,6 +6771,7 @@
           <a:p>
             <a:fld id="{51E0B59D-9D42-44BD-BFC5-602F8CDC9C83}" type="datetime1">
               <a:rPr lang="de-DE" smtClean="0"/>
+              <a:pPr/>
               <a:t>13.07.2016</a:t>
             </a:fld>
             <a:endParaRPr lang="de-DE"/>
@@ -6942,6 +7036,7 @@
           <a:p>
             <a:fld id="{63FDF3FE-08AA-47E1-985C-1E9971D80D07}" type="datetime1">
               <a:rPr lang="de-DE" smtClean="0"/>
+              <a:pPr/>
               <a:t>13.07.2016</a:t>
             </a:fld>
             <a:endParaRPr lang="de-DE"/>
@@ -7359,6 +7454,7 @@
           <a:p>
             <a:fld id="{57EFAEC1-4D68-4353-B480-49899C31166A}" type="datetime1">
               <a:rPr lang="de-DE" smtClean="0"/>
+              <a:pPr/>
               <a:t>13.07.2016</a:t>
             </a:fld>
             <a:endParaRPr lang="de-DE"/>
@@ -7602,6 +7698,7 @@
           <a:p>
             <a:fld id="{36E85223-9B52-416E-9EE1-0326488C799B}" type="datetime1">
               <a:rPr lang="de-DE" smtClean="0"/>
+              <a:pPr/>
               <a:t>13.07.2016</a:t>
             </a:fld>
             <a:endParaRPr lang="de-DE"/>
@@ -7839,6 +7936,7 @@
           <a:p>
             <a:fld id="{B2C2CA58-2B82-451A-9424-8197F7D99AA0}" type="datetime1">
               <a:rPr lang="de-DE" smtClean="0"/>
+              <a:pPr/>
               <a:t>13.07.2016</a:t>
             </a:fld>
             <a:endParaRPr lang="de-DE"/>
@@ -8035,6 +8133,7 @@
           <a:p>
             <a:fld id="{FA805AE1-C0D6-47C7-92D4-1C359887F2DA}" type="datetime1">
               <a:rPr lang="de-DE" smtClean="0"/>
+              <a:pPr/>
               <a:t>13.07.2016</a:t>
             </a:fld>
             <a:endParaRPr lang="de-DE"/>
@@ -8134,6 +8233,7 @@
           <a:p>
             <a:fld id="{FD248A26-605E-4910-AD02-14F9E25DCF9B}" type="datetime1">
               <a:rPr lang="de-DE" smtClean="0"/>
+              <a:pPr/>
               <a:t>13.07.2016</a:t>
             </a:fld>
             <a:endParaRPr lang="de-DE"/>
@@ -8271,6 +8371,7 @@
           <a:p>
             <a:fld id="{3FF73274-3E0F-4718-B197-FA0577D2B64C}" type="datetime1">
               <a:rPr lang="de-DE" smtClean="0"/>
+              <a:pPr/>
               <a:t>13.07.2016</a:t>
             </a:fld>
             <a:endParaRPr lang="de-DE"/>
@@ -8790,6 +8891,7 @@
           <a:p>
             <a:fld id="{72CDCEDE-A480-419B-8173-6EE7A3DB6060}" type="datetime1">
               <a:rPr lang="de-DE" smtClean="0"/>
+              <a:pPr/>
               <a:t>13.07.2016</a:t>
             </a:fld>
             <a:endParaRPr lang="de-DE"/>
@@ -9052,6 +9154,7 @@
           <a:p>
             <a:fld id="{7B1394D0-E744-470D-AC64-D170CBF28581}" type="datetime1">
               <a:rPr lang="de-DE" smtClean="0"/>
+              <a:pPr/>
               <a:t>13.07.2016</a:t>
             </a:fld>
             <a:endParaRPr lang="de-DE"/>
@@ -9657,11 +9760,7 @@
           <a:p>
             <a:r>
               <a:rPr lang="de-DE" dirty="0" smtClean="0"/>
-              <a:t>Fachinformatiker </a:t>
-            </a:r>
-            <a:r>
-              <a:rPr lang="de-DE" dirty="0" smtClean="0"/>
-              <a:t>Anwendungsentwicklung</a:t>
+              <a:t>Fachinformatiker Anwendungsentwicklung</a:t>
             </a:r>
           </a:p>
           <a:p>
@@ -10044,13 +10143,8 @@
             </a:r>
             <a:r>
               <a:rPr lang="de-DE" dirty="0" smtClean="0"/>
-              <a:t> </a:t>
-            </a:r>
-            <a:r>
-              <a:rPr lang="de-DE" dirty="0" smtClean="0"/>
-              <a:t>IDE</a:t>
-            </a:r>
-            <a:endParaRPr lang="de-DE" dirty="0" smtClean="0"/>
+              <a:t> IDE</a:t>
+            </a:r>
           </a:p>
           <a:p>
             <a:r>
@@ -10086,13 +10180,8 @@
           <a:p>
             <a:r>
               <a:rPr lang="de-DE" dirty="0" smtClean="0"/>
-              <a:t>Definition JSON </a:t>
-            </a:r>
-            <a:r>
-              <a:rPr lang="de-DE" dirty="0" smtClean="0"/>
-              <a:t>- DTO</a:t>
-            </a:r>
-            <a:endParaRPr lang="de-DE" dirty="0" smtClean="0"/>
+              <a:t>Definition JSON - DTO</a:t>
+            </a:r>
           </a:p>
           <a:p>
             <a:r>
@@ -11115,15 +11204,7 @@
           <a:p>
             <a:r>
               <a:rPr lang="de-DE" dirty="0" smtClean="0"/>
-              <a:t>Unternehmen : mobile-ad-</a:t>
-            </a:r>
-            <a:r>
-              <a:rPr lang="de-DE" dirty="0" smtClean="0"/>
-              <a:t>media</a:t>
-            </a:r>
-            <a:r>
-              <a:rPr lang="de-DE" dirty="0" smtClean="0"/>
-              <a:t> GmbH</a:t>
+              <a:t>Unternehmen : mobile-ad-media GmbH</a:t>
             </a:r>
           </a:p>
           <a:p>
@@ -11141,27 +11222,27 @@
           <a:p>
             <a:r>
               <a:rPr lang="de-DE" dirty="0" smtClean="0"/>
-              <a:t>Apps</a:t>
-            </a:r>
+              <a:t>Apps als Clients : Darstellung &amp; Nutzereingaben</a:t>
+            </a:r>
+          </a:p>
+          <a:p>
             <a:r>
               <a:rPr lang="de-DE" dirty="0" smtClean="0"/>
-              <a:t> als Clients : Darstellung &amp; Nutzereingaben</a:t>
-            </a:r>
-          </a:p>
-          <a:p>
+              <a:t>Kunden </a:t>
+            </a:r>
             <a:r>
               <a:rPr lang="de-DE" dirty="0" smtClean="0"/>
-              <a:t>Kunden : Einzelne Hotels</a:t>
-            </a:r>
-          </a:p>
-          <a:p>
+              <a:t>des Systems : </a:t>
+            </a:r>
             <a:r>
               <a:rPr lang="de-DE" dirty="0" smtClean="0"/>
-              <a:t>Grafische Anpassung der </a:t>
-            </a:r>
+              <a:t>Einzelne Hotels</a:t>
+            </a:r>
+          </a:p>
+          <a:p>
             <a:r>
               <a:rPr lang="de-DE" dirty="0" smtClean="0"/>
-              <a:t>Clients</a:t>
+              <a:t>Grafische Anpassung der Clients</a:t>
             </a:r>
           </a:p>
           <a:p>
@@ -11300,35 +11381,17 @@
               <a:rPr lang="de-DE" dirty="0" smtClean="0"/>
               <a:t>Gegeben : grafisches Konzept</a:t>
             </a:r>
-            <a:endParaRPr lang="de-DE" dirty="0" smtClean="0"/>
           </a:p>
           <a:p>
             <a:r>
               <a:rPr lang="de-DE" dirty="0" smtClean="0"/>
-              <a:t>Definition und Implementierung der Schnittstellen zu den </a:t>
-            </a:r>
+              <a:t>Definition und Implementierung der Schnittstellen zu den Apps</a:t>
+            </a:r>
+          </a:p>
+          <a:p>
             <a:r>
               <a:rPr lang="de-DE" dirty="0" smtClean="0"/>
-              <a:t>Apps</a:t>
-            </a:r>
-            <a:endParaRPr lang="de-DE" dirty="0" smtClean="0"/>
-          </a:p>
-          <a:p>
-            <a:r>
-              <a:rPr lang="de-DE" dirty="0" smtClean="0"/>
-              <a:t>Versorgung </a:t>
-            </a:r>
-            <a:r>
-              <a:rPr lang="de-DE" dirty="0" smtClean="0"/>
-              <a:t>der </a:t>
-            </a:r>
-            <a:r>
-              <a:rPr lang="de-DE" dirty="0" smtClean="0"/>
-              <a:t>Apps</a:t>
-            </a:r>
-            <a:r>
-              <a:rPr lang="de-DE" dirty="0" smtClean="0"/>
-              <a:t> mit Daten</a:t>
+              <a:t>Versorgung der Apps mit Daten</a:t>
             </a:r>
           </a:p>
           <a:p>
@@ -11348,7 +11411,6 @@
               <a:rPr lang="de-DE" dirty="0" smtClean="0"/>
               <a:t>Testdaten</a:t>
             </a:r>
-            <a:endParaRPr lang="de-DE" dirty="0" smtClean="0"/>
           </a:p>
         </p:txBody>
       </p:sp>
@@ -11960,63 +12022,29 @@
               <a:rPr lang="de-DE" dirty="0" smtClean="0"/>
               <a:t> und Server</a:t>
             </a:r>
-            <a:endParaRPr lang="de-DE" dirty="0" smtClean="0"/>
           </a:p>
           <a:p>
             <a:r>
               <a:rPr lang="de-DE" dirty="0" smtClean="0"/>
-              <a:t>Minimaler</a:t>
-            </a:r>
+              <a:t>Minimaler Datenverkehr</a:t>
+            </a:r>
+          </a:p>
+          <a:p>
             <a:r>
               <a:rPr lang="de-DE" dirty="0" smtClean="0"/>
-              <a:t> </a:t>
-            </a:r>
+              <a:t>Trennung von Darstellung &amp; Geschäftslogik</a:t>
+            </a:r>
+          </a:p>
+          <a:p>
             <a:r>
               <a:rPr lang="de-DE" dirty="0" smtClean="0"/>
-              <a:t>Datenverkehr</a:t>
+              <a:t>Datenaustausch : JSON als Datenformat</a:t>
             </a:r>
           </a:p>
           <a:p>
             <a:r>
               <a:rPr lang="de-DE" dirty="0" smtClean="0"/>
-              <a:t>Trennung </a:t>
-            </a:r>
-            <a:r>
-              <a:rPr lang="de-DE" dirty="0" smtClean="0"/>
-              <a:t>von Darstellung </a:t>
-            </a:r>
-            <a:r>
-              <a:rPr lang="de-DE" dirty="0" smtClean="0"/>
-              <a:t>&amp;</a:t>
-            </a:r>
-            <a:r>
-              <a:rPr lang="de-DE" dirty="0" smtClean="0"/>
-              <a:t> </a:t>
-            </a:r>
-            <a:r>
-              <a:rPr lang="de-DE" dirty="0" smtClean="0"/>
-              <a:t>Geschäftslogik</a:t>
-            </a:r>
-          </a:p>
-          <a:p>
-            <a:r>
-              <a:rPr lang="de-DE" dirty="0" smtClean="0"/>
-              <a:t>Datenaustausch : </a:t>
-            </a:r>
-            <a:r>
-              <a:rPr lang="de-DE" dirty="0" smtClean="0"/>
-              <a:t>JSON als Datenformat</a:t>
-            </a:r>
-            <a:endParaRPr lang="de-DE" dirty="0" smtClean="0"/>
-          </a:p>
-          <a:p>
-            <a:r>
-              <a:rPr lang="de-DE" dirty="0" smtClean="0"/>
-              <a:t>Definition der </a:t>
-            </a:r>
-            <a:r>
-              <a:rPr lang="de-DE" dirty="0" smtClean="0"/>
-              <a:t>JSON Struktur</a:t>
+              <a:t>Definition der JSON Struktur</a:t>
             </a:r>
           </a:p>
           <a:p>
@@ -12034,15 +12062,7 @@
           <a:p>
             <a:r>
               <a:rPr lang="de-DE" dirty="0" smtClean="0"/>
-              <a:t>Verwendung </a:t>
-            </a:r>
-            <a:r>
-              <a:rPr lang="de-DE" dirty="0" smtClean="0"/>
-              <a:t>quelloffener </a:t>
-            </a:r>
-            <a:r>
-              <a:rPr lang="de-DE" dirty="0" smtClean="0"/>
-              <a:t>Software</a:t>
+              <a:t>Verwendung quelloffener Software</a:t>
             </a:r>
           </a:p>
           <a:p>
@@ -12665,7 +12685,11 @@
                     <a:p>
                       <a:r>
                         <a:rPr lang="de-DE" dirty="0" smtClean="0"/>
-                        <a:t>Warenkorb &amp; Nutzerdaten</a:t>
+                        <a:t>Warenkorb &amp; </a:t>
+                      </a:r>
+                      <a:r>
+                        <a:rPr lang="de-DE" dirty="0" smtClean="0"/>
+                        <a:t>Nutzerdaten</a:t>
                       </a:r>
                       <a:endParaRPr lang="de-DE" dirty="0"/>
                     </a:p>

--- a/praesentation/Projektpräsentation.pptx
+++ b/praesentation/Projektpräsentation.pptx
@@ -11228,15 +11228,7 @@
           <a:p>
             <a:r>
               <a:rPr lang="de-DE" dirty="0" smtClean="0"/>
-              <a:t>Kunden </a:t>
-            </a:r>
-            <a:r>
-              <a:rPr lang="de-DE" dirty="0" smtClean="0"/>
-              <a:t>des Systems : </a:t>
-            </a:r>
-            <a:r>
-              <a:rPr lang="de-DE" dirty="0" smtClean="0"/>
-              <a:t>Einzelne Hotels</a:t>
+              <a:t>Kunden des Systems : Einzelne Hotels</a:t>
             </a:r>
           </a:p>
           <a:p>
@@ -11373,8 +11365,23 @@
           <a:p>
             <a:r>
               <a:rPr lang="de-DE" dirty="0" smtClean="0"/>
-              <a:t>Teilprojekt : Serversoftware entwickeln</a:t>
-            </a:r>
+              <a:t>Teilprojekt : Serversoftware </a:t>
+            </a:r>
+            <a:r>
+              <a:rPr lang="de-DE" dirty="0" smtClean="0"/>
+              <a:t>entwickeln</a:t>
+            </a:r>
+          </a:p>
+          <a:p>
+            <a:r>
+              <a:rPr lang="de-DE" dirty="0" smtClean="0"/>
+              <a:t>Definition und Implementierung der Schnittstellen zu den </a:t>
+            </a:r>
+            <a:r>
+              <a:rPr lang="de-DE" dirty="0" err="1" smtClean="0"/>
+              <a:t>Apps</a:t>
+            </a:r>
+            <a:endParaRPr lang="de-DE" dirty="0" smtClean="0"/>
           </a:p>
           <a:p>
             <a:r>
@@ -11385,13 +11392,11 @@
           <a:p>
             <a:r>
               <a:rPr lang="de-DE" dirty="0" smtClean="0"/>
-              <a:t>Definition und Implementierung der Schnittstellen zu den Apps</a:t>
-            </a:r>
-          </a:p>
-          <a:p>
+              <a:t>Versorgung </a:t>
+            </a:r>
             <a:r>
               <a:rPr lang="de-DE" dirty="0" smtClean="0"/>
-              <a:t>Versorgung der Apps mit Daten</a:t>
+              <a:t>der Apps mit Daten</a:t>
             </a:r>
           </a:p>
           <a:p>
@@ -11403,8 +11408,13 @@
           <a:p>
             <a:r>
               <a:rPr lang="de-DE" dirty="0" smtClean="0"/>
-              <a:t>Ausgehende Email</a:t>
-            </a:r>
+              <a:t>Ausgehende </a:t>
+            </a:r>
+            <a:r>
+              <a:rPr lang="de-DE" dirty="0" smtClean="0"/>
+              <a:t>Email mit Reservierungsdaten</a:t>
+            </a:r>
+            <a:endParaRPr lang="de-DE" dirty="0" smtClean="0"/>
           </a:p>
           <a:p>
             <a:r>
@@ -12685,11 +12695,7 @@
                     <a:p>
                       <a:r>
                         <a:rPr lang="de-DE" dirty="0" smtClean="0"/>
-                        <a:t>Warenkorb &amp; </a:t>
-                      </a:r>
-                      <a:r>
-                        <a:rPr lang="de-DE" dirty="0" smtClean="0"/>
-                        <a:t>Nutzerdaten</a:t>
+                        <a:t>Warenkorb &amp; Nutzerdaten</a:t>
                       </a:r>
                       <a:endParaRPr lang="de-DE" dirty="0"/>
                     </a:p>

--- a/praesentation/Projektpräsentation.pptx
+++ b/praesentation/Projektpräsentation.pptx
@@ -10491,8 +10491,19 @@
           <a:p>
             <a:r>
               <a:rPr lang="de-DE" dirty="0" smtClean="0"/>
-              <a:t>Konfiguration der Datenbankverbindung</a:t>
-            </a:r>
+              <a:t>Konfiguration der </a:t>
+            </a:r>
+            <a:r>
+              <a:rPr lang="de-DE" dirty="0" smtClean="0"/>
+              <a:t>Datenbankverbindung</a:t>
+            </a:r>
+          </a:p>
+          <a:p>
+            <a:r>
+              <a:rPr lang="de-DE" dirty="0" smtClean="0"/>
+              <a:t>Laden der Testdaten</a:t>
+            </a:r>
+            <a:endParaRPr lang="de-DE" dirty="0" smtClean="0"/>
           </a:p>
           <a:p>
             <a:r>
@@ -11402,8 +11413,13 @@
           <a:p>
             <a:r>
               <a:rPr lang="de-DE" dirty="0" smtClean="0"/>
-              <a:t>Entgegennahme Reservierung</a:t>
-            </a:r>
+              <a:t>Entgegennahme </a:t>
+            </a:r>
+            <a:r>
+              <a:rPr lang="de-DE" dirty="0" smtClean="0"/>
+              <a:t>Reservierung</a:t>
+            </a:r>
+            <a:endParaRPr lang="de-DE" dirty="0" smtClean="0"/>
           </a:p>
           <a:p>
             <a:r>
@@ -12060,8 +12076,13 @@
           <a:p>
             <a:r>
               <a:rPr lang="de-DE" dirty="0" smtClean="0"/>
-              <a:t>PHP als Grundlage</a:t>
-            </a:r>
+              <a:t>PHP als </a:t>
+            </a:r>
+            <a:r>
+              <a:rPr lang="de-DE" dirty="0" smtClean="0"/>
+              <a:t>Grundlage - Skriptsprache</a:t>
+            </a:r>
+            <a:endParaRPr lang="de-DE" dirty="0" smtClean="0"/>
           </a:p>
           <a:p>
             <a:r>

--- a/praesentation/Projektpräsentation.pptx
+++ b/praesentation/Projektpräsentation.pptx
@@ -1643,8 +1643,16 @@
         <a:p>
           <a:pPr rtl="0"/>
           <a:r>
+            <a:rPr lang="de-DE" dirty="0" smtClean="0">
+              <a:solidFill>
+                <a:srgbClr val="FF0000"/>
+              </a:solidFill>
+            </a:rPr>
+            <a:t>E</a:t>
+          </a:r>
+          <a:r>
             <a:rPr lang="de-DE" dirty="0" smtClean="0"/>
-            <a:t>Einleitung</a:t>
+            <a:t>inleitung</a:t>
           </a:r>
           <a:endParaRPr lang="de-DE" dirty="0"/>
         </a:p>
@@ -1681,8 +1689,16 @@
         <a:p>
           <a:pPr rtl="0"/>
           <a:r>
+            <a:rPr lang="de-DE" dirty="0" smtClean="0">
+              <a:solidFill>
+                <a:srgbClr val="FF0000"/>
+              </a:solidFill>
+            </a:rPr>
+            <a:t>V</a:t>
+          </a:r>
+          <a:r>
             <a:rPr lang="de-DE" dirty="0" smtClean="0"/>
-            <a:t>Vorbereitung</a:t>
+            <a:t>orbereitung</a:t>
           </a:r>
           <a:endParaRPr lang="de-DE" dirty="0"/>
         </a:p>
@@ -1719,8 +1735,16 @@
         <a:p>
           <a:pPr rtl="0"/>
           <a:r>
+            <a:rPr lang="de-DE" dirty="0" smtClean="0">
+              <a:solidFill>
+                <a:srgbClr val="FF0000"/>
+              </a:solidFill>
+            </a:rPr>
+            <a:t>A</a:t>
+          </a:r>
+          <a:r>
             <a:rPr lang="de-DE" dirty="0" smtClean="0"/>
-            <a:t>Analyse</a:t>
+            <a:t>nalyse</a:t>
           </a:r>
           <a:endParaRPr lang="de-DE" dirty="0"/>
         </a:p>
@@ -1757,8 +1781,16 @@
         <a:p>
           <a:pPr rtl="0"/>
           <a:r>
+            <a:rPr lang="de-DE" dirty="0" smtClean="0">
+              <a:solidFill>
+                <a:srgbClr val="FF0000"/>
+              </a:solidFill>
+            </a:rPr>
+            <a:t>E</a:t>
+          </a:r>
+          <a:r>
             <a:rPr lang="de-DE" dirty="0" smtClean="0"/>
-            <a:t>Entwurf</a:t>
+            <a:t>ntwurf</a:t>
           </a:r>
           <a:endParaRPr lang="de-DE" dirty="0"/>
         </a:p>
@@ -1795,8 +1827,16 @@
         <a:p>
           <a:pPr rtl="0"/>
           <a:r>
+            <a:rPr lang="de-DE" dirty="0" smtClean="0">
+              <a:solidFill>
+                <a:srgbClr val="FF0000"/>
+              </a:solidFill>
+            </a:rPr>
+            <a:t>U</a:t>
+          </a:r>
+          <a:r>
             <a:rPr lang="de-DE" dirty="0" smtClean="0"/>
-            <a:t>Umsetzung</a:t>
+            <a:t>msetzung</a:t>
           </a:r>
           <a:endParaRPr lang="de-DE" dirty="0"/>
         </a:p>
@@ -1833,8 +1873,16 @@
         <a:p>
           <a:pPr rtl="0"/>
           <a:r>
+            <a:rPr lang="de-DE" dirty="0" smtClean="0">
+              <a:solidFill>
+                <a:srgbClr val="FF0000"/>
+              </a:solidFill>
+            </a:rPr>
+            <a:t>N</a:t>
+          </a:r>
+          <a:r>
             <a:rPr lang="de-DE" dirty="0" smtClean="0"/>
-            <a:t>Nachbetrachtung</a:t>
+            <a:t>achbetrachtung</a:t>
           </a:r>
           <a:endParaRPr lang="de-DE" dirty="0"/>
         </a:p>
@@ -2462,8 +2510,16 @@
             </a:spcAft>
           </a:pPr>
           <a:r>
+            <a:rPr lang="de-DE" sz="2900" kern="1200" dirty="0" smtClean="0">
+              <a:solidFill>
+                <a:srgbClr val="FF0000"/>
+              </a:solidFill>
+            </a:rPr>
+            <a:t>E</a:t>
+          </a:r>
+          <a:r>
             <a:rPr lang="de-DE" sz="2900" kern="1200" dirty="0" smtClean="0"/>
-            <a:t>Einleitung</a:t>
+            <a:t>inleitung</a:t>
           </a:r>
           <a:endParaRPr lang="de-DE" sz="2900" kern="1200" dirty="0"/>
         </a:p>
@@ -2539,8 +2595,16 @@
             </a:spcAft>
           </a:pPr>
           <a:r>
+            <a:rPr lang="de-DE" sz="2900" kern="1200" dirty="0" smtClean="0">
+              <a:solidFill>
+                <a:srgbClr val="FF0000"/>
+              </a:solidFill>
+            </a:rPr>
+            <a:t>V</a:t>
+          </a:r>
+          <a:r>
             <a:rPr lang="de-DE" sz="2900" kern="1200" dirty="0" smtClean="0"/>
-            <a:t>Vorbereitung</a:t>
+            <a:t>orbereitung</a:t>
           </a:r>
           <a:endParaRPr lang="de-DE" sz="2900" kern="1200" dirty="0"/>
         </a:p>
@@ -2616,8 +2680,16 @@
             </a:spcAft>
           </a:pPr>
           <a:r>
+            <a:rPr lang="de-DE" sz="2900" kern="1200" dirty="0" smtClean="0">
+              <a:solidFill>
+                <a:srgbClr val="FF0000"/>
+              </a:solidFill>
+            </a:rPr>
+            <a:t>A</a:t>
+          </a:r>
+          <a:r>
             <a:rPr lang="de-DE" sz="2900" kern="1200" dirty="0" smtClean="0"/>
-            <a:t>Analyse</a:t>
+            <a:t>nalyse</a:t>
           </a:r>
           <a:endParaRPr lang="de-DE" sz="2900" kern="1200" dirty="0"/>
         </a:p>
@@ -2693,8 +2765,16 @@
             </a:spcAft>
           </a:pPr>
           <a:r>
+            <a:rPr lang="de-DE" sz="2900" kern="1200" dirty="0" smtClean="0">
+              <a:solidFill>
+                <a:srgbClr val="FF0000"/>
+              </a:solidFill>
+            </a:rPr>
+            <a:t>E</a:t>
+          </a:r>
+          <a:r>
             <a:rPr lang="de-DE" sz="2900" kern="1200" dirty="0" smtClean="0"/>
-            <a:t>Entwurf</a:t>
+            <a:t>ntwurf</a:t>
           </a:r>
           <a:endParaRPr lang="de-DE" sz="2900" kern="1200" dirty="0"/>
         </a:p>
@@ -2770,8 +2850,16 @@
             </a:spcAft>
           </a:pPr>
           <a:r>
+            <a:rPr lang="de-DE" sz="2900" kern="1200" dirty="0" smtClean="0">
+              <a:solidFill>
+                <a:srgbClr val="FF0000"/>
+              </a:solidFill>
+            </a:rPr>
+            <a:t>U</a:t>
+          </a:r>
+          <a:r>
             <a:rPr lang="de-DE" sz="2900" kern="1200" dirty="0" smtClean="0"/>
-            <a:t>Umsetzung</a:t>
+            <a:t>msetzung</a:t>
           </a:r>
           <a:endParaRPr lang="de-DE" sz="2900" kern="1200" dirty="0"/>
         </a:p>
@@ -2847,8 +2935,16 @@
             </a:spcAft>
           </a:pPr>
           <a:r>
+            <a:rPr lang="de-DE" sz="2900" kern="1200" dirty="0" smtClean="0">
+              <a:solidFill>
+                <a:srgbClr val="FF0000"/>
+              </a:solidFill>
+            </a:rPr>
+            <a:t>N</a:t>
+          </a:r>
+          <a:r>
             <a:rPr lang="de-DE" sz="2900" kern="1200" dirty="0" smtClean="0"/>
-            <a:t>Nachbetrachtung</a:t>
+            <a:t>achbetrachtung</a:t>
           </a:r>
           <a:endParaRPr lang="de-DE" sz="2900" kern="1200" dirty="0"/>
         </a:p>
@@ -9708,7 +9804,7 @@
         </p:nvSpPr>
         <p:spPr>
           <a:xfrm>
-            <a:off x="1403648" y="4038600"/>
+            <a:off x="179512" y="260648"/>
             <a:ext cx="7435552" cy="1828800"/>
           </a:xfrm>
         </p:spPr>
@@ -9719,6 +9815,13 @@
             <a:r>
               <a:rPr lang="de-DE" dirty="0" smtClean="0"/>
               <a:t>Projektpräsentation</a:t>
+            </a:r>
+            <a:br>
+              <a:rPr lang="de-DE" dirty="0" smtClean="0"/>
+            </a:br>
+            <a:r>
+              <a:rPr lang="de-DE" dirty="0" smtClean="0"/>
+              <a:t>HBS Proxy</a:t>
             </a:r>
             <a:endParaRPr lang="de-DE" dirty="0"/>
           </a:p>
@@ -9734,10 +9837,15 @@
             <p:ph type="subTitle" idx="1"/>
           </p:nvPr>
         </p:nvSpPr>
-        <p:spPr/>
+        <p:spPr>
+          <a:xfrm>
+            <a:off x="2339752" y="2780928"/>
+            <a:ext cx="6705600" cy="3162821"/>
+          </a:xfrm>
+        </p:spPr>
         <p:txBody>
           <a:bodyPr>
-            <a:normAutofit fontScale="25000" lnSpcReduction="20000"/>
+            <a:normAutofit/>
           </a:bodyPr>
           <a:lstStyle/>
           <a:p>
@@ -10285,7 +10393,7 @@
           <a:p>
             <a:r>
               <a:rPr lang="de-DE" dirty="0" smtClean="0"/>
-              <a:t>QM</a:t>
+              <a:t>Qualitätssichernde Maßnahmen</a:t>
             </a:r>
             <a:endParaRPr lang="de-DE" dirty="0"/>
           </a:p>
@@ -11122,6 +11230,32 @@
           </a:graphicData>
         </a:graphic>
       </p:graphicFrame>
+      <p:pic>
+        <p:nvPicPr>
+          <p:cNvPr id="2050" name="Picture 2" descr="C:\Users\Jan\Desktop\weiterbildung_fachinformatiker_ihk_projektantrag\praesentation\navi0.gif"/>
+          <p:cNvPicPr>
+            <a:picLocks noChangeAspect="1" noChangeArrowheads="1"/>
+          </p:cNvPicPr>
+          <p:nvPr/>
+        </p:nvPicPr>
+        <p:blipFill>
+          <a:blip r:embed="rId7" cstate="print"/>
+          <a:srcRect/>
+          <a:stretch>
+            <a:fillRect/>
+          </a:stretch>
+        </p:blipFill>
+        <p:spPr bwMode="auto">
+          <a:xfrm>
+            <a:off x="0" y="6229350"/>
+            <a:ext cx="5162550" cy="628650"/>
+          </a:xfrm>
+          <a:prstGeom prst="rect">
+            <a:avLst/>
+          </a:prstGeom>
+          <a:noFill/>
+        </p:spPr>
+      </p:pic>
     </p:spTree>
   </p:cSld>
   <p:clrMapOvr>
@@ -11221,7 +11355,19 @@
           <a:p>
             <a:r>
               <a:rPr lang="de-DE" dirty="0" smtClean="0"/>
-              <a:t>Gesamtprojekt : Softwaresystem zur Reservierung von Hotelzimmern</a:t>
+              <a:t>Gesamtprojekt : </a:t>
+            </a:r>
+            <a:r>
+              <a:rPr lang="de-DE" dirty="0" smtClean="0"/>
+              <a:t>M</a:t>
+            </a:r>
+            <a:r>
+              <a:rPr lang="de-DE" dirty="0" smtClean="0"/>
+              <a:t>obiles Softwaresystem </a:t>
+            </a:r>
+            <a:r>
+              <a:rPr lang="de-DE" dirty="0" smtClean="0"/>
+              <a:t>zur Reservierung von Hotelzimmern</a:t>
             </a:r>
           </a:p>
           <a:p>
@@ -11259,7 +11405,7 @@
       </p:sp>
       <p:pic>
         <p:nvPicPr>
-          <p:cNvPr id="1026" name="Picture 2" descr="C:\Users\Jan\Desktop\weiterbildung_fachinformatiker_ihk_projektantrag\praesentation\navi1.gif"/>
+          <p:cNvPr id="5" name="Picture 2" descr="C:\Users\Jan\Desktop\weiterbildung_fachinformatiker_ihk_projektantrag\praesentation\navi1.gif"/>
           <p:cNvPicPr>
             <a:picLocks noChangeAspect="1" noChangeArrowheads="1"/>
           </p:cNvPicPr>
@@ -11274,8 +11420,8 @@
         </p:blipFill>
         <p:spPr bwMode="auto">
           <a:xfrm>
-            <a:off x="0" y="6219825"/>
-            <a:ext cx="5191126" cy="638175"/>
+            <a:off x="0" y="6248400"/>
+            <a:ext cx="5153025" cy="609600"/>
           </a:xfrm>
           <a:prstGeom prst="rect">
             <a:avLst/>
@@ -11376,11 +11522,11 @@
           <a:p>
             <a:r>
               <a:rPr lang="de-DE" dirty="0" smtClean="0"/>
-              <a:t>Teilprojekt : Serversoftware </a:t>
+              <a:t>Teilprojekt : </a:t>
             </a:r>
             <a:r>
               <a:rPr lang="de-DE" dirty="0" smtClean="0"/>
-              <a:t>entwickeln</a:t>
+              <a:t>Serverkomponente entwickeln</a:t>
             </a:r>
           </a:p>
           <a:p>

--- a/praesentation/Projektpräsentation.pptx
+++ b/praesentation/Projektpräsentation.pptx
@@ -874,6 +874,753 @@
 </file>
 
 <file path=ppt/diagrams/colors2.xml><?xml version="1.0" encoding="utf-8"?>
+<dgm:colorsDef xmlns:dgm="http://schemas.openxmlformats.org/drawingml/2006/diagram" xmlns:a="http://schemas.openxmlformats.org/drawingml/2006/main" uniqueId="urn:microsoft.com/office/officeart/2005/8/colors/accent1_2">
+  <dgm:title val=""/>
+  <dgm:desc val=""/>
+  <dgm:catLst>
+    <dgm:cat type="accent1" pri="11200"/>
+  </dgm:catLst>
+  <dgm:styleLbl name="node0">
+    <dgm:fillClrLst meth="repeat">
+      <a:schemeClr val="accent1"/>
+    </dgm:fillClrLst>
+    <dgm:linClrLst meth="repeat">
+      <a:schemeClr val="lt1"/>
+    </dgm:linClrLst>
+    <dgm:effectClrLst/>
+    <dgm:txLinClrLst/>
+    <dgm:txFillClrLst/>
+    <dgm:txEffectClrLst/>
+  </dgm:styleLbl>
+  <dgm:styleLbl name="alignNode1">
+    <dgm:fillClrLst meth="repeat">
+      <a:schemeClr val="accent1"/>
+    </dgm:fillClrLst>
+    <dgm:linClrLst meth="repeat">
+      <a:schemeClr val="accent1"/>
+    </dgm:linClrLst>
+    <dgm:effectClrLst/>
+    <dgm:txLinClrLst/>
+    <dgm:txFillClrLst/>
+    <dgm:txEffectClrLst/>
+  </dgm:styleLbl>
+  <dgm:styleLbl name="node1">
+    <dgm:fillClrLst meth="repeat">
+      <a:schemeClr val="accent1"/>
+    </dgm:fillClrLst>
+    <dgm:linClrLst meth="repeat">
+      <a:schemeClr val="lt1"/>
+    </dgm:linClrLst>
+    <dgm:effectClrLst/>
+    <dgm:txLinClrLst/>
+    <dgm:txFillClrLst/>
+    <dgm:txEffectClrLst/>
+  </dgm:styleLbl>
+  <dgm:styleLbl name="lnNode1">
+    <dgm:fillClrLst meth="repeat">
+      <a:schemeClr val="accent1"/>
+    </dgm:fillClrLst>
+    <dgm:linClrLst meth="repeat">
+      <a:schemeClr val="lt1"/>
+    </dgm:linClrLst>
+    <dgm:effectClrLst/>
+    <dgm:txLinClrLst/>
+    <dgm:txFillClrLst/>
+    <dgm:txEffectClrLst/>
+  </dgm:styleLbl>
+  <dgm:styleLbl name="vennNode1">
+    <dgm:fillClrLst meth="repeat">
+      <a:schemeClr val="accent1">
+        <a:alpha val="50000"/>
+      </a:schemeClr>
+    </dgm:fillClrLst>
+    <dgm:linClrLst meth="repeat">
+      <a:schemeClr val="lt1"/>
+    </dgm:linClrLst>
+    <dgm:effectClrLst/>
+    <dgm:txLinClrLst/>
+    <dgm:txFillClrLst/>
+    <dgm:txEffectClrLst/>
+  </dgm:styleLbl>
+  <dgm:styleLbl name="node2">
+    <dgm:fillClrLst meth="repeat">
+      <a:schemeClr val="accent1"/>
+    </dgm:fillClrLst>
+    <dgm:linClrLst meth="repeat">
+      <a:schemeClr val="lt1"/>
+    </dgm:linClrLst>
+    <dgm:effectClrLst/>
+    <dgm:txLinClrLst/>
+    <dgm:txFillClrLst/>
+    <dgm:txEffectClrLst/>
+  </dgm:styleLbl>
+  <dgm:styleLbl name="node3">
+    <dgm:fillClrLst meth="repeat">
+      <a:schemeClr val="accent1"/>
+    </dgm:fillClrLst>
+    <dgm:linClrLst meth="repeat">
+      <a:schemeClr val="lt1"/>
+    </dgm:linClrLst>
+    <dgm:effectClrLst/>
+    <dgm:txLinClrLst/>
+    <dgm:txFillClrLst/>
+    <dgm:txEffectClrLst/>
+  </dgm:styleLbl>
+  <dgm:styleLbl name="node4">
+    <dgm:fillClrLst meth="repeat">
+      <a:schemeClr val="accent1"/>
+    </dgm:fillClrLst>
+    <dgm:linClrLst meth="repeat">
+      <a:schemeClr val="lt1"/>
+    </dgm:linClrLst>
+    <dgm:effectClrLst/>
+    <dgm:txLinClrLst/>
+    <dgm:txFillClrLst/>
+    <dgm:txEffectClrLst/>
+  </dgm:styleLbl>
+  <dgm:styleLbl name="fgImgPlace1">
+    <dgm:fillClrLst meth="repeat">
+      <a:schemeClr val="accent1">
+        <a:tint val="50000"/>
+      </a:schemeClr>
+    </dgm:fillClrLst>
+    <dgm:linClrLst meth="repeat">
+      <a:schemeClr val="lt1"/>
+    </dgm:linClrLst>
+    <dgm:effectClrLst/>
+    <dgm:txLinClrLst/>
+    <dgm:txFillClrLst meth="repeat">
+      <a:schemeClr val="lt1"/>
+    </dgm:txFillClrLst>
+    <dgm:txEffectClrLst/>
+  </dgm:styleLbl>
+  <dgm:styleLbl name="alignImgPlace1">
+    <dgm:fillClrLst meth="repeat">
+      <a:schemeClr val="accent1">
+        <a:tint val="50000"/>
+      </a:schemeClr>
+    </dgm:fillClrLst>
+    <dgm:linClrLst meth="repeat">
+      <a:schemeClr val="lt1"/>
+    </dgm:linClrLst>
+    <dgm:effectClrLst/>
+    <dgm:txLinClrLst/>
+    <dgm:txFillClrLst meth="repeat">
+      <a:schemeClr val="lt1"/>
+    </dgm:txFillClrLst>
+    <dgm:txEffectClrLst/>
+  </dgm:styleLbl>
+  <dgm:styleLbl name="bgImgPlace1">
+    <dgm:fillClrLst meth="repeat">
+      <a:schemeClr val="accent1">
+        <a:tint val="50000"/>
+      </a:schemeClr>
+    </dgm:fillClrLst>
+    <dgm:linClrLst meth="repeat">
+      <a:schemeClr val="lt1"/>
+    </dgm:linClrLst>
+    <dgm:effectClrLst/>
+    <dgm:txLinClrLst/>
+    <dgm:txFillClrLst meth="repeat">
+      <a:schemeClr val="lt1"/>
+    </dgm:txFillClrLst>
+    <dgm:txEffectClrLst/>
+  </dgm:styleLbl>
+  <dgm:styleLbl name="sibTrans2D1">
+    <dgm:fillClrLst meth="repeat">
+      <a:schemeClr val="accent1">
+        <a:tint val="60000"/>
+      </a:schemeClr>
+    </dgm:fillClrLst>
+    <dgm:linClrLst meth="repeat">
+      <a:schemeClr val="accent1">
+        <a:tint val="60000"/>
+      </a:schemeClr>
+    </dgm:linClrLst>
+    <dgm:effectClrLst/>
+    <dgm:txLinClrLst/>
+    <dgm:txFillClrLst/>
+    <dgm:txEffectClrLst/>
+  </dgm:styleLbl>
+  <dgm:styleLbl name="fgSibTrans2D1">
+    <dgm:fillClrLst meth="repeat">
+      <a:schemeClr val="accent1">
+        <a:tint val="60000"/>
+      </a:schemeClr>
+    </dgm:fillClrLst>
+    <dgm:linClrLst meth="repeat">
+      <a:schemeClr val="accent1">
+        <a:tint val="60000"/>
+      </a:schemeClr>
+    </dgm:linClrLst>
+    <dgm:effectClrLst/>
+    <dgm:txLinClrLst/>
+    <dgm:txFillClrLst/>
+    <dgm:txEffectClrLst/>
+  </dgm:styleLbl>
+  <dgm:styleLbl name="bgSibTrans2D1">
+    <dgm:fillClrLst meth="repeat">
+      <a:schemeClr val="accent1">
+        <a:tint val="60000"/>
+      </a:schemeClr>
+    </dgm:fillClrLst>
+    <dgm:linClrLst meth="repeat">
+      <a:schemeClr val="accent1">
+        <a:tint val="60000"/>
+      </a:schemeClr>
+    </dgm:linClrLst>
+    <dgm:effectClrLst/>
+    <dgm:txLinClrLst/>
+    <dgm:txFillClrLst/>
+    <dgm:txEffectClrLst/>
+  </dgm:styleLbl>
+  <dgm:styleLbl name="sibTrans1D1">
+    <dgm:fillClrLst meth="repeat">
+      <a:schemeClr val="accent1"/>
+    </dgm:fillClrLst>
+    <dgm:linClrLst meth="repeat">
+      <a:schemeClr val="accent1"/>
+    </dgm:linClrLst>
+    <dgm:effectClrLst/>
+    <dgm:txLinClrLst/>
+    <dgm:txFillClrLst meth="repeat">
+      <a:schemeClr val="tx1"/>
+    </dgm:txFillClrLst>
+    <dgm:txEffectClrLst/>
+  </dgm:styleLbl>
+  <dgm:styleLbl name="callout">
+    <dgm:fillClrLst meth="repeat">
+      <a:schemeClr val="accent1"/>
+    </dgm:fillClrLst>
+    <dgm:linClrLst meth="repeat">
+      <a:schemeClr val="accent1">
+        <a:tint val="50000"/>
+      </a:schemeClr>
+    </dgm:linClrLst>
+    <dgm:effectClrLst/>
+    <dgm:txLinClrLst/>
+    <dgm:txFillClrLst meth="repeat">
+      <a:schemeClr val="tx1"/>
+    </dgm:txFillClrLst>
+    <dgm:txEffectClrLst/>
+  </dgm:styleLbl>
+  <dgm:styleLbl name="asst0">
+    <dgm:fillClrLst meth="repeat">
+      <a:schemeClr val="accent1"/>
+    </dgm:fillClrLst>
+    <dgm:linClrLst meth="repeat">
+      <a:schemeClr val="lt1"/>
+    </dgm:linClrLst>
+    <dgm:effectClrLst/>
+    <dgm:txLinClrLst/>
+    <dgm:txFillClrLst/>
+    <dgm:txEffectClrLst/>
+  </dgm:styleLbl>
+  <dgm:styleLbl name="asst1">
+    <dgm:fillClrLst meth="repeat">
+      <a:schemeClr val="accent1"/>
+    </dgm:fillClrLst>
+    <dgm:linClrLst meth="repeat">
+      <a:schemeClr val="lt1"/>
+    </dgm:linClrLst>
+    <dgm:effectClrLst/>
+    <dgm:txLinClrLst/>
+    <dgm:txFillClrLst/>
+    <dgm:txEffectClrLst/>
+  </dgm:styleLbl>
+  <dgm:styleLbl name="asst2">
+    <dgm:fillClrLst meth="repeat">
+      <a:schemeClr val="accent1"/>
+    </dgm:fillClrLst>
+    <dgm:linClrLst meth="repeat">
+      <a:schemeClr val="lt1"/>
+    </dgm:linClrLst>
+    <dgm:effectClrLst/>
+    <dgm:txLinClrLst/>
+    <dgm:txFillClrLst/>
+    <dgm:txEffectClrLst/>
+  </dgm:styleLbl>
+  <dgm:styleLbl name="asst3">
+    <dgm:fillClrLst meth="repeat">
+      <a:schemeClr val="accent1"/>
+    </dgm:fillClrLst>
+    <dgm:linClrLst meth="repeat">
+      <a:schemeClr val="lt1"/>
+    </dgm:linClrLst>
+    <dgm:effectClrLst/>
+    <dgm:txLinClrLst/>
+    <dgm:txFillClrLst/>
+    <dgm:txEffectClrLst/>
+  </dgm:styleLbl>
+  <dgm:styleLbl name="asst4">
+    <dgm:fillClrLst meth="repeat">
+      <a:schemeClr val="accent1"/>
+    </dgm:fillClrLst>
+    <dgm:linClrLst meth="repeat">
+      <a:schemeClr val="lt1"/>
+    </dgm:linClrLst>
+    <dgm:effectClrLst/>
+    <dgm:txLinClrLst/>
+    <dgm:txFillClrLst/>
+    <dgm:txEffectClrLst/>
+  </dgm:styleLbl>
+  <dgm:styleLbl name="parChTrans2D1">
+    <dgm:fillClrLst meth="repeat">
+      <a:schemeClr val="accent1">
+        <a:tint val="60000"/>
+      </a:schemeClr>
+    </dgm:fillClrLst>
+    <dgm:linClrLst meth="repeat">
+      <a:schemeClr val="accent1">
+        <a:tint val="60000"/>
+      </a:schemeClr>
+    </dgm:linClrLst>
+    <dgm:effectClrLst/>
+    <dgm:txLinClrLst/>
+    <dgm:txFillClrLst meth="repeat">
+      <a:schemeClr val="lt1"/>
+    </dgm:txFillClrLst>
+    <dgm:txEffectClrLst/>
+  </dgm:styleLbl>
+  <dgm:styleLbl name="parChTrans2D2">
+    <dgm:fillClrLst meth="repeat">
+      <a:schemeClr val="accent1"/>
+    </dgm:fillClrLst>
+    <dgm:linClrLst meth="repeat">
+      <a:schemeClr val="accent1"/>
+    </dgm:linClrLst>
+    <dgm:effectClrLst/>
+    <dgm:txLinClrLst/>
+    <dgm:txFillClrLst meth="repeat">
+      <a:schemeClr val="lt1"/>
+    </dgm:txFillClrLst>
+    <dgm:txEffectClrLst/>
+  </dgm:styleLbl>
+  <dgm:styleLbl name="parChTrans2D3">
+    <dgm:fillClrLst meth="repeat">
+      <a:schemeClr val="accent1"/>
+    </dgm:fillClrLst>
+    <dgm:linClrLst meth="repeat">
+      <a:schemeClr val="accent1"/>
+    </dgm:linClrLst>
+    <dgm:effectClrLst/>
+    <dgm:txLinClrLst/>
+    <dgm:txFillClrLst meth="repeat">
+      <a:schemeClr val="lt1"/>
+    </dgm:txFillClrLst>
+    <dgm:txEffectClrLst/>
+  </dgm:styleLbl>
+  <dgm:styleLbl name="parChTrans2D4">
+    <dgm:fillClrLst meth="repeat">
+      <a:schemeClr val="accent1"/>
+    </dgm:fillClrLst>
+    <dgm:linClrLst meth="repeat">
+      <a:schemeClr val="accent1"/>
+    </dgm:linClrLst>
+    <dgm:effectClrLst/>
+    <dgm:txLinClrLst/>
+    <dgm:txFillClrLst meth="repeat">
+      <a:schemeClr val="lt1"/>
+    </dgm:txFillClrLst>
+    <dgm:txEffectClrLst/>
+  </dgm:styleLbl>
+  <dgm:styleLbl name="parChTrans1D1">
+    <dgm:fillClrLst meth="repeat">
+      <a:schemeClr val="accent1"/>
+    </dgm:fillClrLst>
+    <dgm:linClrLst meth="repeat">
+      <a:schemeClr val="accent1">
+        <a:shade val="60000"/>
+      </a:schemeClr>
+    </dgm:linClrLst>
+    <dgm:effectClrLst/>
+    <dgm:txLinClrLst/>
+    <dgm:txFillClrLst meth="repeat">
+      <a:schemeClr val="tx1"/>
+    </dgm:txFillClrLst>
+    <dgm:txEffectClrLst/>
+  </dgm:styleLbl>
+  <dgm:styleLbl name="parChTrans1D2">
+    <dgm:fillClrLst meth="repeat">
+      <a:schemeClr val="accent1"/>
+    </dgm:fillClrLst>
+    <dgm:linClrLst meth="repeat">
+      <a:schemeClr val="accent1">
+        <a:shade val="60000"/>
+      </a:schemeClr>
+    </dgm:linClrLst>
+    <dgm:effectClrLst/>
+    <dgm:txLinClrLst/>
+    <dgm:txFillClrLst meth="repeat">
+      <a:schemeClr val="tx1"/>
+    </dgm:txFillClrLst>
+    <dgm:txEffectClrLst/>
+  </dgm:styleLbl>
+  <dgm:styleLbl name="parChTrans1D3">
+    <dgm:fillClrLst meth="repeat">
+      <a:schemeClr val="accent1"/>
+    </dgm:fillClrLst>
+    <dgm:linClrLst meth="repeat">
+      <a:schemeClr val="accent1">
+        <a:shade val="80000"/>
+      </a:schemeClr>
+    </dgm:linClrLst>
+    <dgm:effectClrLst/>
+    <dgm:txLinClrLst/>
+    <dgm:txFillClrLst meth="repeat">
+      <a:schemeClr val="tx1"/>
+    </dgm:txFillClrLst>
+    <dgm:txEffectClrLst/>
+  </dgm:styleLbl>
+  <dgm:styleLbl name="parChTrans1D4">
+    <dgm:fillClrLst meth="repeat">
+      <a:schemeClr val="accent1"/>
+    </dgm:fillClrLst>
+    <dgm:linClrLst meth="repeat">
+      <a:schemeClr val="accent1">
+        <a:shade val="80000"/>
+      </a:schemeClr>
+    </dgm:linClrLst>
+    <dgm:effectClrLst/>
+    <dgm:txLinClrLst/>
+    <dgm:txFillClrLst meth="repeat">
+      <a:schemeClr val="tx1"/>
+    </dgm:txFillClrLst>
+    <dgm:txEffectClrLst/>
+  </dgm:styleLbl>
+  <dgm:styleLbl name="fgAcc1">
+    <dgm:fillClrLst meth="repeat">
+      <a:schemeClr val="lt1">
+        <a:alpha val="90000"/>
+      </a:schemeClr>
+    </dgm:fillClrLst>
+    <dgm:linClrLst meth="repeat">
+      <a:schemeClr val="accent1"/>
+    </dgm:linClrLst>
+    <dgm:effectClrLst/>
+    <dgm:txLinClrLst/>
+    <dgm:txFillClrLst meth="repeat">
+      <a:schemeClr val="dk1"/>
+    </dgm:txFillClrLst>
+    <dgm:txEffectClrLst/>
+  </dgm:styleLbl>
+  <dgm:styleLbl name="conFgAcc1">
+    <dgm:fillClrLst meth="repeat">
+      <a:schemeClr val="lt1">
+        <a:alpha val="90000"/>
+      </a:schemeClr>
+    </dgm:fillClrLst>
+    <dgm:linClrLst meth="repeat">
+      <a:schemeClr val="accent1"/>
+    </dgm:linClrLst>
+    <dgm:effectClrLst/>
+    <dgm:txLinClrLst/>
+    <dgm:txFillClrLst meth="repeat">
+      <a:schemeClr val="dk1"/>
+    </dgm:txFillClrLst>
+    <dgm:txEffectClrLst/>
+  </dgm:styleLbl>
+  <dgm:styleLbl name="alignAcc1">
+    <dgm:fillClrLst meth="repeat">
+      <a:schemeClr val="lt1">
+        <a:alpha val="90000"/>
+      </a:schemeClr>
+    </dgm:fillClrLst>
+    <dgm:linClrLst meth="repeat">
+      <a:schemeClr val="accent1"/>
+    </dgm:linClrLst>
+    <dgm:effectClrLst/>
+    <dgm:txLinClrLst/>
+    <dgm:txFillClrLst meth="repeat">
+      <a:schemeClr val="dk1"/>
+    </dgm:txFillClrLst>
+    <dgm:txEffectClrLst/>
+  </dgm:styleLbl>
+  <dgm:styleLbl name="trAlignAcc1">
+    <dgm:fillClrLst meth="repeat">
+      <a:schemeClr val="lt1">
+        <a:alpha val="40000"/>
+      </a:schemeClr>
+    </dgm:fillClrLst>
+    <dgm:linClrLst meth="repeat">
+      <a:schemeClr val="accent1"/>
+    </dgm:linClrLst>
+    <dgm:effectClrLst/>
+    <dgm:txLinClrLst/>
+    <dgm:txFillClrLst meth="repeat">
+      <a:schemeClr val="dk1"/>
+    </dgm:txFillClrLst>
+    <dgm:txEffectClrLst/>
+  </dgm:styleLbl>
+  <dgm:styleLbl name="bgAcc1">
+    <dgm:fillClrLst meth="repeat">
+      <a:schemeClr val="lt1">
+        <a:alpha val="90000"/>
+      </a:schemeClr>
+    </dgm:fillClrLst>
+    <dgm:linClrLst meth="repeat">
+      <a:schemeClr val="accent1"/>
+    </dgm:linClrLst>
+    <dgm:effectClrLst/>
+    <dgm:txLinClrLst/>
+    <dgm:txFillClrLst meth="repeat">
+      <a:schemeClr val="dk1"/>
+    </dgm:txFillClrLst>
+    <dgm:txEffectClrLst/>
+  </dgm:styleLbl>
+  <dgm:styleLbl name="solidFgAcc1">
+    <dgm:fillClrLst meth="repeat">
+      <a:schemeClr val="lt1"/>
+    </dgm:fillClrLst>
+    <dgm:linClrLst meth="repeat">
+      <a:schemeClr val="accent1"/>
+    </dgm:linClrLst>
+    <dgm:effectClrLst/>
+    <dgm:txLinClrLst/>
+    <dgm:txFillClrLst meth="repeat">
+      <a:schemeClr val="dk1"/>
+    </dgm:txFillClrLst>
+    <dgm:txEffectClrLst/>
+  </dgm:styleLbl>
+  <dgm:styleLbl name="solidAlignAcc1">
+    <dgm:fillClrLst meth="repeat">
+      <a:schemeClr val="lt1"/>
+    </dgm:fillClrLst>
+    <dgm:linClrLst meth="repeat">
+      <a:schemeClr val="accent1"/>
+    </dgm:linClrLst>
+    <dgm:effectClrLst/>
+    <dgm:txLinClrLst/>
+    <dgm:txFillClrLst meth="repeat">
+      <a:schemeClr val="dk1"/>
+    </dgm:txFillClrLst>
+    <dgm:txEffectClrLst/>
+  </dgm:styleLbl>
+  <dgm:styleLbl name="solidBgAcc1">
+    <dgm:fillClrLst meth="repeat">
+      <a:schemeClr val="lt1"/>
+    </dgm:fillClrLst>
+    <dgm:linClrLst meth="repeat">
+      <a:schemeClr val="accent1"/>
+    </dgm:linClrLst>
+    <dgm:effectClrLst/>
+    <dgm:txLinClrLst/>
+    <dgm:txFillClrLst meth="repeat">
+      <a:schemeClr val="dk1"/>
+    </dgm:txFillClrLst>
+    <dgm:txEffectClrLst/>
+  </dgm:styleLbl>
+  <dgm:styleLbl name="fgAccFollowNode1">
+    <dgm:fillClrLst meth="repeat">
+      <a:schemeClr val="accent1">
+        <a:alpha val="90000"/>
+        <a:tint val="40000"/>
+      </a:schemeClr>
+    </dgm:fillClrLst>
+    <dgm:linClrLst meth="repeat">
+      <a:schemeClr val="accent1">
+        <a:alpha val="90000"/>
+        <a:tint val="40000"/>
+      </a:schemeClr>
+    </dgm:linClrLst>
+    <dgm:effectClrLst/>
+    <dgm:txLinClrLst/>
+    <dgm:txFillClrLst meth="repeat">
+      <a:schemeClr val="dk1"/>
+    </dgm:txFillClrLst>
+    <dgm:txEffectClrLst/>
+  </dgm:styleLbl>
+  <dgm:styleLbl name="alignAccFollowNode1">
+    <dgm:fillClrLst meth="repeat">
+      <a:schemeClr val="accent1">
+        <a:alpha val="90000"/>
+        <a:tint val="40000"/>
+      </a:schemeClr>
+    </dgm:fillClrLst>
+    <dgm:linClrLst meth="repeat">
+      <a:schemeClr val="accent1">
+        <a:alpha val="90000"/>
+        <a:tint val="40000"/>
+      </a:schemeClr>
+    </dgm:linClrLst>
+    <dgm:effectClrLst/>
+    <dgm:txLinClrLst/>
+    <dgm:txFillClrLst meth="repeat">
+      <a:schemeClr val="dk1"/>
+    </dgm:txFillClrLst>
+    <dgm:txEffectClrLst/>
+  </dgm:styleLbl>
+  <dgm:styleLbl name="bgAccFollowNode1">
+    <dgm:fillClrLst meth="repeat">
+      <a:schemeClr val="accent1">
+        <a:alpha val="90000"/>
+        <a:tint val="40000"/>
+      </a:schemeClr>
+    </dgm:fillClrLst>
+    <dgm:linClrLst meth="repeat">
+      <a:schemeClr val="accent1">
+        <a:alpha val="90000"/>
+        <a:tint val="40000"/>
+      </a:schemeClr>
+    </dgm:linClrLst>
+    <dgm:effectClrLst/>
+    <dgm:txLinClrLst/>
+    <dgm:txFillClrLst meth="repeat">
+      <a:schemeClr val="dk1"/>
+    </dgm:txFillClrLst>
+    <dgm:txEffectClrLst/>
+  </dgm:styleLbl>
+  <dgm:styleLbl name="fgAcc0">
+    <dgm:fillClrLst meth="repeat">
+      <a:schemeClr val="lt1">
+        <a:alpha val="90000"/>
+      </a:schemeClr>
+    </dgm:fillClrLst>
+    <dgm:linClrLst meth="repeat">
+      <a:schemeClr val="accent1"/>
+    </dgm:linClrLst>
+    <dgm:effectClrLst/>
+    <dgm:txLinClrLst/>
+    <dgm:txFillClrLst meth="repeat">
+      <a:schemeClr val="dk1"/>
+    </dgm:txFillClrLst>
+    <dgm:txEffectClrLst/>
+  </dgm:styleLbl>
+  <dgm:styleLbl name="fgAcc2">
+    <dgm:fillClrLst meth="repeat">
+      <a:schemeClr val="lt1">
+        <a:alpha val="90000"/>
+      </a:schemeClr>
+    </dgm:fillClrLst>
+    <dgm:linClrLst meth="repeat">
+      <a:schemeClr val="accent1"/>
+    </dgm:linClrLst>
+    <dgm:effectClrLst/>
+    <dgm:txLinClrLst/>
+    <dgm:txFillClrLst meth="repeat">
+      <a:schemeClr val="dk1"/>
+    </dgm:txFillClrLst>
+    <dgm:txEffectClrLst/>
+  </dgm:styleLbl>
+  <dgm:styleLbl name="fgAcc3">
+    <dgm:fillClrLst meth="repeat">
+      <a:schemeClr val="lt1">
+        <a:alpha val="90000"/>
+      </a:schemeClr>
+    </dgm:fillClrLst>
+    <dgm:linClrLst meth="repeat">
+      <a:schemeClr val="accent1"/>
+    </dgm:linClrLst>
+    <dgm:effectClrLst/>
+    <dgm:txLinClrLst/>
+    <dgm:txFillClrLst meth="repeat">
+      <a:schemeClr val="dk1"/>
+    </dgm:txFillClrLst>
+    <dgm:txEffectClrLst/>
+  </dgm:styleLbl>
+  <dgm:styleLbl name="fgAcc4">
+    <dgm:fillClrLst meth="repeat">
+      <a:schemeClr val="lt1">
+        <a:alpha val="90000"/>
+      </a:schemeClr>
+    </dgm:fillClrLst>
+    <dgm:linClrLst meth="repeat">
+      <a:schemeClr val="accent1"/>
+    </dgm:linClrLst>
+    <dgm:effectClrLst/>
+    <dgm:txLinClrLst/>
+    <dgm:txFillClrLst meth="repeat">
+      <a:schemeClr val="dk1"/>
+    </dgm:txFillClrLst>
+    <dgm:txEffectClrLst/>
+  </dgm:styleLbl>
+  <dgm:styleLbl name="bgShp">
+    <dgm:fillClrLst meth="repeat">
+      <a:schemeClr val="accent1">
+        <a:tint val="40000"/>
+      </a:schemeClr>
+    </dgm:fillClrLst>
+    <dgm:linClrLst meth="repeat">
+      <a:schemeClr val="accent1"/>
+    </dgm:linClrLst>
+    <dgm:effectClrLst/>
+    <dgm:txLinClrLst/>
+    <dgm:txFillClrLst meth="repeat">
+      <a:schemeClr val="dk1"/>
+    </dgm:txFillClrLst>
+    <dgm:txEffectClrLst/>
+  </dgm:styleLbl>
+  <dgm:styleLbl name="dkBgShp">
+    <dgm:fillClrLst meth="repeat">
+      <a:schemeClr val="accent1">
+        <a:shade val="80000"/>
+      </a:schemeClr>
+    </dgm:fillClrLst>
+    <dgm:linClrLst meth="repeat">
+      <a:schemeClr val="accent1"/>
+    </dgm:linClrLst>
+    <dgm:effectClrLst/>
+    <dgm:txLinClrLst/>
+    <dgm:txFillClrLst meth="repeat">
+      <a:schemeClr val="lt1"/>
+    </dgm:txFillClrLst>
+    <dgm:txEffectClrLst/>
+  </dgm:styleLbl>
+  <dgm:styleLbl name="trBgShp">
+    <dgm:fillClrLst meth="repeat">
+      <a:schemeClr val="accent1">
+        <a:tint val="50000"/>
+        <a:alpha val="40000"/>
+      </a:schemeClr>
+    </dgm:fillClrLst>
+    <dgm:linClrLst meth="repeat">
+      <a:schemeClr val="accent1"/>
+    </dgm:linClrLst>
+    <dgm:effectClrLst/>
+    <dgm:txLinClrLst/>
+    <dgm:txFillClrLst meth="repeat">
+      <a:schemeClr val="lt1"/>
+    </dgm:txFillClrLst>
+    <dgm:txEffectClrLst/>
+  </dgm:styleLbl>
+  <dgm:styleLbl name="fgShp">
+    <dgm:fillClrLst meth="repeat">
+      <a:schemeClr val="accent1">
+        <a:tint val="60000"/>
+      </a:schemeClr>
+    </dgm:fillClrLst>
+    <dgm:linClrLst meth="repeat">
+      <a:schemeClr val="lt1"/>
+    </dgm:linClrLst>
+    <dgm:effectClrLst/>
+    <dgm:txLinClrLst/>
+    <dgm:txFillClrLst meth="repeat">
+      <a:schemeClr val="dk1"/>
+    </dgm:txFillClrLst>
+    <dgm:txEffectClrLst/>
+  </dgm:styleLbl>
+  <dgm:styleLbl name="revTx">
+    <dgm:fillClrLst meth="repeat">
+      <a:schemeClr val="lt1">
+        <a:alpha val="0"/>
+      </a:schemeClr>
+    </dgm:fillClrLst>
+    <dgm:linClrLst meth="repeat">
+      <a:schemeClr val="dk1">
+        <a:alpha val="0"/>
+      </a:schemeClr>
+    </dgm:linClrLst>
+    <dgm:effectClrLst/>
+    <dgm:txLinClrLst/>
+    <dgm:txFillClrLst meth="repeat">
+      <a:schemeClr val="tx1"/>
+    </dgm:txFillClrLst>
+    <dgm:txEffectClrLst/>
+  </dgm:styleLbl>
+</dgm:colorsDef>
+</file>
+
+<file path=ppt/diagrams/colors3.xml><?xml version="1.0" encoding="utf-8"?>
 <dgm:colorsDef xmlns:dgm="http://schemas.openxmlformats.org/drawingml/2006/diagram" xmlns:a="http://schemas.openxmlformats.org/drawingml/2006/main" uniqueId="urn:microsoft.com/office/officeart/2005/8/colors/accent1_2">
   <dgm:title val=""/>
   <dgm:desc val=""/>
@@ -2425,6 +3172,105 @@
     <dgm:cxn modelId="{ABAF4A77-5561-4D15-853E-20861AC8D662}" type="presParOf" srcId="{5EE32492-A28C-4C8E-B949-ABD5583C137D}" destId="{D690F0E9-F7A0-456C-A38A-39D1CA58B45A}" srcOrd="6" destOrd="0" presId="urn:microsoft.com/office/officeart/2005/8/layout/vList2"/>
     <dgm:cxn modelId="{F1B40F66-41EA-4EC6-9583-EE2F39F8AF62}" type="presParOf" srcId="{5EE32492-A28C-4C8E-B949-ABD5583C137D}" destId="{7D8A0587-B8FD-4418-ABA7-D232DB07AC7A}" srcOrd="7" destOrd="0" presId="urn:microsoft.com/office/officeart/2005/8/layout/vList2"/>
     <dgm:cxn modelId="{9B1ED28E-F334-4FA4-B8EC-A78520FB4E93}" type="presParOf" srcId="{5EE32492-A28C-4C8E-B949-ABD5583C137D}" destId="{58810C48-8A3C-4183-A0FC-03FC346358D4}" srcOrd="8" destOrd="0" presId="urn:microsoft.com/office/officeart/2005/8/layout/vList2"/>
+  </dgm:cxnLst>
+  <dgm:bg/>
+  <dgm:whole/>
+  <dgm:extLst>
+    <a:ext uri="http://schemas.microsoft.com/office/drawing/2008/diagram">
+      <dsp:dataModelExt xmlns:dsp="http://schemas.microsoft.com/office/drawing/2008/diagram" xmlns="" relId="rId6" minVer="http://schemas.openxmlformats.org/drawingml/2006/diagram"/>
+    </a:ext>
+  </dgm:extLst>
+</dgm:dataModel>
+</file>
+
+<file path=ppt/diagrams/data3.xml><?xml version="1.0" encoding="utf-8"?>
+<dgm:dataModel xmlns:dgm="http://schemas.openxmlformats.org/drawingml/2006/diagram" xmlns:a="http://schemas.openxmlformats.org/drawingml/2006/main">
+  <dgm:ptLst>
+    <dgm:pt modelId="{C7C65E86-9E4A-42BC-8419-86F4C9F5EA59}" type="doc">
+      <dgm:prSet loTypeId="urn:microsoft.com/office/officeart/2005/8/layout/vList5" loCatId="list" qsTypeId="urn:microsoft.com/office/officeart/2005/8/quickstyle/3d4" qsCatId="3D" csTypeId="urn:microsoft.com/office/officeart/2005/8/colors/accent1_2" csCatId="accent1"/>
+      <dgm:spPr/>
+      <dgm:t>
+        <a:bodyPr/>
+        <a:lstStyle/>
+        <a:p>
+          <a:endParaRPr lang="de-DE"/>
+        </a:p>
+      </dgm:t>
+    </dgm:pt>
+    <dgm:pt modelId="{9107B2CB-473D-44C7-AE87-4D9117DB6B67}">
+      <dgm:prSet/>
+      <dgm:spPr/>
+      <dgm:t>
+        <a:bodyPr/>
+        <a:lstStyle/>
+        <a:p>
+          <a:pPr rtl="0"/>
+          <a:r>
+            <a:rPr lang="de-DE" dirty="0" smtClean="0"/>
+            <a:t>Vielen Dank für Ihre Aufmerksamkeit </a:t>
+          </a:r>
+          <a:r>
+            <a:rPr lang="de-DE" dirty="0" smtClean="0">
+              <a:sym typeface="Wingdings"/>
+            </a:rPr>
+            <a:t></a:t>
+          </a:r>
+          <a:endParaRPr lang="de-DE" dirty="0"/>
+        </a:p>
+      </dgm:t>
+    </dgm:pt>
+    <dgm:pt modelId="{527186C4-00AD-4540-B860-F161C6043889}" type="parTrans" cxnId="{2930AD93-048C-40FF-9439-AF6588F3D0F6}">
+      <dgm:prSet/>
+      <dgm:spPr/>
+      <dgm:t>
+        <a:bodyPr/>
+        <a:lstStyle/>
+        <a:p>
+          <a:endParaRPr lang="de-DE"/>
+        </a:p>
+      </dgm:t>
+    </dgm:pt>
+    <dgm:pt modelId="{2207CAA6-5B4E-4228-BA5C-5907BE32E87A}" type="sibTrans" cxnId="{2930AD93-048C-40FF-9439-AF6588F3D0F6}">
+      <dgm:prSet/>
+      <dgm:spPr/>
+      <dgm:t>
+        <a:bodyPr/>
+        <a:lstStyle/>
+        <a:p>
+          <a:endParaRPr lang="de-DE"/>
+        </a:p>
+      </dgm:t>
+    </dgm:pt>
+    <dgm:pt modelId="{35434BE4-2085-4CD3-B4D8-DB52BB0383DA}" type="pres">
+      <dgm:prSet presAssocID="{C7C65E86-9E4A-42BC-8419-86F4C9F5EA59}" presName="Name0" presStyleCnt="0">
+        <dgm:presLayoutVars>
+          <dgm:dir/>
+          <dgm:animLvl val="lvl"/>
+          <dgm:resizeHandles val="exact"/>
+        </dgm:presLayoutVars>
+      </dgm:prSet>
+      <dgm:spPr/>
+    </dgm:pt>
+    <dgm:pt modelId="{828F288E-1780-4F2C-BB46-C05E3C96ABD1}" type="pres">
+      <dgm:prSet presAssocID="{9107B2CB-473D-44C7-AE87-4D9117DB6B67}" presName="linNode" presStyleCnt="0"/>
+      <dgm:spPr/>
+    </dgm:pt>
+    <dgm:pt modelId="{E80B88A0-8754-43D6-BD5A-92859EA93178}" type="pres">
+      <dgm:prSet presAssocID="{9107B2CB-473D-44C7-AE87-4D9117DB6B67}" presName="parentText" presStyleLbl="node1" presStyleIdx="0" presStyleCnt="1">
+        <dgm:presLayoutVars>
+          <dgm:chMax val="1"/>
+          <dgm:bulletEnabled val="1"/>
+        </dgm:presLayoutVars>
+      </dgm:prSet>
+      <dgm:spPr/>
+    </dgm:pt>
+  </dgm:ptLst>
+  <dgm:cxnLst>
+    <dgm:cxn modelId="{2930AD93-048C-40FF-9439-AF6588F3D0F6}" srcId="{C7C65E86-9E4A-42BC-8419-86F4C9F5EA59}" destId="{9107B2CB-473D-44C7-AE87-4D9117DB6B67}" srcOrd="0" destOrd="0" parTransId="{527186C4-00AD-4540-B860-F161C6043889}" sibTransId="{2207CAA6-5B4E-4228-BA5C-5907BE32E87A}"/>
+    <dgm:cxn modelId="{AB0D2BD0-4D27-413B-9D3D-3B501E83A158}" type="presOf" srcId="{C7C65E86-9E4A-42BC-8419-86F4C9F5EA59}" destId="{35434BE4-2085-4CD3-B4D8-DB52BB0383DA}" srcOrd="0" destOrd="0" presId="urn:microsoft.com/office/officeart/2005/8/layout/vList5"/>
+    <dgm:cxn modelId="{C1E9AB9A-10AD-4362-B26C-61210072607A}" type="presOf" srcId="{9107B2CB-473D-44C7-AE87-4D9117DB6B67}" destId="{E80B88A0-8754-43D6-BD5A-92859EA93178}" srcOrd="0" destOrd="0" presId="urn:microsoft.com/office/officeart/2005/8/layout/vList5"/>
+    <dgm:cxn modelId="{CD8A43B5-1FFE-438F-918F-2A9C0D8DB978}" type="presParOf" srcId="{35434BE4-2085-4CD3-B4D8-DB52BB0383DA}" destId="{828F288E-1780-4F2C-BB46-C05E3C96ABD1}" srcOrd="0" destOrd="0" presId="urn:microsoft.com/office/officeart/2005/8/layout/vList5"/>
+    <dgm:cxn modelId="{B48815DE-AA56-4945-B25D-DD9D47EEDEC4}" type="presParOf" srcId="{828F288E-1780-4F2C-BB46-C05E3C96ABD1}" destId="{E80B88A0-8754-43D6-BD5A-92859EA93178}" srcOrd="0" destOrd="0" presId="urn:microsoft.com/office/officeart/2005/8/layout/vList5"/>
   </dgm:cxnLst>
   <dgm:bg/>
   <dgm:whole/>
@@ -3363,6 +4209,100 @@
 </dsp:drawing>
 </file>
 
+<file path=ppt/diagrams/drawing3.xml><?xml version="1.0" encoding="utf-8"?>
+<dsp:drawing xmlns:dgm="http://schemas.openxmlformats.org/drawingml/2006/diagram" xmlns:a="http://schemas.openxmlformats.org/drawingml/2006/main" xmlns:dsp="http://schemas.microsoft.com/office/drawing/2008/diagram">
+  <dsp:spTree>
+    <dsp:nvGrpSpPr>
+      <dsp:cNvPr id="0" name=""/>
+      <dsp:cNvGrpSpPr/>
+    </dsp:nvGrpSpPr>
+    <dsp:grpSpPr/>
+    <dsp:sp modelId="{E80B88A0-8754-43D6-BD5A-92859EA93178}">
+      <dsp:nvSpPr>
+        <dsp:cNvPr id="0" name=""/>
+        <dsp:cNvSpPr/>
+      </dsp:nvSpPr>
+      <dsp:spPr>
+        <a:xfrm>
+          <a:off x="2609087" y="0"/>
+          <a:ext cx="2935224" cy="4495800"/>
+        </a:xfrm>
+        <a:prstGeom prst="roundRect">
+          <a:avLst/>
+        </a:prstGeom>
+        <a:solidFill>
+          <a:schemeClr val="accent1">
+            <a:hueOff val="0"/>
+            <a:satOff val="0"/>
+            <a:lumOff val="0"/>
+            <a:alphaOff val="0"/>
+          </a:schemeClr>
+        </a:solidFill>
+        <a:ln>
+          <a:noFill/>
+        </a:ln>
+        <a:effectLst/>
+        <a:scene3d>
+          <a:camera prst="orthographicFront"/>
+          <a:lightRig rig="chilly" dir="t"/>
+        </a:scene3d>
+        <a:sp3d prstMaterial="translucentPowder">
+          <a:bevelT w="127000" h="25400" prst="softRound"/>
+        </a:sp3d>
+      </dsp:spPr>
+      <dsp:style>
+        <a:lnRef idx="0">
+          <a:scrgbClr r="0" g="0" b="0"/>
+        </a:lnRef>
+        <a:fillRef idx="1">
+          <a:scrgbClr r="0" g="0" b="0"/>
+        </a:fillRef>
+        <a:effectRef idx="0">
+          <a:scrgbClr r="0" g="0" b="0"/>
+        </a:effectRef>
+        <a:fontRef idx="minor">
+          <a:schemeClr val="lt1"/>
+        </a:fontRef>
+      </dsp:style>
+      <dsp:txBody>
+        <a:bodyPr spcFirstLastPara="0" vert="horz" wrap="square" lIns="99060" tIns="49530" rIns="99060" bIns="49530" numCol="1" spcCol="1270" anchor="ctr" anchorCtr="0">
+          <a:noAutofit/>
+        </a:bodyPr>
+        <a:lstStyle/>
+        <a:p>
+          <a:pPr lvl="0" algn="ctr" defTabSz="1155700" rtl="0">
+            <a:lnSpc>
+              <a:spcPct val="90000"/>
+            </a:lnSpc>
+            <a:spcBef>
+              <a:spcPct val="0"/>
+            </a:spcBef>
+            <a:spcAft>
+              <a:spcPct val="35000"/>
+            </a:spcAft>
+          </a:pPr>
+          <a:r>
+            <a:rPr lang="de-DE" sz="2600" kern="1200" dirty="0" smtClean="0"/>
+            <a:t>Vielen Dank für Ihre Aufmerksamkeit </a:t>
+          </a:r>
+          <a:r>
+            <a:rPr lang="de-DE" sz="2600" kern="1200" dirty="0" smtClean="0">
+              <a:sym typeface="Wingdings"/>
+            </a:rPr>
+            <a:t></a:t>
+          </a:r>
+          <a:endParaRPr lang="de-DE" sz="2600" kern="1200" dirty="0"/>
+        </a:p>
+      </dsp:txBody>
+      <dsp:txXfrm>
+        <a:off x="2609087" y="0"/>
+        <a:ext cx="2935224" cy="4495800"/>
+      </dsp:txXfrm>
+    </dsp:sp>
+  </dsp:spTree>
+</dsp:drawing>
+</file>
+
 <file path=ppt/diagrams/layout1.xml><?xml version="1.0" encoding="utf-8"?>
 <dgm:layoutDef xmlns:dgm="http://schemas.openxmlformats.org/drawingml/2006/diagram" xmlns:a="http://schemas.openxmlformats.org/drawingml/2006/main" uniqueId="urn:microsoft.com/office/officeart/2005/8/layout/vList2">
   <dgm:title val=""/>
@@ -3697,6 +4637,239 @@
 </dgm:layoutDef>
 </file>
 
+<file path=ppt/diagrams/layout3.xml><?xml version="1.0" encoding="utf-8"?>
+<dgm:layoutDef xmlns:dgm="http://schemas.openxmlformats.org/drawingml/2006/diagram" xmlns:a="http://schemas.openxmlformats.org/drawingml/2006/main" uniqueId="urn:microsoft.com/office/officeart/2005/8/layout/vList5">
+  <dgm:title val=""/>
+  <dgm:desc val=""/>
+  <dgm:catLst>
+    <dgm:cat type="list" pri="15000"/>
+    <dgm:cat type="convert" pri="2000"/>
+  </dgm:catLst>
+  <dgm:sampData>
+    <dgm:dataModel>
+      <dgm:ptLst>
+        <dgm:pt modelId="0" type="doc"/>
+        <dgm:pt modelId="1">
+          <dgm:prSet phldr="1"/>
+        </dgm:pt>
+        <dgm:pt modelId="11">
+          <dgm:prSet phldr="1"/>
+        </dgm:pt>
+        <dgm:pt modelId="12">
+          <dgm:prSet phldr="1"/>
+        </dgm:pt>
+        <dgm:pt modelId="2">
+          <dgm:prSet phldr="1"/>
+        </dgm:pt>
+        <dgm:pt modelId="21">
+          <dgm:prSet phldr="1"/>
+        </dgm:pt>
+        <dgm:pt modelId="22">
+          <dgm:prSet phldr="1"/>
+        </dgm:pt>
+        <dgm:pt modelId="3">
+          <dgm:prSet phldr="1"/>
+        </dgm:pt>
+        <dgm:pt modelId="31">
+          <dgm:prSet phldr="1"/>
+        </dgm:pt>
+        <dgm:pt modelId="32">
+          <dgm:prSet phldr="1"/>
+        </dgm:pt>
+      </dgm:ptLst>
+      <dgm:cxnLst>
+        <dgm:cxn modelId="4" srcId="0" destId="1" srcOrd="0" destOrd="0"/>
+        <dgm:cxn modelId="5" srcId="0" destId="2" srcOrd="1" destOrd="0"/>
+        <dgm:cxn modelId="6" srcId="0" destId="3" srcOrd="2" destOrd="0"/>
+        <dgm:cxn modelId="13" srcId="1" destId="11" srcOrd="0" destOrd="0"/>
+        <dgm:cxn modelId="14" srcId="1" destId="12" srcOrd="1" destOrd="0"/>
+        <dgm:cxn modelId="23" srcId="2" destId="21" srcOrd="0" destOrd="0"/>
+        <dgm:cxn modelId="24" srcId="2" destId="22" srcOrd="1" destOrd="0"/>
+        <dgm:cxn modelId="33" srcId="3" destId="31" srcOrd="0" destOrd="0"/>
+        <dgm:cxn modelId="34" srcId="3" destId="32" srcOrd="1" destOrd="0"/>
+      </dgm:cxnLst>
+      <dgm:bg/>
+      <dgm:whole/>
+    </dgm:dataModel>
+  </dgm:sampData>
+  <dgm:styleData>
+    <dgm:dataModel>
+      <dgm:ptLst>
+        <dgm:pt modelId="0" type="doc"/>
+        <dgm:pt modelId="1"/>
+        <dgm:pt modelId="11"/>
+        <dgm:pt modelId="2"/>
+        <dgm:pt modelId="21"/>
+      </dgm:ptLst>
+      <dgm:cxnLst>
+        <dgm:cxn modelId="4" srcId="0" destId="1" srcOrd="0" destOrd="0"/>
+        <dgm:cxn modelId="5" srcId="0" destId="2" srcOrd="1" destOrd="0"/>
+        <dgm:cxn modelId="13" srcId="1" destId="11" srcOrd="0" destOrd="0"/>
+        <dgm:cxn modelId="23" srcId="2" destId="21" srcOrd="0" destOrd="0"/>
+      </dgm:cxnLst>
+      <dgm:bg/>
+      <dgm:whole/>
+    </dgm:dataModel>
+  </dgm:styleData>
+  <dgm:clrData>
+    <dgm:dataModel>
+      <dgm:ptLst>
+        <dgm:pt modelId="0" type="doc"/>
+        <dgm:pt modelId="1"/>
+        <dgm:pt modelId="11"/>
+        <dgm:pt modelId="2"/>
+        <dgm:pt modelId="21"/>
+        <dgm:pt modelId="3"/>
+        <dgm:pt modelId="31"/>
+        <dgm:pt modelId="4"/>
+        <dgm:pt modelId="41"/>
+      </dgm:ptLst>
+      <dgm:cxnLst>
+        <dgm:cxn modelId="5" srcId="0" destId="1" srcOrd="0" destOrd="0"/>
+        <dgm:cxn modelId="6" srcId="0" destId="2" srcOrd="1" destOrd="0"/>
+        <dgm:cxn modelId="7" srcId="0" destId="3" srcOrd="2" destOrd="0"/>
+        <dgm:cxn modelId="8" srcId="0" destId="4" srcOrd="3" destOrd="0"/>
+        <dgm:cxn modelId="13" srcId="1" destId="11" srcOrd="0" destOrd="0"/>
+        <dgm:cxn modelId="23" srcId="2" destId="21" srcOrd="0" destOrd="0"/>
+        <dgm:cxn modelId="33" srcId="3" destId="31" srcOrd="0" destOrd="0"/>
+        <dgm:cxn modelId="43" srcId="4" destId="41" srcOrd="0" destOrd="0"/>
+      </dgm:cxnLst>
+      <dgm:bg/>
+      <dgm:whole/>
+    </dgm:dataModel>
+  </dgm:clrData>
+  <dgm:layoutNode name="Name0">
+    <dgm:varLst>
+      <dgm:dir/>
+      <dgm:animLvl val="lvl"/>
+      <dgm:resizeHandles val="exact"/>
+    </dgm:varLst>
+    <dgm:choose name="Name1">
+      <dgm:if name="Name2" func="var" arg="dir" op="equ" val="norm">
+        <dgm:alg type="lin">
+          <dgm:param type="linDir" val="fromT"/>
+          <dgm:param type="nodeHorzAlign" val="l"/>
+        </dgm:alg>
+      </dgm:if>
+      <dgm:else name="Name3">
+        <dgm:alg type="lin">
+          <dgm:param type="linDir" val="fromT"/>
+          <dgm:param type="nodeHorzAlign" val="r"/>
+        </dgm:alg>
+      </dgm:else>
+    </dgm:choose>
+    <dgm:shape xmlns:r="http://schemas.openxmlformats.org/officeDocument/2006/relationships" r:blip="">
+      <dgm:adjLst/>
+    </dgm:shape>
+    <dgm:presOf/>
+    <dgm:constrLst>
+      <dgm:constr type="h" for="ch" forName="linNode" refType="h"/>
+      <dgm:constr type="w" for="ch" forName="linNode" refType="w"/>
+      <dgm:constr type="h" for="ch" forName="sp" refType="h" fact="0.05"/>
+      <dgm:constr type="primFontSz" for="des" forName="parentText" op="equ" val="65"/>
+      <dgm:constr type="secFontSz" for="des" forName="descendantText" op="equ"/>
+    </dgm:constrLst>
+    <dgm:ruleLst/>
+    <dgm:forEach name="Name4" axis="ch" ptType="node">
+      <dgm:layoutNode name="linNode">
+        <dgm:choose name="Name5">
+          <dgm:if name="Name6" func="var" arg="dir" op="equ" val="norm">
+            <dgm:alg type="lin">
+              <dgm:param type="linDir" val="fromL"/>
+            </dgm:alg>
+          </dgm:if>
+          <dgm:else name="Name7">
+            <dgm:alg type="lin">
+              <dgm:param type="linDir" val="fromR"/>
+            </dgm:alg>
+          </dgm:else>
+        </dgm:choose>
+        <dgm:shape xmlns:r="http://schemas.openxmlformats.org/officeDocument/2006/relationships" r:blip="">
+          <dgm:adjLst/>
+        </dgm:shape>
+        <dgm:presOf/>
+        <dgm:constrLst>
+          <dgm:constr type="w" for="ch" forName="parentText" refType="w" fact="0.36"/>
+          <dgm:constr type="w" for="ch" forName="descendantText" refType="w" fact="0.64"/>
+          <dgm:constr type="h" for="ch" forName="parentText" refType="h"/>
+          <dgm:constr type="h" for="ch" forName="descendantText" refType="h" refFor="ch" refForName="parentText" fact="0.8"/>
+        </dgm:constrLst>
+        <dgm:ruleLst/>
+        <dgm:layoutNode name="parentText">
+          <dgm:varLst>
+            <dgm:chMax val="1"/>
+            <dgm:bulletEnabled val="1"/>
+          </dgm:varLst>
+          <dgm:alg type="tx"/>
+          <dgm:shape xmlns:r="http://schemas.openxmlformats.org/officeDocument/2006/relationships" type="roundRect" r:blip="" zOrderOff="3">
+            <dgm:adjLst/>
+          </dgm:shape>
+          <dgm:presOf axis="self" ptType="node"/>
+          <dgm:constrLst>
+            <dgm:constr type="tMarg" refType="primFontSz" fact="0.15"/>
+            <dgm:constr type="bMarg" refType="primFontSz" fact="0.15"/>
+            <dgm:constr type="lMarg" refType="primFontSz" fact="0.3"/>
+            <dgm:constr type="rMarg" refType="primFontSz" fact="0.3"/>
+          </dgm:constrLst>
+          <dgm:ruleLst>
+            <dgm:rule type="primFontSz" val="5" fact="NaN" max="NaN"/>
+          </dgm:ruleLst>
+        </dgm:layoutNode>
+        <dgm:choose name="Name8">
+          <dgm:if name="Name9" axis="ch" ptType="node" func="cnt" op="gte" val="1">
+            <dgm:layoutNode name="descendantText" styleLbl="alignAccFollowNode1">
+              <dgm:varLst>
+                <dgm:bulletEnabled val="1"/>
+              </dgm:varLst>
+              <dgm:alg type="tx">
+                <dgm:param type="stBulletLvl" val="1"/>
+                <dgm:param type="txAnchorVertCh" val="mid"/>
+              </dgm:alg>
+              <dgm:choose name="Name10">
+                <dgm:if name="Name11" func="var" arg="dir" op="equ" val="norm">
+                  <dgm:shape xmlns:r="http://schemas.openxmlformats.org/officeDocument/2006/relationships" rot="90" type="round2SameRect" r:blip="">
+                    <dgm:adjLst/>
+                  </dgm:shape>
+                </dgm:if>
+                <dgm:else name="Name12">
+                  <dgm:shape xmlns:r="http://schemas.openxmlformats.org/officeDocument/2006/relationships" rot="-90" type="round2SameRect" r:blip="">
+                    <dgm:adjLst/>
+                  </dgm:shape>
+                </dgm:else>
+              </dgm:choose>
+              <dgm:presOf axis="des" ptType="node"/>
+              <dgm:constrLst>
+                <dgm:constr type="secFontSz" val="65"/>
+                <dgm:constr type="primFontSz" refType="secFontSz"/>
+                <dgm:constr type="lMarg" refType="secFontSz" fact="0.3"/>
+                <dgm:constr type="rMarg" refType="secFontSz" fact="0.3"/>
+                <dgm:constr type="tMarg" refType="secFontSz" fact="0.15"/>
+                <dgm:constr type="bMarg" refType="secFontSz" fact="0.15"/>
+              </dgm:constrLst>
+              <dgm:ruleLst>
+                <dgm:rule type="secFontSz" val="5" fact="NaN" max="NaN"/>
+              </dgm:ruleLst>
+            </dgm:layoutNode>
+          </dgm:if>
+          <dgm:else name="Name13"/>
+        </dgm:choose>
+      </dgm:layoutNode>
+      <dgm:forEach name="Name14" axis="followSib" ptType="sibTrans" cnt="1">
+        <dgm:layoutNode name="sp">
+          <dgm:alg type="sp"/>
+          <dgm:shape xmlns:r="http://schemas.openxmlformats.org/officeDocument/2006/relationships" r:blip="">
+            <dgm:adjLst/>
+          </dgm:shape>
+          <dgm:presOf/>
+          <dgm:constrLst/>
+          <dgm:ruleLst/>
+        </dgm:layoutNode>
+      </dgm:forEach>
+    </dgm:forEach>
+  </dgm:layoutNode>
+</dgm:layoutDef>
+</file>
+
 <file path=ppt/diagrams/quickStyle1.xml><?xml version="1.0" encoding="utf-8"?>
 <dgm:styleDef xmlns:dgm="http://schemas.openxmlformats.org/drawingml/2006/diagram" xmlns:a="http://schemas.openxmlformats.org/drawingml/2006/main" uniqueId="urn:microsoft.com/office/officeart/2005/8/quickstyle/simple1">
   <dgm:title val=""/>
@@ -5731,6 +6904,1117 @@
     <dgm:txPr/>
     <dgm:style>
       <a:lnRef idx="2">
+        <a:scrgbClr r="0" g="0" b="0"/>
+      </a:lnRef>
+      <a:fillRef idx="1">
+        <a:scrgbClr r="0" g="0" b="0"/>
+      </a:fillRef>
+      <a:effectRef idx="0">
+        <a:scrgbClr r="0" g="0" b="0"/>
+      </a:effectRef>
+      <a:fontRef idx="minor"/>
+    </dgm:style>
+  </dgm:styleLbl>
+  <dgm:styleLbl name="revTx">
+    <dgm:scene3d>
+      <a:camera prst="orthographicFront"/>
+      <a:lightRig rig="threePt" dir="t"/>
+    </dgm:scene3d>
+    <dgm:sp3d/>
+    <dgm:txPr/>
+    <dgm:style>
+      <a:lnRef idx="0">
+        <a:scrgbClr r="0" g="0" b="0"/>
+      </a:lnRef>
+      <a:fillRef idx="0">
+        <a:scrgbClr r="0" g="0" b="0"/>
+      </a:fillRef>
+      <a:effectRef idx="0">
+        <a:scrgbClr r="0" g="0" b="0"/>
+      </a:effectRef>
+      <a:fontRef idx="minor"/>
+    </dgm:style>
+  </dgm:styleLbl>
+</dgm:styleDef>
+</file>
+
+<file path=ppt/diagrams/quickStyle3.xml><?xml version="1.0" encoding="utf-8"?>
+<dgm:styleDef xmlns:dgm="http://schemas.openxmlformats.org/drawingml/2006/diagram" xmlns:a="http://schemas.openxmlformats.org/drawingml/2006/main" uniqueId="urn:microsoft.com/office/officeart/2005/8/quickstyle/3d4">
+  <dgm:title val=""/>
+  <dgm:desc val=""/>
+  <dgm:catLst>
+    <dgm:cat type="3D" pri="11400"/>
+  </dgm:catLst>
+  <dgm:scene3d>
+    <a:camera prst="orthographicFront"/>
+    <a:lightRig rig="threePt" dir="t"/>
+  </dgm:scene3d>
+  <dgm:styleLbl name="node0">
+    <dgm:scene3d>
+      <a:camera prst="orthographicFront"/>
+      <a:lightRig rig="chilly" dir="t"/>
+    </dgm:scene3d>
+    <dgm:sp3d prstMaterial="translucentPowder">
+      <a:bevelT w="127000" h="25400" prst="softRound"/>
+    </dgm:sp3d>
+    <dgm:txPr/>
+    <dgm:style>
+      <a:lnRef idx="0">
+        <a:scrgbClr r="0" g="0" b="0"/>
+      </a:lnRef>
+      <a:fillRef idx="1">
+        <a:scrgbClr r="0" g="0" b="0"/>
+      </a:fillRef>
+      <a:effectRef idx="0">
+        <a:scrgbClr r="0" g="0" b="0"/>
+      </a:effectRef>
+      <a:fontRef idx="minor">
+        <a:schemeClr val="lt1"/>
+      </a:fontRef>
+    </dgm:style>
+  </dgm:styleLbl>
+  <dgm:styleLbl name="lnNode1">
+    <dgm:scene3d>
+      <a:camera prst="orthographicFront"/>
+      <a:lightRig rig="chilly" dir="t"/>
+    </dgm:scene3d>
+    <dgm:sp3d prstMaterial="translucentPowder">
+      <a:bevelT w="127000" h="25400" prst="softRound"/>
+    </dgm:sp3d>
+    <dgm:txPr/>
+    <dgm:style>
+      <a:lnRef idx="0">
+        <a:scrgbClr r="0" g="0" b="0"/>
+      </a:lnRef>
+      <a:fillRef idx="1">
+        <a:scrgbClr r="0" g="0" b="0"/>
+      </a:fillRef>
+      <a:effectRef idx="0">
+        <a:scrgbClr r="0" g="0" b="0"/>
+      </a:effectRef>
+      <a:fontRef idx="minor">
+        <a:schemeClr val="lt1"/>
+      </a:fontRef>
+    </dgm:style>
+  </dgm:styleLbl>
+  <dgm:styleLbl name="vennNode1">
+    <dgm:scene3d>
+      <a:camera prst="orthographicFront"/>
+      <a:lightRig rig="chilly" dir="t"/>
+    </dgm:scene3d>
+    <dgm:sp3d prstMaterial="translucentPowder">
+      <a:bevelT w="127000" h="25400" prst="softRound"/>
+    </dgm:sp3d>
+    <dgm:txPr/>
+    <dgm:style>
+      <a:lnRef idx="0">
+        <a:scrgbClr r="0" g="0" b="0"/>
+      </a:lnRef>
+      <a:fillRef idx="1">
+        <a:scrgbClr r="0" g="0" b="0"/>
+      </a:fillRef>
+      <a:effectRef idx="0">
+        <a:scrgbClr r="0" g="0" b="0"/>
+      </a:effectRef>
+      <a:fontRef idx="minor">
+        <a:schemeClr val="tx1"/>
+      </a:fontRef>
+    </dgm:style>
+  </dgm:styleLbl>
+  <dgm:styleLbl name="alignNode1">
+    <dgm:scene3d>
+      <a:camera prst="orthographicFront"/>
+      <a:lightRig rig="chilly" dir="t"/>
+    </dgm:scene3d>
+    <dgm:sp3d prstMaterial="translucentPowder">
+      <a:bevelT w="127000" h="25400" prst="softRound"/>
+    </dgm:sp3d>
+    <dgm:txPr/>
+    <dgm:style>
+      <a:lnRef idx="1">
+        <a:scrgbClr r="0" g="0" b="0"/>
+      </a:lnRef>
+      <a:fillRef idx="1">
+        <a:scrgbClr r="0" g="0" b="0"/>
+      </a:fillRef>
+      <a:effectRef idx="0">
+        <a:scrgbClr r="0" g="0" b="0"/>
+      </a:effectRef>
+      <a:fontRef idx="minor">
+        <a:schemeClr val="lt1"/>
+      </a:fontRef>
+    </dgm:style>
+  </dgm:styleLbl>
+  <dgm:styleLbl name="node1">
+    <dgm:scene3d>
+      <a:camera prst="orthographicFront"/>
+      <a:lightRig rig="chilly" dir="t"/>
+    </dgm:scene3d>
+    <dgm:sp3d prstMaterial="translucentPowder">
+      <a:bevelT w="127000" h="25400" prst="softRound"/>
+    </dgm:sp3d>
+    <dgm:txPr/>
+    <dgm:style>
+      <a:lnRef idx="0">
+        <a:scrgbClr r="0" g="0" b="0"/>
+      </a:lnRef>
+      <a:fillRef idx="1">
+        <a:scrgbClr r="0" g="0" b="0"/>
+      </a:fillRef>
+      <a:effectRef idx="0">
+        <a:scrgbClr r="0" g="0" b="0"/>
+      </a:effectRef>
+      <a:fontRef idx="minor">
+        <a:schemeClr val="lt1"/>
+      </a:fontRef>
+    </dgm:style>
+  </dgm:styleLbl>
+  <dgm:styleLbl name="node2">
+    <dgm:scene3d>
+      <a:camera prst="orthographicFront"/>
+      <a:lightRig rig="chilly" dir="t"/>
+    </dgm:scene3d>
+    <dgm:sp3d prstMaterial="translucentPowder">
+      <a:bevelT w="127000" h="25400" prst="softRound"/>
+    </dgm:sp3d>
+    <dgm:txPr/>
+    <dgm:style>
+      <a:lnRef idx="0">
+        <a:scrgbClr r="0" g="0" b="0"/>
+      </a:lnRef>
+      <a:fillRef idx="1">
+        <a:scrgbClr r="0" g="0" b="0"/>
+      </a:fillRef>
+      <a:effectRef idx="0">
+        <a:scrgbClr r="0" g="0" b="0"/>
+      </a:effectRef>
+      <a:fontRef idx="minor">
+        <a:schemeClr val="lt1"/>
+      </a:fontRef>
+    </dgm:style>
+  </dgm:styleLbl>
+  <dgm:styleLbl name="node3">
+    <dgm:scene3d>
+      <a:camera prst="orthographicFront"/>
+      <a:lightRig rig="chilly" dir="t"/>
+    </dgm:scene3d>
+    <dgm:sp3d prstMaterial="translucentPowder">
+      <a:bevelT w="127000" h="25400" prst="softRound"/>
+    </dgm:sp3d>
+    <dgm:txPr/>
+    <dgm:style>
+      <a:lnRef idx="0">
+        <a:scrgbClr r="0" g="0" b="0"/>
+      </a:lnRef>
+      <a:fillRef idx="1">
+        <a:scrgbClr r="0" g="0" b="0"/>
+      </a:fillRef>
+      <a:effectRef idx="0">
+        <a:scrgbClr r="0" g="0" b="0"/>
+      </a:effectRef>
+      <a:fontRef idx="minor">
+        <a:schemeClr val="lt1"/>
+      </a:fontRef>
+    </dgm:style>
+  </dgm:styleLbl>
+  <dgm:styleLbl name="node4">
+    <dgm:scene3d>
+      <a:camera prst="orthographicFront"/>
+      <a:lightRig rig="chilly" dir="t"/>
+    </dgm:scene3d>
+    <dgm:sp3d prstMaterial="translucentPowder">
+      <a:bevelT w="127000" h="25400" prst="softRound"/>
+    </dgm:sp3d>
+    <dgm:txPr/>
+    <dgm:style>
+      <a:lnRef idx="0">
+        <a:scrgbClr r="0" g="0" b="0"/>
+      </a:lnRef>
+      <a:fillRef idx="1">
+        <a:scrgbClr r="0" g="0" b="0"/>
+      </a:fillRef>
+      <a:effectRef idx="0">
+        <a:scrgbClr r="0" g="0" b="0"/>
+      </a:effectRef>
+      <a:fontRef idx="minor">
+        <a:schemeClr val="lt1"/>
+      </a:fontRef>
+    </dgm:style>
+  </dgm:styleLbl>
+  <dgm:styleLbl name="fgImgPlace1">
+    <dgm:scene3d>
+      <a:camera prst="orthographicFront"/>
+      <a:lightRig rig="chilly" dir="t"/>
+    </dgm:scene3d>
+    <dgm:sp3d z="12700" extrusionH="12700" prstMaterial="translucentPowder">
+      <a:bevelT w="25400" h="6350" prst="softRound"/>
+      <a:bevelB w="0" h="0" prst="convex"/>
+    </dgm:sp3d>
+    <dgm:txPr/>
+    <dgm:style>
+      <a:lnRef idx="0">
+        <a:scrgbClr r="0" g="0" b="0"/>
+      </a:lnRef>
+      <a:fillRef idx="1">
+        <a:scrgbClr r="0" g="0" b="0"/>
+      </a:fillRef>
+      <a:effectRef idx="0">
+        <a:scrgbClr r="0" g="0" b="0"/>
+      </a:effectRef>
+      <a:fontRef idx="minor"/>
+    </dgm:style>
+  </dgm:styleLbl>
+  <dgm:styleLbl name="alignImgPlace1">
+    <dgm:scene3d>
+      <a:camera prst="orthographicFront"/>
+      <a:lightRig rig="chilly" dir="t"/>
+    </dgm:scene3d>
+    <dgm:sp3d prstMaterial="translucentPowder">
+      <a:bevelT w="127000" h="25400" prst="softRound"/>
+    </dgm:sp3d>
+    <dgm:txPr/>
+    <dgm:style>
+      <a:lnRef idx="0">
+        <a:scrgbClr r="0" g="0" b="0"/>
+      </a:lnRef>
+      <a:fillRef idx="1">
+        <a:scrgbClr r="0" g="0" b="0"/>
+      </a:fillRef>
+      <a:effectRef idx="0">
+        <a:scrgbClr r="0" g="0" b="0"/>
+      </a:effectRef>
+      <a:fontRef idx="minor">
+        <a:schemeClr val="lt1"/>
+      </a:fontRef>
+    </dgm:style>
+  </dgm:styleLbl>
+  <dgm:styleLbl name="bgImgPlace1">
+    <dgm:scene3d>
+      <a:camera prst="orthographicFront"/>
+      <a:lightRig rig="chilly" dir="t"/>
+    </dgm:scene3d>
+    <dgm:sp3d z="-25700" extrusionH="63500" contourW="12700" prstMaterial="matte">
+      <a:contourClr>
+        <a:schemeClr val="lt1"/>
+      </a:contourClr>
+    </dgm:sp3d>
+    <dgm:txPr/>
+    <dgm:style>
+      <a:lnRef idx="0">
+        <a:scrgbClr r="0" g="0" b="0"/>
+      </a:lnRef>
+      <a:fillRef idx="1">
+        <a:scrgbClr r="0" g="0" b="0"/>
+      </a:fillRef>
+      <a:effectRef idx="0">
+        <a:scrgbClr r="0" g="0" b="0"/>
+      </a:effectRef>
+      <a:fontRef idx="minor"/>
+    </dgm:style>
+  </dgm:styleLbl>
+  <dgm:styleLbl name="sibTrans2D1">
+    <dgm:scene3d>
+      <a:camera prst="orthographicFront"/>
+      <a:lightRig rig="chilly" dir="t"/>
+    </dgm:scene3d>
+    <dgm:sp3d z="-70000" extrusionH="1700" prstMaterial="translucentPowder">
+      <a:bevelT w="25400" h="6350" prst="softRound"/>
+      <a:bevelB w="0" h="0" prst="convex"/>
+    </dgm:sp3d>
+    <dgm:txPr/>
+    <dgm:style>
+      <a:lnRef idx="0">
+        <a:scrgbClr r="0" g="0" b="0"/>
+      </a:lnRef>
+      <a:fillRef idx="1">
+        <a:scrgbClr r="0" g="0" b="0"/>
+      </a:fillRef>
+      <a:effectRef idx="0">
+        <a:scrgbClr r="0" g="0" b="0"/>
+      </a:effectRef>
+      <a:fontRef idx="minor">
+        <a:schemeClr val="lt1"/>
+      </a:fontRef>
+    </dgm:style>
+  </dgm:styleLbl>
+  <dgm:styleLbl name="fgSibTrans2D1">
+    <dgm:scene3d>
+      <a:camera prst="orthographicFront"/>
+      <a:lightRig rig="chilly" dir="t"/>
+    </dgm:scene3d>
+    <dgm:sp3d z="12700" extrusionH="1700" prstMaterial="translucentPowder">
+      <a:bevelT w="25400" h="6350" prst="softRound"/>
+      <a:bevelB w="0" h="0" prst="convex"/>
+    </dgm:sp3d>
+    <dgm:txPr/>
+    <dgm:style>
+      <a:lnRef idx="0">
+        <a:scrgbClr r="0" g="0" b="0"/>
+      </a:lnRef>
+      <a:fillRef idx="1">
+        <a:scrgbClr r="0" g="0" b="0"/>
+      </a:fillRef>
+      <a:effectRef idx="0">
+        <a:scrgbClr r="0" g="0" b="0"/>
+      </a:effectRef>
+      <a:fontRef idx="minor"/>
+    </dgm:style>
+  </dgm:styleLbl>
+  <dgm:styleLbl name="bgSibTrans2D1">
+    <dgm:scene3d>
+      <a:camera prst="orthographicFront"/>
+      <a:lightRig rig="chilly" dir="t"/>
+    </dgm:scene3d>
+    <dgm:sp3d z="-25700" extrusionH="1700" prstMaterial="translucentPowder">
+      <a:bevelT w="25400" h="6350" prst="softRound"/>
+      <a:bevelB w="0" h="0" prst="convex"/>
+    </dgm:sp3d>
+    <dgm:txPr/>
+    <dgm:style>
+      <a:lnRef idx="0">
+        <a:scrgbClr r="0" g="0" b="0"/>
+      </a:lnRef>
+      <a:fillRef idx="1">
+        <a:scrgbClr r="0" g="0" b="0"/>
+      </a:fillRef>
+      <a:effectRef idx="0">
+        <a:scrgbClr r="0" g="0" b="0"/>
+      </a:effectRef>
+      <a:fontRef idx="minor"/>
+    </dgm:style>
+  </dgm:styleLbl>
+  <dgm:styleLbl name="sibTrans1D1">
+    <dgm:scene3d>
+      <a:camera prst="orthographicFront"/>
+      <a:lightRig rig="chilly" dir="t"/>
+    </dgm:scene3d>
+    <dgm:sp3d z="-40000" prstMaterial="matte"/>
+    <dgm:txPr/>
+    <dgm:style>
+      <a:lnRef idx="1">
+        <a:scrgbClr r="0" g="0" b="0"/>
+      </a:lnRef>
+      <a:fillRef idx="0">
+        <a:scrgbClr r="0" g="0" b="0"/>
+      </a:fillRef>
+      <a:effectRef idx="0">
+        <a:scrgbClr r="0" g="0" b="0"/>
+      </a:effectRef>
+      <a:fontRef idx="minor"/>
+    </dgm:style>
+  </dgm:styleLbl>
+  <dgm:styleLbl name="callout">
+    <dgm:scene3d>
+      <a:camera prst="orthographicFront"/>
+      <a:lightRig rig="chilly" dir="t"/>
+    </dgm:scene3d>
+    <dgm:sp3d z="127000" prstMaterial="matte"/>
+    <dgm:txPr/>
+    <dgm:style>
+      <a:lnRef idx="2">
+        <a:scrgbClr r="0" g="0" b="0"/>
+      </a:lnRef>
+      <a:fillRef idx="1">
+        <a:scrgbClr r="0" g="0" b="0"/>
+      </a:fillRef>
+      <a:effectRef idx="0">
+        <a:scrgbClr r="0" g="0" b="0"/>
+      </a:effectRef>
+      <a:fontRef idx="minor"/>
+    </dgm:style>
+  </dgm:styleLbl>
+  <dgm:styleLbl name="asst0">
+    <dgm:scene3d>
+      <a:camera prst="orthographicFront"/>
+      <a:lightRig rig="chilly" dir="t"/>
+    </dgm:scene3d>
+    <dgm:sp3d prstMaterial="translucentPowder">
+      <a:bevelT w="127000" h="25400" prst="softRound"/>
+    </dgm:sp3d>
+    <dgm:txPr/>
+    <dgm:style>
+      <a:lnRef idx="0">
+        <a:scrgbClr r="0" g="0" b="0"/>
+      </a:lnRef>
+      <a:fillRef idx="1">
+        <a:scrgbClr r="0" g="0" b="0"/>
+      </a:fillRef>
+      <a:effectRef idx="0">
+        <a:scrgbClr r="0" g="0" b="0"/>
+      </a:effectRef>
+      <a:fontRef idx="minor">
+        <a:schemeClr val="lt1"/>
+      </a:fontRef>
+    </dgm:style>
+  </dgm:styleLbl>
+  <dgm:styleLbl name="asst1">
+    <dgm:scene3d>
+      <a:camera prst="orthographicFront"/>
+      <a:lightRig rig="chilly" dir="t"/>
+    </dgm:scene3d>
+    <dgm:sp3d prstMaterial="translucentPowder">
+      <a:bevelT w="127000" h="25400" prst="softRound"/>
+    </dgm:sp3d>
+    <dgm:txPr/>
+    <dgm:style>
+      <a:lnRef idx="0">
+        <a:scrgbClr r="0" g="0" b="0"/>
+      </a:lnRef>
+      <a:fillRef idx="1">
+        <a:scrgbClr r="0" g="0" b="0"/>
+      </a:fillRef>
+      <a:effectRef idx="0">
+        <a:scrgbClr r="0" g="0" b="0"/>
+      </a:effectRef>
+      <a:fontRef idx="minor">
+        <a:schemeClr val="lt1"/>
+      </a:fontRef>
+    </dgm:style>
+  </dgm:styleLbl>
+  <dgm:styleLbl name="asst2">
+    <dgm:scene3d>
+      <a:camera prst="orthographicFront"/>
+      <a:lightRig rig="chilly" dir="t"/>
+    </dgm:scene3d>
+    <dgm:sp3d prstMaterial="translucentPowder">
+      <a:bevelT w="127000" h="25400" prst="softRound"/>
+    </dgm:sp3d>
+    <dgm:txPr/>
+    <dgm:style>
+      <a:lnRef idx="0">
+        <a:scrgbClr r="0" g="0" b="0"/>
+      </a:lnRef>
+      <a:fillRef idx="1">
+        <a:scrgbClr r="0" g="0" b="0"/>
+      </a:fillRef>
+      <a:effectRef idx="0">
+        <a:scrgbClr r="0" g="0" b="0"/>
+      </a:effectRef>
+      <a:fontRef idx="minor">
+        <a:schemeClr val="lt1"/>
+      </a:fontRef>
+    </dgm:style>
+  </dgm:styleLbl>
+  <dgm:styleLbl name="asst3">
+    <dgm:scene3d>
+      <a:camera prst="orthographicFront"/>
+      <a:lightRig rig="chilly" dir="t"/>
+    </dgm:scene3d>
+    <dgm:sp3d prstMaterial="translucentPowder">
+      <a:bevelT w="127000" h="25400" prst="softRound"/>
+    </dgm:sp3d>
+    <dgm:txPr/>
+    <dgm:style>
+      <a:lnRef idx="0">
+        <a:scrgbClr r="0" g="0" b="0"/>
+      </a:lnRef>
+      <a:fillRef idx="1">
+        <a:scrgbClr r="0" g="0" b="0"/>
+      </a:fillRef>
+      <a:effectRef idx="0">
+        <a:scrgbClr r="0" g="0" b="0"/>
+      </a:effectRef>
+      <a:fontRef idx="minor">
+        <a:schemeClr val="lt1"/>
+      </a:fontRef>
+    </dgm:style>
+  </dgm:styleLbl>
+  <dgm:styleLbl name="parChTrans2D1">
+    <dgm:scene3d>
+      <a:camera prst="orthographicFront"/>
+      <a:lightRig rig="chilly" dir="t"/>
+    </dgm:scene3d>
+    <dgm:sp3d z="1700" extrusionH="1700" prstMaterial="translucentPowder">
+      <a:bevelT w="25400" h="6350" prst="softRound"/>
+      <a:bevelB w="0" h="0" prst="convex"/>
+    </dgm:sp3d>
+    <dgm:txPr/>
+    <dgm:style>
+      <a:lnRef idx="0">
+        <a:scrgbClr r="0" g="0" b="0"/>
+      </a:lnRef>
+      <a:fillRef idx="1">
+        <a:scrgbClr r="0" g="0" b="0"/>
+      </a:fillRef>
+      <a:effectRef idx="0">
+        <a:scrgbClr r="0" g="0" b="0"/>
+      </a:effectRef>
+      <a:fontRef idx="minor"/>
+    </dgm:style>
+  </dgm:styleLbl>
+  <dgm:styleLbl name="parChTrans2D2">
+    <dgm:scene3d>
+      <a:camera prst="orthographicFront"/>
+      <a:lightRig rig="chilly" dir="t"/>
+    </dgm:scene3d>
+    <dgm:sp3d z="1700" extrusionH="1700" prstMaterial="translucentPowder">
+      <a:bevelT w="25400" h="6350" prst="softRound"/>
+      <a:bevelB w="0" h="0" prst="convex"/>
+    </dgm:sp3d>
+    <dgm:txPr/>
+    <dgm:style>
+      <a:lnRef idx="0">
+        <a:scrgbClr r="0" g="0" b="0"/>
+      </a:lnRef>
+      <a:fillRef idx="1">
+        <a:scrgbClr r="0" g="0" b="0"/>
+      </a:fillRef>
+      <a:effectRef idx="0">
+        <a:scrgbClr r="0" g="0" b="0"/>
+      </a:effectRef>
+      <a:fontRef idx="minor"/>
+    </dgm:style>
+  </dgm:styleLbl>
+  <dgm:styleLbl name="parChTrans2D3">
+    <dgm:scene3d>
+      <a:camera prst="orthographicFront"/>
+      <a:lightRig rig="chilly" dir="t"/>
+    </dgm:scene3d>
+    <dgm:sp3d extrusionH="1700" prstMaterial="translucentPowder">
+      <a:bevelT w="25400" h="6350" prst="softRound"/>
+      <a:bevelB w="0" h="0" prst="convex"/>
+    </dgm:sp3d>
+    <dgm:txPr/>
+    <dgm:style>
+      <a:lnRef idx="0">
+        <a:scrgbClr r="0" g="0" b="0"/>
+      </a:lnRef>
+      <a:fillRef idx="1">
+        <a:scrgbClr r="0" g="0" b="0"/>
+      </a:fillRef>
+      <a:effectRef idx="0">
+        <a:scrgbClr r="0" g="0" b="0"/>
+      </a:effectRef>
+      <a:fontRef idx="minor"/>
+    </dgm:style>
+  </dgm:styleLbl>
+  <dgm:styleLbl name="parChTrans2D4">
+    <dgm:scene3d>
+      <a:camera prst="orthographicFront"/>
+      <a:lightRig rig="chilly" dir="t"/>
+    </dgm:scene3d>
+    <dgm:sp3d extrusionH="1700" prstMaterial="translucentPowder">
+      <a:bevelT w="25400" h="6350" prst="softRound"/>
+      <a:bevelB w="0" h="0" prst="convex"/>
+    </dgm:sp3d>
+    <dgm:txPr/>
+    <dgm:style>
+      <a:lnRef idx="0">
+        <a:scrgbClr r="0" g="0" b="0"/>
+      </a:lnRef>
+      <a:fillRef idx="1">
+        <a:scrgbClr r="0" g="0" b="0"/>
+      </a:fillRef>
+      <a:effectRef idx="0">
+        <a:scrgbClr r="0" g="0" b="0"/>
+      </a:effectRef>
+      <a:fontRef idx="minor"/>
+    </dgm:style>
+  </dgm:styleLbl>
+  <dgm:styleLbl name="parChTrans1D1">
+    <dgm:scene3d>
+      <a:camera prst="orthographicFront"/>
+      <a:lightRig rig="chilly" dir="t"/>
+    </dgm:scene3d>
+    <dgm:sp3d z="-40000" prstMaterial="matte"/>
+    <dgm:txPr/>
+    <dgm:style>
+      <a:lnRef idx="2">
+        <a:scrgbClr r="0" g="0" b="0"/>
+      </a:lnRef>
+      <a:fillRef idx="0">
+        <a:scrgbClr r="0" g="0" b="0"/>
+      </a:fillRef>
+      <a:effectRef idx="0">
+        <a:scrgbClr r="0" g="0" b="0"/>
+      </a:effectRef>
+      <a:fontRef idx="minor"/>
+    </dgm:style>
+  </dgm:styleLbl>
+  <dgm:styleLbl name="parChTrans1D2">
+    <dgm:scene3d>
+      <a:camera prst="orthographicFront"/>
+      <a:lightRig rig="threePt" dir="t"/>
+    </dgm:scene3d>
+    <dgm:sp3d z="-40000" prstMaterial="matte"/>
+    <dgm:txPr/>
+    <dgm:style>
+      <a:lnRef idx="2">
+        <a:scrgbClr r="0" g="0" b="0"/>
+      </a:lnRef>
+      <a:fillRef idx="0">
+        <a:scrgbClr r="0" g="0" b="0"/>
+      </a:fillRef>
+      <a:effectRef idx="0">
+        <a:scrgbClr r="0" g="0" b="0"/>
+      </a:effectRef>
+      <a:fontRef idx="minor"/>
+    </dgm:style>
+  </dgm:styleLbl>
+  <dgm:styleLbl name="parChTrans1D3">
+    <dgm:scene3d>
+      <a:camera prst="orthographicFront"/>
+      <a:lightRig rig="chilly" dir="t"/>
+    </dgm:scene3d>
+    <dgm:sp3d z="-40000" prstMaterial="matte"/>
+    <dgm:txPr/>
+    <dgm:style>
+      <a:lnRef idx="2">
+        <a:scrgbClr r="0" g="0" b="0"/>
+      </a:lnRef>
+      <a:fillRef idx="0">
+        <a:scrgbClr r="0" g="0" b="0"/>
+      </a:fillRef>
+      <a:effectRef idx="0">
+        <a:scrgbClr r="0" g="0" b="0"/>
+      </a:effectRef>
+      <a:fontRef idx="minor"/>
+    </dgm:style>
+  </dgm:styleLbl>
+  <dgm:styleLbl name="parChTrans1D4">
+    <dgm:scene3d>
+      <a:camera prst="orthographicFront"/>
+      <a:lightRig rig="chilly" dir="t"/>
+    </dgm:scene3d>
+    <dgm:sp3d z="-40000" prstMaterial="matte"/>
+    <dgm:txPr/>
+    <dgm:style>
+      <a:lnRef idx="2">
+        <a:scrgbClr r="0" g="0" b="0"/>
+      </a:lnRef>
+      <a:fillRef idx="0">
+        <a:scrgbClr r="0" g="0" b="0"/>
+      </a:fillRef>
+      <a:effectRef idx="0">
+        <a:scrgbClr r="0" g="0" b="0"/>
+      </a:effectRef>
+      <a:fontRef idx="minor"/>
+    </dgm:style>
+  </dgm:styleLbl>
+  <dgm:styleLbl name="fgAcc1">
+    <dgm:scene3d>
+      <a:camera prst="orthographicFront"/>
+      <a:lightRig rig="chilly" dir="t"/>
+    </dgm:scene3d>
+    <dgm:sp3d z="12700" extrusionH="1700" prstMaterial="dkEdge">
+      <a:bevelT w="25400" h="6350" prst="softRound"/>
+      <a:bevelB w="0" h="0" prst="convex"/>
+    </dgm:sp3d>
+    <dgm:txPr/>
+    <dgm:style>
+      <a:lnRef idx="1">
+        <a:scrgbClr r="0" g="0" b="0"/>
+      </a:lnRef>
+      <a:fillRef idx="1">
+        <a:scrgbClr r="0" g="0" b="0"/>
+      </a:fillRef>
+      <a:effectRef idx="0">
+        <a:scrgbClr r="0" g="0" b="0"/>
+      </a:effectRef>
+      <a:fontRef idx="minor"/>
+    </dgm:style>
+  </dgm:styleLbl>
+  <dgm:styleLbl name="conFgAcc1">
+    <dgm:scene3d>
+      <a:camera prst="orthographicFront"/>
+      <a:lightRig rig="chilly" dir="t"/>
+    </dgm:scene3d>
+    <dgm:sp3d z="12700" extrusionH="1700" prstMaterial="dkEdge">
+      <a:bevelT w="25400" h="6350" prst="softRound"/>
+      <a:bevelB w="0" h="0" prst="convex"/>
+    </dgm:sp3d>
+    <dgm:txPr/>
+    <dgm:style>
+      <a:lnRef idx="1">
+        <a:scrgbClr r="0" g="0" b="0"/>
+      </a:lnRef>
+      <a:fillRef idx="1">
+        <a:scrgbClr r="0" g="0" b="0"/>
+      </a:fillRef>
+      <a:effectRef idx="0">
+        <a:scrgbClr r="0" g="0" b="0"/>
+      </a:effectRef>
+      <a:fontRef idx="minor"/>
+    </dgm:style>
+  </dgm:styleLbl>
+  <dgm:styleLbl name="alignAcc1">
+    <dgm:scene3d>
+      <a:camera prst="orthographicFront"/>
+      <a:lightRig rig="chilly" dir="t"/>
+    </dgm:scene3d>
+    <dgm:sp3d prstMaterial="dkEdge">
+      <a:bevelT w="25400" h="6350" prst="softRound"/>
+      <a:bevelB w="0" h="0" prst="convex"/>
+    </dgm:sp3d>
+    <dgm:txPr/>
+    <dgm:style>
+      <a:lnRef idx="1">
+        <a:scrgbClr r="0" g="0" b="0"/>
+      </a:lnRef>
+      <a:fillRef idx="1">
+        <a:scrgbClr r="0" g="0" b="0"/>
+      </a:fillRef>
+      <a:effectRef idx="0">
+        <a:scrgbClr r="0" g="0" b="0"/>
+      </a:effectRef>
+      <a:fontRef idx="minor"/>
+    </dgm:style>
+  </dgm:styleLbl>
+  <dgm:styleLbl name="trAlignAcc1">
+    <dgm:scene3d>
+      <a:camera prst="orthographicFront"/>
+      <a:lightRig rig="chilly" dir="t"/>
+    </dgm:scene3d>
+    <dgm:sp3d prstMaterial="dkEdge">
+      <a:bevelT w="127000" h="25400"/>
+    </dgm:sp3d>
+    <dgm:txPr/>
+    <dgm:style>
+      <a:lnRef idx="1">
+        <a:scrgbClr r="0" g="0" b="0"/>
+      </a:lnRef>
+      <a:fillRef idx="1">
+        <a:scrgbClr r="0" g="0" b="0"/>
+      </a:fillRef>
+      <a:effectRef idx="0">
+        <a:scrgbClr r="0" g="0" b="0"/>
+      </a:effectRef>
+      <a:fontRef idx="minor">
+        <a:schemeClr val="lt1"/>
+      </a:fontRef>
+    </dgm:style>
+  </dgm:styleLbl>
+  <dgm:styleLbl name="bgAcc1">
+    <dgm:scene3d>
+      <a:camera prst="orthographicFront"/>
+      <a:lightRig rig="chilly" dir="t"/>
+    </dgm:scene3d>
+    <dgm:sp3d z="-12700" extrusionH="1700" prstMaterial="dkEdge">
+      <a:bevelT w="25400" h="6350" prst="softRound"/>
+      <a:bevelB w="0" h="0" prst="convex"/>
+    </dgm:sp3d>
+    <dgm:txPr/>
+    <dgm:style>
+      <a:lnRef idx="1">
+        <a:scrgbClr r="0" g="0" b="0"/>
+      </a:lnRef>
+      <a:fillRef idx="1">
+        <a:scrgbClr r="0" g="0" b="0"/>
+      </a:fillRef>
+      <a:effectRef idx="0">
+        <a:scrgbClr r="0" g="0" b="0"/>
+      </a:effectRef>
+      <a:fontRef idx="minor"/>
+    </dgm:style>
+  </dgm:styleLbl>
+  <dgm:styleLbl name="solidFgAcc1">
+    <dgm:scene3d>
+      <a:camera prst="orthographicFront"/>
+      <a:lightRig rig="chilly" dir="t"/>
+    </dgm:scene3d>
+    <dgm:sp3d z="12700" extrusionH="1700" prstMaterial="dkEdge">
+      <a:bevelT w="25400" h="6350" prst="softRound"/>
+      <a:bevelB w="0" h="0" prst="convex"/>
+    </dgm:sp3d>
+    <dgm:txPr/>
+    <dgm:style>
+      <a:lnRef idx="1">
+        <a:scrgbClr r="0" g="0" b="0"/>
+      </a:lnRef>
+      <a:fillRef idx="1">
+        <a:scrgbClr r="0" g="0" b="0"/>
+      </a:fillRef>
+      <a:effectRef idx="0">
+        <a:scrgbClr r="0" g="0" b="0"/>
+      </a:effectRef>
+      <a:fontRef idx="minor"/>
+    </dgm:style>
+  </dgm:styleLbl>
+  <dgm:styleLbl name="solidAlignAcc1">
+    <dgm:scene3d>
+      <a:camera prst="orthographicFront"/>
+      <a:lightRig rig="chilly" dir="t"/>
+    </dgm:scene3d>
+    <dgm:sp3d extrusionH="1700" prstMaterial="dkEdge">
+      <a:bevelT w="25400" h="6350" prst="softRound"/>
+      <a:bevelB w="0" h="0" prst="convex"/>
+    </dgm:sp3d>
+    <dgm:txPr/>
+    <dgm:style>
+      <a:lnRef idx="1">
+        <a:scrgbClr r="0" g="0" b="0"/>
+      </a:lnRef>
+      <a:fillRef idx="1">
+        <a:scrgbClr r="0" g="0" b="0"/>
+      </a:fillRef>
+      <a:effectRef idx="0">
+        <a:scrgbClr r="0" g="0" b="0"/>
+      </a:effectRef>
+      <a:fontRef idx="minor"/>
+    </dgm:style>
+  </dgm:styleLbl>
+  <dgm:styleLbl name="solidBgAcc1">
+    <dgm:scene3d>
+      <a:camera prst="orthographicFront"/>
+      <a:lightRig rig="chilly" dir="t"/>
+    </dgm:scene3d>
+    <dgm:sp3d z="-12700" extrusionH="1700" prstMaterial="dkEdge">
+      <a:bevelT w="25400" h="6350" prst="softRound"/>
+      <a:bevelB w="0" h="0" prst="convex"/>
+    </dgm:sp3d>
+    <dgm:txPr/>
+    <dgm:style>
+      <a:lnRef idx="1">
+        <a:scrgbClr r="0" g="0" b="0"/>
+      </a:lnRef>
+      <a:fillRef idx="1">
+        <a:scrgbClr r="0" g="0" b="0"/>
+      </a:fillRef>
+      <a:effectRef idx="0">
+        <a:scrgbClr r="0" g="0" b="0"/>
+      </a:effectRef>
+      <a:fontRef idx="minor"/>
+    </dgm:style>
+  </dgm:styleLbl>
+  <dgm:styleLbl name="fgAccFollowNode1">
+    <dgm:scene3d>
+      <a:camera prst="orthographicFront"/>
+      <a:lightRig rig="chilly" dir="t"/>
+    </dgm:scene3d>
+    <dgm:sp3d z="12700" extrusionH="1700" prstMaterial="dkEdge">
+      <a:bevelT w="25400" h="6350" prst="softRound"/>
+      <a:bevelB w="0" h="0" prst="convex"/>
+    </dgm:sp3d>
+    <dgm:txPr/>
+    <dgm:style>
+      <a:lnRef idx="1">
+        <a:scrgbClr r="0" g="0" b="0"/>
+      </a:lnRef>
+      <a:fillRef idx="1">
+        <a:scrgbClr r="0" g="0" b="0"/>
+      </a:fillRef>
+      <a:effectRef idx="0">
+        <a:scrgbClr r="0" g="0" b="0"/>
+      </a:effectRef>
+      <a:fontRef idx="minor"/>
+    </dgm:style>
+  </dgm:styleLbl>
+  <dgm:styleLbl name="alignAccFollowNode1">
+    <dgm:scene3d>
+      <a:camera prst="orthographicFront"/>
+      <a:lightRig rig="chilly" dir="t"/>
+    </dgm:scene3d>
+    <dgm:sp3d extrusionH="1700" prstMaterial="dkEdge">
+      <a:bevelT w="25400" h="6350" prst="softRound"/>
+      <a:bevelB w="0" h="0" prst="convex"/>
+    </dgm:sp3d>
+    <dgm:txPr/>
+    <dgm:style>
+      <a:lnRef idx="1">
+        <a:scrgbClr r="0" g="0" b="0"/>
+      </a:lnRef>
+      <a:fillRef idx="1">
+        <a:scrgbClr r="0" g="0" b="0"/>
+      </a:fillRef>
+      <a:effectRef idx="0">
+        <a:scrgbClr r="0" g="0" b="0"/>
+      </a:effectRef>
+      <a:fontRef idx="minor"/>
+    </dgm:style>
+  </dgm:styleLbl>
+  <dgm:styleLbl name="bgAccFollowNode1">
+    <dgm:scene3d>
+      <a:camera prst="orthographicFront"/>
+      <a:lightRig rig="chilly" dir="t"/>
+    </dgm:scene3d>
+    <dgm:sp3d z="-12700" extrusionH="1700" prstMaterial="dkEdge">
+      <a:bevelT w="25400" h="6350" prst="softRound"/>
+      <a:bevelB w="0" h="0" prst="convex"/>
+    </dgm:sp3d>
+    <dgm:txPr/>
+    <dgm:style>
+      <a:lnRef idx="1">
+        <a:scrgbClr r="0" g="0" b="0"/>
+      </a:lnRef>
+      <a:fillRef idx="1">
+        <a:scrgbClr r="0" g="0" b="0"/>
+      </a:fillRef>
+      <a:effectRef idx="0">
+        <a:scrgbClr r="0" g="0" b="0"/>
+      </a:effectRef>
+      <a:fontRef idx="minor"/>
+    </dgm:style>
+  </dgm:styleLbl>
+  <dgm:styleLbl name="fgAcc0">
+    <dgm:scene3d>
+      <a:camera prst="orthographicFront"/>
+      <a:lightRig rig="chilly" dir="t"/>
+    </dgm:scene3d>
+    <dgm:sp3d z="12700" extrusionH="1700" prstMaterial="dkEdge">
+      <a:bevelT w="25400" h="6350" prst="softRound"/>
+      <a:bevelB w="0" h="0" prst="convex"/>
+    </dgm:sp3d>
+    <dgm:txPr/>
+    <dgm:style>
+      <a:lnRef idx="1">
+        <a:scrgbClr r="0" g="0" b="0"/>
+      </a:lnRef>
+      <a:fillRef idx="1">
+        <a:scrgbClr r="0" g="0" b="0"/>
+      </a:fillRef>
+      <a:effectRef idx="0">
+        <a:scrgbClr r="0" g="0" b="0"/>
+      </a:effectRef>
+      <a:fontRef idx="minor"/>
+    </dgm:style>
+  </dgm:styleLbl>
+  <dgm:styleLbl name="fgAcc2">
+    <dgm:scene3d>
+      <a:camera prst="orthographicFront"/>
+      <a:lightRig rig="chilly" dir="t"/>
+    </dgm:scene3d>
+    <dgm:sp3d z="12700" extrusionH="1700" prstMaterial="dkEdge">
+      <a:bevelT w="25400" h="6350" prst="softRound"/>
+      <a:bevelB w="0" h="0" prst="convex"/>
+    </dgm:sp3d>
+    <dgm:txPr/>
+    <dgm:style>
+      <a:lnRef idx="1">
+        <a:scrgbClr r="0" g="0" b="0"/>
+      </a:lnRef>
+      <a:fillRef idx="1">
+        <a:scrgbClr r="0" g="0" b="0"/>
+      </a:fillRef>
+      <a:effectRef idx="0">
+        <a:scrgbClr r="0" g="0" b="0"/>
+      </a:effectRef>
+      <a:fontRef idx="minor"/>
+    </dgm:style>
+  </dgm:styleLbl>
+  <dgm:styleLbl name="fgAcc3">
+    <dgm:scene3d>
+      <a:camera prst="orthographicFront"/>
+      <a:lightRig rig="chilly" dir="t"/>
+    </dgm:scene3d>
+    <dgm:sp3d z="12700" extrusionH="1700" prstMaterial="dkEdge">
+      <a:bevelT w="25400" h="6350" prst="softRound"/>
+      <a:bevelB w="0" h="0" prst="convex"/>
+    </dgm:sp3d>
+    <dgm:txPr/>
+    <dgm:style>
+      <a:lnRef idx="1">
+        <a:scrgbClr r="0" g="0" b="0"/>
+      </a:lnRef>
+      <a:fillRef idx="1">
+        <a:scrgbClr r="0" g="0" b="0"/>
+      </a:fillRef>
+      <a:effectRef idx="0">
+        <a:scrgbClr r="0" g="0" b="0"/>
+      </a:effectRef>
+      <a:fontRef idx="minor"/>
+    </dgm:style>
+  </dgm:styleLbl>
+  <dgm:styleLbl name="fgAcc4">
+    <dgm:scene3d>
+      <a:camera prst="orthographicFront"/>
+      <a:lightRig rig="chilly" dir="t"/>
+    </dgm:scene3d>
+    <dgm:sp3d z="12700" extrusionH="1700" prstMaterial="dkEdge">
+      <a:bevelT w="25400" h="6350" prst="softRound"/>
+      <a:bevelB w="0" h="0" prst="convex"/>
+    </dgm:sp3d>
+    <dgm:txPr/>
+    <dgm:style>
+      <a:lnRef idx="1">
+        <a:scrgbClr r="0" g="0" b="0"/>
+      </a:lnRef>
+      <a:fillRef idx="1">
+        <a:scrgbClr r="0" g="0" b="0"/>
+      </a:fillRef>
+      <a:effectRef idx="0">
+        <a:scrgbClr r="0" g="0" b="0"/>
+      </a:effectRef>
+      <a:fontRef idx="minor"/>
+    </dgm:style>
+  </dgm:styleLbl>
+  <dgm:styleLbl name="bgShp">
+    <dgm:scene3d>
+      <a:camera prst="orthographicFront"/>
+      <a:lightRig rig="chilly" dir="t"/>
+    </dgm:scene3d>
+    <dgm:sp3d z="-12700" extrusionH="1700" prstMaterial="translucentPowder">
+      <a:bevelT w="25400" h="6350" prst="softRound"/>
+      <a:bevelB w="0" h="0" prst="convex"/>
+    </dgm:sp3d>
+    <dgm:txPr/>
+    <dgm:style>
+      <a:lnRef idx="0">
+        <a:scrgbClr r="0" g="0" b="0"/>
+      </a:lnRef>
+      <a:fillRef idx="1">
+        <a:scrgbClr r="0" g="0" b="0"/>
+      </a:fillRef>
+      <a:effectRef idx="0">
+        <a:scrgbClr r="0" g="0" b="0"/>
+      </a:effectRef>
+      <a:fontRef idx="minor"/>
+    </dgm:style>
+  </dgm:styleLbl>
+  <dgm:styleLbl name="dkBgShp">
+    <dgm:scene3d>
+      <a:camera prst="orthographicFront"/>
+      <a:lightRig rig="chilly" dir="t"/>
+    </dgm:scene3d>
+    <dgm:sp3d extrusionH="1700" prstMaterial="translucentPowder">
+      <a:bevelT w="25400" h="6350" prst="softRound"/>
+      <a:bevelB w="0" h="0" prst="convex"/>
+    </dgm:sp3d>
+    <dgm:txPr/>
+    <dgm:style>
+      <a:lnRef idx="0">
+        <a:scrgbClr r="0" g="0" b="0"/>
+      </a:lnRef>
+      <a:fillRef idx="1">
+        <a:scrgbClr r="0" g="0" b="0"/>
+      </a:fillRef>
+      <a:effectRef idx="0">
+        <a:scrgbClr r="0" g="0" b="0"/>
+      </a:effectRef>
+      <a:fontRef idx="minor"/>
+    </dgm:style>
+  </dgm:styleLbl>
+  <dgm:styleLbl name="trBgShp">
+    <dgm:scene3d>
+      <a:camera prst="orthographicFront"/>
+      <a:lightRig rig="chilly" dir="t"/>
+    </dgm:scene3d>
+    <dgm:sp3d z="-152400" prstMaterial="matte"/>
+    <dgm:txPr/>
+    <dgm:style>
+      <a:lnRef idx="0">
+        <a:scrgbClr r="0" g="0" b="0"/>
+      </a:lnRef>
+      <a:fillRef idx="1">
+        <a:scrgbClr r="0" g="0" b="0"/>
+      </a:fillRef>
+      <a:effectRef idx="0">
+        <a:scrgbClr r="0" g="0" b="0"/>
+      </a:effectRef>
+      <a:fontRef idx="minor"/>
+    </dgm:style>
+  </dgm:styleLbl>
+  <dgm:styleLbl name="fgShp">
+    <dgm:scene3d>
+      <a:camera prst="orthographicFront"/>
+      <a:lightRig rig="chilly" dir="t"/>
+    </dgm:scene3d>
+    <dgm:sp3d z="12700" extrusionH="1700" prstMaterial="translucentPowder">
+      <a:bevelT w="25400" h="6350" prst="softRound"/>
+      <a:bevelB w="0" h="0" prst="convex"/>
+    </dgm:sp3d>
+    <dgm:txPr/>
+    <dgm:style>
+      <a:lnRef idx="0">
         <a:scrgbClr r="0" g="0" b="0"/>
       </a:lnRef>
       <a:fillRef idx="1">
@@ -9839,8 +12123,8 @@
         </p:nvSpPr>
         <p:spPr>
           <a:xfrm>
-            <a:off x="2339752" y="2780928"/>
-            <a:ext cx="6705600" cy="3162821"/>
+            <a:off x="2555776" y="2780928"/>
+            <a:ext cx="6489576" cy="3162821"/>
           </a:xfrm>
         </p:spPr>
         <p:txBody>
@@ -9904,6 +12188,32 @@
           </a:p>
         </p:txBody>
       </p:sp>
+      <p:pic>
+        <p:nvPicPr>
+          <p:cNvPr id="7" name="Picture 2" descr="C:\Users\Jan\Downloads\mam_logo_400x49.png"/>
+          <p:cNvPicPr>
+            <a:picLocks noChangeAspect="1" noChangeArrowheads="1"/>
+          </p:cNvPicPr>
+          <p:nvPr/>
+        </p:nvPicPr>
+        <p:blipFill>
+          <a:blip r:embed="rId2" cstate="print"/>
+          <a:srcRect/>
+          <a:stretch>
+            <a:fillRect/>
+          </a:stretch>
+        </p:blipFill>
+        <p:spPr bwMode="auto">
+          <a:xfrm>
+            <a:off x="251520" y="6309320"/>
+            <a:ext cx="1716832" cy="210312"/>
+          </a:xfrm>
+          <a:prstGeom prst="rect">
+            <a:avLst/>
+          </a:prstGeom>
+          <a:noFill/>
+        </p:spPr>
+      </p:pic>
     </p:spTree>
   </p:cSld>
   <p:clrMapOvr>
@@ -10027,6 +12337,75 @@
           <a:noFill/>
         </p:spPr>
       </p:pic>
+      <p:pic>
+        <p:nvPicPr>
+          <p:cNvPr id="6" name="Picture 2" descr="C:\Users\Jan\Downloads\mam_logo_400x49.png"/>
+          <p:cNvPicPr>
+            <a:picLocks noChangeAspect="1" noChangeArrowheads="1"/>
+          </p:cNvPicPr>
+          <p:nvPr/>
+        </p:nvPicPr>
+        <p:blipFill>
+          <a:blip r:embed="rId4" cstate="print"/>
+          <a:srcRect/>
+          <a:stretch>
+            <a:fillRect/>
+          </a:stretch>
+        </p:blipFill>
+        <p:spPr bwMode="auto">
+          <a:xfrm>
+            <a:off x="7427168" y="6647688"/>
+            <a:ext cx="1716832" cy="210312"/>
+          </a:xfrm>
+          <a:prstGeom prst="rect">
+            <a:avLst/>
+          </a:prstGeom>
+          <a:noFill/>
+        </p:spPr>
+      </p:pic>
+      <p:sp>
+        <p:nvSpPr>
+          <p:cNvPr id="7" name="Textfeld 6"/>
+          <p:cNvSpPr txBox="1"/>
+          <p:nvPr/>
+        </p:nvSpPr>
+        <p:spPr>
+          <a:xfrm>
+            <a:off x="5220072" y="6597352"/>
+            <a:ext cx="2016224" cy="246221"/>
+          </a:xfrm>
+          <a:prstGeom prst="rect">
+            <a:avLst/>
+          </a:prstGeom>
+        </p:spPr>
+        <p:style>
+          <a:lnRef idx="2">
+            <a:schemeClr val="accent2"/>
+          </a:lnRef>
+          <a:fillRef idx="1">
+            <a:schemeClr val="lt1"/>
+          </a:fillRef>
+          <a:effectRef idx="0">
+            <a:schemeClr val="accent2"/>
+          </a:effectRef>
+          <a:fontRef idx="minor">
+            <a:schemeClr val="dk1"/>
+          </a:fontRef>
+        </p:style>
+        <p:txBody>
+          <a:bodyPr wrap="square" rtlCol="0">
+            <a:spAutoFit/>
+          </a:bodyPr>
+          <a:lstStyle/>
+          <a:p>
+            <a:r>
+              <a:rPr lang="de-DE" sz="1000" dirty="0" smtClean="0"/>
+              <a:t>Entwurf</a:t>
+            </a:r>
+            <a:endParaRPr lang="de-DE" sz="1000" dirty="0"/>
+          </a:p>
+        </p:txBody>
+      </p:sp>
     </p:spTree>
   </p:cSld>
   <p:clrMapOvr>
@@ -10150,6 +12529,75 @@
           <a:noFill/>
         </p:spPr>
       </p:pic>
+      <p:pic>
+        <p:nvPicPr>
+          <p:cNvPr id="6" name="Picture 2" descr="C:\Users\Jan\Downloads\mam_logo_400x49.png"/>
+          <p:cNvPicPr>
+            <a:picLocks noChangeAspect="1" noChangeArrowheads="1"/>
+          </p:cNvPicPr>
+          <p:nvPr/>
+        </p:nvPicPr>
+        <p:blipFill>
+          <a:blip r:embed="rId5" cstate="print"/>
+          <a:srcRect/>
+          <a:stretch>
+            <a:fillRect/>
+          </a:stretch>
+        </p:blipFill>
+        <p:spPr bwMode="auto">
+          <a:xfrm>
+            <a:off x="7427168" y="6647688"/>
+            <a:ext cx="1716832" cy="210312"/>
+          </a:xfrm>
+          <a:prstGeom prst="rect">
+            <a:avLst/>
+          </a:prstGeom>
+          <a:noFill/>
+        </p:spPr>
+      </p:pic>
+      <p:sp>
+        <p:nvSpPr>
+          <p:cNvPr id="7" name="Textfeld 6"/>
+          <p:cNvSpPr txBox="1"/>
+          <p:nvPr/>
+        </p:nvSpPr>
+        <p:spPr>
+          <a:xfrm>
+            <a:off x="5220072" y="6597352"/>
+            <a:ext cx="2016224" cy="246221"/>
+          </a:xfrm>
+          <a:prstGeom prst="rect">
+            <a:avLst/>
+          </a:prstGeom>
+        </p:spPr>
+        <p:style>
+          <a:lnRef idx="2">
+            <a:schemeClr val="accent2"/>
+          </a:lnRef>
+          <a:fillRef idx="1">
+            <a:schemeClr val="lt1"/>
+          </a:fillRef>
+          <a:effectRef idx="0">
+            <a:schemeClr val="accent2"/>
+          </a:effectRef>
+          <a:fontRef idx="minor">
+            <a:schemeClr val="dk1"/>
+          </a:fontRef>
+        </p:style>
+        <p:txBody>
+          <a:bodyPr wrap="square" rtlCol="0">
+            <a:spAutoFit/>
+          </a:bodyPr>
+          <a:lstStyle/>
+          <a:p>
+            <a:r>
+              <a:rPr lang="de-DE" sz="1000" dirty="0" smtClean="0"/>
+              <a:t>Entwurf</a:t>
+            </a:r>
+            <a:endParaRPr lang="de-DE" sz="1000" dirty="0"/>
+          </a:p>
+        </p:txBody>
+      </p:sp>
     </p:spTree>
   </p:cSld>
   <p:clrMapOvr>
@@ -10351,6 +12799,75 @@
           <a:noFill/>
         </p:spPr>
       </p:pic>
+      <p:pic>
+        <p:nvPicPr>
+          <p:cNvPr id="6" name="Picture 2" descr="C:\Users\Jan\Downloads\mam_logo_400x49.png"/>
+          <p:cNvPicPr>
+            <a:picLocks noChangeAspect="1" noChangeArrowheads="1"/>
+          </p:cNvPicPr>
+          <p:nvPr/>
+        </p:nvPicPr>
+        <p:blipFill>
+          <a:blip r:embed="rId3" cstate="print"/>
+          <a:srcRect/>
+          <a:stretch>
+            <a:fillRect/>
+          </a:stretch>
+        </p:blipFill>
+        <p:spPr bwMode="auto">
+          <a:xfrm>
+            <a:off x="7427168" y="6647688"/>
+            <a:ext cx="1716832" cy="210312"/>
+          </a:xfrm>
+          <a:prstGeom prst="rect">
+            <a:avLst/>
+          </a:prstGeom>
+          <a:noFill/>
+        </p:spPr>
+      </p:pic>
+      <p:sp>
+        <p:nvSpPr>
+          <p:cNvPr id="7" name="Textfeld 6"/>
+          <p:cNvSpPr txBox="1"/>
+          <p:nvPr/>
+        </p:nvSpPr>
+        <p:spPr>
+          <a:xfrm>
+            <a:off x="5220072" y="6597352"/>
+            <a:ext cx="2016224" cy="246221"/>
+          </a:xfrm>
+          <a:prstGeom prst="rect">
+            <a:avLst/>
+          </a:prstGeom>
+        </p:spPr>
+        <p:style>
+          <a:lnRef idx="2">
+            <a:schemeClr val="accent2"/>
+          </a:lnRef>
+          <a:fillRef idx="1">
+            <a:schemeClr val="lt1"/>
+          </a:fillRef>
+          <a:effectRef idx="0">
+            <a:schemeClr val="accent2"/>
+          </a:effectRef>
+          <a:fontRef idx="minor">
+            <a:schemeClr val="dk1"/>
+          </a:fontRef>
+        </p:style>
+        <p:txBody>
+          <a:bodyPr wrap="square" rtlCol="0">
+            <a:spAutoFit/>
+          </a:bodyPr>
+          <a:lstStyle/>
+          <a:p>
+            <a:r>
+              <a:rPr lang="de-DE" sz="1000" dirty="0" smtClean="0"/>
+              <a:t>Umsetzung</a:t>
+            </a:r>
+            <a:endParaRPr lang="de-DE" sz="1000" dirty="0"/>
+          </a:p>
+        </p:txBody>
+      </p:sp>
     </p:spTree>
   </p:cSld>
   <p:clrMapOvr>
@@ -10454,7 +12971,15 @@
           <a:p>
             <a:r>
               <a:rPr lang="de-DE" dirty="0" smtClean="0"/>
-              <a:t>Codereview durch freien Mitarbeiter</a:t>
+              <a:t>Codereview durch </a:t>
+            </a:r>
+            <a:r>
+              <a:rPr lang="de-DE" dirty="0" smtClean="0"/>
+              <a:t>erfahrenen </a:t>
+            </a:r>
+            <a:r>
+              <a:rPr lang="de-DE" dirty="0" smtClean="0"/>
+              <a:t>Dipl. Informatiker</a:t>
             </a:r>
             <a:endParaRPr lang="de-DE" dirty="0"/>
           </a:p>
@@ -10486,6 +13011,75 @@
           <a:noFill/>
         </p:spPr>
       </p:pic>
+      <p:pic>
+        <p:nvPicPr>
+          <p:cNvPr id="4098" name="Picture 2" descr="C:\Users\Jan\Downloads\mam_logo_400x49.png"/>
+          <p:cNvPicPr>
+            <a:picLocks noChangeAspect="1" noChangeArrowheads="1"/>
+          </p:cNvPicPr>
+          <p:nvPr/>
+        </p:nvPicPr>
+        <p:blipFill>
+          <a:blip r:embed="rId3" cstate="print"/>
+          <a:srcRect/>
+          <a:stretch>
+            <a:fillRect/>
+          </a:stretch>
+        </p:blipFill>
+        <p:spPr bwMode="auto">
+          <a:xfrm>
+            <a:off x="7427168" y="6647688"/>
+            <a:ext cx="1716832" cy="210312"/>
+          </a:xfrm>
+          <a:prstGeom prst="rect">
+            <a:avLst/>
+          </a:prstGeom>
+          <a:noFill/>
+        </p:spPr>
+      </p:pic>
+      <p:sp>
+        <p:nvSpPr>
+          <p:cNvPr id="10" name="Textfeld 9"/>
+          <p:cNvSpPr txBox="1"/>
+          <p:nvPr/>
+        </p:nvSpPr>
+        <p:spPr>
+          <a:xfrm>
+            <a:off x="5220072" y="6597352"/>
+            <a:ext cx="2016224" cy="246221"/>
+          </a:xfrm>
+          <a:prstGeom prst="rect">
+            <a:avLst/>
+          </a:prstGeom>
+        </p:spPr>
+        <p:style>
+          <a:lnRef idx="2">
+            <a:schemeClr val="accent2"/>
+          </a:lnRef>
+          <a:fillRef idx="1">
+            <a:schemeClr val="lt1"/>
+          </a:fillRef>
+          <a:effectRef idx="0">
+            <a:schemeClr val="accent2"/>
+          </a:effectRef>
+          <a:fontRef idx="minor">
+            <a:schemeClr val="dk1"/>
+          </a:fontRef>
+        </p:style>
+        <p:txBody>
+          <a:bodyPr wrap="square" rtlCol="0">
+            <a:spAutoFit/>
+          </a:bodyPr>
+          <a:lstStyle/>
+          <a:p>
+            <a:r>
+              <a:rPr lang="de-DE" sz="1000" dirty="0" smtClean="0"/>
+              <a:t>Umsetzung</a:t>
+            </a:r>
+            <a:endParaRPr lang="de-DE" sz="1000" dirty="0"/>
+          </a:p>
+        </p:txBody>
+      </p:sp>
     </p:spTree>
   </p:cSld>
   <p:clrMapOvr>
@@ -10654,6 +13248,75 @@
           <a:noFill/>
         </p:spPr>
       </p:pic>
+      <p:pic>
+        <p:nvPicPr>
+          <p:cNvPr id="6" name="Picture 2" descr="C:\Users\Jan\Downloads\mam_logo_400x49.png"/>
+          <p:cNvPicPr>
+            <a:picLocks noChangeAspect="1" noChangeArrowheads="1"/>
+          </p:cNvPicPr>
+          <p:nvPr/>
+        </p:nvPicPr>
+        <p:blipFill>
+          <a:blip r:embed="rId3" cstate="print"/>
+          <a:srcRect/>
+          <a:stretch>
+            <a:fillRect/>
+          </a:stretch>
+        </p:blipFill>
+        <p:spPr bwMode="auto">
+          <a:xfrm>
+            <a:off x="7427168" y="6647688"/>
+            <a:ext cx="1716832" cy="210312"/>
+          </a:xfrm>
+          <a:prstGeom prst="rect">
+            <a:avLst/>
+          </a:prstGeom>
+          <a:noFill/>
+        </p:spPr>
+      </p:pic>
+      <p:sp>
+        <p:nvSpPr>
+          <p:cNvPr id="7" name="Textfeld 6"/>
+          <p:cNvSpPr txBox="1"/>
+          <p:nvPr/>
+        </p:nvSpPr>
+        <p:spPr>
+          <a:xfrm>
+            <a:off x="5220072" y="6597352"/>
+            <a:ext cx="2016224" cy="246221"/>
+          </a:xfrm>
+          <a:prstGeom prst="rect">
+            <a:avLst/>
+          </a:prstGeom>
+        </p:spPr>
+        <p:style>
+          <a:lnRef idx="2">
+            <a:schemeClr val="accent2"/>
+          </a:lnRef>
+          <a:fillRef idx="1">
+            <a:schemeClr val="lt1"/>
+          </a:fillRef>
+          <a:effectRef idx="0">
+            <a:schemeClr val="accent2"/>
+          </a:effectRef>
+          <a:fontRef idx="minor">
+            <a:schemeClr val="dk1"/>
+          </a:fontRef>
+        </p:style>
+        <p:txBody>
+          <a:bodyPr wrap="square" rtlCol="0">
+            <a:spAutoFit/>
+          </a:bodyPr>
+          <a:lstStyle/>
+          <a:p>
+            <a:r>
+              <a:rPr lang="de-DE" sz="1000" dirty="0" smtClean="0"/>
+              <a:t>Umsetzung</a:t>
+            </a:r>
+            <a:endParaRPr lang="de-DE" sz="1000" dirty="0"/>
+          </a:p>
+        </p:txBody>
+      </p:sp>
     </p:spTree>
   </p:cSld>
   <p:clrMapOvr>
@@ -10872,6 +13535,75 @@
           <a:noFill/>
         </p:spPr>
       </p:pic>
+      <p:pic>
+        <p:nvPicPr>
+          <p:cNvPr id="11" name="Picture 2" descr="C:\Users\Jan\Downloads\mam_logo_400x49.png"/>
+          <p:cNvPicPr>
+            <a:picLocks noChangeAspect="1" noChangeArrowheads="1"/>
+          </p:cNvPicPr>
+          <p:nvPr/>
+        </p:nvPicPr>
+        <p:blipFill>
+          <a:blip r:embed="rId3" cstate="print"/>
+          <a:srcRect/>
+          <a:stretch>
+            <a:fillRect/>
+          </a:stretch>
+        </p:blipFill>
+        <p:spPr bwMode="auto">
+          <a:xfrm>
+            <a:off x="7427168" y="6647688"/>
+            <a:ext cx="1716832" cy="210312"/>
+          </a:xfrm>
+          <a:prstGeom prst="rect">
+            <a:avLst/>
+          </a:prstGeom>
+          <a:noFill/>
+        </p:spPr>
+      </p:pic>
+      <p:sp>
+        <p:nvSpPr>
+          <p:cNvPr id="12" name="Textfeld 11"/>
+          <p:cNvSpPr txBox="1"/>
+          <p:nvPr/>
+        </p:nvSpPr>
+        <p:spPr>
+          <a:xfrm>
+            <a:off x="5220072" y="6597352"/>
+            <a:ext cx="2016224" cy="246221"/>
+          </a:xfrm>
+          <a:prstGeom prst="rect">
+            <a:avLst/>
+          </a:prstGeom>
+        </p:spPr>
+        <p:style>
+          <a:lnRef idx="2">
+            <a:schemeClr val="accent2"/>
+          </a:lnRef>
+          <a:fillRef idx="1">
+            <a:schemeClr val="lt1"/>
+          </a:fillRef>
+          <a:effectRef idx="0">
+            <a:schemeClr val="accent2"/>
+          </a:effectRef>
+          <a:fontRef idx="minor">
+            <a:schemeClr val="dk1"/>
+          </a:fontRef>
+        </p:style>
+        <p:txBody>
+          <a:bodyPr wrap="square" rtlCol="0">
+            <a:spAutoFit/>
+          </a:bodyPr>
+          <a:lstStyle/>
+          <a:p>
+            <a:r>
+              <a:rPr lang="de-DE" sz="1000" dirty="0" smtClean="0"/>
+              <a:t>Nachbetrachtung</a:t>
+            </a:r>
+            <a:endParaRPr lang="de-DE" sz="1000" dirty="0"/>
+          </a:p>
+        </p:txBody>
+      </p:sp>
     </p:spTree>
   </p:cSld>
   <p:clrMapOvr>
@@ -11033,6 +13765,75 @@
           <a:noFill/>
         </p:spPr>
       </p:pic>
+      <p:pic>
+        <p:nvPicPr>
+          <p:cNvPr id="6" name="Picture 2" descr="C:\Users\Jan\Downloads\mam_logo_400x49.png"/>
+          <p:cNvPicPr>
+            <a:picLocks noChangeAspect="1" noChangeArrowheads="1"/>
+          </p:cNvPicPr>
+          <p:nvPr/>
+        </p:nvPicPr>
+        <p:blipFill>
+          <a:blip r:embed="rId3" cstate="print"/>
+          <a:srcRect/>
+          <a:stretch>
+            <a:fillRect/>
+          </a:stretch>
+        </p:blipFill>
+        <p:spPr bwMode="auto">
+          <a:xfrm>
+            <a:off x="7427168" y="6647688"/>
+            <a:ext cx="1716832" cy="210312"/>
+          </a:xfrm>
+          <a:prstGeom prst="rect">
+            <a:avLst/>
+          </a:prstGeom>
+          <a:noFill/>
+        </p:spPr>
+      </p:pic>
+      <p:sp>
+        <p:nvSpPr>
+          <p:cNvPr id="7" name="Textfeld 6"/>
+          <p:cNvSpPr txBox="1"/>
+          <p:nvPr/>
+        </p:nvSpPr>
+        <p:spPr>
+          <a:xfrm>
+            <a:off x="5220072" y="6597352"/>
+            <a:ext cx="2016224" cy="246221"/>
+          </a:xfrm>
+          <a:prstGeom prst="rect">
+            <a:avLst/>
+          </a:prstGeom>
+        </p:spPr>
+        <p:style>
+          <a:lnRef idx="2">
+            <a:schemeClr val="accent2"/>
+          </a:lnRef>
+          <a:fillRef idx="1">
+            <a:schemeClr val="lt1"/>
+          </a:fillRef>
+          <a:effectRef idx="0">
+            <a:schemeClr val="accent2"/>
+          </a:effectRef>
+          <a:fontRef idx="minor">
+            <a:schemeClr val="dk1"/>
+          </a:fontRef>
+        </p:style>
+        <p:txBody>
+          <a:bodyPr wrap="square" rtlCol="0">
+            <a:spAutoFit/>
+          </a:bodyPr>
+          <a:lstStyle/>
+          <a:p>
+            <a:r>
+              <a:rPr lang="de-DE" sz="1000" dirty="0" smtClean="0"/>
+              <a:t>Nachbetrachtung</a:t>
+            </a:r>
+            <a:endParaRPr lang="de-DE" sz="1000" dirty="0"/>
+          </a:p>
+        </p:txBody>
+      </p:sp>
     </p:spTree>
   </p:cSld>
   <p:clrMapOvr>
@@ -11107,35 +13908,52 @@
           </a:p>
         </p:txBody>
       </p:sp>
-      <p:sp>
-        <p:nvSpPr>
-          <p:cNvPr id="3" name="Inhaltsplatzhalter 2"/>
-          <p:cNvSpPr>
-            <a:spLocks noGrp="1"/>
-          </p:cNvSpPr>
+      <p:graphicFrame>
+        <p:nvGraphicFramePr>
+          <p:cNvPr id="5" name="Inhaltsplatzhalter 4"/>
+          <p:cNvGraphicFramePr>
+            <a:graphicFrameLocks noGrp="1"/>
+          </p:cNvGraphicFramePr>
           <p:nvPr>
             <p:ph sz="quarter" idx="1"/>
           </p:nvPr>
-        </p:nvSpPr>
-        <p:spPr/>
-        <p:txBody>
-          <a:bodyPr/>
-          <a:lstStyle/>
-          <a:p>
-            <a:r>
-              <a:rPr lang="de-DE" dirty="0" smtClean="0"/>
-              <a:t>Vielen Dank für Ihre Aufmerksamkeit </a:t>
-            </a:r>
-            <a:r>
-              <a:rPr lang="de-DE" dirty="0" smtClean="0">
-                <a:sym typeface="Wingdings" pitchFamily="2" charset="2"/>
-              </a:rPr>
-              <a:t></a:t>
-            </a:r>
-            <a:endParaRPr lang="de-DE" dirty="0"/>
-          </a:p>
-        </p:txBody>
-      </p:sp>
+        </p:nvGraphicFramePr>
+        <p:xfrm>
+          <a:off x="612648" y="1600200"/>
+          <a:ext cx="8153400" cy="4495800"/>
+        </p:xfrm>
+        <a:graphic>
+          <a:graphicData uri="http://schemas.openxmlformats.org/drawingml/2006/diagram">
+            <dgm:relIds xmlns:dgm="http://schemas.openxmlformats.org/drawingml/2006/diagram" xmlns:r="http://schemas.openxmlformats.org/officeDocument/2006/relationships" r:dm="rId2" r:lo="rId3" r:qs="rId4" r:cs="rId5"/>
+          </a:graphicData>
+        </a:graphic>
+      </p:graphicFrame>
+      <p:pic>
+        <p:nvPicPr>
+          <p:cNvPr id="6" name="Picture 2" descr="C:\Users\Jan\Downloads\mam_logo_400x49.png"/>
+          <p:cNvPicPr>
+            <a:picLocks noChangeAspect="1" noChangeArrowheads="1"/>
+          </p:cNvPicPr>
+          <p:nvPr/>
+        </p:nvPicPr>
+        <p:blipFill>
+          <a:blip r:embed="rId7" cstate="print"/>
+          <a:srcRect/>
+          <a:stretch>
+            <a:fillRect/>
+          </a:stretch>
+        </p:blipFill>
+        <p:spPr bwMode="auto">
+          <a:xfrm>
+            <a:off x="7427168" y="6647688"/>
+            <a:ext cx="1716832" cy="210312"/>
+          </a:xfrm>
+          <a:prstGeom prst="rect">
+            <a:avLst/>
+          </a:prstGeom>
+          <a:noFill/>
+        </p:spPr>
+      </p:pic>
     </p:spTree>
   </p:cSld>
   <p:clrMapOvr>
@@ -11256,6 +14074,32 @@
           <a:noFill/>
         </p:spPr>
       </p:pic>
+      <p:pic>
+        <p:nvPicPr>
+          <p:cNvPr id="6" name="Picture 2" descr="C:\Users\Jan\Downloads\mam_logo_400x49.png"/>
+          <p:cNvPicPr>
+            <a:picLocks noChangeAspect="1" noChangeArrowheads="1"/>
+          </p:cNvPicPr>
+          <p:nvPr/>
+        </p:nvPicPr>
+        <p:blipFill>
+          <a:blip r:embed="rId8" cstate="print"/>
+          <a:srcRect/>
+          <a:stretch>
+            <a:fillRect/>
+          </a:stretch>
+        </p:blipFill>
+        <p:spPr bwMode="auto">
+          <a:xfrm>
+            <a:off x="7427168" y="6647688"/>
+            <a:ext cx="1716832" cy="210312"/>
+          </a:xfrm>
+          <a:prstGeom prst="rect">
+            <a:avLst/>
+          </a:prstGeom>
+          <a:noFill/>
+        </p:spPr>
+      </p:pic>
     </p:spTree>
   </p:cSld>
   <p:clrMapOvr>
@@ -11429,6 +14273,75 @@
           <a:noFill/>
         </p:spPr>
       </p:pic>
+      <p:pic>
+        <p:nvPicPr>
+          <p:cNvPr id="7" name="Picture 2" descr="C:\Users\Jan\Downloads\mam_logo_400x49.png"/>
+          <p:cNvPicPr>
+            <a:picLocks noChangeAspect="1" noChangeArrowheads="1"/>
+          </p:cNvPicPr>
+          <p:nvPr/>
+        </p:nvPicPr>
+        <p:blipFill>
+          <a:blip r:embed="rId3" cstate="print"/>
+          <a:srcRect/>
+          <a:stretch>
+            <a:fillRect/>
+          </a:stretch>
+        </p:blipFill>
+        <p:spPr bwMode="auto">
+          <a:xfrm>
+            <a:off x="7427168" y="6647688"/>
+            <a:ext cx="1716832" cy="210312"/>
+          </a:xfrm>
+          <a:prstGeom prst="rect">
+            <a:avLst/>
+          </a:prstGeom>
+          <a:noFill/>
+        </p:spPr>
+      </p:pic>
+      <p:sp>
+        <p:nvSpPr>
+          <p:cNvPr id="8" name="Textfeld 7"/>
+          <p:cNvSpPr txBox="1"/>
+          <p:nvPr/>
+        </p:nvSpPr>
+        <p:spPr>
+          <a:xfrm>
+            <a:off x="5220072" y="6597352"/>
+            <a:ext cx="2016224" cy="246221"/>
+          </a:xfrm>
+          <a:prstGeom prst="rect">
+            <a:avLst/>
+          </a:prstGeom>
+        </p:spPr>
+        <p:style>
+          <a:lnRef idx="2">
+            <a:schemeClr val="accent2"/>
+          </a:lnRef>
+          <a:fillRef idx="1">
+            <a:schemeClr val="lt1"/>
+          </a:fillRef>
+          <a:effectRef idx="0">
+            <a:schemeClr val="accent2"/>
+          </a:effectRef>
+          <a:fontRef idx="minor">
+            <a:schemeClr val="dk1"/>
+          </a:fontRef>
+        </p:style>
+        <p:txBody>
+          <a:bodyPr wrap="square" rtlCol="0">
+            <a:spAutoFit/>
+          </a:bodyPr>
+          <a:lstStyle/>
+          <a:p>
+            <a:r>
+              <a:rPr lang="de-DE" sz="1000" dirty="0" smtClean="0"/>
+              <a:t>Einleitung</a:t>
+            </a:r>
+            <a:endParaRPr lang="de-DE" sz="1000" dirty="0"/>
+          </a:p>
+        </p:txBody>
+      </p:sp>
     </p:spTree>
   </p:cSld>
   <p:clrMapOvr>
@@ -11612,6 +14525,75 @@
           <a:noFill/>
         </p:spPr>
       </p:pic>
+      <p:pic>
+        <p:nvPicPr>
+          <p:cNvPr id="6" name="Picture 2" descr="C:\Users\Jan\Downloads\mam_logo_400x49.png"/>
+          <p:cNvPicPr>
+            <a:picLocks noChangeAspect="1" noChangeArrowheads="1"/>
+          </p:cNvPicPr>
+          <p:nvPr/>
+        </p:nvPicPr>
+        <p:blipFill>
+          <a:blip r:embed="rId3" cstate="print"/>
+          <a:srcRect/>
+          <a:stretch>
+            <a:fillRect/>
+          </a:stretch>
+        </p:blipFill>
+        <p:spPr bwMode="auto">
+          <a:xfrm>
+            <a:off x="7427168" y="6647688"/>
+            <a:ext cx="1716832" cy="210312"/>
+          </a:xfrm>
+          <a:prstGeom prst="rect">
+            <a:avLst/>
+          </a:prstGeom>
+          <a:noFill/>
+        </p:spPr>
+      </p:pic>
+      <p:sp>
+        <p:nvSpPr>
+          <p:cNvPr id="8" name="Textfeld 7"/>
+          <p:cNvSpPr txBox="1"/>
+          <p:nvPr/>
+        </p:nvSpPr>
+        <p:spPr>
+          <a:xfrm>
+            <a:off x="5220072" y="6597352"/>
+            <a:ext cx="2016224" cy="246221"/>
+          </a:xfrm>
+          <a:prstGeom prst="rect">
+            <a:avLst/>
+          </a:prstGeom>
+        </p:spPr>
+        <p:style>
+          <a:lnRef idx="2">
+            <a:schemeClr val="accent2"/>
+          </a:lnRef>
+          <a:fillRef idx="1">
+            <a:schemeClr val="lt1"/>
+          </a:fillRef>
+          <a:effectRef idx="0">
+            <a:schemeClr val="accent2"/>
+          </a:effectRef>
+          <a:fontRef idx="minor">
+            <a:schemeClr val="dk1"/>
+          </a:fontRef>
+        </p:style>
+        <p:txBody>
+          <a:bodyPr wrap="square" rtlCol="0">
+            <a:spAutoFit/>
+          </a:bodyPr>
+          <a:lstStyle/>
+          <a:p>
+            <a:r>
+              <a:rPr lang="de-DE" sz="1000" dirty="0" smtClean="0"/>
+              <a:t>Vorbereitung</a:t>
+            </a:r>
+            <a:endParaRPr lang="de-DE" sz="1000" dirty="0"/>
+          </a:p>
+        </p:txBody>
+      </p:sp>
     </p:spTree>
   </p:cSld>
   <p:clrMapOvr>
@@ -11735,6 +14717,75 @@
           <a:noFill/>
         </p:spPr>
       </p:pic>
+      <p:pic>
+        <p:nvPicPr>
+          <p:cNvPr id="7" name="Picture 2" descr="C:\Users\Jan\Downloads\mam_logo_400x49.png"/>
+          <p:cNvPicPr>
+            <a:picLocks noChangeAspect="1" noChangeArrowheads="1"/>
+          </p:cNvPicPr>
+          <p:nvPr/>
+        </p:nvPicPr>
+        <p:blipFill>
+          <a:blip r:embed="rId4" cstate="print"/>
+          <a:srcRect/>
+          <a:stretch>
+            <a:fillRect/>
+          </a:stretch>
+        </p:blipFill>
+        <p:spPr bwMode="auto">
+          <a:xfrm>
+            <a:off x="7427168" y="6647688"/>
+            <a:ext cx="1716832" cy="210312"/>
+          </a:xfrm>
+          <a:prstGeom prst="rect">
+            <a:avLst/>
+          </a:prstGeom>
+          <a:noFill/>
+        </p:spPr>
+      </p:pic>
+      <p:sp>
+        <p:nvSpPr>
+          <p:cNvPr id="9" name="Textfeld 8"/>
+          <p:cNvSpPr txBox="1"/>
+          <p:nvPr/>
+        </p:nvSpPr>
+        <p:spPr>
+          <a:xfrm>
+            <a:off x="5220072" y="6597352"/>
+            <a:ext cx="2016224" cy="246221"/>
+          </a:xfrm>
+          <a:prstGeom prst="rect">
+            <a:avLst/>
+          </a:prstGeom>
+        </p:spPr>
+        <p:style>
+          <a:lnRef idx="2">
+            <a:schemeClr val="accent2"/>
+          </a:lnRef>
+          <a:fillRef idx="1">
+            <a:schemeClr val="lt1"/>
+          </a:fillRef>
+          <a:effectRef idx="0">
+            <a:schemeClr val="accent2"/>
+          </a:effectRef>
+          <a:fontRef idx="minor">
+            <a:schemeClr val="dk1"/>
+          </a:fontRef>
+        </p:style>
+        <p:txBody>
+          <a:bodyPr wrap="square" rtlCol="0">
+            <a:spAutoFit/>
+          </a:bodyPr>
+          <a:lstStyle/>
+          <a:p>
+            <a:r>
+              <a:rPr lang="de-DE" sz="1000" dirty="0" smtClean="0"/>
+              <a:t>Vorbereitung</a:t>
+            </a:r>
+            <a:endParaRPr lang="de-DE" sz="1000" dirty="0"/>
+          </a:p>
+        </p:txBody>
+      </p:sp>
     </p:spTree>
   </p:cSld>
   <p:clrMapOvr>
@@ -12091,6 +15142,75 @@
           <a:noFill/>
         </p:spPr>
       </p:pic>
+      <p:pic>
+        <p:nvPicPr>
+          <p:cNvPr id="16" name="Picture 2" descr="C:\Users\Jan\Downloads\mam_logo_400x49.png"/>
+          <p:cNvPicPr>
+            <a:picLocks noChangeAspect="1" noChangeArrowheads="1"/>
+          </p:cNvPicPr>
+          <p:nvPr/>
+        </p:nvPicPr>
+        <p:blipFill>
+          <a:blip r:embed="rId5" cstate="print"/>
+          <a:srcRect/>
+          <a:stretch>
+            <a:fillRect/>
+          </a:stretch>
+        </p:blipFill>
+        <p:spPr bwMode="auto">
+          <a:xfrm>
+            <a:off x="7427168" y="6647688"/>
+            <a:ext cx="1716832" cy="210312"/>
+          </a:xfrm>
+          <a:prstGeom prst="rect">
+            <a:avLst/>
+          </a:prstGeom>
+          <a:noFill/>
+        </p:spPr>
+      </p:pic>
+      <p:sp>
+        <p:nvSpPr>
+          <p:cNvPr id="20" name="Textfeld 19"/>
+          <p:cNvSpPr txBox="1"/>
+          <p:nvPr/>
+        </p:nvSpPr>
+        <p:spPr>
+          <a:xfrm>
+            <a:off x="5220072" y="6597352"/>
+            <a:ext cx="2016224" cy="246221"/>
+          </a:xfrm>
+          <a:prstGeom prst="rect">
+            <a:avLst/>
+          </a:prstGeom>
+        </p:spPr>
+        <p:style>
+          <a:lnRef idx="2">
+            <a:schemeClr val="accent2"/>
+          </a:lnRef>
+          <a:fillRef idx="1">
+            <a:schemeClr val="lt1"/>
+          </a:fillRef>
+          <a:effectRef idx="0">
+            <a:schemeClr val="accent2"/>
+          </a:effectRef>
+          <a:fontRef idx="minor">
+            <a:schemeClr val="dk1"/>
+          </a:fontRef>
+        </p:style>
+        <p:txBody>
+          <a:bodyPr wrap="square" rtlCol="0">
+            <a:spAutoFit/>
+          </a:bodyPr>
+          <a:lstStyle/>
+          <a:p>
+            <a:r>
+              <a:rPr lang="de-DE" sz="1000" dirty="0" smtClean="0"/>
+              <a:t>Vorbereitung</a:t>
+            </a:r>
+            <a:endParaRPr lang="de-DE" sz="1000" dirty="0"/>
+          </a:p>
+        </p:txBody>
+      </p:sp>
     </p:spTree>
   </p:cSld>
   <p:clrMapOvr>
@@ -12273,6 +15393,75 @@
           <a:noFill/>
         </p:spPr>
       </p:pic>
+      <p:pic>
+        <p:nvPicPr>
+          <p:cNvPr id="6" name="Picture 2" descr="C:\Users\Jan\Downloads\mam_logo_400x49.png"/>
+          <p:cNvPicPr>
+            <a:picLocks noChangeAspect="1" noChangeArrowheads="1"/>
+          </p:cNvPicPr>
+          <p:nvPr/>
+        </p:nvPicPr>
+        <p:blipFill>
+          <a:blip r:embed="rId3" cstate="print"/>
+          <a:srcRect/>
+          <a:stretch>
+            <a:fillRect/>
+          </a:stretch>
+        </p:blipFill>
+        <p:spPr bwMode="auto">
+          <a:xfrm>
+            <a:off x="7427168" y="6647688"/>
+            <a:ext cx="1716832" cy="210312"/>
+          </a:xfrm>
+          <a:prstGeom prst="rect">
+            <a:avLst/>
+          </a:prstGeom>
+          <a:noFill/>
+        </p:spPr>
+      </p:pic>
+      <p:sp>
+        <p:nvSpPr>
+          <p:cNvPr id="8" name="Textfeld 7"/>
+          <p:cNvSpPr txBox="1"/>
+          <p:nvPr/>
+        </p:nvSpPr>
+        <p:spPr>
+          <a:xfrm>
+            <a:off x="5220072" y="6597352"/>
+            <a:ext cx="2016224" cy="246221"/>
+          </a:xfrm>
+          <a:prstGeom prst="rect">
+            <a:avLst/>
+          </a:prstGeom>
+        </p:spPr>
+        <p:style>
+          <a:lnRef idx="2">
+            <a:schemeClr val="accent2"/>
+          </a:lnRef>
+          <a:fillRef idx="1">
+            <a:schemeClr val="lt1"/>
+          </a:fillRef>
+          <a:effectRef idx="0">
+            <a:schemeClr val="accent2"/>
+          </a:effectRef>
+          <a:fontRef idx="minor">
+            <a:schemeClr val="dk1"/>
+          </a:fontRef>
+        </p:style>
+        <p:txBody>
+          <a:bodyPr wrap="square" rtlCol="0">
+            <a:spAutoFit/>
+          </a:bodyPr>
+          <a:lstStyle/>
+          <a:p>
+            <a:r>
+              <a:rPr lang="de-DE" sz="1000" dirty="0" smtClean="0"/>
+              <a:t>Vorbereitung</a:t>
+            </a:r>
+            <a:endParaRPr lang="de-DE" sz="1000" dirty="0"/>
+          </a:p>
+        </p:txBody>
+      </p:sp>
     </p:spTree>
   </p:cSld>
   <p:clrMapOvr>
@@ -12395,6 +15584,75 @@
           <a:noFill/>
         </p:spPr>
       </p:pic>
+      <p:pic>
+        <p:nvPicPr>
+          <p:cNvPr id="6" name="Picture 2" descr="C:\Users\Jan\Downloads\mam_logo_400x49.png"/>
+          <p:cNvPicPr>
+            <a:picLocks noChangeAspect="1" noChangeArrowheads="1"/>
+          </p:cNvPicPr>
+          <p:nvPr/>
+        </p:nvPicPr>
+        <p:blipFill>
+          <a:blip r:embed="rId8" cstate="print"/>
+          <a:srcRect/>
+          <a:stretch>
+            <a:fillRect/>
+          </a:stretch>
+        </p:blipFill>
+        <p:spPr bwMode="auto">
+          <a:xfrm>
+            <a:off x="7427168" y="6647688"/>
+            <a:ext cx="1716832" cy="210312"/>
+          </a:xfrm>
+          <a:prstGeom prst="rect">
+            <a:avLst/>
+          </a:prstGeom>
+          <a:noFill/>
+        </p:spPr>
+      </p:pic>
+      <p:sp>
+        <p:nvSpPr>
+          <p:cNvPr id="7" name="Textfeld 6"/>
+          <p:cNvSpPr txBox="1"/>
+          <p:nvPr/>
+        </p:nvSpPr>
+        <p:spPr>
+          <a:xfrm>
+            <a:off x="5220072" y="6597352"/>
+            <a:ext cx="2016224" cy="246221"/>
+          </a:xfrm>
+          <a:prstGeom prst="rect">
+            <a:avLst/>
+          </a:prstGeom>
+        </p:spPr>
+        <p:style>
+          <a:lnRef idx="2">
+            <a:schemeClr val="accent2"/>
+          </a:lnRef>
+          <a:fillRef idx="1">
+            <a:schemeClr val="lt1"/>
+          </a:fillRef>
+          <a:effectRef idx="0">
+            <a:schemeClr val="accent2"/>
+          </a:effectRef>
+          <a:fontRef idx="minor">
+            <a:schemeClr val="dk1"/>
+          </a:fontRef>
+        </p:style>
+        <p:txBody>
+          <a:bodyPr wrap="square" rtlCol="0">
+            <a:spAutoFit/>
+          </a:bodyPr>
+          <a:lstStyle/>
+          <a:p>
+            <a:r>
+              <a:rPr lang="de-DE" sz="1000" dirty="0" smtClean="0"/>
+              <a:t>Analyse</a:t>
+            </a:r>
+            <a:endParaRPr lang="de-DE" sz="1000" dirty="0"/>
+          </a:p>
+        </p:txBody>
+      </p:sp>
     </p:spTree>
   </p:cSld>
   <p:clrMapOvr>
@@ -12954,6 +16212,75 @@
           <a:noFill/>
         </p:spPr>
       </p:pic>
+      <p:pic>
+        <p:nvPicPr>
+          <p:cNvPr id="6" name="Picture 2" descr="C:\Users\Jan\Downloads\mam_logo_400x49.png"/>
+          <p:cNvPicPr>
+            <a:picLocks noChangeAspect="1" noChangeArrowheads="1"/>
+          </p:cNvPicPr>
+          <p:nvPr/>
+        </p:nvPicPr>
+        <p:blipFill>
+          <a:blip r:embed="rId3" cstate="print"/>
+          <a:srcRect/>
+          <a:stretch>
+            <a:fillRect/>
+          </a:stretch>
+        </p:blipFill>
+        <p:spPr bwMode="auto">
+          <a:xfrm>
+            <a:off x="7427168" y="6647688"/>
+            <a:ext cx="1716832" cy="210312"/>
+          </a:xfrm>
+          <a:prstGeom prst="rect">
+            <a:avLst/>
+          </a:prstGeom>
+          <a:noFill/>
+        </p:spPr>
+      </p:pic>
+      <p:sp>
+        <p:nvSpPr>
+          <p:cNvPr id="7" name="Textfeld 6"/>
+          <p:cNvSpPr txBox="1"/>
+          <p:nvPr/>
+        </p:nvSpPr>
+        <p:spPr>
+          <a:xfrm>
+            <a:off x="5220072" y="6597352"/>
+            <a:ext cx="2016224" cy="246221"/>
+          </a:xfrm>
+          <a:prstGeom prst="rect">
+            <a:avLst/>
+          </a:prstGeom>
+        </p:spPr>
+        <p:style>
+          <a:lnRef idx="2">
+            <a:schemeClr val="accent2"/>
+          </a:lnRef>
+          <a:fillRef idx="1">
+            <a:schemeClr val="lt1"/>
+          </a:fillRef>
+          <a:effectRef idx="0">
+            <a:schemeClr val="accent2"/>
+          </a:effectRef>
+          <a:fontRef idx="minor">
+            <a:schemeClr val="dk1"/>
+          </a:fontRef>
+        </p:style>
+        <p:txBody>
+          <a:bodyPr wrap="square" rtlCol="0">
+            <a:spAutoFit/>
+          </a:bodyPr>
+          <a:lstStyle/>
+          <a:p>
+            <a:r>
+              <a:rPr lang="de-DE" sz="1000" dirty="0" smtClean="0"/>
+              <a:t>Analyse</a:t>
+            </a:r>
+            <a:endParaRPr lang="de-DE" sz="1000" dirty="0"/>
+          </a:p>
+        </p:txBody>
+      </p:sp>
     </p:spTree>
   </p:cSld>
   <p:clrMapOvr>

--- a/praesentation/Projektpräsentation.pptx
+++ b/praesentation/Projektpräsentation.pptx
@@ -3187,7 +3187,7 @@
 <dgm:dataModel xmlns:dgm="http://schemas.openxmlformats.org/drawingml/2006/diagram" xmlns:a="http://schemas.openxmlformats.org/drawingml/2006/main">
   <dgm:ptLst>
     <dgm:pt modelId="{C7C65E86-9E4A-42BC-8419-86F4C9F5EA59}" type="doc">
-      <dgm:prSet loTypeId="urn:microsoft.com/office/officeart/2005/8/layout/vList5" loCatId="list" qsTypeId="urn:microsoft.com/office/officeart/2005/8/quickstyle/3d4" qsCatId="3D" csTypeId="urn:microsoft.com/office/officeart/2005/8/colors/accent1_2" csCatId="accent1"/>
+      <dgm:prSet loTypeId="urn:microsoft.com/office/officeart/2005/8/layout/vList5" loCatId="list" qsTypeId="urn:microsoft.com/office/officeart/2005/8/quickstyle/3d4" qsCatId="3D" csTypeId="urn:microsoft.com/office/officeart/2005/8/colors/accent1_2" csCatId="accent1" phldr="1"/>
       <dgm:spPr/>
       <dgm:t>
         <a:bodyPr/>
@@ -3250,19 +3250,33 @@
         </dgm:presLayoutVars>
       </dgm:prSet>
       <dgm:spPr/>
+      <dgm:t>
+        <a:bodyPr/>
+        <a:lstStyle/>
+        <a:p>
+          <a:endParaRPr lang="de-DE"/>
+        </a:p>
+      </dgm:t>
     </dgm:pt>
     <dgm:pt modelId="{828F288E-1780-4F2C-BB46-C05E3C96ABD1}" type="pres">
       <dgm:prSet presAssocID="{9107B2CB-473D-44C7-AE87-4D9117DB6B67}" presName="linNode" presStyleCnt="0"/>
       <dgm:spPr/>
     </dgm:pt>
     <dgm:pt modelId="{E80B88A0-8754-43D6-BD5A-92859EA93178}" type="pres">
-      <dgm:prSet presAssocID="{9107B2CB-473D-44C7-AE87-4D9117DB6B67}" presName="parentText" presStyleLbl="node1" presStyleIdx="0" presStyleCnt="1">
+      <dgm:prSet presAssocID="{9107B2CB-473D-44C7-AE87-4D9117DB6B67}" presName="parentText" presStyleLbl="node1" presStyleIdx="0" presStyleCnt="1" custScaleX="277778">
         <dgm:presLayoutVars>
           <dgm:chMax val="1"/>
           <dgm:bulletEnabled val="1"/>
         </dgm:presLayoutVars>
       </dgm:prSet>
       <dgm:spPr/>
+      <dgm:t>
+        <a:bodyPr/>
+        <a:lstStyle/>
+        <a:p>
+          <a:endParaRPr lang="de-DE"/>
+        </a:p>
+      </dgm:t>
     </dgm:pt>
   </dgm:ptLst>
   <dgm:cxnLst>
@@ -4217,88 +4231,6 @@
       <dsp:cNvGrpSpPr/>
     </dsp:nvGrpSpPr>
     <dsp:grpSpPr/>
-    <dsp:sp modelId="{E80B88A0-8754-43D6-BD5A-92859EA93178}">
-      <dsp:nvSpPr>
-        <dsp:cNvPr id="0" name=""/>
-        <dsp:cNvSpPr/>
-      </dsp:nvSpPr>
-      <dsp:spPr>
-        <a:xfrm>
-          <a:off x="2609087" y="0"/>
-          <a:ext cx="2935224" cy="4495800"/>
-        </a:xfrm>
-        <a:prstGeom prst="roundRect">
-          <a:avLst/>
-        </a:prstGeom>
-        <a:solidFill>
-          <a:schemeClr val="accent1">
-            <a:hueOff val="0"/>
-            <a:satOff val="0"/>
-            <a:lumOff val="0"/>
-            <a:alphaOff val="0"/>
-          </a:schemeClr>
-        </a:solidFill>
-        <a:ln>
-          <a:noFill/>
-        </a:ln>
-        <a:effectLst/>
-        <a:scene3d>
-          <a:camera prst="orthographicFront"/>
-          <a:lightRig rig="chilly" dir="t"/>
-        </a:scene3d>
-        <a:sp3d prstMaterial="translucentPowder">
-          <a:bevelT w="127000" h="25400" prst="softRound"/>
-        </a:sp3d>
-      </dsp:spPr>
-      <dsp:style>
-        <a:lnRef idx="0">
-          <a:scrgbClr r="0" g="0" b="0"/>
-        </a:lnRef>
-        <a:fillRef idx="1">
-          <a:scrgbClr r="0" g="0" b="0"/>
-        </a:fillRef>
-        <a:effectRef idx="0">
-          <a:scrgbClr r="0" g="0" b="0"/>
-        </a:effectRef>
-        <a:fontRef idx="minor">
-          <a:schemeClr val="lt1"/>
-        </a:fontRef>
-      </dsp:style>
-      <dsp:txBody>
-        <a:bodyPr spcFirstLastPara="0" vert="horz" wrap="square" lIns="99060" tIns="49530" rIns="99060" bIns="49530" numCol="1" spcCol="1270" anchor="ctr" anchorCtr="0">
-          <a:noAutofit/>
-        </a:bodyPr>
-        <a:lstStyle/>
-        <a:p>
-          <a:pPr lvl="0" algn="ctr" defTabSz="1155700" rtl="0">
-            <a:lnSpc>
-              <a:spcPct val="90000"/>
-            </a:lnSpc>
-            <a:spcBef>
-              <a:spcPct val="0"/>
-            </a:spcBef>
-            <a:spcAft>
-              <a:spcPct val="35000"/>
-            </a:spcAft>
-          </a:pPr>
-          <a:r>
-            <a:rPr lang="de-DE" sz="2600" kern="1200" dirty="0" smtClean="0"/>
-            <a:t>Vielen Dank für Ihre Aufmerksamkeit </a:t>
-          </a:r>
-          <a:r>
-            <a:rPr lang="de-DE" sz="2600" kern="1200" dirty="0" smtClean="0">
-              <a:sym typeface="Wingdings"/>
-            </a:rPr>
-            <a:t></a:t>
-          </a:r>
-          <a:endParaRPr lang="de-DE" sz="2600" kern="1200" dirty="0"/>
-        </a:p>
-      </dsp:txBody>
-      <dsp:txXfrm>
-        <a:off x="2609087" y="0"/>
-        <a:ext cx="2935224" cy="4495800"/>
-      </dsp:txXfrm>
-    </dsp:sp>
   </dsp:spTree>
 </dsp:drawing>
 </file>
@@ -12748,7 +12680,7 @@
           <a:p>
             <a:r>
               <a:rPr lang="de-DE" dirty="0" smtClean="0"/>
-              <a:t>Zuordnung eines Controllers zu einem </a:t>
+              <a:t>Zuordnung eines Controllers zu je einem </a:t>
             </a:r>
             <a:r>
               <a:rPr lang="de-DE" dirty="0" err="1" smtClean="0"/>
@@ -12971,15 +12903,7 @@
           <a:p>
             <a:r>
               <a:rPr lang="de-DE" dirty="0" smtClean="0"/>
-              <a:t>Codereview durch </a:t>
-            </a:r>
-            <a:r>
-              <a:rPr lang="de-DE" dirty="0" smtClean="0"/>
-              <a:t>erfahrenen </a:t>
-            </a:r>
-            <a:r>
-              <a:rPr lang="de-DE" dirty="0" smtClean="0"/>
-              <a:t>Dipl. Informatiker</a:t>
+              <a:t>Codereview durch erfahrenen Dipl. Informatiker</a:t>
             </a:r>
             <a:endParaRPr lang="de-DE" dirty="0"/>
           </a:p>
@@ -13193,11 +13117,7 @@
           <a:p>
             <a:r>
               <a:rPr lang="de-DE" dirty="0" smtClean="0"/>
-              <a:t>Konfiguration der </a:t>
-            </a:r>
-            <a:r>
-              <a:rPr lang="de-DE" dirty="0" smtClean="0"/>
-              <a:t>Datenbankverbindung</a:t>
+              <a:t>Konfiguration der Datenbankverbindung</a:t>
             </a:r>
           </a:p>
           <a:p>
@@ -13205,7 +13125,6 @@
               <a:rPr lang="de-DE" dirty="0" smtClean="0"/>
               <a:t>Laden der Testdaten</a:t>
             </a:r>
-            <a:endParaRPr lang="de-DE" dirty="0" smtClean="0"/>
           </a:p>
           <a:p>
             <a:r>
@@ -14199,19 +14118,7 @@
           <a:p>
             <a:r>
               <a:rPr lang="de-DE" dirty="0" smtClean="0"/>
-              <a:t>Gesamtprojekt : </a:t>
-            </a:r>
-            <a:r>
-              <a:rPr lang="de-DE" dirty="0" smtClean="0"/>
-              <a:t>M</a:t>
-            </a:r>
-            <a:r>
-              <a:rPr lang="de-DE" dirty="0" smtClean="0"/>
-              <a:t>obiles Softwaresystem </a:t>
-            </a:r>
-            <a:r>
-              <a:rPr lang="de-DE" dirty="0" smtClean="0"/>
-              <a:t>zur Reservierung von Hotelzimmern</a:t>
+              <a:t>Gesamtprojekt : Mobiles Softwaresystem zur Reservierung von Hotelzimmern</a:t>
             </a:r>
           </a:p>
           <a:p>
@@ -14435,11 +14342,7 @@
           <a:p>
             <a:r>
               <a:rPr lang="de-DE" dirty="0" smtClean="0"/>
-              <a:t>Teilprojekt : </a:t>
-            </a:r>
-            <a:r>
-              <a:rPr lang="de-DE" dirty="0" smtClean="0"/>
-              <a:t>Serverkomponente entwickeln</a:t>
+              <a:t>Teilprojekt : Serverkomponente entwickeln</a:t>
             </a:r>
           </a:p>
           <a:p>
@@ -14456,40 +14359,26 @@
           <a:p>
             <a:r>
               <a:rPr lang="de-DE" dirty="0" smtClean="0"/>
-              <a:t>Gegeben : grafisches Konzept</a:t>
+              <a:t>Grundlage : grafisches Konzept</a:t>
             </a:r>
           </a:p>
           <a:p>
             <a:r>
               <a:rPr lang="de-DE" dirty="0" smtClean="0"/>
-              <a:t>Versorgung </a:t>
-            </a:r>
+              <a:t>Versorgung der Apps mit Daten</a:t>
+            </a:r>
+          </a:p>
+          <a:p>
             <a:r>
               <a:rPr lang="de-DE" dirty="0" smtClean="0"/>
-              <a:t>der Apps mit Daten</a:t>
+              <a:t>Entgegennahme Reservierung</a:t>
             </a:r>
           </a:p>
           <a:p>
             <a:r>
               <a:rPr lang="de-DE" dirty="0" smtClean="0"/>
-              <a:t>Entgegennahme </a:t>
-            </a:r>
-            <a:r>
-              <a:rPr lang="de-DE" dirty="0" smtClean="0"/>
-              <a:t>Reservierung</a:t>
-            </a:r>
-            <a:endParaRPr lang="de-DE" dirty="0" smtClean="0"/>
-          </a:p>
-          <a:p>
-            <a:r>
-              <a:rPr lang="de-DE" dirty="0" smtClean="0"/>
-              <a:t>Ausgehende </a:t>
-            </a:r>
-            <a:r>
-              <a:rPr lang="de-DE" dirty="0" smtClean="0"/>
-              <a:t>Email mit Reservierungsdaten</a:t>
-            </a:r>
-            <a:endParaRPr lang="de-DE" dirty="0" smtClean="0"/>
+              <a:t>Ausgehende Email mit Reservierungsdaten</a:t>
+            </a:r>
           </a:p>
           <a:p>
             <a:r>
@@ -14686,8 +14575,8 @@
         </p:blipFill>
         <p:spPr>
           <a:xfrm>
-            <a:off x="1475656" y="1628799"/>
-            <a:ext cx="6061646" cy="4464497"/>
+            <a:off x="1115616" y="1628799"/>
+            <a:ext cx="6840760" cy="4464497"/>
           </a:xfrm>
         </p:spPr>
       </p:pic>
@@ -15342,13 +15231,8 @@
           <a:p>
             <a:r>
               <a:rPr lang="de-DE" dirty="0" smtClean="0"/>
-              <a:t>PHP als </a:t>
-            </a:r>
-            <a:r>
-              <a:rPr lang="de-DE" dirty="0" smtClean="0"/>
-              <a:t>Grundlage - Skriptsprache</a:t>
-            </a:r>
-            <a:endParaRPr lang="de-DE" dirty="0" smtClean="0"/>
+              <a:t>PHP als Grundlage - Skriptsprache</a:t>
+            </a:r>
           </a:p>
           <a:p>
             <a:r>
@@ -15690,7 +15574,9 @@
         </p:nvSpPr>
         <p:spPr/>
         <p:txBody>
-          <a:bodyPr/>
+          <a:bodyPr>
+            <a:normAutofit/>
+          </a:bodyPr>
           <a:lstStyle/>
           <a:p>
             <a:r>

--- a/praesentation/Projektpräsentation.pptx
+++ b/praesentation/Projektpräsentation.pptx
@@ -14359,8 +14359,13 @@
           <a:p>
             <a:r>
               <a:rPr lang="de-DE" dirty="0" smtClean="0"/>
-              <a:t>Grundlage : grafisches Konzept</a:t>
-            </a:r>
+              <a:t>Grundlage : grafisches </a:t>
+            </a:r>
+            <a:r>
+              <a:rPr lang="de-DE" dirty="0" smtClean="0"/>
+              <a:t>Konzept der Clients</a:t>
+            </a:r>
+            <a:endParaRPr lang="de-DE" dirty="0" smtClean="0"/>
           </a:p>
           <a:p>
             <a:r>
@@ -15187,13 +15192,13 @@
         <p:spPr/>
         <p:txBody>
           <a:bodyPr>
-            <a:normAutofit/>
+            <a:normAutofit lnSpcReduction="10000"/>
           </a:bodyPr>
           <a:lstStyle/>
           <a:p>
             <a:r>
               <a:rPr lang="de-DE" dirty="0" smtClean="0"/>
-              <a:t>Webservice zwischen </a:t>
+              <a:t>Kommunikation zwischen </a:t>
             </a:r>
             <a:r>
               <a:rPr lang="de-DE" dirty="0" err="1" smtClean="0"/>
@@ -15201,8 +15206,17 @@
             </a:r>
             <a:r>
               <a:rPr lang="de-DE" dirty="0" smtClean="0"/>
-              <a:t> und Server</a:t>
-            </a:r>
+              <a:t> </a:t>
+            </a:r>
+            <a:r>
+              <a:rPr lang="de-DE" smtClean="0"/>
+              <a:t>und </a:t>
+            </a:r>
+            <a:r>
+              <a:rPr lang="de-DE" smtClean="0"/>
+              <a:t>Server : Webservice</a:t>
+            </a:r>
+            <a:endParaRPr lang="de-DE" dirty="0" smtClean="0"/>
           </a:p>
           <a:p>
             <a:r>

--- a/praesentation/Projektpräsentation.pptx
+++ b/praesentation/Projektpräsentation.pptx
@@ -14106,14 +14106,35 @@
         <p:spPr/>
         <p:txBody>
           <a:bodyPr>
-            <a:normAutofit fontScale="92500"/>
+            <a:normAutofit fontScale="92500" lnSpcReduction="10000"/>
           </a:bodyPr>
           <a:lstStyle/>
           <a:p>
             <a:r>
               <a:rPr lang="de-DE" dirty="0" smtClean="0"/>
-              <a:t>Unternehmen : mobile-ad-media GmbH</a:t>
-            </a:r>
+              <a:t>Unternehmen : mobile-ad-</a:t>
+            </a:r>
+            <a:r>
+              <a:rPr lang="de-DE" dirty="0" err="1" smtClean="0"/>
+              <a:t>media</a:t>
+            </a:r>
+            <a:r>
+              <a:rPr lang="de-DE" dirty="0" smtClean="0"/>
+              <a:t> </a:t>
+            </a:r>
+            <a:r>
+              <a:rPr lang="de-DE" dirty="0" smtClean="0"/>
+              <a:t>GmbH – Webanwendungen, CMS, native </a:t>
+            </a:r>
+            <a:r>
+              <a:rPr lang="de-DE" dirty="0" err="1" smtClean="0"/>
+              <a:t>Apps</a:t>
+            </a:r>
+            <a:r>
+              <a:rPr lang="de-DE" dirty="0" smtClean="0"/>
+              <a:t> …</a:t>
+            </a:r>
+            <a:endParaRPr lang="de-DE" dirty="0" smtClean="0"/>
           </a:p>
           <a:p>
             <a:r>
@@ -14359,13 +14380,8 @@
           <a:p>
             <a:r>
               <a:rPr lang="de-DE" dirty="0" smtClean="0"/>
-              <a:t>Grundlage : grafisches </a:t>
-            </a:r>
-            <a:r>
-              <a:rPr lang="de-DE" dirty="0" smtClean="0"/>
-              <a:t>Konzept der Clients</a:t>
-            </a:r>
-            <a:endParaRPr lang="de-DE" dirty="0" smtClean="0"/>
+              <a:t>Grundlage : grafisches Konzept der Clients</a:t>
+            </a:r>
           </a:p>
           <a:p>
             <a:r>
@@ -15210,11 +15226,7 @@
             </a:r>
             <a:r>
               <a:rPr lang="de-DE" smtClean="0"/>
-              <a:t>und </a:t>
-            </a:r>
-            <a:r>
-              <a:rPr lang="de-DE" smtClean="0"/>
-              <a:t>Server : Webservice</a:t>
+              <a:t>und Server : Webservice</a:t>
             </a:r>
             <a:endParaRPr lang="de-DE" dirty="0" smtClean="0"/>
           </a:p>

--- a/praesentation/Projektpräsentation.pptx
+++ b/praesentation/Projektpräsentation.pptx
@@ -14120,11 +14120,7 @@
             </a:r>
             <a:r>
               <a:rPr lang="de-DE" dirty="0" smtClean="0"/>
-              <a:t> </a:t>
-            </a:r>
-            <a:r>
-              <a:rPr lang="de-DE" dirty="0" smtClean="0"/>
-              <a:t>GmbH – Webanwendungen, CMS, native </a:t>
+              <a:t> GmbH – Webanwendungen, CMS, native </a:t>
             </a:r>
             <a:r>
               <a:rPr lang="de-DE" dirty="0" err="1" smtClean="0"/>
@@ -14134,7 +14130,6 @@
               <a:rPr lang="de-DE" dirty="0" smtClean="0"/>
               <a:t> …</a:t>
             </a:r>
-            <a:endParaRPr lang="de-DE" dirty="0" smtClean="0"/>
           </a:p>
           <a:p>
             <a:r>
@@ -14363,7 +14358,15 @@
           <a:p>
             <a:r>
               <a:rPr lang="de-DE" dirty="0" smtClean="0"/>
-              <a:t>Teilprojekt : Serverkomponente entwickeln</a:t>
+              <a:t>Teilprojekt : </a:t>
+            </a:r>
+            <a:r>
+              <a:rPr lang="de-DE" dirty="0" smtClean="0"/>
+              <a:t>Die Serverkomponente </a:t>
+            </a:r>
+            <a:r>
+              <a:rPr lang="de-DE" dirty="0" smtClean="0"/>
+              <a:t>entwickeln</a:t>
             </a:r>
           </a:p>
           <a:p>
